--- a/slides/T320_Classificação (Parte IV).pptx
+++ b/slides/T320_Classificação (Parte IV).pptx
@@ -5,14 +5,14 @@
     <p:sldMasterId id="2147483648" r:id="rId1"/>
   </p:sldMasterIdLst>
   <p:notesMasterIdLst>
-    <p:notesMasterId r:id="rId17"/>
+    <p:notesMasterId r:id="rId16"/>
   </p:notesMasterIdLst>
   <p:handoutMasterIdLst>
-    <p:handoutMasterId r:id="rId18"/>
+    <p:handoutMasterId r:id="rId17"/>
   </p:handoutMasterIdLst>
   <p:sldIdLst>
     <p:sldId id="256" r:id="rId2"/>
-    <p:sldId id="314" r:id="rId3"/>
+    <p:sldId id="336" r:id="rId3"/>
     <p:sldId id="325" r:id="rId4"/>
     <p:sldId id="326" r:id="rId5"/>
     <p:sldId id="327" r:id="rId6"/>
@@ -20,12 +20,11 @@
     <p:sldId id="329" r:id="rId8"/>
     <p:sldId id="330" r:id="rId9"/>
     <p:sldId id="331" r:id="rId10"/>
-    <p:sldId id="332" r:id="rId11"/>
-    <p:sldId id="333" r:id="rId12"/>
-    <p:sldId id="334" r:id="rId13"/>
-    <p:sldId id="335" r:id="rId14"/>
-    <p:sldId id="324" r:id="rId15"/>
-    <p:sldId id="306" r:id="rId16"/>
+    <p:sldId id="333" r:id="rId11"/>
+    <p:sldId id="337" r:id="rId12"/>
+    <p:sldId id="332" r:id="rId13"/>
+    <p:sldId id="324" r:id="rId14"/>
+    <p:sldId id="306" r:id="rId15"/>
   </p:sldIdLst>
   <p:sldSz cx="12192000" cy="6858000"/>
   <p:notesSz cx="7315200" cy="9601200"/>
@@ -289,7 +288,7 @@
           <a:p>
             <a:fld id="{144F1436-6906-4D93-B7A2-786C327BFA14}" type="datetimeFigureOut">
               <a:rPr lang="nl-BE" smtClean="0"/>
-              <a:t>30/07/2021</a:t>
+              <a:t>31/07/2021</a:t>
             </a:fld>
             <a:endParaRPr lang="nl-BE"/>
           </a:p>
@@ -454,7 +453,7 @@
           <a:p>
             <a:fld id="{AA8CD09E-2914-4F47-B6C1-51B2C31814C9}" type="datetimeFigureOut">
               <a:rPr lang="pt-BR" smtClean="0"/>
-              <a:t>30/07/2021</a:t>
+              <a:t>31/07/2021</a:t>
             </a:fld>
             <a:endParaRPr lang="pt-BR"/>
           </a:p>
@@ -880,7 +879,7 @@
           <a:p>
             <a:fld id="{6FC8D850-966F-45A6-8DE7-15B891E7D40D}" type="slidenum">
               <a:rPr lang="pt-BR" smtClean="0"/>
-              <a:t>14</a:t>
+              <a:t>13</a:t>
             </a:fld>
             <a:endParaRPr lang="pt-BR"/>
           </a:p>
@@ -1604,7 +1603,7 @@
           <a:p>
             <a:fld id="{F430A2A4-8C14-4B1A-AD48-7B6401078BF7}" type="slidenum">
               <a:rPr lang="pt-BR" smtClean="0"/>
-              <a:t>11</a:t>
+              <a:t>10</a:t>
             </a:fld>
             <a:endParaRPr lang="pt-BR"/>
           </a:p>
@@ -1749,6 +1748,8 @@
               <a:rPr lang="pt-BR" dirty="0" smtClean="0"/>
               <a:t>[2] http://rasbt.github.io/mlxtend/user_guide/classifier/SoftmaxRegression/</a:t>
             </a:r>
+          </a:p>
+          <a:p>
             <a:endParaRPr lang="pt-BR" dirty="0"/>
           </a:p>
         </p:txBody>
@@ -1768,9 +1769,9 @@
           <a:bodyPr/>
           <a:lstStyle/>
           <a:p>
-            <a:fld id="{F430A2A4-8C14-4B1A-AD48-7B6401078BF7}" type="slidenum">
+            <a:fld id="{6FC8D850-966F-45A6-8DE7-15B891E7D40D}" type="slidenum">
               <a:rPr lang="pt-BR" smtClean="0"/>
-              <a:t>12</a:t>
+              <a:t>11</a:t>
             </a:fld>
             <a:endParaRPr lang="pt-BR"/>
           </a:p>
@@ -1779,7 +1780,7 @@
     </p:spTree>
     <p:extLst>
       <p:ext uri="{BB962C8B-B14F-4D97-AF65-F5344CB8AC3E}">
-        <p14:creationId xmlns:p14="http://schemas.microsoft.com/office/powerpoint/2010/main" val="3779946203"/>
+        <p14:creationId xmlns:p14="http://schemas.microsoft.com/office/powerpoint/2010/main" val="420035327"/>
       </p:ext>
     </p:extLst>
   </p:cSld>
@@ -1839,95 +1840,17 @@
             </a:r>
             <a:r>
               <a:rPr lang="pt-BR" dirty="0" smtClean="0"/>
-              <a:t>: MultiClassDigitClassification. ipynb</a:t>
-            </a:r>
-          </a:p>
-          <a:p>
-            <a:endParaRPr lang="pt-BR" dirty="0" smtClean="0"/>
-          </a:p>
-          <a:p>
+              <a:t>:</a:t>
+            </a:r>
+            <a:r>
+              <a:rPr lang="pt-BR" baseline="0" dirty="0" smtClean="0"/>
+              <a:t> </a:t>
+            </a:r>
             <a:r>
               <a:rPr lang="pt-BR" dirty="0" smtClean="0"/>
-              <a:t>A</a:t>
-            </a:r>
-            <a:r>
-              <a:rPr lang="pt-BR" baseline="0" dirty="0" smtClean="0"/>
-              <a:t> classe</a:t>
-            </a:r>
-            <a:r>
-              <a:rPr lang="pt-BR" dirty="0" smtClean="0"/>
-              <a:t> LogisticRegression do ScikitLearn usa</a:t>
-            </a:r>
-            <a:r>
-              <a:rPr lang="pt-BR" baseline="0" dirty="0" smtClean="0"/>
-              <a:t> a abordagem</a:t>
-            </a:r>
-            <a:r>
-              <a:rPr lang="pt-BR" dirty="0" smtClean="0"/>
-              <a:t> um-contra-todos por padrão quando você o treina com conjuntos com mais de duas classes, mas você pode definir o hiperparâmetro </a:t>
-            </a:r>
-            <a:r>
-              <a:rPr lang="pt-BR" b="1" i="1" dirty="0" smtClean="0"/>
-              <a:t>multi_class</a:t>
-            </a:r>
-            <a:r>
-              <a:rPr lang="pt-BR" dirty="0" smtClean="0"/>
-              <a:t> como "</a:t>
-            </a:r>
-            <a:r>
-              <a:rPr lang="pt-BR" b="1" i="1" dirty="0" smtClean="0"/>
-              <a:t>multinomial</a:t>
-            </a:r>
-            <a:r>
-              <a:rPr lang="pt-BR" dirty="0" smtClean="0"/>
-              <a:t>" para alternar para Regressão Softmax. Você também deve especificar um solver que suporte a Regressão Softmax, como por exemplo o solver "lbfgs" (consulte a documentação do Scikit-Learn para obter mais detalhes). A</a:t>
-            </a:r>
-            <a:r>
-              <a:rPr lang="pt-BR" baseline="0" dirty="0" smtClean="0"/>
-              <a:t> classe</a:t>
-            </a:r>
-            <a:r>
-              <a:rPr lang="pt-BR" dirty="0" smtClean="0"/>
-              <a:t> LogisticRegression também aplica a regularização L2 por padrão, que você pode controlar usando o hiperparâmetro </a:t>
-            </a:r>
-            <a:r>
-              <a:rPr lang="pt-BR" b="1" i="1" dirty="0" smtClean="0"/>
-              <a:t>C</a:t>
-            </a:r>
-            <a:r>
-              <a:rPr lang="pt-BR" b="0" i="0" dirty="0" smtClean="0"/>
-              <a:t>.</a:t>
-            </a:r>
-          </a:p>
-          <a:p>
-            <a:endParaRPr lang="pt-BR" b="0" i="0" dirty="0" smtClean="0"/>
-          </a:p>
-          <a:p>
-            <a:r>
-              <a:rPr lang="pt-BR" sz="1200" b="0" i="0" kern="1200" dirty="0" smtClean="0">
-                <a:solidFill>
-                  <a:schemeClr val="tx1"/>
-                </a:solidFill>
-                <a:effectLst/>
-                <a:latin typeface="+mn-lt"/>
-                <a:ea typeface="+mn-ea"/>
-                <a:cs typeface="+mn-cs"/>
-              </a:rPr>
-              <a:t>Limited-memory BFGS (L-BFGS): é um método de segunda ordem, pois utiliza estimativas da matriz Hessiana,</a:t>
-            </a:r>
-            <a:r>
-              <a:rPr lang="pt-BR" sz="1200" b="0" i="0" kern="1200" baseline="0" dirty="0" smtClean="0">
-                <a:solidFill>
-                  <a:schemeClr val="tx1"/>
-                </a:solidFill>
-                <a:effectLst/>
-                <a:latin typeface="+mn-lt"/>
-                <a:ea typeface="+mn-ea"/>
-                <a:cs typeface="+mn-cs"/>
-              </a:rPr>
-              <a:t> ou seja, a derivada parcial de segunda ordem da função de erro, para encontrar os pontos de mínimo da função de erro.</a:t>
-            </a:r>
-            <a:endParaRPr lang="pt-BR" b="0" i="0" dirty="0"/>
+              <a:t>https://colab.research.google.com/github/zz4fap/t320_aprendizado_de_maquina/blob/main/notebooks/classificação/softmax_regressor_with_scikit_learn.ipynb</a:t>
+            </a:r>
+            <a:endParaRPr lang="pt-BR" b="1" dirty="0" smtClean="0"/>
           </a:p>
         </p:txBody>
       </p:sp>
@@ -1946,9 +1869,9 @@
           <a:bodyPr/>
           <a:lstStyle/>
           <a:p>
-            <a:fld id="{F430A2A4-8C14-4B1A-AD48-7B6401078BF7}" type="slidenum">
+            <a:fld id="{6FC8D850-966F-45A6-8DE7-15B891E7D40D}" type="slidenum">
               <a:rPr lang="pt-BR" smtClean="0"/>
-              <a:t>13</a:t>
+              <a:t>12</a:t>
             </a:fld>
             <a:endParaRPr lang="pt-BR"/>
           </a:p>
@@ -1957,7 +1880,7 @@
     </p:spTree>
     <p:extLst>
       <p:ext uri="{BB962C8B-B14F-4D97-AF65-F5344CB8AC3E}">
-        <p14:creationId xmlns:p14="http://schemas.microsoft.com/office/powerpoint/2010/main" val="2155925367"/>
+        <p14:creationId xmlns:p14="http://schemas.microsoft.com/office/powerpoint/2010/main" val="2292789716"/>
       </p:ext>
     </p:extLst>
   </p:cSld>
@@ -1989,7 +1912,7 @@
           <p:cNvPr id="2" name="Título 1">
             <a:extLst>
               <a:ext uri="{FF2B5EF4-FFF2-40B4-BE49-F238E27FC236}">
-                <a16:creationId xmlns:a16="http://schemas.microsoft.com/office/drawing/2014/main" xmlns="" id="{1DB9B4FF-B06E-403C-A326-BDC64D8FF94E}"/>
+                <a16:creationId xmlns="" xmlns:a16="http://schemas.microsoft.com/office/drawing/2014/main" id="{1DB9B4FF-B06E-403C-A326-BDC64D8FF94E}"/>
               </a:ext>
             </a:extLst>
           </p:cNvPr>
@@ -2026,7 +1949,7 @@
           <p:cNvPr id="3" name="Subtítulo 2">
             <a:extLst>
               <a:ext uri="{FF2B5EF4-FFF2-40B4-BE49-F238E27FC236}">
-                <a16:creationId xmlns:a16="http://schemas.microsoft.com/office/drawing/2014/main" xmlns="" id="{247BDFCE-746E-45BF-A319-4733D58D1632}"/>
+                <a16:creationId xmlns="" xmlns:a16="http://schemas.microsoft.com/office/drawing/2014/main" id="{247BDFCE-746E-45BF-A319-4733D58D1632}"/>
               </a:ext>
             </a:extLst>
           </p:cNvPr>
@@ -2096,7 +2019,7 @@
           <p:cNvPr id="4" name="Espaço Reservado para Data 3">
             <a:extLst>
               <a:ext uri="{FF2B5EF4-FFF2-40B4-BE49-F238E27FC236}">
-                <a16:creationId xmlns:a16="http://schemas.microsoft.com/office/drawing/2014/main" xmlns="" id="{9EDE2778-5372-4104-B96D-968184DA8288}"/>
+                <a16:creationId xmlns="" xmlns:a16="http://schemas.microsoft.com/office/drawing/2014/main" id="{9EDE2778-5372-4104-B96D-968184DA8288}"/>
               </a:ext>
             </a:extLst>
           </p:cNvPr>
@@ -2114,7 +2037,7 @@
           <a:p>
             <a:fld id="{63289F7E-B80B-496E-81B4-D396C37C9454}" type="datetimeFigureOut">
               <a:rPr lang="pt-BR" smtClean="0"/>
-              <a:t>30/07/2021</a:t>
+              <a:t>31/07/2021</a:t>
             </a:fld>
             <a:endParaRPr lang="pt-BR"/>
           </a:p>
@@ -2125,7 +2048,7 @@
           <p:cNvPr id="5" name="Espaço Reservado para Rodapé 4">
             <a:extLst>
               <a:ext uri="{FF2B5EF4-FFF2-40B4-BE49-F238E27FC236}">
-                <a16:creationId xmlns:a16="http://schemas.microsoft.com/office/drawing/2014/main" xmlns="" id="{C1DD0F41-C861-4051-988D-3024A37A4B93}"/>
+                <a16:creationId xmlns="" xmlns:a16="http://schemas.microsoft.com/office/drawing/2014/main" id="{C1DD0F41-C861-4051-988D-3024A37A4B93}"/>
               </a:ext>
             </a:extLst>
           </p:cNvPr>
@@ -2150,7 +2073,7 @@
           <p:cNvPr id="6" name="Espaço Reservado para Número de Slide 5">
             <a:extLst>
               <a:ext uri="{FF2B5EF4-FFF2-40B4-BE49-F238E27FC236}">
-                <a16:creationId xmlns:a16="http://schemas.microsoft.com/office/drawing/2014/main" xmlns="" id="{07E5967E-D980-431A-A5DB-3F0C5030A81E}"/>
+                <a16:creationId xmlns="" xmlns:a16="http://schemas.microsoft.com/office/drawing/2014/main" id="{07E5967E-D980-431A-A5DB-3F0C5030A81E}"/>
               </a:ext>
             </a:extLst>
           </p:cNvPr>
@@ -2209,7 +2132,7 @@
           <p:cNvPr id="2" name="Título 1">
             <a:extLst>
               <a:ext uri="{FF2B5EF4-FFF2-40B4-BE49-F238E27FC236}">
-                <a16:creationId xmlns:a16="http://schemas.microsoft.com/office/drawing/2014/main" xmlns="" id="{9036C49F-3E68-4175-81BA-3C3FEE44308A}"/>
+                <a16:creationId xmlns="" xmlns:a16="http://schemas.microsoft.com/office/drawing/2014/main" id="{9036C49F-3E68-4175-81BA-3C3FEE44308A}"/>
               </a:ext>
             </a:extLst>
           </p:cNvPr>
@@ -2237,7 +2160,7 @@
           <p:cNvPr id="3" name="Espaço Reservado para Texto Vertical 2">
             <a:extLst>
               <a:ext uri="{FF2B5EF4-FFF2-40B4-BE49-F238E27FC236}">
-                <a16:creationId xmlns:a16="http://schemas.microsoft.com/office/drawing/2014/main" xmlns="" id="{426FA736-3DD3-4D4E-B57B-BBE1D8F7D424}"/>
+                <a16:creationId xmlns="" xmlns:a16="http://schemas.microsoft.com/office/drawing/2014/main" id="{426FA736-3DD3-4D4E-B57B-BBE1D8F7D424}"/>
               </a:ext>
             </a:extLst>
           </p:cNvPr>
@@ -2294,7 +2217,7 @@
           <p:cNvPr id="4" name="Espaço Reservado para Data 3">
             <a:extLst>
               <a:ext uri="{FF2B5EF4-FFF2-40B4-BE49-F238E27FC236}">
-                <a16:creationId xmlns:a16="http://schemas.microsoft.com/office/drawing/2014/main" xmlns="" id="{99E8855C-D8FD-48F6-B14E-861E0DE4D915}"/>
+                <a16:creationId xmlns="" xmlns:a16="http://schemas.microsoft.com/office/drawing/2014/main" id="{99E8855C-D8FD-48F6-B14E-861E0DE4D915}"/>
               </a:ext>
             </a:extLst>
           </p:cNvPr>
@@ -2312,7 +2235,7 @@
           <a:p>
             <a:fld id="{63289F7E-B80B-496E-81B4-D396C37C9454}" type="datetimeFigureOut">
               <a:rPr lang="pt-BR" smtClean="0"/>
-              <a:t>30/07/2021</a:t>
+              <a:t>31/07/2021</a:t>
             </a:fld>
             <a:endParaRPr lang="pt-BR"/>
           </a:p>
@@ -2323,7 +2246,7 @@
           <p:cNvPr id="5" name="Espaço Reservado para Rodapé 4">
             <a:extLst>
               <a:ext uri="{FF2B5EF4-FFF2-40B4-BE49-F238E27FC236}">
-                <a16:creationId xmlns:a16="http://schemas.microsoft.com/office/drawing/2014/main" xmlns="" id="{97C0BB88-2F21-42A5-ACFF-83DA47F2D340}"/>
+                <a16:creationId xmlns="" xmlns:a16="http://schemas.microsoft.com/office/drawing/2014/main" id="{97C0BB88-2F21-42A5-ACFF-83DA47F2D340}"/>
               </a:ext>
             </a:extLst>
           </p:cNvPr>
@@ -2348,7 +2271,7 @@
           <p:cNvPr id="6" name="Espaço Reservado para Número de Slide 5">
             <a:extLst>
               <a:ext uri="{FF2B5EF4-FFF2-40B4-BE49-F238E27FC236}">
-                <a16:creationId xmlns:a16="http://schemas.microsoft.com/office/drawing/2014/main" xmlns="" id="{6CB462B3-1F22-4C05-B4B8-7A279FB7D5E9}"/>
+                <a16:creationId xmlns="" xmlns:a16="http://schemas.microsoft.com/office/drawing/2014/main" id="{6CB462B3-1F22-4C05-B4B8-7A279FB7D5E9}"/>
               </a:ext>
             </a:extLst>
           </p:cNvPr>
@@ -2407,7 +2330,7 @@
           <p:cNvPr id="2" name="Título Vertical 1">
             <a:extLst>
               <a:ext uri="{FF2B5EF4-FFF2-40B4-BE49-F238E27FC236}">
-                <a16:creationId xmlns:a16="http://schemas.microsoft.com/office/drawing/2014/main" xmlns="" id="{EAEAB728-701C-4207-A9D5-23FF45C60502}"/>
+                <a16:creationId xmlns="" xmlns:a16="http://schemas.microsoft.com/office/drawing/2014/main" id="{EAEAB728-701C-4207-A9D5-23FF45C60502}"/>
               </a:ext>
             </a:extLst>
           </p:cNvPr>
@@ -2440,7 +2363,7 @@
           <p:cNvPr id="3" name="Espaço Reservado para Texto Vertical 2">
             <a:extLst>
               <a:ext uri="{FF2B5EF4-FFF2-40B4-BE49-F238E27FC236}">
-                <a16:creationId xmlns:a16="http://schemas.microsoft.com/office/drawing/2014/main" xmlns="" id="{BA8C8CCF-7823-480A-9A19-0F664DD17E3B}"/>
+                <a16:creationId xmlns="" xmlns:a16="http://schemas.microsoft.com/office/drawing/2014/main" id="{BA8C8CCF-7823-480A-9A19-0F664DD17E3B}"/>
               </a:ext>
             </a:extLst>
           </p:cNvPr>
@@ -2502,7 +2425,7 @@
           <p:cNvPr id="4" name="Espaço Reservado para Data 3">
             <a:extLst>
               <a:ext uri="{FF2B5EF4-FFF2-40B4-BE49-F238E27FC236}">
-                <a16:creationId xmlns:a16="http://schemas.microsoft.com/office/drawing/2014/main" xmlns="" id="{721D5734-7B1F-425D-942F-6EB73344027C}"/>
+                <a16:creationId xmlns="" xmlns:a16="http://schemas.microsoft.com/office/drawing/2014/main" id="{721D5734-7B1F-425D-942F-6EB73344027C}"/>
               </a:ext>
             </a:extLst>
           </p:cNvPr>
@@ -2520,7 +2443,7 @@
           <a:p>
             <a:fld id="{63289F7E-B80B-496E-81B4-D396C37C9454}" type="datetimeFigureOut">
               <a:rPr lang="pt-BR" smtClean="0"/>
-              <a:t>30/07/2021</a:t>
+              <a:t>31/07/2021</a:t>
             </a:fld>
             <a:endParaRPr lang="pt-BR"/>
           </a:p>
@@ -2531,7 +2454,7 @@
           <p:cNvPr id="5" name="Espaço Reservado para Rodapé 4">
             <a:extLst>
               <a:ext uri="{FF2B5EF4-FFF2-40B4-BE49-F238E27FC236}">
-                <a16:creationId xmlns:a16="http://schemas.microsoft.com/office/drawing/2014/main" xmlns="" id="{1E1AAEAC-F08D-45FE-89EC-B1B349A868C9}"/>
+                <a16:creationId xmlns="" xmlns:a16="http://schemas.microsoft.com/office/drawing/2014/main" id="{1E1AAEAC-F08D-45FE-89EC-B1B349A868C9}"/>
               </a:ext>
             </a:extLst>
           </p:cNvPr>
@@ -2556,7 +2479,7 @@
           <p:cNvPr id="6" name="Espaço Reservado para Número de Slide 5">
             <a:extLst>
               <a:ext uri="{FF2B5EF4-FFF2-40B4-BE49-F238E27FC236}">
-                <a16:creationId xmlns:a16="http://schemas.microsoft.com/office/drawing/2014/main" xmlns="" id="{BAA44493-9911-47B2-87A6-C2141A972BC8}"/>
+                <a16:creationId xmlns="" xmlns:a16="http://schemas.microsoft.com/office/drawing/2014/main" id="{BAA44493-9911-47B2-87A6-C2141A972BC8}"/>
               </a:ext>
             </a:extLst>
           </p:cNvPr>
@@ -2615,7 +2538,7 @@
           <p:cNvPr id="2" name="Título 1">
             <a:extLst>
               <a:ext uri="{FF2B5EF4-FFF2-40B4-BE49-F238E27FC236}">
-                <a16:creationId xmlns:a16="http://schemas.microsoft.com/office/drawing/2014/main" xmlns="" id="{71BD44A5-8F21-4626-A01D-48A1C874B1D5}"/>
+                <a16:creationId xmlns="" xmlns:a16="http://schemas.microsoft.com/office/drawing/2014/main" id="{71BD44A5-8F21-4626-A01D-48A1C874B1D5}"/>
               </a:ext>
             </a:extLst>
           </p:cNvPr>
@@ -2643,7 +2566,7 @@
           <p:cNvPr id="3" name="Espaço Reservado para Conteúdo 2">
             <a:extLst>
               <a:ext uri="{FF2B5EF4-FFF2-40B4-BE49-F238E27FC236}">
-                <a16:creationId xmlns:a16="http://schemas.microsoft.com/office/drawing/2014/main" xmlns="" id="{B79E8085-65A9-48AA-951D-71D978BFF4ED}"/>
+                <a16:creationId xmlns="" xmlns:a16="http://schemas.microsoft.com/office/drawing/2014/main" id="{B79E8085-65A9-48AA-951D-71D978BFF4ED}"/>
               </a:ext>
             </a:extLst>
           </p:cNvPr>
@@ -2700,7 +2623,7 @@
           <p:cNvPr id="4" name="Espaço Reservado para Data 3">
             <a:extLst>
               <a:ext uri="{FF2B5EF4-FFF2-40B4-BE49-F238E27FC236}">
-                <a16:creationId xmlns:a16="http://schemas.microsoft.com/office/drawing/2014/main" xmlns="" id="{F05BE1AF-51EA-425D-B188-DE7BD675009F}"/>
+                <a16:creationId xmlns="" xmlns:a16="http://schemas.microsoft.com/office/drawing/2014/main" id="{F05BE1AF-51EA-425D-B188-DE7BD675009F}"/>
               </a:ext>
             </a:extLst>
           </p:cNvPr>
@@ -2718,7 +2641,7 @@
           <a:p>
             <a:fld id="{63289F7E-B80B-496E-81B4-D396C37C9454}" type="datetimeFigureOut">
               <a:rPr lang="pt-BR" smtClean="0"/>
-              <a:t>30/07/2021</a:t>
+              <a:t>31/07/2021</a:t>
             </a:fld>
             <a:endParaRPr lang="pt-BR"/>
           </a:p>
@@ -2729,7 +2652,7 @@
           <p:cNvPr id="5" name="Espaço Reservado para Rodapé 4">
             <a:extLst>
               <a:ext uri="{FF2B5EF4-FFF2-40B4-BE49-F238E27FC236}">
-                <a16:creationId xmlns:a16="http://schemas.microsoft.com/office/drawing/2014/main" xmlns="" id="{121BE632-29CF-4CB9-B365-C9EF38F89BE6}"/>
+                <a16:creationId xmlns="" xmlns:a16="http://schemas.microsoft.com/office/drawing/2014/main" id="{121BE632-29CF-4CB9-B365-C9EF38F89BE6}"/>
               </a:ext>
             </a:extLst>
           </p:cNvPr>
@@ -2754,7 +2677,7 @@
           <p:cNvPr id="6" name="Espaço Reservado para Número de Slide 5">
             <a:extLst>
               <a:ext uri="{FF2B5EF4-FFF2-40B4-BE49-F238E27FC236}">
-                <a16:creationId xmlns:a16="http://schemas.microsoft.com/office/drawing/2014/main" xmlns="" id="{60CF3DD1-9AEC-4A57-B461-4E4DD86FAC18}"/>
+                <a16:creationId xmlns="" xmlns:a16="http://schemas.microsoft.com/office/drawing/2014/main" id="{60CF3DD1-9AEC-4A57-B461-4E4DD86FAC18}"/>
               </a:ext>
             </a:extLst>
           </p:cNvPr>
@@ -2813,7 +2736,7 @@
           <p:cNvPr id="2" name="Título 1">
             <a:extLst>
               <a:ext uri="{FF2B5EF4-FFF2-40B4-BE49-F238E27FC236}">
-                <a16:creationId xmlns:a16="http://schemas.microsoft.com/office/drawing/2014/main" xmlns="" id="{34AB2FF0-A4D7-4E28-991D-FF26140D5988}"/>
+                <a16:creationId xmlns="" xmlns:a16="http://schemas.microsoft.com/office/drawing/2014/main" id="{34AB2FF0-A4D7-4E28-991D-FF26140D5988}"/>
               </a:ext>
             </a:extLst>
           </p:cNvPr>
@@ -2850,7 +2773,7 @@
           <p:cNvPr id="3" name="Espaço Reservado para Texto 2">
             <a:extLst>
               <a:ext uri="{FF2B5EF4-FFF2-40B4-BE49-F238E27FC236}">
-                <a16:creationId xmlns:a16="http://schemas.microsoft.com/office/drawing/2014/main" xmlns="" id="{E2AC45B0-4145-40DB-8E61-105461170604}"/>
+                <a16:creationId xmlns="" xmlns:a16="http://schemas.microsoft.com/office/drawing/2014/main" id="{E2AC45B0-4145-40DB-8E61-105461170604}"/>
               </a:ext>
             </a:extLst>
           </p:cNvPr>
@@ -2975,7 +2898,7 @@
           <p:cNvPr id="4" name="Espaço Reservado para Data 3">
             <a:extLst>
               <a:ext uri="{FF2B5EF4-FFF2-40B4-BE49-F238E27FC236}">
-                <a16:creationId xmlns:a16="http://schemas.microsoft.com/office/drawing/2014/main" xmlns="" id="{50F1D3FB-740A-4EBA-A309-2CE71D12ECFB}"/>
+                <a16:creationId xmlns="" xmlns:a16="http://schemas.microsoft.com/office/drawing/2014/main" id="{50F1D3FB-740A-4EBA-A309-2CE71D12ECFB}"/>
               </a:ext>
             </a:extLst>
           </p:cNvPr>
@@ -2993,7 +2916,7 @@
           <a:p>
             <a:fld id="{63289F7E-B80B-496E-81B4-D396C37C9454}" type="datetimeFigureOut">
               <a:rPr lang="pt-BR" smtClean="0"/>
-              <a:t>30/07/2021</a:t>
+              <a:t>31/07/2021</a:t>
             </a:fld>
             <a:endParaRPr lang="pt-BR"/>
           </a:p>
@@ -3004,7 +2927,7 @@
           <p:cNvPr id="5" name="Espaço Reservado para Rodapé 4">
             <a:extLst>
               <a:ext uri="{FF2B5EF4-FFF2-40B4-BE49-F238E27FC236}">
-                <a16:creationId xmlns:a16="http://schemas.microsoft.com/office/drawing/2014/main" xmlns="" id="{BDCAB18F-8715-4465-A940-F9C193A2ACE9}"/>
+                <a16:creationId xmlns="" xmlns:a16="http://schemas.microsoft.com/office/drawing/2014/main" id="{BDCAB18F-8715-4465-A940-F9C193A2ACE9}"/>
               </a:ext>
             </a:extLst>
           </p:cNvPr>
@@ -3029,7 +2952,7 @@
           <p:cNvPr id="6" name="Espaço Reservado para Número de Slide 5">
             <a:extLst>
               <a:ext uri="{FF2B5EF4-FFF2-40B4-BE49-F238E27FC236}">
-                <a16:creationId xmlns:a16="http://schemas.microsoft.com/office/drawing/2014/main" xmlns="" id="{353466C6-8248-429F-8056-FF040BF509EB}"/>
+                <a16:creationId xmlns="" xmlns:a16="http://schemas.microsoft.com/office/drawing/2014/main" id="{353466C6-8248-429F-8056-FF040BF509EB}"/>
               </a:ext>
             </a:extLst>
           </p:cNvPr>
@@ -3088,7 +3011,7 @@
           <p:cNvPr id="2" name="Título 1">
             <a:extLst>
               <a:ext uri="{FF2B5EF4-FFF2-40B4-BE49-F238E27FC236}">
-                <a16:creationId xmlns:a16="http://schemas.microsoft.com/office/drawing/2014/main" xmlns="" id="{BC7BB9F0-F14B-4A91-B2B7-35BC47FE4DE7}"/>
+                <a16:creationId xmlns="" xmlns:a16="http://schemas.microsoft.com/office/drawing/2014/main" id="{BC7BB9F0-F14B-4A91-B2B7-35BC47FE4DE7}"/>
               </a:ext>
             </a:extLst>
           </p:cNvPr>
@@ -3116,7 +3039,7 @@
           <p:cNvPr id="3" name="Espaço Reservado para Conteúdo 2">
             <a:extLst>
               <a:ext uri="{FF2B5EF4-FFF2-40B4-BE49-F238E27FC236}">
-                <a16:creationId xmlns:a16="http://schemas.microsoft.com/office/drawing/2014/main" xmlns="" id="{EC1FC1C4-73DA-47A6-8496-B0B457F7D39A}"/>
+                <a16:creationId xmlns="" xmlns:a16="http://schemas.microsoft.com/office/drawing/2014/main" id="{EC1FC1C4-73DA-47A6-8496-B0B457F7D39A}"/>
               </a:ext>
             </a:extLst>
           </p:cNvPr>
@@ -3178,7 +3101,7 @@
           <p:cNvPr id="4" name="Espaço Reservado para Conteúdo 3">
             <a:extLst>
               <a:ext uri="{FF2B5EF4-FFF2-40B4-BE49-F238E27FC236}">
-                <a16:creationId xmlns:a16="http://schemas.microsoft.com/office/drawing/2014/main" xmlns="" id="{E92F06A8-A449-4D92-9912-76873E529B38}"/>
+                <a16:creationId xmlns="" xmlns:a16="http://schemas.microsoft.com/office/drawing/2014/main" id="{E92F06A8-A449-4D92-9912-76873E529B38}"/>
               </a:ext>
             </a:extLst>
           </p:cNvPr>
@@ -3240,7 +3163,7 @@
           <p:cNvPr id="5" name="Espaço Reservado para Data 4">
             <a:extLst>
               <a:ext uri="{FF2B5EF4-FFF2-40B4-BE49-F238E27FC236}">
-                <a16:creationId xmlns:a16="http://schemas.microsoft.com/office/drawing/2014/main" xmlns="" id="{938070A4-BC2F-4D55-BD8D-DEAF11BB9EE9}"/>
+                <a16:creationId xmlns="" xmlns:a16="http://schemas.microsoft.com/office/drawing/2014/main" id="{938070A4-BC2F-4D55-BD8D-DEAF11BB9EE9}"/>
               </a:ext>
             </a:extLst>
           </p:cNvPr>
@@ -3258,7 +3181,7 @@
           <a:p>
             <a:fld id="{63289F7E-B80B-496E-81B4-D396C37C9454}" type="datetimeFigureOut">
               <a:rPr lang="pt-BR" smtClean="0"/>
-              <a:t>30/07/2021</a:t>
+              <a:t>31/07/2021</a:t>
             </a:fld>
             <a:endParaRPr lang="pt-BR"/>
           </a:p>
@@ -3269,7 +3192,7 @@
           <p:cNvPr id="6" name="Espaço Reservado para Rodapé 5">
             <a:extLst>
               <a:ext uri="{FF2B5EF4-FFF2-40B4-BE49-F238E27FC236}">
-                <a16:creationId xmlns:a16="http://schemas.microsoft.com/office/drawing/2014/main" xmlns="" id="{45CC2DB8-844A-465F-BA9A-7734C80C7F43}"/>
+                <a16:creationId xmlns="" xmlns:a16="http://schemas.microsoft.com/office/drawing/2014/main" id="{45CC2DB8-844A-465F-BA9A-7734C80C7F43}"/>
               </a:ext>
             </a:extLst>
           </p:cNvPr>
@@ -3294,7 +3217,7 @@
           <p:cNvPr id="7" name="Espaço Reservado para Número de Slide 6">
             <a:extLst>
               <a:ext uri="{FF2B5EF4-FFF2-40B4-BE49-F238E27FC236}">
-                <a16:creationId xmlns:a16="http://schemas.microsoft.com/office/drawing/2014/main" xmlns="" id="{4CC606A8-097B-4040-94E0-CD8C88280D8F}"/>
+                <a16:creationId xmlns="" xmlns:a16="http://schemas.microsoft.com/office/drawing/2014/main" id="{4CC606A8-097B-4040-94E0-CD8C88280D8F}"/>
               </a:ext>
             </a:extLst>
           </p:cNvPr>
@@ -3353,7 +3276,7 @@
           <p:cNvPr id="2" name="Título 1">
             <a:extLst>
               <a:ext uri="{FF2B5EF4-FFF2-40B4-BE49-F238E27FC236}">
-                <a16:creationId xmlns:a16="http://schemas.microsoft.com/office/drawing/2014/main" xmlns="" id="{76D66686-0143-4CB6-8C09-BA326F1E7ACA}"/>
+                <a16:creationId xmlns="" xmlns:a16="http://schemas.microsoft.com/office/drawing/2014/main" id="{76D66686-0143-4CB6-8C09-BA326F1E7ACA}"/>
               </a:ext>
             </a:extLst>
           </p:cNvPr>
@@ -3386,7 +3309,7 @@
           <p:cNvPr id="3" name="Espaço Reservado para Texto 2">
             <a:extLst>
               <a:ext uri="{FF2B5EF4-FFF2-40B4-BE49-F238E27FC236}">
-                <a16:creationId xmlns:a16="http://schemas.microsoft.com/office/drawing/2014/main" xmlns="" id="{0227AB85-F59E-4BCE-B846-4FA0992C2F23}"/>
+                <a16:creationId xmlns="" xmlns:a16="http://schemas.microsoft.com/office/drawing/2014/main" id="{0227AB85-F59E-4BCE-B846-4FA0992C2F23}"/>
               </a:ext>
             </a:extLst>
           </p:cNvPr>
@@ -3457,7 +3380,7 @@
           <p:cNvPr id="4" name="Espaço Reservado para Conteúdo 3">
             <a:extLst>
               <a:ext uri="{FF2B5EF4-FFF2-40B4-BE49-F238E27FC236}">
-                <a16:creationId xmlns:a16="http://schemas.microsoft.com/office/drawing/2014/main" xmlns="" id="{3373456C-7319-4D0A-827D-D29F6B083F5D}"/>
+                <a16:creationId xmlns="" xmlns:a16="http://schemas.microsoft.com/office/drawing/2014/main" id="{3373456C-7319-4D0A-827D-D29F6B083F5D}"/>
               </a:ext>
             </a:extLst>
           </p:cNvPr>
@@ -3519,7 +3442,7 @@
           <p:cNvPr id="5" name="Espaço Reservado para Texto 4">
             <a:extLst>
               <a:ext uri="{FF2B5EF4-FFF2-40B4-BE49-F238E27FC236}">
-                <a16:creationId xmlns:a16="http://schemas.microsoft.com/office/drawing/2014/main" xmlns="" id="{4CD109D0-2E83-4262-8029-A871CEC47406}"/>
+                <a16:creationId xmlns="" xmlns:a16="http://schemas.microsoft.com/office/drawing/2014/main" id="{4CD109D0-2E83-4262-8029-A871CEC47406}"/>
               </a:ext>
             </a:extLst>
           </p:cNvPr>
@@ -3590,7 +3513,7 @@
           <p:cNvPr id="6" name="Espaço Reservado para Conteúdo 5">
             <a:extLst>
               <a:ext uri="{FF2B5EF4-FFF2-40B4-BE49-F238E27FC236}">
-                <a16:creationId xmlns:a16="http://schemas.microsoft.com/office/drawing/2014/main" xmlns="" id="{AD706E3A-CFBB-4A6C-A65F-D0360A9E74FE}"/>
+                <a16:creationId xmlns="" xmlns:a16="http://schemas.microsoft.com/office/drawing/2014/main" id="{AD706E3A-CFBB-4A6C-A65F-D0360A9E74FE}"/>
               </a:ext>
             </a:extLst>
           </p:cNvPr>
@@ -3652,7 +3575,7 @@
           <p:cNvPr id="7" name="Espaço Reservado para Data 6">
             <a:extLst>
               <a:ext uri="{FF2B5EF4-FFF2-40B4-BE49-F238E27FC236}">
-                <a16:creationId xmlns:a16="http://schemas.microsoft.com/office/drawing/2014/main" xmlns="" id="{4172C0E5-5AF0-4805-BB51-443733CD2BD5}"/>
+                <a16:creationId xmlns="" xmlns:a16="http://schemas.microsoft.com/office/drawing/2014/main" id="{4172C0E5-5AF0-4805-BB51-443733CD2BD5}"/>
               </a:ext>
             </a:extLst>
           </p:cNvPr>
@@ -3670,7 +3593,7 @@
           <a:p>
             <a:fld id="{63289F7E-B80B-496E-81B4-D396C37C9454}" type="datetimeFigureOut">
               <a:rPr lang="pt-BR" smtClean="0"/>
-              <a:t>30/07/2021</a:t>
+              <a:t>31/07/2021</a:t>
             </a:fld>
             <a:endParaRPr lang="pt-BR"/>
           </a:p>
@@ -3681,7 +3604,7 @@
           <p:cNvPr id="8" name="Espaço Reservado para Rodapé 7">
             <a:extLst>
               <a:ext uri="{FF2B5EF4-FFF2-40B4-BE49-F238E27FC236}">
-                <a16:creationId xmlns:a16="http://schemas.microsoft.com/office/drawing/2014/main" xmlns="" id="{0E801648-156F-497E-99CF-797DF48051E1}"/>
+                <a16:creationId xmlns="" xmlns:a16="http://schemas.microsoft.com/office/drawing/2014/main" id="{0E801648-156F-497E-99CF-797DF48051E1}"/>
               </a:ext>
             </a:extLst>
           </p:cNvPr>
@@ -3706,7 +3629,7 @@
           <p:cNvPr id="9" name="Espaço Reservado para Número de Slide 8">
             <a:extLst>
               <a:ext uri="{FF2B5EF4-FFF2-40B4-BE49-F238E27FC236}">
-                <a16:creationId xmlns:a16="http://schemas.microsoft.com/office/drawing/2014/main" xmlns="" id="{EEE23D32-80E7-4796-A137-66BF842E4B53}"/>
+                <a16:creationId xmlns="" xmlns:a16="http://schemas.microsoft.com/office/drawing/2014/main" id="{EEE23D32-80E7-4796-A137-66BF842E4B53}"/>
               </a:ext>
             </a:extLst>
           </p:cNvPr>
@@ -3765,7 +3688,7 @@
           <p:cNvPr id="2" name="Título 1">
             <a:extLst>
               <a:ext uri="{FF2B5EF4-FFF2-40B4-BE49-F238E27FC236}">
-                <a16:creationId xmlns:a16="http://schemas.microsoft.com/office/drawing/2014/main" xmlns="" id="{2BCE2379-C78F-47E1-8CFC-B846E7AF148D}"/>
+                <a16:creationId xmlns="" xmlns:a16="http://schemas.microsoft.com/office/drawing/2014/main" id="{2BCE2379-C78F-47E1-8CFC-B846E7AF148D}"/>
               </a:ext>
             </a:extLst>
           </p:cNvPr>
@@ -3793,7 +3716,7 @@
           <p:cNvPr id="3" name="Espaço Reservado para Data 2">
             <a:extLst>
               <a:ext uri="{FF2B5EF4-FFF2-40B4-BE49-F238E27FC236}">
-                <a16:creationId xmlns:a16="http://schemas.microsoft.com/office/drawing/2014/main" xmlns="" id="{342600A9-7F92-4E22-9D94-E4717252A817}"/>
+                <a16:creationId xmlns="" xmlns:a16="http://schemas.microsoft.com/office/drawing/2014/main" id="{342600A9-7F92-4E22-9D94-E4717252A817}"/>
               </a:ext>
             </a:extLst>
           </p:cNvPr>
@@ -3811,7 +3734,7 @@
           <a:p>
             <a:fld id="{63289F7E-B80B-496E-81B4-D396C37C9454}" type="datetimeFigureOut">
               <a:rPr lang="pt-BR" smtClean="0"/>
-              <a:t>30/07/2021</a:t>
+              <a:t>31/07/2021</a:t>
             </a:fld>
             <a:endParaRPr lang="pt-BR"/>
           </a:p>
@@ -3822,7 +3745,7 @@
           <p:cNvPr id="4" name="Espaço Reservado para Rodapé 3">
             <a:extLst>
               <a:ext uri="{FF2B5EF4-FFF2-40B4-BE49-F238E27FC236}">
-                <a16:creationId xmlns:a16="http://schemas.microsoft.com/office/drawing/2014/main" xmlns="" id="{192E6BED-F546-40CC-A2DF-99CBA853654E}"/>
+                <a16:creationId xmlns="" xmlns:a16="http://schemas.microsoft.com/office/drawing/2014/main" id="{192E6BED-F546-40CC-A2DF-99CBA853654E}"/>
               </a:ext>
             </a:extLst>
           </p:cNvPr>
@@ -3847,7 +3770,7 @@
           <p:cNvPr id="5" name="Espaço Reservado para Número de Slide 4">
             <a:extLst>
               <a:ext uri="{FF2B5EF4-FFF2-40B4-BE49-F238E27FC236}">
-                <a16:creationId xmlns:a16="http://schemas.microsoft.com/office/drawing/2014/main" xmlns="" id="{6091CC40-A8C4-4063-80EB-CC5099621678}"/>
+                <a16:creationId xmlns="" xmlns:a16="http://schemas.microsoft.com/office/drawing/2014/main" id="{6091CC40-A8C4-4063-80EB-CC5099621678}"/>
               </a:ext>
             </a:extLst>
           </p:cNvPr>
@@ -3906,7 +3829,7 @@
           <p:cNvPr id="2" name="Espaço Reservado para Data 1">
             <a:extLst>
               <a:ext uri="{FF2B5EF4-FFF2-40B4-BE49-F238E27FC236}">
-                <a16:creationId xmlns:a16="http://schemas.microsoft.com/office/drawing/2014/main" xmlns="" id="{DD19515C-212C-4EAE-84A3-8FF4BC844F1B}"/>
+                <a16:creationId xmlns="" xmlns:a16="http://schemas.microsoft.com/office/drawing/2014/main" id="{DD19515C-212C-4EAE-84A3-8FF4BC844F1B}"/>
               </a:ext>
             </a:extLst>
           </p:cNvPr>
@@ -3924,7 +3847,7 @@
           <a:p>
             <a:fld id="{63289F7E-B80B-496E-81B4-D396C37C9454}" type="datetimeFigureOut">
               <a:rPr lang="pt-BR" smtClean="0"/>
-              <a:t>30/07/2021</a:t>
+              <a:t>31/07/2021</a:t>
             </a:fld>
             <a:endParaRPr lang="pt-BR"/>
           </a:p>
@@ -3935,7 +3858,7 @@
           <p:cNvPr id="3" name="Espaço Reservado para Rodapé 2">
             <a:extLst>
               <a:ext uri="{FF2B5EF4-FFF2-40B4-BE49-F238E27FC236}">
-                <a16:creationId xmlns:a16="http://schemas.microsoft.com/office/drawing/2014/main" xmlns="" id="{94D3D120-B3E8-4C96-861D-7A4F12F49B3A}"/>
+                <a16:creationId xmlns="" xmlns:a16="http://schemas.microsoft.com/office/drawing/2014/main" id="{94D3D120-B3E8-4C96-861D-7A4F12F49B3A}"/>
               </a:ext>
             </a:extLst>
           </p:cNvPr>
@@ -3960,7 +3883,7 @@
           <p:cNvPr id="4" name="Espaço Reservado para Número de Slide 3">
             <a:extLst>
               <a:ext uri="{FF2B5EF4-FFF2-40B4-BE49-F238E27FC236}">
-                <a16:creationId xmlns:a16="http://schemas.microsoft.com/office/drawing/2014/main" xmlns="" id="{42E49B68-FA1B-468B-9F17-D5C09243D454}"/>
+                <a16:creationId xmlns="" xmlns:a16="http://schemas.microsoft.com/office/drawing/2014/main" id="{42E49B68-FA1B-468B-9F17-D5C09243D454}"/>
               </a:ext>
             </a:extLst>
           </p:cNvPr>
@@ -4019,7 +3942,7 @@
           <p:cNvPr id="2" name="Título 1">
             <a:extLst>
               <a:ext uri="{FF2B5EF4-FFF2-40B4-BE49-F238E27FC236}">
-                <a16:creationId xmlns:a16="http://schemas.microsoft.com/office/drawing/2014/main" xmlns="" id="{1C17BCBE-A897-4319-85EC-D87909C24980}"/>
+                <a16:creationId xmlns="" xmlns:a16="http://schemas.microsoft.com/office/drawing/2014/main" id="{1C17BCBE-A897-4319-85EC-D87909C24980}"/>
               </a:ext>
             </a:extLst>
           </p:cNvPr>
@@ -4056,7 +3979,7 @@
           <p:cNvPr id="3" name="Espaço Reservado para Conteúdo 2">
             <a:extLst>
               <a:ext uri="{FF2B5EF4-FFF2-40B4-BE49-F238E27FC236}">
-                <a16:creationId xmlns:a16="http://schemas.microsoft.com/office/drawing/2014/main" xmlns="" id="{4226F885-0204-4913-868B-4B8B82576F17}"/>
+                <a16:creationId xmlns="" xmlns:a16="http://schemas.microsoft.com/office/drawing/2014/main" id="{4226F885-0204-4913-868B-4B8B82576F17}"/>
               </a:ext>
             </a:extLst>
           </p:cNvPr>
@@ -4146,7 +4069,7 @@
           <p:cNvPr id="4" name="Espaço Reservado para Texto 3">
             <a:extLst>
               <a:ext uri="{FF2B5EF4-FFF2-40B4-BE49-F238E27FC236}">
-                <a16:creationId xmlns:a16="http://schemas.microsoft.com/office/drawing/2014/main" xmlns="" id="{00F9F784-A858-441B-8AB5-697098141751}"/>
+                <a16:creationId xmlns="" xmlns:a16="http://schemas.microsoft.com/office/drawing/2014/main" id="{00F9F784-A858-441B-8AB5-697098141751}"/>
               </a:ext>
             </a:extLst>
           </p:cNvPr>
@@ -4217,7 +4140,7 @@
           <p:cNvPr id="5" name="Espaço Reservado para Data 4">
             <a:extLst>
               <a:ext uri="{FF2B5EF4-FFF2-40B4-BE49-F238E27FC236}">
-                <a16:creationId xmlns:a16="http://schemas.microsoft.com/office/drawing/2014/main" xmlns="" id="{A4DC363A-5000-472E-8B17-02E7DCB8840A}"/>
+                <a16:creationId xmlns="" xmlns:a16="http://schemas.microsoft.com/office/drawing/2014/main" id="{A4DC363A-5000-472E-8B17-02E7DCB8840A}"/>
               </a:ext>
             </a:extLst>
           </p:cNvPr>
@@ -4235,7 +4158,7 @@
           <a:p>
             <a:fld id="{63289F7E-B80B-496E-81B4-D396C37C9454}" type="datetimeFigureOut">
               <a:rPr lang="pt-BR" smtClean="0"/>
-              <a:t>30/07/2021</a:t>
+              <a:t>31/07/2021</a:t>
             </a:fld>
             <a:endParaRPr lang="pt-BR"/>
           </a:p>
@@ -4246,7 +4169,7 @@
           <p:cNvPr id="6" name="Espaço Reservado para Rodapé 5">
             <a:extLst>
               <a:ext uri="{FF2B5EF4-FFF2-40B4-BE49-F238E27FC236}">
-                <a16:creationId xmlns:a16="http://schemas.microsoft.com/office/drawing/2014/main" xmlns="" id="{5548425D-2C21-4C56-BAD4-662978775C28}"/>
+                <a16:creationId xmlns="" xmlns:a16="http://schemas.microsoft.com/office/drawing/2014/main" id="{5548425D-2C21-4C56-BAD4-662978775C28}"/>
               </a:ext>
             </a:extLst>
           </p:cNvPr>
@@ -4271,7 +4194,7 @@
           <p:cNvPr id="7" name="Espaço Reservado para Número de Slide 6">
             <a:extLst>
               <a:ext uri="{FF2B5EF4-FFF2-40B4-BE49-F238E27FC236}">
-                <a16:creationId xmlns:a16="http://schemas.microsoft.com/office/drawing/2014/main" xmlns="" id="{C63E9726-E64C-42B2-AE8A-8C235A956B48}"/>
+                <a16:creationId xmlns="" xmlns:a16="http://schemas.microsoft.com/office/drawing/2014/main" id="{C63E9726-E64C-42B2-AE8A-8C235A956B48}"/>
               </a:ext>
             </a:extLst>
           </p:cNvPr>
@@ -4330,7 +4253,7 @@
           <p:cNvPr id="2" name="Título 1">
             <a:extLst>
               <a:ext uri="{FF2B5EF4-FFF2-40B4-BE49-F238E27FC236}">
-                <a16:creationId xmlns:a16="http://schemas.microsoft.com/office/drawing/2014/main" xmlns="" id="{11086A78-3E74-450C-96A6-CA8AC37AF772}"/>
+                <a16:creationId xmlns="" xmlns:a16="http://schemas.microsoft.com/office/drawing/2014/main" id="{11086A78-3E74-450C-96A6-CA8AC37AF772}"/>
               </a:ext>
             </a:extLst>
           </p:cNvPr>
@@ -4367,7 +4290,7 @@
           <p:cNvPr id="3" name="Espaço Reservado para Imagem 2">
             <a:extLst>
               <a:ext uri="{FF2B5EF4-FFF2-40B4-BE49-F238E27FC236}">
-                <a16:creationId xmlns:a16="http://schemas.microsoft.com/office/drawing/2014/main" xmlns="" id="{5F5B7312-975A-4DBC-9B2F-3652ADA006FD}"/>
+                <a16:creationId xmlns="" xmlns:a16="http://schemas.microsoft.com/office/drawing/2014/main" id="{5F5B7312-975A-4DBC-9B2F-3652ADA006FD}"/>
               </a:ext>
             </a:extLst>
           </p:cNvPr>
@@ -4434,7 +4357,7 @@
           <p:cNvPr id="4" name="Espaço Reservado para Texto 3">
             <a:extLst>
               <a:ext uri="{FF2B5EF4-FFF2-40B4-BE49-F238E27FC236}">
-                <a16:creationId xmlns:a16="http://schemas.microsoft.com/office/drawing/2014/main" xmlns="" id="{AAF805F5-1DFF-41C6-944C-7D79FE0D0963}"/>
+                <a16:creationId xmlns="" xmlns:a16="http://schemas.microsoft.com/office/drawing/2014/main" id="{AAF805F5-1DFF-41C6-944C-7D79FE0D0963}"/>
               </a:ext>
             </a:extLst>
           </p:cNvPr>
@@ -4505,7 +4428,7 @@
           <p:cNvPr id="5" name="Espaço Reservado para Data 4">
             <a:extLst>
               <a:ext uri="{FF2B5EF4-FFF2-40B4-BE49-F238E27FC236}">
-                <a16:creationId xmlns:a16="http://schemas.microsoft.com/office/drawing/2014/main" xmlns="" id="{02113D81-8665-4516-BD81-C6A1F254EECD}"/>
+                <a16:creationId xmlns="" xmlns:a16="http://schemas.microsoft.com/office/drawing/2014/main" id="{02113D81-8665-4516-BD81-C6A1F254EECD}"/>
               </a:ext>
             </a:extLst>
           </p:cNvPr>
@@ -4523,7 +4446,7 @@
           <a:p>
             <a:fld id="{63289F7E-B80B-496E-81B4-D396C37C9454}" type="datetimeFigureOut">
               <a:rPr lang="pt-BR" smtClean="0"/>
-              <a:t>30/07/2021</a:t>
+              <a:t>31/07/2021</a:t>
             </a:fld>
             <a:endParaRPr lang="pt-BR"/>
           </a:p>
@@ -4534,7 +4457,7 @@
           <p:cNvPr id="6" name="Espaço Reservado para Rodapé 5">
             <a:extLst>
               <a:ext uri="{FF2B5EF4-FFF2-40B4-BE49-F238E27FC236}">
-                <a16:creationId xmlns:a16="http://schemas.microsoft.com/office/drawing/2014/main" xmlns="" id="{2B00C88B-FF32-40AA-A187-727D96FD7862}"/>
+                <a16:creationId xmlns="" xmlns:a16="http://schemas.microsoft.com/office/drawing/2014/main" id="{2B00C88B-FF32-40AA-A187-727D96FD7862}"/>
               </a:ext>
             </a:extLst>
           </p:cNvPr>
@@ -4559,7 +4482,7 @@
           <p:cNvPr id="7" name="Espaço Reservado para Número de Slide 6">
             <a:extLst>
               <a:ext uri="{FF2B5EF4-FFF2-40B4-BE49-F238E27FC236}">
-                <a16:creationId xmlns:a16="http://schemas.microsoft.com/office/drawing/2014/main" xmlns="" id="{A04D1A2D-69F7-4B8F-A730-BC26DC340BA6}"/>
+                <a16:creationId xmlns="" xmlns:a16="http://schemas.microsoft.com/office/drawing/2014/main" id="{A04D1A2D-69F7-4B8F-A730-BC26DC340BA6}"/>
               </a:ext>
             </a:extLst>
           </p:cNvPr>
@@ -4623,7 +4546,7 @@
           <p:cNvPr id="2" name="Espaço Reservado para Título 1">
             <a:extLst>
               <a:ext uri="{FF2B5EF4-FFF2-40B4-BE49-F238E27FC236}">
-                <a16:creationId xmlns:a16="http://schemas.microsoft.com/office/drawing/2014/main" xmlns="" id="{E69A0273-1966-4A1B-9370-4C1CE5036371}"/>
+                <a16:creationId xmlns="" xmlns:a16="http://schemas.microsoft.com/office/drawing/2014/main" id="{E69A0273-1966-4A1B-9370-4C1CE5036371}"/>
               </a:ext>
             </a:extLst>
           </p:cNvPr>
@@ -4661,7 +4584,7 @@
           <p:cNvPr id="3" name="Espaço Reservado para Texto 2">
             <a:extLst>
               <a:ext uri="{FF2B5EF4-FFF2-40B4-BE49-F238E27FC236}">
-                <a16:creationId xmlns:a16="http://schemas.microsoft.com/office/drawing/2014/main" xmlns="" id="{3B9CF87A-0448-49A7-AB25-EBC1D56A40EF}"/>
+                <a16:creationId xmlns="" xmlns:a16="http://schemas.microsoft.com/office/drawing/2014/main" id="{3B9CF87A-0448-49A7-AB25-EBC1D56A40EF}"/>
               </a:ext>
             </a:extLst>
           </p:cNvPr>
@@ -4728,7 +4651,7 @@
           <p:cNvPr id="4" name="Espaço Reservado para Data 3">
             <a:extLst>
               <a:ext uri="{FF2B5EF4-FFF2-40B4-BE49-F238E27FC236}">
-                <a16:creationId xmlns:a16="http://schemas.microsoft.com/office/drawing/2014/main" xmlns="" id="{2EF7B1F2-BB5A-44D0-816D-16AD2C71430E}"/>
+                <a16:creationId xmlns="" xmlns:a16="http://schemas.microsoft.com/office/drawing/2014/main" id="{2EF7B1F2-BB5A-44D0-816D-16AD2C71430E}"/>
               </a:ext>
             </a:extLst>
           </p:cNvPr>
@@ -4764,7 +4687,7 @@
           <a:p>
             <a:fld id="{63289F7E-B80B-496E-81B4-D396C37C9454}" type="datetimeFigureOut">
               <a:rPr lang="pt-BR" smtClean="0"/>
-              <a:t>30/07/2021</a:t>
+              <a:t>31/07/2021</a:t>
             </a:fld>
             <a:endParaRPr lang="pt-BR"/>
           </a:p>
@@ -4775,7 +4698,7 @@
           <p:cNvPr id="5" name="Espaço Reservado para Rodapé 4">
             <a:extLst>
               <a:ext uri="{FF2B5EF4-FFF2-40B4-BE49-F238E27FC236}">
-                <a16:creationId xmlns:a16="http://schemas.microsoft.com/office/drawing/2014/main" xmlns="" id="{C703F94C-2CC8-4DAA-BC35-14FC3E841DCD}"/>
+                <a16:creationId xmlns="" xmlns:a16="http://schemas.microsoft.com/office/drawing/2014/main" id="{C703F94C-2CC8-4DAA-BC35-14FC3E841DCD}"/>
               </a:ext>
             </a:extLst>
           </p:cNvPr>
@@ -4818,7 +4741,7 @@
           <p:cNvPr id="6" name="Espaço Reservado para Número de Slide 5">
             <a:extLst>
               <a:ext uri="{FF2B5EF4-FFF2-40B4-BE49-F238E27FC236}">
-                <a16:creationId xmlns:a16="http://schemas.microsoft.com/office/drawing/2014/main" xmlns="" id="{64051336-7048-457A-8B61-D94291D71648}"/>
+                <a16:creationId xmlns="" xmlns:a16="http://schemas.microsoft.com/office/drawing/2014/main" id="{64051336-7048-457A-8B61-D94291D71648}"/>
               </a:ext>
             </a:extLst>
           </p:cNvPr>
@@ -5186,7 +5109,7 @@
           <p:cNvPr id="2" name="Título 1">
             <a:extLst>
               <a:ext uri="{FF2B5EF4-FFF2-40B4-BE49-F238E27FC236}">
-                <a16:creationId xmlns:a16="http://schemas.microsoft.com/office/drawing/2014/main" xmlns="" id="{32666AC8-2E17-4DB4-B0F5-60C640CCFD2E}"/>
+                <a16:creationId xmlns="" xmlns:a16="http://schemas.microsoft.com/office/drawing/2014/main" id="{32666AC8-2E17-4DB4-B0F5-60C640CCFD2E}"/>
               </a:ext>
             </a:extLst>
           </p:cNvPr>
@@ -5233,7 +5156,7 @@
           <p:cNvPr id="4" name="CaixaDeTexto 3">
             <a:extLst>
               <a:ext uri="{FF2B5EF4-FFF2-40B4-BE49-F238E27FC236}">
-                <a16:creationId xmlns:a16="http://schemas.microsoft.com/office/drawing/2014/main" xmlns="" id="{430EB894-B7D4-434C-9D1A-A14094D9BEEC}"/>
+                <a16:creationId xmlns="" xmlns:a16="http://schemas.microsoft.com/office/drawing/2014/main" id="{430EB894-B7D4-434C-9D1A-A14094D9BEEC}"/>
               </a:ext>
             </a:extLst>
           </p:cNvPr>
@@ -5274,7 +5197,7 @@
           <p:cNvPr id="1026" name="Picture 2" descr="Logo">
             <a:extLst>
               <a:ext uri="{FF2B5EF4-FFF2-40B4-BE49-F238E27FC236}">
-                <a16:creationId xmlns:a16="http://schemas.microsoft.com/office/drawing/2014/main" xmlns="" id="{3F2642E0-4F6A-4196-8F58-E77D36E9A33F}"/>
+                <a16:creationId xmlns="" xmlns:a16="http://schemas.microsoft.com/office/drawing/2014/main" id="{3F2642E0-4F6A-4196-8F58-E77D36E9A33F}"/>
               </a:ext>
             </a:extLst>
           </p:cNvPr>
@@ -5319,7 +5242,7 @@
           <p:cNvPr id="5122" name="Picture 2" descr="Image result for machine learning">
             <a:extLst>
               <a:ext uri="{FF2B5EF4-FFF2-40B4-BE49-F238E27FC236}">
-                <a16:creationId xmlns:a16="http://schemas.microsoft.com/office/drawing/2014/main" xmlns="" id="{810CE0A2-4102-44A6-A370-175E7896CDCB}"/>
+                <a16:creationId xmlns="" xmlns:a16="http://schemas.microsoft.com/office/drawing/2014/main" id="{810CE0A2-4102-44A6-A370-175E7896CDCB}"/>
               </a:ext>
             </a:extLst>
           </p:cNvPr>
@@ -5401,8 +5324,8 @@
         </p:nvSpPr>
         <p:spPr>
           <a:xfrm>
-            <a:off x="838200" y="252831"/>
-            <a:ext cx="10515600" cy="886159"/>
+            <a:off x="838200" y="201350"/>
+            <a:ext cx="10515600" cy="945060"/>
           </a:xfrm>
         </p:spPr>
         <p:txBody>
@@ -5416,564 +5339,8 @@
           </a:p>
         </p:txBody>
       </p:sp>
-      <p:pic>
-        <p:nvPicPr>
-          <p:cNvPr id="7" name="Picture 6"/>
-          <p:cNvPicPr>
-            <a:picLocks noChangeAspect="1"/>
-          </p:cNvPicPr>
-          <p:nvPr/>
-        </p:nvPicPr>
-        <p:blipFill>
-          <a:blip r:embed="rId2" cstate="print">
-            <a:extLst>
-              <a:ext uri="{28A0092B-C50C-407E-A947-70E740481C1C}">
-                <a14:useLocalDpi xmlns:a14="http://schemas.microsoft.com/office/drawing/2010/main" val="0"/>
-              </a:ext>
-            </a:extLst>
-          </a:blip>
-          <a:stretch>
-            <a:fillRect/>
-          </a:stretch>
-        </p:blipFill>
-        <p:spPr>
-          <a:xfrm>
-            <a:off x="3353105" y="3978442"/>
-            <a:ext cx="6376432" cy="2783305"/>
-          </a:xfrm>
-          <a:prstGeom prst="rect">
-            <a:avLst/>
-          </a:prstGeom>
-        </p:spPr>
-      </p:pic>
-      <mc:AlternateContent xmlns:mc="http://schemas.openxmlformats.org/markup-compatibility/2006" xmlns:a14="http://schemas.microsoft.com/office/drawing/2010/main">
-        <mc:Choice Requires="a14">
-          <p:sp>
-            <p:nvSpPr>
-              <p:cNvPr id="8" name="Content Placeholder 2"/>
-              <p:cNvSpPr>
-                <a:spLocks noGrp="1"/>
-              </p:cNvSpPr>
-              <p:nvPr>
-                <p:ph idx="1"/>
-              </p:nvPr>
-            </p:nvSpPr>
-            <p:spPr>
-              <a:xfrm>
-                <a:off x="838199" y="1395663"/>
-                <a:ext cx="11209421" cy="3007944"/>
-              </a:xfrm>
-            </p:spPr>
-            <p:txBody>
-              <a:bodyPr>
-                <a:normAutofit lnSpcReduction="10000"/>
-              </a:bodyPr>
-              <a:lstStyle/>
-              <a:p>
-                <a:r>
-                  <a:rPr lang="pt-BR" dirty="0"/>
-                  <a:t>Para cada novo exemplo de entrada, </a:t>
-                </a:r>
-                <a14:m>
-                  <m:oMath xmlns:m="http://schemas.openxmlformats.org/officeDocument/2006/math">
-                    <m:r>
-                      <a:rPr lang="pt-BR" b="1" i="1">
-                        <a:latin typeface="Cambria Math" panose="02040503050406030204" pitchFamily="18" charset="0"/>
-                      </a:rPr>
-                      <m:t>𝒙</m:t>
-                    </m:r>
-                  </m:oMath>
-                </a14:m>
-                <a:r>
-                  <a:rPr lang="pt-BR" dirty="0"/>
-                  <a:t>, realiza-se as predições e escolhe-se a classe que maximize</a:t>
-                </a:r>
-              </a:p>
-              <a:p>
-                <a:pPr marL="0" indent="0" algn="ctr">
-                  <a:buNone/>
-                </a:pPr>
-                <a14:m>
-                  <m:oMath xmlns:m="http://schemas.openxmlformats.org/officeDocument/2006/math">
-                    <m:sSub>
-                      <m:sSubPr>
-                        <m:ctrlPr>
-                          <a:rPr lang="pt-BR" i="1">
-                            <a:latin typeface="Cambria Math" panose="02040503050406030204" pitchFamily="18" charset="0"/>
-                          </a:rPr>
-                        </m:ctrlPr>
-                      </m:sSubPr>
-                      <m:e>
-                        <m:r>
-                          <a:rPr lang="pt-BR" i="1">
-                            <a:latin typeface="Cambria Math" panose="02040503050406030204" pitchFamily="18" charset="0"/>
-                          </a:rPr>
-                          <m:t>𝐶</m:t>
-                        </m:r>
-                      </m:e>
-                      <m:sub>
-                        <m:r>
-                          <a:rPr lang="pt-BR" i="1">
-                            <a:latin typeface="Cambria Math" panose="02040503050406030204" pitchFamily="18" charset="0"/>
-                          </a:rPr>
-                          <m:t>𝑞</m:t>
-                        </m:r>
-                      </m:sub>
-                    </m:sSub>
-                    <m:r>
-                      <a:rPr lang="pt-BR" i="1">
-                        <a:latin typeface="Cambria Math" panose="02040503050406030204" pitchFamily="18" charset="0"/>
-                      </a:rPr>
-                      <m:t>= </m:t>
-                    </m:r>
-                  </m:oMath>
-                </a14:m>
-                <a:r>
-                  <a:rPr lang="pt-BR" dirty="0">
-                    <a:latin typeface="Cambria Math" panose="02040503050406030204" pitchFamily="18" charset="0"/>
-                  </a:rPr>
-                  <a:t>arg</a:t>
-                </a:r>
-                <a:r>
-                  <a:rPr lang="pt-BR" dirty="0"/>
-                  <a:t>. </a:t>
-                </a:r>
-                <a14:m>
-                  <m:oMath xmlns:m="http://schemas.openxmlformats.org/officeDocument/2006/math">
-                    <m:func>
-                      <m:funcPr>
-                        <m:ctrlPr>
-                          <a:rPr lang="pt-BR" i="1">
-                            <a:latin typeface="Cambria Math" panose="02040503050406030204" pitchFamily="18" charset="0"/>
-                          </a:rPr>
-                        </m:ctrlPr>
-                      </m:funcPr>
-                      <m:fName>
-                        <m:limLow>
-                          <m:limLowPr>
-                            <m:ctrlPr>
-                              <a:rPr lang="pt-BR" i="1">
-                                <a:latin typeface="Cambria Math" panose="02040503050406030204" pitchFamily="18" charset="0"/>
-                              </a:rPr>
-                            </m:ctrlPr>
-                          </m:limLowPr>
-                          <m:e>
-                            <m:r>
-                              <m:rPr>
-                                <m:sty m:val="p"/>
-                              </m:rPr>
-                              <a:rPr lang="pt-BR">
-                                <a:latin typeface="Cambria Math" panose="02040503050406030204" pitchFamily="18" charset="0"/>
-                              </a:rPr>
-                              <m:t>max</m:t>
-                            </m:r>
-                          </m:e>
-                          <m:lim>
-                            <m:r>
-                              <a:rPr lang="pt-BR" i="1">
-                                <a:latin typeface="Cambria Math" panose="02040503050406030204" pitchFamily="18" charset="0"/>
-                              </a:rPr>
-                              <m:t>𝑞</m:t>
-                            </m:r>
-                          </m:lim>
-                        </m:limLow>
-                      </m:fName>
-                      <m:e>
-                        <m:sSubSup>
-                          <m:sSubSupPr>
-                            <m:ctrlPr>
-                              <a:rPr lang="pt-BR" b="1" i="1">
-                                <a:latin typeface="Cambria Math" panose="02040503050406030204" pitchFamily="18" charset="0"/>
-                              </a:rPr>
-                            </m:ctrlPr>
-                          </m:sSubSupPr>
-                          <m:e>
-                            <m:r>
-                              <a:rPr lang="pt-BR" i="1">
-                                <a:latin typeface="Cambria Math" panose="02040503050406030204" pitchFamily="18" charset="0"/>
-                              </a:rPr>
-                              <m:t>h</m:t>
-                            </m:r>
-                          </m:e>
-                          <m:sub>
-                            <m:r>
-                              <a:rPr lang="pt-BR" b="1" i="1">
-                                <a:latin typeface="Cambria Math" panose="02040503050406030204" pitchFamily="18" charset="0"/>
-                              </a:rPr>
-                              <m:t>𝒂</m:t>
-                            </m:r>
-                          </m:sub>
-                          <m:sup>
-                            <m:r>
-                              <a:rPr lang="pt-BR" i="1">
-                                <a:latin typeface="Cambria Math" panose="02040503050406030204" pitchFamily="18" charset="0"/>
-                              </a:rPr>
-                              <m:t>𝑞</m:t>
-                            </m:r>
-                          </m:sup>
-                        </m:sSubSup>
-                        <m:d>
-                          <m:dPr>
-                            <m:ctrlPr>
-                              <a:rPr lang="pt-BR" i="1">
-                                <a:latin typeface="Cambria Math" panose="02040503050406030204" pitchFamily="18" charset="0"/>
-                              </a:rPr>
-                            </m:ctrlPr>
-                          </m:dPr>
-                          <m:e>
-                            <m:r>
-                              <a:rPr lang="pt-BR" b="1" i="1">
-                                <a:latin typeface="Cambria Math" panose="02040503050406030204" pitchFamily="18" charset="0"/>
-                              </a:rPr>
-                              <m:t>𝒙</m:t>
-                            </m:r>
-                            <m:d>
-                              <m:dPr>
-                                <m:ctrlPr>
-                                  <a:rPr lang="pt-BR" b="1" i="1">
-                                    <a:latin typeface="Cambria Math" panose="02040503050406030204" pitchFamily="18" charset="0"/>
-                                  </a:rPr>
-                                </m:ctrlPr>
-                              </m:dPr>
-                              <m:e>
-                                <m:r>
-                                  <a:rPr lang="pt-BR" i="1">
-                                    <a:latin typeface="Cambria Math" panose="02040503050406030204" pitchFamily="18" charset="0"/>
-                                  </a:rPr>
-                                  <m:t>𝑖</m:t>
-                                </m:r>
-                              </m:e>
-                            </m:d>
-                          </m:e>
-                        </m:d>
-                      </m:e>
-                    </m:func>
-                    <m:r>
-                      <a:rPr lang="pt-BR" i="1">
-                        <a:latin typeface="Cambria Math" panose="02040503050406030204" pitchFamily="18" charset="0"/>
-                      </a:rPr>
-                      <m:t>=</m:t>
-                    </m:r>
-                    <m:r>
-                      <m:rPr>
-                        <m:nor/>
-                      </m:rPr>
-                      <a:rPr lang="pt-BR" dirty="0">
-                        <a:latin typeface="Cambria Math" panose="02040503050406030204" pitchFamily="18" charset="0"/>
-                      </a:rPr>
-                      <m:t>arg</m:t>
-                    </m:r>
-                    <m:r>
-                      <m:rPr>
-                        <m:nor/>
-                      </m:rPr>
-                      <a:rPr lang="pt-BR" dirty="0"/>
-                      <m:t>. </m:t>
-                    </m:r>
-                    <m:func>
-                      <m:funcPr>
-                        <m:ctrlPr>
-                          <a:rPr lang="pt-BR" i="1">
-                            <a:latin typeface="Cambria Math" panose="02040503050406030204" pitchFamily="18" charset="0"/>
-                          </a:rPr>
-                        </m:ctrlPr>
-                      </m:funcPr>
-                      <m:fName>
-                        <m:limLow>
-                          <m:limLowPr>
-                            <m:ctrlPr>
-                              <a:rPr lang="pt-BR" i="1">
-                                <a:latin typeface="Cambria Math" panose="02040503050406030204" pitchFamily="18" charset="0"/>
-                              </a:rPr>
-                            </m:ctrlPr>
-                          </m:limLowPr>
-                          <m:e>
-                            <m:r>
-                              <m:rPr>
-                                <m:sty m:val="p"/>
-                              </m:rPr>
-                              <a:rPr lang="pt-BR">
-                                <a:latin typeface="Cambria Math" panose="02040503050406030204" pitchFamily="18" charset="0"/>
-                              </a:rPr>
-                              <m:t>max</m:t>
-                            </m:r>
-                          </m:e>
-                          <m:lim>
-                            <m:r>
-                              <a:rPr lang="pt-BR" i="1">
-                                <a:latin typeface="Cambria Math" panose="02040503050406030204" pitchFamily="18" charset="0"/>
-                              </a:rPr>
-                              <m:t>𝑞</m:t>
-                            </m:r>
-                          </m:lim>
-                        </m:limLow>
-                      </m:fName>
-                      <m:e>
-                        <m:sSup>
-                          <m:sSupPr>
-                            <m:ctrlPr>
-                              <a:rPr lang="pt-BR" i="1">
-                                <a:latin typeface="Cambria Math" panose="02040503050406030204" pitchFamily="18" charset="0"/>
-                              </a:rPr>
-                            </m:ctrlPr>
-                          </m:sSupPr>
-                          <m:e>
-                            <m:r>
-                              <a:rPr lang="pt-BR" b="1" i="1">
-                                <a:latin typeface="Cambria Math" panose="02040503050406030204" pitchFamily="18" charset="0"/>
-                              </a:rPr>
-                              <m:t>𝒙</m:t>
-                            </m:r>
-                            <m:r>
-                              <a:rPr lang="pt-BR" i="1">
-                                <a:latin typeface="Cambria Math" panose="02040503050406030204" pitchFamily="18" charset="0"/>
-                              </a:rPr>
-                              <m:t>(</m:t>
-                            </m:r>
-                            <m:r>
-                              <a:rPr lang="pt-BR" i="1">
-                                <a:latin typeface="Cambria Math" panose="02040503050406030204" pitchFamily="18" charset="0"/>
-                              </a:rPr>
-                              <m:t>𝑖</m:t>
-                            </m:r>
-                            <m:r>
-                              <a:rPr lang="pt-BR" i="1">
-                                <a:latin typeface="Cambria Math" panose="02040503050406030204" pitchFamily="18" charset="0"/>
-                              </a:rPr>
-                              <m:t>)</m:t>
-                            </m:r>
-                          </m:e>
-                          <m:sup>
-                            <m:r>
-                              <a:rPr lang="pt-BR" i="1">
-                                <a:latin typeface="Cambria Math" panose="02040503050406030204" pitchFamily="18" charset="0"/>
-                              </a:rPr>
-                              <m:t>𝑇</m:t>
-                            </m:r>
-                          </m:sup>
-                        </m:sSup>
-                        <m:sSub>
-                          <m:sSubPr>
-                            <m:ctrlPr>
-                              <a:rPr lang="pt-BR" b="1" i="1">
-                                <a:latin typeface="Cambria Math" panose="02040503050406030204" pitchFamily="18" charset="0"/>
-                              </a:rPr>
-                            </m:ctrlPr>
-                          </m:sSubPr>
-                          <m:e>
-                            <m:r>
-                              <a:rPr lang="pt-BR" b="1" i="1">
-                                <a:latin typeface="Cambria Math" panose="02040503050406030204" pitchFamily="18" charset="0"/>
-                              </a:rPr>
-                              <m:t>𝒂</m:t>
-                            </m:r>
-                          </m:e>
-                          <m:sub>
-                            <m:r>
-                              <a:rPr lang="pt-BR" i="1">
-                                <a:latin typeface="Cambria Math" panose="02040503050406030204" pitchFamily="18" charset="0"/>
-                              </a:rPr>
-                              <m:t>𝑞</m:t>
-                            </m:r>
-                          </m:sub>
-                        </m:sSub>
-                      </m:e>
-                    </m:func>
-                    <m:r>
-                      <a:rPr lang="pt-BR">
-                        <a:latin typeface="Cambria Math" panose="02040503050406030204" pitchFamily="18" charset="0"/>
-                      </a:rPr>
-                      <m:t>.</m:t>
-                    </m:r>
-                  </m:oMath>
-                </a14:m>
-                <a:endParaRPr lang="pt-BR" dirty="0" smtClean="0"/>
-              </a:p>
-              <a:p>
-                <a:r>
-                  <a:rPr lang="pt-BR" dirty="0"/>
-                  <a:t>Assim como o classificador de regressão logística, o classificador de regressão Softmax prevê a classe com a maior probabilidade estimada (que é simplesmente a classe com a maior valor para o produto escalar </a:t>
-                </a:r>
-                <a14:m>
-                  <m:oMath xmlns:m="http://schemas.openxmlformats.org/officeDocument/2006/math">
-                    <m:sSup>
-                      <m:sSupPr>
-                        <m:ctrlPr>
-                          <a:rPr lang="pt-BR" i="1">
-                            <a:latin typeface="Cambria Math" panose="02040503050406030204" pitchFamily="18" charset="0"/>
-                          </a:rPr>
-                        </m:ctrlPr>
-                      </m:sSupPr>
-                      <m:e>
-                        <m:r>
-                          <a:rPr lang="pt-BR" b="1" i="1">
-                            <a:latin typeface="Cambria Math" panose="02040503050406030204" pitchFamily="18" charset="0"/>
-                          </a:rPr>
-                          <m:t>𝒙</m:t>
-                        </m:r>
-                        <m:r>
-                          <a:rPr lang="pt-BR" i="1">
-                            <a:latin typeface="Cambria Math" panose="02040503050406030204" pitchFamily="18" charset="0"/>
-                          </a:rPr>
-                          <m:t>(</m:t>
-                        </m:r>
-                        <m:r>
-                          <a:rPr lang="pt-BR" i="1">
-                            <a:latin typeface="Cambria Math" panose="02040503050406030204" pitchFamily="18" charset="0"/>
-                          </a:rPr>
-                          <m:t>𝑖</m:t>
-                        </m:r>
-                        <m:r>
-                          <a:rPr lang="pt-BR" i="1">
-                            <a:latin typeface="Cambria Math" panose="02040503050406030204" pitchFamily="18" charset="0"/>
-                          </a:rPr>
-                          <m:t>)</m:t>
-                        </m:r>
-                      </m:e>
-                      <m:sup>
-                        <m:r>
-                          <a:rPr lang="pt-BR" i="1">
-                            <a:latin typeface="Cambria Math" panose="02040503050406030204" pitchFamily="18" charset="0"/>
-                          </a:rPr>
-                          <m:t>𝑇</m:t>
-                        </m:r>
-                      </m:sup>
-                    </m:sSup>
-                    <m:sSub>
-                      <m:sSubPr>
-                        <m:ctrlPr>
-                          <a:rPr lang="pt-BR" b="1" i="1">
-                            <a:latin typeface="Cambria Math" panose="02040503050406030204" pitchFamily="18" charset="0"/>
-                          </a:rPr>
-                        </m:ctrlPr>
-                      </m:sSubPr>
-                      <m:e>
-                        <m:r>
-                          <a:rPr lang="pt-BR" b="1" i="1">
-                            <a:latin typeface="Cambria Math" panose="02040503050406030204" pitchFamily="18" charset="0"/>
-                          </a:rPr>
-                          <m:t>𝒂</m:t>
-                        </m:r>
-                      </m:e>
-                      <m:sub>
-                        <m:r>
-                          <a:rPr lang="pt-BR" i="1">
-                            <a:latin typeface="Cambria Math" panose="02040503050406030204" pitchFamily="18" charset="0"/>
-                          </a:rPr>
-                          <m:t>𝑞</m:t>
-                        </m:r>
-                      </m:sub>
-                    </m:sSub>
-                  </m:oMath>
-                </a14:m>
-                <a:r>
-                  <a:rPr lang="pt-BR" dirty="0" smtClean="0"/>
-                  <a:t>).</a:t>
-                </a:r>
-                <a:endParaRPr lang="pt-BR" dirty="0"/>
-              </a:p>
-            </p:txBody>
-          </p:sp>
-        </mc:Choice>
-        <mc:Fallback xmlns="">
-          <p:sp>
-            <p:nvSpPr>
-              <p:cNvPr id="8" name="Content Placeholder 2"/>
-              <p:cNvSpPr>
-                <a:spLocks noGrp="1" noRot="1" noChangeAspect="1" noMove="1" noResize="1" noEditPoints="1" noAdjustHandles="1" noChangeArrowheads="1" noChangeShapeType="1" noTextEdit="1"/>
-              </p:cNvSpPr>
-              <p:nvPr>
-                <p:ph idx="1"/>
-              </p:nvPr>
-            </p:nvSpPr>
-            <p:spPr>
-              <a:xfrm>
-                <a:off x="838199" y="1395663"/>
-                <a:ext cx="11209421" cy="3007944"/>
-              </a:xfrm>
-              <a:blipFill rotWithShape="0">
-                <a:blip r:embed="rId3"/>
-                <a:stretch>
-                  <a:fillRect l="-924" t="-4665" r="-1740" b="-3245"/>
-                </a:stretch>
-              </a:blipFill>
-            </p:spPr>
-            <p:txBody>
-              <a:bodyPr/>
-              <a:lstStyle/>
-              <a:p>
-                <a:r>
-                  <a:rPr lang="pt-BR">
-                    <a:noFill/>
-                  </a:rPr>
-                  <a:t> </a:t>
-                </a:r>
-              </a:p>
-            </p:txBody>
-          </p:sp>
-        </mc:Fallback>
-      </mc:AlternateContent>
-    </p:spTree>
-    <p:extLst>
-      <p:ext uri="{BB962C8B-B14F-4D97-AF65-F5344CB8AC3E}">
-        <p14:creationId xmlns:p14="http://schemas.microsoft.com/office/powerpoint/2010/main" val="2073131096"/>
-      </p:ext>
-    </p:extLst>
-  </p:cSld>
-  <p:clrMapOvr>
-    <a:masterClrMapping/>
-  </p:clrMapOvr>
-  <p:timing>
-    <p:tnLst>
-      <p:par>
-        <p:cTn id="1" dur="indefinite" restart="never" nodeType="tmRoot"/>
-      </p:par>
-    </p:tnLst>
-  </p:timing>
-</p:sld>
-</file>
-
-<file path=ppt/slides/slide11.xml><?xml version="1.0" encoding="utf-8"?>
-<p:sld xmlns:a="http://schemas.openxmlformats.org/drawingml/2006/main" xmlns:r="http://schemas.openxmlformats.org/officeDocument/2006/relationships" xmlns:p="http://schemas.openxmlformats.org/presentationml/2006/main">
-  <p:cSld>
-    <p:spTree>
-      <p:nvGrpSpPr>
-        <p:cNvPr id="1" name=""/>
-        <p:cNvGrpSpPr/>
-        <p:nvPr/>
-      </p:nvGrpSpPr>
-      <p:grpSpPr>
-        <a:xfrm>
-          <a:off x="0" y="0"/>
-          <a:ext cx="0" cy="0"/>
-          <a:chOff x="0" y="0"/>
-          <a:chExt cx="0" cy="0"/>
-        </a:xfrm>
-      </p:grpSpPr>
-      <p:sp>
-        <p:nvSpPr>
-          <p:cNvPr id="2" name="Title 1"/>
-          <p:cNvSpPr>
-            <a:spLocks noGrp="1"/>
-          </p:cNvSpPr>
-          <p:nvPr>
-            <p:ph type="title"/>
-          </p:nvPr>
-        </p:nvSpPr>
-        <p:spPr/>
-        <p:txBody>
-          <a:bodyPr/>
-          <a:lstStyle/>
-          <a:p>
-            <a:r>
-              <a:rPr lang="pt-BR" dirty="0"/>
-              <a:t>Regressão Softmax</a:t>
-            </a:r>
-          </a:p>
-        </p:txBody>
-      </p:sp>
-      <mc:AlternateContent xmlns:mc="http://schemas.openxmlformats.org/markup-compatibility/2006" xmlns:a14="http://schemas.microsoft.com/office/drawing/2010/main">
-        <mc:Choice Requires="a14">
+      <mc:AlternateContent xmlns:mc="http://schemas.openxmlformats.org/markup-compatibility/2006">
+        <mc:Choice xmlns:a14="http://schemas.microsoft.com/office/drawing/2010/main" Requires="a14">
           <p:sp>
             <p:nvSpPr>
               <p:cNvPr id="3" name="Content Placeholder 2"/>
@@ -5986,18 +5353,56 @@
             </p:nvSpPr>
             <p:spPr>
               <a:xfrm>
-                <a:off x="838200" y="1825624"/>
-                <a:ext cx="11065042" cy="5032376"/>
+                <a:off x="838199" y="1487606"/>
+                <a:ext cx="11130887" cy="5370394"/>
               </a:xfrm>
             </p:spPr>
             <p:txBody>
               <a:bodyPr>
-                <a:normAutofit fontScale="85000" lnSpcReduction="10000"/>
+                <a:normAutofit fontScale="85000" lnSpcReduction="20000"/>
               </a:bodyPr>
               <a:lstStyle/>
               <a:p>
                 <a:r>
                   <a:rPr lang="pt-BR" dirty="0" smtClean="0"/>
+                  <a:t>Assim como fizemos anteriormente, precisamos definir uma </a:t>
+                </a:r>
+                <a:r>
+                  <a:rPr lang="pt-BR" b="1" i="1" dirty="0" smtClean="0"/>
+                  <a:t>função de erro</a:t>
+                </a:r>
+                <a:r>
+                  <a:rPr lang="pt-BR" dirty="0" smtClean="0"/>
+                  <a:t> para podermos encontrar os </a:t>
+                </a:r>
+                <a:r>
+                  <a:rPr lang="pt-BR" b="1" i="1" dirty="0" smtClean="0"/>
+                  <a:t>pesos</a:t>
+                </a:r>
+                <a:r>
+                  <a:rPr lang="pt-BR" dirty="0" smtClean="0"/>
+                  <a:t> das </a:t>
+                </a:r>
+                <a:r>
+                  <a:rPr lang="pt-BR" b="1" i="1" dirty="0" smtClean="0"/>
+                  <a:t>Q</a:t>
+                </a:r>
+                <a:r>
+                  <a:rPr lang="pt-BR" dirty="0" smtClean="0"/>
+                  <a:t> </a:t>
+                </a:r>
+                <a:r>
+                  <a:rPr lang="pt-BR" b="1" i="1" dirty="0" smtClean="0"/>
+                  <a:t>funções hipótese</a:t>
+                </a:r>
+                <a:r>
+                  <a:rPr lang="pt-BR" dirty="0" smtClean="0"/>
+                  <a:t> do classificador.</a:t>
+                </a:r>
+              </a:p>
+              <a:p>
+                <a:r>
+                  <a:rPr lang="pt-BR" dirty="0" smtClean="0"/>
                   <a:t>A </a:t>
                 </a:r>
                 <a:r>
@@ -6005,8 +5410,16 @@
                   <a:t>função de erro </a:t>
                 </a:r>
                 <a:r>
+                  <a:rPr lang="pt-BR" b="1" i="1" dirty="0" smtClean="0"/>
+                  <a:t>médio </a:t>
+                </a:r>
+                <a:r>
+                  <a:rPr lang="pt-BR" dirty="0" smtClean="0"/>
+                  <a:t>é </a:t>
+                </a:r>
+                <a:r>
                   <a:rPr lang="pt-BR" dirty="0"/>
-                  <a:t>é dada por</a:t>
+                  <a:t>dada por</a:t>
                 </a:r>
               </a:p>
               <a:p>
@@ -6406,7 +5819,31 @@
                 </a14:m>
                 <a:r>
                   <a:rPr lang="pt-BR" dirty="0"/>
-                  <a:t> é a matriz com os pesos para todas as </a:t>
+                  <a:t> é a matriz com os </a:t>
+                </a:r>
+                <a:r>
+                  <a:rPr lang="pt-BR" b="1" i="1" dirty="0"/>
+                  <a:t>pesos</a:t>
+                </a:r>
+                <a:r>
+                  <a:rPr lang="pt-BR" dirty="0"/>
+                  <a:t> para todas as </a:t>
+                </a:r>
+                <a:r>
+                  <a:rPr lang="pt-BR" dirty="0"/>
+                  <a:t> </a:t>
+                </a:r>
+                <a:r>
+                  <a:rPr lang="pt-BR" b="1" i="1" dirty="0"/>
+                  <a:t>funções </a:t>
+                </a:r>
+                <a:r>
+                  <a:rPr lang="pt-BR" b="1" i="1" dirty="0" smtClean="0"/>
+                  <a:t>hipótese</a:t>
+                </a:r>
+                <a:r>
+                  <a:rPr lang="pt-BR" dirty="0" smtClean="0"/>
+                  <a:t> das </a:t>
                 </a:r>
                 <a14:m>
                   <m:oMath xmlns:m="http://schemas.openxmlformats.org/officeDocument/2006/math">
@@ -7476,7 +6913,27 @@
               <a:p>
                 <a:r>
                   <a:rPr lang="pt-BR" dirty="0"/>
-                  <a:t>Observem que, quando existem apenas duas classes (Q = 2), a função de erro acima é equivalente à função de erro da regressão logística</a:t>
+                  <a:t>Observem que, quando existem apenas duas classes (Q = 2), a </a:t>
+                </a:r>
+                <a:r>
+                  <a:rPr lang="pt-BR" b="1" i="1" dirty="0"/>
+                  <a:t>função de erro </a:t>
+                </a:r>
+                <a:r>
+                  <a:rPr lang="pt-BR" dirty="0"/>
+                  <a:t>acima é equivalente à </a:t>
+                </a:r>
+                <a:r>
+                  <a:rPr lang="pt-BR" b="1" i="1" dirty="0"/>
+                  <a:t>função de erro </a:t>
+                </a:r>
+                <a:r>
+                  <a:rPr lang="pt-BR" dirty="0" smtClean="0"/>
+                  <a:t>do </a:t>
+                </a:r>
+                <a:r>
+                  <a:rPr lang="pt-BR" b="1" i="1" dirty="0" smtClean="0"/>
+                  <a:t>regressor logístico</a:t>
                 </a:r>
                 <a:r>
                   <a:rPr lang="pt-BR" dirty="0" smtClean="0"/>
@@ -7487,7 +6944,7 @@
             </p:txBody>
           </p:sp>
         </mc:Choice>
-        <mc:Fallback xmlns="">
+        <mc:Fallback>
           <p:sp>
             <p:nvSpPr>
               <p:cNvPr id="3" name="Content Placeholder 2"/>
@@ -7500,13 +6957,13 @@
             </p:nvSpPr>
             <p:spPr>
               <a:xfrm>
-                <a:off x="838200" y="1825624"/>
-                <a:ext cx="11065042" cy="5032376"/>
+                <a:off x="838199" y="1487606"/>
+                <a:ext cx="11130887" cy="5370394"/>
               </a:xfrm>
               <a:blipFill rotWithShape="0">
                 <a:blip r:embed="rId3"/>
                 <a:stretch>
-                  <a:fillRect l="-882" t="-2300" r="-606" b="-242"/>
+                  <a:fillRect l="-821" t="-2611" r="-219" b="-1703"/>
                 </a:stretch>
               </a:blipFill>
             </p:spPr>
@@ -7545,7 +7002,7 @@
 </p:sld>
 </file>
 
-<file path=ppt/slides/slide12.xml><?xml version="1.0" encoding="utf-8"?>
+<file path=ppt/slides/slide11.xml><?xml version="1.0" encoding="utf-8"?>
 <p:sld xmlns:a="http://schemas.openxmlformats.org/drawingml/2006/main" xmlns:r="http://schemas.openxmlformats.org/officeDocument/2006/relationships" xmlns:p="http://schemas.openxmlformats.org/presentationml/2006/main">
   <p:cSld>
     <p:spTree>
@@ -7572,21 +7029,25 @@
             <p:ph type="title"/>
           </p:nvPr>
         </p:nvSpPr>
-        <p:spPr/>
+        <p:spPr>
+          <a:xfrm>
+            <a:off x="838200" y="222245"/>
+            <a:ext cx="10515600" cy="1325563"/>
+          </a:xfrm>
+        </p:spPr>
         <p:txBody>
           <a:bodyPr/>
           <a:lstStyle/>
           <a:p>
             <a:r>
-              <a:rPr lang="pt-BR" dirty="0" smtClean="0"/>
-              <a:t>Propriedades da regressão Softmax</a:t>
-            </a:r>
-            <a:endParaRPr lang="pt-BR" dirty="0"/>
+              <a:rPr lang="pt-BR" dirty="0"/>
+              <a:t>Regressão Softmax</a:t>
+            </a:r>
           </a:p>
         </p:txBody>
       </p:sp>
-      <mc:AlternateContent xmlns:mc="http://schemas.openxmlformats.org/markup-compatibility/2006" xmlns:a14="http://schemas.microsoft.com/office/drawing/2010/main">
-        <mc:Choice Requires="a14">
+      <mc:AlternateContent xmlns:mc="http://schemas.openxmlformats.org/markup-compatibility/2006">
+        <mc:Choice xmlns:a14="http://schemas.microsoft.com/office/drawing/2010/main" Requires="a14">
           <p:sp>
             <p:nvSpPr>
               <p:cNvPr id="3" name="Content Placeholder 2"/>
@@ -7599,387 +7060,91 @@
             </p:nvSpPr>
             <p:spPr>
               <a:xfrm>
-                <a:off x="838200" y="1825626"/>
-                <a:ext cx="11093970" cy="5032374"/>
+                <a:off x="838199" y="1668456"/>
+                <a:ext cx="11134725" cy="5032375"/>
               </a:xfrm>
             </p:spPr>
             <p:txBody>
               <a:bodyPr>
-                <a:normAutofit/>
+                <a:normAutofit fontScale="85000" lnSpcReduction="20000"/>
               </a:bodyPr>
               <a:lstStyle/>
               <a:p>
-                <a14:m>
-                  <m:oMath xmlns:m="http://schemas.openxmlformats.org/officeDocument/2006/math">
-                    <m:nary>
-                      <m:naryPr>
-                        <m:chr m:val="∑"/>
-                        <m:ctrlPr>
-                          <a:rPr lang="pt-BR" i="1" smtClean="0">
-                            <a:latin typeface="Cambria Math" panose="02040503050406030204" pitchFamily="18" charset="0"/>
-                          </a:rPr>
-                        </m:ctrlPr>
-                      </m:naryPr>
-                      <m:sub>
-                        <m:r>
-                          <m:rPr>
-                            <m:brk m:alnAt="23"/>
-                          </m:rPr>
-                          <a:rPr lang="pt-BR" b="0" i="1" smtClean="0">
-                            <a:latin typeface="Cambria Math" panose="02040503050406030204" pitchFamily="18" charset="0"/>
-                          </a:rPr>
-                          <m:t>𝑞</m:t>
-                        </m:r>
-                        <m:r>
-                          <a:rPr lang="pt-BR" b="0" i="1" smtClean="0">
-                            <a:latin typeface="Cambria Math" panose="02040503050406030204" pitchFamily="18" charset="0"/>
-                          </a:rPr>
-                          <m:t>=1</m:t>
-                        </m:r>
-                      </m:sub>
-                      <m:sup>
-                        <m:r>
-                          <a:rPr lang="pt-BR" b="0" i="1" smtClean="0">
-                            <a:latin typeface="Cambria Math" panose="02040503050406030204" pitchFamily="18" charset="0"/>
-                          </a:rPr>
-                          <m:t>𝑄</m:t>
-                        </m:r>
-                      </m:sup>
-                      <m:e>
-                        <m:sSubSup>
-                          <m:sSubSupPr>
-                            <m:ctrlPr>
-                              <a:rPr lang="pt-BR" b="1" i="1">
-                                <a:latin typeface="Cambria Math" panose="02040503050406030204" pitchFamily="18" charset="0"/>
-                              </a:rPr>
-                            </m:ctrlPr>
-                          </m:sSubSupPr>
-                          <m:e>
-                            <m:r>
-                              <a:rPr lang="pt-BR" i="1">
-                                <a:latin typeface="Cambria Math" panose="02040503050406030204" pitchFamily="18" charset="0"/>
-                              </a:rPr>
-                              <m:t>h</m:t>
-                            </m:r>
-                          </m:e>
-                          <m:sub>
-                            <m:r>
-                              <a:rPr lang="pt-BR" b="1" i="1">
-                                <a:latin typeface="Cambria Math" panose="02040503050406030204" pitchFamily="18" charset="0"/>
-                              </a:rPr>
-                              <m:t>𝒂</m:t>
-                            </m:r>
-                          </m:sub>
-                          <m:sup>
-                            <m:r>
-                              <a:rPr lang="pt-BR" i="1">
-                                <a:latin typeface="Cambria Math" panose="02040503050406030204" pitchFamily="18" charset="0"/>
-                              </a:rPr>
-                              <m:t>𝑞</m:t>
-                            </m:r>
-                          </m:sup>
-                        </m:sSubSup>
-                        <m:d>
-                          <m:dPr>
-                            <m:ctrlPr>
-                              <a:rPr lang="pt-BR" i="1">
-                                <a:latin typeface="Cambria Math" panose="02040503050406030204" pitchFamily="18" charset="0"/>
-                              </a:rPr>
-                            </m:ctrlPr>
-                          </m:dPr>
-                          <m:e>
-                            <m:r>
-                              <a:rPr lang="pt-BR" b="1" i="1">
-                                <a:latin typeface="Cambria Math" panose="02040503050406030204" pitchFamily="18" charset="0"/>
-                              </a:rPr>
-                              <m:t>𝒙</m:t>
-                            </m:r>
-                            <m:d>
-                              <m:dPr>
-                                <m:ctrlPr>
-                                  <a:rPr lang="pt-BR" b="1" i="1">
-                                    <a:latin typeface="Cambria Math" panose="02040503050406030204" pitchFamily="18" charset="0"/>
-                                  </a:rPr>
-                                </m:ctrlPr>
-                              </m:dPr>
-                              <m:e>
-                                <m:r>
-                                  <a:rPr lang="pt-BR" i="1">
-                                    <a:latin typeface="Cambria Math" panose="02040503050406030204" pitchFamily="18" charset="0"/>
-                                  </a:rPr>
-                                  <m:t>𝑖</m:t>
-                                </m:r>
-                              </m:e>
-                            </m:d>
-                          </m:e>
-                        </m:d>
-                        <m:r>
-                          <a:rPr lang="pt-BR" b="1" i="1" smtClean="0">
-                            <a:latin typeface="Cambria Math" panose="02040503050406030204" pitchFamily="18" charset="0"/>
-                          </a:rPr>
-                          <m:t>=</m:t>
-                        </m:r>
-                        <m:nary>
-                          <m:naryPr>
-                            <m:chr m:val="∑"/>
-                            <m:ctrlPr>
-                              <a:rPr lang="pt-BR" i="1" smtClean="0">
-                                <a:latin typeface="Cambria Math" panose="02040503050406030204" pitchFamily="18" charset="0"/>
-                              </a:rPr>
-                            </m:ctrlPr>
-                          </m:naryPr>
-                          <m:sub>
-                            <m:r>
-                              <m:rPr>
-                                <m:brk m:alnAt="23"/>
-                              </m:rPr>
-                              <a:rPr lang="pt-BR" i="1">
-                                <a:latin typeface="Cambria Math" panose="02040503050406030204" pitchFamily="18" charset="0"/>
-                              </a:rPr>
-                              <m:t>𝑞</m:t>
-                            </m:r>
-                            <m:r>
-                              <a:rPr lang="pt-BR" i="1">
-                                <a:latin typeface="Cambria Math" panose="02040503050406030204" pitchFamily="18" charset="0"/>
-                              </a:rPr>
-                              <m:t>=1</m:t>
-                            </m:r>
-                          </m:sub>
-                          <m:sup>
-                            <m:r>
-                              <a:rPr lang="pt-BR" i="1">
-                                <a:latin typeface="Cambria Math" panose="02040503050406030204" pitchFamily="18" charset="0"/>
-                              </a:rPr>
-                              <m:t>𝑄</m:t>
-                            </m:r>
-                          </m:sup>
-                          <m:e>
-                            <m:r>
-                              <a:rPr lang="pt-BR" i="1">
-                                <a:latin typeface="Cambria Math" panose="02040503050406030204" pitchFamily="18" charset="0"/>
-                              </a:rPr>
-                              <m:t>𝑃</m:t>
-                            </m:r>
-                            <m:d>
-                              <m:dPr>
-                                <m:endChr m:val="|"/>
-                                <m:ctrlPr>
-                                  <a:rPr lang="pt-BR" i="1">
-                                    <a:latin typeface="Cambria Math" panose="02040503050406030204" pitchFamily="18" charset="0"/>
-                                  </a:rPr>
-                                </m:ctrlPr>
-                              </m:dPr>
-                              <m:e>
-                                <m:sSub>
-                                  <m:sSubPr>
-                                    <m:ctrlPr>
-                                      <a:rPr lang="pt-BR" i="1">
-                                        <a:latin typeface="Cambria Math" panose="02040503050406030204" pitchFamily="18" charset="0"/>
-                                      </a:rPr>
-                                    </m:ctrlPr>
-                                  </m:sSubPr>
-                                  <m:e>
-                                    <m:r>
-                                      <a:rPr lang="pt-BR" i="1">
-                                        <a:latin typeface="Cambria Math" panose="02040503050406030204" pitchFamily="18" charset="0"/>
-                                      </a:rPr>
-                                      <m:t>𝐶</m:t>
-                                    </m:r>
-                                  </m:e>
-                                  <m:sub>
-                                    <m:r>
-                                      <a:rPr lang="pt-BR" b="0" i="1" smtClean="0">
-                                        <a:latin typeface="Cambria Math" panose="02040503050406030204" pitchFamily="18" charset="0"/>
-                                      </a:rPr>
-                                      <m:t>𝑞</m:t>
-                                    </m:r>
-                                  </m:sub>
-                                </m:sSub>
-                                <m:r>
-                                  <a:rPr lang="pt-BR" i="1">
-                                    <a:latin typeface="Cambria Math" panose="02040503050406030204" pitchFamily="18" charset="0"/>
-                                  </a:rPr>
-                                  <m:t> </m:t>
-                                </m:r>
-                              </m:e>
-                            </m:d>
-                            <m:r>
-                              <a:rPr lang="pt-BR" b="1" i="1">
-                                <a:latin typeface="Cambria Math" panose="02040503050406030204" pitchFamily="18" charset="0"/>
-                              </a:rPr>
-                              <m:t>𝒙</m:t>
-                            </m:r>
-                            <m:r>
-                              <a:rPr lang="pt-BR" i="1">
-                                <a:latin typeface="Cambria Math" panose="02040503050406030204" pitchFamily="18" charset="0"/>
-                              </a:rPr>
-                              <m:t>;</m:t>
-                            </m:r>
-                            <m:sSub>
-                              <m:sSubPr>
-                                <m:ctrlPr>
-                                  <a:rPr lang="pt-BR" i="1">
-                                    <a:latin typeface="Cambria Math" panose="02040503050406030204" pitchFamily="18" charset="0"/>
-                                  </a:rPr>
-                                </m:ctrlPr>
-                              </m:sSubPr>
-                              <m:e>
-                                <m:r>
-                                  <a:rPr lang="pt-BR" b="1" i="1">
-                                    <a:latin typeface="Cambria Math" panose="02040503050406030204" pitchFamily="18" charset="0"/>
-                                  </a:rPr>
-                                  <m:t>𝒂</m:t>
-                                </m:r>
-                              </m:e>
-                              <m:sub>
-                                <m:r>
-                                  <a:rPr lang="pt-BR" b="0" i="1" smtClean="0">
-                                    <a:latin typeface="Cambria Math" panose="02040503050406030204" pitchFamily="18" charset="0"/>
-                                  </a:rPr>
-                                  <m:t>𝑞</m:t>
-                                </m:r>
-                              </m:sub>
-                            </m:sSub>
-                            <m:r>
-                              <a:rPr lang="pt-BR" i="1">
-                                <a:latin typeface="Cambria Math" panose="02040503050406030204" pitchFamily="18" charset="0"/>
-                              </a:rPr>
-                              <m:t>)</m:t>
-                            </m:r>
-                          </m:e>
-                        </m:nary>
-                        <m:r>
-                          <a:rPr lang="pt-BR" b="0" i="1" smtClean="0">
-                            <a:latin typeface="Cambria Math" panose="02040503050406030204" pitchFamily="18" charset="0"/>
-                          </a:rPr>
-                          <m:t>=1</m:t>
-                        </m:r>
-                      </m:e>
-                    </m:nary>
-                  </m:oMath>
-                </a14:m>
-                <a:r>
-                  <a:rPr lang="pt-BR" dirty="0" smtClean="0"/>
-                  <a:t>, ou seja, o somatório da probabilidade condicional de todas as classes é igual a 1.</a:t>
-                </a:r>
+                <a:r>
+                  <a:rPr lang="pt-BR" dirty="0"/>
+                  <a:t>Usamos </a:t>
+                </a:r>
+                <a:r>
+                  <a:rPr lang="pt-BR" dirty="0"/>
+                  <a:t>o algoritmo do </a:t>
+                </a:r>
+                <a:r>
+                  <a:rPr lang="pt-BR" b="1" i="1" dirty="0"/>
+                  <a:t>gradiente descendente </a:t>
+                </a:r>
+                <a:r>
+                  <a:rPr lang="pt-BR" dirty="0"/>
+                  <a:t>para encontrar os </a:t>
+                </a:r>
+                <a:r>
+                  <a:rPr lang="pt-BR" b="1" i="1" dirty="0"/>
+                  <a:t>pesos</a:t>
+                </a:r>
+                <a:r>
+                  <a:rPr lang="pt-BR" dirty="0"/>
+                  <a:t> que </a:t>
+                </a:r>
+                <a:r>
+                  <a:rPr lang="pt-BR" b="1" i="1" dirty="0"/>
+                  <a:t>minimizam </a:t>
+                </a:r>
+                <a:r>
+                  <a:rPr lang="pt-BR" dirty="0"/>
+                  <a:t>a </a:t>
+                </a:r>
+                <a:r>
+                  <a:rPr lang="pt-BR" b="1" i="1" dirty="0"/>
+                  <a:t>função de erro médio</a:t>
+                </a:r>
+                <a:r>
+                  <a:rPr lang="pt-BR" dirty="0"/>
+                  <a:t>.</a:t>
+                </a:r>
+                <a:endParaRPr lang="pt-BR" dirty="0"/>
               </a:p>
               <a:p>
                 <a:r>
-                  <a:rPr lang="pt-BR" dirty="0" smtClean="0"/>
-                  <a:t> </a:t>
-                </a:r>
-                <a14:m>
-                  <m:oMath xmlns:m="http://schemas.openxmlformats.org/officeDocument/2006/math">
-                    <m:r>
-                      <a:rPr lang="pt-BR" b="0" i="0" smtClean="0">
-                        <a:latin typeface="Cambria Math" panose="02040503050406030204" pitchFamily="18" charset="0"/>
-                        <a:ea typeface="Cambria Math" panose="02040503050406030204" pitchFamily="18" charset="0"/>
-                      </a:rPr>
-                      <m:t>0</m:t>
-                    </m:r>
-                    <m:r>
-                      <a:rPr lang="pt-BR" b="1" i="1" smtClean="0">
-                        <a:latin typeface="Cambria Math" panose="02040503050406030204" pitchFamily="18" charset="0"/>
-                        <a:ea typeface="Cambria Math" panose="02040503050406030204" pitchFamily="18" charset="0"/>
-                      </a:rPr>
-                      <m:t>≤</m:t>
-                    </m:r>
-                    <m:sSubSup>
-                      <m:sSubSupPr>
-                        <m:ctrlPr>
-                          <a:rPr lang="pt-BR" b="1" i="1">
-                            <a:latin typeface="Cambria Math" panose="02040503050406030204" pitchFamily="18" charset="0"/>
-                          </a:rPr>
-                        </m:ctrlPr>
-                      </m:sSubSupPr>
-                      <m:e>
-                        <m:r>
-                          <a:rPr lang="pt-BR" i="1">
-                            <a:latin typeface="Cambria Math" panose="02040503050406030204" pitchFamily="18" charset="0"/>
-                          </a:rPr>
-                          <m:t>h</m:t>
-                        </m:r>
-                      </m:e>
-                      <m:sub>
-                        <m:r>
-                          <a:rPr lang="pt-BR" b="1" i="1">
-                            <a:latin typeface="Cambria Math" panose="02040503050406030204" pitchFamily="18" charset="0"/>
-                          </a:rPr>
-                          <m:t>𝒂</m:t>
-                        </m:r>
-                      </m:sub>
-                      <m:sup>
-                        <m:r>
-                          <a:rPr lang="pt-BR" i="1">
-                            <a:latin typeface="Cambria Math" panose="02040503050406030204" pitchFamily="18" charset="0"/>
-                          </a:rPr>
-                          <m:t>𝑞</m:t>
-                        </m:r>
-                      </m:sup>
-                    </m:sSubSup>
-                    <m:d>
-                      <m:dPr>
-                        <m:ctrlPr>
-                          <a:rPr lang="pt-BR" i="1">
-                            <a:latin typeface="Cambria Math" panose="02040503050406030204" pitchFamily="18" charset="0"/>
-                          </a:rPr>
-                        </m:ctrlPr>
-                      </m:dPr>
-                      <m:e>
-                        <m:r>
-                          <a:rPr lang="pt-BR" b="1" i="1">
-                            <a:latin typeface="Cambria Math" panose="02040503050406030204" pitchFamily="18" charset="0"/>
-                          </a:rPr>
-                          <m:t>𝒙</m:t>
-                        </m:r>
-                        <m:d>
-                          <m:dPr>
-                            <m:ctrlPr>
-                              <a:rPr lang="pt-BR" b="1" i="1">
-                                <a:latin typeface="Cambria Math" panose="02040503050406030204" pitchFamily="18" charset="0"/>
-                              </a:rPr>
-                            </m:ctrlPr>
-                          </m:dPr>
-                          <m:e>
-                            <m:r>
-                              <a:rPr lang="pt-BR" i="1">
-                                <a:latin typeface="Cambria Math" panose="02040503050406030204" pitchFamily="18" charset="0"/>
-                              </a:rPr>
-                              <m:t>𝑖</m:t>
-                            </m:r>
-                          </m:e>
-                        </m:d>
-                      </m:e>
-                    </m:d>
-                    <m:r>
-                      <a:rPr lang="pt-BR" b="1" i="1" smtClean="0">
-                        <a:latin typeface="Cambria Math" panose="02040503050406030204" pitchFamily="18" charset="0"/>
-                        <a:ea typeface="Cambria Math" panose="02040503050406030204" pitchFamily="18" charset="0"/>
-                      </a:rPr>
-                      <m:t>≤</m:t>
-                    </m:r>
-                    <m:r>
-                      <a:rPr lang="pt-BR" b="0" i="1" smtClean="0">
-                        <a:latin typeface="Cambria Math" panose="02040503050406030204" pitchFamily="18" charset="0"/>
-                        <a:ea typeface="Cambria Math" panose="02040503050406030204" pitchFamily="18" charset="0"/>
-                      </a:rPr>
-                      <m:t>1</m:t>
-                    </m:r>
-                  </m:oMath>
-                </a14:m>
-                <a:r>
                   <a:rPr lang="pt-BR" dirty="0"/>
-                  <a:t>, ou seja, </a:t>
-                </a:r>
-                <a:r>
-                  <a:rPr lang="pt-BR" dirty="0" smtClean="0"/>
-                  <a:t>temos, </a:t>
+                  <a:t>A atualização iterativa </a:t>
                 </a:r>
                 <a:r>
                   <a:rPr lang="pt-BR" dirty="0"/>
-                  <a:t>um vetor </a:t>
-                </a:r>
-                <a:endParaRPr lang="pt-BR" dirty="0" smtClean="0"/>
+                  <a:t>dos </a:t>
+                </a:r>
+                <a:r>
+                  <a:rPr lang="pt-BR" b="1" i="1" dirty="0"/>
+                  <a:t>pesos</a:t>
+                </a:r>
+                <a:r>
+                  <a:rPr lang="pt-BR" dirty="0"/>
+                  <a:t> a</a:t>
+                </a:r>
+                <a:r>
+                  <a:rPr lang="pt-BR" dirty="0"/>
+                  <a:t>e </a:t>
+                </a:r>
+                <a:r>
+                  <a:rPr lang="pt-BR" i="1" dirty="0"/>
+                  <a:t>q</a:t>
+                </a:r>
+                <a:r>
+                  <a:rPr lang="pt-BR" dirty="0"/>
+                  <a:t>-ésima classe é </a:t>
+                </a:r>
+                <a:r>
+                  <a:rPr lang="pt-BR" dirty="0"/>
+                  <a:t>dada por</a:t>
+                </a:r>
               </a:p>
               <a:p>
                 <a:pPr marL="0" indent="0" algn="ctr">
@@ -8000,343 +7165,7 @@
                           <a:rPr lang="pt-BR" b="1" i="1">
                             <a:latin typeface="Cambria Math" panose="02040503050406030204" pitchFamily="18" charset="0"/>
                           </a:rPr>
-                          <m:t>𝒉</m:t>
-                        </m:r>
-                      </m:e>
-                      <m:sub>
-                        <m:r>
-                          <a:rPr lang="pt-BR" b="1" i="1">
-                            <a:latin typeface="Cambria Math" panose="02040503050406030204" pitchFamily="18" charset="0"/>
-                          </a:rPr>
                           <m:t>𝒂</m:t>
-                        </m:r>
-                      </m:sub>
-                    </m:sSub>
-                    <m:d>
-                      <m:dPr>
-                        <m:ctrlPr>
-                          <a:rPr lang="pt-BR" i="1">
-                            <a:latin typeface="Cambria Math" panose="02040503050406030204" pitchFamily="18" charset="0"/>
-                          </a:rPr>
-                        </m:ctrlPr>
-                      </m:dPr>
-                      <m:e>
-                        <m:r>
-                          <a:rPr lang="pt-BR" b="1" i="1">
-                            <a:latin typeface="Cambria Math" panose="02040503050406030204" pitchFamily="18" charset="0"/>
-                          </a:rPr>
-                          <m:t>𝒙</m:t>
-                        </m:r>
-                        <m:d>
-                          <m:dPr>
-                            <m:ctrlPr>
-                              <a:rPr lang="pt-BR" b="1" i="1">
-                                <a:latin typeface="Cambria Math" panose="02040503050406030204" pitchFamily="18" charset="0"/>
-                              </a:rPr>
-                            </m:ctrlPr>
-                          </m:dPr>
-                          <m:e>
-                            <m:r>
-                              <a:rPr lang="pt-BR" i="1">
-                                <a:latin typeface="Cambria Math" panose="02040503050406030204" pitchFamily="18" charset="0"/>
-                              </a:rPr>
-                              <m:t>𝑖</m:t>
-                            </m:r>
-                          </m:e>
-                        </m:d>
-                      </m:e>
-                    </m:d>
-                    <m:r>
-                      <a:rPr lang="pt-BR" b="1" i="1" smtClean="0">
-                        <a:latin typeface="Cambria Math" panose="02040503050406030204" pitchFamily="18" charset="0"/>
-                      </a:rPr>
-                      <m:t>=</m:t>
-                    </m:r>
-                    <m:d>
-                      <m:dPr>
-                        <m:begChr m:val="["/>
-                        <m:endChr m:val="]"/>
-                        <m:ctrlPr>
-                          <a:rPr lang="pt-BR" b="1" i="1" smtClean="0">
-                            <a:latin typeface="Cambria Math" panose="02040503050406030204" pitchFamily="18" charset="0"/>
-                          </a:rPr>
-                        </m:ctrlPr>
-                      </m:dPr>
-                      <m:e>
-                        <m:m>
-                          <m:mPr>
-                            <m:mcs>
-                              <m:mc>
-                                <m:mcPr>
-                                  <m:count m:val="3"/>
-                                  <m:mcJc m:val="center"/>
-                                </m:mcPr>
-                              </m:mc>
-                            </m:mcs>
-                            <m:ctrlPr>
-                              <a:rPr lang="pt-BR" b="1" i="1" smtClean="0">
-                                <a:latin typeface="Cambria Math" panose="02040503050406030204" pitchFamily="18" charset="0"/>
-                              </a:rPr>
-                            </m:ctrlPr>
-                          </m:mPr>
-                          <m:mr>
-                            <m:e>
-                              <m:sSubSup>
-                                <m:sSubSupPr>
-                                  <m:ctrlPr>
-                                    <a:rPr lang="pt-BR" b="1" i="1">
-                                      <a:latin typeface="Cambria Math" panose="02040503050406030204" pitchFamily="18" charset="0"/>
-                                    </a:rPr>
-                                  </m:ctrlPr>
-                                </m:sSubSupPr>
-                                <m:e>
-                                  <m:r>
-                                    <a:rPr lang="pt-BR" i="1">
-                                      <a:latin typeface="Cambria Math" panose="02040503050406030204" pitchFamily="18" charset="0"/>
-                                    </a:rPr>
-                                    <m:t>h</m:t>
-                                  </m:r>
-                                </m:e>
-                                <m:sub>
-                                  <m:r>
-                                    <a:rPr lang="pt-BR" b="1" i="1">
-                                      <a:latin typeface="Cambria Math" panose="02040503050406030204" pitchFamily="18" charset="0"/>
-                                    </a:rPr>
-                                    <m:t>𝒂</m:t>
-                                  </m:r>
-                                </m:sub>
-                                <m:sup>
-                                  <m:r>
-                                    <a:rPr lang="pt-BR" b="0" i="1" smtClean="0">
-                                      <a:latin typeface="Cambria Math" panose="02040503050406030204" pitchFamily="18" charset="0"/>
-                                    </a:rPr>
-                                    <m:t>1</m:t>
-                                  </m:r>
-                                </m:sup>
-                              </m:sSubSup>
-                              <m:d>
-                                <m:dPr>
-                                  <m:ctrlPr>
-                                    <a:rPr lang="pt-BR" i="1">
-                                      <a:latin typeface="Cambria Math" panose="02040503050406030204" pitchFamily="18" charset="0"/>
-                                    </a:rPr>
-                                  </m:ctrlPr>
-                                </m:dPr>
-                                <m:e>
-                                  <m:r>
-                                    <a:rPr lang="pt-BR" b="1" i="1">
-                                      <a:latin typeface="Cambria Math" panose="02040503050406030204" pitchFamily="18" charset="0"/>
-                                    </a:rPr>
-                                    <m:t>𝒙</m:t>
-                                  </m:r>
-                                  <m:d>
-                                    <m:dPr>
-                                      <m:ctrlPr>
-                                        <a:rPr lang="pt-BR" b="1" i="1">
-                                          <a:latin typeface="Cambria Math" panose="02040503050406030204" pitchFamily="18" charset="0"/>
-                                        </a:rPr>
-                                      </m:ctrlPr>
-                                    </m:dPr>
-                                    <m:e>
-                                      <m:r>
-                                        <a:rPr lang="pt-BR" i="1">
-                                          <a:latin typeface="Cambria Math" panose="02040503050406030204" pitchFamily="18" charset="0"/>
-                                        </a:rPr>
-                                        <m:t>𝑖</m:t>
-                                      </m:r>
-                                    </m:e>
-                                  </m:d>
-                                </m:e>
-                              </m:d>
-                            </m:e>
-                            <m:e>
-                              <m:r>
-                                <a:rPr lang="pt-BR" b="1" i="1" smtClean="0">
-                                  <a:latin typeface="Cambria Math" panose="02040503050406030204" pitchFamily="18" charset="0"/>
-                                </a:rPr>
-                                <m:t>⋯</m:t>
-                              </m:r>
-                            </m:e>
-                            <m:e>
-                              <m:sSubSup>
-                                <m:sSubSupPr>
-                                  <m:ctrlPr>
-                                    <a:rPr lang="pt-BR" b="1" i="1">
-                                      <a:latin typeface="Cambria Math" panose="02040503050406030204" pitchFamily="18" charset="0"/>
-                                    </a:rPr>
-                                  </m:ctrlPr>
-                                </m:sSubSupPr>
-                                <m:e>
-                                  <m:r>
-                                    <a:rPr lang="pt-BR" i="1">
-                                      <a:latin typeface="Cambria Math" panose="02040503050406030204" pitchFamily="18" charset="0"/>
-                                    </a:rPr>
-                                    <m:t>h</m:t>
-                                  </m:r>
-                                </m:e>
-                                <m:sub>
-                                  <m:r>
-                                    <a:rPr lang="pt-BR" b="1" i="1">
-                                      <a:latin typeface="Cambria Math" panose="02040503050406030204" pitchFamily="18" charset="0"/>
-                                    </a:rPr>
-                                    <m:t>𝒂</m:t>
-                                  </m:r>
-                                </m:sub>
-                                <m:sup>
-                                  <m:r>
-                                    <a:rPr lang="pt-BR" b="0" i="1" smtClean="0">
-                                      <a:latin typeface="Cambria Math" panose="02040503050406030204" pitchFamily="18" charset="0"/>
-                                    </a:rPr>
-                                    <m:t>𝑄</m:t>
-                                  </m:r>
-                                </m:sup>
-                              </m:sSubSup>
-                              <m:d>
-                                <m:dPr>
-                                  <m:ctrlPr>
-                                    <a:rPr lang="pt-BR" i="1">
-                                      <a:latin typeface="Cambria Math" panose="02040503050406030204" pitchFamily="18" charset="0"/>
-                                    </a:rPr>
-                                  </m:ctrlPr>
-                                </m:dPr>
-                                <m:e>
-                                  <m:r>
-                                    <a:rPr lang="pt-BR" b="1" i="1">
-                                      <a:latin typeface="Cambria Math" panose="02040503050406030204" pitchFamily="18" charset="0"/>
-                                    </a:rPr>
-                                    <m:t>𝒙</m:t>
-                                  </m:r>
-                                  <m:d>
-                                    <m:dPr>
-                                      <m:ctrlPr>
-                                        <a:rPr lang="pt-BR" b="1" i="1">
-                                          <a:latin typeface="Cambria Math" panose="02040503050406030204" pitchFamily="18" charset="0"/>
-                                        </a:rPr>
-                                      </m:ctrlPr>
-                                    </m:dPr>
-                                    <m:e>
-                                      <m:r>
-                                        <a:rPr lang="pt-BR" i="1">
-                                          <a:latin typeface="Cambria Math" panose="02040503050406030204" pitchFamily="18" charset="0"/>
-                                        </a:rPr>
-                                        <m:t>𝑖</m:t>
-                                      </m:r>
-                                    </m:e>
-                                  </m:d>
-                                </m:e>
-                              </m:d>
-                            </m:e>
-                          </m:mr>
-                        </m:m>
-                      </m:e>
-                    </m:d>
-                    <m:r>
-                      <a:rPr lang="pt-BR" b="1" i="1" smtClean="0">
-                        <a:latin typeface="Cambria Math" panose="02040503050406030204" pitchFamily="18" charset="0"/>
-                        <a:ea typeface="Cambria Math" panose="02040503050406030204" pitchFamily="18" charset="0"/>
-                      </a:rPr>
-                      <m:t>∈ </m:t>
-                    </m:r>
-                    <m:sSup>
-                      <m:sSupPr>
-                        <m:ctrlPr>
-                          <a:rPr lang="pt-BR" b="1" i="1" smtClean="0">
-                            <a:latin typeface="Cambria Math" panose="02040503050406030204" pitchFamily="18" charset="0"/>
-                            <a:ea typeface="Cambria Math" panose="02040503050406030204" pitchFamily="18" charset="0"/>
-                          </a:rPr>
-                        </m:ctrlPr>
-                      </m:sSupPr>
-                      <m:e>
-                        <m:r>
-                          <a:rPr lang="pt-BR" b="1" i="1">
-                            <a:latin typeface="Cambria Math" panose="02040503050406030204" pitchFamily="18" charset="0"/>
-                            <a:ea typeface="Cambria Math" panose="02040503050406030204" pitchFamily="18" charset="0"/>
-                          </a:rPr>
-                          <m:t>ℝ</m:t>
-                        </m:r>
-                      </m:e>
-                      <m:sup>
-                        <m:r>
-                          <a:rPr lang="pt-BR" b="0" i="1" smtClean="0">
-                            <a:latin typeface="Cambria Math" panose="02040503050406030204" pitchFamily="18" charset="0"/>
-                            <a:ea typeface="Cambria Math" panose="02040503050406030204" pitchFamily="18" charset="0"/>
-                          </a:rPr>
-                          <m:t>𝑄</m:t>
-                        </m:r>
-                        <m:r>
-                          <a:rPr lang="pt-BR" b="0" i="1" smtClean="0">
-                            <a:latin typeface="Cambria Math" panose="02040503050406030204" pitchFamily="18" charset="0"/>
-                            <a:ea typeface="Cambria Math" panose="02040503050406030204" pitchFamily="18" charset="0"/>
-                          </a:rPr>
-                          <m:t>×1</m:t>
-                        </m:r>
-                      </m:sup>
-                    </m:sSup>
-                  </m:oMath>
-                </a14:m>
-                <a:r>
-                  <a:rPr lang="pt-BR" dirty="0" smtClean="0"/>
-                  <a:t> </a:t>
-                </a:r>
-              </a:p>
-              <a:p>
-                <a:pPr marL="0" indent="0">
-                  <a:buNone/>
-                </a:pPr>
-                <a:r>
-                  <a:rPr lang="pt-BR" dirty="0" smtClean="0"/>
-                  <a:t>que </a:t>
-                </a:r>
-                <a:r>
-                  <a:rPr lang="pt-BR" dirty="0"/>
-                  <a:t>atende os requisitos de uma </a:t>
-                </a:r>
-                <a:r>
-                  <a:rPr lang="pt-BR" b="1" i="1" dirty="0"/>
-                  <a:t>função probabilidade de massa </a:t>
-                </a:r>
-                <a:r>
-                  <a:rPr lang="pt-BR" dirty="0"/>
-                  <a:t>(PMF, do inglês </a:t>
-                </a:r>
-                <a:r>
-                  <a:rPr lang="pt-BR" b="1" i="1" dirty="0"/>
-                  <a:t>probability mass function</a:t>
-                </a:r>
-                <a:r>
-                  <a:rPr lang="pt-BR" dirty="0" smtClean="0"/>
-                  <a:t>) </a:t>
-                </a:r>
-                <a:r>
-                  <a:rPr lang="pt-BR" b="1" i="1" dirty="0" smtClean="0"/>
-                  <a:t>multinomial</a:t>
-                </a:r>
-                <a:r>
-                  <a:rPr lang="pt-BR" dirty="0" smtClean="0"/>
-                  <a:t>.</a:t>
-                </a:r>
-              </a:p>
-              <a:p>
-                <a:r>
-                  <a:rPr lang="pt-BR" dirty="0"/>
-                  <a:t>A derivada de </a:t>
-                </a:r>
-                <a14:m>
-                  <m:oMath xmlns:m="http://schemas.openxmlformats.org/officeDocument/2006/math">
-                    <m:sSub>
-                      <m:sSubPr>
-                        <m:ctrlPr>
-                          <a:rPr lang="pt-BR" i="1">
-                            <a:latin typeface="Cambria Math" panose="02040503050406030204" pitchFamily="18" charset="0"/>
-                          </a:rPr>
-                        </m:ctrlPr>
-                      </m:sSubPr>
-                      <m:e>
-                        <m:r>
-                          <a:rPr lang="pt-BR" i="1">
-                            <a:latin typeface="Cambria Math" panose="02040503050406030204" pitchFamily="18" charset="0"/>
-                          </a:rPr>
-                          <m:t>𝐽</m:t>
                         </m:r>
                       </m:e>
                       <m:sub>
@@ -8344,54 +7173,27 @@
                           <a:rPr lang="pt-BR" i="1">
                             <a:latin typeface="Cambria Math" panose="02040503050406030204" pitchFamily="18" charset="0"/>
                           </a:rPr>
-                          <m:t>𝑒</m:t>
+                          <m:t>𝑞</m:t>
                         </m:r>
                       </m:sub>
                     </m:sSub>
-                    <m:d>
-                      <m:dPr>
-                        <m:ctrlPr>
-                          <a:rPr lang="pt-BR" i="1">
-                            <a:latin typeface="Cambria Math" panose="02040503050406030204" pitchFamily="18" charset="0"/>
-                          </a:rPr>
-                        </m:ctrlPr>
-                      </m:dPr>
-                      <m:e>
-                        <m:r>
-                          <a:rPr lang="pt-BR" b="1" i="1">
-                            <a:latin typeface="Cambria Math" panose="02040503050406030204" pitchFamily="18" charset="0"/>
-                          </a:rPr>
-                          <m:t>𝑨</m:t>
-                        </m:r>
-                      </m:e>
-                    </m:d>
-                  </m:oMath>
-                </a14:m>
-                <a:r>
-                  <a:rPr lang="pt-BR" dirty="0" smtClean="0"/>
-                  <a:t> com </a:t>
-                </a:r>
-                <a:r>
-                  <a:rPr lang="pt-BR" dirty="0"/>
-                  <a:t>respeito a cada vetor de </a:t>
-                </a:r>
-                <a:r>
-                  <a:rPr lang="pt-BR" dirty="0" smtClean="0"/>
-                  <a:t>pesos </a:t>
-                </a:r>
-                <a14:m>
-                  <m:oMath xmlns:m="http://schemas.openxmlformats.org/officeDocument/2006/math">
+                    <m:r>
+                      <a:rPr lang="pt-BR" b="1" i="1">
+                        <a:latin typeface="Cambria Math" panose="02040503050406030204" pitchFamily="18" charset="0"/>
+                      </a:rPr>
+                      <m:t>=</m:t>
+                    </m:r>
                     <m:sSub>
                       <m:sSubPr>
                         <m:ctrlPr>
-                          <a:rPr lang="pt-BR" i="1" smtClean="0">
+                          <a:rPr lang="pt-BR" i="1">
                             <a:latin typeface="Cambria Math" panose="02040503050406030204" pitchFamily="18" charset="0"/>
                           </a:rPr>
                         </m:ctrlPr>
                       </m:sSubPr>
                       <m:e>
                         <m:r>
-                          <a:rPr lang="pt-BR" b="1" i="1" smtClean="0">
+                          <a:rPr lang="pt-BR" b="1" i="1">
                             <a:latin typeface="Cambria Math" panose="02040503050406030204" pitchFamily="18" charset="0"/>
                           </a:rPr>
                           <m:t>𝒂</m:t>
@@ -8399,42 +7201,26 @@
                       </m:e>
                       <m:sub>
                         <m:r>
-                          <a:rPr lang="pt-BR" b="0" i="1" smtClean="0">
+                          <a:rPr lang="pt-BR" i="1">
                             <a:latin typeface="Cambria Math" panose="02040503050406030204" pitchFamily="18" charset="0"/>
                           </a:rPr>
                           <m:t>𝑞</m:t>
                         </m:r>
                       </m:sub>
                     </m:sSub>
-                  </m:oMath>
-                </a14:m>
-                <a:r>
-                  <a:rPr lang="pt-BR" dirty="0" smtClean="0"/>
-                  <a:t> segue </a:t>
-                </a:r>
-                <a:r>
-                  <a:rPr lang="pt-BR" dirty="0"/>
-                  <a:t>uma expressão semelhante àquela obtida </a:t>
-                </a:r>
-                <a:r>
-                  <a:rPr lang="pt-BR" dirty="0" smtClean="0"/>
-                  <a:t>para a </a:t>
-                </a:r>
-                <a:r>
-                  <a:rPr lang="pt-BR" b="1" i="1" dirty="0" smtClean="0"/>
-                  <a:t>regressão logística</a:t>
-                </a:r>
-                <a:r>
-                  <a:rPr lang="pt-BR" dirty="0" smtClean="0"/>
-                  <a:t>: </a:t>
-                </a:r>
-              </a:p>
-              <a:p>
-                <a:pPr marL="0" indent="0" algn="ctr">
-                  <a:buNone/>
-                </a:pPr>
-                <a14:m>
-                  <m:oMath xmlns:m="http://schemas.openxmlformats.org/officeDocument/2006/math">
+                    <m:r>
+                      <a:rPr lang="pt-BR" b="1" i="1">
+                        <a:latin typeface="Cambria Math" panose="02040503050406030204" pitchFamily="18" charset="0"/>
+                      </a:rPr>
+                      <m:t>−</m:t>
+                    </m:r>
+                    <m:r>
+                      <a:rPr lang="pt-BR" i="1">
+                        <a:latin typeface="Cambria Math" panose="02040503050406030204" pitchFamily="18" charset="0"/>
+                        <a:ea typeface="Cambria Math" panose="02040503050406030204" pitchFamily="18" charset="0"/>
+                      </a:rPr>
+                      <m:t>𝛼</m:t>
+                    </m:r>
                     <m:f>
                       <m:fPr>
                         <m:ctrlPr>
@@ -8485,7 +7271,7 @@
                           </m:dPr>
                           <m:e>
                             <m:r>
-                              <a:rPr lang="pt-BR" b="1" i="1" smtClean="0">
+                              <a:rPr lang="pt-BR" b="1" i="1">
                                 <a:latin typeface="Cambria Math" panose="02040503050406030204" pitchFamily="18" charset="0"/>
                               </a:rPr>
                               <m:t>𝑨</m:t>
@@ -8503,14 +7289,14 @@
                         <m:sSub>
                           <m:sSubPr>
                             <m:ctrlPr>
-                              <a:rPr lang="pt-BR" i="1" smtClean="0">
+                              <a:rPr lang="pt-BR" i="1">
                                 <a:latin typeface="Cambria Math" panose="02040503050406030204" pitchFamily="18" charset="0"/>
                               </a:rPr>
                             </m:ctrlPr>
                           </m:sSubPr>
                           <m:e>
                             <m:r>
-                              <a:rPr lang="pt-BR" b="1" i="1" smtClean="0">
+                              <a:rPr lang="pt-BR" b="1" i="1">
                                 <a:latin typeface="Cambria Math" panose="02040503050406030204" pitchFamily="18" charset="0"/>
                               </a:rPr>
                               <m:t>𝒂</m:t>
@@ -8518,7 +7304,229 @@
                           </m:e>
                           <m:sub>
                             <m:r>
-                              <a:rPr lang="pt-BR" b="0" i="1" smtClean="0">
+                              <a:rPr lang="pt-BR" i="1">
+                                <a:latin typeface="Cambria Math" panose="02040503050406030204" pitchFamily="18" charset="0"/>
+                              </a:rPr>
+                              <m:t>𝑞</m:t>
+                            </m:r>
+                          </m:sub>
+                        </m:sSub>
+                      </m:den>
+                    </m:f>
+                  </m:oMath>
+                </a14:m>
+                <a:r>
+                  <a:rPr lang="pt-BR" dirty="0"/>
+                  <a:t> </a:t>
+                </a:r>
+              </a:p>
+              <a:p>
+                <a:r>
+                  <a:rPr lang="pt-BR" dirty="0"/>
+                  <a:t>A </a:t>
+                </a:r>
+                <a:r>
+                  <a:rPr lang="pt-BR" dirty="0"/>
+                  <a:t>derivada de </a:t>
+                </a:r>
+                <a14:m>
+                  <m:oMath xmlns:m="http://schemas.openxmlformats.org/officeDocument/2006/math">
+                    <m:sSub>
+                      <m:sSubPr>
+                        <m:ctrlPr>
+                          <a:rPr lang="pt-BR" i="1">
+                            <a:latin typeface="Cambria Math" panose="02040503050406030204" pitchFamily="18" charset="0"/>
+                          </a:rPr>
+                        </m:ctrlPr>
+                      </m:sSubPr>
+                      <m:e>
+                        <m:r>
+                          <a:rPr lang="pt-BR" i="1">
+                            <a:latin typeface="Cambria Math" panose="02040503050406030204" pitchFamily="18" charset="0"/>
+                          </a:rPr>
+                          <m:t>𝐽</m:t>
+                        </m:r>
+                      </m:e>
+                      <m:sub>
+                        <m:r>
+                          <a:rPr lang="pt-BR" i="1">
+                            <a:latin typeface="Cambria Math" panose="02040503050406030204" pitchFamily="18" charset="0"/>
+                          </a:rPr>
+                          <m:t>𝑒</m:t>
+                        </m:r>
+                      </m:sub>
+                    </m:sSub>
+                    <m:d>
+                      <m:dPr>
+                        <m:ctrlPr>
+                          <a:rPr lang="pt-BR" i="1">
+                            <a:latin typeface="Cambria Math" panose="02040503050406030204" pitchFamily="18" charset="0"/>
+                          </a:rPr>
+                        </m:ctrlPr>
+                      </m:dPr>
+                      <m:e>
+                        <m:r>
+                          <a:rPr lang="pt-BR" b="1" i="1">
+                            <a:latin typeface="Cambria Math" panose="02040503050406030204" pitchFamily="18" charset="0"/>
+                          </a:rPr>
+                          <m:t>𝑨</m:t>
+                        </m:r>
+                      </m:e>
+                    </m:d>
+                  </m:oMath>
+                </a14:m>
+                <a:r>
+                  <a:rPr lang="pt-BR" dirty="0"/>
+                  <a:t> com respeito a</a:t>
+                </a:r>
+                <a:r>
+                  <a:rPr lang="pt-BR" dirty="0"/>
+                  <a:t> </a:t>
+                </a:r>
+                <a:r>
+                  <a:rPr lang="pt-BR" dirty="0"/>
+                  <a:t>cada vetor de </a:t>
+                </a:r>
+                <a:r>
+                  <a:rPr lang="pt-BR" dirty="0"/>
+                  <a:t>pesos, </a:t>
+                </a:r>
+                <a14:m>
+                  <m:oMath xmlns:m="http://schemas.openxmlformats.org/officeDocument/2006/math">
+                    <m:sSub>
+                      <m:sSubPr>
+                        <m:ctrlPr>
+                          <a:rPr lang="pt-BR" i="1">
+                            <a:latin typeface="Cambria Math" panose="02040503050406030204" pitchFamily="18" charset="0"/>
+                          </a:rPr>
+                        </m:ctrlPr>
+                      </m:sSubPr>
+                      <m:e>
+                        <m:r>
+                          <a:rPr lang="pt-BR" b="1" i="1">
+                            <a:latin typeface="Cambria Math" panose="02040503050406030204" pitchFamily="18" charset="0"/>
+                          </a:rPr>
+                          <m:t>𝒂</m:t>
+                        </m:r>
+                      </m:e>
+                      <m:sub>
+                        <m:r>
+                          <a:rPr lang="pt-BR" i="1">
+                            <a:latin typeface="Cambria Math" panose="02040503050406030204" pitchFamily="18" charset="0"/>
+                          </a:rPr>
+                          <m:t>𝑞</m:t>
+                        </m:r>
+                      </m:sub>
+                    </m:sSub>
+                  </m:oMath>
+                </a14:m>
+                <a:r>
+                  <a:rPr lang="pt-BR" dirty="0"/>
+                  <a:t>, tem uma </a:t>
+                </a:r>
+                <a:r>
+                  <a:rPr lang="pt-BR" dirty="0"/>
+                  <a:t>expressão semelhante àquela obtida para a </a:t>
+                </a:r>
+                <a:r>
+                  <a:rPr lang="pt-BR" b="1" i="1" dirty="0"/>
+                  <a:t>regressão logística</a:t>
+                </a:r>
+                <a:r>
+                  <a:rPr lang="pt-BR" dirty="0"/>
+                  <a:t>: </a:t>
+                </a:r>
+              </a:p>
+              <a:p>
+                <a:pPr marL="0" indent="0" algn="ctr">
+                  <a:buNone/>
+                </a:pPr>
+                <a14:m>
+                  <m:oMath xmlns:m="http://schemas.openxmlformats.org/officeDocument/2006/math">
+                    <m:f>
+                      <m:fPr>
+                        <m:ctrlPr>
+                          <a:rPr lang="pt-BR" i="1">
+                            <a:latin typeface="Cambria Math" panose="02040503050406030204" pitchFamily="18" charset="0"/>
+                          </a:rPr>
+                        </m:ctrlPr>
+                      </m:fPr>
+                      <m:num>
+                        <m:r>
+                          <a:rPr lang="pt-BR" i="1">
+                            <a:latin typeface="Cambria Math" panose="02040503050406030204" pitchFamily="18" charset="0"/>
+                          </a:rPr>
+                          <m:t>𝜕</m:t>
+                        </m:r>
+                        <m:sSub>
+                          <m:sSubPr>
+                            <m:ctrlPr>
+                              <a:rPr lang="pt-BR" i="1">
+                                <a:latin typeface="Cambria Math" panose="02040503050406030204" pitchFamily="18" charset="0"/>
+                              </a:rPr>
+                            </m:ctrlPr>
+                          </m:sSubPr>
+                          <m:e>
+                            <m:r>
+                              <a:rPr lang="pt-BR" i="1">
+                                <a:latin typeface="Cambria Math" panose="02040503050406030204" pitchFamily="18" charset="0"/>
+                              </a:rPr>
+                              <m:t>𝐽</m:t>
+                            </m:r>
+                          </m:e>
+                          <m:sub>
+                            <m:r>
+                              <a:rPr lang="pt-BR" i="1">
+                                <a:latin typeface="Cambria Math" panose="02040503050406030204" pitchFamily="18" charset="0"/>
+                              </a:rPr>
+                              <m:t>𝑒</m:t>
+                            </m:r>
+                          </m:sub>
+                        </m:sSub>
+                        <m:d>
+                          <m:dPr>
+                            <m:ctrlPr>
+                              <a:rPr lang="pt-BR" i="1">
+                                <a:latin typeface="Cambria Math" panose="02040503050406030204" pitchFamily="18" charset="0"/>
+                              </a:rPr>
+                            </m:ctrlPr>
+                          </m:dPr>
+                          <m:e>
+                            <m:r>
+                              <a:rPr lang="pt-BR" b="1" i="1">
+                                <a:latin typeface="Cambria Math" panose="02040503050406030204" pitchFamily="18" charset="0"/>
+                              </a:rPr>
+                              <m:t>𝑨</m:t>
+                            </m:r>
+                          </m:e>
+                        </m:d>
+                      </m:num>
+                      <m:den>
+                        <m:r>
+                          <a:rPr lang="pt-BR" i="1">
+                            <a:latin typeface="Cambria Math" panose="02040503050406030204" pitchFamily="18" charset="0"/>
+                          </a:rPr>
+                          <m:t>𝜕</m:t>
+                        </m:r>
+                        <m:sSub>
+                          <m:sSubPr>
+                            <m:ctrlPr>
+                              <a:rPr lang="pt-BR" i="1">
+                                <a:latin typeface="Cambria Math" panose="02040503050406030204" pitchFamily="18" charset="0"/>
+                              </a:rPr>
+                            </m:ctrlPr>
+                          </m:sSubPr>
+                          <m:e>
+                            <m:r>
+                              <a:rPr lang="pt-BR" b="1" i="1">
+                                <a:latin typeface="Cambria Math" panose="02040503050406030204" pitchFamily="18" charset="0"/>
+                              </a:rPr>
+                              <m:t>𝒂</m:t>
+                            </m:r>
+                          </m:e>
+                          <m:sub>
+                            <m:r>
+                              <a:rPr lang="pt-BR" i="1">
                                 <a:latin typeface="Cambria Math" panose="02040503050406030204" pitchFamily="18" charset="0"/>
                               </a:rPr>
                               <m:t>𝑞</m:t>
@@ -8534,7 +7542,7 @@
                       <m:t>=</m:t>
                     </m:r>
                     <m:r>
-                      <a:rPr lang="pt-BR" b="0" i="1" smtClean="0">
+                      <a:rPr lang="pt-BR" i="1">
                         <a:latin typeface="Cambria Math" panose="02040503050406030204" pitchFamily="18" charset="0"/>
                       </a:rPr>
                       <m:t>−</m:t>
@@ -8659,7 +7667,7 @@
                               </m:e>
                             </m:d>
                             <m:r>
-                              <a:rPr lang="pt-BR" b="0" i="1" smtClean="0">
+                              <a:rPr lang="pt-BR" i="1">
                                 <a:latin typeface="Cambria Math" panose="02040503050406030204" pitchFamily="18" charset="0"/>
                               </a:rPr>
                               <m:t>−</m:t>
@@ -8780,14 +7788,734 @@
                   </m:oMath>
                 </a14:m>
                 <a:r>
+                  <a:rPr lang="pt-BR" dirty="0"/>
+                  <a:t>.</a:t>
+                </a:r>
+                <a:endParaRPr lang="pt-BR" i="1" dirty="0">
+                  <a:latin typeface="Cambria Math" panose="02040503050406030204" pitchFamily="18" charset="0"/>
+                </a:endParaRPr>
+              </a:p>
+              <a:p>
+                <a14:m>
+                  <m:oMath xmlns:m="http://schemas.openxmlformats.org/officeDocument/2006/math">
+                    <m:nary>
+                      <m:naryPr>
+                        <m:chr m:val="∑"/>
+                        <m:ctrlPr>
+                          <a:rPr lang="pt-BR" i="1">
+                            <a:latin typeface="Cambria Math" panose="02040503050406030204" pitchFamily="18" charset="0"/>
+                          </a:rPr>
+                        </m:ctrlPr>
+                      </m:naryPr>
+                      <m:sub>
+                        <m:r>
+                          <m:rPr>
+                            <m:brk m:alnAt="23"/>
+                          </m:rPr>
+                          <a:rPr lang="pt-BR" i="1">
+                            <a:latin typeface="Cambria Math" panose="02040503050406030204" pitchFamily="18" charset="0"/>
+                          </a:rPr>
+                          <m:t>𝑞</m:t>
+                        </m:r>
+                        <m:r>
+                          <a:rPr lang="pt-BR" i="1">
+                            <a:latin typeface="Cambria Math" panose="02040503050406030204" pitchFamily="18" charset="0"/>
+                          </a:rPr>
+                          <m:t>=1</m:t>
+                        </m:r>
+                      </m:sub>
+                      <m:sup>
+                        <m:r>
+                          <a:rPr lang="pt-BR" i="1">
+                            <a:latin typeface="Cambria Math" panose="02040503050406030204" pitchFamily="18" charset="0"/>
+                          </a:rPr>
+                          <m:t>𝑄</m:t>
+                        </m:r>
+                      </m:sup>
+                      <m:e>
+                        <m:sSubSup>
+                          <m:sSubSupPr>
+                            <m:ctrlPr>
+                              <a:rPr lang="pt-BR" b="1" i="1">
+                                <a:latin typeface="Cambria Math" panose="02040503050406030204" pitchFamily="18" charset="0"/>
+                              </a:rPr>
+                            </m:ctrlPr>
+                          </m:sSubSupPr>
+                          <m:e>
+                            <m:r>
+                              <a:rPr lang="pt-BR" i="1">
+                                <a:latin typeface="Cambria Math" panose="02040503050406030204" pitchFamily="18" charset="0"/>
+                              </a:rPr>
+                              <m:t>h</m:t>
+                            </m:r>
+                          </m:e>
+                          <m:sub>
+                            <m:r>
+                              <a:rPr lang="pt-BR" b="1" i="1">
+                                <a:latin typeface="Cambria Math" panose="02040503050406030204" pitchFamily="18" charset="0"/>
+                              </a:rPr>
+                              <m:t>𝒂</m:t>
+                            </m:r>
+                          </m:sub>
+                          <m:sup>
+                            <m:r>
+                              <a:rPr lang="pt-BR" i="1">
+                                <a:latin typeface="Cambria Math" panose="02040503050406030204" pitchFamily="18" charset="0"/>
+                              </a:rPr>
+                              <m:t>𝑞</m:t>
+                            </m:r>
+                          </m:sup>
+                        </m:sSubSup>
+                        <m:d>
+                          <m:dPr>
+                            <m:ctrlPr>
+                              <a:rPr lang="pt-BR" i="1">
+                                <a:latin typeface="Cambria Math" panose="02040503050406030204" pitchFamily="18" charset="0"/>
+                              </a:rPr>
+                            </m:ctrlPr>
+                          </m:dPr>
+                          <m:e>
+                            <m:r>
+                              <a:rPr lang="pt-BR" b="1" i="1">
+                                <a:latin typeface="Cambria Math" panose="02040503050406030204" pitchFamily="18" charset="0"/>
+                              </a:rPr>
+                              <m:t>𝒙</m:t>
+                            </m:r>
+                            <m:d>
+                              <m:dPr>
+                                <m:ctrlPr>
+                                  <a:rPr lang="pt-BR" b="1" i="1">
+                                    <a:latin typeface="Cambria Math" panose="02040503050406030204" pitchFamily="18" charset="0"/>
+                                  </a:rPr>
+                                </m:ctrlPr>
+                              </m:dPr>
+                              <m:e>
+                                <m:r>
+                                  <a:rPr lang="pt-BR" i="1">
+                                    <a:latin typeface="Cambria Math" panose="02040503050406030204" pitchFamily="18" charset="0"/>
+                                  </a:rPr>
+                                  <m:t>𝑖</m:t>
+                                </m:r>
+                              </m:e>
+                            </m:d>
+                          </m:e>
+                        </m:d>
+                        <m:r>
+                          <a:rPr lang="pt-BR" b="1" i="1">
+                            <a:latin typeface="Cambria Math" panose="02040503050406030204" pitchFamily="18" charset="0"/>
+                          </a:rPr>
+                          <m:t>=</m:t>
+                        </m:r>
+                        <m:nary>
+                          <m:naryPr>
+                            <m:chr m:val="∑"/>
+                            <m:ctrlPr>
+                              <a:rPr lang="pt-BR" i="1">
+                                <a:latin typeface="Cambria Math" panose="02040503050406030204" pitchFamily="18" charset="0"/>
+                              </a:rPr>
+                            </m:ctrlPr>
+                          </m:naryPr>
+                          <m:sub>
+                            <m:r>
+                              <m:rPr>
+                                <m:brk m:alnAt="23"/>
+                              </m:rPr>
+                              <a:rPr lang="pt-BR" i="1">
+                                <a:latin typeface="Cambria Math" panose="02040503050406030204" pitchFamily="18" charset="0"/>
+                              </a:rPr>
+                              <m:t>𝑞</m:t>
+                            </m:r>
+                            <m:r>
+                              <a:rPr lang="pt-BR" i="1">
+                                <a:latin typeface="Cambria Math" panose="02040503050406030204" pitchFamily="18" charset="0"/>
+                              </a:rPr>
+                              <m:t>=1</m:t>
+                            </m:r>
+                          </m:sub>
+                          <m:sup>
+                            <m:r>
+                              <a:rPr lang="pt-BR" i="1">
+                                <a:latin typeface="Cambria Math" panose="02040503050406030204" pitchFamily="18" charset="0"/>
+                              </a:rPr>
+                              <m:t>𝑄</m:t>
+                            </m:r>
+                          </m:sup>
+                          <m:e>
+                            <m:r>
+                              <a:rPr lang="pt-BR" i="1">
+                                <a:latin typeface="Cambria Math" panose="02040503050406030204" pitchFamily="18" charset="0"/>
+                              </a:rPr>
+                              <m:t>𝑃</m:t>
+                            </m:r>
+                            <m:d>
+                              <m:dPr>
+                                <m:endChr m:val="|"/>
+                                <m:ctrlPr>
+                                  <a:rPr lang="pt-BR" i="1">
+                                    <a:latin typeface="Cambria Math" panose="02040503050406030204" pitchFamily="18" charset="0"/>
+                                  </a:rPr>
+                                </m:ctrlPr>
+                              </m:dPr>
+                              <m:e>
+                                <m:sSub>
+                                  <m:sSubPr>
+                                    <m:ctrlPr>
+                                      <a:rPr lang="pt-BR" i="1">
+                                        <a:latin typeface="Cambria Math" panose="02040503050406030204" pitchFamily="18" charset="0"/>
+                                      </a:rPr>
+                                    </m:ctrlPr>
+                                  </m:sSubPr>
+                                  <m:e>
+                                    <m:r>
+                                      <a:rPr lang="pt-BR" i="1">
+                                        <a:latin typeface="Cambria Math" panose="02040503050406030204" pitchFamily="18" charset="0"/>
+                                      </a:rPr>
+                                      <m:t>𝐶</m:t>
+                                    </m:r>
+                                  </m:e>
+                                  <m:sub>
+                                    <m:r>
+                                      <a:rPr lang="pt-BR" i="1">
+                                        <a:latin typeface="Cambria Math" panose="02040503050406030204" pitchFamily="18" charset="0"/>
+                                      </a:rPr>
+                                      <m:t>𝑞</m:t>
+                                    </m:r>
+                                  </m:sub>
+                                </m:sSub>
+                                <m:r>
+                                  <a:rPr lang="pt-BR" i="1">
+                                    <a:latin typeface="Cambria Math" panose="02040503050406030204" pitchFamily="18" charset="0"/>
+                                  </a:rPr>
+                                  <m:t> </m:t>
+                                </m:r>
+                              </m:e>
+                            </m:d>
+                            <m:r>
+                              <a:rPr lang="pt-BR" b="1" i="1">
+                                <a:latin typeface="Cambria Math" panose="02040503050406030204" pitchFamily="18" charset="0"/>
+                              </a:rPr>
+                              <m:t>𝒙</m:t>
+                            </m:r>
+                            <m:r>
+                              <a:rPr lang="pt-BR" i="1">
+                                <a:latin typeface="Cambria Math" panose="02040503050406030204" pitchFamily="18" charset="0"/>
+                              </a:rPr>
+                              <m:t>;</m:t>
+                            </m:r>
+                            <m:sSub>
+                              <m:sSubPr>
+                                <m:ctrlPr>
+                                  <a:rPr lang="pt-BR" i="1">
+                                    <a:latin typeface="Cambria Math" panose="02040503050406030204" pitchFamily="18" charset="0"/>
+                                  </a:rPr>
+                                </m:ctrlPr>
+                              </m:sSubPr>
+                              <m:e>
+                                <m:r>
+                                  <a:rPr lang="pt-BR" b="1" i="1">
+                                    <a:latin typeface="Cambria Math" panose="02040503050406030204" pitchFamily="18" charset="0"/>
+                                  </a:rPr>
+                                  <m:t>𝒂</m:t>
+                                </m:r>
+                              </m:e>
+                              <m:sub>
+                                <m:r>
+                                  <a:rPr lang="pt-BR" i="1">
+                                    <a:latin typeface="Cambria Math" panose="02040503050406030204" pitchFamily="18" charset="0"/>
+                                  </a:rPr>
+                                  <m:t>𝑞</m:t>
+                                </m:r>
+                              </m:sub>
+                            </m:sSub>
+                            <m:r>
+                              <a:rPr lang="pt-BR" i="1">
+                                <a:latin typeface="Cambria Math" panose="02040503050406030204" pitchFamily="18" charset="0"/>
+                              </a:rPr>
+                              <m:t>)</m:t>
+                            </m:r>
+                          </m:e>
+                        </m:nary>
+                        <m:r>
+                          <a:rPr lang="pt-BR" i="1">
+                            <a:latin typeface="Cambria Math" panose="02040503050406030204" pitchFamily="18" charset="0"/>
+                          </a:rPr>
+                          <m:t>=1</m:t>
+                        </m:r>
+                      </m:e>
+                    </m:nary>
+                  </m:oMath>
+                </a14:m>
+                <a:r>
+                  <a:rPr lang="pt-BR" dirty="0"/>
+                  <a:t>, ou seja, o somatório da </a:t>
+                </a:r>
+                <a:r>
+                  <a:rPr lang="pt-BR" b="1" i="1" dirty="0"/>
+                  <a:t>probabilidade condicional</a:t>
+                </a:r>
+                <a:r>
+                  <a:rPr lang="pt-BR" dirty="0"/>
+                  <a:t> de todas as classes é igual a 1.</a:t>
+                </a:r>
+              </a:p>
+              <a:p>
+                <a:r>
+                  <a:rPr lang="pt-BR" dirty="0"/>
+                  <a:t> </a:t>
+                </a:r>
+                <a14:m>
+                  <m:oMath xmlns:m="http://schemas.openxmlformats.org/officeDocument/2006/math">
+                    <m:r>
+                      <a:rPr lang="pt-BR">
+                        <a:latin typeface="Cambria Math" panose="02040503050406030204" pitchFamily="18" charset="0"/>
+                        <a:ea typeface="Cambria Math" panose="02040503050406030204" pitchFamily="18" charset="0"/>
+                      </a:rPr>
+                      <m:t>0</m:t>
+                    </m:r>
+                    <m:r>
+                      <a:rPr lang="pt-BR" b="1" i="1">
+                        <a:latin typeface="Cambria Math" panose="02040503050406030204" pitchFamily="18" charset="0"/>
+                        <a:ea typeface="Cambria Math" panose="02040503050406030204" pitchFamily="18" charset="0"/>
+                      </a:rPr>
+                      <m:t>≤</m:t>
+                    </m:r>
+                    <m:sSubSup>
+                      <m:sSubSupPr>
+                        <m:ctrlPr>
+                          <a:rPr lang="pt-BR" b="1" i="1">
+                            <a:latin typeface="Cambria Math" panose="02040503050406030204" pitchFamily="18" charset="0"/>
+                          </a:rPr>
+                        </m:ctrlPr>
+                      </m:sSubSupPr>
+                      <m:e>
+                        <m:r>
+                          <a:rPr lang="pt-BR" i="1">
+                            <a:latin typeface="Cambria Math" panose="02040503050406030204" pitchFamily="18" charset="0"/>
+                          </a:rPr>
+                          <m:t>h</m:t>
+                        </m:r>
+                      </m:e>
+                      <m:sub>
+                        <m:r>
+                          <a:rPr lang="pt-BR" b="1" i="1">
+                            <a:latin typeface="Cambria Math" panose="02040503050406030204" pitchFamily="18" charset="0"/>
+                          </a:rPr>
+                          <m:t>𝒂</m:t>
+                        </m:r>
+                      </m:sub>
+                      <m:sup>
+                        <m:r>
+                          <a:rPr lang="pt-BR" i="1">
+                            <a:latin typeface="Cambria Math" panose="02040503050406030204" pitchFamily="18" charset="0"/>
+                          </a:rPr>
+                          <m:t>𝑞</m:t>
+                        </m:r>
+                      </m:sup>
+                    </m:sSubSup>
+                    <m:d>
+                      <m:dPr>
+                        <m:ctrlPr>
+                          <a:rPr lang="pt-BR" i="1">
+                            <a:latin typeface="Cambria Math" panose="02040503050406030204" pitchFamily="18" charset="0"/>
+                          </a:rPr>
+                        </m:ctrlPr>
+                      </m:dPr>
+                      <m:e>
+                        <m:r>
+                          <a:rPr lang="pt-BR" b="1" i="1">
+                            <a:latin typeface="Cambria Math" panose="02040503050406030204" pitchFamily="18" charset="0"/>
+                          </a:rPr>
+                          <m:t>𝒙</m:t>
+                        </m:r>
+                        <m:d>
+                          <m:dPr>
+                            <m:ctrlPr>
+                              <a:rPr lang="pt-BR" b="1" i="1">
+                                <a:latin typeface="Cambria Math" panose="02040503050406030204" pitchFamily="18" charset="0"/>
+                              </a:rPr>
+                            </m:ctrlPr>
+                          </m:dPr>
+                          <m:e>
+                            <m:r>
+                              <a:rPr lang="pt-BR" i="1">
+                                <a:latin typeface="Cambria Math" panose="02040503050406030204" pitchFamily="18" charset="0"/>
+                              </a:rPr>
+                              <m:t>𝑖</m:t>
+                            </m:r>
+                          </m:e>
+                        </m:d>
+                      </m:e>
+                    </m:d>
+                    <m:r>
+                      <a:rPr lang="pt-BR" b="1" i="1">
+                        <a:latin typeface="Cambria Math" panose="02040503050406030204" pitchFamily="18" charset="0"/>
+                        <a:ea typeface="Cambria Math" panose="02040503050406030204" pitchFamily="18" charset="0"/>
+                      </a:rPr>
+                      <m:t>≤</m:t>
+                    </m:r>
+                    <m:r>
+                      <a:rPr lang="pt-BR" i="1">
+                        <a:latin typeface="Cambria Math" panose="02040503050406030204" pitchFamily="18" charset="0"/>
+                        <a:ea typeface="Cambria Math" panose="02040503050406030204" pitchFamily="18" charset="0"/>
+                      </a:rPr>
+                      <m:t>1</m:t>
+                    </m:r>
+                  </m:oMath>
+                </a14:m>
+                <a:r>
+                  <a:rPr lang="pt-BR" dirty="0"/>
+                  <a:t>, ou seja, </a:t>
+                </a:r>
+                <a:r>
+                  <a:rPr lang="pt-BR" dirty="0"/>
+                  <a:t>temos, </a:t>
+                </a:r>
+                <a:r>
+                  <a:rPr lang="pt-BR" dirty="0"/>
+                  <a:t>um vetor </a:t>
+                </a:r>
+                <a:endParaRPr lang="pt-BR" dirty="0"/>
+              </a:p>
+              <a:p>
+                <a:pPr marL="0" indent="0" algn="ctr">
+                  <a:buNone/>
+                </a:pPr>
+                <a14:m>
+                  <m:oMath xmlns:m="http://schemas.openxmlformats.org/officeDocument/2006/math">
+                    <m:sSub>
+                      <m:sSubPr>
+                        <m:ctrlPr>
+                          <a:rPr lang="pt-BR" i="1">
+                            <a:latin typeface="Cambria Math" panose="02040503050406030204" pitchFamily="18" charset="0"/>
+                          </a:rPr>
+                        </m:ctrlPr>
+                      </m:sSubPr>
+                      <m:e>
+                        <m:r>
+                          <a:rPr lang="pt-BR" b="1" i="1">
+                            <a:latin typeface="Cambria Math" panose="02040503050406030204" pitchFamily="18" charset="0"/>
+                          </a:rPr>
+                          <m:t>𝒉</m:t>
+                        </m:r>
+                      </m:e>
+                      <m:sub>
+                        <m:r>
+                          <a:rPr lang="pt-BR" b="1" i="1">
+                            <a:latin typeface="Cambria Math" panose="02040503050406030204" pitchFamily="18" charset="0"/>
+                          </a:rPr>
+                          <m:t>𝒂</m:t>
+                        </m:r>
+                      </m:sub>
+                    </m:sSub>
+                    <m:d>
+                      <m:dPr>
+                        <m:ctrlPr>
+                          <a:rPr lang="pt-BR" i="1">
+                            <a:latin typeface="Cambria Math" panose="02040503050406030204" pitchFamily="18" charset="0"/>
+                          </a:rPr>
+                        </m:ctrlPr>
+                      </m:dPr>
+                      <m:e>
+                        <m:r>
+                          <a:rPr lang="pt-BR" b="1" i="1">
+                            <a:latin typeface="Cambria Math" panose="02040503050406030204" pitchFamily="18" charset="0"/>
+                          </a:rPr>
+                          <m:t>𝒙</m:t>
+                        </m:r>
+                        <m:d>
+                          <m:dPr>
+                            <m:ctrlPr>
+                              <a:rPr lang="pt-BR" b="1" i="1">
+                                <a:latin typeface="Cambria Math" panose="02040503050406030204" pitchFamily="18" charset="0"/>
+                              </a:rPr>
+                            </m:ctrlPr>
+                          </m:dPr>
+                          <m:e>
+                            <m:r>
+                              <a:rPr lang="pt-BR" i="1">
+                                <a:latin typeface="Cambria Math" panose="02040503050406030204" pitchFamily="18" charset="0"/>
+                              </a:rPr>
+                              <m:t>𝑖</m:t>
+                            </m:r>
+                          </m:e>
+                        </m:d>
+                      </m:e>
+                    </m:d>
+                    <m:r>
+                      <a:rPr lang="pt-BR" b="1" i="1">
+                        <a:latin typeface="Cambria Math" panose="02040503050406030204" pitchFamily="18" charset="0"/>
+                      </a:rPr>
+                      <m:t>=</m:t>
+                    </m:r>
+                    <m:d>
+                      <m:dPr>
+                        <m:begChr m:val="["/>
+                        <m:endChr m:val="]"/>
+                        <m:ctrlPr>
+                          <a:rPr lang="pt-BR" b="1" i="1">
+                            <a:latin typeface="Cambria Math" panose="02040503050406030204" pitchFamily="18" charset="0"/>
+                          </a:rPr>
+                        </m:ctrlPr>
+                      </m:dPr>
+                      <m:e>
+                        <m:m>
+                          <m:mPr>
+                            <m:mcs>
+                              <m:mc>
+                                <m:mcPr>
+                                  <m:count m:val="3"/>
+                                  <m:mcJc m:val="center"/>
+                                </m:mcPr>
+                              </m:mc>
+                            </m:mcs>
+                            <m:ctrlPr>
+                              <a:rPr lang="pt-BR" b="1" i="1">
+                                <a:latin typeface="Cambria Math" panose="02040503050406030204" pitchFamily="18" charset="0"/>
+                              </a:rPr>
+                            </m:ctrlPr>
+                          </m:mPr>
+                          <m:mr>
+                            <m:e>
+                              <m:sSubSup>
+                                <m:sSubSupPr>
+                                  <m:ctrlPr>
+                                    <a:rPr lang="pt-BR" b="1" i="1">
+                                      <a:latin typeface="Cambria Math" panose="02040503050406030204" pitchFamily="18" charset="0"/>
+                                    </a:rPr>
+                                  </m:ctrlPr>
+                                </m:sSubSupPr>
+                                <m:e>
+                                  <m:r>
+                                    <a:rPr lang="pt-BR" i="1">
+                                      <a:latin typeface="Cambria Math" panose="02040503050406030204" pitchFamily="18" charset="0"/>
+                                    </a:rPr>
+                                    <m:t>h</m:t>
+                                  </m:r>
+                                </m:e>
+                                <m:sub>
+                                  <m:r>
+                                    <a:rPr lang="pt-BR" b="1" i="1">
+                                      <a:latin typeface="Cambria Math" panose="02040503050406030204" pitchFamily="18" charset="0"/>
+                                    </a:rPr>
+                                    <m:t>𝒂</m:t>
+                                  </m:r>
+                                </m:sub>
+                                <m:sup>
+                                  <m:r>
+                                    <a:rPr lang="pt-BR" i="1">
+                                      <a:latin typeface="Cambria Math" panose="02040503050406030204" pitchFamily="18" charset="0"/>
+                                    </a:rPr>
+                                    <m:t>1</m:t>
+                                  </m:r>
+                                </m:sup>
+                              </m:sSubSup>
+                              <m:d>
+                                <m:dPr>
+                                  <m:ctrlPr>
+                                    <a:rPr lang="pt-BR" i="1">
+                                      <a:latin typeface="Cambria Math" panose="02040503050406030204" pitchFamily="18" charset="0"/>
+                                    </a:rPr>
+                                  </m:ctrlPr>
+                                </m:dPr>
+                                <m:e>
+                                  <m:r>
+                                    <a:rPr lang="pt-BR" b="1" i="1">
+                                      <a:latin typeface="Cambria Math" panose="02040503050406030204" pitchFamily="18" charset="0"/>
+                                    </a:rPr>
+                                    <m:t>𝒙</m:t>
+                                  </m:r>
+                                  <m:d>
+                                    <m:dPr>
+                                      <m:ctrlPr>
+                                        <a:rPr lang="pt-BR" b="1" i="1">
+                                          <a:latin typeface="Cambria Math" panose="02040503050406030204" pitchFamily="18" charset="0"/>
+                                        </a:rPr>
+                                      </m:ctrlPr>
+                                    </m:dPr>
+                                    <m:e>
+                                      <m:r>
+                                        <a:rPr lang="pt-BR" i="1">
+                                          <a:latin typeface="Cambria Math" panose="02040503050406030204" pitchFamily="18" charset="0"/>
+                                        </a:rPr>
+                                        <m:t>𝑖</m:t>
+                                      </m:r>
+                                    </m:e>
+                                  </m:d>
+                                </m:e>
+                              </m:d>
+                            </m:e>
+                            <m:e>
+                              <m:r>
+                                <a:rPr lang="pt-BR" b="1" i="1">
+                                  <a:latin typeface="Cambria Math" panose="02040503050406030204" pitchFamily="18" charset="0"/>
+                                </a:rPr>
+                                <m:t>⋯</m:t>
+                              </m:r>
+                            </m:e>
+                            <m:e>
+                              <m:sSubSup>
+                                <m:sSubSupPr>
+                                  <m:ctrlPr>
+                                    <a:rPr lang="pt-BR" b="1" i="1">
+                                      <a:latin typeface="Cambria Math" panose="02040503050406030204" pitchFamily="18" charset="0"/>
+                                    </a:rPr>
+                                  </m:ctrlPr>
+                                </m:sSubSupPr>
+                                <m:e>
+                                  <m:r>
+                                    <a:rPr lang="pt-BR" i="1">
+                                      <a:latin typeface="Cambria Math" panose="02040503050406030204" pitchFamily="18" charset="0"/>
+                                    </a:rPr>
+                                    <m:t>h</m:t>
+                                  </m:r>
+                                </m:e>
+                                <m:sub>
+                                  <m:r>
+                                    <a:rPr lang="pt-BR" b="1" i="1">
+                                      <a:latin typeface="Cambria Math" panose="02040503050406030204" pitchFamily="18" charset="0"/>
+                                    </a:rPr>
+                                    <m:t>𝒂</m:t>
+                                  </m:r>
+                                </m:sub>
+                                <m:sup>
+                                  <m:r>
+                                    <a:rPr lang="pt-BR" i="1">
+                                      <a:latin typeface="Cambria Math" panose="02040503050406030204" pitchFamily="18" charset="0"/>
+                                    </a:rPr>
+                                    <m:t>𝑄</m:t>
+                                  </m:r>
+                                </m:sup>
+                              </m:sSubSup>
+                              <m:d>
+                                <m:dPr>
+                                  <m:ctrlPr>
+                                    <a:rPr lang="pt-BR" i="1">
+                                      <a:latin typeface="Cambria Math" panose="02040503050406030204" pitchFamily="18" charset="0"/>
+                                    </a:rPr>
+                                  </m:ctrlPr>
+                                </m:dPr>
+                                <m:e>
+                                  <m:r>
+                                    <a:rPr lang="pt-BR" b="1" i="1">
+                                      <a:latin typeface="Cambria Math" panose="02040503050406030204" pitchFamily="18" charset="0"/>
+                                    </a:rPr>
+                                    <m:t>𝒙</m:t>
+                                  </m:r>
+                                  <m:d>
+                                    <m:dPr>
+                                      <m:ctrlPr>
+                                        <a:rPr lang="pt-BR" b="1" i="1">
+                                          <a:latin typeface="Cambria Math" panose="02040503050406030204" pitchFamily="18" charset="0"/>
+                                        </a:rPr>
+                                      </m:ctrlPr>
+                                    </m:dPr>
+                                    <m:e>
+                                      <m:r>
+                                        <a:rPr lang="pt-BR" i="1">
+                                          <a:latin typeface="Cambria Math" panose="02040503050406030204" pitchFamily="18" charset="0"/>
+                                        </a:rPr>
+                                        <m:t>𝑖</m:t>
+                                      </m:r>
+                                    </m:e>
+                                  </m:d>
+                                </m:e>
+                              </m:d>
+                            </m:e>
+                          </m:mr>
+                        </m:m>
+                      </m:e>
+                    </m:d>
+                    <m:r>
+                      <a:rPr lang="pt-BR" b="1" i="1">
+                        <a:latin typeface="Cambria Math" panose="02040503050406030204" pitchFamily="18" charset="0"/>
+                        <a:ea typeface="Cambria Math" panose="02040503050406030204" pitchFamily="18" charset="0"/>
+                      </a:rPr>
+                      <m:t>∈ </m:t>
+                    </m:r>
+                    <m:sSup>
+                      <m:sSupPr>
+                        <m:ctrlPr>
+                          <a:rPr lang="pt-BR" b="1" i="1">
+                            <a:latin typeface="Cambria Math" panose="02040503050406030204" pitchFamily="18" charset="0"/>
+                            <a:ea typeface="Cambria Math" panose="02040503050406030204" pitchFamily="18" charset="0"/>
+                          </a:rPr>
+                        </m:ctrlPr>
+                      </m:sSupPr>
+                      <m:e>
+                        <m:r>
+                          <a:rPr lang="pt-BR" b="1" i="1">
+                            <a:latin typeface="Cambria Math" panose="02040503050406030204" pitchFamily="18" charset="0"/>
+                            <a:ea typeface="Cambria Math" panose="02040503050406030204" pitchFamily="18" charset="0"/>
+                          </a:rPr>
+                          <m:t>ℝ</m:t>
+                        </m:r>
+                      </m:e>
+                      <m:sup>
+                        <m:r>
+                          <a:rPr lang="pt-BR" i="1">
+                            <a:latin typeface="Cambria Math" panose="02040503050406030204" pitchFamily="18" charset="0"/>
+                            <a:ea typeface="Cambria Math" panose="02040503050406030204" pitchFamily="18" charset="0"/>
+                          </a:rPr>
+                          <m:t>𝑄</m:t>
+                        </m:r>
+                        <m:r>
+                          <a:rPr lang="pt-BR" i="1">
+                            <a:latin typeface="Cambria Math" panose="02040503050406030204" pitchFamily="18" charset="0"/>
+                            <a:ea typeface="Cambria Math" panose="02040503050406030204" pitchFamily="18" charset="0"/>
+                          </a:rPr>
+                          <m:t>×1</m:t>
+                        </m:r>
+                      </m:sup>
+                    </m:sSup>
+                  </m:oMath>
+                </a14:m>
+                <a:r>
+                  <a:rPr lang="pt-BR" dirty="0"/>
+                  <a:t> </a:t>
+                </a:r>
+              </a:p>
+              <a:p>
+                <a:pPr marL="0" indent="0">
+                  <a:buNone/>
+                </a:pPr>
+                <a:r>
+                  <a:rPr lang="pt-BR" dirty="0"/>
+                  <a:t>que </a:t>
+                </a:r>
+                <a:r>
+                  <a:rPr lang="pt-BR" dirty="0"/>
+                  <a:t>atende os requisitos de uma </a:t>
+                </a:r>
+                <a:r>
+                  <a:rPr lang="pt-BR" b="1" i="1" dirty="0"/>
+                  <a:t>função probabilidade de massa </a:t>
+                </a:r>
+                <a:r>
+                  <a:rPr lang="pt-BR" dirty="0"/>
+                  <a:t>(PMF, do inglês </a:t>
+                </a:r>
+                <a:r>
+                  <a:rPr lang="pt-BR" b="1" i="1" dirty="0"/>
+                  <a:t>probability mass function</a:t>
+                </a:r>
+                <a:r>
+                  <a:rPr lang="pt-BR" dirty="0"/>
+                  <a:t>) </a:t>
+                </a:r>
+                <a:r>
+                  <a:rPr lang="pt-BR" b="1" i="1" dirty="0"/>
+                  <a:t>multinomial</a:t>
+                </a:r>
+                <a:r>
                   <a:rPr lang="pt-BR" dirty="0" smtClean="0"/>
                   <a:t>.</a:t>
                 </a:r>
+                <a:endParaRPr lang="pt-BR" dirty="0"/>
               </a:p>
             </p:txBody>
           </p:sp>
         </mc:Choice>
-        <mc:Fallback xmlns="">
+        <mc:Fallback>
           <p:sp>
             <p:nvSpPr>
               <p:cNvPr id="3" name="Content Placeholder 2"/>
@@ -8800,13 +8528,13 @@
             </p:nvSpPr>
             <p:spPr>
               <a:xfrm>
-                <a:off x="838200" y="1825626"/>
-                <a:ext cx="11093970" cy="5032374"/>
+                <a:off x="838199" y="1668456"/>
+                <a:ext cx="11134725" cy="5032375"/>
               </a:xfrm>
               <a:blipFill rotWithShape="0">
                 <a:blip r:embed="rId3"/>
                 <a:stretch>
-                  <a:fillRect l="-1154" t="-605" r="-440"/>
+                  <a:fillRect l="-821" t="-2788" b="-2061"/>
                 </a:stretch>
               </a:blipFill>
             </p:spPr>
@@ -8828,13 +8556,802 @@
     </p:spTree>
     <p:extLst>
       <p:ext uri="{BB962C8B-B14F-4D97-AF65-F5344CB8AC3E}">
-        <p14:creationId xmlns:p14="http://schemas.microsoft.com/office/powerpoint/2010/main" val="3785681476"/>
+        <p14:creationId xmlns:p14="http://schemas.microsoft.com/office/powerpoint/2010/main" val="1891798450"/>
       </p:ext>
     </p:extLst>
   </p:cSld>
   <p:clrMapOvr>
     <a:masterClrMapping/>
   </p:clrMapOvr>
+</p:sld>
+</file>
+
+<file path=ppt/slides/slide12.xml><?xml version="1.0" encoding="utf-8"?>
+<p:sld xmlns:a="http://schemas.openxmlformats.org/drawingml/2006/main" xmlns:r="http://schemas.openxmlformats.org/officeDocument/2006/relationships" xmlns:p="http://schemas.openxmlformats.org/presentationml/2006/main">
+  <p:cSld>
+    <p:spTree>
+      <p:nvGrpSpPr>
+        <p:cNvPr id="1" name=""/>
+        <p:cNvGrpSpPr/>
+        <p:nvPr/>
+      </p:nvGrpSpPr>
+      <p:grpSpPr>
+        <a:xfrm>
+          <a:off x="0" y="0"/>
+          <a:ext cx="0" cy="0"/>
+          <a:chOff x="0" y="0"/>
+          <a:chExt cx="0" cy="0"/>
+        </a:xfrm>
+      </p:grpSpPr>
+      <p:sp>
+        <p:nvSpPr>
+          <p:cNvPr id="2" name="Title 1"/>
+          <p:cNvSpPr>
+            <a:spLocks noGrp="1"/>
+          </p:cNvSpPr>
+          <p:nvPr>
+            <p:ph type="title"/>
+          </p:nvPr>
+        </p:nvSpPr>
+        <p:spPr>
+          <a:xfrm>
+            <a:off x="838200" y="252831"/>
+            <a:ext cx="10515600" cy="886159"/>
+          </a:xfrm>
+        </p:spPr>
+        <p:txBody>
+          <a:bodyPr/>
+          <a:lstStyle/>
+          <a:p>
+            <a:r>
+              <a:rPr lang="pt-BR" dirty="0"/>
+              <a:t>Regressão Softmax</a:t>
+            </a:r>
+          </a:p>
+        </p:txBody>
+      </p:sp>
+      <p:pic>
+        <p:nvPicPr>
+          <p:cNvPr id="7" name="Picture 6"/>
+          <p:cNvPicPr>
+            <a:picLocks noChangeAspect="1"/>
+          </p:cNvPicPr>
+          <p:nvPr/>
+        </p:nvPicPr>
+        <p:blipFill>
+          <a:blip r:embed="rId3" cstate="print">
+            <a:extLst>
+              <a:ext uri="{28A0092B-C50C-407E-A947-70E740481C1C}">
+                <a14:useLocalDpi xmlns:a14="http://schemas.microsoft.com/office/drawing/2010/main" val="0"/>
+              </a:ext>
+            </a:extLst>
+          </a:blip>
+          <a:stretch>
+            <a:fillRect/>
+          </a:stretch>
+        </p:blipFill>
+        <p:spPr>
+          <a:xfrm>
+            <a:off x="3739485" y="4267412"/>
+            <a:ext cx="5744391" cy="2507420"/>
+          </a:xfrm>
+          <a:prstGeom prst="rect">
+            <a:avLst/>
+          </a:prstGeom>
+        </p:spPr>
+      </p:pic>
+      <mc:AlternateContent xmlns:mc="http://schemas.openxmlformats.org/markup-compatibility/2006">
+        <mc:Choice xmlns:a14="http://schemas.microsoft.com/office/drawing/2010/main" Requires="a14">
+          <p:sp>
+            <p:nvSpPr>
+              <p:cNvPr id="8" name="Content Placeholder 2"/>
+              <p:cNvSpPr>
+                <a:spLocks noGrp="1"/>
+              </p:cNvSpPr>
+              <p:nvPr>
+                <p:ph idx="1"/>
+              </p:nvPr>
+            </p:nvSpPr>
+            <p:spPr>
+              <a:xfrm>
+                <a:off x="838199" y="1395663"/>
+                <a:ext cx="11209421" cy="3007944"/>
+              </a:xfrm>
+            </p:spPr>
+            <p:txBody>
+              <a:bodyPr>
+                <a:normAutofit fontScale="92500" lnSpcReduction="10000"/>
+              </a:bodyPr>
+              <a:lstStyle/>
+              <a:p>
+                <a:r>
+                  <a:rPr lang="pt-BR" dirty="0" smtClean="0"/>
+                  <a:t>Após o treinamento do classificador, para </a:t>
+                </a:r>
+                <a:r>
+                  <a:rPr lang="pt-BR" dirty="0"/>
+                  <a:t>cada novo exemplo de entrada, </a:t>
+                </a:r>
+                <a14:m>
+                  <m:oMath xmlns:m="http://schemas.openxmlformats.org/officeDocument/2006/math">
+                    <m:r>
+                      <a:rPr lang="pt-BR" b="1" i="1">
+                        <a:latin typeface="Cambria Math" panose="02040503050406030204" pitchFamily="18" charset="0"/>
+                      </a:rPr>
+                      <m:t>𝒙</m:t>
+                    </m:r>
+                  </m:oMath>
+                </a14:m>
+                <a:r>
+                  <a:rPr lang="pt-BR" dirty="0"/>
+                  <a:t>, realiza-se as predições e escolhe-se a classe que maximize</a:t>
+                </a:r>
+              </a:p>
+              <a:p>
+                <a:pPr marL="0" indent="0" algn="ctr">
+                  <a:buNone/>
+                </a:pPr>
+                <a14:m>
+                  <m:oMath xmlns:m="http://schemas.openxmlformats.org/officeDocument/2006/math">
+                    <m:sSub>
+                      <m:sSubPr>
+                        <m:ctrlPr>
+                          <a:rPr lang="pt-BR" i="1">
+                            <a:latin typeface="Cambria Math" panose="02040503050406030204" pitchFamily="18" charset="0"/>
+                          </a:rPr>
+                        </m:ctrlPr>
+                      </m:sSubPr>
+                      <m:e>
+                        <m:r>
+                          <a:rPr lang="pt-BR" i="1">
+                            <a:latin typeface="Cambria Math" panose="02040503050406030204" pitchFamily="18" charset="0"/>
+                          </a:rPr>
+                          <m:t>𝐶</m:t>
+                        </m:r>
+                      </m:e>
+                      <m:sub>
+                        <m:r>
+                          <a:rPr lang="pt-BR" i="1">
+                            <a:latin typeface="Cambria Math" panose="02040503050406030204" pitchFamily="18" charset="0"/>
+                          </a:rPr>
+                          <m:t>𝑞</m:t>
+                        </m:r>
+                      </m:sub>
+                    </m:sSub>
+                    <m:r>
+                      <a:rPr lang="pt-BR" i="1">
+                        <a:latin typeface="Cambria Math" panose="02040503050406030204" pitchFamily="18" charset="0"/>
+                      </a:rPr>
+                      <m:t>= </m:t>
+                    </m:r>
+                  </m:oMath>
+                </a14:m>
+                <a:r>
+                  <a:rPr lang="pt-BR" dirty="0">
+                    <a:latin typeface="Cambria Math" panose="02040503050406030204" pitchFamily="18" charset="0"/>
+                  </a:rPr>
+                  <a:t>arg</a:t>
+                </a:r>
+                <a:r>
+                  <a:rPr lang="pt-BR" dirty="0"/>
+                  <a:t>. </a:t>
+                </a:r>
+                <a14:m>
+                  <m:oMath xmlns:m="http://schemas.openxmlformats.org/officeDocument/2006/math">
+                    <m:func>
+                      <m:funcPr>
+                        <m:ctrlPr>
+                          <a:rPr lang="pt-BR" i="1">
+                            <a:latin typeface="Cambria Math" panose="02040503050406030204" pitchFamily="18" charset="0"/>
+                          </a:rPr>
+                        </m:ctrlPr>
+                      </m:funcPr>
+                      <m:fName>
+                        <m:limLow>
+                          <m:limLowPr>
+                            <m:ctrlPr>
+                              <a:rPr lang="pt-BR" i="1">
+                                <a:latin typeface="Cambria Math" panose="02040503050406030204" pitchFamily="18" charset="0"/>
+                              </a:rPr>
+                            </m:ctrlPr>
+                          </m:limLowPr>
+                          <m:e>
+                            <m:r>
+                              <m:rPr>
+                                <m:sty m:val="p"/>
+                              </m:rPr>
+                              <a:rPr lang="pt-BR">
+                                <a:latin typeface="Cambria Math" panose="02040503050406030204" pitchFamily="18" charset="0"/>
+                              </a:rPr>
+                              <m:t>max</m:t>
+                            </m:r>
+                          </m:e>
+                          <m:lim>
+                            <m:r>
+                              <a:rPr lang="pt-BR" i="1">
+                                <a:latin typeface="Cambria Math" panose="02040503050406030204" pitchFamily="18" charset="0"/>
+                              </a:rPr>
+                              <m:t>𝑞</m:t>
+                            </m:r>
+                          </m:lim>
+                        </m:limLow>
+                      </m:fName>
+                      <m:e>
+                        <m:sSubSup>
+                          <m:sSubSupPr>
+                            <m:ctrlPr>
+                              <a:rPr lang="pt-BR" b="1" i="1">
+                                <a:latin typeface="Cambria Math" panose="02040503050406030204" pitchFamily="18" charset="0"/>
+                              </a:rPr>
+                            </m:ctrlPr>
+                          </m:sSubSupPr>
+                          <m:e>
+                            <m:r>
+                              <a:rPr lang="pt-BR" i="1">
+                                <a:latin typeface="Cambria Math" panose="02040503050406030204" pitchFamily="18" charset="0"/>
+                              </a:rPr>
+                              <m:t>h</m:t>
+                            </m:r>
+                          </m:e>
+                          <m:sub>
+                            <m:r>
+                              <a:rPr lang="pt-BR" b="1" i="1">
+                                <a:latin typeface="Cambria Math" panose="02040503050406030204" pitchFamily="18" charset="0"/>
+                              </a:rPr>
+                              <m:t>𝒂</m:t>
+                            </m:r>
+                          </m:sub>
+                          <m:sup>
+                            <m:r>
+                              <a:rPr lang="pt-BR" i="1">
+                                <a:latin typeface="Cambria Math" panose="02040503050406030204" pitchFamily="18" charset="0"/>
+                              </a:rPr>
+                              <m:t>𝑞</m:t>
+                            </m:r>
+                          </m:sup>
+                        </m:sSubSup>
+                        <m:d>
+                          <m:dPr>
+                            <m:ctrlPr>
+                              <a:rPr lang="pt-BR" i="1">
+                                <a:latin typeface="Cambria Math" panose="02040503050406030204" pitchFamily="18" charset="0"/>
+                              </a:rPr>
+                            </m:ctrlPr>
+                          </m:dPr>
+                          <m:e>
+                            <m:r>
+                              <a:rPr lang="pt-BR" b="1" i="1">
+                                <a:latin typeface="Cambria Math" panose="02040503050406030204" pitchFamily="18" charset="0"/>
+                              </a:rPr>
+                              <m:t>𝒙</m:t>
+                            </m:r>
+                            <m:d>
+                              <m:dPr>
+                                <m:ctrlPr>
+                                  <a:rPr lang="pt-BR" b="1" i="1">
+                                    <a:latin typeface="Cambria Math" panose="02040503050406030204" pitchFamily="18" charset="0"/>
+                                  </a:rPr>
+                                </m:ctrlPr>
+                              </m:dPr>
+                              <m:e>
+                                <m:r>
+                                  <a:rPr lang="pt-BR" i="1">
+                                    <a:latin typeface="Cambria Math" panose="02040503050406030204" pitchFamily="18" charset="0"/>
+                                  </a:rPr>
+                                  <m:t>𝑖</m:t>
+                                </m:r>
+                              </m:e>
+                            </m:d>
+                          </m:e>
+                        </m:d>
+                      </m:e>
+                    </m:func>
+                    <m:r>
+                      <a:rPr lang="pt-BR" b="1" i="1" smtClean="0">
+                        <a:latin typeface="Cambria Math" panose="02040503050406030204" pitchFamily="18" charset="0"/>
+                      </a:rPr>
+                      <m:t>=</m:t>
+                    </m:r>
+                    <m:r>
+                      <m:rPr>
+                        <m:nor/>
+                      </m:rPr>
+                      <a:rPr lang="pt-BR" dirty="0">
+                        <a:latin typeface="Cambria Math" panose="02040503050406030204" pitchFamily="18" charset="0"/>
+                      </a:rPr>
+                      <m:t>arg</m:t>
+                    </m:r>
+                    <m:r>
+                      <m:rPr>
+                        <m:nor/>
+                      </m:rPr>
+                      <a:rPr lang="pt-BR" dirty="0"/>
+                      <m:t>. </m:t>
+                    </m:r>
+                    <m:func>
+                      <m:funcPr>
+                        <m:ctrlPr>
+                          <a:rPr lang="pt-BR" i="1">
+                            <a:latin typeface="Cambria Math" panose="02040503050406030204" pitchFamily="18" charset="0"/>
+                          </a:rPr>
+                        </m:ctrlPr>
+                      </m:funcPr>
+                      <m:fName>
+                        <m:limLow>
+                          <m:limLowPr>
+                            <m:ctrlPr>
+                              <a:rPr lang="pt-BR" i="1">
+                                <a:latin typeface="Cambria Math" panose="02040503050406030204" pitchFamily="18" charset="0"/>
+                              </a:rPr>
+                            </m:ctrlPr>
+                          </m:limLowPr>
+                          <m:e>
+                            <m:r>
+                              <m:rPr>
+                                <m:sty m:val="p"/>
+                              </m:rPr>
+                              <a:rPr lang="pt-BR">
+                                <a:latin typeface="Cambria Math" panose="02040503050406030204" pitchFamily="18" charset="0"/>
+                              </a:rPr>
+                              <m:t>max</m:t>
+                            </m:r>
+                          </m:e>
+                          <m:lim>
+                            <m:r>
+                              <a:rPr lang="pt-BR" i="1">
+                                <a:latin typeface="Cambria Math" panose="02040503050406030204" pitchFamily="18" charset="0"/>
+                              </a:rPr>
+                              <m:t>𝑞</m:t>
+                            </m:r>
+                          </m:lim>
+                        </m:limLow>
+                      </m:fName>
+                      <m:e>
+                        <m:r>
+                          <a:rPr lang="pt-BR" i="1">
+                            <a:latin typeface="Cambria Math" panose="02040503050406030204" pitchFamily="18" charset="0"/>
+                          </a:rPr>
+                          <m:t>𝑃</m:t>
+                        </m:r>
+                        <m:d>
+                          <m:dPr>
+                            <m:endChr m:val="|"/>
+                            <m:ctrlPr>
+                              <a:rPr lang="pt-BR" i="1">
+                                <a:latin typeface="Cambria Math" panose="02040503050406030204" pitchFamily="18" charset="0"/>
+                              </a:rPr>
+                            </m:ctrlPr>
+                          </m:dPr>
+                          <m:e>
+                            <m:sSub>
+                              <m:sSubPr>
+                                <m:ctrlPr>
+                                  <a:rPr lang="pt-BR" i="1">
+                                    <a:latin typeface="Cambria Math" panose="02040503050406030204" pitchFamily="18" charset="0"/>
+                                  </a:rPr>
+                                </m:ctrlPr>
+                              </m:sSubPr>
+                              <m:e>
+                                <m:r>
+                                  <a:rPr lang="pt-BR" i="1">
+                                    <a:latin typeface="Cambria Math" panose="02040503050406030204" pitchFamily="18" charset="0"/>
+                                  </a:rPr>
+                                  <m:t>𝐶</m:t>
+                                </m:r>
+                              </m:e>
+                              <m:sub>
+                                <m:r>
+                                  <a:rPr lang="pt-BR" b="0" i="1" smtClean="0">
+                                    <a:latin typeface="Cambria Math" panose="02040503050406030204" pitchFamily="18" charset="0"/>
+                                  </a:rPr>
+                                  <m:t>𝑞</m:t>
+                                </m:r>
+                              </m:sub>
+                            </m:sSub>
+                            <m:r>
+                              <a:rPr lang="pt-BR" i="1">
+                                <a:latin typeface="Cambria Math" panose="02040503050406030204" pitchFamily="18" charset="0"/>
+                              </a:rPr>
+                              <m:t> </m:t>
+                            </m:r>
+                          </m:e>
+                        </m:d>
+                        <m:r>
+                          <a:rPr lang="pt-BR" b="1" i="1">
+                            <a:latin typeface="Cambria Math" panose="02040503050406030204" pitchFamily="18" charset="0"/>
+                          </a:rPr>
+                          <m:t> </m:t>
+                        </m:r>
+                        <m:r>
+                          <a:rPr lang="pt-BR" b="1" i="1">
+                            <a:latin typeface="Cambria Math" panose="02040503050406030204" pitchFamily="18" charset="0"/>
+                          </a:rPr>
+                          <m:t>𝒙</m:t>
+                        </m:r>
+                        <m:r>
+                          <a:rPr lang="pt-BR" b="0" i="0" smtClean="0">
+                            <a:latin typeface="Cambria Math" panose="02040503050406030204" pitchFamily="18" charset="0"/>
+                          </a:rPr>
+                          <m:t>(</m:t>
+                        </m:r>
+                        <m:r>
+                          <a:rPr lang="pt-BR" b="0" i="1" smtClean="0">
+                            <a:latin typeface="Cambria Math" panose="02040503050406030204" pitchFamily="18" charset="0"/>
+                          </a:rPr>
+                          <m:t>𝑖</m:t>
+                        </m:r>
+                        <m:r>
+                          <a:rPr lang="pt-BR" b="0" i="0" smtClean="0">
+                            <a:latin typeface="Cambria Math" panose="02040503050406030204" pitchFamily="18" charset="0"/>
+                          </a:rPr>
+                          <m:t>)</m:t>
+                        </m:r>
+                        <m:r>
+                          <a:rPr lang="pt-BR" i="1">
+                            <a:latin typeface="Cambria Math" panose="02040503050406030204" pitchFamily="18" charset="0"/>
+                          </a:rPr>
+                          <m:t>;</m:t>
+                        </m:r>
+                        <m:sSub>
+                          <m:sSubPr>
+                            <m:ctrlPr>
+                              <a:rPr lang="pt-BR" i="1">
+                                <a:latin typeface="Cambria Math" panose="02040503050406030204" pitchFamily="18" charset="0"/>
+                              </a:rPr>
+                            </m:ctrlPr>
+                          </m:sSubPr>
+                          <m:e>
+                            <m:r>
+                              <a:rPr lang="pt-BR" b="1" i="1">
+                                <a:latin typeface="Cambria Math" panose="02040503050406030204" pitchFamily="18" charset="0"/>
+                              </a:rPr>
+                              <m:t>𝒂</m:t>
+                            </m:r>
+                          </m:e>
+                          <m:sub>
+                            <m:r>
+                              <a:rPr lang="pt-BR" b="0" i="1" smtClean="0">
+                                <a:latin typeface="Cambria Math" panose="02040503050406030204" pitchFamily="18" charset="0"/>
+                              </a:rPr>
+                              <m:t>𝑞</m:t>
+                            </m:r>
+                          </m:sub>
+                        </m:sSub>
+                        <m:r>
+                          <a:rPr lang="pt-BR" i="1">
+                            <a:latin typeface="Cambria Math" panose="02040503050406030204" pitchFamily="18" charset="0"/>
+                          </a:rPr>
+                          <m:t>)</m:t>
+                        </m:r>
+                      </m:e>
+                    </m:func>
+                    <m:r>
+                      <a:rPr lang="pt-BR" i="1">
+                        <a:latin typeface="Cambria Math" panose="02040503050406030204" pitchFamily="18" charset="0"/>
+                      </a:rPr>
+                      <m:t>=</m:t>
+                    </m:r>
+                    <m:r>
+                      <m:rPr>
+                        <m:nor/>
+                      </m:rPr>
+                      <a:rPr lang="pt-BR" dirty="0">
+                        <a:latin typeface="Cambria Math" panose="02040503050406030204" pitchFamily="18" charset="0"/>
+                      </a:rPr>
+                      <m:t>arg</m:t>
+                    </m:r>
+                    <m:r>
+                      <m:rPr>
+                        <m:nor/>
+                      </m:rPr>
+                      <a:rPr lang="pt-BR" dirty="0"/>
+                      <m:t>. </m:t>
+                    </m:r>
+                    <m:func>
+                      <m:funcPr>
+                        <m:ctrlPr>
+                          <a:rPr lang="pt-BR" i="1">
+                            <a:latin typeface="Cambria Math" panose="02040503050406030204" pitchFamily="18" charset="0"/>
+                          </a:rPr>
+                        </m:ctrlPr>
+                      </m:funcPr>
+                      <m:fName>
+                        <m:limLow>
+                          <m:limLowPr>
+                            <m:ctrlPr>
+                              <a:rPr lang="pt-BR" i="1">
+                                <a:latin typeface="Cambria Math" panose="02040503050406030204" pitchFamily="18" charset="0"/>
+                              </a:rPr>
+                            </m:ctrlPr>
+                          </m:limLowPr>
+                          <m:e>
+                            <m:r>
+                              <m:rPr>
+                                <m:sty m:val="p"/>
+                              </m:rPr>
+                              <a:rPr lang="pt-BR">
+                                <a:latin typeface="Cambria Math" panose="02040503050406030204" pitchFamily="18" charset="0"/>
+                              </a:rPr>
+                              <m:t>max</m:t>
+                            </m:r>
+                          </m:e>
+                          <m:lim>
+                            <m:r>
+                              <a:rPr lang="pt-BR" i="1">
+                                <a:latin typeface="Cambria Math" panose="02040503050406030204" pitchFamily="18" charset="0"/>
+                              </a:rPr>
+                              <m:t>𝑞</m:t>
+                            </m:r>
+                          </m:lim>
+                        </m:limLow>
+                      </m:fName>
+                      <m:e>
+                        <m:sSup>
+                          <m:sSupPr>
+                            <m:ctrlPr>
+                              <a:rPr lang="pt-BR" i="1">
+                                <a:latin typeface="Cambria Math" panose="02040503050406030204" pitchFamily="18" charset="0"/>
+                              </a:rPr>
+                            </m:ctrlPr>
+                          </m:sSupPr>
+                          <m:e>
+                            <m:r>
+                              <a:rPr lang="pt-BR" b="1" i="1">
+                                <a:latin typeface="Cambria Math" panose="02040503050406030204" pitchFamily="18" charset="0"/>
+                              </a:rPr>
+                              <m:t>𝒙</m:t>
+                            </m:r>
+                            <m:r>
+                              <a:rPr lang="pt-BR" i="1">
+                                <a:latin typeface="Cambria Math" panose="02040503050406030204" pitchFamily="18" charset="0"/>
+                              </a:rPr>
+                              <m:t>(</m:t>
+                            </m:r>
+                            <m:r>
+                              <a:rPr lang="pt-BR" i="1">
+                                <a:latin typeface="Cambria Math" panose="02040503050406030204" pitchFamily="18" charset="0"/>
+                              </a:rPr>
+                              <m:t>𝑖</m:t>
+                            </m:r>
+                            <m:r>
+                              <a:rPr lang="pt-BR" i="1">
+                                <a:latin typeface="Cambria Math" panose="02040503050406030204" pitchFamily="18" charset="0"/>
+                              </a:rPr>
+                              <m:t>)</m:t>
+                            </m:r>
+                          </m:e>
+                          <m:sup>
+                            <m:r>
+                              <a:rPr lang="pt-BR" i="1">
+                                <a:latin typeface="Cambria Math" panose="02040503050406030204" pitchFamily="18" charset="0"/>
+                              </a:rPr>
+                              <m:t>𝑇</m:t>
+                            </m:r>
+                          </m:sup>
+                        </m:sSup>
+                        <m:sSub>
+                          <m:sSubPr>
+                            <m:ctrlPr>
+                              <a:rPr lang="pt-BR" b="1" i="1">
+                                <a:latin typeface="Cambria Math" panose="02040503050406030204" pitchFamily="18" charset="0"/>
+                              </a:rPr>
+                            </m:ctrlPr>
+                          </m:sSubPr>
+                          <m:e>
+                            <m:r>
+                              <a:rPr lang="pt-BR" b="1" i="1">
+                                <a:latin typeface="Cambria Math" panose="02040503050406030204" pitchFamily="18" charset="0"/>
+                              </a:rPr>
+                              <m:t>𝒂</m:t>
+                            </m:r>
+                          </m:e>
+                          <m:sub>
+                            <m:r>
+                              <a:rPr lang="pt-BR" i="1">
+                                <a:latin typeface="Cambria Math" panose="02040503050406030204" pitchFamily="18" charset="0"/>
+                              </a:rPr>
+                              <m:t>𝑞</m:t>
+                            </m:r>
+                          </m:sub>
+                        </m:sSub>
+                      </m:e>
+                    </m:func>
+                    <m:r>
+                      <a:rPr lang="pt-BR">
+                        <a:latin typeface="Cambria Math" panose="02040503050406030204" pitchFamily="18" charset="0"/>
+                      </a:rPr>
+                      <m:t>.</m:t>
+                    </m:r>
+                  </m:oMath>
+                </a14:m>
+                <a:endParaRPr lang="pt-BR" dirty="0" smtClean="0"/>
+              </a:p>
+              <a:p>
+                <a:r>
+                  <a:rPr lang="pt-BR" dirty="0"/>
+                  <a:t>Assim como o classificador de regressão logística, o classificador de regressão </a:t>
+                </a:r>
+                <a:r>
+                  <a:rPr lang="pt-BR" dirty="0" smtClean="0"/>
+                  <a:t>softmax </a:t>
+                </a:r>
+                <a:r>
+                  <a:rPr lang="pt-BR" dirty="0"/>
+                  <a:t>prevê a classe com a maior probabilidade estimada (que é simplesmente a classe com a maior valor para o produto escalar </a:t>
+                </a:r>
+                <a14:m>
+                  <m:oMath xmlns:m="http://schemas.openxmlformats.org/officeDocument/2006/math">
+                    <m:sSup>
+                      <m:sSupPr>
+                        <m:ctrlPr>
+                          <a:rPr lang="pt-BR" i="1">
+                            <a:latin typeface="Cambria Math" panose="02040503050406030204" pitchFamily="18" charset="0"/>
+                          </a:rPr>
+                        </m:ctrlPr>
+                      </m:sSupPr>
+                      <m:e>
+                        <m:r>
+                          <a:rPr lang="pt-BR" b="1" i="1">
+                            <a:latin typeface="Cambria Math" panose="02040503050406030204" pitchFamily="18" charset="0"/>
+                          </a:rPr>
+                          <m:t>𝒙</m:t>
+                        </m:r>
+                        <m:r>
+                          <a:rPr lang="pt-BR" i="1">
+                            <a:latin typeface="Cambria Math" panose="02040503050406030204" pitchFamily="18" charset="0"/>
+                          </a:rPr>
+                          <m:t>(</m:t>
+                        </m:r>
+                        <m:r>
+                          <a:rPr lang="pt-BR" i="1">
+                            <a:latin typeface="Cambria Math" panose="02040503050406030204" pitchFamily="18" charset="0"/>
+                          </a:rPr>
+                          <m:t>𝑖</m:t>
+                        </m:r>
+                        <m:r>
+                          <a:rPr lang="pt-BR" i="1">
+                            <a:latin typeface="Cambria Math" panose="02040503050406030204" pitchFamily="18" charset="0"/>
+                          </a:rPr>
+                          <m:t>)</m:t>
+                        </m:r>
+                      </m:e>
+                      <m:sup>
+                        <m:r>
+                          <a:rPr lang="pt-BR" i="1">
+                            <a:latin typeface="Cambria Math" panose="02040503050406030204" pitchFamily="18" charset="0"/>
+                          </a:rPr>
+                          <m:t>𝑇</m:t>
+                        </m:r>
+                      </m:sup>
+                    </m:sSup>
+                    <m:sSub>
+                      <m:sSubPr>
+                        <m:ctrlPr>
+                          <a:rPr lang="pt-BR" b="1" i="1">
+                            <a:latin typeface="Cambria Math" panose="02040503050406030204" pitchFamily="18" charset="0"/>
+                          </a:rPr>
+                        </m:ctrlPr>
+                      </m:sSubPr>
+                      <m:e>
+                        <m:r>
+                          <a:rPr lang="pt-BR" b="1" i="1">
+                            <a:latin typeface="Cambria Math" panose="02040503050406030204" pitchFamily="18" charset="0"/>
+                          </a:rPr>
+                          <m:t>𝒂</m:t>
+                        </m:r>
+                      </m:e>
+                      <m:sub>
+                        <m:r>
+                          <a:rPr lang="pt-BR" i="1">
+                            <a:latin typeface="Cambria Math" panose="02040503050406030204" pitchFamily="18" charset="0"/>
+                          </a:rPr>
+                          <m:t>𝑞</m:t>
+                        </m:r>
+                      </m:sub>
+                    </m:sSub>
+                  </m:oMath>
+                </a14:m>
+                <a:r>
+                  <a:rPr lang="pt-BR" dirty="0" smtClean="0"/>
+                  <a:t>).</a:t>
+                </a:r>
+              </a:p>
+              <a:p>
+                <a:r>
+                  <a:rPr lang="pt-BR" dirty="0" smtClean="0"/>
+                  <a:t>A arquitetura de um regressor softmax é mostrada abaixo.</a:t>
+                </a:r>
+                <a:endParaRPr lang="pt-BR" dirty="0"/>
+              </a:p>
+            </p:txBody>
+          </p:sp>
+        </mc:Choice>
+        <mc:Fallback>
+          <p:sp>
+            <p:nvSpPr>
+              <p:cNvPr id="8" name="Content Placeholder 2"/>
+              <p:cNvSpPr>
+                <a:spLocks noGrp="1" noRot="1" noChangeAspect="1" noMove="1" noResize="1" noEditPoints="1" noAdjustHandles="1" noChangeArrowheads="1" noChangeShapeType="1" noTextEdit="1"/>
+              </p:cNvSpPr>
+              <p:nvPr>
+                <p:ph idx="1"/>
+              </p:nvPr>
+            </p:nvSpPr>
+            <p:spPr>
+              <a:xfrm>
+                <a:off x="838199" y="1395663"/>
+                <a:ext cx="11209421" cy="3007944"/>
+              </a:xfrm>
+              <a:blipFill rotWithShape="0">
+                <a:blip r:embed="rId4"/>
+                <a:stretch>
+                  <a:fillRect l="-816" t="-4057" b="-1217"/>
+                </a:stretch>
+              </a:blipFill>
+            </p:spPr>
+            <p:txBody>
+              <a:bodyPr/>
+              <a:lstStyle/>
+              <a:p>
+                <a:r>
+                  <a:rPr lang="pt-BR">
+                    <a:noFill/>
+                  </a:rPr>
+                  <a:t> </a:t>
+                </a:r>
+              </a:p>
+            </p:txBody>
+          </p:sp>
+        </mc:Fallback>
+      </mc:AlternateContent>
+      <p:sp>
+        <p:nvSpPr>
+          <p:cNvPr id="3" name="Rectangle 2"/>
+          <p:cNvSpPr/>
+          <p:nvPr/>
+        </p:nvSpPr>
+        <p:spPr>
+          <a:xfrm>
+            <a:off x="8141724" y="6467055"/>
+            <a:ext cx="4050276" cy="307777"/>
+          </a:xfrm>
+          <a:prstGeom prst="rect">
+            <a:avLst/>
+          </a:prstGeom>
+        </p:spPr>
+        <p:txBody>
+          <a:bodyPr wrap="none">
+            <a:spAutoFit/>
+          </a:bodyPr>
+          <a:lstStyle/>
+          <a:p>
+            <a:r>
+              <a:rPr lang="pt-BR" sz="1400" dirty="0" smtClean="0">
+                <a:hlinkClick r:id="rId5"/>
+              </a:rPr>
+              <a:t>Exemplo: softmax_regressor_with_scikit_learn.ipynb</a:t>
+            </a:r>
+            <a:endParaRPr lang="pt-BR" sz="1400" b="1" dirty="0"/>
+          </a:p>
+        </p:txBody>
+      </p:sp>
+    </p:spTree>
+    <p:extLst>
+      <p:ext uri="{BB962C8B-B14F-4D97-AF65-F5344CB8AC3E}">
+        <p14:creationId xmlns:p14="http://schemas.microsoft.com/office/powerpoint/2010/main" val="2073131096"/>
+      </p:ext>
+    </p:extLst>
+  </p:cSld>
+  <p:clrMapOvr>
+    <a:masterClrMapping/>
+  </p:clrMapOvr>
+  <p:timing>
+    <p:tnLst>
+      <p:par>
+        <p:cTn id="1" dur="indefinite" restart="never" nodeType="tmRoot"/>
+      </p:par>
+    </p:tnLst>
+  </p:timing>
 </p:sld>
 </file>
 
@@ -8865,2034 +9382,166 @@
             <p:ph type="title"/>
           </p:nvPr>
         </p:nvSpPr>
-        <p:spPr>
-          <a:xfrm>
-            <a:off x="838200" y="133304"/>
-            <a:ext cx="10515600" cy="817394"/>
-          </a:xfrm>
-        </p:spPr>
+        <p:spPr/>
         <p:txBody>
           <a:bodyPr/>
           <a:lstStyle/>
           <a:p>
             <a:r>
               <a:rPr lang="pt-BR" dirty="0" smtClean="0"/>
-              <a:t>Exemplo: </a:t>
-            </a:r>
-            <a:r>
-              <a:rPr lang="pt-BR" dirty="0"/>
-              <a:t>R</a:t>
-            </a:r>
-            <a:r>
-              <a:rPr lang="pt-BR" dirty="0" smtClean="0"/>
-              <a:t>egressão softmax com SciKit-Learn</a:t>
+              <a:t>Tarefas</a:t>
             </a:r>
             <a:endParaRPr lang="pt-BR" dirty="0"/>
-          </a:p>
-        </p:txBody>
-      </p:sp>
-      <p:pic>
-        <p:nvPicPr>
-          <p:cNvPr id="5" name="Picture 4"/>
-          <p:cNvPicPr>
-            <a:picLocks noChangeAspect="1"/>
-          </p:cNvPicPr>
-          <p:nvPr/>
-        </p:nvPicPr>
-        <p:blipFill rotWithShape="1">
-          <a:blip r:embed="rId3" cstate="print">
-            <a:extLst>
-              <a:ext uri="{28A0092B-C50C-407E-A947-70E740481C1C}">
-                <a14:useLocalDpi xmlns:a14="http://schemas.microsoft.com/office/drawing/2010/main" val="0"/>
-              </a:ext>
-            </a:extLst>
-          </a:blip>
-          <a:srcRect l="2381" t="11310" r="10119"/>
-          <a:stretch/>
-        </p:blipFill>
-        <p:spPr>
-          <a:xfrm>
-            <a:off x="8411758" y="2186452"/>
-            <a:ext cx="2989065" cy="3029736"/>
-          </a:xfrm>
-          <a:prstGeom prst="rect">
-            <a:avLst/>
-          </a:prstGeom>
-        </p:spPr>
-      </p:pic>
-      <p:sp>
-        <p:nvSpPr>
-          <p:cNvPr id="6" name="Rectangle 5"/>
-          <p:cNvSpPr/>
-          <p:nvPr/>
-        </p:nvSpPr>
-        <p:spPr>
-          <a:xfrm>
-            <a:off x="7604787" y="6506170"/>
-            <a:ext cx="4457695" cy="369332"/>
-          </a:xfrm>
-          <a:prstGeom prst="rect">
-            <a:avLst/>
-          </a:prstGeom>
-        </p:spPr>
-        <p:txBody>
-          <a:bodyPr wrap="none">
-            <a:spAutoFit/>
-          </a:bodyPr>
-          <a:lstStyle/>
-          <a:p>
-            <a:r>
-              <a:rPr lang="pt-BR" dirty="0">
-                <a:solidFill>
-                  <a:srgbClr val="00B0F0"/>
-                </a:solidFill>
-              </a:rPr>
-              <a:t>Exemplo: MultiClassDigitClassification. ipynb</a:t>
-            </a:r>
           </a:p>
         </p:txBody>
       </p:sp>
       <p:sp>
         <p:nvSpPr>
-          <p:cNvPr id="7" name="TextBox 6"/>
-          <p:cNvSpPr txBox="1"/>
-          <p:nvPr/>
+          <p:cNvPr id="3" name="Content Placeholder 2"/>
+          <p:cNvSpPr>
+            <a:spLocks noGrp="1"/>
+          </p:cNvSpPr>
+          <p:nvPr>
+            <p:ph idx="1"/>
+          </p:nvPr>
         </p:nvSpPr>
-        <p:spPr>
-          <a:xfrm>
-            <a:off x="6484464" y="1008382"/>
-            <a:ext cx="5578018" cy="1077218"/>
-          </a:xfrm>
-          <a:prstGeom prst="rect">
-            <a:avLst/>
-          </a:prstGeom>
-          <a:noFill/>
-        </p:spPr>
+        <p:spPr/>
         <p:txBody>
-          <a:bodyPr wrap="square" rtlCol="0">
-            <a:spAutoFit/>
-          </a:bodyPr>
+          <a:bodyPr/>
           <a:lstStyle/>
           <a:p>
-            <a:pPr marL="285750" indent="-285750">
-              <a:buFont typeface="Arial" panose="020B0604020202020204" pitchFamily="34" charset="0"/>
-              <a:buChar char="•"/>
-            </a:pPr>
-            <a:r>
-              <a:rPr lang="pt-BR" sz="1600" dirty="0" smtClean="0"/>
-              <a:t>Classificação de dígitos escritos à mão.</a:t>
-            </a:r>
-          </a:p>
-          <a:p>
-            <a:pPr marL="285750" indent="-285750">
-              <a:buFont typeface="Arial" panose="020B0604020202020204" pitchFamily="34" charset="0"/>
-              <a:buChar char="•"/>
-            </a:pPr>
-            <a:r>
-              <a:rPr lang="pt-BR" sz="1600" dirty="0"/>
-              <a:t>E</a:t>
-            </a:r>
-            <a:r>
-              <a:rPr lang="pt-BR" sz="1600" dirty="0" smtClean="0"/>
-              <a:t>xemplo usa uma base de dados baixada do SciKit-Learn.</a:t>
-            </a:r>
-          </a:p>
-          <a:p>
-            <a:pPr marL="285750" indent="-285750">
-              <a:buFont typeface="Arial" panose="020B0604020202020204" pitchFamily="34" charset="0"/>
-              <a:buChar char="•"/>
-            </a:pPr>
-            <a:r>
-              <a:rPr lang="pt-BR" sz="1600" dirty="0" smtClean="0"/>
-              <a:t>Classifica os dígitos em 10 classes: 0 à 9.</a:t>
-            </a:r>
-          </a:p>
-          <a:p>
-            <a:pPr marL="285750" indent="-285750">
-              <a:buFont typeface="Arial" panose="020B0604020202020204" pitchFamily="34" charset="0"/>
-              <a:buChar char="•"/>
-            </a:pPr>
-            <a:r>
-              <a:rPr lang="pt-BR" sz="1600" dirty="0" smtClean="0"/>
-              <a:t>A </a:t>
-            </a:r>
-            <a:r>
-              <a:rPr lang="pt-BR" sz="1600" b="1" i="1" dirty="0" smtClean="0"/>
-              <a:t>matriz de confusão</a:t>
-            </a:r>
-            <a:r>
-              <a:rPr lang="pt-BR" sz="1600" dirty="0" smtClean="0"/>
-              <a:t> mostra a performance do classificador.</a:t>
-            </a:r>
-            <a:endParaRPr lang="pt-BR" sz="1600" dirty="0"/>
-          </a:p>
-        </p:txBody>
-      </p:sp>
-      <p:grpSp>
-        <p:nvGrpSpPr>
-          <p:cNvPr id="12" name="Group 11"/>
-          <p:cNvGrpSpPr/>
-          <p:nvPr/>
-        </p:nvGrpSpPr>
-        <p:grpSpPr>
-          <a:xfrm>
-            <a:off x="838200" y="969469"/>
-            <a:ext cx="7001935" cy="3816429"/>
-            <a:chOff x="838200" y="1690688"/>
-            <a:chExt cx="7001935" cy="3816429"/>
-          </a:xfrm>
-        </p:grpSpPr>
-        <p:sp>
-          <p:nvSpPr>
-            <p:cNvPr id="4" name="Rectangle 3"/>
-            <p:cNvSpPr/>
-            <p:nvPr/>
-          </p:nvSpPr>
-          <p:spPr>
-            <a:xfrm>
-              <a:off x="838200" y="1690688"/>
-              <a:ext cx="6096000" cy="3816429"/>
-            </a:xfrm>
-            <a:prstGeom prst="rect">
-              <a:avLst/>
-            </a:prstGeom>
-          </p:spPr>
-          <p:txBody>
-            <a:bodyPr>
-              <a:spAutoFit/>
-            </a:bodyPr>
-            <a:lstStyle/>
-            <a:p>
-              <a:r>
-                <a:rPr lang="pt-BR" sz="1100" dirty="0">
-                  <a:solidFill>
-                    <a:srgbClr val="008000"/>
-                  </a:solidFill>
-                  <a:highlight>
-                    <a:srgbClr val="FFFFFF"/>
-                  </a:highlight>
-                </a:rPr>
-                <a:t># Import all necessary libraries.</a:t>
-              </a:r>
-              <a:endParaRPr lang="pt-BR" sz="1100" dirty="0">
+            <a:r>
+              <a:rPr lang="pt-BR" b="1" dirty="0" smtClean="0"/>
+              <a:t>Quiz</a:t>
+            </a:r>
+            <a:r>
+              <a:rPr lang="pt-BR" dirty="0" smtClean="0"/>
+              <a:t>: “</a:t>
+            </a:r>
+            <a:r>
+              <a:rPr lang="pt-BR" i="1" dirty="0" smtClean="0"/>
+              <a:t>T320 </a:t>
+            </a:r>
+            <a:r>
+              <a:rPr lang="pt-BR" i="1" dirty="0"/>
+              <a:t>- Quiz -</a:t>
+            </a:r>
+            <a:r>
+              <a:rPr lang="pt-BR" i="1" dirty="0" smtClean="0"/>
+              <a:t> Classificação (Parte IV)</a:t>
+            </a:r>
+            <a:r>
+              <a:rPr lang="pt-BR" dirty="0" smtClean="0"/>
+              <a:t>” que se encontra no MS Teams.</a:t>
+            </a:r>
+          </a:p>
+          <a:p>
+            <a:r>
+              <a:rPr lang="pt-BR" b="1" dirty="0" smtClean="0"/>
+              <a:t>Exercício Prático</a:t>
+            </a:r>
+            <a:r>
+              <a:rPr lang="pt-BR" dirty="0" smtClean="0"/>
+              <a:t>: </a:t>
+            </a:r>
+            <a:r>
+              <a:rPr lang="pt-BR" b="1" dirty="0" smtClean="0">
+                <a:hlinkClick r:id="rId3"/>
+              </a:rPr>
+              <a:t>Laboratório #</a:t>
+            </a:r>
+            <a:r>
+              <a:rPr lang="pt-BR" b="1" dirty="0">
+                <a:hlinkClick r:id="rId3"/>
+              </a:rPr>
+              <a:t>4</a:t>
+            </a:r>
+            <a:r>
+              <a:rPr lang="pt-BR" dirty="0" smtClean="0"/>
+              <a:t>.</a:t>
+            </a:r>
+          </a:p>
+          <a:p>
+            <a:pPr lvl="1"/>
+            <a:r>
+              <a:rPr lang="pt-BR" dirty="0"/>
+              <a:t>Pode ser baixado do MS Teams ou do GitHub.</a:t>
+            </a:r>
+          </a:p>
+          <a:p>
+            <a:pPr lvl="1"/>
+            <a:r>
+              <a:rPr lang="pt-BR" dirty="0"/>
+              <a:t>Pode ser respondido através do link acima (na nuvem) ou localmente.</a:t>
+            </a:r>
+          </a:p>
+          <a:p>
+            <a:pPr lvl="1"/>
+            <a:r>
+              <a:rPr lang="pt-BR" dirty="0">
+                <a:hlinkClick r:id="rId4"/>
+              </a:rPr>
+              <a:t>Instruções para resolução e entrega dos laboratórios</a:t>
+            </a:r>
+            <a:r>
+              <a:rPr lang="pt-BR" dirty="0"/>
+              <a:t>.</a:t>
+            </a:r>
+          </a:p>
+          <a:p>
+            <a:pPr lvl="1"/>
+            <a:r>
+              <a:rPr lang="pt-BR" b="1" dirty="0" smtClean="0">
                 <a:solidFill>
-                  <a:srgbClr val="000000"/>
+                  <a:srgbClr val="FF0000"/>
                 </a:solidFill>
-                <a:highlight>
-                  <a:srgbClr val="FFFFFF"/>
-                </a:highlight>
-              </a:endParaRPr>
-            </a:p>
-            <a:p>
-              <a:r>
-                <a:rPr lang="pt-BR" sz="1100" b="1" dirty="0">
-                  <a:solidFill>
-                    <a:srgbClr val="0000FF"/>
-                  </a:solidFill>
-                  <a:highlight>
-                    <a:srgbClr val="FFFFFF"/>
-                  </a:highlight>
-                </a:rPr>
-                <a:t>import</a:t>
-              </a:r>
-              <a:r>
-                <a:rPr lang="pt-BR" sz="1100" dirty="0">
-                  <a:solidFill>
-                    <a:srgbClr val="000000"/>
-                  </a:solidFill>
-                  <a:highlight>
-                    <a:srgbClr val="FFFFFF"/>
-                  </a:highlight>
-                </a:rPr>
-                <a:t> matplotlib</a:t>
-              </a:r>
-              <a:r>
-                <a:rPr lang="pt-BR" sz="1100" b="1" dirty="0">
-                  <a:solidFill>
-                    <a:srgbClr val="000080"/>
-                  </a:solidFill>
-                  <a:highlight>
-                    <a:srgbClr val="FFFFFF"/>
-                  </a:highlight>
-                </a:rPr>
-                <a:t>.</a:t>
-              </a:r>
-              <a:r>
-                <a:rPr lang="pt-BR" sz="1100" dirty="0">
-                  <a:solidFill>
-                    <a:srgbClr val="000000"/>
-                  </a:solidFill>
-                  <a:highlight>
-                    <a:srgbClr val="FFFFFF"/>
-                  </a:highlight>
-                </a:rPr>
-                <a:t>pyplot </a:t>
-              </a:r>
-              <a:r>
-                <a:rPr lang="pt-BR" sz="1100" b="1" dirty="0">
-                  <a:solidFill>
-                    <a:srgbClr val="0000FF"/>
-                  </a:solidFill>
-                  <a:highlight>
-                    <a:srgbClr val="FFFFFF"/>
-                  </a:highlight>
-                </a:rPr>
-                <a:t>as</a:t>
-              </a:r>
-              <a:r>
-                <a:rPr lang="pt-BR" sz="1100" dirty="0">
-                  <a:solidFill>
-                    <a:srgbClr val="000000"/>
-                  </a:solidFill>
-                  <a:highlight>
-                    <a:srgbClr val="FFFFFF"/>
-                  </a:highlight>
-                </a:rPr>
-                <a:t> plt</a:t>
-              </a:r>
-            </a:p>
-            <a:p>
-              <a:r>
-                <a:rPr lang="pt-BR" sz="1100" b="1" dirty="0">
-                  <a:solidFill>
-                    <a:srgbClr val="0000FF"/>
-                  </a:solidFill>
-                  <a:highlight>
-                    <a:srgbClr val="FFFFFF"/>
-                  </a:highlight>
-                </a:rPr>
-                <a:t>from</a:t>
-              </a:r>
-              <a:r>
-                <a:rPr lang="pt-BR" sz="1100" dirty="0">
-                  <a:solidFill>
-                    <a:srgbClr val="000000"/>
-                  </a:solidFill>
-                  <a:highlight>
-                    <a:srgbClr val="FFFFFF"/>
-                  </a:highlight>
-                </a:rPr>
-                <a:t> sklearn</a:t>
-              </a:r>
-              <a:r>
-                <a:rPr lang="pt-BR" sz="1100" b="1" dirty="0">
-                  <a:solidFill>
-                    <a:srgbClr val="000080"/>
-                  </a:solidFill>
-                  <a:highlight>
-                    <a:srgbClr val="FFFFFF"/>
-                  </a:highlight>
-                </a:rPr>
-                <a:t>.</a:t>
-              </a:r>
-              <a:r>
-                <a:rPr lang="pt-BR" sz="1100" dirty="0">
-                  <a:solidFill>
-                    <a:srgbClr val="000000"/>
-                  </a:solidFill>
-                  <a:highlight>
-                    <a:srgbClr val="FFFFFF"/>
-                  </a:highlight>
-                </a:rPr>
-                <a:t>datasets </a:t>
-              </a:r>
-              <a:r>
-                <a:rPr lang="pt-BR" sz="1100" b="1" dirty="0">
-                  <a:solidFill>
-                    <a:srgbClr val="0000FF"/>
-                  </a:solidFill>
-                  <a:highlight>
-                    <a:srgbClr val="FFFFFF"/>
-                  </a:highlight>
-                </a:rPr>
-                <a:t>import</a:t>
-              </a:r>
-              <a:r>
-                <a:rPr lang="pt-BR" sz="1100" dirty="0">
-                  <a:solidFill>
-                    <a:srgbClr val="000000"/>
-                  </a:solidFill>
-                  <a:highlight>
-                    <a:srgbClr val="FFFFFF"/>
-                  </a:highlight>
-                </a:rPr>
-                <a:t> load_digits</a:t>
-              </a:r>
-            </a:p>
-            <a:p>
-              <a:r>
-                <a:rPr lang="pt-BR" sz="1100" b="1" dirty="0">
-                  <a:solidFill>
-                    <a:srgbClr val="0000FF"/>
-                  </a:solidFill>
-                  <a:highlight>
-                    <a:srgbClr val="FFFFFF"/>
-                  </a:highlight>
-                </a:rPr>
-                <a:t>from</a:t>
-              </a:r>
-              <a:r>
-                <a:rPr lang="pt-BR" sz="1100" dirty="0">
-                  <a:solidFill>
-                    <a:srgbClr val="000000"/>
-                  </a:solidFill>
-                  <a:highlight>
-                    <a:srgbClr val="FFFFFF"/>
-                  </a:highlight>
-                </a:rPr>
-                <a:t> sklearn</a:t>
-              </a:r>
-              <a:r>
-                <a:rPr lang="pt-BR" sz="1100" b="1" dirty="0">
-                  <a:solidFill>
-                    <a:srgbClr val="000080"/>
-                  </a:solidFill>
-                  <a:highlight>
-                    <a:srgbClr val="FFFFFF"/>
-                  </a:highlight>
-                </a:rPr>
-                <a:t>.</a:t>
-              </a:r>
-              <a:r>
-                <a:rPr lang="pt-BR" sz="1100" dirty="0">
-                  <a:solidFill>
-                    <a:srgbClr val="000000"/>
-                  </a:solidFill>
-                  <a:highlight>
-                    <a:srgbClr val="FFFFFF"/>
-                  </a:highlight>
-                </a:rPr>
-                <a:t>linear_model</a:t>
-              </a:r>
-              <a:r>
-                <a:rPr lang="pt-BR" sz="1100" b="1" dirty="0">
-                  <a:solidFill>
-                    <a:srgbClr val="000080"/>
-                  </a:solidFill>
-                  <a:highlight>
-                    <a:srgbClr val="FFFFFF"/>
-                  </a:highlight>
-                </a:rPr>
-                <a:t>.</a:t>
-              </a:r>
-              <a:r>
-                <a:rPr lang="pt-BR" sz="1100" dirty="0">
-                  <a:solidFill>
-                    <a:srgbClr val="000000"/>
-                  </a:solidFill>
-                  <a:highlight>
-                    <a:srgbClr val="FFFFFF"/>
-                  </a:highlight>
-                </a:rPr>
-                <a:t>logistic </a:t>
-              </a:r>
-              <a:r>
-                <a:rPr lang="pt-BR" sz="1100" b="1" dirty="0">
-                  <a:solidFill>
-                    <a:srgbClr val="0000FF"/>
-                  </a:solidFill>
-                  <a:highlight>
-                    <a:srgbClr val="FFFFFF"/>
-                  </a:highlight>
-                </a:rPr>
-                <a:t>import</a:t>
-              </a:r>
-              <a:r>
-                <a:rPr lang="pt-BR" sz="1100" dirty="0">
-                  <a:solidFill>
-                    <a:srgbClr val="000000"/>
-                  </a:solidFill>
-                  <a:highlight>
-                    <a:srgbClr val="FFFFFF"/>
-                  </a:highlight>
-                </a:rPr>
-                <a:t> LogisticRegression</a:t>
-              </a:r>
-            </a:p>
-            <a:p>
-              <a:r>
-                <a:rPr lang="pt-BR" sz="1100" b="1" dirty="0">
-                  <a:solidFill>
-                    <a:srgbClr val="0000FF"/>
-                  </a:solidFill>
-                  <a:highlight>
-                    <a:srgbClr val="FFFFFF"/>
-                  </a:highlight>
-                </a:rPr>
-                <a:t>from</a:t>
-              </a:r>
-              <a:r>
-                <a:rPr lang="pt-BR" sz="1100" dirty="0">
-                  <a:solidFill>
-                    <a:srgbClr val="000000"/>
-                  </a:solidFill>
-                  <a:highlight>
-                    <a:srgbClr val="FFFFFF"/>
-                  </a:highlight>
-                </a:rPr>
-                <a:t> sklearn</a:t>
-              </a:r>
-              <a:r>
-                <a:rPr lang="pt-BR" sz="1100" b="1" dirty="0">
-                  <a:solidFill>
-                    <a:srgbClr val="000080"/>
-                  </a:solidFill>
-                  <a:highlight>
-                    <a:srgbClr val="FFFFFF"/>
-                  </a:highlight>
-                </a:rPr>
-                <a:t>.</a:t>
-              </a:r>
-              <a:r>
-                <a:rPr lang="pt-BR" sz="1100" dirty="0">
-                  <a:solidFill>
-                    <a:srgbClr val="000000"/>
-                  </a:solidFill>
-                  <a:highlight>
-                    <a:srgbClr val="FFFFFF"/>
-                  </a:highlight>
-                </a:rPr>
-                <a:t>model_selection </a:t>
-              </a:r>
-              <a:r>
-                <a:rPr lang="pt-BR" sz="1100" b="1" dirty="0">
-                  <a:solidFill>
-                    <a:srgbClr val="0000FF"/>
-                  </a:solidFill>
-                  <a:highlight>
-                    <a:srgbClr val="FFFFFF"/>
-                  </a:highlight>
-                </a:rPr>
-                <a:t>import</a:t>
-              </a:r>
-              <a:r>
-                <a:rPr lang="pt-BR" sz="1100" dirty="0">
-                  <a:solidFill>
-                    <a:srgbClr val="000000"/>
-                  </a:solidFill>
-                  <a:highlight>
-                    <a:srgbClr val="FFFFFF"/>
-                  </a:highlight>
-                </a:rPr>
-                <a:t> train_test_split</a:t>
-              </a:r>
-            </a:p>
-            <a:p>
-              <a:endParaRPr lang="pt-BR" sz="1100" dirty="0">
+              </a:rPr>
+              <a:t>Atividades podem </a:t>
+            </a:r>
+            <a:r>
+              <a:rPr lang="pt-BR" b="1" dirty="0">
                 <a:solidFill>
-                  <a:srgbClr val="000000"/>
+                  <a:srgbClr val="FF0000"/>
                 </a:solidFill>
-                <a:highlight>
-                  <a:srgbClr val="FFFFFF"/>
-                </a:highlight>
-              </a:endParaRPr>
-            </a:p>
-            <a:p>
-              <a:r>
-                <a:rPr lang="pt-BR" sz="1100" dirty="0">
-                  <a:solidFill>
-                    <a:srgbClr val="008000"/>
-                  </a:solidFill>
-                  <a:highlight>
-                    <a:srgbClr val="FFFFFF"/>
-                  </a:highlight>
-                </a:rPr>
-                <a:t># Load digit data set.</a:t>
-              </a:r>
-              <a:endParaRPr lang="pt-BR" sz="1100" dirty="0">
+              </a:rPr>
+              <a:t>ser </a:t>
+            </a:r>
+            <a:r>
+              <a:rPr lang="pt-BR" b="1" dirty="0" smtClean="0">
                 <a:solidFill>
-                  <a:srgbClr val="000000"/>
+                  <a:srgbClr val="FF0000"/>
                 </a:solidFill>
-                <a:highlight>
-                  <a:srgbClr val="FFFFFF"/>
-                </a:highlight>
-              </a:endParaRPr>
-            </a:p>
-            <a:p>
-              <a:r>
-                <a:rPr lang="pt-BR" sz="1100" dirty="0">
-                  <a:solidFill>
-                    <a:srgbClr val="000000"/>
-                  </a:solidFill>
-                  <a:highlight>
-                    <a:srgbClr val="FFFFFF"/>
-                  </a:highlight>
-                </a:rPr>
-                <a:t>digits </a:t>
-              </a:r>
-              <a:r>
-                <a:rPr lang="pt-BR" sz="1100" b="1" dirty="0">
-                  <a:solidFill>
-                    <a:srgbClr val="000080"/>
-                  </a:solidFill>
-                  <a:highlight>
-                    <a:srgbClr val="FFFFFF"/>
-                  </a:highlight>
-                </a:rPr>
-                <a:t>=</a:t>
-              </a:r>
-              <a:r>
-                <a:rPr lang="pt-BR" sz="1100" dirty="0">
-                  <a:solidFill>
-                    <a:srgbClr val="000000"/>
-                  </a:solidFill>
-                  <a:highlight>
-                    <a:srgbClr val="FFFFFF"/>
-                  </a:highlight>
-                </a:rPr>
-                <a:t> load_digits</a:t>
-              </a:r>
-              <a:r>
-                <a:rPr lang="pt-BR" sz="1100" b="1" dirty="0">
-                  <a:solidFill>
-                    <a:srgbClr val="000080"/>
-                  </a:solidFill>
-                  <a:highlight>
-                    <a:srgbClr val="FFFFFF"/>
-                  </a:highlight>
-                </a:rPr>
-                <a:t>()</a:t>
-              </a:r>
-              <a:endParaRPr lang="pt-BR" sz="1100" dirty="0">
+              </a:rPr>
+              <a:t>feitas </a:t>
+            </a:r>
+            <a:r>
+              <a:rPr lang="pt-BR" b="1" dirty="0">
                 <a:solidFill>
-                  <a:srgbClr val="000000"/>
+                  <a:srgbClr val="FF0000"/>
                 </a:solidFill>
-                <a:highlight>
-                  <a:srgbClr val="FFFFFF"/>
-                </a:highlight>
-              </a:endParaRPr>
-            </a:p>
-            <a:p>
-              <a:r>
-                <a:rPr lang="pt-BR" sz="1100" dirty="0">
-                  <a:solidFill>
-                    <a:srgbClr val="000000"/>
-                  </a:solidFill>
-                  <a:highlight>
-                    <a:srgbClr val="FFFFFF"/>
-                  </a:highlight>
-                </a:rPr>
-                <a:t>x </a:t>
-              </a:r>
-              <a:r>
-                <a:rPr lang="pt-BR" sz="1100" b="1" dirty="0">
-                  <a:solidFill>
-                    <a:srgbClr val="000080"/>
-                  </a:solidFill>
-                  <a:highlight>
-                    <a:srgbClr val="FFFFFF"/>
-                  </a:highlight>
-                </a:rPr>
-                <a:t>=</a:t>
-              </a:r>
-              <a:r>
-                <a:rPr lang="pt-BR" sz="1100" dirty="0">
-                  <a:solidFill>
-                    <a:srgbClr val="000000"/>
-                  </a:solidFill>
-                  <a:highlight>
-                    <a:srgbClr val="FFFFFF"/>
-                  </a:highlight>
-                </a:rPr>
-                <a:t> digits</a:t>
-              </a:r>
-              <a:r>
-                <a:rPr lang="pt-BR" sz="1100" b="1" dirty="0">
-                  <a:solidFill>
-                    <a:srgbClr val="000080"/>
-                  </a:solidFill>
-                  <a:highlight>
-                    <a:srgbClr val="FFFFFF"/>
-                  </a:highlight>
-                </a:rPr>
-                <a:t>.</a:t>
-              </a:r>
-              <a:r>
-                <a:rPr lang="pt-BR" sz="1100" dirty="0">
-                  <a:solidFill>
-                    <a:srgbClr val="000000"/>
-                  </a:solidFill>
-                  <a:highlight>
-                    <a:srgbClr val="FFFFFF"/>
-                  </a:highlight>
-                </a:rPr>
-                <a:t>data</a:t>
-              </a:r>
-            </a:p>
-            <a:p>
-              <a:r>
-                <a:rPr lang="pt-BR" sz="1100" dirty="0">
-                  <a:solidFill>
-                    <a:srgbClr val="000000"/>
-                  </a:solidFill>
-                  <a:highlight>
-                    <a:srgbClr val="FFFFFF"/>
-                  </a:highlight>
-                </a:rPr>
-                <a:t>y </a:t>
-              </a:r>
-              <a:r>
-                <a:rPr lang="pt-BR" sz="1100" b="1" dirty="0">
-                  <a:solidFill>
-                    <a:srgbClr val="000080"/>
-                  </a:solidFill>
-                  <a:highlight>
-                    <a:srgbClr val="FFFFFF"/>
-                  </a:highlight>
-                </a:rPr>
-                <a:t>=</a:t>
-              </a:r>
-              <a:r>
-                <a:rPr lang="pt-BR" sz="1100" dirty="0">
-                  <a:solidFill>
-                    <a:srgbClr val="000000"/>
-                  </a:solidFill>
-                  <a:highlight>
-                    <a:srgbClr val="FFFFFF"/>
-                  </a:highlight>
-                </a:rPr>
-                <a:t> digits</a:t>
-              </a:r>
-              <a:r>
-                <a:rPr lang="pt-BR" sz="1100" b="1" dirty="0">
-                  <a:solidFill>
-                    <a:srgbClr val="000080"/>
-                  </a:solidFill>
-                  <a:highlight>
-                    <a:srgbClr val="FFFFFF"/>
-                  </a:highlight>
-                </a:rPr>
-                <a:t>.</a:t>
-              </a:r>
-              <a:r>
-                <a:rPr lang="pt-BR" sz="1100" dirty="0">
-                  <a:solidFill>
-                    <a:srgbClr val="000000"/>
-                  </a:solidFill>
-                  <a:highlight>
-                    <a:srgbClr val="FFFFFF"/>
-                  </a:highlight>
-                </a:rPr>
-                <a:t>target</a:t>
-              </a:r>
-            </a:p>
-            <a:p>
-              <a:endParaRPr lang="pt-BR" sz="1100" dirty="0">
-                <a:solidFill>
-                  <a:srgbClr val="000000"/>
-                </a:solidFill>
-                <a:highlight>
-                  <a:srgbClr val="FFFFFF"/>
-                </a:highlight>
-              </a:endParaRPr>
-            </a:p>
-            <a:p>
-              <a:r>
-                <a:rPr lang="pt-BR" sz="1100" dirty="0">
-                  <a:solidFill>
-                    <a:srgbClr val="008000"/>
-                  </a:solidFill>
-                  <a:highlight>
-                    <a:srgbClr val="FFFFFF"/>
-                  </a:highlight>
-                </a:rPr>
-                <a:t># Split the data set.</a:t>
-              </a:r>
-              <a:endParaRPr lang="pt-BR" sz="1100" dirty="0">
-                <a:solidFill>
-                  <a:srgbClr val="000000"/>
-                </a:solidFill>
-                <a:highlight>
-                  <a:srgbClr val="FFFFFF"/>
-                </a:highlight>
-              </a:endParaRPr>
-            </a:p>
-            <a:p>
-              <a:r>
-                <a:rPr lang="en-US" sz="1100" dirty="0" err="1">
-                  <a:solidFill>
-                    <a:srgbClr val="000000"/>
-                  </a:solidFill>
-                  <a:highlight>
-                    <a:srgbClr val="FFFFFF"/>
-                  </a:highlight>
-                </a:rPr>
-                <a:t>x_train</a:t>
-              </a:r>
-              <a:r>
-                <a:rPr lang="en-US" sz="1100" b="1" dirty="0">
-                  <a:solidFill>
-                    <a:srgbClr val="000080"/>
-                  </a:solidFill>
-                  <a:highlight>
-                    <a:srgbClr val="FFFFFF"/>
-                  </a:highlight>
-                </a:rPr>
-                <a:t>,</a:t>
-              </a:r>
-              <a:r>
-                <a:rPr lang="en-US" sz="1100" dirty="0">
-                  <a:solidFill>
-                    <a:srgbClr val="000000"/>
-                  </a:solidFill>
-                  <a:highlight>
-                    <a:srgbClr val="FFFFFF"/>
-                  </a:highlight>
-                </a:rPr>
-                <a:t> </a:t>
-              </a:r>
-              <a:r>
-                <a:rPr lang="en-US" sz="1100" dirty="0" err="1">
-                  <a:solidFill>
-                    <a:srgbClr val="000000"/>
-                  </a:solidFill>
-                  <a:highlight>
-                    <a:srgbClr val="FFFFFF"/>
-                  </a:highlight>
-                </a:rPr>
-                <a:t>x_test</a:t>
-              </a:r>
-              <a:r>
-                <a:rPr lang="en-US" sz="1100" b="1" dirty="0">
-                  <a:solidFill>
-                    <a:srgbClr val="000080"/>
-                  </a:solidFill>
-                  <a:highlight>
-                    <a:srgbClr val="FFFFFF"/>
-                  </a:highlight>
-                </a:rPr>
-                <a:t>,</a:t>
-              </a:r>
-              <a:r>
-                <a:rPr lang="en-US" sz="1100" dirty="0">
-                  <a:solidFill>
-                    <a:srgbClr val="000000"/>
-                  </a:solidFill>
-                  <a:highlight>
-                    <a:srgbClr val="FFFFFF"/>
-                  </a:highlight>
-                </a:rPr>
-                <a:t> </a:t>
-              </a:r>
-              <a:r>
-                <a:rPr lang="en-US" sz="1100" dirty="0" err="1">
-                  <a:solidFill>
-                    <a:srgbClr val="000000"/>
-                  </a:solidFill>
-                  <a:highlight>
-                    <a:srgbClr val="FFFFFF"/>
-                  </a:highlight>
-                </a:rPr>
-                <a:t>y_train</a:t>
-              </a:r>
-              <a:r>
-                <a:rPr lang="en-US" sz="1100" b="1" dirty="0">
-                  <a:solidFill>
-                    <a:srgbClr val="000080"/>
-                  </a:solidFill>
-                  <a:highlight>
-                    <a:srgbClr val="FFFFFF"/>
-                  </a:highlight>
-                </a:rPr>
-                <a:t>,</a:t>
-              </a:r>
-              <a:r>
-                <a:rPr lang="en-US" sz="1100" dirty="0">
-                  <a:solidFill>
-                    <a:srgbClr val="000000"/>
-                  </a:solidFill>
-                  <a:highlight>
-                    <a:srgbClr val="FFFFFF"/>
-                  </a:highlight>
-                </a:rPr>
-                <a:t> </a:t>
-              </a:r>
-              <a:r>
-                <a:rPr lang="en-US" sz="1100" dirty="0" err="1">
-                  <a:solidFill>
-                    <a:srgbClr val="000000"/>
-                  </a:solidFill>
-                  <a:highlight>
-                    <a:srgbClr val="FFFFFF"/>
-                  </a:highlight>
-                </a:rPr>
-                <a:t>y_test</a:t>
-              </a:r>
-              <a:r>
-                <a:rPr lang="en-US" sz="1100" dirty="0">
-                  <a:solidFill>
-                    <a:srgbClr val="000000"/>
-                  </a:solidFill>
-                  <a:highlight>
-                    <a:srgbClr val="FFFFFF"/>
-                  </a:highlight>
-                </a:rPr>
-                <a:t> </a:t>
-              </a:r>
-              <a:r>
-                <a:rPr lang="en-US" sz="1100" b="1" dirty="0">
-                  <a:solidFill>
-                    <a:srgbClr val="000080"/>
-                  </a:solidFill>
-                  <a:highlight>
-                    <a:srgbClr val="FFFFFF"/>
-                  </a:highlight>
-                </a:rPr>
-                <a:t>=</a:t>
-              </a:r>
-              <a:r>
-                <a:rPr lang="en-US" sz="1100" dirty="0">
-                  <a:solidFill>
-                    <a:srgbClr val="000000"/>
-                  </a:solidFill>
-                  <a:highlight>
-                    <a:srgbClr val="FFFFFF"/>
-                  </a:highlight>
-                </a:rPr>
-                <a:t> </a:t>
-              </a:r>
-              <a:r>
-                <a:rPr lang="en-US" sz="1100" dirty="0" err="1">
-                  <a:solidFill>
-                    <a:srgbClr val="000000"/>
-                  </a:solidFill>
-                  <a:highlight>
-                    <a:srgbClr val="FFFFFF"/>
-                  </a:highlight>
-                </a:rPr>
-                <a:t>train_test_split</a:t>
-              </a:r>
-              <a:r>
-                <a:rPr lang="en-US" sz="1100" b="1" dirty="0">
-                  <a:solidFill>
-                    <a:srgbClr val="000080"/>
-                  </a:solidFill>
-                  <a:highlight>
-                    <a:srgbClr val="FFFFFF"/>
-                  </a:highlight>
-                </a:rPr>
-                <a:t>(</a:t>
-              </a:r>
-              <a:r>
-                <a:rPr lang="en-US" sz="1100" dirty="0">
-                  <a:solidFill>
-                    <a:srgbClr val="000000"/>
-                  </a:solidFill>
-                  <a:highlight>
-                    <a:srgbClr val="FFFFFF"/>
-                  </a:highlight>
-                </a:rPr>
-                <a:t>x</a:t>
-              </a:r>
-              <a:r>
-                <a:rPr lang="en-US" sz="1100" b="1" dirty="0">
-                  <a:solidFill>
-                    <a:srgbClr val="000080"/>
-                  </a:solidFill>
-                  <a:highlight>
-                    <a:srgbClr val="FFFFFF"/>
-                  </a:highlight>
-                </a:rPr>
-                <a:t>,</a:t>
-              </a:r>
-              <a:r>
-                <a:rPr lang="en-US" sz="1100" dirty="0">
-                  <a:solidFill>
-                    <a:srgbClr val="000000"/>
-                  </a:solidFill>
-                  <a:highlight>
-                    <a:srgbClr val="FFFFFF"/>
-                  </a:highlight>
-                </a:rPr>
-                <a:t> y</a:t>
-              </a:r>
-              <a:r>
-                <a:rPr lang="en-US" sz="1100" b="1" dirty="0">
-                  <a:solidFill>
-                    <a:srgbClr val="000080"/>
-                  </a:solidFill>
-                  <a:highlight>
-                    <a:srgbClr val="FFFFFF"/>
-                  </a:highlight>
-                </a:rPr>
-                <a:t>,</a:t>
-              </a:r>
-              <a:r>
-                <a:rPr lang="en-US" sz="1100" dirty="0">
-                  <a:solidFill>
-                    <a:srgbClr val="000000"/>
-                  </a:solidFill>
-                  <a:highlight>
-                    <a:srgbClr val="FFFFFF"/>
-                  </a:highlight>
-                </a:rPr>
-                <a:t> </a:t>
-              </a:r>
-              <a:r>
-                <a:rPr lang="en-US" sz="1100" dirty="0" err="1">
-                  <a:solidFill>
-                    <a:srgbClr val="000000"/>
-                  </a:solidFill>
-                  <a:highlight>
-                    <a:srgbClr val="FFFFFF"/>
-                  </a:highlight>
-                </a:rPr>
-                <a:t>test_size</a:t>
-              </a:r>
-              <a:r>
-                <a:rPr lang="en-US" sz="1100" b="1" dirty="0">
-                  <a:solidFill>
-                    <a:srgbClr val="000080"/>
-                  </a:solidFill>
-                  <a:highlight>
-                    <a:srgbClr val="FFFFFF"/>
-                  </a:highlight>
-                </a:rPr>
-                <a:t>=</a:t>
-              </a:r>
-              <a:r>
-                <a:rPr lang="en-US" sz="1100" dirty="0">
-                  <a:solidFill>
-                    <a:srgbClr val="FF0000"/>
-                  </a:solidFill>
-                  <a:highlight>
-                    <a:srgbClr val="FFFFFF"/>
-                  </a:highlight>
-                </a:rPr>
-                <a:t>0.3</a:t>
-              </a:r>
-              <a:r>
-                <a:rPr lang="en-US" sz="1100" b="1" dirty="0">
-                  <a:solidFill>
-                    <a:srgbClr val="000080"/>
-                  </a:solidFill>
-                  <a:highlight>
-                    <a:srgbClr val="FFFFFF"/>
-                  </a:highlight>
-                </a:rPr>
-                <a:t>,</a:t>
-              </a:r>
-              <a:r>
-                <a:rPr lang="en-US" sz="1100" dirty="0">
-                  <a:solidFill>
-                    <a:srgbClr val="000000"/>
-                  </a:solidFill>
-                  <a:highlight>
-                    <a:srgbClr val="FFFFFF"/>
-                  </a:highlight>
-                </a:rPr>
-                <a:t> </a:t>
-              </a:r>
-              <a:r>
-                <a:rPr lang="en-US" sz="1100" dirty="0" err="1">
-                  <a:solidFill>
-                    <a:srgbClr val="000000"/>
-                  </a:solidFill>
-                  <a:highlight>
-                    <a:srgbClr val="FFFFFF"/>
-                  </a:highlight>
-                </a:rPr>
-                <a:t>random_state</a:t>
-              </a:r>
-              <a:r>
-                <a:rPr lang="en-US" sz="1100" b="1" dirty="0">
-                  <a:solidFill>
-                    <a:srgbClr val="000080"/>
-                  </a:solidFill>
-                  <a:highlight>
-                    <a:srgbClr val="FFFFFF"/>
-                  </a:highlight>
-                </a:rPr>
-                <a:t>=</a:t>
-              </a:r>
-              <a:r>
-                <a:rPr lang="en-US" sz="1100" dirty="0">
-                  <a:solidFill>
-                    <a:srgbClr val="FF0000"/>
-                  </a:solidFill>
-                  <a:highlight>
-                    <a:srgbClr val="FFFFFF"/>
-                  </a:highlight>
-                </a:rPr>
-                <a:t>42</a:t>
-              </a:r>
-              <a:r>
-                <a:rPr lang="en-US" sz="1100" b="1" dirty="0">
-                  <a:solidFill>
-                    <a:srgbClr val="000080"/>
-                  </a:solidFill>
-                  <a:highlight>
-                    <a:srgbClr val="FFFFFF"/>
-                  </a:highlight>
-                </a:rPr>
-                <a:t>)</a:t>
-              </a:r>
-              <a:endParaRPr lang="en-US" sz="1100" dirty="0">
-                <a:solidFill>
-                  <a:srgbClr val="000000"/>
-                </a:solidFill>
-                <a:highlight>
-                  <a:srgbClr val="FFFFFF"/>
-                </a:highlight>
-              </a:endParaRPr>
-            </a:p>
-            <a:p>
-              <a:endParaRPr lang="pt-BR" sz="1100" dirty="0">
-                <a:solidFill>
-                  <a:srgbClr val="000000"/>
-                </a:solidFill>
-                <a:highlight>
-                  <a:srgbClr val="FFFFFF"/>
-                </a:highlight>
-              </a:endParaRPr>
-            </a:p>
-            <a:p>
-              <a:r>
-                <a:rPr lang="pt-BR" sz="1100" dirty="0">
-                  <a:solidFill>
-                    <a:srgbClr val="008000"/>
-                  </a:solidFill>
-                  <a:highlight>
-                    <a:srgbClr val="FFFFFF"/>
-                  </a:highlight>
-                </a:rPr>
-                <a:t># Instantiate LogisticRegression object.</a:t>
-              </a:r>
-              <a:endParaRPr lang="pt-BR" sz="1100" dirty="0">
-                <a:solidFill>
-                  <a:srgbClr val="000000"/>
-                </a:solidFill>
-                <a:highlight>
-                  <a:srgbClr val="FFFFFF"/>
-                </a:highlight>
-              </a:endParaRPr>
-            </a:p>
-            <a:p>
-              <a:r>
-                <a:rPr lang="it-IT" sz="1100" dirty="0">
-                  <a:solidFill>
-                    <a:srgbClr val="000000"/>
-                  </a:solidFill>
-                  <a:highlight>
-                    <a:srgbClr val="FFFFFF"/>
-                  </a:highlight>
-                </a:rPr>
-                <a:t>model </a:t>
-              </a:r>
-              <a:r>
-                <a:rPr lang="it-IT" sz="1100" b="1" dirty="0">
-                  <a:solidFill>
-                    <a:srgbClr val="000080"/>
-                  </a:solidFill>
-                  <a:highlight>
-                    <a:srgbClr val="FFFFFF"/>
-                  </a:highlight>
-                </a:rPr>
-                <a:t>=</a:t>
-              </a:r>
-              <a:r>
-                <a:rPr lang="it-IT" sz="1100" dirty="0">
-                  <a:solidFill>
-                    <a:srgbClr val="000000"/>
-                  </a:solidFill>
-                  <a:highlight>
-                    <a:srgbClr val="FFFFFF"/>
-                  </a:highlight>
-                </a:rPr>
-                <a:t> </a:t>
-              </a:r>
-              <a:r>
-                <a:rPr lang="it-IT" sz="1100" dirty="0" smtClean="0">
-                  <a:solidFill>
-                    <a:srgbClr val="000000"/>
-                  </a:solidFill>
-                  <a:highlight>
-                    <a:srgbClr val="FFFFFF"/>
-                  </a:highlight>
-                </a:rPr>
-                <a:t>LogisticRegression</a:t>
-              </a:r>
-              <a:r>
-                <a:rPr lang="it-IT" sz="1100" b="1" dirty="0" smtClean="0">
-                  <a:solidFill>
-                    <a:srgbClr val="000080"/>
-                  </a:solidFill>
-                  <a:highlight>
-                    <a:srgbClr val="FFFFFF"/>
-                  </a:highlight>
-                </a:rPr>
-                <a:t>(</a:t>
-              </a:r>
-              <a:r>
-                <a:rPr lang="it-IT" sz="1100" dirty="0" smtClean="0">
-                  <a:solidFill>
-                    <a:srgbClr val="000000"/>
-                  </a:solidFill>
-                  <a:highlight>
-                    <a:srgbClr val="FFFFFF"/>
-                  </a:highlight>
-                </a:rPr>
-                <a:t>max_iter</a:t>
-              </a:r>
-              <a:r>
-                <a:rPr lang="it-IT" sz="1100" b="1" dirty="0" smtClean="0">
-                  <a:solidFill>
-                    <a:srgbClr val="000080"/>
-                  </a:solidFill>
-                  <a:highlight>
-                    <a:srgbClr val="FFFFFF"/>
-                  </a:highlight>
-                </a:rPr>
-                <a:t>=</a:t>
-              </a:r>
-              <a:r>
-                <a:rPr lang="it-IT" sz="1100" dirty="0" smtClean="0">
-                  <a:solidFill>
-                    <a:srgbClr val="FF0000"/>
-                  </a:solidFill>
-                  <a:highlight>
-                    <a:srgbClr val="FFFFFF"/>
-                  </a:highlight>
-                </a:rPr>
-                <a:t>10000</a:t>
-              </a:r>
-              <a:r>
-                <a:rPr lang="it-IT" sz="1100" b="1" dirty="0">
-                  <a:solidFill>
-                    <a:srgbClr val="000080"/>
-                  </a:solidFill>
-                  <a:highlight>
-                    <a:srgbClr val="FFFFFF"/>
-                  </a:highlight>
-                </a:rPr>
-                <a:t>,</a:t>
-              </a:r>
-              <a:r>
-                <a:rPr lang="it-IT" sz="1100" dirty="0">
-                  <a:solidFill>
-                    <a:srgbClr val="000000"/>
-                  </a:solidFill>
-                  <a:highlight>
-                    <a:srgbClr val="FFFFFF"/>
-                  </a:highlight>
-                </a:rPr>
-                <a:t> multi_class</a:t>
-              </a:r>
-              <a:r>
-                <a:rPr lang="it-IT" sz="1100" b="1" dirty="0">
-                  <a:solidFill>
-                    <a:srgbClr val="000080"/>
-                  </a:solidFill>
-                  <a:highlight>
-                    <a:srgbClr val="FFFFFF"/>
-                  </a:highlight>
-                </a:rPr>
-                <a:t>=</a:t>
-              </a:r>
-              <a:r>
-                <a:rPr lang="it-IT" sz="1100" dirty="0">
-                  <a:solidFill>
-                    <a:srgbClr val="808080"/>
-                  </a:solidFill>
-                  <a:highlight>
-                    <a:srgbClr val="FFFFFF"/>
-                  </a:highlight>
-                </a:rPr>
-                <a:t>'multinomial'</a:t>
-              </a:r>
-              <a:r>
-                <a:rPr lang="it-IT" sz="1100" b="1" dirty="0">
-                  <a:solidFill>
-                    <a:srgbClr val="000080"/>
-                  </a:solidFill>
-                  <a:highlight>
-                    <a:srgbClr val="FFFFFF"/>
-                  </a:highlight>
-                </a:rPr>
-                <a:t>)</a:t>
-              </a:r>
-              <a:endParaRPr lang="it-IT" sz="1100" dirty="0">
-                <a:solidFill>
-                  <a:srgbClr val="000000"/>
-                </a:solidFill>
-                <a:highlight>
-                  <a:srgbClr val="FFFFFF"/>
-                </a:highlight>
-              </a:endParaRPr>
-            </a:p>
-            <a:p>
-              <a:endParaRPr lang="pt-BR" sz="1100" dirty="0">
-                <a:solidFill>
-                  <a:srgbClr val="000000"/>
-                </a:solidFill>
-                <a:highlight>
-                  <a:srgbClr val="FFFFFF"/>
-                </a:highlight>
-              </a:endParaRPr>
-            </a:p>
-            <a:p>
-              <a:r>
-                <a:rPr lang="pt-BR" sz="1100" dirty="0">
-                  <a:solidFill>
-                    <a:srgbClr val="008000"/>
-                  </a:solidFill>
-                  <a:highlight>
-                    <a:srgbClr val="FFFFFF"/>
-                  </a:highlight>
-                </a:rPr>
-                <a:t># Train model.</a:t>
-              </a:r>
-              <a:endParaRPr lang="pt-BR" sz="1100" dirty="0">
-                <a:solidFill>
-                  <a:srgbClr val="000000"/>
-                </a:solidFill>
-                <a:highlight>
-                  <a:srgbClr val="FFFFFF"/>
-                </a:highlight>
-              </a:endParaRPr>
-            </a:p>
-            <a:p>
-              <a:r>
-                <a:rPr lang="pt-BR" sz="1100" dirty="0">
-                  <a:solidFill>
-                    <a:srgbClr val="000000"/>
-                  </a:solidFill>
-                  <a:highlight>
-                    <a:srgbClr val="FFFFFF"/>
-                  </a:highlight>
-                </a:rPr>
-                <a:t>model</a:t>
-              </a:r>
-              <a:r>
-                <a:rPr lang="pt-BR" sz="1100" b="1" dirty="0">
-                  <a:solidFill>
-                    <a:srgbClr val="000080"/>
-                  </a:solidFill>
-                  <a:highlight>
-                    <a:srgbClr val="FFFFFF"/>
-                  </a:highlight>
-                </a:rPr>
-                <a:t>.</a:t>
-              </a:r>
-              <a:r>
-                <a:rPr lang="pt-BR" sz="1100" dirty="0">
-                  <a:solidFill>
-                    <a:srgbClr val="000000"/>
-                  </a:solidFill>
-                  <a:highlight>
-                    <a:srgbClr val="FFFFFF"/>
-                  </a:highlight>
-                </a:rPr>
-                <a:t>fit</a:t>
-              </a:r>
-              <a:r>
-                <a:rPr lang="pt-BR" sz="1100" b="1" dirty="0">
-                  <a:solidFill>
-                    <a:srgbClr val="000080"/>
-                  </a:solidFill>
-                  <a:highlight>
-                    <a:srgbClr val="FFFFFF"/>
-                  </a:highlight>
-                </a:rPr>
-                <a:t>(</a:t>
-              </a:r>
-              <a:r>
-                <a:rPr lang="pt-BR" sz="1100" dirty="0">
-                  <a:solidFill>
-                    <a:srgbClr val="000000"/>
-                  </a:solidFill>
-                  <a:highlight>
-                    <a:srgbClr val="FFFFFF"/>
-                  </a:highlight>
-                </a:rPr>
-                <a:t>x_train</a:t>
-              </a:r>
-              <a:r>
-                <a:rPr lang="pt-BR" sz="1100" b="1" dirty="0">
-                  <a:solidFill>
-                    <a:srgbClr val="000080"/>
-                  </a:solidFill>
-                  <a:highlight>
-                    <a:srgbClr val="FFFFFF"/>
-                  </a:highlight>
-                </a:rPr>
-                <a:t>,</a:t>
-              </a:r>
-              <a:r>
-                <a:rPr lang="pt-BR" sz="1100" dirty="0">
-                  <a:solidFill>
-                    <a:srgbClr val="000000"/>
-                  </a:solidFill>
-                  <a:highlight>
-                    <a:srgbClr val="FFFFFF"/>
-                  </a:highlight>
-                </a:rPr>
-                <a:t> y_train</a:t>
-              </a:r>
-              <a:r>
-                <a:rPr lang="pt-BR" sz="1100" b="1" dirty="0">
-                  <a:solidFill>
-                    <a:srgbClr val="000080"/>
-                  </a:solidFill>
-                  <a:highlight>
-                    <a:srgbClr val="FFFFFF"/>
-                  </a:highlight>
-                </a:rPr>
-                <a:t>)</a:t>
-              </a:r>
-              <a:endParaRPr lang="pt-BR" sz="1100" dirty="0">
-                <a:solidFill>
-                  <a:srgbClr val="000000"/>
-                </a:solidFill>
-                <a:highlight>
-                  <a:srgbClr val="FFFFFF"/>
-                </a:highlight>
-              </a:endParaRPr>
-            </a:p>
-            <a:p>
-              <a:endParaRPr lang="pt-BR" sz="1100" dirty="0">
-                <a:solidFill>
-                  <a:srgbClr val="000000"/>
-                </a:solidFill>
-                <a:highlight>
-                  <a:srgbClr val="FFFFFF"/>
-                </a:highlight>
-              </a:endParaRPr>
-            </a:p>
-            <a:p>
-              <a:r>
-                <a:rPr lang="pt-BR" sz="1100" dirty="0">
-                  <a:solidFill>
-                    <a:srgbClr val="008000"/>
-                  </a:solidFill>
-                  <a:highlight>
-                    <a:srgbClr val="FFFFFF"/>
-                  </a:highlight>
-                </a:rPr>
-                <a:t># Predict.</a:t>
-              </a:r>
-              <a:endParaRPr lang="pt-BR" sz="1100" dirty="0">
-                <a:solidFill>
-                  <a:srgbClr val="000000"/>
-                </a:solidFill>
-                <a:highlight>
-                  <a:srgbClr val="FFFFFF"/>
-                </a:highlight>
-              </a:endParaRPr>
-            </a:p>
-            <a:p>
-              <a:r>
-                <a:rPr lang="pt-BR" sz="1100" dirty="0">
-                  <a:solidFill>
-                    <a:srgbClr val="000000"/>
-                  </a:solidFill>
-                  <a:highlight>
-                    <a:srgbClr val="FFFFFF"/>
-                  </a:highlight>
-                </a:rPr>
-                <a:t>y_pred </a:t>
-              </a:r>
-              <a:r>
-                <a:rPr lang="pt-BR" sz="1100" b="1" dirty="0">
-                  <a:solidFill>
-                    <a:srgbClr val="000080"/>
-                  </a:solidFill>
-                  <a:highlight>
-                    <a:srgbClr val="FFFFFF"/>
-                  </a:highlight>
-                </a:rPr>
-                <a:t>=</a:t>
-              </a:r>
-              <a:r>
-                <a:rPr lang="pt-BR" sz="1100" dirty="0">
-                  <a:solidFill>
-                    <a:srgbClr val="000000"/>
-                  </a:solidFill>
-                  <a:highlight>
-                    <a:srgbClr val="FFFFFF"/>
-                  </a:highlight>
-                </a:rPr>
-                <a:t> model</a:t>
-              </a:r>
-              <a:r>
-                <a:rPr lang="pt-BR" sz="1100" b="1" dirty="0">
-                  <a:solidFill>
-                    <a:srgbClr val="000080"/>
-                  </a:solidFill>
-                  <a:highlight>
-                    <a:srgbClr val="FFFFFF"/>
-                  </a:highlight>
-                </a:rPr>
-                <a:t>.</a:t>
-              </a:r>
-              <a:r>
-                <a:rPr lang="pt-BR" sz="1100" dirty="0">
-                  <a:solidFill>
-                    <a:srgbClr val="000000"/>
-                  </a:solidFill>
-                  <a:highlight>
-                    <a:srgbClr val="FFFFFF"/>
-                  </a:highlight>
-                </a:rPr>
-                <a:t>predict</a:t>
-              </a:r>
-              <a:r>
-                <a:rPr lang="pt-BR" sz="1100" b="1" dirty="0">
-                  <a:solidFill>
-                    <a:srgbClr val="000080"/>
-                  </a:solidFill>
-                  <a:highlight>
-                    <a:srgbClr val="FFFFFF"/>
-                  </a:highlight>
-                </a:rPr>
-                <a:t>(</a:t>
-              </a:r>
-              <a:r>
-                <a:rPr lang="pt-BR" sz="1100" dirty="0">
-                  <a:solidFill>
-                    <a:srgbClr val="000000"/>
-                  </a:solidFill>
-                  <a:highlight>
-                    <a:srgbClr val="FFFFFF"/>
-                  </a:highlight>
-                </a:rPr>
-                <a:t>x_test</a:t>
-              </a:r>
-              <a:r>
-                <a:rPr lang="pt-BR" sz="1100" b="1" dirty="0">
-                  <a:solidFill>
-                    <a:srgbClr val="000080"/>
-                  </a:solidFill>
-                  <a:highlight>
-                    <a:srgbClr val="FFFFFF"/>
-                  </a:highlight>
-                </a:rPr>
-                <a:t>)</a:t>
-              </a:r>
-              <a:endParaRPr lang="pt-BR" sz="1100" dirty="0"/>
-            </a:p>
-          </p:txBody>
-        </p:sp>
-        <p:sp>
-          <p:nvSpPr>
-            <p:cNvPr id="8" name="TextBox 7"/>
-            <p:cNvSpPr txBox="1"/>
-            <p:nvPr/>
-          </p:nvSpPr>
-          <p:spPr>
-            <a:xfrm>
-              <a:off x="4692123" y="1867123"/>
-              <a:ext cx="1481518" cy="461665"/>
-            </a:xfrm>
-            <a:prstGeom prst="rect">
-              <a:avLst/>
-            </a:prstGeom>
-            <a:noFill/>
-          </p:spPr>
-          <p:txBody>
-            <a:bodyPr wrap="square" rtlCol="0">
-              <a:spAutoFit/>
-            </a:bodyPr>
-            <a:lstStyle/>
-            <a:p>
-              <a:r>
-                <a:rPr lang="pt-BR" sz="1200" b="1" dirty="0" smtClean="0"/>
-                <a:t>Importa classe de regressão Logística.</a:t>
-              </a:r>
-              <a:endParaRPr lang="pt-BR" sz="1200" b="1" dirty="0"/>
-            </a:p>
-          </p:txBody>
-        </p:sp>
-        <p:cxnSp>
-          <p:nvCxnSpPr>
-            <p:cNvPr id="9" name="Straight Arrow Connector 8"/>
-            <p:cNvCxnSpPr/>
-            <p:nvPr/>
-          </p:nvCxnSpPr>
-          <p:spPr>
-            <a:xfrm flipH="1">
-              <a:off x="4385168" y="2125030"/>
-              <a:ext cx="336196" cy="203758"/>
-            </a:xfrm>
-            <a:prstGeom prst="straightConnector1">
-              <a:avLst/>
-            </a:prstGeom>
-            <a:ln>
-              <a:solidFill>
-                <a:srgbClr val="FF0000"/>
-              </a:solidFill>
-              <a:tailEnd type="triangle"/>
-            </a:ln>
-          </p:spPr>
-          <p:style>
-            <a:lnRef idx="1">
-              <a:schemeClr val="accent1"/>
-            </a:lnRef>
-            <a:fillRef idx="0">
-              <a:schemeClr val="accent1"/>
-            </a:fillRef>
-            <a:effectRef idx="0">
-              <a:schemeClr val="accent1"/>
-            </a:effectRef>
-            <a:fontRef idx="minor">
-              <a:schemeClr val="tx1"/>
-            </a:fontRef>
-          </p:style>
-        </p:cxnSp>
-        <p:sp>
-          <p:nvSpPr>
-            <p:cNvPr id="10" name="TextBox 9"/>
-            <p:cNvSpPr txBox="1"/>
-            <p:nvPr/>
-          </p:nvSpPr>
-          <p:spPr>
-            <a:xfrm>
-              <a:off x="3168122" y="2623440"/>
-              <a:ext cx="1822977" cy="461665"/>
-            </a:xfrm>
-            <a:prstGeom prst="rect">
-              <a:avLst/>
-            </a:prstGeom>
-            <a:noFill/>
-          </p:spPr>
-          <p:txBody>
-            <a:bodyPr wrap="square" rtlCol="0">
-              <a:spAutoFit/>
-            </a:bodyPr>
-            <a:lstStyle/>
-            <a:p>
-              <a:r>
-                <a:rPr lang="pt-BR" sz="1200" b="1" dirty="0" smtClean="0"/>
-                <a:t>Carrega base de dados da biblioteca SciKit-Learn.</a:t>
-              </a:r>
-              <a:endParaRPr lang="pt-BR" sz="1200" b="1" dirty="0"/>
-            </a:p>
-          </p:txBody>
-        </p:sp>
-        <p:cxnSp>
-          <p:nvCxnSpPr>
-            <p:cNvPr id="11" name="Straight Arrow Connector 10"/>
-            <p:cNvCxnSpPr/>
-            <p:nvPr/>
-          </p:nvCxnSpPr>
-          <p:spPr>
-            <a:xfrm flipH="1">
-              <a:off x="2188583" y="2840907"/>
-              <a:ext cx="989203" cy="175344"/>
-            </a:xfrm>
-            <a:prstGeom prst="straightConnector1">
-              <a:avLst/>
-            </a:prstGeom>
-            <a:ln>
-              <a:solidFill>
-                <a:srgbClr val="FF0000"/>
-              </a:solidFill>
-              <a:tailEnd type="triangle"/>
-            </a:ln>
-          </p:spPr>
-          <p:style>
-            <a:lnRef idx="1">
-              <a:schemeClr val="accent1"/>
-            </a:lnRef>
-            <a:fillRef idx="0">
-              <a:schemeClr val="accent1"/>
-            </a:fillRef>
-            <a:effectRef idx="0">
-              <a:schemeClr val="accent1"/>
-            </a:effectRef>
-            <a:fontRef idx="minor">
-              <a:schemeClr val="tx1"/>
-            </a:fontRef>
-          </p:style>
-        </p:cxnSp>
-        <p:sp>
-          <p:nvSpPr>
-            <p:cNvPr id="13" name="TextBox 12"/>
-            <p:cNvSpPr txBox="1"/>
-            <p:nvPr/>
-          </p:nvSpPr>
-          <p:spPr>
-            <a:xfrm>
-              <a:off x="4940167" y="3033310"/>
-              <a:ext cx="1811870" cy="646331"/>
-            </a:xfrm>
-            <a:prstGeom prst="rect">
-              <a:avLst/>
-            </a:prstGeom>
-            <a:noFill/>
-          </p:spPr>
-          <p:txBody>
-            <a:bodyPr wrap="square" rtlCol="0">
-              <a:spAutoFit/>
-            </a:bodyPr>
-            <a:lstStyle/>
-            <a:p>
-              <a:r>
-                <a:rPr lang="pt-BR" sz="1200" b="1" dirty="0" smtClean="0"/>
-                <a:t>Divide a base de dados em 70% treinamento e 30% validação.</a:t>
-              </a:r>
-              <a:endParaRPr lang="pt-BR" sz="1200" b="1" dirty="0"/>
-            </a:p>
-          </p:txBody>
-        </p:sp>
-        <p:cxnSp>
-          <p:nvCxnSpPr>
-            <p:cNvPr id="14" name="Straight Arrow Connector 13"/>
-            <p:cNvCxnSpPr/>
-            <p:nvPr/>
-          </p:nvCxnSpPr>
-          <p:spPr>
-            <a:xfrm flipH="1">
-              <a:off x="4258859" y="3322942"/>
-              <a:ext cx="681309" cy="376737"/>
-            </a:xfrm>
-            <a:prstGeom prst="straightConnector1">
-              <a:avLst/>
-            </a:prstGeom>
-            <a:ln>
-              <a:solidFill>
-                <a:srgbClr val="FF0000"/>
-              </a:solidFill>
-              <a:tailEnd type="triangle"/>
-            </a:ln>
-          </p:spPr>
-          <p:style>
-            <a:lnRef idx="1">
-              <a:schemeClr val="accent1"/>
-            </a:lnRef>
-            <a:fillRef idx="0">
-              <a:schemeClr val="accent1"/>
-            </a:fillRef>
-            <a:effectRef idx="0">
-              <a:schemeClr val="accent1"/>
-            </a:effectRef>
-            <a:fontRef idx="minor">
-              <a:schemeClr val="tx1"/>
-            </a:fontRef>
-          </p:style>
-        </p:cxnSp>
-        <p:sp>
-          <p:nvSpPr>
-            <p:cNvPr id="15" name="TextBox 14"/>
-            <p:cNvSpPr txBox="1"/>
-            <p:nvPr/>
-          </p:nvSpPr>
-          <p:spPr>
-            <a:xfrm>
-              <a:off x="6028265" y="3766345"/>
-              <a:ext cx="1811870" cy="830997"/>
-            </a:xfrm>
-            <a:prstGeom prst="rect">
-              <a:avLst/>
-            </a:prstGeom>
-            <a:noFill/>
-          </p:spPr>
-          <p:txBody>
-            <a:bodyPr wrap="square" rtlCol="0">
-              <a:spAutoFit/>
-            </a:bodyPr>
-            <a:lstStyle/>
-            <a:p>
-              <a:r>
-                <a:rPr lang="pt-BR" sz="1200" b="1" dirty="0" smtClean="0"/>
-                <a:t>Instancia objeto da classe LogisticRegression para realizar regressão logistica Multinomial.</a:t>
-              </a:r>
-              <a:endParaRPr lang="pt-BR" sz="1200" b="1" dirty="0"/>
-            </a:p>
-          </p:txBody>
-        </p:sp>
-        <p:cxnSp>
-          <p:nvCxnSpPr>
-            <p:cNvPr id="16" name="Straight Arrow Connector 15"/>
-            <p:cNvCxnSpPr/>
-            <p:nvPr/>
-          </p:nvCxnSpPr>
-          <p:spPr>
-            <a:xfrm flipH="1">
-              <a:off x="5097061" y="4035939"/>
-              <a:ext cx="926970" cy="155061"/>
-            </a:xfrm>
-            <a:prstGeom prst="straightConnector1">
-              <a:avLst/>
-            </a:prstGeom>
-            <a:ln>
-              <a:solidFill>
-                <a:srgbClr val="FF0000"/>
-              </a:solidFill>
-              <a:tailEnd type="triangle"/>
-            </a:ln>
-          </p:spPr>
-          <p:style>
-            <a:lnRef idx="1">
-              <a:schemeClr val="accent1"/>
-            </a:lnRef>
-            <a:fillRef idx="0">
-              <a:schemeClr val="accent1"/>
-            </a:fillRef>
-            <a:effectRef idx="0">
-              <a:schemeClr val="accent1"/>
-            </a:effectRef>
-            <a:fontRef idx="minor">
-              <a:schemeClr val="tx1"/>
-            </a:fontRef>
-          </p:style>
-        </p:cxnSp>
-        <p:sp>
-          <p:nvSpPr>
-            <p:cNvPr id="18" name="Rectangle 17"/>
-            <p:cNvSpPr/>
-            <p:nvPr/>
-          </p:nvSpPr>
-          <p:spPr>
-            <a:xfrm>
-              <a:off x="3596761" y="4775201"/>
-              <a:ext cx="1775339" cy="461665"/>
-            </a:xfrm>
-            <a:prstGeom prst="rect">
-              <a:avLst/>
-            </a:prstGeom>
-          </p:spPr>
-          <p:txBody>
-            <a:bodyPr wrap="square">
-              <a:spAutoFit/>
-            </a:bodyPr>
-            <a:lstStyle/>
-            <a:p>
-              <a:r>
-                <a:rPr lang="pt-BR" sz="1200" b="1" dirty="0" smtClean="0"/>
-                <a:t>Treinamento e validação do classificador.</a:t>
-              </a:r>
-              <a:endParaRPr lang="pt-BR" sz="1200" b="1" dirty="0"/>
-            </a:p>
-          </p:txBody>
-        </p:sp>
-        <p:cxnSp>
-          <p:nvCxnSpPr>
-            <p:cNvPr id="19" name="Straight Arrow Connector 18"/>
-            <p:cNvCxnSpPr/>
-            <p:nvPr/>
-          </p:nvCxnSpPr>
-          <p:spPr>
-            <a:xfrm flipH="1" flipV="1">
-              <a:off x="2683184" y="4864887"/>
-              <a:ext cx="958087" cy="63615"/>
-            </a:xfrm>
-            <a:prstGeom prst="straightConnector1">
-              <a:avLst/>
-            </a:prstGeom>
-            <a:ln>
-              <a:solidFill>
-                <a:srgbClr val="FF0000"/>
-              </a:solidFill>
-              <a:tailEnd type="triangle"/>
-            </a:ln>
-          </p:spPr>
-          <p:style>
-            <a:lnRef idx="1">
-              <a:schemeClr val="accent1"/>
-            </a:lnRef>
-            <a:fillRef idx="0">
-              <a:schemeClr val="accent1"/>
-            </a:fillRef>
-            <a:effectRef idx="0">
-              <a:schemeClr val="accent1"/>
-            </a:effectRef>
-            <a:fontRef idx="minor">
-              <a:schemeClr val="tx1"/>
-            </a:fontRef>
-          </p:style>
-        </p:cxnSp>
-        <p:cxnSp>
-          <p:nvCxnSpPr>
-            <p:cNvPr id="21" name="Straight Arrow Connector 20"/>
-            <p:cNvCxnSpPr/>
-            <p:nvPr/>
-          </p:nvCxnSpPr>
-          <p:spPr>
-            <a:xfrm flipH="1">
-              <a:off x="2690826" y="5081805"/>
-              <a:ext cx="950445" cy="212656"/>
-            </a:xfrm>
-            <a:prstGeom prst="straightConnector1">
-              <a:avLst/>
-            </a:prstGeom>
-            <a:ln>
-              <a:solidFill>
-                <a:srgbClr val="FF0000"/>
-              </a:solidFill>
-              <a:tailEnd type="triangle"/>
-            </a:ln>
-          </p:spPr>
-          <p:style>
-            <a:lnRef idx="1">
-              <a:schemeClr val="accent1"/>
-            </a:lnRef>
-            <a:fillRef idx="0">
-              <a:schemeClr val="accent1"/>
-            </a:fillRef>
-            <a:effectRef idx="0">
-              <a:schemeClr val="accent1"/>
-            </a:effectRef>
-            <a:fontRef idx="minor">
-              <a:schemeClr val="tx1"/>
-            </a:fontRef>
-          </p:style>
-        </p:cxnSp>
-      </p:grpSp>
-      <p:sp>
-        <p:nvSpPr>
-          <p:cNvPr id="3" name="Rectangle 2"/>
-          <p:cNvSpPr/>
-          <p:nvPr/>
-        </p:nvSpPr>
-        <p:spPr>
-          <a:xfrm>
-            <a:off x="694583" y="5220240"/>
-            <a:ext cx="10303038" cy="1569660"/>
-          </a:xfrm>
-          <a:prstGeom prst="rect">
-            <a:avLst/>
-          </a:prstGeom>
-        </p:spPr>
-        <p:txBody>
-          <a:bodyPr wrap="square">
-            <a:spAutoFit/>
-          </a:bodyPr>
-          <a:lstStyle/>
-          <a:p>
-            <a:pPr marL="285750" indent="-285750">
-              <a:buFont typeface="Arial" panose="020B0604020202020204" pitchFamily="34" charset="0"/>
-              <a:buChar char="•"/>
-            </a:pPr>
-            <a:r>
-              <a:rPr lang="pt-BR" sz="1600" dirty="0"/>
-              <a:t>A classe </a:t>
-            </a:r>
-            <a:r>
-              <a:rPr lang="pt-BR" sz="1600" b="1" i="1" dirty="0"/>
-              <a:t>LogisticRegression</a:t>
-            </a:r>
-            <a:r>
-              <a:rPr lang="pt-BR" sz="1600" dirty="0"/>
-              <a:t> </a:t>
-            </a:r>
-            <a:r>
-              <a:rPr lang="pt-BR" sz="1600" dirty="0" smtClean="0"/>
-              <a:t>usa </a:t>
-            </a:r>
-            <a:r>
-              <a:rPr lang="pt-BR" sz="1600" dirty="0"/>
-              <a:t>a abordagem </a:t>
-            </a:r>
-            <a:r>
-              <a:rPr lang="pt-BR" sz="1600" b="1" i="1" dirty="0"/>
-              <a:t>um-contra-todos</a:t>
-            </a:r>
-            <a:r>
-              <a:rPr lang="pt-BR" sz="1600" dirty="0"/>
-              <a:t> por padrão quando </a:t>
-            </a:r>
-            <a:r>
-              <a:rPr lang="pt-BR" sz="1600" dirty="0" smtClean="0"/>
-              <a:t>se </a:t>
-            </a:r>
-            <a:r>
-              <a:rPr lang="pt-BR" sz="1600" dirty="0"/>
-              <a:t>treina com conjuntos com mais de duas classes, mas </a:t>
-            </a:r>
-            <a:r>
-              <a:rPr lang="pt-BR" sz="1600" dirty="0" smtClean="0"/>
-              <a:t>pode-se definir </a:t>
-            </a:r>
-            <a:r>
-              <a:rPr lang="pt-BR" sz="1600" dirty="0"/>
-              <a:t>o hiperparâmetro </a:t>
-            </a:r>
-            <a:r>
-              <a:rPr lang="pt-BR" sz="1600" b="1" i="1" dirty="0"/>
-              <a:t>multi_class</a:t>
-            </a:r>
-            <a:r>
-              <a:rPr lang="pt-BR" sz="1600" dirty="0"/>
-              <a:t> como "</a:t>
-            </a:r>
-            <a:r>
-              <a:rPr lang="pt-BR" sz="1600" b="1" i="1" dirty="0"/>
-              <a:t>multinomial</a:t>
-            </a:r>
-            <a:r>
-              <a:rPr lang="pt-BR" sz="1600" dirty="0"/>
-              <a:t>" para alternar para Regressão Softmax. </a:t>
-            </a:r>
-            <a:endParaRPr lang="pt-BR" sz="1600" dirty="0" smtClean="0"/>
-          </a:p>
-          <a:p>
-            <a:pPr marL="285750" indent="-285750">
-              <a:buFont typeface="Arial" panose="020B0604020202020204" pitchFamily="34" charset="0"/>
-              <a:buChar char="•"/>
-            </a:pPr>
-            <a:r>
-              <a:rPr lang="pt-BR" sz="1600" dirty="0" smtClean="0"/>
-              <a:t>Deve-se </a:t>
-            </a:r>
-            <a:r>
-              <a:rPr lang="pt-BR" sz="1600" dirty="0"/>
-              <a:t>também</a:t>
-            </a:r>
-            <a:r>
-              <a:rPr lang="pt-BR" sz="1600" dirty="0" smtClean="0"/>
-              <a:t> </a:t>
-            </a:r>
-            <a:r>
-              <a:rPr lang="pt-BR" sz="1600" dirty="0"/>
-              <a:t>especificar um solver que suporte a Regressão Softmax, como por exemplo o solver "lbfgs" (consulte a documentação do </a:t>
-            </a:r>
-            <a:r>
-              <a:rPr lang="pt-BR" sz="1600" dirty="0" smtClean="0"/>
-              <a:t>Scikit-Learn). </a:t>
-            </a:r>
-            <a:r>
-              <a:rPr lang="pt-BR" sz="1600" dirty="0"/>
-              <a:t>A classe </a:t>
-            </a:r>
-            <a:r>
-              <a:rPr lang="pt-BR" sz="1600" b="1" i="1" dirty="0"/>
-              <a:t>LogisticRegression</a:t>
-            </a:r>
-            <a:r>
-              <a:rPr lang="pt-BR" sz="1600" dirty="0"/>
-              <a:t> também aplica a regularização L2 por padrão, que </a:t>
-            </a:r>
-            <a:r>
-              <a:rPr lang="pt-BR" sz="1600" dirty="0" smtClean="0"/>
-              <a:t>pode ser controlada </a:t>
-            </a:r>
-            <a:r>
-              <a:rPr lang="pt-BR" sz="1600" dirty="0"/>
-              <a:t>usando o hiperparâmetro </a:t>
-            </a:r>
-            <a:r>
-              <a:rPr lang="pt-BR" sz="1600" b="1" i="1" dirty="0"/>
-              <a:t>C</a:t>
-            </a:r>
-            <a:r>
-              <a:rPr lang="pt-BR" sz="1600" dirty="0"/>
-              <a:t>.</a:t>
-            </a:r>
-            <a:endParaRPr lang="pt-BR" sz="1600" b="1" i="1" dirty="0"/>
+              </a:rPr>
+              <a:t>em grupo, mas as entregas devem ser individuais.</a:t>
+            </a:r>
           </a:p>
         </p:txBody>
       </p:sp>
     </p:spTree>
     <p:extLst>
       <p:ext uri="{BB962C8B-B14F-4D97-AF65-F5344CB8AC3E}">
-        <p14:creationId xmlns:p14="http://schemas.microsoft.com/office/powerpoint/2010/main" val="3889580743"/>
+        <p14:creationId xmlns:p14="http://schemas.microsoft.com/office/powerpoint/2010/main" val="2037160769"/>
       </p:ext>
     </p:extLst>
   </p:cSld>
   <p:clrMapOvr>
     <a:masterClrMapping/>
   </p:clrMapOvr>
+  <p:timing>
+    <p:tnLst>
+      <p:par>
+        <p:cTn id="1" dur="indefinite" restart="never" nodeType="tmRoot"/>
+      </p:par>
+    </p:tnLst>
+  </p:timing>
 </p:sld>
 </file>
 
@@ -10915,200 +9564,10 @@
       </p:grpSpPr>
       <p:sp>
         <p:nvSpPr>
-          <p:cNvPr id="2" name="Title 1"/>
-          <p:cNvSpPr>
-            <a:spLocks noGrp="1"/>
-          </p:cNvSpPr>
-          <p:nvPr>
-            <p:ph type="title"/>
-          </p:nvPr>
-        </p:nvSpPr>
-        <p:spPr/>
-        <p:txBody>
-          <a:bodyPr/>
-          <a:lstStyle/>
-          <a:p>
-            <a:r>
-              <a:rPr lang="pt-BR" dirty="0" smtClean="0"/>
-              <a:t>Tarefas</a:t>
-            </a:r>
-            <a:endParaRPr lang="pt-BR" dirty="0"/>
-          </a:p>
-        </p:txBody>
-      </p:sp>
-      <p:sp>
-        <p:nvSpPr>
-          <p:cNvPr id="3" name="Content Placeholder 2"/>
-          <p:cNvSpPr>
-            <a:spLocks noGrp="1"/>
-          </p:cNvSpPr>
-          <p:nvPr>
-            <p:ph idx="1"/>
-          </p:nvPr>
-        </p:nvSpPr>
-        <p:spPr/>
-        <p:txBody>
-          <a:bodyPr/>
-          <a:lstStyle/>
-          <a:p>
-            <a:r>
-              <a:rPr lang="pt-BR" b="1" dirty="0" smtClean="0"/>
-              <a:t>Quiz</a:t>
-            </a:r>
-            <a:r>
-              <a:rPr lang="pt-BR" dirty="0" smtClean="0"/>
-              <a:t>: “</a:t>
-            </a:r>
-            <a:r>
-              <a:rPr lang="pt-BR" i="1" dirty="0" smtClean="0"/>
-              <a:t>T320 </a:t>
-            </a:r>
-            <a:r>
-              <a:rPr lang="pt-BR" i="1" dirty="0"/>
-              <a:t>- Quiz -</a:t>
-            </a:r>
-            <a:r>
-              <a:rPr lang="pt-BR" i="1" dirty="0" smtClean="0"/>
-              <a:t> Classificação (Parte IV)</a:t>
-            </a:r>
-            <a:r>
-              <a:rPr lang="pt-BR" dirty="0" smtClean="0"/>
-              <a:t>” que se encontra no MS Teams.</a:t>
-            </a:r>
-          </a:p>
-          <a:p>
-            <a:r>
-              <a:rPr lang="pt-BR" b="1" dirty="0" smtClean="0"/>
-              <a:t>Exercício Prático</a:t>
-            </a:r>
-            <a:r>
-              <a:rPr lang="pt-BR" dirty="0" smtClean="0"/>
-              <a:t>: </a:t>
-            </a:r>
-            <a:r>
-              <a:rPr lang="pt-BR" b="1" dirty="0" smtClean="0">
-                <a:hlinkClick r:id="rId3"/>
-              </a:rPr>
-              <a:t>Laboratório #</a:t>
-            </a:r>
-            <a:r>
-              <a:rPr lang="pt-BR" b="1" dirty="0">
-                <a:hlinkClick r:id="rId3"/>
-              </a:rPr>
-              <a:t>4</a:t>
-            </a:r>
-            <a:r>
-              <a:rPr lang="pt-BR" dirty="0" smtClean="0"/>
-              <a:t>.</a:t>
-            </a:r>
-          </a:p>
-          <a:p>
-            <a:pPr lvl="1"/>
-            <a:r>
-              <a:rPr lang="pt-BR" dirty="0"/>
-              <a:t>Pode ser baixado do MS Teams ou do GitHub.</a:t>
-            </a:r>
-          </a:p>
-          <a:p>
-            <a:pPr lvl="1"/>
-            <a:r>
-              <a:rPr lang="pt-BR" dirty="0"/>
-              <a:t>Pode ser respondido através do link acima (na nuvem) ou localmente.</a:t>
-            </a:r>
-          </a:p>
-          <a:p>
-            <a:pPr lvl="1"/>
-            <a:r>
-              <a:rPr lang="pt-BR" dirty="0">
-                <a:hlinkClick r:id="rId4"/>
-              </a:rPr>
-              <a:t>Instruções para resolução e entrega dos laboratórios</a:t>
-            </a:r>
-            <a:r>
-              <a:rPr lang="pt-BR" dirty="0"/>
-              <a:t>.</a:t>
-            </a:r>
-          </a:p>
-          <a:p>
-            <a:pPr lvl="1"/>
-            <a:r>
-              <a:rPr lang="pt-BR" b="1" dirty="0" smtClean="0">
-                <a:solidFill>
-                  <a:srgbClr val="FF0000"/>
-                </a:solidFill>
-              </a:rPr>
-              <a:t>Atividades podem </a:t>
-            </a:r>
-            <a:r>
-              <a:rPr lang="pt-BR" b="1" dirty="0">
-                <a:solidFill>
-                  <a:srgbClr val="FF0000"/>
-                </a:solidFill>
-              </a:rPr>
-              <a:t>ser </a:t>
-            </a:r>
-            <a:r>
-              <a:rPr lang="pt-BR" b="1" dirty="0" smtClean="0">
-                <a:solidFill>
-                  <a:srgbClr val="FF0000"/>
-                </a:solidFill>
-              </a:rPr>
-              <a:t>feitas </a:t>
-            </a:r>
-            <a:r>
-              <a:rPr lang="pt-BR" b="1" dirty="0">
-                <a:solidFill>
-                  <a:srgbClr val="FF0000"/>
-                </a:solidFill>
-              </a:rPr>
-              <a:t>em grupo, mas as entregas devem ser individuais.</a:t>
-            </a:r>
-          </a:p>
-        </p:txBody>
-      </p:sp>
-    </p:spTree>
-    <p:extLst>
-      <p:ext uri="{BB962C8B-B14F-4D97-AF65-F5344CB8AC3E}">
-        <p14:creationId xmlns:p14="http://schemas.microsoft.com/office/powerpoint/2010/main" val="2037160769"/>
-      </p:ext>
-    </p:extLst>
-  </p:cSld>
-  <p:clrMapOvr>
-    <a:masterClrMapping/>
-  </p:clrMapOvr>
-  <p:timing>
-    <p:tnLst>
-      <p:par>
-        <p:cTn id="1" dur="indefinite" restart="never" nodeType="tmRoot"/>
-      </p:par>
-    </p:tnLst>
-  </p:timing>
-</p:sld>
-</file>
-
-<file path=ppt/slides/slide15.xml><?xml version="1.0" encoding="utf-8"?>
-<p:sld xmlns:a="http://schemas.openxmlformats.org/drawingml/2006/main" xmlns:r="http://schemas.openxmlformats.org/officeDocument/2006/relationships" xmlns:p="http://schemas.openxmlformats.org/presentationml/2006/main">
-  <p:cSld>
-    <p:spTree>
-      <p:nvGrpSpPr>
-        <p:cNvPr id="1" name=""/>
-        <p:cNvGrpSpPr/>
-        <p:nvPr/>
-      </p:nvGrpSpPr>
-      <p:grpSpPr>
-        <a:xfrm>
-          <a:off x="0" y="0"/>
-          <a:ext cx="0" cy="0"/>
-          <a:chOff x="0" y="0"/>
-          <a:chExt cx="0" cy="0"/>
-        </a:xfrm>
-      </p:grpSpPr>
-      <p:sp>
-        <p:nvSpPr>
           <p:cNvPr id="4" name="Título 1">
             <a:extLst>
               <a:ext uri="{FF2B5EF4-FFF2-40B4-BE49-F238E27FC236}">
-                <a16:creationId xmlns:a16="http://schemas.microsoft.com/office/drawing/2014/main" xmlns="" id="{32666AC8-2E17-4DB4-B0F5-60C640CCFD2E}"/>
+                <a16:creationId xmlns="" xmlns:a16="http://schemas.microsoft.com/office/drawing/2014/main" id="{32666AC8-2E17-4DB4-B0F5-60C640CCFD2E}"/>
               </a:ext>
             </a:extLst>
           </p:cNvPr>
@@ -11230,27 +9689,121 @@
         </p:nvSpPr>
         <p:spPr>
           <a:xfrm>
-            <a:off x="838200" y="1825624"/>
-            <a:ext cx="10995212" cy="4646893"/>
+            <a:off x="838199" y="1825625"/>
+            <a:ext cx="11008057" cy="4351338"/>
           </a:xfrm>
         </p:spPr>
         <p:txBody>
-          <a:bodyPr>
-            <a:normAutofit/>
-          </a:bodyPr>
+          <a:bodyPr/>
           <a:lstStyle/>
           <a:p>
-            <a:endParaRPr lang="pt-BR" dirty="0" smtClean="0"/>
-          </a:p>
-          <a:p>
-            <a:endParaRPr lang="pt-BR" dirty="0" smtClean="0"/>
+            <a:r>
+              <a:rPr lang="pt-BR" dirty="0" smtClean="0"/>
+              <a:t>Anteriormente, aprendemos uma nova função </a:t>
+            </a:r>
+            <a:r>
+              <a:rPr lang="pt-BR" dirty="0"/>
+              <a:t>de limiar, chamada de </a:t>
+            </a:r>
+            <a:r>
+              <a:rPr lang="pt-BR" b="1" i="1" dirty="0" smtClean="0"/>
+              <a:t>função logística</a:t>
+            </a:r>
+            <a:r>
+              <a:rPr lang="pt-BR" dirty="0"/>
+              <a:t>, com a qual </a:t>
+            </a:r>
+            <a:r>
+              <a:rPr lang="pt-BR" dirty="0" smtClean="0"/>
+              <a:t>foi </a:t>
+            </a:r>
+            <a:r>
+              <a:rPr lang="pt-BR" dirty="0"/>
+              <a:t>possível se encontrar </a:t>
+            </a:r>
+            <a:r>
+              <a:rPr lang="pt-BR" dirty="0" smtClean="0"/>
+              <a:t>uma solução com </a:t>
+            </a:r>
+            <a:r>
+              <a:rPr lang="pt-BR" b="1" i="1" dirty="0" smtClean="0"/>
+              <a:t>gradiente </a:t>
+            </a:r>
+            <a:r>
+              <a:rPr lang="pt-BR" b="1" i="1" dirty="0"/>
+              <a:t>descendente</a:t>
+            </a:r>
+            <a:r>
+              <a:rPr lang="pt-BR" dirty="0" smtClean="0"/>
+              <a:t>.</a:t>
+            </a:r>
+          </a:p>
+          <a:p>
+            <a:r>
+              <a:rPr lang="pt-BR" dirty="0" smtClean="0"/>
+              <a:t>Classificadores que utilizam a </a:t>
+            </a:r>
+            <a:r>
+              <a:rPr lang="pt-BR" b="1" i="1" dirty="0" smtClean="0"/>
+              <a:t>função logística </a:t>
+            </a:r>
+            <a:r>
+              <a:rPr lang="pt-BR" dirty="0" smtClean="0"/>
+              <a:t>como</a:t>
+            </a:r>
+            <a:r>
+              <a:rPr lang="pt-BR" b="1" i="1" dirty="0" smtClean="0"/>
+              <a:t> função de limiar </a:t>
+            </a:r>
+            <a:r>
+              <a:rPr lang="pt-BR" dirty="0" smtClean="0"/>
+              <a:t>são</a:t>
+            </a:r>
+            <a:r>
+              <a:rPr lang="pt-BR" b="1" i="1" dirty="0" smtClean="0"/>
+              <a:t> </a:t>
+            </a:r>
+            <a:r>
+              <a:rPr lang="pt-BR" dirty="0" smtClean="0"/>
+              <a:t>conhecidos como </a:t>
+            </a:r>
+            <a:r>
+              <a:rPr lang="pt-BR" b="1" i="1" dirty="0" smtClean="0"/>
+              <a:t>regressores logísticos</a:t>
+            </a:r>
+            <a:r>
+              <a:rPr lang="pt-BR" dirty="0" smtClean="0"/>
+              <a:t> e são utilizadoa em problemas de </a:t>
+            </a:r>
+            <a:r>
+              <a:rPr lang="pt-BR" b="1" i="1" dirty="0" smtClean="0"/>
+              <a:t>classificação binária</a:t>
+            </a:r>
+            <a:r>
+              <a:rPr lang="pt-BR" dirty="0" smtClean="0"/>
+              <a:t>, ou seja, problemas com 2 classes apenas.</a:t>
+            </a:r>
+          </a:p>
+          <a:p>
+            <a:r>
+              <a:rPr lang="pt-BR" dirty="0" smtClean="0"/>
+              <a:t>Na sequência, veremos como lidar com problemas de classificação que envolvem mais de 2 classes, também chamados de classificação multi-classes.</a:t>
+            </a:r>
+            <a:r>
+              <a:rPr lang="pt-BR" dirty="0"/>
+              <a:t/>
+            </a:r>
+            <a:br>
+              <a:rPr lang="pt-BR" dirty="0"/>
+            </a:br>
+            <a:endParaRPr lang="pt-BR" dirty="0"/>
           </a:p>
         </p:txBody>
       </p:sp>
     </p:spTree>
     <p:extLst>
       <p:ext uri="{BB962C8B-B14F-4D97-AF65-F5344CB8AC3E}">
-        <p14:creationId xmlns:p14="http://schemas.microsoft.com/office/powerpoint/2010/main" val="193916927"/>
+        <p14:creationId xmlns:p14="http://schemas.microsoft.com/office/powerpoint/2010/main" val="844407349"/>
       </p:ext>
     </p:extLst>
   </p:cSld>
@@ -11300,8 +9853,8 @@
           </a:p>
         </p:txBody>
       </p:sp>
-      <mc:AlternateContent xmlns:mc="http://schemas.openxmlformats.org/markup-compatibility/2006">
-        <mc:Choice xmlns:a14="http://schemas.microsoft.com/office/drawing/2010/main" Requires="a14">
+      <mc:AlternateContent xmlns:mc="http://schemas.openxmlformats.org/markup-compatibility/2006" xmlns:a14="http://schemas.microsoft.com/office/drawing/2010/main">
+        <mc:Choice Requires="a14">
           <p:sp>
             <p:nvSpPr>
               <p:cNvPr id="3" name="Content Placeholder 2"/>
@@ -11498,11 +10051,7 @@
               <a:p>
                 <a:r>
                   <a:rPr lang="pt-BR" dirty="0" smtClean="0"/>
-                  <a:t>As 2 primeiras abordagens </a:t>
-                </a:r>
-                <a:r>
-                  <a:rPr lang="pt-BR" dirty="0" smtClean="0"/>
-                  <a:t>podem ser aplicadas a qualquer tipo de </a:t>
+                  <a:t>As 2 primeiras abordagens podem ser aplicadas a qualquer tipo de </a:t>
                 </a:r>
                 <a:r>
                   <a:rPr lang="pt-BR" b="1" i="1" dirty="0" smtClean="0"/>
@@ -11510,11 +10059,7 @@
                 </a:r>
                 <a:r>
                   <a:rPr lang="pt-BR" dirty="0" smtClean="0"/>
-                  <a:t> e não apenas </a:t>
-                </a:r>
-                <a:r>
-                  <a:rPr lang="pt-BR" dirty="0" smtClean="0"/>
-                  <a:t>ao </a:t>
+                  <a:t> e não apenas ao </a:t>
                 </a:r>
                 <a:r>
                   <a:rPr lang="pt-BR" b="1" i="1" dirty="0" smtClean="0"/>
@@ -11535,7 +10080,7 @@
             </p:txBody>
           </p:sp>
         </mc:Choice>
-        <mc:Fallback>
+        <mc:Fallback xmlns="">
           <p:sp>
             <p:nvSpPr>
               <p:cNvPr id="3" name="Content Placeholder 2"/>
@@ -11631,8 +10176,8 @@
           </a:p>
         </p:txBody>
       </p:sp>
-      <mc:AlternateContent xmlns:mc="http://schemas.openxmlformats.org/markup-compatibility/2006">
-        <mc:Choice xmlns:a14="http://schemas.microsoft.com/office/drawing/2010/main" Requires="a14">
+      <mc:AlternateContent xmlns:mc="http://schemas.openxmlformats.org/markup-compatibility/2006" xmlns:a14="http://schemas.microsoft.com/office/drawing/2010/main">
+        <mc:Choice Requires="a14">
           <p:sp>
             <p:nvSpPr>
               <p:cNvPr id="3" name="Content Placeholder 2"/>
@@ -11788,11 +10333,7 @@
                 </a14:m>
                 <a:r>
                   <a:rPr lang="pt-BR" dirty="0" smtClean="0"/>
-                  <a:t>,</a:t>
-                </a:r>
-                <a:r>
-                  <a:rPr lang="pt-BR" dirty="0" smtClean="0"/>
-                  <a:t> para cada classe </a:t>
+                  <a:t>, para cada classe </a:t>
                 </a:r>
                 <a14:m>
                   <m:oMath xmlns:m="http://schemas.openxmlformats.org/officeDocument/2006/math">
@@ -11949,11 +10490,7 @@
                 </a:r>
                 <a:r>
                   <a:rPr lang="pt-BR" b="1" i="1" dirty="0" smtClean="0"/>
-                  <a:t>classificadores </a:t>
-                </a:r>
-                <a:r>
-                  <a:rPr lang="pt-BR" b="1" i="1" dirty="0" smtClean="0"/>
-                  <a:t>binários</a:t>
+                  <a:t>classificadores binários</a:t>
                 </a:r>
                 <a:r>
                   <a:rPr lang="pt-BR" dirty="0" smtClean="0"/>
@@ -11965,15 +10502,7 @@
                 </a:r>
                 <a:r>
                   <a:rPr lang="pt-BR" b="0" dirty="0" smtClean="0"/>
-                  <a:t>onde </a:t>
-                </a:r>
-                <a:r>
-                  <a:rPr lang="pt-BR" b="0" dirty="0" smtClean="0"/>
-                  <a:t>para cada classificador, a </a:t>
-                </a:r>
-                <a:r>
-                  <a:rPr lang="pt-BR" b="0" dirty="0" smtClean="0"/>
-                  <a:t>classe positiva </a:t>
+                  <a:t>onde para cada classificador, a classe positiva </a:t>
                 </a:r>
                 <a14:m>
                   <m:oMath xmlns:m="http://schemas.openxmlformats.org/officeDocument/2006/math">
@@ -12316,15 +10845,7 @@
               <a:p>
                 <a:r>
                   <a:rPr lang="pt-BR" dirty="0" smtClean="0"/>
-                  <a:t>A v</a:t>
-                </a:r>
-                <a:r>
-                  <a:rPr lang="pt-BR" dirty="0" smtClean="0"/>
-                  <a:t>antagem </a:t>
-                </a:r>
-                <a:r>
-                  <a:rPr lang="pt-BR" dirty="0" smtClean="0"/>
-                  <a:t>desta abordagem é que se treina apenas </a:t>
+                  <a:t>A vantagem desta abordagem é que se treina apenas </a:t>
                 </a:r>
                 <a14:m>
                   <m:oMath xmlns:m="http://schemas.openxmlformats.org/officeDocument/2006/math">
@@ -12352,15 +10873,7 @@
               <a:p>
                 <a:r>
                   <a:rPr lang="pt-BR" dirty="0" smtClean="0"/>
-                  <a:t>A d</a:t>
-                </a:r>
-                <a:r>
-                  <a:rPr lang="pt-BR" dirty="0" smtClean="0"/>
-                  <a:t>esvantagem </a:t>
-                </a:r>
-                <a:r>
-                  <a:rPr lang="pt-BR" dirty="0" smtClean="0"/>
-                  <a:t>é que cada </a:t>
+                  <a:t>A desvantagem é que cada </a:t>
                 </a:r>
                 <a:r>
                   <a:rPr lang="pt-BR" b="1" i="1" dirty="0" smtClean="0"/>
@@ -12388,7 +10901,7 @@
             </p:txBody>
           </p:sp>
         </mc:Choice>
-        <mc:Fallback>
+        <mc:Fallback xmlns="">
           <p:sp>
             <p:nvSpPr>
               <p:cNvPr id="3" name="Content Placeholder 2"/>
@@ -12567,8 +11080,8 @@
           </a:p>
         </p:txBody>
       </p:sp>
-      <mc:AlternateContent xmlns:mc="http://schemas.openxmlformats.org/markup-compatibility/2006">
-        <mc:Choice xmlns:a14="http://schemas.microsoft.com/office/drawing/2010/main" Requires="a14">
+      <mc:AlternateContent xmlns:mc="http://schemas.openxmlformats.org/markup-compatibility/2006" xmlns:a14="http://schemas.microsoft.com/office/drawing/2010/main">
+        <mc:Choice Requires="a14">
           <p:sp>
             <p:nvSpPr>
               <p:cNvPr id="3" name="Content Placeholder 2"/>
@@ -13213,7 +11726,7 @@
             </p:txBody>
           </p:sp>
         </mc:Choice>
-        <mc:Fallback>
+        <mc:Fallback xmlns="">
           <p:sp>
             <p:nvSpPr>
               <p:cNvPr id="3" name="Content Placeholder 2"/>
@@ -13664,8 +12177,8 @@
             </p:nvSpPr>
             <p:spPr>
               <a:xfrm>
-                <a:off x="838199" y="1433016"/>
-                <a:ext cx="11212774" cy="5424984"/>
+                <a:off x="838200" y="1433016"/>
+                <a:ext cx="10393908" cy="5424984"/>
               </a:xfrm>
             </p:spPr>
             <p:txBody>
@@ -15241,179 +13754,99 @@
               </a:p>
               <a:p>
                 <a:r>
-                  <a:rPr lang="pt-BR" dirty="0">
-                    <a:solidFill>
-                      <a:srgbClr val="FF0000"/>
-                    </a:solidFill>
-                  </a:rPr>
+                  <a:rPr lang="pt-BR" dirty="0"/>
                   <a:t>A </a:t>
                 </a:r>
                 <a:r>
-                  <a:rPr lang="pt-BR" b="1" i="1" dirty="0" smtClean="0">
-                    <a:solidFill>
-                      <a:srgbClr val="FF0000"/>
-                    </a:solidFill>
-                  </a:rPr>
+                  <a:rPr lang="pt-BR" b="1" i="1" dirty="0" smtClean="0"/>
                   <a:t>função softmax</a:t>
                 </a:r>
                 <a:r>
-                  <a:rPr lang="pt-BR" dirty="0" smtClean="0">
-                    <a:solidFill>
-                      <a:srgbClr val="FF0000"/>
-                    </a:solidFill>
-                  </a:rPr>
+                  <a:rPr lang="pt-BR" dirty="0" smtClean="0"/>
                   <a:t> </a:t>
                 </a:r>
                 <a:r>
-                  <a:rPr lang="pt-BR" dirty="0">
-                    <a:solidFill>
-                      <a:srgbClr val="FF0000"/>
-                    </a:solidFill>
-                  </a:rPr>
+                  <a:rPr lang="pt-BR" dirty="0"/>
                   <a:t>estende </a:t>
                 </a:r>
                 <a:r>
-                  <a:rPr lang="pt-BR" dirty="0" smtClean="0">
-                    <a:solidFill>
-                      <a:srgbClr val="FF0000"/>
-                    </a:solidFill>
-                  </a:rPr>
-                  <a:t>a ideia a do </a:t>
-                </a:r>
-                <a:r>
-                  <a:rPr lang="pt-BR" b="1" i="1" dirty="0" smtClean="0">
-                    <a:solidFill>
-                      <a:srgbClr val="FF0000"/>
-                    </a:solidFill>
-                  </a:rPr>
+                  <a:rPr lang="pt-BR" dirty="0" smtClean="0"/>
+                  <a:t>a </a:t>
+                </a:r>
+                <a:r>
+                  <a:rPr lang="pt-BR" dirty="0" smtClean="0"/>
+                  <a:t>ideia </a:t>
+                </a:r>
+                <a:r>
+                  <a:rPr lang="pt-BR" dirty="0" smtClean="0"/>
+                  <a:t>do </a:t>
+                </a:r>
+                <a:r>
+                  <a:rPr lang="pt-BR" b="1" i="1" dirty="0" smtClean="0"/>
                   <a:t>regressor logístico </a:t>
                 </a:r>
                 <a:r>
-                  <a:rPr lang="pt-BR" dirty="0" smtClean="0">
-                    <a:solidFill>
-                      <a:srgbClr val="FF0000"/>
-                    </a:solidFill>
-                  </a:rPr>
+                  <a:rPr lang="pt-BR" dirty="0" smtClean="0"/>
                   <a:t>ao mundo multi-classes. </a:t>
                 </a:r>
               </a:p>
               <a:p>
                 <a:r>
-                  <a:rPr lang="pt-BR" dirty="0" smtClean="0">
-                    <a:solidFill>
-                      <a:srgbClr val="FF0000"/>
-                    </a:solidFill>
-                  </a:rPr>
+                  <a:rPr lang="pt-BR" dirty="0" smtClean="0"/>
                   <a:t>Ou </a:t>
                 </a:r>
                 <a:r>
-                  <a:rPr lang="pt-BR" dirty="0">
-                    <a:solidFill>
-                      <a:srgbClr val="FF0000"/>
-                    </a:solidFill>
-                  </a:rPr>
+                  <a:rPr lang="pt-BR" dirty="0"/>
                   <a:t>seja, </a:t>
                 </a:r>
                 <a:r>
-                  <a:rPr lang="pt-BR" dirty="0" smtClean="0">
-                    <a:solidFill>
-                      <a:srgbClr val="FF0000"/>
-                    </a:solidFill>
-                  </a:rPr>
+                  <a:rPr lang="pt-BR" dirty="0" smtClean="0"/>
                   <a:t>a função softmax </a:t>
                 </a:r>
                 <a:r>
-                  <a:rPr lang="pt-BR" dirty="0">
-                    <a:solidFill>
-                      <a:srgbClr val="FF0000"/>
-                    </a:solidFill>
-                  </a:rPr>
+                  <a:rPr lang="pt-BR" dirty="0"/>
                   <a:t>atribui </a:t>
                 </a:r>
                 <a:r>
-                  <a:rPr lang="pt-BR" dirty="0" smtClean="0">
-                    <a:solidFill>
-                      <a:srgbClr val="FF0000"/>
-                    </a:solidFill>
-                  </a:rPr>
+                  <a:rPr lang="pt-BR" dirty="0" smtClean="0"/>
                   <a:t>probabilidades, no intervalo [0, 1], a </a:t>
                 </a:r>
                 <a:r>
-                  <a:rPr lang="pt-BR" dirty="0">
-                    <a:solidFill>
-                      <a:srgbClr val="FF0000"/>
-                    </a:solidFill>
-                  </a:rPr>
+                  <a:rPr lang="pt-BR" dirty="0"/>
                   <a:t>cada classe em um problema </a:t>
                 </a:r>
                 <a:r>
-                  <a:rPr lang="pt-BR" dirty="0" smtClean="0">
-                    <a:solidFill>
-                      <a:srgbClr val="FF0000"/>
-                    </a:solidFill>
-                  </a:rPr>
+                  <a:rPr lang="pt-BR" dirty="0" smtClean="0"/>
                   <a:t>com </a:t>
                 </a:r>
                 <a:r>
-                  <a:rPr lang="pt-BR" dirty="0">
-                    <a:solidFill>
-                      <a:srgbClr val="FF0000"/>
-                    </a:solidFill>
-                  </a:rPr>
+                  <a:rPr lang="pt-BR" dirty="0"/>
                   <a:t>várias classes. </a:t>
                 </a:r>
-                <a:endParaRPr lang="pt-BR" dirty="0" smtClean="0">
-                  <a:solidFill>
-                    <a:srgbClr val="FF0000"/>
-                  </a:solidFill>
-                </a:endParaRPr>
+                <a:endParaRPr lang="pt-BR" dirty="0" smtClean="0"/>
               </a:p>
               <a:p>
                 <a:r>
-                  <a:rPr lang="pt-BR" dirty="0" smtClean="0">
-                    <a:solidFill>
-                      <a:srgbClr val="FF0000"/>
-                    </a:solidFill>
-                  </a:rPr>
+                  <a:rPr lang="pt-BR" dirty="0" smtClean="0"/>
                   <a:t>Essas </a:t>
                 </a:r>
                 <a:r>
-                  <a:rPr lang="pt-BR" dirty="0">
-                    <a:solidFill>
-                      <a:srgbClr val="FF0000"/>
-                    </a:solidFill>
-                  </a:rPr>
+                  <a:rPr lang="pt-BR" dirty="0"/>
                   <a:t>probabilidades </a:t>
                 </a:r>
                 <a:r>
-                  <a:rPr lang="pt-BR" dirty="0" smtClean="0">
-                    <a:solidFill>
-                      <a:srgbClr val="FF0000"/>
-                    </a:solidFill>
-                  </a:rPr>
+                  <a:rPr lang="pt-BR" dirty="0" smtClean="0"/>
                   <a:t>devem </a:t>
                 </a:r>
                 <a:r>
-                  <a:rPr lang="pt-BR" dirty="0">
-                    <a:solidFill>
-                      <a:srgbClr val="FF0000"/>
-                    </a:solidFill>
-                  </a:rPr>
+                  <a:rPr lang="pt-BR" dirty="0"/>
                   <a:t>somar </a:t>
                 </a:r>
                 <a:r>
-                  <a:rPr lang="pt-BR" dirty="0" smtClean="0">
-                    <a:solidFill>
-                      <a:srgbClr val="FF0000"/>
-                    </a:solidFill>
-                  </a:rPr>
+                  <a:rPr lang="pt-BR" dirty="0" smtClean="0"/>
                   <a:t>1.</a:t>
                 </a:r>
-                <a:endParaRPr lang="pt-BR" dirty="0">
-                  <a:solidFill>
-                    <a:srgbClr val="FF0000"/>
-                  </a:solidFill>
-                </a:endParaRPr>
+                <a:endParaRPr lang="pt-BR" dirty="0"/>
               </a:p>
             </p:txBody>
           </p:sp>
@@ -15431,13 +13864,13 @@
             </p:nvSpPr>
             <p:spPr>
               <a:xfrm>
-                <a:off x="838199" y="1433016"/>
-                <a:ext cx="11212774" cy="5424984"/>
+                <a:off x="838200" y="1433016"/>
+                <a:ext cx="10393908" cy="5424984"/>
               </a:xfrm>
               <a:blipFill rotWithShape="0">
                 <a:blip r:embed="rId3"/>
                 <a:stretch>
-                  <a:fillRect l="-815" t="-2135" b="-1236"/>
+                  <a:fillRect l="-938" t="-2135" r="-1408" b="-1236"/>
                 </a:stretch>
               </a:blipFill>
             </p:spPr>
@@ -15464,8 +13897,8 @@
         </p:nvSpPr>
         <p:spPr>
           <a:xfrm>
-            <a:off x="10757095" y="2174405"/>
-            <a:ext cx="1434905" cy="1015663"/>
+            <a:off x="10331354" y="2106167"/>
+            <a:ext cx="1860646" cy="1015663"/>
           </a:xfrm>
           <a:prstGeom prst="rect">
             <a:avLst/>
@@ -15481,7 +13914,15 @@
             <a:pPr algn="ctr"/>
             <a:r>
               <a:rPr lang="pt-BR" sz="1200" dirty="0" smtClean="0"/>
-              <a:t>Normaliza o valor da </a:t>
+              <a:t>O somatório de termos exponenciais n</a:t>
+            </a:r>
+            <a:r>
+              <a:rPr lang="pt-BR" sz="1200" dirty="0" smtClean="0"/>
+              <a:t>ormaliza </a:t>
+            </a:r>
+            <a:r>
+              <a:rPr lang="pt-BR" sz="1200" dirty="0" smtClean="0"/>
+              <a:t>o valor da </a:t>
             </a:r>
             <a:r>
               <a:rPr lang="pt-BR" sz="1200" i="1" dirty="0" smtClean="0"/>
@@ -15492,12 +13933,58 @@
               <a:t>-ésima saída de tal forma que o somatório das Q saídas seja igual a 1.</a:t>
             </a:r>
             <a:endParaRPr lang="pt-BR" sz="1200" dirty="0"/>
+          </a:p>
+        </p:txBody>
+      </p:sp>
+      <p:sp>
+        <p:nvSpPr>
+          <p:cNvPr id="12" name="Rectangle 11"/>
+          <p:cNvSpPr/>
+          <p:nvPr/>
+        </p:nvSpPr>
+        <p:spPr>
+          <a:xfrm>
+            <a:off x="7286766" y="2504815"/>
+            <a:ext cx="1638869" cy="507832"/>
+          </a:xfrm>
+          <a:prstGeom prst="rect">
+            <a:avLst/>
+          </a:prstGeom>
+          <a:noFill/>
+          <a:ln w="28575">
+            <a:solidFill>
+              <a:srgbClr val="FF0000"/>
+            </a:solidFill>
+          </a:ln>
+        </p:spPr>
+        <p:style>
+          <a:lnRef idx="2">
+            <a:schemeClr val="accent1">
+              <a:shade val="50000"/>
+            </a:schemeClr>
+          </a:lnRef>
+          <a:fillRef idx="1">
+            <a:schemeClr val="accent1"/>
+          </a:fillRef>
+          <a:effectRef idx="0">
+            <a:schemeClr val="accent1"/>
+          </a:effectRef>
+          <a:fontRef idx="minor">
+            <a:schemeClr val="lt1"/>
+          </a:fontRef>
+        </p:style>
+        <p:txBody>
+          <a:bodyPr rtlCol="0" anchor="ctr"/>
+          <a:lstStyle/>
+          <a:p>
+            <a:pPr algn="ctr"/>
+            <a:endParaRPr lang="pt-BR"/>
           </a:p>
         </p:txBody>
       </p:sp>
       <p:cxnSp>
         <p:nvCxnSpPr>
-          <p:cNvPr id="6" name="Straight Arrow Connector 5"/>
+          <p:cNvPr id="14" name="Straight Arrow Connector 13"/>
           <p:cNvCxnSpPr>
             <a:stCxn id="4" idx="1"/>
           </p:cNvCxnSpPr>
@@ -15505,13 +13992,16 @@
         </p:nvCxnSpPr>
         <p:spPr>
           <a:xfrm flipH="1">
-            <a:off x="9228406" y="2682237"/>
-            <a:ext cx="1528689" cy="623671"/>
+            <a:off x="8925635" y="2613999"/>
+            <a:ext cx="1405719" cy="333918"/>
           </a:xfrm>
           <a:prstGeom prst="straightConnector1">
             <a:avLst/>
           </a:prstGeom>
           <a:ln>
+            <a:solidFill>
+              <a:srgbClr val="FF0000"/>
+            </a:solidFill>
             <a:tailEnd type="triangle"/>
           </a:ln>
         </p:spPr>

--- a/slides/T320_Classificação (Parte IV).pptx
+++ b/slides/T320_Classificação (Parte IV).pptx
@@ -288,7 +288,7 @@
           <a:p>
             <a:fld id="{144F1436-6906-4D93-B7A2-786C327BFA14}" type="datetimeFigureOut">
               <a:rPr lang="nl-BE" smtClean="0"/>
-              <a:t>31/07/2021</a:t>
+              <a:t>19/08/2021</a:t>
             </a:fld>
             <a:endParaRPr lang="nl-BE"/>
           </a:p>
@@ -453,7 +453,7 @@
           <a:p>
             <a:fld id="{AA8CD09E-2914-4F47-B6C1-51B2C31814C9}" type="datetimeFigureOut">
               <a:rPr lang="pt-BR" smtClean="0"/>
-              <a:t>31/07/2021</a:t>
+              <a:t>19/08/2021</a:t>
             </a:fld>
             <a:endParaRPr lang="pt-BR"/>
           </a:p>
@@ -1031,9 +1031,25 @@
           <a:lstStyle/>
           <a:p>
             <a:r>
+              <a:rPr lang="pt-BR" b="1" dirty="0" smtClean="0"/>
+              <a:t>Exemplo</a:t>
+            </a:r>
+            <a:r>
               <a:rPr lang="pt-BR" dirty="0" smtClean="0"/>
-              <a:t>Exemplo: ClassificationOfFourClassesWithOvAandOvO.ipynb</a:t>
-            </a:r>
+              <a:t>:</a:t>
+            </a:r>
+            <a:r>
+              <a:rPr lang="pt-BR" baseline="0" dirty="0" smtClean="0"/>
+              <a:t> </a:t>
+            </a:r>
+            <a:r>
+              <a:rPr lang="pt-BR" dirty="0" smtClean="0"/>
+              <a:t>https://colab.research.google.com/github/zz4fap/t320_aprendizado_de_maquina/blob/main/notebooks/classificação/ClassificationOfFourClassesWithOvAandOvO.ipynb</a:t>
+            </a:r>
+            <a:endParaRPr lang="pt-BR" b="1" dirty="0" smtClean="0"/>
+          </a:p>
+          <a:p>
+            <a:endParaRPr lang="pt-BR" dirty="0" smtClean="0"/>
           </a:p>
           <a:p>
             <a:endParaRPr lang="pt-BR" dirty="0" smtClean="0"/>
@@ -1912,7 +1928,7 @@
           <p:cNvPr id="2" name="Título 1">
             <a:extLst>
               <a:ext uri="{FF2B5EF4-FFF2-40B4-BE49-F238E27FC236}">
-                <a16:creationId xmlns="" xmlns:a16="http://schemas.microsoft.com/office/drawing/2014/main" id="{1DB9B4FF-B06E-403C-A326-BDC64D8FF94E}"/>
+                <a16:creationId xmlns:a16="http://schemas.microsoft.com/office/drawing/2014/main" xmlns="" id="{1DB9B4FF-B06E-403C-A326-BDC64D8FF94E}"/>
               </a:ext>
             </a:extLst>
           </p:cNvPr>
@@ -1949,7 +1965,7 @@
           <p:cNvPr id="3" name="Subtítulo 2">
             <a:extLst>
               <a:ext uri="{FF2B5EF4-FFF2-40B4-BE49-F238E27FC236}">
-                <a16:creationId xmlns="" xmlns:a16="http://schemas.microsoft.com/office/drawing/2014/main" id="{247BDFCE-746E-45BF-A319-4733D58D1632}"/>
+                <a16:creationId xmlns:a16="http://schemas.microsoft.com/office/drawing/2014/main" xmlns="" id="{247BDFCE-746E-45BF-A319-4733D58D1632}"/>
               </a:ext>
             </a:extLst>
           </p:cNvPr>
@@ -2019,7 +2035,7 @@
           <p:cNvPr id="4" name="Espaço Reservado para Data 3">
             <a:extLst>
               <a:ext uri="{FF2B5EF4-FFF2-40B4-BE49-F238E27FC236}">
-                <a16:creationId xmlns="" xmlns:a16="http://schemas.microsoft.com/office/drawing/2014/main" id="{9EDE2778-5372-4104-B96D-968184DA8288}"/>
+                <a16:creationId xmlns:a16="http://schemas.microsoft.com/office/drawing/2014/main" xmlns="" id="{9EDE2778-5372-4104-B96D-968184DA8288}"/>
               </a:ext>
             </a:extLst>
           </p:cNvPr>
@@ -2037,7 +2053,7 @@
           <a:p>
             <a:fld id="{63289F7E-B80B-496E-81B4-D396C37C9454}" type="datetimeFigureOut">
               <a:rPr lang="pt-BR" smtClean="0"/>
-              <a:t>31/07/2021</a:t>
+              <a:t>19/08/2021</a:t>
             </a:fld>
             <a:endParaRPr lang="pt-BR"/>
           </a:p>
@@ -2048,7 +2064,7 @@
           <p:cNvPr id="5" name="Espaço Reservado para Rodapé 4">
             <a:extLst>
               <a:ext uri="{FF2B5EF4-FFF2-40B4-BE49-F238E27FC236}">
-                <a16:creationId xmlns="" xmlns:a16="http://schemas.microsoft.com/office/drawing/2014/main" id="{C1DD0F41-C861-4051-988D-3024A37A4B93}"/>
+                <a16:creationId xmlns:a16="http://schemas.microsoft.com/office/drawing/2014/main" xmlns="" id="{C1DD0F41-C861-4051-988D-3024A37A4B93}"/>
               </a:ext>
             </a:extLst>
           </p:cNvPr>
@@ -2073,7 +2089,7 @@
           <p:cNvPr id="6" name="Espaço Reservado para Número de Slide 5">
             <a:extLst>
               <a:ext uri="{FF2B5EF4-FFF2-40B4-BE49-F238E27FC236}">
-                <a16:creationId xmlns="" xmlns:a16="http://schemas.microsoft.com/office/drawing/2014/main" id="{07E5967E-D980-431A-A5DB-3F0C5030A81E}"/>
+                <a16:creationId xmlns:a16="http://schemas.microsoft.com/office/drawing/2014/main" xmlns="" id="{07E5967E-D980-431A-A5DB-3F0C5030A81E}"/>
               </a:ext>
             </a:extLst>
           </p:cNvPr>
@@ -2132,7 +2148,7 @@
           <p:cNvPr id="2" name="Título 1">
             <a:extLst>
               <a:ext uri="{FF2B5EF4-FFF2-40B4-BE49-F238E27FC236}">
-                <a16:creationId xmlns="" xmlns:a16="http://schemas.microsoft.com/office/drawing/2014/main" id="{9036C49F-3E68-4175-81BA-3C3FEE44308A}"/>
+                <a16:creationId xmlns:a16="http://schemas.microsoft.com/office/drawing/2014/main" xmlns="" id="{9036C49F-3E68-4175-81BA-3C3FEE44308A}"/>
               </a:ext>
             </a:extLst>
           </p:cNvPr>
@@ -2160,7 +2176,7 @@
           <p:cNvPr id="3" name="Espaço Reservado para Texto Vertical 2">
             <a:extLst>
               <a:ext uri="{FF2B5EF4-FFF2-40B4-BE49-F238E27FC236}">
-                <a16:creationId xmlns="" xmlns:a16="http://schemas.microsoft.com/office/drawing/2014/main" id="{426FA736-3DD3-4D4E-B57B-BBE1D8F7D424}"/>
+                <a16:creationId xmlns:a16="http://schemas.microsoft.com/office/drawing/2014/main" xmlns="" id="{426FA736-3DD3-4D4E-B57B-BBE1D8F7D424}"/>
               </a:ext>
             </a:extLst>
           </p:cNvPr>
@@ -2217,7 +2233,7 @@
           <p:cNvPr id="4" name="Espaço Reservado para Data 3">
             <a:extLst>
               <a:ext uri="{FF2B5EF4-FFF2-40B4-BE49-F238E27FC236}">
-                <a16:creationId xmlns="" xmlns:a16="http://schemas.microsoft.com/office/drawing/2014/main" id="{99E8855C-D8FD-48F6-B14E-861E0DE4D915}"/>
+                <a16:creationId xmlns:a16="http://schemas.microsoft.com/office/drawing/2014/main" xmlns="" id="{99E8855C-D8FD-48F6-B14E-861E0DE4D915}"/>
               </a:ext>
             </a:extLst>
           </p:cNvPr>
@@ -2235,7 +2251,7 @@
           <a:p>
             <a:fld id="{63289F7E-B80B-496E-81B4-D396C37C9454}" type="datetimeFigureOut">
               <a:rPr lang="pt-BR" smtClean="0"/>
-              <a:t>31/07/2021</a:t>
+              <a:t>19/08/2021</a:t>
             </a:fld>
             <a:endParaRPr lang="pt-BR"/>
           </a:p>
@@ -2246,7 +2262,7 @@
           <p:cNvPr id="5" name="Espaço Reservado para Rodapé 4">
             <a:extLst>
               <a:ext uri="{FF2B5EF4-FFF2-40B4-BE49-F238E27FC236}">
-                <a16:creationId xmlns="" xmlns:a16="http://schemas.microsoft.com/office/drawing/2014/main" id="{97C0BB88-2F21-42A5-ACFF-83DA47F2D340}"/>
+                <a16:creationId xmlns:a16="http://schemas.microsoft.com/office/drawing/2014/main" xmlns="" id="{97C0BB88-2F21-42A5-ACFF-83DA47F2D340}"/>
               </a:ext>
             </a:extLst>
           </p:cNvPr>
@@ -2271,7 +2287,7 @@
           <p:cNvPr id="6" name="Espaço Reservado para Número de Slide 5">
             <a:extLst>
               <a:ext uri="{FF2B5EF4-FFF2-40B4-BE49-F238E27FC236}">
-                <a16:creationId xmlns="" xmlns:a16="http://schemas.microsoft.com/office/drawing/2014/main" id="{6CB462B3-1F22-4C05-B4B8-7A279FB7D5E9}"/>
+                <a16:creationId xmlns:a16="http://schemas.microsoft.com/office/drawing/2014/main" xmlns="" id="{6CB462B3-1F22-4C05-B4B8-7A279FB7D5E9}"/>
               </a:ext>
             </a:extLst>
           </p:cNvPr>
@@ -2330,7 +2346,7 @@
           <p:cNvPr id="2" name="Título Vertical 1">
             <a:extLst>
               <a:ext uri="{FF2B5EF4-FFF2-40B4-BE49-F238E27FC236}">
-                <a16:creationId xmlns="" xmlns:a16="http://schemas.microsoft.com/office/drawing/2014/main" id="{EAEAB728-701C-4207-A9D5-23FF45C60502}"/>
+                <a16:creationId xmlns:a16="http://schemas.microsoft.com/office/drawing/2014/main" xmlns="" id="{EAEAB728-701C-4207-A9D5-23FF45C60502}"/>
               </a:ext>
             </a:extLst>
           </p:cNvPr>
@@ -2363,7 +2379,7 @@
           <p:cNvPr id="3" name="Espaço Reservado para Texto Vertical 2">
             <a:extLst>
               <a:ext uri="{FF2B5EF4-FFF2-40B4-BE49-F238E27FC236}">
-                <a16:creationId xmlns="" xmlns:a16="http://schemas.microsoft.com/office/drawing/2014/main" id="{BA8C8CCF-7823-480A-9A19-0F664DD17E3B}"/>
+                <a16:creationId xmlns:a16="http://schemas.microsoft.com/office/drawing/2014/main" xmlns="" id="{BA8C8CCF-7823-480A-9A19-0F664DD17E3B}"/>
               </a:ext>
             </a:extLst>
           </p:cNvPr>
@@ -2425,7 +2441,7 @@
           <p:cNvPr id="4" name="Espaço Reservado para Data 3">
             <a:extLst>
               <a:ext uri="{FF2B5EF4-FFF2-40B4-BE49-F238E27FC236}">
-                <a16:creationId xmlns="" xmlns:a16="http://schemas.microsoft.com/office/drawing/2014/main" id="{721D5734-7B1F-425D-942F-6EB73344027C}"/>
+                <a16:creationId xmlns:a16="http://schemas.microsoft.com/office/drawing/2014/main" xmlns="" id="{721D5734-7B1F-425D-942F-6EB73344027C}"/>
               </a:ext>
             </a:extLst>
           </p:cNvPr>
@@ -2443,7 +2459,7 @@
           <a:p>
             <a:fld id="{63289F7E-B80B-496E-81B4-D396C37C9454}" type="datetimeFigureOut">
               <a:rPr lang="pt-BR" smtClean="0"/>
-              <a:t>31/07/2021</a:t>
+              <a:t>19/08/2021</a:t>
             </a:fld>
             <a:endParaRPr lang="pt-BR"/>
           </a:p>
@@ -2454,7 +2470,7 @@
           <p:cNvPr id="5" name="Espaço Reservado para Rodapé 4">
             <a:extLst>
               <a:ext uri="{FF2B5EF4-FFF2-40B4-BE49-F238E27FC236}">
-                <a16:creationId xmlns="" xmlns:a16="http://schemas.microsoft.com/office/drawing/2014/main" id="{1E1AAEAC-F08D-45FE-89EC-B1B349A868C9}"/>
+                <a16:creationId xmlns:a16="http://schemas.microsoft.com/office/drawing/2014/main" xmlns="" id="{1E1AAEAC-F08D-45FE-89EC-B1B349A868C9}"/>
               </a:ext>
             </a:extLst>
           </p:cNvPr>
@@ -2479,7 +2495,7 @@
           <p:cNvPr id="6" name="Espaço Reservado para Número de Slide 5">
             <a:extLst>
               <a:ext uri="{FF2B5EF4-FFF2-40B4-BE49-F238E27FC236}">
-                <a16:creationId xmlns="" xmlns:a16="http://schemas.microsoft.com/office/drawing/2014/main" id="{BAA44493-9911-47B2-87A6-C2141A972BC8}"/>
+                <a16:creationId xmlns:a16="http://schemas.microsoft.com/office/drawing/2014/main" xmlns="" id="{BAA44493-9911-47B2-87A6-C2141A972BC8}"/>
               </a:ext>
             </a:extLst>
           </p:cNvPr>
@@ -2538,7 +2554,7 @@
           <p:cNvPr id="2" name="Título 1">
             <a:extLst>
               <a:ext uri="{FF2B5EF4-FFF2-40B4-BE49-F238E27FC236}">
-                <a16:creationId xmlns="" xmlns:a16="http://schemas.microsoft.com/office/drawing/2014/main" id="{71BD44A5-8F21-4626-A01D-48A1C874B1D5}"/>
+                <a16:creationId xmlns:a16="http://schemas.microsoft.com/office/drawing/2014/main" xmlns="" id="{71BD44A5-8F21-4626-A01D-48A1C874B1D5}"/>
               </a:ext>
             </a:extLst>
           </p:cNvPr>
@@ -2566,7 +2582,7 @@
           <p:cNvPr id="3" name="Espaço Reservado para Conteúdo 2">
             <a:extLst>
               <a:ext uri="{FF2B5EF4-FFF2-40B4-BE49-F238E27FC236}">
-                <a16:creationId xmlns="" xmlns:a16="http://schemas.microsoft.com/office/drawing/2014/main" id="{B79E8085-65A9-48AA-951D-71D978BFF4ED}"/>
+                <a16:creationId xmlns:a16="http://schemas.microsoft.com/office/drawing/2014/main" xmlns="" id="{B79E8085-65A9-48AA-951D-71D978BFF4ED}"/>
               </a:ext>
             </a:extLst>
           </p:cNvPr>
@@ -2623,7 +2639,7 @@
           <p:cNvPr id="4" name="Espaço Reservado para Data 3">
             <a:extLst>
               <a:ext uri="{FF2B5EF4-FFF2-40B4-BE49-F238E27FC236}">
-                <a16:creationId xmlns="" xmlns:a16="http://schemas.microsoft.com/office/drawing/2014/main" id="{F05BE1AF-51EA-425D-B188-DE7BD675009F}"/>
+                <a16:creationId xmlns:a16="http://schemas.microsoft.com/office/drawing/2014/main" xmlns="" id="{F05BE1AF-51EA-425D-B188-DE7BD675009F}"/>
               </a:ext>
             </a:extLst>
           </p:cNvPr>
@@ -2641,7 +2657,7 @@
           <a:p>
             <a:fld id="{63289F7E-B80B-496E-81B4-D396C37C9454}" type="datetimeFigureOut">
               <a:rPr lang="pt-BR" smtClean="0"/>
-              <a:t>31/07/2021</a:t>
+              <a:t>19/08/2021</a:t>
             </a:fld>
             <a:endParaRPr lang="pt-BR"/>
           </a:p>
@@ -2652,7 +2668,7 @@
           <p:cNvPr id="5" name="Espaço Reservado para Rodapé 4">
             <a:extLst>
               <a:ext uri="{FF2B5EF4-FFF2-40B4-BE49-F238E27FC236}">
-                <a16:creationId xmlns="" xmlns:a16="http://schemas.microsoft.com/office/drawing/2014/main" id="{121BE632-29CF-4CB9-B365-C9EF38F89BE6}"/>
+                <a16:creationId xmlns:a16="http://schemas.microsoft.com/office/drawing/2014/main" xmlns="" id="{121BE632-29CF-4CB9-B365-C9EF38F89BE6}"/>
               </a:ext>
             </a:extLst>
           </p:cNvPr>
@@ -2677,7 +2693,7 @@
           <p:cNvPr id="6" name="Espaço Reservado para Número de Slide 5">
             <a:extLst>
               <a:ext uri="{FF2B5EF4-FFF2-40B4-BE49-F238E27FC236}">
-                <a16:creationId xmlns="" xmlns:a16="http://schemas.microsoft.com/office/drawing/2014/main" id="{60CF3DD1-9AEC-4A57-B461-4E4DD86FAC18}"/>
+                <a16:creationId xmlns:a16="http://schemas.microsoft.com/office/drawing/2014/main" xmlns="" id="{60CF3DD1-9AEC-4A57-B461-4E4DD86FAC18}"/>
               </a:ext>
             </a:extLst>
           </p:cNvPr>
@@ -2736,7 +2752,7 @@
           <p:cNvPr id="2" name="Título 1">
             <a:extLst>
               <a:ext uri="{FF2B5EF4-FFF2-40B4-BE49-F238E27FC236}">
-                <a16:creationId xmlns="" xmlns:a16="http://schemas.microsoft.com/office/drawing/2014/main" id="{34AB2FF0-A4D7-4E28-991D-FF26140D5988}"/>
+                <a16:creationId xmlns:a16="http://schemas.microsoft.com/office/drawing/2014/main" xmlns="" id="{34AB2FF0-A4D7-4E28-991D-FF26140D5988}"/>
               </a:ext>
             </a:extLst>
           </p:cNvPr>
@@ -2773,7 +2789,7 @@
           <p:cNvPr id="3" name="Espaço Reservado para Texto 2">
             <a:extLst>
               <a:ext uri="{FF2B5EF4-FFF2-40B4-BE49-F238E27FC236}">
-                <a16:creationId xmlns="" xmlns:a16="http://schemas.microsoft.com/office/drawing/2014/main" id="{E2AC45B0-4145-40DB-8E61-105461170604}"/>
+                <a16:creationId xmlns:a16="http://schemas.microsoft.com/office/drawing/2014/main" xmlns="" id="{E2AC45B0-4145-40DB-8E61-105461170604}"/>
               </a:ext>
             </a:extLst>
           </p:cNvPr>
@@ -2898,7 +2914,7 @@
           <p:cNvPr id="4" name="Espaço Reservado para Data 3">
             <a:extLst>
               <a:ext uri="{FF2B5EF4-FFF2-40B4-BE49-F238E27FC236}">
-                <a16:creationId xmlns="" xmlns:a16="http://schemas.microsoft.com/office/drawing/2014/main" id="{50F1D3FB-740A-4EBA-A309-2CE71D12ECFB}"/>
+                <a16:creationId xmlns:a16="http://schemas.microsoft.com/office/drawing/2014/main" xmlns="" id="{50F1D3FB-740A-4EBA-A309-2CE71D12ECFB}"/>
               </a:ext>
             </a:extLst>
           </p:cNvPr>
@@ -2916,7 +2932,7 @@
           <a:p>
             <a:fld id="{63289F7E-B80B-496E-81B4-D396C37C9454}" type="datetimeFigureOut">
               <a:rPr lang="pt-BR" smtClean="0"/>
-              <a:t>31/07/2021</a:t>
+              <a:t>19/08/2021</a:t>
             </a:fld>
             <a:endParaRPr lang="pt-BR"/>
           </a:p>
@@ -2927,7 +2943,7 @@
           <p:cNvPr id="5" name="Espaço Reservado para Rodapé 4">
             <a:extLst>
               <a:ext uri="{FF2B5EF4-FFF2-40B4-BE49-F238E27FC236}">
-                <a16:creationId xmlns="" xmlns:a16="http://schemas.microsoft.com/office/drawing/2014/main" id="{BDCAB18F-8715-4465-A940-F9C193A2ACE9}"/>
+                <a16:creationId xmlns:a16="http://schemas.microsoft.com/office/drawing/2014/main" xmlns="" id="{BDCAB18F-8715-4465-A940-F9C193A2ACE9}"/>
               </a:ext>
             </a:extLst>
           </p:cNvPr>
@@ -2952,7 +2968,7 @@
           <p:cNvPr id="6" name="Espaço Reservado para Número de Slide 5">
             <a:extLst>
               <a:ext uri="{FF2B5EF4-FFF2-40B4-BE49-F238E27FC236}">
-                <a16:creationId xmlns="" xmlns:a16="http://schemas.microsoft.com/office/drawing/2014/main" id="{353466C6-8248-429F-8056-FF040BF509EB}"/>
+                <a16:creationId xmlns:a16="http://schemas.microsoft.com/office/drawing/2014/main" xmlns="" id="{353466C6-8248-429F-8056-FF040BF509EB}"/>
               </a:ext>
             </a:extLst>
           </p:cNvPr>
@@ -3011,7 +3027,7 @@
           <p:cNvPr id="2" name="Título 1">
             <a:extLst>
               <a:ext uri="{FF2B5EF4-FFF2-40B4-BE49-F238E27FC236}">
-                <a16:creationId xmlns="" xmlns:a16="http://schemas.microsoft.com/office/drawing/2014/main" id="{BC7BB9F0-F14B-4A91-B2B7-35BC47FE4DE7}"/>
+                <a16:creationId xmlns:a16="http://schemas.microsoft.com/office/drawing/2014/main" xmlns="" id="{BC7BB9F0-F14B-4A91-B2B7-35BC47FE4DE7}"/>
               </a:ext>
             </a:extLst>
           </p:cNvPr>
@@ -3039,7 +3055,7 @@
           <p:cNvPr id="3" name="Espaço Reservado para Conteúdo 2">
             <a:extLst>
               <a:ext uri="{FF2B5EF4-FFF2-40B4-BE49-F238E27FC236}">
-                <a16:creationId xmlns="" xmlns:a16="http://schemas.microsoft.com/office/drawing/2014/main" id="{EC1FC1C4-73DA-47A6-8496-B0B457F7D39A}"/>
+                <a16:creationId xmlns:a16="http://schemas.microsoft.com/office/drawing/2014/main" xmlns="" id="{EC1FC1C4-73DA-47A6-8496-B0B457F7D39A}"/>
               </a:ext>
             </a:extLst>
           </p:cNvPr>
@@ -3101,7 +3117,7 @@
           <p:cNvPr id="4" name="Espaço Reservado para Conteúdo 3">
             <a:extLst>
               <a:ext uri="{FF2B5EF4-FFF2-40B4-BE49-F238E27FC236}">
-                <a16:creationId xmlns="" xmlns:a16="http://schemas.microsoft.com/office/drawing/2014/main" id="{E92F06A8-A449-4D92-9912-76873E529B38}"/>
+                <a16:creationId xmlns:a16="http://schemas.microsoft.com/office/drawing/2014/main" xmlns="" id="{E92F06A8-A449-4D92-9912-76873E529B38}"/>
               </a:ext>
             </a:extLst>
           </p:cNvPr>
@@ -3163,7 +3179,7 @@
           <p:cNvPr id="5" name="Espaço Reservado para Data 4">
             <a:extLst>
               <a:ext uri="{FF2B5EF4-FFF2-40B4-BE49-F238E27FC236}">
-                <a16:creationId xmlns="" xmlns:a16="http://schemas.microsoft.com/office/drawing/2014/main" id="{938070A4-BC2F-4D55-BD8D-DEAF11BB9EE9}"/>
+                <a16:creationId xmlns:a16="http://schemas.microsoft.com/office/drawing/2014/main" xmlns="" id="{938070A4-BC2F-4D55-BD8D-DEAF11BB9EE9}"/>
               </a:ext>
             </a:extLst>
           </p:cNvPr>
@@ -3181,7 +3197,7 @@
           <a:p>
             <a:fld id="{63289F7E-B80B-496E-81B4-D396C37C9454}" type="datetimeFigureOut">
               <a:rPr lang="pt-BR" smtClean="0"/>
-              <a:t>31/07/2021</a:t>
+              <a:t>19/08/2021</a:t>
             </a:fld>
             <a:endParaRPr lang="pt-BR"/>
           </a:p>
@@ -3192,7 +3208,7 @@
           <p:cNvPr id="6" name="Espaço Reservado para Rodapé 5">
             <a:extLst>
               <a:ext uri="{FF2B5EF4-FFF2-40B4-BE49-F238E27FC236}">
-                <a16:creationId xmlns="" xmlns:a16="http://schemas.microsoft.com/office/drawing/2014/main" id="{45CC2DB8-844A-465F-BA9A-7734C80C7F43}"/>
+                <a16:creationId xmlns:a16="http://schemas.microsoft.com/office/drawing/2014/main" xmlns="" id="{45CC2DB8-844A-465F-BA9A-7734C80C7F43}"/>
               </a:ext>
             </a:extLst>
           </p:cNvPr>
@@ -3217,7 +3233,7 @@
           <p:cNvPr id="7" name="Espaço Reservado para Número de Slide 6">
             <a:extLst>
               <a:ext uri="{FF2B5EF4-FFF2-40B4-BE49-F238E27FC236}">
-                <a16:creationId xmlns="" xmlns:a16="http://schemas.microsoft.com/office/drawing/2014/main" id="{4CC606A8-097B-4040-94E0-CD8C88280D8F}"/>
+                <a16:creationId xmlns:a16="http://schemas.microsoft.com/office/drawing/2014/main" xmlns="" id="{4CC606A8-097B-4040-94E0-CD8C88280D8F}"/>
               </a:ext>
             </a:extLst>
           </p:cNvPr>
@@ -3276,7 +3292,7 @@
           <p:cNvPr id="2" name="Título 1">
             <a:extLst>
               <a:ext uri="{FF2B5EF4-FFF2-40B4-BE49-F238E27FC236}">
-                <a16:creationId xmlns="" xmlns:a16="http://schemas.microsoft.com/office/drawing/2014/main" id="{76D66686-0143-4CB6-8C09-BA326F1E7ACA}"/>
+                <a16:creationId xmlns:a16="http://schemas.microsoft.com/office/drawing/2014/main" xmlns="" id="{76D66686-0143-4CB6-8C09-BA326F1E7ACA}"/>
               </a:ext>
             </a:extLst>
           </p:cNvPr>
@@ -3309,7 +3325,7 @@
           <p:cNvPr id="3" name="Espaço Reservado para Texto 2">
             <a:extLst>
               <a:ext uri="{FF2B5EF4-FFF2-40B4-BE49-F238E27FC236}">
-                <a16:creationId xmlns="" xmlns:a16="http://schemas.microsoft.com/office/drawing/2014/main" id="{0227AB85-F59E-4BCE-B846-4FA0992C2F23}"/>
+                <a16:creationId xmlns:a16="http://schemas.microsoft.com/office/drawing/2014/main" xmlns="" id="{0227AB85-F59E-4BCE-B846-4FA0992C2F23}"/>
               </a:ext>
             </a:extLst>
           </p:cNvPr>
@@ -3380,7 +3396,7 @@
           <p:cNvPr id="4" name="Espaço Reservado para Conteúdo 3">
             <a:extLst>
               <a:ext uri="{FF2B5EF4-FFF2-40B4-BE49-F238E27FC236}">
-                <a16:creationId xmlns="" xmlns:a16="http://schemas.microsoft.com/office/drawing/2014/main" id="{3373456C-7319-4D0A-827D-D29F6B083F5D}"/>
+                <a16:creationId xmlns:a16="http://schemas.microsoft.com/office/drawing/2014/main" xmlns="" id="{3373456C-7319-4D0A-827D-D29F6B083F5D}"/>
               </a:ext>
             </a:extLst>
           </p:cNvPr>
@@ -3442,7 +3458,7 @@
           <p:cNvPr id="5" name="Espaço Reservado para Texto 4">
             <a:extLst>
               <a:ext uri="{FF2B5EF4-FFF2-40B4-BE49-F238E27FC236}">
-                <a16:creationId xmlns="" xmlns:a16="http://schemas.microsoft.com/office/drawing/2014/main" id="{4CD109D0-2E83-4262-8029-A871CEC47406}"/>
+                <a16:creationId xmlns:a16="http://schemas.microsoft.com/office/drawing/2014/main" xmlns="" id="{4CD109D0-2E83-4262-8029-A871CEC47406}"/>
               </a:ext>
             </a:extLst>
           </p:cNvPr>
@@ -3513,7 +3529,7 @@
           <p:cNvPr id="6" name="Espaço Reservado para Conteúdo 5">
             <a:extLst>
               <a:ext uri="{FF2B5EF4-FFF2-40B4-BE49-F238E27FC236}">
-                <a16:creationId xmlns="" xmlns:a16="http://schemas.microsoft.com/office/drawing/2014/main" id="{AD706E3A-CFBB-4A6C-A65F-D0360A9E74FE}"/>
+                <a16:creationId xmlns:a16="http://schemas.microsoft.com/office/drawing/2014/main" xmlns="" id="{AD706E3A-CFBB-4A6C-A65F-D0360A9E74FE}"/>
               </a:ext>
             </a:extLst>
           </p:cNvPr>
@@ -3575,7 +3591,7 @@
           <p:cNvPr id="7" name="Espaço Reservado para Data 6">
             <a:extLst>
               <a:ext uri="{FF2B5EF4-FFF2-40B4-BE49-F238E27FC236}">
-                <a16:creationId xmlns="" xmlns:a16="http://schemas.microsoft.com/office/drawing/2014/main" id="{4172C0E5-5AF0-4805-BB51-443733CD2BD5}"/>
+                <a16:creationId xmlns:a16="http://schemas.microsoft.com/office/drawing/2014/main" xmlns="" id="{4172C0E5-5AF0-4805-BB51-443733CD2BD5}"/>
               </a:ext>
             </a:extLst>
           </p:cNvPr>
@@ -3593,7 +3609,7 @@
           <a:p>
             <a:fld id="{63289F7E-B80B-496E-81B4-D396C37C9454}" type="datetimeFigureOut">
               <a:rPr lang="pt-BR" smtClean="0"/>
-              <a:t>31/07/2021</a:t>
+              <a:t>19/08/2021</a:t>
             </a:fld>
             <a:endParaRPr lang="pt-BR"/>
           </a:p>
@@ -3604,7 +3620,7 @@
           <p:cNvPr id="8" name="Espaço Reservado para Rodapé 7">
             <a:extLst>
               <a:ext uri="{FF2B5EF4-FFF2-40B4-BE49-F238E27FC236}">
-                <a16:creationId xmlns="" xmlns:a16="http://schemas.microsoft.com/office/drawing/2014/main" id="{0E801648-156F-497E-99CF-797DF48051E1}"/>
+                <a16:creationId xmlns:a16="http://schemas.microsoft.com/office/drawing/2014/main" xmlns="" id="{0E801648-156F-497E-99CF-797DF48051E1}"/>
               </a:ext>
             </a:extLst>
           </p:cNvPr>
@@ -3629,7 +3645,7 @@
           <p:cNvPr id="9" name="Espaço Reservado para Número de Slide 8">
             <a:extLst>
               <a:ext uri="{FF2B5EF4-FFF2-40B4-BE49-F238E27FC236}">
-                <a16:creationId xmlns="" xmlns:a16="http://schemas.microsoft.com/office/drawing/2014/main" id="{EEE23D32-80E7-4796-A137-66BF842E4B53}"/>
+                <a16:creationId xmlns:a16="http://schemas.microsoft.com/office/drawing/2014/main" xmlns="" id="{EEE23D32-80E7-4796-A137-66BF842E4B53}"/>
               </a:ext>
             </a:extLst>
           </p:cNvPr>
@@ -3688,7 +3704,7 @@
           <p:cNvPr id="2" name="Título 1">
             <a:extLst>
               <a:ext uri="{FF2B5EF4-FFF2-40B4-BE49-F238E27FC236}">
-                <a16:creationId xmlns="" xmlns:a16="http://schemas.microsoft.com/office/drawing/2014/main" id="{2BCE2379-C78F-47E1-8CFC-B846E7AF148D}"/>
+                <a16:creationId xmlns:a16="http://schemas.microsoft.com/office/drawing/2014/main" xmlns="" id="{2BCE2379-C78F-47E1-8CFC-B846E7AF148D}"/>
               </a:ext>
             </a:extLst>
           </p:cNvPr>
@@ -3716,7 +3732,7 @@
           <p:cNvPr id="3" name="Espaço Reservado para Data 2">
             <a:extLst>
               <a:ext uri="{FF2B5EF4-FFF2-40B4-BE49-F238E27FC236}">
-                <a16:creationId xmlns="" xmlns:a16="http://schemas.microsoft.com/office/drawing/2014/main" id="{342600A9-7F92-4E22-9D94-E4717252A817}"/>
+                <a16:creationId xmlns:a16="http://schemas.microsoft.com/office/drawing/2014/main" xmlns="" id="{342600A9-7F92-4E22-9D94-E4717252A817}"/>
               </a:ext>
             </a:extLst>
           </p:cNvPr>
@@ -3734,7 +3750,7 @@
           <a:p>
             <a:fld id="{63289F7E-B80B-496E-81B4-D396C37C9454}" type="datetimeFigureOut">
               <a:rPr lang="pt-BR" smtClean="0"/>
-              <a:t>31/07/2021</a:t>
+              <a:t>19/08/2021</a:t>
             </a:fld>
             <a:endParaRPr lang="pt-BR"/>
           </a:p>
@@ -3745,7 +3761,7 @@
           <p:cNvPr id="4" name="Espaço Reservado para Rodapé 3">
             <a:extLst>
               <a:ext uri="{FF2B5EF4-FFF2-40B4-BE49-F238E27FC236}">
-                <a16:creationId xmlns="" xmlns:a16="http://schemas.microsoft.com/office/drawing/2014/main" id="{192E6BED-F546-40CC-A2DF-99CBA853654E}"/>
+                <a16:creationId xmlns:a16="http://schemas.microsoft.com/office/drawing/2014/main" xmlns="" id="{192E6BED-F546-40CC-A2DF-99CBA853654E}"/>
               </a:ext>
             </a:extLst>
           </p:cNvPr>
@@ -3770,7 +3786,7 @@
           <p:cNvPr id="5" name="Espaço Reservado para Número de Slide 4">
             <a:extLst>
               <a:ext uri="{FF2B5EF4-FFF2-40B4-BE49-F238E27FC236}">
-                <a16:creationId xmlns="" xmlns:a16="http://schemas.microsoft.com/office/drawing/2014/main" id="{6091CC40-A8C4-4063-80EB-CC5099621678}"/>
+                <a16:creationId xmlns:a16="http://schemas.microsoft.com/office/drawing/2014/main" xmlns="" id="{6091CC40-A8C4-4063-80EB-CC5099621678}"/>
               </a:ext>
             </a:extLst>
           </p:cNvPr>
@@ -3829,7 +3845,7 @@
           <p:cNvPr id="2" name="Espaço Reservado para Data 1">
             <a:extLst>
               <a:ext uri="{FF2B5EF4-FFF2-40B4-BE49-F238E27FC236}">
-                <a16:creationId xmlns="" xmlns:a16="http://schemas.microsoft.com/office/drawing/2014/main" id="{DD19515C-212C-4EAE-84A3-8FF4BC844F1B}"/>
+                <a16:creationId xmlns:a16="http://schemas.microsoft.com/office/drawing/2014/main" xmlns="" id="{DD19515C-212C-4EAE-84A3-8FF4BC844F1B}"/>
               </a:ext>
             </a:extLst>
           </p:cNvPr>
@@ -3847,7 +3863,7 @@
           <a:p>
             <a:fld id="{63289F7E-B80B-496E-81B4-D396C37C9454}" type="datetimeFigureOut">
               <a:rPr lang="pt-BR" smtClean="0"/>
-              <a:t>31/07/2021</a:t>
+              <a:t>19/08/2021</a:t>
             </a:fld>
             <a:endParaRPr lang="pt-BR"/>
           </a:p>
@@ -3858,7 +3874,7 @@
           <p:cNvPr id="3" name="Espaço Reservado para Rodapé 2">
             <a:extLst>
               <a:ext uri="{FF2B5EF4-FFF2-40B4-BE49-F238E27FC236}">
-                <a16:creationId xmlns="" xmlns:a16="http://schemas.microsoft.com/office/drawing/2014/main" id="{94D3D120-B3E8-4C96-861D-7A4F12F49B3A}"/>
+                <a16:creationId xmlns:a16="http://schemas.microsoft.com/office/drawing/2014/main" xmlns="" id="{94D3D120-B3E8-4C96-861D-7A4F12F49B3A}"/>
               </a:ext>
             </a:extLst>
           </p:cNvPr>
@@ -3883,7 +3899,7 @@
           <p:cNvPr id="4" name="Espaço Reservado para Número de Slide 3">
             <a:extLst>
               <a:ext uri="{FF2B5EF4-FFF2-40B4-BE49-F238E27FC236}">
-                <a16:creationId xmlns="" xmlns:a16="http://schemas.microsoft.com/office/drawing/2014/main" id="{42E49B68-FA1B-468B-9F17-D5C09243D454}"/>
+                <a16:creationId xmlns:a16="http://schemas.microsoft.com/office/drawing/2014/main" xmlns="" id="{42E49B68-FA1B-468B-9F17-D5C09243D454}"/>
               </a:ext>
             </a:extLst>
           </p:cNvPr>
@@ -3942,7 +3958,7 @@
           <p:cNvPr id="2" name="Título 1">
             <a:extLst>
               <a:ext uri="{FF2B5EF4-FFF2-40B4-BE49-F238E27FC236}">
-                <a16:creationId xmlns="" xmlns:a16="http://schemas.microsoft.com/office/drawing/2014/main" id="{1C17BCBE-A897-4319-85EC-D87909C24980}"/>
+                <a16:creationId xmlns:a16="http://schemas.microsoft.com/office/drawing/2014/main" xmlns="" id="{1C17BCBE-A897-4319-85EC-D87909C24980}"/>
               </a:ext>
             </a:extLst>
           </p:cNvPr>
@@ -3979,7 +3995,7 @@
           <p:cNvPr id="3" name="Espaço Reservado para Conteúdo 2">
             <a:extLst>
               <a:ext uri="{FF2B5EF4-FFF2-40B4-BE49-F238E27FC236}">
-                <a16:creationId xmlns="" xmlns:a16="http://schemas.microsoft.com/office/drawing/2014/main" id="{4226F885-0204-4913-868B-4B8B82576F17}"/>
+                <a16:creationId xmlns:a16="http://schemas.microsoft.com/office/drawing/2014/main" xmlns="" id="{4226F885-0204-4913-868B-4B8B82576F17}"/>
               </a:ext>
             </a:extLst>
           </p:cNvPr>
@@ -4069,7 +4085,7 @@
           <p:cNvPr id="4" name="Espaço Reservado para Texto 3">
             <a:extLst>
               <a:ext uri="{FF2B5EF4-FFF2-40B4-BE49-F238E27FC236}">
-                <a16:creationId xmlns="" xmlns:a16="http://schemas.microsoft.com/office/drawing/2014/main" id="{00F9F784-A858-441B-8AB5-697098141751}"/>
+                <a16:creationId xmlns:a16="http://schemas.microsoft.com/office/drawing/2014/main" xmlns="" id="{00F9F784-A858-441B-8AB5-697098141751}"/>
               </a:ext>
             </a:extLst>
           </p:cNvPr>
@@ -4140,7 +4156,7 @@
           <p:cNvPr id="5" name="Espaço Reservado para Data 4">
             <a:extLst>
               <a:ext uri="{FF2B5EF4-FFF2-40B4-BE49-F238E27FC236}">
-                <a16:creationId xmlns="" xmlns:a16="http://schemas.microsoft.com/office/drawing/2014/main" id="{A4DC363A-5000-472E-8B17-02E7DCB8840A}"/>
+                <a16:creationId xmlns:a16="http://schemas.microsoft.com/office/drawing/2014/main" xmlns="" id="{A4DC363A-5000-472E-8B17-02E7DCB8840A}"/>
               </a:ext>
             </a:extLst>
           </p:cNvPr>
@@ -4158,7 +4174,7 @@
           <a:p>
             <a:fld id="{63289F7E-B80B-496E-81B4-D396C37C9454}" type="datetimeFigureOut">
               <a:rPr lang="pt-BR" smtClean="0"/>
-              <a:t>31/07/2021</a:t>
+              <a:t>19/08/2021</a:t>
             </a:fld>
             <a:endParaRPr lang="pt-BR"/>
           </a:p>
@@ -4169,7 +4185,7 @@
           <p:cNvPr id="6" name="Espaço Reservado para Rodapé 5">
             <a:extLst>
               <a:ext uri="{FF2B5EF4-FFF2-40B4-BE49-F238E27FC236}">
-                <a16:creationId xmlns="" xmlns:a16="http://schemas.microsoft.com/office/drawing/2014/main" id="{5548425D-2C21-4C56-BAD4-662978775C28}"/>
+                <a16:creationId xmlns:a16="http://schemas.microsoft.com/office/drawing/2014/main" xmlns="" id="{5548425D-2C21-4C56-BAD4-662978775C28}"/>
               </a:ext>
             </a:extLst>
           </p:cNvPr>
@@ -4194,7 +4210,7 @@
           <p:cNvPr id="7" name="Espaço Reservado para Número de Slide 6">
             <a:extLst>
               <a:ext uri="{FF2B5EF4-FFF2-40B4-BE49-F238E27FC236}">
-                <a16:creationId xmlns="" xmlns:a16="http://schemas.microsoft.com/office/drawing/2014/main" id="{C63E9726-E64C-42B2-AE8A-8C235A956B48}"/>
+                <a16:creationId xmlns:a16="http://schemas.microsoft.com/office/drawing/2014/main" xmlns="" id="{C63E9726-E64C-42B2-AE8A-8C235A956B48}"/>
               </a:ext>
             </a:extLst>
           </p:cNvPr>
@@ -4253,7 +4269,7 @@
           <p:cNvPr id="2" name="Título 1">
             <a:extLst>
               <a:ext uri="{FF2B5EF4-FFF2-40B4-BE49-F238E27FC236}">
-                <a16:creationId xmlns="" xmlns:a16="http://schemas.microsoft.com/office/drawing/2014/main" id="{11086A78-3E74-450C-96A6-CA8AC37AF772}"/>
+                <a16:creationId xmlns:a16="http://schemas.microsoft.com/office/drawing/2014/main" xmlns="" id="{11086A78-3E74-450C-96A6-CA8AC37AF772}"/>
               </a:ext>
             </a:extLst>
           </p:cNvPr>
@@ -4290,7 +4306,7 @@
           <p:cNvPr id="3" name="Espaço Reservado para Imagem 2">
             <a:extLst>
               <a:ext uri="{FF2B5EF4-FFF2-40B4-BE49-F238E27FC236}">
-                <a16:creationId xmlns="" xmlns:a16="http://schemas.microsoft.com/office/drawing/2014/main" id="{5F5B7312-975A-4DBC-9B2F-3652ADA006FD}"/>
+                <a16:creationId xmlns:a16="http://schemas.microsoft.com/office/drawing/2014/main" xmlns="" id="{5F5B7312-975A-4DBC-9B2F-3652ADA006FD}"/>
               </a:ext>
             </a:extLst>
           </p:cNvPr>
@@ -4357,7 +4373,7 @@
           <p:cNvPr id="4" name="Espaço Reservado para Texto 3">
             <a:extLst>
               <a:ext uri="{FF2B5EF4-FFF2-40B4-BE49-F238E27FC236}">
-                <a16:creationId xmlns="" xmlns:a16="http://schemas.microsoft.com/office/drawing/2014/main" id="{AAF805F5-1DFF-41C6-944C-7D79FE0D0963}"/>
+                <a16:creationId xmlns:a16="http://schemas.microsoft.com/office/drawing/2014/main" xmlns="" id="{AAF805F5-1DFF-41C6-944C-7D79FE0D0963}"/>
               </a:ext>
             </a:extLst>
           </p:cNvPr>
@@ -4428,7 +4444,7 @@
           <p:cNvPr id="5" name="Espaço Reservado para Data 4">
             <a:extLst>
               <a:ext uri="{FF2B5EF4-FFF2-40B4-BE49-F238E27FC236}">
-                <a16:creationId xmlns="" xmlns:a16="http://schemas.microsoft.com/office/drawing/2014/main" id="{02113D81-8665-4516-BD81-C6A1F254EECD}"/>
+                <a16:creationId xmlns:a16="http://schemas.microsoft.com/office/drawing/2014/main" xmlns="" id="{02113D81-8665-4516-BD81-C6A1F254EECD}"/>
               </a:ext>
             </a:extLst>
           </p:cNvPr>
@@ -4446,7 +4462,7 @@
           <a:p>
             <a:fld id="{63289F7E-B80B-496E-81B4-D396C37C9454}" type="datetimeFigureOut">
               <a:rPr lang="pt-BR" smtClean="0"/>
-              <a:t>31/07/2021</a:t>
+              <a:t>19/08/2021</a:t>
             </a:fld>
             <a:endParaRPr lang="pt-BR"/>
           </a:p>
@@ -4457,7 +4473,7 @@
           <p:cNvPr id="6" name="Espaço Reservado para Rodapé 5">
             <a:extLst>
               <a:ext uri="{FF2B5EF4-FFF2-40B4-BE49-F238E27FC236}">
-                <a16:creationId xmlns="" xmlns:a16="http://schemas.microsoft.com/office/drawing/2014/main" id="{2B00C88B-FF32-40AA-A187-727D96FD7862}"/>
+                <a16:creationId xmlns:a16="http://schemas.microsoft.com/office/drawing/2014/main" xmlns="" id="{2B00C88B-FF32-40AA-A187-727D96FD7862}"/>
               </a:ext>
             </a:extLst>
           </p:cNvPr>
@@ -4482,7 +4498,7 @@
           <p:cNvPr id="7" name="Espaço Reservado para Número de Slide 6">
             <a:extLst>
               <a:ext uri="{FF2B5EF4-FFF2-40B4-BE49-F238E27FC236}">
-                <a16:creationId xmlns="" xmlns:a16="http://schemas.microsoft.com/office/drawing/2014/main" id="{A04D1A2D-69F7-4B8F-A730-BC26DC340BA6}"/>
+                <a16:creationId xmlns:a16="http://schemas.microsoft.com/office/drawing/2014/main" xmlns="" id="{A04D1A2D-69F7-4B8F-A730-BC26DC340BA6}"/>
               </a:ext>
             </a:extLst>
           </p:cNvPr>
@@ -4546,7 +4562,7 @@
           <p:cNvPr id="2" name="Espaço Reservado para Título 1">
             <a:extLst>
               <a:ext uri="{FF2B5EF4-FFF2-40B4-BE49-F238E27FC236}">
-                <a16:creationId xmlns="" xmlns:a16="http://schemas.microsoft.com/office/drawing/2014/main" id="{E69A0273-1966-4A1B-9370-4C1CE5036371}"/>
+                <a16:creationId xmlns:a16="http://schemas.microsoft.com/office/drawing/2014/main" xmlns="" id="{E69A0273-1966-4A1B-9370-4C1CE5036371}"/>
               </a:ext>
             </a:extLst>
           </p:cNvPr>
@@ -4584,7 +4600,7 @@
           <p:cNvPr id="3" name="Espaço Reservado para Texto 2">
             <a:extLst>
               <a:ext uri="{FF2B5EF4-FFF2-40B4-BE49-F238E27FC236}">
-                <a16:creationId xmlns="" xmlns:a16="http://schemas.microsoft.com/office/drawing/2014/main" id="{3B9CF87A-0448-49A7-AB25-EBC1D56A40EF}"/>
+                <a16:creationId xmlns:a16="http://schemas.microsoft.com/office/drawing/2014/main" xmlns="" id="{3B9CF87A-0448-49A7-AB25-EBC1D56A40EF}"/>
               </a:ext>
             </a:extLst>
           </p:cNvPr>
@@ -4651,7 +4667,7 @@
           <p:cNvPr id="4" name="Espaço Reservado para Data 3">
             <a:extLst>
               <a:ext uri="{FF2B5EF4-FFF2-40B4-BE49-F238E27FC236}">
-                <a16:creationId xmlns="" xmlns:a16="http://schemas.microsoft.com/office/drawing/2014/main" id="{2EF7B1F2-BB5A-44D0-816D-16AD2C71430E}"/>
+                <a16:creationId xmlns:a16="http://schemas.microsoft.com/office/drawing/2014/main" xmlns="" id="{2EF7B1F2-BB5A-44D0-816D-16AD2C71430E}"/>
               </a:ext>
             </a:extLst>
           </p:cNvPr>
@@ -4687,7 +4703,7 @@
           <a:p>
             <a:fld id="{63289F7E-B80B-496E-81B4-D396C37C9454}" type="datetimeFigureOut">
               <a:rPr lang="pt-BR" smtClean="0"/>
-              <a:t>31/07/2021</a:t>
+              <a:t>19/08/2021</a:t>
             </a:fld>
             <a:endParaRPr lang="pt-BR"/>
           </a:p>
@@ -4698,7 +4714,7 @@
           <p:cNvPr id="5" name="Espaço Reservado para Rodapé 4">
             <a:extLst>
               <a:ext uri="{FF2B5EF4-FFF2-40B4-BE49-F238E27FC236}">
-                <a16:creationId xmlns="" xmlns:a16="http://schemas.microsoft.com/office/drawing/2014/main" id="{C703F94C-2CC8-4DAA-BC35-14FC3E841DCD}"/>
+                <a16:creationId xmlns:a16="http://schemas.microsoft.com/office/drawing/2014/main" xmlns="" id="{C703F94C-2CC8-4DAA-BC35-14FC3E841DCD}"/>
               </a:ext>
             </a:extLst>
           </p:cNvPr>
@@ -4741,7 +4757,7 @@
           <p:cNvPr id="6" name="Espaço Reservado para Número de Slide 5">
             <a:extLst>
               <a:ext uri="{FF2B5EF4-FFF2-40B4-BE49-F238E27FC236}">
-                <a16:creationId xmlns="" xmlns:a16="http://schemas.microsoft.com/office/drawing/2014/main" id="{64051336-7048-457A-8B61-D94291D71648}"/>
+                <a16:creationId xmlns:a16="http://schemas.microsoft.com/office/drawing/2014/main" xmlns="" id="{64051336-7048-457A-8B61-D94291D71648}"/>
               </a:ext>
             </a:extLst>
           </p:cNvPr>
@@ -5109,7 +5125,7 @@
           <p:cNvPr id="2" name="Título 1">
             <a:extLst>
               <a:ext uri="{FF2B5EF4-FFF2-40B4-BE49-F238E27FC236}">
-                <a16:creationId xmlns="" xmlns:a16="http://schemas.microsoft.com/office/drawing/2014/main" id="{32666AC8-2E17-4DB4-B0F5-60C640CCFD2E}"/>
+                <a16:creationId xmlns:a16="http://schemas.microsoft.com/office/drawing/2014/main" xmlns="" id="{32666AC8-2E17-4DB4-B0F5-60C640CCFD2E}"/>
               </a:ext>
             </a:extLst>
           </p:cNvPr>
@@ -5156,7 +5172,7 @@
           <p:cNvPr id="4" name="CaixaDeTexto 3">
             <a:extLst>
               <a:ext uri="{FF2B5EF4-FFF2-40B4-BE49-F238E27FC236}">
-                <a16:creationId xmlns="" xmlns:a16="http://schemas.microsoft.com/office/drawing/2014/main" id="{430EB894-B7D4-434C-9D1A-A14094D9BEEC}"/>
+                <a16:creationId xmlns:a16="http://schemas.microsoft.com/office/drawing/2014/main" xmlns="" id="{430EB894-B7D4-434C-9D1A-A14094D9BEEC}"/>
               </a:ext>
             </a:extLst>
           </p:cNvPr>
@@ -5197,7 +5213,7 @@
           <p:cNvPr id="1026" name="Picture 2" descr="Logo">
             <a:extLst>
               <a:ext uri="{FF2B5EF4-FFF2-40B4-BE49-F238E27FC236}">
-                <a16:creationId xmlns="" xmlns:a16="http://schemas.microsoft.com/office/drawing/2014/main" id="{3F2642E0-4F6A-4196-8F58-E77D36E9A33F}"/>
+                <a16:creationId xmlns:a16="http://schemas.microsoft.com/office/drawing/2014/main" xmlns="" id="{3F2642E0-4F6A-4196-8F58-E77D36E9A33F}"/>
               </a:ext>
             </a:extLst>
           </p:cNvPr>
@@ -5242,7 +5258,7 @@
           <p:cNvPr id="5122" name="Picture 2" descr="Image result for machine learning">
             <a:extLst>
               <a:ext uri="{FF2B5EF4-FFF2-40B4-BE49-F238E27FC236}">
-                <a16:creationId xmlns="" xmlns:a16="http://schemas.microsoft.com/office/drawing/2014/main" id="{810CE0A2-4102-44A6-A370-175E7896CDCB}"/>
+                <a16:creationId xmlns:a16="http://schemas.microsoft.com/office/drawing/2014/main" xmlns="" id="{810CE0A2-4102-44A6-A370-175E7896CDCB}"/>
               </a:ext>
             </a:extLst>
           </p:cNvPr>
@@ -5365,7 +5381,11 @@
               <a:p>
                 <a:r>
                   <a:rPr lang="pt-BR" dirty="0" smtClean="0"/>
-                  <a:t>Assim como fizemos anteriormente, precisamos definir uma </a:t>
+                  <a:t>Assim </a:t>
+                </a:r>
+                <a:r>
+                  <a:rPr lang="pt-BR" dirty="0" smtClean="0"/>
+                  <a:t>como fizemos anteriormente, precisamos definir uma </a:t>
                 </a:r>
                 <a:r>
                   <a:rPr lang="pt-BR" b="1" i="1" dirty="0" smtClean="0"/>
@@ -5373,7 +5393,23 @@
                 </a:r>
                 <a:r>
                   <a:rPr lang="pt-BR" dirty="0" smtClean="0"/>
-                  <a:t> para podermos encontrar os </a:t>
+                  <a:t> </a:t>
+                </a:r>
+                <a:r>
+                  <a:rPr lang="pt-BR" dirty="0" smtClean="0"/>
+                  <a:t>e </a:t>
+                </a:r>
+                <a:r>
+                  <a:rPr lang="pt-BR" b="1" i="1" dirty="0" smtClean="0"/>
+                  <a:t>minimizá-la</a:t>
+                </a:r>
+                <a:r>
+                  <a:rPr lang="pt-BR" dirty="0" smtClean="0"/>
+                  <a:t> para encontrarmos </a:t>
+                </a:r>
+                <a:r>
+                  <a:rPr lang="pt-BR" dirty="0" smtClean="0"/>
+                  <a:t>os </a:t>
                 </a:r>
                 <a:r>
                   <a:rPr lang="pt-BR" b="1" i="1" dirty="0" smtClean="0"/>
@@ -5415,12 +5451,21 @@
                 </a:r>
                 <a:r>
                   <a:rPr lang="pt-BR" dirty="0" smtClean="0"/>
-                  <a:t>é </a:t>
+                  <a:t>para a </a:t>
+                </a:r>
+                <a:r>
+                  <a:rPr lang="pt-BR" b="1" i="1" dirty="0"/>
+                  <a:t>regressão softmax </a:t>
                 </a:r>
                 <a:r>
                   <a:rPr lang="pt-BR" dirty="0"/>
-                  <a:t>dada por</a:t>
-                </a:r>
+                  <a:t>é dada </a:t>
+                </a:r>
+                <a:r>
+                  <a:rPr lang="pt-BR" dirty="0" smtClean="0"/>
+                  <a:t>por</a:t>
+                </a:r>
+                <a:endParaRPr lang="pt-BR" dirty="0"/>
               </a:p>
               <a:p>
                 <a:pPr marL="0" indent="0" algn="ctr">
@@ -5827,11 +5872,7 @@
                 </a:r>
                 <a:r>
                   <a:rPr lang="pt-BR" dirty="0"/>
-                  <a:t> para todas as </a:t>
-                </a:r>
-                <a:r>
-                  <a:rPr lang="pt-BR" dirty="0"/>
-                  <a:t> </a:t>
+                  <a:t> para todas as  </a:t>
                 </a:r>
                 <a:r>
                   <a:rPr lang="pt-BR" b="1" i="1" dirty="0"/>
@@ -5861,8 +5902,31 @@
                 </a:r>
                 <a:r>
                   <a:rPr lang="pt-BR" dirty="0" smtClean="0"/>
+                  <a:t>. A matriz </a:t>
+                </a:r>
+                <a14:m>
+                  <m:oMath xmlns:m="http://schemas.openxmlformats.org/officeDocument/2006/math">
+                    <m:r>
+                      <a:rPr lang="pt-BR" b="1" i="1">
+                        <a:latin typeface="Cambria Math" panose="02040503050406030204" pitchFamily="18" charset="0"/>
+                      </a:rPr>
+                      <m:t>𝑨</m:t>
+                    </m:r>
+                  </m:oMath>
+                </a14:m>
+                <a:r>
+                  <a:rPr lang="pt-BR" dirty="0" smtClean="0"/>
+                  <a:t> contém os </a:t>
+                </a:r>
+                <a:r>
+                  <a:rPr lang="pt-BR" dirty="0"/>
+                  <a:t>vetores de pesos de cada classe</a:t>
+                </a:r>
+                <a:r>
+                  <a:rPr lang="pt-BR" dirty="0" smtClean="0"/>
                   <a:t>.</a:t>
                 </a:r>
+                <a:endParaRPr lang="pt-BR" dirty="0" smtClean="0"/>
               </a:p>
               <a:p>
                 <a:r>
@@ -6913,7 +6977,35 @@
               <a:p>
                 <a:r>
                   <a:rPr lang="pt-BR" dirty="0"/>
-                  <a:t>Observem que, quando existem apenas duas classes (Q = 2), a </a:t>
+                  <a:t>Observem que, quando existem apenas duas classes </a:t>
+                </a:r>
+                <a:r>
+                  <a:rPr lang="pt-BR" dirty="0" smtClean="0"/>
+                  <a:t>(</a:t>
+                </a:r>
+                <a14:m>
+                  <m:oMath xmlns:m="http://schemas.openxmlformats.org/officeDocument/2006/math">
+                    <m:r>
+                      <a:rPr lang="pt-BR" b="0" i="1" smtClean="0">
+                        <a:latin typeface="Cambria Math" panose="02040503050406030204" pitchFamily="18" charset="0"/>
+                      </a:rPr>
+                      <m:t>𝑄</m:t>
+                    </m:r>
+                    <m:r>
+                      <a:rPr lang="pt-BR" b="0" i="1" smtClean="0">
+                        <a:latin typeface="Cambria Math" panose="02040503050406030204" pitchFamily="18" charset="0"/>
+                      </a:rPr>
+                      <m:t>=2</m:t>
+                    </m:r>
+                  </m:oMath>
+                </a14:m>
+                <a:r>
+                  <a:rPr lang="pt-BR" dirty="0" smtClean="0"/>
+                  <a:t>), </a:t>
+                </a:r>
+                <a:r>
+                  <a:rPr lang="pt-BR" dirty="0"/>
+                  <a:t>a </a:t>
                 </a:r>
                 <a:r>
                   <a:rPr lang="pt-BR" b="1" i="1" dirty="0"/>
@@ -6963,7 +7055,7 @@
               <a:blipFill rotWithShape="0">
                 <a:blip r:embed="rId3"/>
                 <a:stretch>
-                  <a:fillRect l="-821" t="-2611" r="-219" b="-1703"/>
+                  <a:fillRect l="-821" t="-2611" r="-1424" b="-1703"/>
                 </a:stretch>
               </a:blipFill>
             </p:spPr>
@@ -6982,6 +7074,173 @@
           </p:sp>
         </mc:Fallback>
       </mc:AlternateContent>
+      <mc:AlternateContent xmlns:mc="http://schemas.openxmlformats.org/markup-compatibility/2006">
+        <mc:Choice xmlns:a14="http://schemas.microsoft.com/office/drawing/2010/main" Requires="a14">
+          <p:sp>
+            <p:nvSpPr>
+              <p:cNvPr id="7" name="TextBox 6"/>
+              <p:cNvSpPr txBox="1"/>
+              <p:nvPr/>
+            </p:nvSpPr>
+            <p:spPr>
+              <a:xfrm>
+                <a:off x="10351652" y="2192683"/>
+                <a:ext cx="1840348" cy="656975"/>
+              </a:xfrm>
+              <a:prstGeom prst="rect">
+                <a:avLst/>
+              </a:prstGeom>
+              <a:noFill/>
+            </p:spPr>
+            <p:txBody>
+              <a:bodyPr wrap="square" rtlCol="0">
+                <a:spAutoFit/>
+              </a:bodyPr>
+              <a:lstStyle/>
+              <a:p>
+                <a:pPr algn="ctr"/>
+                <a:r>
+                  <a:rPr lang="pt-BR" sz="1200" dirty="0" smtClean="0"/>
+                  <a:t>O erro tende a 0 quando </a:t>
+                </a:r>
+                <a14:m>
+                  <m:oMath xmlns:m="http://schemas.openxmlformats.org/officeDocument/2006/math">
+                    <m:sSubSup>
+                      <m:sSubSupPr>
+                        <m:ctrlPr>
+                          <a:rPr lang="pt-BR" sz="1200" b="1" i="1">
+                            <a:latin typeface="Cambria Math" panose="02040503050406030204" pitchFamily="18" charset="0"/>
+                          </a:rPr>
+                        </m:ctrlPr>
+                      </m:sSubSupPr>
+                      <m:e>
+                        <m:r>
+                          <a:rPr lang="pt-BR" sz="1200" i="1">
+                            <a:latin typeface="Cambria Math" panose="02040503050406030204" pitchFamily="18" charset="0"/>
+                          </a:rPr>
+                          <m:t>h</m:t>
+                        </m:r>
+                      </m:e>
+                      <m:sub>
+                        <m:r>
+                          <a:rPr lang="pt-BR" sz="1200" b="1" i="1">
+                            <a:latin typeface="Cambria Math" panose="02040503050406030204" pitchFamily="18" charset="0"/>
+                          </a:rPr>
+                          <m:t>𝒂</m:t>
+                        </m:r>
+                      </m:sub>
+                      <m:sup>
+                        <m:r>
+                          <a:rPr lang="pt-BR" sz="1200" i="1">
+                            <a:latin typeface="Cambria Math" panose="02040503050406030204" pitchFamily="18" charset="0"/>
+                          </a:rPr>
+                          <m:t>𝑞</m:t>
+                        </m:r>
+                      </m:sup>
+                    </m:sSubSup>
+                    <m:d>
+                      <m:dPr>
+                        <m:ctrlPr>
+                          <a:rPr lang="pt-BR" sz="1200" i="1">
+                            <a:latin typeface="Cambria Math" panose="02040503050406030204" pitchFamily="18" charset="0"/>
+                          </a:rPr>
+                        </m:ctrlPr>
+                      </m:dPr>
+                      <m:e>
+                        <m:r>
+                          <a:rPr lang="pt-BR" sz="1200" b="1" i="1">
+                            <a:latin typeface="Cambria Math" panose="02040503050406030204" pitchFamily="18" charset="0"/>
+                          </a:rPr>
+                          <m:t>𝒙</m:t>
+                        </m:r>
+                      </m:e>
+                    </m:d>
+                  </m:oMath>
+                </a14:m>
+                <a:r>
+                  <a:rPr lang="pt-BR" sz="1200" dirty="0" smtClean="0"/>
+                  <a:t> tende a 1, caso contrário, o erro aumenta.</a:t>
+                </a:r>
+                <a:endParaRPr lang="pt-BR" sz="1200" dirty="0"/>
+              </a:p>
+            </p:txBody>
+          </p:sp>
+        </mc:Choice>
+        <mc:Fallback>
+          <p:sp>
+            <p:nvSpPr>
+              <p:cNvPr id="7" name="TextBox 6"/>
+              <p:cNvSpPr txBox="1">
+                <a:spLocks noRot="1" noChangeAspect="1" noMove="1" noResize="1" noEditPoints="1" noAdjustHandles="1" noChangeArrowheads="1" noChangeShapeType="1" noTextEdit="1"/>
+              </p:cNvSpPr>
+              <p:nvPr/>
+            </p:nvSpPr>
+            <p:spPr>
+              <a:xfrm>
+                <a:off x="10351652" y="2192683"/>
+                <a:ext cx="1840348" cy="656975"/>
+              </a:xfrm>
+              <a:prstGeom prst="rect">
+                <a:avLst/>
+              </a:prstGeom>
+              <a:blipFill rotWithShape="0">
+                <a:blip r:embed="rId4"/>
+                <a:stretch>
+                  <a:fillRect t="-935" b="-7477"/>
+                </a:stretch>
+              </a:blipFill>
+            </p:spPr>
+            <p:txBody>
+              <a:bodyPr/>
+              <a:lstStyle/>
+              <a:p>
+                <a:r>
+                  <a:rPr lang="pt-BR">
+                    <a:noFill/>
+                  </a:rPr>
+                  <a:t> </a:t>
+                </a:r>
+              </a:p>
+            </p:txBody>
+          </p:sp>
+        </mc:Fallback>
+      </mc:AlternateContent>
+      <p:cxnSp>
+        <p:nvCxnSpPr>
+          <p:cNvPr id="9" name="Straight Arrow Connector 8"/>
+          <p:cNvCxnSpPr/>
+          <p:nvPr/>
+        </p:nvCxnSpPr>
+        <p:spPr>
+          <a:xfrm flipH="1">
+            <a:off x="10030265" y="2419643"/>
+            <a:ext cx="422030" cy="239151"/>
+          </a:xfrm>
+          <a:prstGeom prst="straightConnector1">
+            <a:avLst/>
+          </a:prstGeom>
+          <a:ln>
+            <a:solidFill>
+              <a:srgbClr val="FF0000"/>
+            </a:solidFill>
+            <a:tailEnd type="triangle"/>
+          </a:ln>
+        </p:spPr>
+        <p:style>
+          <a:lnRef idx="1">
+            <a:schemeClr val="accent1"/>
+          </a:lnRef>
+          <a:fillRef idx="0">
+            <a:schemeClr val="accent1"/>
+          </a:fillRef>
+          <a:effectRef idx="0">
+            <a:schemeClr val="accent1"/>
+          </a:effectRef>
+          <a:fontRef idx="minor">
+            <a:schemeClr val="tx1"/>
+          </a:fontRef>
+        </p:style>
+      </p:cxnSp>
     </p:spTree>
     <p:extLst>
       <p:ext uri="{BB962C8B-B14F-4D97-AF65-F5344CB8AC3E}">
@@ -7061,7 +7320,7 @@
             <p:spPr>
               <a:xfrm>
                 <a:off x="838199" y="1668456"/>
-                <a:ext cx="11134725" cy="5032375"/>
+                <a:ext cx="11203746" cy="5189544"/>
               </a:xfrm>
             </p:spPr>
             <p:txBody>
@@ -7071,12 +7330,8 @@
               <a:lstStyle/>
               <a:p>
                 <a:r>
-                  <a:rPr lang="pt-BR" dirty="0"/>
-                  <a:t>Usamos </a:t>
-                </a:r>
-                <a:r>
-                  <a:rPr lang="pt-BR" dirty="0"/>
-                  <a:t>o algoritmo do </a:t>
+                  <a:rPr lang="pt-BR" dirty="0" smtClean="0"/>
+                  <a:t>Usamos o algoritmo do </a:t>
                 </a:r>
                 <a:r>
                   <a:rPr lang="pt-BR" b="1" i="1" dirty="0"/>
@@ -7110,16 +7365,11 @@
                   <a:rPr lang="pt-BR" dirty="0"/>
                   <a:t>.</a:t>
                 </a:r>
-                <a:endParaRPr lang="pt-BR" dirty="0"/>
               </a:p>
               <a:p>
                 <a:r>
                   <a:rPr lang="pt-BR" dirty="0"/>
-                  <a:t>A atualização iterativa </a:t>
-                </a:r>
-                <a:r>
-                  <a:rPr lang="pt-BR" dirty="0"/>
-                  <a:t>dos </a:t>
+                  <a:t>A atualização iterativa dos </a:t>
                 </a:r>
                 <a:r>
                   <a:rPr lang="pt-BR" b="1" i="1" dirty="0"/>
@@ -7127,11 +7377,15 @@
                 </a:r>
                 <a:r>
                   <a:rPr lang="pt-BR" dirty="0"/>
-                  <a:t> a</a:t>
-                </a:r>
-                <a:r>
-                  <a:rPr lang="pt-BR" dirty="0"/>
-                  <a:t>e </a:t>
+                  <a:t> </a:t>
+                </a:r>
+                <a:r>
+                  <a:rPr lang="pt-BR" dirty="0" smtClean="0"/>
+                  <a:t>da</a:t>
+                </a:r>
+                <a:r>
+                  <a:rPr lang="pt-BR" dirty="0" smtClean="0"/>
+                  <a:t> </a:t>
                 </a:r>
                 <a:r>
                   <a:rPr lang="pt-BR" i="1" dirty="0"/>
@@ -7139,11 +7393,48 @@
                 </a:r>
                 <a:r>
                   <a:rPr lang="pt-BR" dirty="0"/>
-                  <a:t>-ésima classe é </a:t>
+                  <a:t>-ésima </a:t>
+                </a:r>
+                <a:r>
+                  <a:rPr lang="pt-BR" dirty="0" smtClean="0"/>
+                  <a:t>classe, </a:t>
+                </a:r>
+                <a14:m>
+                  <m:oMath xmlns:m="http://schemas.openxmlformats.org/officeDocument/2006/math">
+                    <m:sSub>
+                      <m:sSubPr>
+                        <m:ctrlPr>
+                          <a:rPr lang="pt-BR" i="1" smtClean="0">
+                            <a:latin typeface="Cambria Math" panose="02040503050406030204" pitchFamily="18" charset="0"/>
+                          </a:rPr>
+                        </m:ctrlPr>
+                      </m:sSubPr>
+                      <m:e>
+                        <m:r>
+                          <a:rPr lang="pt-BR" b="0" i="1" smtClean="0">
+                            <a:latin typeface="Cambria Math" panose="02040503050406030204" pitchFamily="18" charset="0"/>
+                          </a:rPr>
+                          <m:t>𝐶</m:t>
+                        </m:r>
+                      </m:e>
+                      <m:sub>
+                        <m:r>
+                          <a:rPr lang="pt-BR" b="0" i="1" smtClean="0">
+                            <a:latin typeface="Cambria Math" panose="02040503050406030204" pitchFamily="18" charset="0"/>
+                          </a:rPr>
+                          <m:t>𝑞</m:t>
+                        </m:r>
+                      </m:sub>
+                    </m:sSub>
+                  </m:oMath>
+                </a14:m>
+                <a:r>
+                  <a:rPr lang="pt-BR" dirty="0" smtClean="0"/>
+                  <a:t>, </a:t>
                 </a:r>
                 <a:r>
                   <a:rPr lang="pt-BR" dirty="0"/>
-                  <a:t>dada por</a:t>
+                  <a:t>é dada por</a:t>
                 </a:r>
               </a:p>
               <a:p>
@@ -7323,11 +7614,7 @@
               <a:p>
                 <a:r>
                   <a:rPr lang="pt-BR" dirty="0"/>
-                  <a:t>A </a:t>
-                </a:r>
-                <a:r>
-                  <a:rPr lang="pt-BR" dirty="0"/>
-                  <a:t>derivada de </a:t>
+                  <a:t>A derivada de </a:t>
                 </a:r>
                 <a14:m>
                   <m:oMath xmlns:m="http://schemas.openxmlformats.org/officeDocument/2006/math">
@@ -7377,19 +7664,7 @@
                 </a14:m>
                 <a:r>
                   <a:rPr lang="pt-BR" dirty="0"/>
-                  <a:t> com respeito a</a:t>
-                </a:r>
-                <a:r>
-                  <a:rPr lang="pt-BR" dirty="0"/>
-                  <a:t> </a:t>
-                </a:r>
-                <a:r>
-                  <a:rPr lang="pt-BR" dirty="0"/>
-                  <a:t>cada vetor de </a:t>
-                </a:r>
-                <a:r>
-                  <a:rPr lang="pt-BR" dirty="0"/>
-                  <a:t>pesos, </a:t>
+                  <a:t> com respeito a cada vetor de pesos, </a:t>
                 </a:r>
                 <a14:m>
                   <m:oMath xmlns:m="http://schemas.openxmlformats.org/officeDocument/2006/math">
@@ -7422,11 +7697,7 @@
                 </a14:m>
                 <a:r>
                   <a:rPr lang="pt-BR" dirty="0"/>
-                  <a:t>, tem uma </a:t>
-                </a:r>
-                <a:r>
-                  <a:rPr lang="pt-BR" dirty="0"/>
-                  <a:t>expressão semelhante àquela obtida para a </a:t>
+                  <a:t>, tem uma expressão semelhante àquela obtida para a </a:t>
                 </a:r>
                 <a:r>
                   <a:rPr lang="pt-BR" b="1" i="1" dirty="0"/>
@@ -8164,17 +8435,8 @@
                 </a14:m>
                 <a:r>
                   <a:rPr lang="pt-BR" dirty="0"/>
-                  <a:t>, ou seja, </a:t>
-                </a:r>
-                <a:r>
-                  <a:rPr lang="pt-BR" dirty="0"/>
-                  <a:t>temos, </a:t>
-                </a:r>
-                <a:r>
-                  <a:rPr lang="pt-BR" dirty="0"/>
-                  <a:t>um vetor </a:t>
-                </a:r>
-                <a:endParaRPr lang="pt-BR" dirty="0"/>
+                  <a:t>, ou seja, temos, um vetor </a:t>
+                </a:r>
               </a:p>
               <a:p>
                 <a:pPr marL="0" indent="0" algn="ctr">
@@ -8480,11 +8742,7 @@
                 </a:pPr>
                 <a:r>
                   <a:rPr lang="pt-BR" dirty="0"/>
-                  <a:t>que </a:t>
-                </a:r>
-                <a:r>
-                  <a:rPr lang="pt-BR" dirty="0"/>
-                  <a:t>atende os requisitos de uma </a:t>
+                  <a:t>que atende os requisitos de uma </a:t>
                 </a:r>
                 <a:r>
                   <a:rPr lang="pt-BR" b="1" i="1" dirty="0"/>
@@ -8529,12 +8787,12 @@
             <p:spPr>
               <a:xfrm>
                 <a:off x="838199" y="1668456"/>
-                <a:ext cx="11134725" cy="5032375"/>
+                <a:ext cx="11203746" cy="5189544"/>
               </a:xfrm>
               <a:blipFill rotWithShape="0">
                 <a:blip r:embed="rId3"/>
                 <a:stretch>
-                  <a:fillRect l="-821" t="-2788" b="-2061"/>
+                  <a:fillRect l="-816" t="-2703"/>
                 </a:stretch>
               </a:blipFill>
             </p:spPr>
@@ -8632,7 +8890,7 @@
         </p:blipFill>
         <p:spPr>
           <a:xfrm>
-            <a:off x="3739485" y="4267412"/>
+            <a:off x="1052556" y="4280097"/>
             <a:ext cx="5744391" cy="2507420"/>
           </a:xfrm>
           <a:prstGeom prst="rect">
@@ -8666,26 +8924,123 @@
               <a:p>
                 <a:r>
                   <a:rPr lang="pt-BR" dirty="0" smtClean="0"/>
-                  <a:t>Após o treinamento do classificador, para </a:t>
+                  <a:t>Após o </a:t>
+                </a:r>
+                <a:r>
+                  <a:rPr lang="pt-BR" dirty="0" smtClean="0"/>
+                  <a:t>treinamento</a:t>
                 </a:r>
                 <a:r>
                   <a:rPr lang="pt-BR" dirty="0"/>
-                  <a:t>cada novo exemplo de entrada, </a:t>
+                  <a:t>, o classificador prediz </a:t>
+                </a:r>
+                <a:r>
+                  <a:rPr lang="pt-BR" dirty="0" smtClean="0"/>
+                  <a:t>a classe com a maior probabilidade estimada, que é simplesmente a classe com maior valor para </a:t>
                 </a:r>
                 <a14:m>
                   <m:oMath xmlns:m="http://schemas.openxmlformats.org/officeDocument/2006/math">
-                    <m:r>
-                      <a:rPr lang="pt-BR" b="1" i="1">
-                        <a:latin typeface="Cambria Math" panose="02040503050406030204" pitchFamily="18" charset="0"/>
-                      </a:rPr>
-                      <m:t>𝒙</m:t>
-                    </m:r>
+                    <m:sSup>
+                      <m:sSupPr>
+                        <m:ctrlPr>
+                          <a:rPr lang="pt-BR" i="1">
+                            <a:latin typeface="Cambria Math" panose="02040503050406030204" pitchFamily="18" charset="0"/>
+                          </a:rPr>
+                        </m:ctrlPr>
+                      </m:sSupPr>
+                      <m:e>
+                        <m:sSub>
+                          <m:sSubPr>
+                            <m:ctrlPr>
+                              <a:rPr lang="pt-BR" i="1">
+                                <a:latin typeface="Cambria Math" panose="02040503050406030204" pitchFamily="18" charset="0"/>
+                              </a:rPr>
+                            </m:ctrlPr>
+                          </m:sSubPr>
+                          <m:e>
+                            <m:r>
+                              <a:rPr lang="pt-BR" i="1">
+                                <a:latin typeface="Cambria Math" panose="02040503050406030204" pitchFamily="18" charset="0"/>
+                              </a:rPr>
+                              <m:t>𝑔</m:t>
+                            </m:r>
+                          </m:e>
+                          <m:sub>
+                            <m:r>
+                              <a:rPr lang="pt-BR" i="1">
+                                <a:latin typeface="Cambria Math" panose="02040503050406030204" pitchFamily="18" charset="0"/>
+                              </a:rPr>
+                              <m:t>𝑞</m:t>
+                            </m:r>
+                          </m:sub>
+                        </m:sSub>
+                        <m:d>
+                          <m:dPr>
+                            <m:ctrlPr>
+                              <a:rPr lang="pt-BR" b="1" i="1">
+                                <a:latin typeface="Cambria Math" panose="02040503050406030204" pitchFamily="18" charset="0"/>
+                              </a:rPr>
+                            </m:ctrlPr>
+                          </m:dPr>
+                          <m:e>
+                            <m:r>
+                              <a:rPr lang="pt-BR" b="1" i="1">
+                                <a:latin typeface="Cambria Math" panose="02040503050406030204" pitchFamily="18" charset="0"/>
+                              </a:rPr>
+                              <m:t>𝒙</m:t>
+                            </m:r>
+                          </m:e>
+                        </m:d>
+                        <m:r>
+                          <a:rPr lang="pt-BR" b="1" i="1">
+                            <a:latin typeface="Cambria Math" panose="02040503050406030204" pitchFamily="18" charset="0"/>
+                          </a:rPr>
+                          <m:t>=</m:t>
+                        </m:r>
+                        <m:r>
+                          <a:rPr lang="pt-BR" b="1" i="1">
+                            <a:latin typeface="Cambria Math" panose="02040503050406030204" pitchFamily="18" charset="0"/>
+                          </a:rPr>
+                          <m:t>𝒙</m:t>
+                        </m:r>
+                      </m:e>
+                      <m:sup>
+                        <m:r>
+                          <a:rPr lang="pt-BR" i="1">
+                            <a:latin typeface="Cambria Math" panose="02040503050406030204" pitchFamily="18" charset="0"/>
+                          </a:rPr>
+                          <m:t>𝑇</m:t>
+                        </m:r>
+                      </m:sup>
+                    </m:sSup>
+                    <m:sSub>
+                      <m:sSubPr>
+                        <m:ctrlPr>
+                          <a:rPr lang="pt-BR" b="1" i="1">
+                            <a:latin typeface="Cambria Math" panose="02040503050406030204" pitchFamily="18" charset="0"/>
+                          </a:rPr>
+                        </m:ctrlPr>
+                      </m:sSubPr>
+                      <m:e>
+                        <m:r>
+                          <a:rPr lang="pt-BR" b="1" i="1">
+                            <a:latin typeface="Cambria Math" panose="02040503050406030204" pitchFamily="18" charset="0"/>
+                          </a:rPr>
+                          <m:t>𝒂</m:t>
+                        </m:r>
+                      </m:e>
+                      <m:sub>
+                        <m:r>
+                          <a:rPr lang="pt-BR" i="1">
+                            <a:latin typeface="Cambria Math" panose="02040503050406030204" pitchFamily="18" charset="0"/>
+                          </a:rPr>
+                          <m:t>𝑞</m:t>
+                        </m:r>
+                      </m:sub>
+                    </m:sSub>
                   </m:oMath>
                 </a14:m>
-                <a:r>
-                  <a:rPr lang="pt-BR" dirty="0"/>
-                  <a:t>, realiza-se as predições e escolhe-se a classe que maximize</a:t>
-                </a:r>
+                <a:endParaRPr lang="pt-BR" dirty="0"/>
               </a:p>
               <a:p>
                 <a:pPr marL="0" indent="0" algn="ctr">
@@ -9285,7 +9640,7 @@
               <a:blipFill rotWithShape="0">
                 <a:blip r:embed="rId4"/>
                 <a:stretch>
-                  <a:fillRect l="-816" t="-4057" b="-1217"/>
+                  <a:fillRect l="-816" t="-4057" b="-2231"/>
                 </a:stretch>
               </a:blipFill>
             </p:spPr>
@@ -9335,6 +9690,263 @@
           </a:p>
         </p:txBody>
       </p:sp>
+      <mc:AlternateContent xmlns:mc="http://schemas.openxmlformats.org/markup-compatibility/2006">
+        <mc:Choice xmlns:a14="http://schemas.microsoft.com/office/drawing/2010/main" Requires="a14">
+          <p:sp>
+            <p:nvSpPr>
+              <p:cNvPr id="4" name="TextBox 3"/>
+              <p:cNvSpPr txBox="1"/>
+              <p:nvPr/>
+            </p:nvSpPr>
+            <p:spPr>
+              <a:xfrm>
+                <a:off x="7011304" y="4416900"/>
+                <a:ext cx="4932167" cy="1781385"/>
+              </a:xfrm>
+              <a:prstGeom prst="rect">
+                <a:avLst/>
+              </a:prstGeom>
+              <a:noFill/>
+            </p:spPr>
+            <p:txBody>
+              <a:bodyPr wrap="square" rtlCol="0">
+                <a:spAutoFit/>
+              </a:bodyPr>
+              <a:lstStyle/>
+              <a:p>
+                <a:r>
+                  <a:rPr lang="pt-BR" dirty="0"/>
+                  <a:t>A ideia </a:t>
+                </a:r>
+                <a:r>
+                  <a:rPr lang="pt-BR" dirty="0" smtClean="0"/>
+                  <a:t>por trás da </a:t>
+                </a:r>
+                <a:r>
+                  <a:rPr lang="pt-BR" b="1" i="1" dirty="0" smtClean="0"/>
+                  <a:t>regressão softmax </a:t>
+                </a:r>
+                <a:r>
+                  <a:rPr lang="pt-BR" dirty="0" smtClean="0"/>
+                  <a:t>é </a:t>
+                </a:r>
+                <a:r>
+                  <a:rPr lang="pt-BR" dirty="0"/>
+                  <a:t>bastante simples: </a:t>
+                </a:r>
+                <a:r>
+                  <a:rPr lang="pt-BR" dirty="0" smtClean="0"/>
+                  <a:t>dado um exemplo </a:t>
+                </a:r>
+                <a14:m>
+                  <m:oMath xmlns:m="http://schemas.openxmlformats.org/officeDocument/2006/math">
+                    <m:r>
+                      <a:rPr lang="pt-BR" b="1" i="1">
+                        <a:latin typeface="Cambria Math" panose="02040503050406030204" pitchFamily="18" charset="0"/>
+                      </a:rPr>
+                      <m:t>𝒙</m:t>
+                    </m:r>
+                  </m:oMath>
+                </a14:m>
+                <a:r>
+                  <a:rPr lang="pt-BR" dirty="0" smtClean="0"/>
+                  <a:t>, </a:t>
+                </a:r>
+                <a:r>
+                  <a:rPr lang="pt-BR" dirty="0"/>
+                  <a:t>o modelo </a:t>
+                </a:r>
+                <a:r>
+                  <a:rPr lang="pt-BR" dirty="0" smtClean="0"/>
+                  <a:t>Softmax </a:t>
+                </a:r>
+                <a:r>
+                  <a:rPr lang="pt-BR" dirty="0"/>
+                  <a:t>primeiro calcula uma </a:t>
+                </a:r>
+                <a:r>
+                  <a:rPr lang="pt-BR" dirty="0" smtClean="0"/>
+                  <a:t>pontuação </a:t>
+                </a:r>
+                <a14:m>
+                  <m:oMath xmlns:m="http://schemas.openxmlformats.org/officeDocument/2006/math">
+                    <m:sSup>
+                      <m:sSupPr>
+                        <m:ctrlPr>
+                          <a:rPr lang="pt-BR" i="1">
+                            <a:latin typeface="Cambria Math" panose="02040503050406030204" pitchFamily="18" charset="0"/>
+                          </a:rPr>
+                        </m:ctrlPr>
+                      </m:sSupPr>
+                      <m:e>
+                        <m:sSub>
+                          <m:sSubPr>
+                            <m:ctrlPr>
+                              <a:rPr lang="pt-BR" i="1">
+                                <a:latin typeface="Cambria Math" panose="02040503050406030204" pitchFamily="18" charset="0"/>
+                              </a:rPr>
+                            </m:ctrlPr>
+                          </m:sSubPr>
+                          <m:e>
+                            <m:r>
+                              <a:rPr lang="pt-BR" i="1">
+                                <a:latin typeface="Cambria Math" panose="02040503050406030204" pitchFamily="18" charset="0"/>
+                              </a:rPr>
+                              <m:t>𝑔</m:t>
+                            </m:r>
+                          </m:e>
+                          <m:sub>
+                            <m:r>
+                              <a:rPr lang="pt-BR" i="1">
+                                <a:latin typeface="Cambria Math" panose="02040503050406030204" pitchFamily="18" charset="0"/>
+                              </a:rPr>
+                              <m:t>𝑞</m:t>
+                            </m:r>
+                          </m:sub>
+                        </m:sSub>
+                        <m:d>
+                          <m:dPr>
+                            <m:ctrlPr>
+                              <a:rPr lang="pt-BR" b="1" i="1">
+                                <a:latin typeface="Cambria Math" panose="02040503050406030204" pitchFamily="18" charset="0"/>
+                              </a:rPr>
+                            </m:ctrlPr>
+                          </m:dPr>
+                          <m:e>
+                            <m:r>
+                              <a:rPr lang="pt-BR" b="1" i="1">
+                                <a:latin typeface="Cambria Math" panose="02040503050406030204" pitchFamily="18" charset="0"/>
+                              </a:rPr>
+                              <m:t>𝒙</m:t>
+                            </m:r>
+                          </m:e>
+                        </m:d>
+                        <m:r>
+                          <a:rPr lang="pt-BR" b="1" i="1">
+                            <a:latin typeface="Cambria Math" panose="02040503050406030204" pitchFamily="18" charset="0"/>
+                          </a:rPr>
+                          <m:t>=</m:t>
+                        </m:r>
+                        <m:r>
+                          <a:rPr lang="pt-BR" b="1" i="1">
+                            <a:latin typeface="Cambria Math" panose="02040503050406030204" pitchFamily="18" charset="0"/>
+                          </a:rPr>
+                          <m:t>𝒙</m:t>
+                        </m:r>
+                      </m:e>
+                      <m:sup>
+                        <m:r>
+                          <a:rPr lang="pt-BR" i="1">
+                            <a:latin typeface="Cambria Math" panose="02040503050406030204" pitchFamily="18" charset="0"/>
+                          </a:rPr>
+                          <m:t>𝑇</m:t>
+                        </m:r>
+                      </m:sup>
+                    </m:sSup>
+                    <m:sSub>
+                      <m:sSubPr>
+                        <m:ctrlPr>
+                          <a:rPr lang="pt-BR" b="1" i="1">
+                            <a:latin typeface="Cambria Math" panose="02040503050406030204" pitchFamily="18" charset="0"/>
+                          </a:rPr>
+                        </m:ctrlPr>
+                      </m:sSubPr>
+                      <m:e>
+                        <m:r>
+                          <a:rPr lang="pt-BR" b="1" i="1">
+                            <a:latin typeface="Cambria Math" panose="02040503050406030204" pitchFamily="18" charset="0"/>
+                          </a:rPr>
+                          <m:t>𝒂</m:t>
+                        </m:r>
+                      </m:e>
+                      <m:sub>
+                        <m:r>
+                          <a:rPr lang="pt-BR" i="1">
+                            <a:latin typeface="Cambria Math" panose="02040503050406030204" pitchFamily="18" charset="0"/>
+                          </a:rPr>
+                          <m:t>𝑞</m:t>
+                        </m:r>
+                      </m:sub>
+                    </m:sSub>
+                  </m:oMath>
+                </a14:m>
+                <a:r>
+                  <a:rPr lang="pt-BR" dirty="0" smtClean="0"/>
+                  <a:t> para </a:t>
+                </a:r>
+                <a:r>
+                  <a:rPr lang="pt-BR" dirty="0"/>
+                  <a:t>cada classe </a:t>
+                </a:r>
+                <a14:m>
+                  <m:oMath xmlns:m="http://schemas.openxmlformats.org/officeDocument/2006/math">
+                    <m:r>
+                      <a:rPr lang="pt-BR" i="1">
+                        <a:latin typeface="Cambria Math" panose="02040503050406030204" pitchFamily="18" charset="0"/>
+                      </a:rPr>
+                      <m:t>𝑞</m:t>
+                    </m:r>
+                  </m:oMath>
+                </a14:m>
+                <a:r>
+                  <a:rPr lang="pt-BR" dirty="0" smtClean="0"/>
+                  <a:t>, </a:t>
+                </a:r>
+                <a:r>
+                  <a:rPr lang="pt-BR" dirty="0"/>
+                  <a:t>em seguida, estima a probabilidade de cada classe aplicando a função softmax </a:t>
+                </a:r>
+                <a:r>
+                  <a:rPr lang="pt-BR" dirty="0" smtClean="0"/>
+                  <a:t>às pontuações</a:t>
+                </a:r>
+                <a:r>
+                  <a:rPr lang="pt-BR" dirty="0"/>
+                  <a:t>.</a:t>
+                </a:r>
+              </a:p>
+            </p:txBody>
+          </p:sp>
+        </mc:Choice>
+        <mc:Fallback>
+          <p:sp>
+            <p:nvSpPr>
+              <p:cNvPr id="4" name="TextBox 3"/>
+              <p:cNvSpPr txBox="1">
+                <a:spLocks noRot="1" noChangeAspect="1" noMove="1" noResize="1" noEditPoints="1" noAdjustHandles="1" noChangeArrowheads="1" noChangeShapeType="1" noTextEdit="1"/>
+              </p:cNvSpPr>
+              <p:nvPr/>
+            </p:nvSpPr>
+            <p:spPr>
+              <a:xfrm>
+                <a:off x="7011304" y="4416900"/>
+                <a:ext cx="4932167" cy="1781385"/>
+              </a:xfrm>
+              <a:prstGeom prst="rect">
+                <a:avLst/>
+              </a:prstGeom>
+              <a:blipFill rotWithShape="0">
+                <a:blip r:embed="rId6"/>
+                <a:stretch>
+                  <a:fillRect l="-989" t="-2055" b="-4795"/>
+                </a:stretch>
+              </a:blipFill>
+            </p:spPr>
+            <p:txBody>
+              <a:bodyPr/>
+              <a:lstStyle/>
+              <a:p>
+                <a:r>
+                  <a:rPr lang="pt-BR">
+                    <a:noFill/>
+                  </a:rPr>
+                  <a:t> </a:t>
+                </a:r>
+              </a:p>
+            </p:txBody>
+          </p:sp>
+        </mc:Fallback>
+      </mc:AlternateContent>
     </p:spTree>
     <p:extLst>
       <p:ext uri="{BB962C8B-B14F-4D97-AF65-F5344CB8AC3E}">
@@ -9567,7 +10179,7 @@
           <p:cNvPr id="4" name="Título 1">
             <a:extLst>
               <a:ext uri="{FF2B5EF4-FFF2-40B4-BE49-F238E27FC236}">
-                <a16:creationId xmlns="" xmlns:a16="http://schemas.microsoft.com/office/drawing/2014/main" id="{32666AC8-2E17-4DB4-B0F5-60C640CCFD2E}"/>
+                <a16:creationId xmlns:a16="http://schemas.microsoft.com/office/drawing/2014/main" xmlns="" id="{32666AC8-2E17-4DB4-B0F5-60C640CCFD2E}"/>
               </a:ext>
             </a:extLst>
           </p:cNvPr>
@@ -9773,7 +10385,15 @@
             </a:r>
             <a:r>
               <a:rPr lang="pt-BR" dirty="0" smtClean="0"/>
-              <a:t> e são utilizadoa em problemas de </a:t>
+              <a:t> e são </a:t>
+            </a:r>
+            <a:r>
+              <a:rPr lang="pt-BR" dirty="0" smtClean="0"/>
+              <a:t>utilizados </a:t>
+            </a:r>
+            <a:r>
+              <a:rPr lang="pt-BR" dirty="0" smtClean="0"/>
+              <a:t>em problemas de </a:t>
             </a:r>
             <a:r>
               <a:rPr lang="pt-BR" b="1" i="1" dirty="0" smtClean="0"/>
@@ -11790,9 +12410,15 @@
                 <a:solidFill>
                   <a:srgbClr val="00B0F0"/>
                 </a:solidFill>
+                <a:hlinkClick r:id="rId4"/>
               </a:rPr>
               <a:t>Exemplo: ClassificationOfFourClassesWithOvAandOvO.ipynb</a:t>
             </a:r>
+            <a:endParaRPr lang="pt-BR" dirty="0">
+              <a:solidFill>
+                <a:srgbClr val="00B0F0"/>
+              </a:solidFill>
+            </a:endParaRPr>
           </a:p>
         </p:txBody>
       </p:sp>
@@ -12042,12 +12668,16 @@
               <a:t>e não </a:t>
             </a:r>
             <a:r>
-              <a:rPr lang="pt-BR" b="1" i="1" dirty="0"/>
-              <a:t>multi-saída</a:t>
+              <a:rPr lang="pt-BR" b="1" i="1" dirty="0" smtClean="0"/>
+              <a:t>multi-label</a:t>
+            </a:r>
+            <a:r>
+              <a:rPr lang="pt-BR" dirty="0" smtClean="0"/>
+              <a:t>, </a:t>
             </a:r>
             <a:r>
               <a:rPr lang="pt-BR" dirty="0"/>
-              <a:t>, portanto, ele deve ser usado apenas com </a:t>
+              <a:t>portanto, ele deve ser usado apenas com </a:t>
             </a:r>
             <a:r>
               <a:rPr lang="pt-BR" b="1" i="1" dirty="0"/>
@@ -12177,13 +12807,13 @@
             </p:nvSpPr>
             <p:spPr>
               <a:xfrm>
-                <a:off x="838200" y="1433016"/>
-                <a:ext cx="10393908" cy="5424984"/>
+                <a:off x="838199" y="1433016"/>
+                <a:ext cx="11091203" cy="5424984"/>
               </a:xfrm>
             </p:spPr>
             <p:txBody>
               <a:bodyPr>
-                <a:normAutofit fontScale="85000" lnSpcReduction="10000"/>
+                <a:normAutofit fontScale="77500" lnSpcReduction="20000"/>
               </a:bodyPr>
               <a:lstStyle/>
               <a:p>
@@ -13771,15 +14401,7 @@
                 </a:r>
                 <a:r>
                   <a:rPr lang="pt-BR" dirty="0" smtClean="0"/>
-                  <a:t>a </a:t>
-                </a:r>
-                <a:r>
-                  <a:rPr lang="pt-BR" dirty="0" smtClean="0"/>
-                  <a:t>ideia </a:t>
-                </a:r>
-                <a:r>
-                  <a:rPr lang="pt-BR" dirty="0" smtClean="0"/>
-                  <a:t>do </a:t>
+                  <a:t>a ideia do </a:t>
                 </a:r>
                 <a:r>
                   <a:rPr lang="pt-BR" b="1" i="1" dirty="0" smtClean="0"/>
@@ -13844,7 +14466,45 @@
                 </a:r>
                 <a:r>
                   <a:rPr lang="pt-BR" dirty="0" smtClean="0"/>
-                  <a:t>1.</a:t>
+                  <a:t>1</a:t>
+                </a:r>
+                <a:r>
+                  <a:rPr lang="pt-BR" dirty="0" smtClean="0"/>
+                  <a:t>.</a:t>
+                </a:r>
+              </a:p>
+              <a:p>
+                <a:r>
+                  <a:rPr lang="pt-BR" dirty="0"/>
+                  <a:t>O objetivo é </a:t>
+                </a:r>
+                <a:r>
+                  <a:rPr lang="pt-BR" dirty="0" smtClean="0"/>
+                  <a:t>encontrar um </a:t>
+                </a:r>
+                <a:r>
+                  <a:rPr lang="pt-BR" b="1" i="1" dirty="0" smtClean="0"/>
+                  <a:t>modelo</a:t>
+                </a:r>
+                <a:r>
+                  <a:rPr lang="pt-BR" dirty="0" smtClean="0"/>
+                  <a:t> (i.e., seus </a:t>
+                </a:r>
+                <a:r>
+                  <a:rPr lang="pt-BR" b="1" i="1" dirty="0" smtClean="0"/>
+                  <a:t>pesos</a:t>
+                </a:r>
+                <a:r>
+                  <a:rPr lang="pt-BR" dirty="0" smtClean="0"/>
+                  <a:t>) que estime </a:t>
+                </a:r>
+                <a:r>
+                  <a:rPr lang="pt-BR" dirty="0"/>
+                  <a:t>uma alta probabilidade para a classe alvo (e consequentemente uma baixa probabilidade para as demais classes</a:t>
+                </a:r>
+                <a:r>
+                  <a:rPr lang="pt-BR" dirty="0" smtClean="0"/>
+                  <a:t>).</a:t>
                 </a:r>
                 <a:endParaRPr lang="pt-BR" dirty="0"/>
               </a:p>
@@ -13864,13 +14524,13 @@
             </p:nvSpPr>
             <p:spPr>
               <a:xfrm>
-                <a:off x="838200" y="1433016"/>
-                <a:ext cx="10393908" cy="5424984"/>
+                <a:off x="838199" y="1433016"/>
+                <a:ext cx="11091203" cy="5424984"/>
               </a:xfrm>
               <a:blipFill rotWithShape="0">
                 <a:blip r:embed="rId3"/>
                 <a:stretch>
-                  <a:fillRect l="-938" t="-2135" r="-1408" b="-1236"/>
+                  <a:fillRect l="-659" t="-2360" r="-714"/>
                 </a:stretch>
               </a:blipFill>
             </p:spPr>
@@ -13897,7 +14557,7 @@
         </p:nvSpPr>
         <p:spPr>
           <a:xfrm>
-            <a:off x="10331354" y="2106167"/>
+            <a:off x="10331354" y="1867011"/>
             <a:ext cx="1860646" cy="1015663"/>
           </a:xfrm>
           <a:prstGeom prst="rect">
@@ -13914,15 +14574,7 @@
             <a:pPr algn="ctr"/>
             <a:r>
               <a:rPr lang="pt-BR" sz="1200" dirty="0" smtClean="0"/>
-              <a:t>O somatório de termos exponenciais n</a:t>
-            </a:r>
-            <a:r>
-              <a:rPr lang="pt-BR" sz="1200" dirty="0" smtClean="0"/>
-              <a:t>ormaliza </a:t>
-            </a:r>
-            <a:r>
-              <a:rPr lang="pt-BR" sz="1200" dirty="0" smtClean="0"/>
-              <a:t>o valor da </a:t>
+              <a:t>O somatório de termos exponenciais normaliza o valor da </a:t>
             </a:r>
             <a:r>
               <a:rPr lang="pt-BR" sz="1200" i="1" dirty="0" smtClean="0"/>
@@ -13944,7 +14596,7 @@
         </p:nvSpPr>
         <p:spPr>
           <a:xfrm>
-            <a:off x="7286766" y="2504815"/>
+            <a:off x="7455582" y="2364136"/>
             <a:ext cx="1638869" cy="507832"/>
           </a:xfrm>
           <a:prstGeom prst="rect">
@@ -13985,15 +14637,92 @@
       <p:cxnSp>
         <p:nvCxnSpPr>
           <p:cNvPr id="14" name="Straight Arrow Connector 13"/>
-          <p:cNvCxnSpPr>
-            <a:stCxn id="4" idx="1"/>
-          </p:cNvCxnSpPr>
+          <p:cNvCxnSpPr/>
           <p:nvPr/>
         </p:nvCxnSpPr>
         <p:spPr>
           <a:xfrm flipH="1">
-            <a:off x="8925635" y="2613999"/>
+            <a:off x="9094451" y="2458845"/>
             <a:ext cx="1405719" cy="333918"/>
+          </a:xfrm>
+          <a:prstGeom prst="straightConnector1">
+            <a:avLst/>
+          </a:prstGeom>
+          <a:ln>
+            <a:solidFill>
+              <a:srgbClr val="FF0000"/>
+            </a:solidFill>
+            <a:tailEnd type="triangle"/>
+          </a:ln>
+        </p:spPr>
+        <p:style>
+          <a:lnRef idx="1">
+            <a:schemeClr val="accent1"/>
+          </a:lnRef>
+          <a:fillRef idx="0">
+            <a:schemeClr val="accent1"/>
+          </a:fillRef>
+          <a:effectRef idx="0">
+            <a:schemeClr val="accent1"/>
+          </a:effectRef>
+          <a:fontRef idx="minor">
+            <a:schemeClr val="tx1"/>
+          </a:fontRef>
+        </p:style>
+      </p:cxnSp>
+      <p:sp>
+        <p:nvSpPr>
+          <p:cNvPr id="7" name="TextBox 6"/>
+          <p:cNvSpPr txBox="1"/>
+          <p:nvPr/>
+        </p:nvSpPr>
+        <p:spPr>
+          <a:xfrm>
+            <a:off x="95446" y="2150480"/>
+            <a:ext cx="1485508" cy="646331"/>
+          </a:xfrm>
+          <a:prstGeom prst="rect">
+            <a:avLst/>
+          </a:prstGeom>
+          <a:noFill/>
+        </p:spPr>
+        <p:txBody>
+          <a:bodyPr wrap="square" rtlCol="0">
+            <a:spAutoFit/>
+          </a:bodyPr>
+          <a:lstStyle/>
+          <a:p>
+            <a:pPr algn="ctr"/>
+            <a:r>
+              <a:rPr lang="pt-BR" sz="1200" dirty="0" smtClean="0"/>
+              <a:t>Cada </a:t>
+            </a:r>
+            <a:r>
+              <a:rPr lang="pt-BR" sz="1200" dirty="0"/>
+              <a:t>classe tem seu próprio vetor de </a:t>
+            </a:r>
+            <a:r>
+              <a:rPr lang="pt-BR" sz="1200" dirty="0" smtClean="0"/>
+              <a:t>pesos dedicado</a:t>
+            </a:r>
+            <a:r>
+              <a:rPr lang="pt-BR" sz="1200" dirty="0"/>
+              <a:t>.</a:t>
+            </a:r>
+            <a:endParaRPr lang="pt-BR" sz="1200" dirty="0"/>
+          </a:p>
+        </p:txBody>
+      </p:sp>
+      <p:cxnSp>
+        <p:nvCxnSpPr>
+          <p:cNvPr id="8" name="Straight Arrow Connector 7"/>
+          <p:cNvCxnSpPr/>
+          <p:nvPr/>
+        </p:nvCxnSpPr>
+        <p:spPr>
+          <a:xfrm>
+            <a:off x="1392702" y="2513666"/>
+            <a:ext cx="323556" cy="440544"/>
           </a:xfrm>
           <a:prstGeom prst="straightConnector1">
             <a:avLst/>

--- a/slides/T320_Classificação (Parte IV).pptx
+++ b/slides/T320_Classificação (Parte IV).pptx
@@ -5,10 +5,10 @@
     <p:sldMasterId id="2147483648" r:id="rId1"/>
   </p:sldMasterIdLst>
   <p:notesMasterIdLst>
-    <p:notesMasterId r:id="rId16"/>
+    <p:notesMasterId r:id="rId18"/>
   </p:notesMasterIdLst>
   <p:handoutMasterIdLst>
-    <p:handoutMasterId r:id="rId17"/>
+    <p:handoutMasterId r:id="rId19"/>
   </p:handoutMasterIdLst>
   <p:sldIdLst>
     <p:sldId id="256" r:id="rId2"/>
@@ -20,11 +20,13 @@
     <p:sldId id="329" r:id="rId8"/>
     <p:sldId id="330" r:id="rId9"/>
     <p:sldId id="331" r:id="rId10"/>
-    <p:sldId id="333" r:id="rId11"/>
-    <p:sldId id="337" r:id="rId12"/>
-    <p:sldId id="332" r:id="rId13"/>
-    <p:sldId id="324" r:id="rId14"/>
-    <p:sldId id="306" r:id="rId15"/>
+    <p:sldId id="341" r:id="rId11"/>
+    <p:sldId id="342" r:id="rId12"/>
+    <p:sldId id="343" r:id="rId13"/>
+    <p:sldId id="346" r:id="rId14"/>
+    <p:sldId id="332" r:id="rId15"/>
+    <p:sldId id="324" r:id="rId16"/>
+    <p:sldId id="306" r:id="rId17"/>
   </p:sldIdLst>
   <p:sldSz cx="12192000" cy="6858000"/>
   <p:notesSz cx="7315200" cy="9601200"/>
@@ -288,7 +290,7 @@
           <a:p>
             <a:fld id="{144F1436-6906-4D93-B7A2-786C327BFA14}" type="datetimeFigureOut">
               <a:rPr lang="nl-BE" smtClean="0"/>
-              <a:t>19/08/2021</a:t>
+              <a:t>3/09/2021</a:t>
             </a:fld>
             <a:endParaRPr lang="nl-BE"/>
           </a:p>
@@ -453,7 +455,7 @@
           <a:p>
             <a:fld id="{AA8CD09E-2914-4F47-B6C1-51B2C31814C9}" type="datetimeFigureOut">
               <a:rPr lang="pt-BR" smtClean="0"/>
-              <a:t>19/08/2021</a:t>
+              <a:t>03/09/2021</a:t>
             </a:fld>
             <a:endParaRPr lang="pt-BR"/>
           </a:p>
@@ -849,16 +851,93 @@
           <a:lstStyle/>
           <a:p>
             <a:r>
-              <a:rPr lang="pt-BR" sz="1200" b="1" dirty="0" smtClean="0"/>
-              <a:t>Laboratório #4:</a:t>
-            </a:r>
-            <a:r>
-              <a:rPr lang="pt-BR" sz="1200" dirty="0" smtClean="0"/>
-              <a:t> https://mybinder.org/v2/gh/zz4fap/t320_aprendizado_de_maquina/main?filepath=labs%2FLaboratorio4.ipynb</a:t>
-            </a:r>
-          </a:p>
-          <a:p>
-            <a:endParaRPr lang="pt-BR" sz="1200" dirty="0"/>
+              <a:rPr lang="pt-BR" dirty="0" smtClean="0"/>
+              <a:t>O objetivo do treinamento do classificador softmax é ter um modelo que estima uma alta probabilidade para a classe-alvo (e consequentemente uma baixa probabilidade para as outras classes).</a:t>
+            </a:r>
+          </a:p>
+          <a:p>
+            <a:endParaRPr lang="pt-BR" dirty="0" smtClean="0"/>
+          </a:p>
+          <a:p>
+            <a:r>
+              <a:rPr lang="pt-BR" dirty="0" smtClean="0"/>
+              <a:t>A</a:t>
+            </a:r>
+            <a:r>
+              <a:rPr lang="pt-BR" baseline="0" dirty="0" smtClean="0"/>
+              <a:t> classe</a:t>
+            </a:r>
+            <a:r>
+              <a:rPr lang="pt-BR" dirty="0" smtClean="0"/>
+              <a:t> LogisticRegression da biblioteca Scikit-Learn usa a estratégia um-contra-todos por padrão quando você o treina com dados pertencentrs a mais de duas classes, mas você pode definir o parâmetro </a:t>
+            </a:r>
+            <a:r>
+              <a:rPr lang="pt-BR" b="1" dirty="0" smtClean="0"/>
+              <a:t>mult_class</a:t>
+            </a:r>
+            <a:r>
+              <a:rPr lang="pt-BR" dirty="0" smtClean="0"/>
+              <a:t> como "</a:t>
+            </a:r>
+            <a:r>
+              <a:rPr lang="pt-BR" i="1" dirty="0" smtClean="0"/>
+              <a:t>multinomial</a:t>
+            </a:r>
+            <a:r>
+              <a:rPr lang="pt-BR" dirty="0" smtClean="0"/>
+              <a:t>" para alternar para regressão Softmax. Você também deve especificar um </a:t>
+            </a:r>
+            <a:r>
+              <a:rPr lang="pt-BR" b="1" dirty="0" smtClean="0"/>
+              <a:t>solver</a:t>
+            </a:r>
+            <a:r>
+              <a:rPr lang="pt-BR" dirty="0" smtClean="0"/>
+              <a:t> que suporte a regressão Softmax, como o </a:t>
+            </a:r>
+            <a:r>
+              <a:rPr lang="pt-BR" b="1" dirty="0" smtClean="0"/>
+              <a:t>solver</a:t>
+            </a:r>
+            <a:r>
+              <a:rPr lang="pt-BR" dirty="0" smtClean="0"/>
+              <a:t> "lbfgs" (consulte a documentação do Scikit-Learn para obter mais detalhes). Ele também aplica regularização L2 por padrão, a qual você pode controlar usando o parâmetro </a:t>
+            </a:r>
+            <a:r>
+              <a:rPr lang="pt-BR" b="1" dirty="0" smtClean="0"/>
+              <a:t>C</a:t>
+            </a:r>
+            <a:r>
+              <a:rPr lang="pt-BR" dirty="0" smtClean="0"/>
+              <a:t>.</a:t>
+            </a:r>
+          </a:p>
+          <a:p>
+            <a:endParaRPr lang="pt-BR" dirty="0" smtClean="0"/>
+          </a:p>
+          <a:p>
+            <a:r>
+              <a:rPr lang="pt-BR" dirty="0" smtClean="0"/>
+              <a:t>Referência:</a:t>
+            </a:r>
+          </a:p>
+          <a:p>
+            <a:r>
+              <a:rPr lang="pt-BR" dirty="0" smtClean="0"/>
+              <a:t>[1] http://deeplearning.stanford.edu/tutorial/supervised/SoftmaxRegression/</a:t>
+            </a:r>
+          </a:p>
+          <a:p>
+            <a:r>
+              <a:rPr lang="pt-BR" dirty="0" smtClean="0"/>
+              <a:t>[2] http://rasbt.github.io/mlxtend/user_guide/classifier/SoftmaxRegression/</a:t>
+            </a:r>
+          </a:p>
+          <a:p>
+            <a:endParaRPr lang="pt-BR" dirty="0" smtClean="0"/>
+          </a:p>
+          <a:p>
+            <a:endParaRPr lang="pt-BR" dirty="0"/>
           </a:p>
         </p:txBody>
       </p:sp>
@@ -880,6 +959,200 @@
             <a:fld id="{6FC8D850-966F-45A6-8DE7-15B891E7D40D}" type="slidenum">
               <a:rPr lang="pt-BR" smtClean="0"/>
               <a:t>13</a:t>
+            </a:fld>
+            <a:endParaRPr lang="pt-BR"/>
+          </a:p>
+        </p:txBody>
+      </p:sp>
+    </p:spTree>
+    <p:extLst>
+      <p:ext uri="{BB962C8B-B14F-4D97-AF65-F5344CB8AC3E}">
+        <p14:creationId xmlns:p14="http://schemas.microsoft.com/office/powerpoint/2010/main" val="3488414848"/>
+      </p:ext>
+    </p:extLst>
+  </p:cSld>
+  <p:clrMapOvr>
+    <a:masterClrMapping/>
+  </p:clrMapOvr>
+</p:notes>
+</file>
+
+<file path=ppt/notesSlides/notesSlide11.xml><?xml version="1.0" encoding="utf-8"?>
+<p:notes xmlns:a="http://schemas.openxmlformats.org/drawingml/2006/main" xmlns:r="http://schemas.openxmlformats.org/officeDocument/2006/relationships" xmlns:p="http://schemas.openxmlformats.org/presentationml/2006/main">
+  <p:cSld>
+    <p:spTree>
+      <p:nvGrpSpPr>
+        <p:cNvPr id="1" name=""/>
+        <p:cNvGrpSpPr/>
+        <p:nvPr/>
+      </p:nvGrpSpPr>
+      <p:grpSpPr>
+        <a:xfrm>
+          <a:off x="0" y="0"/>
+          <a:ext cx="0" cy="0"/>
+          <a:chOff x="0" y="0"/>
+          <a:chExt cx="0" cy="0"/>
+        </a:xfrm>
+      </p:grpSpPr>
+      <p:sp>
+        <p:nvSpPr>
+          <p:cNvPr id="2" name="Slide Image Placeholder 1"/>
+          <p:cNvSpPr>
+            <a:spLocks noGrp="1" noRot="1" noChangeAspect="1"/>
+          </p:cNvSpPr>
+          <p:nvPr>
+            <p:ph type="sldImg"/>
+          </p:nvPr>
+        </p:nvSpPr>
+        <p:spPr/>
+      </p:sp>
+      <p:sp>
+        <p:nvSpPr>
+          <p:cNvPr id="3" name="Notes Placeholder 2"/>
+          <p:cNvSpPr>
+            <a:spLocks noGrp="1"/>
+          </p:cNvSpPr>
+          <p:nvPr>
+            <p:ph type="body" idx="1"/>
+          </p:nvPr>
+        </p:nvSpPr>
+        <p:spPr/>
+        <p:txBody>
+          <a:bodyPr/>
+          <a:lstStyle/>
+          <a:p>
+            <a:r>
+              <a:rPr lang="pt-BR" b="1" dirty="0" smtClean="0"/>
+              <a:t>Exemplo</a:t>
+            </a:r>
+            <a:r>
+              <a:rPr lang="pt-BR" dirty="0" smtClean="0"/>
+              <a:t>:</a:t>
+            </a:r>
+            <a:r>
+              <a:rPr lang="pt-BR" baseline="0" dirty="0" smtClean="0"/>
+              <a:t> </a:t>
+            </a:r>
+            <a:r>
+              <a:rPr lang="pt-BR" dirty="0" smtClean="0"/>
+              <a:t>https://colab.research.google.com/github/zz4fap/t320_aprendizado_de_maquina/blob/main/notebooks/classificação/softmax_regressor_with_scikit_learn.ipynb</a:t>
+            </a:r>
+            <a:endParaRPr lang="pt-BR" b="1" dirty="0" smtClean="0"/>
+          </a:p>
+        </p:txBody>
+      </p:sp>
+      <p:sp>
+        <p:nvSpPr>
+          <p:cNvPr id="4" name="Slide Number Placeholder 3"/>
+          <p:cNvSpPr>
+            <a:spLocks noGrp="1"/>
+          </p:cNvSpPr>
+          <p:nvPr>
+            <p:ph type="sldNum" sz="quarter" idx="10"/>
+          </p:nvPr>
+        </p:nvSpPr>
+        <p:spPr/>
+        <p:txBody>
+          <a:bodyPr/>
+          <a:lstStyle/>
+          <a:p>
+            <a:fld id="{6FC8D850-966F-45A6-8DE7-15B891E7D40D}" type="slidenum">
+              <a:rPr lang="pt-BR" smtClean="0"/>
+              <a:t>14</a:t>
+            </a:fld>
+            <a:endParaRPr lang="pt-BR"/>
+          </a:p>
+        </p:txBody>
+      </p:sp>
+    </p:spTree>
+    <p:extLst>
+      <p:ext uri="{BB962C8B-B14F-4D97-AF65-F5344CB8AC3E}">
+        <p14:creationId xmlns:p14="http://schemas.microsoft.com/office/powerpoint/2010/main" val="2292789716"/>
+      </p:ext>
+    </p:extLst>
+  </p:cSld>
+  <p:clrMapOvr>
+    <a:masterClrMapping/>
+  </p:clrMapOvr>
+</p:notes>
+</file>
+
+<file path=ppt/notesSlides/notesSlide12.xml><?xml version="1.0" encoding="utf-8"?>
+<p:notes xmlns:a="http://schemas.openxmlformats.org/drawingml/2006/main" xmlns:r="http://schemas.openxmlformats.org/officeDocument/2006/relationships" xmlns:p="http://schemas.openxmlformats.org/presentationml/2006/main">
+  <p:cSld>
+    <p:spTree>
+      <p:nvGrpSpPr>
+        <p:cNvPr id="1" name=""/>
+        <p:cNvGrpSpPr/>
+        <p:nvPr/>
+      </p:nvGrpSpPr>
+      <p:grpSpPr>
+        <a:xfrm>
+          <a:off x="0" y="0"/>
+          <a:ext cx="0" cy="0"/>
+          <a:chOff x="0" y="0"/>
+          <a:chExt cx="0" cy="0"/>
+        </a:xfrm>
+      </p:grpSpPr>
+      <p:sp>
+        <p:nvSpPr>
+          <p:cNvPr id="2" name="Slide Image Placeholder 1"/>
+          <p:cNvSpPr>
+            <a:spLocks noGrp="1" noRot="1" noChangeAspect="1"/>
+          </p:cNvSpPr>
+          <p:nvPr>
+            <p:ph type="sldImg"/>
+          </p:nvPr>
+        </p:nvSpPr>
+        <p:spPr/>
+      </p:sp>
+      <p:sp>
+        <p:nvSpPr>
+          <p:cNvPr id="3" name="Notes Placeholder 2"/>
+          <p:cNvSpPr>
+            <a:spLocks noGrp="1"/>
+          </p:cNvSpPr>
+          <p:nvPr>
+            <p:ph type="body" idx="1"/>
+          </p:nvPr>
+        </p:nvSpPr>
+        <p:spPr/>
+        <p:txBody>
+          <a:bodyPr/>
+          <a:lstStyle/>
+          <a:p>
+            <a:r>
+              <a:rPr lang="pt-BR" sz="1200" b="1" dirty="0" smtClean="0"/>
+              <a:t>Laboratório #4:</a:t>
+            </a:r>
+            <a:r>
+              <a:rPr lang="pt-BR" sz="1200" dirty="0" smtClean="0"/>
+              <a:t> https://mybinder.org/v2/gh/zz4fap/t320_aprendizado_de_maquina/main?filepath=labs%2FLaboratorio4.ipynb</a:t>
+            </a:r>
+          </a:p>
+          <a:p>
+            <a:endParaRPr lang="pt-BR" sz="1200" dirty="0"/>
+          </a:p>
+        </p:txBody>
+      </p:sp>
+      <p:sp>
+        <p:nvSpPr>
+          <p:cNvPr id="4" name="Slide Number Placeholder 3"/>
+          <p:cNvSpPr>
+            <a:spLocks noGrp="1"/>
+          </p:cNvSpPr>
+          <p:nvPr>
+            <p:ph type="sldNum" sz="quarter" idx="10"/>
+          </p:nvPr>
+        </p:nvSpPr>
+        <p:spPr/>
+        <p:txBody>
+          <a:bodyPr/>
+          <a:lstStyle/>
+          <a:p>
+            <a:fld id="{6FC8D850-966F-45A6-8DE7-15B891E7D40D}" type="slidenum">
+              <a:rPr lang="pt-BR" smtClean="0"/>
+              <a:t>15</a:t>
             </a:fld>
             <a:endParaRPr lang="pt-BR"/>
           </a:p>
@@ -1598,6 +1871,9 @@
             <a:endParaRPr lang="pt-BR" dirty="0" smtClean="0"/>
           </a:p>
           <a:p>
+            <a:endParaRPr lang="pt-BR" dirty="0" smtClean="0"/>
+          </a:p>
+          <a:p>
             <a:endParaRPr lang="pt-BR" dirty="0"/>
           </a:p>
         </p:txBody>
@@ -1617,7 +1893,7 @@
           <a:bodyPr/>
           <a:lstStyle/>
           <a:p>
-            <a:fld id="{F430A2A4-8C14-4B1A-AD48-7B6401078BF7}" type="slidenum">
+            <a:fld id="{6FC8D850-966F-45A6-8DE7-15B891E7D40D}" type="slidenum">
               <a:rPr lang="pt-BR" smtClean="0"/>
               <a:t>10</a:t>
             </a:fld>
@@ -1628,7 +1904,7 @@
     </p:spTree>
     <p:extLst>
       <p:ext uri="{BB962C8B-B14F-4D97-AF65-F5344CB8AC3E}">
-        <p14:creationId xmlns:p14="http://schemas.microsoft.com/office/powerpoint/2010/main" val="2772421043"/>
+        <p14:creationId xmlns:p14="http://schemas.microsoft.com/office/powerpoint/2010/main" val="2606465588"/>
       </p:ext>
     </p:extLst>
   </p:cSld>
@@ -1684,7 +1960,15 @@
           <a:p>
             <a:r>
               <a:rPr lang="pt-BR" dirty="0" smtClean="0"/>
-              <a:t>O objetivo do treinamento do classificador softmax é ter um modelo que estima uma alta probabilidade para a classe-alvo (e consequentemente uma baixa probabilidade para as outras classes).</a:t>
+              <a:t>O classificador Softmax prevê/prediz apenas uma classe de cada vez (ou seja, ele é multiclasse, e não multi-saída), portanto, ele deve ser usado apenas com classes mutuamente exclusivas, como por exemplo diferentes tipos de plantas, dígitos, categorias</a:t>
+            </a:r>
+            <a:r>
+              <a:rPr lang="pt-BR" baseline="0" dirty="0" smtClean="0"/>
+              <a:t> de notícias, etc</a:t>
+            </a:r>
+            <a:r>
+              <a:rPr lang="pt-BR" dirty="0" smtClean="0"/>
+              <a:t>. Portanto, você não pode usá-lo para reconhecer várias pessoas em uma foto, por exemplo.</a:t>
             </a:r>
           </a:p>
           <a:p>
@@ -1693,77 +1977,16 @@
           <a:p>
             <a:r>
               <a:rPr lang="pt-BR" dirty="0" smtClean="0"/>
-              <a:t>A</a:t>
+              <a:t>Observe que, quando existem apenas duas classes (Q = 2), a função de erro acima é equivalente à função de erro da regressão logística</a:t>
             </a:r>
             <a:r>
               <a:rPr lang="pt-BR" baseline="0" dirty="0" smtClean="0"/>
-              <a:t> classe</a:t>
-            </a:r>
-            <a:r>
-              <a:rPr lang="pt-BR" dirty="0" smtClean="0"/>
-              <a:t> LogisticRegression da biblioteca Scikit-Learn usa a estratégia um-contra-todos por padrão quando você o treina com dados pertencentrs a mais de duas classes, mas você pode definir o parâmetro </a:t>
-            </a:r>
-            <a:r>
-              <a:rPr lang="pt-BR" b="1" dirty="0" smtClean="0"/>
-              <a:t>mult_class</a:t>
-            </a:r>
-            <a:r>
-              <a:rPr lang="pt-BR" dirty="0" smtClean="0"/>
-              <a:t> como "</a:t>
-            </a:r>
-            <a:r>
-              <a:rPr lang="pt-BR" i="1" dirty="0" smtClean="0"/>
-              <a:t>multinomial</a:t>
-            </a:r>
-            <a:r>
-              <a:rPr lang="pt-BR" dirty="0" smtClean="0"/>
-              <a:t>" para alternar para regressão Softmax. Você também deve especificar um </a:t>
-            </a:r>
-            <a:r>
-              <a:rPr lang="pt-BR" b="1" dirty="0" smtClean="0"/>
-              <a:t>solver</a:t>
-            </a:r>
-            <a:r>
-              <a:rPr lang="pt-BR" dirty="0" smtClean="0"/>
-              <a:t> que suporte a regressão Softmax, como o </a:t>
-            </a:r>
-            <a:r>
-              <a:rPr lang="pt-BR" b="1" dirty="0" smtClean="0"/>
-              <a:t>solver</a:t>
-            </a:r>
-            <a:r>
-              <a:rPr lang="pt-BR" dirty="0" smtClean="0"/>
-              <a:t> "lbfgs" (consulte a documentação do Scikit-Learn para obter mais detalhes). Ele também aplica regularização L2 por padrão, a qual você pode controlar usando o parâmetro </a:t>
-            </a:r>
-            <a:r>
-              <a:rPr lang="pt-BR" b="1" dirty="0" smtClean="0"/>
-              <a:t>C</a:t>
-            </a:r>
-            <a:r>
-              <a:rPr lang="pt-BR" dirty="0" smtClean="0"/>
               <a:t>.</a:t>
             </a:r>
-          </a:p>
-          <a:p>
             <a:endParaRPr lang="pt-BR" dirty="0" smtClean="0"/>
           </a:p>
           <a:p>
-            <a:r>
-              <a:rPr lang="pt-BR" dirty="0" smtClean="0"/>
-              <a:t>Referência:</a:t>
-            </a:r>
-          </a:p>
-          <a:p>
-            <a:r>
-              <a:rPr lang="pt-BR" dirty="0" smtClean="0"/>
-              <a:t>[1] http://deeplearning.stanford.edu/tutorial/supervised/SoftmaxRegression/</a:t>
-            </a:r>
-          </a:p>
-          <a:p>
-            <a:r>
-              <a:rPr lang="pt-BR" dirty="0" smtClean="0"/>
-              <a:t>[2] http://rasbt.github.io/mlxtend/user_guide/classifier/SoftmaxRegression/</a:t>
-            </a:r>
+            <a:endParaRPr lang="pt-BR" dirty="0" smtClean="0"/>
           </a:p>
           <a:p>
             <a:endParaRPr lang="pt-BR" dirty="0"/>
@@ -1796,7 +2019,7 @@
     </p:spTree>
     <p:extLst>
       <p:ext uri="{BB962C8B-B14F-4D97-AF65-F5344CB8AC3E}">
-        <p14:creationId xmlns:p14="http://schemas.microsoft.com/office/powerpoint/2010/main" val="420035327"/>
+        <p14:creationId xmlns:p14="http://schemas.microsoft.com/office/powerpoint/2010/main" val="313618944"/>
       </p:ext>
     </p:extLst>
   </p:cSld>
@@ -1851,22 +2074,87 @@
           <a:lstStyle/>
           <a:p>
             <a:r>
+              <a:rPr lang="pt-BR" dirty="0" smtClean="0"/>
+              <a:t>O objetivo do treinamento do classificador softmax é ter um modelo que estima uma alta probabilidade para a classe-alvo (e consequentemente uma baixa probabilidade para as outras classes).</a:t>
+            </a:r>
+          </a:p>
+          <a:p>
+            <a:endParaRPr lang="pt-BR" dirty="0" smtClean="0"/>
+          </a:p>
+          <a:p>
+            <a:r>
+              <a:rPr lang="pt-BR" dirty="0" smtClean="0"/>
+              <a:t>A</a:t>
+            </a:r>
+            <a:r>
+              <a:rPr lang="pt-BR" baseline="0" dirty="0" smtClean="0"/>
+              <a:t> classe</a:t>
+            </a:r>
+            <a:r>
+              <a:rPr lang="pt-BR" dirty="0" smtClean="0"/>
+              <a:t> LogisticRegression da biblioteca Scikit-Learn usa a estratégia um-contra-todos por padrão quando você o treina com dados pertencentrs a mais de duas classes, mas você pode definir o parâmetro </a:t>
+            </a:r>
+            <a:r>
               <a:rPr lang="pt-BR" b="1" dirty="0" smtClean="0"/>
-              <a:t>Exemplo</a:t>
+              <a:t>mult_class</a:t>
             </a:r>
             <a:r>
               <a:rPr lang="pt-BR" dirty="0" smtClean="0"/>
-              <a:t>:</a:t>
-            </a:r>
-            <a:r>
-              <a:rPr lang="pt-BR" baseline="0" dirty="0" smtClean="0"/>
-              <a:t> </a:t>
+              <a:t> como "</a:t>
+            </a:r>
+            <a:r>
+              <a:rPr lang="pt-BR" i="1" dirty="0" smtClean="0"/>
+              <a:t>multinomial</a:t>
             </a:r>
             <a:r>
               <a:rPr lang="pt-BR" dirty="0" smtClean="0"/>
-              <a:t>https://colab.research.google.com/github/zz4fap/t320_aprendizado_de_maquina/blob/main/notebooks/classificação/softmax_regressor_with_scikit_learn.ipynb</a:t>
-            </a:r>
-            <a:endParaRPr lang="pt-BR" b="1" dirty="0" smtClean="0"/>
+              <a:t>" para alternar para regressão Softmax. Você também deve especificar um </a:t>
+            </a:r>
+            <a:r>
+              <a:rPr lang="pt-BR" b="1" dirty="0" smtClean="0"/>
+              <a:t>solver</a:t>
+            </a:r>
+            <a:r>
+              <a:rPr lang="pt-BR" dirty="0" smtClean="0"/>
+              <a:t> que suporte a regressão Softmax, como o </a:t>
+            </a:r>
+            <a:r>
+              <a:rPr lang="pt-BR" b="1" dirty="0" smtClean="0"/>
+              <a:t>solver</a:t>
+            </a:r>
+            <a:r>
+              <a:rPr lang="pt-BR" dirty="0" smtClean="0"/>
+              <a:t> "lbfgs" (consulte a documentação do Scikit-Learn para obter mais detalhes). Ele também aplica regularização L2 por padrão, a qual você pode controlar usando o parâmetro </a:t>
+            </a:r>
+            <a:r>
+              <a:rPr lang="pt-BR" b="1" dirty="0" smtClean="0"/>
+              <a:t>C</a:t>
+            </a:r>
+            <a:r>
+              <a:rPr lang="pt-BR" dirty="0" smtClean="0"/>
+              <a:t>.</a:t>
+            </a:r>
+          </a:p>
+          <a:p>
+            <a:endParaRPr lang="pt-BR" dirty="0" smtClean="0"/>
+          </a:p>
+          <a:p>
+            <a:r>
+              <a:rPr lang="pt-BR" dirty="0" smtClean="0"/>
+              <a:t>Referência:</a:t>
+            </a:r>
+          </a:p>
+          <a:p>
+            <a:r>
+              <a:rPr lang="pt-BR" dirty="0" smtClean="0"/>
+              <a:t>[1] http://deeplearning.stanford.edu/tutorial/supervised/SoftmaxRegression/</a:t>
+            </a:r>
+          </a:p>
+          <a:p>
+            <a:r>
+              <a:rPr lang="pt-BR" dirty="0" smtClean="0"/>
+              <a:t>[2] http://rasbt.github.io/mlxtend/user_guide/classifier/SoftmaxRegression/</a:t>
+            </a:r>
           </a:p>
         </p:txBody>
       </p:sp>
@@ -1896,7 +2184,7 @@
     </p:spTree>
     <p:extLst>
       <p:ext uri="{BB962C8B-B14F-4D97-AF65-F5344CB8AC3E}">
-        <p14:creationId xmlns:p14="http://schemas.microsoft.com/office/powerpoint/2010/main" val="2292789716"/>
+        <p14:creationId xmlns:p14="http://schemas.microsoft.com/office/powerpoint/2010/main" val="3835877964"/>
       </p:ext>
     </p:extLst>
   </p:cSld>
@@ -2053,7 +2341,7 @@
           <a:p>
             <a:fld id="{63289F7E-B80B-496E-81B4-D396C37C9454}" type="datetimeFigureOut">
               <a:rPr lang="pt-BR" smtClean="0"/>
-              <a:t>19/08/2021</a:t>
+              <a:t>03/09/2021</a:t>
             </a:fld>
             <a:endParaRPr lang="pt-BR"/>
           </a:p>
@@ -2251,7 +2539,7 @@
           <a:p>
             <a:fld id="{63289F7E-B80B-496E-81B4-D396C37C9454}" type="datetimeFigureOut">
               <a:rPr lang="pt-BR" smtClean="0"/>
-              <a:t>19/08/2021</a:t>
+              <a:t>03/09/2021</a:t>
             </a:fld>
             <a:endParaRPr lang="pt-BR"/>
           </a:p>
@@ -2459,7 +2747,7 @@
           <a:p>
             <a:fld id="{63289F7E-B80B-496E-81B4-D396C37C9454}" type="datetimeFigureOut">
               <a:rPr lang="pt-BR" smtClean="0"/>
-              <a:t>19/08/2021</a:t>
+              <a:t>03/09/2021</a:t>
             </a:fld>
             <a:endParaRPr lang="pt-BR"/>
           </a:p>
@@ -2657,7 +2945,7 @@
           <a:p>
             <a:fld id="{63289F7E-B80B-496E-81B4-D396C37C9454}" type="datetimeFigureOut">
               <a:rPr lang="pt-BR" smtClean="0"/>
-              <a:t>19/08/2021</a:t>
+              <a:t>03/09/2021</a:t>
             </a:fld>
             <a:endParaRPr lang="pt-BR"/>
           </a:p>
@@ -2932,7 +3220,7 @@
           <a:p>
             <a:fld id="{63289F7E-B80B-496E-81B4-D396C37C9454}" type="datetimeFigureOut">
               <a:rPr lang="pt-BR" smtClean="0"/>
-              <a:t>19/08/2021</a:t>
+              <a:t>03/09/2021</a:t>
             </a:fld>
             <a:endParaRPr lang="pt-BR"/>
           </a:p>
@@ -3197,7 +3485,7 @@
           <a:p>
             <a:fld id="{63289F7E-B80B-496E-81B4-D396C37C9454}" type="datetimeFigureOut">
               <a:rPr lang="pt-BR" smtClean="0"/>
-              <a:t>19/08/2021</a:t>
+              <a:t>03/09/2021</a:t>
             </a:fld>
             <a:endParaRPr lang="pt-BR"/>
           </a:p>
@@ -3609,7 +3897,7 @@
           <a:p>
             <a:fld id="{63289F7E-B80B-496E-81B4-D396C37C9454}" type="datetimeFigureOut">
               <a:rPr lang="pt-BR" smtClean="0"/>
-              <a:t>19/08/2021</a:t>
+              <a:t>03/09/2021</a:t>
             </a:fld>
             <a:endParaRPr lang="pt-BR"/>
           </a:p>
@@ -3750,7 +4038,7 @@
           <a:p>
             <a:fld id="{63289F7E-B80B-496E-81B4-D396C37C9454}" type="datetimeFigureOut">
               <a:rPr lang="pt-BR" smtClean="0"/>
-              <a:t>19/08/2021</a:t>
+              <a:t>03/09/2021</a:t>
             </a:fld>
             <a:endParaRPr lang="pt-BR"/>
           </a:p>
@@ -3863,7 +4151,7 @@
           <a:p>
             <a:fld id="{63289F7E-B80B-496E-81B4-D396C37C9454}" type="datetimeFigureOut">
               <a:rPr lang="pt-BR" smtClean="0"/>
-              <a:t>19/08/2021</a:t>
+              <a:t>03/09/2021</a:t>
             </a:fld>
             <a:endParaRPr lang="pt-BR"/>
           </a:p>
@@ -4174,7 +4462,7 @@
           <a:p>
             <a:fld id="{63289F7E-B80B-496E-81B4-D396C37C9454}" type="datetimeFigureOut">
               <a:rPr lang="pt-BR" smtClean="0"/>
-              <a:t>19/08/2021</a:t>
+              <a:t>03/09/2021</a:t>
             </a:fld>
             <a:endParaRPr lang="pt-BR"/>
           </a:p>
@@ -4462,7 +4750,7 @@
           <a:p>
             <a:fld id="{63289F7E-B80B-496E-81B4-D396C37C9454}" type="datetimeFigureOut">
               <a:rPr lang="pt-BR" smtClean="0"/>
-              <a:t>19/08/2021</a:t>
+              <a:t>03/09/2021</a:t>
             </a:fld>
             <a:endParaRPr lang="pt-BR"/>
           </a:p>
@@ -4703,7 +4991,7 @@
           <a:p>
             <a:fld id="{63289F7E-B80B-496E-81B4-D396C37C9454}" type="datetimeFigureOut">
               <a:rPr lang="pt-BR" smtClean="0"/>
-              <a:t>19/08/2021</a:t>
+              <a:t>03/09/2021</a:t>
             </a:fld>
             <a:endParaRPr lang="pt-BR"/>
           </a:p>
@@ -5338,12 +5626,7 @@
             <p:ph type="title"/>
           </p:nvPr>
         </p:nvSpPr>
-        <p:spPr>
-          <a:xfrm>
-            <a:off x="838200" y="201350"/>
-            <a:ext cx="10515600" cy="945060"/>
-          </a:xfrm>
-        </p:spPr>
+        <p:spPr/>
         <p:txBody>
           <a:bodyPr/>
           <a:lstStyle/>
@@ -5355,8 +5638,8 @@
           </a:p>
         </p:txBody>
       </p:sp>
-      <mc:AlternateContent xmlns:mc="http://schemas.openxmlformats.org/markup-compatibility/2006">
-        <mc:Choice xmlns:a14="http://schemas.microsoft.com/office/drawing/2010/main" Requires="a14">
+      <mc:AlternateContent xmlns:mc="http://schemas.openxmlformats.org/markup-compatibility/2006" xmlns:a14="http://schemas.microsoft.com/office/drawing/2010/main">
+        <mc:Choice Requires="a14">
           <p:sp>
             <p:nvSpPr>
               <p:cNvPr id="3" name="Content Placeholder 2"/>
@@ -5367,90 +5650,67 @@
                 <p:ph idx="1"/>
               </p:nvPr>
             </p:nvSpPr>
-            <p:spPr>
-              <a:xfrm>
-                <a:off x="838199" y="1487606"/>
-                <a:ext cx="11130887" cy="5370394"/>
-              </a:xfrm>
-            </p:spPr>
+            <p:spPr/>
             <p:txBody>
-              <a:bodyPr>
-                <a:normAutofit fontScale="85000" lnSpcReduction="20000"/>
-              </a:bodyPr>
+              <a:bodyPr/>
               <a:lstStyle/>
               <a:p>
                 <a:r>
-                  <a:rPr lang="pt-BR" dirty="0" smtClean="0"/>
-                  <a:t>Assim </a:t>
-                </a:r>
-                <a:r>
-                  <a:rPr lang="pt-BR" dirty="0" smtClean="0"/>
-                  <a:t>como fizemos anteriormente, precisamos definir uma </a:t>
-                </a:r>
-                <a:r>
-                  <a:rPr lang="pt-BR" b="1" i="1" dirty="0" smtClean="0"/>
+                  <a:rPr lang="pt-BR" dirty="0"/>
+                  <a:t>Assim como fizemos anteriormente, precisamos definir uma </a:t>
+                </a:r>
+                <a:r>
+                  <a:rPr lang="pt-BR" b="1" i="1" dirty="0"/>
                   <a:t>função de erro</a:t>
                 </a:r>
                 <a:r>
-                  <a:rPr lang="pt-BR" dirty="0" smtClean="0"/>
+                  <a:rPr lang="pt-BR" dirty="0"/>
+                  <a:t> e </a:t>
+                </a:r>
+                <a:r>
+                  <a:rPr lang="pt-BR" b="1" i="1" dirty="0"/>
+                  <a:t>minimizá-la</a:t>
+                </a:r>
+                <a:r>
+                  <a:rPr lang="pt-BR" dirty="0"/>
+                  <a:t> para encontrarmos os </a:t>
+                </a:r>
+                <a:r>
+                  <a:rPr lang="pt-BR" b="1" i="1" dirty="0"/>
+                  <a:t>pesos</a:t>
+                </a:r>
+                <a:r>
+                  <a:rPr lang="pt-BR" dirty="0"/>
+                  <a:t> das </a:t>
+                </a:r>
+                <a:r>
+                  <a:rPr lang="pt-BR" b="1" i="1" dirty="0"/>
+                  <a:t>Q</a:t>
+                </a:r>
+                <a:r>
+                  <a:rPr lang="pt-BR" dirty="0"/>
                   <a:t> </a:t>
                 </a:r>
                 <a:r>
-                  <a:rPr lang="pt-BR" dirty="0" smtClean="0"/>
-                  <a:t>e </a:t>
-                </a:r>
-                <a:r>
-                  <a:rPr lang="pt-BR" b="1" i="1" dirty="0" smtClean="0"/>
-                  <a:t>minimizá-la</a:t>
-                </a:r>
-                <a:r>
-                  <a:rPr lang="pt-BR" dirty="0" smtClean="0"/>
-                  <a:t> para encontrarmos </a:t>
-                </a:r>
-                <a:r>
-                  <a:rPr lang="pt-BR" dirty="0" smtClean="0"/>
-                  <a:t>os </a:t>
-                </a:r>
-                <a:r>
-                  <a:rPr lang="pt-BR" b="1" i="1" dirty="0" smtClean="0"/>
-                  <a:t>pesos</a:t>
-                </a:r>
-                <a:r>
-                  <a:rPr lang="pt-BR" dirty="0" smtClean="0"/>
-                  <a:t> das </a:t>
-                </a:r>
-                <a:r>
-                  <a:rPr lang="pt-BR" b="1" i="1" dirty="0" smtClean="0"/>
-                  <a:t>Q</a:t>
-                </a:r>
-                <a:r>
-                  <a:rPr lang="pt-BR" dirty="0" smtClean="0"/>
-                  <a:t> </a:t>
-                </a:r>
-                <a:r>
-                  <a:rPr lang="pt-BR" b="1" i="1" dirty="0" smtClean="0"/>
+                  <a:rPr lang="pt-BR" b="1" i="1" dirty="0"/>
                   <a:t>funções hipótese</a:t>
                 </a:r>
                 <a:r>
-                  <a:rPr lang="pt-BR" dirty="0" smtClean="0"/>
+                  <a:rPr lang="pt-BR" dirty="0"/>
                   <a:t> do classificador.</a:t>
                 </a:r>
               </a:p>
               <a:p>
                 <a:r>
-                  <a:rPr lang="pt-BR" dirty="0" smtClean="0"/>
+                  <a:rPr lang="pt-BR" dirty="0"/>
                   <a:t>A </a:t>
                 </a:r>
                 <a:r>
                   <a:rPr lang="pt-BR" b="1" i="1" dirty="0"/>
-                  <a:t>função de erro </a:t>
-                </a:r>
-                <a:r>
-                  <a:rPr lang="pt-BR" b="1" i="1" dirty="0" smtClean="0"/>
-                  <a:t>médio </a:t>
-                </a:r>
-                <a:r>
-                  <a:rPr lang="pt-BR" dirty="0" smtClean="0"/>
+                  <a:t>função de erro médio </a:t>
+                </a:r>
+                <a:r>
+                  <a:rPr lang="pt-BR" dirty="0"/>
                   <a:t>para a </a:t>
                 </a:r>
                 <a:r>
@@ -5459,13 +5719,8 @@
                 </a:r>
                 <a:r>
                   <a:rPr lang="pt-BR" dirty="0"/>
-                  <a:t>é dada </a:t>
-                </a:r>
-                <a:r>
-                  <a:rPr lang="pt-BR" dirty="0" smtClean="0"/>
-                  <a:t>por</a:t>
-                </a:r>
-                <a:endParaRPr lang="pt-BR" dirty="0"/>
+                  <a:t>é dada por</a:t>
+                </a:r>
               </a:p>
               <a:p>
                 <a:pPr marL="0" indent="0" algn="ctr">
@@ -5876,14 +6131,10 @@
                 </a:r>
                 <a:r>
                   <a:rPr lang="pt-BR" b="1" i="1" dirty="0"/>
-                  <a:t>funções </a:t>
-                </a:r>
-                <a:r>
-                  <a:rPr lang="pt-BR" b="1" i="1" dirty="0" smtClean="0"/>
-                  <a:t>hipótese</a:t>
-                </a:r>
-                <a:r>
-                  <a:rPr lang="pt-BR" dirty="0" smtClean="0"/>
+                  <a:t>funções hipótese</a:t>
+                </a:r>
+                <a:r>
+                  <a:rPr lang="pt-BR" dirty="0"/>
                   <a:t> das </a:t>
                 </a:r>
                 <a14:m>
@@ -5898,11 +6149,13 @@
                 </a14:m>
                 <a:r>
                   <a:rPr lang="pt-BR" dirty="0"/>
-                  <a:t> classes</a:t>
-                </a:r>
-                <a:r>
-                  <a:rPr lang="pt-BR" dirty="0" smtClean="0"/>
-                  <a:t>. A matriz </a:t>
+                  <a:t> classes. </a:t>
+                </a:r>
+              </a:p>
+              <a:p>
+                <a:r>
+                  <a:rPr lang="pt-BR" dirty="0"/>
+                  <a:t>A matriz </a:t>
                 </a:r>
                 <a14:m>
                   <m:oMath xmlns:m="http://schemas.openxmlformats.org/officeDocument/2006/math">
@@ -5915,23 +6168,292 @@
                   </m:oMath>
                 </a14:m>
                 <a:r>
+                  <a:rPr lang="pt-BR" dirty="0"/>
+                  <a:t> contém os vetores de pesos de cada classe.</a:t>
+                </a:r>
+              </a:p>
+            </p:txBody>
+          </p:sp>
+        </mc:Choice>
+        <mc:Fallback xmlns="">
+          <p:sp>
+            <p:nvSpPr>
+              <p:cNvPr id="3" name="Content Placeholder 2"/>
+              <p:cNvSpPr>
+                <a:spLocks noGrp="1" noRot="1" noChangeAspect="1" noMove="1" noResize="1" noEditPoints="1" noAdjustHandles="1" noChangeArrowheads="1" noChangeShapeType="1" noTextEdit="1"/>
+              </p:cNvSpPr>
+              <p:nvPr>
+                <p:ph idx="1"/>
+              </p:nvPr>
+            </p:nvSpPr>
+            <p:spPr>
+              <a:blipFill rotWithShape="0">
+                <a:blip r:embed="rId3"/>
+                <a:stretch>
+                  <a:fillRect l="-1217" t="-2241" b="-1681"/>
+                </a:stretch>
+              </a:blipFill>
+            </p:spPr>
+            <p:txBody>
+              <a:bodyPr/>
+              <a:lstStyle/>
+              <a:p>
+                <a:r>
+                  <a:rPr lang="pt-BR">
+                    <a:noFill/>
+                  </a:rPr>
+                  <a:t> </a:t>
+                </a:r>
+              </a:p>
+            </p:txBody>
+          </p:sp>
+        </mc:Fallback>
+      </mc:AlternateContent>
+      <mc:AlternateContent xmlns:mc="http://schemas.openxmlformats.org/markup-compatibility/2006" xmlns:a14="http://schemas.microsoft.com/office/drawing/2010/main">
+        <mc:Choice Requires="a14">
+          <p:sp>
+            <p:nvSpPr>
+              <p:cNvPr id="4" name="TextBox 3"/>
+              <p:cNvSpPr txBox="1"/>
+              <p:nvPr/>
+            </p:nvSpPr>
+            <p:spPr>
+              <a:xfrm>
+                <a:off x="10324689" y="2952339"/>
+                <a:ext cx="1840348" cy="656975"/>
+              </a:xfrm>
+              <a:prstGeom prst="rect">
+                <a:avLst/>
+              </a:prstGeom>
+              <a:noFill/>
+            </p:spPr>
+            <p:txBody>
+              <a:bodyPr wrap="square" rtlCol="0">
+                <a:spAutoFit/>
+              </a:bodyPr>
+              <a:lstStyle/>
+              <a:p>
+                <a:pPr algn="ctr"/>
+                <a:r>
+                  <a:rPr lang="pt-BR" sz="1200" dirty="0" smtClean="0"/>
+                  <a:t>O erro tende a 0 quando </a:t>
+                </a:r>
+                <a14:m>
+                  <m:oMath xmlns:m="http://schemas.openxmlformats.org/officeDocument/2006/math">
+                    <m:sSubSup>
+                      <m:sSubSupPr>
+                        <m:ctrlPr>
+                          <a:rPr lang="pt-BR" sz="1200" b="1" i="1">
+                            <a:latin typeface="Cambria Math" panose="02040503050406030204" pitchFamily="18" charset="0"/>
+                          </a:rPr>
+                        </m:ctrlPr>
+                      </m:sSubSupPr>
+                      <m:e>
+                        <m:r>
+                          <a:rPr lang="pt-BR" sz="1200" i="1">
+                            <a:latin typeface="Cambria Math" panose="02040503050406030204" pitchFamily="18" charset="0"/>
+                          </a:rPr>
+                          <m:t>h</m:t>
+                        </m:r>
+                      </m:e>
+                      <m:sub>
+                        <m:r>
+                          <a:rPr lang="pt-BR" sz="1200" b="1" i="1">
+                            <a:latin typeface="Cambria Math" panose="02040503050406030204" pitchFamily="18" charset="0"/>
+                          </a:rPr>
+                          <m:t>𝒂</m:t>
+                        </m:r>
+                      </m:sub>
+                      <m:sup>
+                        <m:r>
+                          <a:rPr lang="pt-BR" sz="1200" i="1">
+                            <a:latin typeface="Cambria Math" panose="02040503050406030204" pitchFamily="18" charset="0"/>
+                          </a:rPr>
+                          <m:t>𝑞</m:t>
+                        </m:r>
+                      </m:sup>
+                    </m:sSubSup>
+                    <m:d>
+                      <m:dPr>
+                        <m:ctrlPr>
+                          <a:rPr lang="pt-BR" sz="1200" i="1">
+                            <a:latin typeface="Cambria Math" panose="02040503050406030204" pitchFamily="18" charset="0"/>
+                          </a:rPr>
+                        </m:ctrlPr>
+                      </m:dPr>
+                      <m:e>
+                        <m:r>
+                          <a:rPr lang="pt-BR" sz="1200" b="1" i="1">
+                            <a:latin typeface="Cambria Math" panose="02040503050406030204" pitchFamily="18" charset="0"/>
+                          </a:rPr>
+                          <m:t>𝒙</m:t>
+                        </m:r>
+                      </m:e>
+                    </m:d>
+                  </m:oMath>
+                </a14:m>
+                <a:r>
+                  <a:rPr lang="pt-BR" sz="1200" dirty="0" smtClean="0"/>
+                  <a:t> tende a 1, caso contrário, o erro aumenta.</a:t>
+                </a:r>
+                <a:endParaRPr lang="pt-BR" sz="1200" dirty="0"/>
+              </a:p>
+            </p:txBody>
+          </p:sp>
+        </mc:Choice>
+        <mc:Fallback xmlns="">
+          <p:sp>
+            <p:nvSpPr>
+              <p:cNvPr id="4" name="TextBox 3"/>
+              <p:cNvSpPr txBox="1">
+                <a:spLocks noRot="1" noChangeAspect="1" noMove="1" noResize="1" noEditPoints="1" noAdjustHandles="1" noChangeArrowheads="1" noChangeShapeType="1" noTextEdit="1"/>
+              </p:cNvSpPr>
+              <p:nvPr/>
+            </p:nvSpPr>
+            <p:spPr>
+              <a:xfrm>
+                <a:off x="10324689" y="2952339"/>
+                <a:ext cx="1840348" cy="656975"/>
+              </a:xfrm>
+              <a:prstGeom prst="rect">
+                <a:avLst/>
+              </a:prstGeom>
+              <a:blipFill rotWithShape="0">
+                <a:blip r:embed="rId4"/>
+                <a:stretch>
+                  <a:fillRect b="-6481"/>
+                </a:stretch>
+              </a:blipFill>
+            </p:spPr>
+            <p:txBody>
+              <a:bodyPr/>
+              <a:lstStyle/>
+              <a:p>
+                <a:r>
+                  <a:rPr lang="pt-BR">
+                    <a:noFill/>
+                  </a:rPr>
+                  <a:t> </a:t>
+                </a:r>
+              </a:p>
+            </p:txBody>
+          </p:sp>
+        </mc:Fallback>
+      </mc:AlternateContent>
+      <p:cxnSp>
+        <p:nvCxnSpPr>
+          <p:cNvPr id="5" name="Straight Arrow Connector 4"/>
+          <p:cNvCxnSpPr/>
+          <p:nvPr/>
+        </p:nvCxnSpPr>
+        <p:spPr>
+          <a:xfrm flipH="1">
+            <a:off x="10324689" y="3609314"/>
+            <a:ext cx="635215" cy="259301"/>
+          </a:xfrm>
+          <a:prstGeom prst="straightConnector1">
+            <a:avLst/>
+          </a:prstGeom>
+          <a:ln>
+            <a:solidFill>
+              <a:srgbClr val="FF0000"/>
+            </a:solidFill>
+            <a:tailEnd type="triangle"/>
+          </a:ln>
+        </p:spPr>
+        <p:style>
+          <a:lnRef idx="1">
+            <a:schemeClr val="accent1"/>
+          </a:lnRef>
+          <a:fillRef idx="0">
+            <a:schemeClr val="accent1"/>
+          </a:fillRef>
+          <a:effectRef idx="0">
+            <a:schemeClr val="accent1"/>
+          </a:effectRef>
+          <a:fontRef idx="minor">
+            <a:schemeClr val="tx1"/>
+          </a:fontRef>
+        </p:style>
+      </p:cxnSp>
+    </p:spTree>
+    <p:extLst>
+      <p:ext uri="{BB962C8B-B14F-4D97-AF65-F5344CB8AC3E}">
+        <p14:creationId xmlns:p14="http://schemas.microsoft.com/office/powerpoint/2010/main" val="3312908016"/>
+      </p:ext>
+    </p:extLst>
+  </p:cSld>
+  <p:clrMapOvr>
+    <a:masterClrMapping/>
+  </p:clrMapOvr>
+</p:sld>
+</file>
+
+<file path=ppt/slides/slide11.xml><?xml version="1.0" encoding="utf-8"?>
+<p:sld xmlns:a="http://schemas.openxmlformats.org/drawingml/2006/main" xmlns:r="http://schemas.openxmlformats.org/officeDocument/2006/relationships" xmlns:p="http://schemas.openxmlformats.org/presentationml/2006/main">
+  <p:cSld>
+    <p:spTree>
+      <p:nvGrpSpPr>
+        <p:cNvPr id="1" name=""/>
+        <p:cNvGrpSpPr/>
+        <p:nvPr/>
+      </p:nvGrpSpPr>
+      <p:grpSpPr>
+        <a:xfrm>
+          <a:off x="0" y="0"/>
+          <a:ext cx="0" cy="0"/>
+          <a:chOff x="0" y="0"/>
+          <a:chExt cx="0" cy="0"/>
+        </a:xfrm>
+      </p:grpSpPr>
+      <p:sp>
+        <p:nvSpPr>
+          <p:cNvPr id="2" name="Title 1"/>
+          <p:cNvSpPr>
+            <a:spLocks noGrp="1"/>
+          </p:cNvSpPr>
+          <p:nvPr>
+            <p:ph type="title"/>
+          </p:nvPr>
+        </p:nvSpPr>
+        <p:spPr/>
+        <p:txBody>
+          <a:bodyPr/>
+          <a:lstStyle/>
+          <a:p>
+            <a:r>
+              <a:rPr lang="pt-BR" dirty="0"/>
+              <a:t>Regressão Softmax</a:t>
+            </a:r>
+          </a:p>
+        </p:txBody>
+      </p:sp>
+      <mc:AlternateContent xmlns:mc="http://schemas.openxmlformats.org/markup-compatibility/2006" xmlns:a14="http://schemas.microsoft.com/office/drawing/2010/main">
+        <mc:Choice Requires="a14">
+          <p:sp>
+            <p:nvSpPr>
+              <p:cNvPr id="3" name="Content Placeholder 2"/>
+              <p:cNvSpPr>
+                <a:spLocks noGrp="1"/>
+              </p:cNvSpPr>
+              <p:nvPr>
+                <p:ph idx="1"/>
+              </p:nvPr>
+            </p:nvSpPr>
+            <p:spPr/>
+            <p:txBody>
+              <a:bodyPr>
+                <a:normAutofit fontScale="92500"/>
+              </a:bodyPr>
+              <a:lstStyle/>
+              <a:p>
+                <a:r>
                   <a:rPr lang="pt-BR" dirty="0" smtClean="0"/>
-                  <a:t> contém os </a:t>
+                  <a:t>Usando-se </a:t>
                 </a:r>
                 <a:r>
                   <a:rPr lang="pt-BR" dirty="0"/>
-                  <a:t>vetores de pesos de cada classe</a:t>
-                </a:r>
-                <a:r>
-                  <a:rPr lang="pt-BR" dirty="0" smtClean="0"/>
-                  <a:t>.</a:t>
-                </a:r>
-                <a:endParaRPr lang="pt-BR" dirty="0" smtClean="0"/>
-              </a:p>
-              <a:p>
-                <a:r>
-                  <a:rPr lang="pt-BR" dirty="0"/>
-                  <a:t>Usando-se a representação </a:t>
+                  <a:t>a representação </a:t>
                 </a:r>
                 <a:r>
                   <a:rPr lang="pt-BR" b="1" i="1" dirty="0"/>
@@ -6426,7 +6948,291 @@
                   <a:rPr lang="pt-BR" dirty="0"/>
                   <a:t> e </a:t>
                 </a:r>
-                <a:endParaRPr lang="pt-BR" dirty="0" smtClean="0"/>
+              </a:p>
+              <a:p>
+                <a:pPr marL="0" indent="0" algn="ctr">
+                  <a:buNone/>
+                </a:pPr>
+                <a14:m>
+                  <m:oMathPara xmlns:m="http://schemas.openxmlformats.org/officeDocument/2006/math">
+                    <m:oMathParaPr>
+                      <m:jc m:val="centerGroup"/>
+                    </m:oMathParaPr>
+                    <m:oMath xmlns:m="http://schemas.openxmlformats.org/officeDocument/2006/math">
+                      <m:sSub>
+                        <m:sSubPr>
+                          <m:ctrlPr>
+                            <a:rPr lang="pt-BR" i="1">
+                              <a:latin typeface="Cambria Math" panose="02040503050406030204" pitchFamily="18" charset="0"/>
+                            </a:rPr>
+                          </m:ctrlPr>
+                        </m:sSubPr>
+                        <m:e>
+                          <m:r>
+                            <a:rPr lang="pt-BR" b="1" i="1">
+                              <a:latin typeface="Cambria Math" panose="02040503050406030204" pitchFamily="18" charset="0"/>
+                            </a:rPr>
+                            <m:t>𝒉</m:t>
+                          </m:r>
+                        </m:e>
+                        <m:sub>
+                          <m:r>
+                            <a:rPr lang="pt-BR" b="1" i="1">
+                              <a:latin typeface="Cambria Math" panose="02040503050406030204" pitchFamily="18" charset="0"/>
+                            </a:rPr>
+                            <m:t>𝒂</m:t>
+                          </m:r>
+                        </m:sub>
+                      </m:sSub>
+                      <m:d>
+                        <m:dPr>
+                          <m:ctrlPr>
+                            <a:rPr lang="pt-BR" i="1">
+                              <a:latin typeface="Cambria Math" panose="02040503050406030204" pitchFamily="18" charset="0"/>
+                            </a:rPr>
+                          </m:ctrlPr>
+                        </m:dPr>
+                        <m:e>
+                          <m:r>
+                            <a:rPr lang="pt-BR" b="1" i="1">
+                              <a:latin typeface="Cambria Math" panose="02040503050406030204" pitchFamily="18" charset="0"/>
+                            </a:rPr>
+                            <m:t>𝒙</m:t>
+                          </m:r>
+                          <m:d>
+                            <m:dPr>
+                              <m:ctrlPr>
+                                <a:rPr lang="pt-BR" b="1" i="1">
+                                  <a:latin typeface="Cambria Math" panose="02040503050406030204" pitchFamily="18" charset="0"/>
+                                </a:rPr>
+                              </m:ctrlPr>
+                            </m:dPr>
+                            <m:e>
+                              <m:r>
+                                <a:rPr lang="pt-BR" i="1">
+                                  <a:latin typeface="Cambria Math" panose="02040503050406030204" pitchFamily="18" charset="0"/>
+                                </a:rPr>
+                                <m:t>𝑖</m:t>
+                              </m:r>
+                            </m:e>
+                          </m:d>
+                        </m:e>
+                      </m:d>
+                      <m:r>
+                        <a:rPr lang="pt-BR" b="1" i="1">
+                          <a:latin typeface="Cambria Math" panose="02040503050406030204" pitchFamily="18" charset="0"/>
+                        </a:rPr>
+                        <m:t>=</m:t>
+                      </m:r>
+                      <m:sSup>
+                        <m:sSupPr>
+                          <m:ctrlPr>
+                            <a:rPr lang="pt-BR" b="1" i="1">
+                              <a:latin typeface="Cambria Math" panose="02040503050406030204" pitchFamily="18" charset="0"/>
+                            </a:rPr>
+                          </m:ctrlPr>
+                        </m:sSupPr>
+                        <m:e>
+                          <m:d>
+                            <m:dPr>
+                              <m:begChr m:val="["/>
+                              <m:endChr m:val="]"/>
+                              <m:ctrlPr>
+                                <a:rPr lang="pt-BR" b="1" i="1">
+                                  <a:latin typeface="Cambria Math" panose="02040503050406030204" pitchFamily="18" charset="0"/>
+                                </a:rPr>
+                              </m:ctrlPr>
+                            </m:dPr>
+                            <m:e>
+                              <m:m>
+                                <m:mPr>
+                                  <m:mcs>
+                                    <m:mc>
+                                      <m:mcPr>
+                                        <m:count m:val="3"/>
+                                        <m:mcJc m:val="center"/>
+                                      </m:mcPr>
+                                    </m:mc>
+                                  </m:mcs>
+                                  <m:ctrlPr>
+                                    <a:rPr lang="pt-BR" b="1" i="1">
+                                      <a:latin typeface="Cambria Math" panose="02040503050406030204" pitchFamily="18" charset="0"/>
+                                    </a:rPr>
+                                  </m:ctrlPr>
+                                </m:mPr>
+                                <m:mr>
+                                  <m:e>
+                                    <m:sSubSup>
+                                      <m:sSubSupPr>
+                                        <m:ctrlPr>
+                                          <a:rPr lang="pt-BR" b="1" i="1">
+                                            <a:latin typeface="Cambria Math" panose="02040503050406030204" pitchFamily="18" charset="0"/>
+                                          </a:rPr>
+                                        </m:ctrlPr>
+                                      </m:sSubSupPr>
+                                      <m:e>
+                                        <m:r>
+                                          <a:rPr lang="pt-BR" i="1">
+                                            <a:latin typeface="Cambria Math" panose="02040503050406030204" pitchFamily="18" charset="0"/>
+                                          </a:rPr>
+                                          <m:t>h</m:t>
+                                        </m:r>
+                                      </m:e>
+                                      <m:sub>
+                                        <m:r>
+                                          <a:rPr lang="pt-BR" b="1" i="1">
+                                            <a:latin typeface="Cambria Math" panose="02040503050406030204" pitchFamily="18" charset="0"/>
+                                          </a:rPr>
+                                          <m:t>𝒂</m:t>
+                                        </m:r>
+                                      </m:sub>
+                                      <m:sup>
+                                        <m:r>
+                                          <a:rPr lang="pt-BR" i="1">
+                                            <a:latin typeface="Cambria Math" panose="02040503050406030204" pitchFamily="18" charset="0"/>
+                                          </a:rPr>
+                                          <m:t>1</m:t>
+                                        </m:r>
+                                      </m:sup>
+                                    </m:sSubSup>
+                                    <m:d>
+                                      <m:dPr>
+                                        <m:ctrlPr>
+                                          <a:rPr lang="pt-BR" i="1">
+                                            <a:latin typeface="Cambria Math" panose="02040503050406030204" pitchFamily="18" charset="0"/>
+                                          </a:rPr>
+                                        </m:ctrlPr>
+                                      </m:dPr>
+                                      <m:e>
+                                        <m:r>
+                                          <a:rPr lang="pt-BR" b="1" i="1">
+                                            <a:latin typeface="Cambria Math" panose="02040503050406030204" pitchFamily="18" charset="0"/>
+                                          </a:rPr>
+                                          <m:t>𝒙</m:t>
+                                        </m:r>
+                                        <m:d>
+                                          <m:dPr>
+                                            <m:ctrlPr>
+                                              <a:rPr lang="pt-BR" b="1" i="1">
+                                                <a:latin typeface="Cambria Math" panose="02040503050406030204" pitchFamily="18" charset="0"/>
+                                              </a:rPr>
+                                            </m:ctrlPr>
+                                          </m:dPr>
+                                          <m:e>
+                                            <m:r>
+                                              <a:rPr lang="pt-BR" i="1">
+                                                <a:latin typeface="Cambria Math" panose="02040503050406030204" pitchFamily="18" charset="0"/>
+                                              </a:rPr>
+                                              <m:t>𝑖</m:t>
+                                            </m:r>
+                                          </m:e>
+                                        </m:d>
+                                      </m:e>
+                                    </m:d>
+                                    <m:r>
+                                      <a:rPr lang="pt-BR" b="1" i="1">
+                                        <a:latin typeface="Cambria Math" panose="02040503050406030204" pitchFamily="18" charset="0"/>
+                                      </a:rPr>
+                                      <m:t>,</m:t>
+                                    </m:r>
+                                  </m:e>
+                                  <m:e>
+                                    <m:r>
+                                      <a:rPr lang="pt-BR" b="1" i="1">
+                                        <a:latin typeface="Cambria Math" panose="02040503050406030204" pitchFamily="18" charset="0"/>
+                                      </a:rPr>
+                                      <m:t>⋯,</m:t>
+                                    </m:r>
+                                  </m:e>
+                                  <m:e>
+                                    <m:sSubSup>
+                                      <m:sSubSupPr>
+                                        <m:ctrlPr>
+                                          <a:rPr lang="pt-BR" b="1" i="1">
+                                            <a:latin typeface="Cambria Math" panose="02040503050406030204" pitchFamily="18" charset="0"/>
+                                          </a:rPr>
+                                        </m:ctrlPr>
+                                      </m:sSubSupPr>
+                                      <m:e>
+                                        <m:r>
+                                          <a:rPr lang="pt-BR" i="1">
+                                            <a:latin typeface="Cambria Math" panose="02040503050406030204" pitchFamily="18" charset="0"/>
+                                          </a:rPr>
+                                          <m:t>h</m:t>
+                                        </m:r>
+                                      </m:e>
+                                      <m:sub>
+                                        <m:r>
+                                          <a:rPr lang="pt-BR" b="1" i="1">
+                                            <a:latin typeface="Cambria Math" panose="02040503050406030204" pitchFamily="18" charset="0"/>
+                                          </a:rPr>
+                                          <m:t>𝒂</m:t>
+                                        </m:r>
+                                      </m:sub>
+                                      <m:sup>
+                                        <m:r>
+                                          <a:rPr lang="pt-BR" i="1">
+                                            <a:latin typeface="Cambria Math" panose="02040503050406030204" pitchFamily="18" charset="0"/>
+                                          </a:rPr>
+                                          <m:t>𝑄</m:t>
+                                        </m:r>
+                                      </m:sup>
+                                    </m:sSubSup>
+                                    <m:d>
+                                      <m:dPr>
+                                        <m:ctrlPr>
+                                          <a:rPr lang="pt-BR" i="1">
+                                            <a:latin typeface="Cambria Math" panose="02040503050406030204" pitchFamily="18" charset="0"/>
+                                          </a:rPr>
+                                        </m:ctrlPr>
+                                      </m:dPr>
+                                      <m:e>
+                                        <m:r>
+                                          <a:rPr lang="pt-BR" b="1" i="1">
+                                            <a:latin typeface="Cambria Math" panose="02040503050406030204" pitchFamily="18" charset="0"/>
+                                          </a:rPr>
+                                          <m:t>𝒙</m:t>
+                                        </m:r>
+                                        <m:d>
+                                          <m:dPr>
+                                            <m:ctrlPr>
+                                              <a:rPr lang="pt-BR" b="1" i="1">
+                                                <a:latin typeface="Cambria Math" panose="02040503050406030204" pitchFamily="18" charset="0"/>
+                                              </a:rPr>
+                                            </m:ctrlPr>
+                                          </m:dPr>
+                                          <m:e>
+                                            <m:r>
+                                              <a:rPr lang="pt-BR" i="1">
+                                                <a:latin typeface="Cambria Math" panose="02040503050406030204" pitchFamily="18" charset="0"/>
+                                              </a:rPr>
+                                              <m:t>𝑖</m:t>
+                                            </m:r>
+                                          </m:e>
+                                        </m:d>
+                                      </m:e>
+                                    </m:d>
+                                  </m:e>
+                                </m:mr>
+                              </m:m>
+                            </m:e>
+                          </m:d>
+                        </m:e>
+                        <m:sup>
+                          <m:r>
+                            <a:rPr lang="pt-BR" i="1">
+                              <a:latin typeface="Cambria Math" panose="02040503050406030204" pitchFamily="18" charset="0"/>
+                            </a:rPr>
+                            <m:t>𝑇</m:t>
+                          </m:r>
+                        </m:sup>
+                      </m:sSup>
+                    </m:oMath>
+                  </m:oMathPara>
+                </a14:m>
+                <a:endParaRPr lang="pt-BR" b="1" i="1" dirty="0" smtClean="0">
+                  <a:latin typeface="Cambria Math" panose="02040503050406030204" pitchFamily="18" charset="0"/>
+                </a:endParaRPr>
               </a:p>
               <a:p>
                 <a:pPr marL="0" indent="0" algn="ctr">
@@ -6434,70 +7240,11 @@
                 </a:pPr>
                 <a14:m>
                   <m:oMath xmlns:m="http://schemas.openxmlformats.org/officeDocument/2006/math">
-                    <m:sSub>
-                      <m:sSubPr>
-                        <m:ctrlPr>
-                          <a:rPr lang="pt-BR" i="1">
-                            <a:latin typeface="Cambria Math" panose="02040503050406030204" pitchFamily="18" charset="0"/>
-                          </a:rPr>
-                        </m:ctrlPr>
-                      </m:sSubPr>
-                      <m:e>
-                        <m:r>
-                          <a:rPr lang="pt-BR" b="1" i="1">
-                            <a:latin typeface="Cambria Math" panose="02040503050406030204" pitchFamily="18" charset="0"/>
-                          </a:rPr>
-                          <m:t>𝒉</m:t>
-                        </m:r>
-                      </m:e>
-                      <m:sub>
-                        <m:r>
-                          <a:rPr lang="pt-BR" b="1" i="1">
-                            <a:latin typeface="Cambria Math" panose="02040503050406030204" pitchFamily="18" charset="0"/>
-                          </a:rPr>
-                          <m:t>𝒂</m:t>
-                        </m:r>
-                      </m:sub>
-                    </m:sSub>
-                    <m:d>
-                      <m:dPr>
-                        <m:ctrlPr>
-                          <a:rPr lang="pt-BR" i="1">
-                            <a:latin typeface="Cambria Math" panose="02040503050406030204" pitchFamily="18" charset="0"/>
-                          </a:rPr>
-                        </m:ctrlPr>
-                      </m:dPr>
-                      <m:e>
-                        <m:r>
-                          <a:rPr lang="pt-BR" b="1" i="1">
-                            <a:latin typeface="Cambria Math" panose="02040503050406030204" pitchFamily="18" charset="0"/>
-                          </a:rPr>
-                          <m:t>𝒙</m:t>
-                        </m:r>
-                        <m:d>
-                          <m:dPr>
-                            <m:ctrlPr>
-                              <a:rPr lang="pt-BR" b="1" i="1">
-                                <a:latin typeface="Cambria Math" panose="02040503050406030204" pitchFamily="18" charset="0"/>
-                              </a:rPr>
-                            </m:ctrlPr>
-                          </m:dPr>
-                          <m:e>
-                            <m:r>
-                              <a:rPr lang="pt-BR" i="1">
-                                <a:latin typeface="Cambria Math" panose="02040503050406030204" pitchFamily="18" charset="0"/>
-                              </a:rPr>
-                              <m:t>𝑖</m:t>
-                            </m:r>
-                          </m:e>
-                        </m:d>
-                      </m:e>
-                    </m:d>
                     <m:r>
-                      <a:rPr lang="pt-BR" b="1" i="1">
+                      <a:rPr lang="pt-BR" b="1" i="1" smtClean="0">
                         <a:latin typeface="Cambria Math" panose="02040503050406030204" pitchFamily="18" charset="0"/>
                       </a:rPr>
-                      <m:t>=</m:t>
+                      <m:t>                                </m:t>
                     </m:r>
                     <m:sSup>
                       <m:sSupPr>
@@ -6508,215 +7255,12 @@
                         </m:ctrlPr>
                       </m:sSupPr>
                       <m:e>
-                        <m:d>
-                          <m:dPr>
-                            <m:begChr m:val="["/>
-                            <m:endChr m:val="]"/>
-                            <m:ctrlPr>
-                              <a:rPr lang="pt-BR" b="1" i="1">
-                                <a:latin typeface="Cambria Math" panose="02040503050406030204" pitchFamily="18" charset="0"/>
-                              </a:rPr>
-                            </m:ctrlPr>
-                          </m:dPr>
-                          <m:e>
-                            <m:m>
-                              <m:mPr>
-                                <m:mcs>
-                                  <m:mc>
-                                    <m:mcPr>
-                                      <m:count m:val="3"/>
-                                      <m:mcJc m:val="center"/>
-                                    </m:mcPr>
-                                  </m:mc>
-                                </m:mcs>
-                                <m:ctrlPr>
-                                  <a:rPr lang="pt-BR" b="1" i="1">
-                                    <a:latin typeface="Cambria Math" panose="02040503050406030204" pitchFamily="18" charset="0"/>
-                                  </a:rPr>
-                                </m:ctrlPr>
-                              </m:mPr>
-                              <m:mr>
-                                <m:e>
-                                  <m:sSubSup>
-                                    <m:sSubSupPr>
-                                      <m:ctrlPr>
-                                        <a:rPr lang="pt-BR" b="1" i="1">
-                                          <a:latin typeface="Cambria Math" panose="02040503050406030204" pitchFamily="18" charset="0"/>
-                                        </a:rPr>
-                                      </m:ctrlPr>
-                                    </m:sSubSupPr>
-                                    <m:e>
-                                      <m:r>
-                                        <a:rPr lang="pt-BR" i="1">
-                                          <a:latin typeface="Cambria Math" panose="02040503050406030204" pitchFamily="18" charset="0"/>
-                                        </a:rPr>
-                                        <m:t>h</m:t>
-                                      </m:r>
-                                    </m:e>
-                                    <m:sub>
-                                      <m:r>
-                                        <a:rPr lang="pt-BR" b="1" i="1">
-                                          <a:latin typeface="Cambria Math" panose="02040503050406030204" pitchFamily="18" charset="0"/>
-                                        </a:rPr>
-                                        <m:t>𝒂</m:t>
-                                      </m:r>
-                                    </m:sub>
-                                    <m:sup>
-                                      <m:r>
-                                        <a:rPr lang="pt-BR" i="1">
-                                          <a:latin typeface="Cambria Math" panose="02040503050406030204" pitchFamily="18" charset="0"/>
-                                        </a:rPr>
-                                        <m:t>1</m:t>
-                                      </m:r>
-                                    </m:sup>
-                                  </m:sSubSup>
-                                  <m:d>
-                                    <m:dPr>
-                                      <m:ctrlPr>
-                                        <a:rPr lang="pt-BR" i="1">
-                                          <a:latin typeface="Cambria Math" panose="02040503050406030204" pitchFamily="18" charset="0"/>
-                                        </a:rPr>
-                                      </m:ctrlPr>
-                                    </m:dPr>
-                                    <m:e>
-                                      <m:r>
-                                        <a:rPr lang="pt-BR" b="1" i="1">
-                                          <a:latin typeface="Cambria Math" panose="02040503050406030204" pitchFamily="18" charset="0"/>
-                                        </a:rPr>
-                                        <m:t>𝒙</m:t>
-                                      </m:r>
-                                      <m:d>
-                                        <m:dPr>
-                                          <m:ctrlPr>
-                                            <a:rPr lang="pt-BR" b="1" i="1">
-                                              <a:latin typeface="Cambria Math" panose="02040503050406030204" pitchFamily="18" charset="0"/>
-                                            </a:rPr>
-                                          </m:ctrlPr>
-                                        </m:dPr>
-                                        <m:e>
-                                          <m:r>
-                                            <a:rPr lang="pt-BR" i="1">
-                                              <a:latin typeface="Cambria Math" panose="02040503050406030204" pitchFamily="18" charset="0"/>
-                                            </a:rPr>
-                                            <m:t>𝑖</m:t>
-                                          </m:r>
-                                        </m:e>
-                                      </m:d>
-                                    </m:e>
-                                  </m:d>
-                                  <m:r>
-                                    <a:rPr lang="pt-BR" b="1" i="1">
-                                      <a:latin typeface="Cambria Math" panose="02040503050406030204" pitchFamily="18" charset="0"/>
-                                    </a:rPr>
-                                    <m:t>,</m:t>
-                                  </m:r>
-                                </m:e>
-                                <m:e>
-                                  <m:r>
-                                    <a:rPr lang="pt-BR" b="1" i="1">
-                                      <a:latin typeface="Cambria Math" panose="02040503050406030204" pitchFamily="18" charset="0"/>
-                                    </a:rPr>
-                                    <m:t>⋯,</m:t>
-                                  </m:r>
-                                </m:e>
-                                <m:e>
-                                  <m:sSubSup>
-                                    <m:sSubSupPr>
-                                      <m:ctrlPr>
-                                        <a:rPr lang="pt-BR" b="1" i="1">
-                                          <a:latin typeface="Cambria Math" panose="02040503050406030204" pitchFamily="18" charset="0"/>
-                                        </a:rPr>
-                                      </m:ctrlPr>
-                                    </m:sSubSupPr>
-                                    <m:e>
-                                      <m:r>
-                                        <a:rPr lang="pt-BR" i="1">
-                                          <a:latin typeface="Cambria Math" panose="02040503050406030204" pitchFamily="18" charset="0"/>
-                                        </a:rPr>
-                                        <m:t>h</m:t>
-                                      </m:r>
-                                    </m:e>
-                                    <m:sub>
-                                      <m:r>
-                                        <a:rPr lang="pt-BR" b="1" i="1">
-                                          <a:latin typeface="Cambria Math" panose="02040503050406030204" pitchFamily="18" charset="0"/>
-                                        </a:rPr>
-                                        <m:t>𝒂</m:t>
-                                      </m:r>
-                                    </m:sub>
-                                    <m:sup>
-                                      <m:r>
-                                        <a:rPr lang="pt-BR" i="1">
-                                          <a:latin typeface="Cambria Math" panose="02040503050406030204" pitchFamily="18" charset="0"/>
-                                        </a:rPr>
-                                        <m:t>𝑄</m:t>
-                                      </m:r>
-                                    </m:sup>
-                                  </m:sSubSup>
-                                  <m:d>
-                                    <m:dPr>
-                                      <m:ctrlPr>
-                                        <a:rPr lang="pt-BR" i="1">
-                                          <a:latin typeface="Cambria Math" panose="02040503050406030204" pitchFamily="18" charset="0"/>
-                                        </a:rPr>
-                                      </m:ctrlPr>
-                                    </m:dPr>
-                                    <m:e>
-                                      <m:r>
-                                        <a:rPr lang="pt-BR" b="1" i="1">
-                                          <a:latin typeface="Cambria Math" panose="02040503050406030204" pitchFamily="18" charset="0"/>
-                                        </a:rPr>
-                                        <m:t>𝒙</m:t>
-                                      </m:r>
-                                      <m:d>
-                                        <m:dPr>
-                                          <m:ctrlPr>
-                                            <a:rPr lang="pt-BR" b="1" i="1">
-                                              <a:latin typeface="Cambria Math" panose="02040503050406030204" pitchFamily="18" charset="0"/>
-                                            </a:rPr>
-                                          </m:ctrlPr>
-                                        </m:dPr>
-                                        <m:e>
-                                          <m:r>
-                                            <a:rPr lang="pt-BR" i="1">
-                                              <a:latin typeface="Cambria Math" panose="02040503050406030204" pitchFamily="18" charset="0"/>
-                                            </a:rPr>
-                                            <m:t>𝑖</m:t>
-                                          </m:r>
-                                        </m:e>
-                                      </m:d>
-                                    </m:e>
-                                  </m:d>
-                                </m:e>
-                              </m:mr>
-                            </m:m>
-                          </m:e>
-                        </m:d>
-                      </m:e>
-                      <m:sup>
                         <m:r>
-                          <a:rPr lang="pt-BR" i="1">
-                            <a:latin typeface="Cambria Math" panose="02040503050406030204" pitchFamily="18" charset="0"/>
-                          </a:rPr>
-                          <m:t>𝑇</m:t>
+                          <a:rPr lang="pt-BR" b="1" i="1" smtClean="0">
+                            <a:latin typeface="Cambria Math" panose="02040503050406030204" pitchFamily="18" charset="0"/>
+                          </a:rPr>
+                          <m:t>           =</m:t>
                         </m:r>
-                      </m:sup>
-                    </m:sSup>
-                    <m:r>
-                      <a:rPr lang="pt-BR" b="1" i="1">
-                        <a:latin typeface="Cambria Math" panose="02040503050406030204" pitchFamily="18" charset="0"/>
-                      </a:rPr>
-                      <m:t>=</m:t>
-                    </m:r>
-                    <m:sSup>
-                      <m:sSupPr>
-                        <m:ctrlPr>
-                          <a:rPr lang="pt-BR" b="1" i="1">
-                            <a:latin typeface="Cambria Math" panose="02040503050406030204" pitchFamily="18" charset="0"/>
-                          </a:rPr>
-                        </m:ctrlPr>
-                      </m:sSupPr>
-                      <m:e>
                         <m:d>
                           <m:dPr>
                             <m:begChr m:val="["/>
@@ -6807,6 +7351,23 @@
                                     </a:rPr>
                                     <m:t>𝒙</m:t>
                                   </m:r>
+                                  <m:d>
+                                    <m:dPr>
+                                      <m:ctrlPr>
+                                        <a:rPr lang="pt-BR" b="1" i="1">
+                                          <a:latin typeface="Cambria Math" panose="02040503050406030204" pitchFamily="18" charset="0"/>
+                                        </a:rPr>
+                                      </m:ctrlPr>
+                                    </m:dPr>
+                                    <m:e>
+                                      <m:r>
+                                        <a:rPr lang="pt-BR" i="1">
+                                          <a:latin typeface="Cambria Math" panose="02040503050406030204" pitchFamily="18" charset="0"/>
+                                        </a:rPr>
+                                        <m:t>𝑖</m:t>
+                                      </m:r>
+                                    </m:e>
+                                  </m:d>
                                   <m:r>
                                     <a:rPr lang="pt-BR" i="1">
                                       <a:latin typeface="Cambria Math" panose="02040503050406030204" pitchFamily="18" charset="0"/>
@@ -6915,6 +7476,23 @@
                                     </a:rPr>
                                     <m:t>𝒙</m:t>
                                   </m:r>
+                                  <m:d>
+                                    <m:dPr>
+                                      <m:ctrlPr>
+                                        <a:rPr lang="pt-BR" b="1" i="1">
+                                          <a:latin typeface="Cambria Math" panose="02040503050406030204" pitchFamily="18" charset="0"/>
+                                        </a:rPr>
+                                      </m:ctrlPr>
+                                    </m:dPr>
+                                    <m:e>
+                                      <m:r>
+                                        <a:rPr lang="pt-BR" i="1">
+                                          <a:latin typeface="Cambria Math" panose="02040503050406030204" pitchFamily="18" charset="0"/>
+                                        </a:rPr>
+                                        <m:t>𝑖</m:t>
+                                      </m:r>
+                                    </m:e>
+                                  </m:d>
                                   <m:r>
                                     <a:rPr lang="pt-BR" i="1">
                                       <a:latin typeface="Cambria Math" panose="02040503050406030204" pitchFamily="18" charset="0"/>
@@ -6977,22 +7555,18 @@
               <a:p>
                 <a:r>
                   <a:rPr lang="pt-BR" dirty="0"/>
-                  <a:t>Observem que, quando existem apenas duas classes </a:t>
-                </a:r>
-                <a:r>
-                  <a:rPr lang="pt-BR" dirty="0" smtClean="0"/>
-                  <a:t>(</a:t>
+                  <a:t>Observem que, quando existem apenas duas classes (</a:t>
                 </a:r>
                 <a14:m>
                   <m:oMath xmlns:m="http://schemas.openxmlformats.org/officeDocument/2006/math">
                     <m:r>
-                      <a:rPr lang="pt-BR" b="0" i="1" smtClean="0">
+                      <a:rPr lang="pt-BR" i="1">
                         <a:latin typeface="Cambria Math" panose="02040503050406030204" pitchFamily="18" charset="0"/>
                       </a:rPr>
                       <m:t>𝑄</m:t>
                     </m:r>
                     <m:r>
-                      <a:rPr lang="pt-BR" b="0" i="1" smtClean="0">
+                      <a:rPr lang="pt-BR" i="1">
                         <a:latin typeface="Cambria Math" panose="02040503050406030204" pitchFamily="18" charset="0"/>
                       </a:rPr>
                       <m:t>=2</m:t>
@@ -7000,12 +7574,8 @@
                   </m:oMath>
                 </a14:m>
                 <a:r>
-                  <a:rPr lang="pt-BR" dirty="0" smtClean="0"/>
-                  <a:t>), </a:t>
-                </a:r>
-                <a:r>
                   <a:rPr lang="pt-BR" dirty="0"/>
-                  <a:t>a </a:t>
+                  <a:t>), a </a:t>
                 </a:r>
                 <a:r>
                   <a:rPr lang="pt-BR" b="1" i="1" dirty="0"/>
@@ -7020,23 +7590,22 @@
                   <a:t>função de erro </a:t>
                 </a:r>
                 <a:r>
-                  <a:rPr lang="pt-BR" dirty="0" smtClean="0"/>
+                  <a:rPr lang="pt-BR" dirty="0"/>
                   <a:t>do </a:t>
                 </a:r>
                 <a:r>
-                  <a:rPr lang="pt-BR" b="1" i="1" dirty="0" smtClean="0"/>
+                  <a:rPr lang="pt-BR" b="1" i="1" dirty="0"/>
                   <a:t>regressor logístico</a:t>
                 </a:r>
                 <a:r>
-                  <a:rPr lang="pt-BR" dirty="0" smtClean="0"/>
+                  <a:rPr lang="pt-BR" dirty="0"/>
                   <a:t>.</a:t>
                 </a:r>
-                <a:endParaRPr lang="pt-BR" dirty="0"/>
               </a:p>
             </p:txBody>
           </p:sp>
         </mc:Choice>
-        <mc:Fallback>
+        <mc:Fallback xmlns="">
           <p:sp>
             <p:nvSpPr>
               <p:cNvPr id="3" name="Content Placeholder 2"/>
@@ -7048,14 +7617,10 @@
               </p:nvPr>
             </p:nvSpPr>
             <p:spPr>
-              <a:xfrm>
-                <a:off x="838199" y="1487606"/>
-                <a:ext cx="11130887" cy="5370394"/>
-              </a:xfrm>
               <a:blipFill rotWithShape="0">
                 <a:blip r:embed="rId3"/>
                 <a:stretch>
-                  <a:fillRect l="-821" t="-2611" r="-1424" b="-1703"/>
+                  <a:fillRect l="-1043" t="-2101" r="-232" b="-1401"/>
                 </a:stretch>
               </a:blipFill>
             </p:spPr>
@@ -7074,194 +7639,20 @@
           </p:sp>
         </mc:Fallback>
       </mc:AlternateContent>
-      <mc:AlternateContent xmlns:mc="http://schemas.openxmlformats.org/markup-compatibility/2006">
-        <mc:Choice xmlns:a14="http://schemas.microsoft.com/office/drawing/2010/main" Requires="a14">
-          <p:sp>
-            <p:nvSpPr>
-              <p:cNvPr id="7" name="TextBox 6"/>
-              <p:cNvSpPr txBox="1"/>
-              <p:nvPr/>
-            </p:nvSpPr>
-            <p:spPr>
-              <a:xfrm>
-                <a:off x="10351652" y="2192683"/>
-                <a:ext cx="1840348" cy="656975"/>
-              </a:xfrm>
-              <a:prstGeom prst="rect">
-                <a:avLst/>
-              </a:prstGeom>
-              <a:noFill/>
-            </p:spPr>
-            <p:txBody>
-              <a:bodyPr wrap="square" rtlCol="0">
-                <a:spAutoFit/>
-              </a:bodyPr>
-              <a:lstStyle/>
-              <a:p>
-                <a:pPr algn="ctr"/>
-                <a:r>
-                  <a:rPr lang="pt-BR" sz="1200" dirty="0" smtClean="0"/>
-                  <a:t>O erro tende a 0 quando </a:t>
-                </a:r>
-                <a14:m>
-                  <m:oMath xmlns:m="http://schemas.openxmlformats.org/officeDocument/2006/math">
-                    <m:sSubSup>
-                      <m:sSubSupPr>
-                        <m:ctrlPr>
-                          <a:rPr lang="pt-BR" sz="1200" b="1" i="1">
-                            <a:latin typeface="Cambria Math" panose="02040503050406030204" pitchFamily="18" charset="0"/>
-                          </a:rPr>
-                        </m:ctrlPr>
-                      </m:sSubSupPr>
-                      <m:e>
-                        <m:r>
-                          <a:rPr lang="pt-BR" sz="1200" i="1">
-                            <a:latin typeface="Cambria Math" panose="02040503050406030204" pitchFamily="18" charset="0"/>
-                          </a:rPr>
-                          <m:t>h</m:t>
-                        </m:r>
-                      </m:e>
-                      <m:sub>
-                        <m:r>
-                          <a:rPr lang="pt-BR" sz="1200" b="1" i="1">
-                            <a:latin typeface="Cambria Math" panose="02040503050406030204" pitchFamily="18" charset="0"/>
-                          </a:rPr>
-                          <m:t>𝒂</m:t>
-                        </m:r>
-                      </m:sub>
-                      <m:sup>
-                        <m:r>
-                          <a:rPr lang="pt-BR" sz="1200" i="1">
-                            <a:latin typeface="Cambria Math" panose="02040503050406030204" pitchFamily="18" charset="0"/>
-                          </a:rPr>
-                          <m:t>𝑞</m:t>
-                        </m:r>
-                      </m:sup>
-                    </m:sSubSup>
-                    <m:d>
-                      <m:dPr>
-                        <m:ctrlPr>
-                          <a:rPr lang="pt-BR" sz="1200" i="1">
-                            <a:latin typeface="Cambria Math" panose="02040503050406030204" pitchFamily="18" charset="0"/>
-                          </a:rPr>
-                        </m:ctrlPr>
-                      </m:dPr>
-                      <m:e>
-                        <m:r>
-                          <a:rPr lang="pt-BR" sz="1200" b="1" i="1">
-                            <a:latin typeface="Cambria Math" panose="02040503050406030204" pitchFamily="18" charset="0"/>
-                          </a:rPr>
-                          <m:t>𝒙</m:t>
-                        </m:r>
-                      </m:e>
-                    </m:d>
-                  </m:oMath>
-                </a14:m>
-                <a:r>
-                  <a:rPr lang="pt-BR" sz="1200" dirty="0" smtClean="0"/>
-                  <a:t> tende a 1, caso contrário, o erro aumenta.</a:t>
-                </a:r>
-                <a:endParaRPr lang="pt-BR" sz="1200" dirty="0"/>
-              </a:p>
-            </p:txBody>
-          </p:sp>
-        </mc:Choice>
-        <mc:Fallback>
-          <p:sp>
-            <p:nvSpPr>
-              <p:cNvPr id="7" name="TextBox 6"/>
-              <p:cNvSpPr txBox="1">
-                <a:spLocks noRot="1" noChangeAspect="1" noMove="1" noResize="1" noEditPoints="1" noAdjustHandles="1" noChangeArrowheads="1" noChangeShapeType="1" noTextEdit="1"/>
-              </p:cNvSpPr>
-              <p:nvPr/>
-            </p:nvSpPr>
-            <p:spPr>
-              <a:xfrm>
-                <a:off x="10351652" y="2192683"/>
-                <a:ext cx="1840348" cy="656975"/>
-              </a:xfrm>
-              <a:prstGeom prst="rect">
-                <a:avLst/>
-              </a:prstGeom>
-              <a:blipFill rotWithShape="0">
-                <a:blip r:embed="rId4"/>
-                <a:stretch>
-                  <a:fillRect t="-935" b="-7477"/>
-                </a:stretch>
-              </a:blipFill>
-            </p:spPr>
-            <p:txBody>
-              <a:bodyPr/>
-              <a:lstStyle/>
-              <a:p>
-                <a:r>
-                  <a:rPr lang="pt-BR">
-                    <a:noFill/>
-                  </a:rPr>
-                  <a:t> </a:t>
-                </a:r>
-              </a:p>
-            </p:txBody>
-          </p:sp>
-        </mc:Fallback>
-      </mc:AlternateContent>
-      <p:cxnSp>
-        <p:nvCxnSpPr>
-          <p:cNvPr id="9" name="Straight Arrow Connector 8"/>
-          <p:cNvCxnSpPr/>
-          <p:nvPr/>
-        </p:nvCxnSpPr>
-        <p:spPr>
-          <a:xfrm flipH="1">
-            <a:off x="10030265" y="2419643"/>
-            <a:ext cx="422030" cy="239151"/>
-          </a:xfrm>
-          <a:prstGeom prst="straightConnector1">
-            <a:avLst/>
-          </a:prstGeom>
-          <a:ln>
-            <a:solidFill>
-              <a:srgbClr val="FF0000"/>
-            </a:solidFill>
-            <a:tailEnd type="triangle"/>
-          </a:ln>
-        </p:spPr>
-        <p:style>
-          <a:lnRef idx="1">
-            <a:schemeClr val="accent1"/>
-          </a:lnRef>
-          <a:fillRef idx="0">
-            <a:schemeClr val="accent1"/>
-          </a:fillRef>
-          <a:effectRef idx="0">
-            <a:schemeClr val="accent1"/>
-          </a:effectRef>
-          <a:fontRef idx="minor">
-            <a:schemeClr val="tx1"/>
-          </a:fontRef>
-        </p:style>
-      </p:cxnSp>
     </p:spTree>
     <p:extLst>
       <p:ext uri="{BB962C8B-B14F-4D97-AF65-F5344CB8AC3E}">
-        <p14:creationId xmlns:p14="http://schemas.microsoft.com/office/powerpoint/2010/main" val="1033239780"/>
+        <p14:creationId xmlns:p14="http://schemas.microsoft.com/office/powerpoint/2010/main" val="2341193327"/>
       </p:ext>
     </p:extLst>
   </p:cSld>
   <p:clrMapOvr>
     <a:masterClrMapping/>
   </p:clrMapOvr>
-  <p:timing>
-    <p:tnLst>
-      <p:par>
-        <p:cTn id="1" dur="indefinite" restart="never" nodeType="tmRoot"/>
-      </p:par>
-    </p:tnLst>
-  </p:timing>
 </p:sld>
 </file>
 
-<file path=ppt/slides/slide11.xml><?xml version="1.0" encoding="utf-8"?>
+<file path=ppt/slides/slide12.xml><?xml version="1.0" encoding="utf-8"?>
 <p:sld xmlns:a="http://schemas.openxmlformats.org/drawingml/2006/main" xmlns:r="http://schemas.openxmlformats.org/officeDocument/2006/relationships" xmlns:p="http://schemas.openxmlformats.org/presentationml/2006/main">
   <p:cSld>
     <p:spTree>
@@ -7288,12 +7679,7 @@
             <p:ph type="title"/>
           </p:nvPr>
         </p:nvSpPr>
-        <p:spPr>
-          <a:xfrm>
-            <a:off x="838200" y="222245"/>
-            <a:ext cx="10515600" cy="1325563"/>
-          </a:xfrm>
-        </p:spPr>
+        <p:spPr/>
         <p:txBody>
           <a:bodyPr/>
           <a:lstStyle/>
@@ -7305,8 +7691,8 @@
           </a:p>
         </p:txBody>
       </p:sp>
-      <mc:AlternateContent xmlns:mc="http://schemas.openxmlformats.org/markup-compatibility/2006">
-        <mc:Choice xmlns:a14="http://schemas.microsoft.com/office/drawing/2010/main" Requires="a14">
+      <mc:AlternateContent xmlns:mc="http://schemas.openxmlformats.org/markup-compatibility/2006" xmlns:a14="http://schemas.microsoft.com/office/drawing/2010/main">
+        <mc:Choice Requires="a14">
           <p:sp>
             <p:nvSpPr>
               <p:cNvPr id="3" name="Content Placeholder 2"/>
@@ -7317,20 +7703,13 @@
                 <p:ph idx="1"/>
               </p:nvPr>
             </p:nvSpPr>
-            <p:spPr>
-              <a:xfrm>
-                <a:off x="838199" y="1668456"/>
-                <a:ext cx="11203746" cy="5189544"/>
-              </a:xfrm>
-            </p:spPr>
+            <p:spPr/>
             <p:txBody>
-              <a:bodyPr>
-                <a:normAutofit fontScale="85000" lnSpcReduction="20000"/>
-              </a:bodyPr>
+              <a:bodyPr/>
               <a:lstStyle/>
               <a:p>
                 <a:r>
-                  <a:rPr lang="pt-BR" dirty="0" smtClean="0"/>
+                  <a:rPr lang="pt-BR" dirty="0"/>
                   <a:t>Usamos o algoritmo do </a:t>
                 </a:r>
                 <a:r>
@@ -7377,15 +7756,7 @@
                 </a:r>
                 <a:r>
                   <a:rPr lang="pt-BR" dirty="0"/>
-                  <a:t> </a:t>
-                </a:r>
-                <a:r>
-                  <a:rPr lang="pt-BR" dirty="0" smtClean="0"/>
-                  <a:t>da</a:t>
-                </a:r>
-                <a:r>
-                  <a:rPr lang="pt-BR" dirty="0" smtClean="0"/>
-                  <a:t> </a:t>
+                  <a:t> da </a:t>
                 </a:r>
                 <a:r>
                   <a:rPr lang="pt-BR" i="1" dirty="0"/>
@@ -7393,25 +7764,21 @@
                 </a:r>
                 <a:r>
                   <a:rPr lang="pt-BR" dirty="0"/>
-                  <a:t>-ésima </a:t>
-                </a:r>
-                <a:r>
-                  <a:rPr lang="pt-BR" dirty="0" smtClean="0"/>
-                  <a:t>classe, </a:t>
+                  <a:t>-ésima classe, </a:t>
                 </a:r>
                 <a14:m>
                   <m:oMath xmlns:m="http://schemas.openxmlformats.org/officeDocument/2006/math">
                     <m:sSub>
                       <m:sSubPr>
                         <m:ctrlPr>
-                          <a:rPr lang="pt-BR" i="1" smtClean="0">
+                          <a:rPr lang="pt-BR" i="1">
                             <a:latin typeface="Cambria Math" panose="02040503050406030204" pitchFamily="18" charset="0"/>
                           </a:rPr>
                         </m:ctrlPr>
                       </m:sSubPr>
                       <m:e>
                         <m:r>
-                          <a:rPr lang="pt-BR" b="0" i="1" smtClean="0">
+                          <a:rPr lang="pt-BR" i="1">
                             <a:latin typeface="Cambria Math" panose="02040503050406030204" pitchFamily="18" charset="0"/>
                           </a:rPr>
                           <m:t>𝐶</m:t>
@@ -7419,7 +7786,7 @@
                       </m:e>
                       <m:sub>
                         <m:r>
-                          <a:rPr lang="pt-BR" b="0" i="1" smtClean="0">
+                          <a:rPr lang="pt-BR" i="1">
                             <a:latin typeface="Cambria Math" panose="02040503050406030204" pitchFamily="18" charset="0"/>
                           </a:rPr>
                           <m:t>𝑞</m:t>
@@ -7429,12 +7796,8 @@
                   </m:oMath>
                 </a14:m>
                 <a:r>
-                  <a:rPr lang="pt-BR" dirty="0" smtClean="0"/>
-                  <a:t>, </a:t>
-                </a:r>
-                <a:r>
                   <a:rPr lang="pt-BR" dirty="0"/>
-                  <a:t>é dada por</a:t>
+                  <a:t>, é dada por</a:t>
                 </a:r>
               </a:p>
               <a:p>
@@ -8059,13 +8422,118 @@
                   </m:oMath>
                 </a14:m>
                 <a:r>
-                  <a:rPr lang="pt-BR" dirty="0"/>
+                  <a:rPr lang="pt-BR" dirty="0" smtClean="0"/>
                   <a:t>.</a:t>
                 </a:r>
                 <a:endParaRPr lang="pt-BR" i="1" dirty="0">
                   <a:latin typeface="Cambria Math" panose="02040503050406030204" pitchFamily="18" charset="0"/>
                 </a:endParaRPr>
               </a:p>
+            </p:txBody>
+          </p:sp>
+        </mc:Choice>
+        <mc:Fallback xmlns="">
+          <p:sp>
+            <p:nvSpPr>
+              <p:cNvPr id="3" name="Content Placeholder 2"/>
+              <p:cNvSpPr>
+                <a:spLocks noGrp="1" noRot="1" noChangeAspect="1" noMove="1" noResize="1" noEditPoints="1" noAdjustHandles="1" noChangeArrowheads="1" noChangeShapeType="1" noTextEdit="1"/>
+              </p:cNvSpPr>
+              <p:nvPr>
+                <p:ph idx="1"/>
+              </p:nvPr>
+            </p:nvSpPr>
+            <p:spPr>
+              <a:blipFill rotWithShape="0">
+                <a:blip r:embed="rId3"/>
+                <a:stretch>
+                  <a:fillRect l="-1043" t="-2241" r="-1681"/>
+                </a:stretch>
+              </a:blipFill>
+            </p:spPr>
+            <p:txBody>
+              <a:bodyPr/>
+              <a:lstStyle/>
+              <a:p>
+                <a:r>
+                  <a:rPr lang="pt-BR">
+                    <a:noFill/>
+                  </a:rPr>
+                  <a:t> </a:t>
+                </a:r>
+              </a:p>
+            </p:txBody>
+          </p:sp>
+        </mc:Fallback>
+      </mc:AlternateContent>
+    </p:spTree>
+    <p:extLst>
+      <p:ext uri="{BB962C8B-B14F-4D97-AF65-F5344CB8AC3E}">
+        <p14:creationId xmlns:p14="http://schemas.microsoft.com/office/powerpoint/2010/main" val="1092754510"/>
+      </p:ext>
+    </p:extLst>
+  </p:cSld>
+  <p:clrMapOvr>
+    <a:masterClrMapping/>
+  </p:clrMapOvr>
+</p:sld>
+</file>
+
+<file path=ppt/slides/slide13.xml><?xml version="1.0" encoding="utf-8"?>
+<p:sld xmlns:a="http://schemas.openxmlformats.org/drawingml/2006/main" xmlns:r="http://schemas.openxmlformats.org/officeDocument/2006/relationships" xmlns:p="http://schemas.openxmlformats.org/presentationml/2006/main">
+  <p:cSld>
+    <p:spTree>
+      <p:nvGrpSpPr>
+        <p:cNvPr id="1" name=""/>
+        <p:cNvGrpSpPr/>
+        <p:nvPr/>
+      </p:nvGrpSpPr>
+      <p:grpSpPr>
+        <a:xfrm>
+          <a:off x="0" y="0"/>
+          <a:ext cx="0" cy="0"/>
+          <a:chOff x="0" y="0"/>
+          <a:chExt cx="0" cy="0"/>
+        </a:xfrm>
+      </p:grpSpPr>
+      <p:sp>
+        <p:nvSpPr>
+          <p:cNvPr id="2" name="Title 1"/>
+          <p:cNvSpPr>
+            <a:spLocks noGrp="1"/>
+          </p:cNvSpPr>
+          <p:nvPr>
+            <p:ph type="title"/>
+          </p:nvPr>
+        </p:nvSpPr>
+        <p:spPr/>
+        <p:txBody>
+          <a:bodyPr/>
+          <a:lstStyle/>
+          <a:p>
+            <a:r>
+              <a:rPr lang="pt-BR" dirty="0"/>
+              <a:t>Regressão Softmax</a:t>
+            </a:r>
+          </a:p>
+        </p:txBody>
+      </p:sp>
+      <mc:AlternateContent xmlns:mc="http://schemas.openxmlformats.org/markup-compatibility/2006" xmlns:a14="http://schemas.microsoft.com/office/drawing/2010/main">
+        <mc:Choice Requires="a14">
+          <p:sp>
+            <p:nvSpPr>
+              <p:cNvPr id="3" name="Content Placeholder 2"/>
+              <p:cNvSpPr>
+                <a:spLocks noGrp="1"/>
+              </p:cNvSpPr>
+              <p:nvPr>
+                <p:ph idx="1"/>
+              </p:nvPr>
+            </p:nvSpPr>
+            <p:spPr/>
+            <p:txBody>
+              <a:bodyPr/>
+              <a:lstStyle/>
               <a:p>
                 <a14:m>
                   <m:oMath xmlns:m="http://schemas.openxmlformats.org/officeDocument/2006/math">
@@ -8271,7 +8739,19 @@
                               <a:rPr lang="pt-BR" i="1">
                                 <a:latin typeface="Cambria Math" panose="02040503050406030204" pitchFamily="18" charset="0"/>
                               </a:rPr>
-                              <m:t>;</m:t>
+                              <m:t>(</m:t>
+                            </m:r>
+                            <m:r>
+                              <a:rPr lang="pt-BR" i="1">
+                                <a:latin typeface="Cambria Math" panose="02040503050406030204" pitchFamily="18" charset="0"/>
+                              </a:rPr>
+                              <m:t>𝑖</m:t>
+                            </m:r>
+                            <m:r>
+                              <a:rPr lang="pt-BR" i="1">
+                                <a:latin typeface="Cambria Math" panose="02040503050406030204" pitchFamily="18" charset="0"/>
+                              </a:rPr>
+                              <m:t>);</m:t>
                             </m:r>
                             <m:sSub>
                               <m:sSubPr>
@@ -8773,7 +9253,7 @@
             </p:txBody>
           </p:sp>
         </mc:Choice>
-        <mc:Fallback>
+        <mc:Fallback xmlns="">
           <p:sp>
             <p:nvSpPr>
               <p:cNvPr id="3" name="Content Placeholder 2"/>
@@ -8785,14 +9265,10 @@
               </p:nvPr>
             </p:nvSpPr>
             <p:spPr>
-              <a:xfrm>
-                <a:off x="838199" y="1668456"/>
-                <a:ext cx="11203746" cy="5189544"/>
-              </a:xfrm>
               <a:blipFill rotWithShape="0">
                 <a:blip r:embed="rId3"/>
                 <a:stretch>
-                  <a:fillRect l="-816" t="-2703"/>
+                  <a:fillRect l="-1217" t="-700" r="-1565"/>
                 </a:stretch>
               </a:blipFill>
             </p:spPr>
@@ -8814,7 +9290,7 @@
     </p:spTree>
     <p:extLst>
       <p:ext uri="{BB962C8B-B14F-4D97-AF65-F5344CB8AC3E}">
-        <p14:creationId xmlns:p14="http://schemas.microsoft.com/office/powerpoint/2010/main" val="1891798450"/>
+        <p14:creationId xmlns:p14="http://schemas.microsoft.com/office/powerpoint/2010/main" val="1255136052"/>
       </p:ext>
     </p:extLst>
   </p:cSld>
@@ -8824,7 +9300,7 @@
 </p:sld>
 </file>
 
-<file path=ppt/slides/slide12.xml><?xml version="1.0" encoding="utf-8"?>
+<file path=ppt/slides/slide14.xml><?xml version="1.0" encoding="utf-8"?>
 <p:sld xmlns:a="http://schemas.openxmlformats.org/drawingml/2006/main" xmlns:r="http://schemas.openxmlformats.org/officeDocument/2006/relationships" xmlns:p="http://schemas.openxmlformats.org/presentationml/2006/main">
   <p:cSld>
     <p:spTree>
@@ -8898,8 +9374,8 @@
           </a:prstGeom>
         </p:spPr>
       </p:pic>
-      <mc:AlternateContent xmlns:mc="http://schemas.openxmlformats.org/markup-compatibility/2006">
-        <mc:Choice xmlns:a14="http://schemas.microsoft.com/office/drawing/2010/main" Requires="a14">
+      <mc:AlternateContent xmlns:mc="http://schemas.openxmlformats.org/markup-compatibility/2006" xmlns:a14="http://schemas.microsoft.com/office/drawing/2010/main">
+        <mc:Choice Requires="a14">
           <p:sp>
             <p:nvSpPr>
               <p:cNvPr id="8" name="Content Placeholder 2"/>
@@ -8918,17 +9394,13 @@
             </p:spPr>
             <p:txBody>
               <a:bodyPr>
-                <a:normAutofit fontScale="92500" lnSpcReduction="10000"/>
+                <a:normAutofit fontScale="92500" lnSpcReduction="20000"/>
               </a:bodyPr>
               <a:lstStyle/>
               <a:p>
                 <a:r>
                   <a:rPr lang="pt-BR" dirty="0" smtClean="0"/>
-                  <a:t>Após o </a:t>
-                </a:r>
-                <a:r>
-                  <a:rPr lang="pt-BR" dirty="0" smtClean="0"/>
-                  <a:t>treinamento</a:t>
+                  <a:t>Após o treinamento</a:t>
                 </a:r>
                 <a:r>
                   <a:rPr lang="pt-BR" dirty="0"/>
@@ -8989,6 +9461,23 @@
                               </a:rPr>
                               <m:t>𝒙</m:t>
                             </m:r>
+                            <m:d>
+                              <m:dPr>
+                                <m:ctrlPr>
+                                  <a:rPr lang="pt-BR" b="1" i="1">
+                                    <a:latin typeface="Cambria Math" panose="02040503050406030204" pitchFamily="18" charset="0"/>
+                                  </a:rPr>
+                                </m:ctrlPr>
+                              </m:dPr>
+                              <m:e>
+                                <m:r>
+                                  <a:rPr lang="pt-BR" i="1">
+                                    <a:latin typeface="Cambria Math" panose="02040503050406030204" pitchFamily="18" charset="0"/>
+                                  </a:rPr>
+                                  <m:t>𝑖</m:t>
+                                </m:r>
+                              </m:e>
+                            </m:d>
                           </m:e>
                         </m:d>
                         <m:r>
@@ -9003,6 +9492,23 @@
                           </a:rPr>
                           <m:t>𝒙</m:t>
                         </m:r>
+                        <m:d>
+                          <m:dPr>
+                            <m:ctrlPr>
+                              <a:rPr lang="pt-BR" b="1" i="1">
+                                <a:latin typeface="Cambria Math" panose="02040503050406030204" pitchFamily="18" charset="0"/>
+                              </a:rPr>
+                            </m:ctrlPr>
+                          </m:dPr>
+                          <m:e>
+                            <m:r>
+                              <a:rPr lang="pt-BR" i="1">
+                                <a:latin typeface="Cambria Math" panose="02040503050406030204" pitchFamily="18" charset="0"/>
+                              </a:rPr>
+                              <m:t>𝑖</m:t>
+                            </m:r>
+                          </m:e>
+                        </m:d>
                       </m:e>
                       <m:sup>
                         <m:r>
@@ -9621,7 +10127,7 @@
             </p:txBody>
           </p:sp>
         </mc:Choice>
-        <mc:Fallback>
+        <mc:Fallback xmlns="">
           <p:sp>
             <p:nvSpPr>
               <p:cNvPr id="8" name="Content Placeholder 2"/>
@@ -9640,7 +10146,7 @@
               <a:blipFill rotWithShape="0">
                 <a:blip r:embed="rId4"/>
                 <a:stretch>
-                  <a:fillRect l="-816" t="-4057" b="-2231"/>
+                  <a:fillRect l="-816" t="-5071" b="-2231"/>
                 </a:stretch>
               </a:blipFill>
             </p:spPr>
@@ -9690,8 +10196,8 @@
           </a:p>
         </p:txBody>
       </p:sp>
-      <mc:AlternateContent xmlns:mc="http://schemas.openxmlformats.org/markup-compatibility/2006">
-        <mc:Choice xmlns:a14="http://schemas.microsoft.com/office/drawing/2010/main" Requires="a14">
+      <mc:AlternateContent xmlns:mc="http://schemas.openxmlformats.org/markup-compatibility/2006" xmlns:a14="http://schemas.microsoft.com/office/drawing/2010/main">
+        <mc:Choice Requires="a14">
           <p:sp>
             <p:nvSpPr>
               <p:cNvPr id="4" name="TextBox 3"/>
@@ -9908,7 +10414,7 @@
             </p:txBody>
           </p:sp>
         </mc:Choice>
-        <mc:Fallback>
+        <mc:Fallback xmlns="">
           <p:sp>
             <p:nvSpPr>
               <p:cNvPr id="4" name="TextBox 3"/>
@@ -9967,7 +10473,7 @@
 </p:sld>
 </file>
 
-<file path=ppt/slides/slide13.xml><?xml version="1.0" encoding="utf-8"?>
+<file path=ppt/slides/slide15.xml><?xml version="1.0" encoding="utf-8"?>
 <p:sld xmlns:a="http://schemas.openxmlformats.org/drawingml/2006/main" xmlns:r="http://schemas.openxmlformats.org/officeDocument/2006/relationships" xmlns:p="http://schemas.openxmlformats.org/presentationml/2006/main">
   <p:cSld>
     <p:spTree>
@@ -10157,7 +10663,7 @@
 </p:sld>
 </file>
 
-<file path=ppt/slides/slide14.xml><?xml version="1.0" encoding="utf-8"?>
+<file path=ppt/slides/slide16.xml><?xml version="1.0" encoding="utf-8"?>
 <p:sld xmlns:a="http://schemas.openxmlformats.org/drawingml/2006/main" xmlns:r="http://schemas.openxmlformats.org/officeDocument/2006/relationships" xmlns:p="http://schemas.openxmlformats.org/presentationml/2006/main">
   <p:cSld>
     <p:spTree>
@@ -10311,11 +10817,19 @@
           <a:p>
             <a:r>
               <a:rPr lang="pt-BR" dirty="0" smtClean="0"/>
-              <a:t>Anteriormente, aprendemos uma nova função </a:t>
+              <a:t>Anteriormente, aprendemos uma nova </a:t>
+            </a:r>
+            <a:r>
+              <a:rPr lang="pt-BR" b="1" i="1" dirty="0" smtClean="0"/>
+              <a:t>função </a:t>
+            </a:r>
+            <a:r>
+              <a:rPr lang="pt-BR" b="1" i="1" dirty="0"/>
+              <a:t>de limiar</a:t>
             </a:r>
             <a:r>
               <a:rPr lang="pt-BR" dirty="0"/>
-              <a:t>de limiar, chamada de </a:t>
+              <a:t>, chamada de </a:t>
             </a:r>
             <a:r>
               <a:rPr lang="pt-BR" b="1" i="1" dirty="0" smtClean="0"/>
@@ -10335,7 +10849,7 @@
             </a:r>
             <a:r>
               <a:rPr lang="pt-BR" dirty="0" smtClean="0"/>
-              <a:t>uma solução com </a:t>
+              <a:t>uma solução com o algoritmo do </a:t>
             </a:r>
             <a:r>
               <a:rPr lang="pt-BR" b="1" i="1" dirty="0" smtClean="0"/>
@@ -10385,15 +10899,7 @@
             </a:r>
             <a:r>
               <a:rPr lang="pt-BR" dirty="0" smtClean="0"/>
-              <a:t> e são </a:t>
-            </a:r>
-            <a:r>
-              <a:rPr lang="pt-BR" dirty="0" smtClean="0"/>
-              <a:t>utilizados </a:t>
-            </a:r>
-            <a:r>
-              <a:rPr lang="pt-BR" dirty="0" smtClean="0"/>
-              <a:t>em problemas de </a:t>
+              <a:t> e são utilizados em problemas de </a:t>
             </a:r>
             <a:r>
               <a:rPr lang="pt-BR" b="1" i="1" dirty="0" smtClean="0"/>
@@ -10407,7 +10913,15 @@
           <a:p>
             <a:r>
               <a:rPr lang="pt-BR" dirty="0" smtClean="0"/>
-              <a:t>Na sequência, veremos como lidar com problemas de classificação que envolvem mais de 2 classes, também chamados de classificação multi-classes.</a:t>
+              <a:t>Na sequência, veremos como lidar com problemas de classificação que envolvem mais de 2 classes, também chamados de </a:t>
+            </a:r>
+            <a:r>
+              <a:rPr lang="pt-BR" b="1" i="1" dirty="0" smtClean="0"/>
+              <a:t>classificação multi-classes</a:t>
+            </a:r>
+            <a:r>
+              <a:rPr lang="pt-BR" dirty="0" smtClean="0"/>
+              <a:t>.</a:t>
             </a:r>
             <a:r>
               <a:rPr lang="pt-BR" dirty="0"/>
@@ -10631,11 +11145,19 @@
                 </a:r>
                 <a:r>
                   <a:rPr lang="pt-BR" dirty="0"/>
-                  <a:t>para classificação </a:t>
+                  <a:t>para </a:t>
                 </a:r>
                 <a:r>
                   <a:rPr lang="pt-BR" dirty="0" smtClean="0"/>
-                  <a:t>multi-classe:</a:t>
+                  <a:t>a </a:t>
+                </a:r>
+                <a:r>
+                  <a:rPr lang="pt-BR" b="1" i="1" dirty="0" smtClean="0"/>
+                  <a:t>classificação multi-classe</a:t>
+                </a:r>
+                <a:r>
+                  <a:rPr lang="pt-BR" dirty="0" smtClean="0"/>
+                  <a:t>:</a:t>
                 </a:r>
               </a:p>
               <a:p>
@@ -10645,7 +11167,7 @@
                 </a:pPr>
                 <a:r>
                   <a:rPr lang="pt-BR" dirty="0" smtClean="0"/>
-                  <a:t>Um-contra-o-Resto</a:t>
+                  <a:t>Um-Contra-o-Resto</a:t>
                 </a:r>
               </a:p>
               <a:p>
@@ -10655,7 +11177,7 @@
                 </a:pPr>
                 <a:r>
                   <a:rPr lang="pt-BR" dirty="0" smtClean="0"/>
-                  <a:t>Um-contra-Um</a:t>
+                  <a:t>Um-Contra-Um</a:t>
                 </a:r>
               </a:p>
               <a:p>
@@ -10665,13 +11187,13 @@
                 </a:pPr>
                 <a:r>
                   <a:rPr lang="pt-BR" dirty="0" smtClean="0"/>
-                  <a:t>Regressão softmax</a:t>
+                  <a:t>Regressão Softmax</a:t>
                 </a:r>
               </a:p>
               <a:p>
                 <a:r>
                   <a:rPr lang="pt-BR" dirty="0" smtClean="0"/>
-                  <a:t>As 2 primeiras abordagens podem ser aplicadas a qualquer tipo de </a:t>
+                  <a:t>As duas primeiras podem ser aplicadas a qualquer tipo de </a:t>
                 </a:r>
                 <a:r>
                   <a:rPr lang="pt-BR" b="1" i="1" dirty="0" smtClean="0"/>
@@ -10693,7 +11215,15 @@
               <a:p>
                 <a:r>
                   <a:rPr lang="pt-BR" dirty="0" smtClean="0"/>
-                  <a:t>A terceira abordagem é uma generalização do classificador logístico para problemas multi-classe.</a:t>
+                  <a:t>A terceira abordagem é uma generalização do </a:t>
+                </a:r>
+                <a:r>
+                  <a:rPr lang="pt-BR" b="1" i="1" dirty="0" smtClean="0"/>
+                  <a:t>classificador logístico </a:t>
+                </a:r>
+                <a:r>
+                  <a:rPr lang="pt-BR" dirty="0" smtClean="0"/>
+                  <a:t>para problemas multi-classe.</a:t>
                 </a:r>
                 <a:endParaRPr lang="pt-BR" dirty="0"/>
               </a:p>
@@ -10719,7 +11249,7 @@
               <a:blipFill rotWithShape="0">
                 <a:blip r:embed="rId2"/>
                 <a:stretch>
-                  <a:fillRect l="-818" t="-2424" r="-818" b="-2667"/>
+                  <a:fillRect l="-818" t="-2424" b="-2667"/>
                 </a:stretch>
               </a:blipFill>
             </p:spPr>
@@ -10858,97 +11388,73 @@
                 </a:r>
                 <a14:m>
                   <m:oMath xmlns:m="http://schemas.openxmlformats.org/officeDocument/2006/math">
-                    <m:sSup>
-                      <m:sSupPr>
+                    <m:sSubSup>
+                      <m:sSubSupPr>
                         <m:ctrlPr>
-                          <a:rPr lang="pt-BR" i="1" smtClean="0">
+                          <a:rPr lang="pt-BR" b="1" i="1">
                             <a:latin typeface="Cambria Math" panose="02040503050406030204" pitchFamily="18" charset="0"/>
                           </a:rPr>
                         </m:ctrlPr>
-                      </m:sSupPr>
+                      </m:sSubSupPr>
                       <m:e>
-                        <m:sSub>
-                          <m:sSubPr>
-                            <m:ctrlPr>
-                              <a:rPr lang="pt-BR" i="1">
-                                <a:latin typeface="Cambria Math" panose="02040503050406030204" pitchFamily="18" charset="0"/>
-                              </a:rPr>
-                            </m:ctrlPr>
-                          </m:sSubPr>
-                          <m:e>
-                            <m:r>
-                              <a:rPr lang="pt-BR" i="1">
-                                <a:latin typeface="Cambria Math" panose="02040503050406030204" pitchFamily="18" charset="0"/>
-                              </a:rPr>
-                              <m:t>h</m:t>
-                            </m:r>
-                          </m:e>
-                          <m:sub>
-                            <m:r>
-                              <a:rPr lang="pt-BR" b="1" i="1">
-                                <a:latin typeface="Cambria Math" panose="02040503050406030204" pitchFamily="18" charset="0"/>
-                              </a:rPr>
-                              <m:t>𝒂</m:t>
-                            </m:r>
-                          </m:sub>
-                        </m:sSub>
+                        <m:r>
+                          <a:rPr lang="pt-BR" i="1">
+                            <a:latin typeface="Cambria Math" panose="02040503050406030204" pitchFamily="18" charset="0"/>
+                          </a:rPr>
+                          <m:t>h</m:t>
+                        </m:r>
+                      </m:e>
+                      <m:sub>
+                        <m:r>
+                          <a:rPr lang="pt-BR" b="1" i="1">
+                            <a:latin typeface="Cambria Math" panose="02040503050406030204" pitchFamily="18" charset="0"/>
+                          </a:rPr>
+                          <m:t>𝒂</m:t>
+                        </m:r>
+                      </m:sub>
+                      <m:sup>
+                        <m:r>
+                          <a:rPr lang="pt-BR" i="1">
+                            <a:latin typeface="Cambria Math" panose="02040503050406030204" pitchFamily="18" charset="0"/>
+                          </a:rPr>
+                          <m:t>𝑞</m:t>
+                        </m:r>
+                      </m:sup>
+                    </m:sSubSup>
+                    <m:d>
+                      <m:dPr>
+                        <m:ctrlPr>
+                          <a:rPr lang="pt-BR" i="1">
+                            <a:latin typeface="Cambria Math" panose="02040503050406030204" pitchFamily="18" charset="0"/>
+                          </a:rPr>
+                        </m:ctrlPr>
+                      </m:dPr>
+                      <m:e>
+                        <m:r>
+                          <a:rPr lang="pt-BR" b="1" i="1">
+                            <a:latin typeface="Cambria Math" panose="02040503050406030204" pitchFamily="18" charset="0"/>
+                          </a:rPr>
+                          <m:t>𝒙</m:t>
+                        </m:r>
                         <m:d>
                           <m:dPr>
                             <m:ctrlPr>
-                              <a:rPr lang="pt-BR" i="1">
+                              <a:rPr lang="pt-BR" b="1" i="1">
                                 <a:latin typeface="Cambria Math" panose="02040503050406030204" pitchFamily="18" charset="0"/>
                               </a:rPr>
                             </m:ctrlPr>
                           </m:dPr>
                           <m:e>
                             <m:r>
-                              <a:rPr lang="pt-BR" b="1" i="1">
-                                <a:latin typeface="Cambria Math" panose="02040503050406030204" pitchFamily="18" charset="0"/>
-                              </a:rPr>
-                              <m:t>𝒙</m:t>
-                            </m:r>
-                            <m:r>
-                              <a:rPr lang="pt-BR" i="1">
-                                <a:latin typeface="Cambria Math" panose="02040503050406030204" pitchFamily="18" charset="0"/>
-                              </a:rPr>
-                              <m:t>(</m:t>
-                            </m:r>
-                            <m:r>
                               <a:rPr lang="pt-BR" i="1">
                                 <a:latin typeface="Cambria Math" panose="02040503050406030204" pitchFamily="18" charset="0"/>
                               </a:rPr>
                               <m:t>𝑖</m:t>
                             </m:r>
-                            <m:r>
-                              <a:rPr lang="pt-BR" i="1">
-                                <a:latin typeface="Cambria Math" panose="02040503050406030204" pitchFamily="18" charset="0"/>
-                              </a:rPr>
-                              <m:t>)</m:t>
-                            </m:r>
                           </m:e>
                         </m:d>
                       </m:e>
-                      <m:sup>
-                        <m:r>
-                          <a:rPr lang="pt-BR" b="0" i="1" smtClean="0">
-                            <a:latin typeface="Cambria Math" panose="02040503050406030204" pitchFamily="18" charset="0"/>
-                          </a:rPr>
-                          <m:t>(</m:t>
-                        </m:r>
-                        <m:r>
-                          <a:rPr lang="pt-BR" b="0" i="1" smtClean="0">
-                            <a:latin typeface="Cambria Math" panose="02040503050406030204" pitchFamily="18" charset="0"/>
-                          </a:rPr>
-                          <m:t>𝑞</m:t>
-                        </m:r>
-                        <m:r>
-                          <a:rPr lang="pt-BR" b="0" i="1" smtClean="0">
-                            <a:latin typeface="Cambria Math" panose="02040503050406030204" pitchFamily="18" charset="0"/>
-                          </a:rPr>
-                          <m:t>)</m:t>
-                        </m:r>
-                      </m:sup>
-                    </m:sSup>
+                    </m:d>
                   </m:oMath>
                 </a14:m>
                 <a:r>
@@ -11067,7 +11573,19 @@
                       <a:rPr lang="pt-BR" i="1">
                         <a:latin typeface="Cambria Math" panose="02040503050406030204" pitchFamily="18" charset="0"/>
                       </a:rPr>
-                      <m:t>;</m:t>
+                      <m:t>(</m:t>
+                    </m:r>
+                    <m:r>
+                      <a:rPr lang="pt-BR" i="1">
+                        <a:latin typeface="Cambria Math" panose="02040503050406030204" pitchFamily="18" charset="0"/>
+                      </a:rPr>
+                      <m:t>𝑖</m:t>
+                    </m:r>
+                    <m:r>
+                      <a:rPr lang="pt-BR" i="1">
+                        <a:latin typeface="Cambria Math" panose="02040503050406030204" pitchFamily="18" charset="0"/>
+                      </a:rPr>
+                      <m:t>);</m:t>
                     </m:r>
                     <m:r>
                       <a:rPr lang="pt-BR" b="1" i="1">
@@ -11362,97 +11880,73 @@
                         </m:limLow>
                       </m:fName>
                       <m:e>
-                        <m:sSup>
-                          <m:sSupPr>
+                        <m:sSubSup>
+                          <m:sSubSupPr>
+                            <m:ctrlPr>
+                              <a:rPr lang="pt-BR" b="1" i="1">
+                                <a:latin typeface="Cambria Math" panose="02040503050406030204" pitchFamily="18" charset="0"/>
+                              </a:rPr>
+                            </m:ctrlPr>
+                          </m:sSubSupPr>
+                          <m:e>
+                            <m:r>
+                              <a:rPr lang="pt-BR" i="1">
+                                <a:latin typeface="Cambria Math" panose="02040503050406030204" pitchFamily="18" charset="0"/>
+                              </a:rPr>
+                              <m:t>h</m:t>
+                            </m:r>
+                          </m:e>
+                          <m:sub>
+                            <m:r>
+                              <a:rPr lang="pt-BR" b="1" i="1">
+                                <a:latin typeface="Cambria Math" panose="02040503050406030204" pitchFamily="18" charset="0"/>
+                              </a:rPr>
+                              <m:t>𝒂</m:t>
+                            </m:r>
+                          </m:sub>
+                          <m:sup>
+                            <m:r>
+                              <a:rPr lang="pt-BR" i="1">
+                                <a:latin typeface="Cambria Math" panose="02040503050406030204" pitchFamily="18" charset="0"/>
+                              </a:rPr>
+                              <m:t>𝑞</m:t>
+                            </m:r>
+                          </m:sup>
+                        </m:sSubSup>
+                        <m:d>
+                          <m:dPr>
                             <m:ctrlPr>
                               <a:rPr lang="pt-BR" i="1">
                                 <a:latin typeface="Cambria Math" panose="02040503050406030204" pitchFamily="18" charset="0"/>
                               </a:rPr>
                             </m:ctrlPr>
-                          </m:sSupPr>
+                          </m:dPr>
                           <m:e>
-                            <m:sSub>
-                              <m:sSubPr>
-                                <m:ctrlPr>
-                                  <a:rPr lang="pt-BR" i="1">
-                                    <a:latin typeface="Cambria Math" panose="02040503050406030204" pitchFamily="18" charset="0"/>
-                                  </a:rPr>
-                                </m:ctrlPr>
-                              </m:sSubPr>
-                              <m:e>
-                                <m:r>
-                                  <a:rPr lang="pt-BR" i="1">
-                                    <a:latin typeface="Cambria Math" panose="02040503050406030204" pitchFamily="18" charset="0"/>
-                                  </a:rPr>
-                                  <m:t>h</m:t>
-                                </m:r>
-                              </m:e>
-                              <m:sub>
-                                <m:r>
-                                  <a:rPr lang="pt-BR" b="1" i="1">
-                                    <a:latin typeface="Cambria Math" panose="02040503050406030204" pitchFamily="18" charset="0"/>
-                                  </a:rPr>
-                                  <m:t>𝒂</m:t>
-                                </m:r>
-                              </m:sub>
-                            </m:sSub>
+                            <m:r>
+                              <a:rPr lang="pt-BR" b="1" i="1">
+                                <a:latin typeface="Cambria Math" panose="02040503050406030204" pitchFamily="18" charset="0"/>
+                              </a:rPr>
+                              <m:t>𝒙</m:t>
+                            </m:r>
                             <m:d>
                               <m:dPr>
                                 <m:ctrlPr>
-                                  <a:rPr lang="pt-BR" i="1">
+                                  <a:rPr lang="pt-BR" b="1" i="1">
                                     <a:latin typeface="Cambria Math" panose="02040503050406030204" pitchFamily="18" charset="0"/>
                                   </a:rPr>
                                 </m:ctrlPr>
                               </m:dPr>
                               <m:e>
                                 <m:r>
-                                  <a:rPr lang="pt-BR" b="1" i="1">
-                                    <a:latin typeface="Cambria Math" panose="02040503050406030204" pitchFamily="18" charset="0"/>
-                                  </a:rPr>
-                                  <m:t>𝒙</m:t>
-                                </m:r>
-                                <m:r>
-                                  <a:rPr lang="pt-BR" i="1">
-                                    <a:latin typeface="Cambria Math" panose="02040503050406030204" pitchFamily="18" charset="0"/>
-                                  </a:rPr>
-                                  <m:t>(</m:t>
-                                </m:r>
-                                <m:r>
                                   <a:rPr lang="pt-BR" i="1">
                                     <a:latin typeface="Cambria Math" panose="02040503050406030204" pitchFamily="18" charset="0"/>
                                   </a:rPr>
                                   <m:t>𝑖</m:t>
                                 </m:r>
-                                <m:r>
-                                  <a:rPr lang="pt-BR" i="1">
-                                    <a:latin typeface="Cambria Math" panose="02040503050406030204" pitchFamily="18" charset="0"/>
-                                  </a:rPr>
-                                  <m:t>)</m:t>
-                                </m:r>
                               </m:e>
                             </m:d>
                           </m:e>
-                          <m:sup>
-                            <m:r>
-                              <a:rPr lang="pt-BR" i="1">
-                                <a:latin typeface="Cambria Math" panose="02040503050406030204" pitchFamily="18" charset="0"/>
-                              </a:rPr>
-                              <m:t>(</m:t>
-                            </m:r>
-                            <m:r>
-                              <a:rPr lang="pt-BR" b="0" i="1" smtClean="0">
-                                <a:latin typeface="Cambria Math" panose="02040503050406030204" pitchFamily="18" charset="0"/>
-                              </a:rPr>
-                              <m:t>𝑞</m:t>
-                            </m:r>
-                            <m:r>
-                              <a:rPr lang="pt-BR" i="1">
-                                <a:latin typeface="Cambria Math" panose="02040503050406030204" pitchFamily="18" charset="0"/>
-                              </a:rPr>
-                              <m:t>)</m:t>
-                            </m:r>
-                          </m:sup>
-                        </m:sSup>
+                        </m:d>
                       </m:e>
                     </m:func>
                   </m:oMath>
@@ -11540,7 +12034,7 @@
               <a:blipFill rotWithShape="0">
                 <a:blip r:embed="rId3"/>
                 <a:stretch>
-                  <a:fillRect l="-874" t="-2975" r="-328" b="-114"/>
+                  <a:fillRect l="-874" t="-2975" r="-328" b="-572"/>
                 </a:stretch>
               </a:blipFill>
             </p:spPr>
@@ -11619,7 +12113,7 @@
       </p:sp>
       <p:pic>
         <p:nvPicPr>
-          <p:cNvPr id="164" name="Picture 163"/>
+          <p:cNvPr id="2" name="Picture 1"/>
           <p:cNvPicPr>
             <a:picLocks noChangeAspect="1"/>
           </p:cNvPicPr>
@@ -11639,8 +12133,8 @@
         </p:blipFill>
         <p:spPr>
           <a:xfrm>
-            <a:off x="2591192" y="1027906"/>
-            <a:ext cx="7009616" cy="5591188"/>
+            <a:off x="2069243" y="124681"/>
+            <a:ext cx="8053514" cy="6608637"/>
           </a:xfrm>
           <a:prstGeom prst="rect">
             <a:avLst/>
@@ -12477,7 +12971,7 @@
       </p:sp>
       <p:pic>
         <p:nvPicPr>
-          <p:cNvPr id="6" name="Picture 5"/>
+          <p:cNvPr id="3" name="Picture 2"/>
           <p:cNvPicPr>
             <a:picLocks noChangeAspect="1"/>
           </p:cNvPicPr>
@@ -12497,8 +12991,8 @@
         </p:blipFill>
         <p:spPr>
           <a:xfrm>
-            <a:off x="2497649" y="1175881"/>
-            <a:ext cx="7196701" cy="5528862"/>
+            <a:off x="1910733" y="124681"/>
+            <a:ext cx="8370533" cy="6608637"/>
           </a:xfrm>
           <a:prstGeom prst="rect">
             <a:avLst/>
@@ -12793,8 +13287,8 @@
           </a:p>
         </p:txBody>
       </p:sp>
-      <mc:AlternateContent xmlns:mc="http://schemas.openxmlformats.org/markup-compatibility/2006">
-        <mc:Choice xmlns:a14="http://schemas.microsoft.com/office/drawing/2010/main" Requires="a14">
+      <mc:AlternateContent xmlns:mc="http://schemas.openxmlformats.org/markup-compatibility/2006" xmlns:a14="http://schemas.microsoft.com/office/drawing/2010/main">
+        <mc:Choice Requires="a14">
           <p:sp>
             <p:nvSpPr>
               <p:cNvPr id="3" name="Content Placeholder 2"/>
@@ -12930,7 +13424,7 @@
                             <m:t>𝑖</m:t>
                           </m:r>
                           <m:r>
-                            <a:rPr lang="pt-BR" i="1">
+                            <a:rPr lang="pt-BR" i="1" smtClean="0">
                               <a:latin typeface="Cambria Math" panose="02040503050406030204" pitchFamily="18" charset="0"/>
                             </a:rPr>
                             <m:t>)</m:t>
@@ -13864,7 +14358,29 @@
                 </a14:m>
                 <a:r>
                   <a:rPr lang="pt-BR" dirty="0"/>
-                  <a:t>-ésima classe e </a:t>
+                  <a:t>-ésima </a:t>
+                </a:r>
+                <a:r>
+                  <a:rPr lang="pt-BR" dirty="0" smtClean="0"/>
+                  <a:t>classe, </a:t>
+                </a:r>
+                <a14:m>
+                  <m:oMath xmlns:m="http://schemas.openxmlformats.org/officeDocument/2006/math">
+                    <m:r>
+                      <a:rPr lang="pt-BR" i="1">
+                        <a:latin typeface="Cambria Math" panose="02040503050406030204" pitchFamily="18" charset="0"/>
+                      </a:rPr>
+                      <m:t>𝑖</m:t>
+                    </m:r>
+                  </m:oMath>
+                </a14:m>
+                <a:r>
+                  <a:rPr lang="pt-BR" dirty="0" smtClean="0"/>
+                  <a:t> indica o número da amostra  </a:t>
+                </a:r>
+                <a:r>
+                  <a:rPr lang="pt-BR" dirty="0"/>
+                  <a:t>e </a:t>
                 </a:r>
               </a:p>
               <a:p>
@@ -14466,11 +14982,7 @@
                 </a:r>
                 <a:r>
                   <a:rPr lang="pt-BR" dirty="0" smtClean="0"/>
-                  <a:t>1</a:t>
-                </a:r>
-                <a:r>
-                  <a:rPr lang="pt-BR" dirty="0" smtClean="0"/>
-                  <a:t>.</a:t>
+                  <a:t>1.</a:t>
                 </a:r>
               </a:p>
               <a:p>
@@ -14511,7 +15023,7 @@
             </p:txBody>
           </p:sp>
         </mc:Choice>
-        <mc:Fallback>
+        <mc:Fallback xmlns="">
           <p:sp>
             <p:nvSpPr>
               <p:cNvPr id="3" name="Content Placeholder 2"/>
@@ -14709,7 +15221,6 @@
               <a:rPr lang="pt-BR" sz="1200" dirty="0"/>
               <a:t>.</a:t>
             </a:r>
-            <a:endParaRPr lang="pt-BR" sz="1200" dirty="0"/>
           </a:p>
         </p:txBody>
       </p:sp>

--- a/slides/T320_Classificação (Parte IV).pptx
+++ b/slides/T320_Classificação (Parte IV).pptx
@@ -22,7 +22,7 @@
     <p:sldId id="331" r:id="rId10"/>
     <p:sldId id="341" r:id="rId11"/>
     <p:sldId id="342" r:id="rId12"/>
-    <p:sldId id="343" r:id="rId13"/>
+    <p:sldId id="347" r:id="rId13"/>
     <p:sldId id="346" r:id="rId14"/>
     <p:sldId id="332" r:id="rId15"/>
     <p:sldId id="324" r:id="rId16"/>
@@ -1006,41 +1006,304 @@
         </p:nvSpPr>
         <p:spPr/>
       </p:sp>
-      <p:sp>
-        <p:nvSpPr>
-          <p:cNvPr id="3" name="Notes Placeholder 2"/>
-          <p:cNvSpPr>
-            <a:spLocks noGrp="1"/>
-          </p:cNvSpPr>
-          <p:nvPr>
-            <p:ph type="body" idx="1"/>
-          </p:nvPr>
-        </p:nvSpPr>
-        <p:spPr/>
-        <p:txBody>
-          <a:bodyPr/>
-          <a:lstStyle/>
-          <a:p>
-            <a:r>
-              <a:rPr lang="pt-BR" b="1" dirty="0" smtClean="0"/>
-              <a:t>Exemplo</a:t>
-            </a:r>
-            <a:r>
-              <a:rPr lang="pt-BR" dirty="0" smtClean="0"/>
-              <a:t>:</a:t>
-            </a:r>
-            <a:r>
-              <a:rPr lang="pt-BR" baseline="0" dirty="0" smtClean="0"/>
-              <a:t> </a:t>
-            </a:r>
-            <a:r>
-              <a:rPr lang="pt-BR" dirty="0" smtClean="0"/>
-              <a:t>https://colab.research.google.com/github/zz4fap/t320_aprendizado_de_maquina/blob/main/notebooks/classificação/softmax_regressor_with_scikit_learn.ipynb</a:t>
-            </a:r>
-            <a:endParaRPr lang="pt-BR" b="1" dirty="0" smtClean="0"/>
-          </a:p>
-        </p:txBody>
-      </p:sp>
+      <mc:AlternateContent xmlns:mc="http://schemas.openxmlformats.org/markup-compatibility/2006">
+        <mc:Choice xmlns:a14="http://schemas.microsoft.com/office/drawing/2010/main" Requires="a14">
+          <p:sp>
+            <p:nvSpPr>
+              <p:cNvPr id="3" name="Notes Placeholder 2"/>
+              <p:cNvSpPr>
+                <a:spLocks noGrp="1"/>
+              </p:cNvSpPr>
+              <p:nvPr>
+                <p:ph type="body" idx="1"/>
+              </p:nvPr>
+            </p:nvSpPr>
+            <p:spPr/>
+            <p:txBody>
+              <a:bodyPr/>
+              <a:lstStyle/>
+              <a:p>
+                <a:r>
+                  <a:rPr lang="pt-BR" b="1" dirty="0" smtClean="0"/>
+                  <a:t>Exemplo</a:t>
+                </a:r>
+                <a:r>
+                  <a:rPr lang="pt-BR" dirty="0" smtClean="0"/>
+                  <a:t>:</a:t>
+                </a:r>
+                <a:r>
+                  <a:rPr lang="pt-BR" baseline="0" dirty="0" smtClean="0"/>
+                  <a:t> </a:t>
+                </a:r>
+                <a:r>
+                  <a:rPr lang="pt-BR" dirty="0" smtClean="0"/>
+                  <a:t>https://</a:t>
+                </a:r>
+                <a:r>
+                  <a:rPr lang="pt-BR" dirty="0" smtClean="0"/>
+                  <a:t>colab.research.google.com/github/zz4fap/t320_aprendizado_de_maquina/blob/main/notebooks/classificação/softmax_regressor_with_scikit_learn.ipynb</a:t>
+                </a:r>
+              </a:p>
+              <a:p>
+                <a:endParaRPr lang="pt-BR" b="1" dirty="0" smtClean="0"/>
+              </a:p>
+              <a:p>
+                <a:pPr marL="0" marR="0" lvl="0" indent="0" algn="l" defTabSz="914400" rtl="0" eaLnBrk="1" fontAlgn="auto" latinLnBrk="0" hangingPunct="1">
+                  <a:lnSpc>
+                    <a:spcPct val="100000"/>
+                  </a:lnSpc>
+                  <a:spcBef>
+                    <a:spcPts val="0"/>
+                  </a:spcBef>
+                  <a:spcAft>
+                    <a:spcPts val="0"/>
+                  </a:spcAft>
+                  <a:buClrTx/>
+                  <a:buSzTx/>
+                  <a:buFontTx/>
+                  <a:buNone/>
+                  <a:tabLst/>
+                  <a:defRPr/>
+                </a:pPr>
+                <a:r>
+                  <a:rPr lang="pt-BR" dirty="0" smtClean="0"/>
+                  <a:t>Assim como o classificador de </a:t>
+                </a:r>
+                <a:r>
+                  <a:rPr lang="pt-BR" b="1" i="1" dirty="0"/>
+                  <a:t>regressão logística</a:t>
+                </a:r>
+                <a:r>
+                  <a:rPr lang="pt-BR" dirty="0"/>
+                  <a:t>, o classificador de </a:t>
+                </a:r>
+                <a:r>
+                  <a:rPr lang="pt-BR" b="1" i="1" dirty="0"/>
+                  <a:t>regressão </a:t>
+                </a:r>
+                <a:r>
+                  <a:rPr lang="pt-BR" b="1" i="1" dirty="0" smtClean="0"/>
+                  <a:t>softmax</a:t>
+                </a:r>
+                <a:r>
+                  <a:rPr lang="pt-BR" dirty="0" smtClean="0"/>
+                  <a:t> </a:t>
+                </a:r>
+                <a:r>
+                  <a:rPr lang="pt-BR" dirty="0"/>
+                  <a:t>prevê a classe com a maior probabilidade estimada (que é simplesmente a classe com a maior valor para o produto escalar </a:t>
+                </a:r>
+                <a14:m>
+                  <m:oMath xmlns:m="http://schemas.openxmlformats.org/officeDocument/2006/math">
+                    <m:sSup>
+                      <m:sSupPr>
+                        <m:ctrlPr>
+                          <a:rPr lang="pt-BR" i="1">
+                            <a:latin typeface="Cambria Math" panose="02040503050406030204" pitchFamily="18" charset="0"/>
+                          </a:rPr>
+                        </m:ctrlPr>
+                      </m:sSupPr>
+                      <m:e>
+                        <m:r>
+                          <a:rPr lang="pt-BR" b="1" i="1">
+                            <a:latin typeface="Cambria Math" panose="02040503050406030204" pitchFamily="18" charset="0"/>
+                          </a:rPr>
+                          <m:t>𝒙</m:t>
+                        </m:r>
+                        <m:r>
+                          <a:rPr lang="pt-BR" i="1">
+                            <a:latin typeface="Cambria Math" panose="02040503050406030204" pitchFamily="18" charset="0"/>
+                          </a:rPr>
+                          <m:t>(</m:t>
+                        </m:r>
+                        <m:r>
+                          <a:rPr lang="pt-BR" i="1">
+                            <a:latin typeface="Cambria Math" panose="02040503050406030204" pitchFamily="18" charset="0"/>
+                          </a:rPr>
+                          <m:t>𝑖</m:t>
+                        </m:r>
+                        <m:r>
+                          <a:rPr lang="pt-BR" i="1">
+                            <a:latin typeface="Cambria Math" panose="02040503050406030204" pitchFamily="18" charset="0"/>
+                          </a:rPr>
+                          <m:t>)</m:t>
+                        </m:r>
+                      </m:e>
+                      <m:sup>
+                        <m:r>
+                          <a:rPr lang="pt-BR" i="1">
+                            <a:latin typeface="Cambria Math" panose="02040503050406030204" pitchFamily="18" charset="0"/>
+                          </a:rPr>
+                          <m:t>𝑇</m:t>
+                        </m:r>
+                      </m:sup>
+                    </m:sSup>
+                    <m:sSub>
+                      <m:sSubPr>
+                        <m:ctrlPr>
+                          <a:rPr lang="pt-BR" b="1" i="1">
+                            <a:latin typeface="Cambria Math" panose="02040503050406030204" pitchFamily="18" charset="0"/>
+                          </a:rPr>
+                        </m:ctrlPr>
+                      </m:sSubPr>
+                      <m:e>
+                        <m:r>
+                          <a:rPr lang="pt-BR" b="1" i="1">
+                            <a:latin typeface="Cambria Math" panose="02040503050406030204" pitchFamily="18" charset="0"/>
+                          </a:rPr>
+                          <m:t>𝒂</m:t>
+                        </m:r>
+                      </m:e>
+                      <m:sub>
+                        <m:r>
+                          <a:rPr lang="pt-BR" i="1">
+                            <a:latin typeface="Cambria Math" panose="02040503050406030204" pitchFamily="18" charset="0"/>
+                          </a:rPr>
+                          <m:t>𝑞</m:t>
+                        </m:r>
+                      </m:sub>
+                    </m:sSub>
+                  </m:oMath>
+                </a14:m>
+                <a:r>
+                  <a:rPr lang="pt-BR" dirty="0" smtClean="0"/>
+                  <a:t>).</a:t>
+                </a:r>
+              </a:p>
+              <a:p>
+                <a:endParaRPr lang="pt-BR" b="1" dirty="0" smtClean="0"/>
+              </a:p>
+            </p:txBody>
+          </p:sp>
+        </mc:Choice>
+        <mc:Fallback>
+          <p:sp>
+            <p:nvSpPr>
+              <p:cNvPr id="3" name="Notes Placeholder 2"/>
+              <p:cNvSpPr>
+                <a:spLocks noGrp="1"/>
+              </p:cNvSpPr>
+              <p:nvPr>
+                <p:ph type="body" idx="1"/>
+              </p:nvPr>
+            </p:nvSpPr>
+            <p:spPr/>
+            <p:txBody>
+              <a:bodyPr/>
+              <a:lstStyle/>
+              <a:p>
+                <a:r>
+                  <a:rPr lang="pt-BR" b="1" dirty="0" smtClean="0"/>
+                  <a:t>Exemplo</a:t>
+                </a:r>
+                <a:r>
+                  <a:rPr lang="pt-BR" dirty="0" smtClean="0"/>
+                  <a:t>:</a:t>
+                </a:r>
+                <a:r>
+                  <a:rPr lang="pt-BR" baseline="0" dirty="0" smtClean="0"/>
+                  <a:t> </a:t>
+                </a:r>
+                <a:r>
+                  <a:rPr lang="pt-BR" dirty="0" smtClean="0"/>
+                  <a:t>https://</a:t>
+                </a:r>
+                <a:r>
+                  <a:rPr lang="pt-BR" dirty="0" smtClean="0"/>
+                  <a:t>colab.research.google.com/github/zz4fap/t320_aprendizado_de_maquina/blob/main/notebooks/classificação/softmax_regressor_with_scikit_learn.ipynb</a:t>
+                </a:r>
+              </a:p>
+              <a:p>
+                <a:endParaRPr lang="pt-BR" b="1" dirty="0" smtClean="0"/>
+              </a:p>
+              <a:p>
+                <a:pPr marL="0" marR="0" lvl="0" indent="0" algn="l" defTabSz="914400" rtl="0" eaLnBrk="1" fontAlgn="auto" latinLnBrk="0" hangingPunct="1">
+                  <a:lnSpc>
+                    <a:spcPct val="100000"/>
+                  </a:lnSpc>
+                  <a:spcBef>
+                    <a:spcPts val="0"/>
+                  </a:spcBef>
+                  <a:spcAft>
+                    <a:spcPts val="0"/>
+                  </a:spcAft>
+                  <a:buClrTx/>
+                  <a:buSzTx/>
+                  <a:buFontTx/>
+                  <a:buNone/>
+                  <a:tabLst/>
+                  <a:defRPr/>
+                </a:pPr>
+                <a:r>
+                  <a:rPr lang="pt-BR" dirty="0" smtClean="0"/>
+                  <a:t>Assim como o classificador de </a:t>
+                </a:r>
+                <a:r>
+                  <a:rPr lang="pt-BR" b="1" i="1" dirty="0"/>
+                  <a:t>regressão logística</a:t>
+                </a:r>
+                <a:r>
+                  <a:rPr lang="pt-BR" dirty="0"/>
+                  <a:t>, o classificador de </a:t>
+                </a:r>
+                <a:r>
+                  <a:rPr lang="pt-BR" b="1" i="1" dirty="0"/>
+                  <a:t>regressão </a:t>
+                </a:r>
+                <a:r>
+                  <a:rPr lang="pt-BR" b="1" i="1" dirty="0" smtClean="0"/>
+                  <a:t>softmax</a:t>
+                </a:r>
+                <a:r>
+                  <a:rPr lang="pt-BR" dirty="0" smtClean="0"/>
+                  <a:t> </a:t>
+                </a:r>
+                <a:r>
+                  <a:rPr lang="pt-BR" dirty="0"/>
+                  <a:t>prevê a classe com a maior probabilidade estimada (que é simplesmente a classe com a maior valor para o produto escalar </a:t>
+                </a:r>
+                <a:r>
+                  <a:rPr lang="pt-BR" i="0">
+                    <a:latin typeface="Cambria Math" panose="02040503050406030204" pitchFamily="18" charset="0"/>
+                  </a:rPr>
+                  <a:t>〖</a:t>
+                </a:r>
+                <a:r>
+                  <a:rPr lang="pt-BR" b="1" i="0">
+                    <a:latin typeface="Cambria Math" panose="02040503050406030204" pitchFamily="18" charset="0"/>
+                  </a:rPr>
+                  <a:t>𝒙</a:t>
+                </a:r>
+                <a:r>
+                  <a:rPr lang="pt-BR" i="0">
+                    <a:latin typeface="Cambria Math" panose="02040503050406030204" pitchFamily="18" charset="0"/>
+                  </a:rPr>
+                  <a:t>(𝑖)〗^𝑇</a:t>
+                </a:r>
+                <a:r>
+                  <a:rPr lang="pt-BR" b="1" i="0">
+                    <a:latin typeface="Cambria Math" panose="02040503050406030204" pitchFamily="18" charset="0"/>
+                  </a:rPr>
+                  <a:t> 𝒂_</a:t>
+                </a:r>
+                <a:r>
+                  <a:rPr lang="pt-BR" i="0">
+                    <a:latin typeface="Cambria Math" panose="02040503050406030204" pitchFamily="18" charset="0"/>
+                  </a:rPr>
+                  <a:t>𝑞</a:t>
+                </a:r>
+                <a:r>
+                  <a:rPr lang="pt-BR" dirty="0" smtClean="0"/>
+                  <a:t>).</a:t>
+                </a:r>
+              </a:p>
+              <a:p>
+                <a:endParaRPr lang="pt-BR" b="1" dirty="0" smtClean="0"/>
+              </a:p>
+            </p:txBody>
+          </p:sp>
+        </mc:Fallback>
+      </mc:AlternateContent>
       <p:sp>
         <p:nvSpPr>
           <p:cNvPr id="4" name="Slide Number Placeholder 3"/>
@@ -2156,6 +2419,9 @@
               <a:t>[2] http://rasbt.github.io/mlxtend/user_guide/classifier/SoftmaxRegression/</a:t>
             </a:r>
           </a:p>
+          <a:p>
+            <a:endParaRPr lang="pt-BR" dirty="0"/>
+          </a:p>
         </p:txBody>
       </p:sp>
       <p:sp>
@@ -2184,7 +2450,7 @@
     </p:spTree>
     <p:extLst>
       <p:ext uri="{BB962C8B-B14F-4D97-AF65-F5344CB8AC3E}">
-        <p14:creationId xmlns:p14="http://schemas.microsoft.com/office/powerpoint/2010/main" val="3835877964"/>
+        <p14:creationId xmlns:p14="http://schemas.microsoft.com/office/powerpoint/2010/main" val="1742838401"/>
       </p:ext>
     </p:extLst>
   </p:cSld>
@@ -2216,7 +2482,7 @@
           <p:cNvPr id="2" name="Título 1">
             <a:extLst>
               <a:ext uri="{FF2B5EF4-FFF2-40B4-BE49-F238E27FC236}">
-                <a16:creationId xmlns:a16="http://schemas.microsoft.com/office/drawing/2014/main" xmlns="" id="{1DB9B4FF-B06E-403C-A326-BDC64D8FF94E}"/>
+                <a16:creationId xmlns="" xmlns:a16="http://schemas.microsoft.com/office/drawing/2014/main" id="{1DB9B4FF-B06E-403C-A326-BDC64D8FF94E}"/>
               </a:ext>
             </a:extLst>
           </p:cNvPr>
@@ -2253,7 +2519,7 @@
           <p:cNvPr id="3" name="Subtítulo 2">
             <a:extLst>
               <a:ext uri="{FF2B5EF4-FFF2-40B4-BE49-F238E27FC236}">
-                <a16:creationId xmlns:a16="http://schemas.microsoft.com/office/drawing/2014/main" xmlns="" id="{247BDFCE-746E-45BF-A319-4733D58D1632}"/>
+                <a16:creationId xmlns="" xmlns:a16="http://schemas.microsoft.com/office/drawing/2014/main" id="{247BDFCE-746E-45BF-A319-4733D58D1632}"/>
               </a:ext>
             </a:extLst>
           </p:cNvPr>
@@ -2323,7 +2589,7 @@
           <p:cNvPr id="4" name="Espaço Reservado para Data 3">
             <a:extLst>
               <a:ext uri="{FF2B5EF4-FFF2-40B4-BE49-F238E27FC236}">
-                <a16:creationId xmlns:a16="http://schemas.microsoft.com/office/drawing/2014/main" xmlns="" id="{9EDE2778-5372-4104-B96D-968184DA8288}"/>
+                <a16:creationId xmlns="" xmlns:a16="http://schemas.microsoft.com/office/drawing/2014/main" id="{9EDE2778-5372-4104-B96D-968184DA8288}"/>
               </a:ext>
             </a:extLst>
           </p:cNvPr>
@@ -2352,7 +2618,7 @@
           <p:cNvPr id="5" name="Espaço Reservado para Rodapé 4">
             <a:extLst>
               <a:ext uri="{FF2B5EF4-FFF2-40B4-BE49-F238E27FC236}">
-                <a16:creationId xmlns:a16="http://schemas.microsoft.com/office/drawing/2014/main" xmlns="" id="{C1DD0F41-C861-4051-988D-3024A37A4B93}"/>
+                <a16:creationId xmlns="" xmlns:a16="http://schemas.microsoft.com/office/drawing/2014/main" id="{C1DD0F41-C861-4051-988D-3024A37A4B93}"/>
               </a:ext>
             </a:extLst>
           </p:cNvPr>
@@ -2377,7 +2643,7 @@
           <p:cNvPr id="6" name="Espaço Reservado para Número de Slide 5">
             <a:extLst>
               <a:ext uri="{FF2B5EF4-FFF2-40B4-BE49-F238E27FC236}">
-                <a16:creationId xmlns:a16="http://schemas.microsoft.com/office/drawing/2014/main" xmlns="" id="{07E5967E-D980-431A-A5DB-3F0C5030A81E}"/>
+                <a16:creationId xmlns="" xmlns:a16="http://schemas.microsoft.com/office/drawing/2014/main" id="{07E5967E-D980-431A-A5DB-3F0C5030A81E}"/>
               </a:ext>
             </a:extLst>
           </p:cNvPr>
@@ -2436,7 +2702,7 @@
           <p:cNvPr id="2" name="Título 1">
             <a:extLst>
               <a:ext uri="{FF2B5EF4-FFF2-40B4-BE49-F238E27FC236}">
-                <a16:creationId xmlns:a16="http://schemas.microsoft.com/office/drawing/2014/main" xmlns="" id="{9036C49F-3E68-4175-81BA-3C3FEE44308A}"/>
+                <a16:creationId xmlns="" xmlns:a16="http://schemas.microsoft.com/office/drawing/2014/main" id="{9036C49F-3E68-4175-81BA-3C3FEE44308A}"/>
               </a:ext>
             </a:extLst>
           </p:cNvPr>
@@ -2464,7 +2730,7 @@
           <p:cNvPr id="3" name="Espaço Reservado para Texto Vertical 2">
             <a:extLst>
               <a:ext uri="{FF2B5EF4-FFF2-40B4-BE49-F238E27FC236}">
-                <a16:creationId xmlns:a16="http://schemas.microsoft.com/office/drawing/2014/main" xmlns="" id="{426FA736-3DD3-4D4E-B57B-BBE1D8F7D424}"/>
+                <a16:creationId xmlns="" xmlns:a16="http://schemas.microsoft.com/office/drawing/2014/main" id="{426FA736-3DD3-4D4E-B57B-BBE1D8F7D424}"/>
               </a:ext>
             </a:extLst>
           </p:cNvPr>
@@ -2521,7 +2787,7 @@
           <p:cNvPr id="4" name="Espaço Reservado para Data 3">
             <a:extLst>
               <a:ext uri="{FF2B5EF4-FFF2-40B4-BE49-F238E27FC236}">
-                <a16:creationId xmlns:a16="http://schemas.microsoft.com/office/drawing/2014/main" xmlns="" id="{99E8855C-D8FD-48F6-B14E-861E0DE4D915}"/>
+                <a16:creationId xmlns="" xmlns:a16="http://schemas.microsoft.com/office/drawing/2014/main" id="{99E8855C-D8FD-48F6-B14E-861E0DE4D915}"/>
               </a:ext>
             </a:extLst>
           </p:cNvPr>
@@ -2550,7 +2816,7 @@
           <p:cNvPr id="5" name="Espaço Reservado para Rodapé 4">
             <a:extLst>
               <a:ext uri="{FF2B5EF4-FFF2-40B4-BE49-F238E27FC236}">
-                <a16:creationId xmlns:a16="http://schemas.microsoft.com/office/drawing/2014/main" xmlns="" id="{97C0BB88-2F21-42A5-ACFF-83DA47F2D340}"/>
+                <a16:creationId xmlns="" xmlns:a16="http://schemas.microsoft.com/office/drawing/2014/main" id="{97C0BB88-2F21-42A5-ACFF-83DA47F2D340}"/>
               </a:ext>
             </a:extLst>
           </p:cNvPr>
@@ -2575,7 +2841,7 @@
           <p:cNvPr id="6" name="Espaço Reservado para Número de Slide 5">
             <a:extLst>
               <a:ext uri="{FF2B5EF4-FFF2-40B4-BE49-F238E27FC236}">
-                <a16:creationId xmlns:a16="http://schemas.microsoft.com/office/drawing/2014/main" xmlns="" id="{6CB462B3-1F22-4C05-B4B8-7A279FB7D5E9}"/>
+                <a16:creationId xmlns="" xmlns:a16="http://schemas.microsoft.com/office/drawing/2014/main" id="{6CB462B3-1F22-4C05-B4B8-7A279FB7D5E9}"/>
               </a:ext>
             </a:extLst>
           </p:cNvPr>
@@ -2634,7 +2900,7 @@
           <p:cNvPr id="2" name="Título Vertical 1">
             <a:extLst>
               <a:ext uri="{FF2B5EF4-FFF2-40B4-BE49-F238E27FC236}">
-                <a16:creationId xmlns:a16="http://schemas.microsoft.com/office/drawing/2014/main" xmlns="" id="{EAEAB728-701C-4207-A9D5-23FF45C60502}"/>
+                <a16:creationId xmlns="" xmlns:a16="http://schemas.microsoft.com/office/drawing/2014/main" id="{EAEAB728-701C-4207-A9D5-23FF45C60502}"/>
               </a:ext>
             </a:extLst>
           </p:cNvPr>
@@ -2667,7 +2933,7 @@
           <p:cNvPr id="3" name="Espaço Reservado para Texto Vertical 2">
             <a:extLst>
               <a:ext uri="{FF2B5EF4-FFF2-40B4-BE49-F238E27FC236}">
-                <a16:creationId xmlns:a16="http://schemas.microsoft.com/office/drawing/2014/main" xmlns="" id="{BA8C8CCF-7823-480A-9A19-0F664DD17E3B}"/>
+                <a16:creationId xmlns="" xmlns:a16="http://schemas.microsoft.com/office/drawing/2014/main" id="{BA8C8CCF-7823-480A-9A19-0F664DD17E3B}"/>
               </a:ext>
             </a:extLst>
           </p:cNvPr>
@@ -2729,7 +2995,7 @@
           <p:cNvPr id="4" name="Espaço Reservado para Data 3">
             <a:extLst>
               <a:ext uri="{FF2B5EF4-FFF2-40B4-BE49-F238E27FC236}">
-                <a16:creationId xmlns:a16="http://schemas.microsoft.com/office/drawing/2014/main" xmlns="" id="{721D5734-7B1F-425D-942F-6EB73344027C}"/>
+                <a16:creationId xmlns="" xmlns:a16="http://schemas.microsoft.com/office/drawing/2014/main" id="{721D5734-7B1F-425D-942F-6EB73344027C}"/>
               </a:ext>
             </a:extLst>
           </p:cNvPr>
@@ -2758,7 +3024,7 @@
           <p:cNvPr id="5" name="Espaço Reservado para Rodapé 4">
             <a:extLst>
               <a:ext uri="{FF2B5EF4-FFF2-40B4-BE49-F238E27FC236}">
-                <a16:creationId xmlns:a16="http://schemas.microsoft.com/office/drawing/2014/main" xmlns="" id="{1E1AAEAC-F08D-45FE-89EC-B1B349A868C9}"/>
+                <a16:creationId xmlns="" xmlns:a16="http://schemas.microsoft.com/office/drawing/2014/main" id="{1E1AAEAC-F08D-45FE-89EC-B1B349A868C9}"/>
               </a:ext>
             </a:extLst>
           </p:cNvPr>
@@ -2783,7 +3049,7 @@
           <p:cNvPr id="6" name="Espaço Reservado para Número de Slide 5">
             <a:extLst>
               <a:ext uri="{FF2B5EF4-FFF2-40B4-BE49-F238E27FC236}">
-                <a16:creationId xmlns:a16="http://schemas.microsoft.com/office/drawing/2014/main" xmlns="" id="{BAA44493-9911-47B2-87A6-C2141A972BC8}"/>
+                <a16:creationId xmlns="" xmlns:a16="http://schemas.microsoft.com/office/drawing/2014/main" id="{BAA44493-9911-47B2-87A6-C2141A972BC8}"/>
               </a:ext>
             </a:extLst>
           </p:cNvPr>
@@ -2842,7 +3108,7 @@
           <p:cNvPr id="2" name="Título 1">
             <a:extLst>
               <a:ext uri="{FF2B5EF4-FFF2-40B4-BE49-F238E27FC236}">
-                <a16:creationId xmlns:a16="http://schemas.microsoft.com/office/drawing/2014/main" xmlns="" id="{71BD44A5-8F21-4626-A01D-48A1C874B1D5}"/>
+                <a16:creationId xmlns="" xmlns:a16="http://schemas.microsoft.com/office/drawing/2014/main" id="{71BD44A5-8F21-4626-A01D-48A1C874B1D5}"/>
               </a:ext>
             </a:extLst>
           </p:cNvPr>
@@ -2870,7 +3136,7 @@
           <p:cNvPr id="3" name="Espaço Reservado para Conteúdo 2">
             <a:extLst>
               <a:ext uri="{FF2B5EF4-FFF2-40B4-BE49-F238E27FC236}">
-                <a16:creationId xmlns:a16="http://schemas.microsoft.com/office/drawing/2014/main" xmlns="" id="{B79E8085-65A9-48AA-951D-71D978BFF4ED}"/>
+                <a16:creationId xmlns="" xmlns:a16="http://schemas.microsoft.com/office/drawing/2014/main" id="{B79E8085-65A9-48AA-951D-71D978BFF4ED}"/>
               </a:ext>
             </a:extLst>
           </p:cNvPr>
@@ -2927,7 +3193,7 @@
           <p:cNvPr id="4" name="Espaço Reservado para Data 3">
             <a:extLst>
               <a:ext uri="{FF2B5EF4-FFF2-40B4-BE49-F238E27FC236}">
-                <a16:creationId xmlns:a16="http://schemas.microsoft.com/office/drawing/2014/main" xmlns="" id="{F05BE1AF-51EA-425D-B188-DE7BD675009F}"/>
+                <a16:creationId xmlns="" xmlns:a16="http://schemas.microsoft.com/office/drawing/2014/main" id="{F05BE1AF-51EA-425D-B188-DE7BD675009F}"/>
               </a:ext>
             </a:extLst>
           </p:cNvPr>
@@ -2956,7 +3222,7 @@
           <p:cNvPr id="5" name="Espaço Reservado para Rodapé 4">
             <a:extLst>
               <a:ext uri="{FF2B5EF4-FFF2-40B4-BE49-F238E27FC236}">
-                <a16:creationId xmlns:a16="http://schemas.microsoft.com/office/drawing/2014/main" xmlns="" id="{121BE632-29CF-4CB9-B365-C9EF38F89BE6}"/>
+                <a16:creationId xmlns="" xmlns:a16="http://schemas.microsoft.com/office/drawing/2014/main" id="{121BE632-29CF-4CB9-B365-C9EF38F89BE6}"/>
               </a:ext>
             </a:extLst>
           </p:cNvPr>
@@ -2981,7 +3247,7 @@
           <p:cNvPr id="6" name="Espaço Reservado para Número de Slide 5">
             <a:extLst>
               <a:ext uri="{FF2B5EF4-FFF2-40B4-BE49-F238E27FC236}">
-                <a16:creationId xmlns:a16="http://schemas.microsoft.com/office/drawing/2014/main" xmlns="" id="{60CF3DD1-9AEC-4A57-B461-4E4DD86FAC18}"/>
+                <a16:creationId xmlns="" xmlns:a16="http://schemas.microsoft.com/office/drawing/2014/main" id="{60CF3DD1-9AEC-4A57-B461-4E4DD86FAC18}"/>
               </a:ext>
             </a:extLst>
           </p:cNvPr>
@@ -3040,7 +3306,7 @@
           <p:cNvPr id="2" name="Título 1">
             <a:extLst>
               <a:ext uri="{FF2B5EF4-FFF2-40B4-BE49-F238E27FC236}">
-                <a16:creationId xmlns:a16="http://schemas.microsoft.com/office/drawing/2014/main" xmlns="" id="{34AB2FF0-A4D7-4E28-991D-FF26140D5988}"/>
+                <a16:creationId xmlns="" xmlns:a16="http://schemas.microsoft.com/office/drawing/2014/main" id="{34AB2FF0-A4D7-4E28-991D-FF26140D5988}"/>
               </a:ext>
             </a:extLst>
           </p:cNvPr>
@@ -3077,7 +3343,7 @@
           <p:cNvPr id="3" name="Espaço Reservado para Texto 2">
             <a:extLst>
               <a:ext uri="{FF2B5EF4-FFF2-40B4-BE49-F238E27FC236}">
-                <a16:creationId xmlns:a16="http://schemas.microsoft.com/office/drawing/2014/main" xmlns="" id="{E2AC45B0-4145-40DB-8E61-105461170604}"/>
+                <a16:creationId xmlns="" xmlns:a16="http://schemas.microsoft.com/office/drawing/2014/main" id="{E2AC45B0-4145-40DB-8E61-105461170604}"/>
               </a:ext>
             </a:extLst>
           </p:cNvPr>
@@ -3202,7 +3468,7 @@
           <p:cNvPr id="4" name="Espaço Reservado para Data 3">
             <a:extLst>
               <a:ext uri="{FF2B5EF4-FFF2-40B4-BE49-F238E27FC236}">
-                <a16:creationId xmlns:a16="http://schemas.microsoft.com/office/drawing/2014/main" xmlns="" id="{50F1D3FB-740A-4EBA-A309-2CE71D12ECFB}"/>
+                <a16:creationId xmlns="" xmlns:a16="http://schemas.microsoft.com/office/drawing/2014/main" id="{50F1D3FB-740A-4EBA-A309-2CE71D12ECFB}"/>
               </a:ext>
             </a:extLst>
           </p:cNvPr>
@@ -3231,7 +3497,7 @@
           <p:cNvPr id="5" name="Espaço Reservado para Rodapé 4">
             <a:extLst>
               <a:ext uri="{FF2B5EF4-FFF2-40B4-BE49-F238E27FC236}">
-                <a16:creationId xmlns:a16="http://schemas.microsoft.com/office/drawing/2014/main" xmlns="" id="{BDCAB18F-8715-4465-A940-F9C193A2ACE9}"/>
+                <a16:creationId xmlns="" xmlns:a16="http://schemas.microsoft.com/office/drawing/2014/main" id="{BDCAB18F-8715-4465-A940-F9C193A2ACE9}"/>
               </a:ext>
             </a:extLst>
           </p:cNvPr>
@@ -3256,7 +3522,7 @@
           <p:cNvPr id="6" name="Espaço Reservado para Número de Slide 5">
             <a:extLst>
               <a:ext uri="{FF2B5EF4-FFF2-40B4-BE49-F238E27FC236}">
-                <a16:creationId xmlns:a16="http://schemas.microsoft.com/office/drawing/2014/main" xmlns="" id="{353466C6-8248-429F-8056-FF040BF509EB}"/>
+                <a16:creationId xmlns="" xmlns:a16="http://schemas.microsoft.com/office/drawing/2014/main" id="{353466C6-8248-429F-8056-FF040BF509EB}"/>
               </a:ext>
             </a:extLst>
           </p:cNvPr>
@@ -3315,7 +3581,7 @@
           <p:cNvPr id="2" name="Título 1">
             <a:extLst>
               <a:ext uri="{FF2B5EF4-FFF2-40B4-BE49-F238E27FC236}">
-                <a16:creationId xmlns:a16="http://schemas.microsoft.com/office/drawing/2014/main" xmlns="" id="{BC7BB9F0-F14B-4A91-B2B7-35BC47FE4DE7}"/>
+                <a16:creationId xmlns="" xmlns:a16="http://schemas.microsoft.com/office/drawing/2014/main" id="{BC7BB9F0-F14B-4A91-B2B7-35BC47FE4DE7}"/>
               </a:ext>
             </a:extLst>
           </p:cNvPr>
@@ -3343,7 +3609,7 @@
           <p:cNvPr id="3" name="Espaço Reservado para Conteúdo 2">
             <a:extLst>
               <a:ext uri="{FF2B5EF4-FFF2-40B4-BE49-F238E27FC236}">
-                <a16:creationId xmlns:a16="http://schemas.microsoft.com/office/drawing/2014/main" xmlns="" id="{EC1FC1C4-73DA-47A6-8496-B0B457F7D39A}"/>
+                <a16:creationId xmlns="" xmlns:a16="http://schemas.microsoft.com/office/drawing/2014/main" id="{EC1FC1C4-73DA-47A6-8496-B0B457F7D39A}"/>
               </a:ext>
             </a:extLst>
           </p:cNvPr>
@@ -3405,7 +3671,7 @@
           <p:cNvPr id="4" name="Espaço Reservado para Conteúdo 3">
             <a:extLst>
               <a:ext uri="{FF2B5EF4-FFF2-40B4-BE49-F238E27FC236}">
-                <a16:creationId xmlns:a16="http://schemas.microsoft.com/office/drawing/2014/main" xmlns="" id="{E92F06A8-A449-4D92-9912-76873E529B38}"/>
+                <a16:creationId xmlns="" xmlns:a16="http://schemas.microsoft.com/office/drawing/2014/main" id="{E92F06A8-A449-4D92-9912-76873E529B38}"/>
               </a:ext>
             </a:extLst>
           </p:cNvPr>
@@ -3467,7 +3733,7 @@
           <p:cNvPr id="5" name="Espaço Reservado para Data 4">
             <a:extLst>
               <a:ext uri="{FF2B5EF4-FFF2-40B4-BE49-F238E27FC236}">
-                <a16:creationId xmlns:a16="http://schemas.microsoft.com/office/drawing/2014/main" xmlns="" id="{938070A4-BC2F-4D55-BD8D-DEAF11BB9EE9}"/>
+                <a16:creationId xmlns="" xmlns:a16="http://schemas.microsoft.com/office/drawing/2014/main" id="{938070A4-BC2F-4D55-BD8D-DEAF11BB9EE9}"/>
               </a:ext>
             </a:extLst>
           </p:cNvPr>
@@ -3496,7 +3762,7 @@
           <p:cNvPr id="6" name="Espaço Reservado para Rodapé 5">
             <a:extLst>
               <a:ext uri="{FF2B5EF4-FFF2-40B4-BE49-F238E27FC236}">
-                <a16:creationId xmlns:a16="http://schemas.microsoft.com/office/drawing/2014/main" xmlns="" id="{45CC2DB8-844A-465F-BA9A-7734C80C7F43}"/>
+                <a16:creationId xmlns="" xmlns:a16="http://schemas.microsoft.com/office/drawing/2014/main" id="{45CC2DB8-844A-465F-BA9A-7734C80C7F43}"/>
               </a:ext>
             </a:extLst>
           </p:cNvPr>
@@ -3521,7 +3787,7 @@
           <p:cNvPr id="7" name="Espaço Reservado para Número de Slide 6">
             <a:extLst>
               <a:ext uri="{FF2B5EF4-FFF2-40B4-BE49-F238E27FC236}">
-                <a16:creationId xmlns:a16="http://schemas.microsoft.com/office/drawing/2014/main" xmlns="" id="{4CC606A8-097B-4040-94E0-CD8C88280D8F}"/>
+                <a16:creationId xmlns="" xmlns:a16="http://schemas.microsoft.com/office/drawing/2014/main" id="{4CC606A8-097B-4040-94E0-CD8C88280D8F}"/>
               </a:ext>
             </a:extLst>
           </p:cNvPr>
@@ -3580,7 +3846,7 @@
           <p:cNvPr id="2" name="Título 1">
             <a:extLst>
               <a:ext uri="{FF2B5EF4-FFF2-40B4-BE49-F238E27FC236}">
-                <a16:creationId xmlns:a16="http://schemas.microsoft.com/office/drawing/2014/main" xmlns="" id="{76D66686-0143-4CB6-8C09-BA326F1E7ACA}"/>
+                <a16:creationId xmlns="" xmlns:a16="http://schemas.microsoft.com/office/drawing/2014/main" id="{76D66686-0143-4CB6-8C09-BA326F1E7ACA}"/>
               </a:ext>
             </a:extLst>
           </p:cNvPr>
@@ -3613,7 +3879,7 @@
           <p:cNvPr id="3" name="Espaço Reservado para Texto 2">
             <a:extLst>
               <a:ext uri="{FF2B5EF4-FFF2-40B4-BE49-F238E27FC236}">
-                <a16:creationId xmlns:a16="http://schemas.microsoft.com/office/drawing/2014/main" xmlns="" id="{0227AB85-F59E-4BCE-B846-4FA0992C2F23}"/>
+                <a16:creationId xmlns="" xmlns:a16="http://schemas.microsoft.com/office/drawing/2014/main" id="{0227AB85-F59E-4BCE-B846-4FA0992C2F23}"/>
               </a:ext>
             </a:extLst>
           </p:cNvPr>
@@ -3684,7 +3950,7 @@
           <p:cNvPr id="4" name="Espaço Reservado para Conteúdo 3">
             <a:extLst>
               <a:ext uri="{FF2B5EF4-FFF2-40B4-BE49-F238E27FC236}">
-                <a16:creationId xmlns:a16="http://schemas.microsoft.com/office/drawing/2014/main" xmlns="" id="{3373456C-7319-4D0A-827D-D29F6B083F5D}"/>
+                <a16:creationId xmlns="" xmlns:a16="http://schemas.microsoft.com/office/drawing/2014/main" id="{3373456C-7319-4D0A-827D-D29F6B083F5D}"/>
               </a:ext>
             </a:extLst>
           </p:cNvPr>
@@ -3746,7 +4012,7 @@
           <p:cNvPr id="5" name="Espaço Reservado para Texto 4">
             <a:extLst>
               <a:ext uri="{FF2B5EF4-FFF2-40B4-BE49-F238E27FC236}">
-                <a16:creationId xmlns:a16="http://schemas.microsoft.com/office/drawing/2014/main" xmlns="" id="{4CD109D0-2E83-4262-8029-A871CEC47406}"/>
+                <a16:creationId xmlns="" xmlns:a16="http://schemas.microsoft.com/office/drawing/2014/main" id="{4CD109D0-2E83-4262-8029-A871CEC47406}"/>
               </a:ext>
             </a:extLst>
           </p:cNvPr>
@@ -3817,7 +4083,7 @@
           <p:cNvPr id="6" name="Espaço Reservado para Conteúdo 5">
             <a:extLst>
               <a:ext uri="{FF2B5EF4-FFF2-40B4-BE49-F238E27FC236}">
-                <a16:creationId xmlns:a16="http://schemas.microsoft.com/office/drawing/2014/main" xmlns="" id="{AD706E3A-CFBB-4A6C-A65F-D0360A9E74FE}"/>
+                <a16:creationId xmlns="" xmlns:a16="http://schemas.microsoft.com/office/drawing/2014/main" id="{AD706E3A-CFBB-4A6C-A65F-D0360A9E74FE}"/>
               </a:ext>
             </a:extLst>
           </p:cNvPr>
@@ -3879,7 +4145,7 @@
           <p:cNvPr id="7" name="Espaço Reservado para Data 6">
             <a:extLst>
               <a:ext uri="{FF2B5EF4-FFF2-40B4-BE49-F238E27FC236}">
-                <a16:creationId xmlns:a16="http://schemas.microsoft.com/office/drawing/2014/main" xmlns="" id="{4172C0E5-5AF0-4805-BB51-443733CD2BD5}"/>
+                <a16:creationId xmlns="" xmlns:a16="http://schemas.microsoft.com/office/drawing/2014/main" id="{4172C0E5-5AF0-4805-BB51-443733CD2BD5}"/>
               </a:ext>
             </a:extLst>
           </p:cNvPr>
@@ -3908,7 +4174,7 @@
           <p:cNvPr id="8" name="Espaço Reservado para Rodapé 7">
             <a:extLst>
               <a:ext uri="{FF2B5EF4-FFF2-40B4-BE49-F238E27FC236}">
-                <a16:creationId xmlns:a16="http://schemas.microsoft.com/office/drawing/2014/main" xmlns="" id="{0E801648-156F-497E-99CF-797DF48051E1}"/>
+                <a16:creationId xmlns="" xmlns:a16="http://schemas.microsoft.com/office/drawing/2014/main" id="{0E801648-156F-497E-99CF-797DF48051E1}"/>
               </a:ext>
             </a:extLst>
           </p:cNvPr>
@@ -3933,7 +4199,7 @@
           <p:cNvPr id="9" name="Espaço Reservado para Número de Slide 8">
             <a:extLst>
               <a:ext uri="{FF2B5EF4-FFF2-40B4-BE49-F238E27FC236}">
-                <a16:creationId xmlns:a16="http://schemas.microsoft.com/office/drawing/2014/main" xmlns="" id="{EEE23D32-80E7-4796-A137-66BF842E4B53}"/>
+                <a16:creationId xmlns="" xmlns:a16="http://schemas.microsoft.com/office/drawing/2014/main" id="{EEE23D32-80E7-4796-A137-66BF842E4B53}"/>
               </a:ext>
             </a:extLst>
           </p:cNvPr>
@@ -3992,7 +4258,7 @@
           <p:cNvPr id="2" name="Título 1">
             <a:extLst>
               <a:ext uri="{FF2B5EF4-FFF2-40B4-BE49-F238E27FC236}">
-                <a16:creationId xmlns:a16="http://schemas.microsoft.com/office/drawing/2014/main" xmlns="" id="{2BCE2379-C78F-47E1-8CFC-B846E7AF148D}"/>
+                <a16:creationId xmlns="" xmlns:a16="http://schemas.microsoft.com/office/drawing/2014/main" id="{2BCE2379-C78F-47E1-8CFC-B846E7AF148D}"/>
               </a:ext>
             </a:extLst>
           </p:cNvPr>
@@ -4020,7 +4286,7 @@
           <p:cNvPr id="3" name="Espaço Reservado para Data 2">
             <a:extLst>
               <a:ext uri="{FF2B5EF4-FFF2-40B4-BE49-F238E27FC236}">
-                <a16:creationId xmlns:a16="http://schemas.microsoft.com/office/drawing/2014/main" xmlns="" id="{342600A9-7F92-4E22-9D94-E4717252A817}"/>
+                <a16:creationId xmlns="" xmlns:a16="http://schemas.microsoft.com/office/drawing/2014/main" id="{342600A9-7F92-4E22-9D94-E4717252A817}"/>
               </a:ext>
             </a:extLst>
           </p:cNvPr>
@@ -4049,7 +4315,7 @@
           <p:cNvPr id="4" name="Espaço Reservado para Rodapé 3">
             <a:extLst>
               <a:ext uri="{FF2B5EF4-FFF2-40B4-BE49-F238E27FC236}">
-                <a16:creationId xmlns:a16="http://schemas.microsoft.com/office/drawing/2014/main" xmlns="" id="{192E6BED-F546-40CC-A2DF-99CBA853654E}"/>
+                <a16:creationId xmlns="" xmlns:a16="http://schemas.microsoft.com/office/drawing/2014/main" id="{192E6BED-F546-40CC-A2DF-99CBA853654E}"/>
               </a:ext>
             </a:extLst>
           </p:cNvPr>
@@ -4074,7 +4340,7 @@
           <p:cNvPr id="5" name="Espaço Reservado para Número de Slide 4">
             <a:extLst>
               <a:ext uri="{FF2B5EF4-FFF2-40B4-BE49-F238E27FC236}">
-                <a16:creationId xmlns:a16="http://schemas.microsoft.com/office/drawing/2014/main" xmlns="" id="{6091CC40-A8C4-4063-80EB-CC5099621678}"/>
+                <a16:creationId xmlns="" xmlns:a16="http://schemas.microsoft.com/office/drawing/2014/main" id="{6091CC40-A8C4-4063-80EB-CC5099621678}"/>
               </a:ext>
             </a:extLst>
           </p:cNvPr>
@@ -4133,7 +4399,7 @@
           <p:cNvPr id="2" name="Espaço Reservado para Data 1">
             <a:extLst>
               <a:ext uri="{FF2B5EF4-FFF2-40B4-BE49-F238E27FC236}">
-                <a16:creationId xmlns:a16="http://schemas.microsoft.com/office/drawing/2014/main" xmlns="" id="{DD19515C-212C-4EAE-84A3-8FF4BC844F1B}"/>
+                <a16:creationId xmlns="" xmlns:a16="http://schemas.microsoft.com/office/drawing/2014/main" id="{DD19515C-212C-4EAE-84A3-8FF4BC844F1B}"/>
               </a:ext>
             </a:extLst>
           </p:cNvPr>
@@ -4162,7 +4428,7 @@
           <p:cNvPr id="3" name="Espaço Reservado para Rodapé 2">
             <a:extLst>
               <a:ext uri="{FF2B5EF4-FFF2-40B4-BE49-F238E27FC236}">
-                <a16:creationId xmlns:a16="http://schemas.microsoft.com/office/drawing/2014/main" xmlns="" id="{94D3D120-B3E8-4C96-861D-7A4F12F49B3A}"/>
+                <a16:creationId xmlns="" xmlns:a16="http://schemas.microsoft.com/office/drawing/2014/main" id="{94D3D120-B3E8-4C96-861D-7A4F12F49B3A}"/>
               </a:ext>
             </a:extLst>
           </p:cNvPr>
@@ -4187,7 +4453,7 @@
           <p:cNvPr id="4" name="Espaço Reservado para Número de Slide 3">
             <a:extLst>
               <a:ext uri="{FF2B5EF4-FFF2-40B4-BE49-F238E27FC236}">
-                <a16:creationId xmlns:a16="http://schemas.microsoft.com/office/drawing/2014/main" xmlns="" id="{42E49B68-FA1B-468B-9F17-D5C09243D454}"/>
+                <a16:creationId xmlns="" xmlns:a16="http://schemas.microsoft.com/office/drawing/2014/main" id="{42E49B68-FA1B-468B-9F17-D5C09243D454}"/>
               </a:ext>
             </a:extLst>
           </p:cNvPr>
@@ -4246,7 +4512,7 @@
           <p:cNvPr id="2" name="Título 1">
             <a:extLst>
               <a:ext uri="{FF2B5EF4-FFF2-40B4-BE49-F238E27FC236}">
-                <a16:creationId xmlns:a16="http://schemas.microsoft.com/office/drawing/2014/main" xmlns="" id="{1C17BCBE-A897-4319-85EC-D87909C24980}"/>
+                <a16:creationId xmlns="" xmlns:a16="http://schemas.microsoft.com/office/drawing/2014/main" id="{1C17BCBE-A897-4319-85EC-D87909C24980}"/>
               </a:ext>
             </a:extLst>
           </p:cNvPr>
@@ -4283,7 +4549,7 @@
           <p:cNvPr id="3" name="Espaço Reservado para Conteúdo 2">
             <a:extLst>
               <a:ext uri="{FF2B5EF4-FFF2-40B4-BE49-F238E27FC236}">
-                <a16:creationId xmlns:a16="http://schemas.microsoft.com/office/drawing/2014/main" xmlns="" id="{4226F885-0204-4913-868B-4B8B82576F17}"/>
+                <a16:creationId xmlns="" xmlns:a16="http://schemas.microsoft.com/office/drawing/2014/main" id="{4226F885-0204-4913-868B-4B8B82576F17}"/>
               </a:ext>
             </a:extLst>
           </p:cNvPr>
@@ -4373,7 +4639,7 @@
           <p:cNvPr id="4" name="Espaço Reservado para Texto 3">
             <a:extLst>
               <a:ext uri="{FF2B5EF4-FFF2-40B4-BE49-F238E27FC236}">
-                <a16:creationId xmlns:a16="http://schemas.microsoft.com/office/drawing/2014/main" xmlns="" id="{00F9F784-A858-441B-8AB5-697098141751}"/>
+                <a16:creationId xmlns="" xmlns:a16="http://schemas.microsoft.com/office/drawing/2014/main" id="{00F9F784-A858-441B-8AB5-697098141751}"/>
               </a:ext>
             </a:extLst>
           </p:cNvPr>
@@ -4444,7 +4710,7 @@
           <p:cNvPr id="5" name="Espaço Reservado para Data 4">
             <a:extLst>
               <a:ext uri="{FF2B5EF4-FFF2-40B4-BE49-F238E27FC236}">
-                <a16:creationId xmlns:a16="http://schemas.microsoft.com/office/drawing/2014/main" xmlns="" id="{A4DC363A-5000-472E-8B17-02E7DCB8840A}"/>
+                <a16:creationId xmlns="" xmlns:a16="http://schemas.microsoft.com/office/drawing/2014/main" id="{A4DC363A-5000-472E-8B17-02E7DCB8840A}"/>
               </a:ext>
             </a:extLst>
           </p:cNvPr>
@@ -4473,7 +4739,7 @@
           <p:cNvPr id="6" name="Espaço Reservado para Rodapé 5">
             <a:extLst>
               <a:ext uri="{FF2B5EF4-FFF2-40B4-BE49-F238E27FC236}">
-                <a16:creationId xmlns:a16="http://schemas.microsoft.com/office/drawing/2014/main" xmlns="" id="{5548425D-2C21-4C56-BAD4-662978775C28}"/>
+                <a16:creationId xmlns="" xmlns:a16="http://schemas.microsoft.com/office/drawing/2014/main" id="{5548425D-2C21-4C56-BAD4-662978775C28}"/>
               </a:ext>
             </a:extLst>
           </p:cNvPr>
@@ -4498,7 +4764,7 @@
           <p:cNvPr id="7" name="Espaço Reservado para Número de Slide 6">
             <a:extLst>
               <a:ext uri="{FF2B5EF4-FFF2-40B4-BE49-F238E27FC236}">
-                <a16:creationId xmlns:a16="http://schemas.microsoft.com/office/drawing/2014/main" xmlns="" id="{C63E9726-E64C-42B2-AE8A-8C235A956B48}"/>
+                <a16:creationId xmlns="" xmlns:a16="http://schemas.microsoft.com/office/drawing/2014/main" id="{C63E9726-E64C-42B2-AE8A-8C235A956B48}"/>
               </a:ext>
             </a:extLst>
           </p:cNvPr>
@@ -4557,7 +4823,7 @@
           <p:cNvPr id="2" name="Título 1">
             <a:extLst>
               <a:ext uri="{FF2B5EF4-FFF2-40B4-BE49-F238E27FC236}">
-                <a16:creationId xmlns:a16="http://schemas.microsoft.com/office/drawing/2014/main" xmlns="" id="{11086A78-3E74-450C-96A6-CA8AC37AF772}"/>
+                <a16:creationId xmlns="" xmlns:a16="http://schemas.microsoft.com/office/drawing/2014/main" id="{11086A78-3E74-450C-96A6-CA8AC37AF772}"/>
               </a:ext>
             </a:extLst>
           </p:cNvPr>
@@ -4594,7 +4860,7 @@
           <p:cNvPr id="3" name="Espaço Reservado para Imagem 2">
             <a:extLst>
               <a:ext uri="{FF2B5EF4-FFF2-40B4-BE49-F238E27FC236}">
-                <a16:creationId xmlns:a16="http://schemas.microsoft.com/office/drawing/2014/main" xmlns="" id="{5F5B7312-975A-4DBC-9B2F-3652ADA006FD}"/>
+                <a16:creationId xmlns="" xmlns:a16="http://schemas.microsoft.com/office/drawing/2014/main" id="{5F5B7312-975A-4DBC-9B2F-3652ADA006FD}"/>
               </a:ext>
             </a:extLst>
           </p:cNvPr>
@@ -4661,7 +4927,7 @@
           <p:cNvPr id="4" name="Espaço Reservado para Texto 3">
             <a:extLst>
               <a:ext uri="{FF2B5EF4-FFF2-40B4-BE49-F238E27FC236}">
-                <a16:creationId xmlns:a16="http://schemas.microsoft.com/office/drawing/2014/main" xmlns="" id="{AAF805F5-1DFF-41C6-944C-7D79FE0D0963}"/>
+                <a16:creationId xmlns="" xmlns:a16="http://schemas.microsoft.com/office/drawing/2014/main" id="{AAF805F5-1DFF-41C6-944C-7D79FE0D0963}"/>
               </a:ext>
             </a:extLst>
           </p:cNvPr>
@@ -4732,7 +4998,7 @@
           <p:cNvPr id="5" name="Espaço Reservado para Data 4">
             <a:extLst>
               <a:ext uri="{FF2B5EF4-FFF2-40B4-BE49-F238E27FC236}">
-                <a16:creationId xmlns:a16="http://schemas.microsoft.com/office/drawing/2014/main" xmlns="" id="{02113D81-8665-4516-BD81-C6A1F254EECD}"/>
+                <a16:creationId xmlns="" xmlns:a16="http://schemas.microsoft.com/office/drawing/2014/main" id="{02113D81-8665-4516-BD81-C6A1F254EECD}"/>
               </a:ext>
             </a:extLst>
           </p:cNvPr>
@@ -4761,7 +5027,7 @@
           <p:cNvPr id="6" name="Espaço Reservado para Rodapé 5">
             <a:extLst>
               <a:ext uri="{FF2B5EF4-FFF2-40B4-BE49-F238E27FC236}">
-                <a16:creationId xmlns:a16="http://schemas.microsoft.com/office/drawing/2014/main" xmlns="" id="{2B00C88B-FF32-40AA-A187-727D96FD7862}"/>
+                <a16:creationId xmlns="" xmlns:a16="http://schemas.microsoft.com/office/drawing/2014/main" id="{2B00C88B-FF32-40AA-A187-727D96FD7862}"/>
               </a:ext>
             </a:extLst>
           </p:cNvPr>
@@ -4786,7 +5052,7 @@
           <p:cNvPr id="7" name="Espaço Reservado para Número de Slide 6">
             <a:extLst>
               <a:ext uri="{FF2B5EF4-FFF2-40B4-BE49-F238E27FC236}">
-                <a16:creationId xmlns:a16="http://schemas.microsoft.com/office/drawing/2014/main" xmlns="" id="{A04D1A2D-69F7-4B8F-A730-BC26DC340BA6}"/>
+                <a16:creationId xmlns="" xmlns:a16="http://schemas.microsoft.com/office/drawing/2014/main" id="{A04D1A2D-69F7-4B8F-A730-BC26DC340BA6}"/>
               </a:ext>
             </a:extLst>
           </p:cNvPr>
@@ -4850,7 +5116,7 @@
           <p:cNvPr id="2" name="Espaço Reservado para Título 1">
             <a:extLst>
               <a:ext uri="{FF2B5EF4-FFF2-40B4-BE49-F238E27FC236}">
-                <a16:creationId xmlns:a16="http://schemas.microsoft.com/office/drawing/2014/main" xmlns="" id="{E69A0273-1966-4A1B-9370-4C1CE5036371}"/>
+                <a16:creationId xmlns="" xmlns:a16="http://schemas.microsoft.com/office/drawing/2014/main" id="{E69A0273-1966-4A1B-9370-4C1CE5036371}"/>
               </a:ext>
             </a:extLst>
           </p:cNvPr>
@@ -4888,7 +5154,7 @@
           <p:cNvPr id="3" name="Espaço Reservado para Texto 2">
             <a:extLst>
               <a:ext uri="{FF2B5EF4-FFF2-40B4-BE49-F238E27FC236}">
-                <a16:creationId xmlns:a16="http://schemas.microsoft.com/office/drawing/2014/main" xmlns="" id="{3B9CF87A-0448-49A7-AB25-EBC1D56A40EF}"/>
+                <a16:creationId xmlns="" xmlns:a16="http://schemas.microsoft.com/office/drawing/2014/main" id="{3B9CF87A-0448-49A7-AB25-EBC1D56A40EF}"/>
               </a:ext>
             </a:extLst>
           </p:cNvPr>
@@ -4955,7 +5221,7 @@
           <p:cNvPr id="4" name="Espaço Reservado para Data 3">
             <a:extLst>
               <a:ext uri="{FF2B5EF4-FFF2-40B4-BE49-F238E27FC236}">
-                <a16:creationId xmlns:a16="http://schemas.microsoft.com/office/drawing/2014/main" xmlns="" id="{2EF7B1F2-BB5A-44D0-816D-16AD2C71430E}"/>
+                <a16:creationId xmlns="" xmlns:a16="http://schemas.microsoft.com/office/drawing/2014/main" id="{2EF7B1F2-BB5A-44D0-816D-16AD2C71430E}"/>
               </a:ext>
             </a:extLst>
           </p:cNvPr>
@@ -5002,7 +5268,7 @@
           <p:cNvPr id="5" name="Espaço Reservado para Rodapé 4">
             <a:extLst>
               <a:ext uri="{FF2B5EF4-FFF2-40B4-BE49-F238E27FC236}">
-                <a16:creationId xmlns:a16="http://schemas.microsoft.com/office/drawing/2014/main" xmlns="" id="{C703F94C-2CC8-4DAA-BC35-14FC3E841DCD}"/>
+                <a16:creationId xmlns="" xmlns:a16="http://schemas.microsoft.com/office/drawing/2014/main" id="{C703F94C-2CC8-4DAA-BC35-14FC3E841DCD}"/>
               </a:ext>
             </a:extLst>
           </p:cNvPr>
@@ -5045,7 +5311,7 @@
           <p:cNvPr id="6" name="Espaço Reservado para Número de Slide 5">
             <a:extLst>
               <a:ext uri="{FF2B5EF4-FFF2-40B4-BE49-F238E27FC236}">
-                <a16:creationId xmlns:a16="http://schemas.microsoft.com/office/drawing/2014/main" xmlns="" id="{64051336-7048-457A-8B61-D94291D71648}"/>
+                <a16:creationId xmlns="" xmlns:a16="http://schemas.microsoft.com/office/drawing/2014/main" id="{64051336-7048-457A-8B61-D94291D71648}"/>
               </a:ext>
             </a:extLst>
           </p:cNvPr>
@@ -5413,7 +5679,7 @@
           <p:cNvPr id="2" name="Título 1">
             <a:extLst>
               <a:ext uri="{FF2B5EF4-FFF2-40B4-BE49-F238E27FC236}">
-                <a16:creationId xmlns:a16="http://schemas.microsoft.com/office/drawing/2014/main" xmlns="" id="{32666AC8-2E17-4DB4-B0F5-60C640CCFD2E}"/>
+                <a16:creationId xmlns="" xmlns:a16="http://schemas.microsoft.com/office/drawing/2014/main" id="{32666AC8-2E17-4DB4-B0F5-60C640CCFD2E}"/>
               </a:ext>
             </a:extLst>
           </p:cNvPr>
@@ -5460,7 +5726,7 @@
           <p:cNvPr id="4" name="CaixaDeTexto 3">
             <a:extLst>
               <a:ext uri="{FF2B5EF4-FFF2-40B4-BE49-F238E27FC236}">
-                <a16:creationId xmlns:a16="http://schemas.microsoft.com/office/drawing/2014/main" xmlns="" id="{430EB894-B7D4-434C-9D1A-A14094D9BEEC}"/>
+                <a16:creationId xmlns="" xmlns:a16="http://schemas.microsoft.com/office/drawing/2014/main" id="{430EB894-B7D4-434C-9D1A-A14094D9BEEC}"/>
               </a:ext>
             </a:extLst>
           </p:cNvPr>
@@ -5501,7 +5767,7 @@
           <p:cNvPr id="1026" name="Picture 2" descr="Logo">
             <a:extLst>
               <a:ext uri="{FF2B5EF4-FFF2-40B4-BE49-F238E27FC236}">
-                <a16:creationId xmlns:a16="http://schemas.microsoft.com/office/drawing/2014/main" xmlns="" id="{3F2642E0-4F6A-4196-8F58-E77D36E9A33F}"/>
+                <a16:creationId xmlns="" xmlns:a16="http://schemas.microsoft.com/office/drawing/2014/main" id="{3F2642E0-4F6A-4196-8F58-E77D36E9A33F}"/>
               </a:ext>
             </a:extLst>
           </p:cNvPr>
@@ -5546,7 +5812,7 @@
           <p:cNvPr id="5122" name="Picture 2" descr="Image result for machine learning">
             <a:extLst>
               <a:ext uri="{FF2B5EF4-FFF2-40B4-BE49-F238E27FC236}">
-                <a16:creationId xmlns:a16="http://schemas.microsoft.com/office/drawing/2014/main" xmlns="" id="{810CE0A2-4102-44A6-A370-175E7896CDCB}"/>
+                <a16:creationId xmlns="" xmlns:a16="http://schemas.microsoft.com/office/drawing/2014/main" id="{810CE0A2-4102-44A6-A370-175E7896CDCB}"/>
               </a:ext>
             </a:extLst>
           </p:cNvPr>
@@ -5638,8 +5904,8 @@
           </a:p>
         </p:txBody>
       </p:sp>
-      <mc:AlternateContent xmlns:mc="http://schemas.openxmlformats.org/markup-compatibility/2006" xmlns:a14="http://schemas.microsoft.com/office/drawing/2010/main">
-        <mc:Choice Requires="a14">
+      <mc:AlternateContent xmlns:mc="http://schemas.openxmlformats.org/markup-compatibility/2006">
+        <mc:Choice xmlns:a14="http://schemas.microsoft.com/office/drawing/2010/main" Requires="a14">
           <p:sp>
             <p:nvSpPr>
               <p:cNvPr id="3" name="Content Placeholder 2"/>
@@ -6169,13 +6435,54 @@
                 </a14:m>
                 <a:r>
                   <a:rPr lang="pt-BR" dirty="0"/>
-                  <a:t> contém os vetores de pesos de cada classe.</a:t>
+                  <a:t> contém os vetores de </a:t>
+                </a:r>
+                <a:r>
+                  <a:rPr lang="pt-BR" dirty="0" smtClean="0"/>
+                  <a:t>pesos, </a:t>
+                </a:r>
+                <a14:m>
+                  <m:oMath xmlns:m="http://schemas.openxmlformats.org/officeDocument/2006/math">
+                    <m:sSub>
+                      <m:sSubPr>
+                        <m:ctrlPr>
+                          <a:rPr lang="pt-BR" b="1" i="1">
+                            <a:latin typeface="Cambria Math" panose="02040503050406030204" pitchFamily="18" charset="0"/>
+                          </a:rPr>
+                        </m:ctrlPr>
+                      </m:sSubPr>
+                      <m:e>
+                        <m:r>
+                          <a:rPr lang="pt-BR" b="1" i="1">
+                            <a:latin typeface="Cambria Math" panose="02040503050406030204" pitchFamily="18" charset="0"/>
+                          </a:rPr>
+                          <m:t>𝒂</m:t>
+                        </m:r>
+                      </m:e>
+                      <m:sub>
+                        <m:r>
+                          <a:rPr lang="pt-BR" i="1">
+                            <a:latin typeface="Cambria Math" panose="02040503050406030204" pitchFamily="18" charset="0"/>
+                          </a:rPr>
+                          <m:t>𝑞</m:t>
+                        </m:r>
+                      </m:sub>
+                    </m:sSub>
+                  </m:oMath>
+                </a14:m>
+                <a:r>
+                  <a:rPr lang="pt-BR" dirty="0" smtClean="0"/>
+                  <a:t>, </a:t>
+                </a:r>
+                <a:r>
+                  <a:rPr lang="pt-BR" dirty="0"/>
+                  <a:t>de cada classe.</a:t>
                 </a:r>
               </a:p>
             </p:txBody>
           </p:sp>
         </mc:Choice>
-        <mc:Fallback xmlns="">
+        <mc:Fallback>
           <p:sp>
             <p:nvSpPr>
               <p:cNvPr id="3" name="Content Placeholder 2"/>
@@ -6190,7 +6497,7 @@
               <a:blipFill rotWithShape="0">
                 <a:blip r:embed="rId3"/>
                 <a:stretch>
-                  <a:fillRect l="-1217" t="-2241" b="-1681"/>
+                  <a:fillRect l="-1217" t="-2241" b="-1961"/>
                 </a:stretch>
               </a:blipFill>
             </p:spPr>
@@ -6428,8 +6735,8 @@
           </a:p>
         </p:txBody>
       </p:sp>
-      <mc:AlternateContent xmlns:mc="http://schemas.openxmlformats.org/markup-compatibility/2006" xmlns:a14="http://schemas.microsoft.com/office/drawing/2010/main">
-        <mc:Choice Requires="a14">
+      <mc:AlternateContent xmlns:mc="http://schemas.openxmlformats.org/markup-compatibility/2006">
+        <mc:Choice xmlns:a14="http://schemas.microsoft.com/office/drawing/2010/main" Requires="a14">
           <p:sp>
             <p:nvSpPr>
               <p:cNvPr id="3" name="Content Placeholder 2"/>
@@ -6443,7 +6750,7 @@
             <p:spPr/>
             <p:txBody>
               <a:bodyPr>
-                <a:normAutofit fontScale="92500"/>
+                <a:normAutofit fontScale="92500" lnSpcReduction="10000"/>
               </a:bodyPr>
               <a:lstStyle/>
               <a:p>
@@ -6461,7 +6768,15 @@
                 </a:r>
                 <a:r>
                   <a:rPr lang="pt-BR" dirty="0"/>
-                  <a:t>, a equação acima pode ser re-escrita como</a:t>
+                  <a:t>, a equação </a:t>
+                </a:r>
+                <a:r>
+                  <a:rPr lang="pt-BR" dirty="0" smtClean="0"/>
+                  <a:t>anterior pode </a:t>
+                </a:r>
+                <a:r>
+                  <a:rPr lang="pt-BR" dirty="0"/>
+                  <a:t>ser re-escrita como</a:t>
                 </a:r>
               </a:p>
               <a:p>
@@ -6938,16 +7253,110 @@
                 </a14:m>
                 <a:r>
                   <a:rPr lang="pt-BR" dirty="0"/>
-                  <a:t> é o vetor com </a:t>
-                </a:r>
-                <a:r>
-                  <a:rPr lang="pt-BR" b="1" i="1" dirty="0"/>
-                  <a:t>one-hot-encoding</a:t>
+                  <a:t> é o </a:t>
+                </a:r>
+                <a:r>
+                  <a:rPr lang="pt-BR" dirty="0" smtClean="0"/>
+                  <a:t>vetor utilizando a codificação </a:t>
+                </a:r>
+                <a:r>
+                  <a:rPr lang="pt-BR" b="1" i="1" dirty="0" smtClean="0"/>
+                  <a:t>one-hot</a:t>
+                </a:r>
+                <a:r>
+                  <a:rPr lang="pt-BR" dirty="0" smtClean="0"/>
+                  <a:t> </a:t>
                 </a:r>
                 <a:r>
                   <a:rPr lang="pt-BR" dirty="0"/>
-                  <a:t> e </a:t>
-                </a:r>
+                  <a:t>e </a:t>
+                </a:r>
+                <a14:m>
+                  <m:oMath xmlns:m="http://schemas.openxmlformats.org/officeDocument/2006/math">
+                    <m:sSub>
+                      <m:sSubPr>
+                        <m:ctrlPr>
+                          <a:rPr lang="pt-BR" i="1">
+                            <a:latin typeface="Cambria Math" panose="02040503050406030204" pitchFamily="18" charset="0"/>
+                          </a:rPr>
+                        </m:ctrlPr>
+                      </m:sSubPr>
+                      <m:e>
+                        <m:r>
+                          <a:rPr lang="pt-BR" b="1" i="1">
+                            <a:latin typeface="Cambria Math" panose="02040503050406030204" pitchFamily="18" charset="0"/>
+                          </a:rPr>
+                          <m:t>𝒉</m:t>
+                        </m:r>
+                      </m:e>
+                      <m:sub>
+                        <m:r>
+                          <a:rPr lang="pt-BR" b="1" i="1">
+                            <a:latin typeface="Cambria Math" panose="02040503050406030204" pitchFamily="18" charset="0"/>
+                          </a:rPr>
+                          <m:t>𝒂</m:t>
+                        </m:r>
+                      </m:sub>
+                    </m:sSub>
+                    <m:d>
+                      <m:dPr>
+                        <m:ctrlPr>
+                          <a:rPr lang="pt-BR" i="1">
+                            <a:latin typeface="Cambria Math" panose="02040503050406030204" pitchFamily="18" charset="0"/>
+                          </a:rPr>
+                        </m:ctrlPr>
+                      </m:dPr>
+                      <m:e>
+                        <m:r>
+                          <a:rPr lang="pt-BR" b="1" i="1">
+                            <a:latin typeface="Cambria Math" panose="02040503050406030204" pitchFamily="18" charset="0"/>
+                          </a:rPr>
+                          <m:t>𝒙</m:t>
+                        </m:r>
+                        <m:d>
+                          <m:dPr>
+                            <m:ctrlPr>
+                              <a:rPr lang="pt-BR" b="1" i="1">
+                                <a:latin typeface="Cambria Math" panose="02040503050406030204" pitchFamily="18" charset="0"/>
+                              </a:rPr>
+                            </m:ctrlPr>
+                          </m:dPr>
+                          <m:e>
+                            <m:r>
+                              <a:rPr lang="pt-BR" i="1">
+                                <a:latin typeface="Cambria Math" panose="02040503050406030204" pitchFamily="18" charset="0"/>
+                              </a:rPr>
+                              <m:t>𝑖</m:t>
+                            </m:r>
+                          </m:e>
+                        </m:d>
+                      </m:e>
+                    </m:d>
+                  </m:oMath>
+                </a14:m>
+                <a:r>
+                  <a:rPr lang="pt-BR" dirty="0" smtClean="0"/>
+                  <a:t> é um vetor com todas as saídas das </a:t>
+                </a:r>
+                <a14:m>
+                  <m:oMath xmlns:m="http://schemas.openxmlformats.org/officeDocument/2006/math">
+                    <m:r>
+                      <a:rPr lang="pt-BR" i="1">
+                        <a:latin typeface="Cambria Math" panose="02040503050406030204" pitchFamily="18" charset="0"/>
+                      </a:rPr>
+                      <m:t>𝑞</m:t>
+                    </m:r>
+                  </m:oMath>
+                </a14:m>
+                <a:r>
+                  <a:rPr lang="pt-BR" dirty="0" smtClean="0"/>
+                  <a:t> </a:t>
+                </a:r>
+                <a:r>
+                  <a:rPr lang="pt-BR" b="1" i="1" dirty="0" smtClean="0"/>
+                  <a:t>funções hipóteses</a:t>
+                </a:r>
+                <a:endParaRPr lang="pt-BR" b="1" i="1" dirty="0"/>
               </a:p>
               <a:p>
                 <a:pPr marL="0" indent="0" algn="ctr">
@@ -7259,7 +7668,19 @@
                           <a:rPr lang="pt-BR" b="1" i="1" smtClean="0">
                             <a:latin typeface="Cambria Math" panose="02040503050406030204" pitchFamily="18" charset="0"/>
                           </a:rPr>
-                          <m:t>           =</m:t>
+                          <m:t>           </m:t>
+                        </m:r>
+                        <m:r>
+                          <a:rPr lang="pt-BR" b="1" i="1" smtClean="0">
+                            <a:latin typeface="Cambria Math" panose="02040503050406030204" pitchFamily="18" charset="0"/>
+                          </a:rPr>
+                          <m:t>  </m:t>
+                        </m:r>
+                        <m:r>
+                          <a:rPr lang="pt-BR" b="1" i="1" smtClean="0">
+                            <a:latin typeface="Cambria Math" panose="02040503050406030204" pitchFamily="18" charset="0"/>
+                          </a:rPr>
+                          <m:t>=</m:t>
                         </m:r>
                         <m:d>
                           <m:dPr>
@@ -7405,6 +7826,12 @@
                                     </a:rPr>
                                     <m:t>)</m:t>
                                   </m:r>
+                                  <m:r>
+                                    <a:rPr lang="pt-BR" b="0" i="1" smtClean="0">
+                                      <a:latin typeface="Cambria Math" panose="02040503050406030204" pitchFamily="18" charset="0"/>
+                                    </a:rPr>
+                                    <m:t>,</m:t>
+                                  </m:r>
                                 </m:e>
                                 <m:e>
                                   <m:r>
@@ -7412,6 +7839,12 @@
                                       <a:latin typeface="Cambria Math" panose="02040503050406030204" pitchFamily="18" charset="0"/>
                                     </a:rPr>
                                     <m:t>⋯</m:t>
+                                  </m:r>
+                                  <m:r>
+                                    <a:rPr lang="pt-BR" b="1" i="1" smtClean="0">
+                                      <a:latin typeface="Cambria Math" panose="02040503050406030204" pitchFamily="18" charset="0"/>
+                                    </a:rPr>
+                                    <m:t>,</m:t>
                                   </m:r>
                                 </m:e>
                                 <m:e>
@@ -7554,8 +7987,12 @@
               </a:p>
               <a:p>
                 <a:r>
+                  <a:rPr lang="pt-BR" dirty="0" smtClean="0"/>
+                  <a:t>Quando </a:t>
+                </a:r>
+                <a:r>
                   <a:rPr lang="pt-BR" dirty="0"/>
-                  <a:t>Observem que, quando existem apenas duas classes (</a:t>
+                  <a:t>existem apenas duas classes (</a:t>
                 </a:r>
                 <a14:m>
                   <m:oMath xmlns:m="http://schemas.openxmlformats.org/officeDocument/2006/math">
@@ -7595,17 +8032,22 @@
                 </a:r>
                 <a:r>
                   <a:rPr lang="pt-BR" b="1" i="1" dirty="0"/>
-                  <a:t>regressor logístico</a:t>
-                </a:r>
-                <a:r>
-                  <a:rPr lang="pt-BR" dirty="0"/>
+                  <a:t>regressor </a:t>
+                </a:r>
+                <a:r>
+                  <a:rPr lang="pt-BR" b="1" i="1" dirty="0" smtClean="0"/>
+                  <a:t>logístico</a:t>
+                </a:r>
+                <a:r>
+                  <a:rPr lang="pt-BR" dirty="0" smtClean="0"/>
                   <a:t>.</a:t>
                 </a:r>
+                <a:endParaRPr lang="pt-BR" dirty="0"/>
               </a:p>
             </p:txBody>
           </p:sp>
         </mc:Choice>
-        <mc:Fallback xmlns="">
+        <mc:Fallback>
           <p:sp>
             <p:nvSpPr>
               <p:cNvPr id="3" name="Content Placeholder 2"/>
@@ -7620,7 +8062,7 @@
               <a:blipFill rotWithShape="0">
                 <a:blip r:embed="rId3"/>
                 <a:stretch>
-                  <a:fillRect l="-1043" t="-2101" r="-232" b="-1401"/>
+                  <a:fillRect l="-1043" t="-2801" r="-1391" b="-1681"/>
                 </a:stretch>
               </a:blipFill>
             </p:spPr>
@@ -7691,8 +8133,8 @@
           </a:p>
         </p:txBody>
       </p:sp>
-      <mc:AlternateContent xmlns:mc="http://schemas.openxmlformats.org/markup-compatibility/2006" xmlns:a14="http://schemas.microsoft.com/office/drawing/2010/main">
-        <mc:Choice Requires="a14">
+      <mc:AlternateContent xmlns:mc="http://schemas.openxmlformats.org/markup-compatibility/2006">
+        <mc:Choice xmlns:a14="http://schemas.microsoft.com/office/drawing/2010/main" Requires="a14">
           <p:sp>
             <p:nvSpPr>
               <p:cNvPr id="3" name="Content Placeholder 2"/>
@@ -7703,9 +8145,16 @@
                 <p:ph idx="1"/>
               </p:nvPr>
             </p:nvSpPr>
-            <p:spPr/>
+            <p:spPr>
+              <a:xfrm>
+                <a:off x="838200" y="1825624"/>
+                <a:ext cx="11049000" cy="4758055"/>
+              </a:xfrm>
+            </p:spPr>
             <p:txBody>
-              <a:bodyPr/>
+              <a:bodyPr>
+                <a:normAutofit/>
+              </a:bodyPr>
               <a:lstStyle/>
               <a:p>
                 <a:r>
@@ -7976,8 +8425,32 @@
               </a:p>
               <a:p>
                 <a:r>
+                  <a:rPr lang="pt-BR" dirty="0" smtClean="0"/>
+                  <a:t>Considerando </a:t>
+                </a:r>
+                <a:r>
                   <a:rPr lang="pt-BR" dirty="0"/>
-                  <a:t>A derivada de </a:t>
+                  <a:t>uma </a:t>
+                </a:r>
+                <a:r>
+                  <a:rPr lang="pt-BR" b="1" i="1" dirty="0"/>
+                  <a:t>função discriminante linear </a:t>
+                </a:r>
+                <a:r>
+                  <a:rPr lang="pt-BR" dirty="0" smtClean="0"/>
+                  <a:t>(i.e., </a:t>
+                </a:r>
+                <a:r>
+                  <a:rPr lang="pt-BR" b="1" i="1" dirty="0" smtClean="0"/>
+                  <a:t>hiperplano</a:t>
+                </a:r>
+                <a:r>
+                  <a:rPr lang="pt-BR" dirty="0" smtClean="0"/>
+                  <a:t>), a derivada </a:t>
+                </a:r>
+                <a:r>
+                  <a:rPr lang="pt-BR" dirty="0"/>
+                  <a:t>da função de erro, </a:t>
                 </a:r>
                 <a14:m>
                   <m:oMath xmlns:m="http://schemas.openxmlformats.org/officeDocument/2006/math">
@@ -8027,7 +8500,15 @@
                 </a14:m>
                 <a:r>
                   <a:rPr lang="pt-BR" dirty="0"/>
-                  <a:t> com respeito a cada vetor de pesos, </a:t>
+                  <a:t>, </a:t>
+                </a:r>
+                <a:r>
+                  <a:rPr lang="pt-BR" dirty="0" smtClean="0"/>
+                  <a:t>com </a:t>
+                </a:r>
+                <a:r>
+                  <a:rPr lang="pt-BR" dirty="0"/>
+                  <a:t>respeito a cada vetor de pesos, </a:t>
                 </a:r>
                 <a14:m>
                   <m:oMath xmlns:m="http://schemas.openxmlformats.org/officeDocument/2006/math">
@@ -8060,7 +8541,15 @@
                 </a14:m>
                 <a:r>
                   <a:rPr lang="pt-BR" dirty="0"/>
-                  <a:t>, tem uma expressão semelhante àquela obtida para a </a:t>
+                  <a:t>, tem uma expressão </a:t>
+                </a:r>
+                <a:r>
+                  <a:rPr lang="pt-BR" dirty="0"/>
+                  <a:t>idêntica àquela </a:t>
+                </a:r>
+                <a:r>
+                  <a:rPr lang="pt-BR" dirty="0"/>
+                  <a:t>obtida para a </a:t>
                 </a:r>
                 <a:r>
                   <a:rPr lang="pt-BR" b="1" i="1" dirty="0"/>
@@ -8419,20 +8908,121 @@
                         </m:sSup>
                       </m:e>
                     </m:nary>
+                    <m:r>
+                      <a:rPr lang="pt-BR" i="1">
+                        <a:latin typeface="Cambria Math" panose="02040503050406030204" pitchFamily="18" charset="0"/>
+                      </a:rPr>
+                      <m:t>=</m:t>
+                    </m:r>
+                    <m:sSup>
+                      <m:sSupPr>
+                        <m:ctrlPr>
+                          <a:rPr lang="pt-BR" i="1">
+                            <a:latin typeface="Cambria Math" panose="02040503050406030204" pitchFamily="18" charset="0"/>
+                          </a:rPr>
+                        </m:ctrlPr>
+                      </m:sSupPr>
+                      <m:e>
+                        <m:r>
+                          <a:rPr lang="pt-BR" i="1">
+                            <a:latin typeface="Cambria Math" panose="02040503050406030204" pitchFamily="18" charset="0"/>
+                          </a:rPr>
+                          <m:t>−</m:t>
+                        </m:r>
+                        <m:f>
+                          <m:fPr>
+                            <m:ctrlPr>
+                              <a:rPr lang="pt-BR" i="1">
+                                <a:latin typeface="Cambria Math" panose="02040503050406030204" pitchFamily="18" charset="0"/>
+                              </a:rPr>
+                            </m:ctrlPr>
+                          </m:fPr>
+                          <m:num>
+                            <m:r>
+                              <a:rPr lang="pt-BR" i="1">
+                                <a:latin typeface="Cambria Math" panose="02040503050406030204" pitchFamily="18" charset="0"/>
+                              </a:rPr>
+                              <m:t>1</m:t>
+                            </m:r>
+                          </m:num>
+                          <m:den>
+                            <m:r>
+                              <a:rPr lang="pt-BR" i="1">
+                                <a:latin typeface="Cambria Math" panose="02040503050406030204" pitchFamily="18" charset="0"/>
+                              </a:rPr>
+                              <m:t>𝑁</m:t>
+                            </m:r>
+                          </m:den>
+                        </m:f>
+                        <m:r>
+                          <a:rPr lang="pt-BR" b="1" i="1">
+                            <a:latin typeface="Cambria Math" panose="02040503050406030204" pitchFamily="18" charset="0"/>
+                          </a:rPr>
+                          <m:t>𝑿</m:t>
+                        </m:r>
+                      </m:e>
+                      <m:sup>
+                        <m:r>
+                          <a:rPr lang="pt-BR" i="1">
+                            <a:latin typeface="Cambria Math" panose="02040503050406030204" pitchFamily="18" charset="0"/>
+                          </a:rPr>
+                          <m:t>𝑇</m:t>
+                        </m:r>
+                      </m:sup>
+                    </m:sSup>
+                    <m:d>
+                      <m:dPr>
+                        <m:ctrlPr>
+                          <a:rPr lang="pt-BR" i="1">
+                            <a:latin typeface="Cambria Math" panose="02040503050406030204" pitchFamily="18" charset="0"/>
+                          </a:rPr>
+                        </m:ctrlPr>
+                      </m:dPr>
+                      <m:e>
+                        <m:r>
+                          <a:rPr lang="pt-BR" b="1" i="1">
+                            <a:latin typeface="Cambria Math" panose="02040503050406030204" pitchFamily="18" charset="0"/>
+                          </a:rPr>
+                          <m:t>𝒚</m:t>
+                        </m:r>
+                        <m:r>
+                          <a:rPr lang="pt-BR" i="1">
+                            <a:latin typeface="Cambria Math" panose="02040503050406030204" pitchFamily="18" charset="0"/>
+                          </a:rPr>
+                          <m:t>−</m:t>
+                        </m:r>
+                        <m:acc>
+                          <m:accPr>
+                            <m:chr m:val="̂"/>
+                            <m:ctrlPr>
+                              <a:rPr lang="pt-BR" i="1">
+                                <a:latin typeface="Cambria Math" panose="02040503050406030204" pitchFamily="18" charset="0"/>
+                              </a:rPr>
+                            </m:ctrlPr>
+                          </m:accPr>
+                          <m:e>
+                            <m:r>
+                              <a:rPr lang="pt-BR" b="1" i="1">
+                                <a:latin typeface="Cambria Math" panose="02040503050406030204" pitchFamily="18" charset="0"/>
+                              </a:rPr>
+                              <m:t>𝒚</m:t>
+                            </m:r>
+                          </m:e>
+                        </m:acc>
+                      </m:e>
+                    </m:d>
                   </m:oMath>
                 </a14:m>
                 <a:r>
                   <a:rPr lang="pt-BR" dirty="0" smtClean="0"/>
                   <a:t>.</a:t>
                 </a:r>
-                <a:endParaRPr lang="pt-BR" i="1" dirty="0">
-                  <a:latin typeface="Cambria Math" panose="02040503050406030204" pitchFamily="18" charset="0"/>
-                </a:endParaRPr>
+                <a:endParaRPr lang="pt-BR" dirty="0"/>
               </a:p>
             </p:txBody>
           </p:sp>
         </mc:Choice>
-        <mc:Fallback xmlns="">
+        <mc:Fallback>
           <p:sp>
             <p:nvSpPr>
               <p:cNvPr id="3" name="Content Placeholder 2"/>
@@ -8444,10 +9034,14 @@
               </p:nvPr>
             </p:nvSpPr>
             <p:spPr>
+              <a:xfrm>
+                <a:off x="838200" y="1825624"/>
+                <a:ext cx="11049000" cy="4758055"/>
+              </a:xfrm>
               <a:blipFill rotWithShape="0">
                 <a:blip r:embed="rId3"/>
                 <a:stretch>
-                  <a:fillRect l="-1043" t="-2241" r="-1681"/>
+                  <a:fillRect l="-993" t="-2049" r="-1380"/>
                 </a:stretch>
               </a:blipFill>
             </p:spPr>
@@ -8469,7 +9063,7 @@
     </p:spTree>
     <p:extLst>
       <p:ext uri="{BB962C8B-B14F-4D97-AF65-F5344CB8AC3E}">
-        <p14:creationId xmlns:p14="http://schemas.microsoft.com/office/powerpoint/2010/main" val="1092754510"/>
+        <p14:creationId xmlns:p14="http://schemas.microsoft.com/office/powerpoint/2010/main" val="2027040607"/>
       </p:ext>
     </p:extLst>
   </p:cSld>
@@ -8518,8 +9112,8 @@
           </a:p>
         </p:txBody>
       </p:sp>
-      <mc:AlternateContent xmlns:mc="http://schemas.openxmlformats.org/markup-compatibility/2006" xmlns:a14="http://schemas.microsoft.com/office/drawing/2010/main">
-        <mc:Choice Requires="a14">
+      <mc:AlternateContent xmlns:mc="http://schemas.openxmlformats.org/markup-compatibility/2006">
+        <mc:Choice xmlns:a14="http://schemas.microsoft.com/office/drawing/2010/main" Requires="a14">
           <p:sp>
             <p:nvSpPr>
               <p:cNvPr id="3" name="Content Placeholder 2"/>
@@ -8530,10 +9124,74 @@
                 <p:ph idx="1"/>
               </p:nvPr>
             </p:nvSpPr>
-            <p:spPr/>
+            <p:spPr>
+              <a:xfrm>
+                <a:off x="838199" y="1825624"/>
+                <a:ext cx="10894255" cy="4561107"/>
+              </a:xfrm>
+            </p:spPr>
             <p:txBody>
-              <a:bodyPr/>
+              <a:bodyPr>
+                <a:normAutofit fontScale="92500" lnSpcReduction="10000"/>
+              </a:bodyPr>
               <a:lstStyle/>
+              <a:p>
+                <a:r>
+                  <a:rPr lang="pt-BR" dirty="0"/>
+                  <a:t>O </a:t>
+                </a:r>
+                <a:r>
+                  <a:rPr lang="pt-BR" b="1" i="1" dirty="0"/>
+                  <a:t>vetor gradiente </a:t>
+                </a:r>
+                <a:r>
+                  <a:rPr lang="pt-BR" dirty="0"/>
+                  <a:t>da</a:t>
+                </a:r>
+                <a:r>
+                  <a:rPr lang="pt-BR" b="1" i="1" dirty="0"/>
+                  <a:t> função de erro </a:t>
+                </a:r>
+                <a:r>
+                  <a:rPr lang="pt-BR" dirty="0"/>
+                  <a:t>depende da </a:t>
+                </a:r>
+                <a:r>
+                  <a:rPr lang="pt-BR" b="1" i="1" dirty="0"/>
+                  <a:t>função discriminate </a:t>
+                </a:r>
+                <a:r>
+                  <a:rPr lang="pt-BR" dirty="0"/>
+                  <a:t>adotada</a:t>
+                </a:r>
+                <a:r>
+                  <a:rPr lang="pt-BR" dirty="0"/>
+                  <a:t>.</a:t>
+                </a:r>
+              </a:p>
+              <a:p>
+                <a:r>
+                  <a:rPr lang="pt-BR" dirty="0"/>
+                  <a:t>Entretato, como vimos antes, esta dependência afeta apenas a matriz de atributos, </a:t>
+                </a:r>
+                <a14:m>
+                  <m:oMath xmlns:m="http://schemas.openxmlformats.org/officeDocument/2006/math">
+                    <m:r>
+                      <a:rPr lang="pt-BR" b="1" i="1">
+                        <a:latin typeface="Cambria Math" panose="02040503050406030204" pitchFamily="18" charset="0"/>
+                      </a:rPr>
+                      <m:t>𝑿</m:t>
+                    </m:r>
+                  </m:oMath>
+                </a14:m>
+                <a:r>
+                  <a:rPr lang="pt-BR" dirty="0" smtClean="0"/>
+                  <a:t>.</a:t>
+                </a:r>
+                <a:endParaRPr lang="pt-BR" i="1" dirty="0" smtClean="0">
+                  <a:latin typeface="Cambria Math" panose="02040503050406030204" pitchFamily="18" charset="0"/>
+                </a:endParaRPr>
+              </a:p>
               <a:p>
                 <a14:m>
                   <m:oMath xmlns:m="http://schemas.openxmlformats.org/officeDocument/2006/math">
@@ -8541,7 +9199,7 @@
                       <m:naryPr>
                         <m:chr m:val="∑"/>
                         <m:ctrlPr>
-                          <a:rPr lang="pt-BR" i="1">
+                          <a:rPr lang="pt-BR" i="1" smtClean="0">
                             <a:latin typeface="Cambria Math" panose="02040503050406030204" pitchFamily="18" charset="0"/>
                           </a:rPr>
                         </m:ctrlPr>
@@ -8798,15 +9456,35 @@
                 </a14:m>
                 <a:r>
                   <a:rPr lang="pt-BR" dirty="0"/>
-                  <a:t>, ou seja, o somatório da </a:t>
-                </a:r>
-                <a:r>
-                  <a:rPr lang="pt-BR" b="1" i="1" dirty="0"/>
-                  <a:t>probabilidade condicional</a:t>
+                  <a:t>, ou seja, o somatório </a:t>
+                </a:r>
+                <a:r>
+                  <a:rPr lang="pt-BR" dirty="0" smtClean="0"/>
+                  <a:t>das </a:t>
+                </a:r>
+                <a:r>
+                  <a:rPr lang="pt-BR" b="1" i="1" dirty="0" smtClean="0"/>
+                  <a:t>probabilidades condicionais</a:t>
+                </a:r>
+                <a:r>
+                  <a:rPr lang="pt-BR" dirty="0" smtClean="0"/>
+                  <a:t> </a:t>
                 </a:r>
                 <a:r>
                   <a:rPr lang="pt-BR" dirty="0"/>
-                  <a:t> de todas as classes é igual a 1.</a:t>
+                  <a:t>de todas as classes </a:t>
+                </a:r>
+                <a:r>
+                  <a:rPr lang="pt-BR" dirty="0"/>
+                  <a:t>é</a:t>
+                </a:r>
+                <a:r>
+                  <a:rPr lang="pt-BR" dirty="0" smtClean="0"/>
+                  <a:t> </a:t>
+                </a:r>
+                <a:r>
+                  <a:rPr lang="pt-BR" dirty="0"/>
+                  <a:t>igual a 1.</a:t>
                 </a:r>
               </a:p>
               <a:p>
@@ -8989,184 +9667,215 @@
                       </a:rPr>
                       <m:t>=</m:t>
                     </m:r>
-                    <m:d>
-                      <m:dPr>
-                        <m:begChr m:val="["/>
-                        <m:endChr m:val="]"/>
+                    <m:sSup>
+                      <m:sSupPr>
                         <m:ctrlPr>
-                          <a:rPr lang="pt-BR" b="1" i="1">
+                          <a:rPr lang="pt-BR" b="1" i="1" smtClean="0">
                             <a:latin typeface="Cambria Math" panose="02040503050406030204" pitchFamily="18" charset="0"/>
                           </a:rPr>
                         </m:ctrlPr>
-                      </m:dPr>
+                      </m:sSupPr>
                       <m:e>
-                        <m:m>
-                          <m:mPr>
-                            <m:mcs>
-                              <m:mc>
-                                <m:mcPr>
-                                  <m:count m:val="3"/>
-                                  <m:mcJc m:val="center"/>
-                                </m:mcPr>
-                              </m:mc>
-                            </m:mcs>
+                        <m:d>
+                          <m:dPr>
+                            <m:begChr m:val="["/>
+                            <m:endChr m:val="]"/>
                             <m:ctrlPr>
                               <a:rPr lang="pt-BR" b="1" i="1">
                                 <a:latin typeface="Cambria Math" panose="02040503050406030204" pitchFamily="18" charset="0"/>
                               </a:rPr>
                             </m:ctrlPr>
-                          </m:mPr>
-                          <m:mr>
-                            <m:e>
-                              <m:sSubSup>
-                                <m:sSubSupPr>
-                                  <m:ctrlPr>
-                                    <a:rPr lang="pt-BR" b="1" i="1">
-                                      <a:latin typeface="Cambria Math" panose="02040503050406030204" pitchFamily="18" charset="0"/>
-                                    </a:rPr>
-                                  </m:ctrlPr>
-                                </m:sSubSupPr>
+                          </m:dPr>
+                          <m:e>
+                            <m:m>
+                              <m:mPr>
+                                <m:mcs>
+                                  <m:mc>
+                                    <m:mcPr>
+                                      <m:count m:val="3"/>
+                                      <m:mcJc m:val="center"/>
+                                    </m:mcPr>
+                                  </m:mc>
+                                </m:mcs>
+                                <m:ctrlPr>
+                                  <a:rPr lang="pt-BR" b="1" i="1">
+                                    <a:latin typeface="Cambria Math" panose="02040503050406030204" pitchFamily="18" charset="0"/>
+                                  </a:rPr>
+                                </m:ctrlPr>
+                              </m:mPr>
+                              <m:mr>
                                 <m:e>
-                                  <m:r>
-                                    <a:rPr lang="pt-BR" i="1">
-                                      <a:latin typeface="Cambria Math" panose="02040503050406030204" pitchFamily="18" charset="0"/>
-                                    </a:rPr>
-                                    <m:t>h</m:t>
-                                  </m:r>
-                                </m:e>
-                                <m:sub>
-                                  <m:r>
-                                    <a:rPr lang="pt-BR" b="1" i="1">
-                                      <a:latin typeface="Cambria Math" panose="02040503050406030204" pitchFamily="18" charset="0"/>
-                                    </a:rPr>
-                                    <m:t>𝒂</m:t>
-                                  </m:r>
-                                </m:sub>
-                                <m:sup>
-                                  <m:r>
-                                    <a:rPr lang="pt-BR" i="1">
-                                      <a:latin typeface="Cambria Math" panose="02040503050406030204" pitchFamily="18" charset="0"/>
-                                    </a:rPr>
-                                    <m:t>1</m:t>
-                                  </m:r>
-                                </m:sup>
-                              </m:sSubSup>
-                              <m:d>
-                                <m:dPr>
-                                  <m:ctrlPr>
-                                    <a:rPr lang="pt-BR" i="1">
-                                      <a:latin typeface="Cambria Math" panose="02040503050406030204" pitchFamily="18" charset="0"/>
-                                    </a:rPr>
-                                  </m:ctrlPr>
-                                </m:dPr>
-                                <m:e>
-                                  <m:r>
-                                    <a:rPr lang="pt-BR" b="1" i="1">
-                                      <a:latin typeface="Cambria Math" panose="02040503050406030204" pitchFamily="18" charset="0"/>
-                                    </a:rPr>
-                                    <m:t>𝒙</m:t>
-                                  </m:r>
+                                  <m:sSubSup>
+                                    <m:sSubSupPr>
+                                      <m:ctrlPr>
+                                        <a:rPr lang="pt-BR" b="1" i="1">
+                                          <a:latin typeface="Cambria Math" panose="02040503050406030204" pitchFamily="18" charset="0"/>
+                                        </a:rPr>
+                                      </m:ctrlPr>
+                                    </m:sSubSupPr>
+                                    <m:e>
+                                      <m:r>
+                                        <a:rPr lang="pt-BR" i="1">
+                                          <a:latin typeface="Cambria Math" panose="02040503050406030204" pitchFamily="18" charset="0"/>
+                                        </a:rPr>
+                                        <m:t>h</m:t>
+                                      </m:r>
+                                    </m:e>
+                                    <m:sub>
+                                      <m:r>
+                                        <a:rPr lang="pt-BR" b="1" i="1">
+                                          <a:latin typeface="Cambria Math" panose="02040503050406030204" pitchFamily="18" charset="0"/>
+                                        </a:rPr>
+                                        <m:t>𝒂</m:t>
+                                      </m:r>
+                                    </m:sub>
+                                    <m:sup>
+                                      <m:r>
+                                        <a:rPr lang="pt-BR" i="1">
+                                          <a:latin typeface="Cambria Math" panose="02040503050406030204" pitchFamily="18" charset="0"/>
+                                        </a:rPr>
+                                        <m:t>1</m:t>
+                                      </m:r>
+                                    </m:sup>
+                                  </m:sSubSup>
                                   <m:d>
                                     <m:dPr>
                                       <m:ctrlPr>
-                                        <a:rPr lang="pt-BR" b="1" i="1">
+                                        <a:rPr lang="pt-BR" i="1">
                                           <a:latin typeface="Cambria Math" panose="02040503050406030204" pitchFamily="18" charset="0"/>
                                         </a:rPr>
                                       </m:ctrlPr>
                                     </m:dPr>
                                     <m:e>
                                       <m:r>
-                                        <a:rPr lang="pt-BR" i="1">
+                                        <a:rPr lang="pt-BR" b="1" i="1">
                                           <a:latin typeface="Cambria Math" panose="02040503050406030204" pitchFamily="18" charset="0"/>
                                         </a:rPr>
-                                        <m:t>𝑖</m:t>
+                                        <m:t>𝒙</m:t>
                                       </m:r>
+                                      <m:d>
+                                        <m:dPr>
+                                          <m:ctrlPr>
+                                            <a:rPr lang="pt-BR" b="1" i="1">
+                                              <a:latin typeface="Cambria Math" panose="02040503050406030204" pitchFamily="18" charset="0"/>
+                                            </a:rPr>
+                                          </m:ctrlPr>
+                                        </m:dPr>
+                                        <m:e>
+                                          <m:r>
+                                            <a:rPr lang="pt-BR" i="1">
+                                              <a:latin typeface="Cambria Math" panose="02040503050406030204" pitchFamily="18" charset="0"/>
+                                            </a:rPr>
+                                            <m:t>𝑖</m:t>
+                                          </m:r>
+                                        </m:e>
+                                      </m:d>
                                     </m:e>
                                   </m:d>
-                                </m:e>
-                              </m:d>
-                            </m:e>
-                            <m:e>
-                              <m:r>
-                                <a:rPr lang="pt-BR" b="1" i="1">
-                                  <a:latin typeface="Cambria Math" panose="02040503050406030204" pitchFamily="18" charset="0"/>
-                                </a:rPr>
-                                <m:t>⋯</m:t>
-                              </m:r>
-                            </m:e>
-                            <m:e>
-                              <m:sSubSup>
-                                <m:sSubSupPr>
-                                  <m:ctrlPr>
-                                    <a:rPr lang="pt-BR" b="1" i="1">
-                                      <a:latin typeface="Cambria Math" panose="02040503050406030204" pitchFamily="18" charset="0"/>
-                                    </a:rPr>
-                                  </m:ctrlPr>
-                                </m:sSubSupPr>
-                                <m:e>
-                                  <m:r>
-                                    <a:rPr lang="pt-BR" i="1">
-                                      <a:latin typeface="Cambria Math" panose="02040503050406030204" pitchFamily="18" charset="0"/>
-                                    </a:rPr>
-                                    <m:t>h</m:t>
-                                  </m:r>
-                                </m:e>
-                                <m:sub>
                                   <m:r>
                                     <a:rPr lang="pt-BR" b="1" i="1">
                                       <a:latin typeface="Cambria Math" panose="02040503050406030204" pitchFamily="18" charset="0"/>
                                     </a:rPr>
-                                    <m:t>𝒂</m:t>
+                                    <m:t>,</m:t>
                                   </m:r>
-                                </m:sub>
-                                <m:sup>
-                                  <m:r>
-                                    <a:rPr lang="pt-BR" i="1">
-                                      <a:latin typeface="Cambria Math" panose="02040503050406030204" pitchFamily="18" charset="0"/>
-                                    </a:rPr>
-                                    <m:t>𝑄</m:t>
-                                  </m:r>
-                                </m:sup>
-                              </m:sSubSup>
-                              <m:d>
-                                <m:dPr>
-                                  <m:ctrlPr>
-                                    <a:rPr lang="pt-BR" i="1">
-                                      <a:latin typeface="Cambria Math" panose="02040503050406030204" pitchFamily="18" charset="0"/>
-                                    </a:rPr>
-                                  </m:ctrlPr>
-                                </m:dPr>
+                                </m:e>
                                 <m:e>
                                   <m:r>
                                     <a:rPr lang="pt-BR" b="1" i="1">
                                       <a:latin typeface="Cambria Math" panose="02040503050406030204" pitchFamily="18" charset="0"/>
                                     </a:rPr>
-                                    <m:t>𝒙</m:t>
+                                    <m:t>⋯</m:t>
                                   </m:r>
+                                  <m:r>
+                                    <a:rPr lang="pt-BR" b="1" i="1">
+                                      <a:latin typeface="Cambria Math" panose="02040503050406030204" pitchFamily="18" charset="0"/>
+                                    </a:rPr>
+                                    <m:t>,</m:t>
+                                  </m:r>
+                                </m:e>
+                                <m:e>
+                                  <m:sSubSup>
+                                    <m:sSubSupPr>
+                                      <m:ctrlPr>
+                                        <a:rPr lang="pt-BR" b="1" i="1">
+                                          <a:latin typeface="Cambria Math" panose="02040503050406030204" pitchFamily="18" charset="0"/>
+                                        </a:rPr>
+                                      </m:ctrlPr>
+                                    </m:sSubSupPr>
+                                    <m:e>
+                                      <m:r>
+                                        <a:rPr lang="pt-BR" i="1">
+                                          <a:latin typeface="Cambria Math" panose="02040503050406030204" pitchFamily="18" charset="0"/>
+                                        </a:rPr>
+                                        <m:t>h</m:t>
+                                      </m:r>
+                                    </m:e>
+                                    <m:sub>
+                                      <m:r>
+                                        <a:rPr lang="pt-BR" b="1" i="1">
+                                          <a:latin typeface="Cambria Math" panose="02040503050406030204" pitchFamily="18" charset="0"/>
+                                        </a:rPr>
+                                        <m:t>𝒂</m:t>
+                                      </m:r>
+                                    </m:sub>
+                                    <m:sup>
+                                      <m:r>
+                                        <a:rPr lang="pt-BR" i="1">
+                                          <a:latin typeface="Cambria Math" panose="02040503050406030204" pitchFamily="18" charset="0"/>
+                                        </a:rPr>
+                                        <m:t>𝑄</m:t>
+                                      </m:r>
+                                    </m:sup>
+                                  </m:sSubSup>
                                   <m:d>
                                     <m:dPr>
                                       <m:ctrlPr>
-                                        <a:rPr lang="pt-BR" b="1" i="1">
+                                        <a:rPr lang="pt-BR" i="1">
                                           <a:latin typeface="Cambria Math" panose="02040503050406030204" pitchFamily="18" charset="0"/>
                                         </a:rPr>
                                       </m:ctrlPr>
                                     </m:dPr>
                                     <m:e>
                                       <m:r>
-                                        <a:rPr lang="pt-BR" i="1">
+                                        <a:rPr lang="pt-BR" b="1" i="1">
                                           <a:latin typeface="Cambria Math" panose="02040503050406030204" pitchFamily="18" charset="0"/>
                                         </a:rPr>
-                                        <m:t>𝑖</m:t>
+                                        <m:t>𝒙</m:t>
                                       </m:r>
+                                      <m:d>
+                                        <m:dPr>
+                                          <m:ctrlPr>
+                                            <a:rPr lang="pt-BR" b="1" i="1">
+                                              <a:latin typeface="Cambria Math" panose="02040503050406030204" pitchFamily="18" charset="0"/>
+                                            </a:rPr>
+                                          </m:ctrlPr>
+                                        </m:dPr>
+                                        <m:e>
+                                          <m:r>
+                                            <a:rPr lang="pt-BR" i="1">
+                                              <a:latin typeface="Cambria Math" panose="02040503050406030204" pitchFamily="18" charset="0"/>
+                                            </a:rPr>
+                                            <m:t>𝑖</m:t>
+                                          </m:r>
+                                        </m:e>
+                                      </m:d>
                                     </m:e>
                                   </m:d>
                                 </m:e>
-                              </m:d>
-                            </m:e>
-                          </m:mr>
-                        </m:m>
+                              </m:mr>
+                            </m:m>
+                          </m:e>
+                        </m:d>
                       </m:e>
-                    </m:d>
+                      <m:sup>
+                        <m:r>
+                          <a:rPr lang="pt-BR" b="0" i="1" smtClean="0">
+                            <a:latin typeface="Cambria Math" panose="02040503050406030204" pitchFamily="18" charset="0"/>
+                          </a:rPr>
+                          <m:t>𝑇</m:t>
+                        </m:r>
+                      </m:sup>
+                    </m:sSup>
                     <m:r>
                       <a:rPr lang="pt-BR" b="1" i="1">
                         <a:latin typeface="Cambria Math" panose="02040503050406030204" pitchFamily="18" charset="0"/>
@@ -9253,7 +9962,7 @@
             </p:txBody>
           </p:sp>
         </mc:Choice>
-        <mc:Fallback xmlns="">
+        <mc:Fallback>
           <p:sp>
             <p:nvSpPr>
               <p:cNvPr id="3" name="Content Placeholder 2"/>
@@ -9265,10 +9974,14 @@
               </p:nvPr>
             </p:nvSpPr>
             <p:spPr>
+              <a:xfrm>
+                <a:off x="838199" y="1825624"/>
+                <a:ext cx="10894255" cy="4561107"/>
+              </a:xfrm>
               <a:blipFill rotWithShape="0">
                 <a:blip r:embed="rId3"/>
                 <a:stretch>
-                  <a:fillRect l="-1217" t="-700" r="-1565"/>
+                  <a:fillRect l="-951" t="-2670"/>
                 </a:stretch>
               </a:blipFill>
             </p:spPr>
@@ -9374,8 +10087,8 @@
           </a:prstGeom>
         </p:spPr>
       </p:pic>
-      <mc:AlternateContent xmlns:mc="http://schemas.openxmlformats.org/markup-compatibility/2006" xmlns:a14="http://schemas.microsoft.com/office/drawing/2010/main">
-        <mc:Choice Requires="a14">
+      <mc:AlternateContent xmlns:mc="http://schemas.openxmlformats.org/markup-compatibility/2006">
+        <mc:Choice xmlns:a14="http://schemas.microsoft.com/office/drawing/2010/main" Requires="a14">
           <p:sp>
             <p:nvSpPr>
               <p:cNvPr id="8" name="Content Placeholder 2"/>
@@ -9394,7 +10107,7 @@
             </p:spPr>
             <p:txBody>
               <a:bodyPr>
-                <a:normAutofit fontScale="92500" lnSpcReduction="20000"/>
+                <a:normAutofit/>
               </a:bodyPr>
               <a:lstStyle/>
               <a:p>
@@ -9404,11 +10117,60 @@
                 </a:r>
                 <a:r>
                   <a:rPr lang="pt-BR" dirty="0"/>
-                  <a:t>, o classificador prediz </a:t>
+                  <a:t>, o classificador </a:t>
                 </a:r>
                 <a:r>
                   <a:rPr lang="pt-BR" dirty="0" smtClean="0"/>
-                  <a:t>a classe com a maior probabilidade estimada, que é simplesmente a classe com maior valor para </a:t>
+                  <a:t>atribui ao exemplo de entrada, </a:t>
+                </a:r>
+                <a14:m>
+                  <m:oMath xmlns:m="http://schemas.openxmlformats.org/officeDocument/2006/math">
+                    <m:r>
+                      <a:rPr lang="pt-BR" b="1" i="1">
+                        <a:latin typeface="Cambria Math" panose="02040503050406030204" pitchFamily="18" charset="0"/>
+                      </a:rPr>
+                      <m:t>𝒙</m:t>
+                    </m:r>
+                    <m:d>
+                      <m:dPr>
+                        <m:ctrlPr>
+                          <a:rPr lang="pt-BR" b="1" i="1">
+                            <a:latin typeface="Cambria Math" panose="02040503050406030204" pitchFamily="18" charset="0"/>
+                          </a:rPr>
+                        </m:ctrlPr>
+                      </m:dPr>
+                      <m:e>
+                        <m:r>
+                          <a:rPr lang="pt-BR" i="1">
+                            <a:latin typeface="Cambria Math" panose="02040503050406030204" pitchFamily="18" charset="0"/>
+                          </a:rPr>
+                          <m:t>𝑖</m:t>
+                        </m:r>
+                      </m:e>
+                    </m:d>
+                  </m:oMath>
+                </a14:m>
+                <a:r>
+                  <a:rPr lang="pt-BR" dirty="0" smtClean="0"/>
+                  <a:t>, a classe, </a:t>
+                </a:r>
+                <a14:m>
+                  <m:oMath xmlns:m="http://schemas.openxmlformats.org/officeDocument/2006/math">
+                    <m:r>
+                      <a:rPr lang="pt-BR" i="1">
+                        <a:latin typeface="Cambria Math" panose="02040503050406030204" pitchFamily="18" charset="0"/>
+                      </a:rPr>
+                      <m:t>𝑞</m:t>
+                    </m:r>
+                  </m:oMath>
+                </a14:m>
+                <a:r>
+                  <a:rPr lang="pt-BR" dirty="0" smtClean="0"/>
+                  <a:t>, </a:t>
+                </a:r>
+                <a:r>
+                  <a:rPr lang="pt-BR" dirty="0" smtClean="0"/>
+                  <a:t>com a maior probabilidade estimada, que é simplesmente a classe com maior valor para </a:t>
                 </a:r>
                 <a14:m>
                   <m:oMath xmlns:m="http://schemas.openxmlformats.org/officeDocument/2006/math">
@@ -10029,84 +10791,65 @@
               </a:p>
               <a:p>
                 <a:r>
-                  <a:rPr lang="pt-BR" dirty="0"/>
-                  <a:t>Assim como o classificador de regressão logística, o classificador de regressão </a:t>
-                </a:r>
-                <a:r>
                   <a:rPr lang="pt-BR" dirty="0" smtClean="0"/>
-                  <a:t>softmax </a:t>
-                </a:r>
-                <a:r>
-                  <a:rPr lang="pt-BR" dirty="0"/>
-                  <a:t>prevê a classe com a maior probabilidade estimada (que é simplesmente a classe com a maior valor para o produto escalar </a:t>
+                  <a:t>A </a:t>
+                </a:r>
+                <a:r>
+                  <a:rPr lang="pt-BR" dirty="0" smtClean="0"/>
+                  <a:t>arquitetura de um </a:t>
+                </a:r>
+                <a:r>
+                  <a:rPr lang="pt-BR" b="1" i="1" dirty="0" smtClean="0"/>
+                  <a:t>regressor softmax </a:t>
+                </a:r>
+                <a:r>
+                  <a:rPr lang="pt-BR" dirty="0" smtClean="0"/>
+                  <a:t>para três classes (i.e., </a:t>
                 </a:r>
                 <a14:m>
                   <m:oMath xmlns:m="http://schemas.openxmlformats.org/officeDocument/2006/math">
-                    <m:sSup>
-                      <m:sSupPr>
-                        <m:ctrlPr>
-                          <a:rPr lang="pt-BR" i="1">
-                            <a:latin typeface="Cambria Math" panose="02040503050406030204" pitchFamily="18" charset="0"/>
-                          </a:rPr>
-                        </m:ctrlPr>
-                      </m:sSupPr>
-                      <m:e>
-                        <m:r>
-                          <a:rPr lang="pt-BR" b="1" i="1">
-                            <a:latin typeface="Cambria Math" panose="02040503050406030204" pitchFamily="18" charset="0"/>
-                          </a:rPr>
-                          <m:t>𝒙</m:t>
-                        </m:r>
-                        <m:r>
-                          <a:rPr lang="pt-BR" i="1">
-                            <a:latin typeface="Cambria Math" panose="02040503050406030204" pitchFamily="18" charset="0"/>
-                          </a:rPr>
-                          <m:t>(</m:t>
-                        </m:r>
-                        <m:r>
-                          <a:rPr lang="pt-BR" i="1">
-                            <a:latin typeface="Cambria Math" panose="02040503050406030204" pitchFamily="18" charset="0"/>
-                          </a:rPr>
-                          <m:t>𝑖</m:t>
-                        </m:r>
-                        <m:r>
-                          <a:rPr lang="pt-BR" i="1">
-                            <a:latin typeface="Cambria Math" panose="02040503050406030204" pitchFamily="18" charset="0"/>
-                          </a:rPr>
-                          <m:t>)</m:t>
-                        </m:r>
-                      </m:e>
-                      <m:sup>
-                        <m:r>
-                          <a:rPr lang="pt-BR" i="1">
-                            <a:latin typeface="Cambria Math" panose="02040503050406030204" pitchFamily="18" charset="0"/>
-                          </a:rPr>
-                          <m:t>𝑇</m:t>
-                        </m:r>
-                      </m:sup>
-                    </m:sSup>
+                    <m:r>
+                      <a:rPr lang="pt-BR" i="1">
+                        <a:latin typeface="Cambria Math" panose="02040503050406030204" pitchFamily="18" charset="0"/>
+                      </a:rPr>
+                      <m:t>𝑄</m:t>
+                    </m:r>
+                    <m:r>
+                      <a:rPr lang="pt-BR" b="0" i="1" smtClean="0">
+                        <a:latin typeface="Cambria Math" panose="02040503050406030204" pitchFamily="18" charset="0"/>
+                      </a:rPr>
+                      <m:t>=3</m:t>
+                    </m:r>
+                  </m:oMath>
+                </a14:m>
+                <a:r>
+                  <a:rPr lang="pt-BR" dirty="0" smtClean="0"/>
+                  <a:t>) e dois atributos (</a:t>
+                </a:r>
+                <a14:m>
+                  <m:oMath xmlns:m="http://schemas.openxmlformats.org/officeDocument/2006/math">
                     <m:sSub>
                       <m:sSubPr>
                         <m:ctrlPr>
-                          <a:rPr lang="pt-BR" b="1" i="1">
+                          <a:rPr lang="pt-BR" i="1" smtClean="0">
                             <a:latin typeface="Cambria Math" panose="02040503050406030204" pitchFamily="18" charset="0"/>
                           </a:rPr>
                         </m:ctrlPr>
                       </m:sSubPr>
                       <m:e>
                         <m:r>
-                          <a:rPr lang="pt-BR" b="1" i="1">
-                            <a:latin typeface="Cambria Math" panose="02040503050406030204" pitchFamily="18" charset="0"/>
-                          </a:rPr>
-                          <m:t>𝒂</m:t>
+                          <a:rPr lang="pt-BR" b="0" i="1" smtClean="0">
+                            <a:latin typeface="Cambria Math" panose="02040503050406030204" pitchFamily="18" charset="0"/>
+                          </a:rPr>
+                          <m:t>𝑥</m:t>
                         </m:r>
                       </m:e>
                       <m:sub>
                         <m:r>
-                          <a:rPr lang="pt-BR" i="1">
-                            <a:latin typeface="Cambria Math" panose="02040503050406030204" pitchFamily="18" charset="0"/>
-                          </a:rPr>
-                          <m:t>𝑞</m:t>
+                          <a:rPr lang="pt-BR" b="0" i="1" smtClean="0">
+                            <a:latin typeface="Cambria Math" panose="02040503050406030204" pitchFamily="18" charset="0"/>
+                          </a:rPr>
+                          <m:t>1</m:t>
                         </m:r>
                       </m:sub>
                     </m:sSub>
@@ -10114,20 +10857,51 @@
                 </a14:m>
                 <a:r>
                   <a:rPr lang="pt-BR" dirty="0" smtClean="0"/>
-                  <a:t>).</a:t>
-                </a:r>
-              </a:p>
-              <a:p>
+                  <a:t> e </a:t>
+                </a:r>
+                <a14:m>
+                  <m:oMath xmlns:m="http://schemas.openxmlformats.org/officeDocument/2006/math">
+                    <m:sSub>
+                      <m:sSubPr>
+                        <m:ctrlPr>
+                          <a:rPr lang="pt-BR" i="1">
+                            <a:latin typeface="Cambria Math" panose="02040503050406030204" pitchFamily="18" charset="0"/>
+                          </a:rPr>
+                        </m:ctrlPr>
+                      </m:sSubPr>
+                      <m:e>
+                        <m:r>
+                          <a:rPr lang="pt-BR" i="1">
+                            <a:latin typeface="Cambria Math" panose="02040503050406030204" pitchFamily="18" charset="0"/>
+                          </a:rPr>
+                          <m:t>𝑥</m:t>
+                        </m:r>
+                      </m:e>
+                      <m:sub>
+                        <m:r>
+                          <a:rPr lang="pt-BR" b="0" i="1" smtClean="0">
+                            <a:latin typeface="Cambria Math" panose="02040503050406030204" pitchFamily="18" charset="0"/>
+                          </a:rPr>
+                          <m:t>2</m:t>
+                        </m:r>
+                      </m:sub>
+                    </m:sSub>
+                  </m:oMath>
+                </a14:m>
                 <a:r>
                   <a:rPr lang="pt-BR" dirty="0" smtClean="0"/>
-                  <a:t>A arquitetura de um regressor softmax é mostrada abaixo.</a:t>
+                  <a:t>) é </a:t>
+                </a:r>
+                <a:r>
+                  <a:rPr lang="pt-BR" dirty="0" smtClean="0"/>
+                  <a:t>mostrada abaixo.</a:t>
                 </a:r>
                 <a:endParaRPr lang="pt-BR" dirty="0"/>
               </a:p>
             </p:txBody>
           </p:sp>
         </mc:Choice>
-        <mc:Fallback xmlns="">
+        <mc:Fallback>
           <p:sp>
             <p:nvSpPr>
               <p:cNvPr id="8" name="Content Placeholder 2"/>
@@ -10146,7 +10920,7 @@
               <a:blipFill rotWithShape="0">
                 <a:blip r:embed="rId4"/>
                 <a:stretch>
-                  <a:fillRect l="-816" t="-5071" b="-2231"/>
+                  <a:fillRect l="-924" t="-3448" r="-326" b="-2231"/>
                 </a:stretch>
               </a:blipFill>
             </p:spPr>
@@ -10196,8 +10970,8 @@
           </a:p>
         </p:txBody>
       </p:sp>
-      <mc:AlternateContent xmlns:mc="http://schemas.openxmlformats.org/markup-compatibility/2006" xmlns:a14="http://schemas.microsoft.com/office/drawing/2010/main">
-        <mc:Choice Requires="a14">
+      <mc:AlternateContent xmlns:mc="http://schemas.openxmlformats.org/markup-compatibility/2006">
+        <mc:Choice xmlns:a14="http://schemas.microsoft.com/office/drawing/2010/main" Requires="a14">
           <p:sp>
             <p:nvSpPr>
               <p:cNvPr id="4" name="TextBox 3"/>
@@ -10206,8 +10980,8 @@
             </p:nvSpPr>
             <p:spPr>
               <a:xfrm>
-                <a:off x="7011304" y="4416900"/>
-                <a:ext cx="4932167" cy="1781385"/>
+                <a:off x="7011304" y="4459104"/>
+                <a:ext cx="5036316" cy="1781385"/>
               </a:xfrm>
               <a:prstGeom prst="rect">
                 <a:avLst/>
@@ -10260,11 +11034,11 @@
                 </a:r>
                 <a:r>
                   <a:rPr lang="pt-BR" dirty="0"/>
-                  <a:t>o modelo </a:t>
+                  <a:t>o </a:t>
                 </a:r>
                 <a:r>
                   <a:rPr lang="pt-BR" dirty="0" smtClean="0"/>
-                  <a:t>Softmax </a:t>
+                  <a:t>regressor Softmax </a:t>
                 </a:r>
                 <a:r>
                   <a:rPr lang="pt-BR" dirty="0"/>
@@ -10272,7 +11046,19 @@
                 </a:r>
                 <a:r>
                   <a:rPr lang="pt-BR" dirty="0" smtClean="0"/>
-                  <a:t>pontuação </a:t>
+                  <a:t>“</a:t>
+                </a:r>
+                <a:r>
+                  <a:rPr lang="pt-BR" b="1" i="1" dirty="0" smtClean="0"/>
+                  <a:t>pontuação</a:t>
+                </a:r>
+                <a:r>
+                  <a:rPr lang="pt-BR" i="1" dirty="0" smtClean="0"/>
+                  <a:t>”</a:t>
+                </a:r>
+                <a:r>
+                  <a:rPr lang="pt-BR" dirty="0" smtClean="0"/>
+                  <a:t>, </a:t>
                 </a:r>
                 <a14:m>
                   <m:oMath xmlns:m="http://schemas.openxmlformats.org/officeDocument/2006/math">
@@ -10378,7 +11164,11 @@
                 </a14:m>
                 <a:r>
                   <a:rPr lang="pt-BR" dirty="0" smtClean="0"/>
-                  <a:t> para </a:t>
+                  <a:t>, </a:t>
+                </a:r>
+                <a:r>
+                  <a:rPr lang="pt-BR" dirty="0" smtClean="0"/>
+                  <a:t>para </a:t>
                 </a:r>
                 <a:r>
                   <a:rPr lang="pt-BR" dirty="0"/>
@@ -10404,17 +11194,30 @@
                 </a:r>
                 <a:r>
                   <a:rPr lang="pt-BR" dirty="0" smtClean="0"/>
-                  <a:t>às pontuações</a:t>
-                </a:r>
-                <a:r>
-                  <a:rPr lang="pt-BR" dirty="0"/>
+                  <a:t>às </a:t>
+                </a:r>
+                <a:r>
+                  <a:rPr lang="pt-BR" dirty="0" smtClean="0"/>
+                  <a:t>“</a:t>
+                </a:r>
+                <a:r>
+                  <a:rPr lang="pt-BR" b="1" i="1" dirty="0" smtClean="0"/>
+                  <a:t>pontuações</a:t>
+                </a:r>
+                <a:r>
+                  <a:rPr lang="pt-BR" i="1" dirty="0" smtClean="0"/>
+                  <a:t>”</a:t>
+                </a:r>
+                <a:r>
+                  <a:rPr lang="pt-BR" dirty="0" smtClean="0"/>
                   <a:t>.</a:t>
                 </a:r>
+                <a:endParaRPr lang="pt-BR" dirty="0"/>
               </a:p>
             </p:txBody>
           </p:sp>
         </mc:Choice>
-        <mc:Fallback xmlns="">
+        <mc:Fallback>
           <p:sp>
             <p:nvSpPr>
               <p:cNvPr id="4" name="TextBox 3"/>
@@ -10425,8 +11228,8 @@
             </p:nvSpPr>
             <p:spPr>
               <a:xfrm>
-                <a:off x="7011304" y="4416900"/>
-                <a:ext cx="4932167" cy="1781385"/>
+                <a:off x="7011304" y="4459104"/>
+                <a:ext cx="5036316" cy="1781385"/>
               </a:xfrm>
               <a:prstGeom prst="rect">
                 <a:avLst/>
@@ -10434,7 +11237,7 @@
               <a:blipFill rotWithShape="0">
                 <a:blip r:embed="rId6"/>
                 <a:stretch>
-                  <a:fillRect l="-989" t="-2055" b="-4795"/>
+                  <a:fillRect l="-969" t="-1706" b="-4437"/>
                 </a:stretch>
               </a:blipFill>
             </p:spPr>
@@ -10685,7 +11488,7 @@
           <p:cNvPr id="4" name="Título 1">
             <a:extLst>
               <a:ext uri="{FF2B5EF4-FFF2-40B4-BE49-F238E27FC236}">
-                <a16:creationId xmlns:a16="http://schemas.microsoft.com/office/drawing/2014/main" xmlns="" id="{32666AC8-2E17-4DB4-B0F5-60C640CCFD2E}"/>
+                <a16:creationId xmlns="" xmlns:a16="http://schemas.microsoft.com/office/drawing/2014/main" id="{32666AC8-2E17-4DB4-B0F5-60C640CCFD2E}"/>
               </a:ext>
             </a:extLst>
           </p:cNvPr>
@@ -11326,8 +12129,8 @@
           </a:p>
         </p:txBody>
       </p:sp>
-      <mc:AlternateContent xmlns:mc="http://schemas.openxmlformats.org/markup-compatibility/2006" xmlns:a14="http://schemas.microsoft.com/office/drawing/2010/main">
-        <mc:Choice Requires="a14">
+      <mc:AlternateContent xmlns:mc="http://schemas.openxmlformats.org/markup-compatibility/2006">
+        <mc:Choice xmlns:a14="http://schemas.microsoft.com/office/drawing/2010/main" Requires="a14">
           <p:sp>
             <p:nvSpPr>
               <p:cNvPr id="3" name="Content Placeholder 2"/>
@@ -11783,6 +12586,23 @@
                       </a:rPr>
                       <m:t>𝒙</m:t>
                     </m:r>
+                    <m:d>
+                      <m:dPr>
+                        <m:ctrlPr>
+                          <a:rPr lang="pt-BR" b="1" i="1">
+                            <a:latin typeface="Cambria Math" panose="02040503050406030204" pitchFamily="18" charset="0"/>
+                          </a:rPr>
+                        </m:ctrlPr>
+                      </m:dPr>
+                      <m:e>
+                        <m:r>
+                          <a:rPr lang="pt-BR" i="1">
+                            <a:latin typeface="Cambria Math" panose="02040503050406030204" pitchFamily="18" charset="0"/>
+                          </a:rPr>
+                          <m:t>𝑖</m:t>
+                        </m:r>
+                      </m:e>
+                    </m:d>
                   </m:oMath>
                 </a14:m>
                 <a:r>
@@ -12015,7 +12835,7 @@
             </p:txBody>
           </p:sp>
         </mc:Choice>
-        <mc:Fallback xmlns="">
+        <mc:Fallback>
           <p:sp>
             <p:nvSpPr>
               <p:cNvPr id="3" name="Content Placeholder 2"/>
@@ -12034,7 +12854,7 @@
               <a:blipFill rotWithShape="0">
                 <a:blip r:embed="rId3"/>
                 <a:stretch>
-                  <a:fillRect l="-874" t="-2975" r="-328" b="-572"/>
+                  <a:fillRect l="-874" t="-2975" r="-601" b="-572"/>
                 </a:stretch>
               </a:blipFill>
             </p:spPr>
@@ -12194,8 +13014,8 @@
           </a:p>
         </p:txBody>
       </p:sp>
-      <mc:AlternateContent xmlns:mc="http://schemas.openxmlformats.org/markup-compatibility/2006" xmlns:a14="http://schemas.microsoft.com/office/drawing/2010/main">
-        <mc:Choice Requires="a14">
+      <mc:AlternateContent xmlns:mc="http://schemas.openxmlformats.org/markup-compatibility/2006">
+        <mc:Choice xmlns:a14="http://schemas.microsoft.com/office/drawing/2010/main" Requires="a14">
           <p:sp>
             <p:nvSpPr>
               <p:cNvPr id="3" name="Content Placeholder 2"/>
@@ -12304,8 +13124,8 @@
               </a:p>
               <a:p>
                 <a:pPr lvl="1">
-                  <a:buFont typeface="Courier New" panose="02070309020205020404" pitchFamily="49" charset="0"/>
-                  <a:buChar char="o"/>
+                  <a:buFont typeface="Wingdings" panose="05000000000000000000" pitchFamily="2" charset="2"/>
+                  <a:buChar char="§"/>
                 </a:pPr>
                 <a:r>
                   <a:rPr lang="pt-BR" dirty="0"/>
@@ -12795,7 +13615,15 @@
                 </a:r>
                 <a:r>
                   <a:rPr lang="pt-BR" dirty="0"/>
-                  <a:t> precisa ser treinado apenas na parte do conjunto de treinamento para as duas classes que ele deve </a:t>
+                  <a:t> precisa ser treinado apenas </a:t>
+                </a:r>
+                <a:r>
+                  <a:rPr lang="pt-BR" dirty="0" smtClean="0"/>
+                  <a:t>com as </a:t>
+                </a:r>
+                <a:r>
+                  <a:rPr lang="pt-BR" dirty="0"/>
+                  <a:t>duas classes que ele deve </a:t>
                 </a:r>
                 <a:r>
                   <a:rPr lang="pt-BR" dirty="0" smtClean="0"/>
@@ -12840,7 +13668,7 @@
             </p:txBody>
           </p:sp>
         </mc:Choice>
-        <mc:Fallback xmlns="">
+        <mc:Fallback>
           <p:sp>
             <p:nvSpPr>
               <p:cNvPr id="3" name="Content Placeholder 2"/>
@@ -12878,44 +13706,6 @@
           </p:sp>
         </mc:Fallback>
       </mc:AlternateContent>
-      <p:sp>
-        <p:nvSpPr>
-          <p:cNvPr id="4" name="Rectangle 3"/>
-          <p:cNvSpPr/>
-          <p:nvPr/>
-        </p:nvSpPr>
-        <p:spPr>
-          <a:xfrm>
-            <a:off x="5944253" y="6311383"/>
-            <a:ext cx="5828647" cy="369332"/>
-          </a:xfrm>
-          <a:prstGeom prst="rect">
-            <a:avLst/>
-          </a:prstGeom>
-        </p:spPr>
-        <p:txBody>
-          <a:bodyPr wrap="none">
-            <a:spAutoFit/>
-          </a:bodyPr>
-          <a:lstStyle/>
-          <a:p>
-            <a:r>
-              <a:rPr lang="pt-BR" dirty="0">
-                <a:solidFill>
-                  <a:srgbClr val="00B0F0"/>
-                </a:solidFill>
-                <a:hlinkClick r:id="rId4"/>
-              </a:rPr>
-              <a:t>Exemplo: ClassificationOfFourClassesWithOvAandOvO.ipynb</a:t>
-            </a:r>
-            <a:endParaRPr lang="pt-BR" dirty="0">
-              <a:solidFill>
-                <a:srgbClr val="00B0F0"/>
-              </a:solidFill>
-            </a:endParaRPr>
-          </a:p>
-        </p:txBody>
-      </p:sp>
     </p:spTree>
     <p:extLst>
       <p:ext uri="{BB962C8B-B14F-4D97-AF65-F5344CB8AC3E}">
@@ -12999,6 +13789,172 @@
           </a:prstGeom>
         </p:spPr>
       </p:pic>
+      <p:sp>
+        <p:nvSpPr>
+          <p:cNvPr id="4" name="Rectangle 3"/>
+          <p:cNvSpPr/>
+          <p:nvPr/>
+        </p:nvSpPr>
+        <p:spPr>
+          <a:xfrm>
+            <a:off x="148364" y="6363986"/>
+            <a:ext cx="5828647" cy="369332"/>
+          </a:xfrm>
+          <a:prstGeom prst="rect">
+            <a:avLst/>
+          </a:prstGeom>
+        </p:spPr>
+        <p:txBody>
+          <a:bodyPr wrap="none">
+            <a:spAutoFit/>
+          </a:bodyPr>
+          <a:lstStyle/>
+          <a:p>
+            <a:r>
+              <a:rPr lang="pt-BR" dirty="0">
+                <a:solidFill>
+                  <a:srgbClr val="00B0F0"/>
+                </a:solidFill>
+                <a:hlinkClick r:id="rId4"/>
+              </a:rPr>
+              <a:t>Exemplo: ClassificationOfFourClassesWithOvAandOvO.ipynb</a:t>
+            </a:r>
+            <a:endParaRPr lang="pt-BR" dirty="0">
+              <a:solidFill>
+                <a:srgbClr val="00B0F0"/>
+              </a:solidFill>
+            </a:endParaRPr>
+          </a:p>
+        </p:txBody>
+      </p:sp>
+      <mc:AlternateContent xmlns:mc="http://schemas.openxmlformats.org/markup-compatibility/2006">
+        <mc:Choice xmlns:a14="http://schemas.microsoft.com/office/drawing/2010/main" Requires="a14">
+          <p:sp>
+            <p:nvSpPr>
+              <p:cNvPr id="5" name="Rectangle 4"/>
+              <p:cNvSpPr/>
+              <p:nvPr/>
+            </p:nvSpPr>
+            <p:spPr>
+              <a:xfrm>
+                <a:off x="1443110" y="5030931"/>
+                <a:ext cx="2354747" cy="914930"/>
+              </a:xfrm>
+              <a:prstGeom prst="rect">
+                <a:avLst/>
+              </a:prstGeom>
+            </p:spPr>
+            <p:txBody>
+              <a:bodyPr wrap="none">
+                <a:spAutoFit/>
+              </a:bodyPr>
+              <a:lstStyle/>
+              <a:p>
+                <a14:m>
+                  <m:oMath xmlns:m="http://schemas.openxmlformats.org/officeDocument/2006/math">
+                    <m:f>
+                      <m:fPr>
+                        <m:ctrlPr>
+                          <a:rPr lang="pt-BR" sz="3600" i="1" smtClean="0">
+                            <a:latin typeface="Cambria Math" panose="02040503050406030204" pitchFamily="18" charset="0"/>
+                          </a:rPr>
+                        </m:ctrlPr>
+                      </m:fPr>
+                      <m:num>
+                        <m:r>
+                          <a:rPr lang="pt-BR" sz="3600" i="1">
+                            <a:latin typeface="Cambria Math" panose="02040503050406030204" pitchFamily="18" charset="0"/>
+                          </a:rPr>
+                          <m:t>𝑄</m:t>
+                        </m:r>
+                        <m:d>
+                          <m:dPr>
+                            <m:ctrlPr>
+                              <a:rPr lang="pt-BR" sz="3600" i="1">
+                                <a:latin typeface="Cambria Math" panose="02040503050406030204" pitchFamily="18" charset="0"/>
+                              </a:rPr>
+                            </m:ctrlPr>
+                          </m:dPr>
+                          <m:e>
+                            <m:r>
+                              <a:rPr lang="pt-BR" sz="3600" i="1">
+                                <a:latin typeface="Cambria Math" panose="02040503050406030204" pitchFamily="18" charset="0"/>
+                              </a:rPr>
+                              <m:t>𝑄</m:t>
+                            </m:r>
+                            <m:r>
+                              <a:rPr lang="pt-BR" sz="3600" i="1">
+                                <a:latin typeface="Cambria Math" panose="02040503050406030204" pitchFamily="18" charset="0"/>
+                              </a:rPr>
+                              <m:t>−1</m:t>
+                            </m:r>
+                          </m:e>
+                        </m:d>
+                      </m:num>
+                      <m:den>
+                        <m:r>
+                          <a:rPr lang="pt-BR" sz="3600" i="1">
+                            <a:latin typeface="Cambria Math" panose="02040503050406030204" pitchFamily="18" charset="0"/>
+                          </a:rPr>
+                          <m:t>2</m:t>
+                        </m:r>
+                      </m:den>
+                    </m:f>
+                    <m:r>
+                      <a:rPr lang="pt-BR" sz="3600" b="0" i="1" smtClean="0">
+                        <a:latin typeface="Cambria Math" panose="02040503050406030204" pitchFamily="18" charset="0"/>
+                      </a:rPr>
+                      <m:t>=3</m:t>
+                    </m:r>
+                  </m:oMath>
+                </a14:m>
+                <a:r>
+                  <a:rPr lang="pt-BR" sz="3600" dirty="0"/>
+                  <a:t> </a:t>
+                </a:r>
+              </a:p>
+            </p:txBody>
+          </p:sp>
+        </mc:Choice>
+        <mc:Fallback>
+          <p:sp>
+            <p:nvSpPr>
+              <p:cNvPr id="5" name="Rectangle 4"/>
+              <p:cNvSpPr>
+                <a:spLocks noRot="1" noChangeAspect="1" noMove="1" noResize="1" noEditPoints="1" noAdjustHandles="1" noChangeArrowheads="1" noChangeShapeType="1" noTextEdit="1"/>
+              </p:cNvSpPr>
+              <p:nvPr/>
+            </p:nvSpPr>
+            <p:spPr>
+              <a:xfrm>
+                <a:off x="1443110" y="5030931"/>
+                <a:ext cx="2354747" cy="914930"/>
+              </a:xfrm>
+              <a:prstGeom prst="rect">
+                <a:avLst/>
+              </a:prstGeom>
+              <a:blipFill rotWithShape="0">
+                <a:blip r:embed="rId5"/>
+                <a:stretch>
+                  <a:fillRect/>
+                </a:stretch>
+              </a:blipFill>
+            </p:spPr>
+            <p:txBody>
+              <a:bodyPr/>
+              <a:lstStyle/>
+              <a:p>
+                <a:r>
+                  <a:rPr lang="pt-BR">
+                    <a:noFill/>
+                  </a:rPr>
+                  <a:t> </a:t>
+                </a:r>
+              </a:p>
+            </p:txBody>
+          </p:sp>
+        </mc:Fallback>
+      </mc:AlternateContent>
     </p:spTree>
     <p:extLst>
       <p:ext uri="{BB962C8B-B14F-4D97-AF65-F5344CB8AC3E}">
@@ -13200,7 +14156,15 @@
             </a:r>
             <a:r>
               <a:rPr lang="pt-BR" dirty="0" smtClean="0"/>
-              <a:t>criar um modelo </a:t>
+              <a:t>criar um </a:t>
+            </a:r>
+            <a:r>
+              <a:rPr lang="pt-BR" b="1" i="1" dirty="0" smtClean="0"/>
+              <a:t>único</a:t>
+            </a:r>
+            <a:r>
+              <a:rPr lang="pt-BR" dirty="0" smtClean="0"/>
+              <a:t> modelo </a:t>
             </a:r>
             <a:r>
               <a:rPr lang="pt-BR" dirty="0"/>
@@ -13287,8 +14251,8 @@
           </a:p>
         </p:txBody>
       </p:sp>
-      <mc:AlternateContent xmlns:mc="http://schemas.openxmlformats.org/markup-compatibility/2006" xmlns:a14="http://schemas.microsoft.com/office/drawing/2010/main">
-        <mc:Choice Requires="a14">
+      <mc:AlternateContent xmlns:mc="http://schemas.openxmlformats.org/markup-compatibility/2006">
+        <mc:Choice xmlns:a14="http://schemas.microsoft.com/office/drawing/2010/main" Requires="a14">
           <p:sp>
             <p:nvSpPr>
               <p:cNvPr id="3" name="Content Placeholder 2"/>
@@ -15008,11 +15972,15 @@
                 </a:r>
                 <a:r>
                   <a:rPr lang="pt-BR" dirty="0" smtClean="0"/>
-                  <a:t>) que estime </a:t>
+                  <a:t>) que </a:t>
+                </a:r>
+                <a:r>
+                  <a:rPr lang="pt-BR" dirty="0" smtClean="0"/>
+                  <a:t>atribua uma </a:t>
                 </a:r>
                 <a:r>
                   <a:rPr lang="pt-BR" dirty="0"/>
-                  <a:t>uma alta probabilidade para a classe alvo (e consequentemente uma baixa probabilidade para as demais classes</a:t>
+                  <a:t>alta probabilidade para a classe alvo (e consequentemente uma baixa probabilidade para as demais classes</a:t>
                 </a:r>
                 <a:r>
                   <a:rPr lang="pt-BR" dirty="0" smtClean="0"/>
@@ -15023,7 +15991,7 @@
             </p:txBody>
           </p:sp>
         </mc:Choice>
-        <mc:Fallback xmlns="">
+        <mc:Fallback>
           <p:sp>
             <p:nvSpPr>
               <p:cNvPr id="3" name="Content Placeholder 2"/>
@@ -15042,7 +16010,7 @@
               <a:blipFill rotWithShape="0">
                 <a:blip r:embed="rId3"/>
                 <a:stretch>
-                  <a:fillRect l="-659" t="-2360" r="-714"/>
+                  <a:fillRect l="-659" t="-2360" r="-1099"/>
                 </a:stretch>
               </a:blipFill>
             </p:spPr>
@@ -15234,6 +16202,81 @@
           <a:xfrm>
             <a:off x="1392702" y="2513666"/>
             <a:ext cx="323556" cy="440544"/>
+          </a:xfrm>
+          <a:prstGeom prst="straightConnector1">
+            <a:avLst/>
+          </a:prstGeom>
+          <a:ln>
+            <a:solidFill>
+              <a:srgbClr val="FF0000"/>
+            </a:solidFill>
+            <a:tailEnd type="triangle"/>
+          </a:ln>
+        </p:spPr>
+        <p:style>
+          <a:lnRef idx="1">
+            <a:schemeClr val="accent1"/>
+          </a:lnRef>
+          <a:fillRef idx="0">
+            <a:schemeClr val="accent1"/>
+          </a:fillRef>
+          <a:effectRef idx="0">
+            <a:schemeClr val="accent1"/>
+          </a:effectRef>
+          <a:fontRef idx="minor">
+            <a:schemeClr val="tx1"/>
+          </a:fontRef>
+        </p:style>
+      </p:cxnSp>
+      <p:sp>
+        <p:nvSpPr>
+          <p:cNvPr id="5" name="TextBox 4"/>
+          <p:cNvSpPr txBox="1"/>
+          <p:nvPr/>
+        </p:nvSpPr>
+        <p:spPr>
+          <a:xfrm>
+            <a:off x="10575879" y="3482931"/>
+            <a:ext cx="1555842" cy="1015663"/>
+          </a:xfrm>
+          <a:prstGeom prst="rect">
+            <a:avLst/>
+          </a:prstGeom>
+          <a:noFill/>
+        </p:spPr>
+        <p:txBody>
+          <a:bodyPr wrap="square" rtlCol="0">
+            <a:spAutoFit/>
+          </a:bodyPr>
+          <a:lstStyle/>
+          <a:p>
+            <a:pPr algn="ctr"/>
+            <a:r>
+              <a:rPr lang="pt-BR" sz="1200" dirty="0" smtClean="0">
+                <a:solidFill>
+                  <a:srgbClr val="FF0000"/>
+                </a:solidFill>
+              </a:rPr>
+              <a:t>Assim como com o regressor logístico, podemos ter funções discriminates não-lineares.</a:t>
+            </a:r>
+            <a:endParaRPr lang="pt-BR" sz="1200" dirty="0">
+              <a:solidFill>
+                <a:srgbClr val="FF0000"/>
+              </a:solidFill>
+            </a:endParaRPr>
+          </a:p>
+        </p:txBody>
+      </p:sp>
+      <p:cxnSp>
+        <p:nvCxnSpPr>
+          <p:cNvPr id="9" name="Straight Arrow Connector 8"/>
+          <p:cNvCxnSpPr/>
+          <p:nvPr/>
+        </p:nvCxnSpPr>
+        <p:spPr>
+          <a:xfrm flipH="1">
+            <a:off x="9979668" y="3671668"/>
+            <a:ext cx="711778" cy="168026"/>
           </a:xfrm>
           <a:prstGeom prst="straightConnector1">
             <a:avLst/>

--- a/slides/T320_Classificação (Parte IV).pptx
+++ b/slides/T320_Classificação (Parte IV).pptx
@@ -290,7 +290,7 @@
           <a:p>
             <a:fld id="{144F1436-6906-4D93-B7A2-786C327BFA14}" type="datetimeFigureOut">
               <a:rPr lang="nl-BE" smtClean="0"/>
-              <a:t>3/09/2021</a:t>
+              <a:t>10/09/2021</a:t>
             </a:fld>
             <a:endParaRPr lang="nl-BE"/>
           </a:p>
@@ -455,7 +455,7 @@
           <a:p>
             <a:fld id="{AA8CD09E-2914-4F47-B6C1-51B2C31814C9}" type="datetimeFigureOut">
               <a:rPr lang="pt-BR" smtClean="0"/>
-              <a:t>03/09/2021</a:t>
+              <a:t>10/09/2021</a:t>
             </a:fld>
             <a:endParaRPr lang="pt-BR"/>
           </a:p>
@@ -1006,8 +1006,8 @@
         </p:nvSpPr>
         <p:spPr/>
       </p:sp>
-      <mc:AlternateContent xmlns:mc="http://schemas.openxmlformats.org/markup-compatibility/2006">
-        <mc:Choice xmlns:a14="http://schemas.microsoft.com/office/drawing/2010/main" Requires="a14">
+      <mc:AlternateContent xmlns:mc="http://schemas.openxmlformats.org/markup-compatibility/2006" xmlns:a14="http://schemas.microsoft.com/office/drawing/2010/main">
+        <mc:Choice Requires="a14">
           <p:sp>
             <p:nvSpPr>
               <p:cNvPr id="3" name="Notes Placeholder 2"/>
@@ -1037,11 +1037,7 @@
                 </a:r>
                 <a:r>
                   <a:rPr lang="pt-BR" dirty="0" smtClean="0"/>
-                  <a:t>https://</a:t>
-                </a:r>
-                <a:r>
-                  <a:rPr lang="pt-BR" dirty="0" smtClean="0"/>
-                  <a:t>colab.research.google.com/github/zz4fap/t320_aprendizado_de_maquina/blob/main/notebooks/classificação/softmax_regressor_with_scikit_learn.ipynb</a:t>
+                  <a:t>https://colab.research.google.com/github/zz4fap/t320_aprendizado_de_maquina/blob/main/notebooks/classificação/softmax_regressor_with_scikit_learn.ipynb</a:t>
                 </a:r>
               </a:p>
               <a:p>
@@ -1176,7 +1172,7 @@
             </p:txBody>
           </p:sp>
         </mc:Choice>
-        <mc:Fallback>
+        <mc:Fallback xmlns="">
           <p:sp>
             <p:nvSpPr>
               <p:cNvPr id="3" name="Notes Placeholder 2"/>
@@ -2482,7 +2478,7 @@
           <p:cNvPr id="2" name="Título 1">
             <a:extLst>
               <a:ext uri="{FF2B5EF4-FFF2-40B4-BE49-F238E27FC236}">
-                <a16:creationId xmlns="" xmlns:a16="http://schemas.microsoft.com/office/drawing/2014/main" id="{1DB9B4FF-B06E-403C-A326-BDC64D8FF94E}"/>
+                <a16:creationId xmlns:a16="http://schemas.microsoft.com/office/drawing/2014/main" xmlns="" id="{1DB9B4FF-B06E-403C-A326-BDC64D8FF94E}"/>
               </a:ext>
             </a:extLst>
           </p:cNvPr>
@@ -2519,7 +2515,7 @@
           <p:cNvPr id="3" name="Subtítulo 2">
             <a:extLst>
               <a:ext uri="{FF2B5EF4-FFF2-40B4-BE49-F238E27FC236}">
-                <a16:creationId xmlns="" xmlns:a16="http://schemas.microsoft.com/office/drawing/2014/main" id="{247BDFCE-746E-45BF-A319-4733D58D1632}"/>
+                <a16:creationId xmlns:a16="http://schemas.microsoft.com/office/drawing/2014/main" xmlns="" id="{247BDFCE-746E-45BF-A319-4733D58D1632}"/>
               </a:ext>
             </a:extLst>
           </p:cNvPr>
@@ -2589,7 +2585,7 @@
           <p:cNvPr id="4" name="Espaço Reservado para Data 3">
             <a:extLst>
               <a:ext uri="{FF2B5EF4-FFF2-40B4-BE49-F238E27FC236}">
-                <a16:creationId xmlns="" xmlns:a16="http://schemas.microsoft.com/office/drawing/2014/main" id="{9EDE2778-5372-4104-B96D-968184DA8288}"/>
+                <a16:creationId xmlns:a16="http://schemas.microsoft.com/office/drawing/2014/main" xmlns="" id="{9EDE2778-5372-4104-B96D-968184DA8288}"/>
               </a:ext>
             </a:extLst>
           </p:cNvPr>
@@ -2607,7 +2603,7 @@
           <a:p>
             <a:fld id="{63289F7E-B80B-496E-81B4-D396C37C9454}" type="datetimeFigureOut">
               <a:rPr lang="pt-BR" smtClean="0"/>
-              <a:t>03/09/2021</a:t>
+              <a:t>10/09/2021</a:t>
             </a:fld>
             <a:endParaRPr lang="pt-BR"/>
           </a:p>
@@ -2618,7 +2614,7 @@
           <p:cNvPr id="5" name="Espaço Reservado para Rodapé 4">
             <a:extLst>
               <a:ext uri="{FF2B5EF4-FFF2-40B4-BE49-F238E27FC236}">
-                <a16:creationId xmlns="" xmlns:a16="http://schemas.microsoft.com/office/drawing/2014/main" id="{C1DD0F41-C861-4051-988D-3024A37A4B93}"/>
+                <a16:creationId xmlns:a16="http://schemas.microsoft.com/office/drawing/2014/main" xmlns="" id="{C1DD0F41-C861-4051-988D-3024A37A4B93}"/>
               </a:ext>
             </a:extLst>
           </p:cNvPr>
@@ -2643,7 +2639,7 @@
           <p:cNvPr id="6" name="Espaço Reservado para Número de Slide 5">
             <a:extLst>
               <a:ext uri="{FF2B5EF4-FFF2-40B4-BE49-F238E27FC236}">
-                <a16:creationId xmlns="" xmlns:a16="http://schemas.microsoft.com/office/drawing/2014/main" id="{07E5967E-D980-431A-A5DB-3F0C5030A81E}"/>
+                <a16:creationId xmlns:a16="http://schemas.microsoft.com/office/drawing/2014/main" xmlns="" id="{07E5967E-D980-431A-A5DB-3F0C5030A81E}"/>
               </a:ext>
             </a:extLst>
           </p:cNvPr>
@@ -2702,7 +2698,7 @@
           <p:cNvPr id="2" name="Título 1">
             <a:extLst>
               <a:ext uri="{FF2B5EF4-FFF2-40B4-BE49-F238E27FC236}">
-                <a16:creationId xmlns="" xmlns:a16="http://schemas.microsoft.com/office/drawing/2014/main" id="{9036C49F-3E68-4175-81BA-3C3FEE44308A}"/>
+                <a16:creationId xmlns:a16="http://schemas.microsoft.com/office/drawing/2014/main" xmlns="" id="{9036C49F-3E68-4175-81BA-3C3FEE44308A}"/>
               </a:ext>
             </a:extLst>
           </p:cNvPr>
@@ -2730,7 +2726,7 @@
           <p:cNvPr id="3" name="Espaço Reservado para Texto Vertical 2">
             <a:extLst>
               <a:ext uri="{FF2B5EF4-FFF2-40B4-BE49-F238E27FC236}">
-                <a16:creationId xmlns="" xmlns:a16="http://schemas.microsoft.com/office/drawing/2014/main" id="{426FA736-3DD3-4D4E-B57B-BBE1D8F7D424}"/>
+                <a16:creationId xmlns:a16="http://schemas.microsoft.com/office/drawing/2014/main" xmlns="" id="{426FA736-3DD3-4D4E-B57B-BBE1D8F7D424}"/>
               </a:ext>
             </a:extLst>
           </p:cNvPr>
@@ -2787,7 +2783,7 @@
           <p:cNvPr id="4" name="Espaço Reservado para Data 3">
             <a:extLst>
               <a:ext uri="{FF2B5EF4-FFF2-40B4-BE49-F238E27FC236}">
-                <a16:creationId xmlns="" xmlns:a16="http://schemas.microsoft.com/office/drawing/2014/main" id="{99E8855C-D8FD-48F6-B14E-861E0DE4D915}"/>
+                <a16:creationId xmlns:a16="http://schemas.microsoft.com/office/drawing/2014/main" xmlns="" id="{99E8855C-D8FD-48F6-B14E-861E0DE4D915}"/>
               </a:ext>
             </a:extLst>
           </p:cNvPr>
@@ -2805,7 +2801,7 @@
           <a:p>
             <a:fld id="{63289F7E-B80B-496E-81B4-D396C37C9454}" type="datetimeFigureOut">
               <a:rPr lang="pt-BR" smtClean="0"/>
-              <a:t>03/09/2021</a:t>
+              <a:t>10/09/2021</a:t>
             </a:fld>
             <a:endParaRPr lang="pt-BR"/>
           </a:p>
@@ -2816,7 +2812,7 @@
           <p:cNvPr id="5" name="Espaço Reservado para Rodapé 4">
             <a:extLst>
               <a:ext uri="{FF2B5EF4-FFF2-40B4-BE49-F238E27FC236}">
-                <a16:creationId xmlns="" xmlns:a16="http://schemas.microsoft.com/office/drawing/2014/main" id="{97C0BB88-2F21-42A5-ACFF-83DA47F2D340}"/>
+                <a16:creationId xmlns:a16="http://schemas.microsoft.com/office/drawing/2014/main" xmlns="" id="{97C0BB88-2F21-42A5-ACFF-83DA47F2D340}"/>
               </a:ext>
             </a:extLst>
           </p:cNvPr>
@@ -2841,7 +2837,7 @@
           <p:cNvPr id="6" name="Espaço Reservado para Número de Slide 5">
             <a:extLst>
               <a:ext uri="{FF2B5EF4-FFF2-40B4-BE49-F238E27FC236}">
-                <a16:creationId xmlns="" xmlns:a16="http://schemas.microsoft.com/office/drawing/2014/main" id="{6CB462B3-1F22-4C05-B4B8-7A279FB7D5E9}"/>
+                <a16:creationId xmlns:a16="http://schemas.microsoft.com/office/drawing/2014/main" xmlns="" id="{6CB462B3-1F22-4C05-B4B8-7A279FB7D5E9}"/>
               </a:ext>
             </a:extLst>
           </p:cNvPr>
@@ -2900,7 +2896,7 @@
           <p:cNvPr id="2" name="Título Vertical 1">
             <a:extLst>
               <a:ext uri="{FF2B5EF4-FFF2-40B4-BE49-F238E27FC236}">
-                <a16:creationId xmlns="" xmlns:a16="http://schemas.microsoft.com/office/drawing/2014/main" id="{EAEAB728-701C-4207-A9D5-23FF45C60502}"/>
+                <a16:creationId xmlns:a16="http://schemas.microsoft.com/office/drawing/2014/main" xmlns="" id="{EAEAB728-701C-4207-A9D5-23FF45C60502}"/>
               </a:ext>
             </a:extLst>
           </p:cNvPr>
@@ -2933,7 +2929,7 @@
           <p:cNvPr id="3" name="Espaço Reservado para Texto Vertical 2">
             <a:extLst>
               <a:ext uri="{FF2B5EF4-FFF2-40B4-BE49-F238E27FC236}">
-                <a16:creationId xmlns="" xmlns:a16="http://schemas.microsoft.com/office/drawing/2014/main" id="{BA8C8CCF-7823-480A-9A19-0F664DD17E3B}"/>
+                <a16:creationId xmlns:a16="http://schemas.microsoft.com/office/drawing/2014/main" xmlns="" id="{BA8C8CCF-7823-480A-9A19-0F664DD17E3B}"/>
               </a:ext>
             </a:extLst>
           </p:cNvPr>
@@ -2995,7 +2991,7 @@
           <p:cNvPr id="4" name="Espaço Reservado para Data 3">
             <a:extLst>
               <a:ext uri="{FF2B5EF4-FFF2-40B4-BE49-F238E27FC236}">
-                <a16:creationId xmlns="" xmlns:a16="http://schemas.microsoft.com/office/drawing/2014/main" id="{721D5734-7B1F-425D-942F-6EB73344027C}"/>
+                <a16:creationId xmlns:a16="http://schemas.microsoft.com/office/drawing/2014/main" xmlns="" id="{721D5734-7B1F-425D-942F-6EB73344027C}"/>
               </a:ext>
             </a:extLst>
           </p:cNvPr>
@@ -3013,7 +3009,7 @@
           <a:p>
             <a:fld id="{63289F7E-B80B-496E-81B4-D396C37C9454}" type="datetimeFigureOut">
               <a:rPr lang="pt-BR" smtClean="0"/>
-              <a:t>03/09/2021</a:t>
+              <a:t>10/09/2021</a:t>
             </a:fld>
             <a:endParaRPr lang="pt-BR"/>
           </a:p>
@@ -3024,7 +3020,7 @@
           <p:cNvPr id="5" name="Espaço Reservado para Rodapé 4">
             <a:extLst>
               <a:ext uri="{FF2B5EF4-FFF2-40B4-BE49-F238E27FC236}">
-                <a16:creationId xmlns="" xmlns:a16="http://schemas.microsoft.com/office/drawing/2014/main" id="{1E1AAEAC-F08D-45FE-89EC-B1B349A868C9}"/>
+                <a16:creationId xmlns:a16="http://schemas.microsoft.com/office/drawing/2014/main" xmlns="" id="{1E1AAEAC-F08D-45FE-89EC-B1B349A868C9}"/>
               </a:ext>
             </a:extLst>
           </p:cNvPr>
@@ -3049,7 +3045,7 @@
           <p:cNvPr id="6" name="Espaço Reservado para Número de Slide 5">
             <a:extLst>
               <a:ext uri="{FF2B5EF4-FFF2-40B4-BE49-F238E27FC236}">
-                <a16:creationId xmlns="" xmlns:a16="http://schemas.microsoft.com/office/drawing/2014/main" id="{BAA44493-9911-47B2-87A6-C2141A972BC8}"/>
+                <a16:creationId xmlns:a16="http://schemas.microsoft.com/office/drawing/2014/main" xmlns="" id="{BAA44493-9911-47B2-87A6-C2141A972BC8}"/>
               </a:ext>
             </a:extLst>
           </p:cNvPr>
@@ -3108,7 +3104,7 @@
           <p:cNvPr id="2" name="Título 1">
             <a:extLst>
               <a:ext uri="{FF2B5EF4-FFF2-40B4-BE49-F238E27FC236}">
-                <a16:creationId xmlns="" xmlns:a16="http://schemas.microsoft.com/office/drawing/2014/main" id="{71BD44A5-8F21-4626-A01D-48A1C874B1D5}"/>
+                <a16:creationId xmlns:a16="http://schemas.microsoft.com/office/drawing/2014/main" xmlns="" id="{71BD44A5-8F21-4626-A01D-48A1C874B1D5}"/>
               </a:ext>
             </a:extLst>
           </p:cNvPr>
@@ -3136,7 +3132,7 @@
           <p:cNvPr id="3" name="Espaço Reservado para Conteúdo 2">
             <a:extLst>
               <a:ext uri="{FF2B5EF4-FFF2-40B4-BE49-F238E27FC236}">
-                <a16:creationId xmlns="" xmlns:a16="http://schemas.microsoft.com/office/drawing/2014/main" id="{B79E8085-65A9-48AA-951D-71D978BFF4ED}"/>
+                <a16:creationId xmlns:a16="http://schemas.microsoft.com/office/drawing/2014/main" xmlns="" id="{B79E8085-65A9-48AA-951D-71D978BFF4ED}"/>
               </a:ext>
             </a:extLst>
           </p:cNvPr>
@@ -3193,7 +3189,7 @@
           <p:cNvPr id="4" name="Espaço Reservado para Data 3">
             <a:extLst>
               <a:ext uri="{FF2B5EF4-FFF2-40B4-BE49-F238E27FC236}">
-                <a16:creationId xmlns="" xmlns:a16="http://schemas.microsoft.com/office/drawing/2014/main" id="{F05BE1AF-51EA-425D-B188-DE7BD675009F}"/>
+                <a16:creationId xmlns:a16="http://schemas.microsoft.com/office/drawing/2014/main" xmlns="" id="{F05BE1AF-51EA-425D-B188-DE7BD675009F}"/>
               </a:ext>
             </a:extLst>
           </p:cNvPr>
@@ -3211,7 +3207,7 @@
           <a:p>
             <a:fld id="{63289F7E-B80B-496E-81B4-D396C37C9454}" type="datetimeFigureOut">
               <a:rPr lang="pt-BR" smtClean="0"/>
-              <a:t>03/09/2021</a:t>
+              <a:t>10/09/2021</a:t>
             </a:fld>
             <a:endParaRPr lang="pt-BR"/>
           </a:p>
@@ -3222,7 +3218,7 @@
           <p:cNvPr id="5" name="Espaço Reservado para Rodapé 4">
             <a:extLst>
               <a:ext uri="{FF2B5EF4-FFF2-40B4-BE49-F238E27FC236}">
-                <a16:creationId xmlns="" xmlns:a16="http://schemas.microsoft.com/office/drawing/2014/main" id="{121BE632-29CF-4CB9-B365-C9EF38F89BE6}"/>
+                <a16:creationId xmlns:a16="http://schemas.microsoft.com/office/drawing/2014/main" xmlns="" id="{121BE632-29CF-4CB9-B365-C9EF38F89BE6}"/>
               </a:ext>
             </a:extLst>
           </p:cNvPr>
@@ -3247,7 +3243,7 @@
           <p:cNvPr id="6" name="Espaço Reservado para Número de Slide 5">
             <a:extLst>
               <a:ext uri="{FF2B5EF4-FFF2-40B4-BE49-F238E27FC236}">
-                <a16:creationId xmlns="" xmlns:a16="http://schemas.microsoft.com/office/drawing/2014/main" id="{60CF3DD1-9AEC-4A57-B461-4E4DD86FAC18}"/>
+                <a16:creationId xmlns:a16="http://schemas.microsoft.com/office/drawing/2014/main" xmlns="" id="{60CF3DD1-9AEC-4A57-B461-4E4DD86FAC18}"/>
               </a:ext>
             </a:extLst>
           </p:cNvPr>
@@ -3306,7 +3302,7 @@
           <p:cNvPr id="2" name="Título 1">
             <a:extLst>
               <a:ext uri="{FF2B5EF4-FFF2-40B4-BE49-F238E27FC236}">
-                <a16:creationId xmlns="" xmlns:a16="http://schemas.microsoft.com/office/drawing/2014/main" id="{34AB2FF0-A4D7-4E28-991D-FF26140D5988}"/>
+                <a16:creationId xmlns:a16="http://schemas.microsoft.com/office/drawing/2014/main" xmlns="" id="{34AB2FF0-A4D7-4E28-991D-FF26140D5988}"/>
               </a:ext>
             </a:extLst>
           </p:cNvPr>
@@ -3343,7 +3339,7 @@
           <p:cNvPr id="3" name="Espaço Reservado para Texto 2">
             <a:extLst>
               <a:ext uri="{FF2B5EF4-FFF2-40B4-BE49-F238E27FC236}">
-                <a16:creationId xmlns="" xmlns:a16="http://schemas.microsoft.com/office/drawing/2014/main" id="{E2AC45B0-4145-40DB-8E61-105461170604}"/>
+                <a16:creationId xmlns:a16="http://schemas.microsoft.com/office/drawing/2014/main" xmlns="" id="{E2AC45B0-4145-40DB-8E61-105461170604}"/>
               </a:ext>
             </a:extLst>
           </p:cNvPr>
@@ -3468,7 +3464,7 @@
           <p:cNvPr id="4" name="Espaço Reservado para Data 3">
             <a:extLst>
               <a:ext uri="{FF2B5EF4-FFF2-40B4-BE49-F238E27FC236}">
-                <a16:creationId xmlns="" xmlns:a16="http://schemas.microsoft.com/office/drawing/2014/main" id="{50F1D3FB-740A-4EBA-A309-2CE71D12ECFB}"/>
+                <a16:creationId xmlns:a16="http://schemas.microsoft.com/office/drawing/2014/main" xmlns="" id="{50F1D3FB-740A-4EBA-A309-2CE71D12ECFB}"/>
               </a:ext>
             </a:extLst>
           </p:cNvPr>
@@ -3486,7 +3482,7 @@
           <a:p>
             <a:fld id="{63289F7E-B80B-496E-81B4-D396C37C9454}" type="datetimeFigureOut">
               <a:rPr lang="pt-BR" smtClean="0"/>
-              <a:t>03/09/2021</a:t>
+              <a:t>10/09/2021</a:t>
             </a:fld>
             <a:endParaRPr lang="pt-BR"/>
           </a:p>
@@ -3497,7 +3493,7 @@
           <p:cNvPr id="5" name="Espaço Reservado para Rodapé 4">
             <a:extLst>
               <a:ext uri="{FF2B5EF4-FFF2-40B4-BE49-F238E27FC236}">
-                <a16:creationId xmlns="" xmlns:a16="http://schemas.microsoft.com/office/drawing/2014/main" id="{BDCAB18F-8715-4465-A940-F9C193A2ACE9}"/>
+                <a16:creationId xmlns:a16="http://schemas.microsoft.com/office/drawing/2014/main" xmlns="" id="{BDCAB18F-8715-4465-A940-F9C193A2ACE9}"/>
               </a:ext>
             </a:extLst>
           </p:cNvPr>
@@ -3522,7 +3518,7 @@
           <p:cNvPr id="6" name="Espaço Reservado para Número de Slide 5">
             <a:extLst>
               <a:ext uri="{FF2B5EF4-FFF2-40B4-BE49-F238E27FC236}">
-                <a16:creationId xmlns="" xmlns:a16="http://schemas.microsoft.com/office/drawing/2014/main" id="{353466C6-8248-429F-8056-FF040BF509EB}"/>
+                <a16:creationId xmlns:a16="http://schemas.microsoft.com/office/drawing/2014/main" xmlns="" id="{353466C6-8248-429F-8056-FF040BF509EB}"/>
               </a:ext>
             </a:extLst>
           </p:cNvPr>
@@ -3581,7 +3577,7 @@
           <p:cNvPr id="2" name="Título 1">
             <a:extLst>
               <a:ext uri="{FF2B5EF4-FFF2-40B4-BE49-F238E27FC236}">
-                <a16:creationId xmlns="" xmlns:a16="http://schemas.microsoft.com/office/drawing/2014/main" id="{BC7BB9F0-F14B-4A91-B2B7-35BC47FE4DE7}"/>
+                <a16:creationId xmlns:a16="http://schemas.microsoft.com/office/drawing/2014/main" xmlns="" id="{BC7BB9F0-F14B-4A91-B2B7-35BC47FE4DE7}"/>
               </a:ext>
             </a:extLst>
           </p:cNvPr>
@@ -3609,7 +3605,7 @@
           <p:cNvPr id="3" name="Espaço Reservado para Conteúdo 2">
             <a:extLst>
               <a:ext uri="{FF2B5EF4-FFF2-40B4-BE49-F238E27FC236}">
-                <a16:creationId xmlns="" xmlns:a16="http://schemas.microsoft.com/office/drawing/2014/main" id="{EC1FC1C4-73DA-47A6-8496-B0B457F7D39A}"/>
+                <a16:creationId xmlns:a16="http://schemas.microsoft.com/office/drawing/2014/main" xmlns="" id="{EC1FC1C4-73DA-47A6-8496-B0B457F7D39A}"/>
               </a:ext>
             </a:extLst>
           </p:cNvPr>
@@ -3671,7 +3667,7 @@
           <p:cNvPr id="4" name="Espaço Reservado para Conteúdo 3">
             <a:extLst>
               <a:ext uri="{FF2B5EF4-FFF2-40B4-BE49-F238E27FC236}">
-                <a16:creationId xmlns="" xmlns:a16="http://schemas.microsoft.com/office/drawing/2014/main" id="{E92F06A8-A449-4D92-9912-76873E529B38}"/>
+                <a16:creationId xmlns:a16="http://schemas.microsoft.com/office/drawing/2014/main" xmlns="" id="{E92F06A8-A449-4D92-9912-76873E529B38}"/>
               </a:ext>
             </a:extLst>
           </p:cNvPr>
@@ -3733,7 +3729,7 @@
           <p:cNvPr id="5" name="Espaço Reservado para Data 4">
             <a:extLst>
               <a:ext uri="{FF2B5EF4-FFF2-40B4-BE49-F238E27FC236}">
-                <a16:creationId xmlns="" xmlns:a16="http://schemas.microsoft.com/office/drawing/2014/main" id="{938070A4-BC2F-4D55-BD8D-DEAF11BB9EE9}"/>
+                <a16:creationId xmlns:a16="http://schemas.microsoft.com/office/drawing/2014/main" xmlns="" id="{938070A4-BC2F-4D55-BD8D-DEAF11BB9EE9}"/>
               </a:ext>
             </a:extLst>
           </p:cNvPr>
@@ -3751,7 +3747,7 @@
           <a:p>
             <a:fld id="{63289F7E-B80B-496E-81B4-D396C37C9454}" type="datetimeFigureOut">
               <a:rPr lang="pt-BR" smtClean="0"/>
-              <a:t>03/09/2021</a:t>
+              <a:t>10/09/2021</a:t>
             </a:fld>
             <a:endParaRPr lang="pt-BR"/>
           </a:p>
@@ -3762,7 +3758,7 @@
           <p:cNvPr id="6" name="Espaço Reservado para Rodapé 5">
             <a:extLst>
               <a:ext uri="{FF2B5EF4-FFF2-40B4-BE49-F238E27FC236}">
-                <a16:creationId xmlns="" xmlns:a16="http://schemas.microsoft.com/office/drawing/2014/main" id="{45CC2DB8-844A-465F-BA9A-7734C80C7F43}"/>
+                <a16:creationId xmlns:a16="http://schemas.microsoft.com/office/drawing/2014/main" xmlns="" id="{45CC2DB8-844A-465F-BA9A-7734C80C7F43}"/>
               </a:ext>
             </a:extLst>
           </p:cNvPr>
@@ -3787,7 +3783,7 @@
           <p:cNvPr id="7" name="Espaço Reservado para Número de Slide 6">
             <a:extLst>
               <a:ext uri="{FF2B5EF4-FFF2-40B4-BE49-F238E27FC236}">
-                <a16:creationId xmlns="" xmlns:a16="http://schemas.microsoft.com/office/drawing/2014/main" id="{4CC606A8-097B-4040-94E0-CD8C88280D8F}"/>
+                <a16:creationId xmlns:a16="http://schemas.microsoft.com/office/drawing/2014/main" xmlns="" id="{4CC606A8-097B-4040-94E0-CD8C88280D8F}"/>
               </a:ext>
             </a:extLst>
           </p:cNvPr>
@@ -3846,7 +3842,7 @@
           <p:cNvPr id="2" name="Título 1">
             <a:extLst>
               <a:ext uri="{FF2B5EF4-FFF2-40B4-BE49-F238E27FC236}">
-                <a16:creationId xmlns="" xmlns:a16="http://schemas.microsoft.com/office/drawing/2014/main" id="{76D66686-0143-4CB6-8C09-BA326F1E7ACA}"/>
+                <a16:creationId xmlns:a16="http://schemas.microsoft.com/office/drawing/2014/main" xmlns="" id="{76D66686-0143-4CB6-8C09-BA326F1E7ACA}"/>
               </a:ext>
             </a:extLst>
           </p:cNvPr>
@@ -3879,7 +3875,7 @@
           <p:cNvPr id="3" name="Espaço Reservado para Texto 2">
             <a:extLst>
               <a:ext uri="{FF2B5EF4-FFF2-40B4-BE49-F238E27FC236}">
-                <a16:creationId xmlns="" xmlns:a16="http://schemas.microsoft.com/office/drawing/2014/main" id="{0227AB85-F59E-4BCE-B846-4FA0992C2F23}"/>
+                <a16:creationId xmlns:a16="http://schemas.microsoft.com/office/drawing/2014/main" xmlns="" id="{0227AB85-F59E-4BCE-B846-4FA0992C2F23}"/>
               </a:ext>
             </a:extLst>
           </p:cNvPr>
@@ -3950,7 +3946,7 @@
           <p:cNvPr id="4" name="Espaço Reservado para Conteúdo 3">
             <a:extLst>
               <a:ext uri="{FF2B5EF4-FFF2-40B4-BE49-F238E27FC236}">
-                <a16:creationId xmlns="" xmlns:a16="http://schemas.microsoft.com/office/drawing/2014/main" id="{3373456C-7319-4D0A-827D-D29F6B083F5D}"/>
+                <a16:creationId xmlns:a16="http://schemas.microsoft.com/office/drawing/2014/main" xmlns="" id="{3373456C-7319-4D0A-827D-D29F6B083F5D}"/>
               </a:ext>
             </a:extLst>
           </p:cNvPr>
@@ -4012,7 +4008,7 @@
           <p:cNvPr id="5" name="Espaço Reservado para Texto 4">
             <a:extLst>
               <a:ext uri="{FF2B5EF4-FFF2-40B4-BE49-F238E27FC236}">
-                <a16:creationId xmlns="" xmlns:a16="http://schemas.microsoft.com/office/drawing/2014/main" id="{4CD109D0-2E83-4262-8029-A871CEC47406}"/>
+                <a16:creationId xmlns:a16="http://schemas.microsoft.com/office/drawing/2014/main" xmlns="" id="{4CD109D0-2E83-4262-8029-A871CEC47406}"/>
               </a:ext>
             </a:extLst>
           </p:cNvPr>
@@ -4083,7 +4079,7 @@
           <p:cNvPr id="6" name="Espaço Reservado para Conteúdo 5">
             <a:extLst>
               <a:ext uri="{FF2B5EF4-FFF2-40B4-BE49-F238E27FC236}">
-                <a16:creationId xmlns="" xmlns:a16="http://schemas.microsoft.com/office/drawing/2014/main" id="{AD706E3A-CFBB-4A6C-A65F-D0360A9E74FE}"/>
+                <a16:creationId xmlns:a16="http://schemas.microsoft.com/office/drawing/2014/main" xmlns="" id="{AD706E3A-CFBB-4A6C-A65F-D0360A9E74FE}"/>
               </a:ext>
             </a:extLst>
           </p:cNvPr>
@@ -4145,7 +4141,7 @@
           <p:cNvPr id="7" name="Espaço Reservado para Data 6">
             <a:extLst>
               <a:ext uri="{FF2B5EF4-FFF2-40B4-BE49-F238E27FC236}">
-                <a16:creationId xmlns="" xmlns:a16="http://schemas.microsoft.com/office/drawing/2014/main" id="{4172C0E5-5AF0-4805-BB51-443733CD2BD5}"/>
+                <a16:creationId xmlns:a16="http://schemas.microsoft.com/office/drawing/2014/main" xmlns="" id="{4172C0E5-5AF0-4805-BB51-443733CD2BD5}"/>
               </a:ext>
             </a:extLst>
           </p:cNvPr>
@@ -4163,7 +4159,7 @@
           <a:p>
             <a:fld id="{63289F7E-B80B-496E-81B4-D396C37C9454}" type="datetimeFigureOut">
               <a:rPr lang="pt-BR" smtClean="0"/>
-              <a:t>03/09/2021</a:t>
+              <a:t>10/09/2021</a:t>
             </a:fld>
             <a:endParaRPr lang="pt-BR"/>
           </a:p>
@@ -4174,7 +4170,7 @@
           <p:cNvPr id="8" name="Espaço Reservado para Rodapé 7">
             <a:extLst>
               <a:ext uri="{FF2B5EF4-FFF2-40B4-BE49-F238E27FC236}">
-                <a16:creationId xmlns="" xmlns:a16="http://schemas.microsoft.com/office/drawing/2014/main" id="{0E801648-156F-497E-99CF-797DF48051E1}"/>
+                <a16:creationId xmlns:a16="http://schemas.microsoft.com/office/drawing/2014/main" xmlns="" id="{0E801648-156F-497E-99CF-797DF48051E1}"/>
               </a:ext>
             </a:extLst>
           </p:cNvPr>
@@ -4199,7 +4195,7 @@
           <p:cNvPr id="9" name="Espaço Reservado para Número de Slide 8">
             <a:extLst>
               <a:ext uri="{FF2B5EF4-FFF2-40B4-BE49-F238E27FC236}">
-                <a16:creationId xmlns="" xmlns:a16="http://schemas.microsoft.com/office/drawing/2014/main" id="{EEE23D32-80E7-4796-A137-66BF842E4B53}"/>
+                <a16:creationId xmlns:a16="http://schemas.microsoft.com/office/drawing/2014/main" xmlns="" id="{EEE23D32-80E7-4796-A137-66BF842E4B53}"/>
               </a:ext>
             </a:extLst>
           </p:cNvPr>
@@ -4258,7 +4254,7 @@
           <p:cNvPr id="2" name="Título 1">
             <a:extLst>
               <a:ext uri="{FF2B5EF4-FFF2-40B4-BE49-F238E27FC236}">
-                <a16:creationId xmlns="" xmlns:a16="http://schemas.microsoft.com/office/drawing/2014/main" id="{2BCE2379-C78F-47E1-8CFC-B846E7AF148D}"/>
+                <a16:creationId xmlns:a16="http://schemas.microsoft.com/office/drawing/2014/main" xmlns="" id="{2BCE2379-C78F-47E1-8CFC-B846E7AF148D}"/>
               </a:ext>
             </a:extLst>
           </p:cNvPr>
@@ -4286,7 +4282,7 @@
           <p:cNvPr id="3" name="Espaço Reservado para Data 2">
             <a:extLst>
               <a:ext uri="{FF2B5EF4-FFF2-40B4-BE49-F238E27FC236}">
-                <a16:creationId xmlns="" xmlns:a16="http://schemas.microsoft.com/office/drawing/2014/main" id="{342600A9-7F92-4E22-9D94-E4717252A817}"/>
+                <a16:creationId xmlns:a16="http://schemas.microsoft.com/office/drawing/2014/main" xmlns="" id="{342600A9-7F92-4E22-9D94-E4717252A817}"/>
               </a:ext>
             </a:extLst>
           </p:cNvPr>
@@ -4304,7 +4300,7 @@
           <a:p>
             <a:fld id="{63289F7E-B80B-496E-81B4-D396C37C9454}" type="datetimeFigureOut">
               <a:rPr lang="pt-BR" smtClean="0"/>
-              <a:t>03/09/2021</a:t>
+              <a:t>10/09/2021</a:t>
             </a:fld>
             <a:endParaRPr lang="pt-BR"/>
           </a:p>
@@ -4315,7 +4311,7 @@
           <p:cNvPr id="4" name="Espaço Reservado para Rodapé 3">
             <a:extLst>
               <a:ext uri="{FF2B5EF4-FFF2-40B4-BE49-F238E27FC236}">
-                <a16:creationId xmlns="" xmlns:a16="http://schemas.microsoft.com/office/drawing/2014/main" id="{192E6BED-F546-40CC-A2DF-99CBA853654E}"/>
+                <a16:creationId xmlns:a16="http://schemas.microsoft.com/office/drawing/2014/main" xmlns="" id="{192E6BED-F546-40CC-A2DF-99CBA853654E}"/>
               </a:ext>
             </a:extLst>
           </p:cNvPr>
@@ -4340,7 +4336,7 @@
           <p:cNvPr id="5" name="Espaço Reservado para Número de Slide 4">
             <a:extLst>
               <a:ext uri="{FF2B5EF4-FFF2-40B4-BE49-F238E27FC236}">
-                <a16:creationId xmlns="" xmlns:a16="http://schemas.microsoft.com/office/drawing/2014/main" id="{6091CC40-A8C4-4063-80EB-CC5099621678}"/>
+                <a16:creationId xmlns:a16="http://schemas.microsoft.com/office/drawing/2014/main" xmlns="" id="{6091CC40-A8C4-4063-80EB-CC5099621678}"/>
               </a:ext>
             </a:extLst>
           </p:cNvPr>
@@ -4399,7 +4395,7 @@
           <p:cNvPr id="2" name="Espaço Reservado para Data 1">
             <a:extLst>
               <a:ext uri="{FF2B5EF4-FFF2-40B4-BE49-F238E27FC236}">
-                <a16:creationId xmlns="" xmlns:a16="http://schemas.microsoft.com/office/drawing/2014/main" id="{DD19515C-212C-4EAE-84A3-8FF4BC844F1B}"/>
+                <a16:creationId xmlns:a16="http://schemas.microsoft.com/office/drawing/2014/main" xmlns="" id="{DD19515C-212C-4EAE-84A3-8FF4BC844F1B}"/>
               </a:ext>
             </a:extLst>
           </p:cNvPr>
@@ -4417,7 +4413,7 @@
           <a:p>
             <a:fld id="{63289F7E-B80B-496E-81B4-D396C37C9454}" type="datetimeFigureOut">
               <a:rPr lang="pt-BR" smtClean="0"/>
-              <a:t>03/09/2021</a:t>
+              <a:t>10/09/2021</a:t>
             </a:fld>
             <a:endParaRPr lang="pt-BR"/>
           </a:p>
@@ -4428,7 +4424,7 @@
           <p:cNvPr id="3" name="Espaço Reservado para Rodapé 2">
             <a:extLst>
               <a:ext uri="{FF2B5EF4-FFF2-40B4-BE49-F238E27FC236}">
-                <a16:creationId xmlns="" xmlns:a16="http://schemas.microsoft.com/office/drawing/2014/main" id="{94D3D120-B3E8-4C96-861D-7A4F12F49B3A}"/>
+                <a16:creationId xmlns:a16="http://schemas.microsoft.com/office/drawing/2014/main" xmlns="" id="{94D3D120-B3E8-4C96-861D-7A4F12F49B3A}"/>
               </a:ext>
             </a:extLst>
           </p:cNvPr>
@@ -4453,7 +4449,7 @@
           <p:cNvPr id="4" name="Espaço Reservado para Número de Slide 3">
             <a:extLst>
               <a:ext uri="{FF2B5EF4-FFF2-40B4-BE49-F238E27FC236}">
-                <a16:creationId xmlns="" xmlns:a16="http://schemas.microsoft.com/office/drawing/2014/main" id="{42E49B68-FA1B-468B-9F17-D5C09243D454}"/>
+                <a16:creationId xmlns:a16="http://schemas.microsoft.com/office/drawing/2014/main" xmlns="" id="{42E49B68-FA1B-468B-9F17-D5C09243D454}"/>
               </a:ext>
             </a:extLst>
           </p:cNvPr>
@@ -4512,7 +4508,7 @@
           <p:cNvPr id="2" name="Título 1">
             <a:extLst>
               <a:ext uri="{FF2B5EF4-FFF2-40B4-BE49-F238E27FC236}">
-                <a16:creationId xmlns="" xmlns:a16="http://schemas.microsoft.com/office/drawing/2014/main" id="{1C17BCBE-A897-4319-85EC-D87909C24980}"/>
+                <a16:creationId xmlns:a16="http://schemas.microsoft.com/office/drawing/2014/main" xmlns="" id="{1C17BCBE-A897-4319-85EC-D87909C24980}"/>
               </a:ext>
             </a:extLst>
           </p:cNvPr>
@@ -4549,7 +4545,7 @@
           <p:cNvPr id="3" name="Espaço Reservado para Conteúdo 2">
             <a:extLst>
               <a:ext uri="{FF2B5EF4-FFF2-40B4-BE49-F238E27FC236}">
-                <a16:creationId xmlns="" xmlns:a16="http://schemas.microsoft.com/office/drawing/2014/main" id="{4226F885-0204-4913-868B-4B8B82576F17}"/>
+                <a16:creationId xmlns:a16="http://schemas.microsoft.com/office/drawing/2014/main" xmlns="" id="{4226F885-0204-4913-868B-4B8B82576F17}"/>
               </a:ext>
             </a:extLst>
           </p:cNvPr>
@@ -4639,7 +4635,7 @@
           <p:cNvPr id="4" name="Espaço Reservado para Texto 3">
             <a:extLst>
               <a:ext uri="{FF2B5EF4-FFF2-40B4-BE49-F238E27FC236}">
-                <a16:creationId xmlns="" xmlns:a16="http://schemas.microsoft.com/office/drawing/2014/main" id="{00F9F784-A858-441B-8AB5-697098141751}"/>
+                <a16:creationId xmlns:a16="http://schemas.microsoft.com/office/drawing/2014/main" xmlns="" id="{00F9F784-A858-441B-8AB5-697098141751}"/>
               </a:ext>
             </a:extLst>
           </p:cNvPr>
@@ -4710,7 +4706,7 @@
           <p:cNvPr id="5" name="Espaço Reservado para Data 4">
             <a:extLst>
               <a:ext uri="{FF2B5EF4-FFF2-40B4-BE49-F238E27FC236}">
-                <a16:creationId xmlns="" xmlns:a16="http://schemas.microsoft.com/office/drawing/2014/main" id="{A4DC363A-5000-472E-8B17-02E7DCB8840A}"/>
+                <a16:creationId xmlns:a16="http://schemas.microsoft.com/office/drawing/2014/main" xmlns="" id="{A4DC363A-5000-472E-8B17-02E7DCB8840A}"/>
               </a:ext>
             </a:extLst>
           </p:cNvPr>
@@ -4728,7 +4724,7 @@
           <a:p>
             <a:fld id="{63289F7E-B80B-496E-81B4-D396C37C9454}" type="datetimeFigureOut">
               <a:rPr lang="pt-BR" smtClean="0"/>
-              <a:t>03/09/2021</a:t>
+              <a:t>10/09/2021</a:t>
             </a:fld>
             <a:endParaRPr lang="pt-BR"/>
           </a:p>
@@ -4739,7 +4735,7 @@
           <p:cNvPr id="6" name="Espaço Reservado para Rodapé 5">
             <a:extLst>
               <a:ext uri="{FF2B5EF4-FFF2-40B4-BE49-F238E27FC236}">
-                <a16:creationId xmlns="" xmlns:a16="http://schemas.microsoft.com/office/drawing/2014/main" id="{5548425D-2C21-4C56-BAD4-662978775C28}"/>
+                <a16:creationId xmlns:a16="http://schemas.microsoft.com/office/drawing/2014/main" xmlns="" id="{5548425D-2C21-4C56-BAD4-662978775C28}"/>
               </a:ext>
             </a:extLst>
           </p:cNvPr>
@@ -4764,7 +4760,7 @@
           <p:cNvPr id="7" name="Espaço Reservado para Número de Slide 6">
             <a:extLst>
               <a:ext uri="{FF2B5EF4-FFF2-40B4-BE49-F238E27FC236}">
-                <a16:creationId xmlns="" xmlns:a16="http://schemas.microsoft.com/office/drawing/2014/main" id="{C63E9726-E64C-42B2-AE8A-8C235A956B48}"/>
+                <a16:creationId xmlns:a16="http://schemas.microsoft.com/office/drawing/2014/main" xmlns="" id="{C63E9726-E64C-42B2-AE8A-8C235A956B48}"/>
               </a:ext>
             </a:extLst>
           </p:cNvPr>
@@ -4823,7 +4819,7 @@
           <p:cNvPr id="2" name="Título 1">
             <a:extLst>
               <a:ext uri="{FF2B5EF4-FFF2-40B4-BE49-F238E27FC236}">
-                <a16:creationId xmlns="" xmlns:a16="http://schemas.microsoft.com/office/drawing/2014/main" id="{11086A78-3E74-450C-96A6-CA8AC37AF772}"/>
+                <a16:creationId xmlns:a16="http://schemas.microsoft.com/office/drawing/2014/main" xmlns="" id="{11086A78-3E74-450C-96A6-CA8AC37AF772}"/>
               </a:ext>
             </a:extLst>
           </p:cNvPr>
@@ -4860,7 +4856,7 @@
           <p:cNvPr id="3" name="Espaço Reservado para Imagem 2">
             <a:extLst>
               <a:ext uri="{FF2B5EF4-FFF2-40B4-BE49-F238E27FC236}">
-                <a16:creationId xmlns="" xmlns:a16="http://schemas.microsoft.com/office/drawing/2014/main" id="{5F5B7312-975A-4DBC-9B2F-3652ADA006FD}"/>
+                <a16:creationId xmlns:a16="http://schemas.microsoft.com/office/drawing/2014/main" xmlns="" id="{5F5B7312-975A-4DBC-9B2F-3652ADA006FD}"/>
               </a:ext>
             </a:extLst>
           </p:cNvPr>
@@ -4927,7 +4923,7 @@
           <p:cNvPr id="4" name="Espaço Reservado para Texto 3">
             <a:extLst>
               <a:ext uri="{FF2B5EF4-FFF2-40B4-BE49-F238E27FC236}">
-                <a16:creationId xmlns="" xmlns:a16="http://schemas.microsoft.com/office/drawing/2014/main" id="{AAF805F5-1DFF-41C6-944C-7D79FE0D0963}"/>
+                <a16:creationId xmlns:a16="http://schemas.microsoft.com/office/drawing/2014/main" xmlns="" id="{AAF805F5-1DFF-41C6-944C-7D79FE0D0963}"/>
               </a:ext>
             </a:extLst>
           </p:cNvPr>
@@ -4998,7 +4994,7 @@
           <p:cNvPr id="5" name="Espaço Reservado para Data 4">
             <a:extLst>
               <a:ext uri="{FF2B5EF4-FFF2-40B4-BE49-F238E27FC236}">
-                <a16:creationId xmlns="" xmlns:a16="http://schemas.microsoft.com/office/drawing/2014/main" id="{02113D81-8665-4516-BD81-C6A1F254EECD}"/>
+                <a16:creationId xmlns:a16="http://schemas.microsoft.com/office/drawing/2014/main" xmlns="" id="{02113D81-8665-4516-BD81-C6A1F254EECD}"/>
               </a:ext>
             </a:extLst>
           </p:cNvPr>
@@ -5016,7 +5012,7 @@
           <a:p>
             <a:fld id="{63289F7E-B80B-496E-81B4-D396C37C9454}" type="datetimeFigureOut">
               <a:rPr lang="pt-BR" smtClean="0"/>
-              <a:t>03/09/2021</a:t>
+              <a:t>10/09/2021</a:t>
             </a:fld>
             <a:endParaRPr lang="pt-BR"/>
           </a:p>
@@ -5027,7 +5023,7 @@
           <p:cNvPr id="6" name="Espaço Reservado para Rodapé 5">
             <a:extLst>
               <a:ext uri="{FF2B5EF4-FFF2-40B4-BE49-F238E27FC236}">
-                <a16:creationId xmlns="" xmlns:a16="http://schemas.microsoft.com/office/drawing/2014/main" id="{2B00C88B-FF32-40AA-A187-727D96FD7862}"/>
+                <a16:creationId xmlns:a16="http://schemas.microsoft.com/office/drawing/2014/main" xmlns="" id="{2B00C88B-FF32-40AA-A187-727D96FD7862}"/>
               </a:ext>
             </a:extLst>
           </p:cNvPr>
@@ -5052,7 +5048,7 @@
           <p:cNvPr id="7" name="Espaço Reservado para Número de Slide 6">
             <a:extLst>
               <a:ext uri="{FF2B5EF4-FFF2-40B4-BE49-F238E27FC236}">
-                <a16:creationId xmlns="" xmlns:a16="http://schemas.microsoft.com/office/drawing/2014/main" id="{A04D1A2D-69F7-4B8F-A730-BC26DC340BA6}"/>
+                <a16:creationId xmlns:a16="http://schemas.microsoft.com/office/drawing/2014/main" xmlns="" id="{A04D1A2D-69F7-4B8F-A730-BC26DC340BA6}"/>
               </a:ext>
             </a:extLst>
           </p:cNvPr>
@@ -5116,7 +5112,7 @@
           <p:cNvPr id="2" name="Espaço Reservado para Título 1">
             <a:extLst>
               <a:ext uri="{FF2B5EF4-FFF2-40B4-BE49-F238E27FC236}">
-                <a16:creationId xmlns="" xmlns:a16="http://schemas.microsoft.com/office/drawing/2014/main" id="{E69A0273-1966-4A1B-9370-4C1CE5036371}"/>
+                <a16:creationId xmlns:a16="http://schemas.microsoft.com/office/drawing/2014/main" xmlns="" id="{E69A0273-1966-4A1B-9370-4C1CE5036371}"/>
               </a:ext>
             </a:extLst>
           </p:cNvPr>
@@ -5154,7 +5150,7 @@
           <p:cNvPr id="3" name="Espaço Reservado para Texto 2">
             <a:extLst>
               <a:ext uri="{FF2B5EF4-FFF2-40B4-BE49-F238E27FC236}">
-                <a16:creationId xmlns="" xmlns:a16="http://schemas.microsoft.com/office/drawing/2014/main" id="{3B9CF87A-0448-49A7-AB25-EBC1D56A40EF}"/>
+                <a16:creationId xmlns:a16="http://schemas.microsoft.com/office/drawing/2014/main" xmlns="" id="{3B9CF87A-0448-49A7-AB25-EBC1D56A40EF}"/>
               </a:ext>
             </a:extLst>
           </p:cNvPr>
@@ -5221,7 +5217,7 @@
           <p:cNvPr id="4" name="Espaço Reservado para Data 3">
             <a:extLst>
               <a:ext uri="{FF2B5EF4-FFF2-40B4-BE49-F238E27FC236}">
-                <a16:creationId xmlns="" xmlns:a16="http://schemas.microsoft.com/office/drawing/2014/main" id="{2EF7B1F2-BB5A-44D0-816D-16AD2C71430E}"/>
+                <a16:creationId xmlns:a16="http://schemas.microsoft.com/office/drawing/2014/main" xmlns="" id="{2EF7B1F2-BB5A-44D0-816D-16AD2C71430E}"/>
               </a:ext>
             </a:extLst>
           </p:cNvPr>
@@ -5257,7 +5253,7 @@
           <a:p>
             <a:fld id="{63289F7E-B80B-496E-81B4-D396C37C9454}" type="datetimeFigureOut">
               <a:rPr lang="pt-BR" smtClean="0"/>
-              <a:t>03/09/2021</a:t>
+              <a:t>10/09/2021</a:t>
             </a:fld>
             <a:endParaRPr lang="pt-BR"/>
           </a:p>
@@ -5268,7 +5264,7 @@
           <p:cNvPr id="5" name="Espaço Reservado para Rodapé 4">
             <a:extLst>
               <a:ext uri="{FF2B5EF4-FFF2-40B4-BE49-F238E27FC236}">
-                <a16:creationId xmlns="" xmlns:a16="http://schemas.microsoft.com/office/drawing/2014/main" id="{C703F94C-2CC8-4DAA-BC35-14FC3E841DCD}"/>
+                <a16:creationId xmlns:a16="http://schemas.microsoft.com/office/drawing/2014/main" xmlns="" id="{C703F94C-2CC8-4DAA-BC35-14FC3E841DCD}"/>
               </a:ext>
             </a:extLst>
           </p:cNvPr>
@@ -5311,7 +5307,7 @@
           <p:cNvPr id="6" name="Espaço Reservado para Número de Slide 5">
             <a:extLst>
               <a:ext uri="{FF2B5EF4-FFF2-40B4-BE49-F238E27FC236}">
-                <a16:creationId xmlns="" xmlns:a16="http://schemas.microsoft.com/office/drawing/2014/main" id="{64051336-7048-457A-8B61-D94291D71648}"/>
+                <a16:creationId xmlns:a16="http://schemas.microsoft.com/office/drawing/2014/main" xmlns="" id="{64051336-7048-457A-8B61-D94291D71648}"/>
               </a:ext>
             </a:extLst>
           </p:cNvPr>
@@ -5679,7 +5675,7 @@
           <p:cNvPr id="2" name="Título 1">
             <a:extLst>
               <a:ext uri="{FF2B5EF4-FFF2-40B4-BE49-F238E27FC236}">
-                <a16:creationId xmlns="" xmlns:a16="http://schemas.microsoft.com/office/drawing/2014/main" id="{32666AC8-2E17-4DB4-B0F5-60C640CCFD2E}"/>
+                <a16:creationId xmlns:a16="http://schemas.microsoft.com/office/drawing/2014/main" xmlns="" id="{32666AC8-2E17-4DB4-B0F5-60C640CCFD2E}"/>
               </a:ext>
             </a:extLst>
           </p:cNvPr>
@@ -5726,7 +5722,7 @@
           <p:cNvPr id="4" name="CaixaDeTexto 3">
             <a:extLst>
               <a:ext uri="{FF2B5EF4-FFF2-40B4-BE49-F238E27FC236}">
-                <a16:creationId xmlns="" xmlns:a16="http://schemas.microsoft.com/office/drawing/2014/main" id="{430EB894-B7D4-434C-9D1A-A14094D9BEEC}"/>
+                <a16:creationId xmlns:a16="http://schemas.microsoft.com/office/drawing/2014/main" xmlns="" id="{430EB894-B7D4-434C-9D1A-A14094D9BEEC}"/>
               </a:ext>
             </a:extLst>
           </p:cNvPr>
@@ -5767,7 +5763,7 @@
           <p:cNvPr id="1026" name="Picture 2" descr="Logo">
             <a:extLst>
               <a:ext uri="{FF2B5EF4-FFF2-40B4-BE49-F238E27FC236}">
-                <a16:creationId xmlns="" xmlns:a16="http://schemas.microsoft.com/office/drawing/2014/main" id="{3F2642E0-4F6A-4196-8F58-E77D36E9A33F}"/>
+                <a16:creationId xmlns:a16="http://schemas.microsoft.com/office/drawing/2014/main" xmlns="" id="{3F2642E0-4F6A-4196-8F58-E77D36E9A33F}"/>
               </a:ext>
             </a:extLst>
           </p:cNvPr>
@@ -5812,7 +5808,7 @@
           <p:cNvPr id="5122" name="Picture 2" descr="Image result for machine learning">
             <a:extLst>
               <a:ext uri="{FF2B5EF4-FFF2-40B4-BE49-F238E27FC236}">
-                <a16:creationId xmlns="" xmlns:a16="http://schemas.microsoft.com/office/drawing/2014/main" id="{810CE0A2-4102-44A6-A370-175E7896CDCB}"/>
+                <a16:creationId xmlns:a16="http://schemas.microsoft.com/office/drawing/2014/main" xmlns="" id="{810CE0A2-4102-44A6-A370-175E7896CDCB}"/>
               </a:ext>
             </a:extLst>
           </p:cNvPr>
@@ -5916,9 +5912,16 @@
                 <p:ph idx="1"/>
               </p:nvPr>
             </p:nvSpPr>
-            <p:spPr/>
+            <p:spPr>
+              <a:xfrm>
+                <a:off x="838200" y="1825624"/>
+                <a:ext cx="10515600" cy="4786191"/>
+              </a:xfrm>
+            </p:spPr>
             <p:txBody>
-              <a:bodyPr/>
+              <a:bodyPr>
+                <a:normAutofit/>
+              </a:bodyPr>
               <a:lstStyle/>
               <a:p>
                 <a:r>
@@ -5963,8 +5966,13 @@
                 </a:r>
                 <a:r>
                   <a:rPr lang="pt-BR" dirty="0"/>
-                  <a:t> do classificador.</a:t>
-                </a:r>
+                  <a:t> do </a:t>
+                </a:r>
+                <a:r>
+                  <a:rPr lang="pt-BR" dirty="0" smtClean="0"/>
+                  <a:t>classificador softmax.</a:t>
+                </a:r>
+                <a:endParaRPr lang="pt-BR" dirty="0"/>
               </a:p>
               <a:p>
                 <a:r>
@@ -6435,7 +6443,15 @@
                 </a14:m>
                 <a:r>
                   <a:rPr lang="pt-BR" dirty="0"/>
-                  <a:t> contém os vetores de </a:t>
+                  <a:t> contém </a:t>
+                </a:r>
+                <a:r>
+                  <a:rPr lang="pt-BR" dirty="0" smtClean="0"/>
+                  <a:t>em suas colunas os </a:t>
+                </a:r>
+                <a:r>
+                  <a:rPr lang="pt-BR" dirty="0"/>
+                  <a:t>vetores de </a:t>
                 </a:r>
                 <a:r>
                   <a:rPr lang="pt-BR" dirty="0" smtClean="0"/>
@@ -6476,8 +6492,21 @@
                 </a:r>
                 <a:r>
                   <a:rPr lang="pt-BR" dirty="0"/>
-                  <a:t>de cada classe.</a:t>
-                </a:r>
+                  <a:t>de </a:t>
+                </a:r>
+                <a:r>
+                  <a:rPr lang="pt-BR" dirty="0" smtClean="0"/>
+                  <a:t>cada umas a </a:t>
+                </a:r>
+                <a:r>
+                  <a:rPr lang="pt-BR" b="1" i="1" dirty="0" smtClean="0"/>
+                  <a:t>Q</a:t>
+                </a:r>
+                <a:r>
+                  <a:rPr lang="pt-BR" dirty="0" smtClean="0"/>
+                  <a:t> classes.</a:t>
+                </a:r>
+                <a:endParaRPr lang="pt-BR" dirty="0"/>
               </a:p>
             </p:txBody>
           </p:sp>
@@ -6494,10 +6523,14 @@
               </p:nvPr>
             </p:nvSpPr>
             <p:spPr>
+              <a:xfrm>
+                <a:off x="838200" y="1825624"/>
+                <a:ext cx="10515600" cy="4786191"/>
+              </a:xfrm>
               <a:blipFill rotWithShape="0">
                 <a:blip r:embed="rId3"/>
                 <a:stretch>
-                  <a:fillRect l="-1217" t="-2241" b="-1961"/>
+                  <a:fillRect l="-1217" t="-2036" r="-58" b="-891"/>
                 </a:stretch>
               </a:blipFill>
             </p:spPr>
@@ -7668,19 +7701,7 @@
                           <a:rPr lang="pt-BR" b="1" i="1" smtClean="0">
                             <a:latin typeface="Cambria Math" panose="02040503050406030204" pitchFamily="18" charset="0"/>
                           </a:rPr>
-                          <m:t>           </m:t>
-                        </m:r>
-                        <m:r>
-                          <a:rPr lang="pt-BR" b="1" i="1" smtClean="0">
-                            <a:latin typeface="Cambria Math" panose="02040503050406030204" pitchFamily="18" charset="0"/>
-                          </a:rPr>
-                          <m:t>  </m:t>
-                        </m:r>
-                        <m:r>
-                          <a:rPr lang="pt-BR" b="1" i="1" smtClean="0">
-                            <a:latin typeface="Cambria Math" panose="02040503050406030204" pitchFamily="18" charset="0"/>
-                          </a:rPr>
-                          <m:t>=</m:t>
+                          <m:t>             =</m:t>
                         </m:r>
                         <m:d>
                           <m:dPr>
@@ -7988,7 +8009,7 @@
               <a:p>
                 <a:r>
                   <a:rPr lang="pt-BR" dirty="0" smtClean="0"/>
-                  <a:t>Quando </a:t>
+                  <a:t>Notem que quando </a:t>
                 </a:r>
                 <a:r>
                   <a:rPr lang="pt-BR" dirty="0"/>
@@ -8133,8 +8154,8 @@
           </a:p>
         </p:txBody>
       </p:sp>
-      <mc:AlternateContent xmlns:mc="http://schemas.openxmlformats.org/markup-compatibility/2006">
-        <mc:Choice xmlns:a14="http://schemas.microsoft.com/office/drawing/2010/main" Requires="a14">
+      <mc:AlternateContent xmlns:mc="http://schemas.openxmlformats.org/markup-compatibility/2006" xmlns:a14="http://schemas.microsoft.com/office/drawing/2010/main">
+        <mc:Choice Requires="a14">
           <p:sp>
             <p:nvSpPr>
               <p:cNvPr id="3" name="Content Placeholder 2"/>
@@ -8541,15 +8562,7 @@
                 </a14:m>
                 <a:r>
                   <a:rPr lang="pt-BR" dirty="0"/>
-                  <a:t>, tem uma expressão </a:t>
-                </a:r>
-                <a:r>
-                  <a:rPr lang="pt-BR" dirty="0"/>
-                  <a:t>idêntica àquela </a:t>
-                </a:r>
-                <a:r>
-                  <a:rPr lang="pt-BR" dirty="0"/>
-                  <a:t>obtida para a </a:t>
+                  <a:t>, tem uma expressão idêntica àquela obtida para a </a:t>
                 </a:r>
                 <a:r>
                   <a:rPr lang="pt-BR" b="1" i="1" dirty="0"/>
@@ -9022,7 +9035,7 @@
             </p:txBody>
           </p:sp>
         </mc:Choice>
-        <mc:Fallback>
+        <mc:Fallback xmlns="">
           <p:sp>
             <p:nvSpPr>
               <p:cNvPr id="3" name="Content Placeholder 2"/>
@@ -9060,6 +9073,197 @@
           </p:sp>
         </mc:Fallback>
       </mc:AlternateContent>
+      <p:sp>
+        <p:nvSpPr>
+          <p:cNvPr id="4" name="TextBox 3"/>
+          <p:cNvSpPr txBox="1"/>
+          <p:nvPr/>
+        </p:nvSpPr>
+        <p:spPr>
+          <a:xfrm>
+            <a:off x="11243604" y="5261439"/>
+            <a:ext cx="838200" cy="523220"/>
+          </a:xfrm>
+          <a:prstGeom prst="rect">
+            <a:avLst/>
+          </a:prstGeom>
+          <a:noFill/>
+        </p:spPr>
+        <p:txBody>
+          <a:bodyPr wrap="square" rtlCol="0">
+            <a:spAutoFit/>
+          </a:bodyPr>
+          <a:lstStyle/>
+          <a:p>
+            <a:pPr algn="ctr"/>
+            <a:r>
+              <a:rPr lang="pt-BR" sz="1400" dirty="0" smtClean="0"/>
+              <a:t>Forma matricial</a:t>
+            </a:r>
+            <a:endParaRPr lang="pt-BR" sz="1400" dirty="0"/>
+          </a:p>
+        </p:txBody>
+      </p:sp>
+      <p:cxnSp>
+        <p:nvCxnSpPr>
+          <p:cNvPr id="6" name="Straight Arrow Connector 5"/>
+          <p:cNvCxnSpPr>
+            <a:stCxn id="4" idx="1"/>
+          </p:cNvCxnSpPr>
+          <p:nvPr/>
+        </p:nvCxnSpPr>
+        <p:spPr>
+          <a:xfrm flipH="1">
+            <a:off x="10818055" y="5523049"/>
+            <a:ext cx="425549" cy="188434"/>
+          </a:xfrm>
+          <a:prstGeom prst="straightConnector1">
+            <a:avLst/>
+          </a:prstGeom>
+          <a:ln>
+            <a:solidFill>
+              <a:srgbClr val="FF0000"/>
+            </a:solidFill>
+            <a:tailEnd type="triangle"/>
+          </a:ln>
+        </p:spPr>
+        <p:style>
+          <a:lnRef idx="1">
+            <a:schemeClr val="accent1"/>
+          </a:lnRef>
+          <a:fillRef idx="0">
+            <a:schemeClr val="accent1"/>
+          </a:fillRef>
+          <a:effectRef idx="0">
+            <a:schemeClr val="accent1"/>
+          </a:effectRef>
+          <a:fontRef idx="minor">
+            <a:schemeClr val="tx1"/>
+          </a:fontRef>
+        </p:style>
+      </p:cxnSp>
+      <mc:AlternateContent xmlns:mc="http://schemas.openxmlformats.org/markup-compatibility/2006">
+        <mc:Choice xmlns:a14="http://schemas.microsoft.com/office/drawing/2010/main" Requires="a14">
+          <p:sp>
+            <p:nvSpPr>
+              <p:cNvPr id="9" name="TextBox 8"/>
+              <p:cNvSpPr txBox="1"/>
+              <p:nvPr/>
+            </p:nvSpPr>
+            <p:spPr>
+              <a:xfrm>
+                <a:off x="7836879" y="6234947"/>
+                <a:ext cx="3840480" cy="523220"/>
+              </a:xfrm>
+              <a:prstGeom prst="rect">
+                <a:avLst/>
+              </a:prstGeom>
+              <a:noFill/>
+            </p:spPr>
+            <p:txBody>
+              <a:bodyPr wrap="square" rtlCol="0">
+                <a:spAutoFit/>
+              </a:bodyPr>
+              <a:lstStyle/>
+              <a:p>
+                <a:r>
+                  <a:rPr lang="pt-BR" sz="1400" dirty="0" smtClean="0"/>
+                  <a:t>Para outros formatos de função discriminante, alteramos apenas a matriz </a:t>
+                </a:r>
+                <a14:m>
+                  <m:oMath xmlns:m="http://schemas.openxmlformats.org/officeDocument/2006/math">
+                    <m:r>
+                      <a:rPr lang="pt-BR" sz="1400" b="1" i="1">
+                        <a:latin typeface="Cambria Math" panose="02040503050406030204" pitchFamily="18" charset="0"/>
+                      </a:rPr>
+                      <m:t>𝑿</m:t>
+                    </m:r>
+                  </m:oMath>
+                </a14:m>
+                <a:r>
+                  <a:rPr lang="pt-BR" sz="1400" dirty="0" smtClean="0"/>
+                  <a:t>.</a:t>
+                </a:r>
+                <a:endParaRPr lang="pt-BR" sz="1400" dirty="0"/>
+              </a:p>
+            </p:txBody>
+          </p:sp>
+        </mc:Choice>
+        <mc:Fallback>
+          <p:sp>
+            <p:nvSpPr>
+              <p:cNvPr id="9" name="TextBox 8"/>
+              <p:cNvSpPr txBox="1">
+                <a:spLocks noRot="1" noChangeAspect="1" noMove="1" noResize="1" noEditPoints="1" noAdjustHandles="1" noChangeArrowheads="1" noChangeShapeType="1" noTextEdit="1"/>
+              </p:cNvSpPr>
+              <p:nvPr/>
+            </p:nvSpPr>
+            <p:spPr>
+              <a:xfrm>
+                <a:off x="7836879" y="6234947"/>
+                <a:ext cx="3840480" cy="523220"/>
+              </a:xfrm>
+              <a:prstGeom prst="rect">
+                <a:avLst/>
+              </a:prstGeom>
+              <a:blipFill rotWithShape="0">
+                <a:blip r:embed="rId4"/>
+                <a:stretch>
+                  <a:fillRect l="-476" t="-2326" b="-10465"/>
+                </a:stretch>
+              </a:blipFill>
+            </p:spPr>
+            <p:txBody>
+              <a:bodyPr/>
+              <a:lstStyle/>
+              <a:p>
+                <a:r>
+                  <a:rPr lang="pt-BR">
+                    <a:noFill/>
+                  </a:rPr>
+                  <a:t> </a:t>
+                </a:r>
+              </a:p>
+            </p:txBody>
+          </p:sp>
+        </mc:Fallback>
+      </mc:AlternateContent>
+      <p:cxnSp>
+        <p:nvCxnSpPr>
+          <p:cNvPr id="12" name="Straight Arrow Connector 11"/>
+          <p:cNvCxnSpPr/>
+          <p:nvPr/>
+        </p:nvCxnSpPr>
+        <p:spPr>
+          <a:xfrm flipV="1">
+            <a:off x="9312812" y="5857835"/>
+            <a:ext cx="0" cy="472686"/>
+          </a:xfrm>
+          <a:prstGeom prst="straightConnector1">
+            <a:avLst/>
+          </a:prstGeom>
+          <a:ln>
+            <a:solidFill>
+              <a:srgbClr val="FF0000"/>
+            </a:solidFill>
+            <a:tailEnd type="triangle"/>
+          </a:ln>
+        </p:spPr>
+        <p:style>
+          <a:lnRef idx="1">
+            <a:schemeClr val="accent1"/>
+          </a:lnRef>
+          <a:fillRef idx="0">
+            <a:schemeClr val="accent1"/>
+          </a:fillRef>
+          <a:effectRef idx="0">
+            <a:schemeClr val="accent1"/>
+          </a:effectRef>
+          <a:fontRef idx="minor">
+            <a:schemeClr val="tx1"/>
+          </a:fontRef>
+        </p:style>
+      </p:cxnSp>
     </p:spTree>
     <p:extLst>
       <p:ext uri="{BB962C8B-B14F-4D97-AF65-F5344CB8AC3E}">
@@ -9132,7 +9336,7 @@
             </p:spPr>
             <p:txBody>
               <a:bodyPr>
-                <a:normAutofit fontScale="92500" lnSpcReduction="10000"/>
+                <a:normAutofit lnSpcReduction="10000"/>
               </a:bodyPr>
               <a:lstStyle/>
               <a:p>
@@ -9162,17 +9366,21 @@
                 </a:r>
                 <a:r>
                   <a:rPr lang="pt-BR" dirty="0"/>
-                  <a:t>adotada</a:t>
-                </a:r>
-                <a:r>
-                  <a:rPr lang="pt-BR" dirty="0"/>
-                  <a:t>.</a:t>
+                  <a:t>adotada.</a:t>
                 </a:r>
               </a:p>
               <a:p>
                 <a:r>
                   <a:rPr lang="pt-BR" dirty="0"/>
-                  <a:t>Entretato, como vimos antes, esta dependência afeta apenas a matriz de atributos, </a:t>
+                  <a:t>Entretato, como vimos antes, esta dependência afeta apenas a </a:t>
+                </a:r>
+                <a:r>
+                  <a:rPr lang="pt-BR" b="1" i="1" dirty="0"/>
+                  <a:t>matriz de atributos</a:t>
+                </a:r>
+                <a:r>
+                  <a:rPr lang="pt-BR" dirty="0"/>
+                  <a:t>, </a:t>
                 </a:r>
                 <a14:m>
                   <m:oMath xmlns:m="http://schemas.openxmlformats.org/officeDocument/2006/math">
@@ -9472,11 +9680,7 @@
                 </a:r>
                 <a:r>
                   <a:rPr lang="pt-BR" dirty="0"/>
-                  <a:t>de todas as classes </a:t>
-                </a:r>
-                <a:r>
-                  <a:rPr lang="pt-BR" dirty="0"/>
-                  <a:t>é</a:t>
+                  <a:t>de todas as classes é</a:t>
                 </a:r>
                 <a:r>
                   <a:rPr lang="pt-BR" dirty="0" smtClean="0"/>
@@ -9784,13 +9988,7 @@
                                     <a:rPr lang="pt-BR" b="1" i="1">
                                       <a:latin typeface="Cambria Math" panose="02040503050406030204" pitchFamily="18" charset="0"/>
                                     </a:rPr>
-                                    <m:t>⋯</m:t>
-                                  </m:r>
-                                  <m:r>
-                                    <a:rPr lang="pt-BR" b="1" i="1">
-                                      <a:latin typeface="Cambria Math" panose="02040503050406030204" pitchFamily="18" charset="0"/>
-                                    </a:rPr>
-                                    <m:t>,</m:t>
+                                    <m:t>⋯,</m:t>
                                   </m:r>
                                 </m:e>
                                 <m:e>
@@ -9938,19 +10136,7 @@
                   <a:t>função probabilidade de massa </a:t>
                 </a:r>
                 <a:r>
-                  <a:rPr lang="pt-BR" dirty="0"/>
-                  <a:t>(PMF, do inglês </a:t>
-                </a:r>
-                <a:r>
-                  <a:rPr lang="pt-BR" b="1" i="1" dirty="0"/>
-                  <a:t>probability mass function</a:t>
-                </a:r>
-                <a:r>
-                  <a:rPr lang="pt-BR" dirty="0"/>
-                  <a:t>) </a:t>
-                </a:r>
-                <a:r>
-                  <a:rPr lang="pt-BR" b="1" i="1" dirty="0"/>
+                  <a:rPr lang="pt-BR" b="1" i="1" dirty="0" smtClean="0"/>
                   <a:t>multinomial</a:t>
                 </a:r>
                 <a:r>
@@ -9981,7 +10167,7 @@
               <a:blipFill rotWithShape="0">
                 <a:blip r:embed="rId3"/>
                 <a:stretch>
-                  <a:fillRect l="-951" t="-2670"/>
+                  <a:fillRect l="-1119" t="-2937" r="-1902" b="-801"/>
                 </a:stretch>
               </a:blipFill>
             </p:spPr>
@@ -10087,8 +10273,8 @@
           </a:prstGeom>
         </p:spPr>
       </p:pic>
-      <mc:AlternateContent xmlns:mc="http://schemas.openxmlformats.org/markup-compatibility/2006">
-        <mc:Choice xmlns:a14="http://schemas.microsoft.com/office/drawing/2010/main" Requires="a14">
+      <mc:AlternateContent xmlns:mc="http://schemas.openxmlformats.org/markup-compatibility/2006" xmlns:a14="http://schemas.microsoft.com/office/drawing/2010/main">
+        <mc:Choice Requires="a14">
           <p:sp>
             <p:nvSpPr>
               <p:cNvPr id="8" name="Content Placeholder 2"/>
@@ -10166,11 +10352,7 @@
                 </a14:m>
                 <a:r>
                   <a:rPr lang="pt-BR" dirty="0" smtClean="0"/>
-                  <a:t>, </a:t>
-                </a:r>
-                <a:r>
-                  <a:rPr lang="pt-BR" dirty="0" smtClean="0"/>
-                  <a:t>com a maior probabilidade estimada, que é simplesmente a classe com maior valor para </a:t>
+                  <a:t>, com a maior probabilidade estimada, que é simplesmente a classe com maior valor para </a:t>
                 </a:r>
                 <a14:m>
                   <m:oMath xmlns:m="http://schemas.openxmlformats.org/officeDocument/2006/math">
@@ -10792,11 +10974,7 @@
               <a:p>
                 <a:r>
                   <a:rPr lang="pt-BR" dirty="0" smtClean="0"/>
-                  <a:t>A </a:t>
-                </a:r>
-                <a:r>
-                  <a:rPr lang="pt-BR" dirty="0" smtClean="0"/>
-                  <a:t>arquitetura de um </a:t>
+                  <a:t>A arquitetura de um </a:t>
                 </a:r>
                 <a:r>
                   <a:rPr lang="pt-BR" b="1" i="1" dirty="0" smtClean="0"/>
@@ -10890,18 +11068,14 @@
                 </a14:m>
                 <a:r>
                   <a:rPr lang="pt-BR" dirty="0" smtClean="0"/>
-                  <a:t>) é </a:t>
-                </a:r>
-                <a:r>
-                  <a:rPr lang="pt-BR" dirty="0" smtClean="0"/>
-                  <a:t>mostrada abaixo.</a:t>
+                  <a:t>) é mostrada abaixo.</a:t>
                 </a:r>
                 <a:endParaRPr lang="pt-BR" dirty="0"/>
               </a:p>
             </p:txBody>
           </p:sp>
         </mc:Choice>
-        <mc:Fallback>
+        <mc:Fallback xmlns="">
           <p:sp>
             <p:nvSpPr>
               <p:cNvPr id="8" name="Content Placeholder 2"/>
@@ -11038,7 +11212,11 @@
                 </a:r>
                 <a:r>
                   <a:rPr lang="pt-BR" dirty="0" smtClean="0"/>
-                  <a:t>regressor Softmax </a:t>
+                  <a:t>regressor </a:t>
+                </a:r>
+                <a:r>
+                  <a:rPr lang="pt-BR" dirty="0" smtClean="0"/>
+                  <a:t>softmax </a:t>
                 </a:r>
                 <a:r>
                   <a:rPr lang="pt-BR" dirty="0"/>
@@ -11164,11 +11342,7 @@
                 </a14:m>
                 <a:r>
                   <a:rPr lang="pt-BR" dirty="0" smtClean="0"/>
-                  <a:t>, </a:t>
-                </a:r>
-                <a:r>
-                  <a:rPr lang="pt-BR" dirty="0" smtClean="0"/>
-                  <a:t>para </a:t>
+                  <a:t>, para </a:t>
                 </a:r>
                 <a:r>
                   <a:rPr lang="pt-BR" dirty="0"/>
@@ -11194,11 +11368,7 @@
                 </a:r>
                 <a:r>
                   <a:rPr lang="pt-BR" dirty="0" smtClean="0"/>
-                  <a:t>às </a:t>
-                </a:r>
-                <a:r>
-                  <a:rPr lang="pt-BR" dirty="0" smtClean="0"/>
-                  <a:t>“</a:t>
+                  <a:t>às “</a:t>
                 </a:r>
                 <a:r>
                   <a:rPr lang="pt-BR" b="1" i="1" dirty="0" smtClean="0"/>
@@ -11488,7 +11658,7 @@
           <p:cNvPr id="4" name="Título 1">
             <a:extLst>
               <a:ext uri="{FF2B5EF4-FFF2-40B4-BE49-F238E27FC236}">
-                <a16:creationId xmlns="" xmlns:a16="http://schemas.microsoft.com/office/drawing/2014/main" id="{32666AC8-2E17-4DB4-B0F5-60C640CCFD2E}"/>
+                <a16:creationId xmlns:a16="http://schemas.microsoft.com/office/drawing/2014/main" xmlns="" id="{32666AC8-2E17-4DB4-B0F5-60C640CCFD2E}"/>
               </a:ext>
             </a:extLst>
           </p:cNvPr>
@@ -12129,8 +12299,8 @@
           </a:p>
         </p:txBody>
       </p:sp>
-      <mc:AlternateContent xmlns:mc="http://schemas.openxmlformats.org/markup-compatibility/2006">
-        <mc:Choice xmlns:a14="http://schemas.microsoft.com/office/drawing/2010/main" Requires="a14">
+      <mc:AlternateContent xmlns:mc="http://schemas.openxmlformats.org/markup-compatibility/2006" xmlns:a14="http://schemas.microsoft.com/office/drawing/2010/main">
+        <mc:Choice Requires="a14">
           <p:sp>
             <p:nvSpPr>
               <p:cNvPr id="3" name="Content Placeholder 2"/>
@@ -12835,7 +13005,7 @@
             </p:txBody>
           </p:sp>
         </mc:Choice>
-        <mc:Fallback>
+        <mc:Fallback xmlns="">
           <p:sp>
             <p:nvSpPr>
               <p:cNvPr id="3" name="Content Placeholder 2"/>
@@ -13014,8 +13184,8 @@
           </a:p>
         </p:txBody>
       </p:sp>
-      <mc:AlternateContent xmlns:mc="http://schemas.openxmlformats.org/markup-compatibility/2006">
-        <mc:Choice xmlns:a14="http://schemas.microsoft.com/office/drawing/2010/main" Requires="a14">
+      <mc:AlternateContent xmlns:mc="http://schemas.openxmlformats.org/markup-compatibility/2006" xmlns:a14="http://schemas.microsoft.com/office/drawing/2010/main">
+        <mc:Choice Requires="a14">
           <p:sp>
             <p:nvSpPr>
               <p:cNvPr id="3" name="Content Placeholder 2"/>
@@ -13668,7 +13838,7 @@
             </p:txBody>
           </p:sp>
         </mc:Choice>
-        <mc:Fallback>
+        <mc:Fallback xmlns="">
           <p:sp>
             <p:nvSpPr>
               <p:cNvPr id="3" name="Content Placeholder 2"/>
@@ -13827,8 +13997,8 @@
           </a:p>
         </p:txBody>
       </p:sp>
-      <mc:AlternateContent xmlns:mc="http://schemas.openxmlformats.org/markup-compatibility/2006">
-        <mc:Choice xmlns:a14="http://schemas.microsoft.com/office/drawing/2010/main" Requires="a14">
+      <mc:AlternateContent xmlns:mc="http://schemas.openxmlformats.org/markup-compatibility/2006" xmlns:a14="http://schemas.microsoft.com/office/drawing/2010/main">
+        <mc:Choice Requires="a14">
           <p:sp>
             <p:nvSpPr>
               <p:cNvPr id="5" name="Rectangle 4"/>
@@ -13916,7 +14086,7 @@
             </p:txBody>
           </p:sp>
         </mc:Choice>
-        <mc:Fallback>
+        <mc:Fallback xmlns="">
           <p:sp>
             <p:nvSpPr>
               <p:cNvPr id="5" name="Rectangle 4"/>
@@ -14050,7 +14220,15 @@
             </a:r>
             <a:r>
               <a:rPr lang="pt-BR" dirty="0"/>
-              <a:t>ideia é ter um </a:t>
+              <a:t>ideia é </a:t>
+            </a:r>
+            <a:r>
+              <a:rPr lang="pt-BR" dirty="0" smtClean="0"/>
+              <a:t>treinar </a:t>
+            </a:r>
+            <a:r>
+              <a:rPr lang="pt-BR" dirty="0"/>
+              <a:t>um </a:t>
             </a:r>
             <a:r>
               <a:rPr lang="pt-BR" b="1" i="1" dirty="0" smtClean="0"/>
@@ -14280,15 +14458,11 @@
                   <a:t>Isto é feito a partir de uma generalização da </a:t>
                 </a:r>
                 <a:r>
-                  <a:rPr lang="pt-BR" b="1" i="1" dirty="0"/>
-                  <a:t>regressão </a:t>
-                </a:r>
-                <a:r>
                   <a:rPr lang="pt-BR" b="1" i="1" dirty="0" smtClean="0"/>
-                  <a:t>logística</a:t>
-                </a:r>
-                <a:r>
-                  <a:rPr lang="pt-BR" dirty="0"/>
+                  <a:t>função logística</a:t>
+                </a:r>
+                <a:r>
+                  <a:rPr lang="pt-BR" dirty="0" smtClean="0"/>
                   <a:t> </a:t>
                 </a:r>
                 <a:r>
@@ -15911,7 +16085,19 @@
                 </a:r>
                 <a:r>
                   <a:rPr lang="pt-BR" dirty="0" smtClean="0"/>
-                  <a:t>probabilidades, no intervalo [0, 1], a </a:t>
+                  <a:t>probabilidades (i.e., valores no </a:t>
+                </a:r>
+                <a:r>
+                  <a:rPr lang="pt-BR" dirty="0" smtClean="0"/>
+                  <a:t>intervalo [0, 1</a:t>
+                </a:r>
+                <a:r>
+                  <a:rPr lang="pt-BR" dirty="0" smtClean="0"/>
+                  <a:t>]) </a:t>
+                </a:r>
+                <a:r>
+                  <a:rPr lang="pt-BR" dirty="0" smtClean="0"/>
+                  <a:t>a </a:t>
                 </a:r>
                 <a:r>
                   <a:rPr lang="pt-BR" dirty="0"/>
@@ -15972,11 +16158,7 @@
                 </a:r>
                 <a:r>
                   <a:rPr lang="pt-BR" dirty="0" smtClean="0"/>
-                  <a:t>) que </a:t>
-                </a:r>
-                <a:r>
-                  <a:rPr lang="pt-BR" dirty="0" smtClean="0"/>
-                  <a:t>atribua uma </a:t>
+                  <a:t>) que atribua uma </a:t>
                 </a:r>
                 <a:r>
                   <a:rPr lang="pt-BR" dirty="0"/>

--- a/slides/T320_Classificação (Parte IV).pptx
+++ b/slides/T320_Classificação (Parte IV).pptx
@@ -290,7 +290,7 @@
           <a:p>
             <a:fld id="{144F1436-6906-4D93-B7A2-786C327BFA14}" type="datetimeFigureOut">
               <a:rPr lang="nl-BE" smtClean="0"/>
-              <a:t>10/09/2021</a:t>
+              <a:t>11/09/2021</a:t>
             </a:fld>
             <a:endParaRPr lang="nl-BE"/>
           </a:p>
@@ -455,7 +455,7 @@
           <a:p>
             <a:fld id="{AA8CD09E-2914-4F47-B6C1-51B2C31814C9}" type="datetimeFigureOut">
               <a:rPr lang="pt-BR" smtClean="0"/>
-              <a:t>10/09/2021</a:t>
+              <a:t>11/09/2021</a:t>
             </a:fld>
             <a:endParaRPr lang="pt-BR"/>
           </a:p>
@@ -2478,7 +2478,7 @@
           <p:cNvPr id="2" name="Título 1">
             <a:extLst>
               <a:ext uri="{FF2B5EF4-FFF2-40B4-BE49-F238E27FC236}">
-                <a16:creationId xmlns:a16="http://schemas.microsoft.com/office/drawing/2014/main" xmlns="" id="{1DB9B4FF-B06E-403C-A326-BDC64D8FF94E}"/>
+                <a16:creationId xmlns="" xmlns:a16="http://schemas.microsoft.com/office/drawing/2014/main" id="{1DB9B4FF-B06E-403C-A326-BDC64D8FF94E}"/>
               </a:ext>
             </a:extLst>
           </p:cNvPr>
@@ -2515,7 +2515,7 @@
           <p:cNvPr id="3" name="Subtítulo 2">
             <a:extLst>
               <a:ext uri="{FF2B5EF4-FFF2-40B4-BE49-F238E27FC236}">
-                <a16:creationId xmlns:a16="http://schemas.microsoft.com/office/drawing/2014/main" xmlns="" id="{247BDFCE-746E-45BF-A319-4733D58D1632}"/>
+                <a16:creationId xmlns="" xmlns:a16="http://schemas.microsoft.com/office/drawing/2014/main" id="{247BDFCE-746E-45BF-A319-4733D58D1632}"/>
               </a:ext>
             </a:extLst>
           </p:cNvPr>
@@ -2585,7 +2585,7 @@
           <p:cNvPr id="4" name="Espaço Reservado para Data 3">
             <a:extLst>
               <a:ext uri="{FF2B5EF4-FFF2-40B4-BE49-F238E27FC236}">
-                <a16:creationId xmlns:a16="http://schemas.microsoft.com/office/drawing/2014/main" xmlns="" id="{9EDE2778-5372-4104-B96D-968184DA8288}"/>
+                <a16:creationId xmlns="" xmlns:a16="http://schemas.microsoft.com/office/drawing/2014/main" id="{9EDE2778-5372-4104-B96D-968184DA8288}"/>
               </a:ext>
             </a:extLst>
           </p:cNvPr>
@@ -2603,7 +2603,7 @@
           <a:p>
             <a:fld id="{63289F7E-B80B-496E-81B4-D396C37C9454}" type="datetimeFigureOut">
               <a:rPr lang="pt-BR" smtClean="0"/>
-              <a:t>10/09/2021</a:t>
+              <a:t>11/09/2021</a:t>
             </a:fld>
             <a:endParaRPr lang="pt-BR"/>
           </a:p>
@@ -2614,7 +2614,7 @@
           <p:cNvPr id="5" name="Espaço Reservado para Rodapé 4">
             <a:extLst>
               <a:ext uri="{FF2B5EF4-FFF2-40B4-BE49-F238E27FC236}">
-                <a16:creationId xmlns:a16="http://schemas.microsoft.com/office/drawing/2014/main" xmlns="" id="{C1DD0F41-C861-4051-988D-3024A37A4B93}"/>
+                <a16:creationId xmlns="" xmlns:a16="http://schemas.microsoft.com/office/drawing/2014/main" id="{C1DD0F41-C861-4051-988D-3024A37A4B93}"/>
               </a:ext>
             </a:extLst>
           </p:cNvPr>
@@ -2639,7 +2639,7 @@
           <p:cNvPr id="6" name="Espaço Reservado para Número de Slide 5">
             <a:extLst>
               <a:ext uri="{FF2B5EF4-FFF2-40B4-BE49-F238E27FC236}">
-                <a16:creationId xmlns:a16="http://schemas.microsoft.com/office/drawing/2014/main" xmlns="" id="{07E5967E-D980-431A-A5DB-3F0C5030A81E}"/>
+                <a16:creationId xmlns="" xmlns:a16="http://schemas.microsoft.com/office/drawing/2014/main" id="{07E5967E-D980-431A-A5DB-3F0C5030A81E}"/>
               </a:ext>
             </a:extLst>
           </p:cNvPr>
@@ -2698,7 +2698,7 @@
           <p:cNvPr id="2" name="Título 1">
             <a:extLst>
               <a:ext uri="{FF2B5EF4-FFF2-40B4-BE49-F238E27FC236}">
-                <a16:creationId xmlns:a16="http://schemas.microsoft.com/office/drawing/2014/main" xmlns="" id="{9036C49F-3E68-4175-81BA-3C3FEE44308A}"/>
+                <a16:creationId xmlns="" xmlns:a16="http://schemas.microsoft.com/office/drawing/2014/main" id="{9036C49F-3E68-4175-81BA-3C3FEE44308A}"/>
               </a:ext>
             </a:extLst>
           </p:cNvPr>
@@ -2726,7 +2726,7 @@
           <p:cNvPr id="3" name="Espaço Reservado para Texto Vertical 2">
             <a:extLst>
               <a:ext uri="{FF2B5EF4-FFF2-40B4-BE49-F238E27FC236}">
-                <a16:creationId xmlns:a16="http://schemas.microsoft.com/office/drawing/2014/main" xmlns="" id="{426FA736-3DD3-4D4E-B57B-BBE1D8F7D424}"/>
+                <a16:creationId xmlns="" xmlns:a16="http://schemas.microsoft.com/office/drawing/2014/main" id="{426FA736-3DD3-4D4E-B57B-BBE1D8F7D424}"/>
               </a:ext>
             </a:extLst>
           </p:cNvPr>
@@ -2783,7 +2783,7 @@
           <p:cNvPr id="4" name="Espaço Reservado para Data 3">
             <a:extLst>
               <a:ext uri="{FF2B5EF4-FFF2-40B4-BE49-F238E27FC236}">
-                <a16:creationId xmlns:a16="http://schemas.microsoft.com/office/drawing/2014/main" xmlns="" id="{99E8855C-D8FD-48F6-B14E-861E0DE4D915}"/>
+                <a16:creationId xmlns="" xmlns:a16="http://schemas.microsoft.com/office/drawing/2014/main" id="{99E8855C-D8FD-48F6-B14E-861E0DE4D915}"/>
               </a:ext>
             </a:extLst>
           </p:cNvPr>
@@ -2801,7 +2801,7 @@
           <a:p>
             <a:fld id="{63289F7E-B80B-496E-81B4-D396C37C9454}" type="datetimeFigureOut">
               <a:rPr lang="pt-BR" smtClean="0"/>
-              <a:t>10/09/2021</a:t>
+              <a:t>11/09/2021</a:t>
             </a:fld>
             <a:endParaRPr lang="pt-BR"/>
           </a:p>
@@ -2812,7 +2812,7 @@
           <p:cNvPr id="5" name="Espaço Reservado para Rodapé 4">
             <a:extLst>
               <a:ext uri="{FF2B5EF4-FFF2-40B4-BE49-F238E27FC236}">
-                <a16:creationId xmlns:a16="http://schemas.microsoft.com/office/drawing/2014/main" xmlns="" id="{97C0BB88-2F21-42A5-ACFF-83DA47F2D340}"/>
+                <a16:creationId xmlns="" xmlns:a16="http://schemas.microsoft.com/office/drawing/2014/main" id="{97C0BB88-2F21-42A5-ACFF-83DA47F2D340}"/>
               </a:ext>
             </a:extLst>
           </p:cNvPr>
@@ -2837,7 +2837,7 @@
           <p:cNvPr id="6" name="Espaço Reservado para Número de Slide 5">
             <a:extLst>
               <a:ext uri="{FF2B5EF4-FFF2-40B4-BE49-F238E27FC236}">
-                <a16:creationId xmlns:a16="http://schemas.microsoft.com/office/drawing/2014/main" xmlns="" id="{6CB462B3-1F22-4C05-B4B8-7A279FB7D5E9}"/>
+                <a16:creationId xmlns="" xmlns:a16="http://schemas.microsoft.com/office/drawing/2014/main" id="{6CB462B3-1F22-4C05-B4B8-7A279FB7D5E9}"/>
               </a:ext>
             </a:extLst>
           </p:cNvPr>
@@ -2896,7 +2896,7 @@
           <p:cNvPr id="2" name="Título Vertical 1">
             <a:extLst>
               <a:ext uri="{FF2B5EF4-FFF2-40B4-BE49-F238E27FC236}">
-                <a16:creationId xmlns:a16="http://schemas.microsoft.com/office/drawing/2014/main" xmlns="" id="{EAEAB728-701C-4207-A9D5-23FF45C60502}"/>
+                <a16:creationId xmlns="" xmlns:a16="http://schemas.microsoft.com/office/drawing/2014/main" id="{EAEAB728-701C-4207-A9D5-23FF45C60502}"/>
               </a:ext>
             </a:extLst>
           </p:cNvPr>
@@ -2929,7 +2929,7 @@
           <p:cNvPr id="3" name="Espaço Reservado para Texto Vertical 2">
             <a:extLst>
               <a:ext uri="{FF2B5EF4-FFF2-40B4-BE49-F238E27FC236}">
-                <a16:creationId xmlns:a16="http://schemas.microsoft.com/office/drawing/2014/main" xmlns="" id="{BA8C8CCF-7823-480A-9A19-0F664DD17E3B}"/>
+                <a16:creationId xmlns="" xmlns:a16="http://schemas.microsoft.com/office/drawing/2014/main" id="{BA8C8CCF-7823-480A-9A19-0F664DD17E3B}"/>
               </a:ext>
             </a:extLst>
           </p:cNvPr>
@@ -2991,7 +2991,7 @@
           <p:cNvPr id="4" name="Espaço Reservado para Data 3">
             <a:extLst>
               <a:ext uri="{FF2B5EF4-FFF2-40B4-BE49-F238E27FC236}">
-                <a16:creationId xmlns:a16="http://schemas.microsoft.com/office/drawing/2014/main" xmlns="" id="{721D5734-7B1F-425D-942F-6EB73344027C}"/>
+                <a16:creationId xmlns="" xmlns:a16="http://schemas.microsoft.com/office/drawing/2014/main" id="{721D5734-7B1F-425D-942F-6EB73344027C}"/>
               </a:ext>
             </a:extLst>
           </p:cNvPr>
@@ -3009,7 +3009,7 @@
           <a:p>
             <a:fld id="{63289F7E-B80B-496E-81B4-D396C37C9454}" type="datetimeFigureOut">
               <a:rPr lang="pt-BR" smtClean="0"/>
-              <a:t>10/09/2021</a:t>
+              <a:t>11/09/2021</a:t>
             </a:fld>
             <a:endParaRPr lang="pt-BR"/>
           </a:p>
@@ -3020,7 +3020,7 @@
           <p:cNvPr id="5" name="Espaço Reservado para Rodapé 4">
             <a:extLst>
               <a:ext uri="{FF2B5EF4-FFF2-40B4-BE49-F238E27FC236}">
-                <a16:creationId xmlns:a16="http://schemas.microsoft.com/office/drawing/2014/main" xmlns="" id="{1E1AAEAC-F08D-45FE-89EC-B1B349A868C9}"/>
+                <a16:creationId xmlns="" xmlns:a16="http://schemas.microsoft.com/office/drawing/2014/main" id="{1E1AAEAC-F08D-45FE-89EC-B1B349A868C9}"/>
               </a:ext>
             </a:extLst>
           </p:cNvPr>
@@ -3045,7 +3045,7 @@
           <p:cNvPr id="6" name="Espaço Reservado para Número de Slide 5">
             <a:extLst>
               <a:ext uri="{FF2B5EF4-FFF2-40B4-BE49-F238E27FC236}">
-                <a16:creationId xmlns:a16="http://schemas.microsoft.com/office/drawing/2014/main" xmlns="" id="{BAA44493-9911-47B2-87A6-C2141A972BC8}"/>
+                <a16:creationId xmlns="" xmlns:a16="http://schemas.microsoft.com/office/drawing/2014/main" id="{BAA44493-9911-47B2-87A6-C2141A972BC8}"/>
               </a:ext>
             </a:extLst>
           </p:cNvPr>
@@ -3104,7 +3104,7 @@
           <p:cNvPr id="2" name="Título 1">
             <a:extLst>
               <a:ext uri="{FF2B5EF4-FFF2-40B4-BE49-F238E27FC236}">
-                <a16:creationId xmlns:a16="http://schemas.microsoft.com/office/drawing/2014/main" xmlns="" id="{71BD44A5-8F21-4626-A01D-48A1C874B1D5}"/>
+                <a16:creationId xmlns="" xmlns:a16="http://schemas.microsoft.com/office/drawing/2014/main" id="{71BD44A5-8F21-4626-A01D-48A1C874B1D5}"/>
               </a:ext>
             </a:extLst>
           </p:cNvPr>
@@ -3132,7 +3132,7 @@
           <p:cNvPr id="3" name="Espaço Reservado para Conteúdo 2">
             <a:extLst>
               <a:ext uri="{FF2B5EF4-FFF2-40B4-BE49-F238E27FC236}">
-                <a16:creationId xmlns:a16="http://schemas.microsoft.com/office/drawing/2014/main" xmlns="" id="{B79E8085-65A9-48AA-951D-71D978BFF4ED}"/>
+                <a16:creationId xmlns="" xmlns:a16="http://schemas.microsoft.com/office/drawing/2014/main" id="{B79E8085-65A9-48AA-951D-71D978BFF4ED}"/>
               </a:ext>
             </a:extLst>
           </p:cNvPr>
@@ -3189,7 +3189,7 @@
           <p:cNvPr id="4" name="Espaço Reservado para Data 3">
             <a:extLst>
               <a:ext uri="{FF2B5EF4-FFF2-40B4-BE49-F238E27FC236}">
-                <a16:creationId xmlns:a16="http://schemas.microsoft.com/office/drawing/2014/main" xmlns="" id="{F05BE1AF-51EA-425D-B188-DE7BD675009F}"/>
+                <a16:creationId xmlns="" xmlns:a16="http://schemas.microsoft.com/office/drawing/2014/main" id="{F05BE1AF-51EA-425D-B188-DE7BD675009F}"/>
               </a:ext>
             </a:extLst>
           </p:cNvPr>
@@ -3207,7 +3207,7 @@
           <a:p>
             <a:fld id="{63289F7E-B80B-496E-81B4-D396C37C9454}" type="datetimeFigureOut">
               <a:rPr lang="pt-BR" smtClean="0"/>
-              <a:t>10/09/2021</a:t>
+              <a:t>11/09/2021</a:t>
             </a:fld>
             <a:endParaRPr lang="pt-BR"/>
           </a:p>
@@ -3218,7 +3218,7 @@
           <p:cNvPr id="5" name="Espaço Reservado para Rodapé 4">
             <a:extLst>
               <a:ext uri="{FF2B5EF4-FFF2-40B4-BE49-F238E27FC236}">
-                <a16:creationId xmlns:a16="http://schemas.microsoft.com/office/drawing/2014/main" xmlns="" id="{121BE632-29CF-4CB9-B365-C9EF38F89BE6}"/>
+                <a16:creationId xmlns="" xmlns:a16="http://schemas.microsoft.com/office/drawing/2014/main" id="{121BE632-29CF-4CB9-B365-C9EF38F89BE6}"/>
               </a:ext>
             </a:extLst>
           </p:cNvPr>
@@ -3243,7 +3243,7 @@
           <p:cNvPr id="6" name="Espaço Reservado para Número de Slide 5">
             <a:extLst>
               <a:ext uri="{FF2B5EF4-FFF2-40B4-BE49-F238E27FC236}">
-                <a16:creationId xmlns:a16="http://schemas.microsoft.com/office/drawing/2014/main" xmlns="" id="{60CF3DD1-9AEC-4A57-B461-4E4DD86FAC18}"/>
+                <a16:creationId xmlns="" xmlns:a16="http://schemas.microsoft.com/office/drawing/2014/main" id="{60CF3DD1-9AEC-4A57-B461-4E4DD86FAC18}"/>
               </a:ext>
             </a:extLst>
           </p:cNvPr>
@@ -3302,7 +3302,7 @@
           <p:cNvPr id="2" name="Título 1">
             <a:extLst>
               <a:ext uri="{FF2B5EF4-FFF2-40B4-BE49-F238E27FC236}">
-                <a16:creationId xmlns:a16="http://schemas.microsoft.com/office/drawing/2014/main" xmlns="" id="{34AB2FF0-A4D7-4E28-991D-FF26140D5988}"/>
+                <a16:creationId xmlns="" xmlns:a16="http://schemas.microsoft.com/office/drawing/2014/main" id="{34AB2FF0-A4D7-4E28-991D-FF26140D5988}"/>
               </a:ext>
             </a:extLst>
           </p:cNvPr>
@@ -3339,7 +3339,7 @@
           <p:cNvPr id="3" name="Espaço Reservado para Texto 2">
             <a:extLst>
               <a:ext uri="{FF2B5EF4-FFF2-40B4-BE49-F238E27FC236}">
-                <a16:creationId xmlns:a16="http://schemas.microsoft.com/office/drawing/2014/main" xmlns="" id="{E2AC45B0-4145-40DB-8E61-105461170604}"/>
+                <a16:creationId xmlns="" xmlns:a16="http://schemas.microsoft.com/office/drawing/2014/main" id="{E2AC45B0-4145-40DB-8E61-105461170604}"/>
               </a:ext>
             </a:extLst>
           </p:cNvPr>
@@ -3464,7 +3464,7 @@
           <p:cNvPr id="4" name="Espaço Reservado para Data 3">
             <a:extLst>
               <a:ext uri="{FF2B5EF4-FFF2-40B4-BE49-F238E27FC236}">
-                <a16:creationId xmlns:a16="http://schemas.microsoft.com/office/drawing/2014/main" xmlns="" id="{50F1D3FB-740A-4EBA-A309-2CE71D12ECFB}"/>
+                <a16:creationId xmlns="" xmlns:a16="http://schemas.microsoft.com/office/drawing/2014/main" id="{50F1D3FB-740A-4EBA-A309-2CE71D12ECFB}"/>
               </a:ext>
             </a:extLst>
           </p:cNvPr>
@@ -3482,7 +3482,7 @@
           <a:p>
             <a:fld id="{63289F7E-B80B-496E-81B4-D396C37C9454}" type="datetimeFigureOut">
               <a:rPr lang="pt-BR" smtClean="0"/>
-              <a:t>10/09/2021</a:t>
+              <a:t>11/09/2021</a:t>
             </a:fld>
             <a:endParaRPr lang="pt-BR"/>
           </a:p>
@@ -3493,7 +3493,7 @@
           <p:cNvPr id="5" name="Espaço Reservado para Rodapé 4">
             <a:extLst>
               <a:ext uri="{FF2B5EF4-FFF2-40B4-BE49-F238E27FC236}">
-                <a16:creationId xmlns:a16="http://schemas.microsoft.com/office/drawing/2014/main" xmlns="" id="{BDCAB18F-8715-4465-A940-F9C193A2ACE9}"/>
+                <a16:creationId xmlns="" xmlns:a16="http://schemas.microsoft.com/office/drawing/2014/main" id="{BDCAB18F-8715-4465-A940-F9C193A2ACE9}"/>
               </a:ext>
             </a:extLst>
           </p:cNvPr>
@@ -3518,7 +3518,7 @@
           <p:cNvPr id="6" name="Espaço Reservado para Número de Slide 5">
             <a:extLst>
               <a:ext uri="{FF2B5EF4-FFF2-40B4-BE49-F238E27FC236}">
-                <a16:creationId xmlns:a16="http://schemas.microsoft.com/office/drawing/2014/main" xmlns="" id="{353466C6-8248-429F-8056-FF040BF509EB}"/>
+                <a16:creationId xmlns="" xmlns:a16="http://schemas.microsoft.com/office/drawing/2014/main" id="{353466C6-8248-429F-8056-FF040BF509EB}"/>
               </a:ext>
             </a:extLst>
           </p:cNvPr>
@@ -3577,7 +3577,7 @@
           <p:cNvPr id="2" name="Título 1">
             <a:extLst>
               <a:ext uri="{FF2B5EF4-FFF2-40B4-BE49-F238E27FC236}">
-                <a16:creationId xmlns:a16="http://schemas.microsoft.com/office/drawing/2014/main" xmlns="" id="{BC7BB9F0-F14B-4A91-B2B7-35BC47FE4DE7}"/>
+                <a16:creationId xmlns="" xmlns:a16="http://schemas.microsoft.com/office/drawing/2014/main" id="{BC7BB9F0-F14B-4A91-B2B7-35BC47FE4DE7}"/>
               </a:ext>
             </a:extLst>
           </p:cNvPr>
@@ -3605,7 +3605,7 @@
           <p:cNvPr id="3" name="Espaço Reservado para Conteúdo 2">
             <a:extLst>
               <a:ext uri="{FF2B5EF4-FFF2-40B4-BE49-F238E27FC236}">
-                <a16:creationId xmlns:a16="http://schemas.microsoft.com/office/drawing/2014/main" xmlns="" id="{EC1FC1C4-73DA-47A6-8496-B0B457F7D39A}"/>
+                <a16:creationId xmlns="" xmlns:a16="http://schemas.microsoft.com/office/drawing/2014/main" id="{EC1FC1C4-73DA-47A6-8496-B0B457F7D39A}"/>
               </a:ext>
             </a:extLst>
           </p:cNvPr>
@@ -3667,7 +3667,7 @@
           <p:cNvPr id="4" name="Espaço Reservado para Conteúdo 3">
             <a:extLst>
               <a:ext uri="{FF2B5EF4-FFF2-40B4-BE49-F238E27FC236}">
-                <a16:creationId xmlns:a16="http://schemas.microsoft.com/office/drawing/2014/main" xmlns="" id="{E92F06A8-A449-4D92-9912-76873E529B38}"/>
+                <a16:creationId xmlns="" xmlns:a16="http://schemas.microsoft.com/office/drawing/2014/main" id="{E92F06A8-A449-4D92-9912-76873E529B38}"/>
               </a:ext>
             </a:extLst>
           </p:cNvPr>
@@ -3729,7 +3729,7 @@
           <p:cNvPr id="5" name="Espaço Reservado para Data 4">
             <a:extLst>
               <a:ext uri="{FF2B5EF4-FFF2-40B4-BE49-F238E27FC236}">
-                <a16:creationId xmlns:a16="http://schemas.microsoft.com/office/drawing/2014/main" xmlns="" id="{938070A4-BC2F-4D55-BD8D-DEAF11BB9EE9}"/>
+                <a16:creationId xmlns="" xmlns:a16="http://schemas.microsoft.com/office/drawing/2014/main" id="{938070A4-BC2F-4D55-BD8D-DEAF11BB9EE9}"/>
               </a:ext>
             </a:extLst>
           </p:cNvPr>
@@ -3747,7 +3747,7 @@
           <a:p>
             <a:fld id="{63289F7E-B80B-496E-81B4-D396C37C9454}" type="datetimeFigureOut">
               <a:rPr lang="pt-BR" smtClean="0"/>
-              <a:t>10/09/2021</a:t>
+              <a:t>11/09/2021</a:t>
             </a:fld>
             <a:endParaRPr lang="pt-BR"/>
           </a:p>
@@ -3758,7 +3758,7 @@
           <p:cNvPr id="6" name="Espaço Reservado para Rodapé 5">
             <a:extLst>
               <a:ext uri="{FF2B5EF4-FFF2-40B4-BE49-F238E27FC236}">
-                <a16:creationId xmlns:a16="http://schemas.microsoft.com/office/drawing/2014/main" xmlns="" id="{45CC2DB8-844A-465F-BA9A-7734C80C7F43}"/>
+                <a16:creationId xmlns="" xmlns:a16="http://schemas.microsoft.com/office/drawing/2014/main" id="{45CC2DB8-844A-465F-BA9A-7734C80C7F43}"/>
               </a:ext>
             </a:extLst>
           </p:cNvPr>
@@ -3783,7 +3783,7 @@
           <p:cNvPr id="7" name="Espaço Reservado para Número de Slide 6">
             <a:extLst>
               <a:ext uri="{FF2B5EF4-FFF2-40B4-BE49-F238E27FC236}">
-                <a16:creationId xmlns:a16="http://schemas.microsoft.com/office/drawing/2014/main" xmlns="" id="{4CC606A8-097B-4040-94E0-CD8C88280D8F}"/>
+                <a16:creationId xmlns="" xmlns:a16="http://schemas.microsoft.com/office/drawing/2014/main" id="{4CC606A8-097B-4040-94E0-CD8C88280D8F}"/>
               </a:ext>
             </a:extLst>
           </p:cNvPr>
@@ -3842,7 +3842,7 @@
           <p:cNvPr id="2" name="Título 1">
             <a:extLst>
               <a:ext uri="{FF2B5EF4-FFF2-40B4-BE49-F238E27FC236}">
-                <a16:creationId xmlns:a16="http://schemas.microsoft.com/office/drawing/2014/main" xmlns="" id="{76D66686-0143-4CB6-8C09-BA326F1E7ACA}"/>
+                <a16:creationId xmlns="" xmlns:a16="http://schemas.microsoft.com/office/drawing/2014/main" id="{76D66686-0143-4CB6-8C09-BA326F1E7ACA}"/>
               </a:ext>
             </a:extLst>
           </p:cNvPr>
@@ -3875,7 +3875,7 @@
           <p:cNvPr id="3" name="Espaço Reservado para Texto 2">
             <a:extLst>
               <a:ext uri="{FF2B5EF4-FFF2-40B4-BE49-F238E27FC236}">
-                <a16:creationId xmlns:a16="http://schemas.microsoft.com/office/drawing/2014/main" xmlns="" id="{0227AB85-F59E-4BCE-B846-4FA0992C2F23}"/>
+                <a16:creationId xmlns="" xmlns:a16="http://schemas.microsoft.com/office/drawing/2014/main" id="{0227AB85-F59E-4BCE-B846-4FA0992C2F23}"/>
               </a:ext>
             </a:extLst>
           </p:cNvPr>
@@ -3946,7 +3946,7 @@
           <p:cNvPr id="4" name="Espaço Reservado para Conteúdo 3">
             <a:extLst>
               <a:ext uri="{FF2B5EF4-FFF2-40B4-BE49-F238E27FC236}">
-                <a16:creationId xmlns:a16="http://schemas.microsoft.com/office/drawing/2014/main" xmlns="" id="{3373456C-7319-4D0A-827D-D29F6B083F5D}"/>
+                <a16:creationId xmlns="" xmlns:a16="http://schemas.microsoft.com/office/drawing/2014/main" id="{3373456C-7319-4D0A-827D-D29F6B083F5D}"/>
               </a:ext>
             </a:extLst>
           </p:cNvPr>
@@ -4008,7 +4008,7 @@
           <p:cNvPr id="5" name="Espaço Reservado para Texto 4">
             <a:extLst>
               <a:ext uri="{FF2B5EF4-FFF2-40B4-BE49-F238E27FC236}">
-                <a16:creationId xmlns:a16="http://schemas.microsoft.com/office/drawing/2014/main" xmlns="" id="{4CD109D0-2E83-4262-8029-A871CEC47406}"/>
+                <a16:creationId xmlns="" xmlns:a16="http://schemas.microsoft.com/office/drawing/2014/main" id="{4CD109D0-2E83-4262-8029-A871CEC47406}"/>
               </a:ext>
             </a:extLst>
           </p:cNvPr>
@@ -4079,7 +4079,7 @@
           <p:cNvPr id="6" name="Espaço Reservado para Conteúdo 5">
             <a:extLst>
               <a:ext uri="{FF2B5EF4-FFF2-40B4-BE49-F238E27FC236}">
-                <a16:creationId xmlns:a16="http://schemas.microsoft.com/office/drawing/2014/main" xmlns="" id="{AD706E3A-CFBB-4A6C-A65F-D0360A9E74FE}"/>
+                <a16:creationId xmlns="" xmlns:a16="http://schemas.microsoft.com/office/drawing/2014/main" id="{AD706E3A-CFBB-4A6C-A65F-D0360A9E74FE}"/>
               </a:ext>
             </a:extLst>
           </p:cNvPr>
@@ -4141,7 +4141,7 @@
           <p:cNvPr id="7" name="Espaço Reservado para Data 6">
             <a:extLst>
               <a:ext uri="{FF2B5EF4-FFF2-40B4-BE49-F238E27FC236}">
-                <a16:creationId xmlns:a16="http://schemas.microsoft.com/office/drawing/2014/main" xmlns="" id="{4172C0E5-5AF0-4805-BB51-443733CD2BD5}"/>
+                <a16:creationId xmlns="" xmlns:a16="http://schemas.microsoft.com/office/drawing/2014/main" id="{4172C0E5-5AF0-4805-BB51-443733CD2BD5}"/>
               </a:ext>
             </a:extLst>
           </p:cNvPr>
@@ -4159,7 +4159,7 @@
           <a:p>
             <a:fld id="{63289F7E-B80B-496E-81B4-D396C37C9454}" type="datetimeFigureOut">
               <a:rPr lang="pt-BR" smtClean="0"/>
-              <a:t>10/09/2021</a:t>
+              <a:t>11/09/2021</a:t>
             </a:fld>
             <a:endParaRPr lang="pt-BR"/>
           </a:p>
@@ -4170,7 +4170,7 @@
           <p:cNvPr id="8" name="Espaço Reservado para Rodapé 7">
             <a:extLst>
               <a:ext uri="{FF2B5EF4-FFF2-40B4-BE49-F238E27FC236}">
-                <a16:creationId xmlns:a16="http://schemas.microsoft.com/office/drawing/2014/main" xmlns="" id="{0E801648-156F-497E-99CF-797DF48051E1}"/>
+                <a16:creationId xmlns="" xmlns:a16="http://schemas.microsoft.com/office/drawing/2014/main" id="{0E801648-156F-497E-99CF-797DF48051E1}"/>
               </a:ext>
             </a:extLst>
           </p:cNvPr>
@@ -4195,7 +4195,7 @@
           <p:cNvPr id="9" name="Espaço Reservado para Número de Slide 8">
             <a:extLst>
               <a:ext uri="{FF2B5EF4-FFF2-40B4-BE49-F238E27FC236}">
-                <a16:creationId xmlns:a16="http://schemas.microsoft.com/office/drawing/2014/main" xmlns="" id="{EEE23D32-80E7-4796-A137-66BF842E4B53}"/>
+                <a16:creationId xmlns="" xmlns:a16="http://schemas.microsoft.com/office/drawing/2014/main" id="{EEE23D32-80E7-4796-A137-66BF842E4B53}"/>
               </a:ext>
             </a:extLst>
           </p:cNvPr>
@@ -4254,7 +4254,7 @@
           <p:cNvPr id="2" name="Título 1">
             <a:extLst>
               <a:ext uri="{FF2B5EF4-FFF2-40B4-BE49-F238E27FC236}">
-                <a16:creationId xmlns:a16="http://schemas.microsoft.com/office/drawing/2014/main" xmlns="" id="{2BCE2379-C78F-47E1-8CFC-B846E7AF148D}"/>
+                <a16:creationId xmlns="" xmlns:a16="http://schemas.microsoft.com/office/drawing/2014/main" id="{2BCE2379-C78F-47E1-8CFC-B846E7AF148D}"/>
               </a:ext>
             </a:extLst>
           </p:cNvPr>
@@ -4282,7 +4282,7 @@
           <p:cNvPr id="3" name="Espaço Reservado para Data 2">
             <a:extLst>
               <a:ext uri="{FF2B5EF4-FFF2-40B4-BE49-F238E27FC236}">
-                <a16:creationId xmlns:a16="http://schemas.microsoft.com/office/drawing/2014/main" xmlns="" id="{342600A9-7F92-4E22-9D94-E4717252A817}"/>
+                <a16:creationId xmlns="" xmlns:a16="http://schemas.microsoft.com/office/drawing/2014/main" id="{342600A9-7F92-4E22-9D94-E4717252A817}"/>
               </a:ext>
             </a:extLst>
           </p:cNvPr>
@@ -4300,7 +4300,7 @@
           <a:p>
             <a:fld id="{63289F7E-B80B-496E-81B4-D396C37C9454}" type="datetimeFigureOut">
               <a:rPr lang="pt-BR" smtClean="0"/>
-              <a:t>10/09/2021</a:t>
+              <a:t>11/09/2021</a:t>
             </a:fld>
             <a:endParaRPr lang="pt-BR"/>
           </a:p>
@@ -4311,7 +4311,7 @@
           <p:cNvPr id="4" name="Espaço Reservado para Rodapé 3">
             <a:extLst>
               <a:ext uri="{FF2B5EF4-FFF2-40B4-BE49-F238E27FC236}">
-                <a16:creationId xmlns:a16="http://schemas.microsoft.com/office/drawing/2014/main" xmlns="" id="{192E6BED-F546-40CC-A2DF-99CBA853654E}"/>
+                <a16:creationId xmlns="" xmlns:a16="http://schemas.microsoft.com/office/drawing/2014/main" id="{192E6BED-F546-40CC-A2DF-99CBA853654E}"/>
               </a:ext>
             </a:extLst>
           </p:cNvPr>
@@ -4336,7 +4336,7 @@
           <p:cNvPr id="5" name="Espaço Reservado para Número de Slide 4">
             <a:extLst>
               <a:ext uri="{FF2B5EF4-FFF2-40B4-BE49-F238E27FC236}">
-                <a16:creationId xmlns:a16="http://schemas.microsoft.com/office/drawing/2014/main" xmlns="" id="{6091CC40-A8C4-4063-80EB-CC5099621678}"/>
+                <a16:creationId xmlns="" xmlns:a16="http://schemas.microsoft.com/office/drawing/2014/main" id="{6091CC40-A8C4-4063-80EB-CC5099621678}"/>
               </a:ext>
             </a:extLst>
           </p:cNvPr>
@@ -4395,7 +4395,7 @@
           <p:cNvPr id="2" name="Espaço Reservado para Data 1">
             <a:extLst>
               <a:ext uri="{FF2B5EF4-FFF2-40B4-BE49-F238E27FC236}">
-                <a16:creationId xmlns:a16="http://schemas.microsoft.com/office/drawing/2014/main" xmlns="" id="{DD19515C-212C-4EAE-84A3-8FF4BC844F1B}"/>
+                <a16:creationId xmlns="" xmlns:a16="http://schemas.microsoft.com/office/drawing/2014/main" id="{DD19515C-212C-4EAE-84A3-8FF4BC844F1B}"/>
               </a:ext>
             </a:extLst>
           </p:cNvPr>
@@ -4413,7 +4413,7 @@
           <a:p>
             <a:fld id="{63289F7E-B80B-496E-81B4-D396C37C9454}" type="datetimeFigureOut">
               <a:rPr lang="pt-BR" smtClean="0"/>
-              <a:t>10/09/2021</a:t>
+              <a:t>11/09/2021</a:t>
             </a:fld>
             <a:endParaRPr lang="pt-BR"/>
           </a:p>
@@ -4424,7 +4424,7 @@
           <p:cNvPr id="3" name="Espaço Reservado para Rodapé 2">
             <a:extLst>
               <a:ext uri="{FF2B5EF4-FFF2-40B4-BE49-F238E27FC236}">
-                <a16:creationId xmlns:a16="http://schemas.microsoft.com/office/drawing/2014/main" xmlns="" id="{94D3D120-B3E8-4C96-861D-7A4F12F49B3A}"/>
+                <a16:creationId xmlns="" xmlns:a16="http://schemas.microsoft.com/office/drawing/2014/main" id="{94D3D120-B3E8-4C96-861D-7A4F12F49B3A}"/>
               </a:ext>
             </a:extLst>
           </p:cNvPr>
@@ -4449,7 +4449,7 @@
           <p:cNvPr id="4" name="Espaço Reservado para Número de Slide 3">
             <a:extLst>
               <a:ext uri="{FF2B5EF4-FFF2-40B4-BE49-F238E27FC236}">
-                <a16:creationId xmlns:a16="http://schemas.microsoft.com/office/drawing/2014/main" xmlns="" id="{42E49B68-FA1B-468B-9F17-D5C09243D454}"/>
+                <a16:creationId xmlns="" xmlns:a16="http://schemas.microsoft.com/office/drawing/2014/main" id="{42E49B68-FA1B-468B-9F17-D5C09243D454}"/>
               </a:ext>
             </a:extLst>
           </p:cNvPr>
@@ -4508,7 +4508,7 @@
           <p:cNvPr id="2" name="Título 1">
             <a:extLst>
               <a:ext uri="{FF2B5EF4-FFF2-40B4-BE49-F238E27FC236}">
-                <a16:creationId xmlns:a16="http://schemas.microsoft.com/office/drawing/2014/main" xmlns="" id="{1C17BCBE-A897-4319-85EC-D87909C24980}"/>
+                <a16:creationId xmlns="" xmlns:a16="http://schemas.microsoft.com/office/drawing/2014/main" id="{1C17BCBE-A897-4319-85EC-D87909C24980}"/>
               </a:ext>
             </a:extLst>
           </p:cNvPr>
@@ -4545,7 +4545,7 @@
           <p:cNvPr id="3" name="Espaço Reservado para Conteúdo 2">
             <a:extLst>
               <a:ext uri="{FF2B5EF4-FFF2-40B4-BE49-F238E27FC236}">
-                <a16:creationId xmlns:a16="http://schemas.microsoft.com/office/drawing/2014/main" xmlns="" id="{4226F885-0204-4913-868B-4B8B82576F17}"/>
+                <a16:creationId xmlns="" xmlns:a16="http://schemas.microsoft.com/office/drawing/2014/main" id="{4226F885-0204-4913-868B-4B8B82576F17}"/>
               </a:ext>
             </a:extLst>
           </p:cNvPr>
@@ -4635,7 +4635,7 @@
           <p:cNvPr id="4" name="Espaço Reservado para Texto 3">
             <a:extLst>
               <a:ext uri="{FF2B5EF4-FFF2-40B4-BE49-F238E27FC236}">
-                <a16:creationId xmlns:a16="http://schemas.microsoft.com/office/drawing/2014/main" xmlns="" id="{00F9F784-A858-441B-8AB5-697098141751}"/>
+                <a16:creationId xmlns="" xmlns:a16="http://schemas.microsoft.com/office/drawing/2014/main" id="{00F9F784-A858-441B-8AB5-697098141751}"/>
               </a:ext>
             </a:extLst>
           </p:cNvPr>
@@ -4706,7 +4706,7 @@
           <p:cNvPr id="5" name="Espaço Reservado para Data 4">
             <a:extLst>
               <a:ext uri="{FF2B5EF4-FFF2-40B4-BE49-F238E27FC236}">
-                <a16:creationId xmlns:a16="http://schemas.microsoft.com/office/drawing/2014/main" xmlns="" id="{A4DC363A-5000-472E-8B17-02E7DCB8840A}"/>
+                <a16:creationId xmlns="" xmlns:a16="http://schemas.microsoft.com/office/drawing/2014/main" id="{A4DC363A-5000-472E-8B17-02E7DCB8840A}"/>
               </a:ext>
             </a:extLst>
           </p:cNvPr>
@@ -4724,7 +4724,7 @@
           <a:p>
             <a:fld id="{63289F7E-B80B-496E-81B4-D396C37C9454}" type="datetimeFigureOut">
               <a:rPr lang="pt-BR" smtClean="0"/>
-              <a:t>10/09/2021</a:t>
+              <a:t>11/09/2021</a:t>
             </a:fld>
             <a:endParaRPr lang="pt-BR"/>
           </a:p>
@@ -4735,7 +4735,7 @@
           <p:cNvPr id="6" name="Espaço Reservado para Rodapé 5">
             <a:extLst>
               <a:ext uri="{FF2B5EF4-FFF2-40B4-BE49-F238E27FC236}">
-                <a16:creationId xmlns:a16="http://schemas.microsoft.com/office/drawing/2014/main" xmlns="" id="{5548425D-2C21-4C56-BAD4-662978775C28}"/>
+                <a16:creationId xmlns="" xmlns:a16="http://schemas.microsoft.com/office/drawing/2014/main" id="{5548425D-2C21-4C56-BAD4-662978775C28}"/>
               </a:ext>
             </a:extLst>
           </p:cNvPr>
@@ -4760,7 +4760,7 @@
           <p:cNvPr id="7" name="Espaço Reservado para Número de Slide 6">
             <a:extLst>
               <a:ext uri="{FF2B5EF4-FFF2-40B4-BE49-F238E27FC236}">
-                <a16:creationId xmlns:a16="http://schemas.microsoft.com/office/drawing/2014/main" xmlns="" id="{C63E9726-E64C-42B2-AE8A-8C235A956B48}"/>
+                <a16:creationId xmlns="" xmlns:a16="http://schemas.microsoft.com/office/drawing/2014/main" id="{C63E9726-E64C-42B2-AE8A-8C235A956B48}"/>
               </a:ext>
             </a:extLst>
           </p:cNvPr>
@@ -4819,7 +4819,7 @@
           <p:cNvPr id="2" name="Título 1">
             <a:extLst>
               <a:ext uri="{FF2B5EF4-FFF2-40B4-BE49-F238E27FC236}">
-                <a16:creationId xmlns:a16="http://schemas.microsoft.com/office/drawing/2014/main" xmlns="" id="{11086A78-3E74-450C-96A6-CA8AC37AF772}"/>
+                <a16:creationId xmlns="" xmlns:a16="http://schemas.microsoft.com/office/drawing/2014/main" id="{11086A78-3E74-450C-96A6-CA8AC37AF772}"/>
               </a:ext>
             </a:extLst>
           </p:cNvPr>
@@ -4856,7 +4856,7 @@
           <p:cNvPr id="3" name="Espaço Reservado para Imagem 2">
             <a:extLst>
               <a:ext uri="{FF2B5EF4-FFF2-40B4-BE49-F238E27FC236}">
-                <a16:creationId xmlns:a16="http://schemas.microsoft.com/office/drawing/2014/main" xmlns="" id="{5F5B7312-975A-4DBC-9B2F-3652ADA006FD}"/>
+                <a16:creationId xmlns="" xmlns:a16="http://schemas.microsoft.com/office/drawing/2014/main" id="{5F5B7312-975A-4DBC-9B2F-3652ADA006FD}"/>
               </a:ext>
             </a:extLst>
           </p:cNvPr>
@@ -4923,7 +4923,7 @@
           <p:cNvPr id="4" name="Espaço Reservado para Texto 3">
             <a:extLst>
               <a:ext uri="{FF2B5EF4-FFF2-40B4-BE49-F238E27FC236}">
-                <a16:creationId xmlns:a16="http://schemas.microsoft.com/office/drawing/2014/main" xmlns="" id="{AAF805F5-1DFF-41C6-944C-7D79FE0D0963}"/>
+                <a16:creationId xmlns="" xmlns:a16="http://schemas.microsoft.com/office/drawing/2014/main" id="{AAF805F5-1DFF-41C6-944C-7D79FE0D0963}"/>
               </a:ext>
             </a:extLst>
           </p:cNvPr>
@@ -4994,7 +4994,7 @@
           <p:cNvPr id="5" name="Espaço Reservado para Data 4">
             <a:extLst>
               <a:ext uri="{FF2B5EF4-FFF2-40B4-BE49-F238E27FC236}">
-                <a16:creationId xmlns:a16="http://schemas.microsoft.com/office/drawing/2014/main" xmlns="" id="{02113D81-8665-4516-BD81-C6A1F254EECD}"/>
+                <a16:creationId xmlns="" xmlns:a16="http://schemas.microsoft.com/office/drawing/2014/main" id="{02113D81-8665-4516-BD81-C6A1F254EECD}"/>
               </a:ext>
             </a:extLst>
           </p:cNvPr>
@@ -5012,7 +5012,7 @@
           <a:p>
             <a:fld id="{63289F7E-B80B-496E-81B4-D396C37C9454}" type="datetimeFigureOut">
               <a:rPr lang="pt-BR" smtClean="0"/>
-              <a:t>10/09/2021</a:t>
+              <a:t>11/09/2021</a:t>
             </a:fld>
             <a:endParaRPr lang="pt-BR"/>
           </a:p>
@@ -5023,7 +5023,7 @@
           <p:cNvPr id="6" name="Espaço Reservado para Rodapé 5">
             <a:extLst>
               <a:ext uri="{FF2B5EF4-FFF2-40B4-BE49-F238E27FC236}">
-                <a16:creationId xmlns:a16="http://schemas.microsoft.com/office/drawing/2014/main" xmlns="" id="{2B00C88B-FF32-40AA-A187-727D96FD7862}"/>
+                <a16:creationId xmlns="" xmlns:a16="http://schemas.microsoft.com/office/drawing/2014/main" id="{2B00C88B-FF32-40AA-A187-727D96FD7862}"/>
               </a:ext>
             </a:extLst>
           </p:cNvPr>
@@ -5048,7 +5048,7 @@
           <p:cNvPr id="7" name="Espaço Reservado para Número de Slide 6">
             <a:extLst>
               <a:ext uri="{FF2B5EF4-FFF2-40B4-BE49-F238E27FC236}">
-                <a16:creationId xmlns:a16="http://schemas.microsoft.com/office/drawing/2014/main" xmlns="" id="{A04D1A2D-69F7-4B8F-A730-BC26DC340BA6}"/>
+                <a16:creationId xmlns="" xmlns:a16="http://schemas.microsoft.com/office/drawing/2014/main" id="{A04D1A2D-69F7-4B8F-A730-BC26DC340BA6}"/>
               </a:ext>
             </a:extLst>
           </p:cNvPr>
@@ -5112,7 +5112,7 @@
           <p:cNvPr id="2" name="Espaço Reservado para Título 1">
             <a:extLst>
               <a:ext uri="{FF2B5EF4-FFF2-40B4-BE49-F238E27FC236}">
-                <a16:creationId xmlns:a16="http://schemas.microsoft.com/office/drawing/2014/main" xmlns="" id="{E69A0273-1966-4A1B-9370-4C1CE5036371}"/>
+                <a16:creationId xmlns="" xmlns:a16="http://schemas.microsoft.com/office/drawing/2014/main" id="{E69A0273-1966-4A1B-9370-4C1CE5036371}"/>
               </a:ext>
             </a:extLst>
           </p:cNvPr>
@@ -5150,7 +5150,7 @@
           <p:cNvPr id="3" name="Espaço Reservado para Texto 2">
             <a:extLst>
               <a:ext uri="{FF2B5EF4-FFF2-40B4-BE49-F238E27FC236}">
-                <a16:creationId xmlns:a16="http://schemas.microsoft.com/office/drawing/2014/main" xmlns="" id="{3B9CF87A-0448-49A7-AB25-EBC1D56A40EF}"/>
+                <a16:creationId xmlns="" xmlns:a16="http://schemas.microsoft.com/office/drawing/2014/main" id="{3B9CF87A-0448-49A7-AB25-EBC1D56A40EF}"/>
               </a:ext>
             </a:extLst>
           </p:cNvPr>
@@ -5217,7 +5217,7 @@
           <p:cNvPr id="4" name="Espaço Reservado para Data 3">
             <a:extLst>
               <a:ext uri="{FF2B5EF4-FFF2-40B4-BE49-F238E27FC236}">
-                <a16:creationId xmlns:a16="http://schemas.microsoft.com/office/drawing/2014/main" xmlns="" id="{2EF7B1F2-BB5A-44D0-816D-16AD2C71430E}"/>
+                <a16:creationId xmlns="" xmlns:a16="http://schemas.microsoft.com/office/drawing/2014/main" id="{2EF7B1F2-BB5A-44D0-816D-16AD2C71430E}"/>
               </a:ext>
             </a:extLst>
           </p:cNvPr>
@@ -5253,7 +5253,7 @@
           <a:p>
             <a:fld id="{63289F7E-B80B-496E-81B4-D396C37C9454}" type="datetimeFigureOut">
               <a:rPr lang="pt-BR" smtClean="0"/>
-              <a:t>10/09/2021</a:t>
+              <a:t>11/09/2021</a:t>
             </a:fld>
             <a:endParaRPr lang="pt-BR"/>
           </a:p>
@@ -5264,7 +5264,7 @@
           <p:cNvPr id="5" name="Espaço Reservado para Rodapé 4">
             <a:extLst>
               <a:ext uri="{FF2B5EF4-FFF2-40B4-BE49-F238E27FC236}">
-                <a16:creationId xmlns:a16="http://schemas.microsoft.com/office/drawing/2014/main" xmlns="" id="{C703F94C-2CC8-4DAA-BC35-14FC3E841DCD}"/>
+                <a16:creationId xmlns="" xmlns:a16="http://schemas.microsoft.com/office/drawing/2014/main" id="{C703F94C-2CC8-4DAA-BC35-14FC3E841DCD}"/>
               </a:ext>
             </a:extLst>
           </p:cNvPr>
@@ -5307,7 +5307,7 @@
           <p:cNvPr id="6" name="Espaço Reservado para Número de Slide 5">
             <a:extLst>
               <a:ext uri="{FF2B5EF4-FFF2-40B4-BE49-F238E27FC236}">
-                <a16:creationId xmlns:a16="http://schemas.microsoft.com/office/drawing/2014/main" xmlns="" id="{64051336-7048-457A-8B61-D94291D71648}"/>
+                <a16:creationId xmlns="" xmlns:a16="http://schemas.microsoft.com/office/drawing/2014/main" id="{64051336-7048-457A-8B61-D94291D71648}"/>
               </a:ext>
             </a:extLst>
           </p:cNvPr>
@@ -5675,7 +5675,7 @@
           <p:cNvPr id="2" name="Título 1">
             <a:extLst>
               <a:ext uri="{FF2B5EF4-FFF2-40B4-BE49-F238E27FC236}">
-                <a16:creationId xmlns:a16="http://schemas.microsoft.com/office/drawing/2014/main" xmlns="" id="{32666AC8-2E17-4DB4-B0F5-60C640CCFD2E}"/>
+                <a16:creationId xmlns="" xmlns:a16="http://schemas.microsoft.com/office/drawing/2014/main" id="{32666AC8-2E17-4DB4-B0F5-60C640CCFD2E}"/>
               </a:ext>
             </a:extLst>
           </p:cNvPr>
@@ -5722,7 +5722,7 @@
           <p:cNvPr id="4" name="CaixaDeTexto 3">
             <a:extLst>
               <a:ext uri="{FF2B5EF4-FFF2-40B4-BE49-F238E27FC236}">
-                <a16:creationId xmlns:a16="http://schemas.microsoft.com/office/drawing/2014/main" xmlns="" id="{430EB894-B7D4-434C-9D1A-A14094D9BEEC}"/>
+                <a16:creationId xmlns="" xmlns:a16="http://schemas.microsoft.com/office/drawing/2014/main" id="{430EB894-B7D4-434C-9D1A-A14094D9BEEC}"/>
               </a:ext>
             </a:extLst>
           </p:cNvPr>
@@ -5763,7 +5763,7 @@
           <p:cNvPr id="1026" name="Picture 2" descr="Logo">
             <a:extLst>
               <a:ext uri="{FF2B5EF4-FFF2-40B4-BE49-F238E27FC236}">
-                <a16:creationId xmlns:a16="http://schemas.microsoft.com/office/drawing/2014/main" xmlns="" id="{3F2642E0-4F6A-4196-8F58-E77D36E9A33F}"/>
+                <a16:creationId xmlns="" xmlns:a16="http://schemas.microsoft.com/office/drawing/2014/main" id="{3F2642E0-4F6A-4196-8F58-E77D36E9A33F}"/>
               </a:ext>
             </a:extLst>
           </p:cNvPr>
@@ -5808,7 +5808,7 @@
           <p:cNvPr id="5122" name="Picture 2" descr="Image result for machine learning">
             <a:extLst>
               <a:ext uri="{FF2B5EF4-FFF2-40B4-BE49-F238E27FC236}">
-                <a16:creationId xmlns:a16="http://schemas.microsoft.com/office/drawing/2014/main" xmlns="" id="{810CE0A2-4102-44A6-A370-175E7896CDCB}"/>
+                <a16:creationId xmlns="" xmlns:a16="http://schemas.microsoft.com/office/drawing/2014/main" id="{810CE0A2-4102-44A6-A370-175E7896CDCB}"/>
               </a:ext>
             </a:extLst>
           </p:cNvPr>
@@ -5900,8 +5900,8 @@
           </a:p>
         </p:txBody>
       </p:sp>
-      <mc:AlternateContent xmlns:mc="http://schemas.openxmlformats.org/markup-compatibility/2006">
-        <mc:Choice xmlns:a14="http://schemas.microsoft.com/office/drawing/2010/main" Requires="a14">
+      <mc:AlternateContent xmlns:mc="http://schemas.openxmlformats.org/markup-compatibility/2006" xmlns:a14="http://schemas.microsoft.com/office/drawing/2010/main">
+        <mc:Choice Requires="a14">
           <p:sp>
             <p:nvSpPr>
               <p:cNvPr id="3" name="Content Placeholder 2"/>
@@ -6511,7 +6511,7 @@
             </p:txBody>
           </p:sp>
         </mc:Choice>
-        <mc:Fallback>
+        <mc:Fallback xmlns="">
           <p:sp>
             <p:nvSpPr>
               <p:cNvPr id="3" name="Content Placeholder 2"/>
@@ -6768,8 +6768,8 @@
           </a:p>
         </p:txBody>
       </p:sp>
-      <mc:AlternateContent xmlns:mc="http://schemas.openxmlformats.org/markup-compatibility/2006">
-        <mc:Choice xmlns:a14="http://schemas.microsoft.com/office/drawing/2010/main" Requires="a14">
+      <mc:AlternateContent xmlns:mc="http://schemas.openxmlformats.org/markup-compatibility/2006" xmlns:a14="http://schemas.microsoft.com/office/drawing/2010/main">
+        <mc:Choice Requires="a14">
           <p:sp>
             <p:nvSpPr>
               <p:cNvPr id="3" name="Content Placeholder 2"/>
@@ -8068,7 +8068,7 @@
             </p:txBody>
           </p:sp>
         </mc:Choice>
-        <mc:Fallback>
+        <mc:Fallback xmlns="">
           <p:sp>
             <p:nvSpPr>
               <p:cNvPr id="3" name="Content Placeholder 2"/>
@@ -9142,8 +9142,8 @@
           </a:fontRef>
         </p:style>
       </p:cxnSp>
-      <mc:AlternateContent xmlns:mc="http://schemas.openxmlformats.org/markup-compatibility/2006">
-        <mc:Choice xmlns:a14="http://schemas.microsoft.com/office/drawing/2010/main" Requires="a14">
+      <mc:AlternateContent xmlns:mc="http://schemas.openxmlformats.org/markup-compatibility/2006" xmlns:a14="http://schemas.microsoft.com/office/drawing/2010/main">
+        <mc:Choice Requires="a14">
           <p:sp>
             <p:nvSpPr>
               <p:cNvPr id="9" name="TextBox 8"/>
@@ -9189,7 +9189,7 @@
             </p:txBody>
           </p:sp>
         </mc:Choice>
-        <mc:Fallback>
+        <mc:Fallback xmlns="">
           <p:sp>
             <p:nvSpPr>
               <p:cNvPr id="9" name="TextBox 8"/>
@@ -9362,7 +9362,11 @@
                 </a:r>
                 <a:r>
                   <a:rPr lang="pt-BR" b="1" i="1" dirty="0"/>
-                  <a:t>função discriminate </a:t>
+                  <a:t>função </a:t>
+                </a:r>
+                <a:r>
+                  <a:rPr lang="pt-BR" b="1" i="1" dirty="0" smtClean="0"/>
+                  <a:t>discriminante </a:t>
                 </a:r>
                 <a:r>
                   <a:rPr lang="pt-BR" dirty="0"/>
@@ -11144,8 +11148,8 @@
           </a:p>
         </p:txBody>
       </p:sp>
-      <mc:AlternateContent xmlns:mc="http://schemas.openxmlformats.org/markup-compatibility/2006">
-        <mc:Choice xmlns:a14="http://schemas.microsoft.com/office/drawing/2010/main" Requires="a14">
+      <mc:AlternateContent xmlns:mc="http://schemas.openxmlformats.org/markup-compatibility/2006" xmlns:a14="http://schemas.microsoft.com/office/drawing/2010/main">
+        <mc:Choice Requires="a14">
           <p:sp>
             <p:nvSpPr>
               <p:cNvPr id="4" name="TextBox 3"/>
@@ -11212,11 +11216,7 @@
                 </a:r>
                 <a:r>
                   <a:rPr lang="pt-BR" dirty="0" smtClean="0"/>
-                  <a:t>regressor </a:t>
-                </a:r>
-                <a:r>
-                  <a:rPr lang="pt-BR" dirty="0" smtClean="0"/>
-                  <a:t>softmax </a:t>
+                  <a:t>regressor softmax </a:t>
                 </a:r>
                 <a:r>
                   <a:rPr lang="pt-BR" dirty="0"/>
@@ -11387,7 +11387,7 @@
             </p:txBody>
           </p:sp>
         </mc:Choice>
-        <mc:Fallback>
+        <mc:Fallback xmlns="">
           <p:sp>
             <p:nvSpPr>
               <p:cNvPr id="4" name="TextBox 3"/>
@@ -11658,7 +11658,7 @@
           <p:cNvPr id="4" name="Título 1">
             <a:extLst>
               <a:ext uri="{FF2B5EF4-FFF2-40B4-BE49-F238E27FC236}">
-                <a16:creationId xmlns:a16="http://schemas.microsoft.com/office/drawing/2014/main" xmlns="" id="{32666AC8-2E17-4DB4-B0F5-60C640CCFD2E}"/>
+                <a16:creationId xmlns="" xmlns:a16="http://schemas.microsoft.com/office/drawing/2014/main" id="{32666AC8-2E17-4DB4-B0F5-60C640CCFD2E}"/>
               </a:ext>
             </a:extLst>
           </p:cNvPr>
@@ -14429,8 +14429,8 @@
           </a:p>
         </p:txBody>
       </p:sp>
-      <mc:AlternateContent xmlns:mc="http://schemas.openxmlformats.org/markup-compatibility/2006">
-        <mc:Choice xmlns:a14="http://schemas.microsoft.com/office/drawing/2010/main" Requires="a14">
+      <mc:AlternateContent xmlns:mc="http://schemas.openxmlformats.org/markup-compatibility/2006" xmlns:a14="http://schemas.microsoft.com/office/drawing/2010/main">
+        <mc:Choice Requires="a14">
           <p:sp>
             <p:nvSpPr>
               <p:cNvPr id="3" name="Content Placeholder 2"/>
@@ -14463,11 +14463,7 @@
                 </a:r>
                 <a:r>
                   <a:rPr lang="pt-BR" dirty="0" smtClean="0"/>
-                  <a:t> </a:t>
-                </a:r>
-                <a:r>
-                  <a:rPr lang="pt-BR" dirty="0" smtClean="0"/>
-                  <a:t>chamada de </a:t>
+                  <a:t> chamada de </a:t>
                 </a:r>
                 <a:r>
                   <a:rPr lang="pt-BR" b="1" i="1" dirty="0" smtClean="0"/>
@@ -16085,19 +16081,7 @@
                 </a:r>
                 <a:r>
                   <a:rPr lang="pt-BR" dirty="0" smtClean="0"/>
-                  <a:t>probabilidades (i.e., valores no </a:t>
-                </a:r>
-                <a:r>
-                  <a:rPr lang="pt-BR" dirty="0" smtClean="0"/>
-                  <a:t>intervalo [0, 1</a:t>
-                </a:r>
-                <a:r>
-                  <a:rPr lang="pt-BR" dirty="0" smtClean="0"/>
-                  <a:t>]) </a:t>
-                </a:r>
-                <a:r>
-                  <a:rPr lang="pt-BR" dirty="0" smtClean="0"/>
-                  <a:t>a </a:t>
+                  <a:t>probabilidades (i.e., valores no intervalo [0, 1]) a </a:t>
                 </a:r>
                 <a:r>
                   <a:rPr lang="pt-BR" dirty="0"/>
@@ -16173,7 +16157,7 @@
             </p:txBody>
           </p:sp>
         </mc:Choice>
-        <mc:Fallback>
+        <mc:Fallback xmlns="">
           <p:sp>
             <p:nvSpPr>
               <p:cNvPr id="3" name="Content Placeholder 2"/>

--- a/slides/T320_Classificação (Parte IV).pptx
+++ b/slides/T320_Classificação (Parte IV).pptx
@@ -290,7 +290,7 @@
           <a:p>
             <a:fld id="{144F1436-6906-4D93-B7A2-786C327BFA14}" type="datetimeFigureOut">
               <a:rPr lang="nl-BE" smtClean="0"/>
-              <a:t>11/09/2021</a:t>
+              <a:t>4/10/2021</a:t>
             </a:fld>
             <a:endParaRPr lang="nl-BE"/>
           </a:p>
@@ -455,7 +455,7 @@
           <a:p>
             <a:fld id="{AA8CD09E-2914-4F47-B6C1-51B2C31814C9}" type="datetimeFigureOut">
               <a:rPr lang="pt-BR" smtClean="0"/>
-              <a:t>11/09/2021</a:t>
+              <a:t>04/10/2021</a:t>
             </a:fld>
             <a:endParaRPr lang="pt-BR"/>
           </a:p>
@@ -2478,7 +2478,7 @@
           <p:cNvPr id="2" name="Título 1">
             <a:extLst>
               <a:ext uri="{FF2B5EF4-FFF2-40B4-BE49-F238E27FC236}">
-                <a16:creationId xmlns="" xmlns:a16="http://schemas.microsoft.com/office/drawing/2014/main" id="{1DB9B4FF-B06E-403C-A326-BDC64D8FF94E}"/>
+                <a16:creationId xmlns:a16="http://schemas.microsoft.com/office/drawing/2014/main" xmlns="" id="{1DB9B4FF-B06E-403C-A326-BDC64D8FF94E}"/>
               </a:ext>
             </a:extLst>
           </p:cNvPr>
@@ -2515,7 +2515,7 @@
           <p:cNvPr id="3" name="Subtítulo 2">
             <a:extLst>
               <a:ext uri="{FF2B5EF4-FFF2-40B4-BE49-F238E27FC236}">
-                <a16:creationId xmlns="" xmlns:a16="http://schemas.microsoft.com/office/drawing/2014/main" id="{247BDFCE-746E-45BF-A319-4733D58D1632}"/>
+                <a16:creationId xmlns:a16="http://schemas.microsoft.com/office/drawing/2014/main" xmlns="" id="{247BDFCE-746E-45BF-A319-4733D58D1632}"/>
               </a:ext>
             </a:extLst>
           </p:cNvPr>
@@ -2585,7 +2585,7 @@
           <p:cNvPr id="4" name="Espaço Reservado para Data 3">
             <a:extLst>
               <a:ext uri="{FF2B5EF4-FFF2-40B4-BE49-F238E27FC236}">
-                <a16:creationId xmlns="" xmlns:a16="http://schemas.microsoft.com/office/drawing/2014/main" id="{9EDE2778-5372-4104-B96D-968184DA8288}"/>
+                <a16:creationId xmlns:a16="http://schemas.microsoft.com/office/drawing/2014/main" xmlns="" id="{9EDE2778-5372-4104-B96D-968184DA8288}"/>
               </a:ext>
             </a:extLst>
           </p:cNvPr>
@@ -2603,7 +2603,7 @@
           <a:p>
             <a:fld id="{63289F7E-B80B-496E-81B4-D396C37C9454}" type="datetimeFigureOut">
               <a:rPr lang="pt-BR" smtClean="0"/>
-              <a:t>11/09/2021</a:t>
+              <a:t>04/10/2021</a:t>
             </a:fld>
             <a:endParaRPr lang="pt-BR"/>
           </a:p>
@@ -2614,7 +2614,7 @@
           <p:cNvPr id="5" name="Espaço Reservado para Rodapé 4">
             <a:extLst>
               <a:ext uri="{FF2B5EF4-FFF2-40B4-BE49-F238E27FC236}">
-                <a16:creationId xmlns="" xmlns:a16="http://schemas.microsoft.com/office/drawing/2014/main" id="{C1DD0F41-C861-4051-988D-3024A37A4B93}"/>
+                <a16:creationId xmlns:a16="http://schemas.microsoft.com/office/drawing/2014/main" xmlns="" id="{C1DD0F41-C861-4051-988D-3024A37A4B93}"/>
               </a:ext>
             </a:extLst>
           </p:cNvPr>
@@ -2639,7 +2639,7 @@
           <p:cNvPr id="6" name="Espaço Reservado para Número de Slide 5">
             <a:extLst>
               <a:ext uri="{FF2B5EF4-FFF2-40B4-BE49-F238E27FC236}">
-                <a16:creationId xmlns="" xmlns:a16="http://schemas.microsoft.com/office/drawing/2014/main" id="{07E5967E-D980-431A-A5DB-3F0C5030A81E}"/>
+                <a16:creationId xmlns:a16="http://schemas.microsoft.com/office/drawing/2014/main" xmlns="" id="{07E5967E-D980-431A-A5DB-3F0C5030A81E}"/>
               </a:ext>
             </a:extLst>
           </p:cNvPr>
@@ -2698,7 +2698,7 @@
           <p:cNvPr id="2" name="Título 1">
             <a:extLst>
               <a:ext uri="{FF2B5EF4-FFF2-40B4-BE49-F238E27FC236}">
-                <a16:creationId xmlns="" xmlns:a16="http://schemas.microsoft.com/office/drawing/2014/main" id="{9036C49F-3E68-4175-81BA-3C3FEE44308A}"/>
+                <a16:creationId xmlns:a16="http://schemas.microsoft.com/office/drawing/2014/main" xmlns="" id="{9036C49F-3E68-4175-81BA-3C3FEE44308A}"/>
               </a:ext>
             </a:extLst>
           </p:cNvPr>
@@ -2726,7 +2726,7 @@
           <p:cNvPr id="3" name="Espaço Reservado para Texto Vertical 2">
             <a:extLst>
               <a:ext uri="{FF2B5EF4-FFF2-40B4-BE49-F238E27FC236}">
-                <a16:creationId xmlns="" xmlns:a16="http://schemas.microsoft.com/office/drawing/2014/main" id="{426FA736-3DD3-4D4E-B57B-BBE1D8F7D424}"/>
+                <a16:creationId xmlns:a16="http://schemas.microsoft.com/office/drawing/2014/main" xmlns="" id="{426FA736-3DD3-4D4E-B57B-BBE1D8F7D424}"/>
               </a:ext>
             </a:extLst>
           </p:cNvPr>
@@ -2783,7 +2783,7 @@
           <p:cNvPr id="4" name="Espaço Reservado para Data 3">
             <a:extLst>
               <a:ext uri="{FF2B5EF4-FFF2-40B4-BE49-F238E27FC236}">
-                <a16:creationId xmlns="" xmlns:a16="http://schemas.microsoft.com/office/drawing/2014/main" id="{99E8855C-D8FD-48F6-B14E-861E0DE4D915}"/>
+                <a16:creationId xmlns:a16="http://schemas.microsoft.com/office/drawing/2014/main" xmlns="" id="{99E8855C-D8FD-48F6-B14E-861E0DE4D915}"/>
               </a:ext>
             </a:extLst>
           </p:cNvPr>
@@ -2801,7 +2801,7 @@
           <a:p>
             <a:fld id="{63289F7E-B80B-496E-81B4-D396C37C9454}" type="datetimeFigureOut">
               <a:rPr lang="pt-BR" smtClean="0"/>
-              <a:t>11/09/2021</a:t>
+              <a:t>04/10/2021</a:t>
             </a:fld>
             <a:endParaRPr lang="pt-BR"/>
           </a:p>
@@ -2812,7 +2812,7 @@
           <p:cNvPr id="5" name="Espaço Reservado para Rodapé 4">
             <a:extLst>
               <a:ext uri="{FF2B5EF4-FFF2-40B4-BE49-F238E27FC236}">
-                <a16:creationId xmlns="" xmlns:a16="http://schemas.microsoft.com/office/drawing/2014/main" id="{97C0BB88-2F21-42A5-ACFF-83DA47F2D340}"/>
+                <a16:creationId xmlns:a16="http://schemas.microsoft.com/office/drawing/2014/main" xmlns="" id="{97C0BB88-2F21-42A5-ACFF-83DA47F2D340}"/>
               </a:ext>
             </a:extLst>
           </p:cNvPr>
@@ -2837,7 +2837,7 @@
           <p:cNvPr id="6" name="Espaço Reservado para Número de Slide 5">
             <a:extLst>
               <a:ext uri="{FF2B5EF4-FFF2-40B4-BE49-F238E27FC236}">
-                <a16:creationId xmlns="" xmlns:a16="http://schemas.microsoft.com/office/drawing/2014/main" id="{6CB462B3-1F22-4C05-B4B8-7A279FB7D5E9}"/>
+                <a16:creationId xmlns:a16="http://schemas.microsoft.com/office/drawing/2014/main" xmlns="" id="{6CB462B3-1F22-4C05-B4B8-7A279FB7D5E9}"/>
               </a:ext>
             </a:extLst>
           </p:cNvPr>
@@ -2896,7 +2896,7 @@
           <p:cNvPr id="2" name="Título Vertical 1">
             <a:extLst>
               <a:ext uri="{FF2B5EF4-FFF2-40B4-BE49-F238E27FC236}">
-                <a16:creationId xmlns="" xmlns:a16="http://schemas.microsoft.com/office/drawing/2014/main" id="{EAEAB728-701C-4207-A9D5-23FF45C60502}"/>
+                <a16:creationId xmlns:a16="http://schemas.microsoft.com/office/drawing/2014/main" xmlns="" id="{EAEAB728-701C-4207-A9D5-23FF45C60502}"/>
               </a:ext>
             </a:extLst>
           </p:cNvPr>
@@ -2929,7 +2929,7 @@
           <p:cNvPr id="3" name="Espaço Reservado para Texto Vertical 2">
             <a:extLst>
               <a:ext uri="{FF2B5EF4-FFF2-40B4-BE49-F238E27FC236}">
-                <a16:creationId xmlns="" xmlns:a16="http://schemas.microsoft.com/office/drawing/2014/main" id="{BA8C8CCF-7823-480A-9A19-0F664DD17E3B}"/>
+                <a16:creationId xmlns:a16="http://schemas.microsoft.com/office/drawing/2014/main" xmlns="" id="{BA8C8CCF-7823-480A-9A19-0F664DD17E3B}"/>
               </a:ext>
             </a:extLst>
           </p:cNvPr>
@@ -2991,7 +2991,7 @@
           <p:cNvPr id="4" name="Espaço Reservado para Data 3">
             <a:extLst>
               <a:ext uri="{FF2B5EF4-FFF2-40B4-BE49-F238E27FC236}">
-                <a16:creationId xmlns="" xmlns:a16="http://schemas.microsoft.com/office/drawing/2014/main" id="{721D5734-7B1F-425D-942F-6EB73344027C}"/>
+                <a16:creationId xmlns:a16="http://schemas.microsoft.com/office/drawing/2014/main" xmlns="" id="{721D5734-7B1F-425D-942F-6EB73344027C}"/>
               </a:ext>
             </a:extLst>
           </p:cNvPr>
@@ -3009,7 +3009,7 @@
           <a:p>
             <a:fld id="{63289F7E-B80B-496E-81B4-D396C37C9454}" type="datetimeFigureOut">
               <a:rPr lang="pt-BR" smtClean="0"/>
-              <a:t>11/09/2021</a:t>
+              <a:t>04/10/2021</a:t>
             </a:fld>
             <a:endParaRPr lang="pt-BR"/>
           </a:p>
@@ -3020,7 +3020,7 @@
           <p:cNvPr id="5" name="Espaço Reservado para Rodapé 4">
             <a:extLst>
               <a:ext uri="{FF2B5EF4-FFF2-40B4-BE49-F238E27FC236}">
-                <a16:creationId xmlns="" xmlns:a16="http://schemas.microsoft.com/office/drawing/2014/main" id="{1E1AAEAC-F08D-45FE-89EC-B1B349A868C9}"/>
+                <a16:creationId xmlns:a16="http://schemas.microsoft.com/office/drawing/2014/main" xmlns="" id="{1E1AAEAC-F08D-45FE-89EC-B1B349A868C9}"/>
               </a:ext>
             </a:extLst>
           </p:cNvPr>
@@ -3045,7 +3045,7 @@
           <p:cNvPr id="6" name="Espaço Reservado para Número de Slide 5">
             <a:extLst>
               <a:ext uri="{FF2B5EF4-FFF2-40B4-BE49-F238E27FC236}">
-                <a16:creationId xmlns="" xmlns:a16="http://schemas.microsoft.com/office/drawing/2014/main" id="{BAA44493-9911-47B2-87A6-C2141A972BC8}"/>
+                <a16:creationId xmlns:a16="http://schemas.microsoft.com/office/drawing/2014/main" xmlns="" id="{BAA44493-9911-47B2-87A6-C2141A972BC8}"/>
               </a:ext>
             </a:extLst>
           </p:cNvPr>
@@ -3104,7 +3104,7 @@
           <p:cNvPr id="2" name="Título 1">
             <a:extLst>
               <a:ext uri="{FF2B5EF4-FFF2-40B4-BE49-F238E27FC236}">
-                <a16:creationId xmlns="" xmlns:a16="http://schemas.microsoft.com/office/drawing/2014/main" id="{71BD44A5-8F21-4626-A01D-48A1C874B1D5}"/>
+                <a16:creationId xmlns:a16="http://schemas.microsoft.com/office/drawing/2014/main" xmlns="" id="{71BD44A5-8F21-4626-A01D-48A1C874B1D5}"/>
               </a:ext>
             </a:extLst>
           </p:cNvPr>
@@ -3132,7 +3132,7 @@
           <p:cNvPr id="3" name="Espaço Reservado para Conteúdo 2">
             <a:extLst>
               <a:ext uri="{FF2B5EF4-FFF2-40B4-BE49-F238E27FC236}">
-                <a16:creationId xmlns="" xmlns:a16="http://schemas.microsoft.com/office/drawing/2014/main" id="{B79E8085-65A9-48AA-951D-71D978BFF4ED}"/>
+                <a16:creationId xmlns:a16="http://schemas.microsoft.com/office/drawing/2014/main" xmlns="" id="{B79E8085-65A9-48AA-951D-71D978BFF4ED}"/>
               </a:ext>
             </a:extLst>
           </p:cNvPr>
@@ -3189,7 +3189,7 @@
           <p:cNvPr id="4" name="Espaço Reservado para Data 3">
             <a:extLst>
               <a:ext uri="{FF2B5EF4-FFF2-40B4-BE49-F238E27FC236}">
-                <a16:creationId xmlns="" xmlns:a16="http://schemas.microsoft.com/office/drawing/2014/main" id="{F05BE1AF-51EA-425D-B188-DE7BD675009F}"/>
+                <a16:creationId xmlns:a16="http://schemas.microsoft.com/office/drawing/2014/main" xmlns="" id="{F05BE1AF-51EA-425D-B188-DE7BD675009F}"/>
               </a:ext>
             </a:extLst>
           </p:cNvPr>
@@ -3207,7 +3207,7 @@
           <a:p>
             <a:fld id="{63289F7E-B80B-496E-81B4-D396C37C9454}" type="datetimeFigureOut">
               <a:rPr lang="pt-BR" smtClean="0"/>
-              <a:t>11/09/2021</a:t>
+              <a:t>04/10/2021</a:t>
             </a:fld>
             <a:endParaRPr lang="pt-BR"/>
           </a:p>
@@ -3218,7 +3218,7 @@
           <p:cNvPr id="5" name="Espaço Reservado para Rodapé 4">
             <a:extLst>
               <a:ext uri="{FF2B5EF4-FFF2-40B4-BE49-F238E27FC236}">
-                <a16:creationId xmlns="" xmlns:a16="http://schemas.microsoft.com/office/drawing/2014/main" id="{121BE632-29CF-4CB9-B365-C9EF38F89BE6}"/>
+                <a16:creationId xmlns:a16="http://schemas.microsoft.com/office/drawing/2014/main" xmlns="" id="{121BE632-29CF-4CB9-B365-C9EF38F89BE6}"/>
               </a:ext>
             </a:extLst>
           </p:cNvPr>
@@ -3243,7 +3243,7 @@
           <p:cNvPr id="6" name="Espaço Reservado para Número de Slide 5">
             <a:extLst>
               <a:ext uri="{FF2B5EF4-FFF2-40B4-BE49-F238E27FC236}">
-                <a16:creationId xmlns="" xmlns:a16="http://schemas.microsoft.com/office/drawing/2014/main" id="{60CF3DD1-9AEC-4A57-B461-4E4DD86FAC18}"/>
+                <a16:creationId xmlns:a16="http://schemas.microsoft.com/office/drawing/2014/main" xmlns="" id="{60CF3DD1-9AEC-4A57-B461-4E4DD86FAC18}"/>
               </a:ext>
             </a:extLst>
           </p:cNvPr>
@@ -3302,7 +3302,7 @@
           <p:cNvPr id="2" name="Título 1">
             <a:extLst>
               <a:ext uri="{FF2B5EF4-FFF2-40B4-BE49-F238E27FC236}">
-                <a16:creationId xmlns="" xmlns:a16="http://schemas.microsoft.com/office/drawing/2014/main" id="{34AB2FF0-A4D7-4E28-991D-FF26140D5988}"/>
+                <a16:creationId xmlns:a16="http://schemas.microsoft.com/office/drawing/2014/main" xmlns="" id="{34AB2FF0-A4D7-4E28-991D-FF26140D5988}"/>
               </a:ext>
             </a:extLst>
           </p:cNvPr>
@@ -3339,7 +3339,7 @@
           <p:cNvPr id="3" name="Espaço Reservado para Texto 2">
             <a:extLst>
               <a:ext uri="{FF2B5EF4-FFF2-40B4-BE49-F238E27FC236}">
-                <a16:creationId xmlns="" xmlns:a16="http://schemas.microsoft.com/office/drawing/2014/main" id="{E2AC45B0-4145-40DB-8E61-105461170604}"/>
+                <a16:creationId xmlns:a16="http://schemas.microsoft.com/office/drawing/2014/main" xmlns="" id="{E2AC45B0-4145-40DB-8E61-105461170604}"/>
               </a:ext>
             </a:extLst>
           </p:cNvPr>
@@ -3464,7 +3464,7 @@
           <p:cNvPr id="4" name="Espaço Reservado para Data 3">
             <a:extLst>
               <a:ext uri="{FF2B5EF4-FFF2-40B4-BE49-F238E27FC236}">
-                <a16:creationId xmlns="" xmlns:a16="http://schemas.microsoft.com/office/drawing/2014/main" id="{50F1D3FB-740A-4EBA-A309-2CE71D12ECFB}"/>
+                <a16:creationId xmlns:a16="http://schemas.microsoft.com/office/drawing/2014/main" xmlns="" id="{50F1D3FB-740A-4EBA-A309-2CE71D12ECFB}"/>
               </a:ext>
             </a:extLst>
           </p:cNvPr>
@@ -3482,7 +3482,7 @@
           <a:p>
             <a:fld id="{63289F7E-B80B-496E-81B4-D396C37C9454}" type="datetimeFigureOut">
               <a:rPr lang="pt-BR" smtClean="0"/>
-              <a:t>11/09/2021</a:t>
+              <a:t>04/10/2021</a:t>
             </a:fld>
             <a:endParaRPr lang="pt-BR"/>
           </a:p>
@@ -3493,7 +3493,7 @@
           <p:cNvPr id="5" name="Espaço Reservado para Rodapé 4">
             <a:extLst>
               <a:ext uri="{FF2B5EF4-FFF2-40B4-BE49-F238E27FC236}">
-                <a16:creationId xmlns="" xmlns:a16="http://schemas.microsoft.com/office/drawing/2014/main" id="{BDCAB18F-8715-4465-A940-F9C193A2ACE9}"/>
+                <a16:creationId xmlns:a16="http://schemas.microsoft.com/office/drawing/2014/main" xmlns="" id="{BDCAB18F-8715-4465-A940-F9C193A2ACE9}"/>
               </a:ext>
             </a:extLst>
           </p:cNvPr>
@@ -3518,7 +3518,7 @@
           <p:cNvPr id="6" name="Espaço Reservado para Número de Slide 5">
             <a:extLst>
               <a:ext uri="{FF2B5EF4-FFF2-40B4-BE49-F238E27FC236}">
-                <a16:creationId xmlns="" xmlns:a16="http://schemas.microsoft.com/office/drawing/2014/main" id="{353466C6-8248-429F-8056-FF040BF509EB}"/>
+                <a16:creationId xmlns:a16="http://schemas.microsoft.com/office/drawing/2014/main" xmlns="" id="{353466C6-8248-429F-8056-FF040BF509EB}"/>
               </a:ext>
             </a:extLst>
           </p:cNvPr>
@@ -3577,7 +3577,7 @@
           <p:cNvPr id="2" name="Título 1">
             <a:extLst>
               <a:ext uri="{FF2B5EF4-FFF2-40B4-BE49-F238E27FC236}">
-                <a16:creationId xmlns="" xmlns:a16="http://schemas.microsoft.com/office/drawing/2014/main" id="{BC7BB9F0-F14B-4A91-B2B7-35BC47FE4DE7}"/>
+                <a16:creationId xmlns:a16="http://schemas.microsoft.com/office/drawing/2014/main" xmlns="" id="{BC7BB9F0-F14B-4A91-B2B7-35BC47FE4DE7}"/>
               </a:ext>
             </a:extLst>
           </p:cNvPr>
@@ -3605,7 +3605,7 @@
           <p:cNvPr id="3" name="Espaço Reservado para Conteúdo 2">
             <a:extLst>
               <a:ext uri="{FF2B5EF4-FFF2-40B4-BE49-F238E27FC236}">
-                <a16:creationId xmlns="" xmlns:a16="http://schemas.microsoft.com/office/drawing/2014/main" id="{EC1FC1C4-73DA-47A6-8496-B0B457F7D39A}"/>
+                <a16:creationId xmlns:a16="http://schemas.microsoft.com/office/drawing/2014/main" xmlns="" id="{EC1FC1C4-73DA-47A6-8496-B0B457F7D39A}"/>
               </a:ext>
             </a:extLst>
           </p:cNvPr>
@@ -3667,7 +3667,7 @@
           <p:cNvPr id="4" name="Espaço Reservado para Conteúdo 3">
             <a:extLst>
               <a:ext uri="{FF2B5EF4-FFF2-40B4-BE49-F238E27FC236}">
-                <a16:creationId xmlns="" xmlns:a16="http://schemas.microsoft.com/office/drawing/2014/main" id="{E92F06A8-A449-4D92-9912-76873E529B38}"/>
+                <a16:creationId xmlns:a16="http://schemas.microsoft.com/office/drawing/2014/main" xmlns="" id="{E92F06A8-A449-4D92-9912-76873E529B38}"/>
               </a:ext>
             </a:extLst>
           </p:cNvPr>
@@ -3729,7 +3729,7 @@
           <p:cNvPr id="5" name="Espaço Reservado para Data 4">
             <a:extLst>
               <a:ext uri="{FF2B5EF4-FFF2-40B4-BE49-F238E27FC236}">
-                <a16:creationId xmlns="" xmlns:a16="http://schemas.microsoft.com/office/drawing/2014/main" id="{938070A4-BC2F-4D55-BD8D-DEAF11BB9EE9}"/>
+                <a16:creationId xmlns:a16="http://schemas.microsoft.com/office/drawing/2014/main" xmlns="" id="{938070A4-BC2F-4D55-BD8D-DEAF11BB9EE9}"/>
               </a:ext>
             </a:extLst>
           </p:cNvPr>
@@ -3747,7 +3747,7 @@
           <a:p>
             <a:fld id="{63289F7E-B80B-496E-81B4-D396C37C9454}" type="datetimeFigureOut">
               <a:rPr lang="pt-BR" smtClean="0"/>
-              <a:t>11/09/2021</a:t>
+              <a:t>04/10/2021</a:t>
             </a:fld>
             <a:endParaRPr lang="pt-BR"/>
           </a:p>
@@ -3758,7 +3758,7 @@
           <p:cNvPr id="6" name="Espaço Reservado para Rodapé 5">
             <a:extLst>
               <a:ext uri="{FF2B5EF4-FFF2-40B4-BE49-F238E27FC236}">
-                <a16:creationId xmlns="" xmlns:a16="http://schemas.microsoft.com/office/drawing/2014/main" id="{45CC2DB8-844A-465F-BA9A-7734C80C7F43}"/>
+                <a16:creationId xmlns:a16="http://schemas.microsoft.com/office/drawing/2014/main" xmlns="" id="{45CC2DB8-844A-465F-BA9A-7734C80C7F43}"/>
               </a:ext>
             </a:extLst>
           </p:cNvPr>
@@ -3783,7 +3783,7 @@
           <p:cNvPr id="7" name="Espaço Reservado para Número de Slide 6">
             <a:extLst>
               <a:ext uri="{FF2B5EF4-FFF2-40B4-BE49-F238E27FC236}">
-                <a16:creationId xmlns="" xmlns:a16="http://schemas.microsoft.com/office/drawing/2014/main" id="{4CC606A8-097B-4040-94E0-CD8C88280D8F}"/>
+                <a16:creationId xmlns:a16="http://schemas.microsoft.com/office/drawing/2014/main" xmlns="" id="{4CC606A8-097B-4040-94E0-CD8C88280D8F}"/>
               </a:ext>
             </a:extLst>
           </p:cNvPr>
@@ -3842,7 +3842,7 @@
           <p:cNvPr id="2" name="Título 1">
             <a:extLst>
               <a:ext uri="{FF2B5EF4-FFF2-40B4-BE49-F238E27FC236}">
-                <a16:creationId xmlns="" xmlns:a16="http://schemas.microsoft.com/office/drawing/2014/main" id="{76D66686-0143-4CB6-8C09-BA326F1E7ACA}"/>
+                <a16:creationId xmlns:a16="http://schemas.microsoft.com/office/drawing/2014/main" xmlns="" id="{76D66686-0143-4CB6-8C09-BA326F1E7ACA}"/>
               </a:ext>
             </a:extLst>
           </p:cNvPr>
@@ -3875,7 +3875,7 @@
           <p:cNvPr id="3" name="Espaço Reservado para Texto 2">
             <a:extLst>
               <a:ext uri="{FF2B5EF4-FFF2-40B4-BE49-F238E27FC236}">
-                <a16:creationId xmlns="" xmlns:a16="http://schemas.microsoft.com/office/drawing/2014/main" id="{0227AB85-F59E-4BCE-B846-4FA0992C2F23}"/>
+                <a16:creationId xmlns:a16="http://schemas.microsoft.com/office/drawing/2014/main" xmlns="" id="{0227AB85-F59E-4BCE-B846-4FA0992C2F23}"/>
               </a:ext>
             </a:extLst>
           </p:cNvPr>
@@ -3946,7 +3946,7 @@
           <p:cNvPr id="4" name="Espaço Reservado para Conteúdo 3">
             <a:extLst>
               <a:ext uri="{FF2B5EF4-FFF2-40B4-BE49-F238E27FC236}">
-                <a16:creationId xmlns="" xmlns:a16="http://schemas.microsoft.com/office/drawing/2014/main" id="{3373456C-7319-4D0A-827D-D29F6B083F5D}"/>
+                <a16:creationId xmlns:a16="http://schemas.microsoft.com/office/drawing/2014/main" xmlns="" id="{3373456C-7319-4D0A-827D-D29F6B083F5D}"/>
               </a:ext>
             </a:extLst>
           </p:cNvPr>
@@ -4008,7 +4008,7 @@
           <p:cNvPr id="5" name="Espaço Reservado para Texto 4">
             <a:extLst>
               <a:ext uri="{FF2B5EF4-FFF2-40B4-BE49-F238E27FC236}">
-                <a16:creationId xmlns="" xmlns:a16="http://schemas.microsoft.com/office/drawing/2014/main" id="{4CD109D0-2E83-4262-8029-A871CEC47406}"/>
+                <a16:creationId xmlns:a16="http://schemas.microsoft.com/office/drawing/2014/main" xmlns="" id="{4CD109D0-2E83-4262-8029-A871CEC47406}"/>
               </a:ext>
             </a:extLst>
           </p:cNvPr>
@@ -4079,7 +4079,7 @@
           <p:cNvPr id="6" name="Espaço Reservado para Conteúdo 5">
             <a:extLst>
               <a:ext uri="{FF2B5EF4-FFF2-40B4-BE49-F238E27FC236}">
-                <a16:creationId xmlns="" xmlns:a16="http://schemas.microsoft.com/office/drawing/2014/main" id="{AD706E3A-CFBB-4A6C-A65F-D0360A9E74FE}"/>
+                <a16:creationId xmlns:a16="http://schemas.microsoft.com/office/drawing/2014/main" xmlns="" id="{AD706E3A-CFBB-4A6C-A65F-D0360A9E74FE}"/>
               </a:ext>
             </a:extLst>
           </p:cNvPr>
@@ -4141,7 +4141,7 @@
           <p:cNvPr id="7" name="Espaço Reservado para Data 6">
             <a:extLst>
               <a:ext uri="{FF2B5EF4-FFF2-40B4-BE49-F238E27FC236}">
-                <a16:creationId xmlns="" xmlns:a16="http://schemas.microsoft.com/office/drawing/2014/main" id="{4172C0E5-5AF0-4805-BB51-443733CD2BD5}"/>
+                <a16:creationId xmlns:a16="http://schemas.microsoft.com/office/drawing/2014/main" xmlns="" id="{4172C0E5-5AF0-4805-BB51-443733CD2BD5}"/>
               </a:ext>
             </a:extLst>
           </p:cNvPr>
@@ -4159,7 +4159,7 @@
           <a:p>
             <a:fld id="{63289F7E-B80B-496E-81B4-D396C37C9454}" type="datetimeFigureOut">
               <a:rPr lang="pt-BR" smtClean="0"/>
-              <a:t>11/09/2021</a:t>
+              <a:t>04/10/2021</a:t>
             </a:fld>
             <a:endParaRPr lang="pt-BR"/>
           </a:p>
@@ -4170,7 +4170,7 @@
           <p:cNvPr id="8" name="Espaço Reservado para Rodapé 7">
             <a:extLst>
               <a:ext uri="{FF2B5EF4-FFF2-40B4-BE49-F238E27FC236}">
-                <a16:creationId xmlns="" xmlns:a16="http://schemas.microsoft.com/office/drawing/2014/main" id="{0E801648-156F-497E-99CF-797DF48051E1}"/>
+                <a16:creationId xmlns:a16="http://schemas.microsoft.com/office/drawing/2014/main" xmlns="" id="{0E801648-156F-497E-99CF-797DF48051E1}"/>
               </a:ext>
             </a:extLst>
           </p:cNvPr>
@@ -4195,7 +4195,7 @@
           <p:cNvPr id="9" name="Espaço Reservado para Número de Slide 8">
             <a:extLst>
               <a:ext uri="{FF2B5EF4-FFF2-40B4-BE49-F238E27FC236}">
-                <a16:creationId xmlns="" xmlns:a16="http://schemas.microsoft.com/office/drawing/2014/main" id="{EEE23D32-80E7-4796-A137-66BF842E4B53}"/>
+                <a16:creationId xmlns:a16="http://schemas.microsoft.com/office/drawing/2014/main" xmlns="" id="{EEE23D32-80E7-4796-A137-66BF842E4B53}"/>
               </a:ext>
             </a:extLst>
           </p:cNvPr>
@@ -4254,7 +4254,7 @@
           <p:cNvPr id="2" name="Título 1">
             <a:extLst>
               <a:ext uri="{FF2B5EF4-FFF2-40B4-BE49-F238E27FC236}">
-                <a16:creationId xmlns="" xmlns:a16="http://schemas.microsoft.com/office/drawing/2014/main" id="{2BCE2379-C78F-47E1-8CFC-B846E7AF148D}"/>
+                <a16:creationId xmlns:a16="http://schemas.microsoft.com/office/drawing/2014/main" xmlns="" id="{2BCE2379-C78F-47E1-8CFC-B846E7AF148D}"/>
               </a:ext>
             </a:extLst>
           </p:cNvPr>
@@ -4282,7 +4282,7 @@
           <p:cNvPr id="3" name="Espaço Reservado para Data 2">
             <a:extLst>
               <a:ext uri="{FF2B5EF4-FFF2-40B4-BE49-F238E27FC236}">
-                <a16:creationId xmlns="" xmlns:a16="http://schemas.microsoft.com/office/drawing/2014/main" id="{342600A9-7F92-4E22-9D94-E4717252A817}"/>
+                <a16:creationId xmlns:a16="http://schemas.microsoft.com/office/drawing/2014/main" xmlns="" id="{342600A9-7F92-4E22-9D94-E4717252A817}"/>
               </a:ext>
             </a:extLst>
           </p:cNvPr>
@@ -4300,7 +4300,7 @@
           <a:p>
             <a:fld id="{63289F7E-B80B-496E-81B4-D396C37C9454}" type="datetimeFigureOut">
               <a:rPr lang="pt-BR" smtClean="0"/>
-              <a:t>11/09/2021</a:t>
+              <a:t>04/10/2021</a:t>
             </a:fld>
             <a:endParaRPr lang="pt-BR"/>
           </a:p>
@@ -4311,7 +4311,7 @@
           <p:cNvPr id="4" name="Espaço Reservado para Rodapé 3">
             <a:extLst>
               <a:ext uri="{FF2B5EF4-FFF2-40B4-BE49-F238E27FC236}">
-                <a16:creationId xmlns="" xmlns:a16="http://schemas.microsoft.com/office/drawing/2014/main" id="{192E6BED-F546-40CC-A2DF-99CBA853654E}"/>
+                <a16:creationId xmlns:a16="http://schemas.microsoft.com/office/drawing/2014/main" xmlns="" id="{192E6BED-F546-40CC-A2DF-99CBA853654E}"/>
               </a:ext>
             </a:extLst>
           </p:cNvPr>
@@ -4336,7 +4336,7 @@
           <p:cNvPr id="5" name="Espaço Reservado para Número de Slide 4">
             <a:extLst>
               <a:ext uri="{FF2B5EF4-FFF2-40B4-BE49-F238E27FC236}">
-                <a16:creationId xmlns="" xmlns:a16="http://schemas.microsoft.com/office/drawing/2014/main" id="{6091CC40-A8C4-4063-80EB-CC5099621678}"/>
+                <a16:creationId xmlns:a16="http://schemas.microsoft.com/office/drawing/2014/main" xmlns="" id="{6091CC40-A8C4-4063-80EB-CC5099621678}"/>
               </a:ext>
             </a:extLst>
           </p:cNvPr>
@@ -4395,7 +4395,7 @@
           <p:cNvPr id="2" name="Espaço Reservado para Data 1">
             <a:extLst>
               <a:ext uri="{FF2B5EF4-FFF2-40B4-BE49-F238E27FC236}">
-                <a16:creationId xmlns="" xmlns:a16="http://schemas.microsoft.com/office/drawing/2014/main" id="{DD19515C-212C-4EAE-84A3-8FF4BC844F1B}"/>
+                <a16:creationId xmlns:a16="http://schemas.microsoft.com/office/drawing/2014/main" xmlns="" id="{DD19515C-212C-4EAE-84A3-8FF4BC844F1B}"/>
               </a:ext>
             </a:extLst>
           </p:cNvPr>
@@ -4413,7 +4413,7 @@
           <a:p>
             <a:fld id="{63289F7E-B80B-496E-81B4-D396C37C9454}" type="datetimeFigureOut">
               <a:rPr lang="pt-BR" smtClean="0"/>
-              <a:t>11/09/2021</a:t>
+              <a:t>04/10/2021</a:t>
             </a:fld>
             <a:endParaRPr lang="pt-BR"/>
           </a:p>
@@ -4424,7 +4424,7 @@
           <p:cNvPr id="3" name="Espaço Reservado para Rodapé 2">
             <a:extLst>
               <a:ext uri="{FF2B5EF4-FFF2-40B4-BE49-F238E27FC236}">
-                <a16:creationId xmlns="" xmlns:a16="http://schemas.microsoft.com/office/drawing/2014/main" id="{94D3D120-B3E8-4C96-861D-7A4F12F49B3A}"/>
+                <a16:creationId xmlns:a16="http://schemas.microsoft.com/office/drawing/2014/main" xmlns="" id="{94D3D120-B3E8-4C96-861D-7A4F12F49B3A}"/>
               </a:ext>
             </a:extLst>
           </p:cNvPr>
@@ -4449,7 +4449,7 @@
           <p:cNvPr id="4" name="Espaço Reservado para Número de Slide 3">
             <a:extLst>
               <a:ext uri="{FF2B5EF4-FFF2-40B4-BE49-F238E27FC236}">
-                <a16:creationId xmlns="" xmlns:a16="http://schemas.microsoft.com/office/drawing/2014/main" id="{42E49B68-FA1B-468B-9F17-D5C09243D454}"/>
+                <a16:creationId xmlns:a16="http://schemas.microsoft.com/office/drawing/2014/main" xmlns="" id="{42E49B68-FA1B-468B-9F17-D5C09243D454}"/>
               </a:ext>
             </a:extLst>
           </p:cNvPr>
@@ -4508,7 +4508,7 @@
           <p:cNvPr id="2" name="Título 1">
             <a:extLst>
               <a:ext uri="{FF2B5EF4-FFF2-40B4-BE49-F238E27FC236}">
-                <a16:creationId xmlns="" xmlns:a16="http://schemas.microsoft.com/office/drawing/2014/main" id="{1C17BCBE-A897-4319-85EC-D87909C24980}"/>
+                <a16:creationId xmlns:a16="http://schemas.microsoft.com/office/drawing/2014/main" xmlns="" id="{1C17BCBE-A897-4319-85EC-D87909C24980}"/>
               </a:ext>
             </a:extLst>
           </p:cNvPr>
@@ -4545,7 +4545,7 @@
           <p:cNvPr id="3" name="Espaço Reservado para Conteúdo 2">
             <a:extLst>
               <a:ext uri="{FF2B5EF4-FFF2-40B4-BE49-F238E27FC236}">
-                <a16:creationId xmlns="" xmlns:a16="http://schemas.microsoft.com/office/drawing/2014/main" id="{4226F885-0204-4913-868B-4B8B82576F17}"/>
+                <a16:creationId xmlns:a16="http://schemas.microsoft.com/office/drawing/2014/main" xmlns="" id="{4226F885-0204-4913-868B-4B8B82576F17}"/>
               </a:ext>
             </a:extLst>
           </p:cNvPr>
@@ -4635,7 +4635,7 @@
           <p:cNvPr id="4" name="Espaço Reservado para Texto 3">
             <a:extLst>
               <a:ext uri="{FF2B5EF4-FFF2-40B4-BE49-F238E27FC236}">
-                <a16:creationId xmlns="" xmlns:a16="http://schemas.microsoft.com/office/drawing/2014/main" id="{00F9F784-A858-441B-8AB5-697098141751}"/>
+                <a16:creationId xmlns:a16="http://schemas.microsoft.com/office/drawing/2014/main" xmlns="" id="{00F9F784-A858-441B-8AB5-697098141751}"/>
               </a:ext>
             </a:extLst>
           </p:cNvPr>
@@ -4706,7 +4706,7 @@
           <p:cNvPr id="5" name="Espaço Reservado para Data 4">
             <a:extLst>
               <a:ext uri="{FF2B5EF4-FFF2-40B4-BE49-F238E27FC236}">
-                <a16:creationId xmlns="" xmlns:a16="http://schemas.microsoft.com/office/drawing/2014/main" id="{A4DC363A-5000-472E-8B17-02E7DCB8840A}"/>
+                <a16:creationId xmlns:a16="http://schemas.microsoft.com/office/drawing/2014/main" xmlns="" id="{A4DC363A-5000-472E-8B17-02E7DCB8840A}"/>
               </a:ext>
             </a:extLst>
           </p:cNvPr>
@@ -4724,7 +4724,7 @@
           <a:p>
             <a:fld id="{63289F7E-B80B-496E-81B4-D396C37C9454}" type="datetimeFigureOut">
               <a:rPr lang="pt-BR" smtClean="0"/>
-              <a:t>11/09/2021</a:t>
+              <a:t>04/10/2021</a:t>
             </a:fld>
             <a:endParaRPr lang="pt-BR"/>
           </a:p>
@@ -4735,7 +4735,7 @@
           <p:cNvPr id="6" name="Espaço Reservado para Rodapé 5">
             <a:extLst>
               <a:ext uri="{FF2B5EF4-FFF2-40B4-BE49-F238E27FC236}">
-                <a16:creationId xmlns="" xmlns:a16="http://schemas.microsoft.com/office/drawing/2014/main" id="{5548425D-2C21-4C56-BAD4-662978775C28}"/>
+                <a16:creationId xmlns:a16="http://schemas.microsoft.com/office/drawing/2014/main" xmlns="" id="{5548425D-2C21-4C56-BAD4-662978775C28}"/>
               </a:ext>
             </a:extLst>
           </p:cNvPr>
@@ -4760,7 +4760,7 @@
           <p:cNvPr id="7" name="Espaço Reservado para Número de Slide 6">
             <a:extLst>
               <a:ext uri="{FF2B5EF4-FFF2-40B4-BE49-F238E27FC236}">
-                <a16:creationId xmlns="" xmlns:a16="http://schemas.microsoft.com/office/drawing/2014/main" id="{C63E9726-E64C-42B2-AE8A-8C235A956B48}"/>
+                <a16:creationId xmlns:a16="http://schemas.microsoft.com/office/drawing/2014/main" xmlns="" id="{C63E9726-E64C-42B2-AE8A-8C235A956B48}"/>
               </a:ext>
             </a:extLst>
           </p:cNvPr>
@@ -4819,7 +4819,7 @@
           <p:cNvPr id="2" name="Título 1">
             <a:extLst>
               <a:ext uri="{FF2B5EF4-FFF2-40B4-BE49-F238E27FC236}">
-                <a16:creationId xmlns="" xmlns:a16="http://schemas.microsoft.com/office/drawing/2014/main" id="{11086A78-3E74-450C-96A6-CA8AC37AF772}"/>
+                <a16:creationId xmlns:a16="http://schemas.microsoft.com/office/drawing/2014/main" xmlns="" id="{11086A78-3E74-450C-96A6-CA8AC37AF772}"/>
               </a:ext>
             </a:extLst>
           </p:cNvPr>
@@ -4856,7 +4856,7 @@
           <p:cNvPr id="3" name="Espaço Reservado para Imagem 2">
             <a:extLst>
               <a:ext uri="{FF2B5EF4-FFF2-40B4-BE49-F238E27FC236}">
-                <a16:creationId xmlns="" xmlns:a16="http://schemas.microsoft.com/office/drawing/2014/main" id="{5F5B7312-975A-4DBC-9B2F-3652ADA006FD}"/>
+                <a16:creationId xmlns:a16="http://schemas.microsoft.com/office/drawing/2014/main" xmlns="" id="{5F5B7312-975A-4DBC-9B2F-3652ADA006FD}"/>
               </a:ext>
             </a:extLst>
           </p:cNvPr>
@@ -4923,7 +4923,7 @@
           <p:cNvPr id="4" name="Espaço Reservado para Texto 3">
             <a:extLst>
               <a:ext uri="{FF2B5EF4-FFF2-40B4-BE49-F238E27FC236}">
-                <a16:creationId xmlns="" xmlns:a16="http://schemas.microsoft.com/office/drawing/2014/main" id="{AAF805F5-1DFF-41C6-944C-7D79FE0D0963}"/>
+                <a16:creationId xmlns:a16="http://schemas.microsoft.com/office/drawing/2014/main" xmlns="" id="{AAF805F5-1DFF-41C6-944C-7D79FE0D0963}"/>
               </a:ext>
             </a:extLst>
           </p:cNvPr>
@@ -4994,7 +4994,7 @@
           <p:cNvPr id="5" name="Espaço Reservado para Data 4">
             <a:extLst>
               <a:ext uri="{FF2B5EF4-FFF2-40B4-BE49-F238E27FC236}">
-                <a16:creationId xmlns="" xmlns:a16="http://schemas.microsoft.com/office/drawing/2014/main" id="{02113D81-8665-4516-BD81-C6A1F254EECD}"/>
+                <a16:creationId xmlns:a16="http://schemas.microsoft.com/office/drawing/2014/main" xmlns="" id="{02113D81-8665-4516-BD81-C6A1F254EECD}"/>
               </a:ext>
             </a:extLst>
           </p:cNvPr>
@@ -5012,7 +5012,7 @@
           <a:p>
             <a:fld id="{63289F7E-B80B-496E-81B4-D396C37C9454}" type="datetimeFigureOut">
               <a:rPr lang="pt-BR" smtClean="0"/>
-              <a:t>11/09/2021</a:t>
+              <a:t>04/10/2021</a:t>
             </a:fld>
             <a:endParaRPr lang="pt-BR"/>
           </a:p>
@@ -5023,7 +5023,7 @@
           <p:cNvPr id="6" name="Espaço Reservado para Rodapé 5">
             <a:extLst>
               <a:ext uri="{FF2B5EF4-FFF2-40B4-BE49-F238E27FC236}">
-                <a16:creationId xmlns="" xmlns:a16="http://schemas.microsoft.com/office/drawing/2014/main" id="{2B00C88B-FF32-40AA-A187-727D96FD7862}"/>
+                <a16:creationId xmlns:a16="http://schemas.microsoft.com/office/drawing/2014/main" xmlns="" id="{2B00C88B-FF32-40AA-A187-727D96FD7862}"/>
               </a:ext>
             </a:extLst>
           </p:cNvPr>
@@ -5048,7 +5048,7 @@
           <p:cNvPr id="7" name="Espaço Reservado para Número de Slide 6">
             <a:extLst>
               <a:ext uri="{FF2B5EF4-FFF2-40B4-BE49-F238E27FC236}">
-                <a16:creationId xmlns="" xmlns:a16="http://schemas.microsoft.com/office/drawing/2014/main" id="{A04D1A2D-69F7-4B8F-A730-BC26DC340BA6}"/>
+                <a16:creationId xmlns:a16="http://schemas.microsoft.com/office/drawing/2014/main" xmlns="" id="{A04D1A2D-69F7-4B8F-A730-BC26DC340BA6}"/>
               </a:ext>
             </a:extLst>
           </p:cNvPr>
@@ -5112,7 +5112,7 @@
           <p:cNvPr id="2" name="Espaço Reservado para Título 1">
             <a:extLst>
               <a:ext uri="{FF2B5EF4-FFF2-40B4-BE49-F238E27FC236}">
-                <a16:creationId xmlns="" xmlns:a16="http://schemas.microsoft.com/office/drawing/2014/main" id="{E69A0273-1966-4A1B-9370-4C1CE5036371}"/>
+                <a16:creationId xmlns:a16="http://schemas.microsoft.com/office/drawing/2014/main" xmlns="" id="{E69A0273-1966-4A1B-9370-4C1CE5036371}"/>
               </a:ext>
             </a:extLst>
           </p:cNvPr>
@@ -5150,7 +5150,7 @@
           <p:cNvPr id="3" name="Espaço Reservado para Texto 2">
             <a:extLst>
               <a:ext uri="{FF2B5EF4-FFF2-40B4-BE49-F238E27FC236}">
-                <a16:creationId xmlns="" xmlns:a16="http://schemas.microsoft.com/office/drawing/2014/main" id="{3B9CF87A-0448-49A7-AB25-EBC1D56A40EF}"/>
+                <a16:creationId xmlns:a16="http://schemas.microsoft.com/office/drawing/2014/main" xmlns="" id="{3B9CF87A-0448-49A7-AB25-EBC1D56A40EF}"/>
               </a:ext>
             </a:extLst>
           </p:cNvPr>
@@ -5217,7 +5217,7 @@
           <p:cNvPr id="4" name="Espaço Reservado para Data 3">
             <a:extLst>
               <a:ext uri="{FF2B5EF4-FFF2-40B4-BE49-F238E27FC236}">
-                <a16:creationId xmlns="" xmlns:a16="http://schemas.microsoft.com/office/drawing/2014/main" id="{2EF7B1F2-BB5A-44D0-816D-16AD2C71430E}"/>
+                <a16:creationId xmlns:a16="http://schemas.microsoft.com/office/drawing/2014/main" xmlns="" id="{2EF7B1F2-BB5A-44D0-816D-16AD2C71430E}"/>
               </a:ext>
             </a:extLst>
           </p:cNvPr>
@@ -5253,7 +5253,7 @@
           <a:p>
             <a:fld id="{63289F7E-B80B-496E-81B4-D396C37C9454}" type="datetimeFigureOut">
               <a:rPr lang="pt-BR" smtClean="0"/>
-              <a:t>11/09/2021</a:t>
+              <a:t>04/10/2021</a:t>
             </a:fld>
             <a:endParaRPr lang="pt-BR"/>
           </a:p>
@@ -5264,7 +5264,7 @@
           <p:cNvPr id="5" name="Espaço Reservado para Rodapé 4">
             <a:extLst>
               <a:ext uri="{FF2B5EF4-FFF2-40B4-BE49-F238E27FC236}">
-                <a16:creationId xmlns="" xmlns:a16="http://schemas.microsoft.com/office/drawing/2014/main" id="{C703F94C-2CC8-4DAA-BC35-14FC3E841DCD}"/>
+                <a16:creationId xmlns:a16="http://schemas.microsoft.com/office/drawing/2014/main" xmlns="" id="{C703F94C-2CC8-4DAA-BC35-14FC3E841DCD}"/>
               </a:ext>
             </a:extLst>
           </p:cNvPr>
@@ -5307,7 +5307,7 @@
           <p:cNvPr id="6" name="Espaço Reservado para Número de Slide 5">
             <a:extLst>
               <a:ext uri="{FF2B5EF4-FFF2-40B4-BE49-F238E27FC236}">
-                <a16:creationId xmlns="" xmlns:a16="http://schemas.microsoft.com/office/drawing/2014/main" id="{64051336-7048-457A-8B61-D94291D71648}"/>
+                <a16:creationId xmlns:a16="http://schemas.microsoft.com/office/drawing/2014/main" xmlns="" id="{64051336-7048-457A-8B61-D94291D71648}"/>
               </a:ext>
             </a:extLst>
           </p:cNvPr>
@@ -5675,7 +5675,7 @@
           <p:cNvPr id="2" name="Título 1">
             <a:extLst>
               <a:ext uri="{FF2B5EF4-FFF2-40B4-BE49-F238E27FC236}">
-                <a16:creationId xmlns="" xmlns:a16="http://schemas.microsoft.com/office/drawing/2014/main" id="{32666AC8-2E17-4DB4-B0F5-60C640CCFD2E}"/>
+                <a16:creationId xmlns:a16="http://schemas.microsoft.com/office/drawing/2014/main" xmlns="" id="{32666AC8-2E17-4DB4-B0F5-60C640CCFD2E}"/>
               </a:ext>
             </a:extLst>
           </p:cNvPr>
@@ -5722,7 +5722,7 @@
           <p:cNvPr id="4" name="CaixaDeTexto 3">
             <a:extLst>
               <a:ext uri="{FF2B5EF4-FFF2-40B4-BE49-F238E27FC236}">
-                <a16:creationId xmlns="" xmlns:a16="http://schemas.microsoft.com/office/drawing/2014/main" id="{430EB894-B7D4-434C-9D1A-A14094D9BEEC}"/>
+                <a16:creationId xmlns:a16="http://schemas.microsoft.com/office/drawing/2014/main" xmlns="" id="{430EB894-B7D4-434C-9D1A-A14094D9BEEC}"/>
               </a:ext>
             </a:extLst>
           </p:cNvPr>
@@ -5763,7 +5763,7 @@
           <p:cNvPr id="1026" name="Picture 2" descr="Logo">
             <a:extLst>
               <a:ext uri="{FF2B5EF4-FFF2-40B4-BE49-F238E27FC236}">
-                <a16:creationId xmlns="" xmlns:a16="http://schemas.microsoft.com/office/drawing/2014/main" id="{3F2642E0-4F6A-4196-8F58-E77D36E9A33F}"/>
+                <a16:creationId xmlns:a16="http://schemas.microsoft.com/office/drawing/2014/main" xmlns="" id="{3F2642E0-4F6A-4196-8F58-E77D36E9A33F}"/>
               </a:ext>
             </a:extLst>
           </p:cNvPr>
@@ -5808,7 +5808,7 @@
           <p:cNvPr id="5122" name="Picture 2" descr="Image result for machine learning">
             <a:extLst>
               <a:ext uri="{FF2B5EF4-FFF2-40B4-BE49-F238E27FC236}">
-                <a16:creationId xmlns="" xmlns:a16="http://schemas.microsoft.com/office/drawing/2014/main" id="{810CE0A2-4102-44A6-A370-175E7896CDCB}"/>
+                <a16:creationId xmlns:a16="http://schemas.microsoft.com/office/drawing/2014/main" xmlns="" id="{810CE0A2-4102-44A6-A370-175E7896CDCB}"/>
               </a:ext>
             </a:extLst>
           </p:cNvPr>
@@ -6768,8 +6768,8 @@
           </a:p>
         </p:txBody>
       </p:sp>
-      <mc:AlternateContent xmlns:mc="http://schemas.openxmlformats.org/markup-compatibility/2006" xmlns:a14="http://schemas.microsoft.com/office/drawing/2010/main">
-        <mc:Choice Requires="a14">
+      <mc:AlternateContent xmlns:mc="http://schemas.openxmlformats.org/markup-compatibility/2006">
+        <mc:Choice xmlns:a14="http://schemas.microsoft.com/office/drawing/2010/main" Requires="a14">
           <p:sp>
             <p:nvSpPr>
               <p:cNvPr id="3" name="Content Placeholder 2"/>
@@ -6793,15 +6793,23 @@
                 </a:r>
                 <a:r>
                   <a:rPr lang="pt-BR" dirty="0"/>
-                  <a:t>a representação </a:t>
-                </a:r>
-                <a:r>
-                  <a:rPr lang="pt-BR" b="1" i="1" dirty="0"/>
-                  <a:t>one-hot-encoding</a:t>
+                  <a:t>a </a:t>
+                </a:r>
+                <a:r>
+                  <a:rPr lang="pt-BR" dirty="0" smtClean="0"/>
+                  <a:t>codificação </a:t>
+                </a:r>
+                <a:r>
+                  <a:rPr lang="pt-BR" b="1" i="1" dirty="0" smtClean="0"/>
+                  <a:t>one-hot</a:t>
+                </a:r>
+                <a:r>
+                  <a:rPr lang="pt-BR" dirty="0" smtClean="0"/>
+                  <a:t>, </a:t>
                 </a:r>
                 <a:r>
                   <a:rPr lang="pt-BR" dirty="0"/>
-                  <a:t>, a equação </a:t>
+                  <a:t>a equação </a:t>
                 </a:r>
                 <a:r>
                   <a:rPr lang="pt-BR" dirty="0" smtClean="0"/>
@@ -8068,7 +8076,7 @@
             </p:txBody>
           </p:sp>
         </mc:Choice>
-        <mc:Fallback xmlns="">
+        <mc:Fallback>
           <p:sp>
             <p:nvSpPr>
               <p:cNvPr id="3" name="Content Placeholder 2"/>
@@ -8083,7 +8091,7 @@
               <a:blipFill rotWithShape="0">
                 <a:blip r:embed="rId3"/>
                 <a:stretch>
-                  <a:fillRect l="-1043" t="-2801" r="-1391" b="-1681"/>
+                  <a:fillRect l="-1043" t="-2801" r="-348" b="-1681"/>
                 </a:stretch>
               </a:blipFill>
             </p:spPr>
@@ -9316,8 +9324,8 @@
           </a:p>
         </p:txBody>
       </p:sp>
-      <mc:AlternateContent xmlns:mc="http://schemas.openxmlformats.org/markup-compatibility/2006">
-        <mc:Choice xmlns:a14="http://schemas.microsoft.com/office/drawing/2010/main" Requires="a14">
+      <mc:AlternateContent xmlns:mc="http://schemas.openxmlformats.org/markup-compatibility/2006" xmlns:a14="http://schemas.microsoft.com/office/drawing/2010/main">
+        <mc:Choice Requires="a14">
           <p:sp>
             <p:nvSpPr>
               <p:cNvPr id="3" name="Content Placeholder 2"/>
@@ -10152,7 +10160,7 @@
             </p:txBody>
           </p:sp>
         </mc:Choice>
-        <mc:Fallback>
+        <mc:Fallback xmlns="">
           <p:sp>
             <p:nvSpPr>
               <p:cNvPr id="3" name="Content Placeholder 2"/>
@@ -11658,7 +11666,7 @@
           <p:cNvPr id="4" name="Título 1">
             <a:extLst>
               <a:ext uri="{FF2B5EF4-FFF2-40B4-BE49-F238E27FC236}">
-                <a16:creationId xmlns="" xmlns:a16="http://schemas.microsoft.com/office/drawing/2014/main" id="{32666AC8-2E17-4DB4-B0F5-60C640CCFD2E}"/>
+                <a16:creationId xmlns:a16="http://schemas.microsoft.com/office/drawing/2014/main" xmlns="" id="{32666AC8-2E17-4DB4-B0F5-60C640CCFD2E}"/>
               </a:ext>
             </a:extLst>
           </p:cNvPr>
@@ -13184,8 +13192,8 @@
           </a:p>
         </p:txBody>
       </p:sp>
-      <mc:AlternateContent xmlns:mc="http://schemas.openxmlformats.org/markup-compatibility/2006" xmlns:a14="http://schemas.microsoft.com/office/drawing/2010/main">
-        <mc:Choice Requires="a14">
+      <mc:AlternateContent xmlns:mc="http://schemas.openxmlformats.org/markup-compatibility/2006">
+        <mc:Choice xmlns:a14="http://schemas.microsoft.com/office/drawing/2010/main" Requires="a14">
           <p:sp>
             <p:nvSpPr>
               <p:cNvPr id="3" name="Content Placeholder 2"/>
@@ -13803,7 +13811,15 @@
               <a:p>
                 <a:r>
                   <a:rPr lang="pt-BR" dirty="0" smtClean="0"/>
-                  <a:t>A desvantagem é que por exemplo, se </a:t>
+                  <a:t>A desvantagem é </a:t>
+                </a:r>
+                <a:r>
+                  <a:rPr lang="pt-BR" dirty="0" smtClean="0"/>
+                  <a:t>que, </a:t>
+                </a:r>
+                <a:r>
+                  <a:rPr lang="pt-BR" dirty="0" smtClean="0"/>
+                  <a:t>por exemplo, se </a:t>
                 </a:r>
                 <a14:m>
                   <m:oMath xmlns:m="http://schemas.openxmlformats.org/officeDocument/2006/math">
@@ -13838,7 +13854,7 @@
             </p:txBody>
           </p:sp>
         </mc:Choice>
-        <mc:Fallback xmlns="">
+        <mc:Fallback>
           <p:sp>
             <p:nvSpPr>
               <p:cNvPr id="3" name="Content Placeholder 2"/>
@@ -14429,8 +14445,8 @@
           </a:p>
         </p:txBody>
       </p:sp>
-      <mc:AlternateContent xmlns:mc="http://schemas.openxmlformats.org/markup-compatibility/2006" xmlns:a14="http://schemas.microsoft.com/office/drawing/2010/main">
-        <mc:Choice Requires="a14">
+      <mc:AlternateContent xmlns:mc="http://schemas.openxmlformats.org/markup-compatibility/2006">
+        <mc:Choice xmlns:a14="http://schemas.microsoft.com/office/drawing/2010/main" Requires="a14">
           <p:sp>
             <p:nvSpPr>
               <p:cNvPr id="3" name="Content Placeholder 2"/>
@@ -15236,12 +15252,6 @@
                                       </m:r>
                                     </m:sup>
                                   </m:sSubSup>
-                                  <m:r>
-                                    <a:rPr lang="pt-BR" i="1">
-                                      <a:latin typeface="Cambria Math" panose="02040503050406030204" pitchFamily="18" charset="0"/>
-                                    </a:rPr>
-                                    <m:t>,</m:t>
-                                  </m:r>
                                 </m:e>
                                 <m:e>
                                   <m:sSubSup>
@@ -15277,12 +15287,6 @@
                                       </m:r>
                                     </m:sup>
                                   </m:sSubSup>
-                                  <m:r>
-                                    <a:rPr lang="pt-BR" i="1">
-                                      <a:latin typeface="Cambria Math" panose="02040503050406030204" pitchFamily="18" charset="0"/>
-                                    </a:rPr>
-                                    <m:t>,</m:t>
-                                  </m:r>
                                 </m:e>
                                 <m:e>
                                   <m:m>
@@ -16157,7 +16161,7 @@
             </p:txBody>
           </p:sp>
         </mc:Choice>
-        <mc:Fallback xmlns="">
+        <mc:Fallback>
           <p:sp>
             <p:nvSpPr>
               <p:cNvPr id="3" name="Content Placeholder 2"/>

--- a/slides/T320_Classificação (Parte IV).pptx
+++ b/slides/T320_Classificação (Parte IV).pptx
@@ -290,7 +290,7 @@
           <a:p>
             <a:fld id="{144F1436-6906-4D93-B7A2-786C327BFA14}" type="datetimeFigureOut">
               <a:rPr lang="nl-BE" smtClean="0"/>
-              <a:t>4/10/2021</a:t>
+              <a:t>19/03/2022</a:t>
             </a:fld>
             <a:endParaRPr lang="nl-BE"/>
           </a:p>
@@ -356,7 +356,7 @@
           <a:p>
             <a:fld id="{F7E56D9B-79AD-444A-AFED-DEC23408F8B4}" type="slidenum">
               <a:rPr lang="nl-BE" smtClean="0"/>
-              <a:t>‹#›</a:t>
+              <a:t>‹nº›</a:t>
             </a:fld>
             <a:endParaRPr lang="nl-BE"/>
           </a:p>
@@ -455,7 +455,7 @@
           <a:p>
             <a:fld id="{AA8CD09E-2914-4F47-B6C1-51B2C31814C9}" type="datetimeFigureOut">
               <a:rPr lang="pt-BR" smtClean="0"/>
-              <a:t>04/10/2021</a:t>
+              <a:t>19/03/2022</a:t>
             </a:fld>
             <a:endParaRPr lang="pt-BR"/>
           </a:p>
@@ -613,7 +613,7 @@
           <a:p>
             <a:fld id="{6FC8D850-966F-45A6-8DE7-15B891E7D40D}" type="slidenum">
               <a:rPr lang="pt-BR" smtClean="0"/>
-              <a:t>‹#›</a:t>
+              <a:t>‹nº›</a:t>
             </a:fld>
             <a:endParaRPr lang="pt-BR"/>
           </a:p>
@@ -2478,7 +2478,7 @@
           <p:cNvPr id="2" name="Título 1">
             <a:extLst>
               <a:ext uri="{FF2B5EF4-FFF2-40B4-BE49-F238E27FC236}">
-                <a16:creationId xmlns:a16="http://schemas.microsoft.com/office/drawing/2014/main" xmlns="" id="{1DB9B4FF-B06E-403C-A326-BDC64D8FF94E}"/>
+                <a16:creationId xmlns="" xmlns:a16="http://schemas.microsoft.com/office/drawing/2014/main" id="{1DB9B4FF-B06E-403C-A326-BDC64D8FF94E}"/>
               </a:ext>
             </a:extLst>
           </p:cNvPr>
@@ -2515,7 +2515,7 @@
           <p:cNvPr id="3" name="Subtítulo 2">
             <a:extLst>
               <a:ext uri="{FF2B5EF4-FFF2-40B4-BE49-F238E27FC236}">
-                <a16:creationId xmlns:a16="http://schemas.microsoft.com/office/drawing/2014/main" xmlns="" id="{247BDFCE-746E-45BF-A319-4733D58D1632}"/>
+                <a16:creationId xmlns="" xmlns:a16="http://schemas.microsoft.com/office/drawing/2014/main" id="{247BDFCE-746E-45BF-A319-4733D58D1632}"/>
               </a:ext>
             </a:extLst>
           </p:cNvPr>
@@ -2585,7 +2585,7 @@
           <p:cNvPr id="4" name="Espaço Reservado para Data 3">
             <a:extLst>
               <a:ext uri="{FF2B5EF4-FFF2-40B4-BE49-F238E27FC236}">
-                <a16:creationId xmlns:a16="http://schemas.microsoft.com/office/drawing/2014/main" xmlns="" id="{9EDE2778-5372-4104-B96D-968184DA8288}"/>
+                <a16:creationId xmlns="" xmlns:a16="http://schemas.microsoft.com/office/drawing/2014/main" id="{9EDE2778-5372-4104-B96D-968184DA8288}"/>
               </a:ext>
             </a:extLst>
           </p:cNvPr>
@@ -2603,7 +2603,7 @@
           <a:p>
             <a:fld id="{63289F7E-B80B-496E-81B4-D396C37C9454}" type="datetimeFigureOut">
               <a:rPr lang="pt-BR" smtClean="0"/>
-              <a:t>04/10/2021</a:t>
+              <a:t>19/03/2022</a:t>
             </a:fld>
             <a:endParaRPr lang="pt-BR"/>
           </a:p>
@@ -2614,7 +2614,7 @@
           <p:cNvPr id="5" name="Espaço Reservado para Rodapé 4">
             <a:extLst>
               <a:ext uri="{FF2B5EF4-FFF2-40B4-BE49-F238E27FC236}">
-                <a16:creationId xmlns:a16="http://schemas.microsoft.com/office/drawing/2014/main" xmlns="" id="{C1DD0F41-C861-4051-988D-3024A37A4B93}"/>
+                <a16:creationId xmlns="" xmlns:a16="http://schemas.microsoft.com/office/drawing/2014/main" id="{C1DD0F41-C861-4051-988D-3024A37A4B93}"/>
               </a:ext>
             </a:extLst>
           </p:cNvPr>
@@ -2639,7 +2639,7 @@
           <p:cNvPr id="6" name="Espaço Reservado para Número de Slide 5">
             <a:extLst>
               <a:ext uri="{FF2B5EF4-FFF2-40B4-BE49-F238E27FC236}">
-                <a16:creationId xmlns:a16="http://schemas.microsoft.com/office/drawing/2014/main" xmlns="" id="{07E5967E-D980-431A-A5DB-3F0C5030A81E}"/>
+                <a16:creationId xmlns="" xmlns:a16="http://schemas.microsoft.com/office/drawing/2014/main" id="{07E5967E-D980-431A-A5DB-3F0C5030A81E}"/>
               </a:ext>
             </a:extLst>
           </p:cNvPr>
@@ -2657,7 +2657,7 @@
           <a:p>
             <a:fld id="{1A7E88B7-70CE-4035-AE73-13FA6FB985D4}" type="slidenum">
               <a:rPr lang="pt-BR" smtClean="0"/>
-              <a:t>‹#›</a:t>
+              <a:t>‹nº›</a:t>
             </a:fld>
             <a:endParaRPr lang="pt-BR"/>
           </a:p>
@@ -2698,7 +2698,7 @@
           <p:cNvPr id="2" name="Título 1">
             <a:extLst>
               <a:ext uri="{FF2B5EF4-FFF2-40B4-BE49-F238E27FC236}">
-                <a16:creationId xmlns:a16="http://schemas.microsoft.com/office/drawing/2014/main" xmlns="" id="{9036C49F-3E68-4175-81BA-3C3FEE44308A}"/>
+                <a16:creationId xmlns="" xmlns:a16="http://schemas.microsoft.com/office/drawing/2014/main" id="{9036C49F-3E68-4175-81BA-3C3FEE44308A}"/>
               </a:ext>
             </a:extLst>
           </p:cNvPr>
@@ -2726,7 +2726,7 @@
           <p:cNvPr id="3" name="Espaço Reservado para Texto Vertical 2">
             <a:extLst>
               <a:ext uri="{FF2B5EF4-FFF2-40B4-BE49-F238E27FC236}">
-                <a16:creationId xmlns:a16="http://schemas.microsoft.com/office/drawing/2014/main" xmlns="" id="{426FA736-3DD3-4D4E-B57B-BBE1D8F7D424}"/>
+                <a16:creationId xmlns="" xmlns:a16="http://schemas.microsoft.com/office/drawing/2014/main" id="{426FA736-3DD3-4D4E-B57B-BBE1D8F7D424}"/>
               </a:ext>
             </a:extLst>
           </p:cNvPr>
@@ -2783,7 +2783,7 @@
           <p:cNvPr id="4" name="Espaço Reservado para Data 3">
             <a:extLst>
               <a:ext uri="{FF2B5EF4-FFF2-40B4-BE49-F238E27FC236}">
-                <a16:creationId xmlns:a16="http://schemas.microsoft.com/office/drawing/2014/main" xmlns="" id="{99E8855C-D8FD-48F6-B14E-861E0DE4D915}"/>
+                <a16:creationId xmlns="" xmlns:a16="http://schemas.microsoft.com/office/drawing/2014/main" id="{99E8855C-D8FD-48F6-B14E-861E0DE4D915}"/>
               </a:ext>
             </a:extLst>
           </p:cNvPr>
@@ -2801,7 +2801,7 @@
           <a:p>
             <a:fld id="{63289F7E-B80B-496E-81B4-D396C37C9454}" type="datetimeFigureOut">
               <a:rPr lang="pt-BR" smtClean="0"/>
-              <a:t>04/10/2021</a:t>
+              <a:t>19/03/2022</a:t>
             </a:fld>
             <a:endParaRPr lang="pt-BR"/>
           </a:p>
@@ -2812,7 +2812,7 @@
           <p:cNvPr id="5" name="Espaço Reservado para Rodapé 4">
             <a:extLst>
               <a:ext uri="{FF2B5EF4-FFF2-40B4-BE49-F238E27FC236}">
-                <a16:creationId xmlns:a16="http://schemas.microsoft.com/office/drawing/2014/main" xmlns="" id="{97C0BB88-2F21-42A5-ACFF-83DA47F2D340}"/>
+                <a16:creationId xmlns="" xmlns:a16="http://schemas.microsoft.com/office/drawing/2014/main" id="{97C0BB88-2F21-42A5-ACFF-83DA47F2D340}"/>
               </a:ext>
             </a:extLst>
           </p:cNvPr>
@@ -2837,7 +2837,7 @@
           <p:cNvPr id="6" name="Espaço Reservado para Número de Slide 5">
             <a:extLst>
               <a:ext uri="{FF2B5EF4-FFF2-40B4-BE49-F238E27FC236}">
-                <a16:creationId xmlns:a16="http://schemas.microsoft.com/office/drawing/2014/main" xmlns="" id="{6CB462B3-1F22-4C05-B4B8-7A279FB7D5E9}"/>
+                <a16:creationId xmlns="" xmlns:a16="http://schemas.microsoft.com/office/drawing/2014/main" id="{6CB462B3-1F22-4C05-B4B8-7A279FB7D5E9}"/>
               </a:ext>
             </a:extLst>
           </p:cNvPr>
@@ -2855,7 +2855,7 @@
           <a:p>
             <a:fld id="{1A7E88B7-70CE-4035-AE73-13FA6FB985D4}" type="slidenum">
               <a:rPr lang="pt-BR" smtClean="0"/>
-              <a:t>‹#›</a:t>
+              <a:t>‹nº›</a:t>
             </a:fld>
             <a:endParaRPr lang="pt-BR"/>
           </a:p>
@@ -2896,7 +2896,7 @@
           <p:cNvPr id="2" name="Título Vertical 1">
             <a:extLst>
               <a:ext uri="{FF2B5EF4-FFF2-40B4-BE49-F238E27FC236}">
-                <a16:creationId xmlns:a16="http://schemas.microsoft.com/office/drawing/2014/main" xmlns="" id="{EAEAB728-701C-4207-A9D5-23FF45C60502}"/>
+                <a16:creationId xmlns="" xmlns:a16="http://schemas.microsoft.com/office/drawing/2014/main" id="{EAEAB728-701C-4207-A9D5-23FF45C60502}"/>
               </a:ext>
             </a:extLst>
           </p:cNvPr>
@@ -2929,7 +2929,7 @@
           <p:cNvPr id="3" name="Espaço Reservado para Texto Vertical 2">
             <a:extLst>
               <a:ext uri="{FF2B5EF4-FFF2-40B4-BE49-F238E27FC236}">
-                <a16:creationId xmlns:a16="http://schemas.microsoft.com/office/drawing/2014/main" xmlns="" id="{BA8C8CCF-7823-480A-9A19-0F664DD17E3B}"/>
+                <a16:creationId xmlns="" xmlns:a16="http://schemas.microsoft.com/office/drawing/2014/main" id="{BA8C8CCF-7823-480A-9A19-0F664DD17E3B}"/>
               </a:ext>
             </a:extLst>
           </p:cNvPr>
@@ -2991,7 +2991,7 @@
           <p:cNvPr id="4" name="Espaço Reservado para Data 3">
             <a:extLst>
               <a:ext uri="{FF2B5EF4-FFF2-40B4-BE49-F238E27FC236}">
-                <a16:creationId xmlns:a16="http://schemas.microsoft.com/office/drawing/2014/main" xmlns="" id="{721D5734-7B1F-425D-942F-6EB73344027C}"/>
+                <a16:creationId xmlns="" xmlns:a16="http://schemas.microsoft.com/office/drawing/2014/main" id="{721D5734-7B1F-425D-942F-6EB73344027C}"/>
               </a:ext>
             </a:extLst>
           </p:cNvPr>
@@ -3009,7 +3009,7 @@
           <a:p>
             <a:fld id="{63289F7E-B80B-496E-81B4-D396C37C9454}" type="datetimeFigureOut">
               <a:rPr lang="pt-BR" smtClean="0"/>
-              <a:t>04/10/2021</a:t>
+              <a:t>19/03/2022</a:t>
             </a:fld>
             <a:endParaRPr lang="pt-BR"/>
           </a:p>
@@ -3020,7 +3020,7 @@
           <p:cNvPr id="5" name="Espaço Reservado para Rodapé 4">
             <a:extLst>
               <a:ext uri="{FF2B5EF4-FFF2-40B4-BE49-F238E27FC236}">
-                <a16:creationId xmlns:a16="http://schemas.microsoft.com/office/drawing/2014/main" xmlns="" id="{1E1AAEAC-F08D-45FE-89EC-B1B349A868C9}"/>
+                <a16:creationId xmlns="" xmlns:a16="http://schemas.microsoft.com/office/drawing/2014/main" id="{1E1AAEAC-F08D-45FE-89EC-B1B349A868C9}"/>
               </a:ext>
             </a:extLst>
           </p:cNvPr>
@@ -3045,7 +3045,7 @@
           <p:cNvPr id="6" name="Espaço Reservado para Número de Slide 5">
             <a:extLst>
               <a:ext uri="{FF2B5EF4-FFF2-40B4-BE49-F238E27FC236}">
-                <a16:creationId xmlns:a16="http://schemas.microsoft.com/office/drawing/2014/main" xmlns="" id="{BAA44493-9911-47B2-87A6-C2141A972BC8}"/>
+                <a16:creationId xmlns="" xmlns:a16="http://schemas.microsoft.com/office/drawing/2014/main" id="{BAA44493-9911-47B2-87A6-C2141A972BC8}"/>
               </a:ext>
             </a:extLst>
           </p:cNvPr>
@@ -3063,7 +3063,7 @@
           <a:p>
             <a:fld id="{1A7E88B7-70CE-4035-AE73-13FA6FB985D4}" type="slidenum">
               <a:rPr lang="pt-BR" smtClean="0"/>
-              <a:t>‹#›</a:t>
+              <a:t>‹nº›</a:t>
             </a:fld>
             <a:endParaRPr lang="pt-BR"/>
           </a:p>
@@ -3104,7 +3104,7 @@
           <p:cNvPr id="2" name="Título 1">
             <a:extLst>
               <a:ext uri="{FF2B5EF4-FFF2-40B4-BE49-F238E27FC236}">
-                <a16:creationId xmlns:a16="http://schemas.microsoft.com/office/drawing/2014/main" xmlns="" id="{71BD44A5-8F21-4626-A01D-48A1C874B1D5}"/>
+                <a16:creationId xmlns="" xmlns:a16="http://schemas.microsoft.com/office/drawing/2014/main" id="{71BD44A5-8F21-4626-A01D-48A1C874B1D5}"/>
               </a:ext>
             </a:extLst>
           </p:cNvPr>
@@ -3132,7 +3132,7 @@
           <p:cNvPr id="3" name="Espaço Reservado para Conteúdo 2">
             <a:extLst>
               <a:ext uri="{FF2B5EF4-FFF2-40B4-BE49-F238E27FC236}">
-                <a16:creationId xmlns:a16="http://schemas.microsoft.com/office/drawing/2014/main" xmlns="" id="{B79E8085-65A9-48AA-951D-71D978BFF4ED}"/>
+                <a16:creationId xmlns="" xmlns:a16="http://schemas.microsoft.com/office/drawing/2014/main" id="{B79E8085-65A9-48AA-951D-71D978BFF4ED}"/>
               </a:ext>
             </a:extLst>
           </p:cNvPr>
@@ -3189,7 +3189,7 @@
           <p:cNvPr id="4" name="Espaço Reservado para Data 3">
             <a:extLst>
               <a:ext uri="{FF2B5EF4-FFF2-40B4-BE49-F238E27FC236}">
-                <a16:creationId xmlns:a16="http://schemas.microsoft.com/office/drawing/2014/main" xmlns="" id="{F05BE1AF-51EA-425D-B188-DE7BD675009F}"/>
+                <a16:creationId xmlns="" xmlns:a16="http://schemas.microsoft.com/office/drawing/2014/main" id="{F05BE1AF-51EA-425D-B188-DE7BD675009F}"/>
               </a:ext>
             </a:extLst>
           </p:cNvPr>
@@ -3207,7 +3207,7 @@
           <a:p>
             <a:fld id="{63289F7E-B80B-496E-81B4-D396C37C9454}" type="datetimeFigureOut">
               <a:rPr lang="pt-BR" smtClean="0"/>
-              <a:t>04/10/2021</a:t>
+              <a:t>19/03/2022</a:t>
             </a:fld>
             <a:endParaRPr lang="pt-BR"/>
           </a:p>
@@ -3218,7 +3218,7 @@
           <p:cNvPr id="5" name="Espaço Reservado para Rodapé 4">
             <a:extLst>
               <a:ext uri="{FF2B5EF4-FFF2-40B4-BE49-F238E27FC236}">
-                <a16:creationId xmlns:a16="http://schemas.microsoft.com/office/drawing/2014/main" xmlns="" id="{121BE632-29CF-4CB9-B365-C9EF38F89BE6}"/>
+                <a16:creationId xmlns="" xmlns:a16="http://schemas.microsoft.com/office/drawing/2014/main" id="{121BE632-29CF-4CB9-B365-C9EF38F89BE6}"/>
               </a:ext>
             </a:extLst>
           </p:cNvPr>
@@ -3243,7 +3243,7 @@
           <p:cNvPr id="6" name="Espaço Reservado para Número de Slide 5">
             <a:extLst>
               <a:ext uri="{FF2B5EF4-FFF2-40B4-BE49-F238E27FC236}">
-                <a16:creationId xmlns:a16="http://schemas.microsoft.com/office/drawing/2014/main" xmlns="" id="{60CF3DD1-9AEC-4A57-B461-4E4DD86FAC18}"/>
+                <a16:creationId xmlns="" xmlns:a16="http://schemas.microsoft.com/office/drawing/2014/main" id="{60CF3DD1-9AEC-4A57-B461-4E4DD86FAC18}"/>
               </a:ext>
             </a:extLst>
           </p:cNvPr>
@@ -3261,7 +3261,7 @@
           <a:p>
             <a:fld id="{1A7E88B7-70CE-4035-AE73-13FA6FB985D4}" type="slidenum">
               <a:rPr lang="pt-BR" smtClean="0"/>
-              <a:t>‹#›</a:t>
+              <a:t>‹nº›</a:t>
             </a:fld>
             <a:endParaRPr lang="pt-BR"/>
           </a:p>
@@ -3302,7 +3302,7 @@
           <p:cNvPr id="2" name="Título 1">
             <a:extLst>
               <a:ext uri="{FF2B5EF4-FFF2-40B4-BE49-F238E27FC236}">
-                <a16:creationId xmlns:a16="http://schemas.microsoft.com/office/drawing/2014/main" xmlns="" id="{34AB2FF0-A4D7-4E28-991D-FF26140D5988}"/>
+                <a16:creationId xmlns="" xmlns:a16="http://schemas.microsoft.com/office/drawing/2014/main" id="{34AB2FF0-A4D7-4E28-991D-FF26140D5988}"/>
               </a:ext>
             </a:extLst>
           </p:cNvPr>
@@ -3339,7 +3339,7 @@
           <p:cNvPr id="3" name="Espaço Reservado para Texto 2">
             <a:extLst>
               <a:ext uri="{FF2B5EF4-FFF2-40B4-BE49-F238E27FC236}">
-                <a16:creationId xmlns:a16="http://schemas.microsoft.com/office/drawing/2014/main" xmlns="" id="{E2AC45B0-4145-40DB-8E61-105461170604}"/>
+                <a16:creationId xmlns="" xmlns:a16="http://schemas.microsoft.com/office/drawing/2014/main" id="{E2AC45B0-4145-40DB-8E61-105461170604}"/>
               </a:ext>
             </a:extLst>
           </p:cNvPr>
@@ -3464,7 +3464,7 @@
           <p:cNvPr id="4" name="Espaço Reservado para Data 3">
             <a:extLst>
               <a:ext uri="{FF2B5EF4-FFF2-40B4-BE49-F238E27FC236}">
-                <a16:creationId xmlns:a16="http://schemas.microsoft.com/office/drawing/2014/main" xmlns="" id="{50F1D3FB-740A-4EBA-A309-2CE71D12ECFB}"/>
+                <a16:creationId xmlns="" xmlns:a16="http://schemas.microsoft.com/office/drawing/2014/main" id="{50F1D3FB-740A-4EBA-A309-2CE71D12ECFB}"/>
               </a:ext>
             </a:extLst>
           </p:cNvPr>
@@ -3482,7 +3482,7 @@
           <a:p>
             <a:fld id="{63289F7E-B80B-496E-81B4-D396C37C9454}" type="datetimeFigureOut">
               <a:rPr lang="pt-BR" smtClean="0"/>
-              <a:t>04/10/2021</a:t>
+              <a:t>19/03/2022</a:t>
             </a:fld>
             <a:endParaRPr lang="pt-BR"/>
           </a:p>
@@ -3493,7 +3493,7 @@
           <p:cNvPr id="5" name="Espaço Reservado para Rodapé 4">
             <a:extLst>
               <a:ext uri="{FF2B5EF4-FFF2-40B4-BE49-F238E27FC236}">
-                <a16:creationId xmlns:a16="http://schemas.microsoft.com/office/drawing/2014/main" xmlns="" id="{BDCAB18F-8715-4465-A940-F9C193A2ACE9}"/>
+                <a16:creationId xmlns="" xmlns:a16="http://schemas.microsoft.com/office/drawing/2014/main" id="{BDCAB18F-8715-4465-A940-F9C193A2ACE9}"/>
               </a:ext>
             </a:extLst>
           </p:cNvPr>
@@ -3518,7 +3518,7 @@
           <p:cNvPr id="6" name="Espaço Reservado para Número de Slide 5">
             <a:extLst>
               <a:ext uri="{FF2B5EF4-FFF2-40B4-BE49-F238E27FC236}">
-                <a16:creationId xmlns:a16="http://schemas.microsoft.com/office/drawing/2014/main" xmlns="" id="{353466C6-8248-429F-8056-FF040BF509EB}"/>
+                <a16:creationId xmlns="" xmlns:a16="http://schemas.microsoft.com/office/drawing/2014/main" id="{353466C6-8248-429F-8056-FF040BF509EB}"/>
               </a:ext>
             </a:extLst>
           </p:cNvPr>
@@ -3536,7 +3536,7 @@
           <a:p>
             <a:fld id="{1A7E88B7-70CE-4035-AE73-13FA6FB985D4}" type="slidenum">
               <a:rPr lang="pt-BR" smtClean="0"/>
-              <a:t>‹#›</a:t>
+              <a:t>‹nº›</a:t>
             </a:fld>
             <a:endParaRPr lang="pt-BR"/>
           </a:p>
@@ -3577,7 +3577,7 @@
           <p:cNvPr id="2" name="Título 1">
             <a:extLst>
               <a:ext uri="{FF2B5EF4-FFF2-40B4-BE49-F238E27FC236}">
-                <a16:creationId xmlns:a16="http://schemas.microsoft.com/office/drawing/2014/main" xmlns="" id="{BC7BB9F0-F14B-4A91-B2B7-35BC47FE4DE7}"/>
+                <a16:creationId xmlns="" xmlns:a16="http://schemas.microsoft.com/office/drawing/2014/main" id="{BC7BB9F0-F14B-4A91-B2B7-35BC47FE4DE7}"/>
               </a:ext>
             </a:extLst>
           </p:cNvPr>
@@ -3605,7 +3605,7 @@
           <p:cNvPr id="3" name="Espaço Reservado para Conteúdo 2">
             <a:extLst>
               <a:ext uri="{FF2B5EF4-FFF2-40B4-BE49-F238E27FC236}">
-                <a16:creationId xmlns:a16="http://schemas.microsoft.com/office/drawing/2014/main" xmlns="" id="{EC1FC1C4-73DA-47A6-8496-B0B457F7D39A}"/>
+                <a16:creationId xmlns="" xmlns:a16="http://schemas.microsoft.com/office/drawing/2014/main" id="{EC1FC1C4-73DA-47A6-8496-B0B457F7D39A}"/>
               </a:ext>
             </a:extLst>
           </p:cNvPr>
@@ -3667,7 +3667,7 @@
           <p:cNvPr id="4" name="Espaço Reservado para Conteúdo 3">
             <a:extLst>
               <a:ext uri="{FF2B5EF4-FFF2-40B4-BE49-F238E27FC236}">
-                <a16:creationId xmlns:a16="http://schemas.microsoft.com/office/drawing/2014/main" xmlns="" id="{E92F06A8-A449-4D92-9912-76873E529B38}"/>
+                <a16:creationId xmlns="" xmlns:a16="http://schemas.microsoft.com/office/drawing/2014/main" id="{E92F06A8-A449-4D92-9912-76873E529B38}"/>
               </a:ext>
             </a:extLst>
           </p:cNvPr>
@@ -3729,7 +3729,7 @@
           <p:cNvPr id="5" name="Espaço Reservado para Data 4">
             <a:extLst>
               <a:ext uri="{FF2B5EF4-FFF2-40B4-BE49-F238E27FC236}">
-                <a16:creationId xmlns:a16="http://schemas.microsoft.com/office/drawing/2014/main" xmlns="" id="{938070A4-BC2F-4D55-BD8D-DEAF11BB9EE9}"/>
+                <a16:creationId xmlns="" xmlns:a16="http://schemas.microsoft.com/office/drawing/2014/main" id="{938070A4-BC2F-4D55-BD8D-DEAF11BB9EE9}"/>
               </a:ext>
             </a:extLst>
           </p:cNvPr>
@@ -3747,7 +3747,7 @@
           <a:p>
             <a:fld id="{63289F7E-B80B-496E-81B4-D396C37C9454}" type="datetimeFigureOut">
               <a:rPr lang="pt-BR" smtClean="0"/>
-              <a:t>04/10/2021</a:t>
+              <a:t>19/03/2022</a:t>
             </a:fld>
             <a:endParaRPr lang="pt-BR"/>
           </a:p>
@@ -3758,7 +3758,7 @@
           <p:cNvPr id="6" name="Espaço Reservado para Rodapé 5">
             <a:extLst>
               <a:ext uri="{FF2B5EF4-FFF2-40B4-BE49-F238E27FC236}">
-                <a16:creationId xmlns:a16="http://schemas.microsoft.com/office/drawing/2014/main" xmlns="" id="{45CC2DB8-844A-465F-BA9A-7734C80C7F43}"/>
+                <a16:creationId xmlns="" xmlns:a16="http://schemas.microsoft.com/office/drawing/2014/main" id="{45CC2DB8-844A-465F-BA9A-7734C80C7F43}"/>
               </a:ext>
             </a:extLst>
           </p:cNvPr>
@@ -3783,7 +3783,7 @@
           <p:cNvPr id="7" name="Espaço Reservado para Número de Slide 6">
             <a:extLst>
               <a:ext uri="{FF2B5EF4-FFF2-40B4-BE49-F238E27FC236}">
-                <a16:creationId xmlns:a16="http://schemas.microsoft.com/office/drawing/2014/main" xmlns="" id="{4CC606A8-097B-4040-94E0-CD8C88280D8F}"/>
+                <a16:creationId xmlns="" xmlns:a16="http://schemas.microsoft.com/office/drawing/2014/main" id="{4CC606A8-097B-4040-94E0-CD8C88280D8F}"/>
               </a:ext>
             </a:extLst>
           </p:cNvPr>
@@ -3801,7 +3801,7 @@
           <a:p>
             <a:fld id="{1A7E88B7-70CE-4035-AE73-13FA6FB985D4}" type="slidenum">
               <a:rPr lang="pt-BR" smtClean="0"/>
-              <a:t>‹#›</a:t>
+              <a:t>‹nº›</a:t>
             </a:fld>
             <a:endParaRPr lang="pt-BR"/>
           </a:p>
@@ -3842,7 +3842,7 @@
           <p:cNvPr id="2" name="Título 1">
             <a:extLst>
               <a:ext uri="{FF2B5EF4-FFF2-40B4-BE49-F238E27FC236}">
-                <a16:creationId xmlns:a16="http://schemas.microsoft.com/office/drawing/2014/main" xmlns="" id="{76D66686-0143-4CB6-8C09-BA326F1E7ACA}"/>
+                <a16:creationId xmlns="" xmlns:a16="http://schemas.microsoft.com/office/drawing/2014/main" id="{76D66686-0143-4CB6-8C09-BA326F1E7ACA}"/>
               </a:ext>
             </a:extLst>
           </p:cNvPr>
@@ -3875,7 +3875,7 @@
           <p:cNvPr id="3" name="Espaço Reservado para Texto 2">
             <a:extLst>
               <a:ext uri="{FF2B5EF4-FFF2-40B4-BE49-F238E27FC236}">
-                <a16:creationId xmlns:a16="http://schemas.microsoft.com/office/drawing/2014/main" xmlns="" id="{0227AB85-F59E-4BCE-B846-4FA0992C2F23}"/>
+                <a16:creationId xmlns="" xmlns:a16="http://schemas.microsoft.com/office/drawing/2014/main" id="{0227AB85-F59E-4BCE-B846-4FA0992C2F23}"/>
               </a:ext>
             </a:extLst>
           </p:cNvPr>
@@ -3946,7 +3946,7 @@
           <p:cNvPr id="4" name="Espaço Reservado para Conteúdo 3">
             <a:extLst>
               <a:ext uri="{FF2B5EF4-FFF2-40B4-BE49-F238E27FC236}">
-                <a16:creationId xmlns:a16="http://schemas.microsoft.com/office/drawing/2014/main" xmlns="" id="{3373456C-7319-4D0A-827D-D29F6B083F5D}"/>
+                <a16:creationId xmlns="" xmlns:a16="http://schemas.microsoft.com/office/drawing/2014/main" id="{3373456C-7319-4D0A-827D-D29F6B083F5D}"/>
               </a:ext>
             </a:extLst>
           </p:cNvPr>
@@ -4008,7 +4008,7 @@
           <p:cNvPr id="5" name="Espaço Reservado para Texto 4">
             <a:extLst>
               <a:ext uri="{FF2B5EF4-FFF2-40B4-BE49-F238E27FC236}">
-                <a16:creationId xmlns:a16="http://schemas.microsoft.com/office/drawing/2014/main" xmlns="" id="{4CD109D0-2E83-4262-8029-A871CEC47406}"/>
+                <a16:creationId xmlns="" xmlns:a16="http://schemas.microsoft.com/office/drawing/2014/main" id="{4CD109D0-2E83-4262-8029-A871CEC47406}"/>
               </a:ext>
             </a:extLst>
           </p:cNvPr>
@@ -4079,7 +4079,7 @@
           <p:cNvPr id="6" name="Espaço Reservado para Conteúdo 5">
             <a:extLst>
               <a:ext uri="{FF2B5EF4-FFF2-40B4-BE49-F238E27FC236}">
-                <a16:creationId xmlns:a16="http://schemas.microsoft.com/office/drawing/2014/main" xmlns="" id="{AD706E3A-CFBB-4A6C-A65F-D0360A9E74FE}"/>
+                <a16:creationId xmlns="" xmlns:a16="http://schemas.microsoft.com/office/drawing/2014/main" id="{AD706E3A-CFBB-4A6C-A65F-D0360A9E74FE}"/>
               </a:ext>
             </a:extLst>
           </p:cNvPr>
@@ -4141,7 +4141,7 @@
           <p:cNvPr id="7" name="Espaço Reservado para Data 6">
             <a:extLst>
               <a:ext uri="{FF2B5EF4-FFF2-40B4-BE49-F238E27FC236}">
-                <a16:creationId xmlns:a16="http://schemas.microsoft.com/office/drawing/2014/main" xmlns="" id="{4172C0E5-5AF0-4805-BB51-443733CD2BD5}"/>
+                <a16:creationId xmlns="" xmlns:a16="http://schemas.microsoft.com/office/drawing/2014/main" id="{4172C0E5-5AF0-4805-BB51-443733CD2BD5}"/>
               </a:ext>
             </a:extLst>
           </p:cNvPr>
@@ -4159,7 +4159,7 @@
           <a:p>
             <a:fld id="{63289F7E-B80B-496E-81B4-D396C37C9454}" type="datetimeFigureOut">
               <a:rPr lang="pt-BR" smtClean="0"/>
-              <a:t>04/10/2021</a:t>
+              <a:t>19/03/2022</a:t>
             </a:fld>
             <a:endParaRPr lang="pt-BR"/>
           </a:p>
@@ -4170,7 +4170,7 @@
           <p:cNvPr id="8" name="Espaço Reservado para Rodapé 7">
             <a:extLst>
               <a:ext uri="{FF2B5EF4-FFF2-40B4-BE49-F238E27FC236}">
-                <a16:creationId xmlns:a16="http://schemas.microsoft.com/office/drawing/2014/main" xmlns="" id="{0E801648-156F-497E-99CF-797DF48051E1}"/>
+                <a16:creationId xmlns="" xmlns:a16="http://schemas.microsoft.com/office/drawing/2014/main" id="{0E801648-156F-497E-99CF-797DF48051E1}"/>
               </a:ext>
             </a:extLst>
           </p:cNvPr>
@@ -4195,7 +4195,7 @@
           <p:cNvPr id="9" name="Espaço Reservado para Número de Slide 8">
             <a:extLst>
               <a:ext uri="{FF2B5EF4-FFF2-40B4-BE49-F238E27FC236}">
-                <a16:creationId xmlns:a16="http://schemas.microsoft.com/office/drawing/2014/main" xmlns="" id="{EEE23D32-80E7-4796-A137-66BF842E4B53}"/>
+                <a16:creationId xmlns="" xmlns:a16="http://schemas.microsoft.com/office/drawing/2014/main" id="{EEE23D32-80E7-4796-A137-66BF842E4B53}"/>
               </a:ext>
             </a:extLst>
           </p:cNvPr>
@@ -4213,7 +4213,7 @@
           <a:p>
             <a:fld id="{1A7E88B7-70CE-4035-AE73-13FA6FB985D4}" type="slidenum">
               <a:rPr lang="pt-BR" smtClean="0"/>
-              <a:t>‹#›</a:t>
+              <a:t>‹nº›</a:t>
             </a:fld>
             <a:endParaRPr lang="pt-BR"/>
           </a:p>
@@ -4254,7 +4254,7 @@
           <p:cNvPr id="2" name="Título 1">
             <a:extLst>
               <a:ext uri="{FF2B5EF4-FFF2-40B4-BE49-F238E27FC236}">
-                <a16:creationId xmlns:a16="http://schemas.microsoft.com/office/drawing/2014/main" xmlns="" id="{2BCE2379-C78F-47E1-8CFC-B846E7AF148D}"/>
+                <a16:creationId xmlns="" xmlns:a16="http://schemas.microsoft.com/office/drawing/2014/main" id="{2BCE2379-C78F-47E1-8CFC-B846E7AF148D}"/>
               </a:ext>
             </a:extLst>
           </p:cNvPr>
@@ -4282,7 +4282,7 @@
           <p:cNvPr id="3" name="Espaço Reservado para Data 2">
             <a:extLst>
               <a:ext uri="{FF2B5EF4-FFF2-40B4-BE49-F238E27FC236}">
-                <a16:creationId xmlns:a16="http://schemas.microsoft.com/office/drawing/2014/main" xmlns="" id="{342600A9-7F92-4E22-9D94-E4717252A817}"/>
+                <a16:creationId xmlns="" xmlns:a16="http://schemas.microsoft.com/office/drawing/2014/main" id="{342600A9-7F92-4E22-9D94-E4717252A817}"/>
               </a:ext>
             </a:extLst>
           </p:cNvPr>
@@ -4300,7 +4300,7 @@
           <a:p>
             <a:fld id="{63289F7E-B80B-496E-81B4-D396C37C9454}" type="datetimeFigureOut">
               <a:rPr lang="pt-BR" smtClean="0"/>
-              <a:t>04/10/2021</a:t>
+              <a:t>19/03/2022</a:t>
             </a:fld>
             <a:endParaRPr lang="pt-BR"/>
           </a:p>
@@ -4311,7 +4311,7 @@
           <p:cNvPr id="4" name="Espaço Reservado para Rodapé 3">
             <a:extLst>
               <a:ext uri="{FF2B5EF4-FFF2-40B4-BE49-F238E27FC236}">
-                <a16:creationId xmlns:a16="http://schemas.microsoft.com/office/drawing/2014/main" xmlns="" id="{192E6BED-F546-40CC-A2DF-99CBA853654E}"/>
+                <a16:creationId xmlns="" xmlns:a16="http://schemas.microsoft.com/office/drawing/2014/main" id="{192E6BED-F546-40CC-A2DF-99CBA853654E}"/>
               </a:ext>
             </a:extLst>
           </p:cNvPr>
@@ -4336,7 +4336,7 @@
           <p:cNvPr id="5" name="Espaço Reservado para Número de Slide 4">
             <a:extLst>
               <a:ext uri="{FF2B5EF4-FFF2-40B4-BE49-F238E27FC236}">
-                <a16:creationId xmlns:a16="http://schemas.microsoft.com/office/drawing/2014/main" xmlns="" id="{6091CC40-A8C4-4063-80EB-CC5099621678}"/>
+                <a16:creationId xmlns="" xmlns:a16="http://schemas.microsoft.com/office/drawing/2014/main" id="{6091CC40-A8C4-4063-80EB-CC5099621678}"/>
               </a:ext>
             </a:extLst>
           </p:cNvPr>
@@ -4354,7 +4354,7 @@
           <a:p>
             <a:fld id="{1A7E88B7-70CE-4035-AE73-13FA6FB985D4}" type="slidenum">
               <a:rPr lang="pt-BR" smtClean="0"/>
-              <a:t>‹#›</a:t>
+              <a:t>‹nº›</a:t>
             </a:fld>
             <a:endParaRPr lang="pt-BR"/>
           </a:p>
@@ -4395,7 +4395,7 @@
           <p:cNvPr id="2" name="Espaço Reservado para Data 1">
             <a:extLst>
               <a:ext uri="{FF2B5EF4-FFF2-40B4-BE49-F238E27FC236}">
-                <a16:creationId xmlns:a16="http://schemas.microsoft.com/office/drawing/2014/main" xmlns="" id="{DD19515C-212C-4EAE-84A3-8FF4BC844F1B}"/>
+                <a16:creationId xmlns="" xmlns:a16="http://schemas.microsoft.com/office/drawing/2014/main" id="{DD19515C-212C-4EAE-84A3-8FF4BC844F1B}"/>
               </a:ext>
             </a:extLst>
           </p:cNvPr>
@@ -4413,7 +4413,7 @@
           <a:p>
             <a:fld id="{63289F7E-B80B-496E-81B4-D396C37C9454}" type="datetimeFigureOut">
               <a:rPr lang="pt-BR" smtClean="0"/>
-              <a:t>04/10/2021</a:t>
+              <a:t>19/03/2022</a:t>
             </a:fld>
             <a:endParaRPr lang="pt-BR"/>
           </a:p>
@@ -4424,7 +4424,7 @@
           <p:cNvPr id="3" name="Espaço Reservado para Rodapé 2">
             <a:extLst>
               <a:ext uri="{FF2B5EF4-FFF2-40B4-BE49-F238E27FC236}">
-                <a16:creationId xmlns:a16="http://schemas.microsoft.com/office/drawing/2014/main" xmlns="" id="{94D3D120-B3E8-4C96-861D-7A4F12F49B3A}"/>
+                <a16:creationId xmlns="" xmlns:a16="http://schemas.microsoft.com/office/drawing/2014/main" id="{94D3D120-B3E8-4C96-861D-7A4F12F49B3A}"/>
               </a:ext>
             </a:extLst>
           </p:cNvPr>
@@ -4449,7 +4449,7 @@
           <p:cNvPr id="4" name="Espaço Reservado para Número de Slide 3">
             <a:extLst>
               <a:ext uri="{FF2B5EF4-FFF2-40B4-BE49-F238E27FC236}">
-                <a16:creationId xmlns:a16="http://schemas.microsoft.com/office/drawing/2014/main" xmlns="" id="{42E49B68-FA1B-468B-9F17-D5C09243D454}"/>
+                <a16:creationId xmlns="" xmlns:a16="http://schemas.microsoft.com/office/drawing/2014/main" id="{42E49B68-FA1B-468B-9F17-D5C09243D454}"/>
               </a:ext>
             </a:extLst>
           </p:cNvPr>
@@ -4467,7 +4467,7 @@
           <a:p>
             <a:fld id="{1A7E88B7-70CE-4035-AE73-13FA6FB985D4}" type="slidenum">
               <a:rPr lang="pt-BR" smtClean="0"/>
-              <a:t>‹#›</a:t>
+              <a:t>‹nº›</a:t>
             </a:fld>
             <a:endParaRPr lang="pt-BR"/>
           </a:p>
@@ -4508,7 +4508,7 @@
           <p:cNvPr id="2" name="Título 1">
             <a:extLst>
               <a:ext uri="{FF2B5EF4-FFF2-40B4-BE49-F238E27FC236}">
-                <a16:creationId xmlns:a16="http://schemas.microsoft.com/office/drawing/2014/main" xmlns="" id="{1C17BCBE-A897-4319-85EC-D87909C24980}"/>
+                <a16:creationId xmlns="" xmlns:a16="http://schemas.microsoft.com/office/drawing/2014/main" id="{1C17BCBE-A897-4319-85EC-D87909C24980}"/>
               </a:ext>
             </a:extLst>
           </p:cNvPr>
@@ -4545,7 +4545,7 @@
           <p:cNvPr id="3" name="Espaço Reservado para Conteúdo 2">
             <a:extLst>
               <a:ext uri="{FF2B5EF4-FFF2-40B4-BE49-F238E27FC236}">
-                <a16:creationId xmlns:a16="http://schemas.microsoft.com/office/drawing/2014/main" xmlns="" id="{4226F885-0204-4913-868B-4B8B82576F17}"/>
+                <a16:creationId xmlns="" xmlns:a16="http://schemas.microsoft.com/office/drawing/2014/main" id="{4226F885-0204-4913-868B-4B8B82576F17}"/>
               </a:ext>
             </a:extLst>
           </p:cNvPr>
@@ -4635,7 +4635,7 @@
           <p:cNvPr id="4" name="Espaço Reservado para Texto 3">
             <a:extLst>
               <a:ext uri="{FF2B5EF4-FFF2-40B4-BE49-F238E27FC236}">
-                <a16:creationId xmlns:a16="http://schemas.microsoft.com/office/drawing/2014/main" xmlns="" id="{00F9F784-A858-441B-8AB5-697098141751}"/>
+                <a16:creationId xmlns="" xmlns:a16="http://schemas.microsoft.com/office/drawing/2014/main" id="{00F9F784-A858-441B-8AB5-697098141751}"/>
               </a:ext>
             </a:extLst>
           </p:cNvPr>
@@ -4706,7 +4706,7 @@
           <p:cNvPr id="5" name="Espaço Reservado para Data 4">
             <a:extLst>
               <a:ext uri="{FF2B5EF4-FFF2-40B4-BE49-F238E27FC236}">
-                <a16:creationId xmlns:a16="http://schemas.microsoft.com/office/drawing/2014/main" xmlns="" id="{A4DC363A-5000-472E-8B17-02E7DCB8840A}"/>
+                <a16:creationId xmlns="" xmlns:a16="http://schemas.microsoft.com/office/drawing/2014/main" id="{A4DC363A-5000-472E-8B17-02E7DCB8840A}"/>
               </a:ext>
             </a:extLst>
           </p:cNvPr>
@@ -4724,7 +4724,7 @@
           <a:p>
             <a:fld id="{63289F7E-B80B-496E-81B4-D396C37C9454}" type="datetimeFigureOut">
               <a:rPr lang="pt-BR" smtClean="0"/>
-              <a:t>04/10/2021</a:t>
+              <a:t>19/03/2022</a:t>
             </a:fld>
             <a:endParaRPr lang="pt-BR"/>
           </a:p>
@@ -4735,7 +4735,7 @@
           <p:cNvPr id="6" name="Espaço Reservado para Rodapé 5">
             <a:extLst>
               <a:ext uri="{FF2B5EF4-FFF2-40B4-BE49-F238E27FC236}">
-                <a16:creationId xmlns:a16="http://schemas.microsoft.com/office/drawing/2014/main" xmlns="" id="{5548425D-2C21-4C56-BAD4-662978775C28}"/>
+                <a16:creationId xmlns="" xmlns:a16="http://schemas.microsoft.com/office/drawing/2014/main" id="{5548425D-2C21-4C56-BAD4-662978775C28}"/>
               </a:ext>
             </a:extLst>
           </p:cNvPr>
@@ -4760,7 +4760,7 @@
           <p:cNvPr id="7" name="Espaço Reservado para Número de Slide 6">
             <a:extLst>
               <a:ext uri="{FF2B5EF4-FFF2-40B4-BE49-F238E27FC236}">
-                <a16:creationId xmlns:a16="http://schemas.microsoft.com/office/drawing/2014/main" xmlns="" id="{C63E9726-E64C-42B2-AE8A-8C235A956B48}"/>
+                <a16:creationId xmlns="" xmlns:a16="http://schemas.microsoft.com/office/drawing/2014/main" id="{C63E9726-E64C-42B2-AE8A-8C235A956B48}"/>
               </a:ext>
             </a:extLst>
           </p:cNvPr>
@@ -4778,7 +4778,7 @@
           <a:p>
             <a:fld id="{1A7E88B7-70CE-4035-AE73-13FA6FB985D4}" type="slidenum">
               <a:rPr lang="pt-BR" smtClean="0"/>
-              <a:t>‹#›</a:t>
+              <a:t>‹nº›</a:t>
             </a:fld>
             <a:endParaRPr lang="pt-BR"/>
           </a:p>
@@ -4819,7 +4819,7 @@
           <p:cNvPr id="2" name="Título 1">
             <a:extLst>
               <a:ext uri="{FF2B5EF4-FFF2-40B4-BE49-F238E27FC236}">
-                <a16:creationId xmlns:a16="http://schemas.microsoft.com/office/drawing/2014/main" xmlns="" id="{11086A78-3E74-450C-96A6-CA8AC37AF772}"/>
+                <a16:creationId xmlns="" xmlns:a16="http://schemas.microsoft.com/office/drawing/2014/main" id="{11086A78-3E74-450C-96A6-CA8AC37AF772}"/>
               </a:ext>
             </a:extLst>
           </p:cNvPr>
@@ -4856,7 +4856,7 @@
           <p:cNvPr id="3" name="Espaço Reservado para Imagem 2">
             <a:extLst>
               <a:ext uri="{FF2B5EF4-FFF2-40B4-BE49-F238E27FC236}">
-                <a16:creationId xmlns:a16="http://schemas.microsoft.com/office/drawing/2014/main" xmlns="" id="{5F5B7312-975A-4DBC-9B2F-3652ADA006FD}"/>
+                <a16:creationId xmlns="" xmlns:a16="http://schemas.microsoft.com/office/drawing/2014/main" id="{5F5B7312-975A-4DBC-9B2F-3652ADA006FD}"/>
               </a:ext>
             </a:extLst>
           </p:cNvPr>
@@ -4923,7 +4923,7 @@
           <p:cNvPr id="4" name="Espaço Reservado para Texto 3">
             <a:extLst>
               <a:ext uri="{FF2B5EF4-FFF2-40B4-BE49-F238E27FC236}">
-                <a16:creationId xmlns:a16="http://schemas.microsoft.com/office/drawing/2014/main" xmlns="" id="{AAF805F5-1DFF-41C6-944C-7D79FE0D0963}"/>
+                <a16:creationId xmlns="" xmlns:a16="http://schemas.microsoft.com/office/drawing/2014/main" id="{AAF805F5-1DFF-41C6-944C-7D79FE0D0963}"/>
               </a:ext>
             </a:extLst>
           </p:cNvPr>
@@ -4994,7 +4994,7 @@
           <p:cNvPr id="5" name="Espaço Reservado para Data 4">
             <a:extLst>
               <a:ext uri="{FF2B5EF4-FFF2-40B4-BE49-F238E27FC236}">
-                <a16:creationId xmlns:a16="http://schemas.microsoft.com/office/drawing/2014/main" xmlns="" id="{02113D81-8665-4516-BD81-C6A1F254EECD}"/>
+                <a16:creationId xmlns="" xmlns:a16="http://schemas.microsoft.com/office/drawing/2014/main" id="{02113D81-8665-4516-BD81-C6A1F254EECD}"/>
               </a:ext>
             </a:extLst>
           </p:cNvPr>
@@ -5012,7 +5012,7 @@
           <a:p>
             <a:fld id="{63289F7E-B80B-496E-81B4-D396C37C9454}" type="datetimeFigureOut">
               <a:rPr lang="pt-BR" smtClean="0"/>
-              <a:t>04/10/2021</a:t>
+              <a:t>19/03/2022</a:t>
             </a:fld>
             <a:endParaRPr lang="pt-BR"/>
           </a:p>
@@ -5023,7 +5023,7 @@
           <p:cNvPr id="6" name="Espaço Reservado para Rodapé 5">
             <a:extLst>
               <a:ext uri="{FF2B5EF4-FFF2-40B4-BE49-F238E27FC236}">
-                <a16:creationId xmlns:a16="http://schemas.microsoft.com/office/drawing/2014/main" xmlns="" id="{2B00C88B-FF32-40AA-A187-727D96FD7862}"/>
+                <a16:creationId xmlns="" xmlns:a16="http://schemas.microsoft.com/office/drawing/2014/main" id="{2B00C88B-FF32-40AA-A187-727D96FD7862}"/>
               </a:ext>
             </a:extLst>
           </p:cNvPr>
@@ -5048,7 +5048,7 @@
           <p:cNvPr id="7" name="Espaço Reservado para Número de Slide 6">
             <a:extLst>
               <a:ext uri="{FF2B5EF4-FFF2-40B4-BE49-F238E27FC236}">
-                <a16:creationId xmlns:a16="http://schemas.microsoft.com/office/drawing/2014/main" xmlns="" id="{A04D1A2D-69F7-4B8F-A730-BC26DC340BA6}"/>
+                <a16:creationId xmlns="" xmlns:a16="http://schemas.microsoft.com/office/drawing/2014/main" id="{A04D1A2D-69F7-4B8F-A730-BC26DC340BA6}"/>
               </a:ext>
             </a:extLst>
           </p:cNvPr>
@@ -5066,7 +5066,7 @@
           <a:p>
             <a:fld id="{1A7E88B7-70CE-4035-AE73-13FA6FB985D4}" type="slidenum">
               <a:rPr lang="pt-BR" smtClean="0"/>
-              <a:t>‹#›</a:t>
+              <a:t>‹nº›</a:t>
             </a:fld>
             <a:endParaRPr lang="pt-BR"/>
           </a:p>
@@ -5112,7 +5112,7 @@
           <p:cNvPr id="2" name="Espaço Reservado para Título 1">
             <a:extLst>
               <a:ext uri="{FF2B5EF4-FFF2-40B4-BE49-F238E27FC236}">
-                <a16:creationId xmlns:a16="http://schemas.microsoft.com/office/drawing/2014/main" xmlns="" id="{E69A0273-1966-4A1B-9370-4C1CE5036371}"/>
+                <a16:creationId xmlns="" xmlns:a16="http://schemas.microsoft.com/office/drawing/2014/main" id="{E69A0273-1966-4A1B-9370-4C1CE5036371}"/>
               </a:ext>
             </a:extLst>
           </p:cNvPr>
@@ -5150,7 +5150,7 @@
           <p:cNvPr id="3" name="Espaço Reservado para Texto 2">
             <a:extLst>
               <a:ext uri="{FF2B5EF4-FFF2-40B4-BE49-F238E27FC236}">
-                <a16:creationId xmlns:a16="http://schemas.microsoft.com/office/drawing/2014/main" xmlns="" id="{3B9CF87A-0448-49A7-AB25-EBC1D56A40EF}"/>
+                <a16:creationId xmlns="" xmlns:a16="http://schemas.microsoft.com/office/drawing/2014/main" id="{3B9CF87A-0448-49A7-AB25-EBC1D56A40EF}"/>
               </a:ext>
             </a:extLst>
           </p:cNvPr>
@@ -5217,7 +5217,7 @@
           <p:cNvPr id="4" name="Espaço Reservado para Data 3">
             <a:extLst>
               <a:ext uri="{FF2B5EF4-FFF2-40B4-BE49-F238E27FC236}">
-                <a16:creationId xmlns:a16="http://schemas.microsoft.com/office/drawing/2014/main" xmlns="" id="{2EF7B1F2-BB5A-44D0-816D-16AD2C71430E}"/>
+                <a16:creationId xmlns="" xmlns:a16="http://schemas.microsoft.com/office/drawing/2014/main" id="{2EF7B1F2-BB5A-44D0-816D-16AD2C71430E}"/>
               </a:ext>
             </a:extLst>
           </p:cNvPr>
@@ -5253,7 +5253,7 @@
           <a:p>
             <a:fld id="{63289F7E-B80B-496E-81B4-D396C37C9454}" type="datetimeFigureOut">
               <a:rPr lang="pt-BR" smtClean="0"/>
-              <a:t>04/10/2021</a:t>
+              <a:t>19/03/2022</a:t>
             </a:fld>
             <a:endParaRPr lang="pt-BR"/>
           </a:p>
@@ -5264,7 +5264,7 @@
           <p:cNvPr id="5" name="Espaço Reservado para Rodapé 4">
             <a:extLst>
               <a:ext uri="{FF2B5EF4-FFF2-40B4-BE49-F238E27FC236}">
-                <a16:creationId xmlns:a16="http://schemas.microsoft.com/office/drawing/2014/main" xmlns="" id="{C703F94C-2CC8-4DAA-BC35-14FC3E841DCD}"/>
+                <a16:creationId xmlns="" xmlns:a16="http://schemas.microsoft.com/office/drawing/2014/main" id="{C703F94C-2CC8-4DAA-BC35-14FC3E841DCD}"/>
               </a:ext>
             </a:extLst>
           </p:cNvPr>
@@ -5307,7 +5307,7 @@
           <p:cNvPr id="6" name="Espaço Reservado para Número de Slide 5">
             <a:extLst>
               <a:ext uri="{FF2B5EF4-FFF2-40B4-BE49-F238E27FC236}">
-                <a16:creationId xmlns:a16="http://schemas.microsoft.com/office/drawing/2014/main" xmlns="" id="{64051336-7048-457A-8B61-D94291D71648}"/>
+                <a16:creationId xmlns="" xmlns:a16="http://schemas.microsoft.com/office/drawing/2014/main" id="{64051336-7048-457A-8B61-D94291D71648}"/>
               </a:ext>
             </a:extLst>
           </p:cNvPr>
@@ -5343,7 +5343,7 @@
           <a:p>
             <a:fld id="{1A7E88B7-70CE-4035-AE73-13FA6FB985D4}" type="slidenum">
               <a:rPr lang="pt-BR" smtClean="0"/>
-              <a:t>‹#›</a:t>
+              <a:t>‹nº›</a:t>
             </a:fld>
             <a:endParaRPr lang="pt-BR"/>
           </a:p>
@@ -5675,7 +5675,7 @@
           <p:cNvPr id="2" name="Título 1">
             <a:extLst>
               <a:ext uri="{FF2B5EF4-FFF2-40B4-BE49-F238E27FC236}">
-                <a16:creationId xmlns:a16="http://schemas.microsoft.com/office/drawing/2014/main" xmlns="" id="{32666AC8-2E17-4DB4-B0F5-60C640CCFD2E}"/>
+                <a16:creationId xmlns="" xmlns:a16="http://schemas.microsoft.com/office/drawing/2014/main" id="{32666AC8-2E17-4DB4-B0F5-60C640CCFD2E}"/>
               </a:ext>
             </a:extLst>
           </p:cNvPr>
@@ -5722,7 +5722,7 @@
           <p:cNvPr id="4" name="CaixaDeTexto 3">
             <a:extLst>
               <a:ext uri="{FF2B5EF4-FFF2-40B4-BE49-F238E27FC236}">
-                <a16:creationId xmlns:a16="http://schemas.microsoft.com/office/drawing/2014/main" xmlns="" id="{430EB894-B7D4-434C-9D1A-A14094D9BEEC}"/>
+                <a16:creationId xmlns="" xmlns:a16="http://schemas.microsoft.com/office/drawing/2014/main" id="{430EB894-B7D4-434C-9D1A-A14094D9BEEC}"/>
               </a:ext>
             </a:extLst>
           </p:cNvPr>
@@ -5763,7 +5763,7 @@
           <p:cNvPr id="1026" name="Picture 2" descr="Logo">
             <a:extLst>
               <a:ext uri="{FF2B5EF4-FFF2-40B4-BE49-F238E27FC236}">
-                <a16:creationId xmlns:a16="http://schemas.microsoft.com/office/drawing/2014/main" xmlns="" id="{3F2642E0-4F6A-4196-8F58-E77D36E9A33F}"/>
+                <a16:creationId xmlns="" xmlns:a16="http://schemas.microsoft.com/office/drawing/2014/main" id="{3F2642E0-4F6A-4196-8F58-E77D36E9A33F}"/>
               </a:ext>
             </a:extLst>
           </p:cNvPr>
@@ -5808,7 +5808,7 @@
           <p:cNvPr id="5122" name="Picture 2" descr="Image result for machine learning">
             <a:extLst>
               <a:ext uri="{FF2B5EF4-FFF2-40B4-BE49-F238E27FC236}">
-                <a16:creationId xmlns:a16="http://schemas.microsoft.com/office/drawing/2014/main" xmlns="" id="{810CE0A2-4102-44A6-A370-175E7896CDCB}"/>
+                <a16:creationId xmlns="" xmlns:a16="http://schemas.microsoft.com/office/drawing/2014/main" id="{810CE0A2-4102-44A6-A370-175E7896CDCB}"/>
               </a:ext>
             </a:extLst>
           </p:cNvPr>
@@ -6768,8 +6768,8 @@
           </a:p>
         </p:txBody>
       </p:sp>
-      <mc:AlternateContent xmlns:mc="http://schemas.openxmlformats.org/markup-compatibility/2006">
-        <mc:Choice xmlns:a14="http://schemas.microsoft.com/office/drawing/2010/main" Requires="a14">
+      <mc:AlternateContent xmlns:mc="http://schemas.openxmlformats.org/markup-compatibility/2006" xmlns:a14="http://schemas.microsoft.com/office/drawing/2010/main">
+        <mc:Choice Requires="a14">
           <p:sp>
             <p:nvSpPr>
               <p:cNvPr id="3" name="Content Placeholder 2"/>
@@ -8076,7 +8076,7 @@
             </p:txBody>
           </p:sp>
         </mc:Choice>
-        <mc:Fallback>
+        <mc:Fallback xmlns="">
           <p:sp>
             <p:nvSpPr>
               <p:cNvPr id="3" name="Content Placeholder 2"/>
@@ -11666,7 +11666,7 @@
           <p:cNvPr id="4" name="Título 1">
             <a:extLst>
               <a:ext uri="{FF2B5EF4-FFF2-40B4-BE49-F238E27FC236}">
-                <a16:creationId xmlns:a16="http://schemas.microsoft.com/office/drawing/2014/main" xmlns="" id="{32666AC8-2E17-4DB4-B0F5-60C640CCFD2E}"/>
+                <a16:creationId xmlns="" xmlns:a16="http://schemas.microsoft.com/office/drawing/2014/main" id="{32666AC8-2E17-4DB4-B0F5-60C640CCFD2E}"/>
               </a:ext>
             </a:extLst>
           </p:cNvPr>
@@ -13139,6 +13139,150 @@
           </a:prstGeom>
         </p:spPr>
       </p:pic>
+      <p:sp>
+        <p:nvSpPr>
+          <p:cNvPr id="5" name="Mais 4"/>
+          <p:cNvSpPr/>
+          <p:nvPr/>
+        </p:nvSpPr>
+        <p:spPr>
+          <a:xfrm>
+            <a:off x="6563762" y="1632368"/>
+            <a:ext cx="271604" cy="298764"/>
+          </a:xfrm>
+          <a:prstGeom prst="mathPlus">
+            <a:avLst/>
+          </a:prstGeom>
+          <a:solidFill>
+            <a:srgbClr val="7030A0"/>
+          </a:solidFill>
+          <a:ln>
+            <a:solidFill>
+              <a:srgbClr val="7030A0"/>
+            </a:solidFill>
+          </a:ln>
+        </p:spPr>
+        <p:style>
+          <a:lnRef idx="2">
+            <a:schemeClr val="accent1">
+              <a:shade val="50000"/>
+            </a:schemeClr>
+          </a:lnRef>
+          <a:fillRef idx="1">
+            <a:schemeClr val="accent1"/>
+          </a:fillRef>
+          <a:effectRef idx="0">
+            <a:schemeClr val="accent1"/>
+          </a:effectRef>
+          <a:fontRef idx="minor">
+            <a:schemeClr val="lt1"/>
+          </a:fontRef>
+        </p:style>
+        <p:txBody>
+          <a:bodyPr rtlCol="0" anchor="ctr"/>
+          <a:lstStyle/>
+          <a:p>
+            <a:pPr algn="ctr"/>
+            <a:endParaRPr lang="pt-BR"/>
+          </a:p>
+        </p:txBody>
+      </p:sp>
+      <p:sp>
+        <p:nvSpPr>
+          <p:cNvPr id="7" name="Mais 6"/>
+          <p:cNvSpPr/>
+          <p:nvPr/>
+        </p:nvSpPr>
+        <p:spPr>
+          <a:xfrm>
+            <a:off x="6563762" y="3895876"/>
+            <a:ext cx="271604" cy="298764"/>
+          </a:xfrm>
+          <a:prstGeom prst="mathPlus">
+            <a:avLst/>
+          </a:prstGeom>
+          <a:solidFill>
+            <a:srgbClr val="7030A0"/>
+          </a:solidFill>
+          <a:ln>
+            <a:solidFill>
+              <a:srgbClr val="7030A0"/>
+            </a:solidFill>
+          </a:ln>
+        </p:spPr>
+        <p:style>
+          <a:lnRef idx="2">
+            <a:schemeClr val="accent1">
+              <a:shade val="50000"/>
+            </a:schemeClr>
+          </a:lnRef>
+          <a:fillRef idx="1">
+            <a:schemeClr val="accent1"/>
+          </a:fillRef>
+          <a:effectRef idx="0">
+            <a:schemeClr val="accent1"/>
+          </a:effectRef>
+          <a:fontRef idx="minor">
+            <a:schemeClr val="lt1"/>
+          </a:fontRef>
+        </p:style>
+        <p:txBody>
+          <a:bodyPr rtlCol="0" anchor="ctr"/>
+          <a:lstStyle/>
+          <a:p>
+            <a:pPr algn="ctr"/>
+            <a:endParaRPr lang="pt-BR"/>
+          </a:p>
+        </p:txBody>
+      </p:sp>
+      <p:sp>
+        <p:nvSpPr>
+          <p:cNvPr id="8" name="Mais 7"/>
+          <p:cNvSpPr/>
+          <p:nvPr/>
+        </p:nvSpPr>
+        <p:spPr>
+          <a:xfrm>
+            <a:off x="6590921" y="6114119"/>
+            <a:ext cx="271604" cy="298764"/>
+          </a:xfrm>
+          <a:prstGeom prst="mathPlus">
+            <a:avLst/>
+          </a:prstGeom>
+          <a:solidFill>
+            <a:srgbClr val="7030A0"/>
+          </a:solidFill>
+          <a:ln>
+            <a:solidFill>
+              <a:srgbClr val="7030A0"/>
+            </a:solidFill>
+          </a:ln>
+        </p:spPr>
+        <p:style>
+          <a:lnRef idx="2">
+            <a:schemeClr val="accent1">
+              <a:shade val="50000"/>
+            </a:schemeClr>
+          </a:lnRef>
+          <a:fillRef idx="1">
+            <a:schemeClr val="accent1"/>
+          </a:fillRef>
+          <a:effectRef idx="0">
+            <a:schemeClr val="accent1"/>
+          </a:effectRef>
+          <a:fontRef idx="minor">
+            <a:schemeClr val="lt1"/>
+          </a:fontRef>
+        </p:style>
+        <p:txBody>
+          <a:bodyPr rtlCol="0" anchor="ctr"/>
+          <a:lstStyle/>
+          <a:p>
+            <a:pPr algn="ctr"/>
+            <a:endParaRPr lang="pt-BR"/>
+          </a:p>
+        </p:txBody>
+      </p:sp>
     </p:spTree>
     <p:extLst>
       <p:ext uri="{BB962C8B-B14F-4D97-AF65-F5344CB8AC3E}">
@@ -13192,8 +13336,8 @@
           </a:p>
         </p:txBody>
       </p:sp>
-      <mc:AlternateContent xmlns:mc="http://schemas.openxmlformats.org/markup-compatibility/2006">
-        <mc:Choice xmlns:a14="http://schemas.microsoft.com/office/drawing/2010/main" Requires="a14">
+      <mc:AlternateContent xmlns:mc="http://schemas.openxmlformats.org/markup-compatibility/2006" xmlns:a14="http://schemas.microsoft.com/office/drawing/2010/main">
+        <mc:Choice Requires="a14">
           <p:sp>
             <p:nvSpPr>
               <p:cNvPr id="3" name="Content Placeholder 2"/>
@@ -13811,15 +13955,7 @@
               <a:p>
                 <a:r>
                   <a:rPr lang="pt-BR" dirty="0" smtClean="0"/>
-                  <a:t>A desvantagem é </a:t>
-                </a:r>
-                <a:r>
-                  <a:rPr lang="pt-BR" dirty="0" smtClean="0"/>
-                  <a:t>que, </a:t>
-                </a:r>
-                <a:r>
-                  <a:rPr lang="pt-BR" dirty="0" smtClean="0"/>
-                  <a:t>por exemplo, se </a:t>
+                  <a:t>A desvantagem é que, por exemplo, se </a:t>
                 </a:r>
                 <a14:m>
                   <m:oMath xmlns:m="http://schemas.openxmlformats.org/officeDocument/2006/math">
@@ -13854,7 +13990,7 @@
             </p:txBody>
           </p:sp>
         </mc:Choice>
-        <mc:Fallback>
+        <mc:Fallback xmlns="">
           <p:sp>
             <p:nvSpPr>
               <p:cNvPr id="3" name="Content Placeholder 2"/>
@@ -14141,6 +14277,150 @@
           </p:sp>
         </mc:Fallback>
       </mc:AlternateContent>
+      <p:sp>
+        <p:nvSpPr>
+          <p:cNvPr id="6" name="Mais 5"/>
+          <p:cNvSpPr/>
+          <p:nvPr/>
+        </p:nvSpPr>
+        <p:spPr>
+          <a:xfrm>
+            <a:off x="6726726" y="1663529"/>
+            <a:ext cx="271604" cy="298764"/>
+          </a:xfrm>
+          <a:prstGeom prst="mathPlus">
+            <a:avLst/>
+          </a:prstGeom>
+          <a:solidFill>
+            <a:srgbClr val="7030A0"/>
+          </a:solidFill>
+          <a:ln>
+            <a:solidFill>
+              <a:srgbClr val="7030A0"/>
+            </a:solidFill>
+          </a:ln>
+        </p:spPr>
+        <p:style>
+          <a:lnRef idx="2">
+            <a:schemeClr val="accent1">
+              <a:shade val="50000"/>
+            </a:schemeClr>
+          </a:lnRef>
+          <a:fillRef idx="1">
+            <a:schemeClr val="accent1"/>
+          </a:fillRef>
+          <a:effectRef idx="0">
+            <a:schemeClr val="accent1"/>
+          </a:effectRef>
+          <a:fontRef idx="minor">
+            <a:schemeClr val="lt1"/>
+          </a:fontRef>
+        </p:style>
+        <p:txBody>
+          <a:bodyPr rtlCol="0" anchor="ctr"/>
+          <a:lstStyle/>
+          <a:p>
+            <a:pPr algn="ctr"/>
+            <a:endParaRPr lang="pt-BR"/>
+          </a:p>
+        </p:txBody>
+      </p:sp>
+      <p:sp>
+        <p:nvSpPr>
+          <p:cNvPr id="7" name="Mais 6"/>
+          <p:cNvSpPr/>
+          <p:nvPr/>
+        </p:nvSpPr>
+        <p:spPr>
+          <a:xfrm>
+            <a:off x="6753887" y="3877955"/>
+            <a:ext cx="271604" cy="298764"/>
+          </a:xfrm>
+          <a:prstGeom prst="mathPlus">
+            <a:avLst/>
+          </a:prstGeom>
+          <a:solidFill>
+            <a:srgbClr val="7030A0"/>
+          </a:solidFill>
+          <a:ln>
+            <a:solidFill>
+              <a:srgbClr val="7030A0"/>
+            </a:solidFill>
+          </a:ln>
+        </p:spPr>
+        <p:style>
+          <a:lnRef idx="2">
+            <a:schemeClr val="accent1">
+              <a:shade val="50000"/>
+            </a:schemeClr>
+          </a:lnRef>
+          <a:fillRef idx="1">
+            <a:schemeClr val="accent1"/>
+          </a:fillRef>
+          <a:effectRef idx="0">
+            <a:schemeClr val="accent1"/>
+          </a:effectRef>
+          <a:fontRef idx="minor">
+            <a:schemeClr val="lt1"/>
+          </a:fontRef>
+        </p:style>
+        <p:txBody>
+          <a:bodyPr rtlCol="0" anchor="ctr"/>
+          <a:lstStyle/>
+          <a:p>
+            <a:pPr algn="ctr"/>
+            <a:endParaRPr lang="pt-BR"/>
+          </a:p>
+        </p:txBody>
+      </p:sp>
+      <p:sp>
+        <p:nvSpPr>
+          <p:cNvPr id="8" name="Mais 7"/>
+          <p:cNvSpPr/>
+          <p:nvPr/>
+        </p:nvSpPr>
+        <p:spPr>
+          <a:xfrm>
+            <a:off x="6753887" y="6119540"/>
+            <a:ext cx="271604" cy="298764"/>
+          </a:xfrm>
+          <a:prstGeom prst="mathPlus">
+            <a:avLst/>
+          </a:prstGeom>
+          <a:solidFill>
+            <a:srgbClr val="7030A0"/>
+          </a:solidFill>
+          <a:ln>
+            <a:solidFill>
+              <a:srgbClr val="7030A0"/>
+            </a:solidFill>
+          </a:ln>
+        </p:spPr>
+        <p:style>
+          <a:lnRef idx="2">
+            <a:schemeClr val="accent1">
+              <a:shade val="50000"/>
+            </a:schemeClr>
+          </a:lnRef>
+          <a:fillRef idx="1">
+            <a:schemeClr val="accent1"/>
+          </a:fillRef>
+          <a:effectRef idx="0">
+            <a:schemeClr val="accent1"/>
+          </a:effectRef>
+          <a:fontRef idx="minor">
+            <a:schemeClr val="lt1"/>
+          </a:fontRef>
+        </p:style>
+        <p:txBody>
+          <a:bodyPr rtlCol="0" anchor="ctr"/>
+          <a:lstStyle/>
+          <a:p>
+            <a:pPr algn="ctr"/>
+            <a:endParaRPr lang="pt-BR"/>
+          </a:p>
+        </p:txBody>
+      </p:sp>
     </p:spTree>
     <p:extLst>
       <p:ext uri="{BB962C8B-B14F-4D97-AF65-F5344CB8AC3E}">
@@ -14445,8 +14725,8 @@
           </a:p>
         </p:txBody>
       </p:sp>
-      <mc:AlternateContent xmlns:mc="http://schemas.openxmlformats.org/markup-compatibility/2006">
-        <mc:Choice xmlns:a14="http://schemas.microsoft.com/office/drawing/2010/main" Requires="a14">
+      <mc:AlternateContent xmlns:mc="http://schemas.openxmlformats.org/markup-compatibility/2006" xmlns:a14="http://schemas.microsoft.com/office/drawing/2010/main">
+        <mc:Choice Requires="a14">
           <p:sp>
             <p:nvSpPr>
               <p:cNvPr id="3" name="Content Placeholder 2"/>
@@ -16161,7 +16441,7 @@
             </p:txBody>
           </p:sp>
         </mc:Choice>
-        <mc:Fallback>
+        <mc:Fallback xmlns="">
           <p:sp>
             <p:nvSpPr>
               <p:cNvPr id="3" name="Content Placeholder 2"/>

--- a/slides/T320_Classificação (Parte IV).pptx
+++ b/slides/T320_Classificação (Parte IV).pptx
@@ -19,7 +19,7 @@
     <p:sldId id="328" r:id="rId7"/>
     <p:sldId id="329" r:id="rId8"/>
     <p:sldId id="330" r:id="rId9"/>
-    <p:sldId id="331" r:id="rId10"/>
+    <p:sldId id="348" r:id="rId10"/>
     <p:sldId id="341" r:id="rId11"/>
     <p:sldId id="342" r:id="rId12"/>
     <p:sldId id="347" r:id="rId13"/>
@@ -290,7 +290,7 @@
           <a:p>
             <a:fld id="{144F1436-6906-4D93-B7A2-786C327BFA14}" type="datetimeFigureOut">
               <a:rPr lang="nl-BE" smtClean="0"/>
-              <a:t>19/03/2022</a:t>
+              <a:t>25/03/2022</a:t>
             </a:fld>
             <a:endParaRPr lang="nl-BE"/>
           </a:p>
@@ -455,7 +455,7 @@
           <a:p>
             <a:fld id="{AA8CD09E-2914-4F47-B6C1-51B2C31814C9}" type="datetimeFigureOut">
               <a:rPr lang="pt-BR" smtClean="0"/>
-              <a:t>19/03/2022</a:t>
+              <a:t>25/03/2022</a:t>
             </a:fld>
             <a:endParaRPr lang="pt-BR"/>
           </a:p>
@@ -766,7 +766,7 @@
           <a:bodyPr/>
           <a:lstStyle/>
           <a:p>
-            <a:endParaRPr lang="pt-BR" baseline="0" dirty="0" smtClean="0"/>
+            <a:endParaRPr lang="pt-BR" baseline="0" dirty="0"/>
           </a:p>
         </p:txBody>
       </p:sp>
@@ -851,90 +851,90 @@
           <a:lstStyle/>
           <a:p>
             <a:r>
-              <a:rPr lang="pt-BR" dirty="0" smtClean="0"/>
+              <a:rPr lang="pt-BR" dirty="0"/>
               <a:t>O objetivo do treinamento do classificador softmax é ter um modelo que estima uma alta probabilidade para a classe-alvo (e consequentemente uma baixa probabilidade para as outras classes).</a:t>
             </a:r>
           </a:p>
           <a:p>
-            <a:endParaRPr lang="pt-BR" dirty="0" smtClean="0"/>
-          </a:p>
-          <a:p>
-            <a:r>
-              <a:rPr lang="pt-BR" dirty="0" smtClean="0"/>
+            <a:endParaRPr lang="pt-BR" dirty="0"/>
+          </a:p>
+          <a:p>
+            <a:r>
+              <a:rPr lang="pt-BR" dirty="0"/>
               <a:t>A</a:t>
             </a:r>
             <a:r>
-              <a:rPr lang="pt-BR" baseline="0" dirty="0" smtClean="0"/>
+              <a:rPr lang="pt-BR" baseline="0" dirty="0"/>
               <a:t> classe</a:t>
             </a:r>
             <a:r>
-              <a:rPr lang="pt-BR" dirty="0" smtClean="0"/>
+              <a:rPr lang="pt-BR" dirty="0"/>
               <a:t> LogisticRegression da biblioteca Scikit-Learn usa a estratégia um-contra-todos por padrão quando você o treina com dados pertencentrs a mais de duas classes, mas você pode definir o parâmetro </a:t>
             </a:r>
             <a:r>
-              <a:rPr lang="pt-BR" b="1" dirty="0" smtClean="0"/>
+              <a:rPr lang="pt-BR" b="1" dirty="0"/>
               <a:t>mult_class</a:t>
             </a:r>
             <a:r>
-              <a:rPr lang="pt-BR" dirty="0" smtClean="0"/>
+              <a:rPr lang="pt-BR" dirty="0"/>
               <a:t> como "</a:t>
             </a:r>
             <a:r>
-              <a:rPr lang="pt-BR" i="1" dirty="0" smtClean="0"/>
+              <a:rPr lang="pt-BR" i="1" dirty="0"/>
               <a:t>multinomial</a:t>
             </a:r>
             <a:r>
-              <a:rPr lang="pt-BR" dirty="0" smtClean="0"/>
+              <a:rPr lang="pt-BR" dirty="0"/>
               <a:t>" para alternar para regressão Softmax. Você também deve especificar um </a:t>
             </a:r>
             <a:r>
-              <a:rPr lang="pt-BR" b="1" dirty="0" smtClean="0"/>
+              <a:rPr lang="pt-BR" b="1" dirty="0"/>
               <a:t>solver</a:t>
             </a:r>
             <a:r>
-              <a:rPr lang="pt-BR" dirty="0" smtClean="0"/>
+              <a:rPr lang="pt-BR" dirty="0"/>
               <a:t> que suporte a regressão Softmax, como o </a:t>
             </a:r>
             <a:r>
-              <a:rPr lang="pt-BR" b="1" dirty="0" smtClean="0"/>
+              <a:rPr lang="pt-BR" b="1" dirty="0"/>
               <a:t>solver</a:t>
             </a:r>
             <a:r>
-              <a:rPr lang="pt-BR" dirty="0" smtClean="0"/>
+              <a:rPr lang="pt-BR" dirty="0"/>
               <a:t> "lbfgs" (consulte a documentação do Scikit-Learn para obter mais detalhes). Ele também aplica regularização L2 por padrão, a qual você pode controlar usando o parâmetro </a:t>
             </a:r>
             <a:r>
-              <a:rPr lang="pt-BR" b="1" dirty="0" smtClean="0"/>
+              <a:rPr lang="pt-BR" b="1" dirty="0"/>
               <a:t>C</a:t>
             </a:r>
             <a:r>
-              <a:rPr lang="pt-BR" dirty="0" smtClean="0"/>
+              <a:rPr lang="pt-BR" dirty="0"/>
               <a:t>.</a:t>
             </a:r>
           </a:p>
           <a:p>
-            <a:endParaRPr lang="pt-BR" dirty="0" smtClean="0"/>
-          </a:p>
-          <a:p>
-            <a:r>
-              <a:rPr lang="pt-BR" dirty="0" smtClean="0"/>
+            <a:endParaRPr lang="pt-BR" dirty="0"/>
+          </a:p>
+          <a:p>
+            <a:r>
+              <a:rPr lang="pt-BR" dirty="0"/>
               <a:t>Referência:</a:t>
             </a:r>
           </a:p>
           <a:p>
             <a:r>
-              <a:rPr lang="pt-BR" dirty="0" smtClean="0"/>
+              <a:rPr lang="pt-BR" dirty="0"/>
               <a:t>[1] http://deeplearning.stanford.edu/tutorial/supervised/SoftmaxRegression/</a:t>
             </a:r>
           </a:p>
           <a:p>
             <a:r>
-              <a:rPr lang="pt-BR" dirty="0" smtClean="0"/>
+              <a:rPr lang="pt-BR" dirty="0"/>
               <a:t>[2] http://rasbt.github.io/mlxtend/user_guide/classifier/SoftmaxRegression/</a:t>
             </a:r>
           </a:p>
           <a:p>
-            <a:endParaRPr lang="pt-BR" dirty="0" smtClean="0"/>
+            <a:endParaRPr lang="pt-BR" dirty="0"/>
           </a:p>
           <a:p>
             <a:endParaRPr lang="pt-BR" dirty="0"/>
@@ -1024,24 +1024,29 @@
               <a:lstStyle/>
               <a:p>
                 <a:r>
-                  <a:rPr lang="pt-BR" b="1" dirty="0" smtClean="0"/>
+                  <a:rPr lang="pt-BR" b="1" dirty="0"/>
                   <a:t>Exemplo</a:t>
                 </a:r>
                 <a:r>
-                  <a:rPr lang="pt-BR" dirty="0" smtClean="0"/>
+                  <a:rPr lang="pt-BR" dirty="0"/>
                   <a:t>:</a:t>
                 </a:r>
                 <a:r>
-                  <a:rPr lang="pt-BR" baseline="0" dirty="0" smtClean="0"/>
+                  <a:rPr lang="pt-BR" baseline="0" dirty="0"/>
                   <a:t> </a:t>
                 </a:r>
                 <a:r>
-                  <a:rPr lang="pt-BR" dirty="0" smtClean="0"/>
-                  <a:t>https://colab.research.google.com/github/zz4fap/t320_aprendizado_de_maquina/blob/main/notebooks/classificação/softmax_regressor_with_scikit_learn.ipynb</a:t>
-                </a:r>
+                  <a:rPr lang="pt-BR" dirty="0"/>
+                  <a:t>https://colab.research.google.com/github/zz4fap/t320_aprendizado_de_maquina/blob/main/notebooks/classificação/</a:t>
+                </a:r>
+                <a:r>
+                  <a:rPr lang="pt-BR" dirty="0" err="1"/>
+                  <a:t>softmax_regressor_with_scikit_learn.ipynb</a:t>
+                </a:r>
+                <a:endParaRPr lang="pt-BR" dirty="0"/>
               </a:p>
               <a:p>
-                <a:endParaRPr lang="pt-BR" b="1" dirty="0" smtClean="0"/>
+                <a:endParaRPr lang="pt-BR" b="1" dirty="0"/>
               </a:p>
               <a:p>
                 <a:pPr marL="0" marR="0" lvl="0" indent="0" algn="l" defTabSz="914400" rtl="0" eaLnBrk="1" fontAlgn="auto" latinLnBrk="0" hangingPunct="1">
@@ -1062,7 +1067,7 @@
                   <a:defRPr/>
                 </a:pPr>
                 <a:r>
-                  <a:rPr lang="pt-BR" dirty="0" smtClean="0"/>
+                  <a:rPr lang="pt-BR" dirty="0"/>
                   <a:t>Assim como o classificador de </a:t>
                 </a:r>
                 <a:r>
@@ -1075,19 +1080,11 @@
                 </a:r>
                 <a:r>
                   <a:rPr lang="pt-BR" b="1" i="1" dirty="0"/>
-                  <a:t>regressão </a:t>
-                </a:r>
-                <a:r>
-                  <a:rPr lang="pt-BR" b="1" i="1" dirty="0" smtClean="0"/>
-                  <a:t>softmax</a:t>
-                </a:r>
-                <a:r>
-                  <a:rPr lang="pt-BR" dirty="0" smtClean="0"/>
-                  <a:t> </a:t>
-                </a:r>
-                <a:r>
-                  <a:rPr lang="pt-BR" dirty="0"/>
-                  <a:t>prevê a classe com a maior probabilidade estimada (que é simplesmente a classe com a maior valor para o produto escalar </a:t>
+                  <a:t>regressão softmax</a:t>
+                </a:r>
+                <a:r>
+                  <a:rPr lang="pt-BR" dirty="0"/>
+                  <a:t> prevê a classe com a maior probabilidade estimada (que é simplesmente a classe com a maior valor para o produto escalar </a:t>
                 </a:r>
                 <a14:m>
                   <m:oMath xmlns:m="http://schemas.openxmlformats.org/officeDocument/2006/math">
@@ -1162,12 +1159,12 @@
                   </m:oMath>
                 </a14:m>
                 <a:r>
-                  <a:rPr lang="pt-BR" dirty="0" smtClean="0"/>
+                  <a:rPr lang="pt-BR" dirty="0"/>
                   <a:t>).</a:t>
                 </a:r>
               </a:p>
               <a:p>
-                <a:endParaRPr lang="pt-BR" b="1" dirty="0" smtClean="0"/>
+                <a:endParaRPr lang="pt-BR" b="1" dirty="0"/>
               </a:p>
             </p:txBody>
           </p:sp>
@@ -1381,11 +1378,11 @@
           <a:lstStyle/>
           <a:p>
             <a:r>
-              <a:rPr lang="pt-BR" sz="1200" b="1" dirty="0" smtClean="0"/>
+              <a:rPr lang="pt-BR" sz="1200" b="1" dirty="0"/>
               <a:t>Laboratório #4:</a:t>
             </a:r>
             <a:r>
-              <a:rPr lang="pt-BR" sz="1200" dirty="0" smtClean="0"/>
+              <a:rPr lang="pt-BR" sz="1200" dirty="0"/>
               <a:t> https://mybinder.org/v2/gh/zz4fap/t320_aprendizado_de_maquina/main?filepath=labs%2FLaboratorio4.ipynb</a:t>
             </a:r>
           </a:p>
@@ -1475,10 +1472,9 @@
           <a:lstStyle/>
           <a:p>
             <a:r>
-              <a:rPr lang="pt-BR" dirty="0" smtClean="0"/>
+              <a:rPr lang="pt-BR" dirty="0"/>
               <a:t>Exemplo: ClassificationOfFourClassesWithOvAandOvO.ipynb</a:t>
             </a:r>
-            <a:endParaRPr lang="pt-BR" dirty="0"/>
           </a:p>
         </p:txBody>
       </p:sp>
@@ -1563,38 +1559,38 @@
           <a:lstStyle/>
           <a:p>
             <a:r>
-              <a:rPr lang="pt-BR" b="1" dirty="0" smtClean="0"/>
+              <a:rPr lang="pt-BR" b="1" dirty="0"/>
               <a:t>Exemplo</a:t>
             </a:r>
             <a:r>
-              <a:rPr lang="pt-BR" dirty="0" smtClean="0"/>
+              <a:rPr lang="pt-BR" dirty="0"/>
               <a:t>:</a:t>
             </a:r>
             <a:r>
-              <a:rPr lang="pt-BR" baseline="0" dirty="0" smtClean="0"/>
+              <a:rPr lang="pt-BR" baseline="0" dirty="0"/>
               <a:t> </a:t>
             </a:r>
             <a:r>
-              <a:rPr lang="pt-BR" dirty="0" smtClean="0"/>
+              <a:rPr lang="pt-BR" dirty="0"/>
               <a:t>https://colab.research.google.com/github/zz4fap/t320_aprendizado_de_maquina/blob/main/notebooks/classificação/ClassificationOfFourClassesWithOvAandOvO.ipynb</a:t>
             </a:r>
-            <a:endParaRPr lang="pt-BR" b="1" dirty="0" smtClean="0"/>
-          </a:p>
-          <a:p>
-            <a:endParaRPr lang="pt-BR" dirty="0" smtClean="0"/>
-          </a:p>
-          <a:p>
-            <a:endParaRPr lang="pt-BR" dirty="0" smtClean="0"/>
-          </a:p>
-          <a:p>
-            <a:r>
-              <a:rPr lang="pt-BR" dirty="0" smtClean="0"/>
+            <a:endParaRPr lang="pt-BR" b="1" dirty="0"/>
+          </a:p>
+          <a:p>
+            <a:endParaRPr lang="pt-BR" dirty="0"/>
+          </a:p>
+          <a:p>
+            <a:endParaRPr lang="pt-BR" dirty="0"/>
+          </a:p>
+          <a:p>
+            <a:r>
+              <a:rPr lang="pt-BR" dirty="0"/>
               <a:t>Referências:</a:t>
             </a:r>
           </a:p>
           <a:p>
             <a:r>
-              <a:rPr lang="pt-BR" dirty="0" smtClean="0"/>
+              <a:rPr lang="pt-BR" dirty="0"/>
               <a:t>[1] https://scikit-learn.org/stable/modules/generated/sklearn.multiclass.OneVsOneClassifier.html</a:t>
             </a:r>
           </a:p>
@@ -1684,10 +1680,9 @@
           <a:lstStyle/>
           <a:p>
             <a:r>
-              <a:rPr lang="pt-BR" dirty="0" smtClean="0"/>
+              <a:rPr lang="pt-BR" dirty="0"/>
               <a:t>Exemplo: ClassificationOfFourClassesWithOvAandOvO.ipynb</a:t>
             </a:r>
-            <a:endParaRPr lang="pt-BR" dirty="0"/>
           </a:p>
         </p:txBody>
       </p:sp>
@@ -1772,24 +1767,40 @@
           <a:lstStyle/>
           <a:p>
             <a:r>
-              <a:rPr lang="pt-BR" dirty="0" smtClean="0"/>
-              <a:t>O classificador Softmax prevê/prediz apenas uma classe de cada vez (ou seja, ele é multiclasse, e não multi-saída), portanto, ele deve ser usado apenas com classes mutuamente exclusivas, como por exemplo diferentes tipos de plantas, dígitos, categorias</a:t>
-            </a:r>
-            <a:r>
-              <a:rPr lang="pt-BR" baseline="0" dirty="0" smtClean="0"/>
+              <a:rPr lang="pt-BR" dirty="0"/>
+              <a:t>O classificador Softmax prevê/prediz apenas uma classe de cada vez (ou seja, ele é multiclasse, e não </a:t>
+            </a:r>
+            <a:r>
+              <a:rPr lang="pt-BR" dirty="0" err="1"/>
+              <a:t>multi-saída</a:t>
+            </a:r>
+            <a:r>
+              <a:rPr lang="pt-BR" dirty="0"/>
+              <a:t> ou </a:t>
+            </a:r>
+            <a:r>
+              <a:rPr lang="pt-BR" dirty="0" err="1"/>
+              <a:t>multi-label</a:t>
+            </a:r>
+            <a:r>
+              <a:rPr lang="pt-BR" dirty="0"/>
+              <a:t>), portanto, ele deve ser usado apenas com classes mutuamente exclusivas, como por exemplo diferentes tipos de plantas, dígitos, categorias</a:t>
+            </a:r>
+            <a:r>
+              <a:rPr lang="pt-BR" baseline="0" dirty="0"/>
               <a:t> de notícias, etc</a:t>
             </a:r>
             <a:r>
-              <a:rPr lang="pt-BR" dirty="0" smtClean="0"/>
+              <a:rPr lang="pt-BR" dirty="0"/>
               <a:t>. Portanto, você não pode usá-lo para reconhecer várias pessoas em uma foto, por exemplo.</a:t>
             </a:r>
           </a:p>
           <a:p>
-            <a:endParaRPr lang="pt-BR" dirty="0" smtClean="0"/>
-          </a:p>
-          <a:p>
-            <a:r>
-              <a:rPr lang="pt-BR" sz="1200" b="0" i="0" kern="1200" dirty="0" smtClean="0">
+            <a:endParaRPr lang="pt-BR" dirty="0"/>
+          </a:p>
+          <a:p>
+            <a:r>
+              <a:rPr lang="pt-BR" sz="1200" b="0" i="0" kern="1200" dirty="0">
                 <a:solidFill>
                   <a:schemeClr val="tx1"/>
                 </a:solidFill>
@@ -1801,7 +1812,7 @@
               <a:t>Duas</a:t>
             </a:r>
             <a:r>
-              <a:rPr lang="pt-BR" sz="1200" b="0" i="0" kern="1200" baseline="0" dirty="0" smtClean="0">
+              <a:rPr lang="pt-BR" sz="1200" b="0" i="0" kern="1200" baseline="0" dirty="0">
                 <a:solidFill>
                   <a:schemeClr val="tx1"/>
                 </a:solidFill>
@@ -1813,7 +1824,7 @@
               <a:t> classes </a:t>
             </a:r>
             <a:r>
-              <a:rPr lang="pt-BR" sz="1200" b="0" i="0" kern="1200" dirty="0" smtClean="0">
+              <a:rPr lang="pt-BR" sz="1200" b="0" i="0" kern="1200" dirty="0">
                 <a:solidFill>
                   <a:schemeClr val="tx1"/>
                 </a:solidFill>
@@ -1825,7 +1836,7 @@
               <a:t>são </a:t>
             </a:r>
             <a:r>
-              <a:rPr lang="pt-BR" sz="1200" b="1" i="0" kern="1200" dirty="0" smtClean="0">
+              <a:rPr lang="pt-BR" sz="1200" b="1" i="0" kern="1200" dirty="0">
                 <a:solidFill>
                   <a:schemeClr val="tx1"/>
                 </a:solidFill>
@@ -1837,7 +1848,7 @@
               <a:t>classes mutuamente exclusivas</a:t>
             </a:r>
             <a:r>
-              <a:rPr lang="pt-BR" sz="1200" b="0" i="0" kern="1200" dirty="0" smtClean="0">
+              <a:rPr lang="pt-BR" sz="1200" b="0" i="0" kern="1200" dirty="0">
                 <a:solidFill>
                   <a:schemeClr val="tx1"/>
                 </a:solidFill>
@@ -1848,10 +1859,130 @@
               </a:rPr>
               <a:t> se elas não podem ocorrer ao mesmo tempo.</a:t>
             </a:r>
-            <a:endParaRPr lang="pt-BR" dirty="0" smtClean="0"/>
-          </a:p>
-          <a:p>
-            <a:endParaRPr lang="pt-BR" dirty="0"/>
+          </a:p>
+          <a:p>
+            <a:endParaRPr lang="pt-BR" sz="1200" b="0" i="0" kern="1200" dirty="0">
+              <a:solidFill>
+                <a:schemeClr val="tx1"/>
+              </a:solidFill>
+              <a:effectLst/>
+              <a:latin typeface="+mn-lt"/>
+              <a:ea typeface="+mn-ea"/>
+              <a:cs typeface="+mn-cs"/>
+            </a:endParaRPr>
+          </a:p>
+          <a:p>
+            <a:r>
+              <a:rPr lang="pt-BR" sz="1200" b="0" i="0" kern="1200" dirty="0">
+                <a:solidFill>
+                  <a:schemeClr val="tx1"/>
+                </a:solidFill>
+                <a:effectLst/>
+                <a:latin typeface="+mn-lt"/>
+                <a:ea typeface="+mn-ea"/>
+                <a:cs typeface="+mn-cs"/>
+              </a:rPr>
+              <a:t>Uma generalização da função logística para múltiplas entradas é a função de ativação de função softmax, usada em regressões logísticas </a:t>
+            </a:r>
+            <a:r>
+              <a:rPr lang="pt-BR" sz="1200" b="0" i="0" kern="1200" dirty="0" err="1">
+                <a:solidFill>
+                  <a:schemeClr val="tx1"/>
+                </a:solidFill>
+                <a:effectLst/>
+                <a:latin typeface="+mn-lt"/>
+                <a:ea typeface="+mn-ea"/>
+                <a:cs typeface="+mn-cs"/>
+              </a:rPr>
+              <a:t>multinomiais</a:t>
+            </a:r>
+            <a:r>
+              <a:rPr lang="pt-BR" sz="1200" b="0" i="0" kern="1200" dirty="0">
+                <a:solidFill>
+                  <a:schemeClr val="tx1"/>
+                </a:solidFill>
+                <a:effectLst/>
+                <a:latin typeface="+mn-lt"/>
+                <a:ea typeface="+mn-ea"/>
+                <a:cs typeface="+mn-cs"/>
+              </a:rPr>
+              <a:t>.</a:t>
+            </a:r>
+          </a:p>
+          <a:p>
+            <a:endParaRPr lang="pt-BR" sz="1200" b="0" i="0" kern="1200" dirty="0">
+              <a:solidFill>
+                <a:schemeClr val="tx1"/>
+              </a:solidFill>
+              <a:effectLst/>
+              <a:latin typeface="+mn-lt"/>
+              <a:ea typeface="+mn-ea"/>
+              <a:cs typeface="+mn-cs"/>
+            </a:endParaRPr>
+          </a:p>
+          <a:p>
+            <a:r>
+              <a:rPr lang="pt-BR" sz="1200" b="0" i="0" kern="1200" dirty="0">
+                <a:solidFill>
+                  <a:schemeClr val="tx1"/>
+                </a:solidFill>
+                <a:effectLst/>
+                <a:latin typeface="+mn-lt"/>
+                <a:ea typeface="+mn-ea"/>
+                <a:cs typeface="+mn-cs"/>
+              </a:rPr>
+              <a:t>Saída interpretada como as probabilidades de uma variável aleatória multinomial, ou seja, as probabilidades de uma variável categoricamente distribuída, dado um conjunto de atributos.</a:t>
+            </a:r>
+          </a:p>
+          <a:p>
+            <a:endParaRPr lang="pt-BR" sz="1200" b="0" i="0" kern="1200" dirty="0">
+              <a:solidFill>
+                <a:schemeClr val="tx1"/>
+              </a:solidFill>
+              <a:effectLst/>
+              <a:latin typeface="+mn-lt"/>
+              <a:ea typeface="+mn-ea"/>
+              <a:cs typeface="+mn-cs"/>
+            </a:endParaRPr>
+          </a:p>
+          <a:p>
+            <a:pPr marL="0" marR="0" lvl="0" indent="0" algn="l" defTabSz="914400" rtl="0" eaLnBrk="1" fontAlgn="auto" latinLnBrk="0" hangingPunct="1">
+              <a:lnSpc>
+                <a:spcPct val="100000"/>
+              </a:lnSpc>
+              <a:spcBef>
+                <a:spcPts val="0"/>
+              </a:spcBef>
+              <a:spcAft>
+                <a:spcPts val="0"/>
+              </a:spcAft>
+              <a:buClrTx/>
+              <a:buSzTx/>
+              <a:buFontTx/>
+              <a:buNone/>
+              <a:tabLst/>
+              <a:defRPr/>
+            </a:pPr>
+            <a:r>
+              <a:rPr lang="pt-BR" dirty="0"/>
+              <a:t>É uma abordagem mais robusta que as anteriores e que consiste em criar um </a:t>
+            </a:r>
+            <a:r>
+              <a:rPr lang="pt-BR" b="1" i="1" dirty="0"/>
+              <a:t>único</a:t>
+            </a:r>
+            <a:r>
+              <a:rPr lang="pt-BR" dirty="0"/>
+              <a:t> modelo em que cada saída representa a </a:t>
+            </a:r>
+            <a:r>
+              <a:rPr lang="pt-BR" b="1" i="1" dirty="0"/>
+              <a:t>probabilidade</a:t>
+            </a:r>
+            <a:r>
+              <a:rPr lang="pt-BR" dirty="0"/>
+              <a:t> de um exemplo pertencer a uma classe específica.</a:t>
+            </a:r>
           </a:p>
         </p:txBody>
       </p:sp>
@@ -1910,7 +2041,7 @@
       </p:grpSpPr>
       <p:sp>
         <p:nvSpPr>
-          <p:cNvPr id="2" name="Slide Image Placeholder 1"/>
+          <p:cNvPr id="2" name="Espaço Reservado para Imagem de Slide 1"/>
           <p:cNvSpPr>
             <a:spLocks noGrp="1" noRot="1" noChangeAspect="1"/>
           </p:cNvSpPr>
@@ -1922,7 +2053,7 @@
       </p:sp>
       <p:sp>
         <p:nvSpPr>
-          <p:cNvPr id="3" name="Notes Placeholder 2"/>
+          <p:cNvPr id="3" name="Espaço Reservado para Anotações 2"/>
           <p:cNvSpPr>
             <a:spLocks noGrp="1"/>
           </p:cNvSpPr>
@@ -1936,24 +2067,40 @@
           <a:lstStyle/>
           <a:p>
             <a:r>
-              <a:rPr lang="pt-BR" dirty="0" smtClean="0"/>
-              <a:t>O classificador Softmax prevê/prediz apenas uma classe de cada vez (ou seja, ele é multiclasse, e não multi-saída), portanto, ele deve ser usado apenas com classes mutuamente exclusivas, como por exemplo diferentes tipos de plantas, dígitos, categorias</a:t>
-            </a:r>
-            <a:r>
-              <a:rPr lang="pt-BR" baseline="0" dirty="0" smtClean="0"/>
+              <a:rPr lang="pt-BR" dirty="0"/>
+              <a:t>O classificador Softmax prevê/prediz apenas uma classe de cada vez (ou seja, ele é </a:t>
+            </a:r>
+            <a:r>
+              <a:rPr lang="pt-BR" dirty="0" err="1"/>
+              <a:t>multiclasse</a:t>
+            </a:r>
+            <a:r>
+              <a:rPr lang="pt-BR" dirty="0"/>
+              <a:t>, e não </a:t>
+            </a:r>
+            <a:r>
+              <a:rPr lang="pt-BR" dirty="0" err="1"/>
+              <a:t>multi-saída</a:t>
+            </a:r>
+            <a:r>
+              <a:rPr lang="pt-BR" dirty="0"/>
+              <a:t>), portanto, ele deve ser usado apenas com classes mutuamente exclusivas, como por exemplo diferentes tipos de plantas, dígitos, categorias</a:t>
+            </a:r>
+            <a:r>
+              <a:rPr lang="pt-BR" baseline="0" dirty="0"/>
               <a:t> de notícias, etc</a:t>
             </a:r>
             <a:r>
-              <a:rPr lang="pt-BR" dirty="0" smtClean="0"/>
+              <a:rPr lang="pt-BR" dirty="0"/>
               <a:t>. Portanto, você não pode usá-lo para reconhecer várias pessoas em uma foto, por exemplo.</a:t>
             </a:r>
           </a:p>
           <a:p>
-            <a:endParaRPr lang="pt-BR" dirty="0" smtClean="0"/>
-          </a:p>
-          <a:p>
-            <a:r>
-              <a:rPr lang="pt-BR" sz="1200" b="0" i="0" kern="1200" dirty="0" smtClean="0">
+            <a:endParaRPr lang="pt-BR" dirty="0"/>
+          </a:p>
+          <a:p>
+            <a:r>
+              <a:rPr lang="pt-BR" sz="1200" b="0" i="0" kern="1200" dirty="0">
                 <a:solidFill>
                   <a:schemeClr val="tx1"/>
                 </a:solidFill>
@@ -1965,7 +2112,7 @@
               <a:t>Duas</a:t>
             </a:r>
             <a:r>
-              <a:rPr lang="pt-BR" sz="1200" b="0" i="0" kern="1200" baseline="0" dirty="0" smtClean="0">
+              <a:rPr lang="pt-BR" sz="1200" b="0" i="0" kern="1200" baseline="0" dirty="0">
                 <a:solidFill>
                   <a:schemeClr val="tx1"/>
                 </a:solidFill>
@@ -1977,7 +2124,7 @@
               <a:t> classes </a:t>
             </a:r>
             <a:r>
-              <a:rPr lang="pt-BR" sz="1200" b="0" i="0" kern="1200" dirty="0" smtClean="0">
+              <a:rPr lang="pt-BR" sz="1200" b="0" i="0" kern="1200" dirty="0">
                 <a:solidFill>
                   <a:schemeClr val="tx1"/>
                 </a:solidFill>
@@ -1989,7 +2136,7 @@
               <a:t>são </a:t>
             </a:r>
             <a:r>
-              <a:rPr lang="pt-BR" sz="1200" b="1" i="0" kern="1200" dirty="0" smtClean="0">
+              <a:rPr lang="pt-BR" sz="1200" b="1" i="0" kern="1200" dirty="0">
                 <a:solidFill>
                   <a:schemeClr val="tx1"/>
                 </a:solidFill>
@@ -2001,7 +2148,7 @@
               <a:t>classes mutuamente exclusivas</a:t>
             </a:r>
             <a:r>
-              <a:rPr lang="pt-BR" sz="1200" b="0" i="0" kern="1200" dirty="0" smtClean="0">
+              <a:rPr lang="pt-BR" sz="1200" b="0" i="0" kern="1200" dirty="0">
                 <a:solidFill>
                   <a:schemeClr val="tx1"/>
                 </a:solidFill>
@@ -2012,24 +2159,21 @@
               </a:rPr>
               <a:t> se elas não podem ocorrer ao mesmo tempo.</a:t>
             </a:r>
-            <a:endParaRPr lang="pt-BR" dirty="0" smtClean="0"/>
-          </a:p>
-          <a:p>
-            <a:endParaRPr lang="pt-BR" dirty="0" smtClean="0"/>
-          </a:p>
-          <a:p>
             <a:endParaRPr lang="pt-BR" dirty="0"/>
+          </a:p>
+          <a:p>
+            <a:endParaRPr lang="en-US" dirty="0"/>
           </a:p>
         </p:txBody>
       </p:sp>
       <p:sp>
         <p:nvSpPr>
-          <p:cNvPr id="4" name="Slide Number Placeholder 3"/>
+          <p:cNvPr id="4" name="Espaço Reservado para Número de Slide 3"/>
           <p:cNvSpPr>
             <a:spLocks noGrp="1"/>
           </p:cNvSpPr>
           <p:nvPr>
-            <p:ph type="sldNum" sz="quarter" idx="10"/>
+            <p:ph type="sldNum" sz="quarter" idx="5"/>
           </p:nvPr>
         </p:nvSpPr>
         <p:spPr/>
@@ -2037,7 +2181,7 @@
           <a:bodyPr/>
           <a:lstStyle/>
           <a:p>
-            <a:fld id="{F430A2A4-8C14-4B1A-AD48-7B6401078BF7}" type="slidenum">
+            <a:fld id="{6FC8D850-966F-45A6-8DE7-15B891E7D40D}" type="slidenum">
               <a:rPr lang="pt-BR" smtClean="0"/>
               <a:t>9</a:t>
             </a:fld>
@@ -2048,7 +2192,7 @@
     </p:spTree>
     <p:extLst>
       <p:ext uri="{BB962C8B-B14F-4D97-AF65-F5344CB8AC3E}">
-        <p14:creationId xmlns:p14="http://schemas.microsoft.com/office/powerpoint/2010/main" val="2081661842"/>
+        <p14:creationId xmlns:p14="http://schemas.microsoft.com/office/powerpoint/2010/main" val="1839859383"/>
       </p:ext>
     </p:extLst>
   </p:cSld>
@@ -2103,34 +2247,34 @@
           <a:lstStyle/>
           <a:p>
             <a:r>
-              <a:rPr lang="pt-BR" dirty="0" smtClean="0"/>
+              <a:rPr lang="pt-BR" dirty="0"/>
               <a:t>O classificador Softmax prevê/prediz apenas uma classe de cada vez (ou seja, ele é multiclasse, e não multi-saída), portanto, ele deve ser usado apenas com classes mutuamente exclusivas, como por exemplo diferentes tipos de plantas, dígitos, categorias</a:t>
             </a:r>
             <a:r>
-              <a:rPr lang="pt-BR" baseline="0" dirty="0" smtClean="0"/>
+              <a:rPr lang="pt-BR" baseline="0" dirty="0"/>
               <a:t> de notícias, etc</a:t>
             </a:r>
             <a:r>
-              <a:rPr lang="pt-BR" dirty="0" smtClean="0"/>
+              <a:rPr lang="pt-BR" dirty="0"/>
               <a:t>. Portanto, você não pode usá-lo para reconhecer várias pessoas em uma foto, por exemplo.</a:t>
             </a:r>
           </a:p>
           <a:p>
-            <a:endParaRPr lang="pt-BR" dirty="0" smtClean="0"/>
-          </a:p>
-          <a:p>
-            <a:r>
-              <a:rPr lang="pt-BR" dirty="0" smtClean="0"/>
+            <a:endParaRPr lang="pt-BR" dirty="0"/>
+          </a:p>
+          <a:p>
+            <a:r>
+              <a:rPr lang="pt-BR" dirty="0"/>
               <a:t>Observe que, quando existem apenas duas classes (Q = 2), a função de erro acima é equivalente à função de erro da regressão logística</a:t>
             </a:r>
             <a:r>
-              <a:rPr lang="pt-BR" baseline="0" dirty="0" smtClean="0"/>
+              <a:rPr lang="pt-BR" baseline="0" dirty="0"/>
               <a:t>.</a:t>
             </a:r>
-            <a:endParaRPr lang="pt-BR" dirty="0" smtClean="0"/>
-          </a:p>
-          <a:p>
-            <a:endParaRPr lang="pt-BR" dirty="0" smtClean="0"/>
+            <a:endParaRPr lang="pt-BR" dirty="0"/>
+          </a:p>
+          <a:p>
+            <a:endParaRPr lang="pt-BR" dirty="0"/>
           </a:p>
           <a:p>
             <a:endParaRPr lang="pt-BR" dirty="0"/>
@@ -2218,34 +2362,34 @@
           <a:lstStyle/>
           <a:p>
             <a:r>
-              <a:rPr lang="pt-BR" dirty="0" smtClean="0"/>
+              <a:rPr lang="pt-BR" dirty="0"/>
               <a:t>O classificador Softmax prevê/prediz apenas uma classe de cada vez (ou seja, ele é multiclasse, e não multi-saída), portanto, ele deve ser usado apenas com classes mutuamente exclusivas, como por exemplo diferentes tipos de plantas, dígitos, categorias</a:t>
             </a:r>
             <a:r>
-              <a:rPr lang="pt-BR" baseline="0" dirty="0" smtClean="0"/>
+              <a:rPr lang="pt-BR" baseline="0" dirty="0"/>
               <a:t> de notícias, etc</a:t>
             </a:r>
             <a:r>
-              <a:rPr lang="pt-BR" dirty="0" smtClean="0"/>
+              <a:rPr lang="pt-BR" dirty="0"/>
               <a:t>. Portanto, você não pode usá-lo para reconhecer várias pessoas em uma foto, por exemplo.</a:t>
             </a:r>
           </a:p>
           <a:p>
-            <a:endParaRPr lang="pt-BR" dirty="0" smtClean="0"/>
-          </a:p>
-          <a:p>
-            <a:r>
-              <a:rPr lang="pt-BR" dirty="0" smtClean="0"/>
+            <a:endParaRPr lang="pt-BR" dirty="0"/>
+          </a:p>
+          <a:p>
+            <a:r>
+              <a:rPr lang="pt-BR" dirty="0"/>
               <a:t>Observe que, quando existem apenas duas classes (Q = 2), a função de erro acima é equivalente à função de erro da regressão logística</a:t>
             </a:r>
             <a:r>
-              <a:rPr lang="pt-BR" baseline="0" dirty="0" smtClean="0"/>
+              <a:rPr lang="pt-BR" baseline="0" dirty="0"/>
               <a:t>.</a:t>
             </a:r>
-            <a:endParaRPr lang="pt-BR" dirty="0" smtClean="0"/>
-          </a:p>
-          <a:p>
-            <a:endParaRPr lang="pt-BR" dirty="0" smtClean="0"/>
+            <a:endParaRPr lang="pt-BR" dirty="0"/>
+          </a:p>
+          <a:p>
+            <a:endParaRPr lang="pt-BR" dirty="0"/>
           </a:p>
           <a:p>
             <a:endParaRPr lang="pt-BR" dirty="0"/>
@@ -2333,85 +2477,85 @@
           <a:lstStyle/>
           <a:p>
             <a:r>
-              <a:rPr lang="pt-BR" dirty="0" smtClean="0"/>
+              <a:rPr lang="pt-BR" dirty="0"/>
               <a:t>O objetivo do treinamento do classificador softmax é ter um modelo que estima uma alta probabilidade para a classe-alvo (e consequentemente uma baixa probabilidade para as outras classes).</a:t>
             </a:r>
           </a:p>
           <a:p>
-            <a:endParaRPr lang="pt-BR" dirty="0" smtClean="0"/>
-          </a:p>
-          <a:p>
-            <a:r>
-              <a:rPr lang="pt-BR" dirty="0" smtClean="0"/>
+            <a:endParaRPr lang="pt-BR" dirty="0"/>
+          </a:p>
+          <a:p>
+            <a:r>
+              <a:rPr lang="pt-BR" dirty="0"/>
               <a:t>A</a:t>
             </a:r>
             <a:r>
-              <a:rPr lang="pt-BR" baseline="0" dirty="0" smtClean="0"/>
+              <a:rPr lang="pt-BR" baseline="0" dirty="0"/>
               <a:t> classe</a:t>
             </a:r>
             <a:r>
-              <a:rPr lang="pt-BR" dirty="0" smtClean="0"/>
+              <a:rPr lang="pt-BR" dirty="0"/>
               <a:t> LogisticRegression da biblioteca Scikit-Learn usa a estratégia um-contra-todos por padrão quando você o treina com dados pertencentrs a mais de duas classes, mas você pode definir o parâmetro </a:t>
             </a:r>
             <a:r>
-              <a:rPr lang="pt-BR" b="1" dirty="0" smtClean="0"/>
+              <a:rPr lang="pt-BR" b="1" dirty="0"/>
               <a:t>mult_class</a:t>
             </a:r>
             <a:r>
-              <a:rPr lang="pt-BR" dirty="0" smtClean="0"/>
+              <a:rPr lang="pt-BR" dirty="0"/>
               <a:t> como "</a:t>
             </a:r>
             <a:r>
-              <a:rPr lang="pt-BR" i="1" dirty="0" smtClean="0"/>
+              <a:rPr lang="pt-BR" i="1" dirty="0"/>
               <a:t>multinomial</a:t>
             </a:r>
             <a:r>
-              <a:rPr lang="pt-BR" dirty="0" smtClean="0"/>
+              <a:rPr lang="pt-BR" dirty="0"/>
               <a:t>" para alternar para regressão Softmax. Você também deve especificar um </a:t>
             </a:r>
             <a:r>
-              <a:rPr lang="pt-BR" b="1" dirty="0" smtClean="0"/>
+              <a:rPr lang="pt-BR" b="1" dirty="0"/>
               <a:t>solver</a:t>
             </a:r>
             <a:r>
-              <a:rPr lang="pt-BR" dirty="0" smtClean="0"/>
+              <a:rPr lang="pt-BR" dirty="0"/>
               <a:t> que suporte a regressão Softmax, como o </a:t>
             </a:r>
             <a:r>
-              <a:rPr lang="pt-BR" b="1" dirty="0" smtClean="0"/>
+              <a:rPr lang="pt-BR" b="1" dirty="0"/>
               <a:t>solver</a:t>
             </a:r>
             <a:r>
-              <a:rPr lang="pt-BR" dirty="0" smtClean="0"/>
+              <a:rPr lang="pt-BR" dirty="0"/>
               <a:t> "lbfgs" (consulte a documentação do Scikit-Learn para obter mais detalhes). Ele também aplica regularização L2 por padrão, a qual você pode controlar usando o parâmetro </a:t>
             </a:r>
             <a:r>
-              <a:rPr lang="pt-BR" b="1" dirty="0" smtClean="0"/>
+              <a:rPr lang="pt-BR" b="1" dirty="0"/>
               <a:t>C</a:t>
             </a:r>
             <a:r>
-              <a:rPr lang="pt-BR" dirty="0" smtClean="0"/>
+              <a:rPr lang="pt-BR" dirty="0"/>
               <a:t>.</a:t>
             </a:r>
           </a:p>
           <a:p>
-            <a:endParaRPr lang="pt-BR" dirty="0" smtClean="0"/>
-          </a:p>
-          <a:p>
-            <a:r>
-              <a:rPr lang="pt-BR" dirty="0" smtClean="0"/>
+            <a:endParaRPr lang="pt-BR" dirty="0"/>
+          </a:p>
+          <a:p>
+            <a:r>
+              <a:rPr lang="pt-BR" dirty="0"/>
               <a:t>Referência:</a:t>
             </a:r>
           </a:p>
           <a:p>
             <a:r>
-              <a:rPr lang="pt-BR" dirty="0" smtClean="0"/>
+              <a:rPr lang="pt-BR" dirty="0"/>
               <a:t>[1] http://deeplearning.stanford.edu/tutorial/supervised/SoftmaxRegression/</a:t>
             </a:r>
           </a:p>
           <a:p>
             <a:r>
-              <a:rPr lang="pt-BR" dirty="0" smtClean="0"/>
+              <a:rPr lang="pt-BR" dirty="0"/>
               <a:t>[2] http://rasbt.github.io/mlxtend/user_guide/classifier/SoftmaxRegression/</a:t>
             </a:r>
           </a:p>
@@ -2478,7 +2622,7 @@
           <p:cNvPr id="2" name="Título 1">
             <a:extLst>
               <a:ext uri="{FF2B5EF4-FFF2-40B4-BE49-F238E27FC236}">
-                <a16:creationId xmlns="" xmlns:a16="http://schemas.microsoft.com/office/drawing/2014/main" id="{1DB9B4FF-B06E-403C-A326-BDC64D8FF94E}"/>
+                <a16:creationId xmlns:a16="http://schemas.microsoft.com/office/drawing/2014/main" id="{1DB9B4FF-B06E-403C-A326-BDC64D8FF94E}"/>
               </a:ext>
             </a:extLst>
           </p:cNvPr>
@@ -2515,7 +2659,7 @@
           <p:cNvPr id="3" name="Subtítulo 2">
             <a:extLst>
               <a:ext uri="{FF2B5EF4-FFF2-40B4-BE49-F238E27FC236}">
-                <a16:creationId xmlns="" xmlns:a16="http://schemas.microsoft.com/office/drawing/2014/main" id="{247BDFCE-746E-45BF-A319-4733D58D1632}"/>
+                <a16:creationId xmlns:a16="http://schemas.microsoft.com/office/drawing/2014/main" id="{247BDFCE-746E-45BF-A319-4733D58D1632}"/>
               </a:ext>
             </a:extLst>
           </p:cNvPr>
@@ -2585,7 +2729,7 @@
           <p:cNvPr id="4" name="Espaço Reservado para Data 3">
             <a:extLst>
               <a:ext uri="{FF2B5EF4-FFF2-40B4-BE49-F238E27FC236}">
-                <a16:creationId xmlns="" xmlns:a16="http://schemas.microsoft.com/office/drawing/2014/main" id="{9EDE2778-5372-4104-B96D-968184DA8288}"/>
+                <a16:creationId xmlns:a16="http://schemas.microsoft.com/office/drawing/2014/main" id="{9EDE2778-5372-4104-B96D-968184DA8288}"/>
               </a:ext>
             </a:extLst>
           </p:cNvPr>
@@ -2603,7 +2747,7 @@
           <a:p>
             <a:fld id="{63289F7E-B80B-496E-81B4-D396C37C9454}" type="datetimeFigureOut">
               <a:rPr lang="pt-BR" smtClean="0"/>
-              <a:t>19/03/2022</a:t>
+              <a:t>25/03/2022</a:t>
             </a:fld>
             <a:endParaRPr lang="pt-BR"/>
           </a:p>
@@ -2614,7 +2758,7 @@
           <p:cNvPr id="5" name="Espaço Reservado para Rodapé 4">
             <a:extLst>
               <a:ext uri="{FF2B5EF4-FFF2-40B4-BE49-F238E27FC236}">
-                <a16:creationId xmlns="" xmlns:a16="http://schemas.microsoft.com/office/drawing/2014/main" id="{C1DD0F41-C861-4051-988D-3024A37A4B93}"/>
+                <a16:creationId xmlns:a16="http://schemas.microsoft.com/office/drawing/2014/main" id="{C1DD0F41-C861-4051-988D-3024A37A4B93}"/>
               </a:ext>
             </a:extLst>
           </p:cNvPr>
@@ -2639,7 +2783,7 @@
           <p:cNvPr id="6" name="Espaço Reservado para Número de Slide 5">
             <a:extLst>
               <a:ext uri="{FF2B5EF4-FFF2-40B4-BE49-F238E27FC236}">
-                <a16:creationId xmlns="" xmlns:a16="http://schemas.microsoft.com/office/drawing/2014/main" id="{07E5967E-D980-431A-A5DB-3F0C5030A81E}"/>
+                <a16:creationId xmlns:a16="http://schemas.microsoft.com/office/drawing/2014/main" id="{07E5967E-D980-431A-A5DB-3F0C5030A81E}"/>
               </a:ext>
             </a:extLst>
           </p:cNvPr>
@@ -2698,7 +2842,7 @@
           <p:cNvPr id="2" name="Título 1">
             <a:extLst>
               <a:ext uri="{FF2B5EF4-FFF2-40B4-BE49-F238E27FC236}">
-                <a16:creationId xmlns="" xmlns:a16="http://schemas.microsoft.com/office/drawing/2014/main" id="{9036C49F-3E68-4175-81BA-3C3FEE44308A}"/>
+                <a16:creationId xmlns:a16="http://schemas.microsoft.com/office/drawing/2014/main" id="{9036C49F-3E68-4175-81BA-3C3FEE44308A}"/>
               </a:ext>
             </a:extLst>
           </p:cNvPr>
@@ -2726,7 +2870,7 @@
           <p:cNvPr id="3" name="Espaço Reservado para Texto Vertical 2">
             <a:extLst>
               <a:ext uri="{FF2B5EF4-FFF2-40B4-BE49-F238E27FC236}">
-                <a16:creationId xmlns="" xmlns:a16="http://schemas.microsoft.com/office/drawing/2014/main" id="{426FA736-3DD3-4D4E-B57B-BBE1D8F7D424}"/>
+                <a16:creationId xmlns:a16="http://schemas.microsoft.com/office/drawing/2014/main" id="{426FA736-3DD3-4D4E-B57B-BBE1D8F7D424}"/>
               </a:ext>
             </a:extLst>
           </p:cNvPr>
@@ -2783,7 +2927,7 @@
           <p:cNvPr id="4" name="Espaço Reservado para Data 3">
             <a:extLst>
               <a:ext uri="{FF2B5EF4-FFF2-40B4-BE49-F238E27FC236}">
-                <a16:creationId xmlns="" xmlns:a16="http://schemas.microsoft.com/office/drawing/2014/main" id="{99E8855C-D8FD-48F6-B14E-861E0DE4D915}"/>
+                <a16:creationId xmlns:a16="http://schemas.microsoft.com/office/drawing/2014/main" id="{99E8855C-D8FD-48F6-B14E-861E0DE4D915}"/>
               </a:ext>
             </a:extLst>
           </p:cNvPr>
@@ -2801,7 +2945,7 @@
           <a:p>
             <a:fld id="{63289F7E-B80B-496E-81B4-D396C37C9454}" type="datetimeFigureOut">
               <a:rPr lang="pt-BR" smtClean="0"/>
-              <a:t>19/03/2022</a:t>
+              <a:t>25/03/2022</a:t>
             </a:fld>
             <a:endParaRPr lang="pt-BR"/>
           </a:p>
@@ -2812,7 +2956,7 @@
           <p:cNvPr id="5" name="Espaço Reservado para Rodapé 4">
             <a:extLst>
               <a:ext uri="{FF2B5EF4-FFF2-40B4-BE49-F238E27FC236}">
-                <a16:creationId xmlns="" xmlns:a16="http://schemas.microsoft.com/office/drawing/2014/main" id="{97C0BB88-2F21-42A5-ACFF-83DA47F2D340}"/>
+                <a16:creationId xmlns:a16="http://schemas.microsoft.com/office/drawing/2014/main" id="{97C0BB88-2F21-42A5-ACFF-83DA47F2D340}"/>
               </a:ext>
             </a:extLst>
           </p:cNvPr>
@@ -2837,7 +2981,7 @@
           <p:cNvPr id="6" name="Espaço Reservado para Número de Slide 5">
             <a:extLst>
               <a:ext uri="{FF2B5EF4-FFF2-40B4-BE49-F238E27FC236}">
-                <a16:creationId xmlns="" xmlns:a16="http://schemas.microsoft.com/office/drawing/2014/main" id="{6CB462B3-1F22-4C05-B4B8-7A279FB7D5E9}"/>
+                <a16:creationId xmlns:a16="http://schemas.microsoft.com/office/drawing/2014/main" id="{6CB462B3-1F22-4C05-B4B8-7A279FB7D5E9}"/>
               </a:ext>
             </a:extLst>
           </p:cNvPr>
@@ -2896,7 +3040,7 @@
           <p:cNvPr id="2" name="Título Vertical 1">
             <a:extLst>
               <a:ext uri="{FF2B5EF4-FFF2-40B4-BE49-F238E27FC236}">
-                <a16:creationId xmlns="" xmlns:a16="http://schemas.microsoft.com/office/drawing/2014/main" id="{EAEAB728-701C-4207-A9D5-23FF45C60502}"/>
+                <a16:creationId xmlns:a16="http://schemas.microsoft.com/office/drawing/2014/main" id="{EAEAB728-701C-4207-A9D5-23FF45C60502}"/>
               </a:ext>
             </a:extLst>
           </p:cNvPr>
@@ -2929,7 +3073,7 @@
           <p:cNvPr id="3" name="Espaço Reservado para Texto Vertical 2">
             <a:extLst>
               <a:ext uri="{FF2B5EF4-FFF2-40B4-BE49-F238E27FC236}">
-                <a16:creationId xmlns="" xmlns:a16="http://schemas.microsoft.com/office/drawing/2014/main" id="{BA8C8CCF-7823-480A-9A19-0F664DD17E3B}"/>
+                <a16:creationId xmlns:a16="http://schemas.microsoft.com/office/drawing/2014/main" id="{BA8C8CCF-7823-480A-9A19-0F664DD17E3B}"/>
               </a:ext>
             </a:extLst>
           </p:cNvPr>
@@ -2991,7 +3135,7 @@
           <p:cNvPr id="4" name="Espaço Reservado para Data 3">
             <a:extLst>
               <a:ext uri="{FF2B5EF4-FFF2-40B4-BE49-F238E27FC236}">
-                <a16:creationId xmlns="" xmlns:a16="http://schemas.microsoft.com/office/drawing/2014/main" id="{721D5734-7B1F-425D-942F-6EB73344027C}"/>
+                <a16:creationId xmlns:a16="http://schemas.microsoft.com/office/drawing/2014/main" id="{721D5734-7B1F-425D-942F-6EB73344027C}"/>
               </a:ext>
             </a:extLst>
           </p:cNvPr>
@@ -3009,7 +3153,7 @@
           <a:p>
             <a:fld id="{63289F7E-B80B-496E-81B4-D396C37C9454}" type="datetimeFigureOut">
               <a:rPr lang="pt-BR" smtClean="0"/>
-              <a:t>19/03/2022</a:t>
+              <a:t>25/03/2022</a:t>
             </a:fld>
             <a:endParaRPr lang="pt-BR"/>
           </a:p>
@@ -3020,7 +3164,7 @@
           <p:cNvPr id="5" name="Espaço Reservado para Rodapé 4">
             <a:extLst>
               <a:ext uri="{FF2B5EF4-FFF2-40B4-BE49-F238E27FC236}">
-                <a16:creationId xmlns="" xmlns:a16="http://schemas.microsoft.com/office/drawing/2014/main" id="{1E1AAEAC-F08D-45FE-89EC-B1B349A868C9}"/>
+                <a16:creationId xmlns:a16="http://schemas.microsoft.com/office/drawing/2014/main" id="{1E1AAEAC-F08D-45FE-89EC-B1B349A868C9}"/>
               </a:ext>
             </a:extLst>
           </p:cNvPr>
@@ -3045,7 +3189,7 @@
           <p:cNvPr id="6" name="Espaço Reservado para Número de Slide 5">
             <a:extLst>
               <a:ext uri="{FF2B5EF4-FFF2-40B4-BE49-F238E27FC236}">
-                <a16:creationId xmlns="" xmlns:a16="http://schemas.microsoft.com/office/drawing/2014/main" id="{BAA44493-9911-47B2-87A6-C2141A972BC8}"/>
+                <a16:creationId xmlns:a16="http://schemas.microsoft.com/office/drawing/2014/main" id="{BAA44493-9911-47B2-87A6-C2141A972BC8}"/>
               </a:ext>
             </a:extLst>
           </p:cNvPr>
@@ -3104,7 +3248,7 @@
           <p:cNvPr id="2" name="Título 1">
             <a:extLst>
               <a:ext uri="{FF2B5EF4-FFF2-40B4-BE49-F238E27FC236}">
-                <a16:creationId xmlns="" xmlns:a16="http://schemas.microsoft.com/office/drawing/2014/main" id="{71BD44A5-8F21-4626-A01D-48A1C874B1D5}"/>
+                <a16:creationId xmlns:a16="http://schemas.microsoft.com/office/drawing/2014/main" id="{71BD44A5-8F21-4626-A01D-48A1C874B1D5}"/>
               </a:ext>
             </a:extLst>
           </p:cNvPr>
@@ -3132,7 +3276,7 @@
           <p:cNvPr id="3" name="Espaço Reservado para Conteúdo 2">
             <a:extLst>
               <a:ext uri="{FF2B5EF4-FFF2-40B4-BE49-F238E27FC236}">
-                <a16:creationId xmlns="" xmlns:a16="http://schemas.microsoft.com/office/drawing/2014/main" id="{B79E8085-65A9-48AA-951D-71D978BFF4ED}"/>
+                <a16:creationId xmlns:a16="http://schemas.microsoft.com/office/drawing/2014/main" id="{B79E8085-65A9-48AA-951D-71D978BFF4ED}"/>
               </a:ext>
             </a:extLst>
           </p:cNvPr>
@@ -3189,7 +3333,7 @@
           <p:cNvPr id="4" name="Espaço Reservado para Data 3">
             <a:extLst>
               <a:ext uri="{FF2B5EF4-FFF2-40B4-BE49-F238E27FC236}">
-                <a16:creationId xmlns="" xmlns:a16="http://schemas.microsoft.com/office/drawing/2014/main" id="{F05BE1AF-51EA-425D-B188-DE7BD675009F}"/>
+                <a16:creationId xmlns:a16="http://schemas.microsoft.com/office/drawing/2014/main" id="{F05BE1AF-51EA-425D-B188-DE7BD675009F}"/>
               </a:ext>
             </a:extLst>
           </p:cNvPr>
@@ -3207,7 +3351,7 @@
           <a:p>
             <a:fld id="{63289F7E-B80B-496E-81B4-D396C37C9454}" type="datetimeFigureOut">
               <a:rPr lang="pt-BR" smtClean="0"/>
-              <a:t>19/03/2022</a:t>
+              <a:t>25/03/2022</a:t>
             </a:fld>
             <a:endParaRPr lang="pt-BR"/>
           </a:p>
@@ -3218,7 +3362,7 @@
           <p:cNvPr id="5" name="Espaço Reservado para Rodapé 4">
             <a:extLst>
               <a:ext uri="{FF2B5EF4-FFF2-40B4-BE49-F238E27FC236}">
-                <a16:creationId xmlns="" xmlns:a16="http://schemas.microsoft.com/office/drawing/2014/main" id="{121BE632-29CF-4CB9-B365-C9EF38F89BE6}"/>
+                <a16:creationId xmlns:a16="http://schemas.microsoft.com/office/drawing/2014/main" id="{121BE632-29CF-4CB9-B365-C9EF38F89BE6}"/>
               </a:ext>
             </a:extLst>
           </p:cNvPr>
@@ -3243,7 +3387,7 @@
           <p:cNvPr id="6" name="Espaço Reservado para Número de Slide 5">
             <a:extLst>
               <a:ext uri="{FF2B5EF4-FFF2-40B4-BE49-F238E27FC236}">
-                <a16:creationId xmlns="" xmlns:a16="http://schemas.microsoft.com/office/drawing/2014/main" id="{60CF3DD1-9AEC-4A57-B461-4E4DD86FAC18}"/>
+                <a16:creationId xmlns:a16="http://schemas.microsoft.com/office/drawing/2014/main" id="{60CF3DD1-9AEC-4A57-B461-4E4DD86FAC18}"/>
               </a:ext>
             </a:extLst>
           </p:cNvPr>
@@ -3302,7 +3446,7 @@
           <p:cNvPr id="2" name="Título 1">
             <a:extLst>
               <a:ext uri="{FF2B5EF4-FFF2-40B4-BE49-F238E27FC236}">
-                <a16:creationId xmlns="" xmlns:a16="http://schemas.microsoft.com/office/drawing/2014/main" id="{34AB2FF0-A4D7-4E28-991D-FF26140D5988}"/>
+                <a16:creationId xmlns:a16="http://schemas.microsoft.com/office/drawing/2014/main" id="{34AB2FF0-A4D7-4E28-991D-FF26140D5988}"/>
               </a:ext>
             </a:extLst>
           </p:cNvPr>
@@ -3339,7 +3483,7 @@
           <p:cNvPr id="3" name="Espaço Reservado para Texto 2">
             <a:extLst>
               <a:ext uri="{FF2B5EF4-FFF2-40B4-BE49-F238E27FC236}">
-                <a16:creationId xmlns="" xmlns:a16="http://schemas.microsoft.com/office/drawing/2014/main" id="{E2AC45B0-4145-40DB-8E61-105461170604}"/>
+                <a16:creationId xmlns:a16="http://schemas.microsoft.com/office/drawing/2014/main" id="{E2AC45B0-4145-40DB-8E61-105461170604}"/>
               </a:ext>
             </a:extLst>
           </p:cNvPr>
@@ -3464,7 +3608,7 @@
           <p:cNvPr id="4" name="Espaço Reservado para Data 3">
             <a:extLst>
               <a:ext uri="{FF2B5EF4-FFF2-40B4-BE49-F238E27FC236}">
-                <a16:creationId xmlns="" xmlns:a16="http://schemas.microsoft.com/office/drawing/2014/main" id="{50F1D3FB-740A-4EBA-A309-2CE71D12ECFB}"/>
+                <a16:creationId xmlns:a16="http://schemas.microsoft.com/office/drawing/2014/main" id="{50F1D3FB-740A-4EBA-A309-2CE71D12ECFB}"/>
               </a:ext>
             </a:extLst>
           </p:cNvPr>
@@ -3482,7 +3626,7 @@
           <a:p>
             <a:fld id="{63289F7E-B80B-496E-81B4-D396C37C9454}" type="datetimeFigureOut">
               <a:rPr lang="pt-BR" smtClean="0"/>
-              <a:t>19/03/2022</a:t>
+              <a:t>25/03/2022</a:t>
             </a:fld>
             <a:endParaRPr lang="pt-BR"/>
           </a:p>
@@ -3493,7 +3637,7 @@
           <p:cNvPr id="5" name="Espaço Reservado para Rodapé 4">
             <a:extLst>
               <a:ext uri="{FF2B5EF4-FFF2-40B4-BE49-F238E27FC236}">
-                <a16:creationId xmlns="" xmlns:a16="http://schemas.microsoft.com/office/drawing/2014/main" id="{BDCAB18F-8715-4465-A940-F9C193A2ACE9}"/>
+                <a16:creationId xmlns:a16="http://schemas.microsoft.com/office/drawing/2014/main" id="{BDCAB18F-8715-4465-A940-F9C193A2ACE9}"/>
               </a:ext>
             </a:extLst>
           </p:cNvPr>
@@ -3518,7 +3662,7 @@
           <p:cNvPr id="6" name="Espaço Reservado para Número de Slide 5">
             <a:extLst>
               <a:ext uri="{FF2B5EF4-FFF2-40B4-BE49-F238E27FC236}">
-                <a16:creationId xmlns="" xmlns:a16="http://schemas.microsoft.com/office/drawing/2014/main" id="{353466C6-8248-429F-8056-FF040BF509EB}"/>
+                <a16:creationId xmlns:a16="http://schemas.microsoft.com/office/drawing/2014/main" id="{353466C6-8248-429F-8056-FF040BF509EB}"/>
               </a:ext>
             </a:extLst>
           </p:cNvPr>
@@ -3577,7 +3721,7 @@
           <p:cNvPr id="2" name="Título 1">
             <a:extLst>
               <a:ext uri="{FF2B5EF4-FFF2-40B4-BE49-F238E27FC236}">
-                <a16:creationId xmlns="" xmlns:a16="http://schemas.microsoft.com/office/drawing/2014/main" id="{BC7BB9F0-F14B-4A91-B2B7-35BC47FE4DE7}"/>
+                <a16:creationId xmlns:a16="http://schemas.microsoft.com/office/drawing/2014/main" id="{BC7BB9F0-F14B-4A91-B2B7-35BC47FE4DE7}"/>
               </a:ext>
             </a:extLst>
           </p:cNvPr>
@@ -3605,7 +3749,7 @@
           <p:cNvPr id="3" name="Espaço Reservado para Conteúdo 2">
             <a:extLst>
               <a:ext uri="{FF2B5EF4-FFF2-40B4-BE49-F238E27FC236}">
-                <a16:creationId xmlns="" xmlns:a16="http://schemas.microsoft.com/office/drawing/2014/main" id="{EC1FC1C4-73DA-47A6-8496-B0B457F7D39A}"/>
+                <a16:creationId xmlns:a16="http://schemas.microsoft.com/office/drawing/2014/main" id="{EC1FC1C4-73DA-47A6-8496-B0B457F7D39A}"/>
               </a:ext>
             </a:extLst>
           </p:cNvPr>
@@ -3667,7 +3811,7 @@
           <p:cNvPr id="4" name="Espaço Reservado para Conteúdo 3">
             <a:extLst>
               <a:ext uri="{FF2B5EF4-FFF2-40B4-BE49-F238E27FC236}">
-                <a16:creationId xmlns="" xmlns:a16="http://schemas.microsoft.com/office/drawing/2014/main" id="{E92F06A8-A449-4D92-9912-76873E529B38}"/>
+                <a16:creationId xmlns:a16="http://schemas.microsoft.com/office/drawing/2014/main" id="{E92F06A8-A449-4D92-9912-76873E529B38}"/>
               </a:ext>
             </a:extLst>
           </p:cNvPr>
@@ -3729,7 +3873,7 @@
           <p:cNvPr id="5" name="Espaço Reservado para Data 4">
             <a:extLst>
               <a:ext uri="{FF2B5EF4-FFF2-40B4-BE49-F238E27FC236}">
-                <a16:creationId xmlns="" xmlns:a16="http://schemas.microsoft.com/office/drawing/2014/main" id="{938070A4-BC2F-4D55-BD8D-DEAF11BB9EE9}"/>
+                <a16:creationId xmlns:a16="http://schemas.microsoft.com/office/drawing/2014/main" id="{938070A4-BC2F-4D55-BD8D-DEAF11BB9EE9}"/>
               </a:ext>
             </a:extLst>
           </p:cNvPr>
@@ -3747,7 +3891,7 @@
           <a:p>
             <a:fld id="{63289F7E-B80B-496E-81B4-D396C37C9454}" type="datetimeFigureOut">
               <a:rPr lang="pt-BR" smtClean="0"/>
-              <a:t>19/03/2022</a:t>
+              <a:t>25/03/2022</a:t>
             </a:fld>
             <a:endParaRPr lang="pt-BR"/>
           </a:p>
@@ -3758,7 +3902,7 @@
           <p:cNvPr id="6" name="Espaço Reservado para Rodapé 5">
             <a:extLst>
               <a:ext uri="{FF2B5EF4-FFF2-40B4-BE49-F238E27FC236}">
-                <a16:creationId xmlns="" xmlns:a16="http://schemas.microsoft.com/office/drawing/2014/main" id="{45CC2DB8-844A-465F-BA9A-7734C80C7F43}"/>
+                <a16:creationId xmlns:a16="http://schemas.microsoft.com/office/drawing/2014/main" id="{45CC2DB8-844A-465F-BA9A-7734C80C7F43}"/>
               </a:ext>
             </a:extLst>
           </p:cNvPr>
@@ -3783,7 +3927,7 @@
           <p:cNvPr id="7" name="Espaço Reservado para Número de Slide 6">
             <a:extLst>
               <a:ext uri="{FF2B5EF4-FFF2-40B4-BE49-F238E27FC236}">
-                <a16:creationId xmlns="" xmlns:a16="http://schemas.microsoft.com/office/drawing/2014/main" id="{4CC606A8-097B-4040-94E0-CD8C88280D8F}"/>
+                <a16:creationId xmlns:a16="http://schemas.microsoft.com/office/drawing/2014/main" id="{4CC606A8-097B-4040-94E0-CD8C88280D8F}"/>
               </a:ext>
             </a:extLst>
           </p:cNvPr>
@@ -3842,7 +3986,7 @@
           <p:cNvPr id="2" name="Título 1">
             <a:extLst>
               <a:ext uri="{FF2B5EF4-FFF2-40B4-BE49-F238E27FC236}">
-                <a16:creationId xmlns="" xmlns:a16="http://schemas.microsoft.com/office/drawing/2014/main" id="{76D66686-0143-4CB6-8C09-BA326F1E7ACA}"/>
+                <a16:creationId xmlns:a16="http://schemas.microsoft.com/office/drawing/2014/main" id="{76D66686-0143-4CB6-8C09-BA326F1E7ACA}"/>
               </a:ext>
             </a:extLst>
           </p:cNvPr>
@@ -3875,7 +4019,7 @@
           <p:cNvPr id="3" name="Espaço Reservado para Texto 2">
             <a:extLst>
               <a:ext uri="{FF2B5EF4-FFF2-40B4-BE49-F238E27FC236}">
-                <a16:creationId xmlns="" xmlns:a16="http://schemas.microsoft.com/office/drawing/2014/main" id="{0227AB85-F59E-4BCE-B846-4FA0992C2F23}"/>
+                <a16:creationId xmlns:a16="http://schemas.microsoft.com/office/drawing/2014/main" id="{0227AB85-F59E-4BCE-B846-4FA0992C2F23}"/>
               </a:ext>
             </a:extLst>
           </p:cNvPr>
@@ -3946,7 +4090,7 @@
           <p:cNvPr id="4" name="Espaço Reservado para Conteúdo 3">
             <a:extLst>
               <a:ext uri="{FF2B5EF4-FFF2-40B4-BE49-F238E27FC236}">
-                <a16:creationId xmlns="" xmlns:a16="http://schemas.microsoft.com/office/drawing/2014/main" id="{3373456C-7319-4D0A-827D-D29F6B083F5D}"/>
+                <a16:creationId xmlns:a16="http://schemas.microsoft.com/office/drawing/2014/main" id="{3373456C-7319-4D0A-827D-D29F6B083F5D}"/>
               </a:ext>
             </a:extLst>
           </p:cNvPr>
@@ -4008,7 +4152,7 @@
           <p:cNvPr id="5" name="Espaço Reservado para Texto 4">
             <a:extLst>
               <a:ext uri="{FF2B5EF4-FFF2-40B4-BE49-F238E27FC236}">
-                <a16:creationId xmlns="" xmlns:a16="http://schemas.microsoft.com/office/drawing/2014/main" id="{4CD109D0-2E83-4262-8029-A871CEC47406}"/>
+                <a16:creationId xmlns:a16="http://schemas.microsoft.com/office/drawing/2014/main" id="{4CD109D0-2E83-4262-8029-A871CEC47406}"/>
               </a:ext>
             </a:extLst>
           </p:cNvPr>
@@ -4079,7 +4223,7 @@
           <p:cNvPr id="6" name="Espaço Reservado para Conteúdo 5">
             <a:extLst>
               <a:ext uri="{FF2B5EF4-FFF2-40B4-BE49-F238E27FC236}">
-                <a16:creationId xmlns="" xmlns:a16="http://schemas.microsoft.com/office/drawing/2014/main" id="{AD706E3A-CFBB-4A6C-A65F-D0360A9E74FE}"/>
+                <a16:creationId xmlns:a16="http://schemas.microsoft.com/office/drawing/2014/main" id="{AD706E3A-CFBB-4A6C-A65F-D0360A9E74FE}"/>
               </a:ext>
             </a:extLst>
           </p:cNvPr>
@@ -4141,7 +4285,7 @@
           <p:cNvPr id="7" name="Espaço Reservado para Data 6">
             <a:extLst>
               <a:ext uri="{FF2B5EF4-FFF2-40B4-BE49-F238E27FC236}">
-                <a16:creationId xmlns="" xmlns:a16="http://schemas.microsoft.com/office/drawing/2014/main" id="{4172C0E5-5AF0-4805-BB51-443733CD2BD5}"/>
+                <a16:creationId xmlns:a16="http://schemas.microsoft.com/office/drawing/2014/main" id="{4172C0E5-5AF0-4805-BB51-443733CD2BD5}"/>
               </a:ext>
             </a:extLst>
           </p:cNvPr>
@@ -4159,7 +4303,7 @@
           <a:p>
             <a:fld id="{63289F7E-B80B-496E-81B4-D396C37C9454}" type="datetimeFigureOut">
               <a:rPr lang="pt-BR" smtClean="0"/>
-              <a:t>19/03/2022</a:t>
+              <a:t>25/03/2022</a:t>
             </a:fld>
             <a:endParaRPr lang="pt-BR"/>
           </a:p>
@@ -4170,7 +4314,7 @@
           <p:cNvPr id="8" name="Espaço Reservado para Rodapé 7">
             <a:extLst>
               <a:ext uri="{FF2B5EF4-FFF2-40B4-BE49-F238E27FC236}">
-                <a16:creationId xmlns="" xmlns:a16="http://schemas.microsoft.com/office/drawing/2014/main" id="{0E801648-156F-497E-99CF-797DF48051E1}"/>
+                <a16:creationId xmlns:a16="http://schemas.microsoft.com/office/drawing/2014/main" id="{0E801648-156F-497E-99CF-797DF48051E1}"/>
               </a:ext>
             </a:extLst>
           </p:cNvPr>
@@ -4195,7 +4339,7 @@
           <p:cNvPr id="9" name="Espaço Reservado para Número de Slide 8">
             <a:extLst>
               <a:ext uri="{FF2B5EF4-FFF2-40B4-BE49-F238E27FC236}">
-                <a16:creationId xmlns="" xmlns:a16="http://schemas.microsoft.com/office/drawing/2014/main" id="{EEE23D32-80E7-4796-A137-66BF842E4B53}"/>
+                <a16:creationId xmlns:a16="http://schemas.microsoft.com/office/drawing/2014/main" id="{EEE23D32-80E7-4796-A137-66BF842E4B53}"/>
               </a:ext>
             </a:extLst>
           </p:cNvPr>
@@ -4254,7 +4398,7 @@
           <p:cNvPr id="2" name="Título 1">
             <a:extLst>
               <a:ext uri="{FF2B5EF4-FFF2-40B4-BE49-F238E27FC236}">
-                <a16:creationId xmlns="" xmlns:a16="http://schemas.microsoft.com/office/drawing/2014/main" id="{2BCE2379-C78F-47E1-8CFC-B846E7AF148D}"/>
+                <a16:creationId xmlns:a16="http://schemas.microsoft.com/office/drawing/2014/main" id="{2BCE2379-C78F-47E1-8CFC-B846E7AF148D}"/>
               </a:ext>
             </a:extLst>
           </p:cNvPr>
@@ -4282,7 +4426,7 @@
           <p:cNvPr id="3" name="Espaço Reservado para Data 2">
             <a:extLst>
               <a:ext uri="{FF2B5EF4-FFF2-40B4-BE49-F238E27FC236}">
-                <a16:creationId xmlns="" xmlns:a16="http://schemas.microsoft.com/office/drawing/2014/main" id="{342600A9-7F92-4E22-9D94-E4717252A817}"/>
+                <a16:creationId xmlns:a16="http://schemas.microsoft.com/office/drawing/2014/main" id="{342600A9-7F92-4E22-9D94-E4717252A817}"/>
               </a:ext>
             </a:extLst>
           </p:cNvPr>
@@ -4300,7 +4444,7 @@
           <a:p>
             <a:fld id="{63289F7E-B80B-496E-81B4-D396C37C9454}" type="datetimeFigureOut">
               <a:rPr lang="pt-BR" smtClean="0"/>
-              <a:t>19/03/2022</a:t>
+              <a:t>25/03/2022</a:t>
             </a:fld>
             <a:endParaRPr lang="pt-BR"/>
           </a:p>
@@ -4311,7 +4455,7 @@
           <p:cNvPr id="4" name="Espaço Reservado para Rodapé 3">
             <a:extLst>
               <a:ext uri="{FF2B5EF4-FFF2-40B4-BE49-F238E27FC236}">
-                <a16:creationId xmlns="" xmlns:a16="http://schemas.microsoft.com/office/drawing/2014/main" id="{192E6BED-F546-40CC-A2DF-99CBA853654E}"/>
+                <a16:creationId xmlns:a16="http://schemas.microsoft.com/office/drawing/2014/main" id="{192E6BED-F546-40CC-A2DF-99CBA853654E}"/>
               </a:ext>
             </a:extLst>
           </p:cNvPr>
@@ -4336,7 +4480,7 @@
           <p:cNvPr id="5" name="Espaço Reservado para Número de Slide 4">
             <a:extLst>
               <a:ext uri="{FF2B5EF4-FFF2-40B4-BE49-F238E27FC236}">
-                <a16:creationId xmlns="" xmlns:a16="http://schemas.microsoft.com/office/drawing/2014/main" id="{6091CC40-A8C4-4063-80EB-CC5099621678}"/>
+                <a16:creationId xmlns:a16="http://schemas.microsoft.com/office/drawing/2014/main" id="{6091CC40-A8C4-4063-80EB-CC5099621678}"/>
               </a:ext>
             </a:extLst>
           </p:cNvPr>
@@ -4395,7 +4539,7 @@
           <p:cNvPr id="2" name="Espaço Reservado para Data 1">
             <a:extLst>
               <a:ext uri="{FF2B5EF4-FFF2-40B4-BE49-F238E27FC236}">
-                <a16:creationId xmlns="" xmlns:a16="http://schemas.microsoft.com/office/drawing/2014/main" id="{DD19515C-212C-4EAE-84A3-8FF4BC844F1B}"/>
+                <a16:creationId xmlns:a16="http://schemas.microsoft.com/office/drawing/2014/main" id="{DD19515C-212C-4EAE-84A3-8FF4BC844F1B}"/>
               </a:ext>
             </a:extLst>
           </p:cNvPr>
@@ -4413,7 +4557,7 @@
           <a:p>
             <a:fld id="{63289F7E-B80B-496E-81B4-D396C37C9454}" type="datetimeFigureOut">
               <a:rPr lang="pt-BR" smtClean="0"/>
-              <a:t>19/03/2022</a:t>
+              <a:t>25/03/2022</a:t>
             </a:fld>
             <a:endParaRPr lang="pt-BR"/>
           </a:p>
@@ -4424,7 +4568,7 @@
           <p:cNvPr id="3" name="Espaço Reservado para Rodapé 2">
             <a:extLst>
               <a:ext uri="{FF2B5EF4-FFF2-40B4-BE49-F238E27FC236}">
-                <a16:creationId xmlns="" xmlns:a16="http://schemas.microsoft.com/office/drawing/2014/main" id="{94D3D120-B3E8-4C96-861D-7A4F12F49B3A}"/>
+                <a16:creationId xmlns:a16="http://schemas.microsoft.com/office/drawing/2014/main" id="{94D3D120-B3E8-4C96-861D-7A4F12F49B3A}"/>
               </a:ext>
             </a:extLst>
           </p:cNvPr>
@@ -4449,7 +4593,7 @@
           <p:cNvPr id="4" name="Espaço Reservado para Número de Slide 3">
             <a:extLst>
               <a:ext uri="{FF2B5EF4-FFF2-40B4-BE49-F238E27FC236}">
-                <a16:creationId xmlns="" xmlns:a16="http://schemas.microsoft.com/office/drawing/2014/main" id="{42E49B68-FA1B-468B-9F17-D5C09243D454}"/>
+                <a16:creationId xmlns:a16="http://schemas.microsoft.com/office/drawing/2014/main" id="{42E49B68-FA1B-468B-9F17-D5C09243D454}"/>
               </a:ext>
             </a:extLst>
           </p:cNvPr>
@@ -4508,7 +4652,7 @@
           <p:cNvPr id="2" name="Título 1">
             <a:extLst>
               <a:ext uri="{FF2B5EF4-FFF2-40B4-BE49-F238E27FC236}">
-                <a16:creationId xmlns="" xmlns:a16="http://schemas.microsoft.com/office/drawing/2014/main" id="{1C17BCBE-A897-4319-85EC-D87909C24980}"/>
+                <a16:creationId xmlns:a16="http://schemas.microsoft.com/office/drawing/2014/main" id="{1C17BCBE-A897-4319-85EC-D87909C24980}"/>
               </a:ext>
             </a:extLst>
           </p:cNvPr>
@@ -4545,7 +4689,7 @@
           <p:cNvPr id="3" name="Espaço Reservado para Conteúdo 2">
             <a:extLst>
               <a:ext uri="{FF2B5EF4-FFF2-40B4-BE49-F238E27FC236}">
-                <a16:creationId xmlns="" xmlns:a16="http://schemas.microsoft.com/office/drawing/2014/main" id="{4226F885-0204-4913-868B-4B8B82576F17}"/>
+                <a16:creationId xmlns:a16="http://schemas.microsoft.com/office/drawing/2014/main" id="{4226F885-0204-4913-868B-4B8B82576F17}"/>
               </a:ext>
             </a:extLst>
           </p:cNvPr>
@@ -4635,7 +4779,7 @@
           <p:cNvPr id="4" name="Espaço Reservado para Texto 3">
             <a:extLst>
               <a:ext uri="{FF2B5EF4-FFF2-40B4-BE49-F238E27FC236}">
-                <a16:creationId xmlns="" xmlns:a16="http://schemas.microsoft.com/office/drawing/2014/main" id="{00F9F784-A858-441B-8AB5-697098141751}"/>
+                <a16:creationId xmlns:a16="http://schemas.microsoft.com/office/drawing/2014/main" id="{00F9F784-A858-441B-8AB5-697098141751}"/>
               </a:ext>
             </a:extLst>
           </p:cNvPr>
@@ -4706,7 +4850,7 @@
           <p:cNvPr id="5" name="Espaço Reservado para Data 4">
             <a:extLst>
               <a:ext uri="{FF2B5EF4-FFF2-40B4-BE49-F238E27FC236}">
-                <a16:creationId xmlns="" xmlns:a16="http://schemas.microsoft.com/office/drawing/2014/main" id="{A4DC363A-5000-472E-8B17-02E7DCB8840A}"/>
+                <a16:creationId xmlns:a16="http://schemas.microsoft.com/office/drawing/2014/main" id="{A4DC363A-5000-472E-8B17-02E7DCB8840A}"/>
               </a:ext>
             </a:extLst>
           </p:cNvPr>
@@ -4724,7 +4868,7 @@
           <a:p>
             <a:fld id="{63289F7E-B80B-496E-81B4-D396C37C9454}" type="datetimeFigureOut">
               <a:rPr lang="pt-BR" smtClean="0"/>
-              <a:t>19/03/2022</a:t>
+              <a:t>25/03/2022</a:t>
             </a:fld>
             <a:endParaRPr lang="pt-BR"/>
           </a:p>
@@ -4735,7 +4879,7 @@
           <p:cNvPr id="6" name="Espaço Reservado para Rodapé 5">
             <a:extLst>
               <a:ext uri="{FF2B5EF4-FFF2-40B4-BE49-F238E27FC236}">
-                <a16:creationId xmlns="" xmlns:a16="http://schemas.microsoft.com/office/drawing/2014/main" id="{5548425D-2C21-4C56-BAD4-662978775C28}"/>
+                <a16:creationId xmlns:a16="http://schemas.microsoft.com/office/drawing/2014/main" id="{5548425D-2C21-4C56-BAD4-662978775C28}"/>
               </a:ext>
             </a:extLst>
           </p:cNvPr>
@@ -4760,7 +4904,7 @@
           <p:cNvPr id="7" name="Espaço Reservado para Número de Slide 6">
             <a:extLst>
               <a:ext uri="{FF2B5EF4-FFF2-40B4-BE49-F238E27FC236}">
-                <a16:creationId xmlns="" xmlns:a16="http://schemas.microsoft.com/office/drawing/2014/main" id="{C63E9726-E64C-42B2-AE8A-8C235A956B48}"/>
+                <a16:creationId xmlns:a16="http://schemas.microsoft.com/office/drawing/2014/main" id="{C63E9726-E64C-42B2-AE8A-8C235A956B48}"/>
               </a:ext>
             </a:extLst>
           </p:cNvPr>
@@ -4819,7 +4963,7 @@
           <p:cNvPr id="2" name="Título 1">
             <a:extLst>
               <a:ext uri="{FF2B5EF4-FFF2-40B4-BE49-F238E27FC236}">
-                <a16:creationId xmlns="" xmlns:a16="http://schemas.microsoft.com/office/drawing/2014/main" id="{11086A78-3E74-450C-96A6-CA8AC37AF772}"/>
+                <a16:creationId xmlns:a16="http://schemas.microsoft.com/office/drawing/2014/main" id="{11086A78-3E74-450C-96A6-CA8AC37AF772}"/>
               </a:ext>
             </a:extLst>
           </p:cNvPr>
@@ -4856,7 +5000,7 @@
           <p:cNvPr id="3" name="Espaço Reservado para Imagem 2">
             <a:extLst>
               <a:ext uri="{FF2B5EF4-FFF2-40B4-BE49-F238E27FC236}">
-                <a16:creationId xmlns="" xmlns:a16="http://schemas.microsoft.com/office/drawing/2014/main" id="{5F5B7312-975A-4DBC-9B2F-3652ADA006FD}"/>
+                <a16:creationId xmlns:a16="http://schemas.microsoft.com/office/drawing/2014/main" id="{5F5B7312-975A-4DBC-9B2F-3652ADA006FD}"/>
               </a:ext>
             </a:extLst>
           </p:cNvPr>
@@ -4923,7 +5067,7 @@
           <p:cNvPr id="4" name="Espaço Reservado para Texto 3">
             <a:extLst>
               <a:ext uri="{FF2B5EF4-FFF2-40B4-BE49-F238E27FC236}">
-                <a16:creationId xmlns="" xmlns:a16="http://schemas.microsoft.com/office/drawing/2014/main" id="{AAF805F5-1DFF-41C6-944C-7D79FE0D0963}"/>
+                <a16:creationId xmlns:a16="http://schemas.microsoft.com/office/drawing/2014/main" id="{AAF805F5-1DFF-41C6-944C-7D79FE0D0963}"/>
               </a:ext>
             </a:extLst>
           </p:cNvPr>
@@ -4994,7 +5138,7 @@
           <p:cNvPr id="5" name="Espaço Reservado para Data 4">
             <a:extLst>
               <a:ext uri="{FF2B5EF4-FFF2-40B4-BE49-F238E27FC236}">
-                <a16:creationId xmlns="" xmlns:a16="http://schemas.microsoft.com/office/drawing/2014/main" id="{02113D81-8665-4516-BD81-C6A1F254EECD}"/>
+                <a16:creationId xmlns:a16="http://schemas.microsoft.com/office/drawing/2014/main" id="{02113D81-8665-4516-BD81-C6A1F254EECD}"/>
               </a:ext>
             </a:extLst>
           </p:cNvPr>
@@ -5012,7 +5156,7 @@
           <a:p>
             <a:fld id="{63289F7E-B80B-496E-81B4-D396C37C9454}" type="datetimeFigureOut">
               <a:rPr lang="pt-BR" smtClean="0"/>
-              <a:t>19/03/2022</a:t>
+              <a:t>25/03/2022</a:t>
             </a:fld>
             <a:endParaRPr lang="pt-BR"/>
           </a:p>
@@ -5023,7 +5167,7 @@
           <p:cNvPr id="6" name="Espaço Reservado para Rodapé 5">
             <a:extLst>
               <a:ext uri="{FF2B5EF4-FFF2-40B4-BE49-F238E27FC236}">
-                <a16:creationId xmlns="" xmlns:a16="http://schemas.microsoft.com/office/drawing/2014/main" id="{2B00C88B-FF32-40AA-A187-727D96FD7862}"/>
+                <a16:creationId xmlns:a16="http://schemas.microsoft.com/office/drawing/2014/main" id="{2B00C88B-FF32-40AA-A187-727D96FD7862}"/>
               </a:ext>
             </a:extLst>
           </p:cNvPr>
@@ -5048,7 +5192,7 @@
           <p:cNvPr id="7" name="Espaço Reservado para Número de Slide 6">
             <a:extLst>
               <a:ext uri="{FF2B5EF4-FFF2-40B4-BE49-F238E27FC236}">
-                <a16:creationId xmlns="" xmlns:a16="http://schemas.microsoft.com/office/drawing/2014/main" id="{A04D1A2D-69F7-4B8F-A730-BC26DC340BA6}"/>
+                <a16:creationId xmlns:a16="http://schemas.microsoft.com/office/drawing/2014/main" id="{A04D1A2D-69F7-4B8F-A730-BC26DC340BA6}"/>
               </a:ext>
             </a:extLst>
           </p:cNvPr>
@@ -5112,7 +5256,7 @@
           <p:cNvPr id="2" name="Espaço Reservado para Título 1">
             <a:extLst>
               <a:ext uri="{FF2B5EF4-FFF2-40B4-BE49-F238E27FC236}">
-                <a16:creationId xmlns="" xmlns:a16="http://schemas.microsoft.com/office/drawing/2014/main" id="{E69A0273-1966-4A1B-9370-4C1CE5036371}"/>
+                <a16:creationId xmlns:a16="http://schemas.microsoft.com/office/drawing/2014/main" id="{E69A0273-1966-4A1B-9370-4C1CE5036371}"/>
               </a:ext>
             </a:extLst>
           </p:cNvPr>
@@ -5150,7 +5294,7 @@
           <p:cNvPr id="3" name="Espaço Reservado para Texto 2">
             <a:extLst>
               <a:ext uri="{FF2B5EF4-FFF2-40B4-BE49-F238E27FC236}">
-                <a16:creationId xmlns="" xmlns:a16="http://schemas.microsoft.com/office/drawing/2014/main" id="{3B9CF87A-0448-49A7-AB25-EBC1D56A40EF}"/>
+                <a16:creationId xmlns:a16="http://schemas.microsoft.com/office/drawing/2014/main" id="{3B9CF87A-0448-49A7-AB25-EBC1D56A40EF}"/>
               </a:ext>
             </a:extLst>
           </p:cNvPr>
@@ -5217,7 +5361,7 @@
           <p:cNvPr id="4" name="Espaço Reservado para Data 3">
             <a:extLst>
               <a:ext uri="{FF2B5EF4-FFF2-40B4-BE49-F238E27FC236}">
-                <a16:creationId xmlns="" xmlns:a16="http://schemas.microsoft.com/office/drawing/2014/main" id="{2EF7B1F2-BB5A-44D0-816D-16AD2C71430E}"/>
+                <a16:creationId xmlns:a16="http://schemas.microsoft.com/office/drawing/2014/main" id="{2EF7B1F2-BB5A-44D0-816D-16AD2C71430E}"/>
               </a:ext>
             </a:extLst>
           </p:cNvPr>
@@ -5253,7 +5397,7 @@
           <a:p>
             <a:fld id="{63289F7E-B80B-496E-81B4-D396C37C9454}" type="datetimeFigureOut">
               <a:rPr lang="pt-BR" smtClean="0"/>
-              <a:t>19/03/2022</a:t>
+              <a:t>25/03/2022</a:t>
             </a:fld>
             <a:endParaRPr lang="pt-BR"/>
           </a:p>
@@ -5264,7 +5408,7 @@
           <p:cNvPr id="5" name="Espaço Reservado para Rodapé 4">
             <a:extLst>
               <a:ext uri="{FF2B5EF4-FFF2-40B4-BE49-F238E27FC236}">
-                <a16:creationId xmlns="" xmlns:a16="http://schemas.microsoft.com/office/drawing/2014/main" id="{C703F94C-2CC8-4DAA-BC35-14FC3E841DCD}"/>
+                <a16:creationId xmlns:a16="http://schemas.microsoft.com/office/drawing/2014/main" id="{C703F94C-2CC8-4DAA-BC35-14FC3E841DCD}"/>
               </a:ext>
             </a:extLst>
           </p:cNvPr>
@@ -5307,7 +5451,7 @@
           <p:cNvPr id="6" name="Espaço Reservado para Número de Slide 5">
             <a:extLst>
               <a:ext uri="{FF2B5EF4-FFF2-40B4-BE49-F238E27FC236}">
-                <a16:creationId xmlns="" xmlns:a16="http://schemas.microsoft.com/office/drawing/2014/main" id="{64051336-7048-457A-8B61-D94291D71648}"/>
+                <a16:creationId xmlns:a16="http://schemas.microsoft.com/office/drawing/2014/main" id="{64051336-7048-457A-8B61-D94291D71648}"/>
               </a:ext>
             </a:extLst>
           </p:cNvPr>
@@ -5675,7 +5819,7 @@
           <p:cNvPr id="2" name="Título 1">
             <a:extLst>
               <a:ext uri="{FF2B5EF4-FFF2-40B4-BE49-F238E27FC236}">
-                <a16:creationId xmlns="" xmlns:a16="http://schemas.microsoft.com/office/drawing/2014/main" id="{32666AC8-2E17-4DB4-B0F5-60C640CCFD2E}"/>
+                <a16:creationId xmlns:a16="http://schemas.microsoft.com/office/drawing/2014/main" id="{32666AC8-2E17-4DB4-B0F5-60C640CCFD2E}"/>
               </a:ext>
             </a:extLst>
           </p:cNvPr>
@@ -5699,21 +5843,16 @@
           <a:lstStyle/>
           <a:p>
             <a:r>
-              <a:rPr lang="pt-BR" sz="5400" dirty="0" smtClean="0"/>
+              <a:rPr lang="pt-BR" sz="5400" dirty="0"/>
               <a:t>T320 - Introdução ao Aprendizado de Máquina II:</a:t>
             </a:r>
-            <a:r>
-              <a:rPr lang="pt-BR" dirty="0" smtClean="0"/>
-              <a:t/>
-            </a:r>
             <a:br>
-              <a:rPr lang="pt-BR" dirty="0" smtClean="0"/>
+              <a:rPr lang="pt-BR" dirty="0"/>
             </a:br>
             <a:r>
-              <a:rPr lang="pt-BR" b="1" i="1" dirty="0" smtClean="0"/>
+              <a:rPr lang="pt-BR" b="1" i="1" dirty="0"/>
               <a:t>Classificação (Parte IV)</a:t>
             </a:r>
-            <a:endParaRPr lang="pt-BR" b="1" i="1" dirty="0"/>
           </a:p>
         </p:txBody>
       </p:sp>
@@ -5722,7 +5861,7 @@
           <p:cNvPr id="4" name="CaixaDeTexto 3">
             <a:extLst>
               <a:ext uri="{FF2B5EF4-FFF2-40B4-BE49-F238E27FC236}">
-                <a16:creationId xmlns="" xmlns:a16="http://schemas.microsoft.com/office/drawing/2014/main" id="{430EB894-B7D4-434C-9D1A-A14094D9BEEC}"/>
+                <a16:creationId xmlns:a16="http://schemas.microsoft.com/office/drawing/2014/main" id="{430EB894-B7D4-434C-9D1A-A14094D9BEEC}"/>
               </a:ext>
             </a:extLst>
           </p:cNvPr>
@@ -5763,7 +5902,7 @@
           <p:cNvPr id="1026" name="Picture 2" descr="Logo">
             <a:extLst>
               <a:ext uri="{FF2B5EF4-FFF2-40B4-BE49-F238E27FC236}">
-                <a16:creationId xmlns="" xmlns:a16="http://schemas.microsoft.com/office/drawing/2014/main" id="{3F2642E0-4F6A-4196-8F58-E77D36E9A33F}"/>
+                <a16:creationId xmlns:a16="http://schemas.microsoft.com/office/drawing/2014/main" id="{3F2642E0-4F6A-4196-8F58-E77D36E9A33F}"/>
               </a:ext>
             </a:extLst>
           </p:cNvPr>
@@ -5808,7 +5947,7 @@
           <p:cNvPr id="5122" name="Picture 2" descr="Image result for machine learning">
             <a:extLst>
               <a:ext uri="{FF2B5EF4-FFF2-40B4-BE49-F238E27FC236}">
-                <a16:creationId xmlns="" xmlns:a16="http://schemas.microsoft.com/office/drawing/2014/main" id="{810CE0A2-4102-44A6-A370-175E7896CDCB}"/>
+                <a16:creationId xmlns:a16="http://schemas.microsoft.com/office/drawing/2014/main" id="{810CE0A2-4102-44A6-A370-175E7896CDCB}"/>
               </a:ext>
             </a:extLst>
           </p:cNvPr>
@@ -5900,8 +6039,8 @@
           </a:p>
         </p:txBody>
       </p:sp>
-      <mc:AlternateContent xmlns:mc="http://schemas.openxmlformats.org/markup-compatibility/2006" xmlns:a14="http://schemas.microsoft.com/office/drawing/2010/main">
-        <mc:Choice Requires="a14">
+      <mc:AlternateContent xmlns:mc="http://schemas.openxmlformats.org/markup-compatibility/2006">
+        <mc:Choice xmlns:a14="http://schemas.microsoft.com/office/drawing/2010/main" Requires="a14">
           <p:sp>
             <p:nvSpPr>
               <p:cNvPr id="3" name="Content Placeholder 2"/>
@@ -5966,13 +6105,8 @@
                 </a:r>
                 <a:r>
                   <a:rPr lang="pt-BR" dirty="0"/>
-                  <a:t> do </a:t>
-                </a:r>
-                <a:r>
-                  <a:rPr lang="pt-BR" dirty="0" smtClean="0"/>
-                  <a:t>classificador softmax.</a:t>
-                </a:r>
-                <a:endParaRPr lang="pt-BR" dirty="0"/>
+                  <a:t> do classificador softmax.</a:t>
+                </a:r>
               </a:p>
               <a:p>
                 <a:r>
@@ -6443,19 +6577,7 @@
                 </a14:m>
                 <a:r>
                   <a:rPr lang="pt-BR" dirty="0"/>
-                  <a:t> contém </a:t>
-                </a:r>
-                <a:r>
-                  <a:rPr lang="pt-BR" dirty="0" smtClean="0"/>
-                  <a:t>em suas colunas os </a:t>
-                </a:r>
-                <a:r>
-                  <a:rPr lang="pt-BR" dirty="0"/>
-                  <a:t>vetores de </a:t>
-                </a:r>
-                <a:r>
-                  <a:rPr lang="pt-BR" dirty="0" smtClean="0"/>
-                  <a:t>pesos, </a:t>
+                  <a:t> contém em suas colunas os vetores de pesos, </a:t>
                 </a:r>
                 <a14:m>
                   <m:oMath xmlns:m="http://schemas.openxmlformats.org/officeDocument/2006/math">
@@ -6487,31 +6609,36 @@
                   </m:oMath>
                 </a14:m>
                 <a:r>
-                  <a:rPr lang="pt-BR" dirty="0" smtClean="0"/>
-                  <a:t>, </a:t>
-                </a:r>
-                <a:r>
-                  <a:rPr lang="pt-BR" dirty="0"/>
-                  <a:t>de </a:t>
-                </a:r>
-                <a:r>
-                  <a:rPr lang="pt-BR" dirty="0" smtClean="0"/>
-                  <a:t>cada umas a </a:t>
-                </a:r>
-                <a:r>
-                  <a:rPr lang="pt-BR" b="1" i="1" dirty="0" smtClean="0"/>
-                  <a:t>Q</a:t>
-                </a:r>
-                <a:r>
-                  <a:rPr lang="pt-BR" dirty="0" smtClean="0"/>
-                  <a:t> classes.</a:t>
-                </a:r>
-                <a:endParaRPr lang="pt-BR" dirty="0"/>
+                  <a:rPr lang="pt-BR" dirty="0"/>
+                  <a:t>, de cada umas das </a:t>
+                </a:r>
+                <a14:m>
+                  <m:oMath xmlns:m="http://schemas.openxmlformats.org/officeDocument/2006/math">
+                    <m:r>
+                      <a:rPr lang="pt-BR" b="0" i="1" smtClean="0">
+                        <a:latin typeface="Cambria Math" panose="02040503050406030204" pitchFamily="18" charset="0"/>
+                      </a:rPr>
+                      <m:t>𝑄</m:t>
+                    </m:r>
+                  </m:oMath>
+                </a14:m>
+                <a:r>
+                  <a:rPr lang="pt-BR" dirty="0"/>
+                  <a:t> </a:t>
+                </a:r>
+                <a:r>
+                  <a:rPr lang="pt-BR" b="1" i="1" dirty="0"/>
+                  <a:t>funções discriminantes</a:t>
+                </a:r>
+                <a:r>
+                  <a:rPr lang="pt-BR" dirty="0"/>
+                  <a:t>.</a:t>
+                </a:r>
               </a:p>
             </p:txBody>
           </p:sp>
         </mc:Choice>
-        <mc:Fallback xmlns="">
+        <mc:Fallback>
           <p:sp>
             <p:nvSpPr>
               <p:cNvPr id="3" name="Content Placeholder 2"/>
@@ -6527,7 +6654,7 @@
                 <a:off x="838200" y="1825624"/>
                 <a:ext cx="10515600" cy="4786191"/>
               </a:xfrm>
-              <a:blipFill rotWithShape="0">
+              <a:blipFill>
                 <a:blip r:embed="rId3"/>
                 <a:stretch>
                   <a:fillRect l="-1217" t="-2036" r="-58" b="-891"/>
@@ -6539,7 +6666,7 @@
               <a:lstStyle/>
               <a:p>
                 <a:r>
-                  <a:rPr lang="pt-BR">
+                  <a:rPr lang="en-US">
                     <a:noFill/>
                   </a:rPr>
                   <a:t> </a:t>
@@ -6575,7 +6702,7 @@
               <a:p>
                 <a:pPr algn="ctr"/>
                 <a:r>
-                  <a:rPr lang="pt-BR" sz="1200" dirty="0" smtClean="0"/>
+                  <a:rPr lang="pt-BR" sz="1200" dirty="0"/>
                   <a:t>O erro tende a 0 quando </a:t>
                 </a:r>
                 <a14:m>
@@ -6633,10 +6760,9 @@
                   </m:oMath>
                 </a14:m>
                 <a:r>
-                  <a:rPr lang="pt-BR" sz="1200" dirty="0" smtClean="0"/>
+                  <a:rPr lang="pt-BR" sz="1200" dirty="0"/>
                   <a:t> tende a 1, caso contrário, o erro aumenta.</a:t>
                 </a:r>
-                <a:endParaRPr lang="pt-BR" sz="1200" dirty="0"/>
               </a:p>
             </p:txBody>
           </p:sp>
@@ -6768,8 +6894,8 @@
           </a:p>
         </p:txBody>
       </p:sp>
-      <mc:AlternateContent xmlns:mc="http://schemas.openxmlformats.org/markup-compatibility/2006" xmlns:a14="http://schemas.microsoft.com/office/drawing/2010/main">
-        <mc:Choice Requires="a14">
+      <mc:AlternateContent xmlns:mc="http://schemas.openxmlformats.org/markup-compatibility/2006">
+        <mc:Choice xmlns:a14="http://schemas.microsoft.com/office/drawing/2010/main" Requires="a14">
           <p:sp>
             <p:nvSpPr>
               <p:cNvPr id="3" name="Content Placeholder 2"/>
@@ -6788,36 +6914,16 @@
               <a:lstStyle/>
               <a:p>
                 <a:r>
-                  <a:rPr lang="pt-BR" dirty="0" smtClean="0"/>
-                  <a:t>Usando-se </a:t>
-                </a:r>
-                <a:r>
-                  <a:rPr lang="pt-BR" dirty="0"/>
-                  <a:t>a </a:t>
-                </a:r>
-                <a:r>
-                  <a:rPr lang="pt-BR" dirty="0" smtClean="0"/>
-                  <a:t>codificação </a:t>
-                </a:r>
-                <a:r>
-                  <a:rPr lang="pt-BR" b="1" i="1" dirty="0" smtClean="0"/>
+                  <a:rPr lang="pt-BR" dirty="0"/>
+                  <a:t>Usando-se a codificação </a:t>
+                </a:r>
+                <a:r>
+                  <a:rPr lang="pt-BR" b="1" i="1" dirty="0"/>
                   <a:t>one-hot</a:t>
                 </a:r>
                 <a:r>
-                  <a:rPr lang="pt-BR" dirty="0" smtClean="0"/>
-                  <a:t>, </a:t>
-                </a:r>
-                <a:r>
-                  <a:rPr lang="pt-BR" dirty="0"/>
-                  <a:t>a equação </a:t>
-                </a:r>
-                <a:r>
-                  <a:rPr lang="pt-BR" dirty="0" smtClean="0"/>
-                  <a:t>anterior pode </a:t>
-                </a:r>
-                <a:r>
-                  <a:rPr lang="pt-BR" dirty="0"/>
-                  <a:t>ser re-escrita como</a:t>
+                  <a:rPr lang="pt-BR" dirty="0"/>
+                  <a:t>, a equação anterior pode ser re-escrita como</a:t>
                 </a:r>
               </a:p>
               <a:p>
@@ -7294,23 +7400,72 @@
                 </a14:m>
                 <a:r>
                   <a:rPr lang="pt-BR" dirty="0"/>
-                  <a:t> é o </a:t>
-                </a:r>
-                <a:r>
-                  <a:rPr lang="pt-BR" dirty="0" smtClean="0"/>
-                  <a:t>vetor utilizando a codificação </a:t>
-                </a:r>
-                <a:r>
-                  <a:rPr lang="pt-BR" b="1" i="1" dirty="0" smtClean="0"/>
+                  <a:t> </a:t>
+                </a:r>
+                <a14:m>
+                  <m:oMath xmlns:m="http://schemas.openxmlformats.org/officeDocument/2006/math">
+                    <m:r>
+                      <a:rPr lang="pt-BR" dirty="0">
+                        <a:latin typeface="Cambria Math" panose="02040503050406030204" pitchFamily="18" charset="0"/>
+                        <a:ea typeface="Cambria Math" panose="02040503050406030204" pitchFamily="18" charset="0"/>
+                      </a:rPr>
+                      <m:t>∈</m:t>
+                    </m:r>
+                    <m:sSup>
+                      <m:sSupPr>
+                        <m:ctrlPr>
+                          <a:rPr lang="pt-BR" i="1" dirty="0">
+                            <a:latin typeface="Cambria Math" panose="02040503050406030204" pitchFamily="18" charset="0"/>
+                            <a:ea typeface="Cambria Math" panose="02040503050406030204" pitchFamily="18" charset="0"/>
+                          </a:rPr>
+                        </m:ctrlPr>
+                      </m:sSupPr>
+                      <m:e>
+                        <m:r>
+                          <a:rPr lang="pt-BR" i="1" dirty="0">
+                            <a:latin typeface="Cambria Math" panose="02040503050406030204" pitchFamily="18" charset="0"/>
+                            <a:ea typeface="Cambria Math" panose="02040503050406030204" pitchFamily="18" charset="0"/>
+                          </a:rPr>
+                          <m:t>ℝ</m:t>
+                        </m:r>
+                      </m:e>
+                      <m:sup>
+                        <m:r>
+                          <a:rPr lang="pt-BR" b="0" i="1" dirty="0" smtClean="0">
+                            <a:latin typeface="Cambria Math" panose="02040503050406030204" pitchFamily="18" charset="0"/>
+                            <a:ea typeface="Cambria Math" panose="02040503050406030204" pitchFamily="18" charset="0"/>
+                          </a:rPr>
+                          <m:t>𝑄</m:t>
+                        </m:r>
+                        <m:r>
+                          <a:rPr lang="pt-BR" i="1" dirty="0">
+                            <a:latin typeface="Cambria Math" panose="02040503050406030204" pitchFamily="18" charset="0"/>
+                            <a:ea typeface="Cambria Math" panose="02040503050406030204" pitchFamily="18" charset="0"/>
+                          </a:rPr>
+                          <m:t>×</m:t>
+                        </m:r>
+                        <m:r>
+                          <a:rPr lang="pt-BR" b="0" i="1" dirty="0" smtClean="0">
+                            <a:latin typeface="Cambria Math" panose="02040503050406030204" pitchFamily="18" charset="0"/>
+                            <a:ea typeface="Cambria Math" panose="02040503050406030204" pitchFamily="18" charset="0"/>
+                          </a:rPr>
+                          <m:t>1</m:t>
+                        </m:r>
+                      </m:sup>
+                    </m:sSup>
+                  </m:oMath>
+                </a14:m>
+                <a:r>
+                  <a:rPr lang="pt-BR" dirty="0"/>
+                  <a:t> é o vetor utilizando a codificação </a:t>
+                </a:r>
+                <a:r>
+                  <a:rPr lang="pt-BR" b="1" i="1" dirty="0"/>
                   <a:t>one-hot</a:t>
                 </a:r>
                 <a:r>
-                  <a:rPr lang="pt-BR" dirty="0" smtClean="0"/>
-                  <a:t> </a:t>
-                </a:r>
-                <a:r>
-                  <a:rPr lang="pt-BR" dirty="0"/>
-                  <a:t>e </a:t>
+                  <a:rPr lang="pt-BR" dirty="0"/>
+                  <a:t> e </a:t>
                 </a:r>
                 <a14:m>
                   <m:oMath xmlns:m="http://schemas.openxmlformats.org/officeDocument/2006/math">
@@ -7376,28 +7531,91 @@
                   </m:oMath>
                 </a14:m>
                 <a:r>
-                  <a:rPr lang="pt-BR" dirty="0" smtClean="0"/>
-                  <a:t> é um vetor com todas as saídas das </a:t>
+                  <a:rPr lang="pt-BR" dirty="0"/>
+                  <a:t> </a:t>
                 </a:r>
                 <a14:m>
                   <m:oMath xmlns:m="http://schemas.openxmlformats.org/officeDocument/2006/math">
                     <m:r>
-                      <a:rPr lang="pt-BR" i="1">
+                      <a:rPr lang="pt-BR" dirty="0">
                         <a:latin typeface="Cambria Math" panose="02040503050406030204" pitchFamily="18" charset="0"/>
+                        <a:ea typeface="Cambria Math" panose="02040503050406030204" pitchFamily="18" charset="0"/>
                       </a:rPr>
-                      <m:t>𝑞</m:t>
+                      <m:t>∈</m:t>
+                    </m:r>
+                    <m:sSup>
+                      <m:sSupPr>
+                        <m:ctrlPr>
+                          <a:rPr lang="pt-BR" i="1" dirty="0">
+                            <a:latin typeface="Cambria Math" panose="02040503050406030204" pitchFamily="18" charset="0"/>
+                            <a:ea typeface="Cambria Math" panose="02040503050406030204" pitchFamily="18" charset="0"/>
+                          </a:rPr>
+                        </m:ctrlPr>
+                      </m:sSupPr>
+                      <m:e>
+                        <m:r>
+                          <a:rPr lang="pt-BR" i="1" dirty="0">
+                            <a:latin typeface="Cambria Math" panose="02040503050406030204" pitchFamily="18" charset="0"/>
+                            <a:ea typeface="Cambria Math" panose="02040503050406030204" pitchFamily="18" charset="0"/>
+                          </a:rPr>
+                          <m:t>ℝ</m:t>
+                        </m:r>
+                      </m:e>
+                      <m:sup>
+                        <m:r>
+                          <a:rPr lang="pt-BR" b="0" i="1" dirty="0" smtClean="0">
+                            <a:latin typeface="Cambria Math" panose="02040503050406030204" pitchFamily="18" charset="0"/>
+                            <a:ea typeface="Cambria Math" panose="02040503050406030204" pitchFamily="18" charset="0"/>
+                          </a:rPr>
+                          <m:t>𝑄</m:t>
+                        </m:r>
+                        <m:r>
+                          <a:rPr lang="pt-BR" i="1" dirty="0">
+                            <a:latin typeface="Cambria Math" panose="02040503050406030204" pitchFamily="18" charset="0"/>
+                            <a:ea typeface="Cambria Math" panose="02040503050406030204" pitchFamily="18" charset="0"/>
+                          </a:rPr>
+                          <m:t>×</m:t>
+                        </m:r>
+                        <m:r>
+                          <a:rPr lang="pt-BR" b="0" i="1" dirty="0" smtClean="0">
+                            <a:latin typeface="Cambria Math" panose="02040503050406030204" pitchFamily="18" charset="0"/>
+                            <a:ea typeface="Cambria Math" panose="02040503050406030204" pitchFamily="18" charset="0"/>
+                          </a:rPr>
+                          <m:t>1</m:t>
+                        </m:r>
+                      </m:sup>
+                    </m:sSup>
+                    <m:r>
+                      <a:rPr lang="pt-BR" i="1" dirty="0">
+                        <a:latin typeface="Cambria Math" panose="02040503050406030204" pitchFamily="18" charset="0"/>
+                        <a:ea typeface="Cambria Math" panose="02040503050406030204" pitchFamily="18" charset="0"/>
+                      </a:rPr>
+                      <m:t> </m:t>
                     </m:r>
                   </m:oMath>
                 </a14:m>
                 <a:r>
-                  <a:rPr lang="pt-BR" dirty="0" smtClean="0"/>
+                  <a:rPr lang="pt-BR" dirty="0"/>
+                  <a:t>é um vetor com todas as saídas das </a:t>
+                </a:r>
+                <a14:m>
+                  <m:oMath xmlns:m="http://schemas.openxmlformats.org/officeDocument/2006/math">
+                    <m:r>
+                      <a:rPr lang="pt-BR" b="0" i="1" smtClean="0">
+                        <a:latin typeface="Cambria Math" panose="02040503050406030204" pitchFamily="18" charset="0"/>
+                      </a:rPr>
+                      <m:t>𝑄</m:t>
+                    </m:r>
+                  </m:oMath>
+                </a14:m>
+                <a:r>
+                  <a:rPr lang="pt-BR" dirty="0"/>
                   <a:t> </a:t>
                 </a:r>
                 <a:r>
-                  <a:rPr lang="pt-BR" b="1" i="1" dirty="0" smtClean="0"/>
+                  <a:rPr lang="pt-BR" b="1" i="1" dirty="0"/>
                   <a:t>funções hipóteses</a:t>
                 </a:r>
-                <a:endParaRPr lang="pt-BR" b="1" i="1" dirty="0"/>
               </a:p>
               <a:p>
                 <a:pPr marL="0" indent="0" algn="ctr">
@@ -7680,7 +7898,7 @@
                     </m:oMath>
                   </m:oMathPara>
                 </a14:m>
-                <a:endParaRPr lang="pt-BR" b="1" i="1" dirty="0" smtClean="0">
+                <a:endParaRPr lang="pt-BR" b="1" i="1" dirty="0">
                   <a:latin typeface="Cambria Math" panose="02040503050406030204" pitchFamily="18" charset="0"/>
                 </a:endParaRPr>
               </a:p>
@@ -8016,12 +8234,8 @@
               </a:p>
               <a:p>
                 <a:r>
-                  <a:rPr lang="pt-BR" dirty="0" smtClean="0"/>
-                  <a:t>Notem que quando </a:t>
-                </a:r>
-                <a:r>
-                  <a:rPr lang="pt-BR" dirty="0"/>
-                  <a:t>existem apenas duas classes (</a:t>
+                  <a:rPr lang="pt-BR" dirty="0"/>
+                  <a:t>Notem que quando existem apenas duas classes (</a:t>
                 </a:r>
                 <a14:m>
                   <m:oMath xmlns:m="http://schemas.openxmlformats.org/officeDocument/2006/math">
@@ -8061,22 +8275,17 @@
                 </a:r>
                 <a:r>
                   <a:rPr lang="pt-BR" b="1" i="1" dirty="0"/>
-                  <a:t>regressor </a:t>
-                </a:r>
-                <a:r>
-                  <a:rPr lang="pt-BR" b="1" i="1" dirty="0" smtClean="0"/>
-                  <a:t>logístico</a:t>
-                </a:r>
-                <a:r>
-                  <a:rPr lang="pt-BR" dirty="0" smtClean="0"/>
+                  <a:t>regressor logístico</a:t>
+                </a:r>
+                <a:r>
+                  <a:rPr lang="pt-BR" dirty="0"/>
                   <a:t>.</a:t>
                 </a:r>
-                <a:endParaRPr lang="pt-BR" dirty="0"/>
               </a:p>
             </p:txBody>
           </p:sp>
         </mc:Choice>
-        <mc:Fallback xmlns="">
+        <mc:Fallback>
           <p:sp>
             <p:nvSpPr>
               <p:cNvPr id="3" name="Content Placeholder 2"/>
@@ -8088,7 +8297,7 @@
               </p:nvPr>
             </p:nvSpPr>
             <p:spPr>
-              <a:blipFill rotWithShape="0">
+              <a:blipFill>
                 <a:blip r:embed="rId3"/>
                 <a:stretch>
                   <a:fillRect l="-1043" t="-2801" r="-348" b="-1681"/>
@@ -8100,7 +8309,7 @@
               <a:lstStyle/>
               <a:p>
                 <a:r>
-                  <a:rPr lang="pt-BR">
+                  <a:rPr lang="en-US">
                     <a:noFill/>
                   </a:rPr>
                   <a:t> </a:t>
@@ -8162,8 +8371,8 @@
           </a:p>
         </p:txBody>
       </p:sp>
-      <mc:AlternateContent xmlns:mc="http://schemas.openxmlformats.org/markup-compatibility/2006" xmlns:a14="http://schemas.microsoft.com/office/drawing/2010/main">
-        <mc:Choice Requires="a14">
+      <mc:AlternateContent xmlns:mc="http://schemas.openxmlformats.org/markup-compatibility/2006">
+        <mc:Choice xmlns:a14="http://schemas.microsoft.com/office/drawing/2010/main" Requires="a14">
           <p:sp>
             <p:nvSpPr>
               <p:cNvPr id="3" name="Content Placeholder 2"/>
@@ -8454,32 +8663,32 @@
               </a:p>
               <a:p>
                 <a:r>
-                  <a:rPr lang="pt-BR" dirty="0" smtClean="0"/>
-                  <a:t>Considerando </a:t>
-                </a:r>
-                <a:r>
-                  <a:rPr lang="pt-BR" dirty="0"/>
-                  <a:t>uma </a:t>
+                  <a:rPr lang="pt-BR" dirty="0"/>
+                  <a:t>Considerando uma </a:t>
                 </a:r>
                 <a:r>
                   <a:rPr lang="pt-BR" b="1" i="1" dirty="0"/>
                   <a:t>função discriminante linear </a:t>
                 </a:r>
                 <a:r>
-                  <a:rPr lang="pt-BR" dirty="0" smtClean="0"/>
+                  <a:rPr lang="pt-BR" dirty="0"/>
                   <a:t>(i.e., </a:t>
                 </a:r>
                 <a:r>
-                  <a:rPr lang="pt-BR" b="1" i="1" dirty="0" smtClean="0"/>
+                  <a:rPr lang="pt-BR" b="1" i="1" dirty="0"/>
                   <a:t>hiperplano</a:t>
                 </a:r>
                 <a:r>
-                  <a:rPr lang="pt-BR" dirty="0" smtClean="0"/>
-                  <a:t>), a derivada </a:t>
-                </a:r>
-                <a:r>
-                  <a:rPr lang="pt-BR" dirty="0"/>
-                  <a:t>da função de erro, </a:t>
+                  <a:rPr lang="pt-BR" dirty="0"/>
+                  <a:t>), a derivada da </a:t>
+                </a:r>
+                <a:r>
+                  <a:rPr lang="pt-BR" b="1" i="1" dirty="0"/>
+                  <a:t>função de erro médio</a:t>
+                </a:r>
+                <a:r>
+                  <a:rPr lang="pt-BR" dirty="0"/>
+                  <a:t>, </a:t>
                 </a:r>
                 <a14:m>
                   <m:oMath xmlns:m="http://schemas.openxmlformats.org/officeDocument/2006/math">
@@ -8529,15 +8738,7 @@
                 </a14:m>
                 <a:r>
                   <a:rPr lang="pt-BR" dirty="0"/>
-                  <a:t>, </a:t>
-                </a:r>
-                <a:r>
-                  <a:rPr lang="pt-BR" dirty="0" smtClean="0"/>
-                  <a:t>com </a:t>
-                </a:r>
-                <a:r>
-                  <a:rPr lang="pt-BR" dirty="0"/>
-                  <a:t>respeito a cada vetor de pesos, </a:t>
+                  <a:t>, com respeito a cada vetor de pesos, </a:t>
                 </a:r>
                 <a14:m>
                   <m:oMath xmlns:m="http://schemas.openxmlformats.org/officeDocument/2006/math">
@@ -9035,15 +9236,14 @@
                   </m:oMath>
                 </a14:m>
                 <a:r>
-                  <a:rPr lang="pt-BR" dirty="0" smtClean="0"/>
+                  <a:rPr lang="pt-BR" dirty="0"/>
                   <a:t>.</a:t>
                 </a:r>
-                <a:endParaRPr lang="pt-BR" dirty="0"/>
               </a:p>
             </p:txBody>
           </p:sp>
         </mc:Choice>
-        <mc:Fallback xmlns="">
+        <mc:Fallback>
           <p:sp>
             <p:nvSpPr>
               <p:cNvPr id="3" name="Content Placeholder 2"/>
@@ -9059,10 +9259,10 @@
                 <a:off x="838200" y="1825624"/>
                 <a:ext cx="11049000" cy="4758055"/>
               </a:xfrm>
-              <a:blipFill rotWithShape="0">
+              <a:blipFill>
                 <a:blip r:embed="rId3"/>
                 <a:stretch>
-                  <a:fillRect l="-993" t="-2049" r="-1380"/>
+                  <a:fillRect l="-993" t="-2049"/>
                 </a:stretch>
               </a:blipFill>
             </p:spPr>
@@ -9071,7 +9271,7 @@
               <a:lstStyle/>
               <a:p>
                 <a:r>
-                  <a:rPr lang="pt-BR">
+                  <a:rPr lang="en-US">
                     <a:noFill/>
                   </a:rPr>
                   <a:t> </a:t>
@@ -9089,8 +9289,8 @@
         </p:nvSpPr>
         <p:spPr>
           <a:xfrm>
-            <a:off x="11243604" y="5261439"/>
-            <a:ext cx="838200" cy="523220"/>
+            <a:off x="10706891" y="5380709"/>
+            <a:ext cx="838200" cy="430887"/>
           </a:xfrm>
           <a:prstGeom prst="rect">
             <a:avLst/>
@@ -9105,10 +9305,9 @@
           <a:p>
             <a:pPr algn="ctr"/>
             <a:r>
-              <a:rPr lang="pt-BR" sz="1400" dirty="0" smtClean="0"/>
+              <a:rPr lang="pt-BR" sz="1100" dirty="0"/>
               <a:t>Forma matricial</a:t>
             </a:r>
-            <a:endParaRPr lang="pt-BR" sz="1400" dirty="0"/>
           </a:p>
         </p:txBody>
       </p:sp>
@@ -9122,8 +9321,8 @@
         </p:nvCxnSpPr>
         <p:spPr>
           <a:xfrm flipH="1">
-            <a:off x="10818055" y="5523049"/>
-            <a:ext cx="425549" cy="188434"/>
+            <a:off x="10281343" y="5596153"/>
+            <a:ext cx="425548" cy="234600"/>
           </a:xfrm>
           <a:prstGeom prst="straightConnector1">
             <a:avLst/>
@@ -9150,8 +9349,8 @@
           </a:fontRef>
         </p:style>
       </p:cxnSp>
-      <mc:AlternateContent xmlns:mc="http://schemas.openxmlformats.org/markup-compatibility/2006" xmlns:a14="http://schemas.microsoft.com/office/drawing/2010/main">
-        <mc:Choice Requires="a14">
+      <mc:AlternateContent xmlns:mc="http://schemas.openxmlformats.org/markup-compatibility/2006">
+        <mc:Choice xmlns:a14="http://schemas.microsoft.com/office/drawing/2010/main" Requires="a14">
           <p:sp>
             <p:nvSpPr>
               <p:cNvPr id="9" name="TextBox 8"/>
@@ -9160,8 +9359,8 @@
             </p:nvSpPr>
             <p:spPr>
               <a:xfrm>
-                <a:off x="7836879" y="6234947"/>
-                <a:ext cx="3840480" cy="523220"/>
+                <a:off x="6429402" y="6427113"/>
+                <a:ext cx="2883410" cy="430887"/>
               </a:xfrm>
               <a:prstGeom prst="rect">
                 <a:avLst/>
@@ -9175,13 +9374,13 @@
               <a:lstStyle/>
               <a:p>
                 <a:r>
-                  <a:rPr lang="pt-BR" sz="1400" dirty="0" smtClean="0"/>
-                  <a:t>Para outros formatos de função discriminante, alteramos apenas a matriz </a:t>
+                  <a:rPr lang="pt-BR" sz="1100" dirty="0"/>
+                  <a:t>Para outros formatos de função discriminante, basta alteramos o formato da matriz </a:t>
                 </a:r>
                 <a14:m>
                   <m:oMath xmlns:m="http://schemas.openxmlformats.org/officeDocument/2006/math">
                     <m:r>
-                      <a:rPr lang="pt-BR" sz="1400" b="1" i="1">
+                      <a:rPr lang="pt-BR" sz="1100" b="1" i="1">
                         <a:latin typeface="Cambria Math" panose="02040503050406030204" pitchFamily="18" charset="0"/>
                       </a:rPr>
                       <m:t>𝑿</m:t>
@@ -9189,15 +9388,14 @@
                   </m:oMath>
                 </a14:m>
                 <a:r>
-                  <a:rPr lang="pt-BR" sz="1400" dirty="0" smtClean="0"/>
+                  <a:rPr lang="pt-BR" sz="1100" dirty="0"/>
                   <a:t>.</a:t>
                 </a:r>
-                <a:endParaRPr lang="pt-BR" sz="1400" dirty="0"/>
               </a:p>
             </p:txBody>
           </p:sp>
         </mc:Choice>
-        <mc:Fallback xmlns="">
+        <mc:Fallback>
           <p:sp>
             <p:nvSpPr>
               <p:cNvPr id="9" name="TextBox 8"/>
@@ -9208,16 +9406,16 @@
             </p:nvSpPr>
             <p:spPr>
               <a:xfrm>
-                <a:off x="7836879" y="6234947"/>
-                <a:ext cx="3840480" cy="523220"/>
+                <a:off x="6429402" y="6427113"/>
+                <a:ext cx="2883410" cy="430887"/>
               </a:xfrm>
               <a:prstGeom prst="rect">
                 <a:avLst/>
               </a:prstGeom>
-              <a:blipFill rotWithShape="0">
+              <a:blipFill>
                 <a:blip r:embed="rId4"/>
                 <a:stretch>
-                  <a:fillRect l="-476" t="-2326" b="-10465"/>
+                  <a:fillRect t="-1408" b="-8451"/>
                 </a:stretch>
               </a:blipFill>
             </p:spPr>
@@ -9226,7 +9424,7 @@
               <a:lstStyle/>
               <a:p>
                 <a:r>
-                  <a:rPr lang="pt-BR">
+                  <a:rPr lang="en-US">
                     <a:noFill/>
                   </a:rPr>
                   <a:t> </a:t>
@@ -9239,13 +9437,15 @@
       <p:cxnSp>
         <p:nvCxnSpPr>
           <p:cNvPr id="12" name="Straight Arrow Connector 11"/>
-          <p:cNvCxnSpPr/>
+          <p:cNvCxnSpPr>
+            <a:cxnSpLocks/>
+          </p:cNvCxnSpPr>
           <p:nvPr/>
         </p:nvCxnSpPr>
         <p:spPr>
           <a:xfrm flipV="1">
-            <a:off x="9312812" y="5857835"/>
-            <a:ext cx="0" cy="472686"/>
+            <a:off x="9124122" y="6292177"/>
+            <a:ext cx="188690" cy="426438"/>
           </a:xfrm>
           <a:prstGeom prst="straightConnector1">
             <a:avLst/>
@@ -9324,8 +9524,8 @@
           </a:p>
         </p:txBody>
       </p:sp>
-      <mc:AlternateContent xmlns:mc="http://schemas.openxmlformats.org/markup-compatibility/2006" xmlns:a14="http://schemas.microsoft.com/office/drawing/2010/main">
-        <mc:Choice Requires="a14">
+      <mc:AlternateContent xmlns:mc="http://schemas.openxmlformats.org/markup-compatibility/2006">
+        <mc:Choice xmlns:a14="http://schemas.microsoft.com/office/drawing/2010/main" Requires="a14">
           <p:sp>
             <p:nvSpPr>
               <p:cNvPr id="3" name="Content Placeholder 2"/>
@@ -9339,7 +9539,7 @@
             <p:spPr>
               <a:xfrm>
                 <a:off x="838199" y="1825624"/>
-                <a:ext cx="10894255" cy="4561107"/>
+                <a:ext cx="11108636" cy="4923046"/>
               </a:xfrm>
             </p:spPr>
             <p:txBody>
@@ -9348,6 +9548,15 @@
               </a:bodyPr>
               <a:lstStyle/>
               <a:p>
+                <a:pPr marL="0" indent="0">
+                  <a:buNone/>
+                </a:pPr>
+                <a:r>
+                  <a:rPr lang="pt-BR" sz="3000" b="1" dirty="0"/>
+                  <a:t>Observações</a:t>
+                </a:r>
+              </a:p>
+              <a:p>
                 <a:r>
                   <a:rPr lang="pt-BR" dirty="0"/>
                   <a:t>O </a:t>
@@ -9370,11 +9579,7 @@
                 </a:r>
                 <a:r>
                   <a:rPr lang="pt-BR" b="1" i="1" dirty="0"/>
-                  <a:t>função </a:t>
-                </a:r>
-                <a:r>
-                  <a:rPr lang="pt-BR" b="1" i="1" dirty="0" smtClean="0"/>
-                  <a:t>discriminante </a:t>
+                  <a:t>função discriminante </a:t>
                 </a:r>
                 <a:r>
                   <a:rPr lang="pt-BR" dirty="0"/>
@@ -9405,10 +9610,10 @@
                   </m:oMath>
                 </a14:m>
                 <a:r>
-                  <a:rPr lang="pt-BR" dirty="0" smtClean="0"/>
+                  <a:rPr lang="pt-BR" dirty="0"/>
                   <a:t>.</a:t>
                 </a:r>
-                <a:endParaRPr lang="pt-BR" i="1" dirty="0" smtClean="0">
+                <a:endParaRPr lang="pt-BR" i="1" dirty="0">
                   <a:latin typeface="Cambria Math" panose="02040503050406030204" pitchFamily="18" charset="0"/>
                 </a:endParaRPr>
               </a:p>
@@ -9676,31 +9881,15 @@
                 </a14:m>
                 <a:r>
                   <a:rPr lang="pt-BR" dirty="0"/>
-                  <a:t>, ou seja, o somatório </a:t>
-                </a:r>
-                <a:r>
-                  <a:rPr lang="pt-BR" dirty="0" smtClean="0"/>
-                  <a:t>das </a:t>
-                </a:r>
-                <a:r>
-                  <a:rPr lang="pt-BR" b="1" i="1" dirty="0" smtClean="0"/>
+                  <a:t>, ou seja, o somatório das </a:t>
+                </a:r>
+                <a:r>
+                  <a:rPr lang="pt-BR" b="1" i="1" dirty="0"/>
                   <a:t>probabilidades condicionais</a:t>
                 </a:r>
                 <a:r>
-                  <a:rPr lang="pt-BR" dirty="0" smtClean="0"/>
-                  <a:t> </a:t>
-                </a:r>
-                <a:r>
-                  <a:rPr lang="pt-BR" dirty="0"/>
-                  <a:t>de todas as classes é</a:t>
-                </a:r>
-                <a:r>
-                  <a:rPr lang="pt-BR" dirty="0" smtClean="0"/>
-                  <a:t> </a:t>
-                </a:r>
-                <a:r>
-                  <a:rPr lang="pt-BR" dirty="0"/>
-                  <a:t>igual a 1.</a:t>
+                  <a:rPr lang="pt-BR" dirty="0"/>
+                  <a:t> de todas as classes é igual a 1.</a:t>
                 </a:r>
               </a:p>
               <a:p>
@@ -10145,22 +10334,17 @@
                 </a:r>
                 <a:r>
                   <a:rPr lang="pt-BR" b="1" i="1" dirty="0"/>
-                  <a:t>função probabilidade de massa </a:t>
-                </a:r>
-                <a:r>
-                  <a:rPr lang="pt-BR" b="1" i="1" dirty="0" smtClean="0"/>
-                  <a:t>multinomial</a:t>
-                </a:r>
-                <a:r>
-                  <a:rPr lang="pt-BR" dirty="0" smtClean="0"/>
+                  <a:t>função massa de probabilidade multinomial</a:t>
+                </a:r>
+                <a:r>
+                  <a:rPr lang="pt-BR" dirty="0"/>
                   <a:t>.</a:t>
                 </a:r>
-                <a:endParaRPr lang="pt-BR" dirty="0"/>
               </a:p>
             </p:txBody>
           </p:sp>
         </mc:Choice>
-        <mc:Fallback xmlns="">
+        <mc:Fallback>
           <p:sp>
             <p:nvSpPr>
               <p:cNvPr id="3" name="Content Placeholder 2"/>
@@ -10174,12 +10358,12 @@
             <p:spPr>
               <a:xfrm>
                 <a:off x="838199" y="1825624"/>
-                <a:ext cx="10894255" cy="4561107"/>
+                <a:ext cx="11108636" cy="4923046"/>
               </a:xfrm>
-              <a:blipFill rotWithShape="0">
+              <a:blipFill>
                 <a:blip r:embed="rId3"/>
                 <a:stretch>
-                  <a:fillRect l="-1119" t="-2937" r="-1902" b="-801"/>
+                  <a:fillRect l="-1262" t="-3218" b="-3342"/>
                 </a:stretch>
               </a:blipFill>
             </p:spPr>
@@ -10188,7 +10372,7 @@
               <a:lstStyle/>
               <a:p>
                 <a:r>
-                  <a:rPr lang="pt-BR">
+                  <a:rPr lang="en-US">
                     <a:noFill/>
                   </a:rPr>
                   <a:t> </a:t>
@@ -10310,16 +10494,8 @@
               <a:lstStyle/>
               <a:p>
                 <a:r>
-                  <a:rPr lang="pt-BR" dirty="0" smtClean="0"/>
-                  <a:t>Após o treinamento</a:t>
-                </a:r>
-                <a:r>
-                  <a:rPr lang="pt-BR" dirty="0"/>
-                  <a:t>, o classificador </a:t>
-                </a:r>
-                <a:r>
-                  <a:rPr lang="pt-BR" dirty="0" smtClean="0"/>
-                  <a:t>atribui ao exemplo de entrada, </a:t>
+                  <a:rPr lang="pt-BR" dirty="0"/>
+                  <a:t>Após o treinamento, o classificador atribui ao exemplo de entrada, </a:t>
                 </a:r>
                 <a14:m>
                   <m:oMath xmlns:m="http://schemas.openxmlformats.org/officeDocument/2006/math">
@@ -10349,7 +10525,7 @@
                   </m:oMath>
                 </a14:m>
                 <a:r>
-                  <a:rPr lang="pt-BR" dirty="0" smtClean="0"/>
+                  <a:rPr lang="pt-BR" dirty="0"/>
                   <a:t>, a classe, </a:t>
                 </a:r>
                 <a14:m>
@@ -10363,7 +10539,7 @@
                   </m:oMath>
                 </a14:m>
                 <a:r>
-                  <a:rPr lang="pt-BR" dirty="0" smtClean="0"/>
+                  <a:rPr lang="pt-BR" dirty="0"/>
                   <a:t>, com a maior probabilidade estimada, que é simplesmente a classe com maior valor para </a:t>
                 </a:r>
                 <a14:m>
@@ -10981,19 +11157,19 @@
                     </m:r>
                   </m:oMath>
                 </a14:m>
-                <a:endParaRPr lang="pt-BR" dirty="0" smtClean="0"/>
+                <a:endParaRPr lang="pt-BR" dirty="0"/>
               </a:p>
               <a:p>
                 <a:r>
-                  <a:rPr lang="pt-BR" dirty="0" smtClean="0"/>
+                  <a:rPr lang="pt-BR" dirty="0"/>
                   <a:t>A arquitetura de um </a:t>
                 </a:r>
                 <a:r>
-                  <a:rPr lang="pt-BR" b="1" i="1" dirty="0" smtClean="0"/>
+                  <a:rPr lang="pt-BR" b="1" i="1" dirty="0"/>
                   <a:t>regressor softmax </a:t>
                 </a:r>
                 <a:r>
-                  <a:rPr lang="pt-BR" dirty="0" smtClean="0"/>
+                  <a:rPr lang="pt-BR" dirty="0"/>
                   <a:t>para três classes (i.e., </a:t>
                 </a:r>
                 <a14:m>
@@ -11013,7 +11189,7 @@
                   </m:oMath>
                 </a14:m>
                 <a:r>
-                  <a:rPr lang="pt-BR" dirty="0" smtClean="0"/>
+                  <a:rPr lang="pt-BR" dirty="0"/>
                   <a:t>) e dois atributos (</a:t>
                 </a:r>
                 <a14:m>
@@ -11046,7 +11222,7 @@
                   </m:oMath>
                 </a14:m>
                 <a:r>
-                  <a:rPr lang="pt-BR" dirty="0" smtClean="0"/>
+                  <a:rPr lang="pt-BR" dirty="0"/>
                   <a:t> e </a:t>
                 </a:r>
                 <a14:m>
@@ -11079,10 +11255,9 @@
                   </m:oMath>
                 </a14:m>
                 <a:r>
-                  <a:rPr lang="pt-BR" dirty="0" smtClean="0"/>
+                  <a:rPr lang="pt-BR" dirty="0"/>
                   <a:t>) é mostrada abaixo.</a:t>
                 </a:r>
-                <a:endParaRPr lang="pt-BR" dirty="0"/>
               </a:p>
             </p:txBody>
           </p:sp>
@@ -11147,17 +11322,23 @@
           <a:lstStyle/>
           <a:p>
             <a:r>
-              <a:rPr lang="pt-BR" sz="1400" dirty="0" smtClean="0">
+              <a:rPr lang="pt-BR" sz="1400" dirty="0">
                 <a:hlinkClick r:id="rId5"/>
               </a:rPr>
-              <a:t>Exemplo: softmax_regressor_with_scikit_learn.ipynb</a:t>
+              <a:t>Exemplo: </a:t>
+            </a:r>
+            <a:r>
+              <a:rPr lang="pt-BR" sz="1400" dirty="0" err="1">
+                <a:hlinkClick r:id="rId5"/>
+              </a:rPr>
+              <a:t>softmax_regressor_with_scikit_learn.ipynb</a:t>
             </a:r>
             <a:endParaRPr lang="pt-BR" sz="1400" b="1" dirty="0"/>
           </a:p>
         </p:txBody>
       </p:sp>
-      <mc:AlternateContent xmlns:mc="http://schemas.openxmlformats.org/markup-compatibility/2006" xmlns:a14="http://schemas.microsoft.com/office/drawing/2010/main">
-        <mc:Choice Requires="a14">
+      <mc:AlternateContent xmlns:mc="http://schemas.openxmlformats.org/markup-compatibility/2006">
+        <mc:Choice xmlns:a14="http://schemas.microsoft.com/office/drawing/2010/main" Requires="a14">
           <p:sp>
             <p:nvSpPr>
               <p:cNvPr id="4" name="TextBox 3"/>
@@ -11182,27 +11363,15 @@
               <a:p>
                 <a:r>
                   <a:rPr lang="pt-BR" dirty="0"/>
-                  <a:t>A ideia </a:t>
-                </a:r>
-                <a:r>
-                  <a:rPr lang="pt-BR" dirty="0" smtClean="0"/>
-                  <a:t>por trás da </a:t>
-                </a:r>
-                <a:r>
-                  <a:rPr lang="pt-BR" b="1" i="1" dirty="0" smtClean="0"/>
+                  <a:t>A ideia por trás da </a:t>
+                </a:r>
+                <a:r>
+                  <a:rPr lang="pt-BR" b="1" i="1" dirty="0"/>
                   <a:t>regressão softmax </a:t>
                 </a:r>
                 <a:r>
-                  <a:rPr lang="pt-BR" dirty="0" smtClean="0"/>
-                  <a:t>é </a:t>
-                </a:r>
-                <a:r>
-                  <a:rPr lang="pt-BR" dirty="0"/>
-                  <a:t>bastante simples: </a:t>
-                </a:r>
-                <a:r>
-                  <a:rPr lang="pt-BR" dirty="0" smtClean="0"/>
-                  <a:t>dado um exemplo </a:t>
+                  <a:rPr lang="pt-BR" dirty="0"/>
+                  <a:t>é bastante simples: dado um exemplo de entrada </a:t>
                 </a:r>
                 <a14:m>
                   <m:oMath xmlns:m="http://schemas.openxmlformats.org/officeDocument/2006/math">
@@ -11215,35 +11384,19 @@
                   </m:oMath>
                 </a14:m>
                 <a:r>
-                  <a:rPr lang="pt-BR" dirty="0" smtClean="0"/>
-                  <a:t>, </a:t>
-                </a:r>
-                <a:r>
-                  <a:rPr lang="pt-BR" dirty="0"/>
-                  <a:t>o </a:t>
-                </a:r>
-                <a:r>
-                  <a:rPr lang="pt-BR" dirty="0" smtClean="0"/>
-                  <a:t>regressor softmax </a:t>
-                </a:r>
-                <a:r>
-                  <a:rPr lang="pt-BR" dirty="0"/>
-                  <a:t>primeiro calcula uma </a:t>
-                </a:r>
-                <a:r>
-                  <a:rPr lang="pt-BR" dirty="0" smtClean="0"/>
-                  <a:t>“</a:t>
-                </a:r>
-                <a:r>
-                  <a:rPr lang="pt-BR" b="1" i="1" dirty="0" smtClean="0"/>
+                  <a:rPr lang="pt-BR" dirty="0"/>
+                  <a:t>, o regressor softmax primeiro calcula uma “</a:t>
+                </a:r>
+                <a:r>
+                  <a:rPr lang="pt-BR" b="1" i="1" dirty="0"/>
                   <a:t>pontuação</a:t>
                 </a:r>
                 <a:r>
-                  <a:rPr lang="pt-BR" i="1" dirty="0" smtClean="0"/>
+                  <a:rPr lang="pt-BR" i="1" dirty="0"/>
                   <a:t>”</a:t>
                 </a:r>
                 <a:r>
-                  <a:rPr lang="pt-BR" dirty="0" smtClean="0"/>
+                  <a:rPr lang="pt-BR" dirty="0"/>
                   <a:t>, </a:t>
                 </a:r>
                 <a14:m>
@@ -11349,12 +11502,8 @@
                   </m:oMath>
                 </a14:m>
                 <a:r>
-                  <a:rPr lang="pt-BR" dirty="0" smtClean="0"/>
-                  <a:t>, para </a:t>
-                </a:r>
-                <a:r>
-                  <a:rPr lang="pt-BR" dirty="0"/>
-                  <a:t>cada classe </a:t>
+                  <a:rPr lang="pt-BR" dirty="0"/>
+                  <a:t>, para cada classe </a:t>
                 </a:r>
                 <a14:m>
                   <m:oMath xmlns:m="http://schemas.openxmlformats.org/officeDocument/2006/math">
@@ -11367,35 +11516,26 @@
                   </m:oMath>
                 </a14:m>
                 <a:r>
-                  <a:rPr lang="pt-BR" dirty="0" smtClean="0"/>
-                  <a:t>, </a:t>
-                </a:r>
-                <a:r>
-                  <a:rPr lang="pt-BR" dirty="0"/>
-                  <a:t>em seguida, estima a probabilidade de cada classe aplicando a função softmax </a:t>
-                </a:r>
-                <a:r>
-                  <a:rPr lang="pt-BR" dirty="0" smtClean="0"/>
-                  <a:t>às “</a:t>
-                </a:r>
-                <a:r>
-                  <a:rPr lang="pt-BR" b="1" i="1" dirty="0" smtClean="0"/>
+                  <a:rPr lang="pt-BR" dirty="0"/>
+                  <a:t>, em seguida, estima a probabilidade de cada classe aplicando a função softmax às “</a:t>
+                </a:r>
+                <a:r>
+                  <a:rPr lang="pt-BR" b="1" i="1" dirty="0"/>
                   <a:t>pontuações</a:t>
                 </a:r>
                 <a:r>
-                  <a:rPr lang="pt-BR" i="1" dirty="0" smtClean="0"/>
+                  <a:rPr lang="pt-BR" i="1" dirty="0"/>
                   <a:t>”</a:t>
                 </a:r>
                 <a:r>
-                  <a:rPr lang="pt-BR" dirty="0" smtClean="0"/>
+                  <a:rPr lang="pt-BR" dirty="0"/>
                   <a:t>.</a:t>
                 </a:r>
-                <a:endParaRPr lang="pt-BR" dirty="0"/>
               </a:p>
             </p:txBody>
           </p:sp>
         </mc:Choice>
-        <mc:Fallback xmlns="">
+        <mc:Fallback>
           <p:sp>
             <p:nvSpPr>
               <p:cNvPr id="4" name="TextBox 3"/>
@@ -11412,7 +11552,7 @@
               <a:prstGeom prst="rect">
                 <a:avLst/>
               </a:prstGeom>
-              <a:blipFill rotWithShape="0">
+              <a:blipFill>
                 <a:blip r:embed="rId6"/>
                 <a:stretch>
                   <a:fillRect l="-969" t="-1706" b="-4437"/>
@@ -11424,7 +11564,7 @@
               <a:lstStyle/>
               <a:p>
                 <a:r>
-                  <a:rPr lang="pt-BR">
+                  <a:rPr lang="en-US">
                     <a:noFill/>
                   </a:rPr>
                   <a:t> </a:t>
@@ -11444,13 +11584,6 @@
   <p:clrMapOvr>
     <a:masterClrMapping/>
   </p:clrMapOvr>
-  <p:timing>
-    <p:tnLst>
-      <p:par>
-        <p:cTn id="1" dur="indefinite" restart="never" nodeType="tmRoot"/>
-      </p:par>
-    </p:tnLst>
-  </p:timing>
 </p:sld>
 </file>
 
@@ -11487,10 +11620,9 @@
           <a:lstStyle/>
           <a:p>
             <a:r>
-              <a:rPr lang="pt-BR" dirty="0" smtClean="0"/>
+              <a:rPr lang="pt-BR" dirty="0"/>
               <a:t>Tarefas</a:t>
             </a:r>
-            <a:endParaRPr lang="pt-BR" dirty="0"/>
           </a:p>
         </p:txBody>
       </p:sp>
@@ -11510,53 +11642,39 @@
           <a:lstStyle/>
           <a:p>
             <a:r>
-              <a:rPr lang="pt-BR" b="1" dirty="0" smtClean="0"/>
+              <a:rPr lang="pt-BR" b="1" dirty="0"/>
               <a:t>Quiz</a:t>
             </a:r>
             <a:r>
-              <a:rPr lang="pt-BR" dirty="0" smtClean="0"/>
+              <a:rPr lang="pt-BR" dirty="0"/>
               <a:t>: “</a:t>
             </a:r>
             <a:r>
-              <a:rPr lang="pt-BR" i="1" dirty="0" smtClean="0"/>
-              <a:t>T320 </a:t>
-            </a:r>
-            <a:r>
               <a:rPr lang="pt-BR" i="1" dirty="0"/>
-              <a:t>- Quiz -</a:t>
-            </a:r>
-            <a:r>
-              <a:rPr lang="pt-BR" i="1" dirty="0" smtClean="0"/>
-              <a:t> Classificação (Parte IV)</a:t>
-            </a:r>
-            <a:r>
-              <a:rPr lang="pt-BR" dirty="0" smtClean="0"/>
+              <a:t>T320 - Quiz - Classificação (Parte IV)</a:t>
+            </a:r>
+            <a:r>
+              <a:rPr lang="pt-BR" dirty="0"/>
               <a:t>” que se encontra no MS Teams.</a:t>
             </a:r>
           </a:p>
           <a:p>
             <a:r>
-              <a:rPr lang="pt-BR" b="1" dirty="0" smtClean="0"/>
+              <a:rPr lang="pt-BR" b="1" dirty="0"/>
               <a:t>Exercício Prático</a:t>
             </a:r>
             <a:r>
-              <a:rPr lang="pt-BR" dirty="0" smtClean="0"/>
+              <a:rPr lang="pt-BR" dirty="0"/>
               <a:t>: </a:t>
-            </a:r>
-            <a:r>
-              <a:rPr lang="pt-BR" b="1" dirty="0" smtClean="0">
-                <a:hlinkClick r:id="rId3"/>
-              </a:rPr>
-              <a:t>Laboratório #</a:t>
             </a:r>
             <a:r>
               <a:rPr lang="pt-BR" b="1" dirty="0">
                 <a:hlinkClick r:id="rId3"/>
               </a:rPr>
-              <a:t>4</a:t>
-            </a:r>
-            <a:r>
-              <a:rPr lang="pt-BR" dirty="0" smtClean="0"/>
+              <a:t>Laboratório #4</a:t>
+            </a:r>
+            <a:r>
+              <a:rPr lang="pt-BR" dirty="0"/>
               <a:t>.</a:t>
             </a:r>
           </a:p>
@@ -11589,37 +11707,13 @@
           </a:p>
           <a:p>
             <a:pPr lvl="1"/>
-            <a:r>
-              <a:rPr lang="pt-BR" b="1" dirty="0" smtClean="0">
-                <a:solidFill>
-                  <a:srgbClr val="FF0000"/>
-                </a:solidFill>
-              </a:rPr>
-              <a:t>Atividades podem </a:t>
-            </a:r>
             <a:r>
               <a:rPr lang="pt-BR" b="1" dirty="0">
                 <a:solidFill>
                   <a:srgbClr val="FF0000"/>
                 </a:solidFill>
               </a:rPr>
-              <a:t>ser </a:t>
-            </a:r>
-            <a:r>
-              <a:rPr lang="pt-BR" b="1" dirty="0" smtClean="0">
-                <a:solidFill>
-                  <a:srgbClr val="FF0000"/>
-                </a:solidFill>
-              </a:rPr>
-              <a:t>feitas </a:t>
-            </a:r>
-            <a:r>
-              <a:rPr lang="pt-BR" b="1" dirty="0">
-                <a:solidFill>
-                  <a:srgbClr val="FF0000"/>
-                </a:solidFill>
-              </a:rPr>
-              <a:t>em grupo, mas as entregas devem ser individuais.</a:t>
+              <a:t>Atividades podem ser feitas em grupo, mas as entregas devem ser individuais.</a:t>
             </a:r>
           </a:p>
         </p:txBody>
@@ -11634,13 +11728,6 @@
   <p:clrMapOvr>
     <a:masterClrMapping/>
   </p:clrMapOvr>
-  <p:timing>
-    <p:tnLst>
-      <p:par>
-        <p:cTn id="1" dur="indefinite" restart="never" nodeType="tmRoot"/>
-      </p:par>
-    </p:tnLst>
-  </p:timing>
 </p:sld>
 </file>
 
@@ -11666,7 +11753,7 @@
           <p:cNvPr id="4" name="Título 1">
             <a:extLst>
               <a:ext uri="{FF2B5EF4-FFF2-40B4-BE49-F238E27FC236}">
-                <a16:creationId xmlns="" xmlns:a16="http://schemas.microsoft.com/office/drawing/2014/main" id="{32666AC8-2E17-4DB4-B0F5-60C640CCFD2E}"/>
+                <a16:creationId xmlns:a16="http://schemas.microsoft.com/office/drawing/2014/main" id="{32666AC8-2E17-4DB4-B0F5-60C640CCFD2E}"/>
               </a:ext>
             </a:extLst>
           </p:cNvPr>
@@ -11710,7 +11797,7 @@
           <a:p>
             <a:pPr algn="ctr"/>
             <a:r>
-              <a:rPr lang="pt-BR" sz="6600" dirty="0" smtClean="0"/>
+              <a:rPr lang="pt-BR" sz="6600" dirty="0"/>
               <a:t>Obrigado!</a:t>
             </a:r>
             <a:endParaRPr lang="pt-BR" sz="6600" b="1" i="1" dirty="0"/>
@@ -11727,13 +11814,6 @@
   <p:clrMapOvr>
     <a:masterClrMapping/>
   </p:clrMapOvr>
-  <p:timing>
-    <p:tnLst>
-      <p:par>
-        <p:cTn id="1" dur="indefinite" restart="never" nodeType="tmRoot"/>
-      </p:par>
-    </p:tnLst>
-  </p:timing>
 </p:sld>
 </file>
 
@@ -11797,116 +11877,92 @@
           <a:lstStyle/>
           <a:p>
             <a:r>
-              <a:rPr lang="pt-BR" dirty="0" smtClean="0"/>
+              <a:rPr lang="pt-BR" dirty="0"/>
               <a:t>Anteriormente, aprendemos uma nova </a:t>
             </a:r>
             <a:r>
-              <a:rPr lang="pt-BR" b="1" i="1" dirty="0" smtClean="0"/>
-              <a:t>função </a:t>
-            </a:r>
-            <a:r>
               <a:rPr lang="pt-BR" b="1" i="1" dirty="0"/>
-              <a:t>de limiar</a:t>
+              <a:t>função de limiar</a:t>
             </a:r>
             <a:r>
               <a:rPr lang="pt-BR" dirty="0"/>
               <a:t>, chamada de </a:t>
             </a:r>
             <a:r>
-              <a:rPr lang="pt-BR" b="1" i="1" dirty="0" smtClean="0"/>
+              <a:rPr lang="pt-BR" b="1" i="1" dirty="0"/>
               <a:t>função logística</a:t>
             </a:r>
             <a:r>
               <a:rPr lang="pt-BR" dirty="0"/>
-              <a:t>, com a qual </a:t>
-            </a:r>
-            <a:r>
-              <a:rPr lang="pt-BR" dirty="0" smtClean="0"/>
-              <a:t>foi </a:t>
+              <a:t>, com a qual foi possível se encontrar uma solução com o algoritmo do </a:t>
+            </a:r>
+            <a:r>
+              <a:rPr lang="pt-BR" b="1" i="1" dirty="0"/>
+              <a:t>gradiente descendente</a:t>
             </a:r>
             <a:r>
               <a:rPr lang="pt-BR" dirty="0"/>
-              <a:t>possível se encontrar </a:t>
-            </a:r>
-            <a:r>
-              <a:rPr lang="pt-BR" dirty="0" smtClean="0"/>
-              <a:t>uma solução com o algoritmo do </a:t>
-            </a:r>
-            <a:r>
-              <a:rPr lang="pt-BR" b="1" i="1" dirty="0" smtClean="0"/>
-              <a:t>gradiente </a:t>
+              <a:t>.</a:t>
+            </a:r>
+          </a:p>
+          <a:p>
+            <a:r>
+              <a:rPr lang="pt-BR" dirty="0"/>
+              <a:t>Classificadores que utilizam a </a:t>
             </a:r>
             <a:r>
               <a:rPr lang="pt-BR" b="1" i="1" dirty="0"/>
-              <a:t>descendente</a:t>
-            </a:r>
-            <a:r>
-              <a:rPr lang="pt-BR" dirty="0" smtClean="0"/>
+              <a:t>função logística </a:t>
+            </a:r>
+            <a:r>
+              <a:rPr lang="pt-BR" dirty="0"/>
+              <a:t>como</a:t>
+            </a:r>
+            <a:r>
+              <a:rPr lang="pt-BR" b="1" i="1" dirty="0"/>
+              <a:t> função de limiar </a:t>
+            </a:r>
+            <a:r>
+              <a:rPr lang="pt-BR" dirty="0"/>
+              <a:t>são</a:t>
+            </a:r>
+            <a:r>
+              <a:rPr lang="pt-BR" b="1" i="1" dirty="0"/>
+              <a:t> </a:t>
+            </a:r>
+            <a:r>
+              <a:rPr lang="pt-BR" dirty="0"/>
+              <a:t>conhecidos como </a:t>
+            </a:r>
+            <a:r>
+              <a:rPr lang="pt-BR" b="1" i="1" dirty="0"/>
+              <a:t>regressores logísticos</a:t>
+            </a:r>
+            <a:r>
+              <a:rPr lang="pt-BR" dirty="0"/>
+              <a:t> e são utilizados em problemas de </a:t>
+            </a:r>
+            <a:r>
+              <a:rPr lang="pt-BR" b="1" i="1" dirty="0"/>
+              <a:t>classificação binária</a:t>
+            </a:r>
+            <a:r>
+              <a:rPr lang="pt-BR" dirty="0"/>
+              <a:t>, ou seja, problemas com 2 classes apenas.</a:t>
+            </a:r>
+          </a:p>
+          <a:p>
+            <a:r>
+              <a:rPr lang="pt-BR" dirty="0"/>
+              <a:t>Na sequência, veremos como lidar com problemas de classificação que envolvem mais de 2 classes, também chamados de </a:t>
+            </a:r>
+            <a:r>
+              <a:rPr lang="pt-BR" b="1" i="1" dirty="0"/>
+              <a:t>classificação multi-classes</a:t>
+            </a:r>
+            <a:r>
+              <a:rPr lang="pt-BR" dirty="0"/>
               <a:t>.</a:t>
-            </a:r>
-          </a:p>
-          <a:p>
-            <a:r>
-              <a:rPr lang="pt-BR" dirty="0" smtClean="0"/>
-              <a:t>Classificadores que utilizam a </a:t>
-            </a:r>
-            <a:r>
-              <a:rPr lang="pt-BR" b="1" i="1" dirty="0" smtClean="0"/>
-              <a:t>função logística </a:t>
-            </a:r>
-            <a:r>
-              <a:rPr lang="pt-BR" dirty="0" smtClean="0"/>
-              <a:t>como</a:t>
-            </a:r>
-            <a:r>
-              <a:rPr lang="pt-BR" b="1" i="1" dirty="0" smtClean="0"/>
-              <a:t> função de limiar </a:t>
-            </a:r>
-            <a:r>
-              <a:rPr lang="pt-BR" dirty="0" smtClean="0"/>
-              <a:t>são</a:t>
-            </a:r>
-            <a:r>
-              <a:rPr lang="pt-BR" b="1" i="1" dirty="0" smtClean="0"/>
-              <a:t> </a:t>
-            </a:r>
-            <a:r>
-              <a:rPr lang="pt-BR" dirty="0" smtClean="0"/>
-              <a:t>conhecidos como </a:t>
-            </a:r>
-            <a:r>
-              <a:rPr lang="pt-BR" b="1" i="1" dirty="0" smtClean="0"/>
-              <a:t>regressores logísticos</a:t>
-            </a:r>
-            <a:r>
-              <a:rPr lang="pt-BR" dirty="0" smtClean="0"/>
-              <a:t> e são utilizados em problemas de </a:t>
-            </a:r>
-            <a:r>
-              <a:rPr lang="pt-BR" b="1" i="1" dirty="0" smtClean="0"/>
-              <a:t>classificação binária</a:t>
-            </a:r>
-            <a:r>
-              <a:rPr lang="pt-BR" dirty="0" smtClean="0"/>
-              <a:t>, ou seja, problemas com 2 classes apenas.</a:t>
-            </a:r>
-          </a:p>
-          <a:p>
-            <a:r>
-              <a:rPr lang="pt-BR" dirty="0" smtClean="0"/>
-              <a:t>Na sequência, veremos como lidar com problemas de classificação que envolvem mais de 2 classes, também chamados de </a:t>
-            </a:r>
-            <a:r>
-              <a:rPr lang="pt-BR" b="1" i="1" dirty="0" smtClean="0"/>
-              <a:t>classificação multi-classes</a:t>
-            </a:r>
-            <a:r>
-              <a:rPr lang="pt-BR" dirty="0" smtClean="0"/>
-              <a:t>.</a:t>
-            </a:r>
-            <a:r>
-              <a:rPr lang="pt-BR" dirty="0"/>
-              <a:t/>
             </a:r>
             <a:br>
               <a:rPr lang="pt-BR" dirty="0"/>
@@ -11961,10 +12017,9 @@
           <a:lstStyle/>
           <a:p>
             <a:r>
-              <a:rPr lang="pt-BR" dirty="0" smtClean="0"/>
+              <a:rPr lang="pt-BR" dirty="0"/>
               <a:t>Casos multi-classe</a:t>
             </a:r>
-            <a:endParaRPr lang="pt-BR" dirty="0"/>
           </a:p>
         </p:txBody>
       </p:sp>
@@ -11994,31 +12049,15 @@
               <a:p>
                 <a:r>
                   <a:rPr lang="pt-BR" dirty="0"/>
-                  <a:t>Até </a:t>
-                </a:r>
-                <a:r>
-                  <a:rPr lang="pt-BR" dirty="0" smtClean="0"/>
-                  <a:t>agora, nós </a:t>
-                </a:r>
-                <a:r>
-                  <a:rPr lang="pt-BR" dirty="0"/>
-                  <a:t>vimos como classificar </a:t>
-                </a:r>
-                <a:r>
-                  <a:rPr lang="pt-BR" dirty="0" smtClean="0"/>
-                  <a:t>utilizando </a:t>
+                  <a:t>Até agora, nós vimos como classificar utilizando </a:t>
                 </a:r>
                 <a:r>
                   <a:rPr lang="pt-BR" b="1" i="1" dirty="0"/>
                   <a:t>regressão logística </a:t>
                 </a:r>
                 <a:r>
-                  <a:rPr lang="pt-BR" dirty="0" smtClean="0"/>
-                  <a:t>quando </a:t>
-                </a:r>
-                <a:r>
-                  <a:rPr lang="pt-BR" dirty="0"/>
-                  <a:t>os dados pertencem a apenas 2 classes (i.e., </a:t>
+                  <a:rPr lang="pt-BR" dirty="0"/>
+                  <a:t>quando os dados pertencem a apenas 2 classes (i.e., </a:t>
                 </a:r>
                 <a14:m>
                   <m:oMath xmlns:m="http://schemas.openxmlformats.org/officeDocument/2006/math">
@@ -12037,7 +12076,7 @@
                   </m:oMath>
                 </a14:m>
                 <a:r>
-                  <a:rPr lang="pt-BR" dirty="0" smtClean="0"/>
+                  <a:rPr lang="pt-BR" dirty="0"/>
                   <a:t>), mas e quando existem mais de 2 classes (i.e., </a:t>
                 </a:r>
                 <a14:m>
@@ -12063,7 +12102,7 @@
                   </m:oMath>
                 </a14:m>
                 <a:r>
-                  <a:rPr lang="pt-BR" dirty="0" smtClean="0"/>
+                  <a:rPr lang="pt-BR" dirty="0"/>
                   <a:t>)? Por exemplo</a:t>
                 </a:r>
               </a:p>
@@ -12082,13 +12121,8 @@
                 </a:r>
                 <a:r>
                   <a:rPr lang="pt-BR" dirty="0"/>
-                  <a:t> </a:t>
-                </a:r>
-                <a:r>
-                  <a:rPr lang="pt-BR" dirty="0" smtClean="0"/>
-                  <a:t>mão: 10 dígitos.</a:t>
-                </a:r>
-                <a:endParaRPr lang="pt-BR" dirty="0"/>
+                  <a:t> mão: 10 dígitos.</a:t>
+                </a:r>
               </a:p>
               <a:p>
                 <a:pPr lvl="1">
@@ -12097,13 +12131,8 @@
                 </a:pPr>
                 <a:r>
                   <a:rPr lang="pt-BR" dirty="0"/>
-                  <a:t>Classificação de </a:t>
-                </a:r>
-                <a:r>
-                  <a:rPr lang="pt-BR" dirty="0" smtClean="0"/>
-                  <a:t>texto: Esportes, Economia, Política, Entretenimento, etc.</a:t>
-                </a:r>
-                <a:endParaRPr lang="pt-BR" dirty="0"/>
+                  <a:t>Classificação de texto: Esportes, Economia, Política, Entretenimento, etc.</a:t>
+                </a:r>
               </a:p>
               <a:p>
                 <a:pPr lvl="1">
@@ -12112,32 +12141,20 @@
                 </a:pPr>
                 <a:r>
                   <a:rPr lang="pt-BR" dirty="0"/>
-                  <a:t>Classificação de </a:t>
-                </a:r>
-                <a:r>
-                  <a:rPr lang="pt-BR" dirty="0" smtClean="0"/>
-                  <a:t>sentimentos: Neutro, Positivo, Negativo.</a:t>
+                  <a:t>Classificação de sentimentos: Neutro, Positivo, Negativo.</a:t>
                 </a:r>
               </a:p>
               <a:p>
                 <a:r>
-                  <a:rPr lang="pt-BR" dirty="0" smtClean="0"/>
-                  <a:t>Existem algumas abordagens </a:t>
-                </a:r>
-                <a:r>
-                  <a:rPr lang="pt-BR" dirty="0"/>
-                  <a:t>para </a:t>
-                </a:r>
-                <a:r>
-                  <a:rPr lang="pt-BR" dirty="0" smtClean="0"/>
-                  <a:t>a </a:t>
-                </a:r>
-                <a:r>
-                  <a:rPr lang="pt-BR" b="1" i="1" dirty="0" smtClean="0"/>
+                  <a:rPr lang="pt-BR" dirty="0"/>
+                  <a:t>Existem algumas abordagens para a </a:t>
+                </a:r>
+                <a:r>
+                  <a:rPr lang="pt-BR" b="1" i="1" dirty="0"/>
                   <a:t>classificação multi-classe</a:t>
                 </a:r>
                 <a:r>
-                  <a:rPr lang="pt-BR" dirty="0" smtClean="0"/>
+                  <a:rPr lang="pt-BR" dirty="0"/>
                   <a:t>:</a:t>
                 </a:r>
               </a:p>
@@ -12147,7 +12164,7 @@
                   <a:buChar char="§"/>
                 </a:pPr>
                 <a:r>
-                  <a:rPr lang="pt-BR" dirty="0" smtClean="0"/>
+                  <a:rPr lang="pt-BR" dirty="0"/>
                   <a:t>Um-Contra-o-Resto</a:t>
                 </a:r>
               </a:p>
@@ -12157,7 +12174,7 @@
                   <a:buChar char="§"/>
                 </a:pPr>
                 <a:r>
-                  <a:rPr lang="pt-BR" dirty="0" smtClean="0"/>
+                  <a:rPr lang="pt-BR" dirty="0"/>
                   <a:t>Um-Contra-Um</a:t>
                 </a:r>
               </a:p>
@@ -12167,46 +12184,45 @@
                   <a:buChar char="§"/>
                 </a:pPr>
                 <a:r>
-                  <a:rPr lang="pt-BR" dirty="0" smtClean="0"/>
+                  <a:rPr lang="pt-BR" dirty="0"/>
                   <a:t>Regressão Softmax</a:t>
                 </a:r>
               </a:p>
               <a:p>
                 <a:r>
-                  <a:rPr lang="pt-BR" dirty="0" smtClean="0"/>
+                  <a:rPr lang="pt-BR" dirty="0"/>
                   <a:t>As duas primeiras podem ser aplicadas a qualquer tipo de </a:t>
                 </a:r>
                 <a:r>
-                  <a:rPr lang="pt-BR" b="1" i="1" dirty="0" smtClean="0"/>
+                  <a:rPr lang="pt-BR" b="1" i="1" dirty="0"/>
                   <a:t>classificador binário</a:t>
                 </a:r>
                 <a:r>
-                  <a:rPr lang="pt-BR" dirty="0" smtClean="0"/>
+                  <a:rPr lang="pt-BR" dirty="0"/>
                   <a:t> e não apenas ao </a:t>
                 </a:r>
                 <a:r>
-                  <a:rPr lang="pt-BR" b="1" i="1" dirty="0" smtClean="0"/>
+                  <a:rPr lang="pt-BR" b="1" i="1" dirty="0"/>
                   <a:t>regressor logístico</a:t>
                 </a:r>
                 <a:r>
-                  <a:rPr lang="pt-BR" dirty="0" smtClean="0"/>
+                  <a:rPr lang="pt-BR" dirty="0"/>
                   <a:t>.</a:t>
                 </a:r>
               </a:p>
               <a:p>
                 <a:r>
-                  <a:rPr lang="pt-BR" dirty="0" smtClean="0"/>
+                  <a:rPr lang="pt-BR" dirty="0"/>
                   <a:t>A terceira abordagem é uma generalização do </a:t>
                 </a:r>
                 <a:r>
-                  <a:rPr lang="pt-BR" b="1" i="1" dirty="0" smtClean="0"/>
+                  <a:rPr lang="pt-BR" b="1" i="1" dirty="0"/>
                   <a:t>classificador logístico </a:t>
                 </a:r>
                 <a:r>
-                  <a:rPr lang="pt-BR" dirty="0" smtClean="0"/>
+                  <a:rPr lang="pt-BR" dirty="0"/>
                   <a:t>para problemas multi-classe.</a:t>
                 </a:r>
-                <a:endParaRPr lang="pt-BR" dirty="0"/>
               </a:p>
             </p:txBody>
           </p:sp>
@@ -12300,10 +12316,9 @@
           <a:lstStyle/>
           <a:p>
             <a:r>
-              <a:rPr lang="pt-BR" dirty="0" smtClean="0"/>
+              <a:rPr lang="pt-BR" dirty="0"/>
               <a:t>Um-Contra-o-Resto</a:t>
             </a:r>
-            <a:endParaRPr lang="pt-BR" dirty="0"/>
           </a:p>
         </p:txBody>
       </p:sp>
@@ -12332,39 +12347,35 @@
               <a:lstStyle/>
               <a:p>
                 <a:r>
-                  <a:rPr lang="pt-BR" dirty="0" smtClean="0"/>
+                  <a:rPr lang="pt-BR" dirty="0"/>
                   <a:t>Nesta abordagem, nós treinamos um </a:t>
                 </a:r>
                 <a:r>
-                  <a:rPr lang="pt-BR" b="1" i="1" dirty="0" smtClean="0"/>
+                  <a:rPr lang="pt-BR" b="1" i="1" dirty="0"/>
                   <a:t>classificador</a:t>
                 </a:r>
                 <a:r>
-                  <a:rPr lang="pt-BR" dirty="0" smtClean="0"/>
+                  <a:rPr lang="pt-BR" dirty="0"/>
                   <a:t> </a:t>
                 </a:r>
                 <a:r>
-                  <a:rPr lang="pt-BR" b="1" i="1" dirty="0" smtClean="0"/>
+                  <a:rPr lang="pt-BR" b="1" i="1" dirty="0"/>
                   <a:t>binário</a:t>
                 </a:r>
                 <a:r>
                   <a:rPr lang="pt-BR" dirty="0"/>
-                  <a:t> </a:t>
-                </a:r>
-                <a:r>
-                  <a:rPr lang="pt-BR" dirty="0" smtClean="0"/>
-                  <a:t>(e.g., </a:t>
-                </a:r>
-                <a:r>
-                  <a:rPr lang="pt-BR" b="1" i="1" dirty="0" smtClean="0"/>
+                  <a:t> (e.g., </a:t>
+                </a:r>
+                <a:r>
+                  <a:rPr lang="pt-BR" b="1" i="1" dirty="0"/>
                   <a:t>regressor logístico</a:t>
                 </a:r>
                 <a:r>
-                  <a:rPr lang="pt-BR" dirty="0" smtClean="0"/>
+                  <a:rPr lang="pt-BR" dirty="0"/>
                   <a:t>), representado por sua função hipótese,</a:t>
                 </a:r>
                 <a:r>
-                  <a:rPr lang="pt-BR" b="1" i="1" dirty="0" smtClean="0"/>
+                  <a:rPr lang="pt-BR" b="1" i="1" dirty="0"/>
                   <a:t> </a:t>
                 </a:r>
                 <a14:m>
@@ -12439,7 +12450,7 @@
                   </m:oMath>
                 </a14:m>
                 <a:r>
-                  <a:rPr lang="pt-BR" dirty="0" smtClean="0"/>
+                  <a:rPr lang="pt-BR" dirty="0"/>
                   <a:t>, para cada classe </a:t>
                 </a:r>
                 <a14:m>
@@ -12453,7 +12464,7 @@
                   </m:oMath>
                 </a14:m>
                 <a:r>
-                  <a:rPr lang="pt-BR" dirty="0" smtClean="0"/>
+                  <a:rPr lang="pt-BR" dirty="0"/>
                   <a:t> para predizer a probabilidade de </a:t>
                 </a:r>
                 <a14:m>
@@ -12491,7 +12502,7 @@
                   </m:oMath>
                 </a14:m>
                 <a:r>
-                  <a:rPr lang="pt-BR" b="0" dirty="0" smtClean="0"/>
+                  <a:rPr lang="pt-BR" b="0" dirty="0"/>
                   <a:t>, ou seja, </a:t>
                 </a:r>
                 <a14:m>
@@ -12586,11 +12597,11 @@
                   <a:rPr lang="pt-BR" dirty="0"/>
                   <a:t>.</a:t>
                 </a:r>
-                <a:endParaRPr lang="pt-BR" b="0" dirty="0" smtClean="0"/>
+                <a:endParaRPr lang="pt-BR" b="0" dirty="0"/>
               </a:p>
               <a:p>
                 <a:r>
-                  <a:rPr lang="pt-BR" dirty="0" smtClean="0"/>
+                  <a:rPr lang="pt-BR" dirty="0"/>
                   <a:t>Em outras palavras, cria-se </a:t>
                 </a:r>
                 <a14:m>
@@ -12604,23 +12615,23 @@
                   </m:oMath>
                 </a14:m>
                 <a:r>
-                  <a:rPr lang="pt-BR" b="0" dirty="0" smtClean="0"/>
+                  <a:rPr lang="pt-BR" b="0" dirty="0"/>
                   <a:t> </a:t>
                 </a:r>
                 <a:r>
-                  <a:rPr lang="pt-BR" b="1" i="1" dirty="0" smtClean="0"/>
+                  <a:rPr lang="pt-BR" b="1" i="1" dirty="0"/>
                   <a:t>classificadores binários</a:t>
                 </a:r>
                 <a:r>
-                  <a:rPr lang="pt-BR" dirty="0" smtClean="0"/>
+                  <a:rPr lang="pt-BR" dirty="0"/>
                   <a:t>,</a:t>
                 </a:r>
                 <a:r>
-                  <a:rPr lang="pt-BR" b="1" i="1" dirty="0" smtClean="0"/>
+                  <a:rPr lang="pt-BR" b="1" i="1" dirty="0"/>
                   <a:t> </a:t>
                 </a:r>
                 <a:r>
-                  <a:rPr lang="pt-BR" b="0" dirty="0" smtClean="0"/>
+                  <a:rPr lang="pt-BR" b="0" dirty="0"/>
                   <a:t>onde para cada classificador, a classe positiva </a:t>
                 </a:r>
                 <a14:m>
@@ -12665,7 +12676,7 @@
                   </m:oMath>
                 </a14:m>
                 <a:r>
-                  <a:rPr lang="pt-BR" b="0" dirty="0" smtClean="0"/>
+                  <a:rPr lang="pt-BR" b="0" dirty="0"/>
                   <a:t> e a classe negativa </a:t>
                 </a:r>
                 <a14:m>
@@ -12698,7 +12709,7 @@
                   </m:oMath>
                 </a14:m>
                 <a:r>
-                  <a:rPr lang="pt-BR" b="0" dirty="0" smtClean="0"/>
+                  <a:rPr lang="pt-BR" b="0" dirty="0"/>
                   <a:t> é a junção de todas as outras </a:t>
                 </a:r>
                 <a14:m>
@@ -12718,21 +12729,21 @@
                   </m:oMath>
                 </a14:m>
                 <a:r>
-                  <a:rPr lang="pt-BR" b="0" dirty="0" smtClean="0"/>
+                  <a:rPr lang="pt-BR" b="0" dirty="0"/>
                   <a:t> classes.</a:t>
                 </a:r>
               </a:p>
               <a:p>
                 <a:r>
-                  <a:rPr lang="pt-BR" dirty="0" smtClean="0"/>
+                  <a:rPr lang="pt-BR" dirty="0"/>
                   <a:t>Portanto, o </a:t>
                 </a:r>
                 <a:r>
-                  <a:rPr lang="pt-BR" b="1" i="1" dirty="0" smtClean="0"/>
+                  <a:rPr lang="pt-BR" b="1" i="1" dirty="0"/>
                   <a:t>classificador</a:t>
                 </a:r>
                 <a:r>
-                  <a:rPr lang="pt-BR" dirty="0" smtClean="0"/>
+                  <a:rPr lang="pt-BR" dirty="0"/>
                   <a:t> deve indicar a classe positiva caso o exemplo pertença à classe </a:t>
                 </a:r>
                 <a14:m>
@@ -12746,14 +12757,14 @@
                   </m:oMath>
                 </a14:m>
                 <a:r>
-                  <a:rPr lang="pt-BR" dirty="0" smtClean="0"/>
+                  <a:rPr lang="pt-BR" dirty="0"/>
                   <a:t>, e a classe negativa caso o exemplo pertença a qualquer outra classe.</a:t>
                 </a:r>
-                <a:endParaRPr lang="pt-BR" b="0" dirty="0" smtClean="0"/>
+                <a:endParaRPr lang="pt-BR" b="0" dirty="0"/>
               </a:p>
               <a:p>
                 <a:r>
-                  <a:rPr lang="pt-BR" dirty="0" smtClean="0"/>
+                  <a:rPr lang="pt-BR" dirty="0"/>
                   <a:t>Para cada novo exemplo de entrada, </a:t>
                 </a:r>
                 <a14:m>
@@ -12784,7 +12795,7 @@
                   </m:oMath>
                 </a14:m>
                 <a:r>
-                  <a:rPr lang="pt-BR" dirty="0" smtClean="0"/>
+                  <a:rPr lang="pt-BR" dirty="0"/>
                   <a:t>, realiza-se as predições e escolhe-se a classe que maximize</a:t>
                 </a:r>
               </a:p>
@@ -12828,13 +12839,13 @@
                   </m:oMath>
                 </a14:m>
                 <a:r>
-                  <a:rPr lang="pt-BR" dirty="0" smtClean="0">
+                  <a:rPr lang="pt-BR" dirty="0">
                     <a:latin typeface="Cambria Math" panose="02040503050406030204" pitchFamily="18" charset="0"/>
                   </a:rPr>
                   <a:t>arg</a:t>
                 </a:r>
                 <a:r>
-                  <a:rPr lang="pt-BR" dirty="0" smtClean="0"/>
+                  <a:rPr lang="pt-BR" dirty="0"/>
                   <a:t> </a:t>
                 </a:r>
                 <a14:m>
@@ -12950,13 +12961,13 @@
                   </m:oMath>
                 </a14:m>
                 <a:r>
-                  <a:rPr lang="pt-BR" dirty="0" smtClean="0"/>
+                  <a:rPr lang="pt-BR" dirty="0"/>
                   <a:t>.</a:t>
                 </a:r>
               </a:p>
               <a:p>
                 <a:r>
-                  <a:rPr lang="pt-BR" dirty="0" smtClean="0"/>
+                  <a:rPr lang="pt-BR" dirty="0"/>
                   <a:t>A vantagem desta abordagem é que se treina apenas </a:t>
                 </a:r>
                 <a14:m>
@@ -12970,29 +12981,29 @@
                   </m:oMath>
                 </a14:m>
                 <a:r>
-                  <a:rPr lang="pt-BR" dirty="0" smtClean="0"/>
+                  <a:rPr lang="pt-BR" dirty="0"/>
                   <a:t> </a:t>
                 </a:r>
                 <a:r>
-                  <a:rPr lang="pt-BR" b="1" i="1" dirty="0" smtClean="0"/>
+                  <a:rPr lang="pt-BR" b="1" i="1" dirty="0"/>
                   <a:t>classificadores</a:t>
                 </a:r>
                 <a:r>
-                  <a:rPr lang="pt-BR" dirty="0" smtClean="0"/>
+                  <a:rPr lang="pt-BR" dirty="0"/>
                   <a:t>.</a:t>
                 </a:r>
               </a:p>
               <a:p>
                 <a:r>
-                  <a:rPr lang="pt-BR" dirty="0" smtClean="0"/>
+                  <a:rPr lang="pt-BR" dirty="0"/>
                   <a:t>A desvantagem é que cada </a:t>
                 </a:r>
                 <a:r>
-                  <a:rPr lang="pt-BR" b="1" i="1" dirty="0" smtClean="0"/>
+                  <a:rPr lang="pt-BR" b="1" i="1" dirty="0"/>
                   <a:t>classificador binário </a:t>
                 </a:r>
                 <a:r>
-                  <a:rPr lang="pt-BR" dirty="0" smtClean="0"/>
+                  <a:rPr lang="pt-BR" dirty="0"/>
                   <a:t>precisa ser treinado com um conjunto negativo que é </a:t>
                 </a:r>
                 <a14:m>
@@ -13006,7 +13017,7 @@
                   </m:oMath>
                 </a14:m>
                 <a:r>
-                  <a:rPr lang="pt-BR" dirty="0" smtClean="0"/>
+                  <a:rPr lang="pt-BR" dirty="0"/>
                   <a:t>-1 vezes maior, o que pode aumentar o tempo de treinamento.</a:t>
                 </a:r>
               </a:p>
@@ -13102,10 +13113,9 @@
           <a:lstStyle/>
           <a:p>
             <a:r>
-              <a:rPr lang="pt-BR" dirty="0" smtClean="0"/>
+              <a:rPr lang="pt-BR" dirty="0"/>
               <a:t>Um-Contra-o-Resto</a:t>
             </a:r>
-            <a:endParaRPr lang="pt-BR" dirty="0"/>
           </a:p>
         </p:txBody>
       </p:sp>
@@ -13329,10 +13339,9 @@
           <a:lstStyle/>
           <a:p>
             <a:r>
-              <a:rPr lang="pt-BR" dirty="0" smtClean="0"/>
+              <a:rPr lang="pt-BR" dirty="0"/>
               <a:t>Um-Contra-Um</a:t>
             </a:r>
-            <a:endParaRPr lang="pt-BR" dirty="0"/>
           </a:p>
         </p:txBody>
       </p:sp>
@@ -13361,7 +13370,7 @@
               <a:lstStyle/>
               <a:p>
                 <a:r>
-                  <a:rPr lang="pt-BR" dirty="0" smtClean="0"/>
+                  <a:rPr lang="pt-BR" dirty="0"/>
                   <a:t>Nesta abordagem, treina-se </a:t>
                 </a:r>
                 <a14:m>
@@ -13393,26 +13402,21 @@
                   </m:oMath>
                 </a14:m>
                 <a:r>
-                  <a:rPr lang="pt-BR" dirty="0" smtClean="0"/>
+                  <a:rPr lang="pt-BR" dirty="0"/>
                   <a:t> </a:t>
                 </a:r>
                 <a:r>
-                  <a:rPr lang="pt-BR" b="1" i="1" dirty="0" smtClean="0"/>
-                  <a:t>classificadores </a:t>
-                </a:r>
-                <a:r>
                   <a:rPr lang="pt-BR" b="1" i="1" dirty="0"/>
-                  <a:t>binários</a:t>
+                  <a:t>classificadores binários</a:t>
                 </a:r>
                 <a:r>
                   <a:rPr lang="pt-BR" dirty="0"/>
                   <a:t>. </a:t>
                 </a:r>
-                <a:endParaRPr lang="pt-BR" dirty="0" smtClean="0"/>
               </a:p>
               <a:p>
                 <a:r>
-                  <a:rPr lang="pt-BR" dirty="0" smtClean="0"/>
+                  <a:rPr lang="pt-BR" dirty="0"/>
                   <a:t>Cada </a:t>
                 </a:r>
                 <a:r>
@@ -13421,26 +13425,14 @@
                 </a:r>
                 <a:r>
                   <a:rPr lang="pt-BR" dirty="0"/>
-                  <a:t> é construído para fazer a distinção entre </a:t>
-                </a:r>
-                <a:r>
-                  <a:rPr lang="pt-BR" dirty="0" smtClean="0"/>
-                  <a:t>exemplos pertencentes </a:t>
-                </a:r>
-                <a:r>
-                  <a:rPr lang="pt-BR" dirty="0"/>
-                  <a:t>a </a:t>
-                </a:r>
-                <a:r>
-                  <a:rPr lang="pt-BR" dirty="0" smtClean="0"/>
-                  <a:t>cada um dos possíveis </a:t>
-                </a:r>
-                <a:r>
-                  <a:rPr lang="pt-BR" b="1" i="1" dirty="0" smtClean="0"/>
+                  <a:t> é construído para fazer a distinção entre exemplos pertencentes a cada um dos possíveis </a:t>
+                </a:r>
+                <a:r>
+                  <a:rPr lang="pt-BR" b="1" i="1" dirty="0"/>
                   <a:t>pares</a:t>
                 </a:r>
                 <a:r>
-                  <a:rPr lang="pt-BR" dirty="0" smtClean="0"/>
+                  <a:rPr lang="pt-BR" dirty="0"/>
                   <a:t> de classes.</a:t>
                 </a:r>
               </a:p>
@@ -13451,11 +13443,7 @@
                 </a:pPr>
                 <a:r>
                   <a:rPr lang="pt-BR" dirty="0"/>
-                  <a:t>S</a:t>
-                </a:r>
-                <a:r>
-                  <a:rPr lang="pt-BR" dirty="0" smtClean="0"/>
-                  <a:t>e </a:t>
+                  <a:t>Se </a:t>
                 </a:r>
                 <a14:m>
                   <m:oMath xmlns:m="http://schemas.openxmlformats.org/officeDocument/2006/math">
@@ -13474,15 +13462,15 @@
                   </m:oMath>
                 </a14:m>
                 <a:r>
-                  <a:rPr lang="pt-BR" dirty="0" smtClean="0"/>
+                  <a:rPr lang="pt-BR" dirty="0"/>
                   <a:t>, então treina-se 6 </a:t>
                 </a:r>
                 <a:r>
-                  <a:rPr lang="pt-BR" b="1" i="1" dirty="0" smtClean="0"/>
+                  <a:rPr lang="pt-BR" b="1" i="1" dirty="0"/>
                   <a:t>classificadores</a:t>
                 </a:r>
                 <a:r>
-                  <a:rPr lang="pt-BR" dirty="0" smtClean="0"/>
+                  <a:rPr lang="pt-BR" dirty="0"/>
                   <a:t> para classificar entre</a:t>
                 </a:r>
                 <a14:m>
@@ -13552,7 +13540,7 @@
                   </m:oMath>
                 </a14:m>
                 <a:r>
-                  <a:rPr lang="pt-BR" dirty="0" smtClean="0"/>
+                  <a:rPr lang="pt-BR" dirty="0"/>
                   <a:t>, </a:t>
                 </a:r>
                 <a14:m>
@@ -13616,7 +13604,7 @@
                   </m:oMath>
                 </a14:m>
                 <a:r>
-                  <a:rPr lang="pt-BR" dirty="0" smtClean="0"/>
+                  <a:rPr lang="pt-BR" dirty="0"/>
                   <a:t>, </a:t>
                 </a:r>
                 <a14:m>
@@ -13680,7 +13668,7 @@
                   </m:oMath>
                 </a14:m>
                 <a:r>
-                  <a:rPr lang="pt-BR" dirty="0" smtClean="0"/>
+                  <a:rPr lang="pt-BR" dirty="0"/>
                   <a:t>, </a:t>
                 </a:r>
                 <a14:m>
@@ -13744,7 +13732,7 @@
                   </m:oMath>
                 </a14:m>
                 <a:r>
-                  <a:rPr lang="pt-BR" dirty="0" smtClean="0"/>
+                  <a:rPr lang="pt-BR" dirty="0"/>
                   <a:t>, </a:t>
                 </a:r>
                 <a14:m>
@@ -13808,7 +13796,7 @@
                   </m:oMath>
                 </a14:m>
                 <a:r>
-                  <a:rPr lang="pt-BR" dirty="0" smtClean="0"/>
+                  <a:rPr lang="pt-BR" dirty="0"/>
                   <a:t>, e </a:t>
                 </a:r>
                 <a14:m>
@@ -13872,64 +13860,44 @@
                   </m:oMath>
                 </a14:m>
                 <a:r>
-                  <a:rPr lang="pt-BR" dirty="0" smtClean="0"/>
+                  <a:rPr lang="pt-BR" dirty="0"/>
                   <a:t>. </a:t>
                 </a:r>
               </a:p>
               <a:p>
                 <a:r>
-                  <a:rPr lang="pt-BR" dirty="0" smtClean="0"/>
-                  <a:t>No </a:t>
-                </a:r>
-                <a:r>
-                  <a:rPr lang="pt-BR" dirty="0"/>
-                  <a:t>final, cada </a:t>
-                </a:r>
-                <a:r>
-                  <a:rPr lang="pt-BR" dirty="0" smtClean="0"/>
-                  <a:t>exemplo é </a:t>
-                </a:r>
-                <a:r>
-                  <a:rPr lang="pt-BR" dirty="0"/>
-                  <a:t>classificado conforme o </a:t>
+                  <a:rPr lang="pt-BR" dirty="0"/>
+                  <a:t>No final, cada exemplo é classificado conforme o </a:t>
                 </a:r>
                 <a:r>
                   <a:rPr lang="pt-BR" b="1" i="1" dirty="0"/>
                   <a:t>voto majoritário </a:t>
                 </a:r>
                 <a:r>
-                  <a:rPr lang="pt-BR" dirty="0" smtClean="0"/>
+                  <a:rPr lang="pt-BR" dirty="0"/>
                   <a:t>entre os </a:t>
                 </a:r>
                 <a:r>
-                  <a:rPr lang="pt-BR" b="1" i="1" dirty="0" smtClean="0"/>
+                  <a:rPr lang="pt-BR" b="1" i="1" dirty="0"/>
                   <a:t>classificadores</a:t>
                 </a:r>
                 <a:r>
-                  <a:rPr lang="pt-BR" dirty="0" smtClean="0"/>
+                  <a:rPr lang="pt-BR" dirty="0"/>
                   <a:t>.</a:t>
                 </a:r>
               </a:p>
               <a:p>
                 <a:r>
                   <a:rPr lang="pt-BR" dirty="0"/>
-                  <a:t>A principal vantagem </a:t>
-                </a:r>
-                <a:r>
-                  <a:rPr lang="pt-BR" dirty="0" smtClean="0"/>
-                  <a:t>da abordagem </a:t>
-                </a:r>
-                <a:r>
-                  <a:rPr lang="pt-BR" b="1" i="1" dirty="0" smtClean="0"/>
+                  <a:t>A principal vantagem da abordagem </a:t>
+                </a:r>
+                <a:r>
+                  <a:rPr lang="pt-BR" b="1" i="1" dirty="0"/>
                   <a:t>Um-Contra-Um </a:t>
                 </a:r>
                 <a:r>
-                  <a:rPr lang="pt-BR" dirty="0" smtClean="0"/>
-                  <a:t>é </a:t>
-                </a:r>
-                <a:r>
-                  <a:rPr lang="pt-BR" dirty="0"/>
-                  <a:t>que cada </a:t>
+                  <a:rPr lang="pt-BR" dirty="0"/>
+                  <a:t>é que cada </a:t>
                 </a:r>
                 <a:r>
                   <a:rPr lang="pt-BR" b="1" i="1" dirty="0"/>
@@ -13937,24 +13905,12 @@
                 </a:r>
                 <a:r>
                   <a:rPr lang="pt-BR" dirty="0"/>
-                  <a:t> precisa ser treinado apenas </a:t>
-                </a:r>
-                <a:r>
-                  <a:rPr lang="pt-BR" dirty="0" smtClean="0"/>
-                  <a:t>com as </a:t>
-                </a:r>
-                <a:r>
-                  <a:rPr lang="pt-BR" dirty="0"/>
-                  <a:t>duas classes que ele deve </a:t>
-                </a:r>
-                <a:r>
-                  <a:rPr lang="pt-BR" dirty="0" smtClean="0"/>
-                  <a:t>distinguir.</a:t>
+                  <a:t> precisa ser treinado apenas com as duas classes que ele deve distinguir.</a:t>
                 </a:r>
               </a:p>
               <a:p>
                 <a:r>
-                  <a:rPr lang="pt-BR" dirty="0" smtClean="0"/>
+                  <a:rPr lang="pt-BR" dirty="0"/>
                   <a:t>A desvantagem é que, por exemplo, se </a:t>
                 </a:r>
                 <a14:m>
@@ -13974,18 +13930,17 @@
                   </m:oMath>
                 </a14:m>
                 <a:r>
-                  <a:rPr lang="pt-BR" dirty="0" smtClean="0"/>
+                  <a:rPr lang="pt-BR" dirty="0"/>
                   <a:t>, temos que treinar 45 </a:t>
                 </a:r>
                 <a:r>
-                  <a:rPr lang="pt-BR" b="1" i="1" dirty="0" smtClean="0"/>
+                  <a:rPr lang="pt-BR" b="1" i="1" dirty="0"/>
                   <a:t>classificadores</a:t>
                 </a:r>
                 <a:r>
-                  <a:rPr lang="pt-BR" dirty="0" smtClean="0"/>
+                  <a:rPr lang="pt-BR" dirty="0"/>
                   <a:t>.</a:t>
                 </a:r>
-                <a:endParaRPr lang="pt-BR" dirty="0"/>
               </a:p>
             </p:txBody>
           </p:sp>
@@ -14074,10 +14029,9 @@
           <a:lstStyle/>
           <a:p>
             <a:r>
-              <a:rPr lang="pt-BR" dirty="0" smtClean="0"/>
+              <a:rPr lang="pt-BR" dirty="0"/>
               <a:t>Um-Contra-Um</a:t>
             </a:r>
-            <a:endParaRPr lang="pt-BR" dirty="0"/>
           </a:p>
         </p:txBody>
       </p:sp>
@@ -14473,201 +14427,403 @@
           </a:p>
         </p:txBody>
       </p:sp>
-      <p:sp>
-        <p:nvSpPr>
-          <p:cNvPr id="3" name="Content Placeholder 2"/>
-          <p:cNvSpPr>
-            <a:spLocks noGrp="1"/>
-          </p:cNvSpPr>
-          <p:nvPr>
-            <p:ph idx="1"/>
-          </p:nvPr>
-        </p:nvSpPr>
-        <p:spPr>
-          <a:xfrm>
-            <a:off x="838200" y="1757384"/>
-            <a:ext cx="11185478" cy="5032375"/>
-          </a:xfrm>
-        </p:spPr>
-        <p:txBody>
-          <a:bodyPr>
-            <a:normAutofit lnSpcReduction="10000"/>
-          </a:bodyPr>
-          <a:lstStyle/>
-          <a:p>
-            <a:r>
-              <a:rPr lang="pt-BR" dirty="0"/>
-              <a:t>Também conhecida como </a:t>
-            </a:r>
-            <a:r>
-              <a:rPr lang="pt-BR" b="1" i="1" dirty="0"/>
-              <a:t>regressão logística multinomial</a:t>
-            </a:r>
-            <a:r>
-              <a:rPr lang="pt-BR" dirty="0"/>
-              <a:t>. </a:t>
-            </a:r>
-            <a:endParaRPr lang="pt-BR" dirty="0" smtClean="0"/>
-          </a:p>
-          <a:p>
-            <a:r>
-              <a:rPr lang="pt-BR" dirty="0" smtClean="0"/>
-              <a:t>A </a:t>
-            </a:r>
-            <a:r>
-              <a:rPr lang="pt-BR" dirty="0"/>
-              <a:t>ideia é </a:t>
-            </a:r>
-            <a:r>
-              <a:rPr lang="pt-BR" dirty="0" smtClean="0"/>
-              <a:t>treinar </a:t>
-            </a:r>
-            <a:r>
-              <a:rPr lang="pt-BR" dirty="0"/>
-              <a:t>um </a:t>
-            </a:r>
-            <a:r>
-              <a:rPr lang="pt-BR" b="1" i="1" dirty="0" smtClean="0"/>
-              <a:t>único</a:t>
-            </a:r>
-            <a:r>
-              <a:rPr lang="pt-BR" dirty="0" smtClean="0"/>
-              <a:t> classificador </a:t>
-            </a:r>
-            <a:r>
-              <a:rPr lang="pt-BR" dirty="0"/>
-              <a:t>que classifique mais de 2 classes</a:t>
-            </a:r>
-            <a:r>
-              <a:rPr lang="pt-BR" dirty="0" smtClean="0"/>
-              <a:t>.</a:t>
-            </a:r>
-          </a:p>
-          <a:p>
-            <a:pPr lvl="1">
-              <a:buFont typeface="Wingdings" panose="05000000000000000000" pitchFamily="2" charset="2"/>
-              <a:buChar char="§"/>
-            </a:pPr>
-            <a:r>
-              <a:rPr lang="pt-BR" dirty="0" smtClean="0"/>
-              <a:t>Por exemplo, para um problema com 4 classes, teríamos um único classificador, mas com 4 saídas.</a:t>
-            </a:r>
-            <a:endParaRPr lang="pt-BR" dirty="0"/>
-          </a:p>
-          <a:p>
-            <a:r>
-              <a:rPr lang="pt-BR" dirty="0"/>
-              <a:t>É importante salientar que ele prediz </a:t>
-            </a:r>
-            <a:r>
-              <a:rPr lang="pt-BR" b="1" i="1" dirty="0"/>
-              <a:t>apenas </a:t>
-            </a:r>
-            <a:r>
-              <a:rPr lang="pt-BR" b="1" i="1" dirty="0">
-                <a:solidFill>
-                  <a:srgbClr val="FF0000"/>
-                </a:solidFill>
-              </a:rPr>
-              <a:t>uma</a:t>
-            </a:r>
-            <a:r>
-              <a:rPr lang="pt-BR" b="1" i="1" dirty="0"/>
-              <a:t> classe de cada vez</a:t>
-            </a:r>
-            <a:r>
-              <a:rPr lang="pt-BR" dirty="0"/>
-              <a:t>, ou seja, ele é </a:t>
-            </a:r>
-            <a:r>
-              <a:rPr lang="pt-BR" b="1" i="1" dirty="0" smtClean="0"/>
-              <a:t>multi-classe</a:t>
-            </a:r>
-            <a:r>
-              <a:rPr lang="pt-BR" dirty="0" smtClean="0"/>
-              <a:t> </a:t>
-            </a:r>
-            <a:r>
-              <a:rPr lang="pt-BR" dirty="0"/>
-              <a:t>e não </a:t>
-            </a:r>
-            <a:r>
-              <a:rPr lang="pt-BR" b="1" i="1" dirty="0" smtClean="0"/>
-              <a:t>multi-label</a:t>
-            </a:r>
-            <a:r>
-              <a:rPr lang="pt-BR" dirty="0" smtClean="0"/>
-              <a:t>, </a:t>
-            </a:r>
-            <a:r>
-              <a:rPr lang="pt-BR" dirty="0"/>
-              <a:t>portanto, ele deve ser usado apenas com </a:t>
-            </a:r>
-            <a:r>
-              <a:rPr lang="pt-BR" b="1" i="1" dirty="0"/>
-              <a:t>classes mutuamente exclusivas</a:t>
-            </a:r>
-            <a:r>
-              <a:rPr lang="pt-BR" dirty="0"/>
-              <a:t>, como por exemplo diferentes tipos de plantas, dígitos, categorias de notícias, etc. </a:t>
-            </a:r>
-            <a:endParaRPr lang="pt-BR" dirty="0" smtClean="0"/>
-          </a:p>
-          <a:p>
-            <a:r>
-              <a:rPr lang="pt-BR" dirty="0" smtClean="0"/>
-              <a:t>Portanto</a:t>
-            </a:r>
-            <a:r>
-              <a:rPr lang="pt-BR" dirty="0"/>
-              <a:t>, você não poderia usá-lo para reconhecer várias pessoas em uma foto, por exemplo.</a:t>
-            </a:r>
-          </a:p>
-          <a:p>
-            <a:r>
-              <a:rPr lang="pt-BR" dirty="0"/>
-              <a:t>É uma abordagem mais robusta que as anteriores e que consiste em </a:t>
-            </a:r>
-            <a:r>
-              <a:rPr lang="pt-BR" dirty="0" smtClean="0"/>
-              <a:t>criar um </a:t>
-            </a:r>
-            <a:r>
-              <a:rPr lang="pt-BR" b="1" i="1" dirty="0" smtClean="0"/>
-              <a:t>único</a:t>
-            </a:r>
-            <a:r>
-              <a:rPr lang="pt-BR" dirty="0" smtClean="0"/>
-              <a:t> modelo </a:t>
-            </a:r>
-            <a:r>
-              <a:rPr lang="pt-BR" dirty="0"/>
-              <a:t>em que cada saída representa a </a:t>
-            </a:r>
-            <a:r>
-              <a:rPr lang="pt-BR" b="1" i="1" dirty="0"/>
-              <a:t>probabilidade</a:t>
-            </a:r>
-            <a:r>
-              <a:rPr lang="pt-BR" dirty="0"/>
-              <a:t> de </a:t>
-            </a:r>
-            <a:r>
-              <a:rPr lang="pt-BR" dirty="0" smtClean="0"/>
-              <a:t>um exemplo </a:t>
-            </a:r>
-            <a:r>
-              <a:rPr lang="pt-BR" dirty="0"/>
-              <a:t>pertencer a uma classe específica</a:t>
-            </a:r>
-            <a:r>
-              <a:rPr lang="pt-BR" dirty="0" smtClean="0"/>
-              <a:t>.</a:t>
-            </a:r>
-            <a:endParaRPr lang="pt-BR" dirty="0"/>
-          </a:p>
-        </p:txBody>
-      </p:sp>
+      <mc:AlternateContent xmlns:mc="http://schemas.openxmlformats.org/markup-compatibility/2006">
+        <mc:Choice xmlns:a14="http://schemas.microsoft.com/office/drawing/2010/main" Requires="a14">
+          <p:sp>
+            <p:nvSpPr>
+              <p:cNvPr id="3" name="Content Placeholder 2"/>
+              <p:cNvSpPr>
+                <a:spLocks noGrp="1"/>
+              </p:cNvSpPr>
+              <p:nvPr>
+                <p:ph idx="1"/>
+              </p:nvPr>
+            </p:nvSpPr>
+            <p:spPr>
+              <a:xfrm>
+                <a:off x="838200" y="1757384"/>
+                <a:ext cx="11141765" cy="5100616"/>
+              </a:xfrm>
+            </p:spPr>
+            <p:txBody>
+              <a:bodyPr>
+                <a:normAutofit fontScale="85000" lnSpcReduction="10000"/>
+              </a:bodyPr>
+              <a:lstStyle/>
+              <a:p>
+                <a:r>
+                  <a:rPr lang="pt-BR" dirty="0"/>
+                  <a:t>Também conhecida como </a:t>
+                </a:r>
+                <a:r>
+                  <a:rPr lang="pt-BR" b="1" i="1" dirty="0"/>
+                  <a:t>regressão logística multinomial</a:t>
+                </a:r>
+                <a:r>
+                  <a:rPr lang="pt-BR" dirty="0"/>
+                  <a:t>.</a:t>
+                </a:r>
+              </a:p>
+              <a:p>
+                <a:pPr lvl="1">
+                  <a:buFont typeface="Wingdings" panose="05000000000000000000" pitchFamily="2" charset="2"/>
+                  <a:buChar char="§"/>
+                </a:pPr>
+                <a:r>
+                  <a:rPr lang="pt-BR" dirty="0"/>
+                  <a:t>Pois as saídas podem ser interpretadas como as probabilidades de uma variável categoricamente distribuída (as classes) dado um conjunto de variáveis (atributos).</a:t>
+                </a:r>
+              </a:p>
+              <a:p>
+                <a:r>
+                  <a:rPr lang="pt-BR" dirty="0"/>
+                  <a:t>É uma generalização do regressor logístico para problemas com múltiplas classes.</a:t>
+                </a:r>
+              </a:p>
+              <a:p>
+                <a:r>
+                  <a:rPr lang="pt-BR" dirty="0"/>
+                  <a:t>A ideia é treinar um </a:t>
+                </a:r>
+                <a:r>
+                  <a:rPr lang="pt-BR" b="1" i="1" dirty="0"/>
+                  <a:t>único</a:t>
+                </a:r>
+                <a:r>
+                  <a:rPr lang="pt-BR" dirty="0"/>
+                  <a:t> classificador com </a:t>
+                </a:r>
+                <a14:m>
+                  <m:oMath xmlns:m="http://schemas.openxmlformats.org/officeDocument/2006/math">
+                    <m:r>
+                      <a:rPr lang="pt-BR" b="0" i="1" smtClean="0">
+                        <a:latin typeface="Cambria Math" panose="02040503050406030204" pitchFamily="18" charset="0"/>
+                      </a:rPr>
+                      <m:t>𝑄</m:t>
+                    </m:r>
+                    <m:r>
+                      <a:rPr lang="pt-BR" b="0" i="1" smtClean="0">
+                        <a:latin typeface="Cambria Math" panose="02040503050406030204" pitchFamily="18" charset="0"/>
+                        <a:ea typeface="Cambria Math" panose="02040503050406030204" pitchFamily="18" charset="0"/>
+                      </a:rPr>
+                      <m:t>&gt;2</m:t>
+                    </m:r>
+                  </m:oMath>
+                </a14:m>
+                <a:r>
+                  <a:rPr lang="pt-BR" dirty="0"/>
+                  <a:t> saídas, onde cada saída representa a </a:t>
+                </a:r>
+                <a:r>
+                  <a:rPr lang="pt-BR" b="1" i="1" dirty="0"/>
+                  <a:t>probabilidade</a:t>
+                </a:r>
+                <a:r>
+                  <a:rPr lang="pt-BR" dirty="0"/>
+                  <a:t> de um exemplo pertencer a uma das </a:t>
+                </a:r>
+                <a14:m>
+                  <m:oMath xmlns:m="http://schemas.openxmlformats.org/officeDocument/2006/math">
+                    <m:r>
+                      <a:rPr lang="pt-BR" i="1">
+                        <a:latin typeface="Cambria Math" panose="02040503050406030204" pitchFamily="18" charset="0"/>
+                      </a:rPr>
+                      <m:t>𝑄</m:t>
+                    </m:r>
+                  </m:oMath>
+                </a14:m>
+                <a:r>
+                  <a:rPr lang="pt-BR" dirty="0"/>
+                  <a:t> classes.</a:t>
+                </a:r>
+              </a:p>
+              <a:p>
+                <a:pPr lvl="1">
+                  <a:buFont typeface="Wingdings" panose="05000000000000000000" pitchFamily="2" charset="2"/>
+                  <a:buChar char="§"/>
+                </a:pPr>
+                <a:r>
+                  <a:rPr lang="pt-BR" dirty="0"/>
+                  <a:t>Por exemplo, para um problema com 4 classes, teríamos um único classificador, mas com 4 saídas.</a:t>
+                </a:r>
+              </a:p>
+              <a:p>
+                <a:r>
+                  <a:rPr lang="pt-BR" dirty="0"/>
+                  <a:t>Prediz </a:t>
+                </a:r>
+                <a:r>
+                  <a:rPr lang="pt-BR" b="1" i="1" dirty="0"/>
+                  <a:t>apenas </a:t>
+                </a:r>
+                <a:r>
+                  <a:rPr lang="pt-BR" b="1" i="1" dirty="0">
+                    <a:solidFill>
+                      <a:srgbClr val="FF0000"/>
+                    </a:solidFill>
+                  </a:rPr>
+                  <a:t>uma</a:t>
+                </a:r>
+                <a:r>
+                  <a:rPr lang="pt-BR" b="1" i="1" dirty="0"/>
+                  <a:t> classe por classificação</a:t>
+                </a:r>
+                <a:r>
+                  <a:rPr lang="pt-BR" dirty="0"/>
+                  <a:t>, portanto, ele deve ser usado apenas com </a:t>
+                </a:r>
+                <a:r>
+                  <a:rPr lang="pt-BR" b="1" i="1" dirty="0"/>
+                  <a:t>classes mutuamente exclusivas</a:t>
+                </a:r>
+                <a:r>
+                  <a:rPr lang="pt-BR" dirty="0"/>
+                  <a:t>, como por exemplo diferentes tipos de plantas, dígitos, categorias de notícias, etc. </a:t>
+                </a:r>
+              </a:p>
+              <a:p>
+                <a:r>
+                  <a:rPr lang="pt-BR" dirty="0"/>
+                  <a:t>Portanto, não podemos usá-lo para classificar vários objetos em uma foto, por exemplo.</a:t>
+                </a:r>
+              </a:p>
+              <a:p>
+                <a:r>
+                  <a:rPr lang="pt-BR" dirty="0"/>
+                  <a:t>Para termos um </a:t>
+                </a:r>
+                <a:r>
+                  <a:rPr lang="pt-BR" b="1" i="1" dirty="0"/>
+                  <a:t>único</a:t>
+                </a:r>
+                <a:r>
+                  <a:rPr lang="pt-BR" dirty="0"/>
+                  <a:t> classificador, o </a:t>
+                </a:r>
+                <a:r>
+                  <a:rPr lang="pt-BR" b="1" i="1" dirty="0"/>
+                  <a:t>regressor softmax </a:t>
+                </a:r>
+                <a:r>
+                  <a:rPr lang="pt-BR" dirty="0"/>
+                  <a:t>possui uma </a:t>
+                </a:r>
+                <a:r>
+                  <a:rPr lang="pt-BR" b="1" i="1" dirty="0"/>
+                  <a:t>função hipótese de classificação</a:t>
+                </a:r>
+                <a:r>
+                  <a:rPr lang="pt-BR" dirty="0"/>
+                  <a:t>, </a:t>
+                </a:r>
+                <a14:m>
+                  <m:oMath xmlns:m="http://schemas.openxmlformats.org/officeDocument/2006/math">
+                    <m:sSubSup>
+                      <m:sSubSupPr>
+                        <m:ctrlPr>
+                          <a:rPr lang="pt-BR" b="1" i="1">
+                            <a:latin typeface="Cambria Math" panose="02040503050406030204" pitchFamily="18" charset="0"/>
+                          </a:rPr>
+                        </m:ctrlPr>
+                      </m:sSubSupPr>
+                      <m:e>
+                        <m:r>
+                          <a:rPr lang="pt-BR" i="1">
+                            <a:latin typeface="Cambria Math" panose="02040503050406030204" pitchFamily="18" charset="0"/>
+                          </a:rPr>
+                          <m:t>h</m:t>
+                        </m:r>
+                      </m:e>
+                      <m:sub>
+                        <m:r>
+                          <a:rPr lang="pt-BR" b="1" i="1">
+                            <a:latin typeface="Cambria Math" panose="02040503050406030204" pitchFamily="18" charset="0"/>
+                          </a:rPr>
+                          <m:t>𝒂</m:t>
+                        </m:r>
+                      </m:sub>
+                      <m:sup>
+                        <m:r>
+                          <a:rPr lang="pt-BR" i="1">
+                            <a:latin typeface="Cambria Math" panose="02040503050406030204" pitchFamily="18" charset="0"/>
+                          </a:rPr>
+                          <m:t>𝑞</m:t>
+                        </m:r>
+                      </m:sup>
+                    </m:sSubSup>
+                    <m:d>
+                      <m:dPr>
+                        <m:ctrlPr>
+                          <a:rPr lang="pt-BR" i="1">
+                            <a:latin typeface="Cambria Math" panose="02040503050406030204" pitchFamily="18" charset="0"/>
+                          </a:rPr>
+                        </m:ctrlPr>
+                      </m:dPr>
+                      <m:e>
+                        <m:r>
+                          <a:rPr lang="pt-BR" b="1" i="1">
+                            <a:latin typeface="Cambria Math" panose="02040503050406030204" pitchFamily="18" charset="0"/>
+                          </a:rPr>
+                          <m:t>𝒙</m:t>
+                        </m:r>
+                        <m:d>
+                          <m:dPr>
+                            <m:ctrlPr>
+                              <a:rPr lang="pt-BR" b="1" i="1">
+                                <a:latin typeface="Cambria Math" panose="02040503050406030204" pitchFamily="18" charset="0"/>
+                              </a:rPr>
+                            </m:ctrlPr>
+                          </m:dPr>
+                          <m:e>
+                            <m:r>
+                              <a:rPr lang="pt-BR" i="1">
+                                <a:latin typeface="Cambria Math" panose="02040503050406030204" pitchFamily="18" charset="0"/>
+                              </a:rPr>
+                              <m:t>𝑖</m:t>
+                            </m:r>
+                          </m:e>
+                        </m:d>
+                      </m:e>
+                    </m:d>
+                  </m:oMath>
+                </a14:m>
+                <a:r>
+                  <a:rPr lang="pt-BR" dirty="0"/>
+                  <a:t>, e um </a:t>
+                </a:r>
+                <a:r>
+                  <a:rPr lang="pt-BR" b="1" i="1" dirty="0"/>
+                  <a:t>função discriminante</a:t>
+                </a:r>
+                <a:r>
+                  <a:rPr lang="pt-BR" dirty="0"/>
+                  <a:t>, </a:t>
+                </a:r>
+                <a14:m>
+                  <m:oMath xmlns:m="http://schemas.openxmlformats.org/officeDocument/2006/math">
+                    <m:sSub>
+                      <m:sSubPr>
+                        <m:ctrlPr>
+                          <a:rPr lang="pt-BR" i="1">
+                            <a:latin typeface="Cambria Math" panose="02040503050406030204" pitchFamily="18" charset="0"/>
+                          </a:rPr>
+                        </m:ctrlPr>
+                      </m:sSubPr>
+                      <m:e>
+                        <m:r>
+                          <a:rPr lang="pt-BR" i="1">
+                            <a:latin typeface="Cambria Math" panose="02040503050406030204" pitchFamily="18" charset="0"/>
+                          </a:rPr>
+                          <m:t>𝑔</m:t>
+                        </m:r>
+                      </m:e>
+                      <m:sub>
+                        <m:r>
+                          <a:rPr lang="pt-BR" i="1">
+                            <a:latin typeface="Cambria Math" panose="02040503050406030204" pitchFamily="18" charset="0"/>
+                          </a:rPr>
+                          <m:t>𝑞</m:t>
+                        </m:r>
+                      </m:sub>
+                    </m:sSub>
+                    <m:r>
+                      <a:rPr lang="pt-BR" b="1" i="1">
+                        <a:latin typeface="Cambria Math" panose="02040503050406030204" pitchFamily="18" charset="0"/>
+                      </a:rPr>
+                      <m:t>(</m:t>
+                    </m:r>
+                    <m:r>
+                      <a:rPr lang="pt-BR" b="1" i="1">
+                        <a:latin typeface="Cambria Math" panose="02040503050406030204" pitchFamily="18" charset="0"/>
+                      </a:rPr>
+                      <m:t>𝒙</m:t>
+                    </m:r>
+                    <m:r>
+                      <a:rPr lang="pt-BR" i="1">
+                        <a:latin typeface="Cambria Math" panose="02040503050406030204" pitchFamily="18" charset="0"/>
+                      </a:rPr>
+                      <m:t>(</m:t>
+                    </m:r>
+                    <m:r>
+                      <a:rPr lang="pt-BR" i="1">
+                        <a:latin typeface="Cambria Math" panose="02040503050406030204" pitchFamily="18" charset="0"/>
+                      </a:rPr>
+                      <m:t>𝑖</m:t>
+                    </m:r>
+                    <m:r>
+                      <a:rPr lang="pt-BR" i="1">
+                        <a:latin typeface="Cambria Math" panose="02040503050406030204" pitchFamily="18" charset="0"/>
+                      </a:rPr>
+                      <m:t>)</m:t>
+                    </m:r>
+                    <m:r>
+                      <a:rPr lang="pt-BR" b="1" i="1">
+                        <a:latin typeface="Cambria Math" panose="02040503050406030204" pitchFamily="18" charset="0"/>
+                      </a:rPr>
+                      <m:t>)</m:t>
+                    </m:r>
+                  </m:oMath>
+                </a14:m>
+                <a:r>
+                  <a:rPr lang="pt-BR" dirty="0"/>
+                  <a:t>, para cada classe </a:t>
+                </a:r>
+                <a14:m>
+                  <m:oMath xmlns:m="http://schemas.openxmlformats.org/officeDocument/2006/math">
+                    <m:r>
+                      <a:rPr lang="pt-BR" i="1">
+                        <a:latin typeface="Cambria Math" panose="02040503050406030204" pitchFamily="18" charset="0"/>
+                      </a:rPr>
+                      <m:t>𝑞</m:t>
+                    </m:r>
+                  </m:oMath>
+                </a14:m>
+                <a:r>
+                  <a:rPr lang="pt-BR" dirty="0"/>
+                  <a:t>.</a:t>
+                </a:r>
+              </a:p>
+            </p:txBody>
+          </p:sp>
+        </mc:Choice>
+        <mc:Fallback>
+          <p:sp>
+            <p:nvSpPr>
+              <p:cNvPr id="3" name="Content Placeholder 2"/>
+              <p:cNvSpPr>
+                <a:spLocks noGrp="1" noRot="1" noChangeAspect="1" noMove="1" noResize="1" noEditPoints="1" noAdjustHandles="1" noChangeArrowheads="1" noChangeShapeType="1" noTextEdit="1"/>
+              </p:cNvSpPr>
+              <p:nvPr>
+                <p:ph idx="1"/>
+              </p:nvPr>
+            </p:nvSpPr>
+            <p:spPr>
+              <a:xfrm>
+                <a:off x="838200" y="1757384"/>
+                <a:ext cx="11141765" cy="5100616"/>
+              </a:xfrm>
+              <a:blipFill>
+                <a:blip r:embed="rId3"/>
+                <a:stretch>
+                  <a:fillRect l="-766" t="-2270" r="-274"/>
+                </a:stretch>
+              </a:blipFill>
+            </p:spPr>
+            <p:txBody>
+              <a:bodyPr/>
+              <a:lstStyle/>
+              <a:p>
+                <a:r>
+                  <a:rPr lang="en-US">
+                    <a:noFill/>
+                  </a:rPr>
+                  <a:t> </a:t>
+                </a:r>
+              </a:p>
+            </p:txBody>
+          </p:sp>
+        </mc:Fallback>
+      </mc:AlternateContent>
     </p:spTree>
     <p:extLst>
       <p:ext uri="{BB962C8B-B14F-4D97-AF65-F5344CB8AC3E}">
@@ -14700,7 +14856,13 @@
       </p:grpSpPr>
       <p:sp>
         <p:nvSpPr>
-          <p:cNvPr id="2" name="Title 1"/>
+          <p:cNvPr id="2" name="Título 1">
+            <a:extLst>
+              <a:ext uri="{FF2B5EF4-FFF2-40B4-BE49-F238E27FC236}">
+                <a16:creationId xmlns:a16="http://schemas.microsoft.com/office/drawing/2014/main" id="{890D7195-61EC-4142-8041-DD35C2AB1914}"/>
+              </a:ext>
+            </a:extLst>
+          </p:cNvPr>
           <p:cNvSpPr>
             <a:spLocks noGrp="1"/>
           </p:cNvSpPr>
@@ -14708,12 +14870,7 @@
             <p:ph type="title"/>
           </p:nvPr>
         </p:nvSpPr>
-        <p:spPr>
-          <a:xfrm>
-            <a:off x="838200" y="255941"/>
-            <a:ext cx="10515600" cy="917765"/>
-          </a:xfrm>
-        </p:spPr>
+        <p:spPr/>
         <p:txBody>
           <a:bodyPr/>
           <a:lstStyle/>
@@ -14722,14 +14879,21 @@
               <a:rPr lang="pt-BR" dirty="0"/>
               <a:t>Regressão Softmax</a:t>
             </a:r>
+            <a:endParaRPr lang="en-US" dirty="0"/>
           </a:p>
         </p:txBody>
       </p:sp>
-      <mc:AlternateContent xmlns:mc="http://schemas.openxmlformats.org/markup-compatibility/2006" xmlns:a14="http://schemas.microsoft.com/office/drawing/2010/main">
-        <mc:Choice Requires="a14">
+      <mc:AlternateContent xmlns:mc="http://schemas.openxmlformats.org/markup-compatibility/2006">
+        <mc:Choice xmlns:a14="http://schemas.microsoft.com/office/drawing/2010/main" Requires="a14">
           <p:sp>
             <p:nvSpPr>
-              <p:cNvPr id="3" name="Content Placeholder 2"/>
+              <p:cNvPr id="3" name="Espaço Reservado para Conteúdo 2">
+                <a:extLst>
+                  <a:ext uri="{FF2B5EF4-FFF2-40B4-BE49-F238E27FC236}">
+                    <a16:creationId xmlns:a16="http://schemas.microsoft.com/office/drawing/2014/main" id="{807ECEFA-6ED0-44F3-ABEA-8272FEB2FF63}"/>
+                  </a:ext>
+                </a:extLst>
+              </p:cNvPr>
               <p:cNvSpPr>
                 <a:spLocks noGrp="1"/>
               </p:cNvSpPr>
@@ -14739,8 +14903,8 @@
             </p:nvSpPr>
             <p:spPr>
               <a:xfrm>
-                <a:off x="838199" y="1433016"/>
-                <a:ext cx="11091203" cy="5424984"/>
+                <a:off x="838199" y="1825624"/>
+                <a:ext cx="11234531" cy="5032375"/>
               </a:xfrm>
             </p:spPr>
             <p:txBody>
@@ -14750,34 +14914,231 @@
               <a:lstStyle/>
               <a:p>
                 <a:r>
-                  <a:rPr lang="pt-BR" dirty="0" smtClean="0"/>
-                  <a:t>Isto é feito a partir de uma generalização da </a:t>
-                </a:r>
-                <a:r>
-                  <a:rPr lang="pt-BR" b="1" i="1" dirty="0" smtClean="0"/>
-                  <a:t>função logística</a:t>
-                </a:r>
-                <a:r>
-                  <a:rPr lang="pt-BR" dirty="0" smtClean="0"/>
-                  <a:t> chamada de </a:t>
-                </a:r>
-                <a:r>
-                  <a:rPr lang="pt-BR" b="1" i="1" dirty="0" smtClean="0"/>
+                  <a:rPr lang="pt-BR" dirty="0"/>
+                  <a:t>A </a:t>
+                </a:r>
+                <a:r>
+                  <a:rPr lang="pt-BR" b="1" i="1" dirty="0"/>
+                  <a:t>função hipótese de classificação </a:t>
+                </a:r>
+                <a:r>
+                  <a:rPr lang="pt-BR" dirty="0"/>
+                  <a:t>associada à </a:t>
+                </a:r>
+                <a14:m>
+                  <m:oMath xmlns:m="http://schemas.openxmlformats.org/officeDocument/2006/math">
+                    <m:r>
+                      <a:rPr lang="pt-BR" i="1">
+                        <a:latin typeface="Cambria Math" panose="02040503050406030204" pitchFamily="18" charset="0"/>
+                      </a:rPr>
+                      <m:t>𝑞</m:t>
+                    </m:r>
+                  </m:oMath>
+                </a14:m>
+                <a:r>
+                  <a:rPr lang="pt-BR" dirty="0"/>
+                  <a:t>-</a:t>
+                </a:r>
+                <a:r>
+                  <a:rPr lang="pt-BR" dirty="0" err="1"/>
+                  <a:t>ésima</a:t>
+                </a:r>
+                <a:r>
+                  <a:rPr lang="pt-BR" dirty="0"/>
+                  <a:t> classe,</a:t>
+                </a:r>
+                <a:r>
+                  <a:rPr lang="pt-BR" b="1" i="1" dirty="0"/>
+                  <a:t> </a:t>
+                </a:r>
+                <a14:m>
+                  <m:oMath xmlns:m="http://schemas.openxmlformats.org/officeDocument/2006/math">
+                    <m:sSubSup>
+                      <m:sSubSupPr>
+                        <m:ctrlPr>
+                          <a:rPr lang="pt-BR" b="1" i="1">
+                            <a:latin typeface="Cambria Math" panose="02040503050406030204" pitchFamily="18" charset="0"/>
+                          </a:rPr>
+                        </m:ctrlPr>
+                      </m:sSubSupPr>
+                      <m:e>
+                        <m:r>
+                          <a:rPr lang="pt-BR" i="1">
+                            <a:latin typeface="Cambria Math" panose="02040503050406030204" pitchFamily="18" charset="0"/>
+                          </a:rPr>
+                          <m:t>h</m:t>
+                        </m:r>
+                      </m:e>
+                      <m:sub>
+                        <m:r>
+                          <a:rPr lang="pt-BR" b="1" i="1">
+                            <a:latin typeface="Cambria Math" panose="02040503050406030204" pitchFamily="18" charset="0"/>
+                          </a:rPr>
+                          <m:t>𝒂</m:t>
+                        </m:r>
+                      </m:sub>
+                      <m:sup>
+                        <m:r>
+                          <a:rPr lang="pt-BR" i="1">
+                            <a:latin typeface="Cambria Math" panose="02040503050406030204" pitchFamily="18" charset="0"/>
+                          </a:rPr>
+                          <m:t>𝑞</m:t>
+                        </m:r>
+                      </m:sup>
+                    </m:sSubSup>
+                    <m:d>
+                      <m:dPr>
+                        <m:ctrlPr>
+                          <a:rPr lang="pt-BR" i="1">
+                            <a:latin typeface="Cambria Math" panose="02040503050406030204" pitchFamily="18" charset="0"/>
+                          </a:rPr>
+                        </m:ctrlPr>
+                      </m:dPr>
+                      <m:e>
+                        <m:r>
+                          <a:rPr lang="pt-BR" b="1" i="1">
+                            <a:latin typeface="Cambria Math" panose="02040503050406030204" pitchFamily="18" charset="0"/>
+                          </a:rPr>
+                          <m:t>𝒙</m:t>
+                        </m:r>
+                        <m:d>
+                          <m:dPr>
+                            <m:ctrlPr>
+                              <a:rPr lang="pt-BR" b="1" i="1">
+                                <a:latin typeface="Cambria Math" panose="02040503050406030204" pitchFamily="18" charset="0"/>
+                              </a:rPr>
+                            </m:ctrlPr>
+                          </m:dPr>
+                          <m:e>
+                            <m:r>
+                              <a:rPr lang="pt-BR" i="1">
+                                <a:latin typeface="Cambria Math" panose="02040503050406030204" pitchFamily="18" charset="0"/>
+                              </a:rPr>
+                              <m:t>𝑖</m:t>
+                            </m:r>
+                          </m:e>
+                        </m:d>
+                      </m:e>
+                    </m:d>
+                    <m:r>
+                      <a:rPr lang="pt-BR" b="1" i="1">
+                        <a:latin typeface="Cambria Math" panose="02040503050406030204" pitchFamily="18" charset="0"/>
+                      </a:rPr>
+                      <m:t>,</m:t>
+                    </m:r>
+                  </m:oMath>
+                </a14:m>
+                <a:r>
+                  <a:rPr lang="pt-BR" dirty="0"/>
+                  <a:t> é obtida passando-se a </a:t>
+                </a:r>
+                <a:r>
+                  <a:rPr lang="pt-BR" b="1" i="1" dirty="0"/>
+                  <a:t>função discriminante </a:t>
+                </a:r>
+                <a:r>
+                  <a:rPr lang="pt-BR" dirty="0"/>
+                  <a:t>da </a:t>
+                </a:r>
+                <a14:m>
+                  <m:oMath xmlns:m="http://schemas.openxmlformats.org/officeDocument/2006/math">
+                    <m:r>
+                      <a:rPr lang="pt-BR" i="1">
+                        <a:latin typeface="Cambria Math" panose="02040503050406030204" pitchFamily="18" charset="0"/>
+                      </a:rPr>
+                      <m:t>𝑞</m:t>
+                    </m:r>
+                  </m:oMath>
+                </a14:m>
+                <a:r>
+                  <a:rPr lang="pt-BR" dirty="0"/>
+                  <a:t>-</a:t>
+                </a:r>
+                <a:r>
+                  <a:rPr lang="pt-BR" dirty="0" err="1"/>
+                  <a:t>ésima</a:t>
+                </a:r>
+                <a:r>
+                  <a:rPr lang="pt-BR" dirty="0"/>
+                  <a:t> classe, </a:t>
+                </a:r>
+                <a14:m>
+                  <m:oMath xmlns:m="http://schemas.openxmlformats.org/officeDocument/2006/math">
+                    <m:sSub>
+                      <m:sSubPr>
+                        <m:ctrlPr>
+                          <a:rPr lang="pt-BR" i="1">
+                            <a:latin typeface="Cambria Math" panose="02040503050406030204" pitchFamily="18" charset="0"/>
+                          </a:rPr>
+                        </m:ctrlPr>
+                      </m:sSubPr>
+                      <m:e>
+                        <m:r>
+                          <a:rPr lang="pt-BR" i="1">
+                            <a:latin typeface="Cambria Math" panose="02040503050406030204" pitchFamily="18" charset="0"/>
+                          </a:rPr>
+                          <m:t>𝑔</m:t>
+                        </m:r>
+                      </m:e>
+                      <m:sub>
+                        <m:r>
+                          <a:rPr lang="pt-BR" i="1">
+                            <a:latin typeface="Cambria Math" panose="02040503050406030204" pitchFamily="18" charset="0"/>
+                          </a:rPr>
+                          <m:t>𝑞</m:t>
+                        </m:r>
+                      </m:sub>
+                    </m:sSub>
+                    <m:r>
+                      <a:rPr lang="pt-BR" b="1" i="1">
+                        <a:latin typeface="Cambria Math" panose="02040503050406030204" pitchFamily="18" charset="0"/>
+                      </a:rPr>
+                      <m:t>(</m:t>
+                    </m:r>
+                    <m:r>
+                      <a:rPr lang="pt-BR" b="1" i="1">
+                        <a:latin typeface="Cambria Math" panose="02040503050406030204" pitchFamily="18" charset="0"/>
+                      </a:rPr>
+                      <m:t>𝒙</m:t>
+                    </m:r>
+                    <m:r>
+                      <a:rPr lang="pt-BR" i="1">
+                        <a:latin typeface="Cambria Math" panose="02040503050406030204" pitchFamily="18" charset="0"/>
+                      </a:rPr>
+                      <m:t>(</m:t>
+                    </m:r>
+                    <m:r>
+                      <a:rPr lang="pt-BR" i="1">
+                        <a:latin typeface="Cambria Math" panose="02040503050406030204" pitchFamily="18" charset="0"/>
+                      </a:rPr>
+                      <m:t>𝑖</m:t>
+                    </m:r>
+                    <m:r>
+                      <a:rPr lang="pt-BR" i="1">
+                        <a:latin typeface="Cambria Math" panose="02040503050406030204" pitchFamily="18" charset="0"/>
+                      </a:rPr>
+                      <m:t>)</m:t>
+                    </m:r>
+                    <m:r>
+                      <a:rPr lang="pt-BR" b="1" i="1">
+                        <a:latin typeface="Cambria Math" panose="02040503050406030204" pitchFamily="18" charset="0"/>
+                      </a:rPr>
+                      <m:t>)</m:t>
+                    </m:r>
+                  </m:oMath>
+                </a14:m>
+                <a:r>
+                  <a:rPr lang="pt-BR" dirty="0"/>
+                  <a:t>, através da </a:t>
+                </a:r>
+                <a:r>
+                  <a:rPr lang="pt-BR" b="1" i="1" dirty="0"/>
                   <a:t>função softmax</a:t>
                 </a:r>
                 <a:r>
-                  <a:rPr lang="pt-BR" dirty="0" smtClean="0"/>
-                  <a:t>, a qual </a:t>
-                </a:r>
-                <a:r>
-                  <a:rPr lang="pt-BR" dirty="0"/>
-                  <a:t>é definida </a:t>
-                </a:r>
-                <a:r>
-                  <a:rPr lang="pt-BR" dirty="0" smtClean="0"/>
-                  <a:t>como</a:t>
-                </a:r>
-                <a:endParaRPr lang="pt-BR" dirty="0"/>
+                  <a:rPr lang="pt-BR" dirty="0"/>
+                  <a:t>,</a:t>
+                </a:r>
               </a:p>
               <a:p>
                 <a:pPr marL="0" indent="0" algn="ctr">
@@ -14854,7 +15215,7 @@
                             <m:t>𝑖</m:t>
                           </m:r>
                           <m:r>
-                            <a:rPr lang="pt-BR" i="1" smtClean="0">
+                            <a:rPr lang="pt-BR" i="1">
                               <a:latin typeface="Cambria Math" panose="02040503050406030204" pitchFamily="18" charset="0"/>
                             </a:rPr>
                             <m:t>)</m:t>
@@ -14952,7 +15313,7 @@
                           <m:sSup>
                             <m:sSupPr>
                               <m:ctrlPr>
-                                <a:rPr lang="pt-BR" b="1" i="1" smtClean="0">
+                                <a:rPr lang="pt-BR" b="1" i="1">
                                   <a:latin typeface="Cambria Math" panose="02040503050406030204" pitchFamily="18" charset="0"/>
                                 </a:rPr>
                               </m:ctrlPr>
@@ -14976,7 +15337,7 @@
                                 </m:sSubPr>
                                 <m:e>
                                   <m:r>
-                                    <a:rPr lang="pt-BR" b="0" i="1" smtClean="0">
+                                    <a:rPr lang="pt-BR" i="1">
                                       <a:latin typeface="Cambria Math" panose="02040503050406030204" pitchFamily="18" charset="0"/>
                                     </a:rPr>
                                     <m:t>𝑔</m:t>
@@ -14984,7 +15345,7 @@
                                 </m:e>
                                 <m:sub>
                                   <m:r>
-                                    <a:rPr lang="pt-BR" b="0" i="1">
+                                    <a:rPr lang="pt-BR" i="1">
                                       <a:latin typeface="Cambria Math" panose="02040503050406030204" pitchFamily="18" charset="0"/>
                                     </a:rPr>
                                     <m:t>𝑞</m:t>
@@ -14992,37 +15353,37 @@
                                 </m:sub>
                               </m:sSub>
                               <m:r>
-                                <a:rPr lang="pt-BR" b="1" i="1" smtClean="0">
+                                <a:rPr lang="pt-BR" b="1" i="1">
                                   <a:latin typeface="Cambria Math" panose="02040503050406030204" pitchFamily="18" charset="0"/>
                                 </a:rPr>
                                 <m:t>(</m:t>
                               </m:r>
                               <m:r>
-                                <a:rPr lang="pt-BR" b="1" i="1" smtClean="0">
+                                <a:rPr lang="pt-BR" b="1" i="1">
                                   <a:latin typeface="Cambria Math" panose="02040503050406030204" pitchFamily="18" charset="0"/>
                                 </a:rPr>
                                 <m:t>𝒙</m:t>
                               </m:r>
                               <m:r>
-                                <a:rPr lang="pt-BR" b="0" i="1" smtClean="0">
+                                <a:rPr lang="pt-BR" i="1">
                                   <a:latin typeface="Cambria Math" panose="02040503050406030204" pitchFamily="18" charset="0"/>
                                 </a:rPr>
                                 <m:t>(</m:t>
                               </m:r>
                               <m:r>
-                                <a:rPr lang="pt-BR" b="0" i="1" smtClean="0">
+                                <a:rPr lang="pt-BR" i="1">
                                   <a:latin typeface="Cambria Math" panose="02040503050406030204" pitchFamily="18" charset="0"/>
                                 </a:rPr>
                                 <m:t>𝑖</m:t>
                               </m:r>
                               <m:r>
-                                <a:rPr lang="pt-BR" b="0" i="1" smtClean="0">
+                                <a:rPr lang="pt-BR" i="1">
                                   <a:latin typeface="Cambria Math" panose="02040503050406030204" pitchFamily="18" charset="0"/>
                                 </a:rPr>
                                 <m:t>)</m:t>
                               </m:r>
                               <m:r>
-                                <a:rPr lang="pt-BR" b="1" i="1" smtClean="0">
+                                <a:rPr lang="pt-BR" b="1" i="1">
                                   <a:latin typeface="Cambria Math" panose="02040503050406030204" pitchFamily="18" charset="0"/>
                                 </a:rPr>
                                 <m:t>)</m:t>
@@ -15098,7 +15459,7 @@
                                     </m:e>
                                     <m:sub>
                                       <m:r>
-                                        <a:rPr lang="pt-BR" b="0" i="1" smtClean="0">
+                                        <a:rPr lang="pt-BR" i="1">
                                           <a:latin typeface="Cambria Math" panose="02040503050406030204" pitchFamily="18" charset="0"/>
                                         </a:rPr>
                                         <m:t>𝑗</m:t>
@@ -15148,7 +15509,7 @@
                         </m:den>
                       </m:f>
                       <m:r>
-                        <a:rPr lang="pt-BR" b="1" i="1" smtClean="0">
+                        <a:rPr lang="pt-BR" b="1" i="1">
                           <a:latin typeface="Cambria Math" panose="02040503050406030204" pitchFamily="18" charset="0"/>
                         </a:rPr>
                         <m:t>=</m:t>
@@ -15373,34 +15734,34 @@
                         </m:den>
                       </m:f>
                       <m:r>
-                        <a:rPr lang="pt-BR" b="1" i="1" smtClean="0">
+                        <a:rPr lang="pt-BR" b="1" i="1">
                           <a:latin typeface="Cambria Math" panose="02040503050406030204" pitchFamily="18" charset="0"/>
                           <a:ea typeface="Cambria Math" panose="02040503050406030204" pitchFamily="18" charset="0"/>
                         </a:rPr>
                         <m:t>∈</m:t>
                       </m:r>
                       <m:r>
-                        <a:rPr lang="pt-BR" b="1" i="1" smtClean="0">
+                        <a:rPr lang="pt-BR" b="1" i="1">
                           <a:latin typeface="Cambria Math" panose="02040503050406030204" pitchFamily="18" charset="0"/>
                           <a:ea typeface="Cambria Math" panose="02040503050406030204" pitchFamily="18" charset="0"/>
                         </a:rPr>
                         <m:t>ℝ</m:t>
                       </m:r>
                       <m:r>
-                        <a:rPr lang="pt-BR" b="1" i="1" smtClean="0">
+                        <a:rPr lang="pt-BR" b="1" i="1">
                           <a:latin typeface="Cambria Math" panose="02040503050406030204" pitchFamily="18" charset="0"/>
                           <a:ea typeface="Cambria Math" panose="02040503050406030204" pitchFamily="18" charset="0"/>
                         </a:rPr>
                         <m:t> [</m:t>
                       </m:r>
                       <m:r>
-                        <a:rPr lang="pt-BR" b="0" i="0" smtClean="0">
+                        <a:rPr lang="pt-BR">
                           <a:latin typeface="Cambria Math" panose="02040503050406030204" pitchFamily="18" charset="0"/>
                         </a:rPr>
                         <m:t>0,1</m:t>
                       </m:r>
                       <m:r>
-                        <a:rPr lang="pt-BR" b="1" i="1" smtClean="0">
+                        <a:rPr lang="pt-BR" b="1" i="1">
                           <a:latin typeface="Cambria Math" panose="02040503050406030204" pitchFamily="18" charset="0"/>
                         </a:rPr>
                         <m:t>]</m:t>
@@ -15665,7 +16026,7 @@
                 </a:r>
                 <a:r>
                   <a:rPr lang="pt-BR" dirty="0"/>
-                  <a:t>associado à </a:t>
+                  <a:t>da </a:t>
                 </a:r>
                 <a14:m>
                   <m:oMath xmlns:m="http://schemas.openxmlformats.org/officeDocument/2006/math">
@@ -15679,108 +16040,92 @@
                 </a14:m>
                 <a:r>
                   <a:rPr lang="pt-BR" dirty="0"/>
-                  <a:t>-ésima saída do classificador, </a:t>
+                  <a:t>-</a:t>
+                </a:r>
+                <a:r>
+                  <a:rPr lang="pt-BR" dirty="0" err="1"/>
+                  <a:t>ésima</a:t>
+                </a:r>
+                <a:r>
+                  <a:rPr lang="pt-BR" dirty="0"/>
+                  <a:t> </a:t>
+                </a:r>
+                <a:r>
+                  <a:rPr lang="pt-BR" b="1" i="1" dirty="0"/>
+                  <a:t>função discriminante</a:t>
+                </a:r>
+                <a:r>
+                  <a:rPr lang="pt-BR" dirty="0"/>
+                  <a:t>, </a:t>
                 </a:r>
                 <a14:m>
                   <m:oMath xmlns:m="http://schemas.openxmlformats.org/officeDocument/2006/math">
-                    <m:sSubSup>
-                      <m:sSubSupPr>
+                    <m:sSub>
+                      <m:sSubPr>
                         <m:ctrlPr>
-                          <a:rPr lang="pt-BR" b="1" i="1">
+                          <a:rPr lang="pt-BR" i="1">
                             <a:latin typeface="Cambria Math" panose="02040503050406030204" pitchFamily="18" charset="0"/>
                           </a:rPr>
                         </m:ctrlPr>
-                      </m:sSubSupPr>
+                      </m:sSubPr>
                       <m:e>
                         <m:r>
                           <a:rPr lang="pt-BR" i="1">
                             <a:latin typeface="Cambria Math" panose="02040503050406030204" pitchFamily="18" charset="0"/>
                           </a:rPr>
-                          <m:t>h</m:t>
+                          <m:t>𝑔</m:t>
                         </m:r>
                       </m:e>
                       <m:sub>
                         <m:r>
-                          <a:rPr lang="pt-BR" b="1" i="1">
-                            <a:latin typeface="Cambria Math" panose="02040503050406030204" pitchFamily="18" charset="0"/>
-                          </a:rPr>
-                          <m:t>𝒂</m:t>
+                          <a:rPr lang="pt-BR" i="1">
+                            <a:latin typeface="Cambria Math" panose="02040503050406030204" pitchFamily="18" charset="0"/>
+                          </a:rPr>
+                          <m:t>𝑞</m:t>
                         </m:r>
                       </m:sub>
-                      <m:sup>
-                        <m:r>
-                          <a:rPr lang="pt-BR" i="1">
-                            <a:latin typeface="Cambria Math" panose="02040503050406030204" pitchFamily="18" charset="0"/>
-                          </a:rPr>
-                          <m:t>𝑞</m:t>
-                        </m:r>
-                      </m:sup>
-                    </m:sSubSup>
-                    <m:d>
-                      <m:dPr>
-                        <m:ctrlPr>
-                          <a:rPr lang="pt-BR" i="1">
-                            <a:latin typeface="Cambria Math" panose="02040503050406030204" pitchFamily="18" charset="0"/>
-                          </a:rPr>
-                        </m:ctrlPr>
-                      </m:dPr>
-                      <m:e>
-                        <m:r>
-                          <a:rPr lang="pt-BR" b="1" i="1">
-                            <a:latin typeface="Cambria Math" panose="02040503050406030204" pitchFamily="18" charset="0"/>
-                          </a:rPr>
-                          <m:t>𝒙</m:t>
-                        </m:r>
-                        <m:d>
-                          <m:dPr>
-                            <m:ctrlPr>
-                              <a:rPr lang="pt-BR" b="1" i="1">
-                                <a:latin typeface="Cambria Math" panose="02040503050406030204" pitchFamily="18" charset="0"/>
-                              </a:rPr>
-                            </m:ctrlPr>
-                          </m:dPr>
-                          <m:e>
-                            <m:r>
-                              <a:rPr lang="pt-BR" i="1">
-                                <a:latin typeface="Cambria Math" panose="02040503050406030204" pitchFamily="18" charset="0"/>
-                              </a:rPr>
-                              <m:t>𝑖</m:t>
-                            </m:r>
-                          </m:e>
-                        </m:d>
-                      </m:e>
-                    </m:d>
-                  </m:oMath>
-                </a14:m>
-                <a:r>
-                  <a:rPr lang="pt-BR" dirty="0"/>
-                  <a:t> é a </a:t>
-                </a:r>
-                <a:r>
-                  <a:rPr lang="pt-BR" b="1" i="1" dirty="0"/>
-                  <a:t>função hipótese </a:t>
-                </a:r>
-                <a:r>
-                  <a:rPr lang="pt-BR" dirty="0"/>
-                  <a:t>associada à </a:t>
-                </a:r>
-                <a14:m>
-                  <m:oMath xmlns:m="http://schemas.openxmlformats.org/officeDocument/2006/math">
+                    </m:sSub>
+                    <m:r>
+                      <a:rPr lang="pt-BR" b="1" i="1">
+                        <a:latin typeface="Cambria Math" panose="02040503050406030204" pitchFamily="18" charset="0"/>
+                      </a:rPr>
+                      <m:t>(</m:t>
+                    </m:r>
+                    <m:r>
+                      <a:rPr lang="pt-BR" b="1" i="1">
+                        <a:latin typeface="Cambria Math" panose="02040503050406030204" pitchFamily="18" charset="0"/>
+                      </a:rPr>
+                      <m:t>𝒙</m:t>
+                    </m:r>
                     <m:r>
                       <a:rPr lang="pt-BR" i="1">
                         <a:latin typeface="Cambria Math" panose="02040503050406030204" pitchFamily="18" charset="0"/>
                       </a:rPr>
-                      <m:t>𝑞</m:t>
+                      <m:t>(</m:t>
+                    </m:r>
+                    <m:r>
+                      <a:rPr lang="pt-BR" i="1">
+                        <a:latin typeface="Cambria Math" panose="02040503050406030204" pitchFamily="18" charset="0"/>
+                      </a:rPr>
+                      <m:t>𝑖</m:t>
+                    </m:r>
+                    <m:r>
+                      <a:rPr lang="pt-BR" i="1">
+                        <a:latin typeface="Cambria Math" panose="02040503050406030204" pitchFamily="18" charset="0"/>
+                      </a:rPr>
+                      <m:t>)</m:t>
+                    </m:r>
+                    <m:r>
+                      <a:rPr lang="pt-BR" b="1" i="1">
+                        <a:latin typeface="Cambria Math" panose="02040503050406030204" pitchFamily="18" charset="0"/>
+                      </a:rPr>
+                      <m:t>)</m:t>
                     </m:r>
                   </m:oMath>
                 </a14:m>
                 <a:r>
                   <a:rPr lang="pt-BR" dirty="0"/>
-                  <a:t>-ésima </a:t>
-                </a:r>
-                <a:r>
-                  <a:rPr lang="pt-BR" dirty="0" smtClean="0"/>
-                  <a:t>classe, </a:t>
+                  <a:t>, e </a:t>
                 </a:r>
                 <a14:m>
                   <m:oMath xmlns:m="http://schemas.openxmlformats.org/officeDocument/2006/math">
@@ -15793,16 +16138,114 @@
                   </m:oMath>
                 </a14:m>
                 <a:r>
-                  <a:rPr lang="pt-BR" dirty="0" smtClean="0"/>
-                  <a:t> indica o número da amostra  </a:t>
-                </a:r>
-                <a:r>
-                  <a:rPr lang="pt-BR" dirty="0"/>
-                  <a:t>e </a:t>
+                  <a:rPr lang="pt-BR" dirty="0"/>
+                  <a:t> indica o número da amostra.</a:t>
                 </a:r>
               </a:p>
               <a:p>
-                <a:pPr marL="0" indent="0">
+                <a:r>
+                  <a:rPr lang="pt-BR" dirty="0"/>
+                  <a:t>Assim como com o regressor logístico, podemos usar equações de </a:t>
+                </a:r>
+                <a:r>
+                  <a:rPr lang="pt-BR" b="1" i="1" dirty="0"/>
+                  <a:t>hiperplanos</a:t>
+                </a:r>
+                <a:r>
+                  <a:rPr lang="pt-BR" dirty="0"/>
+                  <a:t> ou </a:t>
+                </a:r>
+                <a:r>
+                  <a:rPr lang="pt-BR" b="1" i="1" dirty="0"/>
+                  <a:t>polinomiais</a:t>
+                </a:r>
+                <a:r>
+                  <a:rPr lang="pt-BR" dirty="0"/>
+                  <a:t> como </a:t>
+                </a:r>
+                <a:r>
+                  <a:rPr lang="pt-BR" b="1" i="1" dirty="0"/>
+                  <a:t>funções discriminantes</a:t>
+                </a:r>
+                <a:r>
+                  <a:rPr lang="pt-BR" dirty="0"/>
+                  <a:t>.</a:t>
+                </a:r>
+              </a:p>
+              <a:p>
+                <a:r>
+                  <a:rPr lang="pt-BR" dirty="0"/>
+                  <a:t>Assim, a </a:t>
+                </a:r>
+                <a:r>
+                  <a:rPr lang="pt-BR" b="1" i="1" dirty="0"/>
+                  <a:t>função softmax</a:t>
+                </a:r>
+                <a:r>
+                  <a:rPr lang="pt-BR" dirty="0"/>
+                  <a:t> estende a ideia do </a:t>
+                </a:r>
+                <a:r>
+                  <a:rPr lang="pt-BR" b="1" i="1" dirty="0"/>
+                  <a:t>regressor logístico </a:t>
+                </a:r>
+                <a:r>
+                  <a:rPr lang="pt-BR" dirty="0"/>
+                  <a:t>ao mundo </a:t>
+                </a:r>
+                <a:r>
+                  <a:rPr lang="pt-BR" dirty="0" err="1"/>
+                  <a:t>multi-classes</a:t>
+                </a:r>
+                <a:r>
+                  <a:rPr lang="pt-BR" dirty="0"/>
+                  <a:t>. </a:t>
+                </a:r>
+              </a:p>
+              <a:p>
+                <a:r>
+                  <a:rPr lang="pt-BR" dirty="0"/>
+                  <a:t>Ou seja, a </a:t>
+                </a:r>
+                <a:r>
+                  <a:rPr lang="pt-BR" b="1" i="1" dirty="0"/>
+                  <a:t>função softmax </a:t>
+                </a:r>
+                <a:r>
+                  <a:rPr lang="pt-BR" dirty="0"/>
+                  <a:t>atribui uma </a:t>
+                </a:r>
+                <a:r>
+                  <a:rPr lang="pt-BR" b="1" i="1" dirty="0"/>
+                  <a:t>probabilidade condicional</a:t>
+                </a:r>
+                <a:r>
+                  <a:rPr lang="pt-BR" dirty="0"/>
+                  <a:t> a cada classe em um problema com múltiplas classes (</a:t>
+                </a:r>
+                <a14:m>
+                  <m:oMath xmlns:m="http://schemas.openxmlformats.org/officeDocument/2006/math">
+                    <m:r>
+                      <a:rPr lang="pt-BR" b="0" i="1" smtClean="0">
+                        <a:latin typeface="Cambria Math" panose="02040503050406030204" pitchFamily="18" charset="0"/>
+                      </a:rPr>
+                      <m:t>𝑄</m:t>
+                    </m:r>
+                    <m:r>
+                      <a:rPr lang="pt-BR" b="0" i="1" smtClean="0">
+                        <a:latin typeface="Cambria Math" panose="02040503050406030204" pitchFamily="18" charset="0"/>
+                      </a:rPr>
+                      <m:t>&gt;2</m:t>
+                    </m:r>
+                  </m:oMath>
+                </a14:m>
+                <a:r>
+                  <a:rPr lang="pt-BR" dirty="0"/>
+                  <a:t>), onde a soma destas probabilidades deve ser igual a 1</a:t>
+                </a:r>
+              </a:p>
+              <a:p>
+                <a:pPr marL="457200" lvl="1" indent="0">
                   <a:buNone/>
                 </a:pPr>
                 <a14:m>
@@ -15811,14 +16254,20 @@
                       <m:jc m:val="centerGroup"/>
                     </m:oMathParaPr>
                     <m:oMath xmlns:m="http://schemas.openxmlformats.org/officeDocument/2006/math">
-                      <m:sSup>
-                        <m:sSupPr>
+                      <m:r>
+                        <a:rPr lang="pt-BR" i="1">
+                          <a:latin typeface="Cambria Math" panose="02040503050406030204" pitchFamily="18" charset="0"/>
+                        </a:rPr>
+                        <m:t>𝑃</m:t>
+                      </m:r>
+                      <m:d>
+                        <m:dPr>
                           <m:ctrlPr>
                             <a:rPr lang="pt-BR" i="1">
                               <a:latin typeface="Cambria Math" panose="02040503050406030204" pitchFamily="18" charset="0"/>
                             </a:rPr>
                           </m:ctrlPr>
-                        </m:sSupPr>
+                        </m:dPr>
                         <m:e>
                           <m:sSub>
                             <m:sSubPr>
@@ -15833,57 +16282,23 @@
                                 <a:rPr lang="pt-BR" i="1">
                                   <a:latin typeface="Cambria Math" panose="02040503050406030204" pitchFamily="18" charset="0"/>
                                 </a:rPr>
-                                <m:t>𝑔</m:t>
+                                <m:t>𝐶</m:t>
                               </m:r>
                             </m:e>
                             <m:sub>
                               <m:r>
-                                <a:rPr lang="pt-BR" i="1">
+                                <a:rPr lang="pt-BR" b="0" i="1" smtClean="0">
                                   <a:latin typeface="Cambria Math" panose="02040503050406030204" pitchFamily="18" charset="0"/>
                                 </a:rPr>
-                                <m:t>𝑞</m:t>
+                                <m:t>1</m:t>
                               </m:r>
                             </m:sub>
                           </m:sSub>
-                          <m:d>
-                            <m:dPr>
-                              <m:ctrlPr>
-                                <a:rPr lang="pt-BR" b="1" i="1">
-                                  <a:latin typeface="Cambria Math" panose="02040503050406030204" pitchFamily="18" charset="0"/>
-                                </a:rPr>
-                              </m:ctrlPr>
-                            </m:dPr>
-                            <m:e>
-                              <m:r>
-                                <a:rPr lang="pt-BR" b="1" i="1">
-                                  <a:latin typeface="Cambria Math" panose="02040503050406030204" pitchFamily="18" charset="0"/>
-                                </a:rPr>
-                                <m:t>𝒙</m:t>
-                              </m:r>
-                              <m:d>
-                                <m:dPr>
-                                  <m:ctrlPr>
-                                    <a:rPr lang="pt-BR" b="1" i="1">
-                                      <a:latin typeface="Cambria Math" panose="02040503050406030204" pitchFamily="18" charset="0"/>
-                                    </a:rPr>
-                                  </m:ctrlPr>
-                                </m:dPr>
-                                <m:e>
-                                  <m:r>
-                                    <a:rPr lang="pt-BR" i="1">
-                                      <a:latin typeface="Cambria Math" panose="02040503050406030204" pitchFamily="18" charset="0"/>
-                                    </a:rPr>
-                                    <m:t>𝑖</m:t>
-                                  </m:r>
-                                </m:e>
-                              </m:d>
-                            </m:e>
-                          </m:d>
                           <m:r>
-                            <a:rPr lang="pt-BR" b="1" i="1" smtClean="0">
+                            <a:rPr lang="pt-BR" i="1">
                               <a:latin typeface="Cambria Math" panose="02040503050406030204" pitchFamily="18" charset="0"/>
                             </a:rPr>
-                            <m:t>=</m:t>
+                            <m:t> |</m:t>
                           </m:r>
                           <m:r>
                             <a:rPr lang="pt-BR" b="1" i="1">
@@ -15891,163 +16306,28 @@
                             </a:rPr>
                             <m:t>𝒙</m:t>
                           </m:r>
-                          <m:d>
-                            <m:dPr>
-                              <m:ctrlPr>
-                                <a:rPr lang="pt-BR" b="1" i="1">
-                                  <a:latin typeface="Cambria Math" panose="02040503050406030204" pitchFamily="18" charset="0"/>
-                                </a:rPr>
-                              </m:ctrlPr>
-                            </m:dPr>
-                            <m:e>
-                              <m:r>
-                                <a:rPr lang="pt-BR" i="1">
-                                  <a:latin typeface="Cambria Math" panose="02040503050406030204" pitchFamily="18" charset="0"/>
-                                </a:rPr>
-                                <m:t>𝑖</m:t>
-                              </m:r>
-                            </m:e>
-                          </m:d>
-                        </m:e>
-                        <m:sup>
                           <m:r>
                             <a:rPr lang="pt-BR" i="1">
                               <a:latin typeface="Cambria Math" panose="02040503050406030204" pitchFamily="18" charset="0"/>
                             </a:rPr>
-                            <m:t>𝑇</m:t>
+                            <m:t>(</m:t>
                           </m:r>
-                        </m:sup>
-                      </m:sSup>
-                      <m:sSub>
-                        <m:sSubPr>
-                          <m:ctrlPr>
-                            <a:rPr lang="pt-BR" b="1" i="1">
-                              <a:latin typeface="Cambria Math" panose="02040503050406030204" pitchFamily="18" charset="0"/>
-                            </a:rPr>
-                          </m:ctrlPr>
-                        </m:sSubPr>
-                        <m:e>
-                          <m:r>
-                            <a:rPr lang="pt-BR" b="1" i="1">
-                              <a:latin typeface="Cambria Math" panose="02040503050406030204" pitchFamily="18" charset="0"/>
-                            </a:rPr>
-                            <m:t>𝒂</m:t>
-                          </m:r>
-                        </m:e>
-                        <m:sub>
                           <m:r>
                             <a:rPr lang="pt-BR" i="1">
                               <a:latin typeface="Cambria Math" panose="02040503050406030204" pitchFamily="18" charset="0"/>
                             </a:rPr>
-                            <m:t>𝑞</m:t>
+                            <m:t>𝑖</m:t>
                           </m:r>
-                        </m:sub>
-                      </m:sSub>
-                      <m:r>
-                        <a:rPr lang="pt-BR" b="0" i="1" smtClean="0">
-                          <a:latin typeface="Cambria Math" panose="02040503050406030204" pitchFamily="18" charset="0"/>
-                        </a:rPr>
-                        <m:t>=</m:t>
-                      </m:r>
-                      <m:sSubSup>
-                        <m:sSubSupPr>
-                          <m:ctrlPr>
-                            <a:rPr lang="pt-BR" i="1">
-                              <a:latin typeface="Cambria Math" panose="02040503050406030204" pitchFamily="18" charset="0"/>
-                            </a:rPr>
-                          </m:ctrlPr>
-                        </m:sSubSupPr>
-                        <m:e>
                           <m:r>
                             <a:rPr lang="pt-BR" i="1">
                               <a:latin typeface="Cambria Math" panose="02040503050406030204" pitchFamily="18" charset="0"/>
                             </a:rPr>
-                            <m:t>𝑎</m:t>
+                            <m:t>)</m:t>
                           </m:r>
                         </m:e>
-                        <m:sub>
-                          <m:r>
-                            <a:rPr lang="pt-BR" i="1">
-                              <a:latin typeface="Cambria Math" panose="02040503050406030204" pitchFamily="18" charset="0"/>
-                            </a:rPr>
-                            <m:t>0</m:t>
-                          </m:r>
-                        </m:sub>
-                        <m:sup>
-                          <m:r>
-                            <a:rPr lang="pt-BR" i="1">
-                              <a:latin typeface="Cambria Math" panose="02040503050406030204" pitchFamily="18" charset="0"/>
-                            </a:rPr>
-                            <m:t>𝑞</m:t>
-                          </m:r>
-                        </m:sup>
-                      </m:sSubSup>
+                      </m:d>
                       <m:r>
-                        <a:rPr lang="pt-BR" i="1">
-                          <a:latin typeface="Cambria Math" panose="02040503050406030204" pitchFamily="18" charset="0"/>
-                        </a:rPr>
-                        <m:t>+</m:t>
-                      </m:r>
-                      <m:sSubSup>
-                        <m:sSubSupPr>
-                          <m:ctrlPr>
-                            <a:rPr lang="pt-BR" i="1">
-                              <a:latin typeface="Cambria Math" panose="02040503050406030204" pitchFamily="18" charset="0"/>
-                            </a:rPr>
-                          </m:ctrlPr>
-                        </m:sSubSupPr>
-                        <m:e>
-                          <m:r>
-                            <a:rPr lang="pt-BR" i="1">
-                              <a:latin typeface="Cambria Math" panose="02040503050406030204" pitchFamily="18" charset="0"/>
-                            </a:rPr>
-                            <m:t>𝑎</m:t>
-                          </m:r>
-                        </m:e>
-                        <m:sub>
-                          <m:r>
-                            <a:rPr lang="pt-BR" i="1">
-                              <a:latin typeface="Cambria Math" panose="02040503050406030204" pitchFamily="18" charset="0"/>
-                            </a:rPr>
-                            <m:t>1</m:t>
-                          </m:r>
-                        </m:sub>
-                        <m:sup>
-                          <m:r>
-                            <a:rPr lang="pt-BR" i="1">
-                              <a:latin typeface="Cambria Math" panose="02040503050406030204" pitchFamily="18" charset="0"/>
-                            </a:rPr>
-                            <m:t>𝑞</m:t>
-                          </m:r>
-                        </m:sup>
-                      </m:sSubSup>
-                      <m:sSub>
-                        <m:sSubPr>
-                          <m:ctrlPr>
-                            <a:rPr lang="pt-BR" i="1">
-                              <a:latin typeface="Cambria Math" panose="02040503050406030204" pitchFamily="18" charset="0"/>
-                            </a:rPr>
-                          </m:ctrlPr>
-                        </m:sSubPr>
-                        <m:e>
-                          <m:r>
-                            <a:rPr lang="pt-BR" i="1">
-                              <a:latin typeface="Cambria Math" panose="02040503050406030204" pitchFamily="18" charset="0"/>
-                            </a:rPr>
-                            <m:t>𝑥</m:t>
-                          </m:r>
-                        </m:e>
-                        <m:sub>
-                          <m:r>
-                            <a:rPr lang="pt-BR" i="1">
-                              <a:latin typeface="Cambria Math" panose="02040503050406030204" pitchFamily="18" charset="0"/>
-                            </a:rPr>
-                            <m:t>1</m:t>
-                          </m:r>
-                        </m:sub>
-                      </m:sSub>
-                      <m:r>
-                        <a:rPr lang="pt-BR" i="1">
+                        <a:rPr lang="pt-BR" b="0" i="1" smtClean="0">
                           <a:latin typeface="Cambria Math" panose="02040503050406030204" pitchFamily="18" charset="0"/>
                         </a:rPr>
                         <m:t>+</m:t>
@@ -16055,181 +16335,18 @@
                       <m:r>
                         <a:rPr lang="pt-BR" i="1">
                           <a:latin typeface="Cambria Math" panose="02040503050406030204" pitchFamily="18" charset="0"/>
-                          <a:ea typeface="Cambria Math" panose="02040503050406030204" pitchFamily="18" charset="0"/>
                         </a:rPr>
-                        <m:t>⋯+</m:t>
+                        <m:t>𝑃</m:t>
                       </m:r>
-                      <m:sSubSup>
-                        <m:sSubSupPr>
+                      <m:d>
+                        <m:dPr>
                           <m:ctrlPr>
                             <a:rPr lang="pt-BR" i="1">
                               <a:latin typeface="Cambria Math" panose="02040503050406030204" pitchFamily="18" charset="0"/>
                             </a:rPr>
                           </m:ctrlPr>
-                        </m:sSubSupPr>
+                        </m:dPr>
                         <m:e>
-                          <m:r>
-                            <a:rPr lang="pt-BR" i="1">
-                              <a:latin typeface="Cambria Math" panose="02040503050406030204" pitchFamily="18" charset="0"/>
-                            </a:rPr>
-                            <m:t>𝑎</m:t>
-                          </m:r>
-                        </m:e>
-                        <m:sub>
-                          <m:r>
-                            <a:rPr lang="pt-BR" i="1">
-                              <a:latin typeface="Cambria Math" panose="02040503050406030204" pitchFamily="18" charset="0"/>
-                            </a:rPr>
-                            <m:t>𝐾</m:t>
-                          </m:r>
-                        </m:sub>
-                        <m:sup>
-                          <m:r>
-                            <a:rPr lang="pt-BR" i="1">
-                              <a:latin typeface="Cambria Math" panose="02040503050406030204" pitchFamily="18" charset="0"/>
-                            </a:rPr>
-                            <m:t>𝑞</m:t>
-                          </m:r>
-                        </m:sup>
-                      </m:sSubSup>
-                      <m:sSub>
-                        <m:sSubPr>
-                          <m:ctrlPr>
-                            <a:rPr lang="pt-BR" i="1">
-                              <a:latin typeface="Cambria Math" panose="02040503050406030204" pitchFamily="18" charset="0"/>
-                            </a:rPr>
-                          </m:ctrlPr>
-                        </m:sSubPr>
-                        <m:e>
-                          <m:r>
-                            <a:rPr lang="pt-BR" i="1">
-                              <a:latin typeface="Cambria Math" panose="02040503050406030204" pitchFamily="18" charset="0"/>
-                            </a:rPr>
-                            <m:t>𝑥</m:t>
-                          </m:r>
-                        </m:e>
-                        <m:sub>
-                          <m:r>
-                            <a:rPr lang="pt-BR" i="1">
-                              <a:latin typeface="Cambria Math" panose="02040503050406030204" pitchFamily="18" charset="0"/>
-                            </a:rPr>
-                            <m:t>𝐾</m:t>
-                          </m:r>
-                        </m:sub>
-                      </m:sSub>
-                      <m:r>
-                        <a:rPr lang="pt-BR" i="1">
-                          <a:latin typeface="Cambria Math" panose="02040503050406030204" pitchFamily="18" charset="0"/>
-                        </a:rPr>
-                        <m:t>=</m:t>
-                      </m:r>
-                      <m:sSubSup>
-                        <m:sSubSupPr>
-                          <m:ctrlPr>
-                            <a:rPr lang="pt-BR" i="1">
-                              <a:latin typeface="Cambria Math" panose="02040503050406030204" pitchFamily="18" charset="0"/>
-                            </a:rPr>
-                          </m:ctrlPr>
-                        </m:sSubSupPr>
-                        <m:e>
-                          <m:r>
-                            <a:rPr lang="pt-BR" i="1">
-                              <a:latin typeface="Cambria Math" panose="02040503050406030204" pitchFamily="18" charset="0"/>
-                            </a:rPr>
-                            <m:t>𝑎</m:t>
-                          </m:r>
-                        </m:e>
-                        <m:sub>
-                          <m:r>
-                            <a:rPr lang="pt-BR" i="1">
-                              <a:latin typeface="Cambria Math" panose="02040503050406030204" pitchFamily="18" charset="0"/>
-                            </a:rPr>
-                            <m:t>0</m:t>
-                          </m:r>
-                        </m:sub>
-                        <m:sup>
-                          <m:r>
-                            <a:rPr lang="pt-BR" i="1">
-                              <a:latin typeface="Cambria Math" panose="02040503050406030204" pitchFamily="18" charset="0"/>
-                            </a:rPr>
-                            <m:t>𝑞</m:t>
-                          </m:r>
-                        </m:sup>
-                      </m:sSubSup>
-                      <m:r>
-                        <a:rPr lang="pt-BR" i="1">
-                          <a:latin typeface="Cambria Math" panose="02040503050406030204" pitchFamily="18" charset="0"/>
-                        </a:rPr>
-                        <m:t>+</m:t>
-                      </m:r>
-                      <m:nary>
-                        <m:naryPr>
-                          <m:chr m:val="∑"/>
-                          <m:ctrlPr>
-                            <a:rPr lang="pt-BR" i="1">
-                              <a:latin typeface="Cambria Math" panose="02040503050406030204" pitchFamily="18" charset="0"/>
-                            </a:rPr>
-                          </m:ctrlPr>
-                        </m:naryPr>
-                        <m:sub>
-                          <m:r>
-                            <m:rPr>
-                              <m:brk m:alnAt="23"/>
-                            </m:rPr>
-                            <a:rPr lang="pt-BR" i="1">
-                              <a:latin typeface="Cambria Math" panose="02040503050406030204" pitchFamily="18" charset="0"/>
-                            </a:rPr>
-                            <m:t>𝑘</m:t>
-                          </m:r>
-                          <m:r>
-                            <a:rPr lang="pt-BR" i="1">
-                              <a:latin typeface="Cambria Math" panose="02040503050406030204" pitchFamily="18" charset="0"/>
-                            </a:rPr>
-                            <m:t>=1</m:t>
-                          </m:r>
-                        </m:sub>
-                        <m:sup>
-                          <m:r>
-                            <a:rPr lang="pt-BR" i="1">
-                              <a:latin typeface="Cambria Math" panose="02040503050406030204" pitchFamily="18" charset="0"/>
-                            </a:rPr>
-                            <m:t>𝐾</m:t>
-                          </m:r>
-                        </m:sup>
-                        <m:e>
-                          <m:sSubSup>
-                            <m:sSubSupPr>
-                              <m:ctrlPr>
-                                <a:rPr lang="pt-BR" i="1">
-                                  <a:latin typeface="Cambria Math" panose="02040503050406030204" pitchFamily="18" charset="0"/>
-                                </a:rPr>
-                              </m:ctrlPr>
-                            </m:sSubSupPr>
-                            <m:e>
-                              <m:r>
-                                <a:rPr lang="pt-BR" i="1">
-                                  <a:latin typeface="Cambria Math" panose="02040503050406030204" pitchFamily="18" charset="0"/>
-                                </a:rPr>
-                                <m:t>𝑎</m:t>
-                              </m:r>
-                            </m:e>
-                            <m:sub>
-                              <m:r>
-                                <a:rPr lang="pt-BR" i="1">
-                                  <a:latin typeface="Cambria Math" panose="02040503050406030204" pitchFamily="18" charset="0"/>
-                                </a:rPr>
-                                <m:t>𝑘</m:t>
-                              </m:r>
-                            </m:sub>
-                            <m:sup>
-                              <m:r>
-                                <a:rPr lang="pt-BR" i="1">
-                                  <a:latin typeface="Cambria Math" panose="02040503050406030204" pitchFamily="18" charset="0"/>
-                                </a:rPr>
-                                <m:t>𝑞</m:t>
-                              </m:r>
-                            </m:sup>
-                          </m:sSubSup>
                           <m:sSub>
                             <m:sSubPr>
                               <m:ctrlPr>
@@ -16243,25 +16360,140 @@
                                 <a:rPr lang="pt-BR" i="1">
                                   <a:latin typeface="Cambria Math" panose="02040503050406030204" pitchFamily="18" charset="0"/>
                                 </a:rPr>
-                                <m:t>𝑥</m:t>
+                                <m:t>𝐶</m:t>
                               </m:r>
                             </m:e>
                             <m:sub>
                               <m:r>
-                                <a:rPr lang="pt-BR" i="1">
+                                <a:rPr lang="pt-BR" b="0" i="1" smtClean="0">
                                   <a:latin typeface="Cambria Math" panose="02040503050406030204" pitchFamily="18" charset="0"/>
                                 </a:rPr>
-                                <m:t>𝑘</m:t>
+                                <m:t>2</m:t>
                               </m:r>
                             </m:sub>
                           </m:sSub>
+                          <m:r>
+                            <a:rPr lang="pt-BR" i="1">
+                              <a:latin typeface="Cambria Math" panose="02040503050406030204" pitchFamily="18" charset="0"/>
+                            </a:rPr>
+                            <m:t> |</m:t>
+                          </m:r>
+                          <m:r>
+                            <a:rPr lang="pt-BR" b="1" i="1">
+                              <a:latin typeface="Cambria Math" panose="02040503050406030204" pitchFamily="18" charset="0"/>
+                            </a:rPr>
+                            <m:t>𝒙</m:t>
+                          </m:r>
+                          <m:r>
+                            <a:rPr lang="pt-BR" i="1">
+                              <a:latin typeface="Cambria Math" panose="02040503050406030204" pitchFamily="18" charset="0"/>
+                            </a:rPr>
+                            <m:t>(</m:t>
+                          </m:r>
+                          <m:r>
+                            <a:rPr lang="pt-BR" i="1">
+                              <a:latin typeface="Cambria Math" panose="02040503050406030204" pitchFamily="18" charset="0"/>
+                            </a:rPr>
+                            <m:t>𝑖</m:t>
+                          </m:r>
+                          <m:r>
+                            <a:rPr lang="pt-BR" i="1">
+                              <a:latin typeface="Cambria Math" panose="02040503050406030204" pitchFamily="18" charset="0"/>
+                            </a:rPr>
+                            <m:t>)</m:t>
+                          </m:r>
                         </m:e>
-                      </m:nary>
+                      </m:d>
+                      <m:r>
+                        <a:rPr lang="pt-BR" b="0" i="0" smtClean="0">
+                          <a:latin typeface="Cambria Math" panose="02040503050406030204" pitchFamily="18" charset="0"/>
+                        </a:rPr>
+                        <m:t>+</m:t>
+                      </m:r>
+                      <m:r>
+                        <a:rPr lang="pt-BR" b="0" i="1" smtClean="0">
+                          <a:latin typeface="Cambria Math" panose="02040503050406030204" pitchFamily="18" charset="0"/>
+                          <a:ea typeface="Cambria Math" panose="02040503050406030204" pitchFamily="18" charset="0"/>
+                        </a:rPr>
+                        <m:t>⋯+</m:t>
+                      </m:r>
                       <m:r>
                         <a:rPr lang="pt-BR" i="1">
                           <a:latin typeface="Cambria Math" panose="02040503050406030204" pitchFamily="18" charset="0"/>
                         </a:rPr>
-                        <m:t>,</m:t>
+                        <m:t>𝑃</m:t>
+                      </m:r>
+                      <m:d>
+                        <m:dPr>
+                          <m:ctrlPr>
+                            <a:rPr lang="pt-BR" i="1">
+                              <a:latin typeface="Cambria Math" panose="02040503050406030204" pitchFamily="18" charset="0"/>
+                            </a:rPr>
+                          </m:ctrlPr>
+                        </m:dPr>
+                        <m:e>
+                          <m:sSub>
+                            <m:sSubPr>
+                              <m:ctrlPr>
+                                <a:rPr lang="pt-BR" i="1">
+                                  <a:latin typeface="Cambria Math" panose="02040503050406030204" pitchFamily="18" charset="0"/>
+                                </a:rPr>
+                              </m:ctrlPr>
+                            </m:sSubPr>
+                            <m:e>
+                              <m:r>
+                                <a:rPr lang="pt-BR" i="1">
+                                  <a:latin typeface="Cambria Math" panose="02040503050406030204" pitchFamily="18" charset="0"/>
+                                </a:rPr>
+                                <m:t>𝐶</m:t>
+                              </m:r>
+                            </m:e>
+                            <m:sub>
+                              <m:r>
+                                <a:rPr lang="pt-BR" b="0" i="1" smtClean="0">
+                                  <a:latin typeface="Cambria Math" panose="02040503050406030204" pitchFamily="18" charset="0"/>
+                                </a:rPr>
+                                <m:t>𝑄</m:t>
+                              </m:r>
+                            </m:sub>
+                          </m:sSub>
+                          <m:r>
+                            <a:rPr lang="pt-BR" i="1">
+                              <a:latin typeface="Cambria Math" panose="02040503050406030204" pitchFamily="18" charset="0"/>
+                            </a:rPr>
+                            <m:t> |</m:t>
+                          </m:r>
+                          <m:r>
+                            <a:rPr lang="pt-BR" b="1" i="1">
+                              <a:latin typeface="Cambria Math" panose="02040503050406030204" pitchFamily="18" charset="0"/>
+                            </a:rPr>
+                            <m:t>𝒙</m:t>
+                          </m:r>
+                          <m:r>
+                            <a:rPr lang="pt-BR" i="1">
+                              <a:latin typeface="Cambria Math" panose="02040503050406030204" pitchFamily="18" charset="0"/>
+                            </a:rPr>
+                            <m:t>(</m:t>
+                          </m:r>
+                          <m:r>
+                            <a:rPr lang="pt-BR" i="1">
+                              <a:latin typeface="Cambria Math" panose="02040503050406030204" pitchFamily="18" charset="0"/>
+                            </a:rPr>
+                            <m:t>𝑖</m:t>
+                          </m:r>
+                          <m:r>
+                            <a:rPr lang="pt-BR" i="1">
+                              <a:latin typeface="Cambria Math" panose="02040503050406030204" pitchFamily="18" charset="0"/>
+                            </a:rPr>
+                            <m:t>)</m:t>
+                          </m:r>
+                        </m:e>
+                      </m:d>
+                      <m:r>
+                        <a:rPr lang="pt-BR" b="0" i="1" smtClean="0">
+                          <a:latin typeface="Cambria Math" panose="02040503050406030204" pitchFamily="18" charset="0"/>
+                        </a:rPr>
+                        <m:t>=1.</m:t>
                       </m:r>
                     </m:oMath>
                   </m:oMathPara>
@@ -16269,182 +16501,54 @@
                 <a:endParaRPr lang="pt-BR" dirty="0"/>
               </a:p>
               <a:p>
-                <a:pPr marL="0" indent="0">
-                  <a:buNone/>
-                </a:pPr>
-                <a:r>
-                  <a:rPr lang="pt-BR" dirty="0"/>
-                  <a:t>é a </a:t>
+                <a:r>
+                  <a:rPr lang="pt-BR" dirty="0"/>
+                  <a:t>Portanto, o objetivo é encontrar um </a:t>
                 </a:r>
                 <a:r>
                   <a:rPr lang="pt-BR" b="1" i="1" dirty="0"/>
-                  <a:t>função discriminante </a:t>
-                </a:r>
-                <a:r>
-                  <a:rPr lang="pt-BR" dirty="0"/>
-                  <a:t>para </a:t>
-                </a:r>
-                <a:r>
-                  <a:rPr lang="pt-BR" dirty="0" smtClean="0"/>
-                  <a:t>a </a:t>
+                  <a:t>modelo</a:t>
+                </a:r>
+                <a:r>
+                  <a:rPr lang="pt-BR" dirty="0"/>
+                  <a:t> (i.e., </a:t>
+                </a:r>
+                <a:r>
+                  <a:rPr lang="pt-BR" b="1" i="1" dirty="0"/>
+                  <a:t>pesos</a:t>
+                </a:r>
+                <a:r>
+                  <a:rPr lang="pt-BR" dirty="0"/>
+                  <a:t> das </a:t>
                 </a:r>
                 <a14:m>
                   <m:oMath xmlns:m="http://schemas.openxmlformats.org/officeDocument/2006/math">
                     <m:r>
-                      <a:rPr lang="pt-BR" i="1">
+                      <a:rPr lang="pt-BR" b="0" i="1" smtClean="0">
                         <a:latin typeface="Cambria Math" panose="02040503050406030204" pitchFamily="18" charset="0"/>
                       </a:rPr>
-                      <m:t>𝑞</m:t>
+                      <m:t>𝑄</m:t>
                     </m:r>
                   </m:oMath>
                 </a14:m>
                 <a:r>
-                  <a:rPr lang="pt-BR" dirty="0" smtClean="0"/>
-                  <a:t>-ésima classe.</a:t>
-                </a:r>
-                <a:r>
-                  <a:rPr lang="pt-BR" dirty="0" smtClean="0">
-                    <a:solidFill>
-                      <a:srgbClr val="FF0000"/>
-                    </a:solidFill>
-                  </a:rPr>
-                  <a:t> </a:t>
-                </a:r>
-                <a:endParaRPr lang="pt-BR" b="1" i="1" dirty="0" smtClean="0">
-                  <a:solidFill>
-                    <a:srgbClr val="FF0000"/>
-                  </a:solidFill>
-                </a:endParaRPr>
-              </a:p>
-              <a:p>
-                <a:r>
-                  <a:rPr lang="pt-BR" dirty="0"/>
-                  <a:t>A </a:t>
-                </a:r>
-                <a:r>
-                  <a:rPr lang="pt-BR" b="1" i="1" dirty="0" smtClean="0"/>
-                  <a:t>função softmax</a:t>
-                </a:r>
-                <a:r>
-                  <a:rPr lang="pt-BR" dirty="0" smtClean="0"/>
-                  <a:t> </a:t>
-                </a:r>
-                <a:r>
-                  <a:rPr lang="pt-BR" dirty="0"/>
-                  <a:t>estende </a:t>
-                </a:r>
-                <a:r>
-                  <a:rPr lang="pt-BR" dirty="0" smtClean="0"/>
-                  <a:t>a ideia do </a:t>
-                </a:r>
-                <a:r>
-                  <a:rPr lang="pt-BR" b="1" i="1" dirty="0" smtClean="0"/>
-                  <a:t>regressor logístico </a:t>
-                </a:r>
-                <a:r>
-                  <a:rPr lang="pt-BR" dirty="0" smtClean="0"/>
-                  <a:t>ao mundo multi-classes. </a:t>
-                </a:r>
-              </a:p>
-              <a:p>
-                <a:r>
-                  <a:rPr lang="pt-BR" dirty="0" smtClean="0"/>
-                  <a:t>Ou </a:t>
-                </a:r>
-                <a:r>
-                  <a:rPr lang="pt-BR" dirty="0"/>
-                  <a:t>seja, </a:t>
-                </a:r>
-                <a:r>
-                  <a:rPr lang="pt-BR" dirty="0" smtClean="0"/>
-                  <a:t>a função softmax </a:t>
-                </a:r>
-                <a:r>
-                  <a:rPr lang="pt-BR" dirty="0"/>
-                  <a:t>atribui </a:t>
-                </a:r>
-                <a:r>
-                  <a:rPr lang="pt-BR" dirty="0" smtClean="0"/>
-                  <a:t>probabilidades (i.e., valores no intervalo [0, 1]) a </a:t>
-                </a:r>
-                <a:r>
-                  <a:rPr lang="pt-BR" dirty="0"/>
-                  <a:t>cada classe em um problema </a:t>
-                </a:r>
-                <a:r>
-                  <a:rPr lang="pt-BR" dirty="0" smtClean="0"/>
-                  <a:t>com </a:t>
-                </a:r>
-                <a:r>
-                  <a:rPr lang="pt-BR" dirty="0"/>
-                  <a:t>várias classes. </a:t>
-                </a:r>
-                <a:endParaRPr lang="pt-BR" dirty="0" smtClean="0"/>
-              </a:p>
-              <a:p>
-                <a:r>
-                  <a:rPr lang="pt-BR" dirty="0" smtClean="0"/>
-                  <a:t>Essas </a:t>
-                </a:r>
-                <a:r>
-                  <a:rPr lang="pt-BR" dirty="0"/>
-                  <a:t>probabilidades </a:t>
-                </a:r>
-                <a:r>
-                  <a:rPr lang="pt-BR" dirty="0" smtClean="0"/>
-                  <a:t>devem </a:t>
-                </a:r>
-                <a:r>
-                  <a:rPr lang="pt-BR" dirty="0"/>
-                  <a:t>somar </a:t>
-                </a:r>
-                <a:r>
-                  <a:rPr lang="pt-BR" dirty="0" smtClean="0"/>
-                  <a:t>1.</a:t>
-                </a:r>
-              </a:p>
-              <a:p>
-                <a:r>
-                  <a:rPr lang="pt-BR" dirty="0"/>
-                  <a:t>O objetivo é </a:t>
-                </a:r>
-                <a:r>
-                  <a:rPr lang="pt-BR" dirty="0" smtClean="0"/>
-                  <a:t>encontrar um </a:t>
-                </a:r>
-                <a:r>
-                  <a:rPr lang="pt-BR" b="1" i="1" dirty="0" smtClean="0"/>
-                  <a:t>modelo</a:t>
-                </a:r>
-                <a:r>
-                  <a:rPr lang="pt-BR" dirty="0" smtClean="0"/>
-                  <a:t> (i.e., seus </a:t>
-                </a:r>
-                <a:r>
-                  <a:rPr lang="pt-BR" b="1" i="1" dirty="0" smtClean="0"/>
-                  <a:t>pesos</a:t>
-                </a:r>
-                <a:r>
-                  <a:rPr lang="pt-BR" dirty="0" smtClean="0"/>
-                  <a:t>) que atribua uma </a:t>
-                </a:r>
-                <a:r>
-                  <a:rPr lang="pt-BR" dirty="0"/>
-                  <a:t>alta probabilidade para a classe alvo (e consequentemente uma baixa probabilidade para as demais classes</a:t>
-                </a:r>
-                <a:r>
-                  <a:rPr lang="pt-BR" dirty="0" smtClean="0"/>
-                  <a:t>).</a:t>
-                </a:r>
-                <a:endParaRPr lang="pt-BR" dirty="0"/>
+                  <a:rPr lang="pt-BR" dirty="0"/>
+                  <a:t> funções hipótese) que atribua uma alta probabilidade para a classe alvo e consequentemente uma baixa probabilidade para as demais classes.</a:t>
+                </a:r>
               </a:p>
             </p:txBody>
           </p:sp>
         </mc:Choice>
-        <mc:Fallback xmlns="">
+        <mc:Fallback>
           <p:sp>
             <p:nvSpPr>
-              <p:cNvPr id="3" name="Content Placeholder 2"/>
+              <p:cNvPr id="3" name="Espaço Reservado para Conteúdo 2">
+                <a:extLst>
+                  <a:ext uri="{FF2B5EF4-FFF2-40B4-BE49-F238E27FC236}">
+                    <a16:creationId xmlns:a16="http://schemas.microsoft.com/office/drawing/2014/main" id="{807ECEFA-6ED0-44F3-ABEA-8272FEB2FF63}"/>
+                  </a:ext>
+                </a:extLst>
+              </p:cNvPr>
               <p:cNvSpPr>
                 <a:spLocks noGrp="1" noRot="1" noChangeAspect="1" noMove="1" noResize="1" noEditPoints="1" noAdjustHandles="1" noChangeArrowheads="1" noChangeShapeType="1" noTextEdit="1"/>
               </p:cNvSpPr>
@@ -16454,13 +16558,13 @@
             </p:nvSpPr>
             <p:spPr>
               <a:xfrm>
-                <a:off x="838199" y="1433016"/>
-                <a:ext cx="11091203" cy="5424984"/>
+                <a:off x="838199" y="1825624"/>
+                <a:ext cx="11234531" cy="5032375"/>
               </a:xfrm>
-              <a:blipFill rotWithShape="0">
+              <a:blipFill>
                 <a:blip r:embed="rId3"/>
                 <a:stretch>
-                  <a:fillRect l="-659" t="-2360" r="-1099"/>
+                  <a:fillRect l="-651" t="-1937" r="-1194"/>
                 </a:stretch>
               </a:blipFill>
             </p:spPr>
@@ -16469,7 +16573,7 @@
               <a:lstStyle/>
               <a:p>
                 <a:r>
-                  <a:rPr lang="pt-BR">
+                  <a:rPr lang="en-US">
                     <a:noFill/>
                   </a:rPr>
                   <a:t> </a:t>
@@ -16481,14 +16585,20 @@
       </mc:AlternateContent>
       <p:sp>
         <p:nvSpPr>
-          <p:cNvPr id="4" name="TextBox 3"/>
+          <p:cNvPr id="4" name="TextBox 6">
+            <a:extLst>
+              <a:ext uri="{FF2B5EF4-FFF2-40B4-BE49-F238E27FC236}">
+                <a16:creationId xmlns:a16="http://schemas.microsoft.com/office/drawing/2014/main" id="{BD5B7330-9A4E-4A27-BE6B-F7038DE7890D}"/>
+              </a:ext>
+            </a:extLst>
+          </p:cNvPr>
           <p:cNvSpPr txBox="1"/>
           <p:nvPr/>
         </p:nvSpPr>
         <p:spPr>
           <a:xfrm>
-            <a:off x="10331354" y="1867011"/>
-            <a:ext cx="1860646" cy="1015663"/>
+            <a:off x="251792" y="2446640"/>
+            <a:ext cx="1244363" cy="830997"/>
           </a:xfrm>
           <a:prstGeom prst="rect">
             <a:avLst/>
@@ -16503,30 +16613,177 @@
           <a:p>
             <a:pPr algn="ctr"/>
             <a:r>
-              <a:rPr lang="pt-BR" sz="1200" dirty="0" smtClean="0"/>
-              <a:t>O somatório de termos exponenciais normaliza o valor da </a:t>
-            </a:r>
-            <a:r>
-              <a:rPr lang="pt-BR" sz="1200" i="1" dirty="0" smtClean="0"/>
-              <a:t>q</a:t>
-            </a:r>
-            <a:r>
-              <a:rPr lang="pt-BR" sz="1200" dirty="0" smtClean="0"/>
-              <a:t>-ésima saída de tal forma que o somatório das Q saídas seja igual a 1.</a:t>
-            </a:r>
-            <a:endParaRPr lang="pt-BR" sz="1200" dirty="0"/>
+              <a:rPr lang="pt-BR" sz="1200" dirty="0"/>
+              <a:t>Cada função discriminante tem seu próprio vetor de pesos.</a:t>
+            </a:r>
           </a:p>
         </p:txBody>
       </p:sp>
+      <p:cxnSp>
+        <p:nvCxnSpPr>
+          <p:cNvPr id="5" name="Straight Arrow Connector 7">
+            <a:extLst>
+              <a:ext uri="{FF2B5EF4-FFF2-40B4-BE49-F238E27FC236}">
+                <a16:creationId xmlns:a16="http://schemas.microsoft.com/office/drawing/2014/main" id="{E9DCC49F-2D0A-4D6E-9325-E6E0A35530AD}"/>
+              </a:ext>
+            </a:extLst>
+          </p:cNvPr>
+          <p:cNvCxnSpPr>
+            <a:cxnSpLocks/>
+          </p:cNvCxnSpPr>
+          <p:nvPr/>
+        </p:nvCxnSpPr>
+        <p:spPr>
+          <a:xfrm>
+            <a:off x="1378168" y="2991793"/>
+            <a:ext cx="235974" cy="437207"/>
+          </a:xfrm>
+          <a:prstGeom prst="straightConnector1">
+            <a:avLst/>
+          </a:prstGeom>
+          <a:ln>
+            <a:solidFill>
+              <a:srgbClr val="FF0000"/>
+            </a:solidFill>
+            <a:tailEnd type="triangle"/>
+          </a:ln>
+        </p:spPr>
+        <p:style>
+          <a:lnRef idx="1">
+            <a:schemeClr val="accent1"/>
+          </a:lnRef>
+          <a:fillRef idx="0">
+            <a:schemeClr val="accent1"/>
+          </a:fillRef>
+          <a:effectRef idx="0">
+            <a:schemeClr val="accent1"/>
+          </a:effectRef>
+          <a:fontRef idx="minor">
+            <a:schemeClr val="tx1"/>
+          </a:fontRef>
+        </p:style>
+      </p:cxnSp>
+      <mc:AlternateContent xmlns:mc="http://schemas.openxmlformats.org/markup-compatibility/2006">
+        <mc:Choice xmlns:a14="http://schemas.microsoft.com/office/drawing/2010/main" Requires="a14">
+          <p:sp>
+            <p:nvSpPr>
+              <p:cNvPr id="6" name="TextBox 3">
+                <a:extLst>
+                  <a:ext uri="{FF2B5EF4-FFF2-40B4-BE49-F238E27FC236}">
+                    <a16:creationId xmlns:a16="http://schemas.microsoft.com/office/drawing/2014/main" id="{C2B44ACC-7F40-4DFA-AC5C-CC329D169698}"/>
+                  </a:ext>
+                </a:extLst>
+              </p:cNvPr>
+              <p:cNvSpPr txBox="1"/>
+              <p:nvPr/>
+            </p:nvSpPr>
+            <p:spPr>
+              <a:xfrm>
+                <a:off x="10331354" y="2304329"/>
+                <a:ext cx="1860646" cy="1015663"/>
+              </a:xfrm>
+              <a:prstGeom prst="rect">
+                <a:avLst/>
+              </a:prstGeom>
+              <a:noFill/>
+            </p:spPr>
+            <p:txBody>
+              <a:bodyPr wrap="square" rtlCol="0">
+                <a:spAutoFit/>
+              </a:bodyPr>
+              <a:lstStyle/>
+              <a:p>
+                <a:pPr algn="ctr"/>
+                <a:r>
+                  <a:rPr lang="pt-BR" sz="1200" dirty="0"/>
+                  <a:t>O somatório de termos exponenciais normaliza o valor da </a:t>
+                </a:r>
+                <a:r>
+                  <a:rPr lang="pt-BR" sz="1200" i="1" dirty="0"/>
+                  <a:t>q</a:t>
+                </a:r>
+                <a:r>
+                  <a:rPr lang="pt-BR" sz="1200" dirty="0"/>
+                  <a:t>-ésima saída de tal forma que o somatório das </a:t>
+                </a:r>
+                <a14:m>
+                  <m:oMath xmlns:m="http://schemas.openxmlformats.org/officeDocument/2006/math">
+                    <m:r>
+                      <a:rPr lang="pt-BR" sz="1200" b="0" i="1" smtClean="0">
+                        <a:latin typeface="Cambria Math" panose="02040503050406030204" pitchFamily="18" charset="0"/>
+                      </a:rPr>
+                      <m:t>𝑄</m:t>
+                    </m:r>
+                  </m:oMath>
+                </a14:m>
+                <a:r>
+                  <a:rPr lang="pt-BR" sz="1200" dirty="0"/>
+                  <a:t> saídas seja igual a 1.</a:t>
+                </a:r>
+              </a:p>
+            </p:txBody>
+          </p:sp>
+        </mc:Choice>
+        <mc:Fallback>
+          <p:sp>
+            <p:nvSpPr>
+              <p:cNvPr id="6" name="TextBox 3">
+                <a:extLst>
+                  <a:ext uri="{FF2B5EF4-FFF2-40B4-BE49-F238E27FC236}">
+                    <a16:creationId xmlns:a16="http://schemas.microsoft.com/office/drawing/2014/main" id="{C2B44ACC-7F40-4DFA-AC5C-CC329D169698}"/>
+                  </a:ext>
+                </a:extLst>
+              </p:cNvPr>
+              <p:cNvSpPr txBox="1">
+                <a:spLocks noRot="1" noChangeAspect="1" noMove="1" noResize="1" noEditPoints="1" noAdjustHandles="1" noChangeArrowheads="1" noChangeShapeType="1" noTextEdit="1"/>
+              </p:cNvSpPr>
+              <p:nvPr/>
+            </p:nvSpPr>
+            <p:spPr>
+              <a:xfrm>
+                <a:off x="10331354" y="2304329"/>
+                <a:ext cx="1860646" cy="1015663"/>
+              </a:xfrm>
+              <a:prstGeom prst="rect">
+                <a:avLst/>
+              </a:prstGeom>
+              <a:blipFill>
+                <a:blip r:embed="rId4"/>
+                <a:stretch>
+                  <a:fillRect r="-328" b="-3593"/>
+                </a:stretch>
+              </a:blipFill>
+            </p:spPr>
+            <p:txBody>
+              <a:bodyPr/>
+              <a:lstStyle/>
+              <a:p>
+                <a:r>
+                  <a:rPr lang="en-US">
+                    <a:noFill/>
+                  </a:rPr>
+                  <a:t> </a:t>
+                </a:r>
+              </a:p>
+            </p:txBody>
+          </p:sp>
+        </mc:Fallback>
+      </mc:AlternateContent>
       <p:sp>
         <p:nvSpPr>
-          <p:cNvPr id="12" name="Rectangle 11"/>
+          <p:cNvPr id="7" name="Rectangle 11">
+            <a:extLst>
+              <a:ext uri="{FF2B5EF4-FFF2-40B4-BE49-F238E27FC236}">
+                <a16:creationId xmlns:a16="http://schemas.microsoft.com/office/drawing/2014/main" id="{1BDEDFF8-EB72-48C9-B045-4BDDB50DFABB}"/>
+              </a:ext>
+            </a:extLst>
+          </p:cNvPr>
           <p:cNvSpPr/>
           <p:nvPr/>
         </p:nvSpPr>
         <p:spPr>
           <a:xfrm>
-            <a:off x="7455582" y="2364136"/>
+            <a:off x="7455582" y="2801454"/>
             <a:ext cx="1638869" cy="507832"/>
           </a:xfrm>
           <a:prstGeom prst="rect">
@@ -16566,167 +16823,20 @@
       </p:sp>
       <p:cxnSp>
         <p:nvCxnSpPr>
-          <p:cNvPr id="14" name="Straight Arrow Connector 13"/>
+          <p:cNvPr id="8" name="Straight Arrow Connector 13">
+            <a:extLst>
+              <a:ext uri="{FF2B5EF4-FFF2-40B4-BE49-F238E27FC236}">
+                <a16:creationId xmlns:a16="http://schemas.microsoft.com/office/drawing/2014/main" id="{9480D85A-07BF-44B1-A6D0-1DE33196FA5B}"/>
+              </a:ext>
+            </a:extLst>
+          </p:cNvPr>
           <p:cNvCxnSpPr/>
           <p:nvPr/>
         </p:nvCxnSpPr>
         <p:spPr>
           <a:xfrm flipH="1">
-            <a:off x="9094451" y="2458845"/>
+            <a:off x="9094451" y="2896163"/>
             <a:ext cx="1405719" cy="333918"/>
-          </a:xfrm>
-          <a:prstGeom prst="straightConnector1">
-            <a:avLst/>
-          </a:prstGeom>
-          <a:ln>
-            <a:solidFill>
-              <a:srgbClr val="FF0000"/>
-            </a:solidFill>
-            <a:tailEnd type="triangle"/>
-          </a:ln>
-        </p:spPr>
-        <p:style>
-          <a:lnRef idx="1">
-            <a:schemeClr val="accent1"/>
-          </a:lnRef>
-          <a:fillRef idx="0">
-            <a:schemeClr val="accent1"/>
-          </a:fillRef>
-          <a:effectRef idx="0">
-            <a:schemeClr val="accent1"/>
-          </a:effectRef>
-          <a:fontRef idx="minor">
-            <a:schemeClr val="tx1"/>
-          </a:fontRef>
-        </p:style>
-      </p:cxnSp>
-      <p:sp>
-        <p:nvSpPr>
-          <p:cNvPr id="7" name="TextBox 6"/>
-          <p:cNvSpPr txBox="1"/>
-          <p:nvPr/>
-        </p:nvSpPr>
-        <p:spPr>
-          <a:xfrm>
-            <a:off x="95446" y="2150480"/>
-            <a:ext cx="1485508" cy="646331"/>
-          </a:xfrm>
-          <a:prstGeom prst="rect">
-            <a:avLst/>
-          </a:prstGeom>
-          <a:noFill/>
-        </p:spPr>
-        <p:txBody>
-          <a:bodyPr wrap="square" rtlCol="0">
-            <a:spAutoFit/>
-          </a:bodyPr>
-          <a:lstStyle/>
-          <a:p>
-            <a:pPr algn="ctr"/>
-            <a:r>
-              <a:rPr lang="pt-BR" sz="1200" dirty="0" smtClean="0"/>
-              <a:t>Cada </a:t>
-            </a:r>
-            <a:r>
-              <a:rPr lang="pt-BR" sz="1200" dirty="0"/>
-              <a:t>classe tem seu próprio vetor de </a:t>
-            </a:r>
-            <a:r>
-              <a:rPr lang="pt-BR" sz="1200" dirty="0" smtClean="0"/>
-              <a:t>pesos dedicado</a:t>
-            </a:r>
-            <a:r>
-              <a:rPr lang="pt-BR" sz="1200" dirty="0"/>
-              <a:t>.</a:t>
-            </a:r>
-          </a:p>
-        </p:txBody>
-      </p:sp>
-      <p:cxnSp>
-        <p:nvCxnSpPr>
-          <p:cNvPr id="8" name="Straight Arrow Connector 7"/>
-          <p:cNvCxnSpPr/>
-          <p:nvPr/>
-        </p:nvCxnSpPr>
-        <p:spPr>
-          <a:xfrm>
-            <a:off x="1392702" y="2513666"/>
-            <a:ext cx="323556" cy="440544"/>
-          </a:xfrm>
-          <a:prstGeom prst="straightConnector1">
-            <a:avLst/>
-          </a:prstGeom>
-          <a:ln>
-            <a:solidFill>
-              <a:srgbClr val="FF0000"/>
-            </a:solidFill>
-            <a:tailEnd type="triangle"/>
-          </a:ln>
-        </p:spPr>
-        <p:style>
-          <a:lnRef idx="1">
-            <a:schemeClr val="accent1"/>
-          </a:lnRef>
-          <a:fillRef idx="0">
-            <a:schemeClr val="accent1"/>
-          </a:fillRef>
-          <a:effectRef idx="0">
-            <a:schemeClr val="accent1"/>
-          </a:effectRef>
-          <a:fontRef idx="minor">
-            <a:schemeClr val="tx1"/>
-          </a:fontRef>
-        </p:style>
-      </p:cxnSp>
-      <p:sp>
-        <p:nvSpPr>
-          <p:cNvPr id="5" name="TextBox 4"/>
-          <p:cNvSpPr txBox="1"/>
-          <p:nvPr/>
-        </p:nvSpPr>
-        <p:spPr>
-          <a:xfrm>
-            <a:off x="10575879" y="3482931"/>
-            <a:ext cx="1555842" cy="1015663"/>
-          </a:xfrm>
-          <a:prstGeom prst="rect">
-            <a:avLst/>
-          </a:prstGeom>
-          <a:noFill/>
-        </p:spPr>
-        <p:txBody>
-          <a:bodyPr wrap="square" rtlCol="0">
-            <a:spAutoFit/>
-          </a:bodyPr>
-          <a:lstStyle/>
-          <a:p>
-            <a:pPr algn="ctr"/>
-            <a:r>
-              <a:rPr lang="pt-BR" sz="1200" dirty="0" smtClean="0">
-                <a:solidFill>
-                  <a:srgbClr val="FF0000"/>
-                </a:solidFill>
-              </a:rPr>
-              <a:t>Assim como com o regressor logístico, podemos ter funções discriminates não-lineares.</a:t>
-            </a:r>
-            <a:endParaRPr lang="pt-BR" sz="1200" dirty="0">
-              <a:solidFill>
-                <a:srgbClr val="FF0000"/>
-              </a:solidFill>
-            </a:endParaRPr>
-          </a:p>
-        </p:txBody>
-      </p:sp>
-      <p:cxnSp>
-        <p:nvCxnSpPr>
-          <p:cNvPr id="9" name="Straight Arrow Connector 8"/>
-          <p:cNvCxnSpPr/>
-          <p:nvPr/>
-        </p:nvCxnSpPr>
-        <p:spPr>
-          <a:xfrm flipH="1">
-            <a:off x="9979668" y="3671668"/>
-            <a:ext cx="711778" cy="168026"/>
           </a:xfrm>
           <a:prstGeom prst="straightConnector1">
             <a:avLst/>
@@ -16756,20 +16866,13 @@
     </p:spTree>
     <p:extLst>
       <p:ext uri="{BB962C8B-B14F-4D97-AF65-F5344CB8AC3E}">
-        <p14:creationId xmlns:p14="http://schemas.microsoft.com/office/powerpoint/2010/main" val="3894489497"/>
+        <p14:creationId xmlns:p14="http://schemas.microsoft.com/office/powerpoint/2010/main" val="1683416809"/>
       </p:ext>
     </p:extLst>
   </p:cSld>
   <p:clrMapOvr>
     <a:masterClrMapping/>
   </p:clrMapOvr>
-  <p:timing>
-    <p:tnLst>
-      <p:par>
-        <p:cTn id="1" dur="indefinite" restart="never" nodeType="tmRoot"/>
-      </p:par>
-    </p:tnLst>
-  </p:timing>
 </p:sld>
 </file>
 

--- a/slides/T320_Classificação (Parte IV).pptx
+++ b/slides/T320_Classificação (Parte IV).pptx
@@ -290,7 +290,7 @@
           <a:p>
             <a:fld id="{144F1436-6906-4D93-B7A2-786C327BFA14}" type="datetimeFigureOut">
               <a:rPr lang="nl-BE" smtClean="0"/>
-              <a:t>25/03/2022</a:t>
+              <a:t>2/09/2022</a:t>
             </a:fld>
             <a:endParaRPr lang="nl-BE"/>
           </a:p>
@@ -455,7 +455,7 @@
           <a:p>
             <a:fld id="{AA8CD09E-2914-4F47-B6C1-51B2C31814C9}" type="datetimeFigureOut">
               <a:rPr lang="pt-BR" smtClean="0"/>
-              <a:t>25/03/2022</a:t>
+              <a:t>02/09/2022</a:t>
             </a:fld>
             <a:endParaRPr lang="pt-BR"/>
           </a:p>
@@ -2622,7 +2622,7 @@
           <p:cNvPr id="2" name="Título 1">
             <a:extLst>
               <a:ext uri="{FF2B5EF4-FFF2-40B4-BE49-F238E27FC236}">
-                <a16:creationId xmlns:a16="http://schemas.microsoft.com/office/drawing/2014/main" id="{1DB9B4FF-B06E-403C-A326-BDC64D8FF94E}"/>
+                <a16:creationId xmlns:a16="http://schemas.microsoft.com/office/drawing/2014/main" xmlns="" id="{1DB9B4FF-B06E-403C-A326-BDC64D8FF94E}"/>
               </a:ext>
             </a:extLst>
           </p:cNvPr>
@@ -2659,7 +2659,7 @@
           <p:cNvPr id="3" name="Subtítulo 2">
             <a:extLst>
               <a:ext uri="{FF2B5EF4-FFF2-40B4-BE49-F238E27FC236}">
-                <a16:creationId xmlns:a16="http://schemas.microsoft.com/office/drawing/2014/main" id="{247BDFCE-746E-45BF-A319-4733D58D1632}"/>
+                <a16:creationId xmlns:a16="http://schemas.microsoft.com/office/drawing/2014/main" xmlns="" id="{247BDFCE-746E-45BF-A319-4733D58D1632}"/>
               </a:ext>
             </a:extLst>
           </p:cNvPr>
@@ -2729,7 +2729,7 @@
           <p:cNvPr id="4" name="Espaço Reservado para Data 3">
             <a:extLst>
               <a:ext uri="{FF2B5EF4-FFF2-40B4-BE49-F238E27FC236}">
-                <a16:creationId xmlns:a16="http://schemas.microsoft.com/office/drawing/2014/main" id="{9EDE2778-5372-4104-B96D-968184DA8288}"/>
+                <a16:creationId xmlns:a16="http://schemas.microsoft.com/office/drawing/2014/main" xmlns="" id="{9EDE2778-5372-4104-B96D-968184DA8288}"/>
               </a:ext>
             </a:extLst>
           </p:cNvPr>
@@ -2747,7 +2747,7 @@
           <a:p>
             <a:fld id="{63289F7E-B80B-496E-81B4-D396C37C9454}" type="datetimeFigureOut">
               <a:rPr lang="pt-BR" smtClean="0"/>
-              <a:t>25/03/2022</a:t>
+              <a:t>02/09/2022</a:t>
             </a:fld>
             <a:endParaRPr lang="pt-BR"/>
           </a:p>
@@ -2758,7 +2758,7 @@
           <p:cNvPr id="5" name="Espaço Reservado para Rodapé 4">
             <a:extLst>
               <a:ext uri="{FF2B5EF4-FFF2-40B4-BE49-F238E27FC236}">
-                <a16:creationId xmlns:a16="http://schemas.microsoft.com/office/drawing/2014/main" id="{C1DD0F41-C861-4051-988D-3024A37A4B93}"/>
+                <a16:creationId xmlns:a16="http://schemas.microsoft.com/office/drawing/2014/main" xmlns="" id="{C1DD0F41-C861-4051-988D-3024A37A4B93}"/>
               </a:ext>
             </a:extLst>
           </p:cNvPr>
@@ -2783,7 +2783,7 @@
           <p:cNvPr id="6" name="Espaço Reservado para Número de Slide 5">
             <a:extLst>
               <a:ext uri="{FF2B5EF4-FFF2-40B4-BE49-F238E27FC236}">
-                <a16:creationId xmlns:a16="http://schemas.microsoft.com/office/drawing/2014/main" id="{07E5967E-D980-431A-A5DB-3F0C5030A81E}"/>
+                <a16:creationId xmlns:a16="http://schemas.microsoft.com/office/drawing/2014/main" xmlns="" id="{07E5967E-D980-431A-A5DB-3F0C5030A81E}"/>
               </a:ext>
             </a:extLst>
           </p:cNvPr>
@@ -2842,7 +2842,7 @@
           <p:cNvPr id="2" name="Título 1">
             <a:extLst>
               <a:ext uri="{FF2B5EF4-FFF2-40B4-BE49-F238E27FC236}">
-                <a16:creationId xmlns:a16="http://schemas.microsoft.com/office/drawing/2014/main" id="{9036C49F-3E68-4175-81BA-3C3FEE44308A}"/>
+                <a16:creationId xmlns:a16="http://schemas.microsoft.com/office/drawing/2014/main" xmlns="" id="{9036C49F-3E68-4175-81BA-3C3FEE44308A}"/>
               </a:ext>
             </a:extLst>
           </p:cNvPr>
@@ -2870,7 +2870,7 @@
           <p:cNvPr id="3" name="Espaço Reservado para Texto Vertical 2">
             <a:extLst>
               <a:ext uri="{FF2B5EF4-FFF2-40B4-BE49-F238E27FC236}">
-                <a16:creationId xmlns:a16="http://schemas.microsoft.com/office/drawing/2014/main" id="{426FA736-3DD3-4D4E-B57B-BBE1D8F7D424}"/>
+                <a16:creationId xmlns:a16="http://schemas.microsoft.com/office/drawing/2014/main" xmlns="" id="{426FA736-3DD3-4D4E-B57B-BBE1D8F7D424}"/>
               </a:ext>
             </a:extLst>
           </p:cNvPr>
@@ -2927,7 +2927,7 @@
           <p:cNvPr id="4" name="Espaço Reservado para Data 3">
             <a:extLst>
               <a:ext uri="{FF2B5EF4-FFF2-40B4-BE49-F238E27FC236}">
-                <a16:creationId xmlns:a16="http://schemas.microsoft.com/office/drawing/2014/main" id="{99E8855C-D8FD-48F6-B14E-861E0DE4D915}"/>
+                <a16:creationId xmlns:a16="http://schemas.microsoft.com/office/drawing/2014/main" xmlns="" id="{99E8855C-D8FD-48F6-B14E-861E0DE4D915}"/>
               </a:ext>
             </a:extLst>
           </p:cNvPr>
@@ -2945,7 +2945,7 @@
           <a:p>
             <a:fld id="{63289F7E-B80B-496E-81B4-D396C37C9454}" type="datetimeFigureOut">
               <a:rPr lang="pt-BR" smtClean="0"/>
-              <a:t>25/03/2022</a:t>
+              <a:t>02/09/2022</a:t>
             </a:fld>
             <a:endParaRPr lang="pt-BR"/>
           </a:p>
@@ -2956,7 +2956,7 @@
           <p:cNvPr id="5" name="Espaço Reservado para Rodapé 4">
             <a:extLst>
               <a:ext uri="{FF2B5EF4-FFF2-40B4-BE49-F238E27FC236}">
-                <a16:creationId xmlns:a16="http://schemas.microsoft.com/office/drawing/2014/main" id="{97C0BB88-2F21-42A5-ACFF-83DA47F2D340}"/>
+                <a16:creationId xmlns:a16="http://schemas.microsoft.com/office/drawing/2014/main" xmlns="" id="{97C0BB88-2F21-42A5-ACFF-83DA47F2D340}"/>
               </a:ext>
             </a:extLst>
           </p:cNvPr>
@@ -2981,7 +2981,7 @@
           <p:cNvPr id="6" name="Espaço Reservado para Número de Slide 5">
             <a:extLst>
               <a:ext uri="{FF2B5EF4-FFF2-40B4-BE49-F238E27FC236}">
-                <a16:creationId xmlns:a16="http://schemas.microsoft.com/office/drawing/2014/main" id="{6CB462B3-1F22-4C05-B4B8-7A279FB7D5E9}"/>
+                <a16:creationId xmlns:a16="http://schemas.microsoft.com/office/drawing/2014/main" xmlns="" id="{6CB462B3-1F22-4C05-B4B8-7A279FB7D5E9}"/>
               </a:ext>
             </a:extLst>
           </p:cNvPr>
@@ -3040,7 +3040,7 @@
           <p:cNvPr id="2" name="Título Vertical 1">
             <a:extLst>
               <a:ext uri="{FF2B5EF4-FFF2-40B4-BE49-F238E27FC236}">
-                <a16:creationId xmlns:a16="http://schemas.microsoft.com/office/drawing/2014/main" id="{EAEAB728-701C-4207-A9D5-23FF45C60502}"/>
+                <a16:creationId xmlns:a16="http://schemas.microsoft.com/office/drawing/2014/main" xmlns="" id="{EAEAB728-701C-4207-A9D5-23FF45C60502}"/>
               </a:ext>
             </a:extLst>
           </p:cNvPr>
@@ -3073,7 +3073,7 @@
           <p:cNvPr id="3" name="Espaço Reservado para Texto Vertical 2">
             <a:extLst>
               <a:ext uri="{FF2B5EF4-FFF2-40B4-BE49-F238E27FC236}">
-                <a16:creationId xmlns:a16="http://schemas.microsoft.com/office/drawing/2014/main" id="{BA8C8CCF-7823-480A-9A19-0F664DD17E3B}"/>
+                <a16:creationId xmlns:a16="http://schemas.microsoft.com/office/drawing/2014/main" xmlns="" id="{BA8C8CCF-7823-480A-9A19-0F664DD17E3B}"/>
               </a:ext>
             </a:extLst>
           </p:cNvPr>
@@ -3135,7 +3135,7 @@
           <p:cNvPr id="4" name="Espaço Reservado para Data 3">
             <a:extLst>
               <a:ext uri="{FF2B5EF4-FFF2-40B4-BE49-F238E27FC236}">
-                <a16:creationId xmlns:a16="http://schemas.microsoft.com/office/drawing/2014/main" id="{721D5734-7B1F-425D-942F-6EB73344027C}"/>
+                <a16:creationId xmlns:a16="http://schemas.microsoft.com/office/drawing/2014/main" xmlns="" id="{721D5734-7B1F-425D-942F-6EB73344027C}"/>
               </a:ext>
             </a:extLst>
           </p:cNvPr>
@@ -3153,7 +3153,7 @@
           <a:p>
             <a:fld id="{63289F7E-B80B-496E-81B4-D396C37C9454}" type="datetimeFigureOut">
               <a:rPr lang="pt-BR" smtClean="0"/>
-              <a:t>25/03/2022</a:t>
+              <a:t>02/09/2022</a:t>
             </a:fld>
             <a:endParaRPr lang="pt-BR"/>
           </a:p>
@@ -3164,7 +3164,7 @@
           <p:cNvPr id="5" name="Espaço Reservado para Rodapé 4">
             <a:extLst>
               <a:ext uri="{FF2B5EF4-FFF2-40B4-BE49-F238E27FC236}">
-                <a16:creationId xmlns:a16="http://schemas.microsoft.com/office/drawing/2014/main" id="{1E1AAEAC-F08D-45FE-89EC-B1B349A868C9}"/>
+                <a16:creationId xmlns:a16="http://schemas.microsoft.com/office/drawing/2014/main" xmlns="" id="{1E1AAEAC-F08D-45FE-89EC-B1B349A868C9}"/>
               </a:ext>
             </a:extLst>
           </p:cNvPr>
@@ -3189,7 +3189,7 @@
           <p:cNvPr id="6" name="Espaço Reservado para Número de Slide 5">
             <a:extLst>
               <a:ext uri="{FF2B5EF4-FFF2-40B4-BE49-F238E27FC236}">
-                <a16:creationId xmlns:a16="http://schemas.microsoft.com/office/drawing/2014/main" id="{BAA44493-9911-47B2-87A6-C2141A972BC8}"/>
+                <a16:creationId xmlns:a16="http://schemas.microsoft.com/office/drawing/2014/main" xmlns="" id="{BAA44493-9911-47B2-87A6-C2141A972BC8}"/>
               </a:ext>
             </a:extLst>
           </p:cNvPr>
@@ -3248,7 +3248,7 @@
           <p:cNvPr id="2" name="Título 1">
             <a:extLst>
               <a:ext uri="{FF2B5EF4-FFF2-40B4-BE49-F238E27FC236}">
-                <a16:creationId xmlns:a16="http://schemas.microsoft.com/office/drawing/2014/main" id="{71BD44A5-8F21-4626-A01D-48A1C874B1D5}"/>
+                <a16:creationId xmlns:a16="http://schemas.microsoft.com/office/drawing/2014/main" xmlns="" id="{71BD44A5-8F21-4626-A01D-48A1C874B1D5}"/>
               </a:ext>
             </a:extLst>
           </p:cNvPr>
@@ -3276,7 +3276,7 @@
           <p:cNvPr id="3" name="Espaço Reservado para Conteúdo 2">
             <a:extLst>
               <a:ext uri="{FF2B5EF4-FFF2-40B4-BE49-F238E27FC236}">
-                <a16:creationId xmlns:a16="http://schemas.microsoft.com/office/drawing/2014/main" id="{B79E8085-65A9-48AA-951D-71D978BFF4ED}"/>
+                <a16:creationId xmlns:a16="http://schemas.microsoft.com/office/drawing/2014/main" xmlns="" id="{B79E8085-65A9-48AA-951D-71D978BFF4ED}"/>
               </a:ext>
             </a:extLst>
           </p:cNvPr>
@@ -3333,7 +3333,7 @@
           <p:cNvPr id="4" name="Espaço Reservado para Data 3">
             <a:extLst>
               <a:ext uri="{FF2B5EF4-FFF2-40B4-BE49-F238E27FC236}">
-                <a16:creationId xmlns:a16="http://schemas.microsoft.com/office/drawing/2014/main" id="{F05BE1AF-51EA-425D-B188-DE7BD675009F}"/>
+                <a16:creationId xmlns:a16="http://schemas.microsoft.com/office/drawing/2014/main" xmlns="" id="{F05BE1AF-51EA-425D-B188-DE7BD675009F}"/>
               </a:ext>
             </a:extLst>
           </p:cNvPr>
@@ -3351,7 +3351,7 @@
           <a:p>
             <a:fld id="{63289F7E-B80B-496E-81B4-D396C37C9454}" type="datetimeFigureOut">
               <a:rPr lang="pt-BR" smtClean="0"/>
-              <a:t>25/03/2022</a:t>
+              <a:t>02/09/2022</a:t>
             </a:fld>
             <a:endParaRPr lang="pt-BR"/>
           </a:p>
@@ -3362,7 +3362,7 @@
           <p:cNvPr id="5" name="Espaço Reservado para Rodapé 4">
             <a:extLst>
               <a:ext uri="{FF2B5EF4-FFF2-40B4-BE49-F238E27FC236}">
-                <a16:creationId xmlns:a16="http://schemas.microsoft.com/office/drawing/2014/main" id="{121BE632-29CF-4CB9-B365-C9EF38F89BE6}"/>
+                <a16:creationId xmlns:a16="http://schemas.microsoft.com/office/drawing/2014/main" xmlns="" id="{121BE632-29CF-4CB9-B365-C9EF38F89BE6}"/>
               </a:ext>
             </a:extLst>
           </p:cNvPr>
@@ -3387,7 +3387,7 @@
           <p:cNvPr id="6" name="Espaço Reservado para Número de Slide 5">
             <a:extLst>
               <a:ext uri="{FF2B5EF4-FFF2-40B4-BE49-F238E27FC236}">
-                <a16:creationId xmlns:a16="http://schemas.microsoft.com/office/drawing/2014/main" id="{60CF3DD1-9AEC-4A57-B461-4E4DD86FAC18}"/>
+                <a16:creationId xmlns:a16="http://schemas.microsoft.com/office/drawing/2014/main" xmlns="" id="{60CF3DD1-9AEC-4A57-B461-4E4DD86FAC18}"/>
               </a:ext>
             </a:extLst>
           </p:cNvPr>
@@ -3446,7 +3446,7 @@
           <p:cNvPr id="2" name="Título 1">
             <a:extLst>
               <a:ext uri="{FF2B5EF4-FFF2-40B4-BE49-F238E27FC236}">
-                <a16:creationId xmlns:a16="http://schemas.microsoft.com/office/drawing/2014/main" id="{34AB2FF0-A4D7-4E28-991D-FF26140D5988}"/>
+                <a16:creationId xmlns:a16="http://schemas.microsoft.com/office/drawing/2014/main" xmlns="" id="{34AB2FF0-A4D7-4E28-991D-FF26140D5988}"/>
               </a:ext>
             </a:extLst>
           </p:cNvPr>
@@ -3483,7 +3483,7 @@
           <p:cNvPr id="3" name="Espaço Reservado para Texto 2">
             <a:extLst>
               <a:ext uri="{FF2B5EF4-FFF2-40B4-BE49-F238E27FC236}">
-                <a16:creationId xmlns:a16="http://schemas.microsoft.com/office/drawing/2014/main" id="{E2AC45B0-4145-40DB-8E61-105461170604}"/>
+                <a16:creationId xmlns:a16="http://schemas.microsoft.com/office/drawing/2014/main" xmlns="" id="{E2AC45B0-4145-40DB-8E61-105461170604}"/>
               </a:ext>
             </a:extLst>
           </p:cNvPr>
@@ -3608,7 +3608,7 @@
           <p:cNvPr id="4" name="Espaço Reservado para Data 3">
             <a:extLst>
               <a:ext uri="{FF2B5EF4-FFF2-40B4-BE49-F238E27FC236}">
-                <a16:creationId xmlns:a16="http://schemas.microsoft.com/office/drawing/2014/main" id="{50F1D3FB-740A-4EBA-A309-2CE71D12ECFB}"/>
+                <a16:creationId xmlns:a16="http://schemas.microsoft.com/office/drawing/2014/main" xmlns="" id="{50F1D3FB-740A-4EBA-A309-2CE71D12ECFB}"/>
               </a:ext>
             </a:extLst>
           </p:cNvPr>
@@ -3626,7 +3626,7 @@
           <a:p>
             <a:fld id="{63289F7E-B80B-496E-81B4-D396C37C9454}" type="datetimeFigureOut">
               <a:rPr lang="pt-BR" smtClean="0"/>
-              <a:t>25/03/2022</a:t>
+              <a:t>02/09/2022</a:t>
             </a:fld>
             <a:endParaRPr lang="pt-BR"/>
           </a:p>
@@ -3637,7 +3637,7 @@
           <p:cNvPr id="5" name="Espaço Reservado para Rodapé 4">
             <a:extLst>
               <a:ext uri="{FF2B5EF4-FFF2-40B4-BE49-F238E27FC236}">
-                <a16:creationId xmlns:a16="http://schemas.microsoft.com/office/drawing/2014/main" id="{BDCAB18F-8715-4465-A940-F9C193A2ACE9}"/>
+                <a16:creationId xmlns:a16="http://schemas.microsoft.com/office/drawing/2014/main" xmlns="" id="{BDCAB18F-8715-4465-A940-F9C193A2ACE9}"/>
               </a:ext>
             </a:extLst>
           </p:cNvPr>
@@ -3662,7 +3662,7 @@
           <p:cNvPr id="6" name="Espaço Reservado para Número de Slide 5">
             <a:extLst>
               <a:ext uri="{FF2B5EF4-FFF2-40B4-BE49-F238E27FC236}">
-                <a16:creationId xmlns:a16="http://schemas.microsoft.com/office/drawing/2014/main" id="{353466C6-8248-429F-8056-FF040BF509EB}"/>
+                <a16:creationId xmlns:a16="http://schemas.microsoft.com/office/drawing/2014/main" xmlns="" id="{353466C6-8248-429F-8056-FF040BF509EB}"/>
               </a:ext>
             </a:extLst>
           </p:cNvPr>
@@ -3721,7 +3721,7 @@
           <p:cNvPr id="2" name="Título 1">
             <a:extLst>
               <a:ext uri="{FF2B5EF4-FFF2-40B4-BE49-F238E27FC236}">
-                <a16:creationId xmlns:a16="http://schemas.microsoft.com/office/drawing/2014/main" id="{BC7BB9F0-F14B-4A91-B2B7-35BC47FE4DE7}"/>
+                <a16:creationId xmlns:a16="http://schemas.microsoft.com/office/drawing/2014/main" xmlns="" id="{BC7BB9F0-F14B-4A91-B2B7-35BC47FE4DE7}"/>
               </a:ext>
             </a:extLst>
           </p:cNvPr>
@@ -3749,7 +3749,7 @@
           <p:cNvPr id="3" name="Espaço Reservado para Conteúdo 2">
             <a:extLst>
               <a:ext uri="{FF2B5EF4-FFF2-40B4-BE49-F238E27FC236}">
-                <a16:creationId xmlns:a16="http://schemas.microsoft.com/office/drawing/2014/main" id="{EC1FC1C4-73DA-47A6-8496-B0B457F7D39A}"/>
+                <a16:creationId xmlns:a16="http://schemas.microsoft.com/office/drawing/2014/main" xmlns="" id="{EC1FC1C4-73DA-47A6-8496-B0B457F7D39A}"/>
               </a:ext>
             </a:extLst>
           </p:cNvPr>
@@ -3811,7 +3811,7 @@
           <p:cNvPr id="4" name="Espaço Reservado para Conteúdo 3">
             <a:extLst>
               <a:ext uri="{FF2B5EF4-FFF2-40B4-BE49-F238E27FC236}">
-                <a16:creationId xmlns:a16="http://schemas.microsoft.com/office/drawing/2014/main" id="{E92F06A8-A449-4D92-9912-76873E529B38}"/>
+                <a16:creationId xmlns:a16="http://schemas.microsoft.com/office/drawing/2014/main" xmlns="" id="{E92F06A8-A449-4D92-9912-76873E529B38}"/>
               </a:ext>
             </a:extLst>
           </p:cNvPr>
@@ -3873,7 +3873,7 @@
           <p:cNvPr id="5" name="Espaço Reservado para Data 4">
             <a:extLst>
               <a:ext uri="{FF2B5EF4-FFF2-40B4-BE49-F238E27FC236}">
-                <a16:creationId xmlns:a16="http://schemas.microsoft.com/office/drawing/2014/main" id="{938070A4-BC2F-4D55-BD8D-DEAF11BB9EE9}"/>
+                <a16:creationId xmlns:a16="http://schemas.microsoft.com/office/drawing/2014/main" xmlns="" id="{938070A4-BC2F-4D55-BD8D-DEAF11BB9EE9}"/>
               </a:ext>
             </a:extLst>
           </p:cNvPr>
@@ -3891,7 +3891,7 @@
           <a:p>
             <a:fld id="{63289F7E-B80B-496E-81B4-D396C37C9454}" type="datetimeFigureOut">
               <a:rPr lang="pt-BR" smtClean="0"/>
-              <a:t>25/03/2022</a:t>
+              <a:t>02/09/2022</a:t>
             </a:fld>
             <a:endParaRPr lang="pt-BR"/>
           </a:p>
@@ -3902,7 +3902,7 @@
           <p:cNvPr id="6" name="Espaço Reservado para Rodapé 5">
             <a:extLst>
               <a:ext uri="{FF2B5EF4-FFF2-40B4-BE49-F238E27FC236}">
-                <a16:creationId xmlns:a16="http://schemas.microsoft.com/office/drawing/2014/main" id="{45CC2DB8-844A-465F-BA9A-7734C80C7F43}"/>
+                <a16:creationId xmlns:a16="http://schemas.microsoft.com/office/drawing/2014/main" xmlns="" id="{45CC2DB8-844A-465F-BA9A-7734C80C7F43}"/>
               </a:ext>
             </a:extLst>
           </p:cNvPr>
@@ -3927,7 +3927,7 @@
           <p:cNvPr id="7" name="Espaço Reservado para Número de Slide 6">
             <a:extLst>
               <a:ext uri="{FF2B5EF4-FFF2-40B4-BE49-F238E27FC236}">
-                <a16:creationId xmlns:a16="http://schemas.microsoft.com/office/drawing/2014/main" id="{4CC606A8-097B-4040-94E0-CD8C88280D8F}"/>
+                <a16:creationId xmlns:a16="http://schemas.microsoft.com/office/drawing/2014/main" xmlns="" id="{4CC606A8-097B-4040-94E0-CD8C88280D8F}"/>
               </a:ext>
             </a:extLst>
           </p:cNvPr>
@@ -3986,7 +3986,7 @@
           <p:cNvPr id="2" name="Título 1">
             <a:extLst>
               <a:ext uri="{FF2B5EF4-FFF2-40B4-BE49-F238E27FC236}">
-                <a16:creationId xmlns:a16="http://schemas.microsoft.com/office/drawing/2014/main" id="{76D66686-0143-4CB6-8C09-BA326F1E7ACA}"/>
+                <a16:creationId xmlns:a16="http://schemas.microsoft.com/office/drawing/2014/main" xmlns="" id="{76D66686-0143-4CB6-8C09-BA326F1E7ACA}"/>
               </a:ext>
             </a:extLst>
           </p:cNvPr>
@@ -4019,7 +4019,7 @@
           <p:cNvPr id="3" name="Espaço Reservado para Texto 2">
             <a:extLst>
               <a:ext uri="{FF2B5EF4-FFF2-40B4-BE49-F238E27FC236}">
-                <a16:creationId xmlns:a16="http://schemas.microsoft.com/office/drawing/2014/main" id="{0227AB85-F59E-4BCE-B846-4FA0992C2F23}"/>
+                <a16:creationId xmlns:a16="http://schemas.microsoft.com/office/drawing/2014/main" xmlns="" id="{0227AB85-F59E-4BCE-B846-4FA0992C2F23}"/>
               </a:ext>
             </a:extLst>
           </p:cNvPr>
@@ -4090,7 +4090,7 @@
           <p:cNvPr id="4" name="Espaço Reservado para Conteúdo 3">
             <a:extLst>
               <a:ext uri="{FF2B5EF4-FFF2-40B4-BE49-F238E27FC236}">
-                <a16:creationId xmlns:a16="http://schemas.microsoft.com/office/drawing/2014/main" id="{3373456C-7319-4D0A-827D-D29F6B083F5D}"/>
+                <a16:creationId xmlns:a16="http://schemas.microsoft.com/office/drawing/2014/main" xmlns="" id="{3373456C-7319-4D0A-827D-D29F6B083F5D}"/>
               </a:ext>
             </a:extLst>
           </p:cNvPr>
@@ -4152,7 +4152,7 @@
           <p:cNvPr id="5" name="Espaço Reservado para Texto 4">
             <a:extLst>
               <a:ext uri="{FF2B5EF4-FFF2-40B4-BE49-F238E27FC236}">
-                <a16:creationId xmlns:a16="http://schemas.microsoft.com/office/drawing/2014/main" id="{4CD109D0-2E83-4262-8029-A871CEC47406}"/>
+                <a16:creationId xmlns:a16="http://schemas.microsoft.com/office/drawing/2014/main" xmlns="" id="{4CD109D0-2E83-4262-8029-A871CEC47406}"/>
               </a:ext>
             </a:extLst>
           </p:cNvPr>
@@ -4223,7 +4223,7 @@
           <p:cNvPr id="6" name="Espaço Reservado para Conteúdo 5">
             <a:extLst>
               <a:ext uri="{FF2B5EF4-FFF2-40B4-BE49-F238E27FC236}">
-                <a16:creationId xmlns:a16="http://schemas.microsoft.com/office/drawing/2014/main" id="{AD706E3A-CFBB-4A6C-A65F-D0360A9E74FE}"/>
+                <a16:creationId xmlns:a16="http://schemas.microsoft.com/office/drawing/2014/main" xmlns="" id="{AD706E3A-CFBB-4A6C-A65F-D0360A9E74FE}"/>
               </a:ext>
             </a:extLst>
           </p:cNvPr>
@@ -4285,7 +4285,7 @@
           <p:cNvPr id="7" name="Espaço Reservado para Data 6">
             <a:extLst>
               <a:ext uri="{FF2B5EF4-FFF2-40B4-BE49-F238E27FC236}">
-                <a16:creationId xmlns:a16="http://schemas.microsoft.com/office/drawing/2014/main" id="{4172C0E5-5AF0-4805-BB51-443733CD2BD5}"/>
+                <a16:creationId xmlns:a16="http://schemas.microsoft.com/office/drawing/2014/main" xmlns="" id="{4172C0E5-5AF0-4805-BB51-443733CD2BD5}"/>
               </a:ext>
             </a:extLst>
           </p:cNvPr>
@@ -4303,7 +4303,7 @@
           <a:p>
             <a:fld id="{63289F7E-B80B-496E-81B4-D396C37C9454}" type="datetimeFigureOut">
               <a:rPr lang="pt-BR" smtClean="0"/>
-              <a:t>25/03/2022</a:t>
+              <a:t>02/09/2022</a:t>
             </a:fld>
             <a:endParaRPr lang="pt-BR"/>
           </a:p>
@@ -4314,7 +4314,7 @@
           <p:cNvPr id="8" name="Espaço Reservado para Rodapé 7">
             <a:extLst>
               <a:ext uri="{FF2B5EF4-FFF2-40B4-BE49-F238E27FC236}">
-                <a16:creationId xmlns:a16="http://schemas.microsoft.com/office/drawing/2014/main" id="{0E801648-156F-497E-99CF-797DF48051E1}"/>
+                <a16:creationId xmlns:a16="http://schemas.microsoft.com/office/drawing/2014/main" xmlns="" id="{0E801648-156F-497E-99CF-797DF48051E1}"/>
               </a:ext>
             </a:extLst>
           </p:cNvPr>
@@ -4339,7 +4339,7 @@
           <p:cNvPr id="9" name="Espaço Reservado para Número de Slide 8">
             <a:extLst>
               <a:ext uri="{FF2B5EF4-FFF2-40B4-BE49-F238E27FC236}">
-                <a16:creationId xmlns:a16="http://schemas.microsoft.com/office/drawing/2014/main" id="{EEE23D32-80E7-4796-A137-66BF842E4B53}"/>
+                <a16:creationId xmlns:a16="http://schemas.microsoft.com/office/drawing/2014/main" xmlns="" id="{EEE23D32-80E7-4796-A137-66BF842E4B53}"/>
               </a:ext>
             </a:extLst>
           </p:cNvPr>
@@ -4398,7 +4398,7 @@
           <p:cNvPr id="2" name="Título 1">
             <a:extLst>
               <a:ext uri="{FF2B5EF4-FFF2-40B4-BE49-F238E27FC236}">
-                <a16:creationId xmlns:a16="http://schemas.microsoft.com/office/drawing/2014/main" id="{2BCE2379-C78F-47E1-8CFC-B846E7AF148D}"/>
+                <a16:creationId xmlns:a16="http://schemas.microsoft.com/office/drawing/2014/main" xmlns="" id="{2BCE2379-C78F-47E1-8CFC-B846E7AF148D}"/>
               </a:ext>
             </a:extLst>
           </p:cNvPr>
@@ -4426,7 +4426,7 @@
           <p:cNvPr id="3" name="Espaço Reservado para Data 2">
             <a:extLst>
               <a:ext uri="{FF2B5EF4-FFF2-40B4-BE49-F238E27FC236}">
-                <a16:creationId xmlns:a16="http://schemas.microsoft.com/office/drawing/2014/main" id="{342600A9-7F92-4E22-9D94-E4717252A817}"/>
+                <a16:creationId xmlns:a16="http://schemas.microsoft.com/office/drawing/2014/main" xmlns="" id="{342600A9-7F92-4E22-9D94-E4717252A817}"/>
               </a:ext>
             </a:extLst>
           </p:cNvPr>
@@ -4444,7 +4444,7 @@
           <a:p>
             <a:fld id="{63289F7E-B80B-496E-81B4-D396C37C9454}" type="datetimeFigureOut">
               <a:rPr lang="pt-BR" smtClean="0"/>
-              <a:t>25/03/2022</a:t>
+              <a:t>02/09/2022</a:t>
             </a:fld>
             <a:endParaRPr lang="pt-BR"/>
           </a:p>
@@ -4455,7 +4455,7 @@
           <p:cNvPr id="4" name="Espaço Reservado para Rodapé 3">
             <a:extLst>
               <a:ext uri="{FF2B5EF4-FFF2-40B4-BE49-F238E27FC236}">
-                <a16:creationId xmlns:a16="http://schemas.microsoft.com/office/drawing/2014/main" id="{192E6BED-F546-40CC-A2DF-99CBA853654E}"/>
+                <a16:creationId xmlns:a16="http://schemas.microsoft.com/office/drawing/2014/main" xmlns="" id="{192E6BED-F546-40CC-A2DF-99CBA853654E}"/>
               </a:ext>
             </a:extLst>
           </p:cNvPr>
@@ -4480,7 +4480,7 @@
           <p:cNvPr id="5" name="Espaço Reservado para Número de Slide 4">
             <a:extLst>
               <a:ext uri="{FF2B5EF4-FFF2-40B4-BE49-F238E27FC236}">
-                <a16:creationId xmlns:a16="http://schemas.microsoft.com/office/drawing/2014/main" id="{6091CC40-A8C4-4063-80EB-CC5099621678}"/>
+                <a16:creationId xmlns:a16="http://schemas.microsoft.com/office/drawing/2014/main" xmlns="" id="{6091CC40-A8C4-4063-80EB-CC5099621678}"/>
               </a:ext>
             </a:extLst>
           </p:cNvPr>
@@ -4539,7 +4539,7 @@
           <p:cNvPr id="2" name="Espaço Reservado para Data 1">
             <a:extLst>
               <a:ext uri="{FF2B5EF4-FFF2-40B4-BE49-F238E27FC236}">
-                <a16:creationId xmlns:a16="http://schemas.microsoft.com/office/drawing/2014/main" id="{DD19515C-212C-4EAE-84A3-8FF4BC844F1B}"/>
+                <a16:creationId xmlns:a16="http://schemas.microsoft.com/office/drawing/2014/main" xmlns="" id="{DD19515C-212C-4EAE-84A3-8FF4BC844F1B}"/>
               </a:ext>
             </a:extLst>
           </p:cNvPr>
@@ -4557,7 +4557,7 @@
           <a:p>
             <a:fld id="{63289F7E-B80B-496E-81B4-D396C37C9454}" type="datetimeFigureOut">
               <a:rPr lang="pt-BR" smtClean="0"/>
-              <a:t>25/03/2022</a:t>
+              <a:t>02/09/2022</a:t>
             </a:fld>
             <a:endParaRPr lang="pt-BR"/>
           </a:p>
@@ -4568,7 +4568,7 @@
           <p:cNvPr id="3" name="Espaço Reservado para Rodapé 2">
             <a:extLst>
               <a:ext uri="{FF2B5EF4-FFF2-40B4-BE49-F238E27FC236}">
-                <a16:creationId xmlns:a16="http://schemas.microsoft.com/office/drawing/2014/main" id="{94D3D120-B3E8-4C96-861D-7A4F12F49B3A}"/>
+                <a16:creationId xmlns:a16="http://schemas.microsoft.com/office/drawing/2014/main" xmlns="" id="{94D3D120-B3E8-4C96-861D-7A4F12F49B3A}"/>
               </a:ext>
             </a:extLst>
           </p:cNvPr>
@@ -4593,7 +4593,7 @@
           <p:cNvPr id="4" name="Espaço Reservado para Número de Slide 3">
             <a:extLst>
               <a:ext uri="{FF2B5EF4-FFF2-40B4-BE49-F238E27FC236}">
-                <a16:creationId xmlns:a16="http://schemas.microsoft.com/office/drawing/2014/main" id="{42E49B68-FA1B-468B-9F17-D5C09243D454}"/>
+                <a16:creationId xmlns:a16="http://schemas.microsoft.com/office/drawing/2014/main" xmlns="" id="{42E49B68-FA1B-468B-9F17-D5C09243D454}"/>
               </a:ext>
             </a:extLst>
           </p:cNvPr>
@@ -4652,7 +4652,7 @@
           <p:cNvPr id="2" name="Título 1">
             <a:extLst>
               <a:ext uri="{FF2B5EF4-FFF2-40B4-BE49-F238E27FC236}">
-                <a16:creationId xmlns:a16="http://schemas.microsoft.com/office/drawing/2014/main" id="{1C17BCBE-A897-4319-85EC-D87909C24980}"/>
+                <a16:creationId xmlns:a16="http://schemas.microsoft.com/office/drawing/2014/main" xmlns="" id="{1C17BCBE-A897-4319-85EC-D87909C24980}"/>
               </a:ext>
             </a:extLst>
           </p:cNvPr>
@@ -4689,7 +4689,7 @@
           <p:cNvPr id="3" name="Espaço Reservado para Conteúdo 2">
             <a:extLst>
               <a:ext uri="{FF2B5EF4-FFF2-40B4-BE49-F238E27FC236}">
-                <a16:creationId xmlns:a16="http://schemas.microsoft.com/office/drawing/2014/main" id="{4226F885-0204-4913-868B-4B8B82576F17}"/>
+                <a16:creationId xmlns:a16="http://schemas.microsoft.com/office/drawing/2014/main" xmlns="" id="{4226F885-0204-4913-868B-4B8B82576F17}"/>
               </a:ext>
             </a:extLst>
           </p:cNvPr>
@@ -4779,7 +4779,7 @@
           <p:cNvPr id="4" name="Espaço Reservado para Texto 3">
             <a:extLst>
               <a:ext uri="{FF2B5EF4-FFF2-40B4-BE49-F238E27FC236}">
-                <a16:creationId xmlns:a16="http://schemas.microsoft.com/office/drawing/2014/main" id="{00F9F784-A858-441B-8AB5-697098141751}"/>
+                <a16:creationId xmlns:a16="http://schemas.microsoft.com/office/drawing/2014/main" xmlns="" id="{00F9F784-A858-441B-8AB5-697098141751}"/>
               </a:ext>
             </a:extLst>
           </p:cNvPr>
@@ -4850,7 +4850,7 @@
           <p:cNvPr id="5" name="Espaço Reservado para Data 4">
             <a:extLst>
               <a:ext uri="{FF2B5EF4-FFF2-40B4-BE49-F238E27FC236}">
-                <a16:creationId xmlns:a16="http://schemas.microsoft.com/office/drawing/2014/main" id="{A4DC363A-5000-472E-8B17-02E7DCB8840A}"/>
+                <a16:creationId xmlns:a16="http://schemas.microsoft.com/office/drawing/2014/main" xmlns="" id="{A4DC363A-5000-472E-8B17-02E7DCB8840A}"/>
               </a:ext>
             </a:extLst>
           </p:cNvPr>
@@ -4868,7 +4868,7 @@
           <a:p>
             <a:fld id="{63289F7E-B80B-496E-81B4-D396C37C9454}" type="datetimeFigureOut">
               <a:rPr lang="pt-BR" smtClean="0"/>
-              <a:t>25/03/2022</a:t>
+              <a:t>02/09/2022</a:t>
             </a:fld>
             <a:endParaRPr lang="pt-BR"/>
           </a:p>
@@ -4879,7 +4879,7 @@
           <p:cNvPr id="6" name="Espaço Reservado para Rodapé 5">
             <a:extLst>
               <a:ext uri="{FF2B5EF4-FFF2-40B4-BE49-F238E27FC236}">
-                <a16:creationId xmlns:a16="http://schemas.microsoft.com/office/drawing/2014/main" id="{5548425D-2C21-4C56-BAD4-662978775C28}"/>
+                <a16:creationId xmlns:a16="http://schemas.microsoft.com/office/drawing/2014/main" xmlns="" id="{5548425D-2C21-4C56-BAD4-662978775C28}"/>
               </a:ext>
             </a:extLst>
           </p:cNvPr>
@@ -4904,7 +4904,7 @@
           <p:cNvPr id="7" name="Espaço Reservado para Número de Slide 6">
             <a:extLst>
               <a:ext uri="{FF2B5EF4-FFF2-40B4-BE49-F238E27FC236}">
-                <a16:creationId xmlns:a16="http://schemas.microsoft.com/office/drawing/2014/main" id="{C63E9726-E64C-42B2-AE8A-8C235A956B48}"/>
+                <a16:creationId xmlns:a16="http://schemas.microsoft.com/office/drawing/2014/main" xmlns="" id="{C63E9726-E64C-42B2-AE8A-8C235A956B48}"/>
               </a:ext>
             </a:extLst>
           </p:cNvPr>
@@ -4963,7 +4963,7 @@
           <p:cNvPr id="2" name="Título 1">
             <a:extLst>
               <a:ext uri="{FF2B5EF4-FFF2-40B4-BE49-F238E27FC236}">
-                <a16:creationId xmlns:a16="http://schemas.microsoft.com/office/drawing/2014/main" id="{11086A78-3E74-450C-96A6-CA8AC37AF772}"/>
+                <a16:creationId xmlns:a16="http://schemas.microsoft.com/office/drawing/2014/main" xmlns="" id="{11086A78-3E74-450C-96A6-CA8AC37AF772}"/>
               </a:ext>
             </a:extLst>
           </p:cNvPr>
@@ -5000,7 +5000,7 @@
           <p:cNvPr id="3" name="Espaço Reservado para Imagem 2">
             <a:extLst>
               <a:ext uri="{FF2B5EF4-FFF2-40B4-BE49-F238E27FC236}">
-                <a16:creationId xmlns:a16="http://schemas.microsoft.com/office/drawing/2014/main" id="{5F5B7312-975A-4DBC-9B2F-3652ADA006FD}"/>
+                <a16:creationId xmlns:a16="http://schemas.microsoft.com/office/drawing/2014/main" xmlns="" id="{5F5B7312-975A-4DBC-9B2F-3652ADA006FD}"/>
               </a:ext>
             </a:extLst>
           </p:cNvPr>
@@ -5067,7 +5067,7 @@
           <p:cNvPr id="4" name="Espaço Reservado para Texto 3">
             <a:extLst>
               <a:ext uri="{FF2B5EF4-FFF2-40B4-BE49-F238E27FC236}">
-                <a16:creationId xmlns:a16="http://schemas.microsoft.com/office/drawing/2014/main" id="{AAF805F5-1DFF-41C6-944C-7D79FE0D0963}"/>
+                <a16:creationId xmlns:a16="http://schemas.microsoft.com/office/drawing/2014/main" xmlns="" id="{AAF805F5-1DFF-41C6-944C-7D79FE0D0963}"/>
               </a:ext>
             </a:extLst>
           </p:cNvPr>
@@ -5138,7 +5138,7 @@
           <p:cNvPr id="5" name="Espaço Reservado para Data 4">
             <a:extLst>
               <a:ext uri="{FF2B5EF4-FFF2-40B4-BE49-F238E27FC236}">
-                <a16:creationId xmlns:a16="http://schemas.microsoft.com/office/drawing/2014/main" id="{02113D81-8665-4516-BD81-C6A1F254EECD}"/>
+                <a16:creationId xmlns:a16="http://schemas.microsoft.com/office/drawing/2014/main" xmlns="" id="{02113D81-8665-4516-BD81-C6A1F254EECD}"/>
               </a:ext>
             </a:extLst>
           </p:cNvPr>
@@ -5156,7 +5156,7 @@
           <a:p>
             <a:fld id="{63289F7E-B80B-496E-81B4-D396C37C9454}" type="datetimeFigureOut">
               <a:rPr lang="pt-BR" smtClean="0"/>
-              <a:t>25/03/2022</a:t>
+              <a:t>02/09/2022</a:t>
             </a:fld>
             <a:endParaRPr lang="pt-BR"/>
           </a:p>
@@ -5167,7 +5167,7 @@
           <p:cNvPr id="6" name="Espaço Reservado para Rodapé 5">
             <a:extLst>
               <a:ext uri="{FF2B5EF4-FFF2-40B4-BE49-F238E27FC236}">
-                <a16:creationId xmlns:a16="http://schemas.microsoft.com/office/drawing/2014/main" id="{2B00C88B-FF32-40AA-A187-727D96FD7862}"/>
+                <a16:creationId xmlns:a16="http://schemas.microsoft.com/office/drawing/2014/main" xmlns="" id="{2B00C88B-FF32-40AA-A187-727D96FD7862}"/>
               </a:ext>
             </a:extLst>
           </p:cNvPr>
@@ -5192,7 +5192,7 @@
           <p:cNvPr id="7" name="Espaço Reservado para Número de Slide 6">
             <a:extLst>
               <a:ext uri="{FF2B5EF4-FFF2-40B4-BE49-F238E27FC236}">
-                <a16:creationId xmlns:a16="http://schemas.microsoft.com/office/drawing/2014/main" id="{A04D1A2D-69F7-4B8F-A730-BC26DC340BA6}"/>
+                <a16:creationId xmlns:a16="http://schemas.microsoft.com/office/drawing/2014/main" xmlns="" id="{A04D1A2D-69F7-4B8F-A730-BC26DC340BA6}"/>
               </a:ext>
             </a:extLst>
           </p:cNvPr>
@@ -5256,7 +5256,7 @@
           <p:cNvPr id="2" name="Espaço Reservado para Título 1">
             <a:extLst>
               <a:ext uri="{FF2B5EF4-FFF2-40B4-BE49-F238E27FC236}">
-                <a16:creationId xmlns:a16="http://schemas.microsoft.com/office/drawing/2014/main" id="{E69A0273-1966-4A1B-9370-4C1CE5036371}"/>
+                <a16:creationId xmlns:a16="http://schemas.microsoft.com/office/drawing/2014/main" xmlns="" id="{E69A0273-1966-4A1B-9370-4C1CE5036371}"/>
               </a:ext>
             </a:extLst>
           </p:cNvPr>
@@ -5294,7 +5294,7 @@
           <p:cNvPr id="3" name="Espaço Reservado para Texto 2">
             <a:extLst>
               <a:ext uri="{FF2B5EF4-FFF2-40B4-BE49-F238E27FC236}">
-                <a16:creationId xmlns:a16="http://schemas.microsoft.com/office/drawing/2014/main" id="{3B9CF87A-0448-49A7-AB25-EBC1D56A40EF}"/>
+                <a16:creationId xmlns:a16="http://schemas.microsoft.com/office/drawing/2014/main" xmlns="" id="{3B9CF87A-0448-49A7-AB25-EBC1D56A40EF}"/>
               </a:ext>
             </a:extLst>
           </p:cNvPr>
@@ -5361,7 +5361,7 @@
           <p:cNvPr id="4" name="Espaço Reservado para Data 3">
             <a:extLst>
               <a:ext uri="{FF2B5EF4-FFF2-40B4-BE49-F238E27FC236}">
-                <a16:creationId xmlns:a16="http://schemas.microsoft.com/office/drawing/2014/main" id="{2EF7B1F2-BB5A-44D0-816D-16AD2C71430E}"/>
+                <a16:creationId xmlns:a16="http://schemas.microsoft.com/office/drawing/2014/main" xmlns="" id="{2EF7B1F2-BB5A-44D0-816D-16AD2C71430E}"/>
               </a:ext>
             </a:extLst>
           </p:cNvPr>
@@ -5397,7 +5397,7 @@
           <a:p>
             <a:fld id="{63289F7E-B80B-496E-81B4-D396C37C9454}" type="datetimeFigureOut">
               <a:rPr lang="pt-BR" smtClean="0"/>
-              <a:t>25/03/2022</a:t>
+              <a:t>02/09/2022</a:t>
             </a:fld>
             <a:endParaRPr lang="pt-BR"/>
           </a:p>
@@ -5408,7 +5408,7 @@
           <p:cNvPr id="5" name="Espaço Reservado para Rodapé 4">
             <a:extLst>
               <a:ext uri="{FF2B5EF4-FFF2-40B4-BE49-F238E27FC236}">
-                <a16:creationId xmlns:a16="http://schemas.microsoft.com/office/drawing/2014/main" id="{C703F94C-2CC8-4DAA-BC35-14FC3E841DCD}"/>
+                <a16:creationId xmlns:a16="http://schemas.microsoft.com/office/drawing/2014/main" xmlns="" id="{C703F94C-2CC8-4DAA-BC35-14FC3E841DCD}"/>
               </a:ext>
             </a:extLst>
           </p:cNvPr>
@@ -5451,7 +5451,7 @@
           <p:cNvPr id="6" name="Espaço Reservado para Número de Slide 5">
             <a:extLst>
               <a:ext uri="{FF2B5EF4-FFF2-40B4-BE49-F238E27FC236}">
-                <a16:creationId xmlns:a16="http://schemas.microsoft.com/office/drawing/2014/main" id="{64051336-7048-457A-8B61-D94291D71648}"/>
+                <a16:creationId xmlns:a16="http://schemas.microsoft.com/office/drawing/2014/main" xmlns="" id="{64051336-7048-457A-8B61-D94291D71648}"/>
               </a:ext>
             </a:extLst>
           </p:cNvPr>
@@ -5819,7 +5819,7 @@
           <p:cNvPr id="2" name="Título 1">
             <a:extLst>
               <a:ext uri="{FF2B5EF4-FFF2-40B4-BE49-F238E27FC236}">
-                <a16:creationId xmlns:a16="http://schemas.microsoft.com/office/drawing/2014/main" id="{32666AC8-2E17-4DB4-B0F5-60C640CCFD2E}"/>
+                <a16:creationId xmlns:a16="http://schemas.microsoft.com/office/drawing/2014/main" xmlns="" id="{32666AC8-2E17-4DB4-B0F5-60C640CCFD2E}"/>
               </a:ext>
             </a:extLst>
           </p:cNvPr>
@@ -5846,6 +5846,10 @@
               <a:rPr lang="pt-BR" sz="5400" dirty="0"/>
               <a:t>T320 - Introdução ao Aprendizado de Máquina II:</a:t>
             </a:r>
+            <a:r>
+              <a:rPr lang="pt-BR" dirty="0"/>
+              <a:t/>
+            </a:r>
             <a:br>
               <a:rPr lang="pt-BR" dirty="0"/>
             </a:br>
@@ -5861,7 +5865,7 @@
           <p:cNvPr id="4" name="CaixaDeTexto 3">
             <a:extLst>
               <a:ext uri="{FF2B5EF4-FFF2-40B4-BE49-F238E27FC236}">
-                <a16:creationId xmlns:a16="http://schemas.microsoft.com/office/drawing/2014/main" id="{430EB894-B7D4-434C-9D1A-A14094D9BEEC}"/>
+                <a16:creationId xmlns:a16="http://schemas.microsoft.com/office/drawing/2014/main" xmlns="" id="{430EB894-B7D4-434C-9D1A-A14094D9BEEC}"/>
               </a:ext>
             </a:extLst>
           </p:cNvPr>
@@ -5902,7 +5906,7 @@
           <p:cNvPr id="1026" name="Picture 2" descr="Logo">
             <a:extLst>
               <a:ext uri="{FF2B5EF4-FFF2-40B4-BE49-F238E27FC236}">
-                <a16:creationId xmlns:a16="http://schemas.microsoft.com/office/drawing/2014/main" id="{3F2642E0-4F6A-4196-8F58-E77D36E9A33F}"/>
+                <a16:creationId xmlns:a16="http://schemas.microsoft.com/office/drawing/2014/main" xmlns="" id="{3F2642E0-4F6A-4196-8F58-E77D36E9A33F}"/>
               </a:ext>
             </a:extLst>
           </p:cNvPr>
@@ -5947,7 +5951,7 @@
           <p:cNvPr id="5122" name="Picture 2" descr="Image result for machine learning">
             <a:extLst>
               <a:ext uri="{FF2B5EF4-FFF2-40B4-BE49-F238E27FC236}">
-                <a16:creationId xmlns:a16="http://schemas.microsoft.com/office/drawing/2014/main" id="{810CE0A2-4102-44A6-A370-175E7896CDCB}"/>
+                <a16:creationId xmlns:a16="http://schemas.microsoft.com/office/drawing/2014/main" xmlns="" id="{810CE0A2-4102-44A6-A370-175E7896CDCB}"/>
               </a:ext>
             </a:extLst>
           </p:cNvPr>
@@ -6039,8 +6043,8 @@
           </a:p>
         </p:txBody>
       </p:sp>
-      <mc:AlternateContent xmlns:mc="http://schemas.openxmlformats.org/markup-compatibility/2006">
-        <mc:Choice xmlns:a14="http://schemas.microsoft.com/office/drawing/2010/main" Requires="a14">
+      <mc:AlternateContent xmlns:mc="http://schemas.openxmlformats.org/markup-compatibility/2006" xmlns:a14="http://schemas.microsoft.com/office/drawing/2010/main">
+        <mc:Choice Requires="a14">
           <p:sp>
             <p:nvSpPr>
               <p:cNvPr id="3" name="Content Placeholder 2"/>
@@ -6638,7 +6642,7 @@
             </p:txBody>
           </p:sp>
         </mc:Choice>
-        <mc:Fallback>
+        <mc:Fallback xmlns="">
           <p:sp>
             <p:nvSpPr>
               <p:cNvPr id="3" name="Content Placeholder 2"/>
@@ -6894,8 +6898,8 @@
           </a:p>
         </p:txBody>
       </p:sp>
-      <mc:AlternateContent xmlns:mc="http://schemas.openxmlformats.org/markup-compatibility/2006">
-        <mc:Choice xmlns:a14="http://schemas.microsoft.com/office/drawing/2010/main" Requires="a14">
+      <mc:AlternateContent xmlns:mc="http://schemas.openxmlformats.org/markup-compatibility/2006" xmlns:a14="http://schemas.microsoft.com/office/drawing/2010/main">
+        <mc:Choice Requires="a14">
           <p:sp>
             <p:nvSpPr>
               <p:cNvPr id="3" name="Content Placeholder 2"/>
@@ -8285,7 +8289,7 @@
             </p:txBody>
           </p:sp>
         </mc:Choice>
-        <mc:Fallback>
+        <mc:Fallback xmlns="">
           <p:sp>
             <p:nvSpPr>
               <p:cNvPr id="3" name="Content Placeholder 2"/>
@@ -8371,8 +8375,8 @@
           </a:p>
         </p:txBody>
       </p:sp>
-      <mc:AlternateContent xmlns:mc="http://schemas.openxmlformats.org/markup-compatibility/2006">
-        <mc:Choice xmlns:a14="http://schemas.microsoft.com/office/drawing/2010/main" Requires="a14">
+      <mc:AlternateContent xmlns:mc="http://schemas.openxmlformats.org/markup-compatibility/2006" xmlns:a14="http://schemas.microsoft.com/office/drawing/2010/main">
+        <mc:Choice Requires="a14">
           <p:sp>
             <p:nvSpPr>
               <p:cNvPr id="3" name="Content Placeholder 2"/>
@@ -9243,7 +9247,7 @@
             </p:txBody>
           </p:sp>
         </mc:Choice>
-        <mc:Fallback>
+        <mc:Fallback xmlns="">
           <p:sp>
             <p:nvSpPr>
               <p:cNvPr id="3" name="Content Placeholder 2"/>
@@ -9349,8 +9353,8 @@
           </a:fontRef>
         </p:style>
       </p:cxnSp>
-      <mc:AlternateContent xmlns:mc="http://schemas.openxmlformats.org/markup-compatibility/2006">
-        <mc:Choice xmlns:a14="http://schemas.microsoft.com/office/drawing/2010/main" Requires="a14">
+      <mc:AlternateContent xmlns:mc="http://schemas.openxmlformats.org/markup-compatibility/2006" xmlns:a14="http://schemas.microsoft.com/office/drawing/2010/main">
+        <mc:Choice Requires="a14">
           <p:sp>
             <p:nvSpPr>
               <p:cNvPr id="9" name="TextBox 8"/>
@@ -9395,7 +9399,7 @@
             </p:txBody>
           </p:sp>
         </mc:Choice>
-        <mc:Fallback>
+        <mc:Fallback xmlns="">
           <p:sp>
             <p:nvSpPr>
               <p:cNvPr id="9" name="TextBox 8"/>
@@ -9524,8 +9528,8 @@
           </a:p>
         </p:txBody>
       </p:sp>
-      <mc:AlternateContent xmlns:mc="http://schemas.openxmlformats.org/markup-compatibility/2006">
-        <mc:Choice xmlns:a14="http://schemas.microsoft.com/office/drawing/2010/main" Requires="a14">
+      <mc:AlternateContent xmlns:mc="http://schemas.openxmlformats.org/markup-compatibility/2006" xmlns:a14="http://schemas.microsoft.com/office/drawing/2010/main">
+        <mc:Choice Requires="a14">
           <p:sp>
             <p:nvSpPr>
               <p:cNvPr id="3" name="Content Placeholder 2"/>
@@ -10344,7 +10348,7 @@
             </p:txBody>
           </p:sp>
         </mc:Choice>
-        <mc:Fallback>
+        <mc:Fallback xmlns="">
           <p:sp>
             <p:nvSpPr>
               <p:cNvPr id="3" name="Content Placeholder 2"/>
@@ -11337,8 +11341,8 @@
           </a:p>
         </p:txBody>
       </p:sp>
-      <mc:AlternateContent xmlns:mc="http://schemas.openxmlformats.org/markup-compatibility/2006">
-        <mc:Choice xmlns:a14="http://schemas.microsoft.com/office/drawing/2010/main" Requires="a14">
+      <mc:AlternateContent xmlns:mc="http://schemas.openxmlformats.org/markup-compatibility/2006" xmlns:a14="http://schemas.microsoft.com/office/drawing/2010/main">
+        <mc:Choice Requires="a14">
           <p:sp>
             <p:nvSpPr>
               <p:cNvPr id="4" name="TextBox 3"/>
@@ -11535,7 +11539,7 @@
             </p:txBody>
           </p:sp>
         </mc:Choice>
-        <mc:Fallback>
+        <mc:Fallback xmlns="">
           <p:sp>
             <p:nvSpPr>
               <p:cNvPr id="4" name="TextBox 3"/>
@@ -11753,7 +11757,7 @@
           <p:cNvPr id="4" name="Título 1">
             <a:extLst>
               <a:ext uri="{FF2B5EF4-FFF2-40B4-BE49-F238E27FC236}">
-                <a16:creationId xmlns:a16="http://schemas.microsoft.com/office/drawing/2014/main" id="{32666AC8-2E17-4DB4-B0F5-60C640CCFD2E}"/>
+                <a16:creationId xmlns:a16="http://schemas.microsoft.com/office/drawing/2014/main" xmlns="" id="{32666AC8-2E17-4DB4-B0F5-60C640CCFD2E}"/>
               </a:ext>
             </a:extLst>
           </p:cNvPr>
@@ -12023,8 +12027,8 @@
           </a:p>
         </p:txBody>
       </p:sp>
-      <mc:AlternateContent xmlns:mc="http://schemas.openxmlformats.org/markup-compatibility/2006" xmlns:a14="http://schemas.microsoft.com/office/drawing/2010/main">
-        <mc:Choice Requires="a14">
+      <mc:AlternateContent xmlns:mc="http://schemas.openxmlformats.org/markup-compatibility/2006">
+        <mc:Choice xmlns:a14="http://schemas.microsoft.com/office/drawing/2010/main" Requires="a14">
           <p:sp>
             <p:nvSpPr>
               <p:cNvPr id="3" name="Content Placeholder 2"/>
@@ -12038,7 +12042,7 @@
             <p:spPr>
               <a:xfrm>
                 <a:off x="838199" y="1784680"/>
-                <a:ext cx="11171831" cy="5032376"/>
+                <a:ext cx="11049001" cy="5073320"/>
               </a:xfrm>
             </p:spPr>
             <p:txBody>
@@ -12077,7 +12081,15 @@
                 </a14:m>
                 <a:r>
                   <a:rPr lang="pt-BR" dirty="0"/>
-                  <a:t>), mas e quando existem mais de 2 classes (i.e., </a:t>
+                  <a:t>), mas e quando </a:t>
+                </a:r>
+                <a:r>
+                  <a:rPr lang="pt-BR" dirty="0" smtClean="0"/>
+                  <a:t>o problema possui mais </a:t>
+                </a:r>
+                <a:r>
+                  <a:rPr lang="pt-BR" dirty="0"/>
+                  <a:t>de 2 classes (i.e., </a:t>
                 </a:r>
                 <a14:m>
                   <m:oMath xmlns:m="http://schemas.openxmlformats.org/officeDocument/2006/math">
@@ -12227,7 +12239,7 @@
             </p:txBody>
           </p:sp>
         </mc:Choice>
-        <mc:Fallback xmlns="">
+        <mc:Fallback>
           <p:sp>
             <p:nvSpPr>
               <p:cNvPr id="3" name="Content Placeholder 2"/>
@@ -12241,12 +12253,12 @@
             <p:spPr>
               <a:xfrm>
                 <a:off x="838199" y="1784680"/>
-                <a:ext cx="11171831" cy="5032376"/>
+                <a:ext cx="11049001" cy="5073320"/>
               </a:xfrm>
               <a:blipFill rotWithShape="0">
                 <a:blip r:embed="rId2"/>
                 <a:stretch>
-                  <a:fillRect l="-818" t="-2424" b="-2667"/>
+                  <a:fillRect l="-827" t="-2404" r="-221" b="-1803"/>
                 </a:stretch>
               </a:blipFill>
             </p:spPr>
@@ -12322,8 +12334,8 @@
           </a:p>
         </p:txBody>
       </p:sp>
-      <mc:AlternateContent xmlns:mc="http://schemas.openxmlformats.org/markup-compatibility/2006" xmlns:a14="http://schemas.microsoft.com/office/drawing/2010/main">
-        <mc:Choice Requires="a14">
+      <mc:AlternateContent xmlns:mc="http://schemas.openxmlformats.org/markup-compatibility/2006">
+        <mc:Choice xmlns:a14="http://schemas.microsoft.com/office/drawing/2010/main" Requires="a14">
           <p:sp>
             <p:nvSpPr>
               <p:cNvPr id="3" name="Content Placeholder 2"/>
@@ -12372,7 +12384,15 @@
                 </a:r>
                 <a:r>
                   <a:rPr lang="pt-BR" dirty="0"/>
-                  <a:t>), representado por sua função hipótese,</a:t>
+                  <a:t>), representado </a:t>
+                </a:r>
+                <a:r>
+                  <a:rPr lang="pt-BR" dirty="0" smtClean="0"/>
+                  <a:t>pela </a:t>
+                </a:r>
+                <a:r>
+                  <a:rPr lang="pt-BR" dirty="0"/>
+                  <a:t>função hipótese,</a:t>
                 </a:r>
                 <a:r>
                   <a:rPr lang="pt-BR" b="1" i="1" dirty="0"/>
@@ -13024,7 +13044,7 @@
             </p:txBody>
           </p:sp>
         </mc:Choice>
-        <mc:Fallback xmlns="">
+        <mc:Fallback>
           <p:sp>
             <p:nvSpPr>
               <p:cNvPr id="3" name="Content Placeholder 2"/>
@@ -13043,7 +13063,7 @@
               <a:blipFill rotWithShape="0">
                 <a:blip r:embed="rId3"/>
                 <a:stretch>
-                  <a:fillRect l="-874" t="-2975" r="-601" b="-572"/>
+                  <a:fillRect l="-874" t="-2975" r="-1421" b="-572"/>
                 </a:stretch>
               </a:blipFill>
             </p:spPr>
@@ -13293,6 +13313,148 @@
           </a:p>
         </p:txBody>
       </p:sp>
+      <p:sp>
+        <p:nvSpPr>
+          <p:cNvPr id="9" name="Mais 8"/>
+          <p:cNvSpPr/>
+          <p:nvPr/>
+        </p:nvSpPr>
+        <p:spPr>
+          <a:xfrm>
+            <a:off x="9557685" y="6434554"/>
+            <a:ext cx="271604" cy="298764"/>
+          </a:xfrm>
+          <a:prstGeom prst="mathPlus">
+            <a:avLst/>
+          </a:prstGeom>
+          <a:solidFill>
+            <a:srgbClr val="7030A0"/>
+          </a:solidFill>
+          <a:ln>
+            <a:solidFill>
+              <a:srgbClr val="7030A0"/>
+            </a:solidFill>
+          </a:ln>
+        </p:spPr>
+        <p:style>
+          <a:lnRef idx="2">
+            <a:schemeClr val="accent1">
+              <a:shade val="50000"/>
+            </a:schemeClr>
+          </a:lnRef>
+          <a:fillRef idx="1">
+            <a:schemeClr val="accent1"/>
+          </a:fillRef>
+          <a:effectRef idx="0">
+            <a:schemeClr val="accent1"/>
+          </a:effectRef>
+          <a:fontRef idx="minor">
+            <a:schemeClr val="lt1"/>
+          </a:fontRef>
+        </p:style>
+        <p:txBody>
+          <a:bodyPr rtlCol="0" anchor="ctr"/>
+          <a:lstStyle/>
+          <a:p>
+            <a:pPr algn="ctr"/>
+            <a:endParaRPr lang="pt-BR"/>
+          </a:p>
+        </p:txBody>
+      </p:sp>
+      <p:sp>
+        <p:nvSpPr>
+          <p:cNvPr id="3" name="CaixaDeTexto 2"/>
+          <p:cNvSpPr txBox="1"/>
+          <p:nvPr/>
+        </p:nvSpPr>
+        <p:spPr>
+          <a:xfrm>
+            <a:off x="9972304" y="6425541"/>
+            <a:ext cx="1759584" cy="307777"/>
+          </a:xfrm>
+          <a:prstGeom prst="rect">
+            <a:avLst/>
+          </a:prstGeom>
+          <a:noFill/>
+        </p:spPr>
+        <p:txBody>
+          <a:bodyPr wrap="none" rtlCol="0">
+            <a:spAutoFit/>
+          </a:bodyPr>
+          <a:lstStyle/>
+          <a:p>
+            <a:r>
+              <a:rPr lang="pt-BR" sz="1400" dirty="0" smtClean="0"/>
+              <a:t>Exemplo de validação</a:t>
+            </a:r>
+          </a:p>
+        </p:txBody>
+      </p:sp>
+      <p:cxnSp>
+        <p:nvCxnSpPr>
+          <p:cNvPr id="10" name="Conector reto 9"/>
+          <p:cNvCxnSpPr/>
+          <p:nvPr/>
+        </p:nvCxnSpPr>
+        <p:spPr>
+          <a:xfrm>
+            <a:off x="9413940" y="6211529"/>
+            <a:ext cx="504000" cy="0"/>
+          </a:xfrm>
+          <a:prstGeom prst="line">
+            <a:avLst/>
+          </a:prstGeom>
+          <a:ln>
+            <a:solidFill>
+              <a:schemeClr val="tx1"/>
+            </a:solidFill>
+            <a:prstDash val="dash"/>
+          </a:ln>
+        </p:spPr>
+        <p:style>
+          <a:lnRef idx="1">
+            <a:schemeClr val="accent1"/>
+          </a:lnRef>
+          <a:fillRef idx="0">
+            <a:schemeClr val="accent1"/>
+          </a:fillRef>
+          <a:effectRef idx="0">
+            <a:schemeClr val="accent1"/>
+          </a:effectRef>
+          <a:fontRef idx="minor">
+            <a:schemeClr val="tx1"/>
+          </a:fontRef>
+        </p:style>
+      </p:cxnSp>
+      <p:sp>
+        <p:nvSpPr>
+          <p:cNvPr id="16" name="CaixaDeTexto 15"/>
+          <p:cNvSpPr txBox="1"/>
+          <p:nvPr/>
+        </p:nvSpPr>
+        <p:spPr>
+          <a:xfrm>
+            <a:off x="9976023" y="6057640"/>
+            <a:ext cx="1666931" cy="307777"/>
+          </a:xfrm>
+          <a:prstGeom prst="rect">
+            <a:avLst/>
+          </a:prstGeom>
+          <a:noFill/>
+        </p:spPr>
+        <p:txBody>
+          <a:bodyPr wrap="none" rtlCol="0">
+            <a:spAutoFit/>
+          </a:bodyPr>
+          <a:lstStyle/>
+          <a:p>
+            <a:r>
+              <a:rPr lang="pt-BR" sz="1400" dirty="0" smtClean="0"/>
+              <a:t>Fronteira de decisão</a:t>
+            </a:r>
+          </a:p>
+        </p:txBody>
+      </p:sp>
     </p:spTree>
     <p:extLst>
       <p:ext uri="{BB962C8B-B14F-4D97-AF65-F5344CB8AC3E}">
@@ -14103,8 +14265,8 @@
           </a:p>
         </p:txBody>
       </p:sp>
-      <mc:AlternateContent xmlns:mc="http://schemas.openxmlformats.org/markup-compatibility/2006" xmlns:a14="http://schemas.microsoft.com/office/drawing/2010/main">
-        <mc:Choice Requires="a14">
+      <mc:AlternateContent xmlns:mc="http://schemas.openxmlformats.org/markup-compatibility/2006">
+        <mc:Choice xmlns:a14="http://schemas.microsoft.com/office/drawing/2010/main" Requires="a14">
           <p:sp>
             <p:nvSpPr>
               <p:cNvPr id="5" name="Rectangle 4"/>
@@ -14113,8 +14275,8 @@
             </p:nvSpPr>
             <p:spPr>
               <a:xfrm>
-                <a:off x="1443110" y="5030931"/>
-                <a:ext cx="2354747" cy="914930"/>
+                <a:off x="1746501" y="4665729"/>
+                <a:ext cx="2354747" cy="1468928"/>
               </a:xfrm>
               <a:prstGeom prst="rect">
                 <a:avLst/>
@@ -14125,6 +14287,25 @@
                 <a:spAutoFit/>
               </a:bodyPr>
               <a:lstStyle/>
+              <a:p>
+                <a:pPr algn="ctr"/>
+                <a14:m>
+                  <m:oMath xmlns:m="http://schemas.openxmlformats.org/officeDocument/2006/math">
+                    <m:r>
+                      <a:rPr lang="pt-BR" sz="3600" i="1">
+                        <a:latin typeface="Cambria Math" panose="02040503050406030204" pitchFamily="18" charset="0"/>
+                      </a:rPr>
+                      <m:t>𝑄</m:t>
+                    </m:r>
+                  </m:oMath>
+                </a14:m>
+                <a:r>
+                  <a:rPr lang="pt-BR" sz="3600" dirty="0" smtClean="0">
+                    <a:latin typeface="Cambria Math" panose="02040503050406030204" pitchFamily="18" charset="0"/>
+                  </a:rPr>
+                  <a:t>= 3</a:t>
+                </a:r>
+              </a:p>
               <a:p>
                 <a14:m>
                   <m:oMath xmlns:m="http://schemas.openxmlformats.org/officeDocument/2006/math">
@@ -14192,7 +14373,7 @@
             </p:txBody>
           </p:sp>
         </mc:Choice>
-        <mc:Fallback xmlns="">
+        <mc:Fallback>
           <p:sp>
             <p:nvSpPr>
               <p:cNvPr id="5" name="Rectangle 4"/>
@@ -14203,8 +14384,8 @@
             </p:nvSpPr>
             <p:spPr>
               <a:xfrm>
-                <a:off x="1443110" y="5030931"/>
-                <a:ext cx="2354747" cy="914930"/>
+                <a:off x="1746501" y="4665729"/>
+                <a:ext cx="2354747" cy="1468928"/>
               </a:xfrm>
               <a:prstGeom prst="rect">
                 <a:avLst/>
@@ -14212,7 +14393,7 @@
               <a:blipFill rotWithShape="0">
                 <a:blip r:embed="rId5"/>
                 <a:stretch>
-                  <a:fillRect/>
+                  <a:fillRect t="-6224"/>
                 </a:stretch>
               </a:blipFill>
             </p:spPr>
@@ -14375,6 +14556,547 @@
           </a:p>
         </p:txBody>
       </p:sp>
+      <p:sp>
+        <p:nvSpPr>
+          <p:cNvPr id="9" name="Mais 8"/>
+          <p:cNvSpPr/>
+          <p:nvPr/>
+        </p:nvSpPr>
+        <p:spPr>
+          <a:xfrm>
+            <a:off x="9557685" y="6434554"/>
+            <a:ext cx="271604" cy="298764"/>
+          </a:xfrm>
+          <a:prstGeom prst="mathPlus">
+            <a:avLst/>
+          </a:prstGeom>
+          <a:solidFill>
+            <a:srgbClr val="7030A0"/>
+          </a:solidFill>
+          <a:ln>
+            <a:solidFill>
+              <a:srgbClr val="7030A0"/>
+            </a:solidFill>
+          </a:ln>
+        </p:spPr>
+        <p:style>
+          <a:lnRef idx="2">
+            <a:schemeClr val="accent1">
+              <a:shade val="50000"/>
+            </a:schemeClr>
+          </a:lnRef>
+          <a:fillRef idx="1">
+            <a:schemeClr val="accent1"/>
+          </a:fillRef>
+          <a:effectRef idx="0">
+            <a:schemeClr val="accent1"/>
+          </a:effectRef>
+          <a:fontRef idx="minor">
+            <a:schemeClr val="lt1"/>
+          </a:fontRef>
+        </p:style>
+        <p:txBody>
+          <a:bodyPr rtlCol="0" anchor="ctr"/>
+          <a:lstStyle/>
+          <a:p>
+            <a:pPr algn="ctr"/>
+            <a:endParaRPr lang="pt-BR"/>
+          </a:p>
+        </p:txBody>
+      </p:sp>
+      <p:sp>
+        <p:nvSpPr>
+          <p:cNvPr id="10" name="CaixaDeTexto 9"/>
+          <p:cNvSpPr txBox="1"/>
+          <p:nvPr/>
+        </p:nvSpPr>
+        <p:spPr>
+          <a:xfrm>
+            <a:off x="9972304" y="6425541"/>
+            <a:ext cx="1759584" cy="307777"/>
+          </a:xfrm>
+          <a:prstGeom prst="rect">
+            <a:avLst/>
+          </a:prstGeom>
+          <a:noFill/>
+        </p:spPr>
+        <p:txBody>
+          <a:bodyPr wrap="none" rtlCol="0">
+            <a:spAutoFit/>
+          </a:bodyPr>
+          <a:lstStyle/>
+          <a:p>
+            <a:r>
+              <a:rPr lang="pt-BR" sz="1400" dirty="0" smtClean="0"/>
+              <a:t>Exemplo de validação</a:t>
+            </a:r>
+          </a:p>
+        </p:txBody>
+      </p:sp>
+      <p:cxnSp>
+        <p:nvCxnSpPr>
+          <p:cNvPr id="11" name="Conector reto 10"/>
+          <p:cNvCxnSpPr/>
+          <p:nvPr/>
+        </p:nvCxnSpPr>
+        <p:spPr>
+          <a:xfrm>
+            <a:off x="9413940" y="6211529"/>
+            <a:ext cx="504000" cy="0"/>
+          </a:xfrm>
+          <a:prstGeom prst="line">
+            <a:avLst/>
+          </a:prstGeom>
+          <a:ln>
+            <a:solidFill>
+              <a:schemeClr val="tx1"/>
+            </a:solidFill>
+            <a:prstDash val="dash"/>
+          </a:ln>
+        </p:spPr>
+        <p:style>
+          <a:lnRef idx="1">
+            <a:schemeClr val="accent1"/>
+          </a:lnRef>
+          <a:fillRef idx="0">
+            <a:schemeClr val="accent1"/>
+          </a:fillRef>
+          <a:effectRef idx="0">
+            <a:schemeClr val="accent1"/>
+          </a:effectRef>
+          <a:fontRef idx="minor">
+            <a:schemeClr val="tx1"/>
+          </a:fontRef>
+        </p:style>
+      </p:cxnSp>
+      <p:sp>
+        <p:nvSpPr>
+          <p:cNvPr id="12" name="CaixaDeTexto 11"/>
+          <p:cNvSpPr txBox="1"/>
+          <p:nvPr/>
+        </p:nvSpPr>
+        <p:spPr>
+          <a:xfrm>
+            <a:off x="9976023" y="6057640"/>
+            <a:ext cx="1666931" cy="307777"/>
+          </a:xfrm>
+          <a:prstGeom prst="rect">
+            <a:avLst/>
+          </a:prstGeom>
+          <a:noFill/>
+        </p:spPr>
+        <p:txBody>
+          <a:bodyPr wrap="none" rtlCol="0">
+            <a:spAutoFit/>
+          </a:bodyPr>
+          <a:lstStyle/>
+          <a:p>
+            <a:r>
+              <a:rPr lang="pt-BR" sz="1400" dirty="0" smtClean="0"/>
+              <a:t>Fronteira de decisão</a:t>
+            </a:r>
+          </a:p>
+        </p:txBody>
+      </p:sp>
+      <mc:AlternateContent xmlns:mc="http://schemas.openxmlformats.org/markup-compatibility/2006">
+        <mc:Choice xmlns:a14="http://schemas.microsoft.com/office/drawing/2010/main" Requires="a14">
+          <p:sp>
+            <p:nvSpPr>
+              <p:cNvPr id="14" name="CaixaDeTexto 13"/>
+              <p:cNvSpPr txBox="1"/>
+              <p:nvPr/>
+            </p:nvSpPr>
+            <p:spPr>
+              <a:xfrm rot="18820041">
+                <a:off x="4871409" y="1875286"/>
+                <a:ext cx="809389" cy="369332"/>
+              </a:xfrm>
+              <a:prstGeom prst="rect">
+                <a:avLst/>
+              </a:prstGeom>
+              <a:noFill/>
+            </p:spPr>
+            <p:txBody>
+              <a:bodyPr wrap="none" rtlCol="0">
+                <a:spAutoFit/>
+              </a:bodyPr>
+              <a:lstStyle/>
+              <a:p>
+                <a14:m>
+                  <m:oMathPara xmlns:m="http://schemas.openxmlformats.org/officeDocument/2006/math">
+                    <m:oMathParaPr>
+                      <m:jc m:val="centerGroup"/>
+                    </m:oMathParaPr>
+                    <m:oMath xmlns:m="http://schemas.openxmlformats.org/officeDocument/2006/math">
+                      <m:sSub>
+                        <m:sSubPr>
+                          <m:ctrlPr>
+                            <a:rPr lang="pt-BR" i="1" dirty="0" smtClean="0">
+                              <a:latin typeface="Cambria Math" panose="02040503050406030204" pitchFamily="18" charset="0"/>
+                            </a:rPr>
+                          </m:ctrlPr>
+                        </m:sSubPr>
+                        <m:e>
+                          <m:r>
+                            <a:rPr lang="pt-BR" b="0" i="1" dirty="0" smtClean="0">
+                              <a:latin typeface="Cambria Math" panose="02040503050406030204" pitchFamily="18" charset="0"/>
+                            </a:rPr>
+                            <m:t>𝐶</m:t>
+                          </m:r>
+                        </m:e>
+                        <m:sub>
+                          <m:r>
+                            <a:rPr lang="pt-BR" b="0" i="1" dirty="0" smtClean="0">
+                              <a:latin typeface="Cambria Math" panose="02040503050406030204" pitchFamily="18" charset="0"/>
+                            </a:rPr>
+                            <m:t>2</m:t>
+                          </m:r>
+                        </m:sub>
+                      </m:sSub>
+                      <m:r>
+                        <a:rPr lang="pt-BR" b="0" i="1" dirty="0" smtClean="0">
+                          <a:latin typeface="Cambria Math" panose="02040503050406030204" pitchFamily="18" charset="0"/>
+                        </a:rPr>
+                        <m:t>/</m:t>
+                      </m:r>
+                      <m:sSub>
+                        <m:sSubPr>
+                          <m:ctrlPr>
+                            <a:rPr lang="pt-BR" i="1" dirty="0">
+                              <a:latin typeface="Cambria Math" panose="02040503050406030204" pitchFamily="18" charset="0"/>
+                            </a:rPr>
+                          </m:ctrlPr>
+                        </m:sSubPr>
+                        <m:e>
+                          <m:r>
+                            <a:rPr lang="pt-BR" i="1" dirty="0">
+                              <a:latin typeface="Cambria Math" panose="02040503050406030204" pitchFamily="18" charset="0"/>
+                            </a:rPr>
+                            <m:t>𝐶</m:t>
+                          </m:r>
+                        </m:e>
+                        <m:sub>
+                          <m:r>
+                            <a:rPr lang="pt-BR" b="0" i="1" dirty="0" smtClean="0">
+                              <a:latin typeface="Cambria Math" panose="02040503050406030204" pitchFamily="18" charset="0"/>
+                            </a:rPr>
+                            <m:t>1</m:t>
+                          </m:r>
+                        </m:sub>
+                      </m:sSub>
+                    </m:oMath>
+                  </m:oMathPara>
+                </a14:m>
+                <a:endParaRPr lang="pt-BR" dirty="0" smtClean="0"/>
+              </a:p>
+            </p:txBody>
+          </p:sp>
+        </mc:Choice>
+        <mc:Fallback>
+          <p:sp>
+            <p:nvSpPr>
+              <p:cNvPr id="14" name="CaixaDeTexto 13"/>
+              <p:cNvSpPr txBox="1">
+                <a:spLocks noRot="1" noChangeAspect="1" noMove="1" noResize="1" noEditPoints="1" noAdjustHandles="1" noChangeArrowheads="1" noChangeShapeType="1" noTextEdit="1"/>
+              </p:cNvSpPr>
+              <p:nvPr/>
+            </p:nvSpPr>
+            <p:spPr>
+              <a:xfrm rot="18820041">
+                <a:off x="4871409" y="1875286"/>
+                <a:ext cx="809389" cy="369332"/>
+              </a:xfrm>
+              <a:prstGeom prst="rect">
+                <a:avLst/>
+              </a:prstGeom>
+              <a:blipFill rotWithShape="0">
+                <a:blip r:embed="rId6"/>
+                <a:stretch>
+                  <a:fillRect/>
+                </a:stretch>
+              </a:blipFill>
+            </p:spPr>
+            <p:txBody>
+              <a:bodyPr/>
+              <a:lstStyle/>
+              <a:p>
+                <a:r>
+                  <a:rPr lang="pt-BR">
+                    <a:noFill/>
+                  </a:rPr>
+                  <a:t> </a:t>
+                </a:r>
+              </a:p>
+            </p:txBody>
+          </p:sp>
+        </mc:Fallback>
+      </mc:AlternateContent>
+      <mc:AlternateContent xmlns:mc="http://schemas.openxmlformats.org/markup-compatibility/2006">
+        <mc:Choice xmlns:a14="http://schemas.microsoft.com/office/drawing/2010/main" Requires="a14">
+          <p:sp>
+            <p:nvSpPr>
+              <p:cNvPr id="15" name="CaixaDeTexto 14"/>
+              <p:cNvSpPr txBox="1"/>
+              <p:nvPr/>
+            </p:nvSpPr>
+            <p:spPr>
+              <a:xfrm>
+                <a:off x="5146522" y="3000253"/>
+                <a:ext cx="814710" cy="369332"/>
+              </a:xfrm>
+              <a:prstGeom prst="rect">
+                <a:avLst/>
+              </a:prstGeom>
+              <a:noFill/>
+            </p:spPr>
+            <p:txBody>
+              <a:bodyPr wrap="none" rtlCol="0">
+                <a:spAutoFit/>
+              </a:bodyPr>
+              <a:lstStyle/>
+              <a:p>
+                <a14:m>
+                  <m:oMathPara xmlns:m="http://schemas.openxmlformats.org/officeDocument/2006/math">
+                    <m:oMathParaPr>
+                      <m:jc m:val="centerGroup"/>
+                    </m:oMathParaPr>
+                    <m:oMath xmlns:m="http://schemas.openxmlformats.org/officeDocument/2006/math">
+                      <m:sSub>
+                        <m:sSubPr>
+                          <m:ctrlPr>
+                            <a:rPr lang="pt-BR" i="1" dirty="0" smtClean="0">
+                              <a:latin typeface="Cambria Math" panose="02040503050406030204" pitchFamily="18" charset="0"/>
+                            </a:rPr>
+                          </m:ctrlPr>
+                        </m:sSubPr>
+                        <m:e>
+                          <m:r>
+                            <a:rPr lang="pt-BR" b="0" i="1" dirty="0" smtClean="0">
+                              <a:latin typeface="Cambria Math" panose="02040503050406030204" pitchFamily="18" charset="0"/>
+                            </a:rPr>
+                            <m:t>𝐶</m:t>
+                          </m:r>
+                        </m:e>
+                        <m:sub>
+                          <m:r>
+                            <a:rPr lang="pt-BR" b="0" i="1" dirty="0" smtClean="0">
+                              <a:latin typeface="Cambria Math" panose="02040503050406030204" pitchFamily="18" charset="0"/>
+                            </a:rPr>
+                            <m:t>3</m:t>
+                          </m:r>
+                        </m:sub>
+                      </m:sSub>
+                      <m:r>
+                        <a:rPr lang="pt-BR" b="0" i="1" dirty="0" smtClean="0">
+                          <a:latin typeface="Cambria Math" panose="02040503050406030204" pitchFamily="18" charset="0"/>
+                        </a:rPr>
+                        <m:t>/</m:t>
+                      </m:r>
+                      <m:sSub>
+                        <m:sSubPr>
+                          <m:ctrlPr>
+                            <a:rPr lang="pt-BR" i="1" dirty="0">
+                              <a:latin typeface="Cambria Math" panose="02040503050406030204" pitchFamily="18" charset="0"/>
+                            </a:rPr>
+                          </m:ctrlPr>
+                        </m:sSubPr>
+                        <m:e>
+                          <m:r>
+                            <a:rPr lang="pt-BR" i="1" dirty="0">
+                              <a:latin typeface="Cambria Math" panose="02040503050406030204" pitchFamily="18" charset="0"/>
+                            </a:rPr>
+                            <m:t>𝐶</m:t>
+                          </m:r>
+                        </m:e>
+                        <m:sub>
+                          <m:r>
+                            <a:rPr lang="pt-BR" b="0" i="1" dirty="0" smtClean="0">
+                              <a:latin typeface="Cambria Math" panose="02040503050406030204" pitchFamily="18" charset="0"/>
+                            </a:rPr>
+                            <m:t>2</m:t>
+                          </m:r>
+                        </m:sub>
+                      </m:sSub>
+                    </m:oMath>
+                  </m:oMathPara>
+                </a14:m>
+                <a:endParaRPr lang="pt-BR" dirty="0" smtClean="0"/>
+              </a:p>
+            </p:txBody>
+          </p:sp>
+        </mc:Choice>
+        <mc:Fallback>
+          <p:sp>
+            <p:nvSpPr>
+              <p:cNvPr id="15" name="CaixaDeTexto 14"/>
+              <p:cNvSpPr txBox="1">
+                <a:spLocks noRot="1" noChangeAspect="1" noMove="1" noResize="1" noEditPoints="1" noAdjustHandles="1" noChangeArrowheads="1" noChangeShapeType="1" noTextEdit="1"/>
+              </p:cNvSpPr>
+              <p:nvPr/>
+            </p:nvSpPr>
+            <p:spPr>
+              <a:xfrm>
+                <a:off x="5146522" y="3000253"/>
+                <a:ext cx="814710" cy="369332"/>
+              </a:xfrm>
+              <a:prstGeom prst="rect">
+                <a:avLst/>
+              </a:prstGeom>
+              <a:blipFill rotWithShape="0">
+                <a:blip r:embed="rId7"/>
+                <a:stretch>
+                  <a:fillRect b="-13115"/>
+                </a:stretch>
+              </a:blipFill>
+            </p:spPr>
+            <p:txBody>
+              <a:bodyPr/>
+              <a:lstStyle/>
+              <a:p>
+                <a:r>
+                  <a:rPr lang="pt-BR">
+                    <a:noFill/>
+                  </a:rPr>
+                  <a:t> </a:t>
+                </a:r>
+              </a:p>
+            </p:txBody>
+          </p:sp>
+        </mc:Fallback>
+      </mc:AlternateContent>
+      <mc:AlternateContent xmlns:mc="http://schemas.openxmlformats.org/markup-compatibility/2006">
+        <mc:Choice xmlns:a14="http://schemas.microsoft.com/office/drawing/2010/main" Requires="a14">
+          <p:sp>
+            <p:nvSpPr>
+              <p:cNvPr id="16" name="CaixaDeTexto 15"/>
+              <p:cNvSpPr txBox="1"/>
+              <p:nvPr/>
+            </p:nvSpPr>
+            <p:spPr>
+              <a:xfrm rot="3162280">
+                <a:off x="4871408" y="4597985"/>
+                <a:ext cx="809389" cy="369332"/>
+              </a:xfrm>
+              <a:prstGeom prst="rect">
+                <a:avLst/>
+              </a:prstGeom>
+              <a:noFill/>
+            </p:spPr>
+            <p:txBody>
+              <a:bodyPr wrap="none" rtlCol="0">
+                <a:spAutoFit/>
+              </a:bodyPr>
+              <a:lstStyle/>
+              <a:p>
+                <a14:m>
+                  <m:oMathPara xmlns:m="http://schemas.openxmlformats.org/officeDocument/2006/math">
+                    <m:oMathParaPr>
+                      <m:jc m:val="centerGroup"/>
+                    </m:oMathParaPr>
+                    <m:oMath xmlns:m="http://schemas.openxmlformats.org/officeDocument/2006/math">
+                      <m:sSub>
+                        <m:sSubPr>
+                          <m:ctrlPr>
+                            <a:rPr lang="pt-BR" i="1" dirty="0" smtClean="0">
+                              <a:latin typeface="Cambria Math" panose="02040503050406030204" pitchFamily="18" charset="0"/>
+                            </a:rPr>
+                          </m:ctrlPr>
+                        </m:sSubPr>
+                        <m:e>
+                          <m:r>
+                            <a:rPr lang="pt-BR" b="0" i="1" dirty="0" smtClean="0">
+                              <a:latin typeface="Cambria Math" panose="02040503050406030204" pitchFamily="18" charset="0"/>
+                            </a:rPr>
+                            <m:t>𝐶</m:t>
+                          </m:r>
+                        </m:e>
+                        <m:sub>
+                          <m:r>
+                            <a:rPr lang="pt-BR" b="0" i="1" dirty="0" smtClean="0">
+                              <a:latin typeface="Cambria Math" panose="02040503050406030204" pitchFamily="18" charset="0"/>
+                            </a:rPr>
+                            <m:t>1</m:t>
+                          </m:r>
+                        </m:sub>
+                      </m:sSub>
+                      <m:r>
+                        <a:rPr lang="pt-BR" b="0" i="1" dirty="0" smtClean="0">
+                          <a:latin typeface="Cambria Math" panose="02040503050406030204" pitchFamily="18" charset="0"/>
+                        </a:rPr>
+                        <m:t>/</m:t>
+                      </m:r>
+                      <m:sSub>
+                        <m:sSubPr>
+                          <m:ctrlPr>
+                            <a:rPr lang="pt-BR" i="1" dirty="0">
+                              <a:latin typeface="Cambria Math" panose="02040503050406030204" pitchFamily="18" charset="0"/>
+                            </a:rPr>
+                          </m:ctrlPr>
+                        </m:sSubPr>
+                        <m:e>
+                          <m:r>
+                            <a:rPr lang="pt-BR" i="1" dirty="0">
+                              <a:latin typeface="Cambria Math" panose="02040503050406030204" pitchFamily="18" charset="0"/>
+                            </a:rPr>
+                            <m:t>𝐶</m:t>
+                          </m:r>
+                        </m:e>
+                        <m:sub>
+                          <m:r>
+                            <a:rPr lang="pt-BR" b="0" i="1" dirty="0" smtClean="0">
+                              <a:latin typeface="Cambria Math" panose="02040503050406030204" pitchFamily="18" charset="0"/>
+                            </a:rPr>
+                            <m:t>3</m:t>
+                          </m:r>
+                        </m:sub>
+                      </m:sSub>
+                    </m:oMath>
+                  </m:oMathPara>
+                </a14:m>
+                <a:endParaRPr lang="pt-BR" dirty="0" smtClean="0"/>
+              </a:p>
+            </p:txBody>
+          </p:sp>
+        </mc:Choice>
+        <mc:Fallback>
+          <p:sp>
+            <p:nvSpPr>
+              <p:cNvPr id="16" name="CaixaDeTexto 15"/>
+              <p:cNvSpPr txBox="1">
+                <a:spLocks noRot="1" noChangeAspect="1" noMove="1" noResize="1" noEditPoints="1" noAdjustHandles="1" noChangeArrowheads="1" noChangeShapeType="1" noTextEdit="1"/>
+              </p:cNvSpPr>
+              <p:nvPr/>
+            </p:nvSpPr>
+            <p:spPr>
+              <a:xfrm rot="3162280">
+                <a:off x="4871408" y="4597985"/>
+                <a:ext cx="809389" cy="369332"/>
+              </a:xfrm>
+              <a:prstGeom prst="rect">
+                <a:avLst/>
+              </a:prstGeom>
+              <a:blipFill rotWithShape="0">
+                <a:blip r:embed="rId8"/>
+                <a:stretch>
+                  <a:fillRect/>
+                </a:stretch>
+              </a:blipFill>
+            </p:spPr>
+            <p:txBody>
+              <a:bodyPr/>
+              <a:lstStyle/>
+              <a:p>
+                <a:r>
+                  <a:rPr lang="pt-BR">
+                    <a:noFill/>
+                  </a:rPr>
+                  <a:t> </a:t>
+                </a:r>
+              </a:p>
+            </p:txBody>
+          </p:sp>
+        </mc:Fallback>
+      </mc:AlternateContent>
     </p:spTree>
     <p:extLst>
       <p:ext uri="{BB962C8B-B14F-4D97-AF65-F5344CB8AC3E}">
@@ -14427,8 +15149,8 @@
           </a:p>
         </p:txBody>
       </p:sp>
-      <mc:AlternateContent xmlns:mc="http://schemas.openxmlformats.org/markup-compatibility/2006">
-        <mc:Choice xmlns:a14="http://schemas.microsoft.com/office/drawing/2010/main" Requires="a14">
+      <mc:AlternateContent xmlns:mc="http://schemas.openxmlformats.org/markup-compatibility/2006" xmlns:a14="http://schemas.microsoft.com/office/drawing/2010/main">
+        <mc:Choice Requires="a14">
           <p:sp>
             <p:nvSpPr>
               <p:cNvPr id="3" name="Content Placeholder 2"/>
@@ -14786,7 +15508,7 @@
             </p:txBody>
           </p:sp>
         </mc:Choice>
-        <mc:Fallback>
+        <mc:Fallback xmlns="">
           <p:sp>
             <p:nvSpPr>
               <p:cNvPr id="3" name="Content Placeholder 2"/>
@@ -14859,7 +15581,7 @@
           <p:cNvPr id="2" name="Título 1">
             <a:extLst>
               <a:ext uri="{FF2B5EF4-FFF2-40B4-BE49-F238E27FC236}">
-                <a16:creationId xmlns:a16="http://schemas.microsoft.com/office/drawing/2014/main" id="{890D7195-61EC-4142-8041-DD35C2AB1914}"/>
+                <a16:creationId xmlns:a16="http://schemas.microsoft.com/office/drawing/2014/main" xmlns="" id="{890D7195-61EC-4142-8041-DD35C2AB1914}"/>
               </a:ext>
             </a:extLst>
           </p:cNvPr>
@@ -14883,14 +15605,14 @@
           </a:p>
         </p:txBody>
       </p:sp>
-      <mc:AlternateContent xmlns:mc="http://schemas.openxmlformats.org/markup-compatibility/2006">
-        <mc:Choice xmlns:a14="http://schemas.microsoft.com/office/drawing/2010/main" Requires="a14">
+      <mc:AlternateContent xmlns:mc="http://schemas.openxmlformats.org/markup-compatibility/2006" xmlns:a14="http://schemas.microsoft.com/office/drawing/2010/main">
+        <mc:Choice Requires="a14">
           <p:sp>
             <p:nvSpPr>
               <p:cNvPr id="3" name="Espaço Reservado para Conteúdo 2">
                 <a:extLst>
                   <a:ext uri="{FF2B5EF4-FFF2-40B4-BE49-F238E27FC236}">
-                    <a16:creationId xmlns:a16="http://schemas.microsoft.com/office/drawing/2014/main" id="{807ECEFA-6ED0-44F3-ABEA-8272FEB2FF63}"/>
+                    <a16:creationId xmlns:a16="http://schemas.microsoft.com/office/drawing/2014/main" xmlns="" id="{807ECEFA-6ED0-44F3-ABEA-8272FEB2FF63}"/>
                   </a:ext>
                 </a:extLst>
               </p:cNvPr>
@@ -15764,13 +16486,7 @@
                         <a:rPr lang="pt-BR" b="1" i="1">
                           <a:latin typeface="Cambria Math" panose="02040503050406030204" pitchFamily="18" charset="0"/>
                         </a:rPr>
-                        <m:t>]</m:t>
-                      </m:r>
-                      <m:r>
-                        <a:rPr lang="pt-BR" b="1" i="1">
-                          <a:latin typeface="Cambria Math" panose="02040503050406030204" pitchFamily="18" charset="0"/>
-                        </a:rPr>
-                        <m:t>,</m:t>
+                        <m:t>],</m:t>
                       </m:r>
                     </m:oMath>
                   </m:oMathPara>
@@ -16539,7 +17255,7 @@
             </p:txBody>
           </p:sp>
         </mc:Choice>
-        <mc:Fallback>
+        <mc:Fallback xmlns="">
           <p:sp>
             <p:nvSpPr>
               <p:cNvPr id="3" name="Espaço Reservado para Conteúdo 2">
@@ -16588,7 +17304,7 @@
           <p:cNvPr id="4" name="TextBox 6">
             <a:extLst>
               <a:ext uri="{FF2B5EF4-FFF2-40B4-BE49-F238E27FC236}">
-                <a16:creationId xmlns:a16="http://schemas.microsoft.com/office/drawing/2014/main" id="{BD5B7330-9A4E-4A27-BE6B-F7038DE7890D}"/>
+                <a16:creationId xmlns:a16="http://schemas.microsoft.com/office/drawing/2014/main" xmlns="" id="{BD5B7330-9A4E-4A27-BE6B-F7038DE7890D}"/>
               </a:ext>
             </a:extLst>
           </p:cNvPr>
@@ -16624,7 +17340,7 @@
           <p:cNvPr id="5" name="Straight Arrow Connector 7">
             <a:extLst>
               <a:ext uri="{FF2B5EF4-FFF2-40B4-BE49-F238E27FC236}">
-                <a16:creationId xmlns:a16="http://schemas.microsoft.com/office/drawing/2014/main" id="{E9DCC49F-2D0A-4D6E-9325-E6E0A35530AD}"/>
+                <a16:creationId xmlns:a16="http://schemas.microsoft.com/office/drawing/2014/main" xmlns="" id="{E9DCC49F-2D0A-4D6E-9325-E6E0A35530AD}"/>
               </a:ext>
             </a:extLst>
           </p:cNvPr>
@@ -16663,14 +17379,14 @@
           </a:fontRef>
         </p:style>
       </p:cxnSp>
-      <mc:AlternateContent xmlns:mc="http://schemas.openxmlformats.org/markup-compatibility/2006">
-        <mc:Choice xmlns:a14="http://schemas.microsoft.com/office/drawing/2010/main" Requires="a14">
+      <mc:AlternateContent xmlns:mc="http://schemas.openxmlformats.org/markup-compatibility/2006" xmlns:a14="http://schemas.microsoft.com/office/drawing/2010/main">
+        <mc:Choice Requires="a14">
           <p:sp>
             <p:nvSpPr>
               <p:cNvPr id="6" name="TextBox 3">
                 <a:extLst>
                   <a:ext uri="{FF2B5EF4-FFF2-40B4-BE49-F238E27FC236}">
-                    <a16:creationId xmlns:a16="http://schemas.microsoft.com/office/drawing/2014/main" id="{C2B44ACC-7F40-4DFA-AC5C-CC329D169698}"/>
+                    <a16:creationId xmlns:a16="http://schemas.microsoft.com/office/drawing/2014/main" xmlns="" id="{C2B44ACC-7F40-4DFA-AC5C-CC329D169698}"/>
                   </a:ext>
                 </a:extLst>
               </p:cNvPr>
@@ -16724,7 +17440,7 @@
             </p:txBody>
           </p:sp>
         </mc:Choice>
-        <mc:Fallback>
+        <mc:Fallback xmlns="">
           <p:sp>
             <p:nvSpPr>
               <p:cNvPr id="6" name="TextBox 3">
@@ -16774,7 +17490,7 @@
           <p:cNvPr id="7" name="Rectangle 11">
             <a:extLst>
               <a:ext uri="{FF2B5EF4-FFF2-40B4-BE49-F238E27FC236}">
-                <a16:creationId xmlns:a16="http://schemas.microsoft.com/office/drawing/2014/main" id="{1BDEDFF8-EB72-48C9-B045-4BDDB50DFABB}"/>
+                <a16:creationId xmlns:a16="http://schemas.microsoft.com/office/drawing/2014/main" xmlns="" id="{1BDEDFF8-EB72-48C9-B045-4BDDB50DFABB}"/>
               </a:ext>
             </a:extLst>
           </p:cNvPr>
@@ -16826,7 +17542,7 @@
           <p:cNvPr id="8" name="Straight Arrow Connector 13">
             <a:extLst>
               <a:ext uri="{FF2B5EF4-FFF2-40B4-BE49-F238E27FC236}">
-                <a16:creationId xmlns:a16="http://schemas.microsoft.com/office/drawing/2014/main" id="{9480D85A-07BF-44B1-A6D0-1DE33196FA5B}"/>
+                <a16:creationId xmlns:a16="http://schemas.microsoft.com/office/drawing/2014/main" xmlns="" id="{9480D85A-07BF-44B1-A6D0-1DE33196FA5B}"/>
               </a:ext>
             </a:extLst>
           </p:cNvPr>

--- a/slides/T320_Classificação (Parte IV).pptx
+++ b/slides/T320_Classificação (Parte IV).pptx
@@ -23,7 +23,7 @@
     <p:sldId id="341" r:id="rId11"/>
     <p:sldId id="342" r:id="rId12"/>
     <p:sldId id="347" r:id="rId13"/>
-    <p:sldId id="346" r:id="rId14"/>
+    <p:sldId id="349" r:id="rId14"/>
     <p:sldId id="332" r:id="rId15"/>
     <p:sldId id="324" r:id="rId16"/>
     <p:sldId id="306" r:id="rId17"/>
@@ -290,7 +290,7 @@
           <a:p>
             <a:fld id="{144F1436-6906-4D93-B7A2-786C327BFA14}" type="datetimeFigureOut">
               <a:rPr lang="nl-BE" smtClean="0"/>
-              <a:t>2/09/2022</a:t>
+              <a:t>9/09/2022</a:t>
             </a:fld>
             <a:endParaRPr lang="nl-BE"/>
           </a:p>
@@ -455,7 +455,7 @@
           <a:p>
             <a:fld id="{AA8CD09E-2914-4F47-B6C1-51B2C31814C9}" type="datetimeFigureOut">
               <a:rPr lang="pt-BR" smtClean="0"/>
-              <a:t>02/09/2022</a:t>
+              <a:t>09/09/2022</a:t>
             </a:fld>
             <a:endParaRPr lang="pt-BR"/>
           </a:p>
@@ -825,7 +825,7 @@
       </p:grpSpPr>
       <p:sp>
         <p:nvSpPr>
-          <p:cNvPr id="2" name="Slide Image Placeholder 1"/>
+          <p:cNvPr id="2" name="Espaço Reservado para Imagem de Slide 1"/>
           <p:cNvSpPr>
             <a:spLocks noGrp="1" noRot="1" noChangeAspect="1"/>
           </p:cNvSpPr>
@@ -837,7 +837,7 @@
       </p:sp>
       <p:sp>
         <p:nvSpPr>
-          <p:cNvPr id="3" name="Notes Placeholder 2"/>
+          <p:cNvPr id="3" name="Espaço Reservado para Anotações 2"/>
           <p:cNvSpPr>
             <a:spLocks noGrp="1"/>
           </p:cNvSpPr>
@@ -851,99 +851,117 @@
           <a:lstStyle/>
           <a:p>
             <a:r>
-              <a:rPr lang="pt-BR" dirty="0"/>
+              <a:rPr lang="pt-BR" dirty="0" smtClean="0"/>
               <a:t>O objetivo do treinamento do classificador softmax é ter um modelo que estima uma alta probabilidade para a classe-alvo (e consequentemente uma baixa probabilidade para as outras classes).</a:t>
             </a:r>
           </a:p>
           <a:p>
-            <a:endParaRPr lang="pt-BR" dirty="0"/>
-          </a:p>
-          <a:p>
-            <a:r>
-              <a:rPr lang="pt-BR" dirty="0"/>
+            <a:endParaRPr lang="pt-BR" dirty="0" smtClean="0"/>
+          </a:p>
+          <a:p>
+            <a:r>
+              <a:rPr lang="pt-BR" dirty="0" smtClean="0"/>
               <a:t>A</a:t>
             </a:r>
             <a:r>
-              <a:rPr lang="pt-BR" baseline="0" dirty="0"/>
+              <a:rPr lang="pt-BR" baseline="0" dirty="0" smtClean="0"/>
               <a:t> classe</a:t>
             </a:r>
             <a:r>
-              <a:rPr lang="pt-BR" dirty="0"/>
-              <a:t> LogisticRegression da biblioteca Scikit-Learn usa a estratégia um-contra-todos por padrão quando você o treina com dados pertencentrs a mais de duas classes, mas você pode definir o parâmetro </a:t>
-            </a:r>
-            <a:r>
-              <a:rPr lang="pt-BR" b="1" dirty="0"/>
+              <a:rPr lang="pt-BR" dirty="0" smtClean="0"/>
+              <a:t> </a:t>
+            </a:r>
+            <a:r>
+              <a:rPr lang="pt-BR" dirty="0" err="1" smtClean="0"/>
+              <a:t>LogisticRegression</a:t>
+            </a:r>
+            <a:r>
+              <a:rPr lang="pt-BR" dirty="0" smtClean="0"/>
+              <a:t> da biblioteca Scikit-Learn usa a estratégia um-contra-todos por padrão quando você o treina com dados </a:t>
+            </a:r>
+            <a:r>
+              <a:rPr lang="pt-BR" dirty="0" err="1" smtClean="0"/>
+              <a:t>pertencentrs</a:t>
+            </a:r>
+            <a:r>
+              <a:rPr lang="pt-BR" dirty="0" smtClean="0"/>
+              <a:t> a mais de duas classes, mas você pode definir o parâmetro </a:t>
+            </a:r>
+            <a:r>
+              <a:rPr lang="pt-BR" b="1" dirty="0" err="1" smtClean="0"/>
               <a:t>mult_class</a:t>
             </a:r>
             <a:r>
-              <a:rPr lang="pt-BR" dirty="0"/>
+              <a:rPr lang="pt-BR" dirty="0" smtClean="0"/>
               <a:t> como "</a:t>
             </a:r>
             <a:r>
-              <a:rPr lang="pt-BR" i="1" dirty="0"/>
+              <a:rPr lang="pt-BR" i="1" dirty="0" smtClean="0"/>
               <a:t>multinomial</a:t>
             </a:r>
             <a:r>
-              <a:rPr lang="pt-BR" dirty="0"/>
+              <a:rPr lang="pt-BR" dirty="0" smtClean="0"/>
               <a:t>" para alternar para regressão Softmax. Você também deve especificar um </a:t>
             </a:r>
             <a:r>
-              <a:rPr lang="pt-BR" b="1" dirty="0"/>
+              <a:rPr lang="pt-BR" b="1" dirty="0" smtClean="0"/>
               <a:t>solver</a:t>
             </a:r>
             <a:r>
-              <a:rPr lang="pt-BR" dirty="0"/>
+              <a:rPr lang="pt-BR" dirty="0" smtClean="0"/>
               <a:t> que suporte a regressão Softmax, como o </a:t>
             </a:r>
             <a:r>
-              <a:rPr lang="pt-BR" b="1" dirty="0"/>
+              <a:rPr lang="pt-BR" b="1" dirty="0" smtClean="0"/>
               <a:t>solver</a:t>
             </a:r>
             <a:r>
-              <a:rPr lang="pt-BR" dirty="0"/>
-              <a:t> "lbfgs" (consulte a documentação do Scikit-Learn para obter mais detalhes). Ele também aplica regularização L2 por padrão, a qual você pode controlar usando o parâmetro </a:t>
-            </a:r>
-            <a:r>
-              <a:rPr lang="pt-BR" b="1" dirty="0"/>
+              <a:rPr lang="pt-BR" dirty="0" smtClean="0"/>
+              <a:t> "</a:t>
+            </a:r>
+            <a:r>
+              <a:rPr lang="pt-BR" dirty="0" err="1" smtClean="0"/>
+              <a:t>lbfgs</a:t>
+            </a:r>
+            <a:r>
+              <a:rPr lang="pt-BR" dirty="0" smtClean="0"/>
+              <a:t>" (consulte a documentação do Scikit-Learn para obter mais detalhes). Ele também aplica regularização L2 por padrão, a qual você pode controlar usando o parâmetro </a:t>
+            </a:r>
+            <a:r>
+              <a:rPr lang="pt-BR" b="1" dirty="0" smtClean="0"/>
               <a:t>C</a:t>
             </a:r>
             <a:r>
-              <a:rPr lang="pt-BR" dirty="0"/>
+              <a:rPr lang="pt-BR" dirty="0" smtClean="0"/>
               <a:t>.</a:t>
             </a:r>
           </a:p>
           <a:p>
-            <a:endParaRPr lang="pt-BR" dirty="0"/>
-          </a:p>
-          <a:p>
-            <a:r>
-              <a:rPr lang="pt-BR" dirty="0"/>
+            <a:endParaRPr lang="pt-BR" dirty="0" smtClean="0"/>
+          </a:p>
+          <a:p>
+            <a:r>
+              <a:rPr lang="pt-BR" dirty="0" smtClean="0"/>
               <a:t>Referência:</a:t>
             </a:r>
           </a:p>
           <a:p>
             <a:r>
-              <a:rPr lang="pt-BR" dirty="0"/>
+              <a:rPr lang="pt-BR" dirty="0" smtClean="0"/>
               <a:t>[1] http://deeplearning.stanford.edu/tutorial/supervised/SoftmaxRegression/</a:t>
             </a:r>
           </a:p>
           <a:p>
             <a:r>
-              <a:rPr lang="pt-BR" dirty="0"/>
+              <a:rPr lang="pt-BR" dirty="0" smtClean="0"/>
               <a:t>[2] http://rasbt.github.io/mlxtend/user_guide/classifier/SoftmaxRegression/</a:t>
             </a:r>
-          </a:p>
-          <a:p>
-            <a:endParaRPr lang="pt-BR" dirty="0"/>
-          </a:p>
-          <a:p>
-            <a:endParaRPr lang="pt-BR" dirty="0"/>
           </a:p>
         </p:txBody>
       </p:sp>
       <p:sp>
         <p:nvSpPr>
-          <p:cNvPr id="4" name="Slide Number Placeholder 3"/>
+          <p:cNvPr id="4" name="Espaço Reservado para Número de Slide 3"/>
           <p:cNvSpPr>
             <a:spLocks noGrp="1"/>
           </p:cNvSpPr>
@@ -967,7 +985,7 @@
     </p:spTree>
     <p:extLst>
       <p:ext uri="{BB962C8B-B14F-4D97-AF65-F5344CB8AC3E}">
-        <p14:creationId xmlns:p14="http://schemas.microsoft.com/office/powerpoint/2010/main" val="3488414848"/>
+        <p14:creationId xmlns:p14="http://schemas.microsoft.com/office/powerpoint/2010/main" val="3371654194"/>
       </p:ext>
     </p:extLst>
   </p:cSld>
@@ -1383,8 +1401,22 @@
             </a:r>
             <a:r>
               <a:rPr lang="pt-BR" sz="1200" dirty="0"/>
-              <a:t> https://mybinder.org/v2/gh/zz4fap/t320_aprendizado_de_maquina/main?filepath=labs%2FLaboratorio4.ipynb</a:t>
-            </a:r>
+              <a:t> https://</a:t>
+            </a:r>
+            <a:r>
+              <a:rPr lang="pt-BR" sz="1200" dirty="0" smtClean="0"/>
+              <a:t>mybinder.org/v2/gh/zz4fap/t320_aprendizado_de_maquina/main?filepath=labs%2FLaboratorio4.ipynb</a:t>
+            </a:r>
+          </a:p>
+          <a:p>
+            <a:endParaRPr lang="pt-BR" sz="1200" dirty="0" smtClean="0"/>
+          </a:p>
+          <a:p>
+            <a:r>
+              <a:rPr lang="pt-BR" sz="1200" dirty="0" smtClean="0"/>
+              <a:t>https://colab.research.google.com/github/zz4fap/t320_aprendizado_de_maquina/blob/main/labs/Laboratorio4.ipynb</a:t>
+            </a:r>
+            <a:endParaRPr lang="pt-BR" sz="1200" dirty="0"/>
           </a:p>
           <a:p>
             <a:endParaRPr lang="pt-BR" sz="1200" dirty="0"/>
@@ -2622,7 +2654,7 @@
           <p:cNvPr id="2" name="Título 1">
             <a:extLst>
               <a:ext uri="{FF2B5EF4-FFF2-40B4-BE49-F238E27FC236}">
-                <a16:creationId xmlns:a16="http://schemas.microsoft.com/office/drawing/2014/main" xmlns="" id="{1DB9B4FF-B06E-403C-A326-BDC64D8FF94E}"/>
+                <a16:creationId xmlns="" xmlns:a16="http://schemas.microsoft.com/office/drawing/2014/main" id="{1DB9B4FF-B06E-403C-A326-BDC64D8FF94E}"/>
               </a:ext>
             </a:extLst>
           </p:cNvPr>
@@ -2659,7 +2691,7 @@
           <p:cNvPr id="3" name="Subtítulo 2">
             <a:extLst>
               <a:ext uri="{FF2B5EF4-FFF2-40B4-BE49-F238E27FC236}">
-                <a16:creationId xmlns:a16="http://schemas.microsoft.com/office/drawing/2014/main" xmlns="" id="{247BDFCE-746E-45BF-A319-4733D58D1632}"/>
+                <a16:creationId xmlns="" xmlns:a16="http://schemas.microsoft.com/office/drawing/2014/main" id="{247BDFCE-746E-45BF-A319-4733D58D1632}"/>
               </a:ext>
             </a:extLst>
           </p:cNvPr>
@@ -2729,7 +2761,7 @@
           <p:cNvPr id="4" name="Espaço Reservado para Data 3">
             <a:extLst>
               <a:ext uri="{FF2B5EF4-FFF2-40B4-BE49-F238E27FC236}">
-                <a16:creationId xmlns:a16="http://schemas.microsoft.com/office/drawing/2014/main" xmlns="" id="{9EDE2778-5372-4104-B96D-968184DA8288}"/>
+                <a16:creationId xmlns="" xmlns:a16="http://schemas.microsoft.com/office/drawing/2014/main" id="{9EDE2778-5372-4104-B96D-968184DA8288}"/>
               </a:ext>
             </a:extLst>
           </p:cNvPr>
@@ -2747,7 +2779,7 @@
           <a:p>
             <a:fld id="{63289F7E-B80B-496E-81B4-D396C37C9454}" type="datetimeFigureOut">
               <a:rPr lang="pt-BR" smtClean="0"/>
-              <a:t>02/09/2022</a:t>
+              <a:t>09/09/2022</a:t>
             </a:fld>
             <a:endParaRPr lang="pt-BR"/>
           </a:p>
@@ -2758,7 +2790,7 @@
           <p:cNvPr id="5" name="Espaço Reservado para Rodapé 4">
             <a:extLst>
               <a:ext uri="{FF2B5EF4-FFF2-40B4-BE49-F238E27FC236}">
-                <a16:creationId xmlns:a16="http://schemas.microsoft.com/office/drawing/2014/main" xmlns="" id="{C1DD0F41-C861-4051-988D-3024A37A4B93}"/>
+                <a16:creationId xmlns="" xmlns:a16="http://schemas.microsoft.com/office/drawing/2014/main" id="{C1DD0F41-C861-4051-988D-3024A37A4B93}"/>
               </a:ext>
             </a:extLst>
           </p:cNvPr>
@@ -2783,7 +2815,7 @@
           <p:cNvPr id="6" name="Espaço Reservado para Número de Slide 5">
             <a:extLst>
               <a:ext uri="{FF2B5EF4-FFF2-40B4-BE49-F238E27FC236}">
-                <a16:creationId xmlns:a16="http://schemas.microsoft.com/office/drawing/2014/main" xmlns="" id="{07E5967E-D980-431A-A5DB-3F0C5030A81E}"/>
+                <a16:creationId xmlns="" xmlns:a16="http://schemas.microsoft.com/office/drawing/2014/main" id="{07E5967E-D980-431A-A5DB-3F0C5030A81E}"/>
               </a:ext>
             </a:extLst>
           </p:cNvPr>
@@ -2842,7 +2874,7 @@
           <p:cNvPr id="2" name="Título 1">
             <a:extLst>
               <a:ext uri="{FF2B5EF4-FFF2-40B4-BE49-F238E27FC236}">
-                <a16:creationId xmlns:a16="http://schemas.microsoft.com/office/drawing/2014/main" xmlns="" id="{9036C49F-3E68-4175-81BA-3C3FEE44308A}"/>
+                <a16:creationId xmlns="" xmlns:a16="http://schemas.microsoft.com/office/drawing/2014/main" id="{9036C49F-3E68-4175-81BA-3C3FEE44308A}"/>
               </a:ext>
             </a:extLst>
           </p:cNvPr>
@@ -2870,7 +2902,7 @@
           <p:cNvPr id="3" name="Espaço Reservado para Texto Vertical 2">
             <a:extLst>
               <a:ext uri="{FF2B5EF4-FFF2-40B4-BE49-F238E27FC236}">
-                <a16:creationId xmlns:a16="http://schemas.microsoft.com/office/drawing/2014/main" xmlns="" id="{426FA736-3DD3-4D4E-B57B-BBE1D8F7D424}"/>
+                <a16:creationId xmlns="" xmlns:a16="http://schemas.microsoft.com/office/drawing/2014/main" id="{426FA736-3DD3-4D4E-B57B-BBE1D8F7D424}"/>
               </a:ext>
             </a:extLst>
           </p:cNvPr>
@@ -2927,7 +2959,7 @@
           <p:cNvPr id="4" name="Espaço Reservado para Data 3">
             <a:extLst>
               <a:ext uri="{FF2B5EF4-FFF2-40B4-BE49-F238E27FC236}">
-                <a16:creationId xmlns:a16="http://schemas.microsoft.com/office/drawing/2014/main" xmlns="" id="{99E8855C-D8FD-48F6-B14E-861E0DE4D915}"/>
+                <a16:creationId xmlns="" xmlns:a16="http://schemas.microsoft.com/office/drawing/2014/main" id="{99E8855C-D8FD-48F6-B14E-861E0DE4D915}"/>
               </a:ext>
             </a:extLst>
           </p:cNvPr>
@@ -2945,7 +2977,7 @@
           <a:p>
             <a:fld id="{63289F7E-B80B-496E-81B4-D396C37C9454}" type="datetimeFigureOut">
               <a:rPr lang="pt-BR" smtClean="0"/>
-              <a:t>02/09/2022</a:t>
+              <a:t>09/09/2022</a:t>
             </a:fld>
             <a:endParaRPr lang="pt-BR"/>
           </a:p>
@@ -2956,7 +2988,7 @@
           <p:cNvPr id="5" name="Espaço Reservado para Rodapé 4">
             <a:extLst>
               <a:ext uri="{FF2B5EF4-FFF2-40B4-BE49-F238E27FC236}">
-                <a16:creationId xmlns:a16="http://schemas.microsoft.com/office/drawing/2014/main" xmlns="" id="{97C0BB88-2F21-42A5-ACFF-83DA47F2D340}"/>
+                <a16:creationId xmlns="" xmlns:a16="http://schemas.microsoft.com/office/drawing/2014/main" id="{97C0BB88-2F21-42A5-ACFF-83DA47F2D340}"/>
               </a:ext>
             </a:extLst>
           </p:cNvPr>
@@ -2981,7 +3013,7 @@
           <p:cNvPr id="6" name="Espaço Reservado para Número de Slide 5">
             <a:extLst>
               <a:ext uri="{FF2B5EF4-FFF2-40B4-BE49-F238E27FC236}">
-                <a16:creationId xmlns:a16="http://schemas.microsoft.com/office/drawing/2014/main" xmlns="" id="{6CB462B3-1F22-4C05-B4B8-7A279FB7D5E9}"/>
+                <a16:creationId xmlns="" xmlns:a16="http://schemas.microsoft.com/office/drawing/2014/main" id="{6CB462B3-1F22-4C05-B4B8-7A279FB7D5E9}"/>
               </a:ext>
             </a:extLst>
           </p:cNvPr>
@@ -3040,7 +3072,7 @@
           <p:cNvPr id="2" name="Título Vertical 1">
             <a:extLst>
               <a:ext uri="{FF2B5EF4-FFF2-40B4-BE49-F238E27FC236}">
-                <a16:creationId xmlns:a16="http://schemas.microsoft.com/office/drawing/2014/main" xmlns="" id="{EAEAB728-701C-4207-A9D5-23FF45C60502}"/>
+                <a16:creationId xmlns="" xmlns:a16="http://schemas.microsoft.com/office/drawing/2014/main" id="{EAEAB728-701C-4207-A9D5-23FF45C60502}"/>
               </a:ext>
             </a:extLst>
           </p:cNvPr>
@@ -3073,7 +3105,7 @@
           <p:cNvPr id="3" name="Espaço Reservado para Texto Vertical 2">
             <a:extLst>
               <a:ext uri="{FF2B5EF4-FFF2-40B4-BE49-F238E27FC236}">
-                <a16:creationId xmlns:a16="http://schemas.microsoft.com/office/drawing/2014/main" xmlns="" id="{BA8C8CCF-7823-480A-9A19-0F664DD17E3B}"/>
+                <a16:creationId xmlns="" xmlns:a16="http://schemas.microsoft.com/office/drawing/2014/main" id="{BA8C8CCF-7823-480A-9A19-0F664DD17E3B}"/>
               </a:ext>
             </a:extLst>
           </p:cNvPr>
@@ -3135,7 +3167,7 @@
           <p:cNvPr id="4" name="Espaço Reservado para Data 3">
             <a:extLst>
               <a:ext uri="{FF2B5EF4-FFF2-40B4-BE49-F238E27FC236}">
-                <a16:creationId xmlns:a16="http://schemas.microsoft.com/office/drawing/2014/main" xmlns="" id="{721D5734-7B1F-425D-942F-6EB73344027C}"/>
+                <a16:creationId xmlns="" xmlns:a16="http://schemas.microsoft.com/office/drawing/2014/main" id="{721D5734-7B1F-425D-942F-6EB73344027C}"/>
               </a:ext>
             </a:extLst>
           </p:cNvPr>
@@ -3153,7 +3185,7 @@
           <a:p>
             <a:fld id="{63289F7E-B80B-496E-81B4-D396C37C9454}" type="datetimeFigureOut">
               <a:rPr lang="pt-BR" smtClean="0"/>
-              <a:t>02/09/2022</a:t>
+              <a:t>09/09/2022</a:t>
             </a:fld>
             <a:endParaRPr lang="pt-BR"/>
           </a:p>
@@ -3164,7 +3196,7 @@
           <p:cNvPr id="5" name="Espaço Reservado para Rodapé 4">
             <a:extLst>
               <a:ext uri="{FF2B5EF4-FFF2-40B4-BE49-F238E27FC236}">
-                <a16:creationId xmlns:a16="http://schemas.microsoft.com/office/drawing/2014/main" xmlns="" id="{1E1AAEAC-F08D-45FE-89EC-B1B349A868C9}"/>
+                <a16:creationId xmlns="" xmlns:a16="http://schemas.microsoft.com/office/drawing/2014/main" id="{1E1AAEAC-F08D-45FE-89EC-B1B349A868C9}"/>
               </a:ext>
             </a:extLst>
           </p:cNvPr>
@@ -3189,7 +3221,7 @@
           <p:cNvPr id="6" name="Espaço Reservado para Número de Slide 5">
             <a:extLst>
               <a:ext uri="{FF2B5EF4-FFF2-40B4-BE49-F238E27FC236}">
-                <a16:creationId xmlns:a16="http://schemas.microsoft.com/office/drawing/2014/main" xmlns="" id="{BAA44493-9911-47B2-87A6-C2141A972BC8}"/>
+                <a16:creationId xmlns="" xmlns:a16="http://schemas.microsoft.com/office/drawing/2014/main" id="{BAA44493-9911-47B2-87A6-C2141A972BC8}"/>
               </a:ext>
             </a:extLst>
           </p:cNvPr>
@@ -3248,7 +3280,7 @@
           <p:cNvPr id="2" name="Título 1">
             <a:extLst>
               <a:ext uri="{FF2B5EF4-FFF2-40B4-BE49-F238E27FC236}">
-                <a16:creationId xmlns:a16="http://schemas.microsoft.com/office/drawing/2014/main" xmlns="" id="{71BD44A5-8F21-4626-A01D-48A1C874B1D5}"/>
+                <a16:creationId xmlns="" xmlns:a16="http://schemas.microsoft.com/office/drawing/2014/main" id="{71BD44A5-8F21-4626-A01D-48A1C874B1D5}"/>
               </a:ext>
             </a:extLst>
           </p:cNvPr>
@@ -3276,7 +3308,7 @@
           <p:cNvPr id="3" name="Espaço Reservado para Conteúdo 2">
             <a:extLst>
               <a:ext uri="{FF2B5EF4-FFF2-40B4-BE49-F238E27FC236}">
-                <a16:creationId xmlns:a16="http://schemas.microsoft.com/office/drawing/2014/main" xmlns="" id="{B79E8085-65A9-48AA-951D-71D978BFF4ED}"/>
+                <a16:creationId xmlns="" xmlns:a16="http://schemas.microsoft.com/office/drawing/2014/main" id="{B79E8085-65A9-48AA-951D-71D978BFF4ED}"/>
               </a:ext>
             </a:extLst>
           </p:cNvPr>
@@ -3333,7 +3365,7 @@
           <p:cNvPr id="4" name="Espaço Reservado para Data 3">
             <a:extLst>
               <a:ext uri="{FF2B5EF4-FFF2-40B4-BE49-F238E27FC236}">
-                <a16:creationId xmlns:a16="http://schemas.microsoft.com/office/drawing/2014/main" xmlns="" id="{F05BE1AF-51EA-425D-B188-DE7BD675009F}"/>
+                <a16:creationId xmlns="" xmlns:a16="http://schemas.microsoft.com/office/drawing/2014/main" id="{F05BE1AF-51EA-425D-B188-DE7BD675009F}"/>
               </a:ext>
             </a:extLst>
           </p:cNvPr>
@@ -3351,7 +3383,7 @@
           <a:p>
             <a:fld id="{63289F7E-B80B-496E-81B4-D396C37C9454}" type="datetimeFigureOut">
               <a:rPr lang="pt-BR" smtClean="0"/>
-              <a:t>02/09/2022</a:t>
+              <a:t>09/09/2022</a:t>
             </a:fld>
             <a:endParaRPr lang="pt-BR"/>
           </a:p>
@@ -3362,7 +3394,7 @@
           <p:cNvPr id="5" name="Espaço Reservado para Rodapé 4">
             <a:extLst>
               <a:ext uri="{FF2B5EF4-FFF2-40B4-BE49-F238E27FC236}">
-                <a16:creationId xmlns:a16="http://schemas.microsoft.com/office/drawing/2014/main" xmlns="" id="{121BE632-29CF-4CB9-B365-C9EF38F89BE6}"/>
+                <a16:creationId xmlns="" xmlns:a16="http://schemas.microsoft.com/office/drawing/2014/main" id="{121BE632-29CF-4CB9-B365-C9EF38F89BE6}"/>
               </a:ext>
             </a:extLst>
           </p:cNvPr>
@@ -3387,7 +3419,7 @@
           <p:cNvPr id="6" name="Espaço Reservado para Número de Slide 5">
             <a:extLst>
               <a:ext uri="{FF2B5EF4-FFF2-40B4-BE49-F238E27FC236}">
-                <a16:creationId xmlns:a16="http://schemas.microsoft.com/office/drawing/2014/main" xmlns="" id="{60CF3DD1-9AEC-4A57-B461-4E4DD86FAC18}"/>
+                <a16:creationId xmlns="" xmlns:a16="http://schemas.microsoft.com/office/drawing/2014/main" id="{60CF3DD1-9AEC-4A57-B461-4E4DD86FAC18}"/>
               </a:ext>
             </a:extLst>
           </p:cNvPr>
@@ -3446,7 +3478,7 @@
           <p:cNvPr id="2" name="Título 1">
             <a:extLst>
               <a:ext uri="{FF2B5EF4-FFF2-40B4-BE49-F238E27FC236}">
-                <a16:creationId xmlns:a16="http://schemas.microsoft.com/office/drawing/2014/main" xmlns="" id="{34AB2FF0-A4D7-4E28-991D-FF26140D5988}"/>
+                <a16:creationId xmlns="" xmlns:a16="http://schemas.microsoft.com/office/drawing/2014/main" id="{34AB2FF0-A4D7-4E28-991D-FF26140D5988}"/>
               </a:ext>
             </a:extLst>
           </p:cNvPr>
@@ -3483,7 +3515,7 @@
           <p:cNvPr id="3" name="Espaço Reservado para Texto 2">
             <a:extLst>
               <a:ext uri="{FF2B5EF4-FFF2-40B4-BE49-F238E27FC236}">
-                <a16:creationId xmlns:a16="http://schemas.microsoft.com/office/drawing/2014/main" xmlns="" id="{E2AC45B0-4145-40DB-8E61-105461170604}"/>
+                <a16:creationId xmlns="" xmlns:a16="http://schemas.microsoft.com/office/drawing/2014/main" id="{E2AC45B0-4145-40DB-8E61-105461170604}"/>
               </a:ext>
             </a:extLst>
           </p:cNvPr>
@@ -3608,7 +3640,7 @@
           <p:cNvPr id="4" name="Espaço Reservado para Data 3">
             <a:extLst>
               <a:ext uri="{FF2B5EF4-FFF2-40B4-BE49-F238E27FC236}">
-                <a16:creationId xmlns:a16="http://schemas.microsoft.com/office/drawing/2014/main" xmlns="" id="{50F1D3FB-740A-4EBA-A309-2CE71D12ECFB}"/>
+                <a16:creationId xmlns="" xmlns:a16="http://schemas.microsoft.com/office/drawing/2014/main" id="{50F1D3FB-740A-4EBA-A309-2CE71D12ECFB}"/>
               </a:ext>
             </a:extLst>
           </p:cNvPr>
@@ -3626,7 +3658,7 @@
           <a:p>
             <a:fld id="{63289F7E-B80B-496E-81B4-D396C37C9454}" type="datetimeFigureOut">
               <a:rPr lang="pt-BR" smtClean="0"/>
-              <a:t>02/09/2022</a:t>
+              <a:t>09/09/2022</a:t>
             </a:fld>
             <a:endParaRPr lang="pt-BR"/>
           </a:p>
@@ -3637,7 +3669,7 @@
           <p:cNvPr id="5" name="Espaço Reservado para Rodapé 4">
             <a:extLst>
               <a:ext uri="{FF2B5EF4-FFF2-40B4-BE49-F238E27FC236}">
-                <a16:creationId xmlns:a16="http://schemas.microsoft.com/office/drawing/2014/main" xmlns="" id="{BDCAB18F-8715-4465-A940-F9C193A2ACE9}"/>
+                <a16:creationId xmlns="" xmlns:a16="http://schemas.microsoft.com/office/drawing/2014/main" id="{BDCAB18F-8715-4465-A940-F9C193A2ACE9}"/>
               </a:ext>
             </a:extLst>
           </p:cNvPr>
@@ -3662,7 +3694,7 @@
           <p:cNvPr id="6" name="Espaço Reservado para Número de Slide 5">
             <a:extLst>
               <a:ext uri="{FF2B5EF4-FFF2-40B4-BE49-F238E27FC236}">
-                <a16:creationId xmlns:a16="http://schemas.microsoft.com/office/drawing/2014/main" xmlns="" id="{353466C6-8248-429F-8056-FF040BF509EB}"/>
+                <a16:creationId xmlns="" xmlns:a16="http://schemas.microsoft.com/office/drawing/2014/main" id="{353466C6-8248-429F-8056-FF040BF509EB}"/>
               </a:ext>
             </a:extLst>
           </p:cNvPr>
@@ -3721,7 +3753,7 @@
           <p:cNvPr id="2" name="Título 1">
             <a:extLst>
               <a:ext uri="{FF2B5EF4-FFF2-40B4-BE49-F238E27FC236}">
-                <a16:creationId xmlns:a16="http://schemas.microsoft.com/office/drawing/2014/main" xmlns="" id="{BC7BB9F0-F14B-4A91-B2B7-35BC47FE4DE7}"/>
+                <a16:creationId xmlns="" xmlns:a16="http://schemas.microsoft.com/office/drawing/2014/main" id="{BC7BB9F0-F14B-4A91-B2B7-35BC47FE4DE7}"/>
               </a:ext>
             </a:extLst>
           </p:cNvPr>
@@ -3749,7 +3781,7 @@
           <p:cNvPr id="3" name="Espaço Reservado para Conteúdo 2">
             <a:extLst>
               <a:ext uri="{FF2B5EF4-FFF2-40B4-BE49-F238E27FC236}">
-                <a16:creationId xmlns:a16="http://schemas.microsoft.com/office/drawing/2014/main" xmlns="" id="{EC1FC1C4-73DA-47A6-8496-B0B457F7D39A}"/>
+                <a16:creationId xmlns="" xmlns:a16="http://schemas.microsoft.com/office/drawing/2014/main" id="{EC1FC1C4-73DA-47A6-8496-B0B457F7D39A}"/>
               </a:ext>
             </a:extLst>
           </p:cNvPr>
@@ -3811,7 +3843,7 @@
           <p:cNvPr id="4" name="Espaço Reservado para Conteúdo 3">
             <a:extLst>
               <a:ext uri="{FF2B5EF4-FFF2-40B4-BE49-F238E27FC236}">
-                <a16:creationId xmlns:a16="http://schemas.microsoft.com/office/drawing/2014/main" xmlns="" id="{E92F06A8-A449-4D92-9912-76873E529B38}"/>
+                <a16:creationId xmlns="" xmlns:a16="http://schemas.microsoft.com/office/drawing/2014/main" id="{E92F06A8-A449-4D92-9912-76873E529B38}"/>
               </a:ext>
             </a:extLst>
           </p:cNvPr>
@@ -3873,7 +3905,7 @@
           <p:cNvPr id="5" name="Espaço Reservado para Data 4">
             <a:extLst>
               <a:ext uri="{FF2B5EF4-FFF2-40B4-BE49-F238E27FC236}">
-                <a16:creationId xmlns:a16="http://schemas.microsoft.com/office/drawing/2014/main" xmlns="" id="{938070A4-BC2F-4D55-BD8D-DEAF11BB9EE9}"/>
+                <a16:creationId xmlns="" xmlns:a16="http://schemas.microsoft.com/office/drawing/2014/main" id="{938070A4-BC2F-4D55-BD8D-DEAF11BB9EE9}"/>
               </a:ext>
             </a:extLst>
           </p:cNvPr>
@@ -3891,7 +3923,7 @@
           <a:p>
             <a:fld id="{63289F7E-B80B-496E-81B4-D396C37C9454}" type="datetimeFigureOut">
               <a:rPr lang="pt-BR" smtClean="0"/>
-              <a:t>02/09/2022</a:t>
+              <a:t>09/09/2022</a:t>
             </a:fld>
             <a:endParaRPr lang="pt-BR"/>
           </a:p>
@@ -3902,7 +3934,7 @@
           <p:cNvPr id="6" name="Espaço Reservado para Rodapé 5">
             <a:extLst>
               <a:ext uri="{FF2B5EF4-FFF2-40B4-BE49-F238E27FC236}">
-                <a16:creationId xmlns:a16="http://schemas.microsoft.com/office/drawing/2014/main" xmlns="" id="{45CC2DB8-844A-465F-BA9A-7734C80C7F43}"/>
+                <a16:creationId xmlns="" xmlns:a16="http://schemas.microsoft.com/office/drawing/2014/main" id="{45CC2DB8-844A-465F-BA9A-7734C80C7F43}"/>
               </a:ext>
             </a:extLst>
           </p:cNvPr>
@@ -3927,7 +3959,7 @@
           <p:cNvPr id="7" name="Espaço Reservado para Número de Slide 6">
             <a:extLst>
               <a:ext uri="{FF2B5EF4-FFF2-40B4-BE49-F238E27FC236}">
-                <a16:creationId xmlns:a16="http://schemas.microsoft.com/office/drawing/2014/main" xmlns="" id="{4CC606A8-097B-4040-94E0-CD8C88280D8F}"/>
+                <a16:creationId xmlns="" xmlns:a16="http://schemas.microsoft.com/office/drawing/2014/main" id="{4CC606A8-097B-4040-94E0-CD8C88280D8F}"/>
               </a:ext>
             </a:extLst>
           </p:cNvPr>
@@ -3986,7 +4018,7 @@
           <p:cNvPr id="2" name="Título 1">
             <a:extLst>
               <a:ext uri="{FF2B5EF4-FFF2-40B4-BE49-F238E27FC236}">
-                <a16:creationId xmlns:a16="http://schemas.microsoft.com/office/drawing/2014/main" xmlns="" id="{76D66686-0143-4CB6-8C09-BA326F1E7ACA}"/>
+                <a16:creationId xmlns="" xmlns:a16="http://schemas.microsoft.com/office/drawing/2014/main" id="{76D66686-0143-4CB6-8C09-BA326F1E7ACA}"/>
               </a:ext>
             </a:extLst>
           </p:cNvPr>
@@ -4019,7 +4051,7 @@
           <p:cNvPr id="3" name="Espaço Reservado para Texto 2">
             <a:extLst>
               <a:ext uri="{FF2B5EF4-FFF2-40B4-BE49-F238E27FC236}">
-                <a16:creationId xmlns:a16="http://schemas.microsoft.com/office/drawing/2014/main" xmlns="" id="{0227AB85-F59E-4BCE-B846-4FA0992C2F23}"/>
+                <a16:creationId xmlns="" xmlns:a16="http://schemas.microsoft.com/office/drawing/2014/main" id="{0227AB85-F59E-4BCE-B846-4FA0992C2F23}"/>
               </a:ext>
             </a:extLst>
           </p:cNvPr>
@@ -4090,7 +4122,7 @@
           <p:cNvPr id="4" name="Espaço Reservado para Conteúdo 3">
             <a:extLst>
               <a:ext uri="{FF2B5EF4-FFF2-40B4-BE49-F238E27FC236}">
-                <a16:creationId xmlns:a16="http://schemas.microsoft.com/office/drawing/2014/main" xmlns="" id="{3373456C-7319-4D0A-827D-D29F6B083F5D}"/>
+                <a16:creationId xmlns="" xmlns:a16="http://schemas.microsoft.com/office/drawing/2014/main" id="{3373456C-7319-4D0A-827D-D29F6B083F5D}"/>
               </a:ext>
             </a:extLst>
           </p:cNvPr>
@@ -4152,7 +4184,7 @@
           <p:cNvPr id="5" name="Espaço Reservado para Texto 4">
             <a:extLst>
               <a:ext uri="{FF2B5EF4-FFF2-40B4-BE49-F238E27FC236}">
-                <a16:creationId xmlns:a16="http://schemas.microsoft.com/office/drawing/2014/main" xmlns="" id="{4CD109D0-2E83-4262-8029-A871CEC47406}"/>
+                <a16:creationId xmlns="" xmlns:a16="http://schemas.microsoft.com/office/drawing/2014/main" id="{4CD109D0-2E83-4262-8029-A871CEC47406}"/>
               </a:ext>
             </a:extLst>
           </p:cNvPr>
@@ -4223,7 +4255,7 @@
           <p:cNvPr id="6" name="Espaço Reservado para Conteúdo 5">
             <a:extLst>
               <a:ext uri="{FF2B5EF4-FFF2-40B4-BE49-F238E27FC236}">
-                <a16:creationId xmlns:a16="http://schemas.microsoft.com/office/drawing/2014/main" xmlns="" id="{AD706E3A-CFBB-4A6C-A65F-D0360A9E74FE}"/>
+                <a16:creationId xmlns="" xmlns:a16="http://schemas.microsoft.com/office/drawing/2014/main" id="{AD706E3A-CFBB-4A6C-A65F-D0360A9E74FE}"/>
               </a:ext>
             </a:extLst>
           </p:cNvPr>
@@ -4285,7 +4317,7 @@
           <p:cNvPr id="7" name="Espaço Reservado para Data 6">
             <a:extLst>
               <a:ext uri="{FF2B5EF4-FFF2-40B4-BE49-F238E27FC236}">
-                <a16:creationId xmlns:a16="http://schemas.microsoft.com/office/drawing/2014/main" xmlns="" id="{4172C0E5-5AF0-4805-BB51-443733CD2BD5}"/>
+                <a16:creationId xmlns="" xmlns:a16="http://schemas.microsoft.com/office/drawing/2014/main" id="{4172C0E5-5AF0-4805-BB51-443733CD2BD5}"/>
               </a:ext>
             </a:extLst>
           </p:cNvPr>
@@ -4303,7 +4335,7 @@
           <a:p>
             <a:fld id="{63289F7E-B80B-496E-81B4-D396C37C9454}" type="datetimeFigureOut">
               <a:rPr lang="pt-BR" smtClean="0"/>
-              <a:t>02/09/2022</a:t>
+              <a:t>09/09/2022</a:t>
             </a:fld>
             <a:endParaRPr lang="pt-BR"/>
           </a:p>
@@ -4314,7 +4346,7 @@
           <p:cNvPr id="8" name="Espaço Reservado para Rodapé 7">
             <a:extLst>
               <a:ext uri="{FF2B5EF4-FFF2-40B4-BE49-F238E27FC236}">
-                <a16:creationId xmlns:a16="http://schemas.microsoft.com/office/drawing/2014/main" xmlns="" id="{0E801648-156F-497E-99CF-797DF48051E1}"/>
+                <a16:creationId xmlns="" xmlns:a16="http://schemas.microsoft.com/office/drawing/2014/main" id="{0E801648-156F-497E-99CF-797DF48051E1}"/>
               </a:ext>
             </a:extLst>
           </p:cNvPr>
@@ -4339,7 +4371,7 @@
           <p:cNvPr id="9" name="Espaço Reservado para Número de Slide 8">
             <a:extLst>
               <a:ext uri="{FF2B5EF4-FFF2-40B4-BE49-F238E27FC236}">
-                <a16:creationId xmlns:a16="http://schemas.microsoft.com/office/drawing/2014/main" xmlns="" id="{EEE23D32-80E7-4796-A137-66BF842E4B53}"/>
+                <a16:creationId xmlns="" xmlns:a16="http://schemas.microsoft.com/office/drawing/2014/main" id="{EEE23D32-80E7-4796-A137-66BF842E4B53}"/>
               </a:ext>
             </a:extLst>
           </p:cNvPr>
@@ -4398,7 +4430,7 @@
           <p:cNvPr id="2" name="Título 1">
             <a:extLst>
               <a:ext uri="{FF2B5EF4-FFF2-40B4-BE49-F238E27FC236}">
-                <a16:creationId xmlns:a16="http://schemas.microsoft.com/office/drawing/2014/main" xmlns="" id="{2BCE2379-C78F-47E1-8CFC-B846E7AF148D}"/>
+                <a16:creationId xmlns="" xmlns:a16="http://schemas.microsoft.com/office/drawing/2014/main" id="{2BCE2379-C78F-47E1-8CFC-B846E7AF148D}"/>
               </a:ext>
             </a:extLst>
           </p:cNvPr>
@@ -4426,7 +4458,7 @@
           <p:cNvPr id="3" name="Espaço Reservado para Data 2">
             <a:extLst>
               <a:ext uri="{FF2B5EF4-FFF2-40B4-BE49-F238E27FC236}">
-                <a16:creationId xmlns:a16="http://schemas.microsoft.com/office/drawing/2014/main" xmlns="" id="{342600A9-7F92-4E22-9D94-E4717252A817}"/>
+                <a16:creationId xmlns="" xmlns:a16="http://schemas.microsoft.com/office/drawing/2014/main" id="{342600A9-7F92-4E22-9D94-E4717252A817}"/>
               </a:ext>
             </a:extLst>
           </p:cNvPr>
@@ -4444,7 +4476,7 @@
           <a:p>
             <a:fld id="{63289F7E-B80B-496E-81B4-D396C37C9454}" type="datetimeFigureOut">
               <a:rPr lang="pt-BR" smtClean="0"/>
-              <a:t>02/09/2022</a:t>
+              <a:t>09/09/2022</a:t>
             </a:fld>
             <a:endParaRPr lang="pt-BR"/>
           </a:p>
@@ -4455,7 +4487,7 @@
           <p:cNvPr id="4" name="Espaço Reservado para Rodapé 3">
             <a:extLst>
               <a:ext uri="{FF2B5EF4-FFF2-40B4-BE49-F238E27FC236}">
-                <a16:creationId xmlns:a16="http://schemas.microsoft.com/office/drawing/2014/main" xmlns="" id="{192E6BED-F546-40CC-A2DF-99CBA853654E}"/>
+                <a16:creationId xmlns="" xmlns:a16="http://schemas.microsoft.com/office/drawing/2014/main" id="{192E6BED-F546-40CC-A2DF-99CBA853654E}"/>
               </a:ext>
             </a:extLst>
           </p:cNvPr>
@@ -4480,7 +4512,7 @@
           <p:cNvPr id="5" name="Espaço Reservado para Número de Slide 4">
             <a:extLst>
               <a:ext uri="{FF2B5EF4-FFF2-40B4-BE49-F238E27FC236}">
-                <a16:creationId xmlns:a16="http://schemas.microsoft.com/office/drawing/2014/main" xmlns="" id="{6091CC40-A8C4-4063-80EB-CC5099621678}"/>
+                <a16:creationId xmlns="" xmlns:a16="http://schemas.microsoft.com/office/drawing/2014/main" id="{6091CC40-A8C4-4063-80EB-CC5099621678}"/>
               </a:ext>
             </a:extLst>
           </p:cNvPr>
@@ -4539,7 +4571,7 @@
           <p:cNvPr id="2" name="Espaço Reservado para Data 1">
             <a:extLst>
               <a:ext uri="{FF2B5EF4-FFF2-40B4-BE49-F238E27FC236}">
-                <a16:creationId xmlns:a16="http://schemas.microsoft.com/office/drawing/2014/main" xmlns="" id="{DD19515C-212C-4EAE-84A3-8FF4BC844F1B}"/>
+                <a16:creationId xmlns="" xmlns:a16="http://schemas.microsoft.com/office/drawing/2014/main" id="{DD19515C-212C-4EAE-84A3-8FF4BC844F1B}"/>
               </a:ext>
             </a:extLst>
           </p:cNvPr>
@@ -4557,7 +4589,7 @@
           <a:p>
             <a:fld id="{63289F7E-B80B-496E-81B4-D396C37C9454}" type="datetimeFigureOut">
               <a:rPr lang="pt-BR" smtClean="0"/>
-              <a:t>02/09/2022</a:t>
+              <a:t>09/09/2022</a:t>
             </a:fld>
             <a:endParaRPr lang="pt-BR"/>
           </a:p>
@@ -4568,7 +4600,7 @@
           <p:cNvPr id="3" name="Espaço Reservado para Rodapé 2">
             <a:extLst>
               <a:ext uri="{FF2B5EF4-FFF2-40B4-BE49-F238E27FC236}">
-                <a16:creationId xmlns:a16="http://schemas.microsoft.com/office/drawing/2014/main" xmlns="" id="{94D3D120-B3E8-4C96-861D-7A4F12F49B3A}"/>
+                <a16:creationId xmlns="" xmlns:a16="http://schemas.microsoft.com/office/drawing/2014/main" id="{94D3D120-B3E8-4C96-861D-7A4F12F49B3A}"/>
               </a:ext>
             </a:extLst>
           </p:cNvPr>
@@ -4593,7 +4625,7 @@
           <p:cNvPr id="4" name="Espaço Reservado para Número de Slide 3">
             <a:extLst>
               <a:ext uri="{FF2B5EF4-FFF2-40B4-BE49-F238E27FC236}">
-                <a16:creationId xmlns:a16="http://schemas.microsoft.com/office/drawing/2014/main" xmlns="" id="{42E49B68-FA1B-468B-9F17-D5C09243D454}"/>
+                <a16:creationId xmlns="" xmlns:a16="http://schemas.microsoft.com/office/drawing/2014/main" id="{42E49B68-FA1B-468B-9F17-D5C09243D454}"/>
               </a:ext>
             </a:extLst>
           </p:cNvPr>
@@ -4652,7 +4684,7 @@
           <p:cNvPr id="2" name="Título 1">
             <a:extLst>
               <a:ext uri="{FF2B5EF4-FFF2-40B4-BE49-F238E27FC236}">
-                <a16:creationId xmlns:a16="http://schemas.microsoft.com/office/drawing/2014/main" xmlns="" id="{1C17BCBE-A897-4319-85EC-D87909C24980}"/>
+                <a16:creationId xmlns="" xmlns:a16="http://schemas.microsoft.com/office/drawing/2014/main" id="{1C17BCBE-A897-4319-85EC-D87909C24980}"/>
               </a:ext>
             </a:extLst>
           </p:cNvPr>
@@ -4689,7 +4721,7 @@
           <p:cNvPr id="3" name="Espaço Reservado para Conteúdo 2">
             <a:extLst>
               <a:ext uri="{FF2B5EF4-FFF2-40B4-BE49-F238E27FC236}">
-                <a16:creationId xmlns:a16="http://schemas.microsoft.com/office/drawing/2014/main" xmlns="" id="{4226F885-0204-4913-868B-4B8B82576F17}"/>
+                <a16:creationId xmlns="" xmlns:a16="http://schemas.microsoft.com/office/drawing/2014/main" id="{4226F885-0204-4913-868B-4B8B82576F17}"/>
               </a:ext>
             </a:extLst>
           </p:cNvPr>
@@ -4779,7 +4811,7 @@
           <p:cNvPr id="4" name="Espaço Reservado para Texto 3">
             <a:extLst>
               <a:ext uri="{FF2B5EF4-FFF2-40B4-BE49-F238E27FC236}">
-                <a16:creationId xmlns:a16="http://schemas.microsoft.com/office/drawing/2014/main" xmlns="" id="{00F9F784-A858-441B-8AB5-697098141751}"/>
+                <a16:creationId xmlns="" xmlns:a16="http://schemas.microsoft.com/office/drawing/2014/main" id="{00F9F784-A858-441B-8AB5-697098141751}"/>
               </a:ext>
             </a:extLst>
           </p:cNvPr>
@@ -4850,7 +4882,7 @@
           <p:cNvPr id="5" name="Espaço Reservado para Data 4">
             <a:extLst>
               <a:ext uri="{FF2B5EF4-FFF2-40B4-BE49-F238E27FC236}">
-                <a16:creationId xmlns:a16="http://schemas.microsoft.com/office/drawing/2014/main" xmlns="" id="{A4DC363A-5000-472E-8B17-02E7DCB8840A}"/>
+                <a16:creationId xmlns="" xmlns:a16="http://schemas.microsoft.com/office/drawing/2014/main" id="{A4DC363A-5000-472E-8B17-02E7DCB8840A}"/>
               </a:ext>
             </a:extLst>
           </p:cNvPr>
@@ -4868,7 +4900,7 @@
           <a:p>
             <a:fld id="{63289F7E-B80B-496E-81B4-D396C37C9454}" type="datetimeFigureOut">
               <a:rPr lang="pt-BR" smtClean="0"/>
-              <a:t>02/09/2022</a:t>
+              <a:t>09/09/2022</a:t>
             </a:fld>
             <a:endParaRPr lang="pt-BR"/>
           </a:p>
@@ -4879,7 +4911,7 @@
           <p:cNvPr id="6" name="Espaço Reservado para Rodapé 5">
             <a:extLst>
               <a:ext uri="{FF2B5EF4-FFF2-40B4-BE49-F238E27FC236}">
-                <a16:creationId xmlns:a16="http://schemas.microsoft.com/office/drawing/2014/main" xmlns="" id="{5548425D-2C21-4C56-BAD4-662978775C28}"/>
+                <a16:creationId xmlns="" xmlns:a16="http://schemas.microsoft.com/office/drawing/2014/main" id="{5548425D-2C21-4C56-BAD4-662978775C28}"/>
               </a:ext>
             </a:extLst>
           </p:cNvPr>
@@ -4904,7 +4936,7 @@
           <p:cNvPr id="7" name="Espaço Reservado para Número de Slide 6">
             <a:extLst>
               <a:ext uri="{FF2B5EF4-FFF2-40B4-BE49-F238E27FC236}">
-                <a16:creationId xmlns:a16="http://schemas.microsoft.com/office/drawing/2014/main" xmlns="" id="{C63E9726-E64C-42B2-AE8A-8C235A956B48}"/>
+                <a16:creationId xmlns="" xmlns:a16="http://schemas.microsoft.com/office/drawing/2014/main" id="{C63E9726-E64C-42B2-AE8A-8C235A956B48}"/>
               </a:ext>
             </a:extLst>
           </p:cNvPr>
@@ -4963,7 +4995,7 @@
           <p:cNvPr id="2" name="Título 1">
             <a:extLst>
               <a:ext uri="{FF2B5EF4-FFF2-40B4-BE49-F238E27FC236}">
-                <a16:creationId xmlns:a16="http://schemas.microsoft.com/office/drawing/2014/main" xmlns="" id="{11086A78-3E74-450C-96A6-CA8AC37AF772}"/>
+                <a16:creationId xmlns="" xmlns:a16="http://schemas.microsoft.com/office/drawing/2014/main" id="{11086A78-3E74-450C-96A6-CA8AC37AF772}"/>
               </a:ext>
             </a:extLst>
           </p:cNvPr>
@@ -5000,7 +5032,7 @@
           <p:cNvPr id="3" name="Espaço Reservado para Imagem 2">
             <a:extLst>
               <a:ext uri="{FF2B5EF4-FFF2-40B4-BE49-F238E27FC236}">
-                <a16:creationId xmlns:a16="http://schemas.microsoft.com/office/drawing/2014/main" xmlns="" id="{5F5B7312-975A-4DBC-9B2F-3652ADA006FD}"/>
+                <a16:creationId xmlns="" xmlns:a16="http://schemas.microsoft.com/office/drawing/2014/main" id="{5F5B7312-975A-4DBC-9B2F-3652ADA006FD}"/>
               </a:ext>
             </a:extLst>
           </p:cNvPr>
@@ -5067,7 +5099,7 @@
           <p:cNvPr id="4" name="Espaço Reservado para Texto 3">
             <a:extLst>
               <a:ext uri="{FF2B5EF4-FFF2-40B4-BE49-F238E27FC236}">
-                <a16:creationId xmlns:a16="http://schemas.microsoft.com/office/drawing/2014/main" xmlns="" id="{AAF805F5-1DFF-41C6-944C-7D79FE0D0963}"/>
+                <a16:creationId xmlns="" xmlns:a16="http://schemas.microsoft.com/office/drawing/2014/main" id="{AAF805F5-1DFF-41C6-944C-7D79FE0D0963}"/>
               </a:ext>
             </a:extLst>
           </p:cNvPr>
@@ -5138,7 +5170,7 @@
           <p:cNvPr id="5" name="Espaço Reservado para Data 4">
             <a:extLst>
               <a:ext uri="{FF2B5EF4-FFF2-40B4-BE49-F238E27FC236}">
-                <a16:creationId xmlns:a16="http://schemas.microsoft.com/office/drawing/2014/main" xmlns="" id="{02113D81-8665-4516-BD81-C6A1F254EECD}"/>
+                <a16:creationId xmlns="" xmlns:a16="http://schemas.microsoft.com/office/drawing/2014/main" id="{02113D81-8665-4516-BD81-C6A1F254EECD}"/>
               </a:ext>
             </a:extLst>
           </p:cNvPr>
@@ -5156,7 +5188,7 @@
           <a:p>
             <a:fld id="{63289F7E-B80B-496E-81B4-D396C37C9454}" type="datetimeFigureOut">
               <a:rPr lang="pt-BR" smtClean="0"/>
-              <a:t>02/09/2022</a:t>
+              <a:t>09/09/2022</a:t>
             </a:fld>
             <a:endParaRPr lang="pt-BR"/>
           </a:p>
@@ -5167,7 +5199,7 @@
           <p:cNvPr id="6" name="Espaço Reservado para Rodapé 5">
             <a:extLst>
               <a:ext uri="{FF2B5EF4-FFF2-40B4-BE49-F238E27FC236}">
-                <a16:creationId xmlns:a16="http://schemas.microsoft.com/office/drawing/2014/main" xmlns="" id="{2B00C88B-FF32-40AA-A187-727D96FD7862}"/>
+                <a16:creationId xmlns="" xmlns:a16="http://schemas.microsoft.com/office/drawing/2014/main" id="{2B00C88B-FF32-40AA-A187-727D96FD7862}"/>
               </a:ext>
             </a:extLst>
           </p:cNvPr>
@@ -5192,7 +5224,7 @@
           <p:cNvPr id="7" name="Espaço Reservado para Número de Slide 6">
             <a:extLst>
               <a:ext uri="{FF2B5EF4-FFF2-40B4-BE49-F238E27FC236}">
-                <a16:creationId xmlns:a16="http://schemas.microsoft.com/office/drawing/2014/main" xmlns="" id="{A04D1A2D-69F7-4B8F-A730-BC26DC340BA6}"/>
+                <a16:creationId xmlns="" xmlns:a16="http://schemas.microsoft.com/office/drawing/2014/main" id="{A04D1A2D-69F7-4B8F-A730-BC26DC340BA6}"/>
               </a:ext>
             </a:extLst>
           </p:cNvPr>
@@ -5256,7 +5288,7 @@
           <p:cNvPr id="2" name="Espaço Reservado para Título 1">
             <a:extLst>
               <a:ext uri="{FF2B5EF4-FFF2-40B4-BE49-F238E27FC236}">
-                <a16:creationId xmlns:a16="http://schemas.microsoft.com/office/drawing/2014/main" xmlns="" id="{E69A0273-1966-4A1B-9370-4C1CE5036371}"/>
+                <a16:creationId xmlns="" xmlns:a16="http://schemas.microsoft.com/office/drawing/2014/main" id="{E69A0273-1966-4A1B-9370-4C1CE5036371}"/>
               </a:ext>
             </a:extLst>
           </p:cNvPr>
@@ -5294,7 +5326,7 @@
           <p:cNvPr id="3" name="Espaço Reservado para Texto 2">
             <a:extLst>
               <a:ext uri="{FF2B5EF4-FFF2-40B4-BE49-F238E27FC236}">
-                <a16:creationId xmlns:a16="http://schemas.microsoft.com/office/drawing/2014/main" xmlns="" id="{3B9CF87A-0448-49A7-AB25-EBC1D56A40EF}"/>
+                <a16:creationId xmlns="" xmlns:a16="http://schemas.microsoft.com/office/drawing/2014/main" id="{3B9CF87A-0448-49A7-AB25-EBC1D56A40EF}"/>
               </a:ext>
             </a:extLst>
           </p:cNvPr>
@@ -5361,7 +5393,7 @@
           <p:cNvPr id="4" name="Espaço Reservado para Data 3">
             <a:extLst>
               <a:ext uri="{FF2B5EF4-FFF2-40B4-BE49-F238E27FC236}">
-                <a16:creationId xmlns:a16="http://schemas.microsoft.com/office/drawing/2014/main" xmlns="" id="{2EF7B1F2-BB5A-44D0-816D-16AD2C71430E}"/>
+                <a16:creationId xmlns="" xmlns:a16="http://schemas.microsoft.com/office/drawing/2014/main" id="{2EF7B1F2-BB5A-44D0-816D-16AD2C71430E}"/>
               </a:ext>
             </a:extLst>
           </p:cNvPr>
@@ -5397,7 +5429,7 @@
           <a:p>
             <a:fld id="{63289F7E-B80B-496E-81B4-D396C37C9454}" type="datetimeFigureOut">
               <a:rPr lang="pt-BR" smtClean="0"/>
-              <a:t>02/09/2022</a:t>
+              <a:t>09/09/2022</a:t>
             </a:fld>
             <a:endParaRPr lang="pt-BR"/>
           </a:p>
@@ -5408,7 +5440,7 @@
           <p:cNvPr id="5" name="Espaço Reservado para Rodapé 4">
             <a:extLst>
               <a:ext uri="{FF2B5EF4-FFF2-40B4-BE49-F238E27FC236}">
-                <a16:creationId xmlns:a16="http://schemas.microsoft.com/office/drawing/2014/main" xmlns="" id="{C703F94C-2CC8-4DAA-BC35-14FC3E841DCD}"/>
+                <a16:creationId xmlns="" xmlns:a16="http://schemas.microsoft.com/office/drawing/2014/main" id="{C703F94C-2CC8-4DAA-BC35-14FC3E841DCD}"/>
               </a:ext>
             </a:extLst>
           </p:cNvPr>
@@ -5451,7 +5483,7 @@
           <p:cNvPr id="6" name="Espaço Reservado para Número de Slide 5">
             <a:extLst>
               <a:ext uri="{FF2B5EF4-FFF2-40B4-BE49-F238E27FC236}">
-                <a16:creationId xmlns:a16="http://schemas.microsoft.com/office/drawing/2014/main" xmlns="" id="{64051336-7048-457A-8B61-D94291D71648}"/>
+                <a16:creationId xmlns="" xmlns:a16="http://schemas.microsoft.com/office/drawing/2014/main" id="{64051336-7048-457A-8B61-D94291D71648}"/>
               </a:ext>
             </a:extLst>
           </p:cNvPr>
@@ -5819,7 +5851,7 @@
           <p:cNvPr id="2" name="Título 1">
             <a:extLst>
               <a:ext uri="{FF2B5EF4-FFF2-40B4-BE49-F238E27FC236}">
-                <a16:creationId xmlns:a16="http://schemas.microsoft.com/office/drawing/2014/main" xmlns="" id="{32666AC8-2E17-4DB4-B0F5-60C640CCFD2E}"/>
+                <a16:creationId xmlns="" xmlns:a16="http://schemas.microsoft.com/office/drawing/2014/main" id="{32666AC8-2E17-4DB4-B0F5-60C640CCFD2E}"/>
               </a:ext>
             </a:extLst>
           </p:cNvPr>
@@ -5865,7 +5897,7 @@
           <p:cNvPr id="4" name="CaixaDeTexto 3">
             <a:extLst>
               <a:ext uri="{FF2B5EF4-FFF2-40B4-BE49-F238E27FC236}">
-                <a16:creationId xmlns:a16="http://schemas.microsoft.com/office/drawing/2014/main" xmlns="" id="{430EB894-B7D4-434C-9D1A-A14094D9BEEC}"/>
+                <a16:creationId xmlns="" xmlns:a16="http://schemas.microsoft.com/office/drawing/2014/main" id="{430EB894-B7D4-434C-9D1A-A14094D9BEEC}"/>
               </a:ext>
             </a:extLst>
           </p:cNvPr>
@@ -5906,7 +5938,7 @@
           <p:cNvPr id="1026" name="Picture 2" descr="Logo">
             <a:extLst>
               <a:ext uri="{FF2B5EF4-FFF2-40B4-BE49-F238E27FC236}">
-                <a16:creationId xmlns:a16="http://schemas.microsoft.com/office/drawing/2014/main" xmlns="" id="{3F2642E0-4F6A-4196-8F58-E77D36E9A33F}"/>
+                <a16:creationId xmlns="" xmlns:a16="http://schemas.microsoft.com/office/drawing/2014/main" id="{3F2642E0-4F6A-4196-8F58-E77D36E9A33F}"/>
               </a:ext>
             </a:extLst>
           </p:cNvPr>
@@ -5951,7 +5983,7 @@
           <p:cNvPr id="5122" name="Picture 2" descr="Image result for machine learning">
             <a:extLst>
               <a:ext uri="{FF2B5EF4-FFF2-40B4-BE49-F238E27FC236}">
-                <a16:creationId xmlns:a16="http://schemas.microsoft.com/office/drawing/2014/main" xmlns="" id="{810CE0A2-4102-44A6-A370-175E7896CDCB}"/>
+                <a16:creationId xmlns="" xmlns:a16="http://schemas.microsoft.com/office/drawing/2014/main" id="{810CE0A2-4102-44A6-A370-175E7896CDCB}"/>
               </a:ext>
             </a:extLst>
           </p:cNvPr>
@@ -6043,8 +6075,8 @@
           </a:p>
         </p:txBody>
       </p:sp>
-      <mc:AlternateContent xmlns:mc="http://schemas.openxmlformats.org/markup-compatibility/2006" xmlns:a14="http://schemas.microsoft.com/office/drawing/2010/main">
-        <mc:Choice Requires="a14">
+      <mc:AlternateContent xmlns:mc="http://schemas.openxmlformats.org/markup-compatibility/2006">
+        <mc:Choice xmlns:a14="http://schemas.microsoft.com/office/drawing/2010/main" Requires="a14">
           <p:sp>
             <p:nvSpPr>
               <p:cNvPr id="3" name="Content Placeholder 2"/>
@@ -6057,19 +6089,68 @@
             </p:nvSpPr>
             <p:spPr>
               <a:xfrm>
-                <a:off x="838200" y="1825624"/>
-                <a:ext cx="10515600" cy="4786191"/>
+                <a:off x="838199" y="1825624"/>
+                <a:ext cx="11147324" cy="5032376"/>
               </a:xfrm>
             </p:spPr>
             <p:txBody>
               <a:bodyPr>
-                <a:normAutofit/>
+                <a:normAutofit fontScale="92500" lnSpcReduction="10000"/>
               </a:bodyPr>
               <a:lstStyle/>
               <a:p>
                 <a:r>
                   <a:rPr lang="pt-BR" dirty="0"/>
-                  <a:t>Assim como fizemos anteriormente, precisamos definir uma </a:t>
+                  <a:t>Portanto, o objetivo é encontrar um </a:t>
+                </a:r>
+                <a:r>
+                  <a:rPr lang="pt-BR" b="1" i="1" dirty="0"/>
+                  <a:t>modelo</a:t>
+                </a:r>
+                <a:r>
+                  <a:rPr lang="pt-BR" dirty="0"/>
+                  <a:t> (i.e</a:t>
+                </a:r>
+                <a:r>
+                  <a:rPr lang="pt-BR" dirty="0" smtClean="0"/>
+                  <a:t>., os </a:t>
+                </a:r>
+                <a:r>
+                  <a:rPr lang="pt-BR" b="1" i="1" dirty="0"/>
+                  <a:t>pesos</a:t>
+                </a:r>
+                <a:r>
+                  <a:rPr lang="pt-BR" dirty="0"/>
+                  <a:t> das </a:t>
+                </a:r>
+                <a14:m>
+                  <m:oMath xmlns:m="http://schemas.openxmlformats.org/officeDocument/2006/math">
+                    <m:r>
+                      <a:rPr lang="pt-BR" i="1">
+                        <a:latin typeface="Cambria Math" panose="02040503050406030204" pitchFamily="18" charset="0"/>
+                      </a:rPr>
+                      <m:t>𝑄</m:t>
+                    </m:r>
+                  </m:oMath>
+                </a14:m>
+                <a:r>
+                  <a:rPr lang="pt-BR" dirty="0"/>
+                  <a:t> funções hipótese) que atribua uma alta probabilidade para a classe alvo e consequentemente uma baixa probabilidade para as demais classes</a:t>
+                </a:r>
+                <a:r>
+                  <a:rPr lang="pt-BR" dirty="0" smtClean="0"/>
+                  <a:t>.</a:t>
+                </a:r>
+                <a:endParaRPr lang="pt-BR" dirty="0" smtClean="0"/>
+              </a:p>
+              <a:p>
+                <a:r>
+                  <a:rPr lang="pt-BR" dirty="0" smtClean="0"/>
+                  <a:t>Assim </a:t>
+                </a:r>
+                <a:r>
+                  <a:rPr lang="pt-BR" dirty="0"/>
+                  <a:t>como fizemos anteriormente, precisamos definir uma </a:t>
                 </a:r>
                 <a:r>
                   <a:rPr lang="pt-BR" b="1" i="1" dirty="0"/>
@@ -6095,12 +6176,18 @@
                   <a:rPr lang="pt-BR" dirty="0"/>
                   <a:t> das </a:t>
                 </a:r>
-                <a:r>
-                  <a:rPr lang="pt-BR" b="1" i="1" dirty="0"/>
-                  <a:t>Q</a:t>
-                </a:r>
-                <a:r>
-                  <a:rPr lang="pt-BR" dirty="0"/>
+                <a14:m>
+                  <m:oMath xmlns:m="http://schemas.openxmlformats.org/officeDocument/2006/math">
+                    <m:r>
+                      <a:rPr lang="pt-BR" i="1">
+                        <a:latin typeface="Cambria Math" panose="02040503050406030204" pitchFamily="18" charset="0"/>
+                      </a:rPr>
+                      <m:t>𝑄</m:t>
+                    </m:r>
+                  </m:oMath>
+                </a14:m>
+                <a:r>
+                  <a:rPr lang="pt-BR" dirty="0" smtClean="0"/>
                   <a:t> </a:t>
                 </a:r>
                 <a:r>
@@ -6468,7 +6555,11 @@
                 </a:r>
                 <a:r>
                   <a:rPr lang="pt-BR" dirty="0"/>
-                  <a:t>, de modo que 1{uma condição verdadeira} = 1 e 1{uma condição falsa} = 0 e </a:t>
+                  <a:t>, de modo que 1{uma condição verdadeira} = 1 e 1{uma condição falsa} = </a:t>
+                </a:r>
+                <a:r>
+                  <a:rPr lang="pt-BR" dirty="0" smtClean="0"/>
+                  <a:t>0, </a:t>
                 </a:r>
                 <a14:m>
                   <m:oMath xmlns:m="http://schemas.openxmlformats.org/officeDocument/2006/math">
@@ -6561,8 +6652,66 @@
                 </a14:m>
                 <a:r>
                   <a:rPr lang="pt-BR" dirty="0"/>
-                  <a:t> classes. </a:t>
-                </a:r>
+                  <a:t> </a:t>
+                </a:r>
+                <a:r>
+                  <a:rPr lang="pt-BR" dirty="0" smtClean="0"/>
+                  <a:t>classes e </a:t>
+                </a:r>
+                <a14:m>
+                  <m:oMath xmlns:m="http://schemas.openxmlformats.org/officeDocument/2006/math">
+                    <m:r>
+                      <a:rPr lang="pt-BR" i="1">
+                        <a:latin typeface="Cambria Math" panose="02040503050406030204" pitchFamily="18" charset="0"/>
+                      </a:rPr>
+                      <m:t>𝑦</m:t>
+                    </m:r>
+                    <m:d>
+                      <m:dPr>
+                        <m:ctrlPr>
+                          <a:rPr lang="pt-BR" i="1">
+                            <a:latin typeface="Cambria Math" panose="02040503050406030204" pitchFamily="18" charset="0"/>
+                          </a:rPr>
+                        </m:ctrlPr>
+                      </m:dPr>
+                      <m:e>
+                        <m:r>
+                          <a:rPr lang="pt-BR" i="1">
+                            <a:latin typeface="Cambria Math" panose="02040503050406030204" pitchFamily="18" charset="0"/>
+                          </a:rPr>
+                          <m:t>𝑖</m:t>
+                        </m:r>
+                      </m:e>
+                    </m:d>
+                  </m:oMath>
+                </a14:m>
+                <a:r>
+                  <a:rPr lang="pt-BR" dirty="0" smtClean="0"/>
+                  <a:t> é o </a:t>
+                </a:r>
+                <a14:m>
+                  <m:oMath xmlns:m="http://schemas.openxmlformats.org/officeDocument/2006/math">
+                    <m:r>
+                      <a:rPr lang="pt-BR" i="1">
+                        <a:latin typeface="Cambria Math" panose="02040503050406030204" pitchFamily="18" charset="0"/>
+                      </a:rPr>
+                      <m:t>𝑖</m:t>
+                    </m:r>
+                  </m:oMath>
+                </a14:m>
+                <a:r>
+                  <a:rPr lang="pt-BR" dirty="0" smtClean="0"/>
+                  <a:t>-</a:t>
+                </a:r>
+                <a:r>
+                  <a:rPr lang="pt-BR" dirty="0" err="1" smtClean="0"/>
+                  <a:t>ésimo</a:t>
+                </a:r>
+                <a:r>
+                  <a:rPr lang="pt-BR" dirty="0" smtClean="0"/>
+                  <a:t> valor esperado. </a:t>
+                </a:r>
+                <a:endParaRPr lang="pt-BR" dirty="0"/>
               </a:p>
               <a:p>
                 <a:r>
@@ -6642,7 +6791,7 @@
             </p:txBody>
           </p:sp>
         </mc:Choice>
-        <mc:Fallback xmlns="">
+        <mc:Fallback>
           <p:sp>
             <p:nvSpPr>
               <p:cNvPr id="3" name="Content Placeholder 2"/>
@@ -6655,13 +6804,13 @@
             </p:nvSpPr>
             <p:spPr>
               <a:xfrm>
-                <a:off x="838200" y="1825624"/>
-                <a:ext cx="10515600" cy="4786191"/>
+                <a:off x="838199" y="1825624"/>
+                <a:ext cx="11147324" cy="5032376"/>
               </a:xfrm>
-              <a:blipFill>
+              <a:blipFill rotWithShape="0">
                 <a:blip r:embed="rId3"/>
                 <a:stretch>
-                  <a:fillRect l="-1217" t="-2036" r="-58" b="-891"/>
+                  <a:fillRect l="-929" t="-2421" b="-3269"/>
                 </a:stretch>
               </a:blipFill>
             </p:spPr>
@@ -6670,7 +6819,7 @@
               <a:lstStyle/>
               <a:p>
                 <a:r>
-                  <a:rPr lang="en-US">
+                  <a:rPr lang="pt-BR">
                     <a:noFill/>
                   </a:rPr>
                   <a:t> </a:t>
@@ -6680,8 +6829,8 @@
           </p:sp>
         </mc:Fallback>
       </mc:AlternateContent>
-      <mc:AlternateContent xmlns:mc="http://schemas.openxmlformats.org/markup-compatibility/2006" xmlns:a14="http://schemas.microsoft.com/office/drawing/2010/main">
-        <mc:Choice Requires="a14">
+      <mc:AlternateContent xmlns:mc="http://schemas.openxmlformats.org/markup-compatibility/2006">
+        <mc:Choice xmlns:a14="http://schemas.microsoft.com/office/drawing/2010/main" Requires="a14">
           <p:sp>
             <p:nvSpPr>
               <p:cNvPr id="4" name="TextBox 3"/>
@@ -6690,7 +6839,7 @@
             </p:nvSpPr>
             <p:spPr>
               <a:xfrm>
-                <a:off x="10324689" y="2952339"/>
+                <a:off x="10351652" y="3709423"/>
                 <a:ext cx="1840348" cy="656975"/>
               </a:xfrm>
               <a:prstGeom prst="rect">
@@ -6771,7 +6920,7 @@
             </p:txBody>
           </p:sp>
         </mc:Choice>
-        <mc:Fallback xmlns="">
+        <mc:Fallback>
           <p:sp>
             <p:nvSpPr>
               <p:cNvPr id="4" name="TextBox 3"/>
@@ -6782,7 +6931,7 @@
             </p:nvSpPr>
             <p:spPr>
               <a:xfrm>
-                <a:off x="10324689" y="2952339"/>
+                <a:off x="10351652" y="3709423"/>
                 <a:ext cx="1840348" cy="656975"/>
               </a:xfrm>
               <a:prstGeom prst="rect">
@@ -6791,7 +6940,7 @@
               <a:blipFill rotWithShape="0">
                 <a:blip r:embed="rId4"/>
                 <a:stretch>
-                  <a:fillRect b="-6481"/>
+                  <a:fillRect t="-935" b="-7477"/>
                 </a:stretch>
               </a:blipFill>
             </p:spPr>
@@ -6818,7 +6967,7 @@
         </p:nvCxnSpPr>
         <p:spPr>
           <a:xfrm flipH="1">
-            <a:off x="10324689" y="3609314"/>
+            <a:off x="10351652" y="4366398"/>
             <a:ext cx="635215" cy="259301"/>
           </a:xfrm>
           <a:prstGeom prst="straightConnector1">
@@ -6898,8 +7047,8 @@
           </a:p>
         </p:txBody>
       </p:sp>
-      <mc:AlternateContent xmlns:mc="http://schemas.openxmlformats.org/markup-compatibility/2006" xmlns:a14="http://schemas.microsoft.com/office/drawing/2010/main">
-        <mc:Choice Requires="a14">
+      <mc:AlternateContent xmlns:mc="http://schemas.openxmlformats.org/markup-compatibility/2006">
+        <mc:Choice xmlns:a14="http://schemas.microsoft.com/office/drawing/2010/main" Requires="a14">
           <p:sp>
             <p:nvSpPr>
               <p:cNvPr id="3" name="Content Placeholder 2"/>
@@ -6910,15 +7059,20 @@
                 <p:ph idx="1"/>
               </p:nvPr>
             </p:nvSpPr>
-            <p:spPr/>
+            <p:spPr>
+              <a:xfrm>
+                <a:off x="838199" y="1825624"/>
+                <a:ext cx="11157155" cy="5032376"/>
+              </a:xfrm>
+            </p:spPr>
             <p:txBody>
               <a:bodyPr>
-                <a:normAutofit fontScale="92500" lnSpcReduction="10000"/>
+                <a:normAutofit fontScale="85000" lnSpcReduction="20000"/>
               </a:bodyPr>
               <a:lstStyle/>
               <a:p>
                 <a:r>
-                  <a:rPr lang="pt-BR" dirty="0"/>
+                  <a:rPr lang="pt-BR" dirty="0" smtClean="0"/>
                   <a:t>Usando-se a codificação </a:t>
                 </a:r>
                 <a:r>
@@ -7600,7 +7754,15 @@
                 </a14:m>
                 <a:r>
                   <a:rPr lang="pt-BR" dirty="0"/>
-                  <a:t>é um vetor com todas as saídas das </a:t>
+                  <a:t>é um vetor </a:t>
+                </a:r>
+                <a:r>
+                  <a:rPr lang="pt-BR" dirty="0" smtClean="0"/>
+                  <a:t>com as </a:t>
+                </a:r>
+                <a:r>
+                  <a:rPr lang="pt-BR" dirty="0"/>
+                  <a:t>saídas das </a:t>
                 </a:r>
                 <a14:m>
                   <m:oMath xmlns:m="http://schemas.openxmlformats.org/officeDocument/2006/math">
@@ -8041,10 +8203,10 @@
                                     </m:e>
                                   </m:d>
                                   <m:r>
-                                    <a:rPr lang="pt-BR" i="1">
+                                    <a:rPr lang="pt-BR" b="0" i="1" smtClean="0">
                                       <a:latin typeface="Cambria Math" panose="02040503050406030204" pitchFamily="18" charset="0"/>
                                     </a:rPr>
-                                    <m:t>;</m:t>
+                                    <m:t>,</m:t>
                                   </m:r>
                                   <m:sSub>
                                     <m:sSubPr>
@@ -8178,10 +8340,10 @@
                                     </m:e>
                                   </m:d>
                                   <m:r>
-                                    <a:rPr lang="pt-BR" i="1">
+                                    <a:rPr lang="pt-BR" b="0" i="1" smtClean="0">
                                       <a:latin typeface="Cambria Math" panose="02040503050406030204" pitchFamily="18" charset="0"/>
                                     </a:rPr>
-                                    <m:t>;</m:t>
+                                    <m:t>,</m:t>
                                   </m:r>
                                   <m:sSub>
                                     <m:sSubPr>
@@ -8282,14 +8444,121 @@
                   <a:t>regressor logístico</a:t>
                 </a:r>
                 <a:r>
-                  <a:rPr lang="pt-BR" dirty="0"/>
+                  <a:rPr lang="pt-BR" dirty="0" smtClean="0"/>
                   <a:t>.</a:t>
                 </a:r>
+              </a:p>
+              <a:p>
+                <a:r>
+                  <a:rPr lang="pt-BR" dirty="0" smtClean="0"/>
+                  <a:t>Ou seja, mesmo tendo sido pensado para caso onde </a:t>
+                </a:r>
+                <a14:m>
+                  <m:oMath xmlns:m="http://schemas.openxmlformats.org/officeDocument/2006/math">
+                    <m:r>
+                      <a:rPr lang="pt-BR" i="1">
+                        <a:latin typeface="Cambria Math" panose="02040503050406030204" pitchFamily="18" charset="0"/>
+                      </a:rPr>
+                      <m:t>𝑄</m:t>
+                    </m:r>
+                    <m:r>
+                      <a:rPr lang="pt-BR" b="0" i="1" smtClean="0">
+                        <a:latin typeface="Cambria Math" panose="02040503050406030204" pitchFamily="18" charset="0"/>
+                      </a:rPr>
+                      <m:t>&gt;</m:t>
+                    </m:r>
+                    <m:r>
+                      <a:rPr lang="pt-BR" i="1">
+                        <a:latin typeface="Cambria Math" panose="02040503050406030204" pitchFamily="18" charset="0"/>
+                      </a:rPr>
+                      <m:t>2</m:t>
+                    </m:r>
+                  </m:oMath>
+                </a14:m>
+                <a:r>
+                  <a:rPr lang="pt-BR" dirty="0" smtClean="0"/>
+                  <a:t>, o regressor softmax pode ser usado quando </a:t>
+                </a:r>
+                <a14:m>
+                  <m:oMath xmlns:m="http://schemas.openxmlformats.org/officeDocument/2006/math">
+                    <m:r>
+                      <a:rPr lang="pt-BR" i="1">
+                        <a:latin typeface="Cambria Math" panose="02040503050406030204" pitchFamily="18" charset="0"/>
+                      </a:rPr>
+                      <m:t>𝑄</m:t>
+                    </m:r>
+                    <m:r>
+                      <a:rPr lang="pt-BR" i="1">
+                        <a:latin typeface="Cambria Math" panose="02040503050406030204" pitchFamily="18" charset="0"/>
+                      </a:rPr>
+                      <m:t>=2</m:t>
+                    </m:r>
+                  </m:oMath>
+                </a14:m>
+                <a:r>
+                  <a:rPr lang="pt-BR" dirty="0" smtClean="0"/>
+                  <a:t>.</a:t>
+                </a:r>
+              </a:p>
+              <a:p>
+                <a:r>
+                  <a:rPr lang="pt-BR" dirty="0" smtClean="0"/>
+                  <a:t>A </a:t>
+                </a:r>
+                <a:r>
+                  <a:rPr lang="pt-BR" b="1" i="1" dirty="0" smtClean="0"/>
+                  <a:t>função de erro médio não é linear </a:t>
+                </a:r>
+                <a:r>
+                  <a:rPr lang="pt-BR" dirty="0" smtClean="0"/>
+                  <a:t>e, portanto, </a:t>
+                </a:r>
+                <a:r>
+                  <a:rPr lang="pt-BR" b="1" i="1" dirty="0" smtClean="0"/>
+                  <a:t>não existe uma forma fechada </a:t>
+                </a:r>
+                <a:r>
+                  <a:rPr lang="pt-BR" dirty="0" smtClean="0"/>
+                  <a:t>para encontramos os pesos. </a:t>
+                </a:r>
+                <a:r>
+                  <a:rPr lang="pt-BR" dirty="0"/>
+                  <a:t>Porém, ela é </a:t>
+                </a:r>
+                <a:r>
+                  <a:rPr lang="pt-BR" b="1" i="1" dirty="0" smtClean="0"/>
+                  <a:t>convexa</a:t>
+                </a:r>
+                <a:r>
+                  <a:rPr lang="pt-BR" dirty="0"/>
+                  <a:t> e, portanto, é garantido </a:t>
+                </a:r>
+                <a:r>
+                  <a:rPr lang="pt-BR" dirty="0" smtClean="0"/>
+                  <a:t>que o </a:t>
+                </a:r>
+                <a:r>
+                  <a:rPr lang="pt-BR" dirty="0"/>
+                  <a:t>algoritmo do </a:t>
+                </a:r>
+                <a:r>
+                  <a:rPr lang="pt-BR" b="1" i="1" dirty="0"/>
+                  <a:t>gradiente descendente </a:t>
+                </a:r>
+                <a:r>
+                  <a:rPr lang="pt-BR" dirty="0"/>
+                  <a:t>encontre o mínimo </a:t>
+                </a:r>
+                <a:r>
+                  <a:rPr lang="pt-BR" dirty="0" smtClean="0"/>
+                  <a:t>global.</a:t>
+                </a:r>
+                <a:endParaRPr lang="pt-BR" dirty="0"/>
               </a:p>
             </p:txBody>
           </p:sp>
         </mc:Choice>
-        <mc:Fallback xmlns="">
+        <mc:Fallback>
           <p:sp>
             <p:nvSpPr>
               <p:cNvPr id="3" name="Content Placeholder 2"/>
@@ -8301,10 +8570,14 @@
               </p:nvPr>
             </p:nvSpPr>
             <p:spPr>
-              <a:blipFill>
+              <a:xfrm>
+                <a:off x="838199" y="1825624"/>
+                <a:ext cx="11157155" cy="5032376"/>
+              </a:xfrm>
+              <a:blipFill rotWithShape="0">
                 <a:blip r:embed="rId3"/>
                 <a:stretch>
-                  <a:fillRect l="-1043" t="-2801" r="-348" b="-1681"/>
+                  <a:fillRect l="-819" t="-2785" b="-242"/>
                 </a:stretch>
               </a:blipFill>
             </p:spPr>
@@ -8313,7 +8586,7 @@
               <a:lstStyle/>
               <a:p>
                 <a:r>
-                  <a:rPr lang="en-US">
+                  <a:rPr lang="pt-BR">
                     <a:noFill/>
                   </a:rPr>
                   <a:t> </a:t>
@@ -8375,8 +8648,8 @@
           </a:p>
         </p:txBody>
       </p:sp>
-      <mc:AlternateContent xmlns:mc="http://schemas.openxmlformats.org/markup-compatibility/2006" xmlns:a14="http://schemas.microsoft.com/office/drawing/2010/main">
-        <mc:Choice Requires="a14">
+      <mc:AlternateContent xmlns:mc="http://schemas.openxmlformats.org/markup-compatibility/2006">
+        <mc:Choice xmlns:a14="http://schemas.microsoft.com/office/drawing/2010/main" Requires="a14">
           <p:sp>
             <p:nvSpPr>
               <p:cNvPr id="3" name="Content Placeholder 2"/>
@@ -8390,7 +8663,7 @@
             <p:spPr>
               <a:xfrm>
                 <a:off x="838200" y="1825624"/>
-                <a:ext cx="11049000" cy="4758055"/>
+                <a:ext cx="11126492" cy="5032376"/>
               </a:xfrm>
             </p:spPr>
             <p:txBody>
@@ -8400,8 +8673,12 @@
               <a:lstStyle/>
               <a:p>
                 <a:r>
-                  <a:rPr lang="pt-BR" dirty="0"/>
-                  <a:t>Usamos o algoritmo do </a:t>
+                  <a:rPr lang="pt-BR" dirty="0" smtClean="0"/>
+                  <a:t>Sendo assim, usamos </a:t>
+                </a:r>
+                <a:r>
+                  <a:rPr lang="pt-BR" dirty="0"/>
+                  <a:t>o algoritmo do </a:t>
                 </a:r>
                 <a:r>
                   <a:rPr lang="pt-BR" b="1" i="1" dirty="0"/>
@@ -8417,7 +8694,25 @@
                 </a:r>
                 <a:r>
                   <a:rPr lang="pt-BR" dirty="0"/>
-                  <a:t> que </a:t>
+                  <a:t> </a:t>
+                </a:r>
+                <a:r>
+                  <a:rPr lang="pt-BR" dirty="0" smtClean="0"/>
+                  <a:t>das </a:t>
+                </a:r>
+                <a14:m>
+                  <m:oMath xmlns:m="http://schemas.openxmlformats.org/officeDocument/2006/math">
+                    <m:r>
+                      <a:rPr lang="pt-BR" i="1">
+                        <a:latin typeface="Cambria Math" panose="02040503050406030204" pitchFamily="18" charset="0"/>
+                      </a:rPr>
+                      <m:t>𝑄</m:t>
+                    </m:r>
+                  </m:oMath>
+                </a14:m>
+                <a:r>
+                  <a:rPr lang="pt-BR" dirty="0" smtClean="0"/>
+                  <a:t> funções discriminantes que </a:t>
                 </a:r>
                 <a:r>
                   <a:rPr lang="pt-BR" b="1" i="1" dirty="0"/>
@@ -8500,14 +8795,14 @@
                     <m:sSub>
                       <m:sSubPr>
                         <m:ctrlPr>
-                          <a:rPr lang="pt-BR" i="1">
+                          <a:rPr lang="pt-BR" sz="2400" i="1">
                             <a:latin typeface="Cambria Math" panose="02040503050406030204" pitchFamily="18" charset="0"/>
                           </a:rPr>
                         </m:ctrlPr>
                       </m:sSubPr>
                       <m:e>
                         <m:r>
-                          <a:rPr lang="pt-BR" b="1" i="1">
+                          <a:rPr lang="pt-BR" sz="2400" b="1" i="1">
                             <a:latin typeface="Cambria Math" panose="02040503050406030204" pitchFamily="18" charset="0"/>
                           </a:rPr>
                           <m:t>𝒂</m:t>
@@ -8515,7 +8810,7 @@
                       </m:e>
                       <m:sub>
                         <m:r>
-                          <a:rPr lang="pt-BR" i="1">
+                          <a:rPr lang="pt-BR" sz="2400" i="1">
                             <a:latin typeface="Cambria Math" panose="02040503050406030204" pitchFamily="18" charset="0"/>
                           </a:rPr>
                           <m:t>𝑞</m:t>
@@ -8523,7 +8818,7 @@
                       </m:sub>
                     </m:sSub>
                     <m:r>
-                      <a:rPr lang="pt-BR" b="1" i="1">
+                      <a:rPr lang="pt-BR" sz="2400" b="1" i="1">
                         <a:latin typeface="Cambria Math" panose="02040503050406030204" pitchFamily="18" charset="0"/>
                       </a:rPr>
                       <m:t>=</m:t>
@@ -8531,14 +8826,14 @@
                     <m:sSub>
                       <m:sSubPr>
                         <m:ctrlPr>
-                          <a:rPr lang="pt-BR" i="1">
+                          <a:rPr lang="pt-BR" sz="2400" i="1">
                             <a:latin typeface="Cambria Math" panose="02040503050406030204" pitchFamily="18" charset="0"/>
                           </a:rPr>
                         </m:ctrlPr>
                       </m:sSubPr>
                       <m:e>
                         <m:r>
-                          <a:rPr lang="pt-BR" b="1" i="1">
+                          <a:rPr lang="pt-BR" sz="2400" b="1" i="1">
                             <a:latin typeface="Cambria Math" panose="02040503050406030204" pitchFamily="18" charset="0"/>
                           </a:rPr>
                           <m:t>𝒂</m:t>
@@ -8546,7 +8841,7 @@
                       </m:e>
                       <m:sub>
                         <m:r>
-                          <a:rPr lang="pt-BR" i="1">
+                          <a:rPr lang="pt-BR" sz="2400" i="1">
                             <a:latin typeface="Cambria Math" panose="02040503050406030204" pitchFamily="18" charset="0"/>
                           </a:rPr>
                           <m:t>𝑞</m:t>
@@ -8554,13 +8849,13 @@
                       </m:sub>
                     </m:sSub>
                     <m:r>
-                      <a:rPr lang="pt-BR" b="1" i="1">
+                      <a:rPr lang="pt-BR" sz="2400" b="1" i="1">
                         <a:latin typeface="Cambria Math" panose="02040503050406030204" pitchFamily="18" charset="0"/>
                       </a:rPr>
                       <m:t>−</m:t>
                     </m:r>
                     <m:r>
-                      <a:rPr lang="pt-BR" i="1">
+                      <a:rPr lang="pt-BR" sz="2400" i="1">
                         <a:latin typeface="Cambria Math" panose="02040503050406030204" pitchFamily="18" charset="0"/>
                         <a:ea typeface="Cambria Math" panose="02040503050406030204" pitchFamily="18" charset="0"/>
                       </a:rPr>
@@ -8569,14 +8864,14 @@
                     <m:f>
                       <m:fPr>
                         <m:ctrlPr>
-                          <a:rPr lang="pt-BR" i="1">
+                          <a:rPr lang="pt-BR" sz="2400" i="1">
                             <a:latin typeface="Cambria Math" panose="02040503050406030204" pitchFamily="18" charset="0"/>
                           </a:rPr>
                         </m:ctrlPr>
                       </m:fPr>
                       <m:num>
                         <m:r>
-                          <a:rPr lang="pt-BR" i="1">
+                          <a:rPr lang="pt-BR" sz="2400" i="1">
                             <a:latin typeface="Cambria Math" panose="02040503050406030204" pitchFamily="18" charset="0"/>
                           </a:rPr>
                           <m:t>𝜕</m:t>
@@ -8584,14 +8879,14 @@
                         <m:sSub>
                           <m:sSubPr>
                             <m:ctrlPr>
-                              <a:rPr lang="pt-BR" i="1">
+                              <a:rPr lang="pt-BR" sz="2400" i="1">
                                 <a:latin typeface="Cambria Math" panose="02040503050406030204" pitchFamily="18" charset="0"/>
                               </a:rPr>
                             </m:ctrlPr>
                           </m:sSubPr>
                           <m:e>
                             <m:r>
-                              <a:rPr lang="pt-BR" i="1">
+                              <a:rPr lang="pt-BR" sz="2400" i="1">
                                 <a:latin typeface="Cambria Math" panose="02040503050406030204" pitchFamily="18" charset="0"/>
                               </a:rPr>
                               <m:t>𝐽</m:t>
@@ -8599,7 +8894,7 @@
                           </m:e>
                           <m:sub>
                             <m:r>
-                              <a:rPr lang="pt-BR" i="1">
+                              <a:rPr lang="pt-BR" sz="2400" i="1">
                                 <a:latin typeface="Cambria Math" panose="02040503050406030204" pitchFamily="18" charset="0"/>
                               </a:rPr>
                               <m:t>𝑒</m:t>
@@ -8609,14 +8904,14 @@
                         <m:d>
                           <m:dPr>
                             <m:ctrlPr>
-                              <a:rPr lang="pt-BR" i="1">
+                              <a:rPr lang="pt-BR" sz="2400" i="1">
                                 <a:latin typeface="Cambria Math" panose="02040503050406030204" pitchFamily="18" charset="0"/>
                               </a:rPr>
                             </m:ctrlPr>
                           </m:dPr>
                           <m:e>
                             <m:r>
-                              <a:rPr lang="pt-BR" b="1" i="1">
+                              <a:rPr lang="pt-BR" sz="2400" b="1" i="1">
                                 <a:latin typeface="Cambria Math" panose="02040503050406030204" pitchFamily="18" charset="0"/>
                               </a:rPr>
                               <m:t>𝑨</m:t>
@@ -8626,7 +8921,7 @@
                       </m:num>
                       <m:den>
                         <m:r>
-                          <a:rPr lang="pt-BR" i="1">
+                          <a:rPr lang="pt-BR" sz="2400" i="1">
                             <a:latin typeface="Cambria Math" panose="02040503050406030204" pitchFamily="18" charset="0"/>
                           </a:rPr>
                           <m:t>𝜕</m:t>
@@ -8634,14 +8929,14 @@
                         <m:sSub>
                           <m:sSubPr>
                             <m:ctrlPr>
-                              <a:rPr lang="pt-BR" i="1">
+                              <a:rPr lang="pt-BR" sz="2400" i="1">
                                 <a:latin typeface="Cambria Math" panose="02040503050406030204" pitchFamily="18" charset="0"/>
                               </a:rPr>
                             </m:ctrlPr>
                           </m:sSubPr>
                           <m:e>
                             <m:r>
-                              <a:rPr lang="pt-BR" b="1" i="1">
+                              <a:rPr lang="pt-BR" sz="2400" b="1" i="1">
                                 <a:latin typeface="Cambria Math" panose="02040503050406030204" pitchFamily="18" charset="0"/>
                               </a:rPr>
                               <m:t>𝒂</m:t>
@@ -8649,7 +8944,7 @@
                           </m:e>
                           <m:sub>
                             <m:r>
-                              <a:rPr lang="pt-BR" i="1">
+                              <a:rPr lang="pt-BR" sz="2400" i="1">
                                 <a:latin typeface="Cambria Math" panose="02040503050406030204" pitchFamily="18" charset="0"/>
                               </a:rPr>
                               <m:t>𝑞</m:t>
@@ -8658,10 +8953,30 @@
                         </m:sSub>
                       </m:den>
                     </m:f>
+                    <m:r>
+                      <a:rPr lang="pt-BR" sz="2400" b="0" i="1" smtClean="0">
+                        <a:latin typeface="Cambria Math" panose="02040503050406030204" pitchFamily="18" charset="0"/>
+                      </a:rPr>
+                      <m:t>, </m:t>
+                    </m:r>
+                    <m:r>
+                      <a:rPr lang="pt-BR" sz="2400" b="0" i="1" smtClean="0">
+                        <a:latin typeface="Cambria Math" panose="02040503050406030204" pitchFamily="18" charset="0"/>
+                        <a:ea typeface="Cambria Math" panose="02040503050406030204" pitchFamily="18" charset="0"/>
+                      </a:rPr>
+                      <m:t>∀</m:t>
+                    </m:r>
+                    <m:r>
+                      <a:rPr lang="pt-BR" sz="2400" b="0" i="1" smtClean="0">
+                        <a:latin typeface="Cambria Math" panose="02040503050406030204" pitchFamily="18" charset="0"/>
+                        <a:ea typeface="Cambria Math" panose="02040503050406030204" pitchFamily="18" charset="0"/>
+                      </a:rPr>
+                      <m:t>𝑞</m:t>
+                    </m:r>
                   </m:oMath>
                 </a14:m>
                 <a:r>
-                  <a:rPr lang="pt-BR" dirty="0"/>
+                  <a:rPr lang="pt-BR" sz="2400" dirty="0"/>
                   <a:t> </a:t>
                 </a:r>
               </a:p>
@@ -8795,14 +9110,14 @@
                     <m:f>
                       <m:fPr>
                         <m:ctrlPr>
-                          <a:rPr lang="pt-BR" i="1">
+                          <a:rPr lang="pt-BR" sz="2400" i="1">
                             <a:latin typeface="Cambria Math" panose="02040503050406030204" pitchFamily="18" charset="0"/>
                           </a:rPr>
                         </m:ctrlPr>
                       </m:fPr>
                       <m:num>
                         <m:r>
-                          <a:rPr lang="pt-BR" i="1">
+                          <a:rPr lang="pt-BR" sz="2400" i="1">
                             <a:latin typeface="Cambria Math" panose="02040503050406030204" pitchFamily="18" charset="0"/>
                           </a:rPr>
                           <m:t>𝜕</m:t>
@@ -8810,14 +9125,14 @@
                         <m:sSub>
                           <m:sSubPr>
                             <m:ctrlPr>
-                              <a:rPr lang="pt-BR" i="1">
+                              <a:rPr lang="pt-BR" sz="2400" i="1">
                                 <a:latin typeface="Cambria Math" panose="02040503050406030204" pitchFamily="18" charset="0"/>
                               </a:rPr>
                             </m:ctrlPr>
                           </m:sSubPr>
                           <m:e>
                             <m:r>
-                              <a:rPr lang="pt-BR" i="1">
+                              <a:rPr lang="pt-BR" sz="2400" i="1">
                                 <a:latin typeface="Cambria Math" panose="02040503050406030204" pitchFamily="18" charset="0"/>
                               </a:rPr>
                               <m:t>𝐽</m:t>
@@ -8825,7 +9140,7 @@
                           </m:e>
                           <m:sub>
                             <m:r>
-                              <a:rPr lang="pt-BR" i="1">
+                              <a:rPr lang="pt-BR" sz="2400" i="1">
                                 <a:latin typeface="Cambria Math" panose="02040503050406030204" pitchFamily="18" charset="0"/>
                               </a:rPr>
                               <m:t>𝑒</m:t>
@@ -8835,14 +9150,14 @@
                         <m:d>
                           <m:dPr>
                             <m:ctrlPr>
-                              <a:rPr lang="pt-BR" i="1">
+                              <a:rPr lang="pt-BR" sz="2400" i="1">
                                 <a:latin typeface="Cambria Math" panose="02040503050406030204" pitchFamily="18" charset="0"/>
                               </a:rPr>
                             </m:ctrlPr>
                           </m:dPr>
                           <m:e>
                             <m:r>
-                              <a:rPr lang="pt-BR" b="1" i="1">
+                              <a:rPr lang="pt-BR" sz="2400" b="1" i="1">
                                 <a:latin typeface="Cambria Math" panose="02040503050406030204" pitchFamily="18" charset="0"/>
                               </a:rPr>
                               <m:t>𝑨</m:t>
@@ -8852,7 +9167,7 @@
                       </m:num>
                       <m:den>
                         <m:r>
-                          <a:rPr lang="pt-BR" i="1">
+                          <a:rPr lang="pt-BR" sz="2400" i="1">
                             <a:latin typeface="Cambria Math" panose="02040503050406030204" pitchFamily="18" charset="0"/>
                           </a:rPr>
                           <m:t>𝜕</m:t>
@@ -8860,14 +9175,14 @@
                         <m:sSub>
                           <m:sSubPr>
                             <m:ctrlPr>
-                              <a:rPr lang="pt-BR" i="1">
+                              <a:rPr lang="pt-BR" sz="2400" i="1">
                                 <a:latin typeface="Cambria Math" panose="02040503050406030204" pitchFamily="18" charset="0"/>
                               </a:rPr>
                             </m:ctrlPr>
                           </m:sSubPr>
                           <m:e>
                             <m:r>
-                              <a:rPr lang="pt-BR" b="1" i="1">
+                              <a:rPr lang="pt-BR" sz="2400" b="1" i="1">
                                 <a:latin typeface="Cambria Math" panose="02040503050406030204" pitchFamily="18" charset="0"/>
                               </a:rPr>
                               <m:t>𝒂</m:t>
@@ -8875,7 +9190,7 @@
                           </m:e>
                           <m:sub>
                             <m:r>
-                              <a:rPr lang="pt-BR" i="1">
+                              <a:rPr lang="pt-BR" sz="2400" i="1">
                                 <a:latin typeface="Cambria Math" panose="02040503050406030204" pitchFamily="18" charset="0"/>
                               </a:rPr>
                               <m:t>𝑞</m:t>
@@ -8885,13 +9200,13 @@
                       </m:den>
                     </m:f>
                     <m:r>
-                      <a:rPr lang="pt-BR" b="1" i="1">
+                      <a:rPr lang="pt-BR" sz="2400" b="1" i="1">
                         <a:latin typeface="Cambria Math" panose="02040503050406030204" pitchFamily="18" charset="0"/>
                       </a:rPr>
                       <m:t>=</m:t>
                     </m:r>
                     <m:r>
-                      <a:rPr lang="pt-BR" i="1">
+                      <a:rPr lang="pt-BR" sz="2400" i="1">
                         <a:latin typeface="Cambria Math" panose="02040503050406030204" pitchFamily="18" charset="0"/>
                       </a:rPr>
                       <m:t>−</m:t>
@@ -8899,14 +9214,14 @@
                     <m:f>
                       <m:fPr>
                         <m:ctrlPr>
-                          <a:rPr lang="pt-BR" i="1">
+                          <a:rPr lang="pt-BR" sz="2400" i="1">
                             <a:latin typeface="Cambria Math" panose="02040503050406030204" pitchFamily="18" charset="0"/>
                           </a:rPr>
                         </m:ctrlPr>
                       </m:fPr>
                       <m:num>
                         <m:r>
-                          <a:rPr lang="pt-BR" i="1">
+                          <a:rPr lang="pt-BR" sz="2400" i="1">
                             <a:latin typeface="Cambria Math" panose="02040503050406030204" pitchFamily="18" charset="0"/>
                           </a:rPr>
                           <m:t>1</m:t>
@@ -8914,7 +9229,7 @@
                       </m:num>
                       <m:den>
                         <m:r>
-                          <a:rPr lang="pt-BR" i="1">
+                          <a:rPr lang="pt-BR" sz="2400" i="1">
                             <a:latin typeface="Cambria Math" panose="02040503050406030204" pitchFamily="18" charset="0"/>
                           </a:rPr>
                           <m:t>𝑁</m:t>
@@ -8925,7 +9240,7 @@
                       <m:naryPr>
                         <m:chr m:val="∑"/>
                         <m:ctrlPr>
-                          <a:rPr lang="pt-BR" i="1">
+                          <a:rPr lang="pt-BR" sz="2400" i="1">
                             <a:latin typeface="Cambria Math" panose="02040503050406030204" pitchFamily="18" charset="0"/>
                           </a:rPr>
                         </m:ctrlPr>
@@ -8935,13 +9250,13 @@
                           <m:rPr>
                             <m:brk m:alnAt="23"/>
                           </m:rPr>
-                          <a:rPr lang="pt-BR" i="1">
+                          <a:rPr lang="pt-BR" sz="2400" i="1">
                             <a:latin typeface="Cambria Math" panose="02040503050406030204" pitchFamily="18" charset="0"/>
                           </a:rPr>
                           <m:t>𝑖</m:t>
                         </m:r>
                         <m:r>
-                          <a:rPr lang="pt-BR" i="1">
+                          <a:rPr lang="pt-BR" sz="2400" i="1">
                             <a:latin typeface="Cambria Math" panose="02040503050406030204" pitchFamily="18" charset="0"/>
                           </a:rPr>
                           <m:t>=0</m:t>
@@ -8949,13 +9264,13 @@
                       </m:sub>
                       <m:sup>
                         <m:r>
-                          <a:rPr lang="pt-BR" i="1">
+                          <a:rPr lang="pt-BR" sz="2400" i="1">
                             <a:latin typeface="Cambria Math" panose="02040503050406030204" pitchFamily="18" charset="0"/>
                           </a:rPr>
                           <m:t>𝑁</m:t>
                         </m:r>
                         <m:r>
-                          <a:rPr lang="pt-BR" i="1">
+                          <a:rPr lang="pt-BR" sz="2400" i="1">
                             <a:latin typeface="Cambria Math" panose="02040503050406030204" pitchFamily="18" charset="0"/>
                           </a:rPr>
                           <m:t>−1</m:t>
@@ -8967,56 +9282,68 @@
                             <m:begChr m:val="["/>
                             <m:endChr m:val="]"/>
                             <m:ctrlPr>
-                              <a:rPr lang="pt-BR" i="1">
+                              <a:rPr lang="pt-BR" sz="2400" i="1">
                                 <a:latin typeface="Cambria Math" panose="02040503050406030204" pitchFamily="18" charset="0"/>
                               </a:rPr>
                             </m:ctrlPr>
                           </m:dPr>
                           <m:e>
-                            <m:sSup>
-                              <m:sSupPr>
-                                <m:ctrlPr>
-                                  <a:rPr lang="pt-BR" i="1">
-                                    <a:latin typeface="Cambria Math" panose="02040503050406030204" pitchFamily="18" charset="0"/>
-                                  </a:rPr>
-                                </m:ctrlPr>
-                              </m:sSupPr>
-                              <m:e>
-                                <m:r>
-                                  <a:rPr lang="pt-BR" i="1">
-                                    <a:latin typeface="Cambria Math" panose="02040503050406030204" pitchFamily="18" charset="0"/>
-                                  </a:rPr>
-                                  <m:t>𝑦</m:t>
-                                </m:r>
-                              </m:e>
-                              <m:sup>
-                                <m:r>
-                                  <a:rPr lang="pt-BR" i="1">
-                                    <a:latin typeface="Cambria Math" panose="02040503050406030204" pitchFamily="18" charset="0"/>
-                                  </a:rPr>
-                                  <m:t>𝑞</m:t>
-                                </m:r>
-                              </m:sup>
-                            </m:sSup>
+                            <m:r>
+                              <a:rPr lang="pt-BR" sz="2400" i="1">
+                                <a:latin typeface="Cambria Math" panose="02040503050406030204" pitchFamily="18" charset="0"/>
+                              </a:rPr>
+                              <m:t>1</m:t>
+                            </m:r>
                             <m:d>
                               <m:dPr>
+                                <m:begChr m:val="{"/>
+                                <m:endChr m:val="}"/>
                                 <m:ctrlPr>
-                                  <a:rPr lang="pt-BR" i="1">
+                                  <a:rPr lang="pt-BR" sz="2400" i="1">
                                     <a:latin typeface="Cambria Math" panose="02040503050406030204" pitchFamily="18" charset="0"/>
                                   </a:rPr>
                                 </m:ctrlPr>
                               </m:dPr>
                               <m:e>
                                 <m:r>
-                                  <a:rPr lang="pt-BR" i="1">
+                                  <a:rPr lang="pt-BR" sz="2400" i="1">
                                     <a:latin typeface="Cambria Math" panose="02040503050406030204" pitchFamily="18" charset="0"/>
                                   </a:rPr>
-                                  <m:t>𝑖</m:t>
+                                  <m:t>𝑦</m:t>
+                                </m:r>
+                                <m:d>
+                                  <m:dPr>
+                                    <m:ctrlPr>
+                                      <a:rPr lang="pt-BR" sz="2400" i="1">
+                                        <a:latin typeface="Cambria Math" panose="02040503050406030204" pitchFamily="18" charset="0"/>
+                                      </a:rPr>
+                                    </m:ctrlPr>
+                                  </m:dPr>
+                                  <m:e>
+                                    <m:r>
+                                      <a:rPr lang="pt-BR" sz="2400" i="1">
+                                        <a:latin typeface="Cambria Math" panose="02040503050406030204" pitchFamily="18" charset="0"/>
+                                      </a:rPr>
+                                      <m:t>𝑖</m:t>
+                                    </m:r>
+                                  </m:e>
+                                </m:d>
+                                <m:r>
+                                  <a:rPr lang="pt-BR" sz="2400" i="1">
+                                    <a:latin typeface="Cambria Math" panose="02040503050406030204" pitchFamily="18" charset="0"/>
+                                  </a:rPr>
+                                  <m:t>+1==</m:t>
+                                </m:r>
+                                <m:r>
+                                  <a:rPr lang="pt-BR" sz="2400" b="0" i="1" smtClean="0">
+                                    <a:latin typeface="Cambria Math" panose="02040503050406030204" pitchFamily="18" charset="0"/>
+                                  </a:rPr>
+                                  <m:t>𝑞</m:t>
                                 </m:r>
                               </m:e>
                             </m:d>
                             <m:r>
-                              <a:rPr lang="pt-BR" i="1">
+                              <a:rPr lang="pt-BR" sz="2400" i="1">
                                 <a:latin typeface="Cambria Math" panose="02040503050406030204" pitchFamily="18" charset="0"/>
                               </a:rPr>
                               <m:t>−</m:t>
@@ -9024,14 +9351,14 @@
                             <m:sSubSup>
                               <m:sSubSupPr>
                                 <m:ctrlPr>
-                                  <a:rPr lang="pt-BR" b="1" i="1">
+                                  <a:rPr lang="pt-BR" sz="2400" b="1" i="1">
                                     <a:latin typeface="Cambria Math" panose="02040503050406030204" pitchFamily="18" charset="0"/>
                                   </a:rPr>
                                 </m:ctrlPr>
                               </m:sSubSupPr>
                               <m:e>
                                 <m:r>
-                                  <a:rPr lang="pt-BR" i="1">
+                                  <a:rPr lang="pt-BR" sz="2400" i="1">
                                     <a:latin typeface="Cambria Math" panose="02040503050406030204" pitchFamily="18" charset="0"/>
                                   </a:rPr>
                                   <m:t>h</m:t>
@@ -9039,7 +9366,7 @@
                               </m:e>
                               <m:sub>
                                 <m:r>
-                                  <a:rPr lang="pt-BR" b="1" i="1">
+                                  <a:rPr lang="pt-BR" sz="2400" b="1" i="1">
                                     <a:latin typeface="Cambria Math" panose="02040503050406030204" pitchFamily="18" charset="0"/>
                                   </a:rPr>
                                   <m:t>𝒂</m:t>
@@ -9047,7 +9374,7 @@
                               </m:sub>
                               <m:sup>
                                 <m:r>
-                                  <a:rPr lang="pt-BR" i="1">
+                                  <a:rPr lang="pt-BR" sz="2400" i="1">
                                     <a:latin typeface="Cambria Math" panose="02040503050406030204" pitchFamily="18" charset="0"/>
                                   </a:rPr>
                                   <m:t>𝑞</m:t>
@@ -9057,14 +9384,14 @@
                             <m:d>
                               <m:dPr>
                                 <m:ctrlPr>
-                                  <a:rPr lang="pt-BR" i="1">
+                                  <a:rPr lang="pt-BR" sz="2400" i="1">
                                     <a:latin typeface="Cambria Math" panose="02040503050406030204" pitchFamily="18" charset="0"/>
                                   </a:rPr>
                                 </m:ctrlPr>
                               </m:dPr>
                               <m:e>
                                 <m:r>
-                                  <a:rPr lang="pt-BR" b="1" i="1">
+                                  <a:rPr lang="pt-BR" sz="2400" b="1" i="1">
                                     <a:latin typeface="Cambria Math" panose="02040503050406030204" pitchFamily="18" charset="0"/>
                                   </a:rPr>
                                   <m:t>𝒙</m:t>
@@ -9072,14 +9399,14 @@
                                 <m:d>
                                   <m:dPr>
                                     <m:ctrlPr>
-                                      <a:rPr lang="pt-BR" b="1" i="1">
+                                      <a:rPr lang="pt-BR" sz="2400" b="1" i="1">
                                         <a:latin typeface="Cambria Math" panose="02040503050406030204" pitchFamily="18" charset="0"/>
                                       </a:rPr>
                                     </m:ctrlPr>
                                   </m:dPr>
                                   <m:e>
                                     <m:r>
-                                      <a:rPr lang="pt-BR" i="1">
+                                      <a:rPr lang="pt-BR" sz="2400" i="1">
                                         <a:latin typeface="Cambria Math" panose="02040503050406030204" pitchFamily="18" charset="0"/>
                                       </a:rPr>
                                       <m:t>𝑖</m:t>
@@ -9093,14 +9420,14 @@
                         <m:sSup>
                           <m:sSupPr>
                             <m:ctrlPr>
-                              <a:rPr lang="pt-BR" i="1">
+                              <a:rPr lang="pt-BR" sz="2400" i="1">
                                 <a:latin typeface="Cambria Math" panose="02040503050406030204" pitchFamily="18" charset="0"/>
                               </a:rPr>
                             </m:ctrlPr>
                           </m:sSupPr>
                           <m:e>
                             <m:r>
-                              <a:rPr lang="pt-BR" b="1" i="1">
+                              <a:rPr lang="pt-BR" sz="2400" b="1" i="1">
                                 <a:latin typeface="Cambria Math" panose="02040503050406030204" pitchFamily="18" charset="0"/>
                               </a:rPr>
                               <m:t>𝒙</m:t>
@@ -9108,14 +9435,14 @@
                             <m:d>
                               <m:dPr>
                                 <m:ctrlPr>
-                                  <a:rPr lang="pt-BR" b="1" i="1">
+                                  <a:rPr lang="pt-BR" sz="2400" b="1" i="1">
                                     <a:latin typeface="Cambria Math" panose="02040503050406030204" pitchFamily="18" charset="0"/>
                                   </a:rPr>
                                 </m:ctrlPr>
                               </m:dPr>
                               <m:e>
                                 <m:r>
-                                  <a:rPr lang="pt-BR" i="1">
+                                  <a:rPr lang="pt-BR" sz="2400" i="1">
                                     <a:latin typeface="Cambria Math" panose="02040503050406030204" pitchFamily="18" charset="0"/>
                                   </a:rPr>
                                   <m:t>𝑖</m:t>
@@ -9125,7 +9452,7 @@
                           </m:e>
                           <m:sup>
                             <m:r>
-                              <a:rPr lang="pt-BR" i="1">
+                              <a:rPr lang="pt-BR" sz="2400" i="1">
                                 <a:latin typeface="Cambria Math" panose="02040503050406030204" pitchFamily="18" charset="0"/>
                               </a:rPr>
                               <m:t>𝑇</m:t>
@@ -9135,7 +9462,7 @@
                       </m:e>
                     </m:nary>
                     <m:r>
-                      <a:rPr lang="pt-BR" i="1">
+                      <a:rPr lang="pt-BR" sz="2400" i="1">
                         <a:latin typeface="Cambria Math" panose="02040503050406030204" pitchFamily="18" charset="0"/>
                       </a:rPr>
                       <m:t>=</m:t>
@@ -9143,14 +9470,14 @@
                     <m:sSup>
                       <m:sSupPr>
                         <m:ctrlPr>
-                          <a:rPr lang="pt-BR" i="1">
+                          <a:rPr lang="pt-BR" sz="2400" i="1">
                             <a:latin typeface="Cambria Math" panose="02040503050406030204" pitchFamily="18" charset="0"/>
                           </a:rPr>
                         </m:ctrlPr>
                       </m:sSupPr>
                       <m:e>
                         <m:r>
-                          <a:rPr lang="pt-BR" i="1">
+                          <a:rPr lang="pt-BR" sz="2400" i="1">
                             <a:latin typeface="Cambria Math" panose="02040503050406030204" pitchFamily="18" charset="0"/>
                           </a:rPr>
                           <m:t>−</m:t>
@@ -9158,14 +9485,14 @@
                         <m:f>
                           <m:fPr>
                             <m:ctrlPr>
-                              <a:rPr lang="pt-BR" i="1">
+                              <a:rPr lang="pt-BR" sz="2400" i="1">
                                 <a:latin typeface="Cambria Math" panose="02040503050406030204" pitchFamily="18" charset="0"/>
                               </a:rPr>
                             </m:ctrlPr>
                           </m:fPr>
                           <m:num>
                             <m:r>
-                              <a:rPr lang="pt-BR" i="1">
+                              <a:rPr lang="pt-BR" sz="2400" i="1">
                                 <a:latin typeface="Cambria Math" panose="02040503050406030204" pitchFamily="18" charset="0"/>
                               </a:rPr>
                               <m:t>1</m:t>
@@ -9173,7 +9500,7 @@
                           </m:num>
                           <m:den>
                             <m:r>
-                              <a:rPr lang="pt-BR" i="1">
+                              <a:rPr lang="pt-BR" sz="2400" i="1">
                                 <a:latin typeface="Cambria Math" panose="02040503050406030204" pitchFamily="18" charset="0"/>
                               </a:rPr>
                               <m:t>𝑁</m:t>
@@ -9181,7 +9508,7 @@
                           </m:den>
                         </m:f>
                         <m:r>
-                          <a:rPr lang="pt-BR" b="1" i="1">
+                          <a:rPr lang="pt-BR" sz="2400" b="1" i="1">
                             <a:latin typeface="Cambria Math" panose="02040503050406030204" pitchFamily="18" charset="0"/>
                           </a:rPr>
                           <m:t>𝑿</m:t>
@@ -9189,7 +9516,7 @@
                       </m:e>
                       <m:sup>
                         <m:r>
-                          <a:rPr lang="pt-BR" i="1">
+                          <a:rPr lang="pt-BR" sz="2400" i="1">
                             <a:latin typeface="Cambria Math" panose="02040503050406030204" pitchFamily="18" charset="0"/>
                           </a:rPr>
                           <m:t>𝑇</m:t>
@@ -9199,55 +9526,93 @@
                     <m:d>
                       <m:dPr>
                         <m:ctrlPr>
-                          <a:rPr lang="pt-BR" i="1">
+                          <a:rPr lang="pt-BR" sz="2400" i="1">
                             <a:latin typeface="Cambria Math" panose="02040503050406030204" pitchFamily="18" charset="0"/>
                           </a:rPr>
                         </m:ctrlPr>
                       </m:dPr>
                       <m:e>
-                        <m:r>
-                          <a:rPr lang="pt-BR" b="1" i="1">
-                            <a:latin typeface="Cambria Math" panose="02040503050406030204" pitchFamily="18" charset="0"/>
-                          </a:rPr>
-                          <m:t>𝒚</m:t>
-                        </m:r>
-                        <m:r>
-                          <a:rPr lang="pt-BR" i="1">
-                            <a:latin typeface="Cambria Math" panose="02040503050406030204" pitchFamily="18" charset="0"/>
-                          </a:rPr>
-                          <m:t>−</m:t>
-                        </m:r>
-                        <m:acc>
-                          <m:accPr>
-                            <m:chr m:val="̂"/>
+                        <m:sSub>
+                          <m:sSubPr>
                             <m:ctrlPr>
-                              <a:rPr lang="pt-BR" i="1">
+                              <a:rPr lang="pt-BR" sz="2400" i="1" smtClean="0">
                                 <a:latin typeface="Cambria Math" panose="02040503050406030204" pitchFamily="18" charset="0"/>
                               </a:rPr>
                             </m:ctrlPr>
-                          </m:accPr>
+                          </m:sSubPr>
                           <m:e>
                             <m:r>
-                              <a:rPr lang="pt-BR" b="1" i="1">
+                              <a:rPr lang="pt-BR" sz="2400" b="1" i="1">
                                 <a:latin typeface="Cambria Math" panose="02040503050406030204" pitchFamily="18" charset="0"/>
                               </a:rPr>
                               <m:t>𝒚</m:t>
                             </m:r>
                           </m:e>
-                        </m:acc>
+                          <m:sub>
+                            <m:r>
+                              <a:rPr lang="pt-BR" sz="2400" b="0" i="1" smtClean="0">
+                                <a:latin typeface="Cambria Math" panose="02040503050406030204" pitchFamily="18" charset="0"/>
+                              </a:rPr>
+                              <m:t>𝑞</m:t>
+                            </m:r>
+                          </m:sub>
+                        </m:sSub>
+                        <m:r>
+                          <a:rPr lang="pt-BR" sz="2400" i="1">
+                            <a:latin typeface="Cambria Math" panose="02040503050406030204" pitchFamily="18" charset="0"/>
+                          </a:rPr>
+                          <m:t>−</m:t>
+                        </m:r>
+                        <m:sSub>
+                          <m:sSubPr>
+                            <m:ctrlPr>
+                              <a:rPr lang="pt-BR" sz="2400" i="1" smtClean="0">
+                                <a:latin typeface="Cambria Math" panose="02040503050406030204" pitchFamily="18" charset="0"/>
+                              </a:rPr>
+                            </m:ctrlPr>
+                          </m:sSubPr>
+                          <m:e>
+                            <m:acc>
+                              <m:accPr>
+                                <m:chr m:val="̂"/>
+                                <m:ctrlPr>
+                                  <a:rPr lang="pt-BR" sz="2400" i="1">
+                                    <a:latin typeface="Cambria Math" panose="02040503050406030204" pitchFamily="18" charset="0"/>
+                                  </a:rPr>
+                                </m:ctrlPr>
+                              </m:accPr>
+                              <m:e>
+                                <m:r>
+                                  <a:rPr lang="pt-BR" sz="2400" b="1" i="1">
+                                    <a:latin typeface="Cambria Math" panose="02040503050406030204" pitchFamily="18" charset="0"/>
+                                  </a:rPr>
+                                  <m:t>𝒚</m:t>
+                                </m:r>
+                              </m:e>
+                            </m:acc>
+                          </m:e>
+                          <m:sub>
+                            <m:r>
+                              <a:rPr lang="pt-BR" sz="2400" b="0" i="1" smtClean="0">
+                                <a:latin typeface="Cambria Math" panose="02040503050406030204" pitchFamily="18" charset="0"/>
+                              </a:rPr>
+                              <m:t>𝑞</m:t>
+                            </m:r>
+                          </m:sub>
+                        </m:sSub>
                       </m:e>
                     </m:d>
                   </m:oMath>
                 </a14:m>
                 <a:r>
-                  <a:rPr lang="pt-BR" dirty="0"/>
+                  <a:rPr lang="pt-BR" sz="2400" dirty="0"/>
                   <a:t>.</a:t>
                 </a:r>
               </a:p>
             </p:txBody>
           </p:sp>
         </mc:Choice>
-        <mc:Fallback xmlns="">
+        <mc:Fallback>
           <p:sp>
             <p:nvSpPr>
               <p:cNvPr id="3" name="Content Placeholder 2"/>
@@ -9261,12 +9626,12 @@
             <p:spPr>
               <a:xfrm>
                 <a:off x="838200" y="1825624"/>
-                <a:ext cx="11049000" cy="4758055"/>
+                <a:ext cx="11126492" cy="5032376"/>
               </a:xfrm>
-              <a:blipFill>
+              <a:blipFill rotWithShape="0">
                 <a:blip r:embed="rId3"/>
                 <a:stretch>
-                  <a:fillRect l="-993" t="-2049"/>
+                  <a:fillRect l="-986" t="-1937"/>
                 </a:stretch>
               </a:blipFill>
             </p:spPr>
@@ -9275,7 +9640,7 @@
               <a:lstStyle/>
               <a:p>
                 <a:r>
-                  <a:rPr lang="en-US">
+                  <a:rPr lang="pt-BR">
                     <a:noFill/>
                   </a:rPr>
                   <a:t> </a:t>
@@ -9293,8 +9658,8 @@
         </p:nvSpPr>
         <p:spPr>
           <a:xfrm>
-            <a:off x="10706891" y="5380709"/>
-            <a:ext cx="838200" cy="430887"/>
+            <a:off x="11353800" y="5538025"/>
+            <a:ext cx="700548" cy="430887"/>
           </a:xfrm>
           <a:prstGeom prst="rect">
             <a:avLst/>
@@ -9325,8 +9690,8 @@
         </p:nvCxnSpPr>
         <p:spPr>
           <a:xfrm flipH="1">
-            <a:off x="10281343" y="5596153"/>
-            <a:ext cx="425548" cy="234600"/>
+            <a:off x="10933472" y="5753469"/>
+            <a:ext cx="420328" cy="322866"/>
           </a:xfrm>
           <a:prstGeom prst="straightConnector1">
             <a:avLst/>
@@ -9353,8 +9718,8 @@
           </a:fontRef>
         </p:style>
       </p:cxnSp>
-      <mc:AlternateContent xmlns:mc="http://schemas.openxmlformats.org/markup-compatibility/2006" xmlns:a14="http://schemas.microsoft.com/office/drawing/2010/main">
-        <mc:Choice Requires="a14">
+      <mc:AlternateContent xmlns:mc="http://schemas.openxmlformats.org/markup-compatibility/2006">
+        <mc:Choice xmlns:a14="http://schemas.microsoft.com/office/drawing/2010/main" Requires="a14">
           <p:sp>
             <p:nvSpPr>
               <p:cNvPr id="9" name="TextBox 8"/>
@@ -9363,7 +9728,7 @@
             </p:nvSpPr>
             <p:spPr>
               <a:xfrm>
-                <a:off x="6429402" y="6427113"/>
+                <a:off x="7073513" y="5538025"/>
                 <a:ext cx="2883410" cy="430887"/>
               </a:xfrm>
               <a:prstGeom prst="rect">
@@ -9399,7 +9764,7 @@
             </p:txBody>
           </p:sp>
         </mc:Choice>
-        <mc:Fallback xmlns="">
+        <mc:Fallback>
           <p:sp>
             <p:nvSpPr>
               <p:cNvPr id="9" name="TextBox 8"/>
@@ -9410,13 +9775,13 @@
             </p:nvSpPr>
             <p:spPr>
               <a:xfrm>
-                <a:off x="6429402" y="6427113"/>
+                <a:off x="7073513" y="5538025"/>
                 <a:ext cx="2883410" cy="430887"/>
               </a:xfrm>
               <a:prstGeom prst="rect">
                 <a:avLst/>
               </a:prstGeom>
-              <a:blipFill>
+              <a:blipFill rotWithShape="0">
                 <a:blip r:embed="rId4"/>
                 <a:stretch>
                   <a:fillRect t="-1408" b="-8451"/>
@@ -9428,7 +9793,7 @@
               <a:lstStyle/>
               <a:p>
                 <a:r>
-                  <a:rPr lang="en-US">
+                  <a:rPr lang="pt-BR">
                     <a:noFill/>
                   </a:rPr>
                   <a:t> </a:t>
@@ -9447,9 +9812,9 @@
           <p:nvPr/>
         </p:nvCxnSpPr>
         <p:spPr>
-          <a:xfrm flipV="1">
-            <a:off x="9124122" y="6292177"/>
-            <a:ext cx="188690" cy="426438"/>
+          <a:xfrm>
+            <a:off x="9458632" y="5766300"/>
+            <a:ext cx="99986" cy="323265"/>
           </a:xfrm>
           <a:prstGeom prst="straightConnector1">
             <a:avLst/>
@@ -9508,7 +9873,7 @@
       </p:grpSpPr>
       <p:sp>
         <p:nvSpPr>
-          <p:cNvPr id="2" name="Title 1"/>
+          <p:cNvPr id="2" name="Título 1"/>
           <p:cNvSpPr>
             <a:spLocks noGrp="1"/>
           </p:cNvSpPr>
@@ -9528,11 +9893,11 @@
           </a:p>
         </p:txBody>
       </p:sp>
-      <mc:AlternateContent xmlns:mc="http://schemas.openxmlformats.org/markup-compatibility/2006" xmlns:a14="http://schemas.microsoft.com/office/drawing/2010/main">
-        <mc:Choice Requires="a14">
+      <mc:AlternateContent xmlns:mc="http://schemas.openxmlformats.org/markup-compatibility/2006">
+        <mc:Choice xmlns:a14="http://schemas.microsoft.com/office/drawing/2010/main" Requires="a14">
           <p:sp>
             <p:nvSpPr>
-              <p:cNvPr id="3" name="Content Placeholder 2"/>
+              <p:cNvPr id="3" name="Espaço Reservado para Conteúdo 2"/>
               <p:cNvSpPr>
                 <a:spLocks noGrp="1"/>
               </p:cNvSpPr>
@@ -9542,13 +9907,13 @@
             </p:nvSpPr>
             <p:spPr>
               <a:xfrm>
-                <a:off x="838199" y="1825624"/>
-                <a:ext cx="11108636" cy="4923046"/>
+                <a:off x="838200" y="1825624"/>
+                <a:ext cx="11058832" cy="5032375"/>
               </a:xfrm>
             </p:spPr>
             <p:txBody>
               <a:bodyPr>
-                <a:normAutofit lnSpcReduction="10000"/>
+                <a:normAutofit fontScale="92500" lnSpcReduction="20000"/>
               </a:bodyPr>
               <a:lstStyle/>
               <a:p>
@@ -9614,21 +9979,159 @@
                   </m:oMath>
                 </a14:m>
                 <a:r>
-                  <a:rPr lang="pt-BR" dirty="0"/>
+                  <a:rPr lang="pt-BR" dirty="0" smtClean="0"/>
                   <a:t>.</a:t>
                 </a:r>
-                <a:endParaRPr lang="pt-BR" i="1" dirty="0">
-                  <a:latin typeface="Cambria Math" panose="02040503050406030204" pitchFamily="18" charset="0"/>
-                </a:endParaRPr>
               </a:p>
               <a:p>
+                <a:r>
+                  <a:rPr lang="pt-BR" dirty="0" smtClean="0"/>
+                  <a:t>O regressor softmax apresenta duas propriedades:</a:t>
+                </a:r>
+              </a:p>
+              <a:p>
+                <a:pPr lvl="1">
+                  <a:buFont typeface="Wingdings" panose="05000000000000000000" pitchFamily="2" charset="2"/>
+                  <a:buChar char="§"/>
+                </a:pPr>
+                <a14:m>
+                  <m:oMath xmlns:m="http://schemas.openxmlformats.org/officeDocument/2006/math">
+                    <m:r>
+                      <a:rPr lang="pt-BR" sz="2200">
+                        <a:latin typeface="Cambria Math" panose="02040503050406030204" pitchFamily="18" charset="0"/>
+                        <a:ea typeface="Cambria Math" panose="02040503050406030204" pitchFamily="18" charset="0"/>
+                      </a:rPr>
+                      <m:t>0</m:t>
+                    </m:r>
+                    <m:r>
+                      <a:rPr lang="pt-BR" sz="2200" b="1" i="1">
+                        <a:latin typeface="Cambria Math" panose="02040503050406030204" pitchFamily="18" charset="0"/>
+                        <a:ea typeface="Cambria Math" panose="02040503050406030204" pitchFamily="18" charset="0"/>
+                      </a:rPr>
+                      <m:t>≤</m:t>
+                    </m:r>
+                    <m:sSubSup>
+                      <m:sSubSupPr>
+                        <m:ctrlPr>
+                          <a:rPr lang="pt-BR" sz="2200" b="1" i="1">
+                            <a:latin typeface="Cambria Math" panose="02040503050406030204" pitchFamily="18" charset="0"/>
+                          </a:rPr>
+                        </m:ctrlPr>
+                      </m:sSubSupPr>
+                      <m:e>
+                        <m:r>
+                          <a:rPr lang="pt-BR" sz="2200" i="1">
+                            <a:latin typeface="Cambria Math" panose="02040503050406030204" pitchFamily="18" charset="0"/>
+                          </a:rPr>
+                          <m:t>h</m:t>
+                        </m:r>
+                      </m:e>
+                      <m:sub>
+                        <m:r>
+                          <a:rPr lang="pt-BR" sz="2200" b="1" i="1">
+                            <a:latin typeface="Cambria Math" panose="02040503050406030204" pitchFamily="18" charset="0"/>
+                          </a:rPr>
+                          <m:t>𝒂</m:t>
+                        </m:r>
+                      </m:sub>
+                      <m:sup>
+                        <m:r>
+                          <a:rPr lang="pt-BR" sz="2200" i="1">
+                            <a:latin typeface="Cambria Math" panose="02040503050406030204" pitchFamily="18" charset="0"/>
+                          </a:rPr>
+                          <m:t>𝑞</m:t>
+                        </m:r>
+                      </m:sup>
+                    </m:sSubSup>
+                    <m:d>
+                      <m:dPr>
+                        <m:ctrlPr>
+                          <a:rPr lang="pt-BR" sz="2200" i="1">
+                            <a:latin typeface="Cambria Math" panose="02040503050406030204" pitchFamily="18" charset="0"/>
+                          </a:rPr>
+                        </m:ctrlPr>
+                      </m:dPr>
+                      <m:e>
+                        <m:r>
+                          <a:rPr lang="pt-BR" sz="2200" b="1" i="1">
+                            <a:latin typeface="Cambria Math" panose="02040503050406030204" pitchFamily="18" charset="0"/>
+                          </a:rPr>
+                          <m:t>𝒙</m:t>
+                        </m:r>
+                        <m:d>
+                          <m:dPr>
+                            <m:ctrlPr>
+                              <a:rPr lang="pt-BR" sz="2200" b="1" i="1">
+                                <a:latin typeface="Cambria Math" panose="02040503050406030204" pitchFamily="18" charset="0"/>
+                              </a:rPr>
+                            </m:ctrlPr>
+                          </m:dPr>
+                          <m:e>
+                            <m:r>
+                              <a:rPr lang="pt-BR" sz="2200" i="1">
+                                <a:latin typeface="Cambria Math" panose="02040503050406030204" pitchFamily="18" charset="0"/>
+                              </a:rPr>
+                              <m:t>𝑖</m:t>
+                            </m:r>
+                          </m:e>
+                        </m:d>
+                      </m:e>
+                    </m:d>
+                    <m:r>
+                      <a:rPr lang="pt-BR" sz="2200" b="1" i="1">
+                        <a:latin typeface="Cambria Math" panose="02040503050406030204" pitchFamily="18" charset="0"/>
+                        <a:ea typeface="Cambria Math" panose="02040503050406030204" pitchFamily="18" charset="0"/>
+                      </a:rPr>
+                      <m:t>≤</m:t>
+                    </m:r>
+                    <m:r>
+                      <a:rPr lang="pt-BR" sz="2200" i="1">
+                        <a:latin typeface="Cambria Math" panose="02040503050406030204" pitchFamily="18" charset="0"/>
+                        <a:ea typeface="Cambria Math" panose="02040503050406030204" pitchFamily="18" charset="0"/>
+                      </a:rPr>
+                      <m:t>1</m:t>
+                    </m:r>
+                  </m:oMath>
+                </a14:m>
+                <a:r>
+                  <a:rPr lang="pt-BR" dirty="0" smtClean="0"/>
+                  <a:t>, ou seja, a saída da </a:t>
+                </a:r>
+                <a14:m>
+                  <m:oMath xmlns:m="http://schemas.openxmlformats.org/officeDocument/2006/math">
+                    <m:r>
+                      <a:rPr lang="pt-BR" i="1">
+                        <a:latin typeface="Cambria Math" panose="02040503050406030204" pitchFamily="18" charset="0"/>
+                      </a:rPr>
+                      <m:t>𝑞</m:t>
+                    </m:r>
+                  </m:oMath>
+                </a14:m>
+                <a:r>
+                  <a:rPr lang="pt-BR" dirty="0" smtClean="0"/>
+                  <a:t>-</a:t>
+                </a:r>
+                <a:r>
+                  <a:rPr lang="pt-BR" dirty="0" err="1" smtClean="0"/>
+                  <a:t>ésima</a:t>
+                </a:r>
+                <a:r>
+                  <a:rPr lang="pt-BR" dirty="0" smtClean="0"/>
+                  <a:t> função hipótese de classificação sempre será um valor dentro do intervalo [0, 1];</a:t>
+                </a:r>
+              </a:p>
+              <a:p>
+                <a:pPr lvl="1">
+                  <a:buFont typeface="Wingdings" panose="05000000000000000000" pitchFamily="2" charset="2"/>
+                  <a:buChar char="§"/>
+                </a:pPr>
                 <a14:m>
                   <m:oMath xmlns:m="http://schemas.openxmlformats.org/officeDocument/2006/math">
                     <m:nary>
                       <m:naryPr>
                         <m:chr m:val="∑"/>
                         <m:ctrlPr>
-                          <a:rPr lang="pt-BR" i="1" smtClean="0">
+                          <a:rPr lang="pt-BR" sz="2200" i="1">
                             <a:latin typeface="Cambria Math" panose="02040503050406030204" pitchFamily="18" charset="0"/>
                           </a:rPr>
                         </m:ctrlPr>
@@ -9638,13 +10141,13 @@
                           <m:rPr>
                             <m:brk m:alnAt="23"/>
                           </m:rPr>
-                          <a:rPr lang="pt-BR" i="1">
+                          <a:rPr lang="pt-BR" sz="2200" i="1">
                             <a:latin typeface="Cambria Math" panose="02040503050406030204" pitchFamily="18" charset="0"/>
                           </a:rPr>
                           <m:t>𝑞</m:t>
                         </m:r>
                         <m:r>
-                          <a:rPr lang="pt-BR" i="1">
+                          <a:rPr lang="pt-BR" sz="2200" i="1">
                             <a:latin typeface="Cambria Math" panose="02040503050406030204" pitchFamily="18" charset="0"/>
                           </a:rPr>
                           <m:t>=1</m:t>
@@ -9652,7 +10155,7 @@
                       </m:sub>
                       <m:sup>
                         <m:r>
-                          <a:rPr lang="pt-BR" i="1">
+                          <a:rPr lang="pt-BR" sz="2200" i="1">
                             <a:latin typeface="Cambria Math" panose="02040503050406030204" pitchFamily="18" charset="0"/>
                           </a:rPr>
                           <m:t>𝑄</m:t>
@@ -9662,14 +10165,14 @@
                         <m:sSubSup>
                           <m:sSubSupPr>
                             <m:ctrlPr>
-                              <a:rPr lang="pt-BR" b="1" i="1">
+                              <a:rPr lang="pt-BR" sz="2200" b="1" i="1">
                                 <a:latin typeface="Cambria Math" panose="02040503050406030204" pitchFamily="18" charset="0"/>
                               </a:rPr>
                             </m:ctrlPr>
                           </m:sSubSupPr>
                           <m:e>
                             <m:r>
-                              <a:rPr lang="pt-BR" i="1">
+                              <a:rPr lang="pt-BR" sz="2200" i="1">
                                 <a:latin typeface="Cambria Math" panose="02040503050406030204" pitchFamily="18" charset="0"/>
                               </a:rPr>
                               <m:t>h</m:t>
@@ -9677,7 +10180,7 @@
                           </m:e>
                           <m:sub>
                             <m:r>
-                              <a:rPr lang="pt-BR" b="1" i="1">
+                              <a:rPr lang="pt-BR" sz="2200" b="1" i="1">
                                 <a:latin typeface="Cambria Math" panose="02040503050406030204" pitchFamily="18" charset="0"/>
                               </a:rPr>
                               <m:t>𝒂</m:t>
@@ -9685,7 +10188,7 @@
                           </m:sub>
                           <m:sup>
                             <m:r>
-                              <a:rPr lang="pt-BR" i="1">
+                              <a:rPr lang="pt-BR" sz="2200" i="1">
                                 <a:latin typeface="Cambria Math" panose="02040503050406030204" pitchFamily="18" charset="0"/>
                               </a:rPr>
                               <m:t>𝑞</m:t>
@@ -9695,14 +10198,14 @@
                         <m:d>
                           <m:dPr>
                             <m:ctrlPr>
-                              <a:rPr lang="pt-BR" i="1">
+                              <a:rPr lang="pt-BR" sz="2200" i="1">
                                 <a:latin typeface="Cambria Math" panose="02040503050406030204" pitchFamily="18" charset="0"/>
                               </a:rPr>
                             </m:ctrlPr>
                           </m:dPr>
                           <m:e>
                             <m:r>
-                              <a:rPr lang="pt-BR" b="1" i="1">
+                              <a:rPr lang="pt-BR" sz="2200" b="1" i="1">
                                 <a:latin typeface="Cambria Math" panose="02040503050406030204" pitchFamily="18" charset="0"/>
                               </a:rPr>
                               <m:t>𝒙</m:t>
@@ -9710,14 +10213,14 @@
                             <m:d>
                               <m:dPr>
                                 <m:ctrlPr>
-                                  <a:rPr lang="pt-BR" b="1" i="1">
+                                  <a:rPr lang="pt-BR" sz="2200" b="1" i="1">
                                     <a:latin typeface="Cambria Math" panose="02040503050406030204" pitchFamily="18" charset="0"/>
                                   </a:rPr>
                                 </m:ctrlPr>
                               </m:dPr>
                               <m:e>
                                 <m:r>
-                                  <a:rPr lang="pt-BR" i="1">
+                                  <a:rPr lang="pt-BR" sz="2200" i="1">
                                     <a:latin typeface="Cambria Math" panose="02040503050406030204" pitchFamily="18" charset="0"/>
                                   </a:rPr>
                                   <m:t>𝑖</m:t>
@@ -9727,7 +10230,7 @@
                           </m:e>
                         </m:d>
                         <m:r>
-                          <a:rPr lang="pt-BR" b="1" i="1">
+                          <a:rPr lang="pt-BR" sz="2200" b="1" i="1">
                             <a:latin typeface="Cambria Math" panose="02040503050406030204" pitchFamily="18" charset="0"/>
                           </a:rPr>
                           <m:t>=</m:t>
@@ -9736,7 +10239,7 @@
                           <m:naryPr>
                             <m:chr m:val="∑"/>
                             <m:ctrlPr>
-                              <a:rPr lang="pt-BR" i="1">
+                              <a:rPr lang="pt-BR" sz="2200" i="1">
                                 <a:latin typeface="Cambria Math" panose="02040503050406030204" pitchFamily="18" charset="0"/>
                               </a:rPr>
                             </m:ctrlPr>
@@ -9746,13 +10249,13 @@
                               <m:rPr>
                                 <m:brk m:alnAt="23"/>
                               </m:rPr>
-                              <a:rPr lang="pt-BR" i="1">
+                              <a:rPr lang="pt-BR" sz="2200" i="1">
                                 <a:latin typeface="Cambria Math" panose="02040503050406030204" pitchFamily="18" charset="0"/>
                               </a:rPr>
                               <m:t>𝑞</m:t>
                             </m:r>
                             <m:r>
-                              <a:rPr lang="pt-BR" i="1">
+                              <a:rPr lang="pt-BR" sz="2200" i="1">
                                 <a:latin typeface="Cambria Math" panose="02040503050406030204" pitchFamily="18" charset="0"/>
                               </a:rPr>
                               <m:t>=1</m:t>
@@ -9760,7 +10263,7 @@
                           </m:sub>
                           <m:sup>
                             <m:r>
-                              <a:rPr lang="pt-BR" i="1">
+                              <a:rPr lang="pt-BR" sz="2200" i="1">
                                 <a:latin typeface="Cambria Math" panose="02040503050406030204" pitchFamily="18" charset="0"/>
                               </a:rPr>
                               <m:t>𝑄</m:t>
@@ -9768,7 +10271,7 @@
                           </m:sup>
                           <m:e>
                             <m:r>
-                              <a:rPr lang="pt-BR" i="1">
+                              <a:rPr lang="pt-BR" sz="2200" i="1">
                                 <a:latin typeface="Cambria Math" panose="02040503050406030204" pitchFamily="18" charset="0"/>
                               </a:rPr>
                               <m:t>𝑃</m:t>
@@ -9777,7 +10280,7 @@
                               <m:dPr>
                                 <m:endChr m:val="|"/>
                                 <m:ctrlPr>
-                                  <a:rPr lang="pt-BR" i="1">
+                                  <a:rPr lang="pt-BR" sz="2200" i="1">
                                     <a:latin typeface="Cambria Math" panose="02040503050406030204" pitchFamily="18" charset="0"/>
                                   </a:rPr>
                                 </m:ctrlPr>
@@ -9786,14 +10289,14 @@
                                 <m:sSub>
                                   <m:sSubPr>
                                     <m:ctrlPr>
-                                      <a:rPr lang="pt-BR" i="1">
+                                      <a:rPr lang="pt-BR" sz="2200" i="1">
                                         <a:latin typeface="Cambria Math" panose="02040503050406030204" pitchFamily="18" charset="0"/>
                                       </a:rPr>
                                     </m:ctrlPr>
                                   </m:sSubPr>
                                   <m:e>
                                     <m:r>
-                                      <a:rPr lang="pt-BR" i="1">
+                                      <a:rPr lang="pt-BR" sz="2200" i="1">
                                         <a:latin typeface="Cambria Math" panose="02040503050406030204" pitchFamily="18" charset="0"/>
                                       </a:rPr>
                                       <m:t>𝐶</m:t>
@@ -9801,7 +10304,7 @@
                                   </m:e>
                                   <m:sub>
                                     <m:r>
-                                      <a:rPr lang="pt-BR" i="1">
+                                      <a:rPr lang="pt-BR" sz="2200" i="1">
                                         <a:latin typeface="Cambria Math" panose="02040503050406030204" pitchFamily="18" charset="0"/>
                                       </a:rPr>
                                       <m:t>𝑞</m:t>
@@ -9809,7 +10312,7 @@
                                   </m:sub>
                                 </m:sSub>
                                 <m:r>
-                                  <a:rPr lang="pt-BR" i="1">
+                                  <a:rPr lang="pt-BR" sz="2200" i="1">
                                     <a:latin typeface="Cambria Math" panose="02040503050406030204" pitchFamily="18" charset="0"/>
                                   </a:rPr>
                                   <m:t> </m:t>
@@ -9817,40 +10320,45 @@
                               </m:e>
                             </m:d>
                             <m:r>
-                              <a:rPr lang="pt-BR" b="1" i="1">
+                              <a:rPr lang="pt-BR" sz="2200" b="1" i="1">
                                 <a:latin typeface="Cambria Math" panose="02040503050406030204" pitchFamily="18" charset="0"/>
                               </a:rPr>
                               <m:t>𝒙</m:t>
                             </m:r>
+                            <m:d>
+                              <m:dPr>
+                                <m:ctrlPr>
+                                  <a:rPr lang="pt-BR" sz="2200" b="1" i="1">
+                                    <a:latin typeface="Cambria Math" panose="02040503050406030204" pitchFamily="18" charset="0"/>
+                                  </a:rPr>
+                                </m:ctrlPr>
+                              </m:dPr>
+                              <m:e>
+                                <m:r>
+                                  <a:rPr lang="pt-BR" sz="2200" i="1">
+                                    <a:latin typeface="Cambria Math" panose="02040503050406030204" pitchFamily="18" charset="0"/>
+                                  </a:rPr>
+                                  <m:t>𝑖</m:t>
+                                </m:r>
+                              </m:e>
+                            </m:d>
                             <m:r>
-                              <a:rPr lang="pt-BR" i="1">
+                              <a:rPr lang="pt-BR" sz="2200" i="1">
                                 <a:latin typeface="Cambria Math" panose="02040503050406030204" pitchFamily="18" charset="0"/>
                               </a:rPr>
-                              <m:t>(</m:t>
-                            </m:r>
-                            <m:r>
-                              <a:rPr lang="pt-BR" i="1">
-                                <a:latin typeface="Cambria Math" panose="02040503050406030204" pitchFamily="18" charset="0"/>
-                              </a:rPr>
-                              <m:t>𝑖</m:t>
-                            </m:r>
-                            <m:r>
-                              <a:rPr lang="pt-BR" i="1">
-                                <a:latin typeface="Cambria Math" panose="02040503050406030204" pitchFamily="18" charset="0"/>
-                              </a:rPr>
-                              <m:t>);</m:t>
+                              <m:t>,</m:t>
                             </m:r>
                             <m:sSub>
                               <m:sSubPr>
                                 <m:ctrlPr>
-                                  <a:rPr lang="pt-BR" i="1">
+                                  <a:rPr lang="pt-BR" sz="2200" i="1">
                                     <a:latin typeface="Cambria Math" panose="02040503050406030204" pitchFamily="18" charset="0"/>
                                   </a:rPr>
                                 </m:ctrlPr>
                               </m:sSubPr>
                               <m:e>
                                 <m:r>
-                                  <a:rPr lang="pt-BR" b="1" i="1">
+                                  <a:rPr lang="pt-BR" sz="2200" b="1" i="1">
                                     <a:latin typeface="Cambria Math" panose="02040503050406030204" pitchFamily="18" charset="0"/>
                                   </a:rPr>
                                   <m:t>𝒂</m:t>
@@ -9858,7 +10366,7 @@
                               </m:e>
                               <m:sub>
                                 <m:r>
-                                  <a:rPr lang="pt-BR" i="1">
+                                  <a:rPr lang="pt-BR" sz="2200" i="1">
                                     <a:latin typeface="Cambria Math" panose="02040503050406030204" pitchFamily="18" charset="0"/>
                                   </a:rPr>
                                   <m:t>𝑞</m:t>
@@ -9866,7 +10374,7 @@
                               </m:sub>
                             </m:sSub>
                             <m:r>
-                              <a:rPr lang="pt-BR" i="1">
+                              <a:rPr lang="pt-BR" sz="2200" i="1">
                                 <a:latin typeface="Cambria Math" panose="02040503050406030204" pitchFamily="18" charset="0"/>
                               </a:rPr>
                               <m:t>)</m:t>
@@ -9874,7 +10382,7 @@
                           </m:e>
                         </m:nary>
                         <m:r>
-                          <a:rPr lang="pt-BR" i="1">
+                          <a:rPr lang="pt-BR" sz="2200" i="1">
                             <a:latin typeface="Cambria Math" panose="02040503050406030204" pitchFamily="18" charset="0"/>
                           </a:rPr>
                           <m:t>=1</m:t>
@@ -9893,465 +10401,407 @@
                 </a:r>
                 <a:r>
                   <a:rPr lang="pt-BR" dirty="0"/>
-                  <a:t> de todas as classes é igual a 1.</a:t>
-                </a:r>
-              </a:p>
-              <a:p>
-                <a:r>
-                  <a:rPr lang="pt-BR" dirty="0"/>
-                  <a:t> </a:t>
+                  <a:t> de todas as </a:t>
                 </a:r>
                 <a14:m>
                   <m:oMath xmlns:m="http://schemas.openxmlformats.org/officeDocument/2006/math">
                     <m:r>
-                      <a:rPr lang="pt-BR">
+                      <a:rPr lang="pt-BR" i="1">
                         <a:latin typeface="Cambria Math" panose="02040503050406030204" pitchFamily="18" charset="0"/>
-                        <a:ea typeface="Cambria Math" panose="02040503050406030204" pitchFamily="18" charset="0"/>
                       </a:rPr>
-                      <m:t>0</m:t>
-                    </m:r>
-                    <m:r>
-                      <a:rPr lang="pt-BR" b="1" i="1">
-                        <a:latin typeface="Cambria Math" panose="02040503050406030204" pitchFamily="18" charset="0"/>
-                        <a:ea typeface="Cambria Math" panose="02040503050406030204" pitchFamily="18" charset="0"/>
-                      </a:rPr>
-                      <m:t>≤</m:t>
-                    </m:r>
-                    <m:sSubSup>
-                      <m:sSubSupPr>
-                        <m:ctrlPr>
-                          <a:rPr lang="pt-BR" b="1" i="1">
-                            <a:latin typeface="Cambria Math" panose="02040503050406030204" pitchFamily="18" charset="0"/>
-                          </a:rPr>
-                        </m:ctrlPr>
-                      </m:sSubSupPr>
-                      <m:e>
-                        <m:r>
-                          <a:rPr lang="pt-BR" i="1">
-                            <a:latin typeface="Cambria Math" panose="02040503050406030204" pitchFamily="18" charset="0"/>
-                          </a:rPr>
-                          <m:t>h</m:t>
-                        </m:r>
-                      </m:e>
-                      <m:sub>
-                        <m:r>
-                          <a:rPr lang="pt-BR" b="1" i="1">
-                            <a:latin typeface="Cambria Math" panose="02040503050406030204" pitchFamily="18" charset="0"/>
-                          </a:rPr>
-                          <m:t>𝒂</m:t>
-                        </m:r>
-                      </m:sub>
-                      <m:sup>
-                        <m:r>
-                          <a:rPr lang="pt-BR" i="1">
-                            <a:latin typeface="Cambria Math" panose="02040503050406030204" pitchFamily="18" charset="0"/>
-                          </a:rPr>
-                          <m:t>𝑞</m:t>
-                        </m:r>
-                      </m:sup>
-                    </m:sSubSup>
-                    <m:d>
-                      <m:dPr>
-                        <m:ctrlPr>
-                          <a:rPr lang="pt-BR" i="1">
-                            <a:latin typeface="Cambria Math" panose="02040503050406030204" pitchFamily="18" charset="0"/>
-                          </a:rPr>
-                        </m:ctrlPr>
-                      </m:dPr>
-                      <m:e>
-                        <m:r>
-                          <a:rPr lang="pt-BR" b="1" i="1">
-                            <a:latin typeface="Cambria Math" panose="02040503050406030204" pitchFamily="18" charset="0"/>
-                          </a:rPr>
-                          <m:t>𝒙</m:t>
-                        </m:r>
-                        <m:d>
-                          <m:dPr>
-                            <m:ctrlPr>
-                              <a:rPr lang="pt-BR" b="1" i="1">
-                                <a:latin typeface="Cambria Math" panose="02040503050406030204" pitchFamily="18" charset="0"/>
-                              </a:rPr>
-                            </m:ctrlPr>
-                          </m:dPr>
-                          <m:e>
-                            <m:r>
-                              <a:rPr lang="pt-BR" i="1">
-                                <a:latin typeface="Cambria Math" panose="02040503050406030204" pitchFamily="18" charset="0"/>
-                              </a:rPr>
-                              <m:t>𝑖</m:t>
-                            </m:r>
-                          </m:e>
-                        </m:d>
-                      </m:e>
-                    </m:d>
-                    <m:r>
-                      <a:rPr lang="pt-BR" b="1" i="1">
-                        <a:latin typeface="Cambria Math" panose="02040503050406030204" pitchFamily="18" charset="0"/>
-                        <a:ea typeface="Cambria Math" panose="02040503050406030204" pitchFamily="18" charset="0"/>
-                      </a:rPr>
-                      <m:t>≤</m:t>
+                      <m:t>𝑄</m:t>
                     </m:r>
                     <m:r>
                       <a:rPr lang="pt-BR" i="1">
                         <a:latin typeface="Cambria Math" panose="02040503050406030204" pitchFamily="18" charset="0"/>
-                        <a:ea typeface="Cambria Math" panose="02040503050406030204" pitchFamily="18" charset="0"/>
                       </a:rPr>
-                      <m:t>1</m:t>
+                      <m:t> </m:t>
                     </m:r>
                   </m:oMath>
                 </a14:m>
                 <a:r>
                   <a:rPr lang="pt-BR" dirty="0"/>
-                  <a:t>, ou seja, temos, um vetor </a:t>
+                  <a:t>classes é igual a 1</a:t>
+                </a:r>
+                <a:r>
+                  <a:rPr lang="pt-BR" dirty="0" smtClean="0"/>
+                  <a:t>.</a:t>
                 </a:r>
               </a:p>
               <a:p>
-                <a:pPr marL="0" indent="0" algn="ctr">
-                  <a:buNone/>
-                </a:pPr>
-                <a14:m>
-                  <m:oMath xmlns:m="http://schemas.openxmlformats.org/officeDocument/2006/math">
-                    <m:sSub>
-                      <m:sSubPr>
-                        <m:ctrlPr>
-                          <a:rPr lang="pt-BR" i="1">
-                            <a:latin typeface="Cambria Math" panose="02040503050406030204" pitchFamily="18" charset="0"/>
-                          </a:rPr>
-                        </m:ctrlPr>
-                      </m:sSubPr>
-                      <m:e>
-                        <m:r>
-                          <a:rPr lang="pt-BR" b="1" i="1">
-                            <a:latin typeface="Cambria Math" panose="02040503050406030204" pitchFamily="18" charset="0"/>
-                          </a:rPr>
-                          <m:t>𝒉</m:t>
-                        </m:r>
-                      </m:e>
-                      <m:sub>
-                        <m:r>
-                          <a:rPr lang="pt-BR" b="1" i="1">
-                            <a:latin typeface="Cambria Math" panose="02040503050406030204" pitchFamily="18" charset="0"/>
-                          </a:rPr>
-                          <m:t>𝒂</m:t>
-                        </m:r>
-                      </m:sub>
-                    </m:sSub>
-                    <m:d>
-                      <m:dPr>
-                        <m:ctrlPr>
-                          <a:rPr lang="pt-BR" i="1">
-                            <a:latin typeface="Cambria Math" panose="02040503050406030204" pitchFamily="18" charset="0"/>
-                          </a:rPr>
-                        </m:ctrlPr>
-                      </m:dPr>
-                      <m:e>
-                        <m:r>
-                          <a:rPr lang="pt-BR" b="1" i="1">
-                            <a:latin typeface="Cambria Math" panose="02040503050406030204" pitchFamily="18" charset="0"/>
-                          </a:rPr>
-                          <m:t>𝒙</m:t>
-                        </m:r>
-                        <m:d>
-                          <m:dPr>
-                            <m:ctrlPr>
-                              <a:rPr lang="pt-BR" b="1" i="1">
-                                <a:latin typeface="Cambria Math" panose="02040503050406030204" pitchFamily="18" charset="0"/>
-                              </a:rPr>
-                            </m:ctrlPr>
-                          </m:dPr>
-                          <m:e>
-                            <m:r>
-                              <a:rPr lang="pt-BR" i="1">
-                                <a:latin typeface="Cambria Math" panose="02040503050406030204" pitchFamily="18" charset="0"/>
-                              </a:rPr>
-                              <m:t>𝑖</m:t>
-                            </m:r>
-                          </m:e>
-                        </m:d>
-                      </m:e>
-                    </m:d>
-                    <m:r>
-                      <a:rPr lang="pt-BR" b="1" i="1">
-                        <a:latin typeface="Cambria Math" panose="02040503050406030204" pitchFamily="18" charset="0"/>
-                      </a:rPr>
-                      <m:t>=</m:t>
-                    </m:r>
-                    <m:sSup>
-                      <m:sSupPr>
-                        <m:ctrlPr>
-                          <a:rPr lang="pt-BR" b="1" i="1" smtClean="0">
-                            <a:latin typeface="Cambria Math" panose="02040503050406030204" pitchFamily="18" charset="0"/>
-                          </a:rPr>
-                        </m:ctrlPr>
-                      </m:sSupPr>
-                      <m:e>
-                        <m:d>
-                          <m:dPr>
-                            <m:begChr m:val="["/>
-                            <m:endChr m:val="]"/>
-                            <m:ctrlPr>
-                              <a:rPr lang="pt-BR" b="1" i="1">
-                                <a:latin typeface="Cambria Math" panose="02040503050406030204" pitchFamily="18" charset="0"/>
-                              </a:rPr>
-                            </m:ctrlPr>
-                          </m:dPr>
-                          <m:e>
-                            <m:m>
-                              <m:mPr>
-                                <m:mcs>
-                                  <m:mc>
-                                    <m:mcPr>
-                                      <m:count m:val="3"/>
-                                      <m:mcJc m:val="center"/>
-                                    </m:mcPr>
-                                  </m:mc>
-                                </m:mcs>
-                                <m:ctrlPr>
-                                  <a:rPr lang="pt-BR" b="1" i="1">
-                                    <a:latin typeface="Cambria Math" panose="02040503050406030204" pitchFamily="18" charset="0"/>
-                                  </a:rPr>
-                                </m:ctrlPr>
-                              </m:mPr>
-                              <m:mr>
-                                <m:e>
-                                  <m:sSubSup>
-                                    <m:sSubSupPr>
-                                      <m:ctrlPr>
-                                        <a:rPr lang="pt-BR" b="1" i="1">
-                                          <a:latin typeface="Cambria Math" panose="02040503050406030204" pitchFamily="18" charset="0"/>
-                                        </a:rPr>
-                                      </m:ctrlPr>
-                                    </m:sSubSupPr>
-                                    <m:e>
-                                      <m:r>
-                                        <a:rPr lang="pt-BR" i="1">
-                                          <a:latin typeface="Cambria Math" panose="02040503050406030204" pitchFamily="18" charset="0"/>
-                                        </a:rPr>
-                                        <m:t>h</m:t>
-                                      </m:r>
-                                    </m:e>
-                                    <m:sub>
-                                      <m:r>
-                                        <a:rPr lang="pt-BR" b="1" i="1">
-                                          <a:latin typeface="Cambria Math" panose="02040503050406030204" pitchFamily="18" charset="0"/>
-                                        </a:rPr>
-                                        <m:t>𝒂</m:t>
-                                      </m:r>
-                                    </m:sub>
-                                    <m:sup>
-                                      <m:r>
-                                        <a:rPr lang="pt-BR" i="1">
-                                          <a:latin typeface="Cambria Math" panose="02040503050406030204" pitchFamily="18" charset="0"/>
-                                        </a:rPr>
-                                        <m:t>1</m:t>
-                                      </m:r>
-                                    </m:sup>
-                                  </m:sSubSup>
-                                  <m:d>
-                                    <m:dPr>
-                                      <m:ctrlPr>
-                                        <a:rPr lang="pt-BR" i="1">
-                                          <a:latin typeface="Cambria Math" panose="02040503050406030204" pitchFamily="18" charset="0"/>
-                                        </a:rPr>
-                                      </m:ctrlPr>
-                                    </m:dPr>
-                                    <m:e>
-                                      <m:r>
-                                        <a:rPr lang="pt-BR" b="1" i="1">
-                                          <a:latin typeface="Cambria Math" panose="02040503050406030204" pitchFamily="18" charset="0"/>
-                                        </a:rPr>
-                                        <m:t>𝒙</m:t>
-                                      </m:r>
-                                      <m:d>
-                                        <m:dPr>
-                                          <m:ctrlPr>
-                                            <a:rPr lang="pt-BR" b="1" i="1">
-                                              <a:latin typeface="Cambria Math" panose="02040503050406030204" pitchFamily="18" charset="0"/>
-                                            </a:rPr>
-                                          </m:ctrlPr>
-                                        </m:dPr>
-                                        <m:e>
-                                          <m:r>
-                                            <a:rPr lang="pt-BR" i="1">
-                                              <a:latin typeface="Cambria Math" panose="02040503050406030204" pitchFamily="18" charset="0"/>
-                                            </a:rPr>
-                                            <m:t>𝑖</m:t>
-                                          </m:r>
-                                        </m:e>
-                                      </m:d>
-                                    </m:e>
-                                  </m:d>
-                                  <m:r>
-                                    <a:rPr lang="pt-BR" b="1" i="1">
-                                      <a:latin typeface="Cambria Math" panose="02040503050406030204" pitchFamily="18" charset="0"/>
-                                    </a:rPr>
-                                    <m:t>,</m:t>
-                                  </m:r>
-                                </m:e>
-                                <m:e>
-                                  <m:r>
-                                    <a:rPr lang="pt-BR" b="1" i="1">
-                                      <a:latin typeface="Cambria Math" panose="02040503050406030204" pitchFamily="18" charset="0"/>
-                                    </a:rPr>
-                                    <m:t>⋯,</m:t>
-                                  </m:r>
-                                </m:e>
-                                <m:e>
-                                  <m:sSubSup>
-                                    <m:sSubSupPr>
-                                      <m:ctrlPr>
-                                        <a:rPr lang="pt-BR" b="1" i="1">
-                                          <a:latin typeface="Cambria Math" panose="02040503050406030204" pitchFamily="18" charset="0"/>
-                                        </a:rPr>
-                                      </m:ctrlPr>
-                                    </m:sSubSupPr>
-                                    <m:e>
-                                      <m:r>
-                                        <a:rPr lang="pt-BR" i="1">
-                                          <a:latin typeface="Cambria Math" panose="02040503050406030204" pitchFamily="18" charset="0"/>
-                                        </a:rPr>
-                                        <m:t>h</m:t>
-                                      </m:r>
-                                    </m:e>
-                                    <m:sub>
-                                      <m:r>
-                                        <a:rPr lang="pt-BR" b="1" i="1">
-                                          <a:latin typeface="Cambria Math" panose="02040503050406030204" pitchFamily="18" charset="0"/>
-                                        </a:rPr>
-                                        <m:t>𝒂</m:t>
-                                      </m:r>
-                                    </m:sub>
-                                    <m:sup>
-                                      <m:r>
-                                        <a:rPr lang="pt-BR" i="1">
-                                          <a:latin typeface="Cambria Math" panose="02040503050406030204" pitchFamily="18" charset="0"/>
-                                        </a:rPr>
-                                        <m:t>𝑄</m:t>
-                                      </m:r>
-                                    </m:sup>
-                                  </m:sSubSup>
-                                  <m:d>
-                                    <m:dPr>
-                                      <m:ctrlPr>
-                                        <a:rPr lang="pt-BR" i="1">
-                                          <a:latin typeface="Cambria Math" panose="02040503050406030204" pitchFamily="18" charset="0"/>
-                                        </a:rPr>
-                                      </m:ctrlPr>
-                                    </m:dPr>
-                                    <m:e>
-                                      <m:r>
-                                        <a:rPr lang="pt-BR" b="1" i="1">
-                                          <a:latin typeface="Cambria Math" panose="02040503050406030204" pitchFamily="18" charset="0"/>
-                                        </a:rPr>
-                                        <m:t>𝒙</m:t>
-                                      </m:r>
-                                      <m:d>
-                                        <m:dPr>
-                                          <m:ctrlPr>
-                                            <a:rPr lang="pt-BR" b="1" i="1">
-                                              <a:latin typeface="Cambria Math" panose="02040503050406030204" pitchFamily="18" charset="0"/>
-                                            </a:rPr>
-                                          </m:ctrlPr>
-                                        </m:dPr>
-                                        <m:e>
-                                          <m:r>
-                                            <a:rPr lang="pt-BR" i="1">
-                                              <a:latin typeface="Cambria Math" panose="02040503050406030204" pitchFamily="18" charset="0"/>
-                                            </a:rPr>
-                                            <m:t>𝑖</m:t>
-                                          </m:r>
-                                        </m:e>
-                                      </m:d>
-                                    </m:e>
-                                  </m:d>
-                                </m:e>
-                              </m:mr>
-                            </m:m>
-                          </m:e>
-                        </m:d>
-                      </m:e>
-                      <m:sup>
-                        <m:r>
-                          <a:rPr lang="pt-BR" b="0" i="1" smtClean="0">
-                            <a:latin typeface="Cambria Math" panose="02040503050406030204" pitchFamily="18" charset="0"/>
-                          </a:rPr>
-                          <m:t>𝑇</m:t>
-                        </m:r>
-                      </m:sup>
-                    </m:sSup>
-                    <m:r>
-                      <a:rPr lang="pt-BR" b="1" i="1">
-                        <a:latin typeface="Cambria Math" panose="02040503050406030204" pitchFamily="18" charset="0"/>
-                        <a:ea typeface="Cambria Math" panose="02040503050406030204" pitchFamily="18" charset="0"/>
-                      </a:rPr>
-                      <m:t>∈ </m:t>
-                    </m:r>
-                    <m:sSup>
-                      <m:sSupPr>
-                        <m:ctrlPr>
-                          <a:rPr lang="pt-BR" b="1" i="1">
-                            <a:latin typeface="Cambria Math" panose="02040503050406030204" pitchFamily="18" charset="0"/>
-                            <a:ea typeface="Cambria Math" panose="02040503050406030204" pitchFamily="18" charset="0"/>
-                          </a:rPr>
-                        </m:ctrlPr>
-                      </m:sSupPr>
-                      <m:e>
-                        <m:r>
-                          <a:rPr lang="pt-BR" b="1" i="1">
-                            <a:latin typeface="Cambria Math" panose="02040503050406030204" pitchFamily="18" charset="0"/>
-                            <a:ea typeface="Cambria Math" panose="02040503050406030204" pitchFamily="18" charset="0"/>
-                          </a:rPr>
-                          <m:t>ℝ</m:t>
-                        </m:r>
-                      </m:e>
-                      <m:sup>
-                        <m:r>
-                          <a:rPr lang="pt-BR" i="1">
-                            <a:latin typeface="Cambria Math" panose="02040503050406030204" pitchFamily="18" charset="0"/>
-                            <a:ea typeface="Cambria Math" panose="02040503050406030204" pitchFamily="18" charset="0"/>
-                          </a:rPr>
-                          <m:t>𝑄</m:t>
-                        </m:r>
-                        <m:r>
-                          <a:rPr lang="pt-BR" i="1">
-                            <a:latin typeface="Cambria Math" panose="02040503050406030204" pitchFamily="18" charset="0"/>
-                            <a:ea typeface="Cambria Math" panose="02040503050406030204" pitchFamily="18" charset="0"/>
-                          </a:rPr>
-                          <m:t>×1</m:t>
-                        </m:r>
-                      </m:sup>
-                    </m:sSup>
-                  </m:oMath>
-                </a14:m>
-                <a:r>
-                  <a:rPr lang="pt-BR" dirty="0"/>
-                  <a:t> </a:t>
+                <a:r>
+                  <a:rPr lang="pt-BR" dirty="0" smtClean="0"/>
+                  <a:t>Estas duas propriedades fazem com que o vetor</a:t>
                 </a:r>
               </a:p>
               <a:p>
                 <a:pPr marL="0" indent="0">
                   <a:buNone/>
                 </a:pPr>
-                <a:r>
-                  <a:rPr lang="pt-BR" dirty="0"/>
-                  <a:t>que atende os requisitos de uma </a:t>
+                <a14:m>
+                  <m:oMathPara xmlns:m="http://schemas.openxmlformats.org/officeDocument/2006/math">
+                    <m:oMathParaPr>
+                      <m:jc m:val="centerGroup"/>
+                    </m:oMathParaPr>
+                    <m:oMath xmlns:m="http://schemas.openxmlformats.org/officeDocument/2006/math">
+                      <m:sSub>
+                        <m:sSubPr>
+                          <m:ctrlPr>
+                            <a:rPr lang="pt-BR" i="1">
+                              <a:latin typeface="Cambria Math" panose="02040503050406030204" pitchFamily="18" charset="0"/>
+                            </a:rPr>
+                          </m:ctrlPr>
+                        </m:sSubPr>
+                        <m:e>
+                          <m:r>
+                            <a:rPr lang="pt-BR" b="1" i="1">
+                              <a:latin typeface="Cambria Math" panose="02040503050406030204" pitchFamily="18" charset="0"/>
+                            </a:rPr>
+                            <m:t>𝒉</m:t>
+                          </m:r>
+                        </m:e>
+                        <m:sub>
+                          <m:r>
+                            <a:rPr lang="pt-BR" b="1" i="1">
+                              <a:latin typeface="Cambria Math" panose="02040503050406030204" pitchFamily="18" charset="0"/>
+                            </a:rPr>
+                            <m:t>𝒂</m:t>
+                          </m:r>
+                        </m:sub>
+                      </m:sSub>
+                      <m:d>
+                        <m:dPr>
+                          <m:ctrlPr>
+                            <a:rPr lang="pt-BR" i="1">
+                              <a:latin typeface="Cambria Math" panose="02040503050406030204" pitchFamily="18" charset="0"/>
+                            </a:rPr>
+                          </m:ctrlPr>
+                        </m:dPr>
+                        <m:e>
+                          <m:r>
+                            <a:rPr lang="pt-BR" b="1" i="1">
+                              <a:latin typeface="Cambria Math" panose="02040503050406030204" pitchFamily="18" charset="0"/>
+                            </a:rPr>
+                            <m:t>𝒙</m:t>
+                          </m:r>
+                          <m:d>
+                            <m:dPr>
+                              <m:ctrlPr>
+                                <a:rPr lang="pt-BR" b="1" i="1">
+                                  <a:latin typeface="Cambria Math" panose="02040503050406030204" pitchFamily="18" charset="0"/>
+                                </a:rPr>
+                              </m:ctrlPr>
+                            </m:dPr>
+                            <m:e>
+                              <m:r>
+                                <a:rPr lang="pt-BR" i="1">
+                                  <a:latin typeface="Cambria Math" panose="02040503050406030204" pitchFamily="18" charset="0"/>
+                                </a:rPr>
+                                <m:t>𝑖</m:t>
+                              </m:r>
+                            </m:e>
+                          </m:d>
+                        </m:e>
+                      </m:d>
+                      <m:r>
+                        <a:rPr lang="pt-BR" b="1" i="1">
+                          <a:latin typeface="Cambria Math" panose="02040503050406030204" pitchFamily="18" charset="0"/>
+                        </a:rPr>
+                        <m:t>=</m:t>
+                      </m:r>
+                      <m:sSup>
+                        <m:sSupPr>
+                          <m:ctrlPr>
+                            <a:rPr lang="pt-BR" b="1" i="1">
+                              <a:latin typeface="Cambria Math" panose="02040503050406030204" pitchFamily="18" charset="0"/>
+                            </a:rPr>
+                          </m:ctrlPr>
+                        </m:sSupPr>
+                        <m:e>
+                          <m:d>
+                            <m:dPr>
+                              <m:begChr m:val="["/>
+                              <m:endChr m:val="]"/>
+                              <m:ctrlPr>
+                                <a:rPr lang="pt-BR" b="1" i="1">
+                                  <a:latin typeface="Cambria Math" panose="02040503050406030204" pitchFamily="18" charset="0"/>
+                                </a:rPr>
+                              </m:ctrlPr>
+                            </m:dPr>
+                            <m:e>
+                              <m:m>
+                                <m:mPr>
+                                  <m:mcs>
+                                    <m:mc>
+                                      <m:mcPr>
+                                        <m:count m:val="3"/>
+                                        <m:mcJc m:val="center"/>
+                                      </m:mcPr>
+                                    </m:mc>
+                                  </m:mcs>
+                                  <m:ctrlPr>
+                                    <a:rPr lang="pt-BR" b="1" i="1">
+                                      <a:latin typeface="Cambria Math" panose="02040503050406030204" pitchFamily="18" charset="0"/>
+                                    </a:rPr>
+                                  </m:ctrlPr>
+                                </m:mPr>
+                                <m:mr>
+                                  <m:e>
+                                    <m:sSubSup>
+                                      <m:sSubSupPr>
+                                        <m:ctrlPr>
+                                          <a:rPr lang="pt-BR" b="1" i="1">
+                                            <a:latin typeface="Cambria Math" panose="02040503050406030204" pitchFamily="18" charset="0"/>
+                                          </a:rPr>
+                                        </m:ctrlPr>
+                                      </m:sSubSupPr>
+                                      <m:e>
+                                        <m:r>
+                                          <a:rPr lang="pt-BR" i="1">
+                                            <a:latin typeface="Cambria Math" panose="02040503050406030204" pitchFamily="18" charset="0"/>
+                                          </a:rPr>
+                                          <m:t>h</m:t>
+                                        </m:r>
+                                      </m:e>
+                                      <m:sub>
+                                        <m:r>
+                                          <a:rPr lang="pt-BR" b="1" i="1">
+                                            <a:latin typeface="Cambria Math" panose="02040503050406030204" pitchFamily="18" charset="0"/>
+                                          </a:rPr>
+                                          <m:t>𝒂</m:t>
+                                        </m:r>
+                                      </m:sub>
+                                      <m:sup>
+                                        <m:r>
+                                          <a:rPr lang="pt-BR" i="1">
+                                            <a:latin typeface="Cambria Math" panose="02040503050406030204" pitchFamily="18" charset="0"/>
+                                          </a:rPr>
+                                          <m:t>1</m:t>
+                                        </m:r>
+                                      </m:sup>
+                                    </m:sSubSup>
+                                    <m:d>
+                                      <m:dPr>
+                                        <m:ctrlPr>
+                                          <a:rPr lang="pt-BR" i="1">
+                                            <a:latin typeface="Cambria Math" panose="02040503050406030204" pitchFamily="18" charset="0"/>
+                                          </a:rPr>
+                                        </m:ctrlPr>
+                                      </m:dPr>
+                                      <m:e>
+                                        <m:r>
+                                          <a:rPr lang="pt-BR" b="1" i="1">
+                                            <a:latin typeface="Cambria Math" panose="02040503050406030204" pitchFamily="18" charset="0"/>
+                                          </a:rPr>
+                                          <m:t>𝒙</m:t>
+                                        </m:r>
+                                        <m:d>
+                                          <m:dPr>
+                                            <m:ctrlPr>
+                                              <a:rPr lang="pt-BR" b="1" i="1">
+                                                <a:latin typeface="Cambria Math" panose="02040503050406030204" pitchFamily="18" charset="0"/>
+                                              </a:rPr>
+                                            </m:ctrlPr>
+                                          </m:dPr>
+                                          <m:e>
+                                            <m:r>
+                                              <a:rPr lang="pt-BR" i="1">
+                                                <a:latin typeface="Cambria Math" panose="02040503050406030204" pitchFamily="18" charset="0"/>
+                                              </a:rPr>
+                                              <m:t>𝑖</m:t>
+                                            </m:r>
+                                          </m:e>
+                                        </m:d>
+                                      </m:e>
+                                    </m:d>
+                                    <m:r>
+                                      <a:rPr lang="pt-BR" b="1" i="1">
+                                        <a:latin typeface="Cambria Math" panose="02040503050406030204" pitchFamily="18" charset="0"/>
+                                      </a:rPr>
+                                      <m:t>,</m:t>
+                                    </m:r>
+                                  </m:e>
+                                  <m:e>
+                                    <m:r>
+                                      <a:rPr lang="pt-BR" b="1" i="1">
+                                        <a:latin typeface="Cambria Math" panose="02040503050406030204" pitchFamily="18" charset="0"/>
+                                      </a:rPr>
+                                      <m:t>⋯,</m:t>
+                                    </m:r>
+                                  </m:e>
+                                  <m:e>
+                                    <m:sSubSup>
+                                      <m:sSubSupPr>
+                                        <m:ctrlPr>
+                                          <a:rPr lang="pt-BR" b="1" i="1">
+                                            <a:latin typeface="Cambria Math" panose="02040503050406030204" pitchFamily="18" charset="0"/>
+                                          </a:rPr>
+                                        </m:ctrlPr>
+                                      </m:sSubSupPr>
+                                      <m:e>
+                                        <m:r>
+                                          <a:rPr lang="pt-BR" i="1">
+                                            <a:latin typeface="Cambria Math" panose="02040503050406030204" pitchFamily="18" charset="0"/>
+                                          </a:rPr>
+                                          <m:t>h</m:t>
+                                        </m:r>
+                                      </m:e>
+                                      <m:sub>
+                                        <m:r>
+                                          <a:rPr lang="pt-BR" b="1" i="1">
+                                            <a:latin typeface="Cambria Math" panose="02040503050406030204" pitchFamily="18" charset="0"/>
+                                          </a:rPr>
+                                          <m:t>𝒂</m:t>
+                                        </m:r>
+                                      </m:sub>
+                                      <m:sup>
+                                        <m:r>
+                                          <a:rPr lang="pt-BR" i="1">
+                                            <a:latin typeface="Cambria Math" panose="02040503050406030204" pitchFamily="18" charset="0"/>
+                                          </a:rPr>
+                                          <m:t>𝑄</m:t>
+                                        </m:r>
+                                      </m:sup>
+                                    </m:sSubSup>
+                                    <m:d>
+                                      <m:dPr>
+                                        <m:ctrlPr>
+                                          <a:rPr lang="pt-BR" i="1">
+                                            <a:latin typeface="Cambria Math" panose="02040503050406030204" pitchFamily="18" charset="0"/>
+                                          </a:rPr>
+                                        </m:ctrlPr>
+                                      </m:dPr>
+                                      <m:e>
+                                        <m:r>
+                                          <a:rPr lang="pt-BR" b="1" i="1">
+                                            <a:latin typeface="Cambria Math" panose="02040503050406030204" pitchFamily="18" charset="0"/>
+                                          </a:rPr>
+                                          <m:t>𝒙</m:t>
+                                        </m:r>
+                                        <m:d>
+                                          <m:dPr>
+                                            <m:ctrlPr>
+                                              <a:rPr lang="pt-BR" b="1" i="1">
+                                                <a:latin typeface="Cambria Math" panose="02040503050406030204" pitchFamily="18" charset="0"/>
+                                              </a:rPr>
+                                            </m:ctrlPr>
+                                          </m:dPr>
+                                          <m:e>
+                                            <m:r>
+                                              <a:rPr lang="pt-BR" i="1">
+                                                <a:latin typeface="Cambria Math" panose="02040503050406030204" pitchFamily="18" charset="0"/>
+                                              </a:rPr>
+                                              <m:t>𝑖</m:t>
+                                            </m:r>
+                                          </m:e>
+                                        </m:d>
+                                      </m:e>
+                                    </m:d>
+                                  </m:e>
+                                </m:mr>
+                              </m:m>
+                            </m:e>
+                          </m:d>
+                        </m:e>
+                        <m:sup>
+                          <m:r>
+                            <a:rPr lang="pt-BR" i="1">
+                              <a:latin typeface="Cambria Math" panose="02040503050406030204" pitchFamily="18" charset="0"/>
+                            </a:rPr>
+                            <m:t>𝑇</m:t>
+                          </m:r>
+                        </m:sup>
+                      </m:sSup>
+                      <m:r>
+                        <a:rPr lang="pt-BR" b="1" i="1">
+                          <a:latin typeface="Cambria Math" panose="02040503050406030204" pitchFamily="18" charset="0"/>
+                          <a:ea typeface="Cambria Math" panose="02040503050406030204" pitchFamily="18" charset="0"/>
+                        </a:rPr>
+                        <m:t>∈ </m:t>
+                      </m:r>
+                      <m:sSup>
+                        <m:sSupPr>
+                          <m:ctrlPr>
+                            <a:rPr lang="pt-BR" b="1" i="1">
+                              <a:latin typeface="Cambria Math" panose="02040503050406030204" pitchFamily="18" charset="0"/>
+                              <a:ea typeface="Cambria Math" panose="02040503050406030204" pitchFamily="18" charset="0"/>
+                            </a:rPr>
+                          </m:ctrlPr>
+                        </m:sSupPr>
+                        <m:e>
+                          <m:r>
+                            <a:rPr lang="pt-BR" b="1" i="1">
+                              <a:latin typeface="Cambria Math" panose="02040503050406030204" pitchFamily="18" charset="0"/>
+                              <a:ea typeface="Cambria Math" panose="02040503050406030204" pitchFamily="18" charset="0"/>
+                            </a:rPr>
+                            <m:t>ℝ</m:t>
+                          </m:r>
+                        </m:e>
+                        <m:sup>
+                          <m:r>
+                            <a:rPr lang="pt-BR" i="1">
+                              <a:latin typeface="Cambria Math" panose="02040503050406030204" pitchFamily="18" charset="0"/>
+                              <a:ea typeface="Cambria Math" panose="02040503050406030204" pitchFamily="18" charset="0"/>
+                            </a:rPr>
+                            <m:t>𝑄</m:t>
+                          </m:r>
+                          <m:r>
+                            <a:rPr lang="pt-BR" i="1">
+                              <a:latin typeface="Cambria Math" panose="02040503050406030204" pitchFamily="18" charset="0"/>
+                              <a:ea typeface="Cambria Math" panose="02040503050406030204" pitchFamily="18" charset="0"/>
+                            </a:rPr>
+                            <m:t>×1</m:t>
+                          </m:r>
+                        </m:sup>
+                      </m:sSup>
+                      <m:r>
+                        <a:rPr lang="pt-BR" b="1" i="1">
+                          <a:latin typeface="Cambria Math" panose="02040503050406030204" pitchFamily="18" charset="0"/>
+                          <a:ea typeface="Cambria Math" panose="02040503050406030204" pitchFamily="18" charset="0"/>
+                        </a:rPr>
+                        <m:t>,</m:t>
+                      </m:r>
+                    </m:oMath>
+                  </m:oMathPara>
+                </a14:m>
+                <a:endParaRPr lang="pt-BR" dirty="0"/>
+              </a:p>
+              <a:p>
+                <a:pPr marL="0" indent="0">
+                  <a:buNone/>
+                </a:pPr>
+                <a:r>
+                  <a:rPr lang="pt-BR" dirty="0"/>
+                  <a:t>contendo todas as saídas do regressor </a:t>
+                </a:r>
+                <a:r>
+                  <a:rPr lang="pt-BR" dirty="0" smtClean="0"/>
+                  <a:t>softmax atenda </a:t>
+                </a:r>
+                <a:r>
+                  <a:rPr lang="pt-BR" dirty="0"/>
+                  <a:t>os requisitos de uma </a:t>
                 </a:r>
                 <a:r>
                   <a:rPr lang="pt-BR" b="1" i="1" dirty="0"/>
-                  <a:t>função massa de probabilidade multinomial</a:t>
-                </a:r>
-                <a:r>
-                  <a:rPr lang="pt-BR" dirty="0"/>
-                  <a:t>.</a:t>
-                </a:r>
+                  <a:t>função massa de probabilidade </a:t>
+                </a:r>
+                <a:r>
+                  <a:rPr lang="pt-BR" b="1" i="1" dirty="0" smtClean="0"/>
+                  <a:t>multinomial.</a:t>
+                </a:r>
+                <a:endParaRPr lang="pt-BR" dirty="0"/>
+              </a:p>
+              <a:p>
+                <a:endParaRPr lang="pt-BR" dirty="0"/>
               </a:p>
             </p:txBody>
           </p:sp>
         </mc:Choice>
-        <mc:Fallback xmlns="">
+        <mc:Fallback>
           <p:sp>
             <p:nvSpPr>
-              <p:cNvPr id="3" name="Content Placeholder 2"/>
+              <p:cNvPr id="3" name="Espaço Reservado para Conteúdo 2"/>
               <p:cNvSpPr>
                 <a:spLocks noGrp="1" noRot="1" noChangeAspect="1" noMove="1" noResize="1" noEditPoints="1" noAdjustHandles="1" noChangeArrowheads="1" noChangeShapeType="1" noTextEdit="1"/>
               </p:cNvSpPr>
@@ -10361,13 +10811,13 @@
             </p:nvSpPr>
             <p:spPr>
               <a:xfrm>
-                <a:off x="838199" y="1825624"/>
-                <a:ext cx="11108636" cy="4923046"/>
+                <a:off x="838200" y="1825624"/>
+                <a:ext cx="11058832" cy="5032375"/>
               </a:xfrm>
-              <a:blipFill>
+              <a:blipFill rotWithShape="0">
                 <a:blip r:embed="rId3"/>
                 <a:stretch>
-                  <a:fillRect l="-1262" t="-3218" b="-3342"/>
+                  <a:fillRect l="-1158" t="-3269"/>
                 </a:stretch>
               </a:blipFill>
             </p:spPr>
@@ -10376,7 +10826,7 @@
               <a:lstStyle/>
               <a:p>
                 <a:r>
-                  <a:rPr lang="en-US">
+                  <a:rPr lang="pt-BR">
                     <a:noFill/>
                   </a:rPr>
                   <a:t> </a:t>
@@ -10389,7 +10839,7 @@
     </p:spTree>
     <p:extLst>
       <p:ext uri="{BB962C8B-B14F-4D97-AF65-F5344CB8AC3E}">
-        <p14:creationId xmlns:p14="http://schemas.microsoft.com/office/powerpoint/2010/main" val="1255136052"/>
+        <p14:creationId xmlns:p14="http://schemas.microsoft.com/office/powerpoint/2010/main" val="655152364"/>
       </p:ext>
     </p:extLst>
   </p:cSld>
@@ -10473,8 +10923,8 @@
           </a:prstGeom>
         </p:spPr>
       </p:pic>
-      <mc:AlternateContent xmlns:mc="http://schemas.openxmlformats.org/markup-compatibility/2006" xmlns:a14="http://schemas.microsoft.com/office/drawing/2010/main">
-        <mc:Choice Requires="a14">
+      <mc:AlternateContent xmlns:mc="http://schemas.openxmlformats.org/markup-compatibility/2006">
+        <mc:Choice xmlns:a14="http://schemas.microsoft.com/office/drawing/2010/main" Requires="a14">
           <p:sp>
             <p:nvSpPr>
               <p:cNvPr id="8" name="Content Placeholder 2"/>
@@ -10498,7 +10948,7 @@
               <a:lstStyle/>
               <a:p>
                 <a:r>
-                  <a:rPr lang="pt-BR" dirty="0"/>
+                  <a:rPr lang="pt-BR" dirty="0" smtClean="0"/>
                   <a:t>Após o treinamento, o classificador atribui ao exemplo de entrada, </a:t>
                 </a:r>
                 <a14:m>
@@ -10544,7 +10994,15 @@
                 </a14:m>
                 <a:r>
                   <a:rPr lang="pt-BR" dirty="0"/>
-                  <a:t>, com a maior probabilidade estimada, que é simplesmente a classe com maior valor para </a:t>
+                  <a:t>, com a </a:t>
+                </a:r>
+                <a:r>
+                  <a:rPr lang="pt-BR" b="1" i="1" dirty="0"/>
+                  <a:t>maior probabilidade estimada</a:t>
+                </a:r>
+                <a:r>
+                  <a:rPr lang="pt-BR" dirty="0"/>
+                  <a:t>, que é simplesmente a classe com maior valor para </a:t>
                 </a:r>
                 <a14:m>
                   <m:oMath xmlns:m="http://schemas.openxmlformats.org/officeDocument/2006/math">
@@ -10965,29 +11423,28 @@
                           </a:rPr>
                           <m:t>𝒙</m:t>
                         </m:r>
-                        <m:r>
-                          <a:rPr lang="pt-BR" b="0" i="0" smtClean="0">
-                            <a:latin typeface="Cambria Math" panose="02040503050406030204" pitchFamily="18" charset="0"/>
-                          </a:rPr>
-                          <m:t>(</m:t>
-                        </m:r>
+                        <m:d>
+                          <m:dPr>
+                            <m:ctrlPr>
+                              <a:rPr lang="pt-BR" b="0" i="0" smtClean="0">
+                                <a:latin typeface="Cambria Math" panose="02040503050406030204" pitchFamily="18" charset="0"/>
+                              </a:rPr>
+                            </m:ctrlPr>
+                          </m:dPr>
+                          <m:e>
+                            <m:r>
+                              <a:rPr lang="pt-BR" b="0" i="1" smtClean="0">
+                                <a:latin typeface="Cambria Math" panose="02040503050406030204" pitchFamily="18" charset="0"/>
+                              </a:rPr>
+                              <m:t>𝑖</m:t>
+                            </m:r>
+                          </m:e>
+                        </m:d>
                         <m:r>
                           <a:rPr lang="pt-BR" b="0" i="1" smtClean="0">
                             <a:latin typeface="Cambria Math" panose="02040503050406030204" pitchFamily="18" charset="0"/>
                           </a:rPr>
-                          <m:t>𝑖</m:t>
-                        </m:r>
-                        <m:r>
-                          <a:rPr lang="pt-BR" b="0" i="0" smtClean="0">
-                            <a:latin typeface="Cambria Math" panose="02040503050406030204" pitchFamily="18" charset="0"/>
-                          </a:rPr>
-                          <m:t>)</m:t>
-                        </m:r>
-                        <m:r>
-                          <a:rPr lang="pt-BR" i="1">
-                            <a:latin typeface="Cambria Math" panose="02040503050406030204" pitchFamily="18" charset="0"/>
-                          </a:rPr>
-                          <m:t>;</m:t>
+                          <m:t>,</m:t>
                         </m:r>
                         <m:sSub>
                           <m:sSubPr>
@@ -11266,7 +11723,7 @@
             </p:txBody>
           </p:sp>
         </mc:Choice>
-        <mc:Fallback xmlns="">
+        <mc:Fallback>
           <p:sp>
             <p:nvSpPr>
               <p:cNvPr id="8" name="Content Placeholder 2"/>
@@ -11683,21 +12140,38 @@
             </a:r>
           </a:p>
           <a:p>
-            <a:pPr lvl="1"/>
+            <a:pPr lvl="1">
+              <a:buFont typeface="Wingdings" panose="05000000000000000000" pitchFamily="2" charset="2"/>
+              <a:buChar char="§"/>
+            </a:pPr>
             <a:r>
               <a:rPr lang="pt-BR" dirty="0"/>
-              <a:t>Pode ser baixado do MS Teams ou do GitHub.</a:t>
-            </a:r>
-          </a:p>
-          <a:p>
-            <a:pPr lvl="1"/>
+              <a:t>Pode ser acessado através do link acima (Google </a:t>
+            </a:r>
+            <a:r>
+              <a:rPr lang="pt-BR" dirty="0" err="1"/>
+              <a:t>Colab</a:t>
+            </a:r>
             <a:r>
               <a:rPr lang="pt-BR" dirty="0"/>
-              <a:t>Pode ser respondido através do link acima (na nuvem) ou localmente.</a:t>
-            </a:r>
-          </a:p>
-          <a:p>
-            <a:pPr lvl="1"/>
+              <a:t>) ou no GitHub.</a:t>
+            </a:r>
+          </a:p>
+          <a:p>
+            <a:pPr lvl="1">
+              <a:buFont typeface="Wingdings" panose="05000000000000000000" pitchFamily="2" charset="2"/>
+              <a:buChar char="§"/>
+            </a:pPr>
+            <a:r>
+              <a:rPr lang="pt-BR" dirty="0"/>
+              <a:t>Se atentem aos prazos de entrega.</a:t>
+            </a:r>
+          </a:p>
+          <a:p>
+            <a:pPr lvl="1">
+              <a:buFont typeface="Wingdings" panose="05000000000000000000" pitchFamily="2" charset="2"/>
+              <a:buChar char="§"/>
+            </a:pPr>
             <a:r>
               <a:rPr lang="pt-BR" dirty="0">
                 <a:hlinkClick r:id="rId4"/>
@@ -11710,15 +12184,23 @@
             </a:r>
           </a:p>
           <a:p>
-            <a:pPr lvl="1"/>
+            <a:pPr lvl="1">
+              <a:buFont typeface="Wingdings" panose="05000000000000000000" pitchFamily="2" charset="2"/>
+              <a:buChar char="§"/>
+            </a:pPr>
             <a:r>
               <a:rPr lang="pt-BR" b="1" dirty="0">
                 <a:solidFill>
                   <a:srgbClr val="FF0000"/>
                 </a:solidFill>
               </a:rPr>
-              <a:t>Atividades podem ser feitas em grupo, mas as entregas devem ser individuais.</a:t>
-            </a:r>
+              <a:t>Laboratórios podem ser resolvidos em grupo, mas as entregas devem ser individuais.</a:t>
+            </a:r>
+            <a:endParaRPr lang="pt-BR" b="1" dirty="0">
+              <a:solidFill>
+                <a:srgbClr val="FF0000"/>
+              </a:solidFill>
+            </a:endParaRPr>
           </a:p>
         </p:txBody>
       </p:sp>
@@ -11757,7 +12239,7 @@
           <p:cNvPr id="4" name="Título 1">
             <a:extLst>
               <a:ext uri="{FF2B5EF4-FFF2-40B4-BE49-F238E27FC236}">
-                <a16:creationId xmlns:a16="http://schemas.microsoft.com/office/drawing/2014/main" xmlns="" id="{32666AC8-2E17-4DB4-B0F5-60C640CCFD2E}"/>
+                <a16:creationId xmlns="" xmlns:a16="http://schemas.microsoft.com/office/drawing/2014/main" id="{32666AC8-2E17-4DB4-B0F5-60C640CCFD2E}"/>
               </a:ext>
             </a:extLst>
           </p:cNvPr>
@@ -12027,8 +12509,8 @@
           </a:p>
         </p:txBody>
       </p:sp>
-      <mc:AlternateContent xmlns:mc="http://schemas.openxmlformats.org/markup-compatibility/2006">
-        <mc:Choice xmlns:a14="http://schemas.microsoft.com/office/drawing/2010/main" Requires="a14">
+      <mc:AlternateContent xmlns:mc="http://schemas.openxmlformats.org/markup-compatibility/2006" xmlns:a14="http://schemas.microsoft.com/office/drawing/2010/main">
+        <mc:Choice Requires="a14">
           <p:sp>
             <p:nvSpPr>
               <p:cNvPr id="3" name="Content Placeholder 2"/>
@@ -12239,7 +12721,7 @@
             </p:txBody>
           </p:sp>
         </mc:Choice>
-        <mc:Fallback>
+        <mc:Fallback xmlns="">
           <p:sp>
             <p:nvSpPr>
               <p:cNvPr id="3" name="Content Placeholder 2"/>
@@ -12334,8 +12816,8 @@
           </a:p>
         </p:txBody>
       </p:sp>
-      <mc:AlternateContent xmlns:mc="http://schemas.openxmlformats.org/markup-compatibility/2006">
-        <mc:Choice xmlns:a14="http://schemas.microsoft.com/office/drawing/2010/main" Requires="a14">
+      <mc:AlternateContent xmlns:mc="http://schemas.openxmlformats.org/markup-compatibility/2006" xmlns:a14="http://schemas.microsoft.com/office/drawing/2010/main">
+        <mc:Choice Requires="a14">
           <p:sp>
             <p:nvSpPr>
               <p:cNvPr id="3" name="Content Placeholder 2"/>
@@ -13044,7 +13526,7 @@
             </p:txBody>
           </p:sp>
         </mc:Choice>
-        <mc:Fallback>
+        <mc:Fallback xmlns="">
           <p:sp>
             <p:nvSpPr>
               <p:cNvPr id="3" name="Content Placeholder 2"/>
@@ -14265,8 +14747,8 @@
           </a:p>
         </p:txBody>
       </p:sp>
-      <mc:AlternateContent xmlns:mc="http://schemas.openxmlformats.org/markup-compatibility/2006">
-        <mc:Choice xmlns:a14="http://schemas.microsoft.com/office/drawing/2010/main" Requires="a14">
+      <mc:AlternateContent xmlns:mc="http://schemas.openxmlformats.org/markup-compatibility/2006" xmlns:a14="http://schemas.microsoft.com/office/drawing/2010/main">
+        <mc:Choice Requires="a14">
           <p:sp>
             <p:nvSpPr>
               <p:cNvPr id="5" name="Rectangle 4"/>
@@ -14373,7 +14855,7 @@
             </p:txBody>
           </p:sp>
         </mc:Choice>
-        <mc:Fallback>
+        <mc:Fallback xmlns="">
           <p:sp>
             <p:nvSpPr>
               <p:cNvPr id="5" name="Rectangle 4"/>
@@ -14698,8 +15180,8 @@
           </a:p>
         </p:txBody>
       </p:sp>
-      <mc:AlternateContent xmlns:mc="http://schemas.openxmlformats.org/markup-compatibility/2006">
-        <mc:Choice xmlns:a14="http://schemas.microsoft.com/office/drawing/2010/main" Requires="a14">
+      <mc:AlternateContent xmlns:mc="http://schemas.openxmlformats.org/markup-compatibility/2006" xmlns:a14="http://schemas.microsoft.com/office/drawing/2010/main">
+        <mc:Choice Requires="a14">
           <p:sp>
             <p:nvSpPr>
               <p:cNvPr id="14" name="CaixaDeTexto 13"/>
@@ -14722,6 +15204,7 @@
               </a:bodyPr>
               <a:lstStyle/>
               <a:p>
+                <a:pPr/>
                 <a14:m>
                   <m:oMathPara xmlns:m="http://schemas.openxmlformats.org/officeDocument/2006/math">
                     <m:oMathParaPr>
@@ -14792,7 +15275,7 @@
             </p:txBody>
           </p:sp>
         </mc:Choice>
-        <mc:Fallback>
+        <mc:Fallback xmlns="">
           <p:sp>
             <p:nvSpPr>
               <p:cNvPr id="14" name="CaixaDeTexto 13"/>
@@ -14831,8 +15314,8 @@
           </p:sp>
         </mc:Fallback>
       </mc:AlternateContent>
-      <mc:AlternateContent xmlns:mc="http://schemas.openxmlformats.org/markup-compatibility/2006">
-        <mc:Choice xmlns:a14="http://schemas.microsoft.com/office/drawing/2010/main" Requires="a14">
+      <mc:AlternateContent xmlns:mc="http://schemas.openxmlformats.org/markup-compatibility/2006" xmlns:a14="http://schemas.microsoft.com/office/drawing/2010/main">
+        <mc:Choice Requires="a14">
           <p:sp>
             <p:nvSpPr>
               <p:cNvPr id="15" name="CaixaDeTexto 14"/>
@@ -14855,6 +15338,7 @@
               </a:bodyPr>
               <a:lstStyle/>
               <a:p>
+                <a:pPr/>
                 <a14:m>
                   <m:oMathPara xmlns:m="http://schemas.openxmlformats.org/officeDocument/2006/math">
                     <m:oMathParaPr>
@@ -14925,7 +15409,7 @@
             </p:txBody>
           </p:sp>
         </mc:Choice>
-        <mc:Fallback>
+        <mc:Fallback xmlns="">
           <p:sp>
             <p:nvSpPr>
               <p:cNvPr id="15" name="CaixaDeTexto 14"/>
@@ -14964,8 +15448,8 @@
           </p:sp>
         </mc:Fallback>
       </mc:AlternateContent>
-      <mc:AlternateContent xmlns:mc="http://schemas.openxmlformats.org/markup-compatibility/2006">
-        <mc:Choice xmlns:a14="http://schemas.microsoft.com/office/drawing/2010/main" Requires="a14">
+      <mc:AlternateContent xmlns:mc="http://schemas.openxmlformats.org/markup-compatibility/2006" xmlns:a14="http://schemas.microsoft.com/office/drawing/2010/main">
+        <mc:Choice Requires="a14">
           <p:sp>
             <p:nvSpPr>
               <p:cNvPr id="16" name="CaixaDeTexto 15"/>
@@ -14988,6 +15472,7 @@
               </a:bodyPr>
               <a:lstStyle/>
               <a:p>
+                <a:pPr/>
                 <a14:m>
                   <m:oMathPara xmlns:m="http://schemas.openxmlformats.org/officeDocument/2006/math">
                     <m:oMathParaPr>
@@ -15058,7 +15543,7 @@
             </p:txBody>
           </p:sp>
         </mc:Choice>
-        <mc:Fallback>
+        <mc:Fallback xmlns="">
           <p:sp>
             <p:nvSpPr>
               <p:cNvPr id="16" name="CaixaDeTexto 15"/>
@@ -15137,7 +15622,12 @@
             <p:ph type="title"/>
           </p:nvPr>
         </p:nvSpPr>
-        <p:spPr/>
+        <p:spPr>
+          <a:xfrm>
+            <a:off x="838200" y="365126"/>
+            <a:ext cx="10515600" cy="834410"/>
+          </a:xfrm>
+        </p:spPr>
         <p:txBody>
           <a:bodyPr/>
           <a:lstStyle/>
@@ -15149,8 +15639,8 @@
           </a:p>
         </p:txBody>
       </p:sp>
-      <mc:AlternateContent xmlns:mc="http://schemas.openxmlformats.org/markup-compatibility/2006" xmlns:a14="http://schemas.microsoft.com/office/drawing/2010/main">
-        <mc:Choice Requires="a14">
+      <mc:AlternateContent xmlns:mc="http://schemas.openxmlformats.org/markup-compatibility/2006">
+        <mc:Choice xmlns:a14="http://schemas.microsoft.com/office/drawing/2010/main" Requires="a14">
           <p:sp>
             <p:nvSpPr>
               <p:cNvPr id="3" name="Content Placeholder 2"/>
@@ -15163,13 +15653,13 @@
             </p:nvSpPr>
             <p:spPr>
               <a:xfrm>
-                <a:off x="838200" y="1757384"/>
-                <a:ext cx="11141765" cy="5100616"/>
+                <a:off x="838200" y="1563329"/>
+                <a:ext cx="11141765" cy="5294671"/>
               </a:xfrm>
             </p:spPr>
             <p:txBody>
               <a:bodyPr>
-                <a:normAutofit fontScale="85000" lnSpcReduction="10000"/>
+                <a:normAutofit fontScale="92500" lnSpcReduction="20000"/>
               </a:bodyPr>
               <a:lstStyle/>
               <a:p>
@@ -15193,13 +15683,29 @@
                 </a:pPr>
                 <a:r>
                   <a:rPr lang="pt-BR" dirty="0"/>
-                  <a:t>Pois as saídas podem ser interpretadas como as probabilidades de uma variável categoricamente distribuída (as classes) dado um conjunto de variáveis (atributos).</a:t>
+                  <a:t>Pois as saídas </a:t>
+                </a:r>
+                <a:r>
+                  <a:rPr lang="pt-BR" dirty="0" smtClean="0"/>
+                  <a:t>do regressor podem </a:t>
+                </a:r>
+                <a:r>
+                  <a:rPr lang="pt-BR" dirty="0"/>
+                  <a:t>ser interpretadas como as probabilidades de uma variável categoricamente distribuída (as classes) dado um conjunto de variáveis (atributos).</a:t>
                 </a:r>
               </a:p>
               <a:p>
                 <a:r>
                   <a:rPr lang="pt-BR" dirty="0"/>
-                  <a:t>É uma generalização do regressor logístico para problemas com múltiplas classes.</a:t>
+                  <a:t>É uma generalização do regressor logístico para problemas com </a:t>
+                </a:r>
+                <a:r>
+                  <a:rPr lang="pt-BR" b="1" i="1" dirty="0"/>
+                  <a:t>múltiplas classes</a:t>
+                </a:r>
+                <a:r>
+                  <a:rPr lang="pt-BR" dirty="0"/>
+                  <a:t>.</a:t>
                 </a:r>
               </a:p>
               <a:p>
@@ -15296,23 +15802,86 @@
                 </a:r>
                 <a:r>
                   <a:rPr lang="pt-BR" b="1" i="1" dirty="0"/>
-                  <a:t>classes mutuamente exclusivas</a:t>
-                </a:r>
-                <a:r>
-                  <a:rPr lang="pt-BR" dirty="0"/>
-                  <a:t>, como por exemplo diferentes tipos de plantas, dígitos, categorias de notícias, etc. </a:t>
+                  <a:t>classes mutuamente </a:t>
+                </a:r>
+                <a:r>
+                  <a:rPr lang="pt-BR" b="1" i="1" dirty="0" smtClean="0"/>
+                  <a:t>exclusivas </a:t>
+                </a:r>
+                <a:r>
+                  <a:rPr lang="pt-BR" dirty="0" smtClean="0"/>
+                  <a:t>como </a:t>
+                </a:r>
+                <a:r>
+                  <a:rPr lang="pt-BR" dirty="0"/>
+                  <a:t>por exemplo diferentes tipos de plantas, dígitos, categorias de notícias, etc</a:t>
+                </a:r>
+                <a:r>
+                  <a:rPr lang="pt-BR" dirty="0" smtClean="0"/>
+                  <a:t>.</a:t>
                 </a:r>
               </a:p>
               <a:p>
-                <a:r>
-                  <a:rPr lang="pt-BR" dirty="0"/>
-                  <a:t>Portanto, não podemos usá-lo para classificar vários objetos em uma foto, por exemplo.</a:t>
-                </a:r>
+                <a:pPr lvl="1">
+                  <a:buFont typeface="Wingdings" panose="05000000000000000000" pitchFamily="2" charset="2"/>
+                  <a:buChar char="§"/>
+                </a:pPr>
+                <a:r>
+                  <a:rPr lang="pt-BR" b="1" i="1" dirty="0" smtClean="0"/>
+                  <a:t>Classes </a:t>
+                </a:r>
+                <a:r>
+                  <a:rPr lang="pt-BR" b="1" i="1" dirty="0"/>
+                  <a:t>mutuamente </a:t>
+                </a:r>
+                <a:r>
+                  <a:rPr lang="pt-BR" b="1" i="1" dirty="0" smtClean="0"/>
+                  <a:t>exclusivas</a:t>
+                </a:r>
+                <a:r>
+                  <a:rPr lang="pt-BR" dirty="0" smtClean="0"/>
+                  <a:t>: exemplos devem pertencer </a:t>
+                </a:r>
+                <a:r>
+                  <a:rPr lang="pt-BR" dirty="0"/>
+                  <a:t>a </a:t>
+                </a:r>
+                <a:r>
+                  <a:rPr lang="pt-BR" dirty="0" smtClean="0"/>
+                  <a:t>apenas uma </a:t>
+                </a:r>
+                <a:r>
+                  <a:rPr lang="pt-BR" dirty="0"/>
+                  <a:t>das </a:t>
+                </a:r>
+                <a14:m>
+                  <m:oMath xmlns:m="http://schemas.openxmlformats.org/officeDocument/2006/math">
+                    <m:r>
+                      <a:rPr lang="pt-BR" i="1">
+                        <a:latin typeface="Cambria Math" panose="02040503050406030204" pitchFamily="18" charset="0"/>
+                      </a:rPr>
+                      <m:t>𝑄</m:t>
+                    </m:r>
+                  </m:oMath>
+                </a14:m>
+                <a:r>
+                  <a:rPr lang="pt-BR" dirty="0" smtClean="0"/>
+                  <a:t> classes</a:t>
+                </a:r>
+                <a:r>
+                  <a:rPr lang="pt-BR" dirty="0"/>
+                  <a:t>.</a:t>
+                </a:r>
+                <a:endParaRPr lang="pt-BR" dirty="0"/>
               </a:p>
               <a:p>
                 <a:r>
-                  <a:rPr lang="pt-BR" dirty="0"/>
-                  <a:t>Para termos um </a:t>
+                  <a:rPr lang="pt-BR" dirty="0" smtClean="0"/>
+                  <a:t>Para </a:t>
+                </a:r>
+                <a:r>
+                  <a:rPr lang="pt-BR" dirty="0"/>
+                  <a:t>termos um </a:t>
                 </a:r>
                 <a:r>
                   <a:rPr lang="pt-BR" b="1" i="1" dirty="0"/>
@@ -15411,7 +15980,11 @@
                 </a14:m>
                 <a:r>
                   <a:rPr lang="pt-BR" dirty="0"/>
-                  <a:t>, e um </a:t>
+                  <a:t>, e </a:t>
+                </a:r>
+                <a:r>
+                  <a:rPr lang="pt-BR" dirty="0" smtClean="0"/>
+                  <a:t>uma </a:t>
                 </a:r>
                 <a:r>
                   <a:rPr lang="pt-BR" b="1" i="1" dirty="0"/>
@@ -15508,7 +16081,7 @@
             </p:txBody>
           </p:sp>
         </mc:Choice>
-        <mc:Fallback xmlns="">
+        <mc:Fallback>
           <p:sp>
             <p:nvSpPr>
               <p:cNvPr id="3" name="Content Placeholder 2"/>
@@ -15521,13 +16094,13 @@
             </p:nvSpPr>
             <p:spPr>
               <a:xfrm>
-                <a:off x="838200" y="1757384"/>
-                <a:ext cx="11141765" cy="5100616"/>
+                <a:off x="838200" y="1563329"/>
+                <a:ext cx="11141765" cy="5294671"/>
               </a:xfrm>
-              <a:blipFill>
+              <a:blipFill rotWithShape="0">
                 <a:blip r:embed="rId3"/>
                 <a:stretch>
-                  <a:fillRect l="-766" t="-2270" r="-274"/>
+                  <a:fillRect l="-876" t="-2877" r="-1259" b="-3222"/>
                 </a:stretch>
               </a:blipFill>
             </p:spPr>
@@ -15536,7 +16109,7 @@
               <a:lstStyle/>
               <a:p>
                 <a:r>
-                  <a:rPr lang="en-US">
+                  <a:rPr lang="pt-BR">
                     <a:noFill/>
                   </a:rPr>
                   <a:t> </a:t>
@@ -15581,7 +16154,7 @@
           <p:cNvPr id="2" name="Título 1">
             <a:extLst>
               <a:ext uri="{FF2B5EF4-FFF2-40B4-BE49-F238E27FC236}">
-                <a16:creationId xmlns:a16="http://schemas.microsoft.com/office/drawing/2014/main" xmlns="" id="{890D7195-61EC-4142-8041-DD35C2AB1914}"/>
+                <a16:creationId xmlns="" xmlns:a16="http://schemas.microsoft.com/office/drawing/2014/main" id="{890D7195-61EC-4142-8041-DD35C2AB1914}"/>
               </a:ext>
             </a:extLst>
           </p:cNvPr>
@@ -15605,14 +16178,14 @@
           </a:p>
         </p:txBody>
       </p:sp>
-      <mc:AlternateContent xmlns:mc="http://schemas.openxmlformats.org/markup-compatibility/2006" xmlns:a14="http://schemas.microsoft.com/office/drawing/2010/main">
-        <mc:Choice Requires="a14">
+      <mc:AlternateContent xmlns:mc="http://schemas.openxmlformats.org/markup-compatibility/2006">
+        <mc:Choice xmlns:a14="http://schemas.microsoft.com/office/drawing/2010/main" Requires="a14">
           <p:sp>
             <p:nvSpPr>
               <p:cNvPr id="3" name="Espaço Reservado para Conteúdo 2">
                 <a:extLst>
                   <a:ext uri="{FF2B5EF4-FFF2-40B4-BE49-F238E27FC236}">
-                    <a16:creationId xmlns:a16="http://schemas.microsoft.com/office/drawing/2014/main" xmlns="" id="{807ECEFA-6ED0-44F3-ABEA-8272FEB2FF63}"/>
+                    <a16:creationId xmlns="" xmlns:a16="http://schemas.microsoft.com/office/drawing/2014/main" id="{807ECEFA-6ED0-44F3-ABEA-8272FEB2FF63}"/>
                   </a:ext>
                 </a:extLst>
               </p:cNvPr>
@@ -15631,12 +16204,12 @@
             </p:spPr>
             <p:txBody>
               <a:bodyPr>
-                <a:normAutofit fontScale="77500" lnSpcReduction="20000"/>
+                <a:normAutofit fontScale="85000" lnSpcReduction="20000"/>
               </a:bodyPr>
               <a:lstStyle/>
               <a:p>
                 <a:r>
-                  <a:rPr lang="pt-BR" dirty="0"/>
+                  <a:rPr lang="pt-BR" dirty="0" smtClean="0"/>
                   <a:t>A </a:t>
                 </a:r>
                 <a:r>
@@ -15873,7 +16446,7 @@
                     </m:oMathParaPr>
                     <m:oMath xmlns:m="http://schemas.openxmlformats.org/officeDocument/2006/math">
                       <m:r>
-                        <a:rPr lang="pt-BR" i="1">
+                        <a:rPr lang="pt-BR" sz="2400" i="1">
                           <a:latin typeface="Cambria Math" panose="02040503050406030204" pitchFamily="18" charset="0"/>
                         </a:rPr>
                         <m:t>𝑃</m:t>
@@ -15881,7 +16454,7 @@
                       <m:d>
                         <m:dPr>
                           <m:ctrlPr>
-                            <a:rPr lang="pt-BR" i="1">
+                            <a:rPr lang="pt-BR" sz="2400" i="1">
                               <a:latin typeface="Cambria Math" panose="02040503050406030204" pitchFamily="18" charset="0"/>
                             </a:rPr>
                           </m:ctrlPr>
@@ -15890,14 +16463,14 @@
                           <m:sSub>
                             <m:sSubPr>
                               <m:ctrlPr>
-                                <a:rPr lang="pt-BR" i="1">
+                                <a:rPr lang="pt-BR" sz="2400" i="1">
                                   <a:latin typeface="Cambria Math" panose="02040503050406030204" pitchFamily="18" charset="0"/>
                                 </a:rPr>
                               </m:ctrlPr>
                             </m:sSubPr>
                             <m:e>
                               <m:r>
-                                <a:rPr lang="pt-BR" i="1">
+                                <a:rPr lang="pt-BR" sz="2400" i="1">
                                   <a:latin typeface="Cambria Math" panose="02040503050406030204" pitchFamily="18" charset="0"/>
                                 </a:rPr>
                                 <m:t>𝐶</m:t>
@@ -15905,7 +16478,7 @@
                             </m:e>
                             <m:sub>
                               <m:r>
-                                <a:rPr lang="pt-BR" i="1">
+                                <a:rPr lang="pt-BR" sz="2400" i="1">
                                   <a:latin typeface="Cambria Math" panose="02040503050406030204" pitchFamily="18" charset="0"/>
                                 </a:rPr>
                                 <m:t>𝑞</m:t>
@@ -15913,39 +16486,81 @@
                             </m:sub>
                           </m:sSub>
                           <m:r>
-                            <a:rPr lang="pt-BR" i="1">
+                            <a:rPr lang="pt-BR" sz="2400" b="0" i="1" smtClean="0">
                               <a:latin typeface="Cambria Math" panose="02040503050406030204" pitchFamily="18" charset="0"/>
                             </a:rPr>
-                            <m:t> |</m:t>
+                            <m:t> </m:t>
                           </m:r>
                           <m:r>
-                            <a:rPr lang="pt-BR" b="1" i="1">
+                            <a:rPr lang="pt-BR" sz="2400" i="1">
+                              <a:latin typeface="Cambria Math" panose="02040503050406030204" pitchFamily="18" charset="0"/>
+                            </a:rPr>
+                            <m:t>|</m:t>
+                          </m:r>
+                          <m:r>
+                            <a:rPr lang="pt-BR" sz="2400" b="0" i="1" smtClean="0">
+                              <a:latin typeface="Cambria Math" panose="02040503050406030204" pitchFamily="18" charset="0"/>
+                            </a:rPr>
+                            <m:t> </m:t>
+                          </m:r>
+                          <m:r>
+                            <a:rPr lang="pt-BR" sz="2400" b="1" i="1">
                               <a:latin typeface="Cambria Math" panose="02040503050406030204" pitchFamily="18" charset="0"/>
                             </a:rPr>
                             <m:t>𝒙</m:t>
                           </m:r>
+                          <m:d>
+                            <m:dPr>
+                              <m:ctrlPr>
+                                <a:rPr lang="pt-BR" sz="2400" b="1" i="1">
+                                  <a:latin typeface="Cambria Math" panose="02040503050406030204" pitchFamily="18" charset="0"/>
+                                </a:rPr>
+                              </m:ctrlPr>
+                            </m:dPr>
+                            <m:e>
+                              <m:r>
+                                <a:rPr lang="pt-BR" sz="2400" i="1">
+                                  <a:latin typeface="Cambria Math" panose="02040503050406030204" pitchFamily="18" charset="0"/>
+                                </a:rPr>
+                                <m:t>𝑖</m:t>
+                              </m:r>
+                            </m:e>
+                          </m:d>
                           <m:r>
-                            <a:rPr lang="pt-BR" i="1">
+                            <a:rPr lang="pt-BR" sz="2400" b="0" i="1" smtClean="0">
                               <a:latin typeface="Cambria Math" panose="02040503050406030204" pitchFamily="18" charset="0"/>
                             </a:rPr>
-                            <m:t>(</m:t>
+                            <m:t>,</m:t>
                           </m:r>
-                          <m:r>
-                            <a:rPr lang="pt-BR" i="1">
-                              <a:latin typeface="Cambria Math" panose="02040503050406030204" pitchFamily="18" charset="0"/>
-                            </a:rPr>
-                            <m:t>𝑖</m:t>
-                          </m:r>
-                          <m:r>
-                            <a:rPr lang="pt-BR" i="1">
-                              <a:latin typeface="Cambria Math" panose="02040503050406030204" pitchFamily="18" charset="0"/>
-                            </a:rPr>
-                            <m:t>)</m:t>
-                          </m:r>
+                          <m:sSub>
+                            <m:sSubPr>
+                              <m:ctrlPr>
+                                <a:rPr lang="pt-BR" sz="2400" i="1">
+                                  <a:latin typeface="Cambria Math" panose="02040503050406030204" pitchFamily="18" charset="0"/>
+                                </a:rPr>
+                              </m:ctrlPr>
+                            </m:sSubPr>
+                            <m:e>
+                              <m:r>
+                                <a:rPr lang="pt-BR" sz="2400" b="1" i="1">
+                                  <a:latin typeface="Cambria Math" panose="02040503050406030204" pitchFamily="18" charset="0"/>
+                                </a:rPr>
+                                <m:t>𝒂</m:t>
+                              </m:r>
+                            </m:e>
+                            <m:sub>
+                              <m:r>
+                                <a:rPr lang="pt-BR" sz="2400" b="0" i="1" smtClean="0">
+                                  <a:latin typeface="Cambria Math" panose="02040503050406030204" pitchFamily="18" charset="0"/>
+                                </a:rPr>
+                                <m:t>𝑞</m:t>
+                              </m:r>
+                            </m:sub>
+                          </m:sSub>
                         </m:e>
                       </m:d>
                       <m:r>
-                        <a:rPr lang="pt-BR" i="1">
+                        <a:rPr lang="pt-BR" sz="2400" i="1">
                           <a:latin typeface="Cambria Math" panose="02040503050406030204" pitchFamily="18" charset="0"/>
                         </a:rPr>
                         <m:t>=</m:t>
@@ -15953,14 +16568,14 @@
                       <m:sSubSup>
                         <m:sSubSupPr>
                           <m:ctrlPr>
-                            <a:rPr lang="pt-BR" b="1" i="1">
+                            <a:rPr lang="pt-BR" sz="2400" b="1" i="1">
                               <a:latin typeface="Cambria Math" panose="02040503050406030204" pitchFamily="18" charset="0"/>
                             </a:rPr>
                           </m:ctrlPr>
                         </m:sSubSupPr>
                         <m:e>
                           <m:r>
-                            <a:rPr lang="pt-BR" i="1">
+                            <a:rPr lang="pt-BR" sz="2400" i="1">
                               <a:latin typeface="Cambria Math" panose="02040503050406030204" pitchFamily="18" charset="0"/>
                             </a:rPr>
                             <m:t>h</m:t>
@@ -15968,7 +16583,7 @@
                         </m:e>
                         <m:sub>
                           <m:r>
-                            <a:rPr lang="pt-BR" b="1" i="1">
+                            <a:rPr lang="pt-BR" sz="2400" b="1" i="1">
                               <a:latin typeface="Cambria Math" panose="02040503050406030204" pitchFamily="18" charset="0"/>
                             </a:rPr>
                             <m:t>𝒂</m:t>
@@ -15976,7 +16591,7 @@
                         </m:sub>
                         <m:sup>
                           <m:r>
-                            <a:rPr lang="pt-BR" i="1">
+                            <a:rPr lang="pt-BR" sz="2400" i="1">
                               <a:latin typeface="Cambria Math" panose="02040503050406030204" pitchFamily="18" charset="0"/>
                             </a:rPr>
                             <m:t>𝑞</m:t>
@@ -15986,14 +16601,14 @@
                       <m:d>
                         <m:dPr>
                           <m:ctrlPr>
-                            <a:rPr lang="pt-BR" i="1">
+                            <a:rPr lang="pt-BR" sz="2400" i="1">
                               <a:latin typeface="Cambria Math" panose="02040503050406030204" pitchFamily="18" charset="0"/>
                             </a:rPr>
                           </m:ctrlPr>
                         </m:dPr>
                         <m:e>
                           <m:r>
-                            <a:rPr lang="pt-BR" b="1" i="1">
+                            <a:rPr lang="pt-BR" sz="2400" b="1" i="1">
                               <a:latin typeface="Cambria Math" panose="02040503050406030204" pitchFamily="18" charset="0"/>
                             </a:rPr>
                             <m:t>𝒙</m:t>
@@ -16001,14 +16616,14 @@
                           <m:d>
                             <m:dPr>
                               <m:ctrlPr>
-                                <a:rPr lang="pt-BR" b="1" i="1">
+                                <a:rPr lang="pt-BR" sz="2400" b="1" i="1">
                                   <a:latin typeface="Cambria Math" panose="02040503050406030204" pitchFamily="18" charset="0"/>
                                 </a:rPr>
                               </m:ctrlPr>
                             </m:dPr>
                             <m:e>
                               <m:r>
-                                <a:rPr lang="pt-BR" i="1">
+                                <a:rPr lang="pt-BR" sz="2400" i="1">
                                   <a:latin typeface="Cambria Math" panose="02040503050406030204" pitchFamily="18" charset="0"/>
                                 </a:rPr>
                                 <m:t>𝑖</m:t>
@@ -16018,7 +16633,7 @@
                         </m:e>
                       </m:d>
                       <m:r>
-                        <a:rPr lang="pt-BR" b="1" i="1">
+                        <a:rPr lang="pt-BR" sz="2400" b="1" i="1">
                           <a:latin typeface="Cambria Math" panose="02040503050406030204" pitchFamily="18" charset="0"/>
                         </a:rPr>
                         <m:t>=</m:t>
@@ -16026,7 +16641,7 @@
                       <m:f>
                         <m:fPr>
                           <m:ctrlPr>
-                            <a:rPr lang="pt-BR" b="1" i="1">
+                            <a:rPr lang="pt-BR" sz="2400" b="1" i="1">
                               <a:latin typeface="Cambria Math" panose="02040503050406030204" pitchFamily="18" charset="0"/>
                             </a:rPr>
                           </m:ctrlPr>
@@ -16035,14 +16650,14 @@
                           <m:sSup>
                             <m:sSupPr>
                               <m:ctrlPr>
-                                <a:rPr lang="pt-BR" b="1" i="1">
+                                <a:rPr lang="pt-BR" sz="2400" b="1" i="1">
                                   <a:latin typeface="Cambria Math" panose="02040503050406030204" pitchFamily="18" charset="0"/>
                                 </a:rPr>
                               </m:ctrlPr>
                             </m:sSupPr>
                             <m:e>
                               <m:r>
-                                <a:rPr lang="pt-BR" i="1">
+                                <a:rPr lang="pt-BR" sz="2400" i="1">
                                   <a:latin typeface="Cambria Math" panose="02040503050406030204" pitchFamily="18" charset="0"/>
                                 </a:rPr>
                                 <m:t>𝑒</m:t>
@@ -16052,14 +16667,14 @@
                               <m:sSub>
                                 <m:sSubPr>
                                   <m:ctrlPr>
-                                    <a:rPr lang="pt-BR" i="1">
+                                    <a:rPr lang="pt-BR" sz="2400" i="1">
                                       <a:latin typeface="Cambria Math" panose="02040503050406030204" pitchFamily="18" charset="0"/>
                                     </a:rPr>
                                   </m:ctrlPr>
                                 </m:sSubPr>
                                 <m:e>
                                   <m:r>
-                                    <a:rPr lang="pt-BR" i="1">
+                                    <a:rPr lang="pt-BR" sz="2400" i="1">
                                       <a:latin typeface="Cambria Math" panose="02040503050406030204" pitchFamily="18" charset="0"/>
                                     </a:rPr>
                                     <m:t>𝑔</m:t>
@@ -16067,7 +16682,7 @@
                                 </m:e>
                                 <m:sub>
                                   <m:r>
-                                    <a:rPr lang="pt-BR" i="1">
+                                    <a:rPr lang="pt-BR" sz="2400" i="1">
                                       <a:latin typeface="Cambria Math" panose="02040503050406030204" pitchFamily="18" charset="0"/>
                                     </a:rPr>
                                     <m:t>𝑞</m:t>
@@ -16075,37 +16690,37 @@
                                 </m:sub>
                               </m:sSub>
                               <m:r>
-                                <a:rPr lang="pt-BR" b="1" i="1">
+                                <a:rPr lang="pt-BR" sz="2400" b="1" i="1">
                                   <a:latin typeface="Cambria Math" panose="02040503050406030204" pitchFamily="18" charset="0"/>
                                 </a:rPr>
                                 <m:t>(</m:t>
                               </m:r>
                               <m:r>
-                                <a:rPr lang="pt-BR" b="1" i="1">
+                                <a:rPr lang="pt-BR" sz="2400" b="1" i="1">
                                   <a:latin typeface="Cambria Math" panose="02040503050406030204" pitchFamily="18" charset="0"/>
                                 </a:rPr>
                                 <m:t>𝒙</m:t>
                               </m:r>
                               <m:r>
-                                <a:rPr lang="pt-BR" i="1">
+                                <a:rPr lang="pt-BR" sz="2400" i="1">
                                   <a:latin typeface="Cambria Math" panose="02040503050406030204" pitchFamily="18" charset="0"/>
                                 </a:rPr>
                                 <m:t>(</m:t>
                               </m:r>
                               <m:r>
-                                <a:rPr lang="pt-BR" i="1">
+                                <a:rPr lang="pt-BR" sz="2400" i="1">
                                   <a:latin typeface="Cambria Math" panose="02040503050406030204" pitchFamily="18" charset="0"/>
                                 </a:rPr>
                                 <m:t>𝑖</m:t>
                               </m:r>
                               <m:r>
-                                <a:rPr lang="pt-BR" i="1">
+                                <a:rPr lang="pt-BR" sz="2400" i="1">
                                   <a:latin typeface="Cambria Math" panose="02040503050406030204" pitchFamily="18" charset="0"/>
                                 </a:rPr>
                                 <m:t>)</m:t>
                               </m:r>
                               <m:r>
-                                <a:rPr lang="pt-BR" b="1" i="1">
+                                <a:rPr lang="pt-BR" sz="2400" b="1" i="1">
                                   <a:latin typeface="Cambria Math" panose="02040503050406030204" pitchFamily="18" charset="0"/>
                                 </a:rPr>
                                 <m:t>)</m:t>
@@ -16118,20 +16733,20 @@
                             <m:naryPr>
                               <m:chr m:val="∑"/>
                               <m:ctrlPr>
-                                <a:rPr lang="pt-BR" b="1" i="1">
+                                <a:rPr lang="pt-BR" sz="2400" b="1" i="1">
                                   <a:latin typeface="Cambria Math" panose="02040503050406030204" pitchFamily="18" charset="0"/>
                                 </a:rPr>
                               </m:ctrlPr>
                             </m:naryPr>
                             <m:sub>
                               <m:r>
-                                <a:rPr lang="pt-BR" i="1">
+                                <a:rPr lang="pt-BR" sz="2400" i="1">
                                   <a:latin typeface="Cambria Math" panose="02040503050406030204" pitchFamily="18" charset="0"/>
                                 </a:rPr>
                                 <m:t>𝑗</m:t>
                               </m:r>
                               <m:r>
-                                <a:rPr lang="pt-BR" i="1">
+                                <a:rPr lang="pt-BR" sz="2400" i="1">
                                   <a:latin typeface="Cambria Math" panose="02040503050406030204" pitchFamily="18" charset="0"/>
                                 </a:rPr>
                                 <m:t>=1</m:t>
@@ -16139,7 +16754,7 @@
                             </m:sub>
                             <m:sup>
                               <m:r>
-                                <a:rPr lang="pt-BR" i="1">
+                                <a:rPr lang="pt-BR" sz="2400" i="1">
                                   <a:latin typeface="Cambria Math" panose="02040503050406030204" pitchFamily="18" charset="0"/>
                                 </a:rPr>
                                 <m:t>𝑄</m:t>
@@ -16149,14 +16764,14 @@
                               <m:sSup>
                                 <m:sSupPr>
                                   <m:ctrlPr>
-                                    <a:rPr lang="pt-BR" b="1" i="1">
+                                    <a:rPr lang="pt-BR" sz="2400" b="1" i="1">
                                       <a:latin typeface="Cambria Math" panose="02040503050406030204" pitchFamily="18" charset="0"/>
                                     </a:rPr>
                                   </m:ctrlPr>
                                 </m:sSupPr>
                                 <m:e>
                                   <m:r>
-                                    <a:rPr lang="pt-BR" i="1">
+                                    <a:rPr lang="pt-BR" sz="2400" i="1">
                                       <a:latin typeface="Cambria Math" panose="02040503050406030204" pitchFamily="18" charset="0"/>
                                     </a:rPr>
                                     <m:t>𝑒</m:t>
@@ -16166,14 +16781,14 @@
                                   <m:sSub>
                                     <m:sSubPr>
                                       <m:ctrlPr>
-                                        <a:rPr lang="pt-BR" i="1">
+                                        <a:rPr lang="pt-BR" sz="2400" i="1">
                                           <a:latin typeface="Cambria Math" panose="02040503050406030204" pitchFamily="18" charset="0"/>
                                         </a:rPr>
                                       </m:ctrlPr>
                                     </m:sSubPr>
                                     <m:e>
                                       <m:r>
-                                        <a:rPr lang="pt-BR" i="1">
+                                        <a:rPr lang="pt-BR" sz="2400" i="1">
                                           <a:latin typeface="Cambria Math" panose="02040503050406030204" pitchFamily="18" charset="0"/>
                                         </a:rPr>
                                         <m:t>𝑔</m:t>
@@ -16181,7 +16796,7 @@
                                     </m:e>
                                     <m:sub>
                                       <m:r>
-                                        <a:rPr lang="pt-BR" i="1">
+                                        <a:rPr lang="pt-BR" sz="2400" i="1">
                                           <a:latin typeface="Cambria Math" panose="02040503050406030204" pitchFamily="18" charset="0"/>
                                         </a:rPr>
                                         <m:t>𝑗</m:t>
@@ -16189,37 +16804,37 @@
                                     </m:sub>
                                   </m:sSub>
                                   <m:r>
-                                    <a:rPr lang="pt-BR" b="1" i="1">
+                                    <a:rPr lang="pt-BR" sz="2400" b="1" i="1">
                                       <a:latin typeface="Cambria Math" panose="02040503050406030204" pitchFamily="18" charset="0"/>
                                     </a:rPr>
                                     <m:t>(</m:t>
                                   </m:r>
                                   <m:r>
-                                    <a:rPr lang="pt-BR" b="1" i="1">
+                                    <a:rPr lang="pt-BR" sz="2400" b="1" i="1">
                                       <a:latin typeface="Cambria Math" panose="02040503050406030204" pitchFamily="18" charset="0"/>
                                     </a:rPr>
                                     <m:t>𝒙</m:t>
                                   </m:r>
                                   <m:r>
-                                    <a:rPr lang="pt-BR" i="1">
+                                    <a:rPr lang="pt-BR" sz="2400" i="1">
                                       <a:latin typeface="Cambria Math" panose="02040503050406030204" pitchFamily="18" charset="0"/>
                                     </a:rPr>
                                     <m:t>(</m:t>
                                   </m:r>
                                   <m:r>
-                                    <a:rPr lang="pt-BR" i="1">
+                                    <a:rPr lang="pt-BR" sz="2400" i="1">
                                       <a:latin typeface="Cambria Math" panose="02040503050406030204" pitchFamily="18" charset="0"/>
                                     </a:rPr>
                                     <m:t>𝑖</m:t>
                                   </m:r>
                                   <m:r>
-                                    <a:rPr lang="pt-BR" i="1">
+                                    <a:rPr lang="pt-BR" sz="2400" i="1">
                                       <a:latin typeface="Cambria Math" panose="02040503050406030204" pitchFamily="18" charset="0"/>
                                     </a:rPr>
                                     <m:t>)</m:t>
                                   </m:r>
                                   <m:r>
-                                    <a:rPr lang="pt-BR" b="1" i="1">
+                                    <a:rPr lang="pt-BR" sz="2400" b="1" i="1">
                                       <a:latin typeface="Cambria Math" panose="02040503050406030204" pitchFamily="18" charset="0"/>
                                     </a:rPr>
                                     <m:t>)</m:t>
@@ -16231,7 +16846,7 @@
                         </m:den>
                       </m:f>
                       <m:r>
-                        <a:rPr lang="pt-BR" b="1" i="1">
+                        <a:rPr lang="pt-BR" sz="2400" b="1" i="1">
                           <a:latin typeface="Cambria Math" panose="02040503050406030204" pitchFamily="18" charset="0"/>
                         </a:rPr>
                         <m:t>=</m:t>
@@ -16239,7 +16854,7 @@
                       <m:f>
                         <m:fPr>
                           <m:ctrlPr>
-                            <a:rPr lang="pt-BR" b="1" i="1">
+                            <a:rPr lang="pt-BR" sz="2400" b="1" i="1">
                               <a:latin typeface="Cambria Math" panose="02040503050406030204" pitchFamily="18" charset="0"/>
                             </a:rPr>
                           </m:ctrlPr>
@@ -16248,14 +16863,14 @@
                           <m:sSup>
                             <m:sSupPr>
                               <m:ctrlPr>
-                                <a:rPr lang="pt-BR" b="1" i="1">
+                                <a:rPr lang="pt-BR" sz="2400" b="1" i="1">
                                   <a:latin typeface="Cambria Math" panose="02040503050406030204" pitchFamily="18" charset="0"/>
                                 </a:rPr>
                               </m:ctrlPr>
                             </m:sSupPr>
                             <m:e>
                               <m:r>
-                                <a:rPr lang="pt-BR" i="1">
+                                <a:rPr lang="pt-BR" sz="2400" i="1">
                                   <a:latin typeface="Cambria Math" panose="02040503050406030204" pitchFamily="18" charset="0"/>
                                 </a:rPr>
                                 <m:t>𝑒</m:t>
@@ -16265,14 +16880,14 @@
                               <m:sSup>
                                 <m:sSupPr>
                                   <m:ctrlPr>
-                                    <a:rPr lang="pt-BR" i="1">
+                                    <a:rPr lang="pt-BR" sz="2400" i="1">
                                       <a:latin typeface="Cambria Math" panose="02040503050406030204" pitchFamily="18" charset="0"/>
                                     </a:rPr>
                                   </m:ctrlPr>
                                 </m:sSupPr>
                                 <m:e>
                                   <m:r>
-                                    <a:rPr lang="pt-BR" b="1" i="1">
+                                    <a:rPr lang="pt-BR" sz="2400" b="1" i="1">
                                       <a:latin typeface="Cambria Math" panose="02040503050406030204" pitchFamily="18" charset="0"/>
                                     </a:rPr>
                                     <m:t>𝒙</m:t>
@@ -16280,14 +16895,14 @@
                                   <m:d>
                                     <m:dPr>
                                       <m:ctrlPr>
-                                        <a:rPr lang="pt-BR" b="1" i="1">
+                                        <a:rPr lang="pt-BR" sz="2400" b="1" i="1">
                                           <a:latin typeface="Cambria Math" panose="02040503050406030204" pitchFamily="18" charset="0"/>
                                         </a:rPr>
                                       </m:ctrlPr>
                                     </m:dPr>
                                     <m:e>
                                       <m:r>
-                                        <a:rPr lang="pt-BR" i="1">
+                                        <a:rPr lang="pt-BR" sz="2400" i="1">
                                           <a:latin typeface="Cambria Math" panose="02040503050406030204" pitchFamily="18" charset="0"/>
                                         </a:rPr>
                                         <m:t>𝑖</m:t>
@@ -16297,7 +16912,7 @@
                                 </m:e>
                                 <m:sup>
                                   <m:r>
-                                    <a:rPr lang="pt-BR" i="1">
+                                    <a:rPr lang="pt-BR" sz="2400" i="1">
                                       <a:latin typeface="Cambria Math" panose="02040503050406030204" pitchFamily="18" charset="0"/>
                                     </a:rPr>
                                     <m:t>𝑇</m:t>
@@ -16307,14 +16922,14 @@
                               <m:sSub>
                                 <m:sSubPr>
                                   <m:ctrlPr>
-                                    <a:rPr lang="pt-BR" b="1" i="1">
+                                    <a:rPr lang="pt-BR" sz="2400" b="1" i="1">
                                       <a:latin typeface="Cambria Math" panose="02040503050406030204" pitchFamily="18" charset="0"/>
                                     </a:rPr>
                                   </m:ctrlPr>
                                 </m:sSubPr>
                                 <m:e>
                                   <m:r>
-                                    <a:rPr lang="pt-BR" b="1" i="1">
+                                    <a:rPr lang="pt-BR" sz="2400" b="1" i="1">
                                       <a:latin typeface="Cambria Math" panose="02040503050406030204" pitchFamily="18" charset="0"/>
                                     </a:rPr>
                                     <m:t>𝒂</m:t>
@@ -16322,7 +16937,7 @@
                                 </m:e>
                                 <m:sub>
                                   <m:r>
-                                    <a:rPr lang="pt-BR" i="1">
+                                    <a:rPr lang="pt-BR" sz="2400" i="1">
                                       <a:latin typeface="Cambria Math" panose="02040503050406030204" pitchFamily="18" charset="0"/>
                                     </a:rPr>
                                     <m:t>𝑞</m:t>
@@ -16337,20 +16952,20 @@
                             <m:naryPr>
                               <m:chr m:val="∑"/>
                               <m:ctrlPr>
-                                <a:rPr lang="pt-BR" b="1" i="1">
+                                <a:rPr lang="pt-BR" sz="2400" b="1" i="1">
                                   <a:latin typeface="Cambria Math" panose="02040503050406030204" pitchFamily="18" charset="0"/>
                                 </a:rPr>
                               </m:ctrlPr>
                             </m:naryPr>
                             <m:sub>
                               <m:r>
-                                <a:rPr lang="pt-BR" i="1">
+                                <a:rPr lang="pt-BR" sz="2400" i="1">
                                   <a:latin typeface="Cambria Math" panose="02040503050406030204" pitchFamily="18" charset="0"/>
                                 </a:rPr>
                                 <m:t>𝑗</m:t>
                               </m:r>
                               <m:r>
-                                <a:rPr lang="pt-BR" i="1">
+                                <a:rPr lang="pt-BR" sz="2400" i="1">
                                   <a:latin typeface="Cambria Math" panose="02040503050406030204" pitchFamily="18" charset="0"/>
                                 </a:rPr>
                                 <m:t>=1</m:t>
@@ -16358,7 +16973,7 @@
                             </m:sub>
                             <m:sup>
                               <m:r>
-                                <a:rPr lang="pt-BR" i="1">
+                                <a:rPr lang="pt-BR" sz="2400" i="1">
                                   <a:latin typeface="Cambria Math" panose="02040503050406030204" pitchFamily="18" charset="0"/>
                                 </a:rPr>
                                 <m:t>𝑄</m:t>
@@ -16368,14 +16983,14 @@
                               <m:sSup>
                                 <m:sSupPr>
                                   <m:ctrlPr>
-                                    <a:rPr lang="pt-BR" b="1" i="1">
+                                    <a:rPr lang="pt-BR" sz="2400" b="1" i="1">
                                       <a:latin typeface="Cambria Math" panose="02040503050406030204" pitchFamily="18" charset="0"/>
                                     </a:rPr>
                                   </m:ctrlPr>
                                 </m:sSupPr>
                                 <m:e>
                                   <m:r>
-                                    <a:rPr lang="pt-BR" i="1">
+                                    <a:rPr lang="pt-BR" sz="2400" i="1">
                                       <a:latin typeface="Cambria Math" panose="02040503050406030204" pitchFamily="18" charset="0"/>
                                     </a:rPr>
                                     <m:t>𝑒</m:t>
@@ -16385,14 +17000,14 @@
                                   <m:sSup>
                                     <m:sSupPr>
                                       <m:ctrlPr>
-                                        <a:rPr lang="pt-BR" i="1">
+                                        <a:rPr lang="pt-BR" sz="2400" i="1">
                                           <a:latin typeface="Cambria Math" panose="02040503050406030204" pitchFamily="18" charset="0"/>
                                         </a:rPr>
                                       </m:ctrlPr>
                                     </m:sSupPr>
                                     <m:e>
                                       <m:r>
-                                        <a:rPr lang="pt-BR" b="1" i="1">
+                                        <a:rPr lang="pt-BR" sz="2400" b="1" i="1">
                                           <a:latin typeface="Cambria Math" panose="02040503050406030204" pitchFamily="18" charset="0"/>
                                         </a:rPr>
                                         <m:t>𝒙</m:t>
@@ -16400,14 +17015,14 @@
                                       <m:d>
                                         <m:dPr>
                                           <m:ctrlPr>
-                                            <a:rPr lang="pt-BR" b="1" i="1">
+                                            <a:rPr lang="pt-BR" sz="2400" b="1" i="1">
                                               <a:latin typeface="Cambria Math" panose="02040503050406030204" pitchFamily="18" charset="0"/>
                                             </a:rPr>
                                           </m:ctrlPr>
                                         </m:dPr>
                                         <m:e>
                                           <m:r>
-                                            <a:rPr lang="pt-BR" i="1">
+                                            <a:rPr lang="pt-BR" sz="2400" i="1">
                                               <a:latin typeface="Cambria Math" panose="02040503050406030204" pitchFamily="18" charset="0"/>
                                             </a:rPr>
                                             <m:t>𝑖</m:t>
@@ -16417,7 +17032,7 @@
                                     </m:e>
                                     <m:sup>
                                       <m:r>
-                                        <a:rPr lang="pt-BR" i="1">
+                                        <a:rPr lang="pt-BR" sz="2400" i="1">
                                           <a:latin typeface="Cambria Math" panose="02040503050406030204" pitchFamily="18" charset="0"/>
                                         </a:rPr>
                                         <m:t>𝑇</m:t>
@@ -16427,14 +17042,14 @@
                                   <m:sSub>
                                     <m:sSubPr>
                                       <m:ctrlPr>
-                                        <a:rPr lang="pt-BR" b="1" i="1">
+                                        <a:rPr lang="pt-BR" sz="2400" b="1" i="1">
                                           <a:latin typeface="Cambria Math" panose="02040503050406030204" pitchFamily="18" charset="0"/>
                                         </a:rPr>
                                       </m:ctrlPr>
                                     </m:sSubPr>
                                     <m:e>
                                       <m:r>
-                                        <a:rPr lang="pt-BR" b="1" i="1">
+                                        <a:rPr lang="pt-BR" sz="2400" b="1" i="1">
                                           <a:latin typeface="Cambria Math" panose="02040503050406030204" pitchFamily="18" charset="0"/>
                                         </a:rPr>
                                         <m:t>𝒂</m:t>
@@ -16442,7 +17057,7 @@
                                     </m:e>
                                     <m:sub>
                                       <m:r>
-                                        <a:rPr lang="pt-BR" i="1">
+                                        <a:rPr lang="pt-BR" sz="2400" i="1">
                                           <a:latin typeface="Cambria Math" panose="02040503050406030204" pitchFamily="18" charset="0"/>
                                         </a:rPr>
                                         <m:t>𝑗</m:t>
@@ -16456,34 +17071,34 @@
                         </m:den>
                       </m:f>
                       <m:r>
-                        <a:rPr lang="pt-BR" b="1" i="1">
+                        <a:rPr lang="pt-BR" sz="2400" b="1" i="1">
                           <a:latin typeface="Cambria Math" panose="02040503050406030204" pitchFamily="18" charset="0"/>
                           <a:ea typeface="Cambria Math" panose="02040503050406030204" pitchFamily="18" charset="0"/>
                         </a:rPr>
                         <m:t>∈</m:t>
                       </m:r>
                       <m:r>
-                        <a:rPr lang="pt-BR" b="1" i="1">
+                        <a:rPr lang="pt-BR" sz="2400" b="1" i="1">
                           <a:latin typeface="Cambria Math" panose="02040503050406030204" pitchFamily="18" charset="0"/>
                           <a:ea typeface="Cambria Math" panose="02040503050406030204" pitchFamily="18" charset="0"/>
                         </a:rPr>
                         <m:t>ℝ</m:t>
                       </m:r>
                       <m:r>
-                        <a:rPr lang="pt-BR" b="1" i="1">
+                        <a:rPr lang="pt-BR" sz="2400" b="1" i="1">
                           <a:latin typeface="Cambria Math" panose="02040503050406030204" pitchFamily="18" charset="0"/>
                           <a:ea typeface="Cambria Math" panose="02040503050406030204" pitchFamily="18" charset="0"/>
                         </a:rPr>
                         <m:t> [</m:t>
                       </m:r>
                       <m:r>
-                        <a:rPr lang="pt-BR">
+                        <a:rPr lang="pt-BR" sz="2400">
                           <a:latin typeface="Cambria Math" panose="02040503050406030204" pitchFamily="18" charset="0"/>
                         </a:rPr>
                         <m:t>0,1</m:t>
                       </m:r>
                       <m:r>
-                        <a:rPr lang="pt-BR" b="1" i="1">
+                        <a:rPr lang="pt-BR" sz="2400" b="1" i="1">
                           <a:latin typeface="Cambria Math" panose="02040503050406030204" pitchFamily="18" charset="0"/>
                         </a:rPr>
                         <m:t>],</m:t>
@@ -16491,7 +17106,7 @@
                     </m:oMath>
                   </m:oMathPara>
                 </a14:m>
-                <a:endParaRPr lang="pt-BR" i="1" dirty="0"/>
+                <a:endParaRPr lang="pt-BR" sz="2400" i="1" dirty="0"/>
               </a:p>
               <a:p>
                 <a:pPr marL="0" indent="0">
@@ -16726,6 +17341,48 @@
                         </m:r>
                       </m:sup>
                     </m:sSup>
+                    <m:r>
+                      <a:rPr lang="pt-BR" b="1" i="1" smtClean="0">
+                        <a:latin typeface="Cambria Math" panose="02040503050406030204" pitchFamily="18" charset="0"/>
+                        <a:ea typeface="Cambria Math" panose="02040503050406030204" pitchFamily="18" charset="0"/>
+                      </a:rPr>
+                      <m:t>∈</m:t>
+                    </m:r>
+                    <m:sSup>
+                      <m:sSupPr>
+                        <m:ctrlPr>
+                          <a:rPr lang="pt-BR" b="1" i="1" smtClean="0">
+                            <a:latin typeface="Cambria Math" panose="02040503050406030204" pitchFamily="18" charset="0"/>
+                            <a:ea typeface="Cambria Math" panose="02040503050406030204" pitchFamily="18" charset="0"/>
+                          </a:rPr>
+                        </m:ctrlPr>
+                      </m:sSupPr>
+                      <m:e>
+                        <m:r>
+                          <a:rPr lang="pt-BR" b="1" i="1" smtClean="0">
+                            <a:latin typeface="Cambria Math" panose="02040503050406030204" pitchFamily="18" charset="0"/>
+                            <a:ea typeface="Cambria Math" panose="02040503050406030204" pitchFamily="18" charset="0"/>
+                          </a:rPr>
+                          <m:t>ℝ</m:t>
+                        </m:r>
+                      </m:e>
+                      <m:sup>
+                        <m:r>
+                          <a:rPr lang="pt-BR" b="0" i="1" smtClean="0">
+                            <a:latin typeface="Cambria Math" panose="02040503050406030204" pitchFamily="18" charset="0"/>
+                            <a:ea typeface="Cambria Math" panose="02040503050406030204" pitchFamily="18" charset="0"/>
+                          </a:rPr>
+                          <m:t>𝐾</m:t>
+                        </m:r>
+                        <m:r>
+                          <a:rPr lang="pt-BR" b="0" i="1" smtClean="0">
+                            <a:latin typeface="Cambria Math" panose="02040503050406030204" pitchFamily="18" charset="0"/>
+                            <a:ea typeface="Cambria Math" panose="02040503050406030204" pitchFamily="18" charset="0"/>
+                          </a:rPr>
+                          <m:t>+1×1</m:t>
+                        </m:r>
+                      </m:sup>
+                    </m:sSup>
                   </m:oMath>
                 </a14:m>
                 <a:r>
@@ -16914,9 +17571,10 @@
                   <a:t>multi-classes</a:t>
                 </a:r>
                 <a:r>
-                  <a:rPr lang="pt-BR" dirty="0"/>
-                  <a:t>. </a:t>
-                </a:r>
+                  <a:rPr lang="pt-BR" dirty="0" smtClean="0"/>
+                  <a:t>.</a:t>
+                </a:r>
+                <a:endParaRPr lang="pt-BR" dirty="0"/>
               </a:p>
               <a:p>
                 <a:r>
@@ -16933,11 +17591,165 @@
                 </a:r>
                 <a:r>
                   <a:rPr lang="pt-BR" b="1" i="1" dirty="0"/>
-                  <a:t>probabilidade condicional</a:t>
-                </a:r>
-                <a:r>
-                  <a:rPr lang="pt-BR" dirty="0"/>
-                  <a:t> a cada classe em um problema com múltiplas classes (</a:t>
+                  <a:t>probabilidade </a:t>
+                </a:r>
+                <a:r>
+                  <a:rPr lang="pt-BR" b="1" i="1" dirty="0" smtClean="0"/>
+                  <a:t>condicional</a:t>
+                </a:r>
+                <a:r>
+                  <a:rPr lang="pt-BR" dirty="0" smtClean="0"/>
+                  <a:t>,</a:t>
+                </a:r>
+                <a:r>
+                  <a:rPr lang="pt-BR" b="1" i="1" dirty="0" smtClean="0"/>
+                  <a:t> </a:t>
+                </a:r>
+                <a14:m>
+                  <m:oMath xmlns:m="http://schemas.openxmlformats.org/officeDocument/2006/math">
+                    <m:r>
+                      <a:rPr lang="pt-BR" i="1">
+                        <a:latin typeface="Cambria Math" panose="02040503050406030204" pitchFamily="18" charset="0"/>
+                      </a:rPr>
+                      <m:t>𝑃</m:t>
+                    </m:r>
+                    <m:d>
+                      <m:dPr>
+                        <m:ctrlPr>
+                          <a:rPr lang="pt-BR" i="1">
+                            <a:latin typeface="Cambria Math" panose="02040503050406030204" pitchFamily="18" charset="0"/>
+                          </a:rPr>
+                        </m:ctrlPr>
+                      </m:dPr>
+                      <m:e>
+                        <m:sSub>
+                          <m:sSubPr>
+                            <m:ctrlPr>
+                              <a:rPr lang="pt-BR" i="1">
+                                <a:latin typeface="Cambria Math" panose="02040503050406030204" pitchFamily="18" charset="0"/>
+                              </a:rPr>
+                            </m:ctrlPr>
+                          </m:sSubPr>
+                          <m:e>
+                            <m:r>
+                              <a:rPr lang="pt-BR" i="1">
+                                <a:latin typeface="Cambria Math" panose="02040503050406030204" pitchFamily="18" charset="0"/>
+                              </a:rPr>
+                              <m:t>𝐶</m:t>
+                            </m:r>
+                          </m:e>
+                          <m:sub>
+                            <m:r>
+                              <a:rPr lang="pt-BR" b="0" i="1" smtClean="0">
+                                <a:latin typeface="Cambria Math" panose="02040503050406030204" pitchFamily="18" charset="0"/>
+                              </a:rPr>
+                              <m:t>𝑞</m:t>
+                            </m:r>
+                          </m:sub>
+                        </m:sSub>
+                        <m:r>
+                          <a:rPr lang="pt-BR" i="1">
+                            <a:latin typeface="Cambria Math" panose="02040503050406030204" pitchFamily="18" charset="0"/>
+                          </a:rPr>
+                          <m:t> |</m:t>
+                        </m:r>
+                        <m:r>
+                          <a:rPr lang="pt-BR" b="1" i="1">
+                            <a:latin typeface="Cambria Math" panose="02040503050406030204" pitchFamily="18" charset="0"/>
+                          </a:rPr>
+                          <m:t> </m:t>
+                        </m:r>
+                        <m:r>
+                          <a:rPr lang="pt-BR" b="1" i="1">
+                            <a:latin typeface="Cambria Math" panose="02040503050406030204" pitchFamily="18" charset="0"/>
+                          </a:rPr>
+                          <m:t>𝒙</m:t>
+                        </m:r>
+                        <m:d>
+                          <m:dPr>
+                            <m:ctrlPr>
+                              <a:rPr lang="pt-BR" b="1" i="1">
+                                <a:latin typeface="Cambria Math" panose="02040503050406030204" pitchFamily="18" charset="0"/>
+                              </a:rPr>
+                            </m:ctrlPr>
+                          </m:dPr>
+                          <m:e>
+                            <m:r>
+                              <a:rPr lang="pt-BR" i="1">
+                                <a:latin typeface="Cambria Math" panose="02040503050406030204" pitchFamily="18" charset="0"/>
+                              </a:rPr>
+                              <m:t>𝑖</m:t>
+                            </m:r>
+                          </m:e>
+                        </m:d>
+                        <m:r>
+                          <a:rPr lang="pt-BR" i="1">
+                            <a:latin typeface="Cambria Math" panose="02040503050406030204" pitchFamily="18" charset="0"/>
+                          </a:rPr>
+                          <m:t>,</m:t>
+                        </m:r>
+                        <m:sSub>
+                          <m:sSubPr>
+                            <m:ctrlPr>
+                              <a:rPr lang="pt-BR" i="1">
+                                <a:latin typeface="Cambria Math" panose="02040503050406030204" pitchFamily="18" charset="0"/>
+                              </a:rPr>
+                            </m:ctrlPr>
+                          </m:sSubPr>
+                          <m:e>
+                            <m:r>
+                              <a:rPr lang="pt-BR" b="1" i="1">
+                                <a:latin typeface="Cambria Math" panose="02040503050406030204" pitchFamily="18" charset="0"/>
+                              </a:rPr>
+                              <m:t>𝒂</m:t>
+                            </m:r>
+                          </m:e>
+                          <m:sub>
+                            <m:r>
+                              <a:rPr lang="pt-BR" b="0" i="1" smtClean="0">
+                                <a:latin typeface="Cambria Math" panose="02040503050406030204" pitchFamily="18" charset="0"/>
+                              </a:rPr>
+                              <m:t>𝑞</m:t>
+                            </m:r>
+                          </m:sub>
+                        </m:sSub>
+                      </m:e>
+                    </m:d>
+                  </m:oMath>
+                </a14:m>
+                <a:r>
+                  <a:rPr lang="pt-BR" dirty="0" smtClean="0"/>
+                  <a:t>, </a:t>
+                </a:r>
+                <a:r>
+                  <a:rPr lang="pt-BR" dirty="0"/>
+                  <a:t>a cada </a:t>
+                </a:r>
+                <a:r>
+                  <a:rPr lang="pt-BR" dirty="0" smtClean="0"/>
+                  <a:t>classe,</a:t>
+                </a:r>
+                <a:r>
+                  <a:rPr lang="pt-BR" dirty="0"/>
+                  <a:t> </a:t>
+                </a:r>
+                <a14:m>
+                  <m:oMath xmlns:m="http://schemas.openxmlformats.org/officeDocument/2006/math">
+                    <m:r>
+                      <a:rPr lang="pt-BR" i="1">
+                        <a:latin typeface="Cambria Math" panose="02040503050406030204" pitchFamily="18" charset="0"/>
+                      </a:rPr>
+                      <m:t>𝑞</m:t>
+                    </m:r>
+                  </m:oMath>
+                </a14:m>
+                <a:r>
+                  <a:rPr lang="pt-BR" dirty="0" smtClean="0"/>
+                  <a:t>, </a:t>
+                </a:r>
+                <a:r>
+                  <a:rPr lang="pt-BR" dirty="0"/>
+                  <a:t>em um problema com múltiplas classes (</a:t>
                 </a:r>
                 <a14:m>
                   <m:oMath xmlns:m="http://schemas.openxmlformats.org/officeDocument/2006/math">
@@ -16957,7 +17769,25 @@
                 </a14:m>
                 <a:r>
                   <a:rPr lang="pt-BR" dirty="0"/>
-                  <a:t>), onde a soma destas probabilidades deve ser igual a 1</a:t>
+                  <a:t>), onde a soma destas </a:t>
+                </a:r>
+                <a14:m>
+                  <m:oMath xmlns:m="http://schemas.openxmlformats.org/officeDocument/2006/math">
+                    <m:r>
+                      <a:rPr lang="pt-BR" i="1">
+                        <a:latin typeface="Cambria Math" panose="02040503050406030204" pitchFamily="18" charset="0"/>
+                      </a:rPr>
+                      <m:t>𝑄</m:t>
+                    </m:r>
+                  </m:oMath>
+                </a14:m>
+                <a:r>
+                  <a:rPr lang="pt-BR" dirty="0" smtClean="0"/>
+                  <a:t> </a:t>
+                </a:r>
+                <a:r>
+                  <a:rPr lang="pt-BR" dirty="0"/>
+                  <a:t>probabilidades deve ser igual a 1</a:t>
                 </a:r>
               </a:p>
               <a:p>
@@ -17017,29 +17847,65 @@
                             <m:t> |</m:t>
                           </m:r>
                           <m:r>
+                            <a:rPr lang="pt-BR" b="1" i="1" smtClean="0">
+                              <a:latin typeface="Cambria Math" panose="02040503050406030204" pitchFamily="18" charset="0"/>
+                            </a:rPr>
+                            <m:t> </m:t>
+                          </m:r>
+                          <m:r>
                             <a:rPr lang="pt-BR" b="1" i="1">
                               <a:latin typeface="Cambria Math" panose="02040503050406030204" pitchFamily="18" charset="0"/>
                             </a:rPr>
                             <m:t>𝒙</m:t>
                           </m:r>
+                          <m:d>
+                            <m:dPr>
+                              <m:ctrlPr>
+                                <a:rPr lang="pt-BR" b="1" i="1">
+                                  <a:latin typeface="Cambria Math" panose="02040503050406030204" pitchFamily="18" charset="0"/>
+                                </a:rPr>
+                              </m:ctrlPr>
+                            </m:dPr>
+                            <m:e>
+                              <m:r>
+                                <a:rPr lang="pt-BR" i="1">
+                                  <a:latin typeface="Cambria Math" panose="02040503050406030204" pitchFamily="18" charset="0"/>
+                                </a:rPr>
+                                <m:t>𝑖</m:t>
+                              </m:r>
+                            </m:e>
+                          </m:d>
                           <m:r>
-                            <a:rPr lang="pt-BR" i="1">
+                            <a:rPr lang="pt-BR" b="0" i="1" smtClean="0">
                               <a:latin typeface="Cambria Math" panose="02040503050406030204" pitchFamily="18" charset="0"/>
                             </a:rPr>
-                            <m:t>(</m:t>
+                            <m:t>,</m:t>
                           </m:r>
-                          <m:r>
-                            <a:rPr lang="pt-BR" i="1">
-                              <a:latin typeface="Cambria Math" panose="02040503050406030204" pitchFamily="18" charset="0"/>
-                            </a:rPr>
-                            <m:t>𝑖</m:t>
-                          </m:r>
-                          <m:r>
-                            <a:rPr lang="pt-BR" i="1">
-                              <a:latin typeface="Cambria Math" panose="02040503050406030204" pitchFamily="18" charset="0"/>
-                            </a:rPr>
-                            <m:t>)</m:t>
-                          </m:r>
+                          <m:sSub>
+                            <m:sSubPr>
+                              <m:ctrlPr>
+                                <a:rPr lang="pt-BR" i="1">
+                                  <a:latin typeface="Cambria Math" panose="02040503050406030204" pitchFamily="18" charset="0"/>
+                                </a:rPr>
+                              </m:ctrlPr>
+                            </m:sSubPr>
+                            <m:e>
+                              <m:r>
+                                <a:rPr lang="pt-BR" b="1" i="1">
+                                  <a:latin typeface="Cambria Math" panose="02040503050406030204" pitchFamily="18" charset="0"/>
+                                </a:rPr>
+                                <m:t>𝒂</m:t>
+                              </m:r>
+                            </m:e>
+                            <m:sub>
+                              <m:r>
+                                <a:rPr lang="pt-BR" i="1">
+                                  <a:latin typeface="Cambria Math" panose="02040503050406030204" pitchFamily="18" charset="0"/>
+                                </a:rPr>
+                                <m:t>1</m:t>
+                              </m:r>
+                            </m:sub>
+                          </m:sSub>
                         </m:e>
                       </m:d>
                       <m:r>
@@ -17095,6 +17961,12 @@
                             <m:t> |</m:t>
                           </m:r>
                           <m:r>
+                            <a:rPr lang="pt-BR" b="1" i="1" smtClean="0">
+                              <a:latin typeface="Cambria Math" panose="02040503050406030204" pitchFamily="18" charset="0"/>
+                            </a:rPr>
+                            <m:t> </m:t>
+                          </m:r>
+                          <m:r>
                             <a:rPr lang="pt-BR" b="1" i="1">
                               <a:latin typeface="Cambria Math" panose="02040503050406030204" pitchFamily="18" charset="0"/>
                             </a:rPr>
@@ -17118,6 +17990,37 @@
                             </a:rPr>
                             <m:t>)</m:t>
                           </m:r>
+                          <m:sSub>
+                            <m:sSubPr>
+                              <m:ctrlPr>
+                                <a:rPr lang="pt-BR" i="1">
+                                  <a:latin typeface="Cambria Math" panose="02040503050406030204" pitchFamily="18" charset="0"/>
+                                </a:rPr>
+                              </m:ctrlPr>
+                            </m:sSubPr>
+                            <m:e>
+                              <m:r>
+                                <a:rPr lang="pt-BR" b="1" i="1" smtClean="0">
+                                  <a:latin typeface="Cambria Math" panose="02040503050406030204" pitchFamily="18" charset="0"/>
+                                </a:rPr>
+                                <m:t>,</m:t>
+                              </m:r>
+                              <m:r>
+                                <a:rPr lang="pt-BR" b="1" i="1">
+                                  <a:latin typeface="Cambria Math" panose="02040503050406030204" pitchFamily="18" charset="0"/>
+                                </a:rPr>
+                                <m:t>𝒂</m:t>
+                              </m:r>
+                            </m:e>
+                            <m:sub>
+                              <m:r>
+                                <a:rPr lang="pt-BR" b="0" i="1" smtClean="0">
+                                  <a:latin typeface="Cambria Math" panose="02040503050406030204" pitchFamily="18" charset="0"/>
+                                </a:rPr>
+                                <m:t>2</m:t>
+                              </m:r>
+                            </m:sub>
+                          </m:sSub>
                         </m:e>
                       </m:d>
                       <m:r>
@@ -17180,29 +18083,65 @@
                             <m:t> |</m:t>
                           </m:r>
                           <m:r>
+                            <a:rPr lang="pt-BR" b="0" i="1" smtClean="0">
+                              <a:latin typeface="Cambria Math" panose="02040503050406030204" pitchFamily="18" charset="0"/>
+                            </a:rPr>
+                            <m:t> </m:t>
+                          </m:r>
+                          <m:r>
                             <a:rPr lang="pt-BR" b="1" i="1">
                               <a:latin typeface="Cambria Math" panose="02040503050406030204" pitchFamily="18" charset="0"/>
                             </a:rPr>
                             <m:t>𝒙</m:t>
                           </m:r>
+                          <m:d>
+                            <m:dPr>
+                              <m:ctrlPr>
+                                <a:rPr lang="pt-BR" b="1" i="1">
+                                  <a:latin typeface="Cambria Math" panose="02040503050406030204" pitchFamily="18" charset="0"/>
+                                </a:rPr>
+                              </m:ctrlPr>
+                            </m:dPr>
+                            <m:e>
+                              <m:r>
+                                <a:rPr lang="pt-BR" i="1">
+                                  <a:latin typeface="Cambria Math" panose="02040503050406030204" pitchFamily="18" charset="0"/>
+                                </a:rPr>
+                                <m:t>𝑖</m:t>
+                              </m:r>
+                            </m:e>
+                          </m:d>
                           <m:r>
-                            <a:rPr lang="pt-BR" i="1">
+                            <a:rPr lang="pt-BR" b="0" i="1" smtClean="0">
                               <a:latin typeface="Cambria Math" panose="02040503050406030204" pitchFamily="18" charset="0"/>
                             </a:rPr>
-                            <m:t>(</m:t>
+                            <m:t>,</m:t>
                           </m:r>
-                          <m:r>
-                            <a:rPr lang="pt-BR" i="1">
-                              <a:latin typeface="Cambria Math" panose="02040503050406030204" pitchFamily="18" charset="0"/>
-                            </a:rPr>
-                            <m:t>𝑖</m:t>
-                          </m:r>
-                          <m:r>
-                            <a:rPr lang="pt-BR" i="1">
-                              <a:latin typeface="Cambria Math" panose="02040503050406030204" pitchFamily="18" charset="0"/>
-                            </a:rPr>
-                            <m:t>)</m:t>
-                          </m:r>
+                          <m:sSub>
+                            <m:sSubPr>
+                              <m:ctrlPr>
+                                <a:rPr lang="pt-BR" i="1">
+                                  <a:latin typeface="Cambria Math" panose="02040503050406030204" pitchFamily="18" charset="0"/>
+                                </a:rPr>
+                              </m:ctrlPr>
+                            </m:sSubPr>
+                            <m:e>
+                              <m:r>
+                                <a:rPr lang="pt-BR" b="1" i="1">
+                                  <a:latin typeface="Cambria Math" panose="02040503050406030204" pitchFamily="18" charset="0"/>
+                                </a:rPr>
+                                <m:t>𝒂</m:t>
+                              </m:r>
+                            </m:e>
+                            <m:sub>
+                              <m:r>
+                                <a:rPr lang="pt-BR" b="0" i="1" smtClean="0">
+                                  <a:latin typeface="Cambria Math" panose="02040503050406030204" pitchFamily="18" charset="0"/>
+                                </a:rPr>
+                                <m:t>𝑄</m:t>
+                              </m:r>
+                            </m:sub>
+                          </m:sSub>
                         </m:e>
                       </m:d>
                       <m:r>
@@ -17216,52 +18155,16 @@
                 </a14:m>
                 <a:endParaRPr lang="pt-BR" dirty="0"/>
               </a:p>
-              <a:p>
-                <a:r>
-                  <a:rPr lang="pt-BR" dirty="0"/>
-                  <a:t>Portanto, o objetivo é encontrar um </a:t>
-                </a:r>
-                <a:r>
-                  <a:rPr lang="pt-BR" b="1" i="1" dirty="0"/>
-                  <a:t>modelo</a:t>
-                </a:r>
-                <a:r>
-                  <a:rPr lang="pt-BR" dirty="0"/>
-                  <a:t> (i.e., </a:t>
-                </a:r>
-                <a:r>
-                  <a:rPr lang="pt-BR" b="1" i="1" dirty="0"/>
-                  <a:t>pesos</a:t>
-                </a:r>
-                <a:r>
-                  <a:rPr lang="pt-BR" dirty="0"/>
-                  <a:t> das </a:t>
-                </a:r>
-                <a14:m>
-                  <m:oMath xmlns:m="http://schemas.openxmlformats.org/officeDocument/2006/math">
-                    <m:r>
-                      <a:rPr lang="pt-BR" b="0" i="1" smtClean="0">
-                        <a:latin typeface="Cambria Math" panose="02040503050406030204" pitchFamily="18" charset="0"/>
-                      </a:rPr>
-                      <m:t>𝑄</m:t>
-                    </m:r>
-                  </m:oMath>
-                </a14:m>
-                <a:r>
-                  <a:rPr lang="pt-BR" dirty="0"/>
-                  <a:t> funções hipótese) que atribua uma alta probabilidade para a classe alvo e consequentemente uma baixa probabilidade para as demais classes.</a:t>
-                </a:r>
-              </a:p>
             </p:txBody>
           </p:sp>
         </mc:Choice>
-        <mc:Fallback xmlns="">
+        <mc:Fallback>
           <p:sp>
             <p:nvSpPr>
               <p:cNvPr id="3" name="Espaço Reservado para Conteúdo 2">
                 <a:extLst>
                   <a:ext uri="{FF2B5EF4-FFF2-40B4-BE49-F238E27FC236}">
-                    <a16:creationId xmlns:a16="http://schemas.microsoft.com/office/drawing/2014/main" id="{807ECEFA-6ED0-44F3-ABEA-8272FEB2FF63}"/>
+                    <a16:creationId xmlns="" xmlns:a16="http://schemas.microsoft.com/office/drawing/2014/main" xmlns:a14="http://schemas.microsoft.com/office/drawing/2010/main" id="{807ECEFA-6ED0-44F3-ABEA-8272FEB2FF63}"/>
                   </a:ext>
                 </a:extLst>
               </p:cNvPr>
@@ -17277,10 +18180,10 @@
                 <a:off x="838199" y="1825624"/>
                 <a:ext cx="11234531" cy="5032375"/>
               </a:xfrm>
-              <a:blipFill>
+              <a:blipFill rotWithShape="0">
                 <a:blip r:embed="rId3"/>
                 <a:stretch>
-                  <a:fillRect l="-651" t="-1937" r="-1194"/>
+                  <a:fillRect l="-814" t="-2300" r="-814"/>
                 </a:stretch>
               </a:blipFill>
             </p:spPr>
@@ -17289,7 +18192,7 @@
               <a:lstStyle/>
               <a:p>
                 <a:r>
-                  <a:rPr lang="en-US">
+                  <a:rPr lang="pt-BR">
                     <a:noFill/>
                   </a:rPr>
                   <a:t> </a:t>
@@ -17304,7 +18207,7 @@
           <p:cNvPr id="4" name="TextBox 6">
             <a:extLst>
               <a:ext uri="{FF2B5EF4-FFF2-40B4-BE49-F238E27FC236}">
-                <a16:creationId xmlns:a16="http://schemas.microsoft.com/office/drawing/2014/main" xmlns="" id="{BD5B7330-9A4E-4A27-BE6B-F7038DE7890D}"/>
+                <a16:creationId xmlns="" xmlns:a16="http://schemas.microsoft.com/office/drawing/2014/main" id="{BD5B7330-9A4E-4A27-BE6B-F7038DE7890D}"/>
               </a:ext>
             </a:extLst>
           </p:cNvPr>
@@ -17313,7 +18216,7 @@
         </p:nvSpPr>
         <p:spPr>
           <a:xfrm>
-            <a:off x="251792" y="2446640"/>
+            <a:off x="379611" y="2682614"/>
             <a:ext cx="1244363" cy="830997"/>
           </a:xfrm>
           <a:prstGeom prst="rect">
@@ -17340,7 +18243,7 @@
           <p:cNvPr id="5" name="Straight Arrow Connector 7">
             <a:extLst>
               <a:ext uri="{FF2B5EF4-FFF2-40B4-BE49-F238E27FC236}">
-                <a16:creationId xmlns:a16="http://schemas.microsoft.com/office/drawing/2014/main" xmlns="" id="{E9DCC49F-2D0A-4D6E-9325-E6E0A35530AD}"/>
+                <a16:creationId xmlns="" xmlns:a16="http://schemas.microsoft.com/office/drawing/2014/main" id="{E9DCC49F-2D0A-4D6E-9325-E6E0A35530AD}"/>
               </a:ext>
             </a:extLst>
           </p:cNvPr>
@@ -17351,7 +18254,7 @@
         </p:nvCxnSpPr>
         <p:spPr>
           <a:xfrm>
-            <a:off x="1378168" y="2991793"/>
+            <a:off x="1505987" y="3227767"/>
             <a:ext cx="235974" cy="437207"/>
           </a:xfrm>
           <a:prstGeom prst="straightConnector1">
@@ -17379,14 +18282,14 @@
           </a:fontRef>
         </p:style>
       </p:cxnSp>
-      <mc:AlternateContent xmlns:mc="http://schemas.openxmlformats.org/markup-compatibility/2006" xmlns:a14="http://schemas.microsoft.com/office/drawing/2010/main">
-        <mc:Choice Requires="a14">
+      <mc:AlternateContent xmlns:mc="http://schemas.openxmlformats.org/markup-compatibility/2006">
+        <mc:Choice xmlns:a14="http://schemas.microsoft.com/office/drawing/2010/main" Requires="a14">
           <p:sp>
             <p:nvSpPr>
               <p:cNvPr id="6" name="TextBox 3">
                 <a:extLst>
                   <a:ext uri="{FF2B5EF4-FFF2-40B4-BE49-F238E27FC236}">
-                    <a16:creationId xmlns:a16="http://schemas.microsoft.com/office/drawing/2014/main" xmlns="" id="{C2B44ACC-7F40-4DFA-AC5C-CC329D169698}"/>
+                    <a16:creationId xmlns="" xmlns:a16="http://schemas.microsoft.com/office/drawing/2014/main" id="{C2B44ACC-7F40-4DFA-AC5C-CC329D169698}"/>
                   </a:ext>
                 </a:extLst>
               </p:cNvPr>
@@ -17395,8 +18298,8 @@
             </p:nvSpPr>
             <p:spPr>
               <a:xfrm>
-                <a:off x="10331354" y="2304329"/>
-                <a:ext cx="1860646" cy="1015663"/>
+                <a:off x="10323871" y="2550951"/>
+                <a:ext cx="1868129" cy="1015663"/>
               </a:xfrm>
               <a:prstGeom prst="rect">
                 <a:avLst/>
@@ -17440,13 +18343,13 @@
             </p:txBody>
           </p:sp>
         </mc:Choice>
-        <mc:Fallback xmlns="">
+        <mc:Fallback>
           <p:sp>
             <p:nvSpPr>
               <p:cNvPr id="6" name="TextBox 3">
                 <a:extLst>
                   <a:ext uri="{FF2B5EF4-FFF2-40B4-BE49-F238E27FC236}">
-                    <a16:creationId xmlns:a16="http://schemas.microsoft.com/office/drawing/2014/main" id="{C2B44ACC-7F40-4DFA-AC5C-CC329D169698}"/>
+                    <a16:creationId xmlns="" xmlns:a16="http://schemas.microsoft.com/office/drawing/2014/main" xmlns:a14="http://schemas.microsoft.com/office/drawing/2010/main" id="{C2B44ACC-7F40-4DFA-AC5C-CC329D169698}"/>
                   </a:ext>
                 </a:extLst>
               </p:cNvPr>
@@ -17457,16 +18360,16 @@
             </p:nvSpPr>
             <p:spPr>
               <a:xfrm>
-                <a:off x="10331354" y="2304329"/>
-                <a:ext cx="1860646" cy="1015663"/>
+                <a:off x="10323871" y="2550951"/>
+                <a:ext cx="1868129" cy="1015663"/>
               </a:xfrm>
               <a:prstGeom prst="rect">
                 <a:avLst/>
               </a:prstGeom>
-              <a:blipFill>
+              <a:blipFill rotWithShape="0">
                 <a:blip r:embed="rId4"/>
                 <a:stretch>
-                  <a:fillRect r="-328" b="-3593"/>
+                  <a:fillRect b="-3593"/>
                 </a:stretch>
               </a:blipFill>
             </p:spPr>
@@ -17475,7 +18378,7 @@
               <a:lstStyle/>
               <a:p>
                 <a:r>
-                  <a:rPr lang="en-US">
+                  <a:rPr lang="pt-BR">
                     <a:noFill/>
                   </a:rPr>
                   <a:t> </a:t>
@@ -17490,7 +18393,7 @@
           <p:cNvPr id="7" name="Rectangle 11">
             <a:extLst>
               <a:ext uri="{FF2B5EF4-FFF2-40B4-BE49-F238E27FC236}">
-                <a16:creationId xmlns:a16="http://schemas.microsoft.com/office/drawing/2014/main" xmlns="" id="{1BDEDFF8-EB72-48C9-B045-4BDDB50DFABB}"/>
+                <a16:creationId xmlns="" xmlns:a16="http://schemas.microsoft.com/office/drawing/2014/main" id="{1BDEDFF8-EB72-48C9-B045-4BDDB50DFABB}"/>
               </a:ext>
             </a:extLst>
           </p:cNvPr>
@@ -17499,8 +18402,8 @@
         </p:nvSpPr>
         <p:spPr>
           <a:xfrm>
-            <a:off x="7455582" y="2801454"/>
-            <a:ext cx="1638869" cy="507832"/>
+            <a:off x="7678994" y="3058783"/>
+            <a:ext cx="1440000" cy="444996"/>
           </a:xfrm>
           <a:prstGeom prst="rect">
             <a:avLst/>
@@ -17542,7 +18445,7 @@
           <p:cNvPr id="8" name="Straight Arrow Connector 13">
             <a:extLst>
               <a:ext uri="{FF2B5EF4-FFF2-40B4-BE49-F238E27FC236}">
-                <a16:creationId xmlns:a16="http://schemas.microsoft.com/office/drawing/2014/main" xmlns="" id="{9480D85A-07BF-44B1-A6D0-1DE33196FA5B}"/>
+                <a16:creationId xmlns="" xmlns:a16="http://schemas.microsoft.com/office/drawing/2014/main" id="{9480D85A-07BF-44B1-A6D0-1DE33196FA5B}"/>
               </a:ext>
             </a:extLst>
           </p:cNvPr>
@@ -17551,8 +18454,8 @@
         </p:nvCxnSpPr>
         <p:spPr>
           <a:xfrm flipH="1">
-            <a:off x="9094451" y="2896163"/>
-            <a:ext cx="1405719" cy="333918"/>
+            <a:off x="9116555" y="3227767"/>
+            <a:ext cx="1325303" cy="182744"/>
           </a:xfrm>
           <a:prstGeom prst="straightConnector1">
             <a:avLst/>

--- a/slides/T320_Classificação (Parte IV).pptx
+++ b/slides/T320_Classificação (Parte IV).pptx
@@ -290,7 +290,7 @@
           <a:p>
             <a:fld id="{144F1436-6906-4D93-B7A2-786C327BFA14}" type="datetimeFigureOut">
               <a:rPr lang="nl-BE" smtClean="0"/>
-              <a:t>9/09/2022</a:t>
+              <a:t>5/10/2022</a:t>
             </a:fld>
             <a:endParaRPr lang="nl-BE"/>
           </a:p>
@@ -455,7 +455,7 @@
           <a:p>
             <a:fld id="{AA8CD09E-2914-4F47-B6C1-51B2C31814C9}" type="datetimeFigureOut">
               <a:rPr lang="pt-BR" smtClean="0"/>
-              <a:t>09/09/2022</a:t>
+              <a:t>05/10/2022</a:t>
             </a:fld>
             <a:endParaRPr lang="pt-BR"/>
           </a:p>
@@ -2654,7 +2654,7 @@
           <p:cNvPr id="2" name="Título 1">
             <a:extLst>
               <a:ext uri="{FF2B5EF4-FFF2-40B4-BE49-F238E27FC236}">
-                <a16:creationId xmlns="" xmlns:a16="http://schemas.microsoft.com/office/drawing/2014/main" id="{1DB9B4FF-B06E-403C-A326-BDC64D8FF94E}"/>
+                <a16:creationId xmlns:a16="http://schemas.microsoft.com/office/drawing/2014/main" xmlns="" id="{1DB9B4FF-B06E-403C-A326-BDC64D8FF94E}"/>
               </a:ext>
             </a:extLst>
           </p:cNvPr>
@@ -2691,7 +2691,7 @@
           <p:cNvPr id="3" name="Subtítulo 2">
             <a:extLst>
               <a:ext uri="{FF2B5EF4-FFF2-40B4-BE49-F238E27FC236}">
-                <a16:creationId xmlns="" xmlns:a16="http://schemas.microsoft.com/office/drawing/2014/main" id="{247BDFCE-746E-45BF-A319-4733D58D1632}"/>
+                <a16:creationId xmlns:a16="http://schemas.microsoft.com/office/drawing/2014/main" xmlns="" id="{247BDFCE-746E-45BF-A319-4733D58D1632}"/>
               </a:ext>
             </a:extLst>
           </p:cNvPr>
@@ -2761,7 +2761,7 @@
           <p:cNvPr id="4" name="Espaço Reservado para Data 3">
             <a:extLst>
               <a:ext uri="{FF2B5EF4-FFF2-40B4-BE49-F238E27FC236}">
-                <a16:creationId xmlns="" xmlns:a16="http://schemas.microsoft.com/office/drawing/2014/main" id="{9EDE2778-5372-4104-B96D-968184DA8288}"/>
+                <a16:creationId xmlns:a16="http://schemas.microsoft.com/office/drawing/2014/main" xmlns="" id="{9EDE2778-5372-4104-B96D-968184DA8288}"/>
               </a:ext>
             </a:extLst>
           </p:cNvPr>
@@ -2779,7 +2779,7 @@
           <a:p>
             <a:fld id="{63289F7E-B80B-496E-81B4-D396C37C9454}" type="datetimeFigureOut">
               <a:rPr lang="pt-BR" smtClean="0"/>
-              <a:t>09/09/2022</a:t>
+              <a:t>05/10/2022</a:t>
             </a:fld>
             <a:endParaRPr lang="pt-BR"/>
           </a:p>
@@ -2790,7 +2790,7 @@
           <p:cNvPr id="5" name="Espaço Reservado para Rodapé 4">
             <a:extLst>
               <a:ext uri="{FF2B5EF4-FFF2-40B4-BE49-F238E27FC236}">
-                <a16:creationId xmlns="" xmlns:a16="http://schemas.microsoft.com/office/drawing/2014/main" id="{C1DD0F41-C861-4051-988D-3024A37A4B93}"/>
+                <a16:creationId xmlns:a16="http://schemas.microsoft.com/office/drawing/2014/main" xmlns="" id="{C1DD0F41-C861-4051-988D-3024A37A4B93}"/>
               </a:ext>
             </a:extLst>
           </p:cNvPr>
@@ -2815,7 +2815,7 @@
           <p:cNvPr id="6" name="Espaço Reservado para Número de Slide 5">
             <a:extLst>
               <a:ext uri="{FF2B5EF4-FFF2-40B4-BE49-F238E27FC236}">
-                <a16:creationId xmlns="" xmlns:a16="http://schemas.microsoft.com/office/drawing/2014/main" id="{07E5967E-D980-431A-A5DB-3F0C5030A81E}"/>
+                <a16:creationId xmlns:a16="http://schemas.microsoft.com/office/drawing/2014/main" xmlns="" id="{07E5967E-D980-431A-A5DB-3F0C5030A81E}"/>
               </a:ext>
             </a:extLst>
           </p:cNvPr>
@@ -2874,7 +2874,7 @@
           <p:cNvPr id="2" name="Título 1">
             <a:extLst>
               <a:ext uri="{FF2B5EF4-FFF2-40B4-BE49-F238E27FC236}">
-                <a16:creationId xmlns="" xmlns:a16="http://schemas.microsoft.com/office/drawing/2014/main" id="{9036C49F-3E68-4175-81BA-3C3FEE44308A}"/>
+                <a16:creationId xmlns:a16="http://schemas.microsoft.com/office/drawing/2014/main" xmlns="" id="{9036C49F-3E68-4175-81BA-3C3FEE44308A}"/>
               </a:ext>
             </a:extLst>
           </p:cNvPr>
@@ -2902,7 +2902,7 @@
           <p:cNvPr id="3" name="Espaço Reservado para Texto Vertical 2">
             <a:extLst>
               <a:ext uri="{FF2B5EF4-FFF2-40B4-BE49-F238E27FC236}">
-                <a16:creationId xmlns="" xmlns:a16="http://schemas.microsoft.com/office/drawing/2014/main" id="{426FA736-3DD3-4D4E-B57B-BBE1D8F7D424}"/>
+                <a16:creationId xmlns:a16="http://schemas.microsoft.com/office/drawing/2014/main" xmlns="" id="{426FA736-3DD3-4D4E-B57B-BBE1D8F7D424}"/>
               </a:ext>
             </a:extLst>
           </p:cNvPr>
@@ -2959,7 +2959,7 @@
           <p:cNvPr id="4" name="Espaço Reservado para Data 3">
             <a:extLst>
               <a:ext uri="{FF2B5EF4-FFF2-40B4-BE49-F238E27FC236}">
-                <a16:creationId xmlns="" xmlns:a16="http://schemas.microsoft.com/office/drawing/2014/main" id="{99E8855C-D8FD-48F6-B14E-861E0DE4D915}"/>
+                <a16:creationId xmlns:a16="http://schemas.microsoft.com/office/drawing/2014/main" xmlns="" id="{99E8855C-D8FD-48F6-B14E-861E0DE4D915}"/>
               </a:ext>
             </a:extLst>
           </p:cNvPr>
@@ -2977,7 +2977,7 @@
           <a:p>
             <a:fld id="{63289F7E-B80B-496E-81B4-D396C37C9454}" type="datetimeFigureOut">
               <a:rPr lang="pt-BR" smtClean="0"/>
-              <a:t>09/09/2022</a:t>
+              <a:t>05/10/2022</a:t>
             </a:fld>
             <a:endParaRPr lang="pt-BR"/>
           </a:p>
@@ -2988,7 +2988,7 @@
           <p:cNvPr id="5" name="Espaço Reservado para Rodapé 4">
             <a:extLst>
               <a:ext uri="{FF2B5EF4-FFF2-40B4-BE49-F238E27FC236}">
-                <a16:creationId xmlns="" xmlns:a16="http://schemas.microsoft.com/office/drawing/2014/main" id="{97C0BB88-2F21-42A5-ACFF-83DA47F2D340}"/>
+                <a16:creationId xmlns:a16="http://schemas.microsoft.com/office/drawing/2014/main" xmlns="" id="{97C0BB88-2F21-42A5-ACFF-83DA47F2D340}"/>
               </a:ext>
             </a:extLst>
           </p:cNvPr>
@@ -3013,7 +3013,7 @@
           <p:cNvPr id="6" name="Espaço Reservado para Número de Slide 5">
             <a:extLst>
               <a:ext uri="{FF2B5EF4-FFF2-40B4-BE49-F238E27FC236}">
-                <a16:creationId xmlns="" xmlns:a16="http://schemas.microsoft.com/office/drawing/2014/main" id="{6CB462B3-1F22-4C05-B4B8-7A279FB7D5E9}"/>
+                <a16:creationId xmlns:a16="http://schemas.microsoft.com/office/drawing/2014/main" xmlns="" id="{6CB462B3-1F22-4C05-B4B8-7A279FB7D5E9}"/>
               </a:ext>
             </a:extLst>
           </p:cNvPr>
@@ -3072,7 +3072,7 @@
           <p:cNvPr id="2" name="Título Vertical 1">
             <a:extLst>
               <a:ext uri="{FF2B5EF4-FFF2-40B4-BE49-F238E27FC236}">
-                <a16:creationId xmlns="" xmlns:a16="http://schemas.microsoft.com/office/drawing/2014/main" id="{EAEAB728-701C-4207-A9D5-23FF45C60502}"/>
+                <a16:creationId xmlns:a16="http://schemas.microsoft.com/office/drawing/2014/main" xmlns="" id="{EAEAB728-701C-4207-A9D5-23FF45C60502}"/>
               </a:ext>
             </a:extLst>
           </p:cNvPr>
@@ -3105,7 +3105,7 @@
           <p:cNvPr id="3" name="Espaço Reservado para Texto Vertical 2">
             <a:extLst>
               <a:ext uri="{FF2B5EF4-FFF2-40B4-BE49-F238E27FC236}">
-                <a16:creationId xmlns="" xmlns:a16="http://schemas.microsoft.com/office/drawing/2014/main" id="{BA8C8CCF-7823-480A-9A19-0F664DD17E3B}"/>
+                <a16:creationId xmlns:a16="http://schemas.microsoft.com/office/drawing/2014/main" xmlns="" id="{BA8C8CCF-7823-480A-9A19-0F664DD17E3B}"/>
               </a:ext>
             </a:extLst>
           </p:cNvPr>
@@ -3167,7 +3167,7 @@
           <p:cNvPr id="4" name="Espaço Reservado para Data 3">
             <a:extLst>
               <a:ext uri="{FF2B5EF4-FFF2-40B4-BE49-F238E27FC236}">
-                <a16:creationId xmlns="" xmlns:a16="http://schemas.microsoft.com/office/drawing/2014/main" id="{721D5734-7B1F-425D-942F-6EB73344027C}"/>
+                <a16:creationId xmlns:a16="http://schemas.microsoft.com/office/drawing/2014/main" xmlns="" id="{721D5734-7B1F-425D-942F-6EB73344027C}"/>
               </a:ext>
             </a:extLst>
           </p:cNvPr>
@@ -3185,7 +3185,7 @@
           <a:p>
             <a:fld id="{63289F7E-B80B-496E-81B4-D396C37C9454}" type="datetimeFigureOut">
               <a:rPr lang="pt-BR" smtClean="0"/>
-              <a:t>09/09/2022</a:t>
+              <a:t>05/10/2022</a:t>
             </a:fld>
             <a:endParaRPr lang="pt-BR"/>
           </a:p>
@@ -3196,7 +3196,7 @@
           <p:cNvPr id="5" name="Espaço Reservado para Rodapé 4">
             <a:extLst>
               <a:ext uri="{FF2B5EF4-FFF2-40B4-BE49-F238E27FC236}">
-                <a16:creationId xmlns="" xmlns:a16="http://schemas.microsoft.com/office/drawing/2014/main" id="{1E1AAEAC-F08D-45FE-89EC-B1B349A868C9}"/>
+                <a16:creationId xmlns:a16="http://schemas.microsoft.com/office/drawing/2014/main" xmlns="" id="{1E1AAEAC-F08D-45FE-89EC-B1B349A868C9}"/>
               </a:ext>
             </a:extLst>
           </p:cNvPr>
@@ -3221,7 +3221,7 @@
           <p:cNvPr id="6" name="Espaço Reservado para Número de Slide 5">
             <a:extLst>
               <a:ext uri="{FF2B5EF4-FFF2-40B4-BE49-F238E27FC236}">
-                <a16:creationId xmlns="" xmlns:a16="http://schemas.microsoft.com/office/drawing/2014/main" id="{BAA44493-9911-47B2-87A6-C2141A972BC8}"/>
+                <a16:creationId xmlns:a16="http://schemas.microsoft.com/office/drawing/2014/main" xmlns="" id="{BAA44493-9911-47B2-87A6-C2141A972BC8}"/>
               </a:ext>
             </a:extLst>
           </p:cNvPr>
@@ -3280,7 +3280,7 @@
           <p:cNvPr id="2" name="Título 1">
             <a:extLst>
               <a:ext uri="{FF2B5EF4-FFF2-40B4-BE49-F238E27FC236}">
-                <a16:creationId xmlns="" xmlns:a16="http://schemas.microsoft.com/office/drawing/2014/main" id="{71BD44A5-8F21-4626-A01D-48A1C874B1D5}"/>
+                <a16:creationId xmlns:a16="http://schemas.microsoft.com/office/drawing/2014/main" xmlns="" id="{71BD44A5-8F21-4626-A01D-48A1C874B1D5}"/>
               </a:ext>
             </a:extLst>
           </p:cNvPr>
@@ -3308,7 +3308,7 @@
           <p:cNvPr id="3" name="Espaço Reservado para Conteúdo 2">
             <a:extLst>
               <a:ext uri="{FF2B5EF4-FFF2-40B4-BE49-F238E27FC236}">
-                <a16:creationId xmlns="" xmlns:a16="http://schemas.microsoft.com/office/drawing/2014/main" id="{B79E8085-65A9-48AA-951D-71D978BFF4ED}"/>
+                <a16:creationId xmlns:a16="http://schemas.microsoft.com/office/drawing/2014/main" xmlns="" id="{B79E8085-65A9-48AA-951D-71D978BFF4ED}"/>
               </a:ext>
             </a:extLst>
           </p:cNvPr>
@@ -3365,7 +3365,7 @@
           <p:cNvPr id="4" name="Espaço Reservado para Data 3">
             <a:extLst>
               <a:ext uri="{FF2B5EF4-FFF2-40B4-BE49-F238E27FC236}">
-                <a16:creationId xmlns="" xmlns:a16="http://schemas.microsoft.com/office/drawing/2014/main" id="{F05BE1AF-51EA-425D-B188-DE7BD675009F}"/>
+                <a16:creationId xmlns:a16="http://schemas.microsoft.com/office/drawing/2014/main" xmlns="" id="{F05BE1AF-51EA-425D-B188-DE7BD675009F}"/>
               </a:ext>
             </a:extLst>
           </p:cNvPr>
@@ -3383,7 +3383,7 @@
           <a:p>
             <a:fld id="{63289F7E-B80B-496E-81B4-D396C37C9454}" type="datetimeFigureOut">
               <a:rPr lang="pt-BR" smtClean="0"/>
-              <a:t>09/09/2022</a:t>
+              <a:t>05/10/2022</a:t>
             </a:fld>
             <a:endParaRPr lang="pt-BR"/>
           </a:p>
@@ -3394,7 +3394,7 @@
           <p:cNvPr id="5" name="Espaço Reservado para Rodapé 4">
             <a:extLst>
               <a:ext uri="{FF2B5EF4-FFF2-40B4-BE49-F238E27FC236}">
-                <a16:creationId xmlns="" xmlns:a16="http://schemas.microsoft.com/office/drawing/2014/main" id="{121BE632-29CF-4CB9-B365-C9EF38F89BE6}"/>
+                <a16:creationId xmlns:a16="http://schemas.microsoft.com/office/drawing/2014/main" xmlns="" id="{121BE632-29CF-4CB9-B365-C9EF38F89BE6}"/>
               </a:ext>
             </a:extLst>
           </p:cNvPr>
@@ -3419,7 +3419,7 @@
           <p:cNvPr id="6" name="Espaço Reservado para Número de Slide 5">
             <a:extLst>
               <a:ext uri="{FF2B5EF4-FFF2-40B4-BE49-F238E27FC236}">
-                <a16:creationId xmlns="" xmlns:a16="http://schemas.microsoft.com/office/drawing/2014/main" id="{60CF3DD1-9AEC-4A57-B461-4E4DD86FAC18}"/>
+                <a16:creationId xmlns:a16="http://schemas.microsoft.com/office/drawing/2014/main" xmlns="" id="{60CF3DD1-9AEC-4A57-B461-4E4DD86FAC18}"/>
               </a:ext>
             </a:extLst>
           </p:cNvPr>
@@ -3478,7 +3478,7 @@
           <p:cNvPr id="2" name="Título 1">
             <a:extLst>
               <a:ext uri="{FF2B5EF4-FFF2-40B4-BE49-F238E27FC236}">
-                <a16:creationId xmlns="" xmlns:a16="http://schemas.microsoft.com/office/drawing/2014/main" id="{34AB2FF0-A4D7-4E28-991D-FF26140D5988}"/>
+                <a16:creationId xmlns:a16="http://schemas.microsoft.com/office/drawing/2014/main" xmlns="" id="{34AB2FF0-A4D7-4E28-991D-FF26140D5988}"/>
               </a:ext>
             </a:extLst>
           </p:cNvPr>
@@ -3515,7 +3515,7 @@
           <p:cNvPr id="3" name="Espaço Reservado para Texto 2">
             <a:extLst>
               <a:ext uri="{FF2B5EF4-FFF2-40B4-BE49-F238E27FC236}">
-                <a16:creationId xmlns="" xmlns:a16="http://schemas.microsoft.com/office/drawing/2014/main" id="{E2AC45B0-4145-40DB-8E61-105461170604}"/>
+                <a16:creationId xmlns:a16="http://schemas.microsoft.com/office/drawing/2014/main" xmlns="" id="{E2AC45B0-4145-40DB-8E61-105461170604}"/>
               </a:ext>
             </a:extLst>
           </p:cNvPr>
@@ -3640,7 +3640,7 @@
           <p:cNvPr id="4" name="Espaço Reservado para Data 3">
             <a:extLst>
               <a:ext uri="{FF2B5EF4-FFF2-40B4-BE49-F238E27FC236}">
-                <a16:creationId xmlns="" xmlns:a16="http://schemas.microsoft.com/office/drawing/2014/main" id="{50F1D3FB-740A-4EBA-A309-2CE71D12ECFB}"/>
+                <a16:creationId xmlns:a16="http://schemas.microsoft.com/office/drawing/2014/main" xmlns="" id="{50F1D3FB-740A-4EBA-A309-2CE71D12ECFB}"/>
               </a:ext>
             </a:extLst>
           </p:cNvPr>
@@ -3658,7 +3658,7 @@
           <a:p>
             <a:fld id="{63289F7E-B80B-496E-81B4-D396C37C9454}" type="datetimeFigureOut">
               <a:rPr lang="pt-BR" smtClean="0"/>
-              <a:t>09/09/2022</a:t>
+              <a:t>05/10/2022</a:t>
             </a:fld>
             <a:endParaRPr lang="pt-BR"/>
           </a:p>
@@ -3669,7 +3669,7 @@
           <p:cNvPr id="5" name="Espaço Reservado para Rodapé 4">
             <a:extLst>
               <a:ext uri="{FF2B5EF4-FFF2-40B4-BE49-F238E27FC236}">
-                <a16:creationId xmlns="" xmlns:a16="http://schemas.microsoft.com/office/drawing/2014/main" id="{BDCAB18F-8715-4465-A940-F9C193A2ACE9}"/>
+                <a16:creationId xmlns:a16="http://schemas.microsoft.com/office/drawing/2014/main" xmlns="" id="{BDCAB18F-8715-4465-A940-F9C193A2ACE9}"/>
               </a:ext>
             </a:extLst>
           </p:cNvPr>
@@ -3694,7 +3694,7 @@
           <p:cNvPr id="6" name="Espaço Reservado para Número de Slide 5">
             <a:extLst>
               <a:ext uri="{FF2B5EF4-FFF2-40B4-BE49-F238E27FC236}">
-                <a16:creationId xmlns="" xmlns:a16="http://schemas.microsoft.com/office/drawing/2014/main" id="{353466C6-8248-429F-8056-FF040BF509EB}"/>
+                <a16:creationId xmlns:a16="http://schemas.microsoft.com/office/drawing/2014/main" xmlns="" id="{353466C6-8248-429F-8056-FF040BF509EB}"/>
               </a:ext>
             </a:extLst>
           </p:cNvPr>
@@ -3753,7 +3753,7 @@
           <p:cNvPr id="2" name="Título 1">
             <a:extLst>
               <a:ext uri="{FF2B5EF4-FFF2-40B4-BE49-F238E27FC236}">
-                <a16:creationId xmlns="" xmlns:a16="http://schemas.microsoft.com/office/drawing/2014/main" id="{BC7BB9F0-F14B-4A91-B2B7-35BC47FE4DE7}"/>
+                <a16:creationId xmlns:a16="http://schemas.microsoft.com/office/drawing/2014/main" xmlns="" id="{BC7BB9F0-F14B-4A91-B2B7-35BC47FE4DE7}"/>
               </a:ext>
             </a:extLst>
           </p:cNvPr>
@@ -3781,7 +3781,7 @@
           <p:cNvPr id="3" name="Espaço Reservado para Conteúdo 2">
             <a:extLst>
               <a:ext uri="{FF2B5EF4-FFF2-40B4-BE49-F238E27FC236}">
-                <a16:creationId xmlns="" xmlns:a16="http://schemas.microsoft.com/office/drawing/2014/main" id="{EC1FC1C4-73DA-47A6-8496-B0B457F7D39A}"/>
+                <a16:creationId xmlns:a16="http://schemas.microsoft.com/office/drawing/2014/main" xmlns="" id="{EC1FC1C4-73DA-47A6-8496-B0B457F7D39A}"/>
               </a:ext>
             </a:extLst>
           </p:cNvPr>
@@ -3843,7 +3843,7 @@
           <p:cNvPr id="4" name="Espaço Reservado para Conteúdo 3">
             <a:extLst>
               <a:ext uri="{FF2B5EF4-FFF2-40B4-BE49-F238E27FC236}">
-                <a16:creationId xmlns="" xmlns:a16="http://schemas.microsoft.com/office/drawing/2014/main" id="{E92F06A8-A449-4D92-9912-76873E529B38}"/>
+                <a16:creationId xmlns:a16="http://schemas.microsoft.com/office/drawing/2014/main" xmlns="" id="{E92F06A8-A449-4D92-9912-76873E529B38}"/>
               </a:ext>
             </a:extLst>
           </p:cNvPr>
@@ -3905,7 +3905,7 @@
           <p:cNvPr id="5" name="Espaço Reservado para Data 4">
             <a:extLst>
               <a:ext uri="{FF2B5EF4-FFF2-40B4-BE49-F238E27FC236}">
-                <a16:creationId xmlns="" xmlns:a16="http://schemas.microsoft.com/office/drawing/2014/main" id="{938070A4-BC2F-4D55-BD8D-DEAF11BB9EE9}"/>
+                <a16:creationId xmlns:a16="http://schemas.microsoft.com/office/drawing/2014/main" xmlns="" id="{938070A4-BC2F-4D55-BD8D-DEAF11BB9EE9}"/>
               </a:ext>
             </a:extLst>
           </p:cNvPr>
@@ -3923,7 +3923,7 @@
           <a:p>
             <a:fld id="{63289F7E-B80B-496E-81B4-D396C37C9454}" type="datetimeFigureOut">
               <a:rPr lang="pt-BR" smtClean="0"/>
-              <a:t>09/09/2022</a:t>
+              <a:t>05/10/2022</a:t>
             </a:fld>
             <a:endParaRPr lang="pt-BR"/>
           </a:p>
@@ -3934,7 +3934,7 @@
           <p:cNvPr id="6" name="Espaço Reservado para Rodapé 5">
             <a:extLst>
               <a:ext uri="{FF2B5EF4-FFF2-40B4-BE49-F238E27FC236}">
-                <a16:creationId xmlns="" xmlns:a16="http://schemas.microsoft.com/office/drawing/2014/main" id="{45CC2DB8-844A-465F-BA9A-7734C80C7F43}"/>
+                <a16:creationId xmlns:a16="http://schemas.microsoft.com/office/drawing/2014/main" xmlns="" id="{45CC2DB8-844A-465F-BA9A-7734C80C7F43}"/>
               </a:ext>
             </a:extLst>
           </p:cNvPr>
@@ -3959,7 +3959,7 @@
           <p:cNvPr id="7" name="Espaço Reservado para Número de Slide 6">
             <a:extLst>
               <a:ext uri="{FF2B5EF4-FFF2-40B4-BE49-F238E27FC236}">
-                <a16:creationId xmlns="" xmlns:a16="http://schemas.microsoft.com/office/drawing/2014/main" id="{4CC606A8-097B-4040-94E0-CD8C88280D8F}"/>
+                <a16:creationId xmlns:a16="http://schemas.microsoft.com/office/drawing/2014/main" xmlns="" id="{4CC606A8-097B-4040-94E0-CD8C88280D8F}"/>
               </a:ext>
             </a:extLst>
           </p:cNvPr>
@@ -4018,7 +4018,7 @@
           <p:cNvPr id="2" name="Título 1">
             <a:extLst>
               <a:ext uri="{FF2B5EF4-FFF2-40B4-BE49-F238E27FC236}">
-                <a16:creationId xmlns="" xmlns:a16="http://schemas.microsoft.com/office/drawing/2014/main" id="{76D66686-0143-4CB6-8C09-BA326F1E7ACA}"/>
+                <a16:creationId xmlns:a16="http://schemas.microsoft.com/office/drawing/2014/main" xmlns="" id="{76D66686-0143-4CB6-8C09-BA326F1E7ACA}"/>
               </a:ext>
             </a:extLst>
           </p:cNvPr>
@@ -4051,7 +4051,7 @@
           <p:cNvPr id="3" name="Espaço Reservado para Texto 2">
             <a:extLst>
               <a:ext uri="{FF2B5EF4-FFF2-40B4-BE49-F238E27FC236}">
-                <a16:creationId xmlns="" xmlns:a16="http://schemas.microsoft.com/office/drawing/2014/main" id="{0227AB85-F59E-4BCE-B846-4FA0992C2F23}"/>
+                <a16:creationId xmlns:a16="http://schemas.microsoft.com/office/drawing/2014/main" xmlns="" id="{0227AB85-F59E-4BCE-B846-4FA0992C2F23}"/>
               </a:ext>
             </a:extLst>
           </p:cNvPr>
@@ -4122,7 +4122,7 @@
           <p:cNvPr id="4" name="Espaço Reservado para Conteúdo 3">
             <a:extLst>
               <a:ext uri="{FF2B5EF4-FFF2-40B4-BE49-F238E27FC236}">
-                <a16:creationId xmlns="" xmlns:a16="http://schemas.microsoft.com/office/drawing/2014/main" id="{3373456C-7319-4D0A-827D-D29F6B083F5D}"/>
+                <a16:creationId xmlns:a16="http://schemas.microsoft.com/office/drawing/2014/main" xmlns="" id="{3373456C-7319-4D0A-827D-D29F6B083F5D}"/>
               </a:ext>
             </a:extLst>
           </p:cNvPr>
@@ -4184,7 +4184,7 @@
           <p:cNvPr id="5" name="Espaço Reservado para Texto 4">
             <a:extLst>
               <a:ext uri="{FF2B5EF4-FFF2-40B4-BE49-F238E27FC236}">
-                <a16:creationId xmlns="" xmlns:a16="http://schemas.microsoft.com/office/drawing/2014/main" id="{4CD109D0-2E83-4262-8029-A871CEC47406}"/>
+                <a16:creationId xmlns:a16="http://schemas.microsoft.com/office/drawing/2014/main" xmlns="" id="{4CD109D0-2E83-4262-8029-A871CEC47406}"/>
               </a:ext>
             </a:extLst>
           </p:cNvPr>
@@ -4255,7 +4255,7 @@
           <p:cNvPr id="6" name="Espaço Reservado para Conteúdo 5">
             <a:extLst>
               <a:ext uri="{FF2B5EF4-FFF2-40B4-BE49-F238E27FC236}">
-                <a16:creationId xmlns="" xmlns:a16="http://schemas.microsoft.com/office/drawing/2014/main" id="{AD706E3A-CFBB-4A6C-A65F-D0360A9E74FE}"/>
+                <a16:creationId xmlns:a16="http://schemas.microsoft.com/office/drawing/2014/main" xmlns="" id="{AD706E3A-CFBB-4A6C-A65F-D0360A9E74FE}"/>
               </a:ext>
             </a:extLst>
           </p:cNvPr>
@@ -4317,7 +4317,7 @@
           <p:cNvPr id="7" name="Espaço Reservado para Data 6">
             <a:extLst>
               <a:ext uri="{FF2B5EF4-FFF2-40B4-BE49-F238E27FC236}">
-                <a16:creationId xmlns="" xmlns:a16="http://schemas.microsoft.com/office/drawing/2014/main" id="{4172C0E5-5AF0-4805-BB51-443733CD2BD5}"/>
+                <a16:creationId xmlns:a16="http://schemas.microsoft.com/office/drawing/2014/main" xmlns="" id="{4172C0E5-5AF0-4805-BB51-443733CD2BD5}"/>
               </a:ext>
             </a:extLst>
           </p:cNvPr>
@@ -4335,7 +4335,7 @@
           <a:p>
             <a:fld id="{63289F7E-B80B-496E-81B4-D396C37C9454}" type="datetimeFigureOut">
               <a:rPr lang="pt-BR" smtClean="0"/>
-              <a:t>09/09/2022</a:t>
+              <a:t>05/10/2022</a:t>
             </a:fld>
             <a:endParaRPr lang="pt-BR"/>
           </a:p>
@@ -4346,7 +4346,7 @@
           <p:cNvPr id="8" name="Espaço Reservado para Rodapé 7">
             <a:extLst>
               <a:ext uri="{FF2B5EF4-FFF2-40B4-BE49-F238E27FC236}">
-                <a16:creationId xmlns="" xmlns:a16="http://schemas.microsoft.com/office/drawing/2014/main" id="{0E801648-156F-497E-99CF-797DF48051E1}"/>
+                <a16:creationId xmlns:a16="http://schemas.microsoft.com/office/drawing/2014/main" xmlns="" id="{0E801648-156F-497E-99CF-797DF48051E1}"/>
               </a:ext>
             </a:extLst>
           </p:cNvPr>
@@ -4371,7 +4371,7 @@
           <p:cNvPr id="9" name="Espaço Reservado para Número de Slide 8">
             <a:extLst>
               <a:ext uri="{FF2B5EF4-FFF2-40B4-BE49-F238E27FC236}">
-                <a16:creationId xmlns="" xmlns:a16="http://schemas.microsoft.com/office/drawing/2014/main" id="{EEE23D32-80E7-4796-A137-66BF842E4B53}"/>
+                <a16:creationId xmlns:a16="http://schemas.microsoft.com/office/drawing/2014/main" xmlns="" id="{EEE23D32-80E7-4796-A137-66BF842E4B53}"/>
               </a:ext>
             </a:extLst>
           </p:cNvPr>
@@ -4430,7 +4430,7 @@
           <p:cNvPr id="2" name="Título 1">
             <a:extLst>
               <a:ext uri="{FF2B5EF4-FFF2-40B4-BE49-F238E27FC236}">
-                <a16:creationId xmlns="" xmlns:a16="http://schemas.microsoft.com/office/drawing/2014/main" id="{2BCE2379-C78F-47E1-8CFC-B846E7AF148D}"/>
+                <a16:creationId xmlns:a16="http://schemas.microsoft.com/office/drawing/2014/main" xmlns="" id="{2BCE2379-C78F-47E1-8CFC-B846E7AF148D}"/>
               </a:ext>
             </a:extLst>
           </p:cNvPr>
@@ -4458,7 +4458,7 @@
           <p:cNvPr id="3" name="Espaço Reservado para Data 2">
             <a:extLst>
               <a:ext uri="{FF2B5EF4-FFF2-40B4-BE49-F238E27FC236}">
-                <a16:creationId xmlns="" xmlns:a16="http://schemas.microsoft.com/office/drawing/2014/main" id="{342600A9-7F92-4E22-9D94-E4717252A817}"/>
+                <a16:creationId xmlns:a16="http://schemas.microsoft.com/office/drawing/2014/main" xmlns="" id="{342600A9-7F92-4E22-9D94-E4717252A817}"/>
               </a:ext>
             </a:extLst>
           </p:cNvPr>
@@ -4476,7 +4476,7 @@
           <a:p>
             <a:fld id="{63289F7E-B80B-496E-81B4-D396C37C9454}" type="datetimeFigureOut">
               <a:rPr lang="pt-BR" smtClean="0"/>
-              <a:t>09/09/2022</a:t>
+              <a:t>05/10/2022</a:t>
             </a:fld>
             <a:endParaRPr lang="pt-BR"/>
           </a:p>
@@ -4487,7 +4487,7 @@
           <p:cNvPr id="4" name="Espaço Reservado para Rodapé 3">
             <a:extLst>
               <a:ext uri="{FF2B5EF4-FFF2-40B4-BE49-F238E27FC236}">
-                <a16:creationId xmlns="" xmlns:a16="http://schemas.microsoft.com/office/drawing/2014/main" id="{192E6BED-F546-40CC-A2DF-99CBA853654E}"/>
+                <a16:creationId xmlns:a16="http://schemas.microsoft.com/office/drawing/2014/main" xmlns="" id="{192E6BED-F546-40CC-A2DF-99CBA853654E}"/>
               </a:ext>
             </a:extLst>
           </p:cNvPr>
@@ -4512,7 +4512,7 @@
           <p:cNvPr id="5" name="Espaço Reservado para Número de Slide 4">
             <a:extLst>
               <a:ext uri="{FF2B5EF4-FFF2-40B4-BE49-F238E27FC236}">
-                <a16:creationId xmlns="" xmlns:a16="http://schemas.microsoft.com/office/drawing/2014/main" id="{6091CC40-A8C4-4063-80EB-CC5099621678}"/>
+                <a16:creationId xmlns:a16="http://schemas.microsoft.com/office/drawing/2014/main" xmlns="" id="{6091CC40-A8C4-4063-80EB-CC5099621678}"/>
               </a:ext>
             </a:extLst>
           </p:cNvPr>
@@ -4571,7 +4571,7 @@
           <p:cNvPr id="2" name="Espaço Reservado para Data 1">
             <a:extLst>
               <a:ext uri="{FF2B5EF4-FFF2-40B4-BE49-F238E27FC236}">
-                <a16:creationId xmlns="" xmlns:a16="http://schemas.microsoft.com/office/drawing/2014/main" id="{DD19515C-212C-4EAE-84A3-8FF4BC844F1B}"/>
+                <a16:creationId xmlns:a16="http://schemas.microsoft.com/office/drawing/2014/main" xmlns="" id="{DD19515C-212C-4EAE-84A3-8FF4BC844F1B}"/>
               </a:ext>
             </a:extLst>
           </p:cNvPr>
@@ -4589,7 +4589,7 @@
           <a:p>
             <a:fld id="{63289F7E-B80B-496E-81B4-D396C37C9454}" type="datetimeFigureOut">
               <a:rPr lang="pt-BR" smtClean="0"/>
-              <a:t>09/09/2022</a:t>
+              <a:t>05/10/2022</a:t>
             </a:fld>
             <a:endParaRPr lang="pt-BR"/>
           </a:p>
@@ -4600,7 +4600,7 @@
           <p:cNvPr id="3" name="Espaço Reservado para Rodapé 2">
             <a:extLst>
               <a:ext uri="{FF2B5EF4-FFF2-40B4-BE49-F238E27FC236}">
-                <a16:creationId xmlns="" xmlns:a16="http://schemas.microsoft.com/office/drawing/2014/main" id="{94D3D120-B3E8-4C96-861D-7A4F12F49B3A}"/>
+                <a16:creationId xmlns:a16="http://schemas.microsoft.com/office/drawing/2014/main" xmlns="" id="{94D3D120-B3E8-4C96-861D-7A4F12F49B3A}"/>
               </a:ext>
             </a:extLst>
           </p:cNvPr>
@@ -4625,7 +4625,7 @@
           <p:cNvPr id="4" name="Espaço Reservado para Número de Slide 3">
             <a:extLst>
               <a:ext uri="{FF2B5EF4-FFF2-40B4-BE49-F238E27FC236}">
-                <a16:creationId xmlns="" xmlns:a16="http://schemas.microsoft.com/office/drawing/2014/main" id="{42E49B68-FA1B-468B-9F17-D5C09243D454}"/>
+                <a16:creationId xmlns:a16="http://schemas.microsoft.com/office/drawing/2014/main" xmlns="" id="{42E49B68-FA1B-468B-9F17-D5C09243D454}"/>
               </a:ext>
             </a:extLst>
           </p:cNvPr>
@@ -4684,7 +4684,7 @@
           <p:cNvPr id="2" name="Título 1">
             <a:extLst>
               <a:ext uri="{FF2B5EF4-FFF2-40B4-BE49-F238E27FC236}">
-                <a16:creationId xmlns="" xmlns:a16="http://schemas.microsoft.com/office/drawing/2014/main" id="{1C17BCBE-A897-4319-85EC-D87909C24980}"/>
+                <a16:creationId xmlns:a16="http://schemas.microsoft.com/office/drawing/2014/main" xmlns="" id="{1C17BCBE-A897-4319-85EC-D87909C24980}"/>
               </a:ext>
             </a:extLst>
           </p:cNvPr>
@@ -4721,7 +4721,7 @@
           <p:cNvPr id="3" name="Espaço Reservado para Conteúdo 2">
             <a:extLst>
               <a:ext uri="{FF2B5EF4-FFF2-40B4-BE49-F238E27FC236}">
-                <a16:creationId xmlns="" xmlns:a16="http://schemas.microsoft.com/office/drawing/2014/main" id="{4226F885-0204-4913-868B-4B8B82576F17}"/>
+                <a16:creationId xmlns:a16="http://schemas.microsoft.com/office/drawing/2014/main" xmlns="" id="{4226F885-0204-4913-868B-4B8B82576F17}"/>
               </a:ext>
             </a:extLst>
           </p:cNvPr>
@@ -4811,7 +4811,7 @@
           <p:cNvPr id="4" name="Espaço Reservado para Texto 3">
             <a:extLst>
               <a:ext uri="{FF2B5EF4-FFF2-40B4-BE49-F238E27FC236}">
-                <a16:creationId xmlns="" xmlns:a16="http://schemas.microsoft.com/office/drawing/2014/main" id="{00F9F784-A858-441B-8AB5-697098141751}"/>
+                <a16:creationId xmlns:a16="http://schemas.microsoft.com/office/drawing/2014/main" xmlns="" id="{00F9F784-A858-441B-8AB5-697098141751}"/>
               </a:ext>
             </a:extLst>
           </p:cNvPr>
@@ -4882,7 +4882,7 @@
           <p:cNvPr id="5" name="Espaço Reservado para Data 4">
             <a:extLst>
               <a:ext uri="{FF2B5EF4-FFF2-40B4-BE49-F238E27FC236}">
-                <a16:creationId xmlns="" xmlns:a16="http://schemas.microsoft.com/office/drawing/2014/main" id="{A4DC363A-5000-472E-8B17-02E7DCB8840A}"/>
+                <a16:creationId xmlns:a16="http://schemas.microsoft.com/office/drawing/2014/main" xmlns="" id="{A4DC363A-5000-472E-8B17-02E7DCB8840A}"/>
               </a:ext>
             </a:extLst>
           </p:cNvPr>
@@ -4900,7 +4900,7 @@
           <a:p>
             <a:fld id="{63289F7E-B80B-496E-81B4-D396C37C9454}" type="datetimeFigureOut">
               <a:rPr lang="pt-BR" smtClean="0"/>
-              <a:t>09/09/2022</a:t>
+              <a:t>05/10/2022</a:t>
             </a:fld>
             <a:endParaRPr lang="pt-BR"/>
           </a:p>
@@ -4911,7 +4911,7 @@
           <p:cNvPr id="6" name="Espaço Reservado para Rodapé 5">
             <a:extLst>
               <a:ext uri="{FF2B5EF4-FFF2-40B4-BE49-F238E27FC236}">
-                <a16:creationId xmlns="" xmlns:a16="http://schemas.microsoft.com/office/drawing/2014/main" id="{5548425D-2C21-4C56-BAD4-662978775C28}"/>
+                <a16:creationId xmlns:a16="http://schemas.microsoft.com/office/drawing/2014/main" xmlns="" id="{5548425D-2C21-4C56-BAD4-662978775C28}"/>
               </a:ext>
             </a:extLst>
           </p:cNvPr>
@@ -4936,7 +4936,7 @@
           <p:cNvPr id="7" name="Espaço Reservado para Número de Slide 6">
             <a:extLst>
               <a:ext uri="{FF2B5EF4-FFF2-40B4-BE49-F238E27FC236}">
-                <a16:creationId xmlns="" xmlns:a16="http://schemas.microsoft.com/office/drawing/2014/main" id="{C63E9726-E64C-42B2-AE8A-8C235A956B48}"/>
+                <a16:creationId xmlns:a16="http://schemas.microsoft.com/office/drawing/2014/main" xmlns="" id="{C63E9726-E64C-42B2-AE8A-8C235A956B48}"/>
               </a:ext>
             </a:extLst>
           </p:cNvPr>
@@ -4995,7 +4995,7 @@
           <p:cNvPr id="2" name="Título 1">
             <a:extLst>
               <a:ext uri="{FF2B5EF4-FFF2-40B4-BE49-F238E27FC236}">
-                <a16:creationId xmlns="" xmlns:a16="http://schemas.microsoft.com/office/drawing/2014/main" id="{11086A78-3E74-450C-96A6-CA8AC37AF772}"/>
+                <a16:creationId xmlns:a16="http://schemas.microsoft.com/office/drawing/2014/main" xmlns="" id="{11086A78-3E74-450C-96A6-CA8AC37AF772}"/>
               </a:ext>
             </a:extLst>
           </p:cNvPr>
@@ -5032,7 +5032,7 @@
           <p:cNvPr id="3" name="Espaço Reservado para Imagem 2">
             <a:extLst>
               <a:ext uri="{FF2B5EF4-FFF2-40B4-BE49-F238E27FC236}">
-                <a16:creationId xmlns="" xmlns:a16="http://schemas.microsoft.com/office/drawing/2014/main" id="{5F5B7312-975A-4DBC-9B2F-3652ADA006FD}"/>
+                <a16:creationId xmlns:a16="http://schemas.microsoft.com/office/drawing/2014/main" xmlns="" id="{5F5B7312-975A-4DBC-9B2F-3652ADA006FD}"/>
               </a:ext>
             </a:extLst>
           </p:cNvPr>
@@ -5099,7 +5099,7 @@
           <p:cNvPr id="4" name="Espaço Reservado para Texto 3">
             <a:extLst>
               <a:ext uri="{FF2B5EF4-FFF2-40B4-BE49-F238E27FC236}">
-                <a16:creationId xmlns="" xmlns:a16="http://schemas.microsoft.com/office/drawing/2014/main" id="{AAF805F5-1DFF-41C6-944C-7D79FE0D0963}"/>
+                <a16:creationId xmlns:a16="http://schemas.microsoft.com/office/drawing/2014/main" xmlns="" id="{AAF805F5-1DFF-41C6-944C-7D79FE0D0963}"/>
               </a:ext>
             </a:extLst>
           </p:cNvPr>
@@ -5170,7 +5170,7 @@
           <p:cNvPr id="5" name="Espaço Reservado para Data 4">
             <a:extLst>
               <a:ext uri="{FF2B5EF4-FFF2-40B4-BE49-F238E27FC236}">
-                <a16:creationId xmlns="" xmlns:a16="http://schemas.microsoft.com/office/drawing/2014/main" id="{02113D81-8665-4516-BD81-C6A1F254EECD}"/>
+                <a16:creationId xmlns:a16="http://schemas.microsoft.com/office/drawing/2014/main" xmlns="" id="{02113D81-8665-4516-BD81-C6A1F254EECD}"/>
               </a:ext>
             </a:extLst>
           </p:cNvPr>
@@ -5188,7 +5188,7 @@
           <a:p>
             <a:fld id="{63289F7E-B80B-496E-81B4-D396C37C9454}" type="datetimeFigureOut">
               <a:rPr lang="pt-BR" smtClean="0"/>
-              <a:t>09/09/2022</a:t>
+              <a:t>05/10/2022</a:t>
             </a:fld>
             <a:endParaRPr lang="pt-BR"/>
           </a:p>
@@ -5199,7 +5199,7 @@
           <p:cNvPr id="6" name="Espaço Reservado para Rodapé 5">
             <a:extLst>
               <a:ext uri="{FF2B5EF4-FFF2-40B4-BE49-F238E27FC236}">
-                <a16:creationId xmlns="" xmlns:a16="http://schemas.microsoft.com/office/drawing/2014/main" id="{2B00C88B-FF32-40AA-A187-727D96FD7862}"/>
+                <a16:creationId xmlns:a16="http://schemas.microsoft.com/office/drawing/2014/main" xmlns="" id="{2B00C88B-FF32-40AA-A187-727D96FD7862}"/>
               </a:ext>
             </a:extLst>
           </p:cNvPr>
@@ -5224,7 +5224,7 @@
           <p:cNvPr id="7" name="Espaço Reservado para Número de Slide 6">
             <a:extLst>
               <a:ext uri="{FF2B5EF4-FFF2-40B4-BE49-F238E27FC236}">
-                <a16:creationId xmlns="" xmlns:a16="http://schemas.microsoft.com/office/drawing/2014/main" id="{A04D1A2D-69F7-4B8F-A730-BC26DC340BA6}"/>
+                <a16:creationId xmlns:a16="http://schemas.microsoft.com/office/drawing/2014/main" xmlns="" id="{A04D1A2D-69F7-4B8F-A730-BC26DC340BA6}"/>
               </a:ext>
             </a:extLst>
           </p:cNvPr>
@@ -5288,7 +5288,7 @@
           <p:cNvPr id="2" name="Espaço Reservado para Título 1">
             <a:extLst>
               <a:ext uri="{FF2B5EF4-FFF2-40B4-BE49-F238E27FC236}">
-                <a16:creationId xmlns="" xmlns:a16="http://schemas.microsoft.com/office/drawing/2014/main" id="{E69A0273-1966-4A1B-9370-4C1CE5036371}"/>
+                <a16:creationId xmlns:a16="http://schemas.microsoft.com/office/drawing/2014/main" xmlns="" id="{E69A0273-1966-4A1B-9370-4C1CE5036371}"/>
               </a:ext>
             </a:extLst>
           </p:cNvPr>
@@ -5326,7 +5326,7 @@
           <p:cNvPr id="3" name="Espaço Reservado para Texto 2">
             <a:extLst>
               <a:ext uri="{FF2B5EF4-FFF2-40B4-BE49-F238E27FC236}">
-                <a16:creationId xmlns="" xmlns:a16="http://schemas.microsoft.com/office/drawing/2014/main" id="{3B9CF87A-0448-49A7-AB25-EBC1D56A40EF}"/>
+                <a16:creationId xmlns:a16="http://schemas.microsoft.com/office/drawing/2014/main" xmlns="" id="{3B9CF87A-0448-49A7-AB25-EBC1D56A40EF}"/>
               </a:ext>
             </a:extLst>
           </p:cNvPr>
@@ -5393,7 +5393,7 @@
           <p:cNvPr id="4" name="Espaço Reservado para Data 3">
             <a:extLst>
               <a:ext uri="{FF2B5EF4-FFF2-40B4-BE49-F238E27FC236}">
-                <a16:creationId xmlns="" xmlns:a16="http://schemas.microsoft.com/office/drawing/2014/main" id="{2EF7B1F2-BB5A-44D0-816D-16AD2C71430E}"/>
+                <a16:creationId xmlns:a16="http://schemas.microsoft.com/office/drawing/2014/main" xmlns="" id="{2EF7B1F2-BB5A-44D0-816D-16AD2C71430E}"/>
               </a:ext>
             </a:extLst>
           </p:cNvPr>
@@ -5429,7 +5429,7 @@
           <a:p>
             <a:fld id="{63289F7E-B80B-496E-81B4-D396C37C9454}" type="datetimeFigureOut">
               <a:rPr lang="pt-BR" smtClean="0"/>
-              <a:t>09/09/2022</a:t>
+              <a:t>05/10/2022</a:t>
             </a:fld>
             <a:endParaRPr lang="pt-BR"/>
           </a:p>
@@ -5440,7 +5440,7 @@
           <p:cNvPr id="5" name="Espaço Reservado para Rodapé 4">
             <a:extLst>
               <a:ext uri="{FF2B5EF4-FFF2-40B4-BE49-F238E27FC236}">
-                <a16:creationId xmlns="" xmlns:a16="http://schemas.microsoft.com/office/drawing/2014/main" id="{C703F94C-2CC8-4DAA-BC35-14FC3E841DCD}"/>
+                <a16:creationId xmlns:a16="http://schemas.microsoft.com/office/drawing/2014/main" xmlns="" id="{C703F94C-2CC8-4DAA-BC35-14FC3E841DCD}"/>
               </a:ext>
             </a:extLst>
           </p:cNvPr>
@@ -5483,7 +5483,7 @@
           <p:cNvPr id="6" name="Espaço Reservado para Número de Slide 5">
             <a:extLst>
               <a:ext uri="{FF2B5EF4-FFF2-40B4-BE49-F238E27FC236}">
-                <a16:creationId xmlns="" xmlns:a16="http://schemas.microsoft.com/office/drawing/2014/main" id="{64051336-7048-457A-8B61-D94291D71648}"/>
+                <a16:creationId xmlns:a16="http://schemas.microsoft.com/office/drawing/2014/main" xmlns="" id="{64051336-7048-457A-8B61-D94291D71648}"/>
               </a:ext>
             </a:extLst>
           </p:cNvPr>
@@ -5851,7 +5851,7 @@
           <p:cNvPr id="2" name="Título 1">
             <a:extLst>
               <a:ext uri="{FF2B5EF4-FFF2-40B4-BE49-F238E27FC236}">
-                <a16:creationId xmlns="" xmlns:a16="http://schemas.microsoft.com/office/drawing/2014/main" id="{32666AC8-2E17-4DB4-B0F5-60C640CCFD2E}"/>
+                <a16:creationId xmlns:a16="http://schemas.microsoft.com/office/drawing/2014/main" xmlns="" id="{32666AC8-2E17-4DB4-B0F5-60C640CCFD2E}"/>
               </a:ext>
             </a:extLst>
           </p:cNvPr>
@@ -5897,7 +5897,7 @@
           <p:cNvPr id="4" name="CaixaDeTexto 3">
             <a:extLst>
               <a:ext uri="{FF2B5EF4-FFF2-40B4-BE49-F238E27FC236}">
-                <a16:creationId xmlns="" xmlns:a16="http://schemas.microsoft.com/office/drawing/2014/main" id="{430EB894-B7D4-434C-9D1A-A14094D9BEEC}"/>
+                <a16:creationId xmlns:a16="http://schemas.microsoft.com/office/drawing/2014/main" xmlns="" id="{430EB894-B7D4-434C-9D1A-A14094D9BEEC}"/>
               </a:ext>
             </a:extLst>
           </p:cNvPr>
@@ -5938,7 +5938,7 @@
           <p:cNvPr id="1026" name="Picture 2" descr="Logo">
             <a:extLst>
               <a:ext uri="{FF2B5EF4-FFF2-40B4-BE49-F238E27FC236}">
-                <a16:creationId xmlns="" xmlns:a16="http://schemas.microsoft.com/office/drawing/2014/main" id="{3F2642E0-4F6A-4196-8F58-E77D36E9A33F}"/>
+                <a16:creationId xmlns:a16="http://schemas.microsoft.com/office/drawing/2014/main" xmlns="" id="{3F2642E0-4F6A-4196-8F58-E77D36E9A33F}"/>
               </a:ext>
             </a:extLst>
           </p:cNvPr>
@@ -5983,7 +5983,7 @@
           <p:cNvPr id="5122" name="Picture 2" descr="Image result for machine learning">
             <a:extLst>
               <a:ext uri="{FF2B5EF4-FFF2-40B4-BE49-F238E27FC236}">
-                <a16:creationId xmlns="" xmlns:a16="http://schemas.microsoft.com/office/drawing/2014/main" id="{810CE0A2-4102-44A6-A370-175E7896CDCB}"/>
+                <a16:creationId xmlns:a16="http://schemas.microsoft.com/office/drawing/2014/main" xmlns="" id="{810CE0A2-4102-44A6-A370-175E7896CDCB}"/>
               </a:ext>
             </a:extLst>
           </p:cNvPr>
@@ -6075,8 +6075,8 @@
           </a:p>
         </p:txBody>
       </p:sp>
-      <mc:AlternateContent xmlns:mc="http://schemas.openxmlformats.org/markup-compatibility/2006">
-        <mc:Choice xmlns:a14="http://schemas.microsoft.com/office/drawing/2010/main" Requires="a14">
+      <mc:AlternateContent xmlns:mc="http://schemas.openxmlformats.org/markup-compatibility/2006" xmlns:a14="http://schemas.microsoft.com/office/drawing/2010/main">
+        <mc:Choice Requires="a14">
           <p:sp>
             <p:nvSpPr>
               <p:cNvPr id="3" name="Content Placeholder 2"/>
@@ -6141,7 +6141,6 @@
                   <a:rPr lang="pt-BR" dirty="0" smtClean="0"/>
                   <a:t>.</a:t>
                 </a:r>
-                <a:endParaRPr lang="pt-BR" dirty="0" smtClean="0"/>
               </a:p>
               <a:p>
                 <a:r>
@@ -6791,7 +6790,7 @@
             </p:txBody>
           </p:sp>
         </mc:Choice>
-        <mc:Fallback>
+        <mc:Fallback xmlns="">
           <p:sp>
             <p:nvSpPr>
               <p:cNvPr id="3" name="Content Placeholder 2"/>
@@ -6829,8 +6828,8 @@
           </p:sp>
         </mc:Fallback>
       </mc:AlternateContent>
-      <mc:AlternateContent xmlns:mc="http://schemas.openxmlformats.org/markup-compatibility/2006">
-        <mc:Choice xmlns:a14="http://schemas.microsoft.com/office/drawing/2010/main" Requires="a14">
+      <mc:AlternateContent xmlns:mc="http://schemas.openxmlformats.org/markup-compatibility/2006" xmlns:a14="http://schemas.microsoft.com/office/drawing/2010/main">
+        <mc:Choice Requires="a14">
           <p:sp>
             <p:nvSpPr>
               <p:cNvPr id="4" name="TextBox 3"/>
@@ -6920,7 +6919,7 @@
             </p:txBody>
           </p:sp>
         </mc:Choice>
-        <mc:Fallback>
+        <mc:Fallback xmlns="">
           <p:sp>
             <p:nvSpPr>
               <p:cNvPr id="4" name="TextBox 3"/>
@@ -7754,7 +7753,11 @@
                 </a14:m>
                 <a:r>
                   <a:rPr lang="pt-BR" dirty="0"/>
-                  <a:t>é um vetor </a:t>
+                  <a:t>é </a:t>
+                </a:r>
+                <a:r>
+                  <a:rPr lang="pt-BR" dirty="0" smtClean="0"/>
+                  <a:t>o vetor </a:t>
                 </a:r>
                 <a:r>
                   <a:rPr lang="pt-BR" dirty="0" smtClean="0"/>
@@ -8648,8 +8651,8 @@
           </a:p>
         </p:txBody>
       </p:sp>
-      <mc:AlternateContent xmlns:mc="http://schemas.openxmlformats.org/markup-compatibility/2006">
-        <mc:Choice xmlns:a14="http://schemas.microsoft.com/office/drawing/2010/main" Requires="a14">
+      <mc:AlternateContent xmlns:mc="http://schemas.openxmlformats.org/markup-compatibility/2006" xmlns:a14="http://schemas.microsoft.com/office/drawing/2010/main">
+        <mc:Choice Requires="a14">
           <p:sp>
             <p:nvSpPr>
               <p:cNvPr id="3" name="Content Placeholder 2"/>
@@ -9612,7 +9615,7 @@
             </p:txBody>
           </p:sp>
         </mc:Choice>
-        <mc:Fallback>
+        <mc:Fallback xmlns="">
           <p:sp>
             <p:nvSpPr>
               <p:cNvPr id="3" name="Content Placeholder 2"/>
@@ -9718,8 +9721,8 @@
           </a:fontRef>
         </p:style>
       </p:cxnSp>
-      <mc:AlternateContent xmlns:mc="http://schemas.openxmlformats.org/markup-compatibility/2006">
-        <mc:Choice xmlns:a14="http://schemas.microsoft.com/office/drawing/2010/main" Requires="a14">
+      <mc:AlternateContent xmlns:mc="http://schemas.openxmlformats.org/markup-compatibility/2006" xmlns:a14="http://schemas.microsoft.com/office/drawing/2010/main">
+        <mc:Choice Requires="a14">
           <p:sp>
             <p:nvSpPr>
               <p:cNvPr id="9" name="TextBox 8"/>
@@ -9764,7 +9767,7 @@
             </p:txBody>
           </p:sp>
         </mc:Choice>
-        <mc:Fallback>
+        <mc:Fallback xmlns="">
           <p:sp>
             <p:nvSpPr>
               <p:cNvPr id="9" name="TextBox 8"/>
@@ -9957,8 +9960,12 @@
               </a:p>
               <a:p>
                 <a:r>
-                  <a:rPr lang="pt-BR" dirty="0"/>
-                  <a:t>Entretato, como vimos antes, esta dependência afeta apenas a </a:t>
+                  <a:rPr lang="pt-BR" smtClean="0"/>
+                  <a:t>Entretanto</a:t>
+                </a:r>
+                <a:r>
+                  <a:rPr lang="pt-BR" dirty="0"/>
+                  <a:t>, como vimos antes, esta dependência afeta apenas a </a:t>
                 </a:r>
                 <a:r>
                   <a:rPr lang="pt-BR" b="1" i="1" dirty="0"/>
@@ -10923,8 +10930,8 @@
           </a:prstGeom>
         </p:spPr>
       </p:pic>
-      <mc:AlternateContent xmlns:mc="http://schemas.openxmlformats.org/markup-compatibility/2006">
-        <mc:Choice xmlns:a14="http://schemas.microsoft.com/office/drawing/2010/main" Requires="a14">
+      <mc:AlternateContent xmlns:mc="http://schemas.openxmlformats.org/markup-compatibility/2006" xmlns:a14="http://schemas.microsoft.com/office/drawing/2010/main">
+        <mc:Choice Requires="a14">
           <p:sp>
             <p:nvSpPr>
               <p:cNvPr id="8" name="Content Placeholder 2"/>
@@ -11426,7 +11433,7 @@
                         <m:d>
                           <m:dPr>
                             <m:ctrlPr>
-                              <a:rPr lang="pt-BR" b="0" i="0" smtClean="0">
+                              <a:rPr lang="pt-BR" b="0" i="1" smtClean="0">
                                 <a:latin typeface="Cambria Math" panose="02040503050406030204" pitchFamily="18" charset="0"/>
                               </a:rPr>
                             </m:ctrlPr>
@@ -11723,7 +11730,7 @@
             </p:txBody>
           </p:sp>
         </mc:Choice>
-        <mc:Fallback>
+        <mc:Fallback xmlns="">
           <p:sp>
             <p:nvSpPr>
               <p:cNvPr id="8" name="Content Placeholder 2"/>
@@ -12196,11 +12203,6 @@
               </a:rPr>
               <a:t>Laboratórios podem ser resolvidos em grupo, mas as entregas devem ser individuais.</a:t>
             </a:r>
-            <a:endParaRPr lang="pt-BR" b="1" dirty="0">
-              <a:solidFill>
-                <a:srgbClr val="FF0000"/>
-              </a:solidFill>
-            </a:endParaRPr>
           </a:p>
         </p:txBody>
       </p:sp>
@@ -12239,7 +12241,7 @@
           <p:cNvPr id="4" name="Título 1">
             <a:extLst>
               <a:ext uri="{FF2B5EF4-FFF2-40B4-BE49-F238E27FC236}">
-                <a16:creationId xmlns="" xmlns:a16="http://schemas.microsoft.com/office/drawing/2014/main" id="{32666AC8-2E17-4DB4-B0F5-60C640CCFD2E}"/>
+                <a16:creationId xmlns:a16="http://schemas.microsoft.com/office/drawing/2014/main" xmlns="" id="{32666AC8-2E17-4DB4-B0F5-60C640CCFD2E}"/>
               </a:ext>
             </a:extLst>
           </p:cNvPr>
@@ -15639,8 +15641,8 @@
           </a:p>
         </p:txBody>
       </p:sp>
-      <mc:AlternateContent xmlns:mc="http://schemas.openxmlformats.org/markup-compatibility/2006">
-        <mc:Choice xmlns:a14="http://schemas.microsoft.com/office/drawing/2010/main" Requires="a14">
+      <mc:AlternateContent xmlns:mc="http://schemas.openxmlformats.org/markup-compatibility/2006" xmlns:a14="http://schemas.microsoft.com/office/drawing/2010/main">
+        <mc:Choice Requires="a14">
           <p:sp>
             <p:nvSpPr>
               <p:cNvPr id="3" name="Content Placeholder 2"/>
@@ -15872,7 +15874,6 @@
                   <a:rPr lang="pt-BR" dirty="0"/>
                   <a:t>.</a:t>
                 </a:r>
-                <a:endParaRPr lang="pt-BR" dirty="0"/>
               </a:p>
               <a:p>
                 <a:r>
@@ -16081,7 +16082,7 @@
             </p:txBody>
           </p:sp>
         </mc:Choice>
-        <mc:Fallback>
+        <mc:Fallback xmlns="">
           <p:sp>
             <p:nvSpPr>
               <p:cNvPr id="3" name="Content Placeholder 2"/>
@@ -16154,7 +16155,7 @@
           <p:cNvPr id="2" name="Título 1">
             <a:extLst>
               <a:ext uri="{FF2B5EF4-FFF2-40B4-BE49-F238E27FC236}">
-                <a16:creationId xmlns="" xmlns:a16="http://schemas.microsoft.com/office/drawing/2014/main" id="{890D7195-61EC-4142-8041-DD35C2AB1914}"/>
+                <a16:creationId xmlns:a16="http://schemas.microsoft.com/office/drawing/2014/main" xmlns="" id="{890D7195-61EC-4142-8041-DD35C2AB1914}"/>
               </a:ext>
             </a:extLst>
           </p:cNvPr>
@@ -16178,14 +16179,14 @@
           </a:p>
         </p:txBody>
       </p:sp>
-      <mc:AlternateContent xmlns:mc="http://schemas.openxmlformats.org/markup-compatibility/2006">
-        <mc:Choice xmlns:a14="http://schemas.microsoft.com/office/drawing/2010/main" Requires="a14">
+      <mc:AlternateContent xmlns:mc="http://schemas.openxmlformats.org/markup-compatibility/2006" xmlns:a14="http://schemas.microsoft.com/office/drawing/2010/main">
+        <mc:Choice Requires="a14">
           <p:sp>
             <p:nvSpPr>
               <p:cNvPr id="3" name="Espaço Reservado para Conteúdo 2">
                 <a:extLst>
                   <a:ext uri="{FF2B5EF4-FFF2-40B4-BE49-F238E27FC236}">
-                    <a16:creationId xmlns="" xmlns:a16="http://schemas.microsoft.com/office/drawing/2014/main" id="{807ECEFA-6ED0-44F3-ABEA-8272FEB2FF63}"/>
+                    <a16:creationId xmlns:a16="http://schemas.microsoft.com/office/drawing/2014/main" xmlns="" id="{807ECEFA-6ED0-44F3-ABEA-8272FEB2FF63}"/>
                   </a:ext>
                 </a:extLst>
               </p:cNvPr>
@@ -18158,7 +18159,7 @@
             </p:txBody>
           </p:sp>
         </mc:Choice>
-        <mc:Fallback>
+        <mc:Fallback xmlns="">
           <p:sp>
             <p:nvSpPr>
               <p:cNvPr id="3" name="Espaço Reservado para Conteúdo 2">
@@ -18207,7 +18208,7 @@
           <p:cNvPr id="4" name="TextBox 6">
             <a:extLst>
               <a:ext uri="{FF2B5EF4-FFF2-40B4-BE49-F238E27FC236}">
-                <a16:creationId xmlns="" xmlns:a16="http://schemas.microsoft.com/office/drawing/2014/main" id="{BD5B7330-9A4E-4A27-BE6B-F7038DE7890D}"/>
+                <a16:creationId xmlns:a16="http://schemas.microsoft.com/office/drawing/2014/main" xmlns="" id="{BD5B7330-9A4E-4A27-BE6B-F7038DE7890D}"/>
               </a:ext>
             </a:extLst>
           </p:cNvPr>
@@ -18243,7 +18244,7 @@
           <p:cNvPr id="5" name="Straight Arrow Connector 7">
             <a:extLst>
               <a:ext uri="{FF2B5EF4-FFF2-40B4-BE49-F238E27FC236}">
-                <a16:creationId xmlns="" xmlns:a16="http://schemas.microsoft.com/office/drawing/2014/main" id="{E9DCC49F-2D0A-4D6E-9325-E6E0A35530AD}"/>
+                <a16:creationId xmlns:a16="http://schemas.microsoft.com/office/drawing/2014/main" xmlns="" id="{E9DCC49F-2D0A-4D6E-9325-E6E0A35530AD}"/>
               </a:ext>
             </a:extLst>
           </p:cNvPr>
@@ -18282,14 +18283,14 @@
           </a:fontRef>
         </p:style>
       </p:cxnSp>
-      <mc:AlternateContent xmlns:mc="http://schemas.openxmlformats.org/markup-compatibility/2006">
-        <mc:Choice xmlns:a14="http://schemas.microsoft.com/office/drawing/2010/main" Requires="a14">
+      <mc:AlternateContent xmlns:mc="http://schemas.openxmlformats.org/markup-compatibility/2006" xmlns:a14="http://schemas.microsoft.com/office/drawing/2010/main">
+        <mc:Choice Requires="a14">
           <p:sp>
             <p:nvSpPr>
               <p:cNvPr id="6" name="TextBox 3">
                 <a:extLst>
                   <a:ext uri="{FF2B5EF4-FFF2-40B4-BE49-F238E27FC236}">
-                    <a16:creationId xmlns="" xmlns:a16="http://schemas.microsoft.com/office/drawing/2014/main" id="{C2B44ACC-7F40-4DFA-AC5C-CC329D169698}"/>
+                    <a16:creationId xmlns:a16="http://schemas.microsoft.com/office/drawing/2014/main" xmlns="" id="{C2B44ACC-7F40-4DFA-AC5C-CC329D169698}"/>
                   </a:ext>
                 </a:extLst>
               </p:cNvPr>
@@ -18343,7 +18344,7 @@
             </p:txBody>
           </p:sp>
         </mc:Choice>
-        <mc:Fallback>
+        <mc:Fallback xmlns="">
           <p:sp>
             <p:nvSpPr>
               <p:cNvPr id="6" name="TextBox 3">
@@ -18393,7 +18394,7 @@
           <p:cNvPr id="7" name="Rectangle 11">
             <a:extLst>
               <a:ext uri="{FF2B5EF4-FFF2-40B4-BE49-F238E27FC236}">
-                <a16:creationId xmlns="" xmlns:a16="http://schemas.microsoft.com/office/drawing/2014/main" id="{1BDEDFF8-EB72-48C9-B045-4BDDB50DFABB}"/>
+                <a16:creationId xmlns:a16="http://schemas.microsoft.com/office/drawing/2014/main" xmlns="" id="{1BDEDFF8-EB72-48C9-B045-4BDDB50DFABB}"/>
               </a:ext>
             </a:extLst>
           </p:cNvPr>
@@ -18445,7 +18446,7 @@
           <p:cNvPr id="8" name="Straight Arrow Connector 13">
             <a:extLst>
               <a:ext uri="{FF2B5EF4-FFF2-40B4-BE49-F238E27FC236}">
-                <a16:creationId xmlns="" xmlns:a16="http://schemas.microsoft.com/office/drawing/2014/main" id="{9480D85A-07BF-44B1-A6D0-1DE33196FA5B}"/>
+                <a16:creationId xmlns:a16="http://schemas.microsoft.com/office/drawing/2014/main" xmlns="" id="{9480D85A-07BF-44B1-A6D0-1DE33196FA5B}"/>
               </a:ext>
             </a:extLst>
           </p:cNvPr>

--- a/slides/T320_Classificação (Parte IV).pptx
+++ b/slides/T320_Classificação (Parte IV).pptx
@@ -290,7 +290,7 @@
           <a:p>
             <a:fld id="{144F1436-6906-4D93-B7A2-786C327BFA14}" type="datetimeFigureOut">
               <a:rPr lang="nl-BE" smtClean="0"/>
-              <a:t>5/10/2022</a:t>
+              <a:t>17/03/2023</a:t>
             </a:fld>
             <a:endParaRPr lang="nl-BE"/>
           </a:p>
@@ -455,7 +455,7 @@
           <a:p>
             <a:fld id="{AA8CD09E-2914-4F47-B6C1-51B2C31814C9}" type="datetimeFigureOut">
               <a:rPr lang="pt-BR" smtClean="0"/>
-              <a:t>05/10/2022</a:t>
+              <a:t>17/03/2023</a:t>
             </a:fld>
             <a:endParaRPr lang="pt-BR"/>
           </a:p>
@@ -2654,7 +2654,7 @@
           <p:cNvPr id="2" name="Título 1">
             <a:extLst>
               <a:ext uri="{FF2B5EF4-FFF2-40B4-BE49-F238E27FC236}">
-                <a16:creationId xmlns:a16="http://schemas.microsoft.com/office/drawing/2014/main" xmlns="" id="{1DB9B4FF-B06E-403C-A326-BDC64D8FF94E}"/>
+                <a16:creationId xmlns="" xmlns:a16="http://schemas.microsoft.com/office/drawing/2014/main" id="{1DB9B4FF-B06E-403C-A326-BDC64D8FF94E}"/>
               </a:ext>
             </a:extLst>
           </p:cNvPr>
@@ -2691,7 +2691,7 @@
           <p:cNvPr id="3" name="Subtítulo 2">
             <a:extLst>
               <a:ext uri="{FF2B5EF4-FFF2-40B4-BE49-F238E27FC236}">
-                <a16:creationId xmlns:a16="http://schemas.microsoft.com/office/drawing/2014/main" xmlns="" id="{247BDFCE-746E-45BF-A319-4733D58D1632}"/>
+                <a16:creationId xmlns="" xmlns:a16="http://schemas.microsoft.com/office/drawing/2014/main" id="{247BDFCE-746E-45BF-A319-4733D58D1632}"/>
               </a:ext>
             </a:extLst>
           </p:cNvPr>
@@ -2761,7 +2761,7 @@
           <p:cNvPr id="4" name="Espaço Reservado para Data 3">
             <a:extLst>
               <a:ext uri="{FF2B5EF4-FFF2-40B4-BE49-F238E27FC236}">
-                <a16:creationId xmlns:a16="http://schemas.microsoft.com/office/drawing/2014/main" xmlns="" id="{9EDE2778-5372-4104-B96D-968184DA8288}"/>
+                <a16:creationId xmlns="" xmlns:a16="http://schemas.microsoft.com/office/drawing/2014/main" id="{9EDE2778-5372-4104-B96D-968184DA8288}"/>
               </a:ext>
             </a:extLst>
           </p:cNvPr>
@@ -2779,7 +2779,7 @@
           <a:p>
             <a:fld id="{63289F7E-B80B-496E-81B4-D396C37C9454}" type="datetimeFigureOut">
               <a:rPr lang="pt-BR" smtClean="0"/>
-              <a:t>05/10/2022</a:t>
+              <a:t>17/03/2023</a:t>
             </a:fld>
             <a:endParaRPr lang="pt-BR"/>
           </a:p>
@@ -2790,7 +2790,7 @@
           <p:cNvPr id="5" name="Espaço Reservado para Rodapé 4">
             <a:extLst>
               <a:ext uri="{FF2B5EF4-FFF2-40B4-BE49-F238E27FC236}">
-                <a16:creationId xmlns:a16="http://schemas.microsoft.com/office/drawing/2014/main" xmlns="" id="{C1DD0F41-C861-4051-988D-3024A37A4B93}"/>
+                <a16:creationId xmlns="" xmlns:a16="http://schemas.microsoft.com/office/drawing/2014/main" id="{C1DD0F41-C861-4051-988D-3024A37A4B93}"/>
               </a:ext>
             </a:extLst>
           </p:cNvPr>
@@ -2815,7 +2815,7 @@
           <p:cNvPr id="6" name="Espaço Reservado para Número de Slide 5">
             <a:extLst>
               <a:ext uri="{FF2B5EF4-FFF2-40B4-BE49-F238E27FC236}">
-                <a16:creationId xmlns:a16="http://schemas.microsoft.com/office/drawing/2014/main" xmlns="" id="{07E5967E-D980-431A-A5DB-3F0C5030A81E}"/>
+                <a16:creationId xmlns="" xmlns:a16="http://schemas.microsoft.com/office/drawing/2014/main" id="{07E5967E-D980-431A-A5DB-3F0C5030A81E}"/>
               </a:ext>
             </a:extLst>
           </p:cNvPr>
@@ -2874,7 +2874,7 @@
           <p:cNvPr id="2" name="Título 1">
             <a:extLst>
               <a:ext uri="{FF2B5EF4-FFF2-40B4-BE49-F238E27FC236}">
-                <a16:creationId xmlns:a16="http://schemas.microsoft.com/office/drawing/2014/main" xmlns="" id="{9036C49F-3E68-4175-81BA-3C3FEE44308A}"/>
+                <a16:creationId xmlns="" xmlns:a16="http://schemas.microsoft.com/office/drawing/2014/main" id="{9036C49F-3E68-4175-81BA-3C3FEE44308A}"/>
               </a:ext>
             </a:extLst>
           </p:cNvPr>
@@ -2902,7 +2902,7 @@
           <p:cNvPr id="3" name="Espaço Reservado para Texto Vertical 2">
             <a:extLst>
               <a:ext uri="{FF2B5EF4-FFF2-40B4-BE49-F238E27FC236}">
-                <a16:creationId xmlns:a16="http://schemas.microsoft.com/office/drawing/2014/main" xmlns="" id="{426FA736-3DD3-4D4E-B57B-BBE1D8F7D424}"/>
+                <a16:creationId xmlns="" xmlns:a16="http://schemas.microsoft.com/office/drawing/2014/main" id="{426FA736-3DD3-4D4E-B57B-BBE1D8F7D424}"/>
               </a:ext>
             </a:extLst>
           </p:cNvPr>
@@ -2959,7 +2959,7 @@
           <p:cNvPr id="4" name="Espaço Reservado para Data 3">
             <a:extLst>
               <a:ext uri="{FF2B5EF4-FFF2-40B4-BE49-F238E27FC236}">
-                <a16:creationId xmlns:a16="http://schemas.microsoft.com/office/drawing/2014/main" xmlns="" id="{99E8855C-D8FD-48F6-B14E-861E0DE4D915}"/>
+                <a16:creationId xmlns="" xmlns:a16="http://schemas.microsoft.com/office/drawing/2014/main" id="{99E8855C-D8FD-48F6-B14E-861E0DE4D915}"/>
               </a:ext>
             </a:extLst>
           </p:cNvPr>
@@ -2977,7 +2977,7 @@
           <a:p>
             <a:fld id="{63289F7E-B80B-496E-81B4-D396C37C9454}" type="datetimeFigureOut">
               <a:rPr lang="pt-BR" smtClean="0"/>
-              <a:t>05/10/2022</a:t>
+              <a:t>17/03/2023</a:t>
             </a:fld>
             <a:endParaRPr lang="pt-BR"/>
           </a:p>
@@ -2988,7 +2988,7 @@
           <p:cNvPr id="5" name="Espaço Reservado para Rodapé 4">
             <a:extLst>
               <a:ext uri="{FF2B5EF4-FFF2-40B4-BE49-F238E27FC236}">
-                <a16:creationId xmlns:a16="http://schemas.microsoft.com/office/drawing/2014/main" xmlns="" id="{97C0BB88-2F21-42A5-ACFF-83DA47F2D340}"/>
+                <a16:creationId xmlns="" xmlns:a16="http://schemas.microsoft.com/office/drawing/2014/main" id="{97C0BB88-2F21-42A5-ACFF-83DA47F2D340}"/>
               </a:ext>
             </a:extLst>
           </p:cNvPr>
@@ -3013,7 +3013,7 @@
           <p:cNvPr id="6" name="Espaço Reservado para Número de Slide 5">
             <a:extLst>
               <a:ext uri="{FF2B5EF4-FFF2-40B4-BE49-F238E27FC236}">
-                <a16:creationId xmlns:a16="http://schemas.microsoft.com/office/drawing/2014/main" xmlns="" id="{6CB462B3-1F22-4C05-B4B8-7A279FB7D5E9}"/>
+                <a16:creationId xmlns="" xmlns:a16="http://schemas.microsoft.com/office/drawing/2014/main" id="{6CB462B3-1F22-4C05-B4B8-7A279FB7D5E9}"/>
               </a:ext>
             </a:extLst>
           </p:cNvPr>
@@ -3072,7 +3072,7 @@
           <p:cNvPr id="2" name="Título Vertical 1">
             <a:extLst>
               <a:ext uri="{FF2B5EF4-FFF2-40B4-BE49-F238E27FC236}">
-                <a16:creationId xmlns:a16="http://schemas.microsoft.com/office/drawing/2014/main" xmlns="" id="{EAEAB728-701C-4207-A9D5-23FF45C60502}"/>
+                <a16:creationId xmlns="" xmlns:a16="http://schemas.microsoft.com/office/drawing/2014/main" id="{EAEAB728-701C-4207-A9D5-23FF45C60502}"/>
               </a:ext>
             </a:extLst>
           </p:cNvPr>
@@ -3105,7 +3105,7 @@
           <p:cNvPr id="3" name="Espaço Reservado para Texto Vertical 2">
             <a:extLst>
               <a:ext uri="{FF2B5EF4-FFF2-40B4-BE49-F238E27FC236}">
-                <a16:creationId xmlns:a16="http://schemas.microsoft.com/office/drawing/2014/main" xmlns="" id="{BA8C8CCF-7823-480A-9A19-0F664DD17E3B}"/>
+                <a16:creationId xmlns="" xmlns:a16="http://schemas.microsoft.com/office/drawing/2014/main" id="{BA8C8CCF-7823-480A-9A19-0F664DD17E3B}"/>
               </a:ext>
             </a:extLst>
           </p:cNvPr>
@@ -3167,7 +3167,7 @@
           <p:cNvPr id="4" name="Espaço Reservado para Data 3">
             <a:extLst>
               <a:ext uri="{FF2B5EF4-FFF2-40B4-BE49-F238E27FC236}">
-                <a16:creationId xmlns:a16="http://schemas.microsoft.com/office/drawing/2014/main" xmlns="" id="{721D5734-7B1F-425D-942F-6EB73344027C}"/>
+                <a16:creationId xmlns="" xmlns:a16="http://schemas.microsoft.com/office/drawing/2014/main" id="{721D5734-7B1F-425D-942F-6EB73344027C}"/>
               </a:ext>
             </a:extLst>
           </p:cNvPr>
@@ -3185,7 +3185,7 @@
           <a:p>
             <a:fld id="{63289F7E-B80B-496E-81B4-D396C37C9454}" type="datetimeFigureOut">
               <a:rPr lang="pt-BR" smtClean="0"/>
-              <a:t>05/10/2022</a:t>
+              <a:t>17/03/2023</a:t>
             </a:fld>
             <a:endParaRPr lang="pt-BR"/>
           </a:p>
@@ -3196,7 +3196,7 @@
           <p:cNvPr id="5" name="Espaço Reservado para Rodapé 4">
             <a:extLst>
               <a:ext uri="{FF2B5EF4-FFF2-40B4-BE49-F238E27FC236}">
-                <a16:creationId xmlns:a16="http://schemas.microsoft.com/office/drawing/2014/main" xmlns="" id="{1E1AAEAC-F08D-45FE-89EC-B1B349A868C9}"/>
+                <a16:creationId xmlns="" xmlns:a16="http://schemas.microsoft.com/office/drawing/2014/main" id="{1E1AAEAC-F08D-45FE-89EC-B1B349A868C9}"/>
               </a:ext>
             </a:extLst>
           </p:cNvPr>
@@ -3221,7 +3221,7 @@
           <p:cNvPr id="6" name="Espaço Reservado para Número de Slide 5">
             <a:extLst>
               <a:ext uri="{FF2B5EF4-FFF2-40B4-BE49-F238E27FC236}">
-                <a16:creationId xmlns:a16="http://schemas.microsoft.com/office/drawing/2014/main" xmlns="" id="{BAA44493-9911-47B2-87A6-C2141A972BC8}"/>
+                <a16:creationId xmlns="" xmlns:a16="http://schemas.microsoft.com/office/drawing/2014/main" id="{BAA44493-9911-47B2-87A6-C2141A972BC8}"/>
               </a:ext>
             </a:extLst>
           </p:cNvPr>
@@ -3280,7 +3280,7 @@
           <p:cNvPr id="2" name="Título 1">
             <a:extLst>
               <a:ext uri="{FF2B5EF4-FFF2-40B4-BE49-F238E27FC236}">
-                <a16:creationId xmlns:a16="http://schemas.microsoft.com/office/drawing/2014/main" xmlns="" id="{71BD44A5-8F21-4626-A01D-48A1C874B1D5}"/>
+                <a16:creationId xmlns="" xmlns:a16="http://schemas.microsoft.com/office/drawing/2014/main" id="{71BD44A5-8F21-4626-A01D-48A1C874B1D5}"/>
               </a:ext>
             </a:extLst>
           </p:cNvPr>
@@ -3308,7 +3308,7 @@
           <p:cNvPr id="3" name="Espaço Reservado para Conteúdo 2">
             <a:extLst>
               <a:ext uri="{FF2B5EF4-FFF2-40B4-BE49-F238E27FC236}">
-                <a16:creationId xmlns:a16="http://schemas.microsoft.com/office/drawing/2014/main" xmlns="" id="{B79E8085-65A9-48AA-951D-71D978BFF4ED}"/>
+                <a16:creationId xmlns="" xmlns:a16="http://schemas.microsoft.com/office/drawing/2014/main" id="{B79E8085-65A9-48AA-951D-71D978BFF4ED}"/>
               </a:ext>
             </a:extLst>
           </p:cNvPr>
@@ -3365,7 +3365,7 @@
           <p:cNvPr id="4" name="Espaço Reservado para Data 3">
             <a:extLst>
               <a:ext uri="{FF2B5EF4-FFF2-40B4-BE49-F238E27FC236}">
-                <a16:creationId xmlns:a16="http://schemas.microsoft.com/office/drawing/2014/main" xmlns="" id="{F05BE1AF-51EA-425D-B188-DE7BD675009F}"/>
+                <a16:creationId xmlns="" xmlns:a16="http://schemas.microsoft.com/office/drawing/2014/main" id="{F05BE1AF-51EA-425D-B188-DE7BD675009F}"/>
               </a:ext>
             </a:extLst>
           </p:cNvPr>
@@ -3383,7 +3383,7 @@
           <a:p>
             <a:fld id="{63289F7E-B80B-496E-81B4-D396C37C9454}" type="datetimeFigureOut">
               <a:rPr lang="pt-BR" smtClean="0"/>
-              <a:t>05/10/2022</a:t>
+              <a:t>17/03/2023</a:t>
             </a:fld>
             <a:endParaRPr lang="pt-BR"/>
           </a:p>
@@ -3394,7 +3394,7 @@
           <p:cNvPr id="5" name="Espaço Reservado para Rodapé 4">
             <a:extLst>
               <a:ext uri="{FF2B5EF4-FFF2-40B4-BE49-F238E27FC236}">
-                <a16:creationId xmlns:a16="http://schemas.microsoft.com/office/drawing/2014/main" xmlns="" id="{121BE632-29CF-4CB9-B365-C9EF38F89BE6}"/>
+                <a16:creationId xmlns="" xmlns:a16="http://schemas.microsoft.com/office/drawing/2014/main" id="{121BE632-29CF-4CB9-B365-C9EF38F89BE6}"/>
               </a:ext>
             </a:extLst>
           </p:cNvPr>
@@ -3419,7 +3419,7 @@
           <p:cNvPr id="6" name="Espaço Reservado para Número de Slide 5">
             <a:extLst>
               <a:ext uri="{FF2B5EF4-FFF2-40B4-BE49-F238E27FC236}">
-                <a16:creationId xmlns:a16="http://schemas.microsoft.com/office/drawing/2014/main" xmlns="" id="{60CF3DD1-9AEC-4A57-B461-4E4DD86FAC18}"/>
+                <a16:creationId xmlns="" xmlns:a16="http://schemas.microsoft.com/office/drawing/2014/main" id="{60CF3DD1-9AEC-4A57-B461-4E4DD86FAC18}"/>
               </a:ext>
             </a:extLst>
           </p:cNvPr>
@@ -3478,7 +3478,7 @@
           <p:cNvPr id="2" name="Título 1">
             <a:extLst>
               <a:ext uri="{FF2B5EF4-FFF2-40B4-BE49-F238E27FC236}">
-                <a16:creationId xmlns:a16="http://schemas.microsoft.com/office/drawing/2014/main" xmlns="" id="{34AB2FF0-A4D7-4E28-991D-FF26140D5988}"/>
+                <a16:creationId xmlns="" xmlns:a16="http://schemas.microsoft.com/office/drawing/2014/main" id="{34AB2FF0-A4D7-4E28-991D-FF26140D5988}"/>
               </a:ext>
             </a:extLst>
           </p:cNvPr>
@@ -3515,7 +3515,7 @@
           <p:cNvPr id="3" name="Espaço Reservado para Texto 2">
             <a:extLst>
               <a:ext uri="{FF2B5EF4-FFF2-40B4-BE49-F238E27FC236}">
-                <a16:creationId xmlns:a16="http://schemas.microsoft.com/office/drawing/2014/main" xmlns="" id="{E2AC45B0-4145-40DB-8E61-105461170604}"/>
+                <a16:creationId xmlns="" xmlns:a16="http://schemas.microsoft.com/office/drawing/2014/main" id="{E2AC45B0-4145-40DB-8E61-105461170604}"/>
               </a:ext>
             </a:extLst>
           </p:cNvPr>
@@ -3640,7 +3640,7 @@
           <p:cNvPr id="4" name="Espaço Reservado para Data 3">
             <a:extLst>
               <a:ext uri="{FF2B5EF4-FFF2-40B4-BE49-F238E27FC236}">
-                <a16:creationId xmlns:a16="http://schemas.microsoft.com/office/drawing/2014/main" xmlns="" id="{50F1D3FB-740A-4EBA-A309-2CE71D12ECFB}"/>
+                <a16:creationId xmlns="" xmlns:a16="http://schemas.microsoft.com/office/drawing/2014/main" id="{50F1D3FB-740A-4EBA-A309-2CE71D12ECFB}"/>
               </a:ext>
             </a:extLst>
           </p:cNvPr>
@@ -3658,7 +3658,7 @@
           <a:p>
             <a:fld id="{63289F7E-B80B-496E-81B4-D396C37C9454}" type="datetimeFigureOut">
               <a:rPr lang="pt-BR" smtClean="0"/>
-              <a:t>05/10/2022</a:t>
+              <a:t>17/03/2023</a:t>
             </a:fld>
             <a:endParaRPr lang="pt-BR"/>
           </a:p>
@@ -3669,7 +3669,7 @@
           <p:cNvPr id="5" name="Espaço Reservado para Rodapé 4">
             <a:extLst>
               <a:ext uri="{FF2B5EF4-FFF2-40B4-BE49-F238E27FC236}">
-                <a16:creationId xmlns:a16="http://schemas.microsoft.com/office/drawing/2014/main" xmlns="" id="{BDCAB18F-8715-4465-A940-F9C193A2ACE9}"/>
+                <a16:creationId xmlns="" xmlns:a16="http://schemas.microsoft.com/office/drawing/2014/main" id="{BDCAB18F-8715-4465-A940-F9C193A2ACE9}"/>
               </a:ext>
             </a:extLst>
           </p:cNvPr>
@@ -3694,7 +3694,7 @@
           <p:cNvPr id="6" name="Espaço Reservado para Número de Slide 5">
             <a:extLst>
               <a:ext uri="{FF2B5EF4-FFF2-40B4-BE49-F238E27FC236}">
-                <a16:creationId xmlns:a16="http://schemas.microsoft.com/office/drawing/2014/main" xmlns="" id="{353466C6-8248-429F-8056-FF040BF509EB}"/>
+                <a16:creationId xmlns="" xmlns:a16="http://schemas.microsoft.com/office/drawing/2014/main" id="{353466C6-8248-429F-8056-FF040BF509EB}"/>
               </a:ext>
             </a:extLst>
           </p:cNvPr>
@@ -3753,7 +3753,7 @@
           <p:cNvPr id="2" name="Título 1">
             <a:extLst>
               <a:ext uri="{FF2B5EF4-FFF2-40B4-BE49-F238E27FC236}">
-                <a16:creationId xmlns:a16="http://schemas.microsoft.com/office/drawing/2014/main" xmlns="" id="{BC7BB9F0-F14B-4A91-B2B7-35BC47FE4DE7}"/>
+                <a16:creationId xmlns="" xmlns:a16="http://schemas.microsoft.com/office/drawing/2014/main" id="{BC7BB9F0-F14B-4A91-B2B7-35BC47FE4DE7}"/>
               </a:ext>
             </a:extLst>
           </p:cNvPr>
@@ -3781,7 +3781,7 @@
           <p:cNvPr id="3" name="Espaço Reservado para Conteúdo 2">
             <a:extLst>
               <a:ext uri="{FF2B5EF4-FFF2-40B4-BE49-F238E27FC236}">
-                <a16:creationId xmlns:a16="http://schemas.microsoft.com/office/drawing/2014/main" xmlns="" id="{EC1FC1C4-73DA-47A6-8496-B0B457F7D39A}"/>
+                <a16:creationId xmlns="" xmlns:a16="http://schemas.microsoft.com/office/drawing/2014/main" id="{EC1FC1C4-73DA-47A6-8496-B0B457F7D39A}"/>
               </a:ext>
             </a:extLst>
           </p:cNvPr>
@@ -3843,7 +3843,7 @@
           <p:cNvPr id="4" name="Espaço Reservado para Conteúdo 3">
             <a:extLst>
               <a:ext uri="{FF2B5EF4-FFF2-40B4-BE49-F238E27FC236}">
-                <a16:creationId xmlns:a16="http://schemas.microsoft.com/office/drawing/2014/main" xmlns="" id="{E92F06A8-A449-4D92-9912-76873E529B38}"/>
+                <a16:creationId xmlns="" xmlns:a16="http://schemas.microsoft.com/office/drawing/2014/main" id="{E92F06A8-A449-4D92-9912-76873E529B38}"/>
               </a:ext>
             </a:extLst>
           </p:cNvPr>
@@ -3905,7 +3905,7 @@
           <p:cNvPr id="5" name="Espaço Reservado para Data 4">
             <a:extLst>
               <a:ext uri="{FF2B5EF4-FFF2-40B4-BE49-F238E27FC236}">
-                <a16:creationId xmlns:a16="http://schemas.microsoft.com/office/drawing/2014/main" xmlns="" id="{938070A4-BC2F-4D55-BD8D-DEAF11BB9EE9}"/>
+                <a16:creationId xmlns="" xmlns:a16="http://schemas.microsoft.com/office/drawing/2014/main" id="{938070A4-BC2F-4D55-BD8D-DEAF11BB9EE9}"/>
               </a:ext>
             </a:extLst>
           </p:cNvPr>
@@ -3923,7 +3923,7 @@
           <a:p>
             <a:fld id="{63289F7E-B80B-496E-81B4-D396C37C9454}" type="datetimeFigureOut">
               <a:rPr lang="pt-BR" smtClean="0"/>
-              <a:t>05/10/2022</a:t>
+              <a:t>17/03/2023</a:t>
             </a:fld>
             <a:endParaRPr lang="pt-BR"/>
           </a:p>
@@ -3934,7 +3934,7 @@
           <p:cNvPr id="6" name="Espaço Reservado para Rodapé 5">
             <a:extLst>
               <a:ext uri="{FF2B5EF4-FFF2-40B4-BE49-F238E27FC236}">
-                <a16:creationId xmlns:a16="http://schemas.microsoft.com/office/drawing/2014/main" xmlns="" id="{45CC2DB8-844A-465F-BA9A-7734C80C7F43}"/>
+                <a16:creationId xmlns="" xmlns:a16="http://schemas.microsoft.com/office/drawing/2014/main" id="{45CC2DB8-844A-465F-BA9A-7734C80C7F43}"/>
               </a:ext>
             </a:extLst>
           </p:cNvPr>
@@ -3959,7 +3959,7 @@
           <p:cNvPr id="7" name="Espaço Reservado para Número de Slide 6">
             <a:extLst>
               <a:ext uri="{FF2B5EF4-FFF2-40B4-BE49-F238E27FC236}">
-                <a16:creationId xmlns:a16="http://schemas.microsoft.com/office/drawing/2014/main" xmlns="" id="{4CC606A8-097B-4040-94E0-CD8C88280D8F}"/>
+                <a16:creationId xmlns="" xmlns:a16="http://schemas.microsoft.com/office/drawing/2014/main" id="{4CC606A8-097B-4040-94E0-CD8C88280D8F}"/>
               </a:ext>
             </a:extLst>
           </p:cNvPr>
@@ -4018,7 +4018,7 @@
           <p:cNvPr id="2" name="Título 1">
             <a:extLst>
               <a:ext uri="{FF2B5EF4-FFF2-40B4-BE49-F238E27FC236}">
-                <a16:creationId xmlns:a16="http://schemas.microsoft.com/office/drawing/2014/main" xmlns="" id="{76D66686-0143-4CB6-8C09-BA326F1E7ACA}"/>
+                <a16:creationId xmlns="" xmlns:a16="http://schemas.microsoft.com/office/drawing/2014/main" id="{76D66686-0143-4CB6-8C09-BA326F1E7ACA}"/>
               </a:ext>
             </a:extLst>
           </p:cNvPr>
@@ -4051,7 +4051,7 @@
           <p:cNvPr id="3" name="Espaço Reservado para Texto 2">
             <a:extLst>
               <a:ext uri="{FF2B5EF4-FFF2-40B4-BE49-F238E27FC236}">
-                <a16:creationId xmlns:a16="http://schemas.microsoft.com/office/drawing/2014/main" xmlns="" id="{0227AB85-F59E-4BCE-B846-4FA0992C2F23}"/>
+                <a16:creationId xmlns="" xmlns:a16="http://schemas.microsoft.com/office/drawing/2014/main" id="{0227AB85-F59E-4BCE-B846-4FA0992C2F23}"/>
               </a:ext>
             </a:extLst>
           </p:cNvPr>
@@ -4122,7 +4122,7 @@
           <p:cNvPr id="4" name="Espaço Reservado para Conteúdo 3">
             <a:extLst>
               <a:ext uri="{FF2B5EF4-FFF2-40B4-BE49-F238E27FC236}">
-                <a16:creationId xmlns:a16="http://schemas.microsoft.com/office/drawing/2014/main" xmlns="" id="{3373456C-7319-4D0A-827D-D29F6B083F5D}"/>
+                <a16:creationId xmlns="" xmlns:a16="http://schemas.microsoft.com/office/drawing/2014/main" id="{3373456C-7319-4D0A-827D-D29F6B083F5D}"/>
               </a:ext>
             </a:extLst>
           </p:cNvPr>
@@ -4184,7 +4184,7 @@
           <p:cNvPr id="5" name="Espaço Reservado para Texto 4">
             <a:extLst>
               <a:ext uri="{FF2B5EF4-FFF2-40B4-BE49-F238E27FC236}">
-                <a16:creationId xmlns:a16="http://schemas.microsoft.com/office/drawing/2014/main" xmlns="" id="{4CD109D0-2E83-4262-8029-A871CEC47406}"/>
+                <a16:creationId xmlns="" xmlns:a16="http://schemas.microsoft.com/office/drawing/2014/main" id="{4CD109D0-2E83-4262-8029-A871CEC47406}"/>
               </a:ext>
             </a:extLst>
           </p:cNvPr>
@@ -4255,7 +4255,7 @@
           <p:cNvPr id="6" name="Espaço Reservado para Conteúdo 5">
             <a:extLst>
               <a:ext uri="{FF2B5EF4-FFF2-40B4-BE49-F238E27FC236}">
-                <a16:creationId xmlns:a16="http://schemas.microsoft.com/office/drawing/2014/main" xmlns="" id="{AD706E3A-CFBB-4A6C-A65F-D0360A9E74FE}"/>
+                <a16:creationId xmlns="" xmlns:a16="http://schemas.microsoft.com/office/drawing/2014/main" id="{AD706E3A-CFBB-4A6C-A65F-D0360A9E74FE}"/>
               </a:ext>
             </a:extLst>
           </p:cNvPr>
@@ -4317,7 +4317,7 @@
           <p:cNvPr id="7" name="Espaço Reservado para Data 6">
             <a:extLst>
               <a:ext uri="{FF2B5EF4-FFF2-40B4-BE49-F238E27FC236}">
-                <a16:creationId xmlns:a16="http://schemas.microsoft.com/office/drawing/2014/main" xmlns="" id="{4172C0E5-5AF0-4805-BB51-443733CD2BD5}"/>
+                <a16:creationId xmlns="" xmlns:a16="http://schemas.microsoft.com/office/drawing/2014/main" id="{4172C0E5-5AF0-4805-BB51-443733CD2BD5}"/>
               </a:ext>
             </a:extLst>
           </p:cNvPr>
@@ -4335,7 +4335,7 @@
           <a:p>
             <a:fld id="{63289F7E-B80B-496E-81B4-D396C37C9454}" type="datetimeFigureOut">
               <a:rPr lang="pt-BR" smtClean="0"/>
-              <a:t>05/10/2022</a:t>
+              <a:t>17/03/2023</a:t>
             </a:fld>
             <a:endParaRPr lang="pt-BR"/>
           </a:p>
@@ -4346,7 +4346,7 @@
           <p:cNvPr id="8" name="Espaço Reservado para Rodapé 7">
             <a:extLst>
               <a:ext uri="{FF2B5EF4-FFF2-40B4-BE49-F238E27FC236}">
-                <a16:creationId xmlns:a16="http://schemas.microsoft.com/office/drawing/2014/main" xmlns="" id="{0E801648-156F-497E-99CF-797DF48051E1}"/>
+                <a16:creationId xmlns="" xmlns:a16="http://schemas.microsoft.com/office/drawing/2014/main" id="{0E801648-156F-497E-99CF-797DF48051E1}"/>
               </a:ext>
             </a:extLst>
           </p:cNvPr>
@@ -4371,7 +4371,7 @@
           <p:cNvPr id="9" name="Espaço Reservado para Número de Slide 8">
             <a:extLst>
               <a:ext uri="{FF2B5EF4-FFF2-40B4-BE49-F238E27FC236}">
-                <a16:creationId xmlns:a16="http://schemas.microsoft.com/office/drawing/2014/main" xmlns="" id="{EEE23D32-80E7-4796-A137-66BF842E4B53}"/>
+                <a16:creationId xmlns="" xmlns:a16="http://schemas.microsoft.com/office/drawing/2014/main" id="{EEE23D32-80E7-4796-A137-66BF842E4B53}"/>
               </a:ext>
             </a:extLst>
           </p:cNvPr>
@@ -4430,7 +4430,7 @@
           <p:cNvPr id="2" name="Título 1">
             <a:extLst>
               <a:ext uri="{FF2B5EF4-FFF2-40B4-BE49-F238E27FC236}">
-                <a16:creationId xmlns:a16="http://schemas.microsoft.com/office/drawing/2014/main" xmlns="" id="{2BCE2379-C78F-47E1-8CFC-B846E7AF148D}"/>
+                <a16:creationId xmlns="" xmlns:a16="http://schemas.microsoft.com/office/drawing/2014/main" id="{2BCE2379-C78F-47E1-8CFC-B846E7AF148D}"/>
               </a:ext>
             </a:extLst>
           </p:cNvPr>
@@ -4458,7 +4458,7 @@
           <p:cNvPr id="3" name="Espaço Reservado para Data 2">
             <a:extLst>
               <a:ext uri="{FF2B5EF4-FFF2-40B4-BE49-F238E27FC236}">
-                <a16:creationId xmlns:a16="http://schemas.microsoft.com/office/drawing/2014/main" xmlns="" id="{342600A9-7F92-4E22-9D94-E4717252A817}"/>
+                <a16:creationId xmlns="" xmlns:a16="http://schemas.microsoft.com/office/drawing/2014/main" id="{342600A9-7F92-4E22-9D94-E4717252A817}"/>
               </a:ext>
             </a:extLst>
           </p:cNvPr>
@@ -4476,7 +4476,7 @@
           <a:p>
             <a:fld id="{63289F7E-B80B-496E-81B4-D396C37C9454}" type="datetimeFigureOut">
               <a:rPr lang="pt-BR" smtClean="0"/>
-              <a:t>05/10/2022</a:t>
+              <a:t>17/03/2023</a:t>
             </a:fld>
             <a:endParaRPr lang="pt-BR"/>
           </a:p>
@@ -4487,7 +4487,7 @@
           <p:cNvPr id="4" name="Espaço Reservado para Rodapé 3">
             <a:extLst>
               <a:ext uri="{FF2B5EF4-FFF2-40B4-BE49-F238E27FC236}">
-                <a16:creationId xmlns:a16="http://schemas.microsoft.com/office/drawing/2014/main" xmlns="" id="{192E6BED-F546-40CC-A2DF-99CBA853654E}"/>
+                <a16:creationId xmlns="" xmlns:a16="http://schemas.microsoft.com/office/drawing/2014/main" id="{192E6BED-F546-40CC-A2DF-99CBA853654E}"/>
               </a:ext>
             </a:extLst>
           </p:cNvPr>
@@ -4512,7 +4512,7 @@
           <p:cNvPr id="5" name="Espaço Reservado para Número de Slide 4">
             <a:extLst>
               <a:ext uri="{FF2B5EF4-FFF2-40B4-BE49-F238E27FC236}">
-                <a16:creationId xmlns:a16="http://schemas.microsoft.com/office/drawing/2014/main" xmlns="" id="{6091CC40-A8C4-4063-80EB-CC5099621678}"/>
+                <a16:creationId xmlns="" xmlns:a16="http://schemas.microsoft.com/office/drawing/2014/main" id="{6091CC40-A8C4-4063-80EB-CC5099621678}"/>
               </a:ext>
             </a:extLst>
           </p:cNvPr>
@@ -4571,7 +4571,7 @@
           <p:cNvPr id="2" name="Espaço Reservado para Data 1">
             <a:extLst>
               <a:ext uri="{FF2B5EF4-FFF2-40B4-BE49-F238E27FC236}">
-                <a16:creationId xmlns:a16="http://schemas.microsoft.com/office/drawing/2014/main" xmlns="" id="{DD19515C-212C-4EAE-84A3-8FF4BC844F1B}"/>
+                <a16:creationId xmlns="" xmlns:a16="http://schemas.microsoft.com/office/drawing/2014/main" id="{DD19515C-212C-4EAE-84A3-8FF4BC844F1B}"/>
               </a:ext>
             </a:extLst>
           </p:cNvPr>
@@ -4589,7 +4589,7 @@
           <a:p>
             <a:fld id="{63289F7E-B80B-496E-81B4-D396C37C9454}" type="datetimeFigureOut">
               <a:rPr lang="pt-BR" smtClean="0"/>
-              <a:t>05/10/2022</a:t>
+              <a:t>17/03/2023</a:t>
             </a:fld>
             <a:endParaRPr lang="pt-BR"/>
           </a:p>
@@ -4600,7 +4600,7 @@
           <p:cNvPr id="3" name="Espaço Reservado para Rodapé 2">
             <a:extLst>
               <a:ext uri="{FF2B5EF4-FFF2-40B4-BE49-F238E27FC236}">
-                <a16:creationId xmlns:a16="http://schemas.microsoft.com/office/drawing/2014/main" xmlns="" id="{94D3D120-B3E8-4C96-861D-7A4F12F49B3A}"/>
+                <a16:creationId xmlns="" xmlns:a16="http://schemas.microsoft.com/office/drawing/2014/main" id="{94D3D120-B3E8-4C96-861D-7A4F12F49B3A}"/>
               </a:ext>
             </a:extLst>
           </p:cNvPr>
@@ -4625,7 +4625,7 @@
           <p:cNvPr id="4" name="Espaço Reservado para Número de Slide 3">
             <a:extLst>
               <a:ext uri="{FF2B5EF4-FFF2-40B4-BE49-F238E27FC236}">
-                <a16:creationId xmlns:a16="http://schemas.microsoft.com/office/drawing/2014/main" xmlns="" id="{42E49B68-FA1B-468B-9F17-D5C09243D454}"/>
+                <a16:creationId xmlns="" xmlns:a16="http://schemas.microsoft.com/office/drawing/2014/main" id="{42E49B68-FA1B-468B-9F17-D5C09243D454}"/>
               </a:ext>
             </a:extLst>
           </p:cNvPr>
@@ -4684,7 +4684,7 @@
           <p:cNvPr id="2" name="Título 1">
             <a:extLst>
               <a:ext uri="{FF2B5EF4-FFF2-40B4-BE49-F238E27FC236}">
-                <a16:creationId xmlns:a16="http://schemas.microsoft.com/office/drawing/2014/main" xmlns="" id="{1C17BCBE-A897-4319-85EC-D87909C24980}"/>
+                <a16:creationId xmlns="" xmlns:a16="http://schemas.microsoft.com/office/drawing/2014/main" id="{1C17BCBE-A897-4319-85EC-D87909C24980}"/>
               </a:ext>
             </a:extLst>
           </p:cNvPr>
@@ -4721,7 +4721,7 @@
           <p:cNvPr id="3" name="Espaço Reservado para Conteúdo 2">
             <a:extLst>
               <a:ext uri="{FF2B5EF4-FFF2-40B4-BE49-F238E27FC236}">
-                <a16:creationId xmlns:a16="http://schemas.microsoft.com/office/drawing/2014/main" xmlns="" id="{4226F885-0204-4913-868B-4B8B82576F17}"/>
+                <a16:creationId xmlns="" xmlns:a16="http://schemas.microsoft.com/office/drawing/2014/main" id="{4226F885-0204-4913-868B-4B8B82576F17}"/>
               </a:ext>
             </a:extLst>
           </p:cNvPr>
@@ -4811,7 +4811,7 @@
           <p:cNvPr id="4" name="Espaço Reservado para Texto 3">
             <a:extLst>
               <a:ext uri="{FF2B5EF4-FFF2-40B4-BE49-F238E27FC236}">
-                <a16:creationId xmlns:a16="http://schemas.microsoft.com/office/drawing/2014/main" xmlns="" id="{00F9F784-A858-441B-8AB5-697098141751}"/>
+                <a16:creationId xmlns="" xmlns:a16="http://schemas.microsoft.com/office/drawing/2014/main" id="{00F9F784-A858-441B-8AB5-697098141751}"/>
               </a:ext>
             </a:extLst>
           </p:cNvPr>
@@ -4882,7 +4882,7 @@
           <p:cNvPr id="5" name="Espaço Reservado para Data 4">
             <a:extLst>
               <a:ext uri="{FF2B5EF4-FFF2-40B4-BE49-F238E27FC236}">
-                <a16:creationId xmlns:a16="http://schemas.microsoft.com/office/drawing/2014/main" xmlns="" id="{A4DC363A-5000-472E-8B17-02E7DCB8840A}"/>
+                <a16:creationId xmlns="" xmlns:a16="http://schemas.microsoft.com/office/drawing/2014/main" id="{A4DC363A-5000-472E-8B17-02E7DCB8840A}"/>
               </a:ext>
             </a:extLst>
           </p:cNvPr>
@@ -4900,7 +4900,7 @@
           <a:p>
             <a:fld id="{63289F7E-B80B-496E-81B4-D396C37C9454}" type="datetimeFigureOut">
               <a:rPr lang="pt-BR" smtClean="0"/>
-              <a:t>05/10/2022</a:t>
+              <a:t>17/03/2023</a:t>
             </a:fld>
             <a:endParaRPr lang="pt-BR"/>
           </a:p>
@@ -4911,7 +4911,7 @@
           <p:cNvPr id="6" name="Espaço Reservado para Rodapé 5">
             <a:extLst>
               <a:ext uri="{FF2B5EF4-FFF2-40B4-BE49-F238E27FC236}">
-                <a16:creationId xmlns:a16="http://schemas.microsoft.com/office/drawing/2014/main" xmlns="" id="{5548425D-2C21-4C56-BAD4-662978775C28}"/>
+                <a16:creationId xmlns="" xmlns:a16="http://schemas.microsoft.com/office/drawing/2014/main" id="{5548425D-2C21-4C56-BAD4-662978775C28}"/>
               </a:ext>
             </a:extLst>
           </p:cNvPr>
@@ -4936,7 +4936,7 @@
           <p:cNvPr id="7" name="Espaço Reservado para Número de Slide 6">
             <a:extLst>
               <a:ext uri="{FF2B5EF4-FFF2-40B4-BE49-F238E27FC236}">
-                <a16:creationId xmlns:a16="http://schemas.microsoft.com/office/drawing/2014/main" xmlns="" id="{C63E9726-E64C-42B2-AE8A-8C235A956B48}"/>
+                <a16:creationId xmlns="" xmlns:a16="http://schemas.microsoft.com/office/drawing/2014/main" id="{C63E9726-E64C-42B2-AE8A-8C235A956B48}"/>
               </a:ext>
             </a:extLst>
           </p:cNvPr>
@@ -4995,7 +4995,7 @@
           <p:cNvPr id="2" name="Título 1">
             <a:extLst>
               <a:ext uri="{FF2B5EF4-FFF2-40B4-BE49-F238E27FC236}">
-                <a16:creationId xmlns:a16="http://schemas.microsoft.com/office/drawing/2014/main" xmlns="" id="{11086A78-3E74-450C-96A6-CA8AC37AF772}"/>
+                <a16:creationId xmlns="" xmlns:a16="http://schemas.microsoft.com/office/drawing/2014/main" id="{11086A78-3E74-450C-96A6-CA8AC37AF772}"/>
               </a:ext>
             </a:extLst>
           </p:cNvPr>
@@ -5032,7 +5032,7 @@
           <p:cNvPr id="3" name="Espaço Reservado para Imagem 2">
             <a:extLst>
               <a:ext uri="{FF2B5EF4-FFF2-40B4-BE49-F238E27FC236}">
-                <a16:creationId xmlns:a16="http://schemas.microsoft.com/office/drawing/2014/main" xmlns="" id="{5F5B7312-975A-4DBC-9B2F-3652ADA006FD}"/>
+                <a16:creationId xmlns="" xmlns:a16="http://schemas.microsoft.com/office/drawing/2014/main" id="{5F5B7312-975A-4DBC-9B2F-3652ADA006FD}"/>
               </a:ext>
             </a:extLst>
           </p:cNvPr>
@@ -5099,7 +5099,7 @@
           <p:cNvPr id="4" name="Espaço Reservado para Texto 3">
             <a:extLst>
               <a:ext uri="{FF2B5EF4-FFF2-40B4-BE49-F238E27FC236}">
-                <a16:creationId xmlns:a16="http://schemas.microsoft.com/office/drawing/2014/main" xmlns="" id="{AAF805F5-1DFF-41C6-944C-7D79FE0D0963}"/>
+                <a16:creationId xmlns="" xmlns:a16="http://schemas.microsoft.com/office/drawing/2014/main" id="{AAF805F5-1DFF-41C6-944C-7D79FE0D0963}"/>
               </a:ext>
             </a:extLst>
           </p:cNvPr>
@@ -5170,7 +5170,7 @@
           <p:cNvPr id="5" name="Espaço Reservado para Data 4">
             <a:extLst>
               <a:ext uri="{FF2B5EF4-FFF2-40B4-BE49-F238E27FC236}">
-                <a16:creationId xmlns:a16="http://schemas.microsoft.com/office/drawing/2014/main" xmlns="" id="{02113D81-8665-4516-BD81-C6A1F254EECD}"/>
+                <a16:creationId xmlns="" xmlns:a16="http://schemas.microsoft.com/office/drawing/2014/main" id="{02113D81-8665-4516-BD81-C6A1F254EECD}"/>
               </a:ext>
             </a:extLst>
           </p:cNvPr>
@@ -5188,7 +5188,7 @@
           <a:p>
             <a:fld id="{63289F7E-B80B-496E-81B4-D396C37C9454}" type="datetimeFigureOut">
               <a:rPr lang="pt-BR" smtClean="0"/>
-              <a:t>05/10/2022</a:t>
+              <a:t>17/03/2023</a:t>
             </a:fld>
             <a:endParaRPr lang="pt-BR"/>
           </a:p>
@@ -5199,7 +5199,7 @@
           <p:cNvPr id="6" name="Espaço Reservado para Rodapé 5">
             <a:extLst>
               <a:ext uri="{FF2B5EF4-FFF2-40B4-BE49-F238E27FC236}">
-                <a16:creationId xmlns:a16="http://schemas.microsoft.com/office/drawing/2014/main" xmlns="" id="{2B00C88B-FF32-40AA-A187-727D96FD7862}"/>
+                <a16:creationId xmlns="" xmlns:a16="http://schemas.microsoft.com/office/drawing/2014/main" id="{2B00C88B-FF32-40AA-A187-727D96FD7862}"/>
               </a:ext>
             </a:extLst>
           </p:cNvPr>
@@ -5224,7 +5224,7 @@
           <p:cNvPr id="7" name="Espaço Reservado para Número de Slide 6">
             <a:extLst>
               <a:ext uri="{FF2B5EF4-FFF2-40B4-BE49-F238E27FC236}">
-                <a16:creationId xmlns:a16="http://schemas.microsoft.com/office/drawing/2014/main" xmlns="" id="{A04D1A2D-69F7-4B8F-A730-BC26DC340BA6}"/>
+                <a16:creationId xmlns="" xmlns:a16="http://schemas.microsoft.com/office/drawing/2014/main" id="{A04D1A2D-69F7-4B8F-A730-BC26DC340BA6}"/>
               </a:ext>
             </a:extLst>
           </p:cNvPr>
@@ -5288,7 +5288,7 @@
           <p:cNvPr id="2" name="Espaço Reservado para Título 1">
             <a:extLst>
               <a:ext uri="{FF2B5EF4-FFF2-40B4-BE49-F238E27FC236}">
-                <a16:creationId xmlns:a16="http://schemas.microsoft.com/office/drawing/2014/main" xmlns="" id="{E69A0273-1966-4A1B-9370-4C1CE5036371}"/>
+                <a16:creationId xmlns="" xmlns:a16="http://schemas.microsoft.com/office/drawing/2014/main" id="{E69A0273-1966-4A1B-9370-4C1CE5036371}"/>
               </a:ext>
             </a:extLst>
           </p:cNvPr>
@@ -5326,7 +5326,7 @@
           <p:cNvPr id="3" name="Espaço Reservado para Texto 2">
             <a:extLst>
               <a:ext uri="{FF2B5EF4-FFF2-40B4-BE49-F238E27FC236}">
-                <a16:creationId xmlns:a16="http://schemas.microsoft.com/office/drawing/2014/main" xmlns="" id="{3B9CF87A-0448-49A7-AB25-EBC1D56A40EF}"/>
+                <a16:creationId xmlns="" xmlns:a16="http://schemas.microsoft.com/office/drawing/2014/main" id="{3B9CF87A-0448-49A7-AB25-EBC1D56A40EF}"/>
               </a:ext>
             </a:extLst>
           </p:cNvPr>
@@ -5393,7 +5393,7 @@
           <p:cNvPr id="4" name="Espaço Reservado para Data 3">
             <a:extLst>
               <a:ext uri="{FF2B5EF4-FFF2-40B4-BE49-F238E27FC236}">
-                <a16:creationId xmlns:a16="http://schemas.microsoft.com/office/drawing/2014/main" xmlns="" id="{2EF7B1F2-BB5A-44D0-816D-16AD2C71430E}"/>
+                <a16:creationId xmlns="" xmlns:a16="http://schemas.microsoft.com/office/drawing/2014/main" id="{2EF7B1F2-BB5A-44D0-816D-16AD2C71430E}"/>
               </a:ext>
             </a:extLst>
           </p:cNvPr>
@@ -5429,7 +5429,7 @@
           <a:p>
             <a:fld id="{63289F7E-B80B-496E-81B4-D396C37C9454}" type="datetimeFigureOut">
               <a:rPr lang="pt-BR" smtClean="0"/>
-              <a:t>05/10/2022</a:t>
+              <a:t>17/03/2023</a:t>
             </a:fld>
             <a:endParaRPr lang="pt-BR"/>
           </a:p>
@@ -5440,7 +5440,7 @@
           <p:cNvPr id="5" name="Espaço Reservado para Rodapé 4">
             <a:extLst>
               <a:ext uri="{FF2B5EF4-FFF2-40B4-BE49-F238E27FC236}">
-                <a16:creationId xmlns:a16="http://schemas.microsoft.com/office/drawing/2014/main" xmlns="" id="{C703F94C-2CC8-4DAA-BC35-14FC3E841DCD}"/>
+                <a16:creationId xmlns="" xmlns:a16="http://schemas.microsoft.com/office/drawing/2014/main" id="{C703F94C-2CC8-4DAA-BC35-14FC3E841DCD}"/>
               </a:ext>
             </a:extLst>
           </p:cNvPr>
@@ -5483,7 +5483,7 @@
           <p:cNvPr id="6" name="Espaço Reservado para Número de Slide 5">
             <a:extLst>
               <a:ext uri="{FF2B5EF4-FFF2-40B4-BE49-F238E27FC236}">
-                <a16:creationId xmlns:a16="http://schemas.microsoft.com/office/drawing/2014/main" xmlns="" id="{64051336-7048-457A-8B61-D94291D71648}"/>
+                <a16:creationId xmlns="" xmlns:a16="http://schemas.microsoft.com/office/drawing/2014/main" id="{64051336-7048-457A-8B61-D94291D71648}"/>
               </a:ext>
             </a:extLst>
           </p:cNvPr>
@@ -5851,7 +5851,7 @@
           <p:cNvPr id="2" name="Título 1">
             <a:extLst>
               <a:ext uri="{FF2B5EF4-FFF2-40B4-BE49-F238E27FC236}">
-                <a16:creationId xmlns:a16="http://schemas.microsoft.com/office/drawing/2014/main" xmlns="" id="{32666AC8-2E17-4DB4-B0F5-60C640CCFD2E}"/>
+                <a16:creationId xmlns="" xmlns:a16="http://schemas.microsoft.com/office/drawing/2014/main" id="{32666AC8-2E17-4DB4-B0F5-60C640CCFD2E}"/>
               </a:ext>
             </a:extLst>
           </p:cNvPr>
@@ -5897,7 +5897,7 @@
           <p:cNvPr id="4" name="CaixaDeTexto 3">
             <a:extLst>
               <a:ext uri="{FF2B5EF4-FFF2-40B4-BE49-F238E27FC236}">
-                <a16:creationId xmlns:a16="http://schemas.microsoft.com/office/drawing/2014/main" xmlns="" id="{430EB894-B7D4-434C-9D1A-A14094D9BEEC}"/>
+                <a16:creationId xmlns="" xmlns:a16="http://schemas.microsoft.com/office/drawing/2014/main" id="{430EB894-B7D4-434C-9D1A-A14094D9BEEC}"/>
               </a:ext>
             </a:extLst>
           </p:cNvPr>
@@ -5938,7 +5938,7 @@
           <p:cNvPr id="1026" name="Picture 2" descr="Logo">
             <a:extLst>
               <a:ext uri="{FF2B5EF4-FFF2-40B4-BE49-F238E27FC236}">
-                <a16:creationId xmlns:a16="http://schemas.microsoft.com/office/drawing/2014/main" xmlns="" id="{3F2642E0-4F6A-4196-8F58-E77D36E9A33F}"/>
+                <a16:creationId xmlns="" xmlns:a16="http://schemas.microsoft.com/office/drawing/2014/main" id="{3F2642E0-4F6A-4196-8F58-E77D36E9A33F}"/>
               </a:ext>
             </a:extLst>
           </p:cNvPr>
@@ -5983,7 +5983,7 @@
           <p:cNvPr id="5122" name="Picture 2" descr="Image result for machine learning">
             <a:extLst>
               <a:ext uri="{FF2B5EF4-FFF2-40B4-BE49-F238E27FC236}">
-                <a16:creationId xmlns:a16="http://schemas.microsoft.com/office/drawing/2014/main" xmlns="" id="{810CE0A2-4102-44A6-A370-175E7896CDCB}"/>
+                <a16:creationId xmlns="" xmlns:a16="http://schemas.microsoft.com/office/drawing/2014/main" id="{810CE0A2-4102-44A6-A370-175E7896CDCB}"/>
               </a:ext>
             </a:extLst>
           </p:cNvPr>
@@ -7046,8 +7046,8 @@
           </a:p>
         </p:txBody>
       </p:sp>
-      <mc:AlternateContent xmlns:mc="http://schemas.openxmlformats.org/markup-compatibility/2006">
-        <mc:Choice xmlns:a14="http://schemas.microsoft.com/office/drawing/2010/main" Requires="a14">
+      <mc:AlternateContent xmlns:mc="http://schemas.openxmlformats.org/markup-compatibility/2006" xmlns:a14="http://schemas.microsoft.com/office/drawing/2010/main">
+        <mc:Choice Requires="a14">
           <p:sp>
             <p:nvSpPr>
               <p:cNvPr id="3" name="Content Placeholder 2"/>
@@ -7757,11 +7757,7 @@
                 </a:r>
                 <a:r>
                   <a:rPr lang="pt-BR" dirty="0" smtClean="0"/>
-                  <a:t>o vetor </a:t>
-                </a:r>
-                <a:r>
-                  <a:rPr lang="pt-BR" dirty="0" smtClean="0"/>
-                  <a:t>com as </a:t>
+                  <a:t>o vetor com as </a:t>
                 </a:r>
                 <a:r>
                   <a:rPr lang="pt-BR" dirty="0"/>
@@ -8561,7 +8557,7 @@
             </p:txBody>
           </p:sp>
         </mc:Choice>
-        <mc:Fallback>
+        <mc:Fallback xmlns="">
           <p:sp>
             <p:nvSpPr>
               <p:cNvPr id="3" name="Content Placeholder 2"/>
@@ -9896,8 +9892,8 @@
           </a:p>
         </p:txBody>
       </p:sp>
-      <mc:AlternateContent xmlns:mc="http://schemas.openxmlformats.org/markup-compatibility/2006">
-        <mc:Choice xmlns:a14="http://schemas.microsoft.com/office/drawing/2010/main" Requires="a14">
+      <mc:AlternateContent xmlns:mc="http://schemas.openxmlformats.org/markup-compatibility/2006" xmlns:a14="http://schemas.microsoft.com/office/drawing/2010/main">
+        <mc:Choice Requires="a14">
           <p:sp>
             <p:nvSpPr>
               <p:cNvPr id="3" name="Espaço Reservado para Conteúdo 2"/>
@@ -10805,7 +10801,7 @@
             </p:txBody>
           </p:sp>
         </mc:Choice>
-        <mc:Fallback>
+        <mc:Fallback xmlns="">
           <p:sp>
             <p:nvSpPr>
               <p:cNvPr id="3" name="Espaço Reservado para Conteúdo 2"/>
@@ -12241,7 +12237,7 @@
           <p:cNvPr id="4" name="Título 1">
             <a:extLst>
               <a:ext uri="{FF2B5EF4-FFF2-40B4-BE49-F238E27FC236}">
-                <a16:creationId xmlns:a16="http://schemas.microsoft.com/office/drawing/2014/main" xmlns="" id="{32666AC8-2E17-4DB4-B0F5-60C640CCFD2E}"/>
+                <a16:creationId xmlns="" xmlns:a16="http://schemas.microsoft.com/office/drawing/2014/main" id="{32666AC8-2E17-4DB4-B0F5-60C640CCFD2E}"/>
               </a:ext>
             </a:extLst>
           </p:cNvPr>
@@ -12361,7 +12357,9 @@
           </a:xfrm>
         </p:spPr>
         <p:txBody>
-          <a:bodyPr/>
+          <a:bodyPr>
+            <a:normAutofit lnSpcReduction="10000"/>
+          </a:bodyPr>
           <a:lstStyle/>
           <a:p>
             <a:r>
@@ -12436,8 +12434,21 @@
             </a:r>
             <a:r>
               <a:rPr lang="pt-BR" dirty="0"/>
-              <a:t>, ou seja, problemas com 2 classes apenas.</a:t>
-            </a:r>
+              <a:t>, ou seja, problemas com 2 classes </a:t>
+            </a:r>
+            <a:r>
+              <a:rPr lang="pt-BR" dirty="0" smtClean="0"/>
+              <a:t>apenas, após a </a:t>
+            </a:r>
+            <a:r>
+              <a:rPr lang="pt-BR" dirty="0" err="1" smtClean="0"/>
+              <a:t>discretização</a:t>
+            </a:r>
+            <a:r>
+              <a:rPr lang="pt-BR" dirty="0" smtClean="0"/>
+              <a:t> do valor de saída.</a:t>
+            </a:r>
+            <a:endParaRPr lang="pt-BR" dirty="0"/>
           </a:p>
           <a:p>
             <a:r>
@@ -13799,54 +13810,6 @@
       </p:sp>
       <p:sp>
         <p:nvSpPr>
-          <p:cNvPr id="9" name="Mais 8"/>
-          <p:cNvSpPr/>
-          <p:nvPr/>
-        </p:nvSpPr>
-        <p:spPr>
-          <a:xfrm>
-            <a:off x="9557685" y="6434554"/>
-            <a:ext cx="271604" cy="298764"/>
-          </a:xfrm>
-          <a:prstGeom prst="mathPlus">
-            <a:avLst/>
-          </a:prstGeom>
-          <a:solidFill>
-            <a:srgbClr val="7030A0"/>
-          </a:solidFill>
-          <a:ln>
-            <a:solidFill>
-              <a:srgbClr val="7030A0"/>
-            </a:solidFill>
-          </a:ln>
-        </p:spPr>
-        <p:style>
-          <a:lnRef idx="2">
-            <a:schemeClr val="accent1">
-              <a:shade val="50000"/>
-            </a:schemeClr>
-          </a:lnRef>
-          <a:fillRef idx="1">
-            <a:schemeClr val="accent1"/>
-          </a:fillRef>
-          <a:effectRef idx="0">
-            <a:schemeClr val="accent1"/>
-          </a:effectRef>
-          <a:fontRef idx="minor">
-            <a:schemeClr val="lt1"/>
-          </a:fontRef>
-        </p:style>
-        <p:txBody>
-          <a:bodyPr rtlCol="0" anchor="ctr"/>
-          <a:lstStyle/>
-          <a:p>
-            <a:pPr algn="ctr"/>
-            <a:endParaRPr lang="pt-BR"/>
-          </a:p>
-        </p:txBody>
-      </p:sp>
-      <p:sp>
-        <p:nvSpPr>
           <p:cNvPr id="3" name="CaixaDeTexto 2"/>
           <p:cNvSpPr txBox="1"/>
           <p:nvPr/>
@@ -13939,6 +13902,107 @@
           </a:p>
         </p:txBody>
       </p:sp>
+      <p:grpSp>
+        <p:nvGrpSpPr>
+          <p:cNvPr id="6" name="Grupo 5"/>
+          <p:cNvGrpSpPr/>
+          <p:nvPr/>
+        </p:nvGrpSpPr>
+        <p:grpSpPr>
+          <a:xfrm>
+            <a:off x="10402530" y="1900326"/>
+            <a:ext cx="1533832" cy="646331"/>
+            <a:chOff x="10333704" y="3051627"/>
+            <a:chExt cx="1533832" cy="646331"/>
+          </a:xfrm>
+        </p:grpSpPr>
+        <p:sp>
+          <p:nvSpPr>
+            <p:cNvPr id="9" name="Mais 8"/>
+            <p:cNvSpPr/>
+            <p:nvPr/>
+          </p:nvSpPr>
+          <p:spPr>
+            <a:xfrm>
+              <a:off x="11304640" y="3359695"/>
+              <a:ext cx="271604" cy="298764"/>
+            </a:xfrm>
+            <a:prstGeom prst="mathPlus">
+              <a:avLst/>
+            </a:prstGeom>
+            <a:solidFill>
+              <a:srgbClr val="7030A0"/>
+            </a:solidFill>
+            <a:ln>
+              <a:solidFill>
+                <a:srgbClr val="7030A0"/>
+              </a:solidFill>
+            </a:ln>
+          </p:spPr>
+          <p:style>
+            <a:lnRef idx="2">
+              <a:schemeClr val="accent1">
+                <a:shade val="50000"/>
+              </a:schemeClr>
+            </a:lnRef>
+            <a:fillRef idx="1">
+              <a:schemeClr val="accent1"/>
+            </a:fillRef>
+            <a:effectRef idx="0">
+              <a:schemeClr val="accent1"/>
+            </a:effectRef>
+            <a:fontRef idx="minor">
+              <a:schemeClr val="lt1"/>
+            </a:fontRef>
+          </p:style>
+          <p:txBody>
+            <a:bodyPr rtlCol="0" anchor="ctr"/>
+            <a:lstStyle/>
+            <a:p>
+              <a:pPr algn="ctr"/>
+              <a:endParaRPr lang="pt-BR"/>
+            </a:p>
+          </p:txBody>
+        </p:sp>
+        <p:sp>
+          <p:nvSpPr>
+            <p:cNvPr id="4" name="CaixaDeTexto 3"/>
+            <p:cNvSpPr txBox="1"/>
+            <p:nvPr/>
+          </p:nvSpPr>
+          <p:spPr>
+            <a:xfrm>
+              <a:off x="10333704" y="3051627"/>
+              <a:ext cx="1533832" cy="646331"/>
+            </a:xfrm>
+            <a:prstGeom prst="rect">
+              <a:avLst/>
+            </a:prstGeom>
+            <a:noFill/>
+          </p:spPr>
+          <p:txBody>
+            <a:bodyPr wrap="square" rtlCol="0">
+              <a:spAutoFit/>
+            </a:bodyPr>
+            <a:lstStyle/>
+            <a:p>
+              <a:r>
+                <a:rPr lang="pt-BR" b="1" i="1" dirty="0" smtClean="0">
+                  <a:solidFill>
+                    <a:srgbClr val="C00000"/>
+                  </a:solidFill>
+                </a:rPr>
+                <a:t>A qual classe pertence       ?</a:t>
+              </a:r>
+              <a:endParaRPr lang="pt-BR" b="1" i="1" dirty="0">
+                <a:solidFill>
+                  <a:srgbClr val="C00000"/>
+                </a:solidFill>
+              </a:endParaRPr>
+            </a:p>
+          </p:txBody>
+        </p:sp>
+      </p:grpSp>
     </p:spTree>
     <p:extLst>
       <p:ext uri="{BB962C8B-B14F-4D97-AF65-F5344CB8AC3E}">
@@ -15584,6 +15648,107 @@
           </p:sp>
         </mc:Fallback>
       </mc:AlternateContent>
+      <p:grpSp>
+        <p:nvGrpSpPr>
+          <p:cNvPr id="17" name="Grupo 16"/>
+          <p:cNvGrpSpPr/>
+          <p:nvPr/>
+        </p:nvGrpSpPr>
+        <p:grpSpPr>
+          <a:xfrm>
+            <a:off x="10402530" y="1900326"/>
+            <a:ext cx="1533832" cy="646331"/>
+            <a:chOff x="10333704" y="3051627"/>
+            <a:chExt cx="1533832" cy="646331"/>
+          </a:xfrm>
+        </p:grpSpPr>
+        <p:sp>
+          <p:nvSpPr>
+            <p:cNvPr id="18" name="Mais 17"/>
+            <p:cNvSpPr/>
+            <p:nvPr/>
+          </p:nvSpPr>
+          <p:spPr>
+            <a:xfrm>
+              <a:off x="11304640" y="3359695"/>
+              <a:ext cx="271604" cy="298764"/>
+            </a:xfrm>
+            <a:prstGeom prst="mathPlus">
+              <a:avLst/>
+            </a:prstGeom>
+            <a:solidFill>
+              <a:srgbClr val="7030A0"/>
+            </a:solidFill>
+            <a:ln>
+              <a:solidFill>
+                <a:srgbClr val="7030A0"/>
+              </a:solidFill>
+            </a:ln>
+          </p:spPr>
+          <p:style>
+            <a:lnRef idx="2">
+              <a:schemeClr val="accent1">
+                <a:shade val="50000"/>
+              </a:schemeClr>
+            </a:lnRef>
+            <a:fillRef idx="1">
+              <a:schemeClr val="accent1"/>
+            </a:fillRef>
+            <a:effectRef idx="0">
+              <a:schemeClr val="accent1"/>
+            </a:effectRef>
+            <a:fontRef idx="minor">
+              <a:schemeClr val="lt1"/>
+            </a:fontRef>
+          </p:style>
+          <p:txBody>
+            <a:bodyPr rtlCol="0" anchor="ctr"/>
+            <a:lstStyle/>
+            <a:p>
+              <a:pPr algn="ctr"/>
+              <a:endParaRPr lang="pt-BR"/>
+            </a:p>
+          </p:txBody>
+        </p:sp>
+        <p:sp>
+          <p:nvSpPr>
+            <p:cNvPr id="19" name="CaixaDeTexto 18"/>
+            <p:cNvSpPr txBox="1"/>
+            <p:nvPr/>
+          </p:nvSpPr>
+          <p:spPr>
+            <a:xfrm>
+              <a:off x="10333704" y="3051627"/>
+              <a:ext cx="1533832" cy="646331"/>
+            </a:xfrm>
+            <a:prstGeom prst="rect">
+              <a:avLst/>
+            </a:prstGeom>
+            <a:noFill/>
+          </p:spPr>
+          <p:txBody>
+            <a:bodyPr wrap="square" rtlCol="0">
+              <a:spAutoFit/>
+            </a:bodyPr>
+            <a:lstStyle/>
+            <a:p>
+              <a:r>
+                <a:rPr lang="pt-BR" b="1" i="1" dirty="0" smtClean="0">
+                  <a:solidFill>
+                    <a:srgbClr val="C00000"/>
+                  </a:solidFill>
+                </a:rPr>
+                <a:t>A qual classe pertence       ?</a:t>
+              </a:r>
+              <a:endParaRPr lang="pt-BR" b="1" i="1" dirty="0">
+                <a:solidFill>
+                  <a:srgbClr val="C00000"/>
+                </a:solidFill>
+              </a:endParaRPr>
+            </a:p>
+          </p:txBody>
+        </p:sp>
+      </p:grpSp>
     </p:spTree>
     <p:extLst>
       <p:ext uri="{BB962C8B-B14F-4D97-AF65-F5344CB8AC3E}">
@@ -15626,8 +15791,8 @@
         </p:nvSpPr>
         <p:spPr>
           <a:xfrm>
-            <a:off x="838200" y="365126"/>
-            <a:ext cx="10515600" cy="834410"/>
+            <a:off x="838200" y="129151"/>
+            <a:ext cx="10515600" cy="745919"/>
           </a:xfrm>
         </p:spPr>
         <p:txBody>
@@ -15641,8 +15806,8 @@
           </a:p>
         </p:txBody>
       </p:sp>
-      <mc:AlternateContent xmlns:mc="http://schemas.openxmlformats.org/markup-compatibility/2006" xmlns:a14="http://schemas.microsoft.com/office/drawing/2010/main">
-        <mc:Choice Requires="a14">
+      <mc:AlternateContent xmlns:mc="http://schemas.openxmlformats.org/markup-compatibility/2006">
+        <mc:Choice xmlns:a14="http://schemas.microsoft.com/office/drawing/2010/main" Requires="a14">
           <p:sp>
             <p:nvSpPr>
               <p:cNvPr id="3" name="Content Placeholder 2"/>
@@ -15655,8 +15820,8 @@
             </p:nvSpPr>
             <p:spPr>
               <a:xfrm>
-                <a:off x="838200" y="1563329"/>
-                <a:ext cx="11141765" cy="5294671"/>
+                <a:off x="838200" y="1199536"/>
+                <a:ext cx="11186652" cy="5658465"/>
               </a:xfrm>
             </p:spPr>
             <p:txBody>
@@ -15693,8 +15858,17 @@
                 </a:r>
                 <a:r>
                   <a:rPr lang="pt-BR" dirty="0"/>
-                  <a:t>ser interpretadas como as probabilidades de uma variável categoricamente distribuída (as classes) dado um conjunto de variáveis (atributos).</a:t>
-                </a:r>
+                  <a:t>ser interpretadas como as probabilidades de uma variável categoricamente distribuída (as classes) dado um conjunto de variáveis (</a:t>
+                </a:r>
+                <a:r>
+                  <a:rPr lang="pt-BR" dirty="0"/>
+                  <a:t>atributos e </a:t>
+                </a:r>
+                <a:r>
+                  <a:rPr lang="pt-BR" dirty="0" smtClean="0"/>
+                  <a:t>pesos).</a:t>
+                </a:r>
+                <a:endParaRPr lang="pt-BR" dirty="0"/>
               </a:p>
               <a:p>
                 <a:r>
@@ -15816,12 +15990,13 @@
                 </a:r>
                 <a:r>
                   <a:rPr lang="pt-BR" dirty="0"/>
-                  <a:t>por exemplo diferentes tipos de plantas, dígitos, categorias de notícias, etc</a:t>
+                  <a:t>por exemplo diferentes tipos de plantas, </a:t>
                 </a:r>
                 <a:r>
                   <a:rPr lang="pt-BR" dirty="0" smtClean="0"/>
-                  <a:t>.</a:t>
-                </a:r>
+                  <a:t>dígitos, etc.</a:t>
+                </a:r>
+                <a:endParaRPr lang="pt-BR" dirty="0" smtClean="0"/>
               </a:p>
               <a:p>
                 <a:pPr lvl="1">
@@ -15842,7 +16017,11 @@
                 </a:r>
                 <a:r>
                   <a:rPr lang="pt-BR" dirty="0" smtClean="0"/>
-                  <a:t>: exemplos devem pertencer </a:t>
+                  <a:t>: exemplos </a:t>
+                </a:r>
+                <a:r>
+                  <a:rPr lang="pt-BR" dirty="0" smtClean="0"/>
+                  <a:t>pertencem </a:t>
                 </a:r>
                 <a:r>
                   <a:rPr lang="pt-BR" dirty="0"/>
@@ -15871,9 +16050,40 @@
                   <a:t> classes</a:t>
                 </a:r>
                 <a:r>
-                  <a:rPr lang="pt-BR" dirty="0"/>
+                  <a:rPr lang="pt-BR" dirty="0" smtClean="0"/>
                   <a:t>.</a:t>
                 </a:r>
+              </a:p>
+              <a:p>
+                <a:pPr lvl="1">
+                  <a:buFont typeface="Wingdings" panose="05000000000000000000" pitchFamily="2" charset="2"/>
+                  <a:buChar char="§"/>
+                </a:pPr>
+                <a:r>
+                  <a:rPr lang="pt-BR" dirty="0"/>
+                  <a:t>Já </a:t>
+                </a:r>
+                <a:r>
+                  <a:rPr lang="pt-BR" dirty="0" smtClean="0"/>
+                  <a:t>notícias</a:t>
+                </a:r>
+                <a:r>
+                  <a:rPr lang="pt-BR" dirty="0"/>
+                  <a:t> </a:t>
+                </a:r>
+                <a:r>
+                  <a:rPr lang="pt-BR" dirty="0" smtClean="0"/>
+                  <a:t>e animais, por exemplo, </a:t>
+                </a:r>
+                <a:r>
+                  <a:rPr lang="pt-BR" dirty="0"/>
+                  <a:t>podem pertencer a </a:t>
+                </a:r>
+                <a:r>
+                  <a:rPr lang="pt-BR" dirty="0" smtClean="0"/>
+                  <a:t>várias a várias classes.</a:t>
+                </a:r>
+                <a:endParaRPr lang="pt-BR" dirty="0"/>
               </a:p>
               <a:p>
                 <a:r>
@@ -16082,7 +16292,7 @@
             </p:txBody>
           </p:sp>
         </mc:Choice>
-        <mc:Fallback xmlns="">
+        <mc:Fallback>
           <p:sp>
             <p:nvSpPr>
               <p:cNvPr id="3" name="Content Placeholder 2"/>
@@ -16095,13 +16305,13 @@
             </p:nvSpPr>
             <p:spPr>
               <a:xfrm>
-                <a:off x="838200" y="1563329"/>
-                <a:ext cx="11141765" cy="5294671"/>
+                <a:off x="838200" y="1199536"/>
+                <a:ext cx="11186652" cy="5658465"/>
               </a:xfrm>
               <a:blipFill rotWithShape="0">
                 <a:blip r:embed="rId3"/>
                 <a:stretch>
-                  <a:fillRect l="-876" t="-2877" r="-1259" b="-3222"/>
+                  <a:fillRect l="-872" t="-2694" r="-817" b="-1724"/>
                 </a:stretch>
               </a:blipFill>
             </p:spPr>
@@ -16155,7 +16365,7 @@
           <p:cNvPr id="2" name="Título 1">
             <a:extLst>
               <a:ext uri="{FF2B5EF4-FFF2-40B4-BE49-F238E27FC236}">
-                <a16:creationId xmlns:a16="http://schemas.microsoft.com/office/drawing/2014/main" xmlns="" id="{890D7195-61EC-4142-8041-DD35C2AB1914}"/>
+                <a16:creationId xmlns="" xmlns:a16="http://schemas.microsoft.com/office/drawing/2014/main" id="{890D7195-61EC-4142-8041-DD35C2AB1914}"/>
               </a:ext>
             </a:extLst>
           </p:cNvPr>
@@ -16186,7 +16396,7 @@
               <p:cNvPr id="3" name="Espaço Reservado para Conteúdo 2">
                 <a:extLst>
                   <a:ext uri="{FF2B5EF4-FFF2-40B4-BE49-F238E27FC236}">
-                    <a16:creationId xmlns:a16="http://schemas.microsoft.com/office/drawing/2014/main" xmlns="" id="{807ECEFA-6ED0-44F3-ABEA-8272FEB2FF63}"/>
+                    <a16:creationId xmlns="" xmlns:a16="http://schemas.microsoft.com/office/drawing/2014/main" id="{807ECEFA-6ED0-44F3-ABEA-8272FEB2FF63}"/>
                   </a:ext>
                 </a:extLst>
               </p:cNvPr>
@@ -18208,7 +18418,7 @@
           <p:cNvPr id="4" name="TextBox 6">
             <a:extLst>
               <a:ext uri="{FF2B5EF4-FFF2-40B4-BE49-F238E27FC236}">
-                <a16:creationId xmlns:a16="http://schemas.microsoft.com/office/drawing/2014/main" xmlns="" id="{BD5B7330-9A4E-4A27-BE6B-F7038DE7890D}"/>
+                <a16:creationId xmlns="" xmlns:a16="http://schemas.microsoft.com/office/drawing/2014/main" id="{BD5B7330-9A4E-4A27-BE6B-F7038DE7890D}"/>
               </a:ext>
             </a:extLst>
           </p:cNvPr>
@@ -18244,7 +18454,7 @@
           <p:cNvPr id="5" name="Straight Arrow Connector 7">
             <a:extLst>
               <a:ext uri="{FF2B5EF4-FFF2-40B4-BE49-F238E27FC236}">
-                <a16:creationId xmlns:a16="http://schemas.microsoft.com/office/drawing/2014/main" xmlns="" id="{E9DCC49F-2D0A-4D6E-9325-E6E0A35530AD}"/>
+                <a16:creationId xmlns="" xmlns:a16="http://schemas.microsoft.com/office/drawing/2014/main" id="{E9DCC49F-2D0A-4D6E-9325-E6E0A35530AD}"/>
               </a:ext>
             </a:extLst>
           </p:cNvPr>
@@ -18290,7 +18500,7 @@
               <p:cNvPr id="6" name="TextBox 3">
                 <a:extLst>
                   <a:ext uri="{FF2B5EF4-FFF2-40B4-BE49-F238E27FC236}">
-                    <a16:creationId xmlns:a16="http://schemas.microsoft.com/office/drawing/2014/main" xmlns="" id="{C2B44ACC-7F40-4DFA-AC5C-CC329D169698}"/>
+                    <a16:creationId xmlns="" xmlns:a16="http://schemas.microsoft.com/office/drawing/2014/main" id="{C2B44ACC-7F40-4DFA-AC5C-CC329D169698}"/>
                   </a:ext>
                 </a:extLst>
               </p:cNvPr>
@@ -18394,7 +18604,7 @@
           <p:cNvPr id="7" name="Rectangle 11">
             <a:extLst>
               <a:ext uri="{FF2B5EF4-FFF2-40B4-BE49-F238E27FC236}">
-                <a16:creationId xmlns:a16="http://schemas.microsoft.com/office/drawing/2014/main" xmlns="" id="{1BDEDFF8-EB72-48C9-B045-4BDDB50DFABB}"/>
+                <a16:creationId xmlns="" xmlns:a16="http://schemas.microsoft.com/office/drawing/2014/main" id="{1BDEDFF8-EB72-48C9-B045-4BDDB50DFABB}"/>
               </a:ext>
             </a:extLst>
           </p:cNvPr>
@@ -18446,7 +18656,7 @@
           <p:cNvPr id="8" name="Straight Arrow Connector 13">
             <a:extLst>
               <a:ext uri="{FF2B5EF4-FFF2-40B4-BE49-F238E27FC236}">
-                <a16:creationId xmlns:a16="http://schemas.microsoft.com/office/drawing/2014/main" xmlns="" id="{9480D85A-07BF-44B1-A6D0-1DE33196FA5B}"/>
+                <a16:creationId xmlns="" xmlns:a16="http://schemas.microsoft.com/office/drawing/2014/main" id="{9480D85A-07BF-44B1-A6D0-1DE33196FA5B}"/>
               </a:ext>
             </a:extLst>
           </p:cNvPr>

--- a/slides/T320_Classificação (Parte IV).pptx
+++ b/slides/T320_Classificação (Parte IV).pptx
@@ -2654,7 +2654,7 @@
           <p:cNvPr id="2" name="Título 1">
             <a:extLst>
               <a:ext uri="{FF2B5EF4-FFF2-40B4-BE49-F238E27FC236}">
-                <a16:creationId xmlns="" xmlns:a16="http://schemas.microsoft.com/office/drawing/2014/main" id="{1DB9B4FF-B06E-403C-A326-BDC64D8FF94E}"/>
+                <a16:creationId xmlns:a16="http://schemas.microsoft.com/office/drawing/2014/main" xmlns="" id="{1DB9B4FF-B06E-403C-A326-BDC64D8FF94E}"/>
               </a:ext>
             </a:extLst>
           </p:cNvPr>
@@ -2691,7 +2691,7 @@
           <p:cNvPr id="3" name="Subtítulo 2">
             <a:extLst>
               <a:ext uri="{FF2B5EF4-FFF2-40B4-BE49-F238E27FC236}">
-                <a16:creationId xmlns="" xmlns:a16="http://schemas.microsoft.com/office/drawing/2014/main" id="{247BDFCE-746E-45BF-A319-4733D58D1632}"/>
+                <a16:creationId xmlns:a16="http://schemas.microsoft.com/office/drawing/2014/main" xmlns="" id="{247BDFCE-746E-45BF-A319-4733D58D1632}"/>
               </a:ext>
             </a:extLst>
           </p:cNvPr>
@@ -2761,7 +2761,7 @@
           <p:cNvPr id="4" name="Espaço Reservado para Data 3">
             <a:extLst>
               <a:ext uri="{FF2B5EF4-FFF2-40B4-BE49-F238E27FC236}">
-                <a16:creationId xmlns="" xmlns:a16="http://schemas.microsoft.com/office/drawing/2014/main" id="{9EDE2778-5372-4104-B96D-968184DA8288}"/>
+                <a16:creationId xmlns:a16="http://schemas.microsoft.com/office/drawing/2014/main" xmlns="" id="{9EDE2778-5372-4104-B96D-968184DA8288}"/>
               </a:ext>
             </a:extLst>
           </p:cNvPr>
@@ -2790,7 +2790,7 @@
           <p:cNvPr id="5" name="Espaço Reservado para Rodapé 4">
             <a:extLst>
               <a:ext uri="{FF2B5EF4-FFF2-40B4-BE49-F238E27FC236}">
-                <a16:creationId xmlns="" xmlns:a16="http://schemas.microsoft.com/office/drawing/2014/main" id="{C1DD0F41-C861-4051-988D-3024A37A4B93}"/>
+                <a16:creationId xmlns:a16="http://schemas.microsoft.com/office/drawing/2014/main" xmlns="" id="{C1DD0F41-C861-4051-988D-3024A37A4B93}"/>
               </a:ext>
             </a:extLst>
           </p:cNvPr>
@@ -2815,7 +2815,7 @@
           <p:cNvPr id="6" name="Espaço Reservado para Número de Slide 5">
             <a:extLst>
               <a:ext uri="{FF2B5EF4-FFF2-40B4-BE49-F238E27FC236}">
-                <a16:creationId xmlns="" xmlns:a16="http://schemas.microsoft.com/office/drawing/2014/main" id="{07E5967E-D980-431A-A5DB-3F0C5030A81E}"/>
+                <a16:creationId xmlns:a16="http://schemas.microsoft.com/office/drawing/2014/main" xmlns="" id="{07E5967E-D980-431A-A5DB-3F0C5030A81E}"/>
               </a:ext>
             </a:extLst>
           </p:cNvPr>
@@ -2874,7 +2874,7 @@
           <p:cNvPr id="2" name="Título 1">
             <a:extLst>
               <a:ext uri="{FF2B5EF4-FFF2-40B4-BE49-F238E27FC236}">
-                <a16:creationId xmlns="" xmlns:a16="http://schemas.microsoft.com/office/drawing/2014/main" id="{9036C49F-3E68-4175-81BA-3C3FEE44308A}"/>
+                <a16:creationId xmlns:a16="http://schemas.microsoft.com/office/drawing/2014/main" xmlns="" id="{9036C49F-3E68-4175-81BA-3C3FEE44308A}"/>
               </a:ext>
             </a:extLst>
           </p:cNvPr>
@@ -2902,7 +2902,7 @@
           <p:cNvPr id="3" name="Espaço Reservado para Texto Vertical 2">
             <a:extLst>
               <a:ext uri="{FF2B5EF4-FFF2-40B4-BE49-F238E27FC236}">
-                <a16:creationId xmlns="" xmlns:a16="http://schemas.microsoft.com/office/drawing/2014/main" id="{426FA736-3DD3-4D4E-B57B-BBE1D8F7D424}"/>
+                <a16:creationId xmlns:a16="http://schemas.microsoft.com/office/drawing/2014/main" xmlns="" id="{426FA736-3DD3-4D4E-B57B-BBE1D8F7D424}"/>
               </a:ext>
             </a:extLst>
           </p:cNvPr>
@@ -2959,7 +2959,7 @@
           <p:cNvPr id="4" name="Espaço Reservado para Data 3">
             <a:extLst>
               <a:ext uri="{FF2B5EF4-FFF2-40B4-BE49-F238E27FC236}">
-                <a16:creationId xmlns="" xmlns:a16="http://schemas.microsoft.com/office/drawing/2014/main" id="{99E8855C-D8FD-48F6-B14E-861E0DE4D915}"/>
+                <a16:creationId xmlns:a16="http://schemas.microsoft.com/office/drawing/2014/main" xmlns="" id="{99E8855C-D8FD-48F6-B14E-861E0DE4D915}"/>
               </a:ext>
             </a:extLst>
           </p:cNvPr>
@@ -2988,7 +2988,7 @@
           <p:cNvPr id="5" name="Espaço Reservado para Rodapé 4">
             <a:extLst>
               <a:ext uri="{FF2B5EF4-FFF2-40B4-BE49-F238E27FC236}">
-                <a16:creationId xmlns="" xmlns:a16="http://schemas.microsoft.com/office/drawing/2014/main" id="{97C0BB88-2F21-42A5-ACFF-83DA47F2D340}"/>
+                <a16:creationId xmlns:a16="http://schemas.microsoft.com/office/drawing/2014/main" xmlns="" id="{97C0BB88-2F21-42A5-ACFF-83DA47F2D340}"/>
               </a:ext>
             </a:extLst>
           </p:cNvPr>
@@ -3013,7 +3013,7 @@
           <p:cNvPr id="6" name="Espaço Reservado para Número de Slide 5">
             <a:extLst>
               <a:ext uri="{FF2B5EF4-FFF2-40B4-BE49-F238E27FC236}">
-                <a16:creationId xmlns="" xmlns:a16="http://schemas.microsoft.com/office/drawing/2014/main" id="{6CB462B3-1F22-4C05-B4B8-7A279FB7D5E9}"/>
+                <a16:creationId xmlns:a16="http://schemas.microsoft.com/office/drawing/2014/main" xmlns="" id="{6CB462B3-1F22-4C05-B4B8-7A279FB7D5E9}"/>
               </a:ext>
             </a:extLst>
           </p:cNvPr>
@@ -3072,7 +3072,7 @@
           <p:cNvPr id="2" name="Título Vertical 1">
             <a:extLst>
               <a:ext uri="{FF2B5EF4-FFF2-40B4-BE49-F238E27FC236}">
-                <a16:creationId xmlns="" xmlns:a16="http://schemas.microsoft.com/office/drawing/2014/main" id="{EAEAB728-701C-4207-A9D5-23FF45C60502}"/>
+                <a16:creationId xmlns:a16="http://schemas.microsoft.com/office/drawing/2014/main" xmlns="" id="{EAEAB728-701C-4207-A9D5-23FF45C60502}"/>
               </a:ext>
             </a:extLst>
           </p:cNvPr>
@@ -3105,7 +3105,7 @@
           <p:cNvPr id="3" name="Espaço Reservado para Texto Vertical 2">
             <a:extLst>
               <a:ext uri="{FF2B5EF4-FFF2-40B4-BE49-F238E27FC236}">
-                <a16:creationId xmlns="" xmlns:a16="http://schemas.microsoft.com/office/drawing/2014/main" id="{BA8C8CCF-7823-480A-9A19-0F664DD17E3B}"/>
+                <a16:creationId xmlns:a16="http://schemas.microsoft.com/office/drawing/2014/main" xmlns="" id="{BA8C8CCF-7823-480A-9A19-0F664DD17E3B}"/>
               </a:ext>
             </a:extLst>
           </p:cNvPr>
@@ -3167,7 +3167,7 @@
           <p:cNvPr id="4" name="Espaço Reservado para Data 3">
             <a:extLst>
               <a:ext uri="{FF2B5EF4-FFF2-40B4-BE49-F238E27FC236}">
-                <a16:creationId xmlns="" xmlns:a16="http://schemas.microsoft.com/office/drawing/2014/main" id="{721D5734-7B1F-425D-942F-6EB73344027C}"/>
+                <a16:creationId xmlns:a16="http://schemas.microsoft.com/office/drawing/2014/main" xmlns="" id="{721D5734-7B1F-425D-942F-6EB73344027C}"/>
               </a:ext>
             </a:extLst>
           </p:cNvPr>
@@ -3196,7 +3196,7 @@
           <p:cNvPr id="5" name="Espaço Reservado para Rodapé 4">
             <a:extLst>
               <a:ext uri="{FF2B5EF4-FFF2-40B4-BE49-F238E27FC236}">
-                <a16:creationId xmlns="" xmlns:a16="http://schemas.microsoft.com/office/drawing/2014/main" id="{1E1AAEAC-F08D-45FE-89EC-B1B349A868C9}"/>
+                <a16:creationId xmlns:a16="http://schemas.microsoft.com/office/drawing/2014/main" xmlns="" id="{1E1AAEAC-F08D-45FE-89EC-B1B349A868C9}"/>
               </a:ext>
             </a:extLst>
           </p:cNvPr>
@@ -3221,7 +3221,7 @@
           <p:cNvPr id="6" name="Espaço Reservado para Número de Slide 5">
             <a:extLst>
               <a:ext uri="{FF2B5EF4-FFF2-40B4-BE49-F238E27FC236}">
-                <a16:creationId xmlns="" xmlns:a16="http://schemas.microsoft.com/office/drawing/2014/main" id="{BAA44493-9911-47B2-87A6-C2141A972BC8}"/>
+                <a16:creationId xmlns:a16="http://schemas.microsoft.com/office/drawing/2014/main" xmlns="" id="{BAA44493-9911-47B2-87A6-C2141A972BC8}"/>
               </a:ext>
             </a:extLst>
           </p:cNvPr>
@@ -3280,7 +3280,7 @@
           <p:cNvPr id="2" name="Título 1">
             <a:extLst>
               <a:ext uri="{FF2B5EF4-FFF2-40B4-BE49-F238E27FC236}">
-                <a16:creationId xmlns="" xmlns:a16="http://schemas.microsoft.com/office/drawing/2014/main" id="{71BD44A5-8F21-4626-A01D-48A1C874B1D5}"/>
+                <a16:creationId xmlns:a16="http://schemas.microsoft.com/office/drawing/2014/main" xmlns="" id="{71BD44A5-8F21-4626-A01D-48A1C874B1D5}"/>
               </a:ext>
             </a:extLst>
           </p:cNvPr>
@@ -3308,7 +3308,7 @@
           <p:cNvPr id="3" name="Espaço Reservado para Conteúdo 2">
             <a:extLst>
               <a:ext uri="{FF2B5EF4-FFF2-40B4-BE49-F238E27FC236}">
-                <a16:creationId xmlns="" xmlns:a16="http://schemas.microsoft.com/office/drawing/2014/main" id="{B79E8085-65A9-48AA-951D-71D978BFF4ED}"/>
+                <a16:creationId xmlns:a16="http://schemas.microsoft.com/office/drawing/2014/main" xmlns="" id="{B79E8085-65A9-48AA-951D-71D978BFF4ED}"/>
               </a:ext>
             </a:extLst>
           </p:cNvPr>
@@ -3365,7 +3365,7 @@
           <p:cNvPr id="4" name="Espaço Reservado para Data 3">
             <a:extLst>
               <a:ext uri="{FF2B5EF4-FFF2-40B4-BE49-F238E27FC236}">
-                <a16:creationId xmlns="" xmlns:a16="http://schemas.microsoft.com/office/drawing/2014/main" id="{F05BE1AF-51EA-425D-B188-DE7BD675009F}"/>
+                <a16:creationId xmlns:a16="http://schemas.microsoft.com/office/drawing/2014/main" xmlns="" id="{F05BE1AF-51EA-425D-B188-DE7BD675009F}"/>
               </a:ext>
             </a:extLst>
           </p:cNvPr>
@@ -3394,7 +3394,7 @@
           <p:cNvPr id="5" name="Espaço Reservado para Rodapé 4">
             <a:extLst>
               <a:ext uri="{FF2B5EF4-FFF2-40B4-BE49-F238E27FC236}">
-                <a16:creationId xmlns="" xmlns:a16="http://schemas.microsoft.com/office/drawing/2014/main" id="{121BE632-29CF-4CB9-B365-C9EF38F89BE6}"/>
+                <a16:creationId xmlns:a16="http://schemas.microsoft.com/office/drawing/2014/main" xmlns="" id="{121BE632-29CF-4CB9-B365-C9EF38F89BE6}"/>
               </a:ext>
             </a:extLst>
           </p:cNvPr>
@@ -3419,7 +3419,7 @@
           <p:cNvPr id="6" name="Espaço Reservado para Número de Slide 5">
             <a:extLst>
               <a:ext uri="{FF2B5EF4-FFF2-40B4-BE49-F238E27FC236}">
-                <a16:creationId xmlns="" xmlns:a16="http://schemas.microsoft.com/office/drawing/2014/main" id="{60CF3DD1-9AEC-4A57-B461-4E4DD86FAC18}"/>
+                <a16:creationId xmlns:a16="http://schemas.microsoft.com/office/drawing/2014/main" xmlns="" id="{60CF3DD1-9AEC-4A57-B461-4E4DD86FAC18}"/>
               </a:ext>
             </a:extLst>
           </p:cNvPr>
@@ -3478,7 +3478,7 @@
           <p:cNvPr id="2" name="Título 1">
             <a:extLst>
               <a:ext uri="{FF2B5EF4-FFF2-40B4-BE49-F238E27FC236}">
-                <a16:creationId xmlns="" xmlns:a16="http://schemas.microsoft.com/office/drawing/2014/main" id="{34AB2FF0-A4D7-4E28-991D-FF26140D5988}"/>
+                <a16:creationId xmlns:a16="http://schemas.microsoft.com/office/drawing/2014/main" xmlns="" id="{34AB2FF0-A4D7-4E28-991D-FF26140D5988}"/>
               </a:ext>
             </a:extLst>
           </p:cNvPr>
@@ -3515,7 +3515,7 @@
           <p:cNvPr id="3" name="Espaço Reservado para Texto 2">
             <a:extLst>
               <a:ext uri="{FF2B5EF4-FFF2-40B4-BE49-F238E27FC236}">
-                <a16:creationId xmlns="" xmlns:a16="http://schemas.microsoft.com/office/drawing/2014/main" id="{E2AC45B0-4145-40DB-8E61-105461170604}"/>
+                <a16:creationId xmlns:a16="http://schemas.microsoft.com/office/drawing/2014/main" xmlns="" id="{E2AC45B0-4145-40DB-8E61-105461170604}"/>
               </a:ext>
             </a:extLst>
           </p:cNvPr>
@@ -3640,7 +3640,7 @@
           <p:cNvPr id="4" name="Espaço Reservado para Data 3">
             <a:extLst>
               <a:ext uri="{FF2B5EF4-FFF2-40B4-BE49-F238E27FC236}">
-                <a16:creationId xmlns="" xmlns:a16="http://schemas.microsoft.com/office/drawing/2014/main" id="{50F1D3FB-740A-4EBA-A309-2CE71D12ECFB}"/>
+                <a16:creationId xmlns:a16="http://schemas.microsoft.com/office/drawing/2014/main" xmlns="" id="{50F1D3FB-740A-4EBA-A309-2CE71D12ECFB}"/>
               </a:ext>
             </a:extLst>
           </p:cNvPr>
@@ -3669,7 +3669,7 @@
           <p:cNvPr id="5" name="Espaço Reservado para Rodapé 4">
             <a:extLst>
               <a:ext uri="{FF2B5EF4-FFF2-40B4-BE49-F238E27FC236}">
-                <a16:creationId xmlns="" xmlns:a16="http://schemas.microsoft.com/office/drawing/2014/main" id="{BDCAB18F-8715-4465-A940-F9C193A2ACE9}"/>
+                <a16:creationId xmlns:a16="http://schemas.microsoft.com/office/drawing/2014/main" xmlns="" id="{BDCAB18F-8715-4465-A940-F9C193A2ACE9}"/>
               </a:ext>
             </a:extLst>
           </p:cNvPr>
@@ -3694,7 +3694,7 @@
           <p:cNvPr id="6" name="Espaço Reservado para Número de Slide 5">
             <a:extLst>
               <a:ext uri="{FF2B5EF4-FFF2-40B4-BE49-F238E27FC236}">
-                <a16:creationId xmlns="" xmlns:a16="http://schemas.microsoft.com/office/drawing/2014/main" id="{353466C6-8248-429F-8056-FF040BF509EB}"/>
+                <a16:creationId xmlns:a16="http://schemas.microsoft.com/office/drawing/2014/main" xmlns="" id="{353466C6-8248-429F-8056-FF040BF509EB}"/>
               </a:ext>
             </a:extLst>
           </p:cNvPr>
@@ -3753,7 +3753,7 @@
           <p:cNvPr id="2" name="Título 1">
             <a:extLst>
               <a:ext uri="{FF2B5EF4-FFF2-40B4-BE49-F238E27FC236}">
-                <a16:creationId xmlns="" xmlns:a16="http://schemas.microsoft.com/office/drawing/2014/main" id="{BC7BB9F0-F14B-4A91-B2B7-35BC47FE4DE7}"/>
+                <a16:creationId xmlns:a16="http://schemas.microsoft.com/office/drawing/2014/main" xmlns="" id="{BC7BB9F0-F14B-4A91-B2B7-35BC47FE4DE7}"/>
               </a:ext>
             </a:extLst>
           </p:cNvPr>
@@ -3781,7 +3781,7 @@
           <p:cNvPr id="3" name="Espaço Reservado para Conteúdo 2">
             <a:extLst>
               <a:ext uri="{FF2B5EF4-FFF2-40B4-BE49-F238E27FC236}">
-                <a16:creationId xmlns="" xmlns:a16="http://schemas.microsoft.com/office/drawing/2014/main" id="{EC1FC1C4-73DA-47A6-8496-B0B457F7D39A}"/>
+                <a16:creationId xmlns:a16="http://schemas.microsoft.com/office/drawing/2014/main" xmlns="" id="{EC1FC1C4-73DA-47A6-8496-B0B457F7D39A}"/>
               </a:ext>
             </a:extLst>
           </p:cNvPr>
@@ -3843,7 +3843,7 @@
           <p:cNvPr id="4" name="Espaço Reservado para Conteúdo 3">
             <a:extLst>
               <a:ext uri="{FF2B5EF4-FFF2-40B4-BE49-F238E27FC236}">
-                <a16:creationId xmlns="" xmlns:a16="http://schemas.microsoft.com/office/drawing/2014/main" id="{E92F06A8-A449-4D92-9912-76873E529B38}"/>
+                <a16:creationId xmlns:a16="http://schemas.microsoft.com/office/drawing/2014/main" xmlns="" id="{E92F06A8-A449-4D92-9912-76873E529B38}"/>
               </a:ext>
             </a:extLst>
           </p:cNvPr>
@@ -3905,7 +3905,7 @@
           <p:cNvPr id="5" name="Espaço Reservado para Data 4">
             <a:extLst>
               <a:ext uri="{FF2B5EF4-FFF2-40B4-BE49-F238E27FC236}">
-                <a16:creationId xmlns="" xmlns:a16="http://schemas.microsoft.com/office/drawing/2014/main" id="{938070A4-BC2F-4D55-BD8D-DEAF11BB9EE9}"/>
+                <a16:creationId xmlns:a16="http://schemas.microsoft.com/office/drawing/2014/main" xmlns="" id="{938070A4-BC2F-4D55-BD8D-DEAF11BB9EE9}"/>
               </a:ext>
             </a:extLst>
           </p:cNvPr>
@@ -3934,7 +3934,7 @@
           <p:cNvPr id="6" name="Espaço Reservado para Rodapé 5">
             <a:extLst>
               <a:ext uri="{FF2B5EF4-FFF2-40B4-BE49-F238E27FC236}">
-                <a16:creationId xmlns="" xmlns:a16="http://schemas.microsoft.com/office/drawing/2014/main" id="{45CC2DB8-844A-465F-BA9A-7734C80C7F43}"/>
+                <a16:creationId xmlns:a16="http://schemas.microsoft.com/office/drawing/2014/main" xmlns="" id="{45CC2DB8-844A-465F-BA9A-7734C80C7F43}"/>
               </a:ext>
             </a:extLst>
           </p:cNvPr>
@@ -3959,7 +3959,7 @@
           <p:cNvPr id="7" name="Espaço Reservado para Número de Slide 6">
             <a:extLst>
               <a:ext uri="{FF2B5EF4-FFF2-40B4-BE49-F238E27FC236}">
-                <a16:creationId xmlns="" xmlns:a16="http://schemas.microsoft.com/office/drawing/2014/main" id="{4CC606A8-097B-4040-94E0-CD8C88280D8F}"/>
+                <a16:creationId xmlns:a16="http://schemas.microsoft.com/office/drawing/2014/main" xmlns="" id="{4CC606A8-097B-4040-94E0-CD8C88280D8F}"/>
               </a:ext>
             </a:extLst>
           </p:cNvPr>
@@ -4018,7 +4018,7 @@
           <p:cNvPr id="2" name="Título 1">
             <a:extLst>
               <a:ext uri="{FF2B5EF4-FFF2-40B4-BE49-F238E27FC236}">
-                <a16:creationId xmlns="" xmlns:a16="http://schemas.microsoft.com/office/drawing/2014/main" id="{76D66686-0143-4CB6-8C09-BA326F1E7ACA}"/>
+                <a16:creationId xmlns:a16="http://schemas.microsoft.com/office/drawing/2014/main" xmlns="" id="{76D66686-0143-4CB6-8C09-BA326F1E7ACA}"/>
               </a:ext>
             </a:extLst>
           </p:cNvPr>
@@ -4051,7 +4051,7 @@
           <p:cNvPr id="3" name="Espaço Reservado para Texto 2">
             <a:extLst>
               <a:ext uri="{FF2B5EF4-FFF2-40B4-BE49-F238E27FC236}">
-                <a16:creationId xmlns="" xmlns:a16="http://schemas.microsoft.com/office/drawing/2014/main" id="{0227AB85-F59E-4BCE-B846-4FA0992C2F23}"/>
+                <a16:creationId xmlns:a16="http://schemas.microsoft.com/office/drawing/2014/main" xmlns="" id="{0227AB85-F59E-4BCE-B846-4FA0992C2F23}"/>
               </a:ext>
             </a:extLst>
           </p:cNvPr>
@@ -4122,7 +4122,7 @@
           <p:cNvPr id="4" name="Espaço Reservado para Conteúdo 3">
             <a:extLst>
               <a:ext uri="{FF2B5EF4-FFF2-40B4-BE49-F238E27FC236}">
-                <a16:creationId xmlns="" xmlns:a16="http://schemas.microsoft.com/office/drawing/2014/main" id="{3373456C-7319-4D0A-827D-D29F6B083F5D}"/>
+                <a16:creationId xmlns:a16="http://schemas.microsoft.com/office/drawing/2014/main" xmlns="" id="{3373456C-7319-4D0A-827D-D29F6B083F5D}"/>
               </a:ext>
             </a:extLst>
           </p:cNvPr>
@@ -4184,7 +4184,7 @@
           <p:cNvPr id="5" name="Espaço Reservado para Texto 4">
             <a:extLst>
               <a:ext uri="{FF2B5EF4-FFF2-40B4-BE49-F238E27FC236}">
-                <a16:creationId xmlns="" xmlns:a16="http://schemas.microsoft.com/office/drawing/2014/main" id="{4CD109D0-2E83-4262-8029-A871CEC47406}"/>
+                <a16:creationId xmlns:a16="http://schemas.microsoft.com/office/drawing/2014/main" xmlns="" id="{4CD109D0-2E83-4262-8029-A871CEC47406}"/>
               </a:ext>
             </a:extLst>
           </p:cNvPr>
@@ -4255,7 +4255,7 @@
           <p:cNvPr id="6" name="Espaço Reservado para Conteúdo 5">
             <a:extLst>
               <a:ext uri="{FF2B5EF4-FFF2-40B4-BE49-F238E27FC236}">
-                <a16:creationId xmlns="" xmlns:a16="http://schemas.microsoft.com/office/drawing/2014/main" id="{AD706E3A-CFBB-4A6C-A65F-D0360A9E74FE}"/>
+                <a16:creationId xmlns:a16="http://schemas.microsoft.com/office/drawing/2014/main" xmlns="" id="{AD706E3A-CFBB-4A6C-A65F-D0360A9E74FE}"/>
               </a:ext>
             </a:extLst>
           </p:cNvPr>
@@ -4317,7 +4317,7 @@
           <p:cNvPr id="7" name="Espaço Reservado para Data 6">
             <a:extLst>
               <a:ext uri="{FF2B5EF4-FFF2-40B4-BE49-F238E27FC236}">
-                <a16:creationId xmlns="" xmlns:a16="http://schemas.microsoft.com/office/drawing/2014/main" id="{4172C0E5-5AF0-4805-BB51-443733CD2BD5}"/>
+                <a16:creationId xmlns:a16="http://schemas.microsoft.com/office/drawing/2014/main" xmlns="" id="{4172C0E5-5AF0-4805-BB51-443733CD2BD5}"/>
               </a:ext>
             </a:extLst>
           </p:cNvPr>
@@ -4346,7 +4346,7 @@
           <p:cNvPr id="8" name="Espaço Reservado para Rodapé 7">
             <a:extLst>
               <a:ext uri="{FF2B5EF4-FFF2-40B4-BE49-F238E27FC236}">
-                <a16:creationId xmlns="" xmlns:a16="http://schemas.microsoft.com/office/drawing/2014/main" id="{0E801648-156F-497E-99CF-797DF48051E1}"/>
+                <a16:creationId xmlns:a16="http://schemas.microsoft.com/office/drawing/2014/main" xmlns="" id="{0E801648-156F-497E-99CF-797DF48051E1}"/>
               </a:ext>
             </a:extLst>
           </p:cNvPr>
@@ -4371,7 +4371,7 @@
           <p:cNvPr id="9" name="Espaço Reservado para Número de Slide 8">
             <a:extLst>
               <a:ext uri="{FF2B5EF4-FFF2-40B4-BE49-F238E27FC236}">
-                <a16:creationId xmlns="" xmlns:a16="http://schemas.microsoft.com/office/drawing/2014/main" id="{EEE23D32-80E7-4796-A137-66BF842E4B53}"/>
+                <a16:creationId xmlns:a16="http://schemas.microsoft.com/office/drawing/2014/main" xmlns="" id="{EEE23D32-80E7-4796-A137-66BF842E4B53}"/>
               </a:ext>
             </a:extLst>
           </p:cNvPr>
@@ -4430,7 +4430,7 @@
           <p:cNvPr id="2" name="Título 1">
             <a:extLst>
               <a:ext uri="{FF2B5EF4-FFF2-40B4-BE49-F238E27FC236}">
-                <a16:creationId xmlns="" xmlns:a16="http://schemas.microsoft.com/office/drawing/2014/main" id="{2BCE2379-C78F-47E1-8CFC-B846E7AF148D}"/>
+                <a16:creationId xmlns:a16="http://schemas.microsoft.com/office/drawing/2014/main" xmlns="" id="{2BCE2379-C78F-47E1-8CFC-B846E7AF148D}"/>
               </a:ext>
             </a:extLst>
           </p:cNvPr>
@@ -4458,7 +4458,7 @@
           <p:cNvPr id="3" name="Espaço Reservado para Data 2">
             <a:extLst>
               <a:ext uri="{FF2B5EF4-FFF2-40B4-BE49-F238E27FC236}">
-                <a16:creationId xmlns="" xmlns:a16="http://schemas.microsoft.com/office/drawing/2014/main" id="{342600A9-7F92-4E22-9D94-E4717252A817}"/>
+                <a16:creationId xmlns:a16="http://schemas.microsoft.com/office/drawing/2014/main" xmlns="" id="{342600A9-7F92-4E22-9D94-E4717252A817}"/>
               </a:ext>
             </a:extLst>
           </p:cNvPr>
@@ -4487,7 +4487,7 @@
           <p:cNvPr id="4" name="Espaço Reservado para Rodapé 3">
             <a:extLst>
               <a:ext uri="{FF2B5EF4-FFF2-40B4-BE49-F238E27FC236}">
-                <a16:creationId xmlns="" xmlns:a16="http://schemas.microsoft.com/office/drawing/2014/main" id="{192E6BED-F546-40CC-A2DF-99CBA853654E}"/>
+                <a16:creationId xmlns:a16="http://schemas.microsoft.com/office/drawing/2014/main" xmlns="" id="{192E6BED-F546-40CC-A2DF-99CBA853654E}"/>
               </a:ext>
             </a:extLst>
           </p:cNvPr>
@@ -4512,7 +4512,7 @@
           <p:cNvPr id="5" name="Espaço Reservado para Número de Slide 4">
             <a:extLst>
               <a:ext uri="{FF2B5EF4-FFF2-40B4-BE49-F238E27FC236}">
-                <a16:creationId xmlns="" xmlns:a16="http://schemas.microsoft.com/office/drawing/2014/main" id="{6091CC40-A8C4-4063-80EB-CC5099621678}"/>
+                <a16:creationId xmlns:a16="http://schemas.microsoft.com/office/drawing/2014/main" xmlns="" id="{6091CC40-A8C4-4063-80EB-CC5099621678}"/>
               </a:ext>
             </a:extLst>
           </p:cNvPr>
@@ -4571,7 +4571,7 @@
           <p:cNvPr id="2" name="Espaço Reservado para Data 1">
             <a:extLst>
               <a:ext uri="{FF2B5EF4-FFF2-40B4-BE49-F238E27FC236}">
-                <a16:creationId xmlns="" xmlns:a16="http://schemas.microsoft.com/office/drawing/2014/main" id="{DD19515C-212C-4EAE-84A3-8FF4BC844F1B}"/>
+                <a16:creationId xmlns:a16="http://schemas.microsoft.com/office/drawing/2014/main" xmlns="" id="{DD19515C-212C-4EAE-84A3-8FF4BC844F1B}"/>
               </a:ext>
             </a:extLst>
           </p:cNvPr>
@@ -4600,7 +4600,7 @@
           <p:cNvPr id="3" name="Espaço Reservado para Rodapé 2">
             <a:extLst>
               <a:ext uri="{FF2B5EF4-FFF2-40B4-BE49-F238E27FC236}">
-                <a16:creationId xmlns="" xmlns:a16="http://schemas.microsoft.com/office/drawing/2014/main" id="{94D3D120-B3E8-4C96-861D-7A4F12F49B3A}"/>
+                <a16:creationId xmlns:a16="http://schemas.microsoft.com/office/drawing/2014/main" xmlns="" id="{94D3D120-B3E8-4C96-861D-7A4F12F49B3A}"/>
               </a:ext>
             </a:extLst>
           </p:cNvPr>
@@ -4625,7 +4625,7 @@
           <p:cNvPr id="4" name="Espaço Reservado para Número de Slide 3">
             <a:extLst>
               <a:ext uri="{FF2B5EF4-FFF2-40B4-BE49-F238E27FC236}">
-                <a16:creationId xmlns="" xmlns:a16="http://schemas.microsoft.com/office/drawing/2014/main" id="{42E49B68-FA1B-468B-9F17-D5C09243D454}"/>
+                <a16:creationId xmlns:a16="http://schemas.microsoft.com/office/drawing/2014/main" xmlns="" id="{42E49B68-FA1B-468B-9F17-D5C09243D454}"/>
               </a:ext>
             </a:extLst>
           </p:cNvPr>
@@ -4684,7 +4684,7 @@
           <p:cNvPr id="2" name="Título 1">
             <a:extLst>
               <a:ext uri="{FF2B5EF4-FFF2-40B4-BE49-F238E27FC236}">
-                <a16:creationId xmlns="" xmlns:a16="http://schemas.microsoft.com/office/drawing/2014/main" id="{1C17BCBE-A897-4319-85EC-D87909C24980}"/>
+                <a16:creationId xmlns:a16="http://schemas.microsoft.com/office/drawing/2014/main" xmlns="" id="{1C17BCBE-A897-4319-85EC-D87909C24980}"/>
               </a:ext>
             </a:extLst>
           </p:cNvPr>
@@ -4721,7 +4721,7 @@
           <p:cNvPr id="3" name="Espaço Reservado para Conteúdo 2">
             <a:extLst>
               <a:ext uri="{FF2B5EF4-FFF2-40B4-BE49-F238E27FC236}">
-                <a16:creationId xmlns="" xmlns:a16="http://schemas.microsoft.com/office/drawing/2014/main" id="{4226F885-0204-4913-868B-4B8B82576F17}"/>
+                <a16:creationId xmlns:a16="http://schemas.microsoft.com/office/drawing/2014/main" xmlns="" id="{4226F885-0204-4913-868B-4B8B82576F17}"/>
               </a:ext>
             </a:extLst>
           </p:cNvPr>
@@ -4811,7 +4811,7 @@
           <p:cNvPr id="4" name="Espaço Reservado para Texto 3">
             <a:extLst>
               <a:ext uri="{FF2B5EF4-FFF2-40B4-BE49-F238E27FC236}">
-                <a16:creationId xmlns="" xmlns:a16="http://schemas.microsoft.com/office/drawing/2014/main" id="{00F9F784-A858-441B-8AB5-697098141751}"/>
+                <a16:creationId xmlns:a16="http://schemas.microsoft.com/office/drawing/2014/main" xmlns="" id="{00F9F784-A858-441B-8AB5-697098141751}"/>
               </a:ext>
             </a:extLst>
           </p:cNvPr>
@@ -4882,7 +4882,7 @@
           <p:cNvPr id="5" name="Espaço Reservado para Data 4">
             <a:extLst>
               <a:ext uri="{FF2B5EF4-FFF2-40B4-BE49-F238E27FC236}">
-                <a16:creationId xmlns="" xmlns:a16="http://schemas.microsoft.com/office/drawing/2014/main" id="{A4DC363A-5000-472E-8B17-02E7DCB8840A}"/>
+                <a16:creationId xmlns:a16="http://schemas.microsoft.com/office/drawing/2014/main" xmlns="" id="{A4DC363A-5000-472E-8B17-02E7DCB8840A}"/>
               </a:ext>
             </a:extLst>
           </p:cNvPr>
@@ -4911,7 +4911,7 @@
           <p:cNvPr id="6" name="Espaço Reservado para Rodapé 5">
             <a:extLst>
               <a:ext uri="{FF2B5EF4-FFF2-40B4-BE49-F238E27FC236}">
-                <a16:creationId xmlns="" xmlns:a16="http://schemas.microsoft.com/office/drawing/2014/main" id="{5548425D-2C21-4C56-BAD4-662978775C28}"/>
+                <a16:creationId xmlns:a16="http://schemas.microsoft.com/office/drawing/2014/main" xmlns="" id="{5548425D-2C21-4C56-BAD4-662978775C28}"/>
               </a:ext>
             </a:extLst>
           </p:cNvPr>
@@ -4936,7 +4936,7 @@
           <p:cNvPr id="7" name="Espaço Reservado para Número de Slide 6">
             <a:extLst>
               <a:ext uri="{FF2B5EF4-FFF2-40B4-BE49-F238E27FC236}">
-                <a16:creationId xmlns="" xmlns:a16="http://schemas.microsoft.com/office/drawing/2014/main" id="{C63E9726-E64C-42B2-AE8A-8C235A956B48}"/>
+                <a16:creationId xmlns:a16="http://schemas.microsoft.com/office/drawing/2014/main" xmlns="" id="{C63E9726-E64C-42B2-AE8A-8C235A956B48}"/>
               </a:ext>
             </a:extLst>
           </p:cNvPr>
@@ -4995,7 +4995,7 @@
           <p:cNvPr id="2" name="Título 1">
             <a:extLst>
               <a:ext uri="{FF2B5EF4-FFF2-40B4-BE49-F238E27FC236}">
-                <a16:creationId xmlns="" xmlns:a16="http://schemas.microsoft.com/office/drawing/2014/main" id="{11086A78-3E74-450C-96A6-CA8AC37AF772}"/>
+                <a16:creationId xmlns:a16="http://schemas.microsoft.com/office/drawing/2014/main" xmlns="" id="{11086A78-3E74-450C-96A6-CA8AC37AF772}"/>
               </a:ext>
             </a:extLst>
           </p:cNvPr>
@@ -5032,7 +5032,7 @@
           <p:cNvPr id="3" name="Espaço Reservado para Imagem 2">
             <a:extLst>
               <a:ext uri="{FF2B5EF4-FFF2-40B4-BE49-F238E27FC236}">
-                <a16:creationId xmlns="" xmlns:a16="http://schemas.microsoft.com/office/drawing/2014/main" id="{5F5B7312-975A-4DBC-9B2F-3652ADA006FD}"/>
+                <a16:creationId xmlns:a16="http://schemas.microsoft.com/office/drawing/2014/main" xmlns="" id="{5F5B7312-975A-4DBC-9B2F-3652ADA006FD}"/>
               </a:ext>
             </a:extLst>
           </p:cNvPr>
@@ -5099,7 +5099,7 @@
           <p:cNvPr id="4" name="Espaço Reservado para Texto 3">
             <a:extLst>
               <a:ext uri="{FF2B5EF4-FFF2-40B4-BE49-F238E27FC236}">
-                <a16:creationId xmlns="" xmlns:a16="http://schemas.microsoft.com/office/drawing/2014/main" id="{AAF805F5-1DFF-41C6-944C-7D79FE0D0963}"/>
+                <a16:creationId xmlns:a16="http://schemas.microsoft.com/office/drawing/2014/main" xmlns="" id="{AAF805F5-1DFF-41C6-944C-7D79FE0D0963}"/>
               </a:ext>
             </a:extLst>
           </p:cNvPr>
@@ -5170,7 +5170,7 @@
           <p:cNvPr id="5" name="Espaço Reservado para Data 4">
             <a:extLst>
               <a:ext uri="{FF2B5EF4-FFF2-40B4-BE49-F238E27FC236}">
-                <a16:creationId xmlns="" xmlns:a16="http://schemas.microsoft.com/office/drawing/2014/main" id="{02113D81-8665-4516-BD81-C6A1F254EECD}"/>
+                <a16:creationId xmlns:a16="http://schemas.microsoft.com/office/drawing/2014/main" xmlns="" id="{02113D81-8665-4516-BD81-C6A1F254EECD}"/>
               </a:ext>
             </a:extLst>
           </p:cNvPr>
@@ -5199,7 +5199,7 @@
           <p:cNvPr id="6" name="Espaço Reservado para Rodapé 5">
             <a:extLst>
               <a:ext uri="{FF2B5EF4-FFF2-40B4-BE49-F238E27FC236}">
-                <a16:creationId xmlns="" xmlns:a16="http://schemas.microsoft.com/office/drawing/2014/main" id="{2B00C88B-FF32-40AA-A187-727D96FD7862}"/>
+                <a16:creationId xmlns:a16="http://schemas.microsoft.com/office/drawing/2014/main" xmlns="" id="{2B00C88B-FF32-40AA-A187-727D96FD7862}"/>
               </a:ext>
             </a:extLst>
           </p:cNvPr>
@@ -5224,7 +5224,7 @@
           <p:cNvPr id="7" name="Espaço Reservado para Número de Slide 6">
             <a:extLst>
               <a:ext uri="{FF2B5EF4-FFF2-40B4-BE49-F238E27FC236}">
-                <a16:creationId xmlns="" xmlns:a16="http://schemas.microsoft.com/office/drawing/2014/main" id="{A04D1A2D-69F7-4B8F-A730-BC26DC340BA6}"/>
+                <a16:creationId xmlns:a16="http://schemas.microsoft.com/office/drawing/2014/main" xmlns="" id="{A04D1A2D-69F7-4B8F-A730-BC26DC340BA6}"/>
               </a:ext>
             </a:extLst>
           </p:cNvPr>
@@ -5288,7 +5288,7 @@
           <p:cNvPr id="2" name="Espaço Reservado para Título 1">
             <a:extLst>
               <a:ext uri="{FF2B5EF4-FFF2-40B4-BE49-F238E27FC236}">
-                <a16:creationId xmlns="" xmlns:a16="http://schemas.microsoft.com/office/drawing/2014/main" id="{E69A0273-1966-4A1B-9370-4C1CE5036371}"/>
+                <a16:creationId xmlns:a16="http://schemas.microsoft.com/office/drawing/2014/main" xmlns="" id="{E69A0273-1966-4A1B-9370-4C1CE5036371}"/>
               </a:ext>
             </a:extLst>
           </p:cNvPr>
@@ -5326,7 +5326,7 @@
           <p:cNvPr id="3" name="Espaço Reservado para Texto 2">
             <a:extLst>
               <a:ext uri="{FF2B5EF4-FFF2-40B4-BE49-F238E27FC236}">
-                <a16:creationId xmlns="" xmlns:a16="http://schemas.microsoft.com/office/drawing/2014/main" id="{3B9CF87A-0448-49A7-AB25-EBC1D56A40EF}"/>
+                <a16:creationId xmlns:a16="http://schemas.microsoft.com/office/drawing/2014/main" xmlns="" id="{3B9CF87A-0448-49A7-AB25-EBC1D56A40EF}"/>
               </a:ext>
             </a:extLst>
           </p:cNvPr>
@@ -5393,7 +5393,7 @@
           <p:cNvPr id="4" name="Espaço Reservado para Data 3">
             <a:extLst>
               <a:ext uri="{FF2B5EF4-FFF2-40B4-BE49-F238E27FC236}">
-                <a16:creationId xmlns="" xmlns:a16="http://schemas.microsoft.com/office/drawing/2014/main" id="{2EF7B1F2-BB5A-44D0-816D-16AD2C71430E}"/>
+                <a16:creationId xmlns:a16="http://schemas.microsoft.com/office/drawing/2014/main" xmlns="" id="{2EF7B1F2-BB5A-44D0-816D-16AD2C71430E}"/>
               </a:ext>
             </a:extLst>
           </p:cNvPr>
@@ -5440,7 +5440,7 @@
           <p:cNvPr id="5" name="Espaço Reservado para Rodapé 4">
             <a:extLst>
               <a:ext uri="{FF2B5EF4-FFF2-40B4-BE49-F238E27FC236}">
-                <a16:creationId xmlns="" xmlns:a16="http://schemas.microsoft.com/office/drawing/2014/main" id="{C703F94C-2CC8-4DAA-BC35-14FC3E841DCD}"/>
+                <a16:creationId xmlns:a16="http://schemas.microsoft.com/office/drawing/2014/main" xmlns="" id="{C703F94C-2CC8-4DAA-BC35-14FC3E841DCD}"/>
               </a:ext>
             </a:extLst>
           </p:cNvPr>
@@ -5483,7 +5483,7 @@
           <p:cNvPr id="6" name="Espaço Reservado para Número de Slide 5">
             <a:extLst>
               <a:ext uri="{FF2B5EF4-FFF2-40B4-BE49-F238E27FC236}">
-                <a16:creationId xmlns="" xmlns:a16="http://schemas.microsoft.com/office/drawing/2014/main" id="{64051336-7048-457A-8B61-D94291D71648}"/>
+                <a16:creationId xmlns:a16="http://schemas.microsoft.com/office/drawing/2014/main" xmlns="" id="{64051336-7048-457A-8B61-D94291D71648}"/>
               </a:ext>
             </a:extLst>
           </p:cNvPr>
@@ -5851,7 +5851,7 @@
           <p:cNvPr id="2" name="Título 1">
             <a:extLst>
               <a:ext uri="{FF2B5EF4-FFF2-40B4-BE49-F238E27FC236}">
-                <a16:creationId xmlns="" xmlns:a16="http://schemas.microsoft.com/office/drawing/2014/main" id="{32666AC8-2E17-4DB4-B0F5-60C640CCFD2E}"/>
+                <a16:creationId xmlns:a16="http://schemas.microsoft.com/office/drawing/2014/main" xmlns="" id="{32666AC8-2E17-4DB4-B0F5-60C640CCFD2E}"/>
               </a:ext>
             </a:extLst>
           </p:cNvPr>
@@ -5897,7 +5897,7 @@
           <p:cNvPr id="4" name="CaixaDeTexto 3">
             <a:extLst>
               <a:ext uri="{FF2B5EF4-FFF2-40B4-BE49-F238E27FC236}">
-                <a16:creationId xmlns="" xmlns:a16="http://schemas.microsoft.com/office/drawing/2014/main" id="{430EB894-B7D4-434C-9D1A-A14094D9BEEC}"/>
+                <a16:creationId xmlns:a16="http://schemas.microsoft.com/office/drawing/2014/main" xmlns="" id="{430EB894-B7D4-434C-9D1A-A14094D9BEEC}"/>
               </a:ext>
             </a:extLst>
           </p:cNvPr>
@@ -5938,7 +5938,7 @@
           <p:cNvPr id="1026" name="Picture 2" descr="Logo">
             <a:extLst>
               <a:ext uri="{FF2B5EF4-FFF2-40B4-BE49-F238E27FC236}">
-                <a16:creationId xmlns="" xmlns:a16="http://schemas.microsoft.com/office/drawing/2014/main" id="{3F2642E0-4F6A-4196-8F58-E77D36E9A33F}"/>
+                <a16:creationId xmlns:a16="http://schemas.microsoft.com/office/drawing/2014/main" xmlns="" id="{3F2642E0-4F6A-4196-8F58-E77D36E9A33F}"/>
               </a:ext>
             </a:extLst>
           </p:cNvPr>
@@ -5983,7 +5983,7 @@
           <p:cNvPr id="5122" name="Picture 2" descr="Image result for machine learning">
             <a:extLst>
               <a:ext uri="{FF2B5EF4-FFF2-40B4-BE49-F238E27FC236}">
-                <a16:creationId xmlns="" xmlns:a16="http://schemas.microsoft.com/office/drawing/2014/main" id="{810CE0A2-4102-44A6-A370-175E7896CDCB}"/>
+                <a16:creationId xmlns:a16="http://schemas.microsoft.com/office/drawing/2014/main" xmlns="" id="{810CE0A2-4102-44A6-A370-175E7896CDCB}"/>
               </a:ext>
             </a:extLst>
           </p:cNvPr>
@@ -12237,7 +12237,7 @@
           <p:cNvPr id="4" name="Título 1">
             <a:extLst>
               <a:ext uri="{FF2B5EF4-FFF2-40B4-BE49-F238E27FC236}">
-                <a16:creationId xmlns="" xmlns:a16="http://schemas.microsoft.com/office/drawing/2014/main" id="{32666AC8-2E17-4DB4-B0F5-60C640CCFD2E}"/>
+                <a16:creationId xmlns:a16="http://schemas.microsoft.com/office/drawing/2014/main" xmlns="" id="{32666AC8-2E17-4DB4-B0F5-60C640CCFD2E}"/>
               </a:ext>
             </a:extLst>
           </p:cNvPr>
@@ -15806,8 +15806,8 @@
           </a:p>
         </p:txBody>
       </p:sp>
-      <mc:AlternateContent xmlns:mc="http://schemas.openxmlformats.org/markup-compatibility/2006">
-        <mc:Choice xmlns:a14="http://schemas.microsoft.com/office/drawing/2010/main" Requires="a14">
+      <mc:AlternateContent xmlns:mc="http://schemas.openxmlformats.org/markup-compatibility/2006" xmlns:a14="http://schemas.microsoft.com/office/drawing/2010/main">
+        <mc:Choice Requires="a14">
           <p:sp>
             <p:nvSpPr>
               <p:cNvPr id="3" name="Content Placeholder 2"/>
@@ -15858,11 +15858,7 @@
                 </a:r>
                 <a:r>
                   <a:rPr lang="pt-BR" dirty="0"/>
-                  <a:t>ser interpretadas como as probabilidades de uma variável categoricamente distribuída (as classes) dado um conjunto de variáveis (</a:t>
-                </a:r>
-                <a:r>
-                  <a:rPr lang="pt-BR" dirty="0"/>
-                  <a:t>atributos e </a:t>
+                  <a:t>ser interpretadas como as probabilidades de uma variável categoricamente distribuída (as classes) dado um conjunto de variáveis (atributos e </a:t>
                 </a:r>
                 <a:r>
                   <a:rPr lang="pt-BR" dirty="0" smtClean="0"/>
@@ -15996,7 +15992,6 @@
                   <a:rPr lang="pt-BR" dirty="0" smtClean="0"/>
                   <a:t>dígitos, etc.</a:t>
                 </a:r>
-                <a:endParaRPr lang="pt-BR" dirty="0" smtClean="0"/>
               </a:p>
               <a:p>
                 <a:pPr lvl="1">
@@ -16017,11 +16012,7 @@
                 </a:r>
                 <a:r>
                   <a:rPr lang="pt-BR" dirty="0" smtClean="0"/>
-                  <a:t>: exemplos </a:t>
-                </a:r>
-                <a:r>
-                  <a:rPr lang="pt-BR" dirty="0" smtClean="0"/>
-                  <a:t>pertencem </a:t>
+                  <a:t>: exemplos pertencem </a:t>
                 </a:r>
                 <a:r>
                   <a:rPr lang="pt-BR" dirty="0"/>
@@ -16047,11 +16038,7 @@
                 </a14:m>
                 <a:r>
                   <a:rPr lang="pt-BR" dirty="0" smtClean="0"/>
-                  <a:t> classes</a:t>
-                </a:r>
-                <a:r>
-                  <a:rPr lang="pt-BR" dirty="0" smtClean="0"/>
-                  <a:t>.</a:t>
+                  <a:t> classes.</a:t>
                 </a:r>
               </a:p>
               <a:p>
@@ -16292,7 +16279,7 @@
             </p:txBody>
           </p:sp>
         </mc:Choice>
-        <mc:Fallback>
+        <mc:Fallback xmlns="">
           <p:sp>
             <p:nvSpPr>
               <p:cNvPr id="3" name="Content Placeholder 2"/>
@@ -16365,7 +16352,7 @@
           <p:cNvPr id="2" name="Título 1">
             <a:extLst>
               <a:ext uri="{FF2B5EF4-FFF2-40B4-BE49-F238E27FC236}">
-                <a16:creationId xmlns="" xmlns:a16="http://schemas.microsoft.com/office/drawing/2014/main" id="{890D7195-61EC-4142-8041-DD35C2AB1914}"/>
+                <a16:creationId xmlns:a16="http://schemas.microsoft.com/office/drawing/2014/main" xmlns="" id="{890D7195-61EC-4142-8041-DD35C2AB1914}"/>
               </a:ext>
             </a:extLst>
           </p:cNvPr>
@@ -16396,7 +16383,7 @@
               <p:cNvPr id="3" name="Espaço Reservado para Conteúdo 2">
                 <a:extLst>
                   <a:ext uri="{FF2B5EF4-FFF2-40B4-BE49-F238E27FC236}">
-                    <a16:creationId xmlns="" xmlns:a16="http://schemas.microsoft.com/office/drawing/2014/main" id="{807ECEFA-6ED0-44F3-ABEA-8272FEB2FF63}"/>
+                    <a16:creationId xmlns:a16="http://schemas.microsoft.com/office/drawing/2014/main" xmlns="" id="{807ECEFA-6ED0-44F3-ABEA-8272FEB2FF63}"/>
                   </a:ext>
                 </a:extLst>
               </p:cNvPr>
@@ -18418,7 +18405,7 @@
           <p:cNvPr id="4" name="TextBox 6">
             <a:extLst>
               <a:ext uri="{FF2B5EF4-FFF2-40B4-BE49-F238E27FC236}">
-                <a16:creationId xmlns="" xmlns:a16="http://schemas.microsoft.com/office/drawing/2014/main" id="{BD5B7330-9A4E-4A27-BE6B-F7038DE7890D}"/>
+                <a16:creationId xmlns:a16="http://schemas.microsoft.com/office/drawing/2014/main" xmlns="" id="{BD5B7330-9A4E-4A27-BE6B-F7038DE7890D}"/>
               </a:ext>
             </a:extLst>
           </p:cNvPr>
@@ -18454,7 +18441,7 @@
           <p:cNvPr id="5" name="Straight Arrow Connector 7">
             <a:extLst>
               <a:ext uri="{FF2B5EF4-FFF2-40B4-BE49-F238E27FC236}">
-                <a16:creationId xmlns="" xmlns:a16="http://schemas.microsoft.com/office/drawing/2014/main" id="{E9DCC49F-2D0A-4D6E-9325-E6E0A35530AD}"/>
+                <a16:creationId xmlns:a16="http://schemas.microsoft.com/office/drawing/2014/main" xmlns="" id="{E9DCC49F-2D0A-4D6E-9325-E6E0A35530AD}"/>
               </a:ext>
             </a:extLst>
           </p:cNvPr>
@@ -18500,7 +18487,7 @@
               <p:cNvPr id="6" name="TextBox 3">
                 <a:extLst>
                   <a:ext uri="{FF2B5EF4-FFF2-40B4-BE49-F238E27FC236}">
-                    <a16:creationId xmlns="" xmlns:a16="http://schemas.microsoft.com/office/drawing/2014/main" id="{C2B44ACC-7F40-4DFA-AC5C-CC329D169698}"/>
+                    <a16:creationId xmlns:a16="http://schemas.microsoft.com/office/drawing/2014/main" xmlns="" id="{C2B44ACC-7F40-4DFA-AC5C-CC329D169698}"/>
                   </a:ext>
                 </a:extLst>
               </p:cNvPr>
@@ -18604,7 +18591,7 @@
           <p:cNvPr id="7" name="Rectangle 11">
             <a:extLst>
               <a:ext uri="{FF2B5EF4-FFF2-40B4-BE49-F238E27FC236}">
-                <a16:creationId xmlns="" xmlns:a16="http://schemas.microsoft.com/office/drawing/2014/main" id="{1BDEDFF8-EB72-48C9-B045-4BDDB50DFABB}"/>
+                <a16:creationId xmlns:a16="http://schemas.microsoft.com/office/drawing/2014/main" xmlns="" id="{1BDEDFF8-EB72-48C9-B045-4BDDB50DFABB}"/>
               </a:ext>
             </a:extLst>
           </p:cNvPr>
@@ -18656,7 +18643,7 @@
           <p:cNvPr id="8" name="Straight Arrow Connector 13">
             <a:extLst>
               <a:ext uri="{FF2B5EF4-FFF2-40B4-BE49-F238E27FC236}">
-                <a16:creationId xmlns="" xmlns:a16="http://schemas.microsoft.com/office/drawing/2014/main" id="{9480D85A-07BF-44B1-A6D0-1DE33196FA5B}"/>
+                <a16:creationId xmlns:a16="http://schemas.microsoft.com/office/drawing/2014/main" xmlns="" id="{9480D85A-07BF-44B1-A6D0-1DE33196FA5B}"/>
               </a:ext>
             </a:extLst>
           </p:cNvPr>

--- a/slides/T320_Classificação (Parte IV).pptx
+++ b/slides/T320_Classificação (Parte IV).pptx
@@ -290,7 +290,7 @@
           <a:p>
             <a:fld id="{144F1436-6906-4D93-B7A2-786C327BFA14}" type="datetimeFigureOut">
               <a:rPr lang="nl-BE" smtClean="0"/>
-              <a:t>17/03/2023</a:t>
+              <a:t>18/03/2023</a:t>
             </a:fld>
             <a:endParaRPr lang="nl-BE"/>
           </a:p>
@@ -455,7 +455,7 @@
           <a:p>
             <a:fld id="{AA8CD09E-2914-4F47-B6C1-51B2C31814C9}" type="datetimeFigureOut">
               <a:rPr lang="pt-BR" smtClean="0"/>
-              <a:t>17/03/2023</a:t>
+              <a:t>18/03/2023</a:t>
             </a:fld>
             <a:endParaRPr lang="pt-BR"/>
           </a:p>
@@ -2654,7 +2654,7 @@
           <p:cNvPr id="2" name="Título 1">
             <a:extLst>
               <a:ext uri="{FF2B5EF4-FFF2-40B4-BE49-F238E27FC236}">
-                <a16:creationId xmlns:a16="http://schemas.microsoft.com/office/drawing/2014/main" xmlns="" id="{1DB9B4FF-B06E-403C-A326-BDC64D8FF94E}"/>
+                <a16:creationId xmlns="" xmlns:a16="http://schemas.microsoft.com/office/drawing/2014/main" id="{1DB9B4FF-B06E-403C-A326-BDC64D8FF94E}"/>
               </a:ext>
             </a:extLst>
           </p:cNvPr>
@@ -2691,7 +2691,7 @@
           <p:cNvPr id="3" name="Subtítulo 2">
             <a:extLst>
               <a:ext uri="{FF2B5EF4-FFF2-40B4-BE49-F238E27FC236}">
-                <a16:creationId xmlns:a16="http://schemas.microsoft.com/office/drawing/2014/main" xmlns="" id="{247BDFCE-746E-45BF-A319-4733D58D1632}"/>
+                <a16:creationId xmlns="" xmlns:a16="http://schemas.microsoft.com/office/drawing/2014/main" id="{247BDFCE-746E-45BF-A319-4733D58D1632}"/>
               </a:ext>
             </a:extLst>
           </p:cNvPr>
@@ -2761,7 +2761,7 @@
           <p:cNvPr id="4" name="Espaço Reservado para Data 3">
             <a:extLst>
               <a:ext uri="{FF2B5EF4-FFF2-40B4-BE49-F238E27FC236}">
-                <a16:creationId xmlns:a16="http://schemas.microsoft.com/office/drawing/2014/main" xmlns="" id="{9EDE2778-5372-4104-B96D-968184DA8288}"/>
+                <a16:creationId xmlns="" xmlns:a16="http://schemas.microsoft.com/office/drawing/2014/main" id="{9EDE2778-5372-4104-B96D-968184DA8288}"/>
               </a:ext>
             </a:extLst>
           </p:cNvPr>
@@ -2779,7 +2779,7 @@
           <a:p>
             <a:fld id="{63289F7E-B80B-496E-81B4-D396C37C9454}" type="datetimeFigureOut">
               <a:rPr lang="pt-BR" smtClean="0"/>
-              <a:t>17/03/2023</a:t>
+              <a:t>18/03/2023</a:t>
             </a:fld>
             <a:endParaRPr lang="pt-BR"/>
           </a:p>
@@ -2790,7 +2790,7 @@
           <p:cNvPr id="5" name="Espaço Reservado para Rodapé 4">
             <a:extLst>
               <a:ext uri="{FF2B5EF4-FFF2-40B4-BE49-F238E27FC236}">
-                <a16:creationId xmlns:a16="http://schemas.microsoft.com/office/drawing/2014/main" xmlns="" id="{C1DD0F41-C861-4051-988D-3024A37A4B93}"/>
+                <a16:creationId xmlns="" xmlns:a16="http://schemas.microsoft.com/office/drawing/2014/main" id="{C1DD0F41-C861-4051-988D-3024A37A4B93}"/>
               </a:ext>
             </a:extLst>
           </p:cNvPr>
@@ -2815,7 +2815,7 @@
           <p:cNvPr id="6" name="Espaço Reservado para Número de Slide 5">
             <a:extLst>
               <a:ext uri="{FF2B5EF4-FFF2-40B4-BE49-F238E27FC236}">
-                <a16:creationId xmlns:a16="http://schemas.microsoft.com/office/drawing/2014/main" xmlns="" id="{07E5967E-D980-431A-A5DB-3F0C5030A81E}"/>
+                <a16:creationId xmlns="" xmlns:a16="http://schemas.microsoft.com/office/drawing/2014/main" id="{07E5967E-D980-431A-A5DB-3F0C5030A81E}"/>
               </a:ext>
             </a:extLst>
           </p:cNvPr>
@@ -2874,7 +2874,7 @@
           <p:cNvPr id="2" name="Título 1">
             <a:extLst>
               <a:ext uri="{FF2B5EF4-FFF2-40B4-BE49-F238E27FC236}">
-                <a16:creationId xmlns:a16="http://schemas.microsoft.com/office/drawing/2014/main" xmlns="" id="{9036C49F-3E68-4175-81BA-3C3FEE44308A}"/>
+                <a16:creationId xmlns="" xmlns:a16="http://schemas.microsoft.com/office/drawing/2014/main" id="{9036C49F-3E68-4175-81BA-3C3FEE44308A}"/>
               </a:ext>
             </a:extLst>
           </p:cNvPr>
@@ -2902,7 +2902,7 @@
           <p:cNvPr id="3" name="Espaço Reservado para Texto Vertical 2">
             <a:extLst>
               <a:ext uri="{FF2B5EF4-FFF2-40B4-BE49-F238E27FC236}">
-                <a16:creationId xmlns:a16="http://schemas.microsoft.com/office/drawing/2014/main" xmlns="" id="{426FA736-3DD3-4D4E-B57B-BBE1D8F7D424}"/>
+                <a16:creationId xmlns="" xmlns:a16="http://schemas.microsoft.com/office/drawing/2014/main" id="{426FA736-3DD3-4D4E-B57B-BBE1D8F7D424}"/>
               </a:ext>
             </a:extLst>
           </p:cNvPr>
@@ -2959,7 +2959,7 @@
           <p:cNvPr id="4" name="Espaço Reservado para Data 3">
             <a:extLst>
               <a:ext uri="{FF2B5EF4-FFF2-40B4-BE49-F238E27FC236}">
-                <a16:creationId xmlns:a16="http://schemas.microsoft.com/office/drawing/2014/main" xmlns="" id="{99E8855C-D8FD-48F6-B14E-861E0DE4D915}"/>
+                <a16:creationId xmlns="" xmlns:a16="http://schemas.microsoft.com/office/drawing/2014/main" id="{99E8855C-D8FD-48F6-B14E-861E0DE4D915}"/>
               </a:ext>
             </a:extLst>
           </p:cNvPr>
@@ -2977,7 +2977,7 @@
           <a:p>
             <a:fld id="{63289F7E-B80B-496E-81B4-D396C37C9454}" type="datetimeFigureOut">
               <a:rPr lang="pt-BR" smtClean="0"/>
-              <a:t>17/03/2023</a:t>
+              <a:t>18/03/2023</a:t>
             </a:fld>
             <a:endParaRPr lang="pt-BR"/>
           </a:p>
@@ -2988,7 +2988,7 @@
           <p:cNvPr id="5" name="Espaço Reservado para Rodapé 4">
             <a:extLst>
               <a:ext uri="{FF2B5EF4-FFF2-40B4-BE49-F238E27FC236}">
-                <a16:creationId xmlns:a16="http://schemas.microsoft.com/office/drawing/2014/main" xmlns="" id="{97C0BB88-2F21-42A5-ACFF-83DA47F2D340}"/>
+                <a16:creationId xmlns="" xmlns:a16="http://schemas.microsoft.com/office/drawing/2014/main" id="{97C0BB88-2F21-42A5-ACFF-83DA47F2D340}"/>
               </a:ext>
             </a:extLst>
           </p:cNvPr>
@@ -3013,7 +3013,7 @@
           <p:cNvPr id="6" name="Espaço Reservado para Número de Slide 5">
             <a:extLst>
               <a:ext uri="{FF2B5EF4-FFF2-40B4-BE49-F238E27FC236}">
-                <a16:creationId xmlns:a16="http://schemas.microsoft.com/office/drawing/2014/main" xmlns="" id="{6CB462B3-1F22-4C05-B4B8-7A279FB7D5E9}"/>
+                <a16:creationId xmlns="" xmlns:a16="http://schemas.microsoft.com/office/drawing/2014/main" id="{6CB462B3-1F22-4C05-B4B8-7A279FB7D5E9}"/>
               </a:ext>
             </a:extLst>
           </p:cNvPr>
@@ -3072,7 +3072,7 @@
           <p:cNvPr id="2" name="Título Vertical 1">
             <a:extLst>
               <a:ext uri="{FF2B5EF4-FFF2-40B4-BE49-F238E27FC236}">
-                <a16:creationId xmlns:a16="http://schemas.microsoft.com/office/drawing/2014/main" xmlns="" id="{EAEAB728-701C-4207-A9D5-23FF45C60502}"/>
+                <a16:creationId xmlns="" xmlns:a16="http://schemas.microsoft.com/office/drawing/2014/main" id="{EAEAB728-701C-4207-A9D5-23FF45C60502}"/>
               </a:ext>
             </a:extLst>
           </p:cNvPr>
@@ -3105,7 +3105,7 @@
           <p:cNvPr id="3" name="Espaço Reservado para Texto Vertical 2">
             <a:extLst>
               <a:ext uri="{FF2B5EF4-FFF2-40B4-BE49-F238E27FC236}">
-                <a16:creationId xmlns:a16="http://schemas.microsoft.com/office/drawing/2014/main" xmlns="" id="{BA8C8CCF-7823-480A-9A19-0F664DD17E3B}"/>
+                <a16:creationId xmlns="" xmlns:a16="http://schemas.microsoft.com/office/drawing/2014/main" id="{BA8C8CCF-7823-480A-9A19-0F664DD17E3B}"/>
               </a:ext>
             </a:extLst>
           </p:cNvPr>
@@ -3167,7 +3167,7 @@
           <p:cNvPr id="4" name="Espaço Reservado para Data 3">
             <a:extLst>
               <a:ext uri="{FF2B5EF4-FFF2-40B4-BE49-F238E27FC236}">
-                <a16:creationId xmlns:a16="http://schemas.microsoft.com/office/drawing/2014/main" xmlns="" id="{721D5734-7B1F-425D-942F-6EB73344027C}"/>
+                <a16:creationId xmlns="" xmlns:a16="http://schemas.microsoft.com/office/drawing/2014/main" id="{721D5734-7B1F-425D-942F-6EB73344027C}"/>
               </a:ext>
             </a:extLst>
           </p:cNvPr>
@@ -3185,7 +3185,7 @@
           <a:p>
             <a:fld id="{63289F7E-B80B-496E-81B4-D396C37C9454}" type="datetimeFigureOut">
               <a:rPr lang="pt-BR" smtClean="0"/>
-              <a:t>17/03/2023</a:t>
+              <a:t>18/03/2023</a:t>
             </a:fld>
             <a:endParaRPr lang="pt-BR"/>
           </a:p>
@@ -3196,7 +3196,7 @@
           <p:cNvPr id="5" name="Espaço Reservado para Rodapé 4">
             <a:extLst>
               <a:ext uri="{FF2B5EF4-FFF2-40B4-BE49-F238E27FC236}">
-                <a16:creationId xmlns:a16="http://schemas.microsoft.com/office/drawing/2014/main" xmlns="" id="{1E1AAEAC-F08D-45FE-89EC-B1B349A868C9}"/>
+                <a16:creationId xmlns="" xmlns:a16="http://schemas.microsoft.com/office/drawing/2014/main" id="{1E1AAEAC-F08D-45FE-89EC-B1B349A868C9}"/>
               </a:ext>
             </a:extLst>
           </p:cNvPr>
@@ -3221,7 +3221,7 @@
           <p:cNvPr id="6" name="Espaço Reservado para Número de Slide 5">
             <a:extLst>
               <a:ext uri="{FF2B5EF4-FFF2-40B4-BE49-F238E27FC236}">
-                <a16:creationId xmlns:a16="http://schemas.microsoft.com/office/drawing/2014/main" xmlns="" id="{BAA44493-9911-47B2-87A6-C2141A972BC8}"/>
+                <a16:creationId xmlns="" xmlns:a16="http://schemas.microsoft.com/office/drawing/2014/main" id="{BAA44493-9911-47B2-87A6-C2141A972BC8}"/>
               </a:ext>
             </a:extLst>
           </p:cNvPr>
@@ -3280,7 +3280,7 @@
           <p:cNvPr id="2" name="Título 1">
             <a:extLst>
               <a:ext uri="{FF2B5EF4-FFF2-40B4-BE49-F238E27FC236}">
-                <a16:creationId xmlns:a16="http://schemas.microsoft.com/office/drawing/2014/main" xmlns="" id="{71BD44A5-8F21-4626-A01D-48A1C874B1D5}"/>
+                <a16:creationId xmlns="" xmlns:a16="http://schemas.microsoft.com/office/drawing/2014/main" id="{71BD44A5-8F21-4626-A01D-48A1C874B1D5}"/>
               </a:ext>
             </a:extLst>
           </p:cNvPr>
@@ -3308,7 +3308,7 @@
           <p:cNvPr id="3" name="Espaço Reservado para Conteúdo 2">
             <a:extLst>
               <a:ext uri="{FF2B5EF4-FFF2-40B4-BE49-F238E27FC236}">
-                <a16:creationId xmlns:a16="http://schemas.microsoft.com/office/drawing/2014/main" xmlns="" id="{B79E8085-65A9-48AA-951D-71D978BFF4ED}"/>
+                <a16:creationId xmlns="" xmlns:a16="http://schemas.microsoft.com/office/drawing/2014/main" id="{B79E8085-65A9-48AA-951D-71D978BFF4ED}"/>
               </a:ext>
             </a:extLst>
           </p:cNvPr>
@@ -3365,7 +3365,7 @@
           <p:cNvPr id="4" name="Espaço Reservado para Data 3">
             <a:extLst>
               <a:ext uri="{FF2B5EF4-FFF2-40B4-BE49-F238E27FC236}">
-                <a16:creationId xmlns:a16="http://schemas.microsoft.com/office/drawing/2014/main" xmlns="" id="{F05BE1AF-51EA-425D-B188-DE7BD675009F}"/>
+                <a16:creationId xmlns="" xmlns:a16="http://schemas.microsoft.com/office/drawing/2014/main" id="{F05BE1AF-51EA-425D-B188-DE7BD675009F}"/>
               </a:ext>
             </a:extLst>
           </p:cNvPr>
@@ -3383,7 +3383,7 @@
           <a:p>
             <a:fld id="{63289F7E-B80B-496E-81B4-D396C37C9454}" type="datetimeFigureOut">
               <a:rPr lang="pt-BR" smtClean="0"/>
-              <a:t>17/03/2023</a:t>
+              <a:t>18/03/2023</a:t>
             </a:fld>
             <a:endParaRPr lang="pt-BR"/>
           </a:p>
@@ -3394,7 +3394,7 @@
           <p:cNvPr id="5" name="Espaço Reservado para Rodapé 4">
             <a:extLst>
               <a:ext uri="{FF2B5EF4-FFF2-40B4-BE49-F238E27FC236}">
-                <a16:creationId xmlns:a16="http://schemas.microsoft.com/office/drawing/2014/main" xmlns="" id="{121BE632-29CF-4CB9-B365-C9EF38F89BE6}"/>
+                <a16:creationId xmlns="" xmlns:a16="http://schemas.microsoft.com/office/drawing/2014/main" id="{121BE632-29CF-4CB9-B365-C9EF38F89BE6}"/>
               </a:ext>
             </a:extLst>
           </p:cNvPr>
@@ -3419,7 +3419,7 @@
           <p:cNvPr id="6" name="Espaço Reservado para Número de Slide 5">
             <a:extLst>
               <a:ext uri="{FF2B5EF4-FFF2-40B4-BE49-F238E27FC236}">
-                <a16:creationId xmlns:a16="http://schemas.microsoft.com/office/drawing/2014/main" xmlns="" id="{60CF3DD1-9AEC-4A57-B461-4E4DD86FAC18}"/>
+                <a16:creationId xmlns="" xmlns:a16="http://schemas.microsoft.com/office/drawing/2014/main" id="{60CF3DD1-9AEC-4A57-B461-4E4DD86FAC18}"/>
               </a:ext>
             </a:extLst>
           </p:cNvPr>
@@ -3478,7 +3478,7 @@
           <p:cNvPr id="2" name="Título 1">
             <a:extLst>
               <a:ext uri="{FF2B5EF4-FFF2-40B4-BE49-F238E27FC236}">
-                <a16:creationId xmlns:a16="http://schemas.microsoft.com/office/drawing/2014/main" xmlns="" id="{34AB2FF0-A4D7-4E28-991D-FF26140D5988}"/>
+                <a16:creationId xmlns="" xmlns:a16="http://schemas.microsoft.com/office/drawing/2014/main" id="{34AB2FF0-A4D7-4E28-991D-FF26140D5988}"/>
               </a:ext>
             </a:extLst>
           </p:cNvPr>
@@ -3515,7 +3515,7 @@
           <p:cNvPr id="3" name="Espaço Reservado para Texto 2">
             <a:extLst>
               <a:ext uri="{FF2B5EF4-FFF2-40B4-BE49-F238E27FC236}">
-                <a16:creationId xmlns:a16="http://schemas.microsoft.com/office/drawing/2014/main" xmlns="" id="{E2AC45B0-4145-40DB-8E61-105461170604}"/>
+                <a16:creationId xmlns="" xmlns:a16="http://schemas.microsoft.com/office/drawing/2014/main" id="{E2AC45B0-4145-40DB-8E61-105461170604}"/>
               </a:ext>
             </a:extLst>
           </p:cNvPr>
@@ -3640,7 +3640,7 @@
           <p:cNvPr id="4" name="Espaço Reservado para Data 3">
             <a:extLst>
               <a:ext uri="{FF2B5EF4-FFF2-40B4-BE49-F238E27FC236}">
-                <a16:creationId xmlns:a16="http://schemas.microsoft.com/office/drawing/2014/main" xmlns="" id="{50F1D3FB-740A-4EBA-A309-2CE71D12ECFB}"/>
+                <a16:creationId xmlns="" xmlns:a16="http://schemas.microsoft.com/office/drawing/2014/main" id="{50F1D3FB-740A-4EBA-A309-2CE71D12ECFB}"/>
               </a:ext>
             </a:extLst>
           </p:cNvPr>
@@ -3658,7 +3658,7 @@
           <a:p>
             <a:fld id="{63289F7E-B80B-496E-81B4-D396C37C9454}" type="datetimeFigureOut">
               <a:rPr lang="pt-BR" smtClean="0"/>
-              <a:t>17/03/2023</a:t>
+              <a:t>18/03/2023</a:t>
             </a:fld>
             <a:endParaRPr lang="pt-BR"/>
           </a:p>
@@ -3669,7 +3669,7 @@
           <p:cNvPr id="5" name="Espaço Reservado para Rodapé 4">
             <a:extLst>
               <a:ext uri="{FF2B5EF4-FFF2-40B4-BE49-F238E27FC236}">
-                <a16:creationId xmlns:a16="http://schemas.microsoft.com/office/drawing/2014/main" xmlns="" id="{BDCAB18F-8715-4465-A940-F9C193A2ACE9}"/>
+                <a16:creationId xmlns="" xmlns:a16="http://schemas.microsoft.com/office/drawing/2014/main" id="{BDCAB18F-8715-4465-A940-F9C193A2ACE9}"/>
               </a:ext>
             </a:extLst>
           </p:cNvPr>
@@ -3694,7 +3694,7 @@
           <p:cNvPr id="6" name="Espaço Reservado para Número de Slide 5">
             <a:extLst>
               <a:ext uri="{FF2B5EF4-FFF2-40B4-BE49-F238E27FC236}">
-                <a16:creationId xmlns:a16="http://schemas.microsoft.com/office/drawing/2014/main" xmlns="" id="{353466C6-8248-429F-8056-FF040BF509EB}"/>
+                <a16:creationId xmlns="" xmlns:a16="http://schemas.microsoft.com/office/drawing/2014/main" id="{353466C6-8248-429F-8056-FF040BF509EB}"/>
               </a:ext>
             </a:extLst>
           </p:cNvPr>
@@ -3753,7 +3753,7 @@
           <p:cNvPr id="2" name="Título 1">
             <a:extLst>
               <a:ext uri="{FF2B5EF4-FFF2-40B4-BE49-F238E27FC236}">
-                <a16:creationId xmlns:a16="http://schemas.microsoft.com/office/drawing/2014/main" xmlns="" id="{BC7BB9F0-F14B-4A91-B2B7-35BC47FE4DE7}"/>
+                <a16:creationId xmlns="" xmlns:a16="http://schemas.microsoft.com/office/drawing/2014/main" id="{BC7BB9F0-F14B-4A91-B2B7-35BC47FE4DE7}"/>
               </a:ext>
             </a:extLst>
           </p:cNvPr>
@@ -3781,7 +3781,7 @@
           <p:cNvPr id="3" name="Espaço Reservado para Conteúdo 2">
             <a:extLst>
               <a:ext uri="{FF2B5EF4-FFF2-40B4-BE49-F238E27FC236}">
-                <a16:creationId xmlns:a16="http://schemas.microsoft.com/office/drawing/2014/main" xmlns="" id="{EC1FC1C4-73DA-47A6-8496-B0B457F7D39A}"/>
+                <a16:creationId xmlns="" xmlns:a16="http://schemas.microsoft.com/office/drawing/2014/main" id="{EC1FC1C4-73DA-47A6-8496-B0B457F7D39A}"/>
               </a:ext>
             </a:extLst>
           </p:cNvPr>
@@ -3843,7 +3843,7 @@
           <p:cNvPr id="4" name="Espaço Reservado para Conteúdo 3">
             <a:extLst>
               <a:ext uri="{FF2B5EF4-FFF2-40B4-BE49-F238E27FC236}">
-                <a16:creationId xmlns:a16="http://schemas.microsoft.com/office/drawing/2014/main" xmlns="" id="{E92F06A8-A449-4D92-9912-76873E529B38}"/>
+                <a16:creationId xmlns="" xmlns:a16="http://schemas.microsoft.com/office/drawing/2014/main" id="{E92F06A8-A449-4D92-9912-76873E529B38}"/>
               </a:ext>
             </a:extLst>
           </p:cNvPr>
@@ -3905,7 +3905,7 @@
           <p:cNvPr id="5" name="Espaço Reservado para Data 4">
             <a:extLst>
               <a:ext uri="{FF2B5EF4-FFF2-40B4-BE49-F238E27FC236}">
-                <a16:creationId xmlns:a16="http://schemas.microsoft.com/office/drawing/2014/main" xmlns="" id="{938070A4-BC2F-4D55-BD8D-DEAF11BB9EE9}"/>
+                <a16:creationId xmlns="" xmlns:a16="http://schemas.microsoft.com/office/drawing/2014/main" id="{938070A4-BC2F-4D55-BD8D-DEAF11BB9EE9}"/>
               </a:ext>
             </a:extLst>
           </p:cNvPr>
@@ -3923,7 +3923,7 @@
           <a:p>
             <a:fld id="{63289F7E-B80B-496E-81B4-D396C37C9454}" type="datetimeFigureOut">
               <a:rPr lang="pt-BR" smtClean="0"/>
-              <a:t>17/03/2023</a:t>
+              <a:t>18/03/2023</a:t>
             </a:fld>
             <a:endParaRPr lang="pt-BR"/>
           </a:p>
@@ -3934,7 +3934,7 @@
           <p:cNvPr id="6" name="Espaço Reservado para Rodapé 5">
             <a:extLst>
               <a:ext uri="{FF2B5EF4-FFF2-40B4-BE49-F238E27FC236}">
-                <a16:creationId xmlns:a16="http://schemas.microsoft.com/office/drawing/2014/main" xmlns="" id="{45CC2DB8-844A-465F-BA9A-7734C80C7F43}"/>
+                <a16:creationId xmlns="" xmlns:a16="http://schemas.microsoft.com/office/drawing/2014/main" id="{45CC2DB8-844A-465F-BA9A-7734C80C7F43}"/>
               </a:ext>
             </a:extLst>
           </p:cNvPr>
@@ -3959,7 +3959,7 @@
           <p:cNvPr id="7" name="Espaço Reservado para Número de Slide 6">
             <a:extLst>
               <a:ext uri="{FF2B5EF4-FFF2-40B4-BE49-F238E27FC236}">
-                <a16:creationId xmlns:a16="http://schemas.microsoft.com/office/drawing/2014/main" xmlns="" id="{4CC606A8-097B-4040-94E0-CD8C88280D8F}"/>
+                <a16:creationId xmlns="" xmlns:a16="http://schemas.microsoft.com/office/drawing/2014/main" id="{4CC606A8-097B-4040-94E0-CD8C88280D8F}"/>
               </a:ext>
             </a:extLst>
           </p:cNvPr>
@@ -4018,7 +4018,7 @@
           <p:cNvPr id="2" name="Título 1">
             <a:extLst>
               <a:ext uri="{FF2B5EF4-FFF2-40B4-BE49-F238E27FC236}">
-                <a16:creationId xmlns:a16="http://schemas.microsoft.com/office/drawing/2014/main" xmlns="" id="{76D66686-0143-4CB6-8C09-BA326F1E7ACA}"/>
+                <a16:creationId xmlns="" xmlns:a16="http://schemas.microsoft.com/office/drawing/2014/main" id="{76D66686-0143-4CB6-8C09-BA326F1E7ACA}"/>
               </a:ext>
             </a:extLst>
           </p:cNvPr>
@@ -4051,7 +4051,7 @@
           <p:cNvPr id="3" name="Espaço Reservado para Texto 2">
             <a:extLst>
               <a:ext uri="{FF2B5EF4-FFF2-40B4-BE49-F238E27FC236}">
-                <a16:creationId xmlns:a16="http://schemas.microsoft.com/office/drawing/2014/main" xmlns="" id="{0227AB85-F59E-4BCE-B846-4FA0992C2F23}"/>
+                <a16:creationId xmlns="" xmlns:a16="http://schemas.microsoft.com/office/drawing/2014/main" id="{0227AB85-F59E-4BCE-B846-4FA0992C2F23}"/>
               </a:ext>
             </a:extLst>
           </p:cNvPr>
@@ -4122,7 +4122,7 @@
           <p:cNvPr id="4" name="Espaço Reservado para Conteúdo 3">
             <a:extLst>
               <a:ext uri="{FF2B5EF4-FFF2-40B4-BE49-F238E27FC236}">
-                <a16:creationId xmlns:a16="http://schemas.microsoft.com/office/drawing/2014/main" xmlns="" id="{3373456C-7319-4D0A-827D-D29F6B083F5D}"/>
+                <a16:creationId xmlns="" xmlns:a16="http://schemas.microsoft.com/office/drawing/2014/main" id="{3373456C-7319-4D0A-827D-D29F6B083F5D}"/>
               </a:ext>
             </a:extLst>
           </p:cNvPr>
@@ -4184,7 +4184,7 @@
           <p:cNvPr id="5" name="Espaço Reservado para Texto 4">
             <a:extLst>
               <a:ext uri="{FF2B5EF4-FFF2-40B4-BE49-F238E27FC236}">
-                <a16:creationId xmlns:a16="http://schemas.microsoft.com/office/drawing/2014/main" xmlns="" id="{4CD109D0-2E83-4262-8029-A871CEC47406}"/>
+                <a16:creationId xmlns="" xmlns:a16="http://schemas.microsoft.com/office/drawing/2014/main" id="{4CD109D0-2E83-4262-8029-A871CEC47406}"/>
               </a:ext>
             </a:extLst>
           </p:cNvPr>
@@ -4255,7 +4255,7 @@
           <p:cNvPr id="6" name="Espaço Reservado para Conteúdo 5">
             <a:extLst>
               <a:ext uri="{FF2B5EF4-FFF2-40B4-BE49-F238E27FC236}">
-                <a16:creationId xmlns:a16="http://schemas.microsoft.com/office/drawing/2014/main" xmlns="" id="{AD706E3A-CFBB-4A6C-A65F-D0360A9E74FE}"/>
+                <a16:creationId xmlns="" xmlns:a16="http://schemas.microsoft.com/office/drawing/2014/main" id="{AD706E3A-CFBB-4A6C-A65F-D0360A9E74FE}"/>
               </a:ext>
             </a:extLst>
           </p:cNvPr>
@@ -4317,7 +4317,7 @@
           <p:cNvPr id="7" name="Espaço Reservado para Data 6">
             <a:extLst>
               <a:ext uri="{FF2B5EF4-FFF2-40B4-BE49-F238E27FC236}">
-                <a16:creationId xmlns:a16="http://schemas.microsoft.com/office/drawing/2014/main" xmlns="" id="{4172C0E5-5AF0-4805-BB51-443733CD2BD5}"/>
+                <a16:creationId xmlns="" xmlns:a16="http://schemas.microsoft.com/office/drawing/2014/main" id="{4172C0E5-5AF0-4805-BB51-443733CD2BD5}"/>
               </a:ext>
             </a:extLst>
           </p:cNvPr>
@@ -4335,7 +4335,7 @@
           <a:p>
             <a:fld id="{63289F7E-B80B-496E-81B4-D396C37C9454}" type="datetimeFigureOut">
               <a:rPr lang="pt-BR" smtClean="0"/>
-              <a:t>17/03/2023</a:t>
+              <a:t>18/03/2023</a:t>
             </a:fld>
             <a:endParaRPr lang="pt-BR"/>
           </a:p>
@@ -4346,7 +4346,7 @@
           <p:cNvPr id="8" name="Espaço Reservado para Rodapé 7">
             <a:extLst>
               <a:ext uri="{FF2B5EF4-FFF2-40B4-BE49-F238E27FC236}">
-                <a16:creationId xmlns:a16="http://schemas.microsoft.com/office/drawing/2014/main" xmlns="" id="{0E801648-156F-497E-99CF-797DF48051E1}"/>
+                <a16:creationId xmlns="" xmlns:a16="http://schemas.microsoft.com/office/drawing/2014/main" id="{0E801648-156F-497E-99CF-797DF48051E1}"/>
               </a:ext>
             </a:extLst>
           </p:cNvPr>
@@ -4371,7 +4371,7 @@
           <p:cNvPr id="9" name="Espaço Reservado para Número de Slide 8">
             <a:extLst>
               <a:ext uri="{FF2B5EF4-FFF2-40B4-BE49-F238E27FC236}">
-                <a16:creationId xmlns:a16="http://schemas.microsoft.com/office/drawing/2014/main" xmlns="" id="{EEE23D32-80E7-4796-A137-66BF842E4B53}"/>
+                <a16:creationId xmlns="" xmlns:a16="http://schemas.microsoft.com/office/drawing/2014/main" id="{EEE23D32-80E7-4796-A137-66BF842E4B53}"/>
               </a:ext>
             </a:extLst>
           </p:cNvPr>
@@ -4430,7 +4430,7 @@
           <p:cNvPr id="2" name="Título 1">
             <a:extLst>
               <a:ext uri="{FF2B5EF4-FFF2-40B4-BE49-F238E27FC236}">
-                <a16:creationId xmlns:a16="http://schemas.microsoft.com/office/drawing/2014/main" xmlns="" id="{2BCE2379-C78F-47E1-8CFC-B846E7AF148D}"/>
+                <a16:creationId xmlns="" xmlns:a16="http://schemas.microsoft.com/office/drawing/2014/main" id="{2BCE2379-C78F-47E1-8CFC-B846E7AF148D}"/>
               </a:ext>
             </a:extLst>
           </p:cNvPr>
@@ -4458,7 +4458,7 @@
           <p:cNvPr id="3" name="Espaço Reservado para Data 2">
             <a:extLst>
               <a:ext uri="{FF2B5EF4-FFF2-40B4-BE49-F238E27FC236}">
-                <a16:creationId xmlns:a16="http://schemas.microsoft.com/office/drawing/2014/main" xmlns="" id="{342600A9-7F92-4E22-9D94-E4717252A817}"/>
+                <a16:creationId xmlns="" xmlns:a16="http://schemas.microsoft.com/office/drawing/2014/main" id="{342600A9-7F92-4E22-9D94-E4717252A817}"/>
               </a:ext>
             </a:extLst>
           </p:cNvPr>
@@ -4476,7 +4476,7 @@
           <a:p>
             <a:fld id="{63289F7E-B80B-496E-81B4-D396C37C9454}" type="datetimeFigureOut">
               <a:rPr lang="pt-BR" smtClean="0"/>
-              <a:t>17/03/2023</a:t>
+              <a:t>18/03/2023</a:t>
             </a:fld>
             <a:endParaRPr lang="pt-BR"/>
           </a:p>
@@ -4487,7 +4487,7 @@
           <p:cNvPr id="4" name="Espaço Reservado para Rodapé 3">
             <a:extLst>
               <a:ext uri="{FF2B5EF4-FFF2-40B4-BE49-F238E27FC236}">
-                <a16:creationId xmlns:a16="http://schemas.microsoft.com/office/drawing/2014/main" xmlns="" id="{192E6BED-F546-40CC-A2DF-99CBA853654E}"/>
+                <a16:creationId xmlns="" xmlns:a16="http://schemas.microsoft.com/office/drawing/2014/main" id="{192E6BED-F546-40CC-A2DF-99CBA853654E}"/>
               </a:ext>
             </a:extLst>
           </p:cNvPr>
@@ -4512,7 +4512,7 @@
           <p:cNvPr id="5" name="Espaço Reservado para Número de Slide 4">
             <a:extLst>
               <a:ext uri="{FF2B5EF4-FFF2-40B4-BE49-F238E27FC236}">
-                <a16:creationId xmlns:a16="http://schemas.microsoft.com/office/drawing/2014/main" xmlns="" id="{6091CC40-A8C4-4063-80EB-CC5099621678}"/>
+                <a16:creationId xmlns="" xmlns:a16="http://schemas.microsoft.com/office/drawing/2014/main" id="{6091CC40-A8C4-4063-80EB-CC5099621678}"/>
               </a:ext>
             </a:extLst>
           </p:cNvPr>
@@ -4571,7 +4571,7 @@
           <p:cNvPr id="2" name="Espaço Reservado para Data 1">
             <a:extLst>
               <a:ext uri="{FF2B5EF4-FFF2-40B4-BE49-F238E27FC236}">
-                <a16:creationId xmlns:a16="http://schemas.microsoft.com/office/drawing/2014/main" xmlns="" id="{DD19515C-212C-4EAE-84A3-8FF4BC844F1B}"/>
+                <a16:creationId xmlns="" xmlns:a16="http://schemas.microsoft.com/office/drawing/2014/main" id="{DD19515C-212C-4EAE-84A3-8FF4BC844F1B}"/>
               </a:ext>
             </a:extLst>
           </p:cNvPr>
@@ -4589,7 +4589,7 @@
           <a:p>
             <a:fld id="{63289F7E-B80B-496E-81B4-D396C37C9454}" type="datetimeFigureOut">
               <a:rPr lang="pt-BR" smtClean="0"/>
-              <a:t>17/03/2023</a:t>
+              <a:t>18/03/2023</a:t>
             </a:fld>
             <a:endParaRPr lang="pt-BR"/>
           </a:p>
@@ -4600,7 +4600,7 @@
           <p:cNvPr id="3" name="Espaço Reservado para Rodapé 2">
             <a:extLst>
               <a:ext uri="{FF2B5EF4-FFF2-40B4-BE49-F238E27FC236}">
-                <a16:creationId xmlns:a16="http://schemas.microsoft.com/office/drawing/2014/main" xmlns="" id="{94D3D120-B3E8-4C96-861D-7A4F12F49B3A}"/>
+                <a16:creationId xmlns="" xmlns:a16="http://schemas.microsoft.com/office/drawing/2014/main" id="{94D3D120-B3E8-4C96-861D-7A4F12F49B3A}"/>
               </a:ext>
             </a:extLst>
           </p:cNvPr>
@@ -4625,7 +4625,7 @@
           <p:cNvPr id="4" name="Espaço Reservado para Número de Slide 3">
             <a:extLst>
               <a:ext uri="{FF2B5EF4-FFF2-40B4-BE49-F238E27FC236}">
-                <a16:creationId xmlns:a16="http://schemas.microsoft.com/office/drawing/2014/main" xmlns="" id="{42E49B68-FA1B-468B-9F17-D5C09243D454}"/>
+                <a16:creationId xmlns="" xmlns:a16="http://schemas.microsoft.com/office/drawing/2014/main" id="{42E49B68-FA1B-468B-9F17-D5C09243D454}"/>
               </a:ext>
             </a:extLst>
           </p:cNvPr>
@@ -4684,7 +4684,7 @@
           <p:cNvPr id="2" name="Título 1">
             <a:extLst>
               <a:ext uri="{FF2B5EF4-FFF2-40B4-BE49-F238E27FC236}">
-                <a16:creationId xmlns:a16="http://schemas.microsoft.com/office/drawing/2014/main" xmlns="" id="{1C17BCBE-A897-4319-85EC-D87909C24980}"/>
+                <a16:creationId xmlns="" xmlns:a16="http://schemas.microsoft.com/office/drawing/2014/main" id="{1C17BCBE-A897-4319-85EC-D87909C24980}"/>
               </a:ext>
             </a:extLst>
           </p:cNvPr>
@@ -4721,7 +4721,7 @@
           <p:cNvPr id="3" name="Espaço Reservado para Conteúdo 2">
             <a:extLst>
               <a:ext uri="{FF2B5EF4-FFF2-40B4-BE49-F238E27FC236}">
-                <a16:creationId xmlns:a16="http://schemas.microsoft.com/office/drawing/2014/main" xmlns="" id="{4226F885-0204-4913-868B-4B8B82576F17}"/>
+                <a16:creationId xmlns="" xmlns:a16="http://schemas.microsoft.com/office/drawing/2014/main" id="{4226F885-0204-4913-868B-4B8B82576F17}"/>
               </a:ext>
             </a:extLst>
           </p:cNvPr>
@@ -4811,7 +4811,7 @@
           <p:cNvPr id="4" name="Espaço Reservado para Texto 3">
             <a:extLst>
               <a:ext uri="{FF2B5EF4-FFF2-40B4-BE49-F238E27FC236}">
-                <a16:creationId xmlns:a16="http://schemas.microsoft.com/office/drawing/2014/main" xmlns="" id="{00F9F784-A858-441B-8AB5-697098141751}"/>
+                <a16:creationId xmlns="" xmlns:a16="http://schemas.microsoft.com/office/drawing/2014/main" id="{00F9F784-A858-441B-8AB5-697098141751}"/>
               </a:ext>
             </a:extLst>
           </p:cNvPr>
@@ -4882,7 +4882,7 @@
           <p:cNvPr id="5" name="Espaço Reservado para Data 4">
             <a:extLst>
               <a:ext uri="{FF2B5EF4-FFF2-40B4-BE49-F238E27FC236}">
-                <a16:creationId xmlns:a16="http://schemas.microsoft.com/office/drawing/2014/main" xmlns="" id="{A4DC363A-5000-472E-8B17-02E7DCB8840A}"/>
+                <a16:creationId xmlns="" xmlns:a16="http://schemas.microsoft.com/office/drawing/2014/main" id="{A4DC363A-5000-472E-8B17-02E7DCB8840A}"/>
               </a:ext>
             </a:extLst>
           </p:cNvPr>
@@ -4900,7 +4900,7 @@
           <a:p>
             <a:fld id="{63289F7E-B80B-496E-81B4-D396C37C9454}" type="datetimeFigureOut">
               <a:rPr lang="pt-BR" smtClean="0"/>
-              <a:t>17/03/2023</a:t>
+              <a:t>18/03/2023</a:t>
             </a:fld>
             <a:endParaRPr lang="pt-BR"/>
           </a:p>
@@ -4911,7 +4911,7 @@
           <p:cNvPr id="6" name="Espaço Reservado para Rodapé 5">
             <a:extLst>
               <a:ext uri="{FF2B5EF4-FFF2-40B4-BE49-F238E27FC236}">
-                <a16:creationId xmlns:a16="http://schemas.microsoft.com/office/drawing/2014/main" xmlns="" id="{5548425D-2C21-4C56-BAD4-662978775C28}"/>
+                <a16:creationId xmlns="" xmlns:a16="http://schemas.microsoft.com/office/drawing/2014/main" id="{5548425D-2C21-4C56-BAD4-662978775C28}"/>
               </a:ext>
             </a:extLst>
           </p:cNvPr>
@@ -4936,7 +4936,7 @@
           <p:cNvPr id="7" name="Espaço Reservado para Número de Slide 6">
             <a:extLst>
               <a:ext uri="{FF2B5EF4-FFF2-40B4-BE49-F238E27FC236}">
-                <a16:creationId xmlns:a16="http://schemas.microsoft.com/office/drawing/2014/main" xmlns="" id="{C63E9726-E64C-42B2-AE8A-8C235A956B48}"/>
+                <a16:creationId xmlns="" xmlns:a16="http://schemas.microsoft.com/office/drawing/2014/main" id="{C63E9726-E64C-42B2-AE8A-8C235A956B48}"/>
               </a:ext>
             </a:extLst>
           </p:cNvPr>
@@ -4995,7 +4995,7 @@
           <p:cNvPr id="2" name="Título 1">
             <a:extLst>
               <a:ext uri="{FF2B5EF4-FFF2-40B4-BE49-F238E27FC236}">
-                <a16:creationId xmlns:a16="http://schemas.microsoft.com/office/drawing/2014/main" xmlns="" id="{11086A78-3E74-450C-96A6-CA8AC37AF772}"/>
+                <a16:creationId xmlns="" xmlns:a16="http://schemas.microsoft.com/office/drawing/2014/main" id="{11086A78-3E74-450C-96A6-CA8AC37AF772}"/>
               </a:ext>
             </a:extLst>
           </p:cNvPr>
@@ -5032,7 +5032,7 @@
           <p:cNvPr id="3" name="Espaço Reservado para Imagem 2">
             <a:extLst>
               <a:ext uri="{FF2B5EF4-FFF2-40B4-BE49-F238E27FC236}">
-                <a16:creationId xmlns:a16="http://schemas.microsoft.com/office/drawing/2014/main" xmlns="" id="{5F5B7312-975A-4DBC-9B2F-3652ADA006FD}"/>
+                <a16:creationId xmlns="" xmlns:a16="http://schemas.microsoft.com/office/drawing/2014/main" id="{5F5B7312-975A-4DBC-9B2F-3652ADA006FD}"/>
               </a:ext>
             </a:extLst>
           </p:cNvPr>
@@ -5099,7 +5099,7 @@
           <p:cNvPr id="4" name="Espaço Reservado para Texto 3">
             <a:extLst>
               <a:ext uri="{FF2B5EF4-FFF2-40B4-BE49-F238E27FC236}">
-                <a16:creationId xmlns:a16="http://schemas.microsoft.com/office/drawing/2014/main" xmlns="" id="{AAF805F5-1DFF-41C6-944C-7D79FE0D0963}"/>
+                <a16:creationId xmlns="" xmlns:a16="http://schemas.microsoft.com/office/drawing/2014/main" id="{AAF805F5-1DFF-41C6-944C-7D79FE0D0963}"/>
               </a:ext>
             </a:extLst>
           </p:cNvPr>
@@ -5170,7 +5170,7 @@
           <p:cNvPr id="5" name="Espaço Reservado para Data 4">
             <a:extLst>
               <a:ext uri="{FF2B5EF4-FFF2-40B4-BE49-F238E27FC236}">
-                <a16:creationId xmlns:a16="http://schemas.microsoft.com/office/drawing/2014/main" xmlns="" id="{02113D81-8665-4516-BD81-C6A1F254EECD}"/>
+                <a16:creationId xmlns="" xmlns:a16="http://schemas.microsoft.com/office/drawing/2014/main" id="{02113D81-8665-4516-BD81-C6A1F254EECD}"/>
               </a:ext>
             </a:extLst>
           </p:cNvPr>
@@ -5188,7 +5188,7 @@
           <a:p>
             <a:fld id="{63289F7E-B80B-496E-81B4-D396C37C9454}" type="datetimeFigureOut">
               <a:rPr lang="pt-BR" smtClean="0"/>
-              <a:t>17/03/2023</a:t>
+              <a:t>18/03/2023</a:t>
             </a:fld>
             <a:endParaRPr lang="pt-BR"/>
           </a:p>
@@ -5199,7 +5199,7 @@
           <p:cNvPr id="6" name="Espaço Reservado para Rodapé 5">
             <a:extLst>
               <a:ext uri="{FF2B5EF4-FFF2-40B4-BE49-F238E27FC236}">
-                <a16:creationId xmlns:a16="http://schemas.microsoft.com/office/drawing/2014/main" xmlns="" id="{2B00C88B-FF32-40AA-A187-727D96FD7862}"/>
+                <a16:creationId xmlns="" xmlns:a16="http://schemas.microsoft.com/office/drawing/2014/main" id="{2B00C88B-FF32-40AA-A187-727D96FD7862}"/>
               </a:ext>
             </a:extLst>
           </p:cNvPr>
@@ -5224,7 +5224,7 @@
           <p:cNvPr id="7" name="Espaço Reservado para Número de Slide 6">
             <a:extLst>
               <a:ext uri="{FF2B5EF4-FFF2-40B4-BE49-F238E27FC236}">
-                <a16:creationId xmlns:a16="http://schemas.microsoft.com/office/drawing/2014/main" xmlns="" id="{A04D1A2D-69F7-4B8F-A730-BC26DC340BA6}"/>
+                <a16:creationId xmlns="" xmlns:a16="http://schemas.microsoft.com/office/drawing/2014/main" id="{A04D1A2D-69F7-4B8F-A730-BC26DC340BA6}"/>
               </a:ext>
             </a:extLst>
           </p:cNvPr>
@@ -5288,7 +5288,7 @@
           <p:cNvPr id="2" name="Espaço Reservado para Título 1">
             <a:extLst>
               <a:ext uri="{FF2B5EF4-FFF2-40B4-BE49-F238E27FC236}">
-                <a16:creationId xmlns:a16="http://schemas.microsoft.com/office/drawing/2014/main" xmlns="" id="{E69A0273-1966-4A1B-9370-4C1CE5036371}"/>
+                <a16:creationId xmlns="" xmlns:a16="http://schemas.microsoft.com/office/drawing/2014/main" id="{E69A0273-1966-4A1B-9370-4C1CE5036371}"/>
               </a:ext>
             </a:extLst>
           </p:cNvPr>
@@ -5326,7 +5326,7 @@
           <p:cNvPr id="3" name="Espaço Reservado para Texto 2">
             <a:extLst>
               <a:ext uri="{FF2B5EF4-FFF2-40B4-BE49-F238E27FC236}">
-                <a16:creationId xmlns:a16="http://schemas.microsoft.com/office/drawing/2014/main" xmlns="" id="{3B9CF87A-0448-49A7-AB25-EBC1D56A40EF}"/>
+                <a16:creationId xmlns="" xmlns:a16="http://schemas.microsoft.com/office/drawing/2014/main" id="{3B9CF87A-0448-49A7-AB25-EBC1D56A40EF}"/>
               </a:ext>
             </a:extLst>
           </p:cNvPr>
@@ -5393,7 +5393,7 @@
           <p:cNvPr id="4" name="Espaço Reservado para Data 3">
             <a:extLst>
               <a:ext uri="{FF2B5EF4-FFF2-40B4-BE49-F238E27FC236}">
-                <a16:creationId xmlns:a16="http://schemas.microsoft.com/office/drawing/2014/main" xmlns="" id="{2EF7B1F2-BB5A-44D0-816D-16AD2C71430E}"/>
+                <a16:creationId xmlns="" xmlns:a16="http://schemas.microsoft.com/office/drawing/2014/main" id="{2EF7B1F2-BB5A-44D0-816D-16AD2C71430E}"/>
               </a:ext>
             </a:extLst>
           </p:cNvPr>
@@ -5429,7 +5429,7 @@
           <a:p>
             <a:fld id="{63289F7E-B80B-496E-81B4-D396C37C9454}" type="datetimeFigureOut">
               <a:rPr lang="pt-BR" smtClean="0"/>
-              <a:t>17/03/2023</a:t>
+              <a:t>18/03/2023</a:t>
             </a:fld>
             <a:endParaRPr lang="pt-BR"/>
           </a:p>
@@ -5440,7 +5440,7 @@
           <p:cNvPr id="5" name="Espaço Reservado para Rodapé 4">
             <a:extLst>
               <a:ext uri="{FF2B5EF4-FFF2-40B4-BE49-F238E27FC236}">
-                <a16:creationId xmlns:a16="http://schemas.microsoft.com/office/drawing/2014/main" xmlns="" id="{C703F94C-2CC8-4DAA-BC35-14FC3E841DCD}"/>
+                <a16:creationId xmlns="" xmlns:a16="http://schemas.microsoft.com/office/drawing/2014/main" id="{C703F94C-2CC8-4DAA-BC35-14FC3E841DCD}"/>
               </a:ext>
             </a:extLst>
           </p:cNvPr>
@@ -5483,7 +5483,7 @@
           <p:cNvPr id="6" name="Espaço Reservado para Número de Slide 5">
             <a:extLst>
               <a:ext uri="{FF2B5EF4-FFF2-40B4-BE49-F238E27FC236}">
-                <a16:creationId xmlns:a16="http://schemas.microsoft.com/office/drawing/2014/main" xmlns="" id="{64051336-7048-457A-8B61-D94291D71648}"/>
+                <a16:creationId xmlns="" xmlns:a16="http://schemas.microsoft.com/office/drawing/2014/main" id="{64051336-7048-457A-8B61-D94291D71648}"/>
               </a:ext>
             </a:extLst>
           </p:cNvPr>
@@ -5851,7 +5851,7 @@
           <p:cNvPr id="2" name="Título 1">
             <a:extLst>
               <a:ext uri="{FF2B5EF4-FFF2-40B4-BE49-F238E27FC236}">
-                <a16:creationId xmlns:a16="http://schemas.microsoft.com/office/drawing/2014/main" xmlns="" id="{32666AC8-2E17-4DB4-B0F5-60C640CCFD2E}"/>
+                <a16:creationId xmlns="" xmlns:a16="http://schemas.microsoft.com/office/drawing/2014/main" id="{32666AC8-2E17-4DB4-B0F5-60C640CCFD2E}"/>
               </a:ext>
             </a:extLst>
           </p:cNvPr>
@@ -5897,7 +5897,7 @@
           <p:cNvPr id="4" name="CaixaDeTexto 3">
             <a:extLst>
               <a:ext uri="{FF2B5EF4-FFF2-40B4-BE49-F238E27FC236}">
-                <a16:creationId xmlns:a16="http://schemas.microsoft.com/office/drawing/2014/main" xmlns="" id="{430EB894-B7D4-434C-9D1A-A14094D9BEEC}"/>
+                <a16:creationId xmlns="" xmlns:a16="http://schemas.microsoft.com/office/drawing/2014/main" id="{430EB894-B7D4-434C-9D1A-A14094D9BEEC}"/>
               </a:ext>
             </a:extLst>
           </p:cNvPr>
@@ -5938,7 +5938,7 @@
           <p:cNvPr id="1026" name="Picture 2" descr="Logo">
             <a:extLst>
               <a:ext uri="{FF2B5EF4-FFF2-40B4-BE49-F238E27FC236}">
-                <a16:creationId xmlns:a16="http://schemas.microsoft.com/office/drawing/2014/main" xmlns="" id="{3F2642E0-4F6A-4196-8F58-E77D36E9A33F}"/>
+                <a16:creationId xmlns="" xmlns:a16="http://schemas.microsoft.com/office/drawing/2014/main" id="{3F2642E0-4F6A-4196-8F58-E77D36E9A33F}"/>
               </a:ext>
             </a:extLst>
           </p:cNvPr>
@@ -5983,7 +5983,7 @@
           <p:cNvPr id="5122" name="Picture 2" descr="Image result for machine learning">
             <a:extLst>
               <a:ext uri="{FF2B5EF4-FFF2-40B4-BE49-F238E27FC236}">
-                <a16:creationId xmlns:a16="http://schemas.microsoft.com/office/drawing/2014/main" xmlns="" id="{810CE0A2-4102-44A6-A370-175E7896CDCB}"/>
+                <a16:creationId xmlns="" xmlns:a16="http://schemas.microsoft.com/office/drawing/2014/main" id="{810CE0A2-4102-44A6-A370-175E7896CDCB}"/>
               </a:ext>
             </a:extLst>
           </p:cNvPr>
@@ -9717,8 +9717,8 @@
           </a:fontRef>
         </p:style>
       </p:cxnSp>
-      <mc:AlternateContent xmlns:mc="http://schemas.openxmlformats.org/markup-compatibility/2006" xmlns:a14="http://schemas.microsoft.com/office/drawing/2010/main">
-        <mc:Choice Requires="a14">
+      <mc:AlternateContent xmlns:mc="http://schemas.openxmlformats.org/markup-compatibility/2006">
+        <mc:Choice xmlns:a14="http://schemas.microsoft.com/office/drawing/2010/main" Requires="a14">
           <p:sp>
             <p:nvSpPr>
               <p:cNvPr id="9" name="TextBox 8"/>
@@ -9743,7 +9743,15 @@
               <a:p>
                 <a:r>
                   <a:rPr lang="pt-BR" sz="1100" dirty="0"/>
-                  <a:t>Para outros formatos de função discriminante, basta alteramos o formato da matriz </a:t>
+                  <a:t>Para outros formatos de função discriminante, basta </a:t>
+                </a:r>
+                <a:r>
+                  <a:rPr lang="pt-BR" sz="1100" dirty="0" smtClean="0"/>
+                  <a:t>alterarmos </a:t>
+                </a:r>
+                <a:r>
+                  <a:rPr lang="pt-BR" sz="1100" dirty="0"/>
+                  <a:t>o formato da matriz </a:t>
                 </a:r>
                 <a14:m>
                   <m:oMath xmlns:m="http://schemas.openxmlformats.org/officeDocument/2006/math">
@@ -9763,7 +9771,7 @@
             </p:txBody>
           </p:sp>
         </mc:Choice>
-        <mc:Fallback xmlns="">
+        <mc:Fallback>
           <p:sp>
             <p:nvSpPr>
               <p:cNvPr id="9" name="TextBox 8"/>
@@ -12237,7 +12245,7 @@
           <p:cNvPr id="4" name="Título 1">
             <a:extLst>
               <a:ext uri="{FF2B5EF4-FFF2-40B4-BE49-F238E27FC236}">
-                <a16:creationId xmlns:a16="http://schemas.microsoft.com/office/drawing/2014/main" xmlns="" id="{32666AC8-2E17-4DB4-B0F5-60C640CCFD2E}"/>
+                <a16:creationId xmlns="" xmlns:a16="http://schemas.microsoft.com/office/drawing/2014/main" id="{32666AC8-2E17-4DB4-B0F5-60C640CCFD2E}"/>
               </a:ext>
             </a:extLst>
           </p:cNvPr>
@@ -15806,8 +15814,8 @@
           </a:p>
         </p:txBody>
       </p:sp>
-      <mc:AlternateContent xmlns:mc="http://schemas.openxmlformats.org/markup-compatibility/2006" xmlns:a14="http://schemas.microsoft.com/office/drawing/2010/main">
-        <mc:Choice Requires="a14">
+      <mc:AlternateContent xmlns:mc="http://schemas.openxmlformats.org/markup-compatibility/2006">
+        <mc:Choice xmlns:a14="http://schemas.microsoft.com/office/drawing/2010/main" Requires="a14">
           <p:sp>
             <p:nvSpPr>
               <p:cNvPr id="3" name="Content Placeholder 2"/>
@@ -15990,7 +15998,15 @@
                 </a:r>
                 <a:r>
                   <a:rPr lang="pt-BR" dirty="0" smtClean="0"/>
-                  <a:t>dígitos, etc.</a:t>
+                  <a:t>dígitos, </a:t>
+                </a:r>
+                <a:r>
+                  <a:rPr lang="pt-BR" dirty="0" smtClean="0"/>
+                  <a:t>carros, etc</a:t>
+                </a:r>
+                <a:r>
+                  <a:rPr lang="pt-BR" dirty="0" smtClean="0"/>
+                  <a:t>.</a:t>
                 </a:r>
               </a:p>
               <a:p>
@@ -16279,7 +16295,7 @@
             </p:txBody>
           </p:sp>
         </mc:Choice>
-        <mc:Fallback xmlns="">
+        <mc:Fallback>
           <p:sp>
             <p:nvSpPr>
               <p:cNvPr id="3" name="Content Placeholder 2"/>
@@ -16352,7 +16368,7 @@
           <p:cNvPr id="2" name="Título 1">
             <a:extLst>
               <a:ext uri="{FF2B5EF4-FFF2-40B4-BE49-F238E27FC236}">
-                <a16:creationId xmlns:a16="http://schemas.microsoft.com/office/drawing/2014/main" xmlns="" id="{890D7195-61EC-4142-8041-DD35C2AB1914}"/>
+                <a16:creationId xmlns="" xmlns:a16="http://schemas.microsoft.com/office/drawing/2014/main" id="{890D7195-61EC-4142-8041-DD35C2AB1914}"/>
               </a:ext>
             </a:extLst>
           </p:cNvPr>
@@ -16383,7 +16399,7 @@
               <p:cNvPr id="3" name="Espaço Reservado para Conteúdo 2">
                 <a:extLst>
                   <a:ext uri="{FF2B5EF4-FFF2-40B4-BE49-F238E27FC236}">
-                    <a16:creationId xmlns:a16="http://schemas.microsoft.com/office/drawing/2014/main" xmlns="" id="{807ECEFA-6ED0-44F3-ABEA-8272FEB2FF63}"/>
+                    <a16:creationId xmlns="" xmlns:a16="http://schemas.microsoft.com/office/drawing/2014/main" id="{807ECEFA-6ED0-44F3-ABEA-8272FEB2FF63}"/>
                   </a:ext>
                 </a:extLst>
               </p:cNvPr>
@@ -18405,7 +18421,7 @@
           <p:cNvPr id="4" name="TextBox 6">
             <a:extLst>
               <a:ext uri="{FF2B5EF4-FFF2-40B4-BE49-F238E27FC236}">
-                <a16:creationId xmlns:a16="http://schemas.microsoft.com/office/drawing/2014/main" xmlns="" id="{BD5B7330-9A4E-4A27-BE6B-F7038DE7890D}"/>
+                <a16:creationId xmlns="" xmlns:a16="http://schemas.microsoft.com/office/drawing/2014/main" id="{BD5B7330-9A4E-4A27-BE6B-F7038DE7890D}"/>
               </a:ext>
             </a:extLst>
           </p:cNvPr>
@@ -18441,7 +18457,7 @@
           <p:cNvPr id="5" name="Straight Arrow Connector 7">
             <a:extLst>
               <a:ext uri="{FF2B5EF4-FFF2-40B4-BE49-F238E27FC236}">
-                <a16:creationId xmlns:a16="http://schemas.microsoft.com/office/drawing/2014/main" xmlns="" id="{E9DCC49F-2D0A-4D6E-9325-E6E0A35530AD}"/>
+                <a16:creationId xmlns="" xmlns:a16="http://schemas.microsoft.com/office/drawing/2014/main" id="{E9DCC49F-2D0A-4D6E-9325-E6E0A35530AD}"/>
               </a:ext>
             </a:extLst>
           </p:cNvPr>
@@ -18487,7 +18503,7 @@
               <p:cNvPr id="6" name="TextBox 3">
                 <a:extLst>
                   <a:ext uri="{FF2B5EF4-FFF2-40B4-BE49-F238E27FC236}">
-                    <a16:creationId xmlns:a16="http://schemas.microsoft.com/office/drawing/2014/main" xmlns="" id="{C2B44ACC-7F40-4DFA-AC5C-CC329D169698}"/>
+                    <a16:creationId xmlns="" xmlns:a16="http://schemas.microsoft.com/office/drawing/2014/main" id="{C2B44ACC-7F40-4DFA-AC5C-CC329D169698}"/>
                   </a:ext>
                 </a:extLst>
               </p:cNvPr>
@@ -18591,7 +18607,7 @@
           <p:cNvPr id="7" name="Rectangle 11">
             <a:extLst>
               <a:ext uri="{FF2B5EF4-FFF2-40B4-BE49-F238E27FC236}">
-                <a16:creationId xmlns:a16="http://schemas.microsoft.com/office/drawing/2014/main" xmlns="" id="{1BDEDFF8-EB72-48C9-B045-4BDDB50DFABB}"/>
+                <a16:creationId xmlns="" xmlns:a16="http://schemas.microsoft.com/office/drawing/2014/main" id="{1BDEDFF8-EB72-48C9-B045-4BDDB50DFABB}"/>
               </a:ext>
             </a:extLst>
           </p:cNvPr>
@@ -18643,7 +18659,7 @@
           <p:cNvPr id="8" name="Straight Arrow Connector 13">
             <a:extLst>
               <a:ext uri="{FF2B5EF4-FFF2-40B4-BE49-F238E27FC236}">
-                <a16:creationId xmlns:a16="http://schemas.microsoft.com/office/drawing/2014/main" xmlns="" id="{9480D85A-07BF-44B1-A6D0-1DE33196FA5B}"/>
+                <a16:creationId xmlns="" xmlns:a16="http://schemas.microsoft.com/office/drawing/2014/main" id="{9480D85A-07BF-44B1-A6D0-1DE33196FA5B}"/>
               </a:ext>
             </a:extLst>
           </p:cNvPr>

--- a/slides/T320_Classificação (Parte IV).pptx
+++ b/slides/T320_Classificação (Parte IV).pptx
@@ -290,7 +290,7 @@
           <a:p>
             <a:fld id="{144F1436-6906-4D93-B7A2-786C327BFA14}" type="datetimeFigureOut">
               <a:rPr lang="nl-BE" smtClean="0"/>
-              <a:t>18/03/2023</a:t>
+              <a:t>24/03/2023</a:t>
             </a:fld>
             <a:endParaRPr lang="nl-BE"/>
           </a:p>
@@ -455,7 +455,7 @@
           <a:p>
             <a:fld id="{AA8CD09E-2914-4F47-B6C1-51B2C31814C9}" type="datetimeFigureOut">
               <a:rPr lang="pt-BR" smtClean="0"/>
-              <a:t>18/03/2023</a:t>
+              <a:t>24/03/2023</a:t>
             </a:fld>
             <a:endParaRPr lang="pt-BR"/>
           </a:p>
@@ -2654,7 +2654,7 @@
           <p:cNvPr id="2" name="Título 1">
             <a:extLst>
               <a:ext uri="{FF2B5EF4-FFF2-40B4-BE49-F238E27FC236}">
-                <a16:creationId xmlns="" xmlns:a16="http://schemas.microsoft.com/office/drawing/2014/main" id="{1DB9B4FF-B06E-403C-A326-BDC64D8FF94E}"/>
+                <a16:creationId xmlns:a16="http://schemas.microsoft.com/office/drawing/2014/main" xmlns="" id="{1DB9B4FF-B06E-403C-A326-BDC64D8FF94E}"/>
               </a:ext>
             </a:extLst>
           </p:cNvPr>
@@ -2691,7 +2691,7 @@
           <p:cNvPr id="3" name="Subtítulo 2">
             <a:extLst>
               <a:ext uri="{FF2B5EF4-FFF2-40B4-BE49-F238E27FC236}">
-                <a16:creationId xmlns="" xmlns:a16="http://schemas.microsoft.com/office/drawing/2014/main" id="{247BDFCE-746E-45BF-A319-4733D58D1632}"/>
+                <a16:creationId xmlns:a16="http://schemas.microsoft.com/office/drawing/2014/main" xmlns="" id="{247BDFCE-746E-45BF-A319-4733D58D1632}"/>
               </a:ext>
             </a:extLst>
           </p:cNvPr>
@@ -2761,7 +2761,7 @@
           <p:cNvPr id="4" name="Espaço Reservado para Data 3">
             <a:extLst>
               <a:ext uri="{FF2B5EF4-FFF2-40B4-BE49-F238E27FC236}">
-                <a16:creationId xmlns="" xmlns:a16="http://schemas.microsoft.com/office/drawing/2014/main" id="{9EDE2778-5372-4104-B96D-968184DA8288}"/>
+                <a16:creationId xmlns:a16="http://schemas.microsoft.com/office/drawing/2014/main" xmlns="" id="{9EDE2778-5372-4104-B96D-968184DA8288}"/>
               </a:ext>
             </a:extLst>
           </p:cNvPr>
@@ -2779,7 +2779,7 @@
           <a:p>
             <a:fld id="{63289F7E-B80B-496E-81B4-D396C37C9454}" type="datetimeFigureOut">
               <a:rPr lang="pt-BR" smtClean="0"/>
-              <a:t>18/03/2023</a:t>
+              <a:t>24/03/2023</a:t>
             </a:fld>
             <a:endParaRPr lang="pt-BR"/>
           </a:p>
@@ -2790,7 +2790,7 @@
           <p:cNvPr id="5" name="Espaço Reservado para Rodapé 4">
             <a:extLst>
               <a:ext uri="{FF2B5EF4-FFF2-40B4-BE49-F238E27FC236}">
-                <a16:creationId xmlns="" xmlns:a16="http://schemas.microsoft.com/office/drawing/2014/main" id="{C1DD0F41-C861-4051-988D-3024A37A4B93}"/>
+                <a16:creationId xmlns:a16="http://schemas.microsoft.com/office/drawing/2014/main" xmlns="" id="{C1DD0F41-C861-4051-988D-3024A37A4B93}"/>
               </a:ext>
             </a:extLst>
           </p:cNvPr>
@@ -2815,7 +2815,7 @@
           <p:cNvPr id="6" name="Espaço Reservado para Número de Slide 5">
             <a:extLst>
               <a:ext uri="{FF2B5EF4-FFF2-40B4-BE49-F238E27FC236}">
-                <a16:creationId xmlns="" xmlns:a16="http://schemas.microsoft.com/office/drawing/2014/main" id="{07E5967E-D980-431A-A5DB-3F0C5030A81E}"/>
+                <a16:creationId xmlns:a16="http://schemas.microsoft.com/office/drawing/2014/main" xmlns="" id="{07E5967E-D980-431A-A5DB-3F0C5030A81E}"/>
               </a:ext>
             </a:extLst>
           </p:cNvPr>
@@ -2874,7 +2874,7 @@
           <p:cNvPr id="2" name="Título 1">
             <a:extLst>
               <a:ext uri="{FF2B5EF4-FFF2-40B4-BE49-F238E27FC236}">
-                <a16:creationId xmlns="" xmlns:a16="http://schemas.microsoft.com/office/drawing/2014/main" id="{9036C49F-3E68-4175-81BA-3C3FEE44308A}"/>
+                <a16:creationId xmlns:a16="http://schemas.microsoft.com/office/drawing/2014/main" xmlns="" id="{9036C49F-3E68-4175-81BA-3C3FEE44308A}"/>
               </a:ext>
             </a:extLst>
           </p:cNvPr>
@@ -2902,7 +2902,7 @@
           <p:cNvPr id="3" name="Espaço Reservado para Texto Vertical 2">
             <a:extLst>
               <a:ext uri="{FF2B5EF4-FFF2-40B4-BE49-F238E27FC236}">
-                <a16:creationId xmlns="" xmlns:a16="http://schemas.microsoft.com/office/drawing/2014/main" id="{426FA736-3DD3-4D4E-B57B-BBE1D8F7D424}"/>
+                <a16:creationId xmlns:a16="http://schemas.microsoft.com/office/drawing/2014/main" xmlns="" id="{426FA736-3DD3-4D4E-B57B-BBE1D8F7D424}"/>
               </a:ext>
             </a:extLst>
           </p:cNvPr>
@@ -2959,7 +2959,7 @@
           <p:cNvPr id="4" name="Espaço Reservado para Data 3">
             <a:extLst>
               <a:ext uri="{FF2B5EF4-FFF2-40B4-BE49-F238E27FC236}">
-                <a16:creationId xmlns="" xmlns:a16="http://schemas.microsoft.com/office/drawing/2014/main" id="{99E8855C-D8FD-48F6-B14E-861E0DE4D915}"/>
+                <a16:creationId xmlns:a16="http://schemas.microsoft.com/office/drawing/2014/main" xmlns="" id="{99E8855C-D8FD-48F6-B14E-861E0DE4D915}"/>
               </a:ext>
             </a:extLst>
           </p:cNvPr>
@@ -2977,7 +2977,7 @@
           <a:p>
             <a:fld id="{63289F7E-B80B-496E-81B4-D396C37C9454}" type="datetimeFigureOut">
               <a:rPr lang="pt-BR" smtClean="0"/>
-              <a:t>18/03/2023</a:t>
+              <a:t>24/03/2023</a:t>
             </a:fld>
             <a:endParaRPr lang="pt-BR"/>
           </a:p>
@@ -2988,7 +2988,7 @@
           <p:cNvPr id="5" name="Espaço Reservado para Rodapé 4">
             <a:extLst>
               <a:ext uri="{FF2B5EF4-FFF2-40B4-BE49-F238E27FC236}">
-                <a16:creationId xmlns="" xmlns:a16="http://schemas.microsoft.com/office/drawing/2014/main" id="{97C0BB88-2F21-42A5-ACFF-83DA47F2D340}"/>
+                <a16:creationId xmlns:a16="http://schemas.microsoft.com/office/drawing/2014/main" xmlns="" id="{97C0BB88-2F21-42A5-ACFF-83DA47F2D340}"/>
               </a:ext>
             </a:extLst>
           </p:cNvPr>
@@ -3013,7 +3013,7 @@
           <p:cNvPr id="6" name="Espaço Reservado para Número de Slide 5">
             <a:extLst>
               <a:ext uri="{FF2B5EF4-FFF2-40B4-BE49-F238E27FC236}">
-                <a16:creationId xmlns="" xmlns:a16="http://schemas.microsoft.com/office/drawing/2014/main" id="{6CB462B3-1F22-4C05-B4B8-7A279FB7D5E9}"/>
+                <a16:creationId xmlns:a16="http://schemas.microsoft.com/office/drawing/2014/main" xmlns="" id="{6CB462B3-1F22-4C05-B4B8-7A279FB7D5E9}"/>
               </a:ext>
             </a:extLst>
           </p:cNvPr>
@@ -3072,7 +3072,7 @@
           <p:cNvPr id="2" name="Título Vertical 1">
             <a:extLst>
               <a:ext uri="{FF2B5EF4-FFF2-40B4-BE49-F238E27FC236}">
-                <a16:creationId xmlns="" xmlns:a16="http://schemas.microsoft.com/office/drawing/2014/main" id="{EAEAB728-701C-4207-A9D5-23FF45C60502}"/>
+                <a16:creationId xmlns:a16="http://schemas.microsoft.com/office/drawing/2014/main" xmlns="" id="{EAEAB728-701C-4207-A9D5-23FF45C60502}"/>
               </a:ext>
             </a:extLst>
           </p:cNvPr>
@@ -3105,7 +3105,7 @@
           <p:cNvPr id="3" name="Espaço Reservado para Texto Vertical 2">
             <a:extLst>
               <a:ext uri="{FF2B5EF4-FFF2-40B4-BE49-F238E27FC236}">
-                <a16:creationId xmlns="" xmlns:a16="http://schemas.microsoft.com/office/drawing/2014/main" id="{BA8C8CCF-7823-480A-9A19-0F664DD17E3B}"/>
+                <a16:creationId xmlns:a16="http://schemas.microsoft.com/office/drawing/2014/main" xmlns="" id="{BA8C8CCF-7823-480A-9A19-0F664DD17E3B}"/>
               </a:ext>
             </a:extLst>
           </p:cNvPr>
@@ -3167,7 +3167,7 @@
           <p:cNvPr id="4" name="Espaço Reservado para Data 3">
             <a:extLst>
               <a:ext uri="{FF2B5EF4-FFF2-40B4-BE49-F238E27FC236}">
-                <a16:creationId xmlns="" xmlns:a16="http://schemas.microsoft.com/office/drawing/2014/main" id="{721D5734-7B1F-425D-942F-6EB73344027C}"/>
+                <a16:creationId xmlns:a16="http://schemas.microsoft.com/office/drawing/2014/main" xmlns="" id="{721D5734-7B1F-425D-942F-6EB73344027C}"/>
               </a:ext>
             </a:extLst>
           </p:cNvPr>
@@ -3185,7 +3185,7 @@
           <a:p>
             <a:fld id="{63289F7E-B80B-496E-81B4-D396C37C9454}" type="datetimeFigureOut">
               <a:rPr lang="pt-BR" smtClean="0"/>
-              <a:t>18/03/2023</a:t>
+              <a:t>24/03/2023</a:t>
             </a:fld>
             <a:endParaRPr lang="pt-BR"/>
           </a:p>
@@ -3196,7 +3196,7 @@
           <p:cNvPr id="5" name="Espaço Reservado para Rodapé 4">
             <a:extLst>
               <a:ext uri="{FF2B5EF4-FFF2-40B4-BE49-F238E27FC236}">
-                <a16:creationId xmlns="" xmlns:a16="http://schemas.microsoft.com/office/drawing/2014/main" id="{1E1AAEAC-F08D-45FE-89EC-B1B349A868C9}"/>
+                <a16:creationId xmlns:a16="http://schemas.microsoft.com/office/drawing/2014/main" xmlns="" id="{1E1AAEAC-F08D-45FE-89EC-B1B349A868C9}"/>
               </a:ext>
             </a:extLst>
           </p:cNvPr>
@@ -3221,7 +3221,7 @@
           <p:cNvPr id="6" name="Espaço Reservado para Número de Slide 5">
             <a:extLst>
               <a:ext uri="{FF2B5EF4-FFF2-40B4-BE49-F238E27FC236}">
-                <a16:creationId xmlns="" xmlns:a16="http://schemas.microsoft.com/office/drawing/2014/main" id="{BAA44493-9911-47B2-87A6-C2141A972BC8}"/>
+                <a16:creationId xmlns:a16="http://schemas.microsoft.com/office/drawing/2014/main" xmlns="" id="{BAA44493-9911-47B2-87A6-C2141A972BC8}"/>
               </a:ext>
             </a:extLst>
           </p:cNvPr>
@@ -3280,7 +3280,7 @@
           <p:cNvPr id="2" name="Título 1">
             <a:extLst>
               <a:ext uri="{FF2B5EF4-FFF2-40B4-BE49-F238E27FC236}">
-                <a16:creationId xmlns="" xmlns:a16="http://schemas.microsoft.com/office/drawing/2014/main" id="{71BD44A5-8F21-4626-A01D-48A1C874B1D5}"/>
+                <a16:creationId xmlns:a16="http://schemas.microsoft.com/office/drawing/2014/main" xmlns="" id="{71BD44A5-8F21-4626-A01D-48A1C874B1D5}"/>
               </a:ext>
             </a:extLst>
           </p:cNvPr>
@@ -3308,7 +3308,7 @@
           <p:cNvPr id="3" name="Espaço Reservado para Conteúdo 2">
             <a:extLst>
               <a:ext uri="{FF2B5EF4-FFF2-40B4-BE49-F238E27FC236}">
-                <a16:creationId xmlns="" xmlns:a16="http://schemas.microsoft.com/office/drawing/2014/main" id="{B79E8085-65A9-48AA-951D-71D978BFF4ED}"/>
+                <a16:creationId xmlns:a16="http://schemas.microsoft.com/office/drawing/2014/main" xmlns="" id="{B79E8085-65A9-48AA-951D-71D978BFF4ED}"/>
               </a:ext>
             </a:extLst>
           </p:cNvPr>
@@ -3365,7 +3365,7 @@
           <p:cNvPr id="4" name="Espaço Reservado para Data 3">
             <a:extLst>
               <a:ext uri="{FF2B5EF4-FFF2-40B4-BE49-F238E27FC236}">
-                <a16:creationId xmlns="" xmlns:a16="http://schemas.microsoft.com/office/drawing/2014/main" id="{F05BE1AF-51EA-425D-B188-DE7BD675009F}"/>
+                <a16:creationId xmlns:a16="http://schemas.microsoft.com/office/drawing/2014/main" xmlns="" id="{F05BE1AF-51EA-425D-B188-DE7BD675009F}"/>
               </a:ext>
             </a:extLst>
           </p:cNvPr>
@@ -3383,7 +3383,7 @@
           <a:p>
             <a:fld id="{63289F7E-B80B-496E-81B4-D396C37C9454}" type="datetimeFigureOut">
               <a:rPr lang="pt-BR" smtClean="0"/>
-              <a:t>18/03/2023</a:t>
+              <a:t>24/03/2023</a:t>
             </a:fld>
             <a:endParaRPr lang="pt-BR"/>
           </a:p>
@@ -3394,7 +3394,7 @@
           <p:cNvPr id="5" name="Espaço Reservado para Rodapé 4">
             <a:extLst>
               <a:ext uri="{FF2B5EF4-FFF2-40B4-BE49-F238E27FC236}">
-                <a16:creationId xmlns="" xmlns:a16="http://schemas.microsoft.com/office/drawing/2014/main" id="{121BE632-29CF-4CB9-B365-C9EF38F89BE6}"/>
+                <a16:creationId xmlns:a16="http://schemas.microsoft.com/office/drawing/2014/main" xmlns="" id="{121BE632-29CF-4CB9-B365-C9EF38F89BE6}"/>
               </a:ext>
             </a:extLst>
           </p:cNvPr>
@@ -3419,7 +3419,7 @@
           <p:cNvPr id="6" name="Espaço Reservado para Número de Slide 5">
             <a:extLst>
               <a:ext uri="{FF2B5EF4-FFF2-40B4-BE49-F238E27FC236}">
-                <a16:creationId xmlns="" xmlns:a16="http://schemas.microsoft.com/office/drawing/2014/main" id="{60CF3DD1-9AEC-4A57-B461-4E4DD86FAC18}"/>
+                <a16:creationId xmlns:a16="http://schemas.microsoft.com/office/drawing/2014/main" xmlns="" id="{60CF3DD1-9AEC-4A57-B461-4E4DD86FAC18}"/>
               </a:ext>
             </a:extLst>
           </p:cNvPr>
@@ -3478,7 +3478,7 @@
           <p:cNvPr id="2" name="Título 1">
             <a:extLst>
               <a:ext uri="{FF2B5EF4-FFF2-40B4-BE49-F238E27FC236}">
-                <a16:creationId xmlns="" xmlns:a16="http://schemas.microsoft.com/office/drawing/2014/main" id="{34AB2FF0-A4D7-4E28-991D-FF26140D5988}"/>
+                <a16:creationId xmlns:a16="http://schemas.microsoft.com/office/drawing/2014/main" xmlns="" id="{34AB2FF0-A4D7-4E28-991D-FF26140D5988}"/>
               </a:ext>
             </a:extLst>
           </p:cNvPr>
@@ -3515,7 +3515,7 @@
           <p:cNvPr id="3" name="Espaço Reservado para Texto 2">
             <a:extLst>
               <a:ext uri="{FF2B5EF4-FFF2-40B4-BE49-F238E27FC236}">
-                <a16:creationId xmlns="" xmlns:a16="http://schemas.microsoft.com/office/drawing/2014/main" id="{E2AC45B0-4145-40DB-8E61-105461170604}"/>
+                <a16:creationId xmlns:a16="http://schemas.microsoft.com/office/drawing/2014/main" xmlns="" id="{E2AC45B0-4145-40DB-8E61-105461170604}"/>
               </a:ext>
             </a:extLst>
           </p:cNvPr>
@@ -3640,7 +3640,7 @@
           <p:cNvPr id="4" name="Espaço Reservado para Data 3">
             <a:extLst>
               <a:ext uri="{FF2B5EF4-FFF2-40B4-BE49-F238E27FC236}">
-                <a16:creationId xmlns="" xmlns:a16="http://schemas.microsoft.com/office/drawing/2014/main" id="{50F1D3FB-740A-4EBA-A309-2CE71D12ECFB}"/>
+                <a16:creationId xmlns:a16="http://schemas.microsoft.com/office/drawing/2014/main" xmlns="" id="{50F1D3FB-740A-4EBA-A309-2CE71D12ECFB}"/>
               </a:ext>
             </a:extLst>
           </p:cNvPr>
@@ -3658,7 +3658,7 @@
           <a:p>
             <a:fld id="{63289F7E-B80B-496E-81B4-D396C37C9454}" type="datetimeFigureOut">
               <a:rPr lang="pt-BR" smtClean="0"/>
-              <a:t>18/03/2023</a:t>
+              <a:t>24/03/2023</a:t>
             </a:fld>
             <a:endParaRPr lang="pt-BR"/>
           </a:p>
@@ -3669,7 +3669,7 @@
           <p:cNvPr id="5" name="Espaço Reservado para Rodapé 4">
             <a:extLst>
               <a:ext uri="{FF2B5EF4-FFF2-40B4-BE49-F238E27FC236}">
-                <a16:creationId xmlns="" xmlns:a16="http://schemas.microsoft.com/office/drawing/2014/main" id="{BDCAB18F-8715-4465-A940-F9C193A2ACE9}"/>
+                <a16:creationId xmlns:a16="http://schemas.microsoft.com/office/drawing/2014/main" xmlns="" id="{BDCAB18F-8715-4465-A940-F9C193A2ACE9}"/>
               </a:ext>
             </a:extLst>
           </p:cNvPr>
@@ -3694,7 +3694,7 @@
           <p:cNvPr id="6" name="Espaço Reservado para Número de Slide 5">
             <a:extLst>
               <a:ext uri="{FF2B5EF4-FFF2-40B4-BE49-F238E27FC236}">
-                <a16:creationId xmlns="" xmlns:a16="http://schemas.microsoft.com/office/drawing/2014/main" id="{353466C6-8248-429F-8056-FF040BF509EB}"/>
+                <a16:creationId xmlns:a16="http://schemas.microsoft.com/office/drawing/2014/main" xmlns="" id="{353466C6-8248-429F-8056-FF040BF509EB}"/>
               </a:ext>
             </a:extLst>
           </p:cNvPr>
@@ -3753,7 +3753,7 @@
           <p:cNvPr id="2" name="Título 1">
             <a:extLst>
               <a:ext uri="{FF2B5EF4-FFF2-40B4-BE49-F238E27FC236}">
-                <a16:creationId xmlns="" xmlns:a16="http://schemas.microsoft.com/office/drawing/2014/main" id="{BC7BB9F0-F14B-4A91-B2B7-35BC47FE4DE7}"/>
+                <a16:creationId xmlns:a16="http://schemas.microsoft.com/office/drawing/2014/main" xmlns="" id="{BC7BB9F0-F14B-4A91-B2B7-35BC47FE4DE7}"/>
               </a:ext>
             </a:extLst>
           </p:cNvPr>
@@ -3781,7 +3781,7 @@
           <p:cNvPr id="3" name="Espaço Reservado para Conteúdo 2">
             <a:extLst>
               <a:ext uri="{FF2B5EF4-FFF2-40B4-BE49-F238E27FC236}">
-                <a16:creationId xmlns="" xmlns:a16="http://schemas.microsoft.com/office/drawing/2014/main" id="{EC1FC1C4-73DA-47A6-8496-B0B457F7D39A}"/>
+                <a16:creationId xmlns:a16="http://schemas.microsoft.com/office/drawing/2014/main" xmlns="" id="{EC1FC1C4-73DA-47A6-8496-B0B457F7D39A}"/>
               </a:ext>
             </a:extLst>
           </p:cNvPr>
@@ -3843,7 +3843,7 @@
           <p:cNvPr id="4" name="Espaço Reservado para Conteúdo 3">
             <a:extLst>
               <a:ext uri="{FF2B5EF4-FFF2-40B4-BE49-F238E27FC236}">
-                <a16:creationId xmlns="" xmlns:a16="http://schemas.microsoft.com/office/drawing/2014/main" id="{E92F06A8-A449-4D92-9912-76873E529B38}"/>
+                <a16:creationId xmlns:a16="http://schemas.microsoft.com/office/drawing/2014/main" xmlns="" id="{E92F06A8-A449-4D92-9912-76873E529B38}"/>
               </a:ext>
             </a:extLst>
           </p:cNvPr>
@@ -3905,7 +3905,7 @@
           <p:cNvPr id="5" name="Espaço Reservado para Data 4">
             <a:extLst>
               <a:ext uri="{FF2B5EF4-FFF2-40B4-BE49-F238E27FC236}">
-                <a16:creationId xmlns="" xmlns:a16="http://schemas.microsoft.com/office/drawing/2014/main" id="{938070A4-BC2F-4D55-BD8D-DEAF11BB9EE9}"/>
+                <a16:creationId xmlns:a16="http://schemas.microsoft.com/office/drawing/2014/main" xmlns="" id="{938070A4-BC2F-4D55-BD8D-DEAF11BB9EE9}"/>
               </a:ext>
             </a:extLst>
           </p:cNvPr>
@@ -3923,7 +3923,7 @@
           <a:p>
             <a:fld id="{63289F7E-B80B-496E-81B4-D396C37C9454}" type="datetimeFigureOut">
               <a:rPr lang="pt-BR" smtClean="0"/>
-              <a:t>18/03/2023</a:t>
+              <a:t>24/03/2023</a:t>
             </a:fld>
             <a:endParaRPr lang="pt-BR"/>
           </a:p>
@@ -3934,7 +3934,7 @@
           <p:cNvPr id="6" name="Espaço Reservado para Rodapé 5">
             <a:extLst>
               <a:ext uri="{FF2B5EF4-FFF2-40B4-BE49-F238E27FC236}">
-                <a16:creationId xmlns="" xmlns:a16="http://schemas.microsoft.com/office/drawing/2014/main" id="{45CC2DB8-844A-465F-BA9A-7734C80C7F43}"/>
+                <a16:creationId xmlns:a16="http://schemas.microsoft.com/office/drawing/2014/main" xmlns="" id="{45CC2DB8-844A-465F-BA9A-7734C80C7F43}"/>
               </a:ext>
             </a:extLst>
           </p:cNvPr>
@@ -3959,7 +3959,7 @@
           <p:cNvPr id="7" name="Espaço Reservado para Número de Slide 6">
             <a:extLst>
               <a:ext uri="{FF2B5EF4-FFF2-40B4-BE49-F238E27FC236}">
-                <a16:creationId xmlns="" xmlns:a16="http://schemas.microsoft.com/office/drawing/2014/main" id="{4CC606A8-097B-4040-94E0-CD8C88280D8F}"/>
+                <a16:creationId xmlns:a16="http://schemas.microsoft.com/office/drawing/2014/main" xmlns="" id="{4CC606A8-097B-4040-94E0-CD8C88280D8F}"/>
               </a:ext>
             </a:extLst>
           </p:cNvPr>
@@ -4018,7 +4018,7 @@
           <p:cNvPr id="2" name="Título 1">
             <a:extLst>
               <a:ext uri="{FF2B5EF4-FFF2-40B4-BE49-F238E27FC236}">
-                <a16:creationId xmlns="" xmlns:a16="http://schemas.microsoft.com/office/drawing/2014/main" id="{76D66686-0143-4CB6-8C09-BA326F1E7ACA}"/>
+                <a16:creationId xmlns:a16="http://schemas.microsoft.com/office/drawing/2014/main" xmlns="" id="{76D66686-0143-4CB6-8C09-BA326F1E7ACA}"/>
               </a:ext>
             </a:extLst>
           </p:cNvPr>
@@ -4051,7 +4051,7 @@
           <p:cNvPr id="3" name="Espaço Reservado para Texto 2">
             <a:extLst>
               <a:ext uri="{FF2B5EF4-FFF2-40B4-BE49-F238E27FC236}">
-                <a16:creationId xmlns="" xmlns:a16="http://schemas.microsoft.com/office/drawing/2014/main" id="{0227AB85-F59E-4BCE-B846-4FA0992C2F23}"/>
+                <a16:creationId xmlns:a16="http://schemas.microsoft.com/office/drawing/2014/main" xmlns="" id="{0227AB85-F59E-4BCE-B846-4FA0992C2F23}"/>
               </a:ext>
             </a:extLst>
           </p:cNvPr>
@@ -4122,7 +4122,7 @@
           <p:cNvPr id="4" name="Espaço Reservado para Conteúdo 3">
             <a:extLst>
               <a:ext uri="{FF2B5EF4-FFF2-40B4-BE49-F238E27FC236}">
-                <a16:creationId xmlns="" xmlns:a16="http://schemas.microsoft.com/office/drawing/2014/main" id="{3373456C-7319-4D0A-827D-D29F6B083F5D}"/>
+                <a16:creationId xmlns:a16="http://schemas.microsoft.com/office/drawing/2014/main" xmlns="" id="{3373456C-7319-4D0A-827D-D29F6B083F5D}"/>
               </a:ext>
             </a:extLst>
           </p:cNvPr>
@@ -4184,7 +4184,7 @@
           <p:cNvPr id="5" name="Espaço Reservado para Texto 4">
             <a:extLst>
               <a:ext uri="{FF2B5EF4-FFF2-40B4-BE49-F238E27FC236}">
-                <a16:creationId xmlns="" xmlns:a16="http://schemas.microsoft.com/office/drawing/2014/main" id="{4CD109D0-2E83-4262-8029-A871CEC47406}"/>
+                <a16:creationId xmlns:a16="http://schemas.microsoft.com/office/drawing/2014/main" xmlns="" id="{4CD109D0-2E83-4262-8029-A871CEC47406}"/>
               </a:ext>
             </a:extLst>
           </p:cNvPr>
@@ -4255,7 +4255,7 @@
           <p:cNvPr id="6" name="Espaço Reservado para Conteúdo 5">
             <a:extLst>
               <a:ext uri="{FF2B5EF4-FFF2-40B4-BE49-F238E27FC236}">
-                <a16:creationId xmlns="" xmlns:a16="http://schemas.microsoft.com/office/drawing/2014/main" id="{AD706E3A-CFBB-4A6C-A65F-D0360A9E74FE}"/>
+                <a16:creationId xmlns:a16="http://schemas.microsoft.com/office/drawing/2014/main" xmlns="" id="{AD706E3A-CFBB-4A6C-A65F-D0360A9E74FE}"/>
               </a:ext>
             </a:extLst>
           </p:cNvPr>
@@ -4317,7 +4317,7 @@
           <p:cNvPr id="7" name="Espaço Reservado para Data 6">
             <a:extLst>
               <a:ext uri="{FF2B5EF4-FFF2-40B4-BE49-F238E27FC236}">
-                <a16:creationId xmlns="" xmlns:a16="http://schemas.microsoft.com/office/drawing/2014/main" id="{4172C0E5-5AF0-4805-BB51-443733CD2BD5}"/>
+                <a16:creationId xmlns:a16="http://schemas.microsoft.com/office/drawing/2014/main" xmlns="" id="{4172C0E5-5AF0-4805-BB51-443733CD2BD5}"/>
               </a:ext>
             </a:extLst>
           </p:cNvPr>
@@ -4335,7 +4335,7 @@
           <a:p>
             <a:fld id="{63289F7E-B80B-496E-81B4-D396C37C9454}" type="datetimeFigureOut">
               <a:rPr lang="pt-BR" smtClean="0"/>
-              <a:t>18/03/2023</a:t>
+              <a:t>24/03/2023</a:t>
             </a:fld>
             <a:endParaRPr lang="pt-BR"/>
           </a:p>
@@ -4346,7 +4346,7 @@
           <p:cNvPr id="8" name="Espaço Reservado para Rodapé 7">
             <a:extLst>
               <a:ext uri="{FF2B5EF4-FFF2-40B4-BE49-F238E27FC236}">
-                <a16:creationId xmlns="" xmlns:a16="http://schemas.microsoft.com/office/drawing/2014/main" id="{0E801648-156F-497E-99CF-797DF48051E1}"/>
+                <a16:creationId xmlns:a16="http://schemas.microsoft.com/office/drawing/2014/main" xmlns="" id="{0E801648-156F-497E-99CF-797DF48051E1}"/>
               </a:ext>
             </a:extLst>
           </p:cNvPr>
@@ -4371,7 +4371,7 @@
           <p:cNvPr id="9" name="Espaço Reservado para Número de Slide 8">
             <a:extLst>
               <a:ext uri="{FF2B5EF4-FFF2-40B4-BE49-F238E27FC236}">
-                <a16:creationId xmlns="" xmlns:a16="http://schemas.microsoft.com/office/drawing/2014/main" id="{EEE23D32-80E7-4796-A137-66BF842E4B53}"/>
+                <a16:creationId xmlns:a16="http://schemas.microsoft.com/office/drawing/2014/main" xmlns="" id="{EEE23D32-80E7-4796-A137-66BF842E4B53}"/>
               </a:ext>
             </a:extLst>
           </p:cNvPr>
@@ -4430,7 +4430,7 @@
           <p:cNvPr id="2" name="Título 1">
             <a:extLst>
               <a:ext uri="{FF2B5EF4-FFF2-40B4-BE49-F238E27FC236}">
-                <a16:creationId xmlns="" xmlns:a16="http://schemas.microsoft.com/office/drawing/2014/main" id="{2BCE2379-C78F-47E1-8CFC-B846E7AF148D}"/>
+                <a16:creationId xmlns:a16="http://schemas.microsoft.com/office/drawing/2014/main" xmlns="" id="{2BCE2379-C78F-47E1-8CFC-B846E7AF148D}"/>
               </a:ext>
             </a:extLst>
           </p:cNvPr>
@@ -4458,7 +4458,7 @@
           <p:cNvPr id="3" name="Espaço Reservado para Data 2">
             <a:extLst>
               <a:ext uri="{FF2B5EF4-FFF2-40B4-BE49-F238E27FC236}">
-                <a16:creationId xmlns="" xmlns:a16="http://schemas.microsoft.com/office/drawing/2014/main" id="{342600A9-7F92-4E22-9D94-E4717252A817}"/>
+                <a16:creationId xmlns:a16="http://schemas.microsoft.com/office/drawing/2014/main" xmlns="" id="{342600A9-7F92-4E22-9D94-E4717252A817}"/>
               </a:ext>
             </a:extLst>
           </p:cNvPr>
@@ -4476,7 +4476,7 @@
           <a:p>
             <a:fld id="{63289F7E-B80B-496E-81B4-D396C37C9454}" type="datetimeFigureOut">
               <a:rPr lang="pt-BR" smtClean="0"/>
-              <a:t>18/03/2023</a:t>
+              <a:t>24/03/2023</a:t>
             </a:fld>
             <a:endParaRPr lang="pt-BR"/>
           </a:p>
@@ -4487,7 +4487,7 @@
           <p:cNvPr id="4" name="Espaço Reservado para Rodapé 3">
             <a:extLst>
               <a:ext uri="{FF2B5EF4-FFF2-40B4-BE49-F238E27FC236}">
-                <a16:creationId xmlns="" xmlns:a16="http://schemas.microsoft.com/office/drawing/2014/main" id="{192E6BED-F546-40CC-A2DF-99CBA853654E}"/>
+                <a16:creationId xmlns:a16="http://schemas.microsoft.com/office/drawing/2014/main" xmlns="" id="{192E6BED-F546-40CC-A2DF-99CBA853654E}"/>
               </a:ext>
             </a:extLst>
           </p:cNvPr>
@@ -4512,7 +4512,7 @@
           <p:cNvPr id="5" name="Espaço Reservado para Número de Slide 4">
             <a:extLst>
               <a:ext uri="{FF2B5EF4-FFF2-40B4-BE49-F238E27FC236}">
-                <a16:creationId xmlns="" xmlns:a16="http://schemas.microsoft.com/office/drawing/2014/main" id="{6091CC40-A8C4-4063-80EB-CC5099621678}"/>
+                <a16:creationId xmlns:a16="http://schemas.microsoft.com/office/drawing/2014/main" xmlns="" id="{6091CC40-A8C4-4063-80EB-CC5099621678}"/>
               </a:ext>
             </a:extLst>
           </p:cNvPr>
@@ -4571,7 +4571,7 @@
           <p:cNvPr id="2" name="Espaço Reservado para Data 1">
             <a:extLst>
               <a:ext uri="{FF2B5EF4-FFF2-40B4-BE49-F238E27FC236}">
-                <a16:creationId xmlns="" xmlns:a16="http://schemas.microsoft.com/office/drawing/2014/main" id="{DD19515C-212C-4EAE-84A3-8FF4BC844F1B}"/>
+                <a16:creationId xmlns:a16="http://schemas.microsoft.com/office/drawing/2014/main" xmlns="" id="{DD19515C-212C-4EAE-84A3-8FF4BC844F1B}"/>
               </a:ext>
             </a:extLst>
           </p:cNvPr>
@@ -4589,7 +4589,7 @@
           <a:p>
             <a:fld id="{63289F7E-B80B-496E-81B4-D396C37C9454}" type="datetimeFigureOut">
               <a:rPr lang="pt-BR" smtClean="0"/>
-              <a:t>18/03/2023</a:t>
+              <a:t>24/03/2023</a:t>
             </a:fld>
             <a:endParaRPr lang="pt-BR"/>
           </a:p>
@@ -4600,7 +4600,7 @@
           <p:cNvPr id="3" name="Espaço Reservado para Rodapé 2">
             <a:extLst>
               <a:ext uri="{FF2B5EF4-FFF2-40B4-BE49-F238E27FC236}">
-                <a16:creationId xmlns="" xmlns:a16="http://schemas.microsoft.com/office/drawing/2014/main" id="{94D3D120-B3E8-4C96-861D-7A4F12F49B3A}"/>
+                <a16:creationId xmlns:a16="http://schemas.microsoft.com/office/drawing/2014/main" xmlns="" id="{94D3D120-B3E8-4C96-861D-7A4F12F49B3A}"/>
               </a:ext>
             </a:extLst>
           </p:cNvPr>
@@ -4625,7 +4625,7 @@
           <p:cNvPr id="4" name="Espaço Reservado para Número de Slide 3">
             <a:extLst>
               <a:ext uri="{FF2B5EF4-FFF2-40B4-BE49-F238E27FC236}">
-                <a16:creationId xmlns="" xmlns:a16="http://schemas.microsoft.com/office/drawing/2014/main" id="{42E49B68-FA1B-468B-9F17-D5C09243D454}"/>
+                <a16:creationId xmlns:a16="http://schemas.microsoft.com/office/drawing/2014/main" xmlns="" id="{42E49B68-FA1B-468B-9F17-D5C09243D454}"/>
               </a:ext>
             </a:extLst>
           </p:cNvPr>
@@ -4684,7 +4684,7 @@
           <p:cNvPr id="2" name="Título 1">
             <a:extLst>
               <a:ext uri="{FF2B5EF4-FFF2-40B4-BE49-F238E27FC236}">
-                <a16:creationId xmlns="" xmlns:a16="http://schemas.microsoft.com/office/drawing/2014/main" id="{1C17BCBE-A897-4319-85EC-D87909C24980}"/>
+                <a16:creationId xmlns:a16="http://schemas.microsoft.com/office/drawing/2014/main" xmlns="" id="{1C17BCBE-A897-4319-85EC-D87909C24980}"/>
               </a:ext>
             </a:extLst>
           </p:cNvPr>
@@ -4721,7 +4721,7 @@
           <p:cNvPr id="3" name="Espaço Reservado para Conteúdo 2">
             <a:extLst>
               <a:ext uri="{FF2B5EF4-FFF2-40B4-BE49-F238E27FC236}">
-                <a16:creationId xmlns="" xmlns:a16="http://schemas.microsoft.com/office/drawing/2014/main" id="{4226F885-0204-4913-868B-4B8B82576F17}"/>
+                <a16:creationId xmlns:a16="http://schemas.microsoft.com/office/drawing/2014/main" xmlns="" id="{4226F885-0204-4913-868B-4B8B82576F17}"/>
               </a:ext>
             </a:extLst>
           </p:cNvPr>
@@ -4811,7 +4811,7 @@
           <p:cNvPr id="4" name="Espaço Reservado para Texto 3">
             <a:extLst>
               <a:ext uri="{FF2B5EF4-FFF2-40B4-BE49-F238E27FC236}">
-                <a16:creationId xmlns="" xmlns:a16="http://schemas.microsoft.com/office/drawing/2014/main" id="{00F9F784-A858-441B-8AB5-697098141751}"/>
+                <a16:creationId xmlns:a16="http://schemas.microsoft.com/office/drawing/2014/main" xmlns="" id="{00F9F784-A858-441B-8AB5-697098141751}"/>
               </a:ext>
             </a:extLst>
           </p:cNvPr>
@@ -4882,7 +4882,7 @@
           <p:cNvPr id="5" name="Espaço Reservado para Data 4">
             <a:extLst>
               <a:ext uri="{FF2B5EF4-FFF2-40B4-BE49-F238E27FC236}">
-                <a16:creationId xmlns="" xmlns:a16="http://schemas.microsoft.com/office/drawing/2014/main" id="{A4DC363A-5000-472E-8B17-02E7DCB8840A}"/>
+                <a16:creationId xmlns:a16="http://schemas.microsoft.com/office/drawing/2014/main" xmlns="" id="{A4DC363A-5000-472E-8B17-02E7DCB8840A}"/>
               </a:ext>
             </a:extLst>
           </p:cNvPr>
@@ -4900,7 +4900,7 @@
           <a:p>
             <a:fld id="{63289F7E-B80B-496E-81B4-D396C37C9454}" type="datetimeFigureOut">
               <a:rPr lang="pt-BR" smtClean="0"/>
-              <a:t>18/03/2023</a:t>
+              <a:t>24/03/2023</a:t>
             </a:fld>
             <a:endParaRPr lang="pt-BR"/>
           </a:p>
@@ -4911,7 +4911,7 @@
           <p:cNvPr id="6" name="Espaço Reservado para Rodapé 5">
             <a:extLst>
               <a:ext uri="{FF2B5EF4-FFF2-40B4-BE49-F238E27FC236}">
-                <a16:creationId xmlns="" xmlns:a16="http://schemas.microsoft.com/office/drawing/2014/main" id="{5548425D-2C21-4C56-BAD4-662978775C28}"/>
+                <a16:creationId xmlns:a16="http://schemas.microsoft.com/office/drawing/2014/main" xmlns="" id="{5548425D-2C21-4C56-BAD4-662978775C28}"/>
               </a:ext>
             </a:extLst>
           </p:cNvPr>
@@ -4936,7 +4936,7 @@
           <p:cNvPr id="7" name="Espaço Reservado para Número de Slide 6">
             <a:extLst>
               <a:ext uri="{FF2B5EF4-FFF2-40B4-BE49-F238E27FC236}">
-                <a16:creationId xmlns="" xmlns:a16="http://schemas.microsoft.com/office/drawing/2014/main" id="{C63E9726-E64C-42B2-AE8A-8C235A956B48}"/>
+                <a16:creationId xmlns:a16="http://schemas.microsoft.com/office/drawing/2014/main" xmlns="" id="{C63E9726-E64C-42B2-AE8A-8C235A956B48}"/>
               </a:ext>
             </a:extLst>
           </p:cNvPr>
@@ -4995,7 +4995,7 @@
           <p:cNvPr id="2" name="Título 1">
             <a:extLst>
               <a:ext uri="{FF2B5EF4-FFF2-40B4-BE49-F238E27FC236}">
-                <a16:creationId xmlns="" xmlns:a16="http://schemas.microsoft.com/office/drawing/2014/main" id="{11086A78-3E74-450C-96A6-CA8AC37AF772}"/>
+                <a16:creationId xmlns:a16="http://schemas.microsoft.com/office/drawing/2014/main" xmlns="" id="{11086A78-3E74-450C-96A6-CA8AC37AF772}"/>
               </a:ext>
             </a:extLst>
           </p:cNvPr>
@@ -5032,7 +5032,7 @@
           <p:cNvPr id="3" name="Espaço Reservado para Imagem 2">
             <a:extLst>
               <a:ext uri="{FF2B5EF4-FFF2-40B4-BE49-F238E27FC236}">
-                <a16:creationId xmlns="" xmlns:a16="http://schemas.microsoft.com/office/drawing/2014/main" id="{5F5B7312-975A-4DBC-9B2F-3652ADA006FD}"/>
+                <a16:creationId xmlns:a16="http://schemas.microsoft.com/office/drawing/2014/main" xmlns="" id="{5F5B7312-975A-4DBC-9B2F-3652ADA006FD}"/>
               </a:ext>
             </a:extLst>
           </p:cNvPr>
@@ -5099,7 +5099,7 @@
           <p:cNvPr id="4" name="Espaço Reservado para Texto 3">
             <a:extLst>
               <a:ext uri="{FF2B5EF4-FFF2-40B4-BE49-F238E27FC236}">
-                <a16:creationId xmlns="" xmlns:a16="http://schemas.microsoft.com/office/drawing/2014/main" id="{AAF805F5-1DFF-41C6-944C-7D79FE0D0963}"/>
+                <a16:creationId xmlns:a16="http://schemas.microsoft.com/office/drawing/2014/main" xmlns="" id="{AAF805F5-1DFF-41C6-944C-7D79FE0D0963}"/>
               </a:ext>
             </a:extLst>
           </p:cNvPr>
@@ -5170,7 +5170,7 @@
           <p:cNvPr id="5" name="Espaço Reservado para Data 4">
             <a:extLst>
               <a:ext uri="{FF2B5EF4-FFF2-40B4-BE49-F238E27FC236}">
-                <a16:creationId xmlns="" xmlns:a16="http://schemas.microsoft.com/office/drawing/2014/main" id="{02113D81-8665-4516-BD81-C6A1F254EECD}"/>
+                <a16:creationId xmlns:a16="http://schemas.microsoft.com/office/drawing/2014/main" xmlns="" id="{02113D81-8665-4516-BD81-C6A1F254EECD}"/>
               </a:ext>
             </a:extLst>
           </p:cNvPr>
@@ -5188,7 +5188,7 @@
           <a:p>
             <a:fld id="{63289F7E-B80B-496E-81B4-D396C37C9454}" type="datetimeFigureOut">
               <a:rPr lang="pt-BR" smtClean="0"/>
-              <a:t>18/03/2023</a:t>
+              <a:t>24/03/2023</a:t>
             </a:fld>
             <a:endParaRPr lang="pt-BR"/>
           </a:p>
@@ -5199,7 +5199,7 @@
           <p:cNvPr id="6" name="Espaço Reservado para Rodapé 5">
             <a:extLst>
               <a:ext uri="{FF2B5EF4-FFF2-40B4-BE49-F238E27FC236}">
-                <a16:creationId xmlns="" xmlns:a16="http://schemas.microsoft.com/office/drawing/2014/main" id="{2B00C88B-FF32-40AA-A187-727D96FD7862}"/>
+                <a16:creationId xmlns:a16="http://schemas.microsoft.com/office/drawing/2014/main" xmlns="" id="{2B00C88B-FF32-40AA-A187-727D96FD7862}"/>
               </a:ext>
             </a:extLst>
           </p:cNvPr>
@@ -5224,7 +5224,7 @@
           <p:cNvPr id="7" name="Espaço Reservado para Número de Slide 6">
             <a:extLst>
               <a:ext uri="{FF2B5EF4-FFF2-40B4-BE49-F238E27FC236}">
-                <a16:creationId xmlns="" xmlns:a16="http://schemas.microsoft.com/office/drawing/2014/main" id="{A04D1A2D-69F7-4B8F-A730-BC26DC340BA6}"/>
+                <a16:creationId xmlns:a16="http://schemas.microsoft.com/office/drawing/2014/main" xmlns="" id="{A04D1A2D-69F7-4B8F-A730-BC26DC340BA6}"/>
               </a:ext>
             </a:extLst>
           </p:cNvPr>
@@ -5288,7 +5288,7 @@
           <p:cNvPr id="2" name="Espaço Reservado para Título 1">
             <a:extLst>
               <a:ext uri="{FF2B5EF4-FFF2-40B4-BE49-F238E27FC236}">
-                <a16:creationId xmlns="" xmlns:a16="http://schemas.microsoft.com/office/drawing/2014/main" id="{E69A0273-1966-4A1B-9370-4C1CE5036371}"/>
+                <a16:creationId xmlns:a16="http://schemas.microsoft.com/office/drawing/2014/main" xmlns="" id="{E69A0273-1966-4A1B-9370-4C1CE5036371}"/>
               </a:ext>
             </a:extLst>
           </p:cNvPr>
@@ -5326,7 +5326,7 @@
           <p:cNvPr id="3" name="Espaço Reservado para Texto 2">
             <a:extLst>
               <a:ext uri="{FF2B5EF4-FFF2-40B4-BE49-F238E27FC236}">
-                <a16:creationId xmlns="" xmlns:a16="http://schemas.microsoft.com/office/drawing/2014/main" id="{3B9CF87A-0448-49A7-AB25-EBC1D56A40EF}"/>
+                <a16:creationId xmlns:a16="http://schemas.microsoft.com/office/drawing/2014/main" xmlns="" id="{3B9CF87A-0448-49A7-AB25-EBC1D56A40EF}"/>
               </a:ext>
             </a:extLst>
           </p:cNvPr>
@@ -5393,7 +5393,7 @@
           <p:cNvPr id="4" name="Espaço Reservado para Data 3">
             <a:extLst>
               <a:ext uri="{FF2B5EF4-FFF2-40B4-BE49-F238E27FC236}">
-                <a16:creationId xmlns="" xmlns:a16="http://schemas.microsoft.com/office/drawing/2014/main" id="{2EF7B1F2-BB5A-44D0-816D-16AD2C71430E}"/>
+                <a16:creationId xmlns:a16="http://schemas.microsoft.com/office/drawing/2014/main" xmlns="" id="{2EF7B1F2-BB5A-44D0-816D-16AD2C71430E}"/>
               </a:ext>
             </a:extLst>
           </p:cNvPr>
@@ -5429,7 +5429,7 @@
           <a:p>
             <a:fld id="{63289F7E-B80B-496E-81B4-D396C37C9454}" type="datetimeFigureOut">
               <a:rPr lang="pt-BR" smtClean="0"/>
-              <a:t>18/03/2023</a:t>
+              <a:t>24/03/2023</a:t>
             </a:fld>
             <a:endParaRPr lang="pt-BR"/>
           </a:p>
@@ -5440,7 +5440,7 @@
           <p:cNvPr id="5" name="Espaço Reservado para Rodapé 4">
             <a:extLst>
               <a:ext uri="{FF2B5EF4-FFF2-40B4-BE49-F238E27FC236}">
-                <a16:creationId xmlns="" xmlns:a16="http://schemas.microsoft.com/office/drawing/2014/main" id="{C703F94C-2CC8-4DAA-BC35-14FC3E841DCD}"/>
+                <a16:creationId xmlns:a16="http://schemas.microsoft.com/office/drawing/2014/main" xmlns="" id="{C703F94C-2CC8-4DAA-BC35-14FC3E841DCD}"/>
               </a:ext>
             </a:extLst>
           </p:cNvPr>
@@ -5483,7 +5483,7 @@
           <p:cNvPr id="6" name="Espaço Reservado para Número de Slide 5">
             <a:extLst>
               <a:ext uri="{FF2B5EF4-FFF2-40B4-BE49-F238E27FC236}">
-                <a16:creationId xmlns="" xmlns:a16="http://schemas.microsoft.com/office/drawing/2014/main" id="{64051336-7048-457A-8B61-D94291D71648}"/>
+                <a16:creationId xmlns:a16="http://schemas.microsoft.com/office/drawing/2014/main" xmlns="" id="{64051336-7048-457A-8B61-D94291D71648}"/>
               </a:ext>
             </a:extLst>
           </p:cNvPr>
@@ -5851,7 +5851,7 @@
           <p:cNvPr id="2" name="Título 1">
             <a:extLst>
               <a:ext uri="{FF2B5EF4-FFF2-40B4-BE49-F238E27FC236}">
-                <a16:creationId xmlns="" xmlns:a16="http://schemas.microsoft.com/office/drawing/2014/main" id="{32666AC8-2E17-4DB4-B0F5-60C640CCFD2E}"/>
+                <a16:creationId xmlns:a16="http://schemas.microsoft.com/office/drawing/2014/main" xmlns="" id="{32666AC8-2E17-4DB4-B0F5-60C640CCFD2E}"/>
               </a:ext>
             </a:extLst>
           </p:cNvPr>
@@ -5897,7 +5897,7 @@
           <p:cNvPr id="4" name="CaixaDeTexto 3">
             <a:extLst>
               <a:ext uri="{FF2B5EF4-FFF2-40B4-BE49-F238E27FC236}">
-                <a16:creationId xmlns="" xmlns:a16="http://schemas.microsoft.com/office/drawing/2014/main" id="{430EB894-B7D4-434C-9D1A-A14094D9BEEC}"/>
+                <a16:creationId xmlns:a16="http://schemas.microsoft.com/office/drawing/2014/main" xmlns="" id="{430EB894-B7D4-434C-9D1A-A14094D9BEEC}"/>
               </a:ext>
             </a:extLst>
           </p:cNvPr>
@@ -5938,7 +5938,7 @@
           <p:cNvPr id="1026" name="Picture 2" descr="Logo">
             <a:extLst>
               <a:ext uri="{FF2B5EF4-FFF2-40B4-BE49-F238E27FC236}">
-                <a16:creationId xmlns="" xmlns:a16="http://schemas.microsoft.com/office/drawing/2014/main" id="{3F2642E0-4F6A-4196-8F58-E77D36E9A33F}"/>
+                <a16:creationId xmlns:a16="http://schemas.microsoft.com/office/drawing/2014/main" xmlns="" id="{3F2642E0-4F6A-4196-8F58-E77D36E9A33F}"/>
               </a:ext>
             </a:extLst>
           </p:cNvPr>
@@ -5983,7 +5983,7 @@
           <p:cNvPr id="5122" name="Picture 2" descr="Image result for machine learning">
             <a:extLst>
               <a:ext uri="{FF2B5EF4-FFF2-40B4-BE49-F238E27FC236}">
-                <a16:creationId xmlns="" xmlns:a16="http://schemas.microsoft.com/office/drawing/2014/main" id="{810CE0A2-4102-44A6-A370-175E7896CDCB}"/>
+                <a16:creationId xmlns:a16="http://schemas.microsoft.com/office/drawing/2014/main" xmlns="" id="{810CE0A2-4102-44A6-A370-175E7896CDCB}"/>
               </a:ext>
             </a:extLst>
           </p:cNvPr>
@@ -9717,8 +9717,8 @@
           </a:fontRef>
         </p:style>
       </p:cxnSp>
-      <mc:AlternateContent xmlns:mc="http://schemas.openxmlformats.org/markup-compatibility/2006">
-        <mc:Choice xmlns:a14="http://schemas.microsoft.com/office/drawing/2010/main" Requires="a14">
+      <mc:AlternateContent xmlns:mc="http://schemas.openxmlformats.org/markup-compatibility/2006" xmlns:a14="http://schemas.microsoft.com/office/drawing/2010/main">
+        <mc:Choice Requires="a14">
           <p:sp>
             <p:nvSpPr>
               <p:cNvPr id="9" name="TextBox 8"/>
@@ -9771,7 +9771,7 @@
             </p:txBody>
           </p:sp>
         </mc:Choice>
-        <mc:Fallback>
+        <mc:Fallback xmlns="">
           <p:sp>
             <p:nvSpPr>
               <p:cNvPr id="9" name="TextBox 8"/>
@@ -12245,7 +12245,7 @@
           <p:cNvPr id="4" name="Título 1">
             <a:extLst>
               <a:ext uri="{FF2B5EF4-FFF2-40B4-BE49-F238E27FC236}">
-                <a16:creationId xmlns="" xmlns:a16="http://schemas.microsoft.com/office/drawing/2014/main" id="{32666AC8-2E17-4DB4-B0F5-60C640CCFD2E}"/>
+                <a16:creationId xmlns:a16="http://schemas.microsoft.com/office/drawing/2014/main" xmlns="" id="{32666AC8-2E17-4DB4-B0F5-60C640CCFD2E}"/>
               </a:ext>
             </a:extLst>
           </p:cNvPr>
@@ -15814,8 +15814,8 @@
           </a:p>
         </p:txBody>
       </p:sp>
-      <mc:AlternateContent xmlns:mc="http://schemas.openxmlformats.org/markup-compatibility/2006">
-        <mc:Choice xmlns:a14="http://schemas.microsoft.com/office/drawing/2010/main" Requires="a14">
+      <mc:AlternateContent xmlns:mc="http://schemas.openxmlformats.org/markup-compatibility/2006" xmlns:a14="http://schemas.microsoft.com/office/drawing/2010/main">
+        <mc:Choice Requires="a14">
           <p:sp>
             <p:nvSpPr>
               <p:cNvPr id="3" name="Content Placeholder 2"/>
@@ -15998,15 +15998,7 @@
                 </a:r>
                 <a:r>
                   <a:rPr lang="pt-BR" dirty="0" smtClean="0"/>
-                  <a:t>dígitos, </a:t>
-                </a:r>
-                <a:r>
-                  <a:rPr lang="pt-BR" dirty="0" smtClean="0"/>
-                  <a:t>carros, etc</a:t>
-                </a:r>
-                <a:r>
-                  <a:rPr lang="pt-BR" dirty="0" smtClean="0"/>
-                  <a:t>.</a:t>
+                  <a:t>dígitos, carros, etc.</a:t>
                 </a:r>
               </a:p>
               <a:p>
@@ -16295,7 +16287,7 @@
             </p:txBody>
           </p:sp>
         </mc:Choice>
-        <mc:Fallback>
+        <mc:Fallback xmlns="">
           <p:sp>
             <p:nvSpPr>
               <p:cNvPr id="3" name="Content Placeholder 2"/>
@@ -16368,7 +16360,7 @@
           <p:cNvPr id="2" name="Título 1">
             <a:extLst>
               <a:ext uri="{FF2B5EF4-FFF2-40B4-BE49-F238E27FC236}">
-                <a16:creationId xmlns="" xmlns:a16="http://schemas.microsoft.com/office/drawing/2014/main" id="{890D7195-61EC-4142-8041-DD35C2AB1914}"/>
+                <a16:creationId xmlns:a16="http://schemas.microsoft.com/office/drawing/2014/main" xmlns="" id="{890D7195-61EC-4142-8041-DD35C2AB1914}"/>
               </a:ext>
             </a:extLst>
           </p:cNvPr>
@@ -16399,7 +16391,7 @@
               <p:cNvPr id="3" name="Espaço Reservado para Conteúdo 2">
                 <a:extLst>
                   <a:ext uri="{FF2B5EF4-FFF2-40B4-BE49-F238E27FC236}">
-                    <a16:creationId xmlns="" xmlns:a16="http://schemas.microsoft.com/office/drawing/2014/main" id="{807ECEFA-6ED0-44F3-ABEA-8272FEB2FF63}"/>
+                    <a16:creationId xmlns:a16="http://schemas.microsoft.com/office/drawing/2014/main" xmlns="" id="{807ECEFA-6ED0-44F3-ABEA-8272FEB2FF63}"/>
                   </a:ext>
                 </a:extLst>
               </p:cNvPr>
@@ -18421,7 +18413,7 @@
           <p:cNvPr id="4" name="TextBox 6">
             <a:extLst>
               <a:ext uri="{FF2B5EF4-FFF2-40B4-BE49-F238E27FC236}">
-                <a16:creationId xmlns="" xmlns:a16="http://schemas.microsoft.com/office/drawing/2014/main" id="{BD5B7330-9A4E-4A27-BE6B-F7038DE7890D}"/>
+                <a16:creationId xmlns:a16="http://schemas.microsoft.com/office/drawing/2014/main" xmlns="" id="{BD5B7330-9A4E-4A27-BE6B-F7038DE7890D}"/>
               </a:ext>
             </a:extLst>
           </p:cNvPr>
@@ -18457,7 +18449,7 @@
           <p:cNvPr id="5" name="Straight Arrow Connector 7">
             <a:extLst>
               <a:ext uri="{FF2B5EF4-FFF2-40B4-BE49-F238E27FC236}">
-                <a16:creationId xmlns="" xmlns:a16="http://schemas.microsoft.com/office/drawing/2014/main" id="{E9DCC49F-2D0A-4D6E-9325-E6E0A35530AD}"/>
+                <a16:creationId xmlns:a16="http://schemas.microsoft.com/office/drawing/2014/main" xmlns="" id="{E9DCC49F-2D0A-4D6E-9325-E6E0A35530AD}"/>
               </a:ext>
             </a:extLst>
           </p:cNvPr>
@@ -18503,7 +18495,7 @@
               <p:cNvPr id="6" name="TextBox 3">
                 <a:extLst>
                   <a:ext uri="{FF2B5EF4-FFF2-40B4-BE49-F238E27FC236}">
-                    <a16:creationId xmlns="" xmlns:a16="http://schemas.microsoft.com/office/drawing/2014/main" id="{C2B44ACC-7F40-4DFA-AC5C-CC329D169698}"/>
+                    <a16:creationId xmlns:a16="http://schemas.microsoft.com/office/drawing/2014/main" xmlns="" id="{C2B44ACC-7F40-4DFA-AC5C-CC329D169698}"/>
                   </a:ext>
                 </a:extLst>
               </p:cNvPr>
@@ -18607,7 +18599,7 @@
           <p:cNvPr id="7" name="Rectangle 11">
             <a:extLst>
               <a:ext uri="{FF2B5EF4-FFF2-40B4-BE49-F238E27FC236}">
-                <a16:creationId xmlns="" xmlns:a16="http://schemas.microsoft.com/office/drawing/2014/main" id="{1BDEDFF8-EB72-48C9-B045-4BDDB50DFABB}"/>
+                <a16:creationId xmlns:a16="http://schemas.microsoft.com/office/drawing/2014/main" xmlns="" id="{1BDEDFF8-EB72-48C9-B045-4BDDB50DFABB}"/>
               </a:ext>
             </a:extLst>
           </p:cNvPr>
@@ -18659,7 +18651,7 @@
           <p:cNvPr id="8" name="Straight Arrow Connector 13">
             <a:extLst>
               <a:ext uri="{FF2B5EF4-FFF2-40B4-BE49-F238E27FC236}">
-                <a16:creationId xmlns="" xmlns:a16="http://schemas.microsoft.com/office/drawing/2014/main" id="{9480D85A-07BF-44B1-A6D0-1DE33196FA5B}"/>
+                <a16:creationId xmlns:a16="http://schemas.microsoft.com/office/drawing/2014/main" xmlns="" id="{9480D85A-07BF-44B1-A6D0-1DE33196FA5B}"/>
               </a:ext>
             </a:extLst>
           </p:cNvPr>

--- a/slides/T320_Classificação (Parte IV).pptx
+++ b/slides/T320_Classificação (Parte IV).pptx
@@ -5,10 +5,10 @@
     <p:sldMasterId id="2147483648" r:id="rId1"/>
   </p:sldMasterIdLst>
   <p:notesMasterIdLst>
-    <p:notesMasterId r:id="rId25"/>
+    <p:notesMasterId r:id="rId23"/>
   </p:notesMasterIdLst>
   <p:handoutMasterIdLst>
-    <p:handoutMasterId r:id="rId26"/>
+    <p:handoutMasterId r:id="rId24"/>
   </p:handoutMasterIdLst>
   <p:sldIdLst>
     <p:sldId id="256" r:id="rId2"/>
@@ -17,23 +17,21 @@
     <p:sldId id="474" r:id="rId5"/>
     <p:sldId id="475" r:id="rId6"/>
     <p:sldId id="476" r:id="rId7"/>
-    <p:sldId id="477" r:id="rId8"/>
-    <p:sldId id="442" r:id="rId9"/>
-    <p:sldId id="472" r:id="rId10"/>
-    <p:sldId id="478" r:id="rId11"/>
-    <p:sldId id="479" r:id="rId12"/>
-    <p:sldId id="480" r:id="rId13"/>
-    <p:sldId id="444" r:id="rId14"/>
-    <p:sldId id="473" r:id="rId15"/>
-    <p:sldId id="330" r:id="rId16"/>
-    <p:sldId id="348" r:id="rId17"/>
-    <p:sldId id="341" r:id="rId18"/>
-    <p:sldId id="342" r:id="rId19"/>
-    <p:sldId id="347" r:id="rId20"/>
-    <p:sldId id="349" r:id="rId21"/>
-    <p:sldId id="332" r:id="rId22"/>
-    <p:sldId id="324" r:id="rId23"/>
-    <p:sldId id="306" r:id="rId24"/>
+    <p:sldId id="472" r:id="rId8"/>
+    <p:sldId id="478" r:id="rId9"/>
+    <p:sldId id="479" r:id="rId10"/>
+    <p:sldId id="473" r:id="rId11"/>
+    <p:sldId id="480" r:id="rId12"/>
+    <p:sldId id="481" r:id="rId13"/>
+    <p:sldId id="482" r:id="rId14"/>
+    <p:sldId id="348" r:id="rId15"/>
+    <p:sldId id="341" r:id="rId16"/>
+    <p:sldId id="342" r:id="rId17"/>
+    <p:sldId id="347" r:id="rId18"/>
+    <p:sldId id="349" r:id="rId19"/>
+    <p:sldId id="332" r:id="rId20"/>
+    <p:sldId id="324" r:id="rId21"/>
+    <p:sldId id="306" r:id="rId22"/>
   </p:sldIdLst>
   <p:sldSz cx="12192000" cy="6858000"/>
   <p:notesSz cx="7315200" cy="9601200"/>
@@ -832,7 +830,7 @@
       </p:grpSpPr>
       <p:sp>
         <p:nvSpPr>
-          <p:cNvPr id="2" name="Espaço Reservado para Imagem de Slide 1"/>
+          <p:cNvPr id="2" name="Slide Image Placeholder 1"/>
           <p:cNvSpPr>
             <a:spLocks noGrp="1" noRot="1" noChangeAspect="1"/>
           </p:cNvSpPr>
@@ -844,7 +842,7 @@
       </p:sp>
       <p:sp>
         <p:nvSpPr>
-          <p:cNvPr id="3" name="Espaço Reservado para Anotações 2"/>
+          <p:cNvPr id="3" name="Notes Placeholder 2"/>
           <p:cNvSpPr>
             <a:spLocks noGrp="1"/>
           </p:cNvSpPr>
@@ -859,23 +857,7 @@
           <a:p>
             <a:r>
               <a:rPr lang="pt-BR" dirty="0"/>
-              <a:t>O classificador Softmax prevê/prediz apenas uma classe de cada vez (ou seja, ele é </a:t>
-            </a:r>
-            <a:r>
-              <a:rPr lang="pt-BR" dirty="0" err="1"/>
-              <a:t>multiclasse</a:t>
-            </a:r>
-            <a:r>
-              <a:rPr lang="pt-BR" dirty="0"/>
-              <a:t>, e não </a:t>
-            </a:r>
-            <a:r>
-              <a:rPr lang="pt-BR" dirty="0" err="1"/>
-              <a:t>multi-saída</a:t>
-            </a:r>
-            <a:r>
-              <a:rPr lang="pt-BR" dirty="0"/>
-              <a:t>), portanto, ele deve ser usado apenas com classes mutuamente exclusivas, como por exemplo diferentes tipos de plantas, dígitos, categorias</a:t>
+              <a:t>O classificador Softmax prevê/prediz apenas uma classe de cada vez (ou seja, ele é multiclasse, e não multi-saída), portanto, ele deve ser usado apenas com classes mutuamente exclusivas, como por exemplo diferentes tipos de plantas, dígitos, categorias</a:t>
             </a:r>
             <a:r>
               <a:rPr lang="pt-BR" baseline="0" dirty="0"/>
@@ -891,80 +873,31 @@
           </a:p>
           <a:p>
             <a:r>
-              <a:rPr lang="pt-BR" sz="1200" b="0" i="0" kern="1200" dirty="0">
-                <a:solidFill>
-                  <a:schemeClr val="tx1"/>
-                </a:solidFill>
-                <a:effectLst/>
-                <a:latin typeface="+mn-lt"/>
-                <a:ea typeface="+mn-ea"/>
-                <a:cs typeface="+mn-cs"/>
-              </a:rPr>
-              <a:t>Duas</a:t>
-            </a:r>
-            <a:r>
-              <a:rPr lang="pt-BR" sz="1200" b="0" i="0" kern="1200" baseline="0" dirty="0">
-                <a:solidFill>
-                  <a:schemeClr val="tx1"/>
-                </a:solidFill>
-                <a:effectLst/>
-                <a:latin typeface="+mn-lt"/>
-                <a:ea typeface="+mn-ea"/>
-                <a:cs typeface="+mn-cs"/>
-              </a:rPr>
-              <a:t> classes </a:t>
-            </a:r>
-            <a:r>
-              <a:rPr lang="pt-BR" sz="1200" b="0" i="0" kern="1200" dirty="0">
-                <a:solidFill>
-                  <a:schemeClr val="tx1"/>
-                </a:solidFill>
-                <a:effectLst/>
-                <a:latin typeface="+mn-lt"/>
-                <a:ea typeface="+mn-ea"/>
-                <a:cs typeface="+mn-cs"/>
-              </a:rPr>
-              <a:t>são </a:t>
-            </a:r>
-            <a:r>
-              <a:rPr lang="pt-BR" sz="1200" b="1" i="0" kern="1200" dirty="0">
-                <a:solidFill>
-                  <a:schemeClr val="tx1"/>
-                </a:solidFill>
-                <a:effectLst/>
-                <a:latin typeface="+mn-lt"/>
-                <a:ea typeface="+mn-ea"/>
-                <a:cs typeface="+mn-cs"/>
-              </a:rPr>
-              <a:t>classes mutuamente exclusivas</a:t>
-            </a:r>
-            <a:r>
-              <a:rPr lang="pt-BR" sz="1200" b="0" i="0" kern="1200" dirty="0">
-                <a:solidFill>
-                  <a:schemeClr val="tx1"/>
-                </a:solidFill>
-                <a:effectLst/>
-                <a:latin typeface="+mn-lt"/>
-                <a:ea typeface="+mn-ea"/>
-                <a:cs typeface="+mn-cs"/>
-              </a:rPr>
-              <a:t> se elas não podem ocorrer ao mesmo tempo.</a:t>
+              <a:rPr lang="pt-BR" dirty="0"/>
+              <a:t>Observe que, quando existem apenas duas classes (Q = 2), a função de erro acima é equivalente à função de erro da regressão logística</a:t>
+            </a:r>
+            <a:r>
+              <a:rPr lang="pt-BR" baseline="0" dirty="0"/>
+              <a:t>.</a:t>
             </a:r>
             <a:endParaRPr lang="pt-BR" dirty="0"/>
           </a:p>
           <a:p>
-            <a:endParaRPr lang="en-US" dirty="0"/>
+            <a:endParaRPr lang="pt-BR" dirty="0"/>
+          </a:p>
+          <a:p>
+            <a:endParaRPr lang="pt-BR" dirty="0"/>
           </a:p>
         </p:txBody>
       </p:sp>
       <p:sp>
         <p:nvSpPr>
-          <p:cNvPr id="4" name="Espaço Reservado para Número de Slide 3"/>
+          <p:cNvPr id="4" name="Slide Number Placeholder 3"/>
           <p:cNvSpPr>
             <a:spLocks noGrp="1"/>
           </p:cNvSpPr>
           <p:nvPr>
-            <p:ph type="sldNum" sz="quarter" idx="5"/>
+            <p:ph type="sldNum" sz="quarter" idx="10"/>
           </p:nvPr>
         </p:nvSpPr>
         <p:spPr/>
@@ -974,7 +907,7 @@
           <a:p>
             <a:fld id="{6FC8D850-966F-45A6-8DE7-15B891E7D40D}" type="slidenum">
               <a:rPr lang="pt-BR" smtClean="0"/>
-              <a:t>16</a:t>
+              <a:t>15</a:t>
             </a:fld>
             <a:endParaRPr lang="pt-BR"/>
           </a:p>
@@ -983,7 +916,7 @@
     </p:spTree>
     <p:extLst>
       <p:ext uri="{BB962C8B-B14F-4D97-AF65-F5344CB8AC3E}">
-        <p14:creationId xmlns:p14="http://schemas.microsoft.com/office/powerpoint/2010/main" val="1839859383"/>
+        <p14:creationId xmlns:p14="http://schemas.microsoft.com/office/powerpoint/2010/main" val="2606465588"/>
       </p:ext>
     </p:extLst>
   </p:cSld>
@@ -1089,7 +1022,7 @@
           <a:p>
             <a:fld id="{6FC8D850-966F-45A6-8DE7-15B891E7D40D}" type="slidenum">
               <a:rPr lang="pt-BR" smtClean="0"/>
-              <a:t>17</a:t>
+              <a:t>16</a:t>
             </a:fld>
             <a:endParaRPr lang="pt-BR"/>
           </a:p>
@@ -1098,7 +1031,7 @@
     </p:spTree>
     <p:extLst>
       <p:ext uri="{BB962C8B-B14F-4D97-AF65-F5344CB8AC3E}">
-        <p14:creationId xmlns:p14="http://schemas.microsoft.com/office/powerpoint/2010/main" val="2606465588"/>
+        <p14:creationId xmlns:p14="http://schemas.microsoft.com/office/powerpoint/2010/main" val="313618944"/>
       </p:ext>
     </p:extLst>
   </p:cSld>
@@ -1154,15 +1087,64 @@
           <a:p>
             <a:r>
               <a:rPr lang="pt-BR" dirty="0"/>
-              <a:t>O classificador Softmax prevê/prediz apenas uma classe de cada vez (ou seja, ele é multiclasse, e não multi-saída), portanto, ele deve ser usado apenas com classes mutuamente exclusivas, como por exemplo diferentes tipos de plantas, dígitos, categorias</a:t>
+              <a:t>O objetivo do treinamento do classificador softmax é ter um modelo que estima uma alta probabilidade para a classe-alvo (e consequentemente uma baixa probabilidade para as outras classes).</a:t>
+            </a:r>
+          </a:p>
+          <a:p>
+            <a:endParaRPr lang="pt-BR" dirty="0"/>
+          </a:p>
+          <a:p>
+            <a:r>
+              <a:rPr lang="pt-BR" dirty="0"/>
+              <a:t>A</a:t>
             </a:r>
             <a:r>
               <a:rPr lang="pt-BR" baseline="0" dirty="0"/>
-              <a:t> de notícias, etc</a:t>
+              <a:t> classe</a:t>
             </a:r>
             <a:r>
               <a:rPr lang="pt-BR" dirty="0"/>
-              <a:t>. Portanto, você não pode usá-lo para reconhecer várias pessoas em uma foto, por exemplo.</a:t>
+              <a:t> LogisticRegression da biblioteca Scikit-Learn usa a estratégia um-contra-todos por padrão quando você o treina com dados pertencentrs a mais de duas classes, mas você pode definir o parâmetro </a:t>
+            </a:r>
+            <a:r>
+              <a:rPr lang="pt-BR" b="1" dirty="0"/>
+              <a:t>mult_class</a:t>
+            </a:r>
+            <a:r>
+              <a:rPr lang="pt-BR" dirty="0"/>
+              <a:t> como "</a:t>
+            </a:r>
+            <a:r>
+              <a:rPr lang="pt-BR" i="1" dirty="0"/>
+              <a:t>multinomial</a:t>
+            </a:r>
+            <a:r>
+              <a:rPr lang="pt-BR" dirty="0"/>
+              <a:t>" para alternar para regressão Softmax. Você também deve especificar um </a:t>
+            </a:r>
+            <a:r>
+              <a:rPr lang="pt-BR" b="1" dirty="0"/>
+              <a:t>solver</a:t>
+            </a:r>
+            <a:r>
+              <a:rPr lang="pt-BR" dirty="0"/>
+              <a:t> que suporte a regressão Softmax, como o </a:t>
+            </a:r>
+            <a:r>
+              <a:rPr lang="pt-BR" b="1" dirty="0"/>
+              <a:t>solver</a:t>
+            </a:r>
+            <a:r>
+              <a:rPr lang="pt-BR" dirty="0"/>
+              <a:t> "lbfgs" (consulte a documentação do Scikit-Learn para obter mais detalhes). Ele também aplica regularização L2 por padrão, a qual você pode controlar usando o parâmetro </a:t>
+            </a:r>
+            <a:r>
+              <a:rPr lang="pt-BR" b="1" dirty="0"/>
+              <a:t>C</a:t>
+            </a:r>
+            <a:r>
+              <a:rPr lang="pt-BR" dirty="0"/>
+              <a:t>.</a:t>
             </a:r>
           </a:p>
           <a:p>
@@ -1171,16 +1153,20 @@
           <a:p>
             <a:r>
               <a:rPr lang="pt-BR" dirty="0"/>
-              <a:t>Observe que, quando existem apenas duas classes (Q = 2), a função de erro acima é equivalente à função de erro da regressão logística</a:t>
-            </a:r>
-            <a:r>
-              <a:rPr lang="pt-BR" baseline="0" dirty="0"/>
-              <a:t>.</a:t>
-            </a:r>
-            <a:endParaRPr lang="pt-BR" dirty="0"/>
-          </a:p>
-          <a:p>
-            <a:endParaRPr lang="pt-BR" dirty="0"/>
+              <a:t>Referência:</a:t>
+            </a:r>
+          </a:p>
+          <a:p>
+            <a:r>
+              <a:rPr lang="pt-BR" dirty="0"/>
+              <a:t>[1] http://deeplearning.stanford.edu/tutorial/supervised/SoftmaxRegression/</a:t>
+            </a:r>
+          </a:p>
+          <a:p>
+            <a:r>
+              <a:rPr lang="pt-BR" dirty="0"/>
+              <a:t>[2] http://rasbt.github.io/mlxtend/user_guide/classifier/SoftmaxRegression/</a:t>
+            </a:r>
           </a:p>
           <a:p>
             <a:endParaRPr lang="pt-BR" dirty="0"/>
@@ -1204,175 +1190,7 @@
           <a:p>
             <a:fld id="{6FC8D850-966F-45A6-8DE7-15B891E7D40D}" type="slidenum">
               <a:rPr lang="pt-BR" smtClean="0"/>
-              <a:t>18</a:t>
-            </a:fld>
-            <a:endParaRPr lang="pt-BR"/>
-          </a:p>
-        </p:txBody>
-      </p:sp>
-    </p:spTree>
-    <p:extLst>
-      <p:ext uri="{BB962C8B-B14F-4D97-AF65-F5344CB8AC3E}">
-        <p14:creationId xmlns:p14="http://schemas.microsoft.com/office/powerpoint/2010/main" val="313618944"/>
-      </p:ext>
-    </p:extLst>
-  </p:cSld>
-  <p:clrMapOvr>
-    <a:masterClrMapping/>
-  </p:clrMapOvr>
-</p:notes>
-</file>
-
-<file path=ppt/notesSlides/notesSlide13.xml><?xml version="1.0" encoding="utf-8"?>
-<p:notes xmlns:a="http://schemas.openxmlformats.org/drawingml/2006/main" xmlns:r="http://schemas.openxmlformats.org/officeDocument/2006/relationships" xmlns:p="http://schemas.openxmlformats.org/presentationml/2006/main">
-  <p:cSld>
-    <p:spTree>
-      <p:nvGrpSpPr>
-        <p:cNvPr id="1" name=""/>
-        <p:cNvGrpSpPr/>
-        <p:nvPr/>
-      </p:nvGrpSpPr>
-      <p:grpSpPr>
-        <a:xfrm>
-          <a:off x="0" y="0"/>
-          <a:ext cx="0" cy="0"/>
-          <a:chOff x="0" y="0"/>
-          <a:chExt cx="0" cy="0"/>
-        </a:xfrm>
-      </p:grpSpPr>
-      <p:sp>
-        <p:nvSpPr>
-          <p:cNvPr id="2" name="Slide Image Placeholder 1"/>
-          <p:cNvSpPr>
-            <a:spLocks noGrp="1" noRot="1" noChangeAspect="1"/>
-          </p:cNvSpPr>
-          <p:nvPr>
-            <p:ph type="sldImg"/>
-          </p:nvPr>
-        </p:nvSpPr>
-        <p:spPr/>
-      </p:sp>
-      <p:sp>
-        <p:nvSpPr>
-          <p:cNvPr id="3" name="Notes Placeholder 2"/>
-          <p:cNvSpPr>
-            <a:spLocks noGrp="1"/>
-          </p:cNvSpPr>
-          <p:nvPr>
-            <p:ph type="body" idx="1"/>
-          </p:nvPr>
-        </p:nvSpPr>
-        <p:spPr/>
-        <p:txBody>
-          <a:bodyPr/>
-          <a:lstStyle/>
-          <a:p>
-            <a:r>
-              <a:rPr lang="pt-BR" dirty="0"/>
-              <a:t>O objetivo do treinamento do classificador softmax é ter um modelo que estima uma alta probabilidade para a classe-alvo (e consequentemente uma baixa probabilidade para as outras classes).</a:t>
-            </a:r>
-          </a:p>
-          <a:p>
-            <a:endParaRPr lang="pt-BR" dirty="0"/>
-          </a:p>
-          <a:p>
-            <a:r>
-              <a:rPr lang="pt-BR" dirty="0"/>
-              <a:t>A</a:t>
-            </a:r>
-            <a:r>
-              <a:rPr lang="pt-BR" baseline="0" dirty="0"/>
-              <a:t> classe</a:t>
-            </a:r>
-            <a:r>
-              <a:rPr lang="pt-BR" dirty="0"/>
-              <a:t> LogisticRegression da biblioteca Scikit-Learn usa a estratégia um-contra-todos por padrão quando você o treina com dados pertencentrs a mais de duas classes, mas você pode definir o parâmetro </a:t>
-            </a:r>
-            <a:r>
-              <a:rPr lang="pt-BR" b="1" dirty="0"/>
-              <a:t>mult_class</a:t>
-            </a:r>
-            <a:r>
-              <a:rPr lang="pt-BR" dirty="0"/>
-              <a:t> como "</a:t>
-            </a:r>
-            <a:r>
-              <a:rPr lang="pt-BR" i="1" dirty="0"/>
-              <a:t>multinomial</a:t>
-            </a:r>
-            <a:r>
-              <a:rPr lang="pt-BR" dirty="0"/>
-              <a:t>" para alternar para regressão Softmax. Você também deve especificar um </a:t>
-            </a:r>
-            <a:r>
-              <a:rPr lang="pt-BR" b="1" dirty="0"/>
-              <a:t>solver</a:t>
-            </a:r>
-            <a:r>
-              <a:rPr lang="pt-BR" dirty="0"/>
-              <a:t> que suporte a regressão Softmax, como o </a:t>
-            </a:r>
-            <a:r>
-              <a:rPr lang="pt-BR" b="1" dirty="0"/>
-              <a:t>solver</a:t>
-            </a:r>
-            <a:r>
-              <a:rPr lang="pt-BR" dirty="0"/>
-              <a:t> "lbfgs" (consulte a documentação do Scikit-Learn para obter mais detalhes). Ele também aplica regularização L2 por padrão, a qual você pode controlar usando o parâmetro </a:t>
-            </a:r>
-            <a:r>
-              <a:rPr lang="pt-BR" b="1" dirty="0"/>
-              <a:t>C</a:t>
-            </a:r>
-            <a:r>
-              <a:rPr lang="pt-BR" dirty="0"/>
-              <a:t>.</a:t>
-            </a:r>
-          </a:p>
-          <a:p>
-            <a:endParaRPr lang="pt-BR" dirty="0"/>
-          </a:p>
-          <a:p>
-            <a:r>
-              <a:rPr lang="pt-BR" dirty="0"/>
-              <a:t>Referência:</a:t>
-            </a:r>
-          </a:p>
-          <a:p>
-            <a:r>
-              <a:rPr lang="pt-BR" dirty="0"/>
-              <a:t>[1] http://deeplearning.stanford.edu/tutorial/supervised/SoftmaxRegression/</a:t>
-            </a:r>
-          </a:p>
-          <a:p>
-            <a:r>
-              <a:rPr lang="pt-BR" dirty="0"/>
-              <a:t>[2] http://rasbt.github.io/mlxtend/user_guide/classifier/SoftmaxRegression/</a:t>
-            </a:r>
-          </a:p>
-          <a:p>
-            <a:endParaRPr lang="pt-BR" dirty="0"/>
-          </a:p>
-        </p:txBody>
-      </p:sp>
-      <p:sp>
-        <p:nvSpPr>
-          <p:cNvPr id="4" name="Slide Number Placeholder 3"/>
-          <p:cNvSpPr>
-            <a:spLocks noGrp="1"/>
-          </p:cNvSpPr>
-          <p:nvPr>
-            <p:ph type="sldNum" sz="quarter" idx="10"/>
-          </p:nvPr>
-        </p:nvSpPr>
-        <p:spPr/>
-        <p:txBody>
-          <a:bodyPr/>
-          <a:lstStyle/>
-          <a:p>
-            <a:fld id="{6FC8D850-966F-45A6-8DE7-15B891E7D40D}" type="slidenum">
-              <a:rPr lang="pt-BR" smtClean="0"/>
-              <a:t>19</a:t>
+              <a:t>17</a:t>
             </a:fld>
             <a:endParaRPr lang="pt-BR"/>
           </a:p>
@@ -1391,7 +1209,7 @@
 </p:notes>
 </file>
 
-<file path=ppt/notesSlides/notesSlide14.xml><?xml version="1.0" encoding="utf-8"?>
+<file path=ppt/notesSlides/notesSlide13.xml><?xml version="1.0" encoding="utf-8"?>
 <p:notes xmlns:a="http://schemas.openxmlformats.org/drawingml/2006/main" xmlns:r="http://schemas.openxmlformats.org/officeDocument/2006/relationships" xmlns:p="http://schemas.openxmlformats.org/presentationml/2006/main">
   <p:cSld>
     <p:spTree>
@@ -1561,7 +1379,7 @@
           <a:p>
             <a:fld id="{6FC8D850-966F-45A6-8DE7-15B891E7D40D}" type="slidenum">
               <a:rPr lang="pt-BR" smtClean="0"/>
-              <a:t>20</a:t>
+              <a:t>18</a:t>
             </a:fld>
             <a:endParaRPr lang="pt-BR"/>
           </a:p>
@@ -1580,7 +1398,7 @@
 </p:notes>
 </file>
 
-<file path=ppt/notesSlides/notesSlide15.xml><?xml version="1.0" encoding="utf-8"?>
+<file path=ppt/notesSlides/notesSlide14.xml><?xml version="1.0" encoding="utf-8"?>
 <p:notes xmlns:a="http://schemas.openxmlformats.org/drawingml/2006/main" xmlns:r="http://schemas.openxmlformats.org/officeDocument/2006/relationships" xmlns:p="http://schemas.openxmlformats.org/presentationml/2006/main">
   <p:cSld>
     <p:spTree>
@@ -1917,7 +1735,7 @@
           <a:p>
             <a:fld id="{6FC8D850-966F-45A6-8DE7-15B891E7D40D}" type="slidenum">
               <a:rPr lang="pt-BR" smtClean="0"/>
-              <a:t>21</a:t>
+              <a:t>19</a:t>
             </a:fld>
             <a:endParaRPr lang="pt-BR"/>
           </a:p>
@@ -1936,7 +1754,7 @@
 </p:notes>
 </file>
 
-<file path=ppt/notesSlides/notesSlide16.xml><?xml version="1.0" encoding="utf-8"?>
+<file path=ppt/notesSlides/notesSlide15.xml><?xml version="1.0" encoding="utf-8"?>
 <p:notes xmlns:a="http://schemas.openxmlformats.org/drawingml/2006/main" xmlns:r="http://schemas.openxmlformats.org/officeDocument/2006/relationships" xmlns:p="http://schemas.openxmlformats.org/presentationml/2006/main">
   <p:cSld>
     <p:spTree>
@@ -2020,7 +1838,7 @@
           <a:p>
             <a:fld id="{6FC8D850-966F-45A6-8DE7-15B891E7D40D}" type="slidenum">
               <a:rPr lang="pt-BR" smtClean="0"/>
-              <a:t>22</a:t>
+              <a:t>20</a:t>
             </a:fld>
             <a:endParaRPr lang="pt-BR"/>
           </a:p>
@@ -2282,7 +2100,7 @@
       </p:grpSpPr>
       <p:sp>
         <p:nvSpPr>
-          <p:cNvPr id="2" name="Slide Image Placeholder 1"/>
+          <p:cNvPr id="2" name="Espaço Reservado para Imagem de Slide 1"/>
           <p:cNvSpPr>
             <a:spLocks noGrp="1" noRot="1" noChangeAspect="1"/>
           </p:cNvSpPr>
@@ -2294,7 +2112,7 @@
       </p:sp>
       <p:sp>
         <p:nvSpPr>
-          <p:cNvPr id="3" name="Notes Placeholder 2"/>
+          <p:cNvPr id="3" name="Espaço Reservado para Anotações 2"/>
           <p:cNvSpPr>
             <a:spLocks noGrp="1"/>
           </p:cNvSpPr>
@@ -2308,20 +2126,85 @@
           <a:lstStyle/>
           <a:p>
             <a:r>
+              <a:rPr lang="pt-BR" b="1" dirty="0"/>
+              <a:t>Exemplo</a:t>
+            </a:r>
+            <a:r>
               <a:rPr lang="pt-BR" dirty="0"/>
-              <a:t>Exemplo: ClassificationOfFourClassesWithOvAandOvO.ipynb</a:t>
-            </a:r>
+              <a:t>:</a:t>
+            </a:r>
+            <a:r>
+              <a:rPr lang="pt-BR" baseline="0" dirty="0"/>
+              <a:t> </a:t>
+            </a:r>
+            <a:r>
+              <a:rPr lang="pt-BR" dirty="0"/>
+              <a:t>https://colab.research.google.com/</a:t>
+            </a:r>
+            <a:r>
+              <a:rPr lang="pt-BR" dirty="0" err="1"/>
+              <a:t>github</a:t>
+            </a:r>
+            <a:r>
+              <a:rPr lang="pt-BR" dirty="0"/>
+              <a:t>/zz4fap/t320_aprendizado_de_maquina/</a:t>
+            </a:r>
+            <a:r>
+              <a:rPr lang="pt-BR" dirty="0" err="1"/>
+              <a:t>blob</a:t>
+            </a:r>
+            <a:r>
+              <a:rPr lang="pt-BR" dirty="0"/>
+              <a:t>/</a:t>
+            </a:r>
+            <a:r>
+              <a:rPr lang="pt-BR" dirty="0" err="1"/>
+              <a:t>main</a:t>
+            </a:r>
+            <a:r>
+              <a:rPr lang="pt-BR" dirty="0"/>
+              <a:t>/notebooks/classificação/</a:t>
+            </a:r>
+            <a:r>
+              <a:rPr lang="pt-BR" dirty="0" err="1"/>
+              <a:t>ClassificationOfFourClassesWithOvAandOvO.ipynb</a:t>
+            </a:r>
+            <a:endParaRPr lang="pt-BR" b="1" dirty="0"/>
+          </a:p>
+          <a:p>
+            <a:endParaRPr lang="pt-BR" dirty="0"/>
+          </a:p>
+          <a:p>
+            <a:endParaRPr lang="pt-BR" dirty="0"/>
+          </a:p>
+          <a:p>
+            <a:r>
+              <a:rPr lang="pt-BR" dirty="0"/>
+              <a:t>Referências:</a:t>
+            </a:r>
+          </a:p>
+          <a:p>
+            <a:r>
+              <a:rPr lang="pt-BR" dirty="0"/>
+              <a:t>[1] https://scikit-learn.org/stable/modules/generated/sklearn.multiclass.OneVsOneClassifier.html</a:t>
+            </a:r>
+          </a:p>
+          <a:p>
+            <a:endParaRPr lang="pt-BR" dirty="0"/>
+          </a:p>
+          <a:p>
+            <a:endParaRPr lang="pt-BR" dirty="0"/>
           </a:p>
         </p:txBody>
       </p:sp>
       <p:sp>
         <p:nvSpPr>
-          <p:cNvPr id="4" name="Slide Number Placeholder 3"/>
+          <p:cNvPr id="4" name="Espaço Reservado para Número de Slide 3"/>
           <p:cNvSpPr>
             <a:spLocks noGrp="1"/>
           </p:cNvSpPr>
           <p:nvPr>
-            <p:ph type="sldNum" sz="quarter" idx="10"/>
+            <p:ph type="sldNum" sz="quarter" idx="5"/>
           </p:nvPr>
         </p:nvSpPr>
         <p:spPr/>
@@ -2329,7 +2212,7 @@
           <a:bodyPr/>
           <a:lstStyle/>
           <a:p>
-            <a:fld id="{F430A2A4-8C14-4B1A-AD48-7B6401078BF7}" type="slidenum">
+            <a:fld id="{6FC8D850-966F-45A6-8DE7-15B891E7D40D}" type="slidenum">
               <a:rPr lang="pt-BR" smtClean="0"/>
               <a:t>8</a:t>
             </a:fld>
@@ -2340,7 +2223,7 @@
     </p:spTree>
     <p:extLst>
       <p:ext uri="{BB962C8B-B14F-4D97-AF65-F5344CB8AC3E}">
-        <p14:creationId xmlns:p14="http://schemas.microsoft.com/office/powerpoint/2010/main" val="725042188"/>
+        <p14:creationId xmlns:p14="http://schemas.microsoft.com/office/powerpoint/2010/main" val="3958710073"/>
       </p:ext>
     </p:extLst>
   </p:cSld>
@@ -2483,7 +2366,7 @@
           <a:p>
             <a:fld id="{6FC8D850-966F-45A6-8DE7-15B891E7D40D}" type="slidenum">
               <a:rPr lang="pt-BR" smtClean="0"/>
-              <a:t>10</a:t>
+              <a:t>9</a:t>
             </a:fld>
             <a:endParaRPr lang="pt-BR"/>
           </a:p>
@@ -2492,7 +2375,7 @@
     </p:spTree>
     <p:extLst>
       <p:ext uri="{BB962C8B-B14F-4D97-AF65-F5344CB8AC3E}">
-        <p14:creationId xmlns:p14="http://schemas.microsoft.com/office/powerpoint/2010/main" val="3958710073"/>
+        <p14:creationId xmlns:p14="http://schemas.microsoft.com/office/powerpoint/2010/main" val="2399780949"/>
       </p:ext>
     </p:extLst>
   </p:cSld>
@@ -2503,6 +2386,219 @@
 </file>
 
 <file path=ppt/notesSlides/notesSlide6.xml><?xml version="1.0" encoding="utf-8"?>
+<p:notes xmlns:a="http://schemas.openxmlformats.org/drawingml/2006/main" xmlns:r="http://schemas.openxmlformats.org/officeDocument/2006/relationships" xmlns:p="http://schemas.openxmlformats.org/presentationml/2006/main">
+  <p:cSld>
+    <p:spTree>
+      <p:nvGrpSpPr>
+        <p:cNvPr id="1" name=""/>
+        <p:cNvGrpSpPr/>
+        <p:nvPr/>
+      </p:nvGrpSpPr>
+      <p:grpSpPr>
+        <a:xfrm>
+          <a:off x="0" y="0"/>
+          <a:ext cx="0" cy="0"/>
+          <a:chOff x="0" y="0"/>
+          <a:chExt cx="0" cy="0"/>
+        </a:xfrm>
+      </p:grpSpPr>
+      <p:sp>
+        <p:nvSpPr>
+          <p:cNvPr id="2" name="Slide Image Placeholder 1"/>
+          <p:cNvSpPr>
+            <a:spLocks noGrp="1" noRot="1" noChangeAspect="1"/>
+          </p:cNvSpPr>
+          <p:nvPr>
+            <p:ph type="sldImg"/>
+          </p:nvPr>
+        </p:nvSpPr>
+        <p:spPr/>
+      </p:sp>
+      <p:sp>
+        <p:nvSpPr>
+          <p:cNvPr id="3" name="Notes Placeholder 2"/>
+          <p:cNvSpPr>
+            <a:spLocks noGrp="1"/>
+          </p:cNvSpPr>
+          <p:nvPr>
+            <p:ph type="body" idx="1"/>
+          </p:nvPr>
+        </p:nvSpPr>
+        <p:spPr/>
+        <p:txBody>
+          <a:bodyPr/>
+          <a:lstStyle/>
+          <a:p>
+            <a:r>
+              <a:rPr lang="pt-BR" dirty="0"/>
+              <a:t>Exemplo: </a:t>
+            </a:r>
+            <a:r>
+              <a:rPr lang="pt-BR" dirty="0" err="1"/>
+              <a:t>ClassificationOfFourClassesWithOvAandOvO.ip</a:t>
+            </a:r>
+            <a:endParaRPr lang="pt-BR" dirty="0"/>
+          </a:p>
+          <a:p>
+            <a:endParaRPr lang="pt-BR" dirty="0"/>
+          </a:p>
+          <a:p>
+            <a:pPr marL="0" marR="0" lvl="0" indent="0" algn="l" defTabSz="914400" rtl="0" eaLnBrk="1" fontAlgn="auto" latinLnBrk="0" hangingPunct="1">
+              <a:lnSpc>
+                <a:spcPct val="100000"/>
+              </a:lnSpc>
+              <a:spcBef>
+                <a:spcPts val="0"/>
+              </a:spcBef>
+              <a:spcAft>
+                <a:spcPts val="0"/>
+              </a:spcAft>
+              <a:buClrTx/>
+              <a:buSzTx/>
+              <a:buFontTx/>
+              <a:buNone/>
+              <a:tabLst/>
+              <a:defRPr/>
+            </a:pPr>
+            <a:r>
+              <a:rPr lang="pt-BR" b="1" dirty="0"/>
+              <a:t>Exemplo</a:t>
+            </a:r>
+            <a:r>
+              <a:rPr lang="pt-BR" dirty="0"/>
+              <a:t>:</a:t>
+            </a:r>
+            <a:r>
+              <a:rPr lang="pt-BR" baseline="0" dirty="0"/>
+              <a:t> </a:t>
+            </a:r>
+            <a:r>
+              <a:rPr lang="pt-BR" dirty="0"/>
+              <a:t>https://colab.research.google.com/</a:t>
+            </a:r>
+            <a:r>
+              <a:rPr lang="pt-BR" dirty="0" err="1"/>
+              <a:t>github</a:t>
+            </a:r>
+            <a:r>
+              <a:rPr lang="pt-BR" dirty="0"/>
+              <a:t>/zz4fap/t320_aprendizado_de_maquina/</a:t>
+            </a:r>
+            <a:r>
+              <a:rPr lang="pt-BR" dirty="0" err="1"/>
+              <a:t>blob</a:t>
+            </a:r>
+            <a:r>
+              <a:rPr lang="pt-BR" dirty="0"/>
+              <a:t>/</a:t>
+            </a:r>
+            <a:r>
+              <a:rPr lang="pt-BR" dirty="0" err="1"/>
+              <a:t>main</a:t>
+            </a:r>
+            <a:r>
+              <a:rPr lang="pt-BR" dirty="0"/>
+              <a:t>/notebooks/classificação/</a:t>
+            </a:r>
+            <a:r>
+              <a:rPr lang="pt-BR" dirty="0" err="1"/>
+              <a:t>ClassificationOfFourClassesWithOvAandOvO_SciKitLearn.ipynb</a:t>
+            </a:r>
+            <a:endParaRPr lang="pt-BR" dirty="0"/>
+          </a:p>
+          <a:p>
+            <a:endParaRPr lang="pt-BR" dirty="0"/>
+          </a:p>
+          <a:p>
+            <a:r>
+              <a:rPr lang="pt-BR" dirty="0"/>
+              <a:t>Exemplo: https://colab.research.google.com/github/zz4fap/tp555-ml/blob/main/exemplos/classification/linear/logistic/ClassificationOfFourClassesWithOvAandOvO-SciKitLearn.ipynb</a:t>
+            </a:r>
+          </a:p>
+          <a:p>
+            <a:endParaRPr lang="pt-BR" dirty="0"/>
+          </a:p>
+          <a:p>
+            <a:r>
+              <a:rPr lang="pt-BR" sz="1200" b="0" i="0" kern="1200" dirty="0">
+                <a:solidFill>
+                  <a:schemeClr val="tx1"/>
+                </a:solidFill>
+                <a:effectLst/>
+                <a:latin typeface="+mn-lt"/>
+                <a:ea typeface="+mn-ea"/>
+                <a:cs typeface="+mn-cs"/>
+              </a:rPr>
+              <a:t>A abordagem um-contra-um pode ser mais adequada quando o número de classes é pequeno ou quando há desbalanceamento entre as classes. Isso ocorre porque a abordagem um-contra-um treina vários classificadores binários, cada um focado em discriminar apenas duas classes, o que pode ser mais eficiente do que treinar um único modelo para discriminar várias classes. Além disso, a abordagem um-contra-um pode ser menos suscetível a erros devido ao desbalanceamento das classes, pois cada classificador binário é treinado em um conjunto de dados equilibrado contendo apenas duas classes.</a:t>
+            </a:r>
+          </a:p>
+          <a:p>
+            <a:endParaRPr lang="pt-BR" sz="1200" b="0" i="0" kern="1200" dirty="0">
+              <a:solidFill>
+                <a:schemeClr val="tx1"/>
+              </a:solidFill>
+              <a:effectLst/>
+              <a:latin typeface="+mn-lt"/>
+              <a:ea typeface="+mn-ea"/>
+              <a:cs typeface="+mn-cs"/>
+            </a:endParaRPr>
+          </a:p>
+          <a:p>
+            <a:r>
+              <a:rPr lang="pt-BR" sz="1200" b="0" i="0" kern="1200" dirty="0">
+                <a:solidFill>
+                  <a:schemeClr val="tx1"/>
+                </a:solidFill>
+                <a:effectLst/>
+                <a:latin typeface="+mn-lt"/>
+                <a:ea typeface="+mn-ea"/>
+                <a:cs typeface="+mn-cs"/>
+              </a:rPr>
+              <a:t>Por outro lado, a abordagem um-contra-o-resto pode ser mais adequada quando o número de classes é grande ou quando as classes são bem equilibradas. Isso ocorre porque a abordagem um-contra-o-resto treina um único modelo para discriminar todas as classes, o que pode ser mais eficiente do que treinar vários modelos de classificação binária. Além disso, a abordagem um-contra-o-resto pode ser mais robusta em relação a variações ou ruídos nos dados, pois o modelo é treinado para distinguir cada classe das demais.</a:t>
+            </a:r>
+          </a:p>
+          <a:p>
+            <a:endParaRPr lang="pt-BR" dirty="0"/>
+          </a:p>
+        </p:txBody>
+      </p:sp>
+      <p:sp>
+        <p:nvSpPr>
+          <p:cNvPr id="4" name="Slide Number Placeholder 3"/>
+          <p:cNvSpPr>
+            <a:spLocks noGrp="1"/>
+          </p:cNvSpPr>
+          <p:nvPr>
+            <p:ph type="sldNum" sz="quarter" idx="10"/>
+          </p:nvPr>
+        </p:nvSpPr>
+        <p:spPr/>
+        <p:txBody>
+          <a:bodyPr/>
+          <a:lstStyle/>
+          <a:p>
+            <a:fld id="{F430A2A4-8C14-4B1A-AD48-7B6401078BF7}" type="slidenum">
+              <a:rPr lang="pt-BR" smtClean="0"/>
+              <a:t>10</a:t>
+            </a:fld>
+            <a:endParaRPr lang="pt-BR"/>
+          </a:p>
+        </p:txBody>
+      </p:sp>
+    </p:spTree>
+    <p:extLst>
+      <p:ext uri="{BB962C8B-B14F-4D97-AF65-F5344CB8AC3E}">
+        <p14:creationId xmlns:p14="http://schemas.microsoft.com/office/powerpoint/2010/main" val="4255333558"/>
+      </p:ext>
+    </p:extLst>
+  </p:cSld>
+  <p:clrMapOvr>
+    <a:masterClrMapping/>
+  </p:clrMapOvr>
+</p:notes>
+</file>
+
+<file path=ppt/notesSlides/notesSlide7.xml><?xml version="1.0" encoding="utf-8"?>
 <p:notes xmlns:a="http://schemas.openxmlformats.org/drawingml/2006/main" xmlns:r="http://schemas.openxmlformats.org/officeDocument/2006/relationships" xmlns:p="http://schemas.openxmlformats.org/presentationml/2006/main">
   <p:cSld>
     <p:spTree>
@@ -2547,71 +2643,286 @@
           <a:lstStyle/>
           <a:p>
             <a:r>
-              <a:rPr lang="pt-BR" b="1" dirty="0"/>
-              <a:t>Exemplo</a:t>
-            </a:r>
-            <a:r>
               <a:rPr lang="pt-BR" dirty="0"/>
-              <a:t>:</a:t>
+              <a:t>O classificador </a:t>
+            </a:r>
+            <a:r>
+              <a:rPr lang="pt-BR" dirty="0" err="1"/>
+              <a:t>Softmax</a:t>
+            </a:r>
+            <a:r>
+              <a:rPr lang="pt-BR" dirty="0"/>
+              <a:t> prevê/prediz apenas uma classe de cada vez (ou seja, ele é </a:t>
+            </a:r>
+            <a:r>
+              <a:rPr lang="pt-BR" dirty="0" err="1"/>
+              <a:t>multiclasse</a:t>
+            </a:r>
+            <a:r>
+              <a:rPr lang="pt-BR" dirty="0"/>
+              <a:t>, e não </a:t>
+            </a:r>
+            <a:r>
+              <a:rPr lang="pt-BR" dirty="0" err="1"/>
+              <a:t>multi-saída</a:t>
+            </a:r>
+            <a:r>
+              <a:rPr lang="pt-BR" dirty="0"/>
+              <a:t> ou </a:t>
+            </a:r>
+            <a:r>
+              <a:rPr lang="pt-BR" dirty="0" err="1"/>
+              <a:t>multi-label</a:t>
+            </a:r>
+            <a:r>
+              <a:rPr lang="pt-BR" dirty="0"/>
+              <a:t>), portanto, ele deve ser usado apenas com classes mutuamente exclusivas, como por exemplo diferentes tipos de plantas, dígitos, categorias</a:t>
             </a:r>
             <a:r>
               <a:rPr lang="pt-BR" baseline="0" dirty="0"/>
-              <a:t> </a:t>
+              <a:t> de notícias, etc</a:t>
             </a:r>
             <a:r>
               <a:rPr lang="pt-BR" dirty="0"/>
-              <a:t>https://colab.research.google.com/</a:t>
-            </a:r>
-            <a:r>
-              <a:rPr lang="pt-BR" dirty="0" err="1"/>
-              <a:t>github</a:t>
-            </a:r>
+              <a:t>. Portanto, você não pode usá-lo para reconhecer várias pessoas em uma foto, por exemplo.</a:t>
+            </a:r>
+          </a:p>
+          <a:p>
+            <a:endParaRPr lang="pt-BR" dirty="0"/>
+          </a:p>
+          <a:p>
+            <a:r>
+              <a:rPr lang="pt-BR" sz="1200" b="0" i="0" kern="1200" dirty="0">
+                <a:solidFill>
+                  <a:schemeClr val="tx1"/>
+                </a:solidFill>
+                <a:effectLst/>
+                <a:latin typeface="+mn-lt"/>
+                <a:ea typeface="+mn-ea"/>
+                <a:cs typeface="+mn-cs"/>
+              </a:rPr>
+              <a:t>Duas</a:t>
+            </a:r>
+            <a:r>
+              <a:rPr lang="pt-BR" sz="1200" b="0" i="0" kern="1200" baseline="0" dirty="0">
+                <a:solidFill>
+                  <a:schemeClr val="tx1"/>
+                </a:solidFill>
+                <a:effectLst/>
+                <a:latin typeface="+mn-lt"/>
+                <a:ea typeface="+mn-ea"/>
+                <a:cs typeface="+mn-cs"/>
+              </a:rPr>
+              <a:t> classes </a:t>
+            </a:r>
+            <a:r>
+              <a:rPr lang="pt-BR" sz="1200" b="0" i="0" kern="1200" dirty="0">
+                <a:solidFill>
+                  <a:schemeClr val="tx1"/>
+                </a:solidFill>
+                <a:effectLst/>
+                <a:latin typeface="+mn-lt"/>
+                <a:ea typeface="+mn-ea"/>
+                <a:cs typeface="+mn-cs"/>
+              </a:rPr>
+              <a:t>são </a:t>
+            </a:r>
+            <a:r>
+              <a:rPr lang="pt-BR" sz="1200" b="1" i="0" kern="1200" dirty="0">
+                <a:solidFill>
+                  <a:schemeClr val="tx1"/>
+                </a:solidFill>
+                <a:effectLst/>
+                <a:latin typeface="+mn-lt"/>
+                <a:ea typeface="+mn-ea"/>
+                <a:cs typeface="+mn-cs"/>
+              </a:rPr>
+              <a:t>classes mutuamente exclusivas</a:t>
+            </a:r>
+            <a:r>
+              <a:rPr lang="pt-BR" sz="1200" b="0" i="0" kern="1200" dirty="0">
+                <a:solidFill>
+                  <a:schemeClr val="tx1"/>
+                </a:solidFill>
+                <a:effectLst/>
+                <a:latin typeface="+mn-lt"/>
+                <a:ea typeface="+mn-ea"/>
+                <a:cs typeface="+mn-cs"/>
+              </a:rPr>
+              <a:t> se elas não podem ocorrer ao mesmo tempo.</a:t>
+            </a:r>
+          </a:p>
+          <a:p>
+            <a:endParaRPr lang="pt-BR" sz="1200" b="0" i="0" kern="1200" dirty="0">
+              <a:solidFill>
+                <a:schemeClr val="tx1"/>
+              </a:solidFill>
+              <a:effectLst/>
+              <a:latin typeface="+mn-lt"/>
+              <a:ea typeface="+mn-ea"/>
+              <a:cs typeface="+mn-cs"/>
+            </a:endParaRPr>
+          </a:p>
+          <a:p>
+            <a:r>
+              <a:rPr lang="pt-BR" sz="1200" b="0" i="0" kern="1200" dirty="0">
+                <a:solidFill>
+                  <a:schemeClr val="tx1"/>
+                </a:solidFill>
+                <a:effectLst/>
+                <a:latin typeface="+mn-lt"/>
+                <a:ea typeface="+mn-ea"/>
+                <a:cs typeface="+mn-cs"/>
+              </a:rPr>
+              <a:t>Uma generalização da função logística para múltiplas entradas é a função de ativação de função </a:t>
+            </a:r>
+            <a:r>
+              <a:rPr lang="pt-BR" sz="1200" b="0" i="0" kern="1200" dirty="0" err="1">
+                <a:solidFill>
+                  <a:schemeClr val="tx1"/>
+                </a:solidFill>
+                <a:effectLst/>
+                <a:latin typeface="+mn-lt"/>
+                <a:ea typeface="+mn-ea"/>
+                <a:cs typeface="+mn-cs"/>
+              </a:rPr>
+              <a:t>softmax</a:t>
+            </a:r>
+            <a:r>
+              <a:rPr lang="pt-BR" sz="1200" b="0" i="0" kern="1200" dirty="0">
+                <a:solidFill>
+                  <a:schemeClr val="tx1"/>
+                </a:solidFill>
+                <a:effectLst/>
+                <a:latin typeface="+mn-lt"/>
+                <a:ea typeface="+mn-ea"/>
+                <a:cs typeface="+mn-cs"/>
+              </a:rPr>
+              <a:t>, usada em regressões logísticas </a:t>
+            </a:r>
+            <a:r>
+              <a:rPr lang="pt-BR" sz="1200" b="0" i="0" kern="1200" dirty="0" err="1">
+                <a:solidFill>
+                  <a:schemeClr val="tx1"/>
+                </a:solidFill>
+                <a:effectLst/>
+                <a:latin typeface="+mn-lt"/>
+                <a:ea typeface="+mn-ea"/>
+                <a:cs typeface="+mn-cs"/>
+              </a:rPr>
+              <a:t>multinomiais</a:t>
+            </a:r>
+            <a:r>
+              <a:rPr lang="pt-BR" sz="1200" b="0" i="0" kern="1200" dirty="0">
+                <a:solidFill>
+                  <a:schemeClr val="tx1"/>
+                </a:solidFill>
+                <a:effectLst/>
+                <a:latin typeface="+mn-lt"/>
+                <a:ea typeface="+mn-ea"/>
+                <a:cs typeface="+mn-cs"/>
+              </a:rPr>
+              <a:t>.</a:t>
+            </a:r>
+          </a:p>
+          <a:p>
+            <a:endParaRPr lang="pt-BR" sz="1200" b="0" i="0" kern="1200" dirty="0">
+              <a:solidFill>
+                <a:schemeClr val="tx1"/>
+              </a:solidFill>
+              <a:effectLst/>
+              <a:latin typeface="+mn-lt"/>
+              <a:ea typeface="+mn-ea"/>
+              <a:cs typeface="+mn-cs"/>
+            </a:endParaRPr>
+          </a:p>
+          <a:p>
+            <a:r>
+              <a:rPr lang="pt-BR" sz="1200" b="0" i="0" kern="1200" dirty="0">
+                <a:solidFill>
+                  <a:schemeClr val="tx1"/>
+                </a:solidFill>
+                <a:effectLst/>
+                <a:latin typeface="+mn-lt"/>
+                <a:ea typeface="+mn-ea"/>
+                <a:cs typeface="+mn-cs"/>
+              </a:rPr>
+              <a:t>Saída interpretada como as probabilidades de uma variável aleatória </a:t>
+            </a:r>
+            <a:r>
+              <a:rPr lang="pt-BR" sz="1200" b="0" i="0" kern="1200" dirty="0" err="1">
+                <a:solidFill>
+                  <a:schemeClr val="tx1"/>
+                </a:solidFill>
+                <a:effectLst/>
+                <a:latin typeface="+mn-lt"/>
+                <a:ea typeface="+mn-ea"/>
+                <a:cs typeface="+mn-cs"/>
+              </a:rPr>
+              <a:t>multinomial</a:t>
+            </a:r>
+            <a:r>
+              <a:rPr lang="pt-BR" sz="1200" b="0" i="0" kern="1200" dirty="0">
+                <a:solidFill>
+                  <a:schemeClr val="tx1"/>
+                </a:solidFill>
+                <a:effectLst/>
+                <a:latin typeface="+mn-lt"/>
+                <a:ea typeface="+mn-ea"/>
+                <a:cs typeface="+mn-cs"/>
+              </a:rPr>
+              <a:t>, ou seja, as probabilidades de uma variável categoricamente distribuída, dado um conjunto de atributos.</a:t>
+            </a:r>
+          </a:p>
+          <a:p>
+            <a:endParaRPr lang="pt-BR" sz="1200" b="0" i="0" kern="1200" dirty="0">
+              <a:solidFill>
+                <a:schemeClr val="tx1"/>
+              </a:solidFill>
+              <a:effectLst/>
+              <a:latin typeface="+mn-lt"/>
+              <a:ea typeface="+mn-ea"/>
+              <a:cs typeface="+mn-cs"/>
+            </a:endParaRPr>
+          </a:p>
+          <a:p>
+            <a:pPr marL="0" marR="0" lvl="0" indent="0" algn="l" defTabSz="914400" rtl="0" eaLnBrk="1" fontAlgn="auto" latinLnBrk="0" hangingPunct="1">
+              <a:lnSpc>
+                <a:spcPct val="100000"/>
+              </a:lnSpc>
+              <a:spcBef>
+                <a:spcPts val="0"/>
+              </a:spcBef>
+              <a:spcAft>
+                <a:spcPts val="0"/>
+              </a:spcAft>
+              <a:buClrTx/>
+              <a:buSzTx/>
+              <a:buFontTx/>
+              <a:buNone/>
+              <a:tabLst/>
+              <a:defRPr/>
+            </a:pPr>
             <a:r>
               <a:rPr lang="pt-BR" dirty="0"/>
-              <a:t>/zz4fap/t320_aprendizado_de_maquina/</a:t>
-            </a:r>
-            <a:r>
-              <a:rPr lang="pt-BR" dirty="0" err="1"/>
-              <a:t>blob</a:t>
+              <a:t>É uma abordagem mais robusta que as anteriores e que consiste em criar um </a:t>
+            </a:r>
+            <a:r>
+              <a:rPr lang="pt-BR" b="1" i="1" dirty="0"/>
+              <a:t>único</a:t>
             </a:r>
             <a:r>
               <a:rPr lang="pt-BR" dirty="0"/>
-              <a:t>/</a:t>
-            </a:r>
-            <a:r>
-              <a:rPr lang="pt-BR" dirty="0" err="1"/>
-              <a:t>main</a:t>
+              <a:t> modelo em que cada saída representa a </a:t>
+            </a:r>
+            <a:r>
+              <a:rPr lang="pt-BR" b="1" i="1" dirty="0"/>
+              <a:t>probabilidade</a:t>
             </a:r>
             <a:r>
               <a:rPr lang="pt-BR" dirty="0"/>
-              <a:t>/notebooks/classificação/</a:t>
-            </a:r>
-            <a:r>
-              <a:rPr lang="pt-BR" dirty="0" err="1"/>
-              <a:t>ClassificationOfFourClassesWithOvAandOvO.ipynb</a:t>
-            </a:r>
-            <a:endParaRPr lang="pt-BR" b="1" dirty="0"/>
-          </a:p>
-          <a:p>
-            <a:endParaRPr lang="pt-BR" dirty="0"/>
-          </a:p>
-          <a:p>
-            <a:endParaRPr lang="pt-BR" dirty="0"/>
-          </a:p>
-          <a:p>
-            <a:r>
-              <a:rPr lang="pt-BR" dirty="0"/>
-              <a:t>Referências:</a:t>
-            </a:r>
-          </a:p>
-          <a:p>
-            <a:r>
-              <a:rPr lang="pt-BR" dirty="0"/>
-              <a:t>[1] https://scikit-learn.org/stable/modules/generated/sklearn.multiclass.OneVsOneClassifier.html</a:t>
-            </a:r>
-          </a:p>
-          <a:p>
-            <a:endParaRPr lang="pt-BR" dirty="0"/>
+              <a:t> de um exemplo pertencer a uma classe específica.</a:t>
+            </a:r>
           </a:p>
           <a:p>
             <a:endParaRPr lang="pt-BR" dirty="0"/>
@@ -2644,91 +2955,7 @@
     </p:spTree>
     <p:extLst>
       <p:ext uri="{BB962C8B-B14F-4D97-AF65-F5344CB8AC3E}">
-        <p14:creationId xmlns:p14="http://schemas.microsoft.com/office/powerpoint/2010/main" val="2399780949"/>
-      </p:ext>
-    </p:extLst>
-  </p:cSld>
-  <p:clrMapOvr>
-    <a:masterClrMapping/>
-  </p:clrMapOvr>
-</p:notes>
-</file>
-
-<file path=ppt/notesSlides/notesSlide7.xml><?xml version="1.0" encoding="utf-8"?>
-<p:notes xmlns:a="http://schemas.openxmlformats.org/drawingml/2006/main" xmlns:r="http://schemas.openxmlformats.org/officeDocument/2006/relationships" xmlns:p="http://schemas.openxmlformats.org/presentationml/2006/main">
-  <p:cSld>
-    <p:spTree>
-      <p:nvGrpSpPr>
-        <p:cNvPr id="1" name=""/>
-        <p:cNvGrpSpPr/>
-        <p:nvPr/>
-      </p:nvGrpSpPr>
-      <p:grpSpPr>
-        <a:xfrm>
-          <a:off x="0" y="0"/>
-          <a:ext cx="0" cy="0"/>
-          <a:chOff x="0" y="0"/>
-          <a:chExt cx="0" cy="0"/>
-        </a:xfrm>
-      </p:grpSpPr>
-      <p:sp>
-        <p:nvSpPr>
-          <p:cNvPr id="2" name="Slide Image Placeholder 1"/>
-          <p:cNvSpPr>
-            <a:spLocks noGrp="1" noRot="1" noChangeAspect="1"/>
-          </p:cNvSpPr>
-          <p:nvPr>
-            <p:ph type="sldImg"/>
-          </p:nvPr>
-        </p:nvSpPr>
-        <p:spPr/>
-      </p:sp>
-      <p:sp>
-        <p:nvSpPr>
-          <p:cNvPr id="3" name="Notes Placeholder 2"/>
-          <p:cNvSpPr>
-            <a:spLocks noGrp="1"/>
-          </p:cNvSpPr>
-          <p:nvPr>
-            <p:ph type="body" idx="1"/>
-          </p:nvPr>
-        </p:nvSpPr>
-        <p:spPr/>
-        <p:txBody>
-          <a:bodyPr/>
-          <a:lstStyle/>
-          <a:p>
-            <a:endParaRPr lang="pt-BR" dirty="0"/>
-          </a:p>
-        </p:txBody>
-      </p:sp>
-      <p:sp>
-        <p:nvSpPr>
-          <p:cNvPr id="4" name="Slide Number Placeholder 3"/>
-          <p:cNvSpPr>
-            <a:spLocks noGrp="1"/>
-          </p:cNvSpPr>
-          <p:nvPr>
-            <p:ph type="sldNum" sz="quarter" idx="10"/>
-          </p:nvPr>
-        </p:nvSpPr>
-        <p:spPr/>
-        <p:txBody>
-          <a:bodyPr/>
-          <a:lstStyle/>
-          <a:p>
-            <a:fld id="{F430A2A4-8C14-4B1A-AD48-7B6401078BF7}" type="slidenum">
-              <a:rPr lang="pt-BR" smtClean="0"/>
-              <a:t>13</a:t>
-            </a:fld>
-            <a:endParaRPr lang="pt-BR"/>
-          </a:p>
-        </p:txBody>
-      </p:sp>
-    </p:spTree>
-    <p:extLst>
-      <p:ext uri="{BB962C8B-B14F-4D97-AF65-F5344CB8AC3E}">
-        <p14:creationId xmlns:p14="http://schemas.microsoft.com/office/powerpoint/2010/main" val="3647319935"/>
+        <p14:creationId xmlns:p14="http://schemas.microsoft.com/office/powerpoint/2010/main" val="3193659334"/>
       </p:ext>
     </p:extLst>
   </p:cSld>
@@ -2757,7 +2984,7 @@
       </p:grpSpPr>
       <p:sp>
         <p:nvSpPr>
-          <p:cNvPr id="2" name="Slide Image Placeholder 1"/>
+          <p:cNvPr id="2" name="Espaço Reservado para Imagem de Slide 1"/>
           <p:cNvSpPr>
             <a:spLocks noGrp="1" noRot="1" noChangeAspect="1"/>
           </p:cNvSpPr>
@@ -2769,7 +2996,7 @@
       </p:sp>
       <p:sp>
         <p:nvSpPr>
-          <p:cNvPr id="3" name="Notes Placeholder 2"/>
+          <p:cNvPr id="3" name="Espaço Reservado para Anotações 2"/>
           <p:cNvSpPr>
             <a:spLocks noGrp="1"/>
           </p:cNvSpPr>
@@ -2784,16 +3011,246 @@
           <a:p>
             <a:r>
               <a:rPr lang="pt-BR" dirty="0"/>
-              <a:t>Exemplo: </a:t>
+              <a:t>O classificador </a:t>
             </a:r>
             <a:r>
               <a:rPr lang="pt-BR" dirty="0" err="1"/>
-              <a:t>ClassificationOfFourClassesWithOvAandOvO.ip</a:t>
-            </a:r>
+              <a:t>Softmax</a:t>
+            </a:r>
+            <a:r>
+              <a:rPr lang="pt-BR" dirty="0"/>
+              <a:t> prevê/prediz apenas uma classe de cada vez (ou seja, ele é </a:t>
+            </a:r>
+            <a:r>
+              <a:rPr lang="pt-BR" dirty="0" err="1"/>
+              <a:t>multiclasse</a:t>
+            </a:r>
+            <a:r>
+              <a:rPr lang="pt-BR" dirty="0"/>
+              <a:t>, e não </a:t>
+            </a:r>
+            <a:r>
+              <a:rPr lang="pt-BR" dirty="0" err="1"/>
+              <a:t>multi-saída</a:t>
+            </a:r>
+            <a:r>
+              <a:rPr lang="pt-BR" dirty="0"/>
+              <a:t> ou </a:t>
+            </a:r>
+            <a:r>
+              <a:rPr lang="pt-BR" dirty="0" err="1"/>
+              <a:t>multi-label</a:t>
+            </a:r>
+            <a:r>
+              <a:rPr lang="pt-BR" dirty="0"/>
+              <a:t>), portanto, ele deve ser usado apenas com classes mutuamente exclusivas, como por exemplo diferentes tipos de plantas, dígitos, categorias</a:t>
+            </a:r>
+            <a:r>
+              <a:rPr lang="pt-BR" baseline="0" dirty="0"/>
+              <a:t> de notícias, etc</a:t>
+            </a:r>
+            <a:r>
+              <a:rPr lang="pt-BR" dirty="0"/>
+              <a:t>. Portanto, você não pode usá-lo para reconhecer várias pessoas em uma foto, por exemplo.</a:t>
+            </a:r>
+          </a:p>
+          <a:p>
             <a:endParaRPr lang="pt-BR" dirty="0"/>
           </a:p>
           <a:p>
-            <a:endParaRPr lang="pt-BR" dirty="0"/>
+            <a:r>
+              <a:rPr lang="pt-BR" sz="1200" b="0" i="0" kern="1200" dirty="0">
+                <a:solidFill>
+                  <a:schemeClr val="tx1"/>
+                </a:solidFill>
+                <a:effectLst/>
+                <a:latin typeface="+mn-lt"/>
+                <a:ea typeface="+mn-ea"/>
+                <a:cs typeface="+mn-cs"/>
+              </a:rPr>
+              <a:t>Duas</a:t>
+            </a:r>
+            <a:r>
+              <a:rPr lang="pt-BR" sz="1200" b="0" i="0" kern="1200" baseline="0" dirty="0">
+                <a:solidFill>
+                  <a:schemeClr val="tx1"/>
+                </a:solidFill>
+                <a:effectLst/>
+                <a:latin typeface="+mn-lt"/>
+                <a:ea typeface="+mn-ea"/>
+                <a:cs typeface="+mn-cs"/>
+              </a:rPr>
+              <a:t> classes </a:t>
+            </a:r>
+            <a:r>
+              <a:rPr lang="pt-BR" sz="1200" b="0" i="0" kern="1200" dirty="0">
+                <a:solidFill>
+                  <a:schemeClr val="tx1"/>
+                </a:solidFill>
+                <a:effectLst/>
+                <a:latin typeface="+mn-lt"/>
+                <a:ea typeface="+mn-ea"/>
+                <a:cs typeface="+mn-cs"/>
+              </a:rPr>
+              <a:t>são </a:t>
+            </a:r>
+            <a:r>
+              <a:rPr lang="pt-BR" sz="1200" b="1" i="0" kern="1200" dirty="0">
+                <a:solidFill>
+                  <a:schemeClr val="tx1"/>
+                </a:solidFill>
+                <a:effectLst/>
+                <a:latin typeface="+mn-lt"/>
+                <a:ea typeface="+mn-ea"/>
+                <a:cs typeface="+mn-cs"/>
+              </a:rPr>
+              <a:t>classes mutuamente exclusivas</a:t>
+            </a:r>
+            <a:r>
+              <a:rPr lang="pt-BR" sz="1200" b="0" i="0" kern="1200" dirty="0">
+                <a:solidFill>
+                  <a:schemeClr val="tx1"/>
+                </a:solidFill>
+                <a:effectLst/>
+                <a:latin typeface="+mn-lt"/>
+                <a:ea typeface="+mn-ea"/>
+                <a:cs typeface="+mn-cs"/>
+              </a:rPr>
+              <a:t> se elas não podem ocorrer ao mesmo tempo.</a:t>
+            </a:r>
+          </a:p>
+          <a:p>
+            <a:endParaRPr lang="pt-BR" sz="1200" b="0" i="0" kern="1200" dirty="0">
+              <a:solidFill>
+                <a:schemeClr val="tx1"/>
+              </a:solidFill>
+              <a:effectLst/>
+              <a:latin typeface="+mn-lt"/>
+              <a:ea typeface="+mn-ea"/>
+              <a:cs typeface="+mn-cs"/>
+            </a:endParaRPr>
+          </a:p>
+          <a:p>
+            <a:r>
+              <a:rPr lang="pt-BR" sz="1200" b="0" i="0" kern="1200" dirty="0">
+                <a:solidFill>
+                  <a:schemeClr val="tx1"/>
+                </a:solidFill>
+                <a:effectLst/>
+                <a:latin typeface="+mn-lt"/>
+                <a:ea typeface="+mn-ea"/>
+                <a:cs typeface="+mn-cs"/>
+              </a:rPr>
+              <a:t>Uma generalização da função logística para múltiplas entradas é a função de ativação de função </a:t>
+            </a:r>
+            <a:r>
+              <a:rPr lang="pt-BR" sz="1200" b="0" i="0" kern="1200" dirty="0" err="1">
+                <a:solidFill>
+                  <a:schemeClr val="tx1"/>
+                </a:solidFill>
+                <a:effectLst/>
+                <a:latin typeface="+mn-lt"/>
+                <a:ea typeface="+mn-ea"/>
+                <a:cs typeface="+mn-cs"/>
+              </a:rPr>
+              <a:t>softmax</a:t>
+            </a:r>
+            <a:r>
+              <a:rPr lang="pt-BR" sz="1200" b="0" i="0" kern="1200" dirty="0">
+                <a:solidFill>
+                  <a:schemeClr val="tx1"/>
+                </a:solidFill>
+                <a:effectLst/>
+                <a:latin typeface="+mn-lt"/>
+                <a:ea typeface="+mn-ea"/>
+                <a:cs typeface="+mn-cs"/>
+              </a:rPr>
+              <a:t>, usada em regressões logísticas </a:t>
+            </a:r>
+            <a:r>
+              <a:rPr lang="pt-BR" sz="1200" b="0" i="0" kern="1200" dirty="0" err="1">
+                <a:solidFill>
+                  <a:schemeClr val="tx1"/>
+                </a:solidFill>
+                <a:effectLst/>
+                <a:latin typeface="+mn-lt"/>
+                <a:ea typeface="+mn-ea"/>
+                <a:cs typeface="+mn-cs"/>
+              </a:rPr>
+              <a:t>multinomiais</a:t>
+            </a:r>
+            <a:r>
+              <a:rPr lang="pt-BR" sz="1200" b="0" i="0" kern="1200" dirty="0">
+                <a:solidFill>
+                  <a:schemeClr val="tx1"/>
+                </a:solidFill>
+                <a:effectLst/>
+                <a:latin typeface="+mn-lt"/>
+                <a:ea typeface="+mn-ea"/>
+                <a:cs typeface="+mn-cs"/>
+              </a:rPr>
+              <a:t>.</a:t>
+            </a:r>
+          </a:p>
+          <a:p>
+            <a:endParaRPr lang="pt-BR" sz="1200" b="0" i="0" kern="1200" dirty="0">
+              <a:solidFill>
+                <a:schemeClr val="tx1"/>
+              </a:solidFill>
+              <a:effectLst/>
+              <a:latin typeface="+mn-lt"/>
+              <a:ea typeface="+mn-ea"/>
+              <a:cs typeface="+mn-cs"/>
+            </a:endParaRPr>
+          </a:p>
+          <a:p>
+            <a:r>
+              <a:rPr lang="pt-BR" sz="1200" b="0" i="0" kern="1200" dirty="0">
+                <a:solidFill>
+                  <a:schemeClr val="tx1"/>
+                </a:solidFill>
+                <a:effectLst/>
+                <a:latin typeface="+mn-lt"/>
+                <a:ea typeface="+mn-ea"/>
+                <a:cs typeface="+mn-cs"/>
+              </a:rPr>
+              <a:t>Saída interpretada como as probabilidades de uma variável aleatória </a:t>
+            </a:r>
+            <a:r>
+              <a:rPr lang="pt-BR" sz="1200" b="0" i="0" kern="1200" dirty="0" err="1">
+                <a:solidFill>
+                  <a:schemeClr val="tx1"/>
+                </a:solidFill>
+                <a:effectLst/>
+                <a:latin typeface="+mn-lt"/>
+                <a:ea typeface="+mn-ea"/>
+                <a:cs typeface="+mn-cs"/>
+              </a:rPr>
+              <a:t>multinomial</a:t>
+            </a:r>
+            <a:r>
+              <a:rPr lang="pt-BR" sz="1200" b="0" i="0" kern="1200" dirty="0">
+                <a:solidFill>
+                  <a:schemeClr val="tx1"/>
+                </a:solidFill>
+                <a:effectLst/>
+                <a:latin typeface="+mn-lt"/>
+                <a:ea typeface="+mn-ea"/>
+                <a:cs typeface="+mn-cs"/>
+              </a:rPr>
+              <a:t>, ou seja, as probabilidades de uma variável categoricamente distribuída, dado um conjunto de atributos.</a:t>
+            </a:r>
+          </a:p>
+          <a:p>
+            <a:endParaRPr lang="pt-BR" sz="1200" b="0" i="0" kern="1200" dirty="0">
+              <a:solidFill>
+                <a:schemeClr val="tx1"/>
+              </a:solidFill>
+              <a:effectLst/>
+              <a:latin typeface="+mn-lt"/>
+              <a:ea typeface="+mn-ea"/>
+              <a:cs typeface="+mn-cs"/>
+            </a:endParaRPr>
           </a:p>
           <a:p>
             <a:pPr marL="0" marR="0" lvl="0" indent="0" algn="l" defTabSz="914400" rtl="0" eaLnBrk="1" fontAlgn="auto" latinLnBrk="0" hangingPunct="1">
@@ -2814,100 +3271,24 @@
               <a:defRPr/>
             </a:pPr>
             <a:r>
-              <a:rPr lang="pt-BR" b="1" dirty="0"/>
-              <a:t>Exemplo</a:t>
-            </a:r>
-            <a:r>
               <a:rPr lang="pt-BR" dirty="0"/>
-              <a:t>:</a:t>
-            </a:r>
-            <a:r>
-              <a:rPr lang="pt-BR" baseline="0" dirty="0"/>
-              <a:t> </a:t>
+              <a:t>É uma abordagem mais robusta que as anteriores e que consiste em criar um </a:t>
+            </a:r>
+            <a:r>
+              <a:rPr lang="pt-BR" b="1" i="1" dirty="0"/>
+              <a:t>único</a:t>
             </a:r>
             <a:r>
               <a:rPr lang="pt-BR" dirty="0"/>
-              <a:t>https://colab.research.google.com/</a:t>
-            </a:r>
-            <a:r>
-              <a:rPr lang="pt-BR" dirty="0" err="1"/>
-              <a:t>github</a:t>
+              <a:t> modelo em que cada saída representa a </a:t>
+            </a:r>
+            <a:r>
+              <a:rPr lang="pt-BR" b="1" i="1" dirty="0"/>
+              <a:t>probabilidade</a:t>
             </a:r>
             <a:r>
               <a:rPr lang="pt-BR" dirty="0"/>
-              <a:t>/zz4fap/t320_aprendizado_de_maquina/</a:t>
-            </a:r>
-            <a:r>
-              <a:rPr lang="pt-BR" dirty="0" err="1"/>
-              <a:t>blob</a:t>
-            </a:r>
-            <a:r>
-              <a:rPr lang="pt-BR" dirty="0"/>
-              <a:t>/</a:t>
-            </a:r>
-            <a:r>
-              <a:rPr lang="pt-BR" dirty="0" err="1"/>
-              <a:t>main</a:t>
-            </a:r>
-            <a:r>
-              <a:rPr lang="pt-BR" dirty="0"/>
-              <a:t>/notebooks/classificação/</a:t>
-            </a:r>
-            <a:r>
-              <a:rPr lang="pt-BR" dirty="0" err="1"/>
-              <a:t>ClassificationOfFourClassesWithOvAandOvO-SciKitLearn.ipynb</a:t>
-            </a:r>
-            <a:endParaRPr lang="pt-BR" dirty="0"/>
-          </a:p>
-          <a:p>
-            <a:endParaRPr lang="pt-BR" dirty="0"/>
-          </a:p>
-          <a:p>
-            <a:r>
-              <a:rPr lang="pt-BR" dirty="0"/>
-              <a:t>Exemplo: https://colab.research.google.com/github/zz4fap/tp555-ml/blob/main/exemplos/classification/linear/logistic/ClassificationOfFourClassesWithOvAandOvO-SciKitLearn.ipynb</a:t>
-            </a:r>
-          </a:p>
-          <a:p>
-            <a:endParaRPr lang="pt-BR" dirty="0"/>
-          </a:p>
-          <a:p>
-            <a:r>
-              <a:rPr lang="pt-BR" sz="1200" b="0" i="0" kern="1200" dirty="0">
-                <a:solidFill>
-                  <a:schemeClr val="tx1"/>
-                </a:solidFill>
-                <a:effectLst/>
-                <a:latin typeface="+mn-lt"/>
-                <a:ea typeface="+mn-ea"/>
-                <a:cs typeface="+mn-cs"/>
-              </a:rPr>
-              <a:t>A abordagem um-contra-um pode ser mais adequada quando o número de classes é pequeno ou quando há desbalanceamento entre as classes. Isso ocorre porque a abordagem um-contra-um treina vários classificadores binários, cada um focado em discriminar apenas duas classes, o que pode ser mais eficiente do que treinar um único modelo para discriminar várias classes. Além disso, a abordagem um-contra-um pode ser menos suscetível a erros devido ao desbalanceamento das classes, pois cada classificador binário é treinado em um conjunto de dados equilibrado contendo apenas duas classes.</a:t>
-            </a:r>
-          </a:p>
-          <a:p>
-            <a:endParaRPr lang="pt-BR" sz="1200" b="0" i="0" kern="1200" dirty="0">
-              <a:solidFill>
-                <a:schemeClr val="tx1"/>
-              </a:solidFill>
-              <a:effectLst/>
-              <a:latin typeface="+mn-lt"/>
-              <a:ea typeface="+mn-ea"/>
-              <a:cs typeface="+mn-cs"/>
-            </a:endParaRPr>
-          </a:p>
-          <a:p>
-            <a:r>
-              <a:rPr lang="pt-BR" sz="1200" b="0" i="0" kern="1200" dirty="0">
-                <a:solidFill>
-                  <a:schemeClr val="tx1"/>
-                </a:solidFill>
-                <a:effectLst/>
-                <a:latin typeface="+mn-lt"/>
-                <a:ea typeface="+mn-ea"/>
-                <a:cs typeface="+mn-cs"/>
-              </a:rPr>
-              <a:t>Por outro lado, a abordagem um-contra-o-resto pode ser mais adequada quando o número de classes é grande ou quando as classes são bem equilibradas. Isso ocorre porque a abordagem um-contra-o-resto treina um único modelo para discriminar todas as classes, o que pode ser mais eficiente do que treinar vários modelos de classificação binária. Além disso, a abordagem um-contra-o-resto pode ser mais robusta em relação a variações ou ruídos nos dados, pois o modelo é treinado para distinguir cada classe das demais.</a:t>
+              <a:t> de um exemplo pertencer a uma classe específica.</a:t>
             </a:r>
           </a:p>
           <a:p>
@@ -2917,12 +3298,12 @@
       </p:sp>
       <p:sp>
         <p:nvSpPr>
-          <p:cNvPr id="4" name="Slide Number Placeholder 3"/>
+          <p:cNvPr id="4" name="Espaço Reservado para Número de Slide 3"/>
           <p:cNvSpPr>
             <a:spLocks noGrp="1"/>
           </p:cNvSpPr>
           <p:nvPr>
-            <p:ph type="sldNum" sz="quarter" idx="10"/>
+            <p:ph type="sldNum" sz="quarter" idx="5"/>
           </p:nvPr>
         </p:nvSpPr>
         <p:spPr/>
@@ -2930,9 +3311,9 @@
           <a:bodyPr/>
           <a:lstStyle/>
           <a:p>
-            <a:fld id="{F430A2A4-8C14-4B1A-AD48-7B6401078BF7}" type="slidenum">
+            <a:fld id="{6FC8D850-966F-45A6-8DE7-15B891E7D40D}" type="slidenum">
               <a:rPr lang="pt-BR" smtClean="0"/>
-              <a:t>14</a:t>
+              <a:t>12</a:t>
             </a:fld>
             <a:endParaRPr lang="pt-BR"/>
           </a:p>
@@ -2941,7 +3322,7 @@
     </p:spTree>
     <p:extLst>
       <p:ext uri="{BB962C8B-B14F-4D97-AF65-F5344CB8AC3E}">
-        <p14:creationId xmlns:p14="http://schemas.microsoft.com/office/powerpoint/2010/main" val="4255333558"/>
+        <p14:creationId xmlns:p14="http://schemas.microsoft.com/office/powerpoint/2010/main" val="3324342221"/>
       </p:ext>
     </p:extLst>
   </p:cSld>
@@ -2970,7 +3351,7 @@
       </p:grpSpPr>
       <p:sp>
         <p:nvSpPr>
-          <p:cNvPr id="2" name="Slide Image Placeholder 1"/>
+          <p:cNvPr id="2" name="Espaço Reservado para Imagem de Slide 1"/>
           <p:cNvSpPr>
             <a:spLocks noGrp="1" noRot="1" noChangeAspect="1"/>
           </p:cNvSpPr>
@@ -2982,7 +3363,7 @@
       </p:sp>
       <p:sp>
         <p:nvSpPr>
-          <p:cNvPr id="3" name="Notes Placeholder 2"/>
+          <p:cNvPr id="3" name="Espaço Reservado para Anotações 2"/>
           <p:cNvSpPr>
             <a:spLocks noGrp="1"/>
           </p:cNvSpPr>
@@ -2997,19 +3378,19 @@
           <a:p>
             <a:r>
               <a:rPr lang="pt-BR" dirty="0"/>
-              <a:t>O classificador Softmax prevê/prediz apenas uma classe de cada vez (ou seja, ele é multiclasse, e não </a:t>
+              <a:t>O classificador Softmax prevê/prediz apenas uma classe de cada vez (ou seja, ele é </a:t>
+            </a:r>
+            <a:r>
+              <a:rPr lang="pt-BR" dirty="0" err="1"/>
+              <a:t>multiclasse</a:t>
+            </a:r>
+            <a:r>
+              <a:rPr lang="pt-BR" dirty="0"/>
+              <a:t>, e não </a:t>
             </a:r>
             <a:r>
               <a:rPr lang="pt-BR" dirty="0" err="1"/>
               <a:t>multi-saída</a:t>
-            </a:r>
-            <a:r>
-              <a:rPr lang="pt-BR" dirty="0"/>
-              <a:t> ou </a:t>
-            </a:r>
-            <a:r>
-              <a:rPr lang="pt-BR" dirty="0" err="1"/>
-              <a:t>multi-label</a:t>
             </a:r>
             <a:r>
               <a:rPr lang="pt-BR" dirty="0"/>
@@ -3088,141 +3469,21 @@
               </a:rPr>
               <a:t> se elas não podem ocorrer ao mesmo tempo.</a:t>
             </a:r>
-          </a:p>
-          <a:p>
-            <a:endParaRPr lang="pt-BR" sz="1200" b="0" i="0" kern="1200" dirty="0">
-              <a:solidFill>
-                <a:schemeClr val="tx1"/>
-              </a:solidFill>
-              <a:effectLst/>
-              <a:latin typeface="+mn-lt"/>
-              <a:ea typeface="+mn-ea"/>
-              <a:cs typeface="+mn-cs"/>
-            </a:endParaRPr>
-          </a:p>
-          <a:p>
-            <a:r>
-              <a:rPr lang="pt-BR" sz="1200" b="0" i="0" kern="1200" dirty="0">
-                <a:solidFill>
-                  <a:schemeClr val="tx1"/>
-                </a:solidFill>
-                <a:effectLst/>
-                <a:latin typeface="+mn-lt"/>
-                <a:ea typeface="+mn-ea"/>
-                <a:cs typeface="+mn-cs"/>
-              </a:rPr>
-              <a:t>Uma generalização da função logística para múltiplas entradas é a função de ativação de função softmax, usada em regressões logísticas </a:t>
-            </a:r>
-            <a:r>
-              <a:rPr lang="pt-BR" sz="1200" b="0" i="0" kern="1200" dirty="0" err="1">
-                <a:solidFill>
-                  <a:schemeClr val="tx1"/>
-                </a:solidFill>
-                <a:effectLst/>
-                <a:latin typeface="+mn-lt"/>
-                <a:ea typeface="+mn-ea"/>
-                <a:cs typeface="+mn-cs"/>
-              </a:rPr>
-              <a:t>multinomiais</a:t>
-            </a:r>
-            <a:r>
-              <a:rPr lang="pt-BR" sz="1200" b="0" i="0" kern="1200" dirty="0">
-                <a:solidFill>
-                  <a:schemeClr val="tx1"/>
-                </a:solidFill>
-                <a:effectLst/>
-                <a:latin typeface="+mn-lt"/>
-                <a:ea typeface="+mn-ea"/>
-                <a:cs typeface="+mn-cs"/>
-              </a:rPr>
-              <a:t>.</a:t>
-            </a:r>
-          </a:p>
-          <a:p>
-            <a:endParaRPr lang="pt-BR" sz="1200" b="0" i="0" kern="1200" dirty="0">
-              <a:solidFill>
-                <a:schemeClr val="tx1"/>
-              </a:solidFill>
-              <a:effectLst/>
-              <a:latin typeface="+mn-lt"/>
-              <a:ea typeface="+mn-ea"/>
-              <a:cs typeface="+mn-cs"/>
-            </a:endParaRPr>
-          </a:p>
-          <a:p>
-            <a:r>
-              <a:rPr lang="pt-BR" sz="1200" b="0" i="0" kern="1200" dirty="0">
-                <a:solidFill>
-                  <a:schemeClr val="tx1"/>
-                </a:solidFill>
-                <a:effectLst/>
-                <a:latin typeface="+mn-lt"/>
-                <a:ea typeface="+mn-ea"/>
-                <a:cs typeface="+mn-cs"/>
-              </a:rPr>
-              <a:t>Saída interpretada como as probabilidades de uma variável aleatória multinomial, ou seja, as probabilidades de uma variável categoricamente distribuída, dado um conjunto de atributos.</a:t>
-            </a:r>
-          </a:p>
-          <a:p>
-            <a:endParaRPr lang="pt-BR" sz="1200" b="0" i="0" kern="1200" dirty="0">
-              <a:solidFill>
-                <a:schemeClr val="tx1"/>
-              </a:solidFill>
-              <a:effectLst/>
-              <a:latin typeface="+mn-lt"/>
-              <a:ea typeface="+mn-ea"/>
-              <a:cs typeface="+mn-cs"/>
-            </a:endParaRPr>
-          </a:p>
-          <a:p>
-            <a:pPr marL="0" marR="0" lvl="0" indent="0" algn="l" defTabSz="914400" rtl="0" eaLnBrk="1" fontAlgn="auto" latinLnBrk="0" hangingPunct="1">
-              <a:lnSpc>
-                <a:spcPct val="100000"/>
-              </a:lnSpc>
-              <a:spcBef>
-                <a:spcPts val="0"/>
-              </a:spcBef>
-              <a:spcAft>
-                <a:spcPts val="0"/>
-              </a:spcAft>
-              <a:buClrTx/>
-              <a:buSzTx/>
-              <a:buFontTx/>
-              <a:buNone/>
-              <a:tabLst/>
-              <a:defRPr/>
-            </a:pPr>
-            <a:r>
-              <a:rPr lang="pt-BR" dirty="0"/>
-              <a:t>É uma abordagem mais robusta que as anteriores e que consiste em criar um </a:t>
-            </a:r>
-            <a:r>
-              <a:rPr lang="pt-BR" b="1" i="1" dirty="0"/>
-              <a:t>único</a:t>
-            </a:r>
-            <a:r>
-              <a:rPr lang="pt-BR" dirty="0"/>
-              <a:t> modelo em que cada saída representa a </a:t>
-            </a:r>
-            <a:r>
-              <a:rPr lang="pt-BR" b="1" i="1" dirty="0"/>
-              <a:t>probabilidade</a:t>
-            </a:r>
-            <a:r>
-              <a:rPr lang="pt-BR" dirty="0"/>
-              <a:t> de um exemplo pertencer a uma classe específica.</a:t>
-            </a:r>
+            <a:endParaRPr lang="pt-BR" dirty="0"/>
+          </a:p>
+          <a:p>
+            <a:endParaRPr lang="en-US" dirty="0"/>
           </a:p>
         </p:txBody>
       </p:sp>
       <p:sp>
         <p:nvSpPr>
-          <p:cNvPr id="4" name="Slide Number Placeholder 3"/>
+          <p:cNvPr id="4" name="Espaço Reservado para Número de Slide 3"/>
           <p:cNvSpPr>
             <a:spLocks noGrp="1"/>
           </p:cNvSpPr>
           <p:nvPr>
-            <p:ph type="sldNum" sz="quarter" idx="10"/>
+            <p:ph type="sldNum" sz="quarter" idx="5"/>
           </p:nvPr>
         </p:nvSpPr>
         <p:spPr/>
@@ -3230,9 +3491,9 @@
           <a:bodyPr/>
           <a:lstStyle/>
           <a:p>
-            <a:fld id="{F430A2A4-8C14-4B1A-AD48-7B6401078BF7}" type="slidenum">
+            <a:fld id="{6FC8D850-966F-45A6-8DE7-15B891E7D40D}" type="slidenum">
               <a:rPr lang="pt-BR" smtClean="0"/>
-              <a:t>15</a:t>
+              <a:t>14</a:t>
             </a:fld>
             <a:endParaRPr lang="pt-BR"/>
           </a:p>
@@ -3241,7 +3502,7 @@
     </p:spTree>
     <p:extLst>
       <p:ext uri="{BB962C8B-B14F-4D97-AF65-F5344CB8AC3E}">
-        <p14:creationId xmlns:p14="http://schemas.microsoft.com/office/powerpoint/2010/main" val="418739001"/>
+        <p14:creationId xmlns:p14="http://schemas.microsoft.com/office/powerpoint/2010/main" val="1839859383"/>
       </p:ext>
     </p:extLst>
   </p:cSld>
@@ -6670,1839 +6931,6 @@
       </p:grpSpPr>
       <p:sp>
         <p:nvSpPr>
-          <p:cNvPr id="2" name="Título 1">
-            <a:extLst>
-              <a:ext uri="{FF2B5EF4-FFF2-40B4-BE49-F238E27FC236}">
-                <a16:creationId xmlns:a16="http://schemas.microsoft.com/office/drawing/2014/main" id="{F625D040-A3FE-41E3-3BD0-3C0548CFEAD3}"/>
-              </a:ext>
-            </a:extLst>
-          </p:cNvPr>
-          <p:cNvSpPr>
-            <a:spLocks noGrp="1"/>
-          </p:cNvSpPr>
-          <p:nvPr>
-            <p:ph type="title"/>
-          </p:nvPr>
-        </p:nvSpPr>
-        <p:spPr/>
-        <p:txBody>
-          <a:bodyPr/>
-          <a:lstStyle/>
-          <a:p>
-            <a:r>
-              <a:rPr lang="pt-BR" dirty="0"/>
-              <a:t>Um-Contra-Um</a:t>
-            </a:r>
-          </a:p>
-        </p:txBody>
-      </p:sp>
-      <mc:AlternateContent xmlns:mc="http://schemas.openxmlformats.org/markup-compatibility/2006">
-        <mc:Choice xmlns:a14="http://schemas.microsoft.com/office/drawing/2010/main" Requires="a14">
-          <p:sp>
-            <p:nvSpPr>
-              <p:cNvPr id="3" name="Espaço Reservado para Conteúdo 2">
-                <a:extLst>
-                  <a:ext uri="{FF2B5EF4-FFF2-40B4-BE49-F238E27FC236}">
-                    <a16:creationId xmlns:a16="http://schemas.microsoft.com/office/drawing/2014/main" id="{3BAFA38F-B924-7049-765D-660ED8C4845B}"/>
-                  </a:ext>
-                </a:extLst>
-              </p:cNvPr>
-              <p:cNvSpPr>
-                <a:spLocks noGrp="1"/>
-              </p:cNvSpPr>
-              <p:nvPr>
-                <p:ph idx="1"/>
-              </p:nvPr>
-            </p:nvSpPr>
-            <p:spPr/>
-            <p:txBody>
-              <a:bodyPr/>
-              <a:lstStyle/>
-              <a:p>
-                <a:r>
-                  <a:rPr lang="pt-BR" dirty="0"/>
-                  <a:t>Nesta abordagem, treina-se </a:t>
-                </a:r>
-                <a14:m>
-                  <m:oMath xmlns:m="http://schemas.openxmlformats.org/officeDocument/2006/math">
-                    <m:r>
-                      <a:rPr lang="pt-BR" b="0" i="1" smtClean="0">
-                        <a:latin typeface="Cambria Math" panose="02040503050406030204" pitchFamily="18" charset="0"/>
-                      </a:rPr>
-                      <m:t>𝑄</m:t>
-                    </m:r>
-                    <m:r>
-                      <a:rPr lang="pt-BR" b="0" i="1" smtClean="0">
-                        <a:latin typeface="Cambria Math" panose="02040503050406030204" pitchFamily="18" charset="0"/>
-                      </a:rPr>
-                      <m:t>(</m:t>
-                    </m:r>
-                    <m:r>
-                      <a:rPr lang="pt-BR" b="0" i="1" smtClean="0">
-                        <a:latin typeface="Cambria Math" panose="02040503050406030204" pitchFamily="18" charset="0"/>
-                      </a:rPr>
-                      <m:t>𝑄</m:t>
-                    </m:r>
-                    <m:r>
-                      <a:rPr lang="pt-BR" b="0" i="1" smtClean="0">
-                        <a:latin typeface="Cambria Math" panose="02040503050406030204" pitchFamily="18" charset="0"/>
-                      </a:rPr>
-                      <m:t>−1)/2</m:t>
-                    </m:r>
-                  </m:oMath>
-                </a14:m>
-                <a:r>
-                  <a:rPr lang="pt-BR" dirty="0"/>
-                  <a:t> </a:t>
-                </a:r>
-                <a:r>
-                  <a:rPr lang="pt-BR" b="1" i="1" dirty="0"/>
-                  <a:t>classificadores binários</a:t>
-                </a:r>
-                <a:r>
-                  <a:rPr lang="pt-BR" dirty="0"/>
-                  <a:t>. </a:t>
-                </a:r>
-              </a:p>
-              <a:p>
-                <a:r>
-                  <a:rPr lang="pt-BR" dirty="0"/>
-                  <a:t>Cada </a:t>
-                </a:r>
-                <a:r>
-                  <a:rPr lang="pt-BR" b="1" i="1" dirty="0"/>
-                  <a:t>classificador</a:t>
-                </a:r>
-                <a:r>
-                  <a:rPr lang="pt-BR" dirty="0"/>
-                  <a:t> é construído para fazer a distinção entre exemplos pertencentes a cada um dos possíveis </a:t>
-                </a:r>
-                <a:r>
-                  <a:rPr lang="pt-BR" b="1" i="1" dirty="0"/>
-                  <a:t>pares</a:t>
-                </a:r>
-                <a:r>
-                  <a:rPr lang="pt-BR" dirty="0"/>
-                  <a:t> de classes.</a:t>
-                </a:r>
-              </a:p>
-              <a:p>
-                <a:pPr lvl="1">
-                  <a:buFont typeface="Wingdings" panose="05000000000000000000" pitchFamily="2" charset="2"/>
-                  <a:buChar char="§"/>
-                </a:pPr>
-                <a:r>
-                  <a:rPr lang="pt-BR" b="1" i="1" dirty="0">
-                    <a:solidFill>
-                      <a:srgbClr val="00B0F0"/>
-                    </a:solidFill>
-                  </a:rPr>
-                  <a:t>Transformamos um problema com </a:t>
-                </a:r>
-                <a14:m>
-                  <m:oMath xmlns:m="http://schemas.openxmlformats.org/officeDocument/2006/math">
-                    <m:r>
-                      <a:rPr lang="pt-BR" b="1" i="1">
-                        <a:solidFill>
-                          <a:srgbClr val="00B0F0"/>
-                        </a:solidFill>
-                        <a:latin typeface="Cambria Math" panose="02040503050406030204" pitchFamily="18" charset="0"/>
-                        <a:ea typeface="Cambria Math" panose="02040503050406030204" pitchFamily="18" charset="0"/>
-                      </a:rPr>
-                      <m:t>𝑸</m:t>
-                    </m:r>
-                  </m:oMath>
-                </a14:m>
-                <a:r>
-                  <a:rPr lang="pt-BR" b="1" i="1" dirty="0">
-                    <a:solidFill>
-                      <a:srgbClr val="00B0F0"/>
-                    </a:solidFill>
-                  </a:rPr>
-                  <a:t> classes em </a:t>
-                </a:r>
-                <a14:m>
-                  <m:oMath xmlns:m="http://schemas.openxmlformats.org/officeDocument/2006/math">
-                    <m:r>
-                      <a:rPr lang="pt-BR" b="1" i="1" smtClean="0">
-                        <a:solidFill>
-                          <a:srgbClr val="00B0F0"/>
-                        </a:solidFill>
-                        <a:latin typeface="Cambria Math" panose="02040503050406030204" pitchFamily="18" charset="0"/>
-                      </a:rPr>
-                      <m:t>𝑸</m:t>
-                    </m:r>
-                    <m:r>
-                      <a:rPr lang="pt-BR" b="1" i="1" smtClean="0">
-                        <a:solidFill>
-                          <a:srgbClr val="00B0F0"/>
-                        </a:solidFill>
-                        <a:latin typeface="Cambria Math" panose="02040503050406030204" pitchFamily="18" charset="0"/>
-                      </a:rPr>
-                      <m:t>(</m:t>
-                    </m:r>
-                    <m:r>
-                      <a:rPr lang="pt-BR" b="1" i="1" smtClean="0">
-                        <a:solidFill>
-                          <a:srgbClr val="00B0F0"/>
-                        </a:solidFill>
-                        <a:latin typeface="Cambria Math" panose="02040503050406030204" pitchFamily="18" charset="0"/>
-                      </a:rPr>
-                      <m:t>𝑸</m:t>
-                    </m:r>
-                    <m:r>
-                      <a:rPr lang="pt-BR" b="1" i="1" smtClean="0">
-                        <a:solidFill>
-                          <a:srgbClr val="00B0F0"/>
-                        </a:solidFill>
-                        <a:latin typeface="Cambria Math" panose="02040503050406030204" pitchFamily="18" charset="0"/>
-                      </a:rPr>
-                      <m:t>−</m:t>
-                    </m:r>
-                    <m:r>
-                      <a:rPr lang="pt-BR" b="1" i="1" smtClean="0">
-                        <a:solidFill>
-                          <a:srgbClr val="00B0F0"/>
-                        </a:solidFill>
-                        <a:latin typeface="Cambria Math" panose="02040503050406030204" pitchFamily="18" charset="0"/>
-                      </a:rPr>
-                      <m:t>𝟏</m:t>
-                    </m:r>
-                    <m:r>
-                      <a:rPr lang="pt-BR" b="1" i="1" smtClean="0">
-                        <a:solidFill>
-                          <a:srgbClr val="00B0F0"/>
-                        </a:solidFill>
-                        <a:latin typeface="Cambria Math" panose="02040503050406030204" pitchFamily="18" charset="0"/>
-                      </a:rPr>
-                      <m:t>)/</m:t>
-                    </m:r>
-                    <m:r>
-                      <a:rPr lang="pt-BR" b="1" i="1" smtClean="0">
-                        <a:solidFill>
-                          <a:srgbClr val="00B0F0"/>
-                        </a:solidFill>
-                        <a:latin typeface="Cambria Math" panose="02040503050406030204" pitchFamily="18" charset="0"/>
-                      </a:rPr>
-                      <m:t>𝟐</m:t>
-                    </m:r>
-                  </m:oMath>
-                </a14:m>
-                <a:r>
-                  <a:rPr lang="pt-BR" b="1" i="1" dirty="0">
-                    <a:solidFill>
-                      <a:srgbClr val="00B0F0"/>
-                    </a:solidFill>
-                  </a:rPr>
-                  <a:t> problemas binários.</a:t>
-                </a:r>
-                <a:endParaRPr lang="pt-BR" dirty="0"/>
-              </a:p>
-              <a:p>
-                <a:pPr lvl="1">
-                  <a:buFont typeface="Wingdings" panose="05000000000000000000" pitchFamily="2" charset="2"/>
-                  <a:buChar char="§"/>
-                </a:pPr>
-                <a:r>
-                  <a:rPr lang="pt-BR" dirty="0"/>
-                  <a:t>Se </a:t>
-                </a:r>
-                <a14:m>
-                  <m:oMath xmlns:m="http://schemas.openxmlformats.org/officeDocument/2006/math">
-                    <m:r>
-                      <a:rPr lang="pt-BR" i="1">
-                        <a:latin typeface="Cambria Math" panose="02040503050406030204" pitchFamily="18" charset="0"/>
-                      </a:rPr>
-                      <m:t>𝑄</m:t>
-                    </m:r>
-                    <m:r>
-                      <a:rPr lang="pt-BR" b="0" i="0" smtClean="0">
-                        <a:latin typeface="Cambria Math" panose="02040503050406030204" pitchFamily="18" charset="0"/>
-                      </a:rPr>
-                      <m:t>=4</m:t>
-                    </m:r>
-                  </m:oMath>
-                </a14:m>
-                <a:r>
-                  <a:rPr lang="pt-BR" dirty="0"/>
-                  <a:t>, então treina-se 6 </a:t>
-                </a:r>
-                <a:r>
-                  <a:rPr lang="pt-BR" b="1" i="1" dirty="0"/>
-                  <a:t>classificadores</a:t>
-                </a:r>
-                <a:r>
-                  <a:rPr lang="pt-BR" dirty="0"/>
-                  <a:t> para classificar entre</a:t>
-                </a:r>
-                <a14:m>
-                  <m:oMath xmlns:m="http://schemas.openxmlformats.org/officeDocument/2006/math">
-                    <m:r>
-                      <a:rPr lang="pt-BR" i="1">
-                        <a:latin typeface="Cambria Math" panose="02040503050406030204" pitchFamily="18" charset="0"/>
-                      </a:rPr>
-                      <m:t> </m:t>
-                    </m:r>
-                    <m:sSub>
-                      <m:sSubPr>
-                        <m:ctrlPr>
-                          <a:rPr lang="pt-BR" i="1">
-                            <a:latin typeface="Cambria Math" panose="02040503050406030204" pitchFamily="18" charset="0"/>
-                          </a:rPr>
-                        </m:ctrlPr>
-                      </m:sSubPr>
-                      <m:e>
-                        <m:r>
-                          <a:rPr lang="pt-BR" i="1">
-                            <a:latin typeface="Cambria Math" panose="02040503050406030204" pitchFamily="18" charset="0"/>
-                          </a:rPr>
-                          <m:t>𝐶</m:t>
-                        </m:r>
-                      </m:e>
-                      <m:sub>
-                        <m:r>
-                          <a:rPr lang="pt-BR" i="1">
-                            <a:latin typeface="Cambria Math" panose="02040503050406030204" pitchFamily="18" charset="0"/>
-                          </a:rPr>
-                          <m:t>1</m:t>
-                        </m:r>
-                      </m:sub>
-                    </m:sSub>
-                    <m:r>
-                      <a:rPr lang="pt-BR" b="0" i="0" smtClean="0">
-                        <a:latin typeface="Cambria Math" panose="02040503050406030204" pitchFamily="18" charset="0"/>
-                      </a:rPr>
-                      <m:t>/</m:t>
-                    </m:r>
-                    <m:sSub>
-                      <m:sSubPr>
-                        <m:ctrlPr>
-                          <a:rPr lang="pt-BR" i="1">
-                            <a:latin typeface="Cambria Math" panose="02040503050406030204" pitchFamily="18" charset="0"/>
-                          </a:rPr>
-                        </m:ctrlPr>
-                      </m:sSubPr>
-                      <m:e>
-                        <m:r>
-                          <a:rPr lang="pt-BR" i="1">
-                            <a:latin typeface="Cambria Math" panose="02040503050406030204" pitchFamily="18" charset="0"/>
-                          </a:rPr>
-                          <m:t>𝐶</m:t>
-                        </m:r>
-                      </m:e>
-                      <m:sub>
-                        <m:r>
-                          <a:rPr lang="pt-BR" i="1">
-                            <a:latin typeface="Cambria Math" panose="02040503050406030204" pitchFamily="18" charset="0"/>
-                          </a:rPr>
-                          <m:t>2</m:t>
-                        </m:r>
-                      </m:sub>
-                    </m:sSub>
-                  </m:oMath>
-                </a14:m>
-                <a:r>
-                  <a:rPr lang="pt-BR" dirty="0"/>
-                  <a:t>, </a:t>
-                </a:r>
-                <a14:m>
-                  <m:oMath xmlns:m="http://schemas.openxmlformats.org/officeDocument/2006/math">
-                    <m:sSub>
-                      <m:sSubPr>
-                        <m:ctrlPr>
-                          <a:rPr lang="pt-BR" i="1">
-                            <a:latin typeface="Cambria Math" panose="02040503050406030204" pitchFamily="18" charset="0"/>
-                          </a:rPr>
-                        </m:ctrlPr>
-                      </m:sSubPr>
-                      <m:e>
-                        <m:r>
-                          <a:rPr lang="pt-BR" i="1">
-                            <a:latin typeface="Cambria Math" panose="02040503050406030204" pitchFamily="18" charset="0"/>
-                          </a:rPr>
-                          <m:t>𝐶</m:t>
-                        </m:r>
-                      </m:e>
-                      <m:sub>
-                        <m:r>
-                          <a:rPr lang="pt-BR" i="1">
-                            <a:latin typeface="Cambria Math" panose="02040503050406030204" pitchFamily="18" charset="0"/>
-                          </a:rPr>
-                          <m:t>1</m:t>
-                        </m:r>
-                      </m:sub>
-                    </m:sSub>
-                    <m:r>
-                      <a:rPr lang="pt-BR">
-                        <a:latin typeface="Cambria Math" panose="02040503050406030204" pitchFamily="18" charset="0"/>
-                      </a:rPr>
-                      <m:t>/</m:t>
-                    </m:r>
-                    <m:sSub>
-                      <m:sSubPr>
-                        <m:ctrlPr>
-                          <a:rPr lang="pt-BR" i="1">
-                            <a:latin typeface="Cambria Math" panose="02040503050406030204" pitchFamily="18" charset="0"/>
-                          </a:rPr>
-                        </m:ctrlPr>
-                      </m:sSubPr>
-                      <m:e>
-                        <m:r>
-                          <a:rPr lang="pt-BR" i="1">
-                            <a:latin typeface="Cambria Math" panose="02040503050406030204" pitchFamily="18" charset="0"/>
-                          </a:rPr>
-                          <m:t>𝐶</m:t>
-                        </m:r>
-                      </m:e>
-                      <m:sub>
-                        <m:r>
-                          <a:rPr lang="pt-BR" b="0" i="1" smtClean="0">
-                            <a:latin typeface="Cambria Math" panose="02040503050406030204" pitchFamily="18" charset="0"/>
-                          </a:rPr>
-                          <m:t>3</m:t>
-                        </m:r>
-                      </m:sub>
-                    </m:sSub>
-                  </m:oMath>
-                </a14:m>
-                <a:r>
-                  <a:rPr lang="pt-BR" dirty="0"/>
-                  <a:t>, </a:t>
-                </a:r>
-                <a14:m>
-                  <m:oMath xmlns:m="http://schemas.openxmlformats.org/officeDocument/2006/math">
-                    <m:sSub>
-                      <m:sSubPr>
-                        <m:ctrlPr>
-                          <a:rPr lang="pt-BR" i="1">
-                            <a:latin typeface="Cambria Math" panose="02040503050406030204" pitchFamily="18" charset="0"/>
-                          </a:rPr>
-                        </m:ctrlPr>
-                      </m:sSubPr>
-                      <m:e>
-                        <m:r>
-                          <a:rPr lang="pt-BR" i="1">
-                            <a:latin typeface="Cambria Math" panose="02040503050406030204" pitchFamily="18" charset="0"/>
-                          </a:rPr>
-                          <m:t>𝐶</m:t>
-                        </m:r>
-                      </m:e>
-                      <m:sub>
-                        <m:r>
-                          <a:rPr lang="pt-BR" i="1">
-                            <a:latin typeface="Cambria Math" panose="02040503050406030204" pitchFamily="18" charset="0"/>
-                          </a:rPr>
-                          <m:t>1</m:t>
-                        </m:r>
-                      </m:sub>
-                    </m:sSub>
-                    <m:r>
-                      <a:rPr lang="pt-BR">
-                        <a:latin typeface="Cambria Math" panose="02040503050406030204" pitchFamily="18" charset="0"/>
-                      </a:rPr>
-                      <m:t>/</m:t>
-                    </m:r>
-                    <m:sSub>
-                      <m:sSubPr>
-                        <m:ctrlPr>
-                          <a:rPr lang="pt-BR" i="1">
-                            <a:latin typeface="Cambria Math" panose="02040503050406030204" pitchFamily="18" charset="0"/>
-                          </a:rPr>
-                        </m:ctrlPr>
-                      </m:sSubPr>
-                      <m:e>
-                        <m:r>
-                          <a:rPr lang="pt-BR" i="1">
-                            <a:latin typeface="Cambria Math" panose="02040503050406030204" pitchFamily="18" charset="0"/>
-                          </a:rPr>
-                          <m:t>𝐶</m:t>
-                        </m:r>
-                      </m:e>
-                      <m:sub>
-                        <m:r>
-                          <a:rPr lang="pt-BR" b="0" i="1" smtClean="0">
-                            <a:latin typeface="Cambria Math" panose="02040503050406030204" pitchFamily="18" charset="0"/>
-                          </a:rPr>
-                          <m:t>4</m:t>
-                        </m:r>
-                      </m:sub>
-                    </m:sSub>
-                  </m:oMath>
-                </a14:m>
-                <a:r>
-                  <a:rPr lang="pt-BR" dirty="0"/>
-                  <a:t>, </a:t>
-                </a:r>
-                <a14:m>
-                  <m:oMath xmlns:m="http://schemas.openxmlformats.org/officeDocument/2006/math">
-                    <m:sSub>
-                      <m:sSubPr>
-                        <m:ctrlPr>
-                          <a:rPr lang="pt-BR" i="1">
-                            <a:latin typeface="Cambria Math" panose="02040503050406030204" pitchFamily="18" charset="0"/>
-                          </a:rPr>
-                        </m:ctrlPr>
-                      </m:sSubPr>
-                      <m:e>
-                        <m:r>
-                          <a:rPr lang="pt-BR" i="1">
-                            <a:latin typeface="Cambria Math" panose="02040503050406030204" pitchFamily="18" charset="0"/>
-                          </a:rPr>
-                          <m:t>𝐶</m:t>
-                        </m:r>
-                      </m:e>
-                      <m:sub>
-                        <m:r>
-                          <a:rPr lang="pt-BR" b="0" i="1" smtClean="0">
-                            <a:latin typeface="Cambria Math" panose="02040503050406030204" pitchFamily="18" charset="0"/>
-                          </a:rPr>
-                          <m:t>2</m:t>
-                        </m:r>
-                      </m:sub>
-                    </m:sSub>
-                    <m:r>
-                      <a:rPr lang="pt-BR">
-                        <a:latin typeface="Cambria Math" panose="02040503050406030204" pitchFamily="18" charset="0"/>
-                      </a:rPr>
-                      <m:t>/</m:t>
-                    </m:r>
-                    <m:sSub>
-                      <m:sSubPr>
-                        <m:ctrlPr>
-                          <a:rPr lang="pt-BR" i="1">
-                            <a:latin typeface="Cambria Math" panose="02040503050406030204" pitchFamily="18" charset="0"/>
-                          </a:rPr>
-                        </m:ctrlPr>
-                      </m:sSubPr>
-                      <m:e>
-                        <m:r>
-                          <a:rPr lang="pt-BR" i="1">
-                            <a:latin typeface="Cambria Math" panose="02040503050406030204" pitchFamily="18" charset="0"/>
-                          </a:rPr>
-                          <m:t>𝐶</m:t>
-                        </m:r>
-                      </m:e>
-                      <m:sub>
-                        <m:r>
-                          <a:rPr lang="pt-BR" b="0" i="1" smtClean="0">
-                            <a:latin typeface="Cambria Math" panose="02040503050406030204" pitchFamily="18" charset="0"/>
-                          </a:rPr>
-                          <m:t>3</m:t>
-                        </m:r>
-                      </m:sub>
-                    </m:sSub>
-                  </m:oMath>
-                </a14:m>
-                <a:r>
-                  <a:rPr lang="pt-BR" dirty="0"/>
-                  <a:t>, </a:t>
-                </a:r>
-                <a14:m>
-                  <m:oMath xmlns:m="http://schemas.openxmlformats.org/officeDocument/2006/math">
-                    <m:sSub>
-                      <m:sSubPr>
-                        <m:ctrlPr>
-                          <a:rPr lang="pt-BR" i="1">
-                            <a:latin typeface="Cambria Math" panose="02040503050406030204" pitchFamily="18" charset="0"/>
-                          </a:rPr>
-                        </m:ctrlPr>
-                      </m:sSubPr>
-                      <m:e>
-                        <m:r>
-                          <a:rPr lang="pt-BR" i="1">
-                            <a:latin typeface="Cambria Math" panose="02040503050406030204" pitchFamily="18" charset="0"/>
-                          </a:rPr>
-                          <m:t>𝐶</m:t>
-                        </m:r>
-                      </m:e>
-                      <m:sub>
-                        <m:r>
-                          <a:rPr lang="pt-BR" b="0" i="1" smtClean="0">
-                            <a:latin typeface="Cambria Math" panose="02040503050406030204" pitchFamily="18" charset="0"/>
-                          </a:rPr>
-                          <m:t>2</m:t>
-                        </m:r>
-                      </m:sub>
-                    </m:sSub>
-                    <m:r>
-                      <a:rPr lang="pt-BR">
-                        <a:latin typeface="Cambria Math" panose="02040503050406030204" pitchFamily="18" charset="0"/>
-                      </a:rPr>
-                      <m:t>/</m:t>
-                    </m:r>
-                    <m:sSub>
-                      <m:sSubPr>
-                        <m:ctrlPr>
-                          <a:rPr lang="pt-BR" i="1">
-                            <a:latin typeface="Cambria Math" panose="02040503050406030204" pitchFamily="18" charset="0"/>
-                          </a:rPr>
-                        </m:ctrlPr>
-                      </m:sSubPr>
-                      <m:e>
-                        <m:r>
-                          <a:rPr lang="pt-BR" i="1">
-                            <a:latin typeface="Cambria Math" panose="02040503050406030204" pitchFamily="18" charset="0"/>
-                          </a:rPr>
-                          <m:t>𝐶</m:t>
-                        </m:r>
-                      </m:e>
-                      <m:sub>
-                        <m:r>
-                          <a:rPr lang="pt-BR" b="0" i="1" smtClean="0">
-                            <a:latin typeface="Cambria Math" panose="02040503050406030204" pitchFamily="18" charset="0"/>
-                          </a:rPr>
-                          <m:t>4</m:t>
-                        </m:r>
-                      </m:sub>
-                    </m:sSub>
-                  </m:oMath>
-                </a14:m>
-                <a:r>
-                  <a:rPr lang="pt-BR" dirty="0"/>
-                  <a:t>, e </a:t>
-                </a:r>
-                <a14:m>
-                  <m:oMath xmlns:m="http://schemas.openxmlformats.org/officeDocument/2006/math">
-                    <m:sSub>
-                      <m:sSubPr>
-                        <m:ctrlPr>
-                          <a:rPr lang="pt-BR" i="1">
-                            <a:latin typeface="Cambria Math" panose="02040503050406030204" pitchFamily="18" charset="0"/>
-                          </a:rPr>
-                        </m:ctrlPr>
-                      </m:sSubPr>
-                      <m:e>
-                        <m:r>
-                          <a:rPr lang="pt-BR" i="1">
-                            <a:latin typeface="Cambria Math" panose="02040503050406030204" pitchFamily="18" charset="0"/>
-                          </a:rPr>
-                          <m:t>𝐶</m:t>
-                        </m:r>
-                      </m:e>
-                      <m:sub>
-                        <m:r>
-                          <a:rPr lang="pt-BR" b="0" i="1" smtClean="0">
-                            <a:latin typeface="Cambria Math" panose="02040503050406030204" pitchFamily="18" charset="0"/>
-                          </a:rPr>
-                          <m:t>3</m:t>
-                        </m:r>
-                      </m:sub>
-                    </m:sSub>
-                    <m:r>
-                      <a:rPr lang="pt-BR">
-                        <a:latin typeface="Cambria Math" panose="02040503050406030204" pitchFamily="18" charset="0"/>
-                      </a:rPr>
-                      <m:t>/</m:t>
-                    </m:r>
-                    <m:sSub>
-                      <m:sSubPr>
-                        <m:ctrlPr>
-                          <a:rPr lang="pt-BR" i="1">
-                            <a:latin typeface="Cambria Math" panose="02040503050406030204" pitchFamily="18" charset="0"/>
-                          </a:rPr>
-                        </m:ctrlPr>
-                      </m:sSubPr>
-                      <m:e>
-                        <m:r>
-                          <a:rPr lang="pt-BR" i="1">
-                            <a:latin typeface="Cambria Math" panose="02040503050406030204" pitchFamily="18" charset="0"/>
-                          </a:rPr>
-                          <m:t>𝐶</m:t>
-                        </m:r>
-                      </m:e>
-                      <m:sub>
-                        <m:r>
-                          <a:rPr lang="pt-BR" b="0" i="1" smtClean="0">
-                            <a:latin typeface="Cambria Math" panose="02040503050406030204" pitchFamily="18" charset="0"/>
-                          </a:rPr>
-                          <m:t>4</m:t>
-                        </m:r>
-                      </m:sub>
-                    </m:sSub>
-                  </m:oMath>
-                </a14:m>
-                <a:r>
-                  <a:rPr lang="pt-BR" dirty="0"/>
-                  <a:t>. </a:t>
-                </a:r>
-              </a:p>
-              <a:p>
-                <a:endParaRPr lang="pt-BR" dirty="0"/>
-              </a:p>
-            </p:txBody>
-          </p:sp>
-        </mc:Choice>
-        <mc:Fallback>
-          <p:sp>
-            <p:nvSpPr>
-              <p:cNvPr id="3" name="Espaço Reservado para Conteúdo 2">
-                <a:extLst>
-                  <a:ext uri="{FF2B5EF4-FFF2-40B4-BE49-F238E27FC236}">
-                    <a16:creationId xmlns:a16="http://schemas.microsoft.com/office/drawing/2014/main" id="{3BAFA38F-B924-7049-765D-660ED8C4845B}"/>
-                  </a:ext>
-                </a:extLst>
-              </p:cNvPr>
-              <p:cNvSpPr>
-                <a:spLocks noGrp="1" noRot="1" noChangeAspect="1" noMove="1" noResize="1" noEditPoints="1" noAdjustHandles="1" noChangeArrowheads="1" noChangeShapeType="1" noTextEdit="1"/>
-              </p:cNvSpPr>
-              <p:nvPr>
-                <p:ph idx="1"/>
-              </p:nvPr>
-            </p:nvSpPr>
-            <p:spPr>
-              <a:blipFill>
-                <a:blip r:embed="rId3"/>
-                <a:stretch>
-                  <a:fillRect l="-1043" t="-2241" r="-406"/>
-                </a:stretch>
-              </a:blipFill>
-            </p:spPr>
-            <p:txBody>
-              <a:bodyPr/>
-              <a:lstStyle/>
-              <a:p>
-                <a:r>
-                  <a:rPr lang="pt-BR">
-                    <a:noFill/>
-                  </a:rPr>
-                  <a:t> </a:t>
-                </a:r>
-              </a:p>
-            </p:txBody>
-          </p:sp>
-        </mc:Fallback>
-      </mc:AlternateContent>
-    </p:spTree>
-    <p:extLst>
-      <p:ext uri="{BB962C8B-B14F-4D97-AF65-F5344CB8AC3E}">
-        <p14:creationId xmlns:p14="http://schemas.microsoft.com/office/powerpoint/2010/main" val="612709289"/>
-      </p:ext>
-    </p:extLst>
-  </p:cSld>
-  <p:clrMapOvr>
-    <a:masterClrMapping/>
-  </p:clrMapOvr>
-</p:sld>
-</file>
-
-<file path=ppt/slides/slide11.xml><?xml version="1.0" encoding="utf-8"?>
-<p:sld xmlns:a="http://schemas.openxmlformats.org/drawingml/2006/main" xmlns:r="http://schemas.openxmlformats.org/officeDocument/2006/relationships" xmlns:p="http://schemas.openxmlformats.org/presentationml/2006/main">
-  <p:cSld>
-    <p:spTree>
-      <p:nvGrpSpPr>
-        <p:cNvPr id="1" name=""/>
-        <p:cNvGrpSpPr/>
-        <p:nvPr/>
-      </p:nvGrpSpPr>
-      <p:grpSpPr>
-        <a:xfrm>
-          <a:off x="0" y="0"/>
-          <a:ext cx="0" cy="0"/>
-          <a:chOff x="0" y="0"/>
-          <a:chExt cx="0" cy="0"/>
-        </a:xfrm>
-      </p:grpSpPr>
-      <p:sp>
-        <p:nvSpPr>
-          <p:cNvPr id="2" name="Título 1">
-            <a:extLst>
-              <a:ext uri="{FF2B5EF4-FFF2-40B4-BE49-F238E27FC236}">
-                <a16:creationId xmlns:a16="http://schemas.microsoft.com/office/drawing/2014/main" id="{685EDE22-7739-3353-3DBC-8480197DC616}"/>
-              </a:ext>
-            </a:extLst>
-          </p:cNvPr>
-          <p:cNvSpPr>
-            <a:spLocks noGrp="1"/>
-          </p:cNvSpPr>
-          <p:nvPr>
-            <p:ph type="title"/>
-          </p:nvPr>
-        </p:nvSpPr>
-        <p:spPr/>
-        <p:txBody>
-          <a:bodyPr/>
-          <a:lstStyle/>
-          <a:p>
-            <a:r>
-              <a:rPr lang="pt-BR" dirty="0"/>
-              <a:t>Um-Contra-Um</a:t>
-            </a:r>
-          </a:p>
-        </p:txBody>
-      </p:sp>
-      <mc:AlternateContent xmlns:mc="http://schemas.openxmlformats.org/markup-compatibility/2006">
-        <mc:Choice xmlns:a14="http://schemas.microsoft.com/office/drawing/2010/main" Requires="a14">
-          <p:sp>
-            <p:nvSpPr>
-              <p:cNvPr id="3" name="Espaço Reservado para Conteúdo 2">
-                <a:extLst>
-                  <a:ext uri="{FF2B5EF4-FFF2-40B4-BE49-F238E27FC236}">
-                    <a16:creationId xmlns:a16="http://schemas.microsoft.com/office/drawing/2014/main" id="{2145CEE8-2FB2-6EEA-841B-CC93323A97A6}"/>
-                  </a:ext>
-                </a:extLst>
-              </p:cNvPr>
-              <p:cNvSpPr>
-                <a:spLocks noGrp="1"/>
-              </p:cNvSpPr>
-              <p:nvPr>
-                <p:ph idx="1"/>
-              </p:nvPr>
-            </p:nvSpPr>
-            <p:spPr/>
-            <p:txBody>
-              <a:bodyPr/>
-              <a:lstStyle/>
-              <a:p>
-                <a:r>
-                  <a:rPr lang="pt-BR" dirty="0"/>
-                  <a:t>No final, cada exemplo é classificado conforme o </a:t>
-                </a:r>
-                <a:r>
-                  <a:rPr lang="pt-BR" b="1" i="1" dirty="0"/>
-                  <a:t>voto majoritário </a:t>
-                </a:r>
-                <a:r>
-                  <a:rPr lang="pt-BR" dirty="0"/>
-                  <a:t>entre os </a:t>
-                </a:r>
-                <a:r>
-                  <a:rPr lang="pt-BR" b="1" i="1" dirty="0"/>
-                  <a:t>classificadores</a:t>
-                </a:r>
-                <a:r>
-                  <a:rPr lang="pt-BR" dirty="0"/>
-                  <a:t>.</a:t>
-                </a:r>
-              </a:p>
-              <a:p>
-                <a:r>
-                  <a:rPr lang="pt-BR" dirty="0"/>
-                  <a:t>A principal </a:t>
-                </a:r>
-                <a:r>
-                  <a:rPr lang="pt-BR" b="1" dirty="0"/>
-                  <a:t>vantagem</a:t>
-                </a:r>
-                <a:r>
-                  <a:rPr lang="pt-BR" dirty="0"/>
-                  <a:t> da abordagem </a:t>
-                </a:r>
-                <a:r>
-                  <a:rPr lang="pt-BR" b="1" i="1" dirty="0"/>
-                  <a:t>Um-Contra-Um </a:t>
-                </a:r>
-                <a:r>
-                  <a:rPr lang="pt-BR" dirty="0"/>
-                  <a:t>é que cada </a:t>
-                </a:r>
-                <a:r>
-                  <a:rPr lang="pt-BR" b="1" i="1" dirty="0"/>
-                  <a:t>classificador</a:t>
-                </a:r>
-                <a:r>
-                  <a:rPr lang="pt-BR" dirty="0"/>
-                  <a:t> precisa ser treinado apenas com as duas classes que ele deve distinguir, portanto, a chance de desbalanceamento é reduzida.</a:t>
-                </a:r>
-              </a:p>
-              <a:p>
-                <a:r>
-                  <a:rPr lang="pt-BR" dirty="0"/>
-                  <a:t>A desvantagem é que, por exemplo, se </a:t>
-                </a:r>
-                <a14:m>
-                  <m:oMath xmlns:m="http://schemas.openxmlformats.org/officeDocument/2006/math">
-                    <m:r>
-                      <a:rPr lang="pt-BR" i="1">
-                        <a:latin typeface="Cambria Math" panose="02040503050406030204" pitchFamily="18" charset="0"/>
-                      </a:rPr>
-                      <m:t>𝑄</m:t>
-                    </m:r>
-                    <m:r>
-                      <a:rPr lang="pt-BR" b="0" i="1" smtClean="0">
-                        <a:latin typeface="Cambria Math" panose="02040503050406030204" pitchFamily="18" charset="0"/>
-                      </a:rPr>
-                      <m:t>=10</m:t>
-                    </m:r>
-                  </m:oMath>
-                </a14:m>
-                <a:r>
-                  <a:rPr lang="pt-BR" dirty="0"/>
-                  <a:t>, temos que treinar 45 </a:t>
-                </a:r>
-                <a:r>
-                  <a:rPr lang="pt-BR" b="1" i="1" dirty="0"/>
-                  <a:t>classificadores</a:t>
-                </a:r>
-                <a:r>
-                  <a:rPr lang="pt-BR" dirty="0"/>
-                  <a:t>.</a:t>
-                </a:r>
-              </a:p>
-            </p:txBody>
-          </p:sp>
-        </mc:Choice>
-        <mc:Fallback>
-          <p:sp>
-            <p:nvSpPr>
-              <p:cNvPr id="3" name="Espaço Reservado para Conteúdo 2">
-                <a:extLst>
-                  <a:ext uri="{FF2B5EF4-FFF2-40B4-BE49-F238E27FC236}">
-                    <a16:creationId xmlns:a16="http://schemas.microsoft.com/office/drawing/2014/main" id="{2145CEE8-2FB2-6EEA-841B-CC93323A97A6}"/>
-                  </a:ext>
-                </a:extLst>
-              </p:cNvPr>
-              <p:cNvSpPr>
-                <a:spLocks noGrp="1" noRot="1" noChangeAspect="1" noMove="1" noResize="1" noEditPoints="1" noAdjustHandles="1" noChangeArrowheads="1" noChangeShapeType="1" noTextEdit="1"/>
-              </p:cNvSpPr>
-              <p:nvPr>
-                <p:ph idx="1"/>
-              </p:nvPr>
-            </p:nvSpPr>
-            <p:spPr>
-              <a:blipFill>
-                <a:blip r:embed="rId3"/>
-                <a:stretch>
-                  <a:fillRect l="-1043" t="-2241" r="-464"/>
-                </a:stretch>
-              </a:blipFill>
-            </p:spPr>
-            <p:txBody>
-              <a:bodyPr/>
-              <a:lstStyle/>
-              <a:p>
-                <a:r>
-                  <a:rPr lang="pt-BR">
-                    <a:noFill/>
-                  </a:rPr>
-                  <a:t> </a:t>
-                </a:r>
-              </a:p>
-            </p:txBody>
-          </p:sp>
-        </mc:Fallback>
-      </mc:AlternateContent>
-    </p:spTree>
-    <p:extLst>
-      <p:ext uri="{BB962C8B-B14F-4D97-AF65-F5344CB8AC3E}">
-        <p14:creationId xmlns:p14="http://schemas.microsoft.com/office/powerpoint/2010/main" val="1937066564"/>
-      </p:ext>
-    </p:extLst>
-  </p:cSld>
-  <p:clrMapOvr>
-    <a:masterClrMapping/>
-  </p:clrMapOvr>
-</p:sld>
-</file>
-
-<file path=ppt/slides/slide12.xml><?xml version="1.0" encoding="utf-8"?>
-<p:sld xmlns:a="http://schemas.openxmlformats.org/drawingml/2006/main" xmlns:r="http://schemas.openxmlformats.org/officeDocument/2006/relationships" xmlns:p="http://schemas.openxmlformats.org/presentationml/2006/main">
-  <p:cSld>
-    <p:spTree>
-      <p:nvGrpSpPr>
-        <p:cNvPr id="1" name=""/>
-        <p:cNvGrpSpPr/>
-        <p:nvPr/>
-      </p:nvGrpSpPr>
-      <p:grpSpPr>
-        <a:xfrm>
-          <a:off x="0" y="0"/>
-          <a:ext cx="0" cy="0"/>
-          <a:chOff x="0" y="0"/>
-          <a:chExt cx="0" cy="0"/>
-        </a:xfrm>
-      </p:grpSpPr>
-      <p:sp>
-        <p:nvSpPr>
-          <p:cNvPr id="2" name="Título 1">
-            <a:extLst>
-              <a:ext uri="{FF2B5EF4-FFF2-40B4-BE49-F238E27FC236}">
-                <a16:creationId xmlns:a16="http://schemas.microsoft.com/office/drawing/2014/main" id="{5262D25C-E84D-7AC3-542A-FE506F1BF0ED}"/>
-              </a:ext>
-            </a:extLst>
-          </p:cNvPr>
-          <p:cNvSpPr>
-            <a:spLocks noGrp="1"/>
-          </p:cNvSpPr>
-          <p:nvPr>
-            <p:ph type="title"/>
-          </p:nvPr>
-        </p:nvSpPr>
-        <p:spPr/>
-        <p:txBody>
-          <a:bodyPr/>
-          <a:lstStyle/>
-          <a:p>
-            <a:endParaRPr lang="pt-BR"/>
-          </a:p>
-        </p:txBody>
-      </p:sp>
-      <p:sp>
-        <p:nvSpPr>
-          <p:cNvPr id="3" name="Espaço Reservado para Conteúdo 2">
-            <a:extLst>
-              <a:ext uri="{FF2B5EF4-FFF2-40B4-BE49-F238E27FC236}">
-                <a16:creationId xmlns:a16="http://schemas.microsoft.com/office/drawing/2014/main" id="{3C0B7B0D-989B-1D6A-9842-C2E0E5729588}"/>
-              </a:ext>
-            </a:extLst>
-          </p:cNvPr>
-          <p:cNvSpPr>
-            <a:spLocks noGrp="1"/>
-          </p:cNvSpPr>
-          <p:nvPr>
-            <p:ph idx="1"/>
-          </p:nvPr>
-        </p:nvSpPr>
-        <p:spPr/>
-        <p:txBody>
-          <a:bodyPr/>
-          <a:lstStyle/>
-          <a:p>
-            <a:endParaRPr lang="pt-BR"/>
-          </a:p>
-        </p:txBody>
-      </p:sp>
-    </p:spTree>
-    <p:extLst>
-      <p:ext uri="{BB962C8B-B14F-4D97-AF65-F5344CB8AC3E}">
-        <p14:creationId xmlns:p14="http://schemas.microsoft.com/office/powerpoint/2010/main" val="971930310"/>
-      </p:ext>
-    </p:extLst>
-  </p:cSld>
-  <p:clrMapOvr>
-    <a:masterClrMapping/>
-  </p:clrMapOvr>
-</p:sld>
-</file>
-
-<file path=ppt/slides/slide13.xml><?xml version="1.0" encoding="utf-8"?>
-<p:sld xmlns:a="http://schemas.openxmlformats.org/drawingml/2006/main" xmlns:r="http://schemas.openxmlformats.org/officeDocument/2006/relationships" xmlns:p="http://schemas.openxmlformats.org/presentationml/2006/main">
-  <p:cSld>
-    <p:spTree>
-      <p:nvGrpSpPr>
-        <p:cNvPr id="1" name=""/>
-        <p:cNvGrpSpPr/>
-        <p:nvPr/>
-      </p:nvGrpSpPr>
-      <p:grpSpPr>
-        <a:xfrm>
-          <a:off x="0" y="0"/>
-          <a:ext cx="0" cy="0"/>
-          <a:chOff x="0" y="0"/>
-          <a:chExt cx="0" cy="0"/>
-        </a:xfrm>
-      </p:grpSpPr>
-      <p:sp>
-        <p:nvSpPr>
-          <p:cNvPr id="2" name="Title 1"/>
-          <p:cNvSpPr>
-            <a:spLocks noGrp="1"/>
-          </p:cNvSpPr>
-          <p:nvPr>
-            <p:ph type="title"/>
-          </p:nvPr>
-        </p:nvSpPr>
-        <p:spPr/>
-        <p:txBody>
-          <a:bodyPr/>
-          <a:lstStyle/>
-          <a:p>
-            <a:r>
-              <a:rPr lang="pt-BR" dirty="0"/>
-              <a:t>Um-Contra-Um</a:t>
-            </a:r>
-          </a:p>
-        </p:txBody>
-      </p:sp>
-      <mc:AlternateContent xmlns:mc="http://schemas.openxmlformats.org/markup-compatibility/2006" xmlns:a14="http://schemas.microsoft.com/office/drawing/2010/main">
-        <mc:Choice Requires="a14">
-          <p:sp>
-            <p:nvSpPr>
-              <p:cNvPr id="3" name="Content Placeholder 2"/>
-              <p:cNvSpPr>
-                <a:spLocks noGrp="1"/>
-              </p:cNvSpPr>
-              <p:nvPr>
-                <p:ph idx="1"/>
-              </p:nvPr>
-            </p:nvSpPr>
-            <p:spPr>
-              <a:xfrm>
-                <a:off x="838200" y="1825624"/>
-                <a:ext cx="11203004" cy="5032376"/>
-              </a:xfrm>
-            </p:spPr>
-            <p:txBody>
-              <a:bodyPr>
-                <a:normAutofit lnSpcReduction="10000"/>
-              </a:bodyPr>
-              <a:lstStyle/>
-              <a:p>
-                <a:r>
-                  <a:rPr lang="pt-BR" dirty="0"/>
-                  <a:t>Nesta abordagem, treina-se </a:t>
-                </a:r>
-                <a14:m>
-                  <m:oMath xmlns:m="http://schemas.openxmlformats.org/officeDocument/2006/math">
-                    <m:r>
-                      <a:rPr lang="pt-BR" b="0" i="1" smtClean="0">
-                        <a:latin typeface="Cambria Math" panose="02040503050406030204" pitchFamily="18" charset="0"/>
-                      </a:rPr>
-                      <m:t>𝑄</m:t>
-                    </m:r>
-                    <m:r>
-                      <a:rPr lang="pt-BR" b="0" i="1" smtClean="0">
-                        <a:latin typeface="Cambria Math" panose="02040503050406030204" pitchFamily="18" charset="0"/>
-                      </a:rPr>
-                      <m:t>(</m:t>
-                    </m:r>
-                    <m:r>
-                      <a:rPr lang="pt-BR" b="0" i="1" smtClean="0">
-                        <a:latin typeface="Cambria Math" panose="02040503050406030204" pitchFamily="18" charset="0"/>
-                      </a:rPr>
-                      <m:t>𝑄</m:t>
-                    </m:r>
-                    <m:r>
-                      <a:rPr lang="pt-BR" b="0" i="1" smtClean="0">
-                        <a:latin typeface="Cambria Math" panose="02040503050406030204" pitchFamily="18" charset="0"/>
-                      </a:rPr>
-                      <m:t>−1)/2</m:t>
-                    </m:r>
-                  </m:oMath>
-                </a14:m>
-                <a:r>
-                  <a:rPr lang="pt-BR" dirty="0"/>
-                  <a:t> </a:t>
-                </a:r>
-                <a:r>
-                  <a:rPr lang="pt-BR" b="1" i="1" dirty="0"/>
-                  <a:t>classificadores binários</a:t>
-                </a:r>
-                <a:r>
-                  <a:rPr lang="pt-BR" dirty="0"/>
-                  <a:t>. </a:t>
-                </a:r>
-              </a:p>
-              <a:p>
-                <a:r>
-                  <a:rPr lang="pt-BR" dirty="0"/>
-                  <a:t>Cada </a:t>
-                </a:r>
-                <a:r>
-                  <a:rPr lang="pt-BR" b="1" i="1" dirty="0"/>
-                  <a:t>classificador</a:t>
-                </a:r>
-                <a:r>
-                  <a:rPr lang="pt-BR" dirty="0"/>
-                  <a:t> é construído para fazer a distinção entre exemplos pertencentes a cada um dos possíveis </a:t>
-                </a:r>
-                <a:r>
-                  <a:rPr lang="pt-BR" b="1" i="1" dirty="0"/>
-                  <a:t>pares</a:t>
-                </a:r>
-                <a:r>
-                  <a:rPr lang="pt-BR" dirty="0"/>
-                  <a:t> de classes.</a:t>
-                </a:r>
-              </a:p>
-              <a:p>
-                <a:pPr lvl="1">
-                  <a:buFont typeface="Wingdings" panose="05000000000000000000" pitchFamily="2" charset="2"/>
-                  <a:buChar char="§"/>
-                </a:pPr>
-                <a:r>
-                  <a:rPr lang="pt-BR" b="1" i="1" dirty="0">
-                    <a:solidFill>
-                      <a:srgbClr val="00B0F0"/>
-                    </a:solidFill>
-                  </a:rPr>
-                  <a:t>Transformamos um problema com </a:t>
-                </a:r>
-                <a14:m>
-                  <m:oMath xmlns:m="http://schemas.openxmlformats.org/officeDocument/2006/math">
-                    <m:r>
-                      <a:rPr lang="pt-BR" b="1" i="1">
-                        <a:solidFill>
-                          <a:srgbClr val="00B0F0"/>
-                        </a:solidFill>
-                        <a:latin typeface="Cambria Math" panose="02040503050406030204" pitchFamily="18" charset="0"/>
-                        <a:ea typeface="Cambria Math" panose="02040503050406030204" pitchFamily="18" charset="0"/>
-                      </a:rPr>
-                      <m:t>𝑸</m:t>
-                    </m:r>
-                  </m:oMath>
-                </a14:m>
-                <a:r>
-                  <a:rPr lang="pt-BR" b="1" i="1" dirty="0">
-                    <a:solidFill>
-                      <a:srgbClr val="00B0F0"/>
-                    </a:solidFill>
-                  </a:rPr>
-                  <a:t> classes em </a:t>
-                </a:r>
-                <a14:m>
-                  <m:oMath xmlns:m="http://schemas.openxmlformats.org/officeDocument/2006/math">
-                    <m:r>
-                      <a:rPr lang="pt-BR" b="1" i="1" smtClean="0">
-                        <a:solidFill>
-                          <a:srgbClr val="00B0F0"/>
-                        </a:solidFill>
-                        <a:latin typeface="Cambria Math" panose="02040503050406030204" pitchFamily="18" charset="0"/>
-                      </a:rPr>
-                      <m:t>𝑸</m:t>
-                    </m:r>
-                    <m:r>
-                      <a:rPr lang="pt-BR" b="1" i="1" smtClean="0">
-                        <a:solidFill>
-                          <a:srgbClr val="00B0F0"/>
-                        </a:solidFill>
-                        <a:latin typeface="Cambria Math" panose="02040503050406030204" pitchFamily="18" charset="0"/>
-                      </a:rPr>
-                      <m:t>(</m:t>
-                    </m:r>
-                    <m:r>
-                      <a:rPr lang="pt-BR" b="1" i="1" smtClean="0">
-                        <a:solidFill>
-                          <a:srgbClr val="00B0F0"/>
-                        </a:solidFill>
-                        <a:latin typeface="Cambria Math" panose="02040503050406030204" pitchFamily="18" charset="0"/>
-                      </a:rPr>
-                      <m:t>𝑸</m:t>
-                    </m:r>
-                    <m:r>
-                      <a:rPr lang="pt-BR" b="1" i="1" smtClean="0">
-                        <a:solidFill>
-                          <a:srgbClr val="00B0F0"/>
-                        </a:solidFill>
-                        <a:latin typeface="Cambria Math" panose="02040503050406030204" pitchFamily="18" charset="0"/>
-                      </a:rPr>
-                      <m:t>−</m:t>
-                    </m:r>
-                    <m:r>
-                      <a:rPr lang="pt-BR" b="1" i="1" smtClean="0">
-                        <a:solidFill>
-                          <a:srgbClr val="00B0F0"/>
-                        </a:solidFill>
-                        <a:latin typeface="Cambria Math" panose="02040503050406030204" pitchFamily="18" charset="0"/>
-                      </a:rPr>
-                      <m:t>𝟏</m:t>
-                    </m:r>
-                    <m:r>
-                      <a:rPr lang="pt-BR" b="1" i="1" smtClean="0">
-                        <a:solidFill>
-                          <a:srgbClr val="00B0F0"/>
-                        </a:solidFill>
-                        <a:latin typeface="Cambria Math" panose="02040503050406030204" pitchFamily="18" charset="0"/>
-                      </a:rPr>
-                      <m:t>)/</m:t>
-                    </m:r>
-                    <m:r>
-                      <a:rPr lang="pt-BR" b="1" i="1" smtClean="0">
-                        <a:solidFill>
-                          <a:srgbClr val="00B0F0"/>
-                        </a:solidFill>
-                        <a:latin typeface="Cambria Math" panose="02040503050406030204" pitchFamily="18" charset="0"/>
-                      </a:rPr>
-                      <m:t>𝟐</m:t>
-                    </m:r>
-                  </m:oMath>
-                </a14:m>
-                <a:r>
-                  <a:rPr lang="pt-BR" b="1" i="1" dirty="0">
-                    <a:solidFill>
-                      <a:srgbClr val="00B0F0"/>
-                    </a:solidFill>
-                  </a:rPr>
-                  <a:t> problemas binários.</a:t>
-                </a:r>
-                <a:endParaRPr lang="pt-BR" dirty="0"/>
-              </a:p>
-              <a:p>
-                <a:pPr lvl="1">
-                  <a:buFont typeface="Wingdings" panose="05000000000000000000" pitchFamily="2" charset="2"/>
-                  <a:buChar char="§"/>
-                </a:pPr>
-                <a:r>
-                  <a:rPr lang="pt-BR" dirty="0"/>
-                  <a:t>Se </a:t>
-                </a:r>
-                <a14:m>
-                  <m:oMath xmlns:m="http://schemas.openxmlformats.org/officeDocument/2006/math">
-                    <m:r>
-                      <a:rPr lang="pt-BR" i="1">
-                        <a:latin typeface="Cambria Math" panose="02040503050406030204" pitchFamily="18" charset="0"/>
-                      </a:rPr>
-                      <m:t>𝑄</m:t>
-                    </m:r>
-                    <m:r>
-                      <a:rPr lang="pt-BR" b="0" i="0" smtClean="0">
-                        <a:latin typeface="Cambria Math" panose="02040503050406030204" pitchFamily="18" charset="0"/>
-                      </a:rPr>
-                      <m:t>=4</m:t>
-                    </m:r>
-                  </m:oMath>
-                </a14:m>
-                <a:r>
-                  <a:rPr lang="pt-BR" dirty="0"/>
-                  <a:t>, então treina-se 6 </a:t>
-                </a:r>
-                <a:r>
-                  <a:rPr lang="pt-BR" b="1" i="1" dirty="0"/>
-                  <a:t>classificadores</a:t>
-                </a:r>
-                <a:r>
-                  <a:rPr lang="pt-BR" dirty="0"/>
-                  <a:t> para classificar entre</a:t>
-                </a:r>
-                <a14:m>
-                  <m:oMath xmlns:m="http://schemas.openxmlformats.org/officeDocument/2006/math">
-                    <m:r>
-                      <a:rPr lang="pt-BR" i="1">
-                        <a:latin typeface="Cambria Math" panose="02040503050406030204" pitchFamily="18" charset="0"/>
-                      </a:rPr>
-                      <m:t> </m:t>
-                    </m:r>
-                    <m:sSub>
-                      <m:sSubPr>
-                        <m:ctrlPr>
-                          <a:rPr lang="pt-BR" i="1">
-                            <a:latin typeface="Cambria Math" panose="02040503050406030204" pitchFamily="18" charset="0"/>
-                          </a:rPr>
-                        </m:ctrlPr>
-                      </m:sSubPr>
-                      <m:e>
-                        <m:r>
-                          <a:rPr lang="pt-BR" i="1">
-                            <a:latin typeface="Cambria Math" panose="02040503050406030204" pitchFamily="18" charset="0"/>
-                          </a:rPr>
-                          <m:t>𝐶</m:t>
-                        </m:r>
-                      </m:e>
-                      <m:sub>
-                        <m:r>
-                          <a:rPr lang="pt-BR" i="1">
-                            <a:latin typeface="Cambria Math" panose="02040503050406030204" pitchFamily="18" charset="0"/>
-                          </a:rPr>
-                          <m:t>1</m:t>
-                        </m:r>
-                      </m:sub>
-                    </m:sSub>
-                    <m:r>
-                      <a:rPr lang="pt-BR" b="0" i="0" smtClean="0">
-                        <a:latin typeface="Cambria Math" panose="02040503050406030204" pitchFamily="18" charset="0"/>
-                      </a:rPr>
-                      <m:t>/</m:t>
-                    </m:r>
-                    <m:sSub>
-                      <m:sSubPr>
-                        <m:ctrlPr>
-                          <a:rPr lang="pt-BR" i="1">
-                            <a:latin typeface="Cambria Math" panose="02040503050406030204" pitchFamily="18" charset="0"/>
-                          </a:rPr>
-                        </m:ctrlPr>
-                      </m:sSubPr>
-                      <m:e>
-                        <m:r>
-                          <a:rPr lang="pt-BR" i="1">
-                            <a:latin typeface="Cambria Math" panose="02040503050406030204" pitchFamily="18" charset="0"/>
-                          </a:rPr>
-                          <m:t>𝐶</m:t>
-                        </m:r>
-                      </m:e>
-                      <m:sub>
-                        <m:r>
-                          <a:rPr lang="pt-BR" i="1">
-                            <a:latin typeface="Cambria Math" panose="02040503050406030204" pitchFamily="18" charset="0"/>
-                          </a:rPr>
-                          <m:t>2</m:t>
-                        </m:r>
-                      </m:sub>
-                    </m:sSub>
-                  </m:oMath>
-                </a14:m>
-                <a:r>
-                  <a:rPr lang="pt-BR" dirty="0"/>
-                  <a:t>, </a:t>
-                </a:r>
-                <a14:m>
-                  <m:oMath xmlns:m="http://schemas.openxmlformats.org/officeDocument/2006/math">
-                    <m:sSub>
-                      <m:sSubPr>
-                        <m:ctrlPr>
-                          <a:rPr lang="pt-BR" i="1">
-                            <a:latin typeface="Cambria Math" panose="02040503050406030204" pitchFamily="18" charset="0"/>
-                          </a:rPr>
-                        </m:ctrlPr>
-                      </m:sSubPr>
-                      <m:e>
-                        <m:r>
-                          <a:rPr lang="pt-BR" i="1">
-                            <a:latin typeface="Cambria Math" panose="02040503050406030204" pitchFamily="18" charset="0"/>
-                          </a:rPr>
-                          <m:t>𝐶</m:t>
-                        </m:r>
-                      </m:e>
-                      <m:sub>
-                        <m:r>
-                          <a:rPr lang="pt-BR" i="1">
-                            <a:latin typeface="Cambria Math" panose="02040503050406030204" pitchFamily="18" charset="0"/>
-                          </a:rPr>
-                          <m:t>1</m:t>
-                        </m:r>
-                      </m:sub>
-                    </m:sSub>
-                    <m:r>
-                      <a:rPr lang="pt-BR">
-                        <a:latin typeface="Cambria Math" panose="02040503050406030204" pitchFamily="18" charset="0"/>
-                      </a:rPr>
-                      <m:t>/</m:t>
-                    </m:r>
-                    <m:sSub>
-                      <m:sSubPr>
-                        <m:ctrlPr>
-                          <a:rPr lang="pt-BR" i="1">
-                            <a:latin typeface="Cambria Math" panose="02040503050406030204" pitchFamily="18" charset="0"/>
-                          </a:rPr>
-                        </m:ctrlPr>
-                      </m:sSubPr>
-                      <m:e>
-                        <m:r>
-                          <a:rPr lang="pt-BR" i="1">
-                            <a:latin typeface="Cambria Math" panose="02040503050406030204" pitchFamily="18" charset="0"/>
-                          </a:rPr>
-                          <m:t>𝐶</m:t>
-                        </m:r>
-                      </m:e>
-                      <m:sub>
-                        <m:r>
-                          <a:rPr lang="pt-BR" b="0" i="1" smtClean="0">
-                            <a:latin typeface="Cambria Math" panose="02040503050406030204" pitchFamily="18" charset="0"/>
-                          </a:rPr>
-                          <m:t>3</m:t>
-                        </m:r>
-                      </m:sub>
-                    </m:sSub>
-                  </m:oMath>
-                </a14:m>
-                <a:r>
-                  <a:rPr lang="pt-BR" dirty="0"/>
-                  <a:t>, </a:t>
-                </a:r>
-                <a14:m>
-                  <m:oMath xmlns:m="http://schemas.openxmlformats.org/officeDocument/2006/math">
-                    <m:sSub>
-                      <m:sSubPr>
-                        <m:ctrlPr>
-                          <a:rPr lang="pt-BR" i="1">
-                            <a:latin typeface="Cambria Math" panose="02040503050406030204" pitchFamily="18" charset="0"/>
-                          </a:rPr>
-                        </m:ctrlPr>
-                      </m:sSubPr>
-                      <m:e>
-                        <m:r>
-                          <a:rPr lang="pt-BR" i="1">
-                            <a:latin typeface="Cambria Math" panose="02040503050406030204" pitchFamily="18" charset="0"/>
-                          </a:rPr>
-                          <m:t>𝐶</m:t>
-                        </m:r>
-                      </m:e>
-                      <m:sub>
-                        <m:r>
-                          <a:rPr lang="pt-BR" i="1">
-                            <a:latin typeface="Cambria Math" panose="02040503050406030204" pitchFamily="18" charset="0"/>
-                          </a:rPr>
-                          <m:t>1</m:t>
-                        </m:r>
-                      </m:sub>
-                    </m:sSub>
-                    <m:r>
-                      <a:rPr lang="pt-BR">
-                        <a:latin typeface="Cambria Math" panose="02040503050406030204" pitchFamily="18" charset="0"/>
-                      </a:rPr>
-                      <m:t>/</m:t>
-                    </m:r>
-                    <m:sSub>
-                      <m:sSubPr>
-                        <m:ctrlPr>
-                          <a:rPr lang="pt-BR" i="1">
-                            <a:latin typeface="Cambria Math" panose="02040503050406030204" pitchFamily="18" charset="0"/>
-                          </a:rPr>
-                        </m:ctrlPr>
-                      </m:sSubPr>
-                      <m:e>
-                        <m:r>
-                          <a:rPr lang="pt-BR" i="1">
-                            <a:latin typeface="Cambria Math" panose="02040503050406030204" pitchFamily="18" charset="0"/>
-                          </a:rPr>
-                          <m:t>𝐶</m:t>
-                        </m:r>
-                      </m:e>
-                      <m:sub>
-                        <m:r>
-                          <a:rPr lang="pt-BR" b="0" i="1" smtClean="0">
-                            <a:latin typeface="Cambria Math" panose="02040503050406030204" pitchFamily="18" charset="0"/>
-                          </a:rPr>
-                          <m:t>4</m:t>
-                        </m:r>
-                      </m:sub>
-                    </m:sSub>
-                  </m:oMath>
-                </a14:m>
-                <a:r>
-                  <a:rPr lang="pt-BR" dirty="0"/>
-                  <a:t>, </a:t>
-                </a:r>
-                <a14:m>
-                  <m:oMath xmlns:m="http://schemas.openxmlformats.org/officeDocument/2006/math">
-                    <m:sSub>
-                      <m:sSubPr>
-                        <m:ctrlPr>
-                          <a:rPr lang="pt-BR" i="1">
-                            <a:latin typeface="Cambria Math" panose="02040503050406030204" pitchFamily="18" charset="0"/>
-                          </a:rPr>
-                        </m:ctrlPr>
-                      </m:sSubPr>
-                      <m:e>
-                        <m:r>
-                          <a:rPr lang="pt-BR" i="1">
-                            <a:latin typeface="Cambria Math" panose="02040503050406030204" pitchFamily="18" charset="0"/>
-                          </a:rPr>
-                          <m:t>𝐶</m:t>
-                        </m:r>
-                      </m:e>
-                      <m:sub>
-                        <m:r>
-                          <a:rPr lang="pt-BR" b="0" i="1" smtClean="0">
-                            <a:latin typeface="Cambria Math" panose="02040503050406030204" pitchFamily="18" charset="0"/>
-                          </a:rPr>
-                          <m:t>2</m:t>
-                        </m:r>
-                      </m:sub>
-                    </m:sSub>
-                    <m:r>
-                      <a:rPr lang="pt-BR">
-                        <a:latin typeface="Cambria Math" panose="02040503050406030204" pitchFamily="18" charset="0"/>
-                      </a:rPr>
-                      <m:t>/</m:t>
-                    </m:r>
-                    <m:sSub>
-                      <m:sSubPr>
-                        <m:ctrlPr>
-                          <a:rPr lang="pt-BR" i="1">
-                            <a:latin typeface="Cambria Math" panose="02040503050406030204" pitchFamily="18" charset="0"/>
-                          </a:rPr>
-                        </m:ctrlPr>
-                      </m:sSubPr>
-                      <m:e>
-                        <m:r>
-                          <a:rPr lang="pt-BR" i="1">
-                            <a:latin typeface="Cambria Math" panose="02040503050406030204" pitchFamily="18" charset="0"/>
-                          </a:rPr>
-                          <m:t>𝐶</m:t>
-                        </m:r>
-                      </m:e>
-                      <m:sub>
-                        <m:r>
-                          <a:rPr lang="pt-BR" b="0" i="1" smtClean="0">
-                            <a:latin typeface="Cambria Math" panose="02040503050406030204" pitchFamily="18" charset="0"/>
-                          </a:rPr>
-                          <m:t>3</m:t>
-                        </m:r>
-                      </m:sub>
-                    </m:sSub>
-                  </m:oMath>
-                </a14:m>
-                <a:r>
-                  <a:rPr lang="pt-BR" dirty="0"/>
-                  <a:t>, </a:t>
-                </a:r>
-                <a14:m>
-                  <m:oMath xmlns:m="http://schemas.openxmlformats.org/officeDocument/2006/math">
-                    <m:sSub>
-                      <m:sSubPr>
-                        <m:ctrlPr>
-                          <a:rPr lang="pt-BR" i="1">
-                            <a:latin typeface="Cambria Math" panose="02040503050406030204" pitchFamily="18" charset="0"/>
-                          </a:rPr>
-                        </m:ctrlPr>
-                      </m:sSubPr>
-                      <m:e>
-                        <m:r>
-                          <a:rPr lang="pt-BR" i="1">
-                            <a:latin typeface="Cambria Math" panose="02040503050406030204" pitchFamily="18" charset="0"/>
-                          </a:rPr>
-                          <m:t>𝐶</m:t>
-                        </m:r>
-                      </m:e>
-                      <m:sub>
-                        <m:r>
-                          <a:rPr lang="pt-BR" b="0" i="1" smtClean="0">
-                            <a:latin typeface="Cambria Math" panose="02040503050406030204" pitchFamily="18" charset="0"/>
-                          </a:rPr>
-                          <m:t>2</m:t>
-                        </m:r>
-                      </m:sub>
-                    </m:sSub>
-                    <m:r>
-                      <a:rPr lang="pt-BR">
-                        <a:latin typeface="Cambria Math" panose="02040503050406030204" pitchFamily="18" charset="0"/>
-                      </a:rPr>
-                      <m:t>/</m:t>
-                    </m:r>
-                    <m:sSub>
-                      <m:sSubPr>
-                        <m:ctrlPr>
-                          <a:rPr lang="pt-BR" i="1">
-                            <a:latin typeface="Cambria Math" panose="02040503050406030204" pitchFamily="18" charset="0"/>
-                          </a:rPr>
-                        </m:ctrlPr>
-                      </m:sSubPr>
-                      <m:e>
-                        <m:r>
-                          <a:rPr lang="pt-BR" i="1">
-                            <a:latin typeface="Cambria Math" panose="02040503050406030204" pitchFamily="18" charset="0"/>
-                          </a:rPr>
-                          <m:t>𝐶</m:t>
-                        </m:r>
-                      </m:e>
-                      <m:sub>
-                        <m:r>
-                          <a:rPr lang="pt-BR" b="0" i="1" smtClean="0">
-                            <a:latin typeface="Cambria Math" panose="02040503050406030204" pitchFamily="18" charset="0"/>
-                          </a:rPr>
-                          <m:t>4</m:t>
-                        </m:r>
-                      </m:sub>
-                    </m:sSub>
-                  </m:oMath>
-                </a14:m>
-                <a:r>
-                  <a:rPr lang="pt-BR" dirty="0"/>
-                  <a:t>, e </a:t>
-                </a:r>
-                <a14:m>
-                  <m:oMath xmlns:m="http://schemas.openxmlformats.org/officeDocument/2006/math">
-                    <m:sSub>
-                      <m:sSubPr>
-                        <m:ctrlPr>
-                          <a:rPr lang="pt-BR" i="1">
-                            <a:latin typeface="Cambria Math" panose="02040503050406030204" pitchFamily="18" charset="0"/>
-                          </a:rPr>
-                        </m:ctrlPr>
-                      </m:sSubPr>
-                      <m:e>
-                        <m:r>
-                          <a:rPr lang="pt-BR" i="1">
-                            <a:latin typeface="Cambria Math" panose="02040503050406030204" pitchFamily="18" charset="0"/>
-                          </a:rPr>
-                          <m:t>𝐶</m:t>
-                        </m:r>
-                      </m:e>
-                      <m:sub>
-                        <m:r>
-                          <a:rPr lang="pt-BR" b="0" i="1" smtClean="0">
-                            <a:latin typeface="Cambria Math" panose="02040503050406030204" pitchFamily="18" charset="0"/>
-                          </a:rPr>
-                          <m:t>3</m:t>
-                        </m:r>
-                      </m:sub>
-                    </m:sSub>
-                    <m:r>
-                      <a:rPr lang="pt-BR">
-                        <a:latin typeface="Cambria Math" panose="02040503050406030204" pitchFamily="18" charset="0"/>
-                      </a:rPr>
-                      <m:t>/</m:t>
-                    </m:r>
-                    <m:sSub>
-                      <m:sSubPr>
-                        <m:ctrlPr>
-                          <a:rPr lang="pt-BR" i="1">
-                            <a:latin typeface="Cambria Math" panose="02040503050406030204" pitchFamily="18" charset="0"/>
-                          </a:rPr>
-                        </m:ctrlPr>
-                      </m:sSubPr>
-                      <m:e>
-                        <m:r>
-                          <a:rPr lang="pt-BR" i="1">
-                            <a:latin typeface="Cambria Math" panose="02040503050406030204" pitchFamily="18" charset="0"/>
-                          </a:rPr>
-                          <m:t>𝐶</m:t>
-                        </m:r>
-                      </m:e>
-                      <m:sub>
-                        <m:r>
-                          <a:rPr lang="pt-BR" b="0" i="1" smtClean="0">
-                            <a:latin typeface="Cambria Math" panose="02040503050406030204" pitchFamily="18" charset="0"/>
-                          </a:rPr>
-                          <m:t>4</m:t>
-                        </m:r>
-                      </m:sub>
-                    </m:sSub>
-                  </m:oMath>
-                </a14:m>
-                <a:r>
-                  <a:rPr lang="pt-BR" dirty="0"/>
-                  <a:t>. </a:t>
-                </a:r>
-              </a:p>
-              <a:p>
-                <a:r>
-                  <a:rPr lang="pt-BR" dirty="0"/>
-                  <a:t>No final, cada exemplo é classificado conforme o </a:t>
-                </a:r>
-                <a:r>
-                  <a:rPr lang="pt-BR" b="1" i="1" dirty="0"/>
-                  <a:t>voto majoritário </a:t>
-                </a:r>
-                <a:r>
-                  <a:rPr lang="pt-BR" dirty="0"/>
-                  <a:t>entre os </a:t>
-                </a:r>
-                <a:r>
-                  <a:rPr lang="pt-BR" b="1" i="1" dirty="0"/>
-                  <a:t>classificadores</a:t>
-                </a:r>
-                <a:r>
-                  <a:rPr lang="pt-BR" dirty="0"/>
-                  <a:t>.</a:t>
-                </a:r>
-              </a:p>
-              <a:p>
-                <a:r>
-                  <a:rPr lang="pt-BR" dirty="0"/>
-                  <a:t>A principal </a:t>
-                </a:r>
-                <a:r>
-                  <a:rPr lang="pt-BR" b="1" dirty="0"/>
-                  <a:t>vantagem</a:t>
-                </a:r>
-                <a:r>
-                  <a:rPr lang="pt-BR" dirty="0"/>
-                  <a:t> da abordagem </a:t>
-                </a:r>
-                <a:r>
-                  <a:rPr lang="pt-BR" b="1" i="1" dirty="0"/>
-                  <a:t>Um-Contra-Um </a:t>
-                </a:r>
-                <a:r>
-                  <a:rPr lang="pt-BR" dirty="0"/>
-                  <a:t>é que cada </a:t>
-                </a:r>
-                <a:r>
-                  <a:rPr lang="pt-BR" b="1" i="1" dirty="0"/>
-                  <a:t>classificador</a:t>
-                </a:r>
-                <a:r>
-                  <a:rPr lang="pt-BR" dirty="0"/>
-                  <a:t> precisa ser treinado apenas com as duas classes que ele deve distinguir, portanto, a chance de desbalanceamento é reduzida.</a:t>
-                </a:r>
-              </a:p>
-              <a:p>
-                <a:r>
-                  <a:rPr lang="pt-BR" dirty="0"/>
-                  <a:t>A desvantagem é que, por exemplo, se </a:t>
-                </a:r>
-                <a14:m>
-                  <m:oMath xmlns:m="http://schemas.openxmlformats.org/officeDocument/2006/math">
-                    <m:r>
-                      <a:rPr lang="pt-BR" i="1">
-                        <a:latin typeface="Cambria Math" panose="02040503050406030204" pitchFamily="18" charset="0"/>
-                      </a:rPr>
-                      <m:t>𝑄</m:t>
-                    </m:r>
-                    <m:r>
-                      <a:rPr lang="pt-BR" b="0" i="1" smtClean="0">
-                        <a:latin typeface="Cambria Math" panose="02040503050406030204" pitchFamily="18" charset="0"/>
-                      </a:rPr>
-                      <m:t>=10</m:t>
-                    </m:r>
-                  </m:oMath>
-                </a14:m>
-                <a:r>
-                  <a:rPr lang="pt-BR" dirty="0"/>
-                  <a:t>, temos que treinar 45 </a:t>
-                </a:r>
-                <a:r>
-                  <a:rPr lang="pt-BR" b="1" i="1" dirty="0"/>
-                  <a:t>classificadores</a:t>
-                </a:r>
-                <a:r>
-                  <a:rPr lang="pt-BR" dirty="0"/>
-                  <a:t>.</a:t>
-                </a:r>
-              </a:p>
-            </p:txBody>
-          </p:sp>
-        </mc:Choice>
-        <mc:Fallback xmlns="">
-          <p:sp>
-            <p:nvSpPr>
-              <p:cNvPr id="3" name="Content Placeholder 2"/>
-              <p:cNvSpPr>
-                <a:spLocks noGrp="1" noRot="1" noChangeAspect="1" noMove="1" noResize="1" noEditPoints="1" noAdjustHandles="1" noChangeArrowheads="1" noChangeShapeType="1" noTextEdit="1"/>
-              </p:cNvSpPr>
-              <p:nvPr>
-                <p:ph idx="1"/>
-              </p:nvPr>
-            </p:nvSpPr>
-            <p:spPr>
-              <a:xfrm>
-                <a:off x="838200" y="1825624"/>
-                <a:ext cx="11203004" cy="5032376"/>
-              </a:xfrm>
-              <a:blipFill rotWithShape="0">
-                <a:blip r:embed="rId3"/>
-                <a:stretch>
-                  <a:fillRect l="-980" t="-2663" r="-1633" b="-3269"/>
-                </a:stretch>
-              </a:blipFill>
-            </p:spPr>
-            <p:txBody>
-              <a:bodyPr/>
-              <a:lstStyle/>
-              <a:p>
-                <a:r>
-                  <a:rPr lang="pt-BR">
-                    <a:noFill/>
-                  </a:rPr>
-                  <a:t> </a:t>
-                </a:r>
-              </a:p>
-            </p:txBody>
-          </p:sp>
-        </mc:Fallback>
-      </mc:AlternateContent>
-    </p:spTree>
-    <p:extLst>
-      <p:ext uri="{BB962C8B-B14F-4D97-AF65-F5344CB8AC3E}">
-        <p14:creationId xmlns:p14="http://schemas.microsoft.com/office/powerpoint/2010/main" val="3589964661"/>
-      </p:ext>
-    </p:extLst>
-  </p:cSld>
-  <p:clrMapOvr>
-    <a:masterClrMapping/>
-  </p:clrMapOvr>
-</p:sld>
-</file>
-
-<file path=ppt/slides/slide14.xml><?xml version="1.0" encoding="utf-8"?>
-<p:sld xmlns:a="http://schemas.openxmlformats.org/drawingml/2006/main" xmlns:r="http://schemas.openxmlformats.org/officeDocument/2006/relationships" xmlns:p="http://schemas.openxmlformats.org/presentationml/2006/main">
-  <p:cSld>
-    <p:spTree>
-      <p:nvGrpSpPr>
-        <p:cNvPr id="1" name=""/>
-        <p:cNvGrpSpPr/>
-        <p:nvPr/>
-      </p:nvGrpSpPr>
-      <p:grpSpPr>
-        <a:xfrm>
-          <a:off x="0" y="0"/>
-          <a:ext cx="0" cy="0"/>
-          <a:chOff x="0" y="0"/>
-          <a:chExt cx="0" cy="0"/>
-        </a:xfrm>
-      </p:grpSpPr>
-      <p:sp>
-        <p:nvSpPr>
           <p:cNvPr id="2" name="Title 1"/>
           <p:cNvSpPr>
             <a:spLocks noGrp="1"/>
@@ -8637,6 +7065,9 @@
                   </a:rPr>
                   <a:t>= 3</a:t>
                 </a:r>
+                <a:endParaRPr lang="pt-BR" sz="3200" dirty="0">
+                  <a:latin typeface="Cambria Math" panose="02040503050406030204" pitchFamily="18" charset="0"/>
+                </a:endParaRPr>
               </a:p>
               <a:p>
                 <a14:m>
@@ -8722,8 +7153,8 @@
               <a:prstGeom prst="rect">
                 <a:avLst/>
               </a:prstGeom>
-              <a:blipFill rotWithShape="0">
-                <a:blip r:embed="rId6"/>
+              <a:blipFill>
+                <a:blip r:embed="rId5"/>
                 <a:stretch>
                   <a:fillRect t="-6224"/>
                 </a:stretch>
@@ -9884,7 +8315,7 @@
 </p:sld>
 </file>
 
-<file path=ppt/slides/slide15.xml><?xml version="1.0" encoding="utf-8"?>
+<file path=ppt/slides/slide11.xml><?xml version="1.0" encoding="utf-8"?>
 <p:sld xmlns:a="http://schemas.openxmlformats.org/drawingml/2006/main" xmlns:r="http://schemas.openxmlformats.org/officeDocument/2006/relationships" xmlns:p="http://schemas.openxmlformats.org/presentationml/2006/main">
   <p:cSld>
     <p:spTree>
@@ -9903,7 +8334,13 @@
       </p:grpSpPr>
       <p:sp>
         <p:nvSpPr>
-          <p:cNvPr id="2" name="Title 1"/>
+          <p:cNvPr id="2" name="Título 1">
+            <a:extLst>
+              <a:ext uri="{FF2B5EF4-FFF2-40B4-BE49-F238E27FC236}">
+                <a16:creationId xmlns:a16="http://schemas.microsoft.com/office/drawing/2014/main" id="{B022D379-CAA0-9DC9-CDBD-6E0EBE1BFF31}"/>
+              </a:ext>
+            </a:extLst>
+          </p:cNvPr>
           <p:cNvSpPr>
             <a:spLocks noGrp="1"/>
           </p:cNvSpPr>
@@ -9911,20 +8348,20 @@
             <p:ph type="title"/>
           </p:nvPr>
         </p:nvSpPr>
-        <p:spPr>
-          <a:xfrm>
-            <a:off x="838200" y="129151"/>
-            <a:ext cx="10515600" cy="745919"/>
-          </a:xfrm>
-        </p:spPr>
+        <p:spPr/>
         <p:txBody>
           <a:bodyPr/>
           <a:lstStyle/>
           <a:p>
             <a:r>
               <a:rPr lang="pt-BR" dirty="0"/>
-              <a:t>Regressão Softmax</a:t>
-            </a:r>
+              <a:t>Regressão </a:t>
+            </a:r>
+            <a:r>
+              <a:rPr lang="pt-BR" dirty="0" err="1"/>
+              <a:t>Softmax</a:t>
+            </a:r>
+            <a:endParaRPr lang="pt-BR" dirty="0"/>
           </a:p>
         </p:txBody>
       </p:sp>
@@ -9932,7 +8369,13 @@
         <mc:Choice Requires="a14">
           <p:sp>
             <p:nvSpPr>
-              <p:cNvPr id="3" name="Content Placeholder 2"/>
+              <p:cNvPr id="3" name="Espaço Reservado para Conteúdo 2">
+                <a:extLst>
+                  <a:ext uri="{FF2B5EF4-FFF2-40B4-BE49-F238E27FC236}">
+                    <a16:creationId xmlns:a16="http://schemas.microsoft.com/office/drawing/2014/main" id="{B68F0D74-8673-A432-A1D7-BDEF7725851A}"/>
+                  </a:ext>
+                </a:extLst>
+              </p:cNvPr>
               <p:cNvSpPr>
                 <a:spLocks noGrp="1"/>
               </p:cNvSpPr>
@@ -9940,15 +8383,10 @@
                 <p:ph idx="1"/>
               </p:nvPr>
             </p:nvSpPr>
-            <p:spPr>
-              <a:xfrm>
-                <a:off x="838200" y="1199536"/>
-                <a:ext cx="11186652" cy="5658465"/>
-              </a:xfrm>
-            </p:spPr>
+            <p:spPr/>
             <p:txBody>
               <a:bodyPr>
-                <a:normAutofit fontScale="92500" lnSpcReduction="20000"/>
+                <a:normAutofit lnSpcReduction="10000"/>
               </a:bodyPr>
               <a:lstStyle/>
               <a:p>
@@ -10056,6 +8494,134 @@
                   <a:t>Por exemplo, para um problema com 4 classes, teríamos um único classificador, mas com 4 saídas.</a:t>
                 </a:r>
               </a:p>
+            </p:txBody>
+          </p:sp>
+        </mc:Choice>
+        <mc:Fallback xmlns="">
+          <p:sp>
+            <p:nvSpPr>
+              <p:cNvPr id="3" name="Espaço Reservado para Conteúdo 2">
+                <a:extLst>
+                  <a:ext uri="{FF2B5EF4-FFF2-40B4-BE49-F238E27FC236}">
+                    <a16:creationId xmlns:a16="http://schemas.microsoft.com/office/drawing/2014/main" id="{B68F0D74-8673-A432-A1D7-BDEF7725851A}"/>
+                  </a:ext>
+                </a:extLst>
+              </p:cNvPr>
+              <p:cNvSpPr>
+                <a:spLocks noGrp="1" noRot="1" noChangeAspect="1" noMove="1" noResize="1" noEditPoints="1" noAdjustHandles="1" noChangeArrowheads="1" noChangeShapeType="1" noTextEdit="1"/>
+              </p:cNvSpPr>
+              <p:nvPr>
+                <p:ph idx="1"/>
+              </p:nvPr>
+            </p:nvSpPr>
+            <p:spPr>
+              <a:blipFill>
+                <a:blip r:embed="rId3"/>
+                <a:stretch>
+                  <a:fillRect l="-1043" t="-3081" r="-1449"/>
+                </a:stretch>
+              </a:blipFill>
+            </p:spPr>
+            <p:txBody>
+              <a:bodyPr/>
+              <a:lstStyle/>
+              <a:p>
+                <a:r>
+                  <a:rPr lang="pt-BR">
+                    <a:noFill/>
+                  </a:rPr>
+                  <a:t> </a:t>
+                </a:r>
+              </a:p>
+            </p:txBody>
+          </p:sp>
+        </mc:Fallback>
+      </mc:AlternateContent>
+    </p:spTree>
+    <p:extLst>
+      <p:ext uri="{BB962C8B-B14F-4D97-AF65-F5344CB8AC3E}">
+        <p14:creationId xmlns:p14="http://schemas.microsoft.com/office/powerpoint/2010/main" val="3107673530"/>
+      </p:ext>
+    </p:extLst>
+  </p:cSld>
+  <p:clrMapOvr>
+    <a:masterClrMapping/>
+  </p:clrMapOvr>
+</p:sld>
+</file>
+
+<file path=ppt/slides/slide12.xml><?xml version="1.0" encoding="utf-8"?>
+<p:sld xmlns:a="http://schemas.openxmlformats.org/drawingml/2006/main" xmlns:r="http://schemas.openxmlformats.org/officeDocument/2006/relationships" xmlns:p="http://schemas.openxmlformats.org/presentationml/2006/main">
+  <p:cSld>
+    <p:spTree>
+      <p:nvGrpSpPr>
+        <p:cNvPr id="1" name=""/>
+        <p:cNvGrpSpPr/>
+        <p:nvPr/>
+      </p:nvGrpSpPr>
+      <p:grpSpPr>
+        <a:xfrm>
+          <a:off x="0" y="0"/>
+          <a:ext cx="0" cy="0"/>
+          <a:chOff x="0" y="0"/>
+          <a:chExt cx="0" cy="0"/>
+        </a:xfrm>
+      </p:grpSpPr>
+      <p:sp>
+        <p:nvSpPr>
+          <p:cNvPr id="2" name="Título 1">
+            <a:extLst>
+              <a:ext uri="{FF2B5EF4-FFF2-40B4-BE49-F238E27FC236}">
+                <a16:creationId xmlns:a16="http://schemas.microsoft.com/office/drawing/2014/main" id="{519F0958-530D-D942-BA01-15C1583DD1E6}"/>
+              </a:ext>
+            </a:extLst>
+          </p:cNvPr>
+          <p:cNvSpPr>
+            <a:spLocks noGrp="1"/>
+          </p:cNvSpPr>
+          <p:nvPr>
+            <p:ph type="title"/>
+          </p:nvPr>
+        </p:nvSpPr>
+        <p:spPr/>
+        <p:txBody>
+          <a:bodyPr/>
+          <a:lstStyle/>
+          <a:p>
+            <a:r>
+              <a:rPr lang="pt-BR" dirty="0"/>
+              <a:t>Regressão </a:t>
+            </a:r>
+            <a:r>
+              <a:rPr lang="pt-BR" dirty="0" err="1"/>
+              <a:t>Softmax</a:t>
+            </a:r>
+            <a:endParaRPr lang="pt-BR" dirty="0"/>
+          </a:p>
+        </p:txBody>
+      </p:sp>
+      <mc:AlternateContent xmlns:mc="http://schemas.openxmlformats.org/markup-compatibility/2006" xmlns:a14="http://schemas.microsoft.com/office/drawing/2010/main">
+        <mc:Choice Requires="a14">
+          <p:sp>
+            <p:nvSpPr>
+              <p:cNvPr id="3" name="Espaço Reservado para Conteúdo 2">
+                <a:extLst>
+                  <a:ext uri="{FF2B5EF4-FFF2-40B4-BE49-F238E27FC236}">
+                    <a16:creationId xmlns:a16="http://schemas.microsoft.com/office/drawing/2014/main" id="{21416F72-28FB-E27C-D129-16A944A87C67}"/>
+                  </a:ext>
+                </a:extLst>
+              </p:cNvPr>
+              <p:cNvSpPr>
+                <a:spLocks noGrp="1"/>
+              </p:cNvSpPr>
+              <p:nvPr>
+                <p:ph idx="1"/>
+              </p:nvPr>
+            </p:nvSpPr>
+            <p:spPr/>
+            <p:txBody>
+              <a:bodyPr/>
+              <a:lstStyle/>
               <a:p>
                 <a:r>
                   <a:rPr lang="pt-BR" dirty="0"/>
@@ -10330,7 +8896,13 @@
         <mc:Fallback xmlns="">
           <p:sp>
             <p:nvSpPr>
-              <p:cNvPr id="3" name="Content Placeholder 2"/>
+              <p:cNvPr id="3" name="Espaço Reservado para Conteúdo 2">
+                <a:extLst>
+                  <a:ext uri="{FF2B5EF4-FFF2-40B4-BE49-F238E27FC236}">
+                    <a16:creationId xmlns:a16="http://schemas.microsoft.com/office/drawing/2014/main" id="{21416F72-28FB-E27C-D129-16A944A87C67}"/>
+                  </a:ext>
+                </a:extLst>
+              </p:cNvPr>
               <p:cNvSpPr>
                 <a:spLocks noGrp="1" noRot="1" noChangeAspect="1" noMove="1" noResize="1" noEditPoints="1" noAdjustHandles="1" noChangeArrowheads="1" noChangeShapeType="1" noTextEdit="1"/>
               </p:cNvSpPr>
@@ -10339,14 +8911,10 @@
               </p:nvPr>
             </p:nvSpPr>
             <p:spPr>
-              <a:xfrm>
-                <a:off x="838200" y="1199536"/>
-                <a:ext cx="11186652" cy="5658465"/>
-              </a:xfrm>
-              <a:blipFill rotWithShape="0">
+              <a:blipFill>
                 <a:blip r:embed="rId3"/>
                 <a:stretch>
-                  <a:fillRect l="-872" t="-2694" r="-817" b="-1724"/>
+                  <a:fillRect l="-1043" t="-2241" r="-1855"/>
                 </a:stretch>
               </a:blipFill>
             </p:spPr>
@@ -10368,7 +8936,7 @@
     </p:spTree>
     <p:extLst>
       <p:ext uri="{BB962C8B-B14F-4D97-AF65-F5344CB8AC3E}">
-        <p14:creationId xmlns:p14="http://schemas.microsoft.com/office/powerpoint/2010/main" val="2138042636"/>
+        <p14:creationId xmlns:p14="http://schemas.microsoft.com/office/powerpoint/2010/main" val="3643978432"/>
       </p:ext>
     </p:extLst>
   </p:cSld>
@@ -10378,7 +8946,87 @@
 </p:sld>
 </file>
 
-<file path=ppt/slides/slide16.xml><?xml version="1.0" encoding="utf-8"?>
+<file path=ppt/slides/slide13.xml><?xml version="1.0" encoding="utf-8"?>
+<p:sld xmlns:a="http://schemas.openxmlformats.org/drawingml/2006/main" xmlns:r="http://schemas.openxmlformats.org/officeDocument/2006/relationships" xmlns:p="http://schemas.openxmlformats.org/presentationml/2006/main">
+  <p:cSld>
+    <p:spTree>
+      <p:nvGrpSpPr>
+        <p:cNvPr id="1" name=""/>
+        <p:cNvGrpSpPr/>
+        <p:nvPr/>
+      </p:nvGrpSpPr>
+      <p:grpSpPr>
+        <a:xfrm>
+          <a:off x="0" y="0"/>
+          <a:ext cx="0" cy="0"/>
+          <a:chOff x="0" y="0"/>
+          <a:chExt cx="0" cy="0"/>
+        </a:xfrm>
+      </p:grpSpPr>
+      <p:sp>
+        <p:nvSpPr>
+          <p:cNvPr id="2" name="Título 1">
+            <a:extLst>
+              <a:ext uri="{FF2B5EF4-FFF2-40B4-BE49-F238E27FC236}">
+                <a16:creationId xmlns:a16="http://schemas.microsoft.com/office/drawing/2014/main" id="{DCD47F25-5DD1-794E-8733-BFD771A2DE49}"/>
+              </a:ext>
+            </a:extLst>
+          </p:cNvPr>
+          <p:cNvSpPr>
+            <a:spLocks noGrp="1"/>
+          </p:cNvSpPr>
+          <p:nvPr>
+            <p:ph type="title"/>
+          </p:nvPr>
+        </p:nvSpPr>
+        <p:spPr/>
+        <p:txBody>
+          <a:bodyPr/>
+          <a:lstStyle/>
+          <a:p>
+            <a:endParaRPr lang="pt-BR"/>
+          </a:p>
+        </p:txBody>
+      </p:sp>
+      <p:sp>
+        <p:nvSpPr>
+          <p:cNvPr id="3" name="Espaço Reservado para Conteúdo 2">
+            <a:extLst>
+              <a:ext uri="{FF2B5EF4-FFF2-40B4-BE49-F238E27FC236}">
+                <a16:creationId xmlns:a16="http://schemas.microsoft.com/office/drawing/2014/main" id="{D79BB7DC-99E7-8958-EC77-566B7E3C2BBB}"/>
+              </a:ext>
+            </a:extLst>
+          </p:cNvPr>
+          <p:cNvSpPr>
+            <a:spLocks noGrp="1"/>
+          </p:cNvSpPr>
+          <p:nvPr>
+            <p:ph idx="1"/>
+          </p:nvPr>
+        </p:nvSpPr>
+        <p:spPr/>
+        <p:txBody>
+          <a:bodyPr/>
+          <a:lstStyle/>
+          <a:p>
+            <a:endParaRPr lang="pt-BR"/>
+          </a:p>
+        </p:txBody>
+      </p:sp>
+    </p:spTree>
+    <p:extLst>
+      <p:ext uri="{BB962C8B-B14F-4D97-AF65-F5344CB8AC3E}">
+        <p14:creationId xmlns:p14="http://schemas.microsoft.com/office/powerpoint/2010/main" val="891545203"/>
+      </p:ext>
+    </p:extLst>
+  </p:cSld>
+  <p:clrMapOvr>
+    <a:masterClrMapping/>
+  </p:clrMapOvr>
+</p:sld>
+</file>
+
+<file path=ppt/slides/slide14.xml><?xml version="1.0" encoding="utf-8"?>
 <p:sld xmlns:a="http://schemas.openxmlformats.org/drawingml/2006/main" xmlns:r="http://schemas.openxmlformats.org/officeDocument/2006/relationships" xmlns:p="http://schemas.openxmlformats.org/presentationml/2006/main">
   <p:cSld>
     <p:spTree>
@@ -11810,15 +10458,7 @@
                 </a:r>
                 <a:r>
                   <a:rPr lang="pt-BR" dirty="0"/>
-                  <a:t>ao mundo </a:t>
-                </a:r>
-                <a:r>
-                  <a:rPr lang="pt-BR" dirty="0" err="1"/>
-                  <a:t>multi-classes</a:t>
-                </a:r>
-                <a:r>
-                  <a:rPr lang="pt-BR" dirty="0"/>
-                  <a:t>.</a:t>
+                  <a:t>ao mundo multi-classes.</a:t>
                 </a:r>
               </a:p>
               <a:p>
@@ -12716,7 +11356,7 @@
 </p:sld>
 </file>
 
-<file path=ppt/slides/slide17.xml><?xml version="1.0" encoding="utf-8"?>
+<file path=ppt/slides/slide15.xml><?xml version="1.0" encoding="utf-8"?>
 <p:sld xmlns:a="http://schemas.openxmlformats.org/drawingml/2006/main" xmlns:r="http://schemas.openxmlformats.org/officeDocument/2006/relationships" xmlns:p="http://schemas.openxmlformats.org/presentationml/2006/main">
   <p:cSld>
     <p:spTree>
@@ -12755,8 +11395,8 @@
           </a:p>
         </p:txBody>
       </p:sp>
-      <mc:AlternateContent xmlns:mc="http://schemas.openxmlformats.org/markup-compatibility/2006">
-        <mc:Choice xmlns:a14="http://schemas.microsoft.com/office/drawing/2010/main" Requires="a14">
+      <mc:AlternateContent xmlns:mc="http://schemas.openxmlformats.org/markup-compatibility/2006" xmlns:a14="http://schemas.microsoft.com/office/drawing/2010/main">
+        <mc:Choice Requires="a14">
           <p:sp>
             <p:nvSpPr>
               <p:cNvPr id="3" name="Content Placeholder 2"/>
@@ -13449,7 +12089,7 @@
             </p:txBody>
           </p:sp>
         </mc:Choice>
-        <mc:Fallback>
+        <mc:Fallback xmlns="">
           <p:sp>
             <p:nvSpPr>
               <p:cNvPr id="3" name="Content Placeholder 2"/>
@@ -13666,7 +12306,7 @@
 </p:sld>
 </file>
 
-<file path=ppt/slides/slide18.xml><?xml version="1.0" encoding="utf-8"?>
+<file path=ppt/slides/slide16.xml><?xml version="1.0" encoding="utf-8"?>
 <p:sld xmlns:a="http://schemas.openxmlformats.org/drawingml/2006/main" xmlns:r="http://schemas.openxmlformats.org/officeDocument/2006/relationships" xmlns:p="http://schemas.openxmlformats.org/presentationml/2006/main">
   <p:cSld>
     <p:spTree>
@@ -15242,7 +13882,7 @@
 </p:sld>
 </file>
 
-<file path=ppt/slides/slide19.xml><?xml version="1.0" encoding="utf-8"?>
+<file path=ppt/slides/slide17.xml><?xml version="1.0" encoding="utf-8"?>
 <p:sld xmlns:a="http://schemas.openxmlformats.org/drawingml/2006/main" xmlns:r="http://schemas.openxmlformats.org/officeDocument/2006/relationships" xmlns:p="http://schemas.openxmlformats.org/presentationml/2006/main">
   <p:cSld>
     <p:spTree>
@@ -16479,176 +15119,7 @@
 </p:sld>
 </file>
 
-<file path=ppt/slides/slide2.xml><?xml version="1.0" encoding="utf-8"?>
-<p:sld xmlns:a="http://schemas.openxmlformats.org/drawingml/2006/main" xmlns:r="http://schemas.openxmlformats.org/officeDocument/2006/relationships" xmlns:p="http://schemas.openxmlformats.org/presentationml/2006/main">
-  <p:cSld>
-    <p:spTree>
-      <p:nvGrpSpPr>
-        <p:cNvPr id="1" name=""/>
-        <p:cNvGrpSpPr/>
-        <p:nvPr/>
-      </p:nvGrpSpPr>
-      <p:grpSpPr>
-        <a:xfrm>
-          <a:off x="0" y="0"/>
-          <a:ext cx="0" cy="0"/>
-          <a:chOff x="0" y="0"/>
-          <a:chExt cx="0" cy="0"/>
-        </a:xfrm>
-      </p:grpSpPr>
-      <p:sp>
-        <p:nvSpPr>
-          <p:cNvPr id="2" name="Title 1"/>
-          <p:cNvSpPr>
-            <a:spLocks noGrp="1"/>
-          </p:cNvSpPr>
-          <p:nvPr>
-            <p:ph type="tit